--- a/Pres.pptx
+++ b/Pres.pptx
@@ -105,6 +105,11 @@
       </a:defRPr>
     </a:lvl9pPr>
   </p:defaultTextStyle>
+  <p:extLst>
+    <p:ext uri="{EFAFB233-063F-42B5-8137-9DF3F51BA10A}">
+      <p15:sldGuideLst xmlns:p15="http://schemas.microsoft.com/office/powerpoint/2012/main"/>
+    </p:ext>
+  </p:extLst>
 </p:presentation>
 </file>
 
@@ -3343,7 +3348,14 @@
           <a:bodyPr/>
           <a:lstStyle/>
           <a:p>
-            <a:endParaRPr lang="de-DE"/>
+            <a:r>
+              <a:rPr lang="de-DE" dirty="0" err="1"/>
+              <a:t>Principle</a:t>
+            </a:r>
+            <a:r>
+              <a:rPr lang="de-DE" dirty="0"/>
+              <a:t>:</a:t>
+            </a:r>
           </a:p>
         </p:txBody>
       </p:sp>
@@ -3368,7 +3380,80 @@
           <a:bodyPr/>
           <a:lstStyle/>
           <a:p>
-            <a:endParaRPr lang="de-DE"/>
+            <a:r>
+              <a:rPr lang="de-DE" dirty="0"/>
+              <a:t>URI-Path   -&gt;   Handler </a:t>
+            </a:r>
+            <a:r>
+              <a:rPr lang="de-DE" dirty="0" err="1"/>
+              <a:t>Function</a:t>
+            </a:r>
+            <a:endParaRPr lang="de-DE" dirty="0"/>
+          </a:p>
+          <a:p>
+            <a:r>
+              <a:rPr lang="de-AT" b="0" dirty="0">
+                <a:solidFill>
+                  <a:srgbClr val="CE9178"/>
+                </a:solidFill>
+                <a:effectLst/>
+                <a:latin typeface="Menlo" panose="020B0609030804020204" pitchFamily="49" charset="0"/>
+              </a:rPr>
+              <a:t>"/"</a:t>
+            </a:r>
+            <a:r>
+              <a:rPr lang="de-AT" b="0" dirty="0">
+                <a:solidFill>
+                  <a:srgbClr val="CCCCCC"/>
+                </a:solidFill>
+                <a:effectLst/>
+                <a:latin typeface="Menlo" panose="020B0609030804020204" pitchFamily="49" charset="0"/>
+              </a:rPr>
+              <a:t> </a:t>
+            </a:r>
+            <a:r>
+              <a:rPr lang="de-AT" b="0" dirty="0">
+                <a:solidFill>
+                  <a:srgbClr val="D4D4D4"/>
+                </a:solidFill>
+                <a:effectLst/>
+                <a:latin typeface="Menlo" panose="020B0609030804020204" pitchFamily="49" charset="0"/>
+              </a:rPr>
+              <a:t>-&gt;</a:t>
+            </a:r>
+            <a:r>
+              <a:rPr lang="de-AT" b="0" dirty="0">
+                <a:solidFill>
+                  <a:srgbClr val="CCCCCC"/>
+                </a:solidFill>
+                <a:effectLst/>
+                <a:latin typeface="Menlo" panose="020B0609030804020204" pitchFamily="49" charset="0"/>
+              </a:rPr>
+              <a:t> </a:t>
+            </a:r>
+            <a:r>
+              <a:rPr lang="de-AT" b="0" dirty="0" err="1">
+                <a:solidFill>
+                  <a:srgbClr val="569CD6"/>
+                </a:solidFill>
+                <a:effectLst/>
+                <a:latin typeface="Menlo" panose="020B0609030804020204" pitchFamily="49" charset="0"/>
+              </a:rPr>
+              <a:t>fn</a:t>
+            </a:r>
+            <a:r>
+              <a:rPr lang="de-AT" b="0" dirty="0">
+                <a:solidFill>
+                  <a:srgbClr val="CCCCCC"/>
+                </a:solidFill>
+                <a:effectLst/>
+                <a:latin typeface="Menlo" panose="020B0609030804020204" pitchFamily="49" charset="0"/>
+              </a:rPr>
+              <a:t>()</a:t>
+            </a:r>
+          </a:p>
+          <a:p>
+            <a:endParaRPr lang="de-DE" dirty="0"/>
           </a:p>
         </p:txBody>
       </p:sp>

--- a/Pres.pptx
+++ b/Pres.pptx
@@ -5,8 +5,9 @@
     <p:sldMasterId id="2147483648" r:id="rId1"/>
   </p:sldMasterIdLst>
   <p:sldIdLst>
-    <p:sldId id="256" r:id="rId2"/>
-    <p:sldId id="257" r:id="rId3"/>
+    <p:sldId id="258" r:id="rId2"/>
+    <p:sldId id="256" r:id="rId3"/>
+    <p:sldId id="257" r:id="rId4"/>
   </p:sldIdLst>
   <p:sldSz cx="12192000" cy="6858000"/>
   <p:notesSz cx="6858000" cy="9144000"/>
@@ -3332,135 +3333,71 @@
           <p:cNvPr id="2" name="Titel 1">
             <a:extLst>
               <a:ext uri="{FF2B5EF4-FFF2-40B4-BE49-F238E27FC236}">
-                <a16:creationId xmlns:a16="http://schemas.microsoft.com/office/drawing/2014/main" id="{1CC032B2-C826-B971-6C23-57E68768982A}"/>
-              </a:ext>
-            </a:extLst>
-          </p:cNvPr>
-          <p:cNvSpPr>
-            <a:spLocks noGrp="1"/>
-          </p:cNvSpPr>
-          <p:nvPr>
-            <p:ph type="ctrTitle"/>
-          </p:nvPr>
-        </p:nvSpPr>
-        <p:spPr/>
-        <p:txBody>
-          <a:bodyPr/>
-          <a:lstStyle/>
+                <a16:creationId xmlns:a16="http://schemas.microsoft.com/office/drawing/2014/main" id="{52923CB2-3A15-F0D7-133F-B9DC5C934EFF}"/>
+              </a:ext>
+            </a:extLst>
+          </p:cNvPr>
+          <p:cNvSpPr>
+            <a:spLocks noGrp="1"/>
+          </p:cNvSpPr>
+          <p:nvPr>
+            <p:ph type="title"/>
+          </p:nvPr>
+        </p:nvSpPr>
+        <p:spPr/>
+        <p:txBody>
+          <a:bodyPr/>
+          <a:lstStyle/>
+          <a:p>
+            <a:r>
+              <a:rPr lang="de-DE" dirty="0"/>
+              <a:t>Frameworks</a:t>
+            </a:r>
+          </a:p>
+        </p:txBody>
+      </p:sp>
+      <p:sp>
+        <p:nvSpPr>
+          <p:cNvPr id="3" name="Inhaltsplatzhalter 2">
+            <a:extLst>
+              <a:ext uri="{FF2B5EF4-FFF2-40B4-BE49-F238E27FC236}">
+                <a16:creationId xmlns:a16="http://schemas.microsoft.com/office/drawing/2014/main" id="{61E8B97F-54A9-E12D-9A19-3178AB7A887C}"/>
+              </a:ext>
+            </a:extLst>
+          </p:cNvPr>
+          <p:cNvSpPr>
+            <a:spLocks noGrp="1"/>
+          </p:cNvSpPr>
+          <p:nvPr>
+            <p:ph idx="1"/>
+          </p:nvPr>
+        </p:nvSpPr>
+        <p:spPr/>
+        <p:txBody>
+          <a:bodyPr/>
+          <a:lstStyle/>
+          <a:p>
+            <a:r>
+              <a:rPr lang="de-DE" dirty="0"/>
+              <a:t>Rocket</a:t>
+            </a:r>
+          </a:p>
           <a:p>
             <a:r>
               <a:rPr lang="de-DE" dirty="0" err="1"/>
-              <a:t>Principle</a:t>
+              <a:t>Actix</a:t>
             </a:r>
             <a:r>
               <a:rPr lang="de-DE" dirty="0"/>
-              <a:t>:</a:t>
-            </a:r>
-          </a:p>
-        </p:txBody>
-      </p:sp>
-      <p:sp>
-        <p:nvSpPr>
-          <p:cNvPr id="3" name="Untertitel 2">
-            <a:extLst>
-              <a:ext uri="{FF2B5EF4-FFF2-40B4-BE49-F238E27FC236}">
-                <a16:creationId xmlns:a16="http://schemas.microsoft.com/office/drawing/2014/main" id="{91D3E1D6-4E92-3CF3-79A0-C3D06EECF650}"/>
-              </a:ext>
-            </a:extLst>
-          </p:cNvPr>
-          <p:cNvSpPr>
-            <a:spLocks noGrp="1"/>
-          </p:cNvSpPr>
-          <p:nvPr>
-            <p:ph type="subTitle" idx="1"/>
-          </p:nvPr>
-        </p:nvSpPr>
-        <p:spPr/>
-        <p:txBody>
-          <a:bodyPr/>
-          <a:lstStyle/>
-          <a:p>
-            <a:r>
-              <a:rPr lang="de-DE" dirty="0"/>
-              <a:t>URI-Path   -&gt;   Handler </a:t>
-            </a:r>
-            <a:r>
-              <a:rPr lang="de-DE" dirty="0" err="1"/>
-              <a:t>Function</a:t>
-            </a:r>
-            <a:endParaRPr lang="de-DE" dirty="0"/>
-          </a:p>
-          <a:p>
-            <a:r>
-              <a:rPr lang="de-AT" b="0" dirty="0">
-                <a:solidFill>
-                  <a:srgbClr val="CE9178"/>
-                </a:solidFill>
-                <a:effectLst/>
-                <a:latin typeface="Menlo" panose="020B0609030804020204" pitchFamily="49" charset="0"/>
-              </a:rPr>
-              <a:t>"/"</a:t>
-            </a:r>
-            <a:r>
-              <a:rPr lang="de-AT" b="0" dirty="0">
-                <a:solidFill>
-                  <a:srgbClr val="CCCCCC"/>
-                </a:solidFill>
-                <a:effectLst/>
-                <a:latin typeface="Menlo" panose="020B0609030804020204" pitchFamily="49" charset="0"/>
-              </a:rPr>
-              <a:t> </a:t>
-            </a:r>
-            <a:r>
-              <a:rPr lang="de-AT" b="0" dirty="0">
-                <a:solidFill>
-                  <a:srgbClr val="D4D4D4"/>
-                </a:solidFill>
-                <a:effectLst/>
-                <a:latin typeface="Menlo" panose="020B0609030804020204" pitchFamily="49" charset="0"/>
-              </a:rPr>
-              <a:t>-&gt;</a:t>
-            </a:r>
-            <a:r>
-              <a:rPr lang="de-AT" b="0" dirty="0">
-                <a:solidFill>
-                  <a:srgbClr val="CCCCCC"/>
-                </a:solidFill>
-                <a:effectLst/>
-                <a:latin typeface="Menlo" panose="020B0609030804020204" pitchFamily="49" charset="0"/>
-              </a:rPr>
-              <a:t> </a:t>
-            </a:r>
-            <a:r>
-              <a:rPr lang="de-AT" b="0" dirty="0" err="1">
-                <a:solidFill>
-                  <a:srgbClr val="569CD6"/>
-                </a:solidFill>
-                <a:effectLst/>
-                <a:latin typeface="Menlo" panose="020B0609030804020204" pitchFamily="49" charset="0"/>
-              </a:rPr>
-              <a:t>fn</a:t>
-            </a:r>
-            <a:r>
-              <a:rPr lang="de-AT" b="0" dirty="0">
-                <a:solidFill>
-                  <a:srgbClr val="CCCCCC"/>
-                </a:solidFill>
-                <a:effectLst/>
-                <a:latin typeface="Menlo" panose="020B0609030804020204" pitchFamily="49" charset="0"/>
-              </a:rPr>
-              <a:t>()</a:t>
-            </a:r>
-          </a:p>
-          <a:p>
-            <a:endParaRPr lang="de-DE" dirty="0"/>
+              <a:t> Web</a:t>
+            </a:r>
           </a:p>
         </p:txBody>
       </p:sp>
     </p:spTree>
     <p:extLst>
       <p:ext uri="{BB962C8B-B14F-4D97-AF65-F5344CB8AC3E}">
-        <p14:creationId xmlns:p14="http://schemas.microsoft.com/office/powerpoint/2010/main" val="1296110748"/>
+        <p14:creationId xmlns:p14="http://schemas.microsoft.com/office/powerpoint/2010/main" val="4147237148"/>
       </p:ext>
     </p:extLst>
   </p:cSld>
@@ -3492,6 +3429,166 @@
           <p:cNvPr id="2" name="Titel 1">
             <a:extLst>
               <a:ext uri="{FF2B5EF4-FFF2-40B4-BE49-F238E27FC236}">
+                <a16:creationId xmlns:a16="http://schemas.microsoft.com/office/drawing/2014/main" id="{1CC032B2-C826-B971-6C23-57E68768982A}"/>
+              </a:ext>
+            </a:extLst>
+          </p:cNvPr>
+          <p:cNvSpPr>
+            <a:spLocks noGrp="1"/>
+          </p:cNvSpPr>
+          <p:nvPr>
+            <p:ph type="ctrTitle"/>
+          </p:nvPr>
+        </p:nvSpPr>
+        <p:spPr/>
+        <p:txBody>
+          <a:bodyPr/>
+          <a:lstStyle/>
+          <a:p>
+            <a:r>
+              <a:rPr lang="de-DE" dirty="0" err="1"/>
+              <a:t>Principle</a:t>
+            </a:r>
+            <a:r>
+              <a:rPr lang="de-DE" dirty="0"/>
+              <a:t>:</a:t>
+            </a:r>
+          </a:p>
+        </p:txBody>
+      </p:sp>
+      <p:sp>
+        <p:nvSpPr>
+          <p:cNvPr id="3" name="Untertitel 2">
+            <a:extLst>
+              <a:ext uri="{FF2B5EF4-FFF2-40B4-BE49-F238E27FC236}">
+                <a16:creationId xmlns:a16="http://schemas.microsoft.com/office/drawing/2014/main" id="{91D3E1D6-4E92-3CF3-79A0-C3D06EECF650}"/>
+              </a:ext>
+            </a:extLst>
+          </p:cNvPr>
+          <p:cNvSpPr>
+            <a:spLocks noGrp="1"/>
+          </p:cNvSpPr>
+          <p:nvPr>
+            <p:ph type="subTitle" idx="1"/>
+          </p:nvPr>
+        </p:nvSpPr>
+        <p:spPr/>
+        <p:txBody>
+          <a:bodyPr/>
+          <a:lstStyle/>
+          <a:p>
+            <a:r>
+              <a:rPr lang="de-DE" dirty="0"/>
+              <a:t>URI-Path   -&gt;   Handler </a:t>
+            </a:r>
+            <a:r>
+              <a:rPr lang="de-DE" dirty="0" err="1"/>
+              <a:t>Function</a:t>
+            </a:r>
+            <a:endParaRPr lang="de-DE" dirty="0"/>
+          </a:p>
+          <a:p>
+            <a:r>
+              <a:rPr lang="de-AT" b="0" dirty="0">
+                <a:solidFill>
+                  <a:srgbClr val="CE9178"/>
+                </a:solidFill>
+                <a:effectLst/>
+                <a:latin typeface="Menlo" panose="020B0609030804020204" pitchFamily="49" charset="0"/>
+              </a:rPr>
+              <a:t>"/"</a:t>
+            </a:r>
+            <a:r>
+              <a:rPr lang="de-AT" b="0" dirty="0">
+                <a:solidFill>
+                  <a:srgbClr val="CCCCCC"/>
+                </a:solidFill>
+                <a:effectLst/>
+                <a:latin typeface="Menlo" panose="020B0609030804020204" pitchFamily="49" charset="0"/>
+              </a:rPr>
+              <a:t> </a:t>
+            </a:r>
+            <a:r>
+              <a:rPr lang="de-AT" b="0" dirty="0">
+                <a:solidFill>
+                  <a:srgbClr val="D4D4D4"/>
+                </a:solidFill>
+                <a:effectLst/>
+                <a:latin typeface="Menlo" panose="020B0609030804020204" pitchFamily="49" charset="0"/>
+              </a:rPr>
+              <a:t>-&gt;</a:t>
+            </a:r>
+            <a:r>
+              <a:rPr lang="de-AT" b="0" dirty="0">
+                <a:solidFill>
+                  <a:srgbClr val="CCCCCC"/>
+                </a:solidFill>
+                <a:effectLst/>
+                <a:latin typeface="Menlo" panose="020B0609030804020204" pitchFamily="49" charset="0"/>
+              </a:rPr>
+              <a:t> </a:t>
+            </a:r>
+            <a:r>
+              <a:rPr lang="de-AT" b="0" dirty="0" err="1">
+                <a:solidFill>
+                  <a:srgbClr val="569CD6"/>
+                </a:solidFill>
+                <a:effectLst/>
+                <a:latin typeface="Menlo" panose="020B0609030804020204" pitchFamily="49" charset="0"/>
+              </a:rPr>
+              <a:t>fn</a:t>
+            </a:r>
+            <a:r>
+              <a:rPr lang="de-AT" b="0" dirty="0">
+                <a:solidFill>
+                  <a:srgbClr val="CCCCCC"/>
+                </a:solidFill>
+                <a:effectLst/>
+                <a:latin typeface="Menlo" panose="020B0609030804020204" pitchFamily="49" charset="0"/>
+              </a:rPr>
+              <a:t>()</a:t>
+            </a:r>
+          </a:p>
+          <a:p>
+            <a:endParaRPr lang="de-DE" dirty="0"/>
+          </a:p>
+        </p:txBody>
+      </p:sp>
+    </p:spTree>
+    <p:extLst>
+      <p:ext uri="{BB962C8B-B14F-4D97-AF65-F5344CB8AC3E}">
+        <p14:creationId xmlns:p14="http://schemas.microsoft.com/office/powerpoint/2010/main" val="1296110748"/>
+      </p:ext>
+    </p:extLst>
+  </p:cSld>
+  <p:clrMapOvr>
+    <a:masterClrMapping/>
+  </p:clrMapOvr>
+</p:sld>
+</file>
+
+<file path=ppt/slides/slide3.xml><?xml version="1.0" encoding="utf-8"?>
+<p:sld xmlns:a="http://schemas.openxmlformats.org/drawingml/2006/main" xmlns:r="http://schemas.openxmlformats.org/officeDocument/2006/relationships" xmlns:p="http://schemas.openxmlformats.org/presentationml/2006/main">
+  <p:cSld>
+    <p:spTree>
+      <p:nvGrpSpPr>
+        <p:cNvPr id="1" name=""/>
+        <p:cNvGrpSpPr/>
+        <p:nvPr/>
+      </p:nvGrpSpPr>
+      <p:grpSpPr>
+        <a:xfrm>
+          <a:off x="0" y="0"/>
+          <a:ext cx="0" cy="0"/>
+          <a:chOff x="0" y="0"/>
+          <a:chExt cx="0" cy="0"/>
+        </a:xfrm>
+      </p:grpSpPr>
+      <p:sp>
+        <p:nvSpPr>
+          <p:cNvPr id="2" name="Titel 1">
+            <a:extLst>
+              <a:ext uri="{FF2B5EF4-FFF2-40B4-BE49-F238E27FC236}">
                 <a16:creationId xmlns:a16="http://schemas.microsoft.com/office/drawing/2014/main" id="{78EE578B-479B-F841-3656-F3D607163B37}"/>
               </a:ext>
             </a:extLst>
@@ -3533,7 +3630,321 @@
           <a:bodyPr/>
           <a:lstStyle/>
           <a:p>
-            <a:endParaRPr lang="de-DE" dirty="0"/>
+            <a:pPr marL="0" indent="0">
+              <a:buNone/>
+            </a:pPr>
+            <a:r>
+              <a:rPr lang="de-AT" sz="3600" b="0" dirty="0" err="1">
+                <a:solidFill>
+                  <a:srgbClr val="4EC9B0"/>
+                </a:solidFill>
+                <a:effectLst/>
+                <a:latin typeface="Menlo" panose="020B0609030804020204" pitchFamily="49" charset="0"/>
+              </a:rPr>
+              <a:t>HttpServer</a:t>
+            </a:r>
+            <a:endParaRPr lang="de-AT" sz="3600" dirty="0">
+              <a:solidFill>
+                <a:srgbClr val="CCCCCC"/>
+              </a:solidFill>
+              <a:latin typeface="Menlo" panose="020B0609030804020204" pitchFamily="49" charset="0"/>
+            </a:endParaRPr>
+          </a:p>
+          <a:p>
+            <a:pPr marL="0" indent="0">
+              <a:buNone/>
+            </a:pPr>
+            <a:br>
+              <a:rPr lang="de-AT" b="0" dirty="0">
+                <a:solidFill>
+                  <a:srgbClr val="CCCCCC"/>
+                </a:solidFill>
+                <a:effectLst/>
+                <a:latin typeface="Menlo" panose="020B0609030804020204" pitchFamily="49" charset="0"/>
+              </a:rPr>
+            </a:br>
+            <a:r>
+              <a:rPr lang="de-AT" b="0" dirty="0">
+                <a:solidFill>
+                  <a:srgbClr val="CCCCCC"/>
+                </a:solidFill>
+                <a:effectLst/>
+                <a:latin typeface="Menlo" panose="020B0609030804020204" pitchFamily="49" charset="0"/>
+              </a:rPr>
+              <a:t>	</a:t>
+            </a:r>
+            <a:r>
+              <a:rPr lang="de-AT" sz="3200" b="0" dirty="0">
+                <a:solidFill>
+                  <a:srgbClr val="4EC9B0"/>
+                </a:solidFill>
+                <a:effectLst/>
+                <a:latin typeface="Menlo" panose="020B0609030804020204" pitchFamily="49" charset="0"/>
+              </a:rPr>
+              <a:t>App</a:t>
+            </a:r>
+            <a:endParaRPr lang="de-AT" sz="3200" b="0" dirty="0">
+              <a:solidFill>
+                <a:srgbClr val="CCCCCC"/>
+              </a:solidFill>
+              <a:effectLst/>
+              <a:latin typeface="Menlo" panose="020B0609030804020204" pitchFamily="49" charset="0"/>
+            </a:endParaRPr>
+          </a:p>
+          <a:p>
+            <a:pPr lvl="3"/>
+            <a:r>
+              <a:rPr lang="de-AT" sz="2400" b="0" dirty="0">
+                <a:solidFill>
+                  <a:srgbClr val="CCCCCC"/>
+                </a:solidFill>
+                <a:effectLst/>
+                <a:latin typeface="Menlo" panose="020B0609030804020204" pitchFamily="49" charset="0"/>
+              </a:rPr>
+              <a:t>URI</a:t>
+            </a:r>
+            <a:r>
+              <a:rPr lang="de-AT" sz="2400" b="0" dirty="0">
+                <a:solidFill>
+                  <a:srgbClr val="D4D4D4"/>
+                </a:solidFill>
+                <a:effectLst/>
+                <a:latin typeface="Menlo" panose="020B0609030804020204" pitchFamily="49" charset="0"/>
+              </a:rPr>
+              <a:t>-</a:t>
+            </a:r>
+            <a:r>
+              <a:rPr lang="de-AT" sz="2400" b="0" dirty="0">
+                <a:solidFill>
+                  <a:srgbClr val="4EC9B0"/>
+                </a:solidFill>
+                <a:effectLst/>
+                <a:latin typeface="Menlo" panose="020B0609030804020204" pitchFamily="49" charset="0"/>
+              </a:rPr>
+              <a:t>Path</a:t>
+            </a:r>
+            <a:r>
+              <a:rPr lang="de-AT" sz="2400" b="0" dirty="0">
+                <a:solidFill>
+                  <a:srgbClr val="CCCCCC"/>
+                </a:solidFill>
+                <a:effectLst/>
+                <a:latin typeface="Menlo" panose="020B0609030804020204" pitchFamily="49" charset="0"/>
+              </a:rPr>
+              <a:t> </a:t>
+            </a:r>
+            <a:r>
+              <a:rPr lang="de-AT" sz="2400" b="0" dirty="0">
+                <a:solidFill>
+                  <a:srgbClr val="D4D4D4"/>
+                </a:solidFill>
+                <a:effectLst/>
+                <a:latin typeface="Menlo" panose="020B0609030804020204" pitchFamily="49" charset="0"/>
+              </a:rPr>
+              <a:t>-&gt;</a:t>
+            </a:r>
+            <a:r>
+              <a:rPr lang="de-AT" sz="2400" b="0" dirty="0">
+                <a:solidFill>
+                  <a:srgbClr val="CCCCCC"/>
+                </a:solidFill>
+                <a:effectLst/>
+                <a:latin typeface="Menlo" panose="020B0609030804020204" pitchFamily="49" charset="0"/>
+              </a:rPr>
+              <a:t> </a:t>
+            </a:r>
+            <a:r>
+              <a:rPr lang="de-AT" sz="2400" b="0" dirty="0">
+                <a:solidFill>
+                  <a:srgbClr val="4EC9B0"/>
+                </a:solidFill>
+                <a:effectLst/>
+                <a:latin typeface="Menlo" panose="020B0609030804020204" pitchFamily="49" charset="0"/>
+              </a:rPr>
+              <a:t>Handler</a:t>
+            </a:r>
+            <a:r>
+              <a:rPr lang="de-AT" sz="2400" b="0" dirty="0">
+                <a:solidFill>
+                  <a:srgbClr val="CCCCCC"/>
+                </a:solidFill>
+                <a:effectLst/>
+                <a:latin typeface="Menlo" panose="020B0609030804020204" pitchFamily="49" charset="0"/>
+              </a:rPr>
+              <a:t> </a:t>
+            </a:r>
+            <a:r>
+              <a:rPr lang="de-AT" sz="2400" b="0" dirty="0" err="1">
+                <a:solidFill>
+                  <a:srgbClr val="4EC9B0"/>
+                </a:solidFill>
+                <a:effectLst/>
+                <a:latin typeface="Menlo" panose="020B0609030804020204" pitchFamily="49" charset="0"/>
+              </a:rPr>
+              <a:t>Function</a:t>
+            </a:r>
+            <a:endParaRPr lang="de-AT" sz="2400" b="0" dirty="0">
+              <a:solidFill>
+                <a:srgbClr val="CCCCCC"/>
+              </a:solidFill>
+              <a:effectLst/>
+              <a:latin typeface="Menlo" panose="020B0609030804020204" pitchFamily="49" charset="0"/>
+            </a:endParaRPr>
+          </a:p>
+          <a:p>
+            <a:pPr lvl="3"/>
+            <a:r>
+              <a:rPr lang="de-AT" sz="2400" b="0" dirty="0">
+                <a:solidFill>
+                  <a:srgbClr val="CE9178"/>
+                </a:solidFill>
+                <a:effectLst/>
+                <a:latin typeface="Menlo" panose="020B0609030804020204" pitchFamily="49" charset="0"/>
+              </a:rPr>
+              <a:t>"/"</a:t>
+            </a:r>
+            <a:r>
+              <a:rPr lang="de-AT" sz="2400" b="0" dirty="0">
+                <a:solidFill>
+                  <a:srgbClr val="CCCCCC"/>
+                </a:solidFill>
+                <a:effectLst/>
+                <a:latin typeface="Menlo" panose="020B0609030804020204" pitchFamily="49" charset="0"/>
+              </a:rPr>
+              <a:t> </a:t>
+            </a:r>
+            <a:r>
+              <a:rPr lang="de-AT" sz="2400" b="0" dirty="0">
+                <a:solidFill>
+                  <a:srgbClr val="D4D4D4"/>
+                </a:solidFill>
+                <a:effectLst/>
+                <a:latin typeface="Menlo" panose="020B0609030804020204" pitchFamily="49" charset="0"/>
+              </a:rPr>
+              <a:t>-&gt;</a:t>
+            </a:r>
+            <a:r>
+              <a:rPr lang="de-AT" sz="2400" b="0" dirty="0">
+                <a:solidFill>
+                  <a:srgbClr val="CCCCCC"/>
+                </a:solidFill>
+                <a:effectLst/>
+                <a:latin typeface="Menlo" panose="020B0609030804020204" pitchFamily="49" charset="0"/>
+              </a:rPr>
+              <a:t> </a:t>
+            </a:r>
+            <a:r>
+              <a:rPr lang="de-AT" sz="2400" b="0" dirty="0" err="1">
+                <a:solidFill>
+                  <a:srgbClr val="569CD6"/>
+                </a:solidFill>
+                <a:effectLst/>
+                <a:latin typeface="Menlo" panose="020B0609030804020204" pitchFamily="49" charset="0"/>
+              </a:rPr>
+              <a:t>fn</a:t>
+            </a:r>
+            <a:r>
+              <a:rPr lang="de-AT" sz="2400" b="0" dirty="0">
+                <a:solidFill>
+                  <a:srgbClr val="CCCCCC"/>
+                </a:solidFill>
+                <a:effectLst/>
+                <a:latin typeface="Menlo" panose="020B0609030804020204" pitchFamily="49" charset="0"/>
+              </a:rPr>
+              <a:t>()</a:t>
+            </a:r>
+          </a:p>
+          <a:p>
+            <a:pPr lvl="3"/>
+            <a:r>
+              <a:rPr lang="de-AT" sz="2400" b="0" dirty="0">
+                <a:solidFill>
+                  <a:srgbClr val="CE9178"/>
+                </a:solidFill>
+                <a:effectLst/>
+                <a:latin typeface="Menlo" panose="020B0609030804020204" pitchFamily="49" charset="0"/>
+              </a:rPr>
+              <a:t>"/</a:t>
+            </a:r>
+            <a:r>
+              <a:rPr lang="de-AT" sz="2400" b="0" dirty="0" err="1">
+                <a:solidFill>
+                  <a:srgbClr val="CE9178"/>
+                </a:solidFill>
+                <a:effectLst/>
+                <a:latin typeface="Menlo" panose="020B0609030804020204" pitchFamily="49" charset="0"/>
+              </a:rPr>
+              <a:t>hello</a:t>
+            </a:r>
+            <a:r>
+              <a:rPr lang="de-AT" sz="2400" b="0" dirty="0">
+                <a:solidFill>
+                  <a:srgbClr val="CE9178"/>
+                </a:solidFill>
+                <a:effectLst/>
+                <a:latin typeface="Menlo" panose="020B0609030804020204" pitchFamily="49" charset="0"/>
+              </a:rPr>
+              <a:t>"</a:t>
+            </a:r>
+            <a:r>
+              <a:rPr lang="de-AT" sz="2400" b="0" dirty="0">
+                <a:solidFill>
+                  <a:srgbClr val="CCCCCC"/>
+                </a:solidFill>
+                <a:effectLst/>
+                <a:latin typeface="Menlo" panose="020B0609030804020204" pitchFamily="49" charset="0"/>
+              </a:rPr>
+              <a:t> </a:t>
+            </a:r>
+            <a:r>
+              <a:rPr lang="de-AT" sz="2400" b="0" dirty="0">
+                <a:solidFill>
+                  <a:srgbClr val="D4D4D4"/>
+                </a:solidFill>
+                <a:effectLst/>
+                <a:latin typeface="Menlo" panose="020B0609030804020204" pitchFamily="49" charset="0"/>
+              </a:rPr>
+              <a:t>-&gt;</a:t>
+            </a:r>
+            <a:r>
+              <a:rPr lang="de-AT" sz="2400" b="0" dirty="0">
+                <a:solidFill>
+                  <a:srgbClr val="CCCCCC"/>
+                </a:solidFill>
+                <a:effectLst/>
+                <a:latin typeface="Menlo" panose="020B0609030804020204" pitchFamily="49" charset="0"/>
+              </a:rPr>
+              <a:t> </a:t>
+            </a:r>
+            <a:r>
+              <a:rPr lang="de-AT" sz="2400" b="0" dirty="0" err="1">
+                <a:solidFill>
+                  <a:srgbClr val="569CD6"/>
+                </a:solidFill>
+                <a:effectLst/>
+                <a:latin typeface="Menlo" panose="020B0609030804020204" pitchFamily="49" charset="0"/>
+              </a:rPr>
+              <a:t>fn</a:t>
+            </a:r>
+            <a:r>
+              <a:rPr lang="de-AT" sz="2400" b="0" dirty="0">
+                <a:solidFill>
+                  <a:srgbClr val="CCCCCC"/>
+                </a:solidFill>
+                <a:effectLst/>
+                <a:latin typeface="Menlo" panose="020B0609030804020204" pitchFamily="49" charset="0"/>
+              </a:rPr>
+              <a:t>()</a:t>
+            </a:r>
+          </a:p>
+          <a:p>
+            <a:endParaRPr lang="de-AT" b="0" dirty="0">
+              <a:solidFill>
+                <a:srgbClr val="CCCCCC"/>
+              </a:solidFill>
+              <a:effectLst/>
+              <a:latin typeface="Menlo" panose="020B0609030804020204" pitchFamily="49" charset="0"/>
+            </a:endParaRPr>
           </a:p>
         </p:txBody>
       </p:sp>

--- a/Pres.pptx
+++ b/Pres.pptx
@@ -5,9 +5,15 @@
     <p:sldMasterId id="2147483648" r:id="rId1"/>
   </p:sldMasterIdLst>
   <p:sldIdLst>
-    <p:sldId id="258" r:id="rId2"/>
-    <p:sldId id="256" r:id="rId3"/>
+    <p:sldId id="262" r:id="rId2"/>
+    <p:sldId id="263" r:id="rId3"/>
     <p:sldId id="257" r:id="rId4"/>
+    <p:sldId id="264" r:id="rId5"/>
+    <p:sldId id="261" r:id="rId6"/>
+    <p:sldId id="256" r:id="rId7"/>
+    <p:sldId id="259" r:id="rId8"/>
+    <p:sldId id="260" r:id="rId9"/>
+    <p:sldId id="258" r:id="rId10"/>
   </p:sldIdLst>
   <p:sldSz cx="12192000" cy="6858000"/>
   <p:notesSz cx="6858000" cy="9144000"/>
@@ -261,7 +267,7 @@
           <a:p>
             <a:fld id="{98C5D0A0-7D22-BE42-9A30-B4115F904EDD}" type="datetimeFigureOut">
               <a:rPr lang="de-DE" smtClean="0"/>
-              <a:t>19.11.23</a:t>
+              <a:t>23.11.2023</a:t>
             </a:fld>
             <a:endParaRPr lang="de-DE"/>
           </a:p>
@@ -459,7 +465,7 @@
           <a:p>
             <a:fld id="{98C5D0A0-7D22-BE42-9A30-B4115F904EDD}" type="datetimeFigureOut">
               <a:rPr lang="de-DE" smtClean="0"/>
-              <a:t>19.11.23</a:t>
+              <a:t>23.11.2023</a:t>
             </a:fld>
             <a:endParaRPr lang="de-DE"/>
           </a:p>
@@ -667,7 +673,7 @@
           <a:p>
             <a:fld id="{98C5D0A0-7D22-BE42-9A30-B4115F904EDD}" type="datetimeFigureOut">
               <a:rPr lang="de-DE" smtClean="0"/>
-              <a:t>19.11.23</a:t>
+              <a:t>23.11.2023</a:t>
             </a:fld>
             <a:endParaRPr lang="de-DE"/>
           </a:p>
@@ -865,7 +871,7 @@
           <a:p>
             <a:fld id="{98C5D0A0-7D22-BE42-9A30-B4115F904EDD}" type="datetimeFigureOut">
               <a:rPr lang="de-DE" smtClean="0"/>
-              <a:t>19.11.23</a:t>
+              <a:t>23.11.2023</a:t>
             </a:fld>
             <a:endParaRPr lang="de-DE"/>
           </a:p>
@@ -1140,7 +1146,7 @@
           <a:p>
             <a:fld id="{98C5D0A0-7D22-BE42-9A30-B4115F904EDD}" type="datetimeFigureOut">
               <a:rPr lang="de-DE" smtClean="0"/>
-              <a:t>19.11.23</a:t>
+              <a:t>23.11.2023</a:t>
             </a:fld>
             <a:endParaRPr lang="de-DE"/>
           </a:p>
@@ -1405,7 +1411,7 @@
           <a:p>
             <a:fld id="{98C5D0A0-7D22-BE42-9A30-B4115F904EDD}" type="datetimeFigureOut">
               <a:rPr lang="de-DE" smtClean="0"/>
-              <a:t>19.11.23</a:t>
+              <a:t>23.11.2023</a:t>
             </a:fld>
             <a:endParaRPr lang="de-DE"/>
           </a:p>
@@ -1817,7 +1823,7 @@
           <a:p>
             <a:fld id="{98C5D0A0-7D22-BE42-9A30-B4115F904EDD}" type="datetimeFigureOut">
               <a:rPr lang="de-DE" smtClean="0"/>
-              <a:t>19.11.23</a:t>
+              <a:t>23.11.2023</a:t>
             </a:fld>
             <a:endParaRPr lang="de-DE"/>
           </a:p>
@@ -1958,7 +1964,7 @@
           <a:p>
             <a:fld id="{98C5D0A0-7D22-BE42-9A30-B4115F904EDD}" type="datetimeFigureOut">
               <a:rPr lang="de-DE" smtClean="0"/>
-              <a:t>19.11.23</a:t>
+              <a:t>23.11.2023</a:t>
             </a:fld>
             <a:endParaRPr lang="de-DE"/>
           </a:p>
@@ -2071,7 +2077,7 @@
           <a:p>
             <a:fld id="{98C5D0A0-7D22-BE42-9A30-B4115F904EDD}" type="datetimeFigureOut">
               <a:rPr lang="de-DE" smtClean="0"/>
-              <a:t>19.11.23</a:t>
+              <a:t>23.11.2023</a:t>
             </a:fld>
             <a:endParaRPr lang="de-DE"/>
           </a:p>
@@ -2382,7 +2388,7 @@
           <a:p>
             <a:fld id="{98C5D0A0-7D22-BE42-9A30-B4115F904EDD}" type="datetimeFigureOut">
               <a:rPr lang="de-DE" smtClean="0"/>
-              <a:t>19.11.23</a:t>
+              <a:t>23.11.2023</a:t>
             </a:fld>
             <a:endParaRPr lang="de-DE"/>
           </a:p>
@@ -2670,7 +2676,7 @@
           <a:p>
             <a:fld id="{98C5D0A0-7D22-BE42-9A30-B4115F904EDD}" type="datetimeFigureOut">
               <a:rPr lang="de-DE" smtClean="0"/>
-              <a:t>19.11.23</a:t>
+              <a:t>23.11.2023</a:t>
             </a:fld>
             <a:endParaRPr lang="de-DE"/>
           </a:p>
@@ -2911,7 +2917,7 @@
           <a:p>
             <a:fld id="{98C5D0A0-7D22-BE42-9A30-B4115F904EDD}" type="datetimeFigureOut">
               <a:rPr lang="de-DE" smtClean="0"/>
-              <a:t>19.11.23</a:t>
+              <a:t>23.11.2023</a:t>
             </a:fld>
             <a:endParaRPr lang="de-DE"/>
           </a:p>
@@ -3314,6 +3320,14 @@
 <file path=ppt/slides/slide1.xml><?xml version="1.0" encoding="utf-8"?>
 <p:sld xmlns:a="http://schemas.openxmlformats.org/drawingml/2006/main" xmlns:r="http://schemas.openxmlformats.org/officeDocument/2006/relationships" xmlns:p="http://schemas.openxmlformats.org/presentationml/2006/main">
   <p:cSld>
+    <p:bg>
+      <p:bgPr>
+        <a:solidFill>
+          <a:schemeClr val="bg1"/>
+        </a:solidFill>
+        <a:effectLst/>
+      </p:bgPr>
+    </p:bg>
     <p:spTree>
       <p:nvGrpSpPr>
         <p:cNvPr id="1" name=""/>
@@ -3328,12 +3342,135 @@
           <a:chExt cx="0" cy="0"/>
         </a:xfrm>
       </p:grpSpPr>
+      <p:sp useBgFill="1">
+        <p:nvSpPr>
+          <p:cNvPr id="10" name="Rectangle 9">
+            <a:extLst>
+              <a:ext uri="{FF2B5EF4-FFF2-40B4-BE49-F238E27FC236}">
+                <a16:creationId xmlns:a16="http://schemas.microsoft.com/office/drawing/2014/main" id="{A3363022-C969-41E9-8EB2-E4C94908C1FA}"/>
+              </a:ext>
+              <a:ext uri="{C183D7F6-B498-43B3-948B-1728B52AA6E4}">
+                <adec:decorative xmlns:adec="http://schemas.microsoft.com/office/drawing/2017/decorative" val="1"/>
+              </a:ext>
+            </a:extLst>
+          </p:cNvPr>
+          <p:cNvSpPr>
+            <a:spLocks noGrp="1" noRot="1" noChangeAspect="1" noMove="1" noResize="1" noEditPoints="1" noAdjustHandles="1" noChangeArrowheads="1" noChangeShapeType="1" noTextEdit="1"/>
+          </p:cNvSpPr>
+          <p:nvPr>
+            <p:extLst>
+              <p:ext uri="{386F3935-93C4-4BCD-93E2-E3B085C9AB24}">
+                <p16:designElem xmlns:p16="http://schemas.microsoft.com/office/powerpoint/2015/main" val="1"/>
+              </p:ext>
+            </p:extLst>
+          </p:nvPr>
+        </p:nvSpPr>
+        <p:spPr>
+          <a:xfrm>
+            <a:off x="0" y="-1"/>
+            <a:ext cx="12191695" cy="6852025"/>
+          </a:xfrm>
+          <a:prstGeom prst="rect">
+            <a:avLst/>
+          </a:prstGeom>
+          <a:ln>
+            <a:noFill/>
+          </a:ln>
+        </p:spPr>
+        <p:style>
+          <a:lnRef idx="2">
+            <a:schemeClr val="accent1">
+              <a:shade val="50000"/>
+            </a:schemeClr>
+          </a:lnRef>
+          <a:fillRef idx="1">
+            <a:schemeClr val="accent1"/>
+          </a:fillRef>
+          <a:effectRef idx="0">
+            <a:schemeClr val="accent1"/>
+          </a:effectRef>
+          <a:fontRef idx="minor">
+            <a:schemeClr val="lt1"/>
+          </a:fontRef>
+        </p:style>
+        <p:txBody>
+          <a:bodyPr rtlCol="0" anchor="ctr"/>
+          <a:lstStyle/>
+          <a:p>
+            <a:pPr algn="ctr"/>
+            <a:endParaRPr lang="en-US"/>
+          </a:p>
+        </p:txBody>
+      </p:sp>
       <p:sp>
         <p:nvSpPr>
-          <p:cNvPr id="2" name="Titel 1">
-            <a:extLst>
-              <a:ext uri="{FF2B5EF4-FFF2-40B4-BE49-F238E27FC236}">
-                <a16:creationId xmlns:a16="http://schemas.microsoft.com/office/drawing/2014/main" id="{52923CB2-3A15-F0D7-133F-B9DC5C934EFF}"/>
+          <p:cNvPr id="12" name="Rectangle 11">
+            <a:extLst>
+              <a:ext uri="{FF2B5EF4-FFF2-40B4-BE49-F238E27FC236}">
+                <a16:creationId xmlns:a16="http://schemas.microsoft.com/office/drawing/2014/main" id="{8D1AD6B3-BE88-4CEB-BA17-790657CC4729}"/>
+              </a:ext>
+              <a:ext uri="{C183D7F6-B498-43B3-948B-1728B52AA6E4}">
+                <adec:decorative xmlns:adec="http://schemas.microsoft.com/office/drawing/2017/decorative" val="1"/>
+              </a:ext>
+            </a:extLst>
+          </p:cNvPr>
+          <p:cNvSpPr>
+            <a:spLocks noGrp="1" noRot="1" noChangeAspect="1" noMove="1" noResize="1" noEditPoints="1" noAdjustHandles="1" noChangeArrowheads="1" noChangeShapeType="1" noTextEdit="1"/>
+          </p:cNvSpPr>
+          <p:nvPr>
+            <p:extLst>
+              <p:ext uri="{386F3935-93C4-4BCD-93E2-E3B085C9AB24}">
+                <p16:designElem xmlns:p16="http://schemas.microsoft.com/office/powerpoint/2015/main" val="1"/>
+              </p:ext>
+            </p:extLst>
+          </p:nvPr>
+        </p:nvSpPr>
+        <p:spPr>
+          <a:xfrm>
+            <a:off x="305" y="0"/>
+            <a:ext cx="12191695" cy="6858000"/>
+          </a:xfrm>
+          <a:prstGeom prst="rect">
+            <a:avLst/>
+          </a:prstGeom>
+          <a:solidFill>
+            <a:schemeClr val="bg1"/>
+          </a:solidFill>
+          <a:ln>
+            <a:noFill/>
+          </a:ln>
+        </p:spPr>
+        <p:style>
+          <a:lnRef idx="2">
+            <a:schemeClr val="accent1">
+              <a:shade val="50000"/>
+            </a:schemeClr>
+          </a:lnRef>
+          <a:fillRef idx="1">
+            <a:schemeClr val="accent1"/>
+          </a:fillRef>
+          <a:effectRef idx="0">
+            <a:schemeClr val="accent1"/>
+          </a:effectRef>
+          <a:fontRef idx="minor">
+            <a:schemeClr val="lt1"/>
+          </a:fontRef>
+        </p:style>
+        <p:txBody>
+          <a:bodyPr rtlCol="0" anchor="ctr"/>
+          <a:lstStyle/>
+          <a:p>
+            <a:pPr algn="ctr"/>
+            <a:endParaRPr lang="en-US"/>
+          </a:p>
+        </p:txBody>
+      </p:sp>
+      <p:sp>
+        <p:nvSpPr>
+          <p:cNvPr id="3" name="Untertitel 2">
+            <a:extLst>
+              <a:ext uri="{FF2B5EF4-FFF2-40B4-BE49-F238E27FC236}">
+                <a16:creationId xmlns:a16="http://schemas.microsoft.com/office/drawing/2014/main" id="{351D4BFA-25CB-92CD-4627-AF9C3DF8FE5D}"/>
               </a:ext>
             </a:extLst>
           </p:cNvPr>
@@ -3341,63 +3478,2152 @@
             <a:spLocks noGrp="1"/>
           </p:cNvSpPr>
           <p:nvPr>
-            <p:ph type="title"/>
+            <p:ph type="subTitle" idx="1"/>
           </p:nvPr>
         </p:nvSpPr>
-        <p:spPr/>
-        <p:txBody>
-          <a:bodyPr/>
+        <p:spPr>
+          <a:xfrm>
+            <a:off x="6590966" y="3428999"/>
+            <a:ext cx="4805691" cy="838831"/>
+          </a:xfrm>
+        </p:spPr>
+        <p:txBody>
+          <a:bodyPr anchor="b">
+            <a:normAutofit/>
+          </a:bodyPr>
           <a:lstStyle/>
           <a:p>
-            <a:r>
-              <a:rPr lang="de-DE" dirty="0"/>
-              <a:t>Frameworks</a:t>
-            </a:r>
-          </a:p>
-        </p:txBody>
-      </p:sp>
-      <p:sp>
-        <p:nvSpPr>
-          <p:cNvPr id="3" name="Inhaltsplatzhalter 2">
-            <a:extLst>
-              <a:ext uri="{FF2B5EF4-FFF2-40B4-BE49-F238E27FC236}">
-                <a16:creationId xmlns:a16="http://schemas.microsoft.com/office/drawing/2014/main" id="{61E8B97F-54A9-E12D-9A19-3178AB7A887C}"/>
-              </a:ext>
-            </a:extLst>
-          </p:cNvPr>
-          <p:cNvSpPr>
-            <a:spLocks noGrp="1"/>
-          </p:cNvSpPr>
+            <a:pPr algn="l"/>
+            <a:r>
+              <a:rPr lang="de-DE" sz="2000">
+                <a:solidFill>
+                  <a:schemeClr val="tx2"/>
+                </a:solidFill>
+              </a:rPr>
+              <a:t>Developing Backends with Actix Web</a:t>
+            </a:r>
+            <a:endParaRPr lang="de-AT" sz="2000">
+              <a:solidFill>
+                <a:schemeClr val="tx2"/>
+              </a:solidFill>
+            </a:endParaRPr>
+          </a:p>
+        </p:txBody>
+      </p:sp>
+      <p:pic>
+        <p:nvPicPr>
+          <p:cNvPr id="5" name="Grafik 4" descr="Ein Bild, das Zahnrad, Metallwaren, Text, Screenshot enthält.&#10;&#10;Automatisch generierte Beschreibung">
+            <a:extLst>
+              <a:ext uri="{FF2B5EF4-FFF2-40B4-BE49-F238E27FC236}">
+                <a16:creationId xmlns:a16="http://schemas.microsoft.com/office/drawing/2014/main" id="{70FCDA36-155F-EB2E-331C-EDFF7121FB15}"/>
+              </a:ext>
+            </a:extLst>
+          </p:cNvPr>
+          <p:cNvPicPr>
+            <a:picLocks noChangeAspect="1"/>
+          </p:cNvPicPr>
+          <p:nvPr/>
+        </p:nvPicPr>
+        <p:blipFill>
+          <a:blip r:embed="rId2"/>
+          <a:stretch>
+            <a:fillRect/>
+          </a:stretch>
+        </p:blipFill>
+        <p:spPr>
+          <a:xfrm>
+            <a:off x="340470" y="3140683"/>
+            <a:ext cx="4141760" cy="1491033"/>
+          </a:xfrm>
+          <a:custGeom>
+            <a:avLst/>
+            <a:gdLst/>
+            <a:ahLst/>
+            <a:cxnLst/>
+            <a:rect l="l" t="t" r="r" b="b"/>
+            <a:pathLst>
+              <a:path w="4141760" h="4377846">
+                <a:moveTo>
+                  <a:pt x="0" y="0"/>
+                </a:moveTo>
+                <a:lnTo>
+                  <a:pt x="4141760" y="0"/>
+                </a:lnTo>
+                <a:lnTo>
+                  <a:pt x="4141760" y="4377846"/>
+                </a:lnTo>
+                <a:lnTo>
+                  <a:pt x="0" y="4377846"/>
+                </a:lnTo>
+                <a:close/>
+              </a:path>
+            </a:pathLst>
+          </a:custGeom>
+        </p:spPr>
+      </p:pic>
+      <p:grpSp>
+        <p:nvGrpSpPr>
+          <p:cNvPr id="14" name="Group 13">
+            <a:extLst>
+              <a:ext uri="{FF2B5EF4-FFF2-40B4-BE49-F238E27FC236}">
+                <a16:creationId xmlns:a16="http://schemas.microsoft.com/office/drawing/2014/main" id="{89D1390B-7E13-4B4F-9CB2-391063412E54}"/>
+              </a:ext>
+              <a:ext uri="{C183D7F6-B498-43B3-948B-1728B52AA6E4}">
+                <adec:decorative xmlns:adec="http://schemas.microsoft.com/office/drawing/2017/decorative" val="1"/>
+              </a:ext>
+            </a:extLst>
+          </p:cNvPr>
+          <p:cNvGrpSpPr>
+            <a:grpSpLocks noGrp="1" noUngrp="1" noRot="1" noChangeAspect="1" noMove="1" noResize="1"/>
+          </p:cNvGrpSpPr>
           <p:nvPr>
-            <p:ph idx="1"/>
+            <p:extLst>
+              <p:ext uri="{386F3935-93C4-4BCD-93E2-E3B085C9AB24}">
+                <p16:designElem xmlns:p16="http://schemas.microsoft.com/office/powerpoint/2015/main" val="1"/>
+              </p:ext>
+            </p:extLst>
           </p:nvPr>
-        </p:nvSpPr>
-        <p:spPr/>
-        <p:txBody>
-          <a:bodyPr/>
-          <a:lstStyle/>
-          <a:p>
-            <a:r>
-              <a:rPr lang="de-DE" dirty="0"/>
-              <a:t>Rocket</a:t>
-            </a:r>
-          </a:p>
-          <a:p>
-            <a:r>
-              <a:rPr lang="de-DE" dirty="0" err="1"/>
-              <a:t>Actix</a:t>
-            </a:r>
-            <a:r>
-              <a:rPr lang="de-DE" dirty="0"/>
-              <a:t> Web</a:t>
-            </a:r>
-          </a:p>
-        </p:txBody>
-      </p:sp>
+        </p:nvGrpSpPr>
+        <p:grpSpPr>
+          <a:xfrm>
+            <a:off x="-4253" y="-5977"/>
+            <a:ext cx="6238675" cy="6863979"/>
+            <a:chOff x="305" y="-5977"/>
+            <a:chExt cx="6238675" cy="6863979"/>
+          </a:xfrm>
+        </p:grpSpPr>
+        <p:sp>
+          <p:nvSpPr>
+            <p:cNvPr id="15" name="Freeform: Shape 14">
+              <a:extLst>
+                <a:ext uri="{FF2B5EF4-FFF2-40B4-BE49-F238E27FC236}">
+                  <a16:creationId xmlns:a16="http://schemas.microsoft.com/office/drawing/2014/main" id="{9E720206-AA49-4786-A932-A2650DE09183}"/>
+                </a:ext>
+                <a:ext uri="{C183D7F6-B498-43B3-948B-1728B52AA6E4}">
+                  <adec:decorative xmlns:adec="http://schemas.microsoft.com/office/drawing/2017/decorative" val="1"/>
+                </a:ext>
+              </a:extLst>
+            </p:cNvPr>
+            <p:cNvSpPr/>
+            <p:nvPr>
+              <p:extLst>
+                <p:ext uri="{386F3935-93C4-4BCD-93E2-E3B085C9AB24}">
+                  <p16:designElem xmlns:p16="http://schemas.microsoft.com/office/powerpoint/2015/main" val="1"/>
+                </p:ext>
+              </p:extLst>
+            </p:nvPr>
+          </p:nvSpPr>
+          <p:spPr>
+            <a:xfrm flipH="1">
+              <a:off x="305" y="34854"/>
+              <a:ext cx="6028697" cy="6817170"/>
+            </a:xfrm>
+            <a:custGeom>
+              <a:avLst/>
+              <a:gdLst>
+                <a:gd name="connsiteX0" fmla="*/ 6028697 w 6028697"/>
+                <a:gd name="connsiteY0" fmla="*/ 6155323 h 6817170"/>
+                <a:gd name="connsiteX1" fmla="*/ 6028697 w 6028697"/>
+                <a:gd name="connsiteY1" fmla="*/ 6817170 h 6817170"/>
+                <a:gd name="connsiteX2" fmla="*/ 5157862 w 6028697"/>
+                <a:gd name="connsiteY2" fmla="*/ 6817170 h 6817170"/>
+                <a:gd name="connsiteX3" fmla="*/ 5347156 w 6028697"/>
+                <a:gd name="connsiteY3" fmla="*/ 6687553 h 6817170"/>
+                <a:gd name="connsiteX4" fmla="*/ 5487470 w 6028697"/>
+                <a:gd name="connsiteY4" fmla="*/ 6581714 h 6817170"/>
+                <a:gd name="connsiteX5" fmla="*/ 5627642 w 6028697"/>
+                <a:gd name="connsiteY5" fmla="*/ 6472328 h 6817170"/>
+                <a:gd name="connsiteX6" fmla="*/ 5911392 w 6028697"/>
+                <a:gd name="connsiteY6" fmla="*/ 6245328 h 6817170"/>
+                <a:gd name="connsiteX7" fmla="*/ 4481066 w 6028697"/>
+                <a:gd name="connsiteY7" fmla="*/ 478 h 6817170"/>
+                <a:gd name="connsiteX8" fmla="*/ 4672258 w 6028697"/>
+                <a:gd name="connsiteY8" fmla="*/ 7519 h 6817170"/>
+                <a:gd name="connsiteX9" fmla="*/ 5429869 w 6028697"/>
+                <a:gd name="connsiteY9" fmla="*/ 125134 h 6817170"/>
+                <a:gd name="connsiteX10" fmla="*/ 5976319 w 6028697"/>
+                <a:gd name="connsiteY10" fmla="*/ 314893 h 6817170"/>
+                <a:gd name="connsiteX11" fmla="*/ 6028697 w 6028697"/>
+                <a:gd name="connsiteY11" fmla="*/ 339901 h 6817170"/>
+                <a:gd name="connsiteX12" fmla="*/ 6028697 w 6028697"/>
+                <a:gd name="connsiteY12" fmla="*/ 732458 h 6817170"/>
+                <a:gd name="connsiteX13" fmla="*/ 5990985 w 6028697"/>
+                <a:gd name="connsiteY13" fmla="*/ 712211 h 6817170"/>
+                <a:gd name="connsiteX14" fmla="*/ 5341339 w 6028697"/>
+                <a:gd name="connsiteY14" fmla="*/ 475281 h 6817170"/>
+                <a:gd name="connsiteX15" fmla="*/ 4651969 w 6028697"/>
+                <a:gd name="connsiteY15" fmla="*/ 377104 h 6817170"/>
+                <a:gd name="connsiteX16" fmla="*/ 3953093 w 6028697"/>
+                <a:gd name="connsiteY16" fmla="*/ 402498 h 6817170"/>
+                <a:gd name="connsiteX17" fmla="*/ 3267413 w 6028697"/>
+                <a:gd name="connsiteY17" fmla="*/ 546643 h 6817170"/>
+                <a:gd name="connsiteX18" fmla="*/ 1439498 w 6028697"/>
+                <a:gd name="connsiteY18" fmla="*/ 1568141 h 6817170"/>
+                <a:gd name="connsiteX19" fmla="*/ 960671 w 6028697"/>
+                <a:gd name="connsiteY19" fmla="*/ 2082013 h 6817170"/>
+                <a:gd name="connsiteX20" fmla="*/ 581866 w 6028697"/>
+                <a:gd name="connsiteY20" fmla="*/ 2672638 h 6817170"/>
+                <a:gd name="connsiteX21" fmla="*/ 324789 w 6028697"/>
+                <a:gd name="connsiteY21" fmla="*/ 3325262 h 6817170"/>
+                <a:gd name="connsiteX22" fmla="*/ 231151 w 6028697"/>
+                <a:gd name="connsiteY22" fmla="*/ 4022292 h 6817170"/>
+                <a:gd name="connsiteX23" fmla="*/ 270592 w 6028697"/>
+                <a:gd name="connsiteY23" fmla="*/ 4362792 h 6817170"/>
+                <a:gd name="connsiteX24" fmla="*/ 387213 w 6028697"/>
+                <a:gd name="connsiteY24" fmla="*/ 4681585 h 6817170"/>
+                <a:gd name="connsiteX25" fmla="*/ 468507 w 6028697"/>
+                <a:gd name="connsiteY25" fmla="*/ 4831546 h 6817170"/>
+                <a:gd name="connsiteX26" fmla="*/ 561862 w 6028697"/>
+                <a:gd name="connsiteY26" fmla="*/ 4976826 h 6817170"/>
+                <a:gd name="connsiteX27" fmla="*/ 777511 w 6028697"/>
+                <a:gd name="connsiteY27" fmla="*/ 5257597 h 6817170"/>
+                <a:gd name="connsiteX28" fmla="*/ 1010895 w 6028697"/>
+                <a:gd name="connsiteY28" fmla="*/ 5540494 h 6817170"/>
+                <a:gd name="connsiteX29" fmla="*/ 1126948 w 6028697"/>
+                <a:gd name="connsiteY29" fmla="*/ 5688186 h 6817170"/>
+                <a:gd name="connsiteX30" fmla="*/ 1182706 w 6028697"/>
+                <a:gd name="connsiteY30" fmla="*/ 5760543 h 6817170"/>
+                <a:gd name="connsiteX31" fmla="*/ 1237327 w 6028697"/>
+                <a:gd name="connsiteY31" fmla="*/ 5830060 h 6817170"/>
+                <a:gd name="connsiteX32" fmla="*/ 1706649 w 6028697"/>
+                <a:gd name="connsiteY32" fmla="*/ 6342797 h 6817170"/>
+                <a:gd name="connsiteX33" fmla="*/ 1956207 w 6028697"/>
+                <a:gd name="connsiteY33" fmla="*/ 6573484 h 6817170"/>
+                <a:gd name="connsiteX34" fmla="*/ 2217681 w 6028697"/>
+                <a:gd name="connsiteY34" fmla="*/ 6786297 h 6817170"/>
+                <a:gd name="connsiteX35" fmla="*/ 2260820 w 6028697"/>
+                <a:gd name="connsiteY35" fmla="*/ 6817170 h 6817170"/>
+                <a:gd name="connsiteX36" fmla="*/ 1429497 w 6028697"/>
+                <a:gd name="connsiteY36" fmla="*/ 6817170 h 6817170"/>
+                <a:gd name="connsiteX37" fmla="*/ 1327275 w 6028697"/>
+                <a:gd name="connsiteY37" fmla="*/ 6713800 h 6817170"/>
+                <a:gd name="connsiteX38" fmla="*/ 1080556 w 6028697"/>
+                <a:gd name="connsiteY38" fmla="*/ 6414443 h 6817170"/>
+                <a:gd name="connsiteX39" fmla="*/ 865189 w 6028697"/>
+                <a:gd name="connsiteY39" fmla="*/ 6097496 h 6817170"/>
+                <a:gd name="connsiteX40" fmla="*/ 814823 w 6028697"/>
+                <a:gd name="connsiteY40" fmla="*/ 6016911 h 6817170"/>
+                <a:gd name="connsiteX41" fmla="*/ 766729 w 6028697"/>
+                <a:gd name="connsiteY41" fmla="*/ 5938453 h 6817170"/>
+                <a:gd name="connsiteX42" fmla="*/ 671672 w 6028697"/>
+                <a:gd name="connsiteY42" fmla="*/ 5786648 h 6817170"/>
+                <a:gd name="connsiteX43" fmla="*/ 474608 w 6028697"/>
+                <a:gd name="connsiteY43" fmla="*/ 5474664 h 6817170"/>
+                <a:gd name="connsiteX44" fmla="*/ 282652 w 6028697"/>
+                <a:gd name="connsiteY44" fmla="*/ 5146508 h 6817170"/>
+                <a:gd name="connsiteX45" fmla="*/ 196108 w 6028697"/>
+                <a:gd name="connsiteY45" fmla="*/ 4972712 h 6817170"/>
+                <a:gd name="connsiteX46" fmla="*/ 122474 w 6028697"/>
+                <a:gd name="connsiteY46" fmla="*/ 4791821 h 6817170"/>
+                <a:gd name="connsiteX47" fmla="*/ 65724 w 6028697"/>
+                <a:gd name="connsiteY47" fmla="*/ 4603129 h 6817170"/>
+                <a:gd name="connsiteX48" fmla="*/ 44727 w 6028697"/>
+                <a:gd name="connsiteY48" fmla="*/ 4506937 h 6817170"/>
+                <a:gd name="connsiteX49" fmla="*/ 35505 w 6028697"/>
+                <a:gd name="connsiteY49" fmla="*/ 4458699 h 6817170"/>
+                <a:gd name="connsiteX50" fmla="*/ 27845 w 6028697"/>
+                <a:gd name="connsiteY50" fmla="*/ 4410320 h 6817170"/>
+                <a:gd name="connsiteX51" fmla="*/ 37 w 6028697"/>
+                <a:gd name="connsiteY51" fmla="*/ 4022292 h 6817170"/>
+                <a:gd name="connsiteX52" fmla="*/ 78777 w 6028697"/>
+                <a:gd name="connsiteY52" fmla="*/ 3267236 h 6817170"/>
+                <a:gd name="connsiteX53" fmla="*/ 315424 w 6028697"/>
+                <a:gd name="connsiteY53" fmla="*/ 2543673 h 6817170"/>
+                <a:gd name="connsiteX54" fmla="*/ 1202710 w 6028697"/>
+                <a:gd name="connsiteY54" fmla="*/ 1314895 h 6817170"/>
+                <a:gd name="connsiteX55" fmla="*/ 1791065 w 6028697"/>
+                <a:gd name="connsiteY55" fmla="*/ 833514 h 6817170"/>
+                <a:gd name="connsiteX56" fmla="*/ 3908404 w 6028697"/>
+                <a:gd name="connsiteY56" fmla="*/ 29794 h 6817170"/>
+                <a:gd name="connsiteX57" fmla="*/ 4481066 w 6028697"/>
+                <a:gd name="connsiteY57" fmla="*/ 478 h 6817170"/>
+              </a:gdLst>
+              <a:ahLst/>
+              <a:cxnLst>
+                <a:cxn ang="0">
+                  <a:pos x="connsiteX0" y="connsiteY0"/>
+                </a:cxn>
+                <a:cxn ang="0">
+                  <a:pos x="connsiteX1" y="connsiteY1"/>
+                </a:cxn>
+                <a:cxn ang="0">
+                  <a:pos x="connsiteX2" y="connsiteY2"/>
+                </a:cxn>
+                <a:cxn ang="0">
+                  <a:pos x="connsiteX3" y="connsiteY3"/>
+                </a:cxn>
+                <a:cxn ang="0">
+                  <a:pos x="connsiteX4" y="connsiteY4"/>
+                </a:cxn>
+                <a:cxn ang="0">
+                  <a:pos x="connsiteX5" y="connsiteY5"/>
+                </a:cxn>
+                <a:cxn ang="0">
+                  <a:pos x="connsiteX6" y="connsiteY6"/>
+                </a:cxn>
+                <a:cxn ang="0">
+                  <a:pos x="connsiteX7" y="connsiteY7"/>
+                </a:cxn>
+                <a:cxn ang="0">
+                  <a:pos x="connsiteX8" y="connsiteY8"/>
+                </a:cxn>
+                <a:cxn ang="0">
+                  <a:pos x="connsiteX9" y="connsiteY9"/>
+                </a:cxn>
+                <a:cxn ang="0">
+                  <a:pos x="connsiteX10" y="connsiteY10"/>
+                </a:cxn>
+                <a:cxn ang="0">
+                  <a:pos x="connsiteX11" y="connsiteY11"/>
+                </a:cxn>
+                <a:cxn ang="0">
+                  <a:pos x="connsiteX12" y="connsiteY12"/>
+                </a:cxn>
+                <a:cxn ang="0">
+                  <a:pos x="connsiteX13" y="connsiteY13"/>
+                </a:cxn>
+                <a:cxn ang="0">
+                  <a:pos x="connsiteX14" y="connsiteY14"/>
+                </a:cxn>
+                <a:cxn ang="0">
+                  <a:pos x="connsiteX15" y="connsiteY15"/>
+                </a:cxn>
+                <a:cxn ang="0">
+                  <a:pos x="connsiteX16" y="connsiteY16"/>
+                </a:cxn>
+                <a:cxn ang="0">
+                  <a:pos x="connsiteX17" y="connsiteY17"/>
+                </a:cxn>
+                <a:cxn ang="0">
+                  <a:pos x="connsiteX18" y="connsiteY18"/>
+                </a:cxn>
+                <a:cxn ang="0">
+                  <a:pos x="connsiteX19" y="connsiteY19"/>
+                </a:cxn>
+                <a:cxn ang="0">
+                  <a:pos x="connsiteX20" y="connsiteY20"/>
+                </a:cxn>
+                <a:cxn ang="0">
+                  <a:pos x="connsiteX21" y="connsiteY21"/>
+                </a:cxn>
+                <a:cxn ang="0">
+                  <a:pos x="connsiteX22" y="connsiteY22"/>
+                </a:cxn>
+                <a:cxn ang="0">
+                  <a:pos x="connsiteX23" y="connsiteY23"/>
+                </a:cxn>
+                <a:cxn ang="0">
+                  <a:pos x="connsiteX24" y="connsiteY24"/>
+                </a:cxn>
+                <a:cxn ang="0">
+                  <a:pos x="connsiteX25" y="connsiteY25"/>
+                </a:cxn>
+                <a:cxn ang="0">
+                  <a:pos x="connsiteX26" y="connsiteY26"/>
+                </a:cxn>
+                <a:cxn ang="0">
+                  <a:pos x="connsiteX27" y="connsiteY27"/>
+                </a:cxn>
+                <a:cxn ang="0">
+                  <a:pos x="connsiteX28" y="connsiteY28"/>
+                </a:cxn>
+                <a:cxn ang="0">
+                  <a:pos x="connsiteX29" y="connsiteY29"/>
+                </a:cxn>
+                <a:cxn ang="0">
+                  <a:pos x="connsiteX30" y="connsiteY30"/>
+                </a:cxn>
+                <a:cxn ang="0">
+                  <a:pos x="connsiteX31" y="connsiteY31"/>
+                </a:cxn>
+                <a:cxn ang="0">
+                  <a:pos x="connsiteX32" y="connsiteY32"/>
+                </a:cxn>
+                <a:cxn ang="0">
+                  <a:pos x="connsiteX33" y="connsiteY33"/>
+                </a:cxn>
+                <a:cxn ang="0">
+                  <a:pos x="connsiteX34" y="connsiteY34"/>
+                </a:cxn>
+                <a:cxn ang="0">
+                  <a:pos x="connsiteX35" y="connsiteY35"/>
+                </a:cxn>
+                <a:cxn ang="0">
+                  <a:pos x="connsiteX36" y="connsiteY36"/>
+                </a:cxn>
+                <a:cxn ang="0">
+                  <a:pos x="connsiteX37" y="connsiteY37"/>
+                </a:cxn>
+                <a:cxn ang="0">
+                  <a:pos x="connsiteX38" y="connsiteY38"/>
+                </a:cxn>
+                <a:cxn ang="0">
+                  <a:pos x="connsiteX39" y="connsiteY39"/>
+                </a:cxn>
+                <a:cxn ang="0">
+                  <a:pos x="connsiteX40" y="connsiteY40"/>
+                </a:cxn>
+                <a:cxn ang="0">
+                  <a:pos x="connsiteX41" y="connsiteY41"/>
+                </a:cxn>
+                <a:cxn ang="0">
+                  <a:pos x="connsiteX42" y="connsiteY42"/>
+                </a:cxn>
+                <a:cxn ang="0">
+                  <a:pos x="connsiteX43" y="connsiteY43"/>
+                </a:cxn>
+                <a:cxn ang="0">
+                  <a:pos x="connsiteX44" y="connsiteY44"/>
+                </a:cxn>
+                <a:cxn ang="0">
+                  <a:pos x="connsiteX45" y="connsiteY45"/>
+                </a:cxn>
+                <a:cxn ang="0">
+                  <a:pos x="connsiteX46" y="connsiteY46"/>
+                </a:cxn>
+                <a:cxn ang="0">
+                  <a:pos x="connsiteX47" y="connsiteY47"/>
+                </a:cxn>
+                <a:cxn ang="0">
+                  <a:pos x="connsiteX48" y="connsiteY48"/>
+                </a:cxn>
+                <a:cxn ang="0">
+                  <a:pos x="connsiteX49" y="connsiteY49"/>
+                </a:cxn>
+                <a:cxn ang="0">
+                  <a:pos x="connsiteX50" y="connsiteY50"/>
+                </a:cxn>
+                <a:cxn ang="0">
+                  <a:pos x="connsiteX51" y="connsiteY51"/>
+                </a:cxn>
+                <a:cxn ang="0">
+                  <a:pos x="connsiteX52" y="connsiteY52"/>
+                </a:cxn>
+                <a:cxn ang="0">
+                  <a:pos x="connsiteX53" y="connsiteY53"/>
+                </a:cxn>
+                <a:cxn ang="0">
+                  <a:pos x="connsiteX54" y="connsiteY54"/>
+                </a:cxn>
+                <a:cxn ang="0">
+                  <a:pos x="connsiteX55" y="connsiteY55"/>
+                </a:cxn>
+                <a:cxn ang="0">
+                  <a:pos x="connsiteX56" y="connsiteY56"/>
+                </a:cxn>
+                <a:cxn ang="0">
+                  <a:pos x="connsiteX57" y="connsiteY57"/>
+                </a:cxn>
+              </a:cxnLst>
+              <a:rect l="l" t="t" r="r" b="b"/>
+              <a:pathLst>
+                <a:path w="6028697" h="6817170">
+                  <a:moveTo>
+                    <a:pt x="6028697" y="6155323"/>
+                  </a:moveTo>
+                  <a:lnTo>
+                    <a:pt x="6028697" y="6817170"/>
+                  </a:lnTo>
+                  <a:lnTo>
+                    <a:pt x="5157862" y="6817170"/>
+                  </a:lnTo>
+                  <a:lnTo>
+                    <a:pt x="5347156" y="6687553"/>
+                  </a:lnTo>
+                  <a:cubicBezTo>
+                    <a:pt x="5394117" y="6653219"/>
+                    <a:pt x="5440793" y="6617608"/>
+                    <a:pt x="5487470" y="6581714"/>
+                  </a:cubicBezTo>
+                  <a:cubicBezTo>
+                    <a:pt x="5534147" y="6545820"/>
+                    <a:pt x="5580966" y="6509358"/>
+                    <a:pt x="5627642" y="6472328"/>
+                  </a:cubicBezTo>
+                  <a:lnTo>
+                    <a:pt x="5911392" y="6245328"/>
+                  </a:lnTo>
+                  <a:close/>
+                  <a:moveTo>
+                    <a:pt x="4481066" y="478"/>
+                  </a:moveTo>
+                  <a:cubicBezTo>
+                    <a:pt x="4544817" y="1422"/>
+                    <a:pt x="4608563" y="3769"/>
+                    <a:pt x="4672258" y="7519"/>
+                  </a:cubicBezTo>
+                  <a:cubicBezTo>
+                    <a:pt x="4927973" y="22364"/>
+                    <a:pt x="5181687" y="61751"/>
+                    <a:pt x="5429869" y="125134"/>
+                  </a:cubicBezTo>
+                  <a:cubicBezTo>
+                    <a:pt x="5617090" y="173104"/>
+                    <a:pt x="5799867" y="236595"/>
+                    <a:pt x="5976319" y="314893"/>
+                  </a:cubicBezTo>
+                  <a:lnTo>
+                    <a:pt x="6028697" y="339901"/>
+                  </a:lnTo>
+                  <a:lnTo>
+                    <a:pt x="6028697" y="732458"/>
+                  </a:lnTo>
+                  <a:lnTo>
+                    <a:pt x="5990985" y="712211"/>
+                  </a:lnTo>
+                  <a:cubicBezTo>
+                    <a:pt x="5783917" y="609342"/>
+                    <a:pt x="5566013" y="529876"/>
+                    <a:pt x="5341339" y="475281"/>
+                  </a:cubicBezTo>
+                  <a:cubicBezTo>
+                    <a:pt x="5115233" y="420503"/>
+                    <a:pt x="4884375" y="387624"/>
+                    <a:pt x="4651969" y="377104"/>
+                  </a:cubicBezTo>
+                  <a:cubicBezTo>
+                    <a:pt x="4418713" y="365171"/>
+                    <a:pt x="4184861" y="373670"/>
+                    <a:pt x="3953093" y="402498"/>
+                  </a:cubicBezTo>
+                  <a:cubicBezTo>
+                    <a:pt x="3721001" y="431832"/>
+                    <a:pt x="3491675" y="480040"/>
+                    <a:pt x="3267413" y="546643"/>
+                  </a:cubicBezTo>
+                  <a:cubicBezTo>
+                    <a:pt x="2591323" y="750761"/>
+                    <a:pt x="1967642" y="1099289"/>
+                    <a:pt x="1439498" y="1568141"/>
+                  </a:cubicBezTo>
+                  <a:cubicBezTo>
+                    <a:pt x="1265589" y="1725523"/>
+                    <a:pt x="1105393" y="1897434"/>
+                    <a:pt x="960671" y="2082013"/>
+                  </a:cubicBezTo>
+                  <a:cubicBezTo>
+                    <a:pt x="815775" y="2266294"/>
+                    <a:pt x="688923" y="2464081"/>
+                    <a:pt x="581866" y="2672638"/>
+                  </a:cubicBezTo>
+                  <a:cubicBezTo>
+                    <a:pt x="473765" y="2880669"/>
+                    <a:pt x="387610" y="3099397"/>
+                    <a:pt x="324789" y="3325262"/>
+                  </a:cubicBezTo>
+                  <a:cubicBezTo>
+                    <a:pt x="262714" y="3552403"/>
+                    <a:pt x="231223" y="3786822"/>
+                    <a:pt x="231151" y="4022292"/>
+                  </a:cubicBezTo>
+                  <a:cubicBezTo>
+                    <a:pt x="231413" y="4136912"/>
+                    <a:pt x="244645" y="4251136"/>
+                    <a:pt x="270592" y="4362792"/>
+                  </a:cubicBezTo>
+                  <a:cubicBezTo>
+                    <a:pt x="297885" y="4472943"/>
+                    <a:pt x="336983" y="4579833"/>
+                    <a:pt x="387213" y="4681585"/>
+                  </a:cubicBezTo>
+                  <a:cubicBezTo>
+                    <a:pt x="412042" y="4732517"/>
+                    <a:pt x="439423" y="4782457"/>
+                    <a:pt x="468507" y="4831546"/>
+                  </a:cubicBezTo>
+                  <a:cubicBezTo>
+                    <a:pt x="497591" y="4880636"/>
+                    <a:pt x="529230" y="4929015"/>
+                    <a:pt x="561862" y="4976826"/>
+                  </a:cubicBezTo>
+                  <a:cubicBezTo>
+                    <a:pt x="627975" y="5072166"/>
+                    <a:pt x="701466" y="5164668"/>
+                    <a:pt x="777511" y="5257597"/>
+                  </a:cubicBezTo>
+                  <a:cubicBezTo>
+                    <a:pt x="853556" y="5350524"/>
+                    <a:pt x="933574" y="5443594"/>
+                    <a:pt x="1010895" y="5540494"/>
+                  </a:cubicBezTo>
+                  <a:cubicBezTo>
+                    <a:pt x="1049957" y="5588732"/>
+                    <a:pt x="1088642" y="5637963"/>
+                    <a:pt x="1126948" y="5688186"/>
+                  </a:cubicBezTo>
+                  <a:lnTo>
+                    <a:pt x="1182706" y="5760543"/>
+                  </a:lnTo>
+                  <a:cubicBezTo>
+                    <a:pt x="1201007" y="5783669"/>
+                    <a:pt x="1218458" y="5807503"/>
+                    <a:pt x="1237327" y="5830060"/>
+                  </a:cubicBezTo>
+                  <a:cubicBezTo>
+                    <a:pt x="1383714" y="6009916"/>
+                    <a:pt x="1540413" y="6181116"/>
+                    <a:pt x="1706649" y="6342797"/>
+                  </a:cubicBezTo>
+                  <a:cubicBezTo>
+                    <a:pt x="1788084" y="6422531"/>
+                    <a:pt x="1871265" y="6499427"/>
+                    <a:pt x="1956207" y="6573484"/>
+                  </a:cubicBezTo>
+                  <a:cubicBezTo>
+                    <a:pt x="2041332" y="6647402"/>
+                    <a:pt x="2127733" y="6718907"/>
+                    <a:pt x="2217681" y="6786297"/>
+                  </a:cubicBezTo>
+                  <a:lnTo>
+                    <a:pt x="2260820" y="6817170"/>
+                  </a:lnTo>
+                  <a:lnTo>
+                    <a:pt x="1429497" y="6817170"/>
+                  </a:lnTo>
+                  <a:lnTo>
+                    <a:pt x="1327275" y="6713800"/>
+                  </a:lnTo>
+                  <a:cubicBezTo>
+                    <a:pt x="1239186" y="6618984"/>
+                    <a:pt x="1156797" y="6519019"/>
+                    <a:pt x="1080556" y="6414443"/>
+                  </a:cubicBezTo>
+                  <a:cubicBezTo>
+                    <a:pt x="1004653" y="6310734"/>
+                    <a:pt x="932439" y="6205177"/>
+                    <a:pt x="865189" y="6097496"/>
+                  </a:cubicBezTo>
+                  <a:cubicBezTo>
+                    <a:pt x="847881" y="6070823"/>
+                    <a:pt x="831565" y="6043725"/>
+                    <a:pt x="814823" y="6016911"/>
+                  </a:cubicBezTo>
+                  <a:lnTo>
+                    <a:pt x="766729" y="5938453"/>
+                  </a:lnTo>
+                  <a:cubicBezTo>
+                    <a:pt x="735941" y="5887947"/>
+                    <a:pt x="703878" y="5837581"/>
+                    <a:pt x="671672" y="5786648"/>
+                  </a:cubicBezTo>
+                  <a:lnTo>
+                    <a:pt x="474608" y="5474664"/>
+                  </a:lnTo>
+                  <a:cubicBezTo>
+                    <a:pt x="408778" y="5368968"/>
+                    <a:pt x="343516" y="5260008"/>
+                    <a:pt x="282652" y="5146508"/>
+                  </a:cubicBezTo>
+                  <a:cubicBezTo>
+                    <a:pt x="252290" y="5089759"/>
+                    <a:pt x="223065" y="5032015"/>
+                    <a:pt x="196108" y="4972712"/>
+                  </a:cubicBezTo>
+                  <a:cubicBezTo>
+                    <a:pt x="169152" y="4913408"/>
+                    <a:pt x="144607" y="4853111"/>
+                    <a:pt x="122474" y="4791821"/>
+                  </a:cubicBezTo>
+                  <a:cubicBezTo>
+                    <a:pt x="100342" y="4730532"/>
+                    <a:pt x="81757" y="4666830"/>
+                    <a:pt x="65724" y="4603129"/>
+                  </a:cubicBezTo>
+                  <a:cubicBezTo>
+                    <a:pt x="58205" y="4571064"/>
+                    <a:pt x="50828" y="4539143"/>
+                    <a:pt x="44727" y="4506937"/>
+                  </a:cubicBezTo>
+                  <a:lnTo>
+                    <a:pt x="35505" y="4458699"/>
+                  </a:lnTo>
+                  <a:lnTo>
+                    <a:pt x="27845" y="4410320"/>
+                  </a:lnTo>
+                  <a:cubicBezTo>
+                    <a:pt x="8635" y="4281881"/>
+                    <a:pt x="-661" y="4152150"/>
+                    <a:pt x="37" y="4022292"/>
+                  </a:cubicBezTo>
+                  <a:cubicBezTo>
+                    <a:pt x="712" y="3768592"/>
+                    <a:pt x="27094" y="3515615"/>
+                    <a:pt x="78777" y="3267236"/>
+                  </a:cubicBezTo>
+                  <a:cubicBezTo>
+                    <a:pt x="130048" y="3017876"/>
+                    <a:pt x="209439" y="2775142"/>
+                    <a:pt x="315424" y="2543673"/>
+                  </a:cubicBezTo>
+                  <a:cubicBezTo>
+                    <a:pt x="528236" y="2081161"/>
+                    <a:pt x="838234" y="1667312"/>
+                    <a:pt x="1202710" y="1314895"/>
+                  </a:cubicBezTo>
+                  <a:cubicBezTo>
+                    <a:pt x="1385514" y="1138814"/>
+                    <a:pt x="1582282" y="977831"/>
+                    <a:pt x="1791065" y="833514"/>
+                  </a:cubicBezTo>
+                  <a:cubicBezTo>
+                    <a:pt x="2420037" y="395614"/>
+                    <a:pt x="3147288" y="119557"/>
+                    <a:pt x="3908404" y="29794"/>
+                  </a:cubicBezTo>
+                  <a:cubicBezTo>
+                    <a:pt x="4098509" y="7429"/>
+                    <a:pt x="4289811" y="-2355"/>
+                    <a:pt x="4481066" y="478"/>
+                  </a:cubicBezTo>
+                  <a:close/>
+                </a:path>
+              </a:pathLst>
+            </a:custGeom>
+            <a:gradFill>
+              <a:gsLst>
+                <a:gs pos="2000">
+                  <a:schemeClr val="bg1">
+                    <a:alpha val="10000"/>
+                  </a:schemeClr>
+                </a:gs>
+                <a:gs pos="16000">
+                  <a:schemeClr val="accent6">
+                    <a:alpha val="10000"/>
+                  </a:schemeClr>
+                </a:gs>
+                <a:gs pos="100000">
+                  <a:schemeClr val="bg1">
+                    <a:alpha val="10000"/>
+                  </a:schemeClr>
+                </a:gs>
+                <a:gs pos="85000">
+                  <a:schemeClr val="accent1">
+                    <a:alpha val="10000"/>
+                  </a:schemeClr>
+                </a:gs>
+              </a:gsLst>
+              <a:lin ang="12000000" scaled="0"/>
+            </a:gradFill>
+            <a:ln>
+              <a:noFill/>
+            </a:ln>
+          </p:spPr>
+          <p:style>
+            <a:lnRef idx="2">
+              <a:schemeClr val="accent1">
+                <a:shade val="50000"/>
+              </a:schemeClr>
+            </a:lnRef>
+            <a:fillRef idx="1">
+              <a:schemeClr val="accent1"/>
+            </a:fillRef>
+            <a:effectRef idx="0">
+              <a:schemeClr val="accent1"/>
+            </a:effectRef>
+            <a:fontRef idx="minor">
+              <a:schemeClr val="lt1"/>
+            </a:fontRef>
+          </p:style>
+          <p:txBody>
+            <a:bodyPr rtlCol="0" anchor="ctr"/>
+            <a:lstStyle/>
+            <a:p>
+              <a:pPr algn="ctr"/>
+              <a:endParaRPr lang="en-US" dirty="0"/>
+            </a:p>
+          </p:txBody>
+        </p:sp>
+        <p:sp>
+          <p:nvSpPr>
+            <p:cNvPr id="16" name="Freeform: Shape 15">
+              <a:extLst>
+                <a:ext uri="{FF2B5EF4-FFF2-40B4-BE49-F238E27FC236}">
+                  <a16:creationId xmlns:a16="http://schemas.microsoft.com/office/drawing/2014/main" id="{C72F6EE6-EDE9-45A5-8F6D-02B9B7CB2C2F}"/>
+                </a:ext>
+                <a:ext uri="{C183D7F6-B498-43B3-948B-1728B52AA6E4}">
+                  <adec:decorative xmlns:adec="http://schemas.microsoft.com/office/drawing/2017/decorative" val="1"/>
+                </a:ext>
+              </a:extLst>
+            </p:cNvPr>
+            <p:cNvSpPr/>
+            <p:nvPr>
+              <p:extLst>
+                <p:ext uri="{386F3935-93C4-4BCD-93E2-E3B085C9AB24}">
+                  <p16:designElem xmlns:p16="http://schemas.microsoft.com/office/powerpoint/2015/main" val="1"/>
+                </p:ext>
+              </p:extLst>
+            </p:nvPr>
+          </p:nvSpPr>
+          <p:spPr>
+            <a:xfrm flipH="1">
+              <a:off x="305" y="1"/>
+              <a:ext cx="6165116" cy="6858001"/>
+            </a:xfrm>
+            <a:custGeom>
+              <a:avLst/>
+              <a:gdLst>
+                <a:gd name="connsiteX0" fmla="*/ 6264586 w 6264586"/>
+                <a:gd name="connsiteY0" fmla="*/ 6646464 h 6858001"/>
+                <a:gd name="connsiteX1" fmla="*/ 6264586 w 6264586"/>
+                <a:gd name="connsiteY1" fmla="*/ 6858001 h 6858001"/>
+                <a:gd name="connsiteX2" fmla="*/ 5997170 w 6264586"/>
+                <a:gd name="connsiteY2" fmla="*/ 6858001 h 6858001"/>
+                <a:gd name="connsiteX3" fmla="*/ 6121512 w 6264586"/>
+                <a:gd name="connsiteY3" fmla="*/ 6761029 h 6858001"/>
+                <a:gd name="connsiteX4" fmla="*/ 2693206 w 6264586"/>
+                <a:gd name="connsiteY4" fmla="*/ 0 h 6858001"/>
+                <a:gd name="connsiteX5" fmla="*/ 5872285 w 6264586"/>
+                <a:gd name="connsiteY5" fmla="*/ 0 h 6858001"/>
+                <a:gd name="connsiteX6" fmla="*/ 6024875 w 6264586"/>
+                <a:gd name="connsiteY6" fmla="*/ 68385 h 6858001"/>
+                <a:gd name="connsiteX7" fmla="*/ 6206432 w 6264586"/>
+                <a:gd name="connsiteY7" fmla="*/ 162336 h 6858001"/>
+                <a:gd name="connsiteX8" fmla="*/ 6264586 w 6264586"/>
+                <a:gd name="connsiteY8" fmla="*/ 196704 h 6858001"/>
+                <a:gd name="connsiteX9" fmla="*/ 6264586 w 6264586"/>
+                <a:gd name="connsiteY9" fmla="*/ 537242 h 6858001"/>
+                <a:gd name="connsiteX10" fmla="*/ 6230189 w 6264586"/>
+                <a:gd name="connsiteY10" fmla="*/ 517260 h 6858001"/>
+                <a:gd name="connsiteX11" fmla="*/ 5540536 w 6264586"/>
+                <a:gd name="connsiteY11" fmla="*/ 249543 h 6858001"/>
+                <a:gd name="connsiteX12" fmla="*/ 5178896 w 6264586"/>
+                <a:gd name="connsiteY12" fmla="*/ 178606 h 6858001"/>
+                <a:gd name="connsiteX13" fmla="*/ 4814279 w 6264586"/>
+                <a:gd name="connsiteY13" fmla="*/ 146683 h 6858001"/>
+                <a:gd name="connsiteX14" fmla="*/ 4655095 w 6264586"/>
+                <a:gd name="connsiteY14" fmla="*/ 143421 h 6858001"/>
+                <a:gd name="connsiteX15" fmla="*/ 4081069 w 6264586"/>
+                <a:gd name="connsiteY15" fmla="*/ 185983 h 6858001"/>
+                <a:gd name="connsiteX16" fmla="*/ 3720566 w 6264586"/>
+                <a:gd name="connsiteY16" fmla="*/ 256921 h 6858001"/>
+                <a:gd name="connsiteX17" fmla="*/ 3365879 w 6264586"/>
+                <a:gd name="connsiteY17" fmla="*/ 357651 h 6858001"/>
+                <a:gd name="connsiteX18" fmla="*/ 3020555 w 6264586"/>
+                <a:gd name="connsiteY18" fmla="*/ 486190 h 6858001"/>
+                <a:gd name="connsiteX19" fmla="*/ 2685163 w 6264586"/>
+                <a:gd name="connsiteY19" fmla="*/ 641542 h 6858001"/>
+                <a:gd name="connsiteX20" fmla="*/ 2047720 w 6264586"/>
+                <a:gd name="connsiteY20" fmla="*/ 1025030 h 6858001"/>
+                <a:gd name="connsiteX21" fmla="*/ 1897333 w 6264586"/>
+                <a:gd name="connsiteY21" fmla="*/ 1134983 h 6858001"/>
+                <a:gd name="connsiteX22" fmla="*/ 1835758 w 6264586"/>
+                <a:gd name="connsiteY22" fmla="*/ 1182227 h 6858001"/>
+                <a:gd name="connsiteX23" fmla="*/ 1823273 w 6264586"/>
+                <a:gd name="connsiteY23" fmla="*/ 1192016 h 6858001"/>
+                <a:gd name="connsiteX24" fmla="*/ 1750918 w 6264586"/>
+                <a:gd name="connsiteY24" fmla="*/ 1249760 h 6858001"/>
+                <a:gd name="connsiteX25" fmla="*/ 1469297 w 6264586"/>
+                <a:gd name="connsiteY25" fmla="*/ 1496906 h 6858001"/>
+                <a:gd name="connsiteX26" fmla="*/ 967769 w 6264586"/>
+                <a:gd name="connsiteY26" fmla="*/ 2056602 h 6858001"/>
+                <a:gd name="connsiteX27" fmla="*/ 754105 w 6264586"/>
+                <a:gd name="connsiteY27" fmla="*/ 2368727 h 6858001"/>
+                <a:gd name="connsiteX28" fmla="*/ 572364 w 6264586"/>
+                <a:gd name="connsiteY28" fmla="*/ 2701140 h 6858001"/>
+                <a:gd name="connsiteX29" fmla="*/ 532497 w 6264586"/>
+                <a:gd name="connsiteY29" fmla="*/ 2786265 h 6858001"/>
+                <a:gd name="connsiteX30" fmla="*/ 512918 w 6264586"/>
+                <a:gd name="connsiteY30" fmla="*/ 2828827 h 6858001"/>
+                <a:gd name="connsiteX31" fmla="*/ 494475 w 6264586"/>
+                <a:gd name="connsiteY31" fmla="*/ 2872240 h 6858001"/>
+                <a:gd name="connsiteX32" fmla="*/ 491637 w 6264586"/>
+                <a:gd name="connsiteY32" fmla="*/ 2878908 h 6858001"/>
+                <a:gd name="connsiteX33" fmla="*/ 459290 w 6264586"/>
+                <a:gd name="connsiteY33" fmla="*/ 2959635 h 6858001"/>
+                <a:gd name="connsiteX34" fmla="*/ 446805 w 6264586"/>
+                <a:gd name="connsiteY34" fmla="*/ 2992408 h 6858001"/>
+                <a:gd name="connsiteX35" fmla="*/ 426090 w 6264586"/>
+                <a:gd name="connsiteY35" fmla="*/ 3049158 h 6858001"/>
+                <a:gd name="connsiteX36" fmla="*/ 426090 w 6264586"/>
+                <a:gd name="connsiteY36" fmla="*/ 3049867 h 6858001"/>
+                <a:gd name="connsiteX37" fmla="*/ 318124 w 6264586"/>
+                <a:gd name="connsiteY37" fmla="*/ 3414202 h 6858001"/>
+                <a:gd name="connsiteX38" fmla="*/ 230729 w 6264586"/>
+                <a:gd name="connsiteY38" fmla="*/ 4169260 h 6858001"/>
+                <a:gd name="connsiteX39" fmla="*/ 268893 w 6264586"/>
+                <a:gd name="connsiteY39" fmla="*/ 4544236 h 6858001"/>
+                <a:gd name="connsiteX40" fmla="*/ 379840 w 6264586"/>
+                <a:gd name="connsiteY40" fmla="*/ 4900056 h 6858001"/>
+                <a:gd name="connsiteX41" fmla="*/ 406512 w 6264586"/>
+                <a:gd name="connsiteY41" fmla="*/ 4960211 h 6858001"/>
+                <a:gd name="connsiteX42" fmla="*/ 417862 w 6264586"/>
+                <a:gd name="connsiteY42" fmla="*/ 4984613 h 6858001"/>
+                <a:gd name="connsiteX43" fmla="*/ 428077 w 6264586"/>
+                <a:gd name="connsiteY43" fmla="*/ 5005043 h 6858001"/>
+                <a:gd name="connsiteX44" fmla="*/ 460140 w 6264586"/>
+                <a:gd name="connsiteY44" fmla="*/ 5067327 h 6858001"/>
+                <a:gd name="connsiteX45" fmla="*/ 555197 w 6264586"/>
+                <a:gd name="connsiteY45" fmla="*/ 5229773 h 6858001"/>
+                <a:gd name="connsiteX46" fmla="*/ 660611 w 6264586"/>
+                <a:gd name="connsiteY46" fmla="*/ 5387396 h 6858001"/>
+                <a:gd name="connsiteX47" fmla="*/ 774110 w 6264586"/>
+                <a:gd name="connsiteY47" fmla="*/ 5542182 h 6858001"/>
+                <a:gd name="connsiteX48" fmla="*/ 917829 w 6264586"/>
+                <a:gd name="connsiteY48" fmla="*/ 5727896 h 6858001"/>
+                <a:gd name="connsiteX49" fmla="*/ 1012885 w 6264586"/>
+                <a:gd name="connsiteY49" fmla="*/ 5849767 h 6858001"/>
+                <a:gd name="connsiteX50" fmla="*/ 1133053 w 6264586"/>
+                <a:gd name="connsiteY50" fmla="*/ 6006822 h 6858001"/>
+                <a:gd name="connsiteX51" fmla="*/ 1194343 w 6264586"/>
+                <a:gd name="connsiteY51" fmla="*/ 6090245 h 6858001"/>
+                <a:gd name="connsiteX52" fmla="*/ 1249390 w 6264586"/>
+                <a:gd name="connsiteY52" fmla="*/ 6165155 h 6858001"/>
+                <a:gd name="connsiteX53" fmla="*/ 1345724 w 6264586"/>
+                <a:gd name="connsiteY53" fmla="*/ 6292132 h 6858001"/>
+                <a:gd name="connsiteX54" fmla="*/ 1364310 w 6264586"/>
+                <a:gd name="connsiteY54" fmla="*/ 6316251 h 6858001"/>
+                <a:gd name="connsiteX55" fmla="*/ 1373673 w 6264586"/>
+                <a:gd name="connsiteY55" fmla="*/ 6327885 h 6858001"/>
+                <a:gd name="connsiteX56" fmla="*/ 1484619 w 6264586"/>
+                <a:gd name="connsiteY56" fmla="*/ 6462240 h 6858001"/>
+                <a:gd name="connsiteX57" fmla="*/ 1739000 w 6264586"/>
+                <a:gd name="connsiteY57" fmla="*/ 6737335 h 6858001"/>
+                <a:gd name="connsiteX58" fmla="*/ 1866801 w 6264586"/>
+                <a:gd name="connsiteY58" fmla="*/ 6858001 h 6858001"/>
+                <a:gd name="connsiteX59" fmla="*/ 1144149 w 6264586"/>
+                <a:gd name="connsiteY59" fmla="*/ 6858001 h 6858001"/>
+                <a:gd name="connsiteX60" fmla="*/ 1058349 w 6264586"/>
+                <a:gd name="connsiteY60" fmla="*/ 6766452 h 6858001"/>
+                <a:gd name="connsiteX61" fmla="*/ 580309 w 6264586"/>
+                <a:gd name="connsiteY61" fmla="*/ 6105000 h 6858001"/>
+                <a:gd name="connsiteX62" fmla="*/ 1 w 6264586"/>
+                <a:gd name="connsiteY62" fmla="*/ 3960094 h 6858001"/>
+                <a:gd name="connsiteX63" fmla="*/ 2599292 w 6264586"/>
+                <a:gd name="connsiteY63" fmla="*/ 37050 h 6858001"/>
+              </a:gdLst>
+              <a:ahLst/>
+              <a:cxnLst>
+                <a:cxn ang="0">
+                  <a:pos x="connsiteX0" y="connsiteY0"/>
+                </a:cxn>
+                <a:cxn ang="0">
+                  <a:pos x="connsiteX1" y="connsiteY1"/>
+                </a:cxn>
+                <a:cxn ang="0">
+                  <a:pos x="connsiteX2" y="connsiteY2"/>
+                </a:cxn>
+                <a:cxn ang="0">
+                  <a:pos x="connsiteX3" y="connsiteY3"/>
+                </a:cxn>
+                <a:cxn ang="0">
+                  <a:pos x="connsiteX4" y="connsiteY4"/>
+                </a:cxn>
+                <a:cxn ang="0">
+                  <a:pos x="connsiteX5" y="connsiteY5"/>
+                </a:cxn>
+                <a:cxn ang="0">
+                  <a:pos x="connsiteX6" y="connsiteY6"/>
+                </a:cxn>
+                <a:cxn ang="0">
+                  <a:pos x="connsiteX7" y="connsiteY7"/>
+                </a:cxn>
+                <a:cxn ang="0">
+                  <a:pos x="connsiteX8" y="connsiteY8"/>
+                </a:cxn>
+                <a:cxn ang="0">
+                  <a:pos x="connsiteX9" y="connsiteY9"/>
+                </a:cxn>
+                <a:cxn ang="0">
+                  <a:pos x="connsiteX10" y="connsiteY10"/>
+                </a:cxn>
+                <a:cxn ang="0">
+                  <a:pos x="connsiteX11" y="connsiteY11"/>
+                </a:cxn>
+                <a:cxn ang="0">
+                  <a:pos x="connsiteX12" y="connsiteY12"/>
+                </a:cxn>
+                <a:cxn ang="0">
+                  <a:pos x="connsiteX13" y="connsiteY13"/>
+                </a:cxn>
+                <a:cxn ang="0">
+                  <a:pos x="connsiteX14" y="connsiteY14"/>
+                </a:cxn>
+                <a:cxn ang="0">
+                  <a:pos x="connsiteX15" y="connsiteY15"/>
+                </a:cxn>
+                <a:cxn ang="0">
+                  <a:pos x="connsiteX16" y="connsiteY16"/>
+                </a:cxn>
+                <a:cxn ang="0">
+                  <a:pos x="connsiteX17" y="connsiteY17"/>
+                </a:cxn>
+                <a:cxn ang="0">
+                  <a:pos x="connsiteX18" y="connsiteY18"/>
+                </a:cxn>
+                <a:cxn ang="0">
+                  <a:pos x="connsiteX19" y="connsiteY19"/>
+                </a:cxn>
+                <a:cxn ang="0">
+                  <a:pos x="connsiteX20" y="connsiteY20"/>
+                </a:cxn>
+                <a:cxn ang="0">
+                  <a:pos x="connsiteX21" y="connsiteY21"/>
+                </a:cxn>
+                <a:cxn ang="0">
+                  <a:pos x="connsiteX22" y="connsiteY22"/>
+                </a:cxn>
+                <a:cxn ang="0">
+                  <a:pos x="connsiteX23" y="connsiteY23"/>
+                </a:cxn>
+                <a:cxn ang="0">
+                  <a:pos x="connsiteX24" y="connsiteY24"/>
+                </a:cxn>
+                <a:cxn ang="0">
+                  <a:pos x="connsiteX25" y="connsiteY25"/>
+                </a:cxn>
+                <a:cxn ang="0">
+                  <a:pos x="connsiteX26" y="connsiteY26"/>
+                </a:cxn>
+                <a:cxn ang="0">
+                  <a:pos x="connsiteX27" y="connsiteY27"/>
+                </a:cxn>
+                <a:cxn ang="0">
+                  <a:pos x="connsiteX28" y="connsiteY28"/>
+                </a:cxn>
+                <a:cxn ang="0">
+                  <a:pos x="connsiteX29" y="connsiteY29"/>
+                </a:cxn>
+                <a:cxn ang="0">
+                  <a:pos x="connsiteX30" y="connsiteY30"/>
+                </a:cxn>
+                <a:cxn ang="0">
+                  <a:pos x="connsiteX31" y="connsiteY31"/>
+                </a:cxn>
+                <a:cxn ang="0">
+                  <a:pos x="connsiteX32" y="connsiteY32"/>
+                </a:cxn>
+                <a:cxn ang="0">
+                  <a:pos x="connsiteX33" y="connsiteY33"/>
+                </a:cxn>
+                <a:cxn ang="0">
+                  <a:pos x="connsiteX34" y="connsiteY34"/>
+                </a:cxn>
+                <a:cxn ang="0">
+                  <a:pos x="connsiteX35" y="connsiteY35"/>
+                </a:cxn>
+                <a:cxn ang="0">
+                  <a:pos x="connsiteX36" y="connsiteY36"/>
+                </a:cxn>
+                <a:cxn ang="0">
+                  <a:pos x="connsiteX37" y="connsiteY37"/>
+                </a:cxn>
+                <a:cxn ang="0">
+                  <a:pos x="connsiteX38" y="connsiteY38"/>
+                </a:cxn>
+                <a:cxn ang="0">
+                  <a:pos x="connsiteX39" y="connsiteY39"/>
+                </a:cxn>
+                <a:cxn ang="0">
+                  <a:pos x="connsiteX40" y="connsiteY40"/>
+                </a:cxn>
+                <a:cxn ang="0">
+                  <a:pos x="connsiteX41" y="connsiteY41"/>
+                </a:cxn>
+                <a:cxn ang="0">
+                  <a:pos x="connsiteX42" y="connsiteY42"/>
+                </a:cxn>
+                <a:cxn ang="0">
+                  <a:pos x="connsiteX43" y="connsiteY43"/>
+                </a:cxn>
+                <a:cxn ang="0">
+                  <a:pos x="connsiteX44" y="connsiteY44"/>
+                </a:cxn>
+                <a:cxn ang="0">
+                  <a:pos x="connsiteX45" y="connsiteY45"/>
+                </a:cxn>
+                <a:cxn ang="0">
+                  <a:pos x="connsiteX46" y="connsiteY46"/>
+                </a:cxn>
+                <a:cxn ang="0">
+                  <a:pos x="connsiteX47" y="connsiteY47"/>
+                </a:cxn>
+                <a:cxn ang="0">
+                  <a:pos x="connsiteX48" y="connsiteY48"/>
+                </a:cxn>
+                <a:cxn ang="0">
+                  <a:pos x="connsiteX49" y="connsiteY49"/>
+                </a:cxn>
+                <a:cxn ang="0">
+                  <a:pos x="connsiteX50" y="connsiteY50"/>
+                </a:cxn>
+                <a:cxn ang="0">
+                  <a:pos x="connsiteX51" y="connsiteY51"/>
+                </a:cxn>
+                <a:cxn ang="0">
+                  <a:pos x="connsiteX52" y="connsiteY52"/>
+                </a:cxn>
+                <a:cxn ang="0">
+                  <a:pos x="connsiteX53" y="connsiteY53"/>
+                </a:cxn>
+                <a:cxn ang="0">
+                  <a:pos x="connsiteX54" y="connsiteY54"/>
+                </a:cxn>
+                <a:cxn ang="0">
+                  <a:pos x="connsiteX55" y="connsiteY55"/>
+                </a:cxn>
+                <a:cxn ang="0">
+                  <a:pos x="connsiteX56" y="connsiteY56"/>
+                </a:cxn>
+                <a:cxn ang="0">
+                  <a:pos x="connsiteX57" y="connsiteY57"/>
+                </a:cxn>
+                <a:cxn ang="0">
+                  <a:pos x="connsiteX58" y="connsiteY58"/>
+                </a:cxn>
+                <a:cxn ang="0">
+                  <a:pos x="connsiteX59" y="connsiteY59"/>
+                </a:cxn>
+                <a:cxn ang="0">
+                  <a:pos x="connsiteX60" y="connsiteY60"/>
+                </a:cxn>
+                <a:cxn ang="0">
+                  <a:pos x="connsiteX61" y="connsiteY61"/>
+                </a:cxn>
+                <a:cxn ang="0">
+                  <a:pos x="connsiteX62" y="connsiteY62"/>
+                </a:cxn>
+                <a:cxn ang="0">
+                  <a:pos x="connsiteX63" y="connsiteY63"/>
+                </a:cxn>
+              </a:cxnLst>
+              <a:rect l="l" t="t" r="r" b="b"/>
+              <a:pathLst>
+                <a:path w="6264586" h="6858001">
+                  <a:moveTo>
+                    <a:pt x="6264586" y="6646464"/>
+                  </a:moveTo>
+                  <a:lnTo>
+                    <a:pt x="6264586" y="6858001"/>
+                  </a:lnTo>
+                  <a:lnTo>
+                    <a:pt x="5997170" y="6858001"/>
+                  </a:lnTo>
+                  <a:lnTo>
+                    <a:pt x="6121512" y="6761029"/>
+                  </a:lnTo>
+                  <a:close/>
+                  <a:moveTo>
+                    <a:pt x="2693206" y="0"/>
+                  </a:moveTo>
+                  <a:lnTo>
+                    <a:pt x="5872285" y="0"/>
+                  </a:lnTo>
+                  <a:lnTo>
+                    <a:pt x="6024875" y="68385"/>
+                  </a:lnTo>
+                  <a:cubicBezTo>
+                    <a:pt x="6086250" y="97989"/>
+                    <a:pt x="6146793" y="129318"/>
+                    <a:pt x="6206432" y="162336"/>
+                  </a:cubicBezTo>
+                  <a:lnTo>
+                    <a:pt x="6264586" y="196704"/>
+                  </a:lnTo>
+                  <a:lnTo>
+                    <a:pt x="6264586" y="537242"/>
+                  </a:lnTo>
+                  <a:lnTo>
+                    <a:pt x="6230189" y="517260"/>
+                  </a:lnTo>
+                  <a:cubicBezTo>
+                    <a:pt x="6012226" y="399931"/>
+                    <a:pt x="5780573" y="310008"/>
+                    <a:pt x="5540536" y="249543"/>
+                  </a:cubicBezTo>
+                  <a:cubicBezTo>
+                    <a:pt x="5421375" y="219324"/>
+                    <a:pt x="5300641" y="195644"/>
+                    <a:pt x="5178896" y="178606"/>
+                  </a:cubicBezTo>
+                  <a:cubicBezTo>
+                    <a:pt x="5057977" y="161840"/>
+                    <a:pt x="4936276" y="151186"/>
+                    <a:pt x="4814279" y="146683"/>
+                  </a:cubicBezTo>
+                  <a:cubicBezTo>
+                    <a:pt x="4761501" y="144556"/>
+                    <a:pt x="4708015" y="143421"/>
+                    <a:pt x="4655095" y="143421"/>
+                  </a:cubicBezTo>
+                  <a:cubicBezTo>
+                    <a:pt x="4462968" y="143573"/>
+                    <a:pt x="4271111" y="157799"/>
+                    <a:pt x="4081069" y="185983"/>
+                  </a:cubicBezTo>
+                  <a:cubicBezTo>
+                    <a:pt x="3956361" y="205703"/>
+                    <a:pt x="3835058" y="229396"/>
+                    <a:pt x="3720566" y="256921"/>
+                  </a:cubicBezTo>
+                  <a:cubicBezTo>
+                    <a:pt x="3596708" y="286714"/>
+                    <a:pt x="3477677" y="320905"/>
+                    <a:pt x="3365879" y="357651"/>
+                  </a:cubicBezTo>
+                  <a:cubicBezTo>
+                    <a:pt x="3249257" y="395958"/>
+                    <a:pt x="3133487" y="438945"/>
+                    <a:pt x="3020555" y="486190"/>
+                  </a:cubicBezTo>
+                  <a:cubicBezTo>
+                    <a:pt x="2907623" y="533434"/>
+                    <a:pt x="2794832" y="585786"/>
+                    <a:pt x="2685163" y="641542"/>
+                  </a:cubicBezTo>
+                  <a:cubicBezTo>
+                    <a:pt x="2463995" y="754348"/>
+                    <a:pt x="2250998" y="882488"/>
+                    <a:pt x="2047720" y="1025030"/>
+                  </a:cubicBezTo>
+                  <a:cubicBezTo>
+                    <a:pt x="2006151" y="1054399"/>
+                    <a:pt x="1951528" y="1093415"/>
+                    <a:pt x="1897333" y="1134983"/>
+                  </a:cubicBezTo>
+                  <a:cubicBezTo>
+                    <a:pt x="1876761" y="1150164"/>
+                    <a:pt x="1855905" y="1166479"/>
+                    <a:pt x="1835758" y="1182227"/>
+                  </a:cubicBezTo>
+                  <a:lnTo>
+                    <a:pt x="1823273" y="1192016"/>
+                  </a:lnTo>
+                  <a:cubicBezTo>
+                    <a:pt x="1797027" y="1211879"/>
+                    <a:pt x="1772057" y="1232309"/>
+                    <a:pt x="1750918" y="1249760"/>
+                  </a:cubicBezTo>
+                  <a:cubicBezTo>
+                    <a:pt x="1645931" y="1335737"/>
+                    <a:pt x="1554422" y="1416605"/>
+                    <a:pt x="1469297" y="1496906"/>
+                  </a:cubicBezTo>
+                  <a:cubicBezTo>
+                    <a:pt x="1286595" y="1668957"/>
+                    <a:pt x="1118818" y="1856190"/>
+                    <a:pt x="967769" y="2056602"/>
+                  </a:cubicBezTo>
+                  <a:cubicBezTo>
+                    <a:pt x="890731" y="2159603"/>
+                    <a:pt x="818800" y="2264590"/>
+                    <a:pt x="754105" y="2368727"/>
+                  </a:cubicBezTo>
+                  <a:cubicBezTo>
+                    <a:pt x="681749" y="2488328"/>
+                    <a:pt x="622304" y="2596720"/>
+                    <a:pt x="572364" y="2701140"/>
+                  </a:cubicBezTo>
+                  <a:cubicBezTo>
+                    <a:pt x="557609" y="2730507"/>
+                    <a:pt x="543989" y="2760443"/>
+                    <a:pt x="532497" y="2786265"/>
+                  </a:cubicBezTo>
+                  <a:lnTo>
+                    <a:pt x="512918" y="2828827"/>
+                  </a:lnTo>
+                  <a:lnTo>
+                    <a:pt x="494475" y="2872240"/>
+                  </a:lnTo>
+                  <a:lnTo>
+                    <a:pt x="491637" y="2878908"/>
+                  </a:lnTo>
+                  <a:cubicBezTo>
+                    <a:pt x="480146" y="2906575"/>
+                    <a:pt x="469220" y="2932821"/>
+                    <a:pt x="459290" y="2959635"/>
+                  </a:cubicBezTo>
+                  <a:cubicBezTo>
+                    <a:pt x="455176" y="2970559"/>
+                    <a:pt x="451060" y="2981484"/>
+                    <a:pt x="446805" y="2992408"/>
+                  </a:cubicBezTo>
+                  <a:cubicBezTo>
+                    <a:pt x="439427" y="3012412"/>
+                    <a:pt x="432333" y="3030572"/>
+                    <a:pt x="426090" y="3049158"/>
+                  </a:cubicBezTo>
+                  <a:lnTo>
+                    <a:pt x="426090" y="3049867"/>
+                  </a:lnTo>
+                  <a:cubicBezTo>
+                    <a:pt x="383010" y="3169099"/>
+                    <a:pt x="346959" y="3290756"/>
+                    <a:pt x="318124" y="3414202"/>
+                  </a:cubicBezTo>
+                  <a:cubicBezTo>
+                    <a:pt x="260107" y="3661703"/>
+                    <a:pt x="230780" y="3915049"/>
+                    <a:pt x="230729" y="4169260"/>
+                  </a:cubicBezTo>
+                  <a:cubicBezTo>
+                    <a:pt x="231621" y="4295173"/>
+                    <a:pt x="244398" y="4420719"/>
+                    <a:pt x="268893" y="4544236"/>
+                  </a:cubicBezTo>
+                  <a:cubicBezTo>
+                    <a:pt x="293708" y="4666304"/>
+                    <a:pt x="330882" y="4785521"/>
+                    <a:pt x="379840" y="4900056"/>
+                  </a:cubicBezTo>
+                  <a:cubicBezTo>
+                    <a:pt x="387926" y="4919919"/>
+                    <a:pt x="397006" y="4939498"/>
+                    <a:pt x="406512" y="4960211"/>
+                  </a:cubicBezTo>
+                  <a:cubicBezTo>
+                    <a:pt x="410343" y="4968299"/>
+                    <a:pt x="414173" y="4976385"/>
+                    <a:pt x="417862" y="4984613"/>
+                  </a:cubicBezTo>
+                  <a:lnTo>
+                    <a:pt x="428077" y="5005043"/>
+                  </a:lnTo>
+                  <a:cubicBezTo>
+                    <a:pt x="438860" y="5026751"/>
+                    <a:pt x="449075" y="5047181"/>
+                    <a:pt x="460140" y="5067327"/>
+                  </a:cubicBezTo>
+                  <a:cubicBezTo>
+                    <a:pt x="485536" y="5116273"/>
+                    <a:pt x="514763" y="5165789"/>
+                    <a:pt x="555197" y="5229773"/>
+                  </a:cubicBezTo>
+                  <a:cubicBezTo>
+                    <a:pt x="586836" y="5280282"/>
+                    <a:pt x="620318" y="5329511"/>
+                    <a:pt x="660611" y="5387396"/>
+                  </a:cubicBezTo>
+                  <a:cubicBezTo>
+                    <a:pt x="698065" y="5440741"/>
+                    <a:pt x="737223" y="5493094"/>
+                    <a:pt x="774110" y="5542182"/>
+                  </a:cubicBezTo>
+                  <a:cubicBezTo>
+                    <a:pt x="821070" y="5604324"/>
+                    <a:pt x="870301" y="5667173"/>
+                    <a:pt x="917829" y="5727896"/>
+                  </a:cubicBezTo>
+                  <a:cubicBezTo>
+                    <a:pt x="949042" y="5767762"/>
+                    <a:pt x="979828" y="5807063"/>
+                    <a:pt x="1012885" y="5849767"/>
+                  </a:cubicBezTo>
+                  <a:cubicBezTo>
+                    <a:pt x="1045942" y="5892471"/>
+                    <a:pt x="1089497" y="5948796"/>
+                    <a:pt x="1133053" y="6006822"/>
+                  </a:cubicBezTo>
+                  <a:cubicBezTo>
+                    <a:pt x="1153624" y="6034345"/>
+                    <a:pt x="1175332" y="6063998"/>
+                    <a:pt x="1194343" y="6090245"/>
+                  </a:cubicBezTo>
+                  <a:cubicBezTo>
+                    <a:pt x="1213355" y="6116491"/>
+                    <a:pt x="1231372" y="6141178"/>
+                    <a:pt x="1249390" y="6165155"/>
+                  </a:cubicBezTo>
+                  <a:cubicBezTo>
+                    <a:pt x="1280461" y="6208000"/>
+                    <a:pt x="1313659" y="6250847"/>
+                    <a:pt x="1345724" y="6292132"/>
+                  </a:cubicBezTo>
+                  <a:lnTo>
+                    <a:pt x="1364310" y="6316251"/>
+                  </a:lnTo>
+                  <a:lnTo>
+                    <a:pt x="1373673" y="6327885"/>
+                  </a:lnTo>
+                  <a:cubicBezTo>
+                    <a:pt x="1409566" y="6372433"/>
+                    <a:pt x="1446738" y="6418542"/>
+                    <a:pt x="1484619" y="6462240"/>
+                  </a:cubicBezTo>
+                  <a:cubicBezTo>
+                    <a:pt x="1567899" y="6559850"/>
+                    <a:pt x="1653876" y="6652211"/>
+                    <a:pt x="1739000" y="6737335"/>
+                  </a:cubicBezTo>
+                  <a:lnTo>
+                    <a:pt x="1866801" y="6858001"/>
+                  </a:lnTo>
+                  <a:lnTo>
+                    <a:pt x="1144149" y="6858001"/>
+                  </a:lnTo>
+                  <a:lnTo>
+                    <a:pt x="1058349" y="6766452"/>
+                  </a:lnTo>
+                  <a:cubicBezTo>
+                    <a:pt x="878978" y="6562465"/>
+                    <a:pt x="718756" y="6341104"/>
+                    <a:pt x="580309" y="6105000"/>
+                  </a:cubicBezTo>
+                  <a:cubicBezTo>
+                    <a:pt x="200401" y="5454007"/>
+                    <a:pt x="146" y="4713831"/>
+                    <a:pt x="1" y="3960094"/>
+                  </a:cubicBezTo>
+                  <a:cubicBezTo>
+                    <a:pt x="-335" y="2196754"/>
+                    <a:pt x="1071479" y="683605"/>
+                    <a:pt x="2599292" y="37050"/>
+                  </a:cubicBezTo>
+                  <a:close/>
+                </a:path>
+              </a:pathLst>
+            </a:custGeom>
+            <a:gradFill>
+              <a:gsLst>
+                <a:gs pos="2000">
+                  <a:schemeClr val="bg1">
+                    <a:alpha val="10000"/>
+                  </a:schemeClr>
+                </a:gs>
+                <a:gs pos="16000">
+                  <a:schemeClr val="accent6">
+                    <a:alpha val="10000"/>
+                  </a:schemeClr>
+                </a:gs>
+                <a:gs pos="100000">
+                  <a:schemeClr val="bg1">
+                    <a:alpha val="10000"/>
+                  </a:schemeClr>
+                </a:gs>
+                <a:gs pos="85000">
+                  <a:schemeClr val="accent1">
+                    <a:alpha val="10000"/>
+                  </a:schemeClr>
+                </a:gs>
+              </a:gsLst>
+              <a:lin ang="12000000" scaled="0"/>
+            </a:gradFill>
+            <a:ln>
+              <a:noFill/>
+            </a:ln>
+          </p:spPr>
+          <p:style>
+            <a:lnRef idx="2">
+              <a:schemeClr val="accent1">
+                <a:shade val="50000"/>
+              </a:schemeClr>
+            </a:lnRef>
+            <a:fillRef idx="1">
+              <a:schemeClr val="accent1"/>
+            </a:fillRef>
+            <a:effectRef idx="0">
+              <a:schemeClr val="accent1"/>
+            </a:effectRef>
+            <a:fontRef idx="minor">
+              <a:schemeClr val="lt1"/>
+            </a:fontRef>
+          </p:style>
+          <p:txBody>
+            <a:bodyPr rtlCol="0" anchor="ctr"/>
+            <a:lstStyle/>
+            <a:p>
+              <a:pPr algn="ctr"/>
+              <a:endParaRPr lang="en-US" dirty="0"/>
+            </a:p>
+          </p:txBody>
+        </p:sp>
+        <p:sp>
+          <p:nvSpPr>
+            <p:cNvPr id="17" name="Freeform: Shape 16">
+              <a:extLst>
+                <a:ext uri="{FF2B5EF4-FFF2-40B4-BE49-F238E27FC236}">
+                  <a16:creationId xmlns:a16="http://schemas.microsoft.com/office/drawing/2014/main" id="{C093DC50-3BD7-46B1-A300-CD207E152FF4}"/>
+                </a:ext>
+                <a:ext uri="{C183D7F6-B498-43B3-948B-1728B52AA6E4}">
+                  <adec:decorative xmlns:adec="http://schemas.microsoft.com/office/drawing/2017/decorative" val="1"/>
+                </a:ext>
+              </a:extLst>
+            </p:cNvPr>
+            <p:cNvSpPr/>
+            <p:nvPr>
+              <p:extLst>
+                <p:ext uri="{386F3935-93C4-4BCD-93E2-E3B085C9AB24}">
+                  <p16:designElem xmlns:p16="http://schemas.microsoft.com/office/powerpoint/2015/main" val="1"/>
+                </p:ext>
+              </p:extLst>
+            </p:nvPr>
+          </p:nvSpPr>
+          <p:spPr>
+            <a:xfrm flipH="1">
+              <a:off x="305" y="-5977"/>
+              <a:ext cx="6238675" cy="6858001"/>
+            </a:xfrm>
+            <a:custGeom>
+              <a:avLst/>
+              <a:gdLst>
+                <a:gd name="connsiteX0" fmla="*/ 6264586 w 6264586"/>
+                <a:gd name="connsiteY0" fmla="*/ 6646464 h 6858001"/>
+                <a:gd name="connsiteX1" fmla="*/ 6264586 w 6264586"/>
+                <a:gd name="connsiteY1" fmla="*/ 6858001 h 6858001"/>
+                <a:gd name="connsiteX2" fmla="*/ 5997170 w 6264586"/>
+                <a:gd name="connsiteY2" fmla="*/ 6858001 h 6858001"/>
+                <a:gd name="connsiteX3" fmla="*/ 6121512 w 6264586"/>
+                <a:gd name="connsiteY3" fmla="*/ 6761029 h 6858001"/>
+                <a:gd name="connsiteX4" fmla="*/ 2693206 w 6264586"/>
+                <a:gd name="connsiteY4" fmla="*/ 0 h 6858001"/>
+                <a:gd name="connsiteX5" fmla="*/ 5872285 w 6264586"/>
+                <a:gd name="connsiteY5" fmla="*/ 0 h 6858001"/>
+                <a:gd name="connsiteX6" fmla="*/ 6024875 w 6264586"/>
+                <a:gd name="connsiteY6" fmla="*/ 68385 h 6858001"/>
+                <a:gd name="connsiteX7" fmla="*/ 6206432 w 6264586"/>
+                <a:gd name="connsiteY7" fmla="*/ 162336 h 6858001"/>
+                <a:gd name="connsiteX8" fmla="*/ 6264586 w 6264586"/>
+                <a:gd name="connsiteY8" fmla="*/ 196704 h 6858001"/>
+                <a:gd name="connsiteX9" fmla="*/ 6264586 w 6264586"/>
+                <a:gd name="connsiteY9" fmla="*/ 537242 h 6858001"/>
+                <a:gd name="connsiteX10" fmla="*/ 6230189 w 6264586"/>
+                <a:gd name="connsiteY10" fmla="*/ 517260 h 6858001"/>
+                <a:gd name="connsiteX11" fmla="*/ 5540536 w 6264586"/>
+                <a:gd name="connsiteY11" fmla="*/ 249543 h 6858001"/>
+                <a:gd name="connsiteX12" fmla="*/ 5178896 w 6264586"/>
+                <a:gd name="connsiteY12" fmla="*/ 178606 h 6858001"/>
+                <a:gd name="connsiteX13" fmla="*/ 4814279 w 6264586"/>
+                <a:gd name="connsiteY13" fmla="*/ 146683 h 6858001"/>
+                <a:gd name="connsiteX14" fmla="*/ 4655095 w 6264586"/>
+                <a:gd name="connsiteY14" fmla="*/ 143421 h 6858001"/>
+                <a:gd name="connsiteX15" fmla="*/ 4081069 w 6264586"/>
+                <a:gd name="connsiteY15" fmla="*/ 185983 h 6858001"/>
+                <a:gd name="connsiteX16" fmla="*/ 3720566 w 6264586"/>
+                <a:gd name="connsiteY16" fmla="*/ 256921 h 6858001"/>
+                <a:gd name="connsiteX17" fmla="*/ 3365879 w 6264586"/>
+                <a:gd name="connsiteY17" fmla="*/ 357651 h 6858001"/>
+                <a:gd name="connsiteX18" fmla="*/ 3020555 w 6264586"/>
+                <a:gd name="connsiteY18" fmla="*/ 486190 h 6858001"/>
+                <a:gd name="connsiteX19" fmla="*/ 2685163 w 6264586"/>
+                <a:gd name="connsiteY19" fmla="*/ 641542 h 6858001"/>
+                <a:gd name="connsiteX20" fmla="*/ 2047720 w 6264586"/>
+                <a:gd name="connsiteY20" fmla="*/ 1025030 h 6858001"/>
+                <a:gd name="connsiteX21" fmla="*/ 1897333 w 6264586"/>
+                <a:gd name="connsiteY21" fmla="*/ 1134983 h 6858001"/>
+                <a:gd name="connsiteX22" fmla="*/ 1835758 w 6264586"/>
+                <a:gd name="connsiteY22" fmla="*/ 1182227 h 6858001"/>
+                <a:gd name="connsiteX23" fmla="*/ 1823273 w 6264586"/>
+                <a:gd name="connsiteY23" fmla="*/ 1192016 h 6858001"/>
+                <a:gd name="connsiteX24" fmla="*/ 1750918 w 6264586"/>
+                <a:gd name="connsiteY24" fmla="*/ 1249760 h 6858001"/>
+                <a:gd name="connsiteX25" fmla="*/ 1469297 w 6264586"/>
+                <a:gd name="connsiteY25" fmla="*/ 1496906 h 6858001"/>
+                <a:gd name="connsiteX26" fmla="*/ 967769 w 6264586"/>
+                <a:gd name="connsiteY26" fmla="*/ 2056602 h 6858001"/>
+                <a:gd name="connsiteX27" fmla="*/ 754105 w 6264586"/>
+                <a:gd name="connsiteY27" fmla="*/ 2368727 h 6858001"/>
+                <a:gd name="connsiteX28" fmla="*/ 572364 w 6264586"/>
+                <a:gd name="connsiteY28" fmla="*/ 2701140 h 6858001"/>
+                <a:gd name="connsiteX29" fmla="*/ 532497 w 6264586"/>
+                <a:gd name="connsiteY29" fmla="*/ 2786265 h 6858001"/>
+                <a:gd name="connsiteX30" fmla="*/ 512918 w 6264586"/>
+                <a:gd name="connsiteY30" fmla="*/ 2828827 h 6858001"/>
+                <a:gd name="connsiteX31" fmla="*/ 494475 w 6264586"/>
+                <a:gd name="connsiteY31" fmla="*/ 2872240 h 6858001"/>
+                <a:gd name="connsiteX32" fmla="*/ 491637 w 6264586"/>
+                <a:gd name="connsiteY32" fmla="*/ 2878908 h 6858001"/>
+                <a:gd name="connsiteX33" fmla="*/ 459290 w 6264586"/>
+                <a:gd name="connsiteY33" fmla="*/ 2959635 h 6858001"/>
+                <a:gd name="connsiteX34" fmla="*/ 446805 w 6264586"/>
+                <a:gd name="connsiteY34" fmla="*/ 2992408 h 6858001"/>
+                <a:gd name="connsiteX35" fmla="*/ 426090 w 6264586"/>
+                <a:gd name="connsiteY35" fmla="*/ 3049158 h 6858001"/>
+                <a:gd name="connsiteX36" fmla="*/ 426090 w 6264586"/>
+                <a:gd name="connsiteY36" fmla="*/ 3049867 h 6858001"/>
+                <a:gd name="connsiteX37" fmla="*/ 318124 w 6264586"/>
+                <a:gd name="connsiteY37" fmla="*/ 3414202 h 6858001"/>
+                <a:gd name="connsiteX38" fmla="*/ 230729 w 6264586"/>
+                <a:gd name="connsiteY38" fmla="*/ 4169260 h 6858001"/>
+                <a:gd name="connsiteX39" fmla="*/ 268893 w 6264586"/>
+                <a:gd name="connsiteY39" fmla="*/ 4544236 h 6858001"/>
+                <a:gd name="connsiteX40" fmla="*/ 379840 w 6264586"/>
+                <a:gd name="connsiteY40" fmla="*/ 4900056 h 6858001"/>
+                <a:gd name="connsiteX41" fmla="*/ 406512 w 6264586"/>
+                <a:gd name="connsiteY41" fmla="*/ 4960211 h 6858001"/>
+                <a:gd name="connsiteX42" fmla="*/ 417862 w 6264586"/>
+                <a:gd name="connsiteY42" fmla="*/ 4984613 h 6858001"/>
+                <a:gd name="connsiteX43" fmla="*/ 428077 w 6264586"/>
+                <a:gd name="connsiteY43" fmla="*/ 5005043 h 6858001"/>
+                <a:gd name="connsiteX44" fmla="*/ 460140 w 6264586"/>
+                <a:gd name="connsiteY44" fmla="*/ 5067327 h 6858001"/>
+                <a:gd name="connsiteX45" fmla="*/ 555197 w 6264586"/>
+                <a:gd name="connsiteY45" fmla="*/ 5229773 h 6858001"/>
+                <a:gd name="connsiteX46" fmla="*/ 660611 w 6264586"/>
+                <a:gd name="connsiteY46" fmla="*/ 5387396 h 6858001"/>
+                <a:gd name="connsiteX47" fmla="*/ 774110 w 6264586"/>
+                <a:gd name="connsiteY47" fmla="*/ 5542182 h 6858001"/>
+                <a:gd name="connsiteX48" fmla="*/ 917829 w 6264586"/>
+                <a:gd name="connsiteY48" fmla="*/ 5727896 h 6858001"/>
+                <a:gd name="connsiteX49" fmla="*/ 1012885 w 6264586"/>
+                <a:gd name="connsiteY49" fmla="*/ 5849767 h 6858001"/>
+                <a:gd name="connsiteX50" fmla="*/ 1133053 w 6264586"/>
+                <a:gd name="connsiteY50" fmla="*/ 6006822 h 6858001"/>
+                <a:gd name="connsiteX51" fmla="*/ 1194343 w 6264586"/>
+                <a:gd name="connsiteY51" fmla="*/ 6090245 h 6858001"/>
+                <a:gd name="connsiteX52" fmla="*/ 1249390 w 6264586"/>
+                <a:gd name="connsiteY52" fmla="*/ 6165155 h 6858001"/>
+                <a:gd name="connsiteX53" fmla="*/ 1345724 w 6264586"/>
+                <a:gd name="connsiteY53" fmla="*/ 6292132 h 6858001"/>
+                <a:gd name="connsiteX54" fmla="*/ 1364310 w 6264586"/>
+                <a:gd name="connsiteY54" fmla="*/ 6316251 h 6858001"/>
+                <a:gd name="connsiteX55" fmla="*/ 1373673 w 6264586"/>
+                <a:gd name="connsiteY55" fmla="*/ 6327885 h 6858001"/>
+                <a:gd name="connsiteX56" fmla="*/ 1484619 w 6264586"/>
+                <a:gd name="connsiteY56" fmla="*/ 6462240 h 6858001"/>
+                <a:gd name="connsiteX57" fmla="*/ 1739000 w 6264586"/>
+                <a:gd name="connsiteY57" fmla="*/ 6737335 h 6858001"/>
+                <a:gd name="connsiteX58" fmla="*/ 1866801 w 6264586"/>
+                <a:gd name="connsiteY58" fmla="*/ 6858001 h 6858001"/>
+                <a:gd name="connsiteX59" fmla="*/ 1144149 w 6264586"/>
+                <a:gd name="connsiteY59" fmla="*/ 6858001 h 6858001"/>
+                <a:gd name="connsiteX60" fmla="*/ 1058349 w 6264586"/>
+                <a:gd name="connsiteY60" fmla="*/ 6766452 h 6858001"/>
+                <a:gd name="connsiteX61" fmla="*/ 580309 w 6264586"/>
+                <a:gd name="connsiteY61" fmla="*/ 6105000 h 6858001"/>
+                <a:gd name="connsiteX62" fmla="*/ 1 w 6264586"/>
+                <a:gd name="connsiteY62" fmla="*/ 3960094 h 6858001"/>
+                <a:gd name="connsiteX63" fmla="*/ 2599292 w 6264586"/>
+                <a:gd name="connsiteY63" fmla="*/ 37050 h 6858001"/>
+              </a:gdLst>
+              <a:ahLst/>
+              <a:cxnLst>
+                <a:cxn ang="0">
+                  <a:pos x="connsiteX0" y="connsiteY0"/>
+                </a:cxn>
+                <a:cxn ang="0">
+                  <a:pos x="connsiteX1" y="connsiteY1"/>
+                </a:cxn>
+                <a:cxn ang="0">
+                  <a:pos x="connsiteX2" y="connsiteY2"/>
+                </a:cxn>
+                <a:cxn ang="0">
+                  <a:pos x="connsiteX3" y="connsiteY3"/>
+                </a:cxn>
+                <a:cxn ang="0">
+                  <a:pos x="connsiteX4" y="connsiteY4"/>
+                </a:cxn>
+                <a:cxn ang="0">
+                  <a:pos x="connsiteX5" y="connsiteY5"/>
+                </a:cxn>
+                <a:cxn ang="0">
+                  <a:pos x="connsiteX6" y="connsiteY6"/>
+                </a:cxn>
+                <a:cxn ang="0">
+                  <a:pos x="connsiteX7" y="connsiteY7"/>
+                </a:cxn>
+                <a:cxn ang="0">
+                  <a:pos x="connsiteX8" y="connsiteY8"/>
+                </a:cxn>
+                <a:cxn ang="0">
+                  <a:pos x="connsiteX9" y="connsiteY9"/>
+                </a:cxn>
+                <a:cxn ang="0">
+                  <a:pos x="connsiteX10" y="connsiteY10"/>
+                </a:cxn>
+                <a:cxn ang="0">
+                  <a:pos x="connsiteX11" y="connsiteY11"/>
+                </a:cxn>
+                <a:cxn ang="0">
+                  <a:pos x="connsiteX12" y="connsiteY12"/>
+                </a:cxn>
+                <a:cxn ang="0">
+                  <a:pos x="connsiteX13" y="connsiteY13"/>
+                </a:cxn>
+                <a:cxn ang="0">
+                  <a:pos x="connsiteX14" y="connsiteY14"/>
+                </a:cxn>
+                <a:cxn ang="0">
+                  <a:pos x="connsiteX15" y="connsiteY15"/>
+                </a:cxn>
+                <a:cxn ang="0">
+                  <a:pos x="connsiteX16" y="connsiteY16"/>
+                </a:cxn>
+                <a:cxn ang="0">
+                  <a:pos x="connsiteX17" y="connsiteY17"/>
+                </a:cxn>
+                <a:cxn ang="0">
+                  <a:pos x="connsiteX18" y="connsiteY18"/>
+                </a:cxn>
+                <a:cxn ang="0">
+                  <a:pos x="connsiteX19" y="connsiteY19"/>
+                </a:cxn>
+                <a:cxn ang="0">
+                  <a:pos x="connsiteX20" y="connsiteY20"/>
+                </a:cxn>
+                <a:cxn ang="0">
+                  <a:pos x="connsiteX21" y="connsiteY21"/>
+                </a:cxn>
+                <a:cxn ang="0">
+                  <a:pos x="connsiteX22" y="connsiteY22"/>
+                </a:cxn>
+                <a:cxn ang="0">
+                  <a:pos x="connsiteX23" y="connsiteY23"/>
+                </a:cxn>
+                <a:cxn ang="0">
+                  <a:pos x="connsiteX24" y="connsiteY24"/>
+                </a:cxn>
+                <a:cxn ang="0">
+                  <a:pos x="connsiteX25" y="connsiteY25"/>
+                </a:cxn>
+                <a:cxn ang="0">
+                  <a:pos x="connsiteX26" y="connsiteY26"/>
+                </a:cxn>
+                <a:cxn ang="0">
+                  <a:pos x="connsiteX27" y="connsiteY27"/>
+                </a:cxn>
+                <a:cxn ang="0">
+                  <a:pos x="connsiteX28" y="connsiteY28"/>
+                </a:cxn>
+                <a:cxn ang="0">
+                  <a:pos x="connsiteX29" y="connsiteY29"/>
+                </a:cxn>
+                <a:cxn ang="0">
+                  <a:pos x="connsiteX30" y="connsiteY30"/>
+                </a:cxn>
+                <a:cxn ang="0">
+                  <a:pos x="connsiteX31" y="connsiteY31"/>
+                </a:cxn>
+                <a:cxn ang="0">
+                  <a:pos x="connsiteX32" y="connsiteY32"/>
+                </a:cxn>
+                <a:cxn ang="0">
+                  <a:pos x="connsiteX33" y="connsiteY33"/>
+                </a:cxn>
+                <a:cxn ang="0">
+                  <a:pos x="connsiteX34" y="connsiteY34"/>
+                </a:cxn>
+                <a:cxn ang="0">
+                  <a:pos x="connsiteX35" y="connsiteY35"/>
+                </a:cxn>
+                <a:cxn ang="0">
+                  <a:pos x="connsiteX36" y="connsiteY36"/>
+                </a:cxn>
+                <a:cxn ang="0">
+                  <a:pos x="connsiteX37" y="connsiteY37"/>
+                </a:cxn>
+                <a:cxn ang="0">
+                  <a:pos x="connsiteX38" y="connsiteY38"/>
+                </a:cxn>
+                <a:cxn ang="0">
+                  <a:pos x="connsiteX39" y="connsiteY39"/>
+                </a:cxn>
+                <a:cxn ang="0">
+                  <a:pos x="connsiteX40" y="connsiteY40"/>
+                </a:cxn>
+                <a:cxn ang="0">
+                  <a:pos x="connsiteX41" y="connsiteY41"/>
+                </a:cxn>
+                <a:cxn ang="0">
+                  <a:pos x="connsiteX42" y="connsiteY42"/>
+                </a:cxn>
+                <a:cxn ang="0">
+                  <a:pos x="connsiteX43" y="connsiteY43"/>
+                </a:cxn>
+                <a:cxn ang="0">
+                  <a:pos x="connsiteX44" y="connsiteY44"/>
+                </a:cxn>
+                <a:cxn ang="0">
+                  <a:pos x="connsiteX45" y="connsiteY45"/>
+                </a:cxn>
+                <a:cxn ang="0">
+                  <a:pos x="connsiteX46" y="connsiteY46"/>
+                </a:cxn>
+                <a:cxn ang="0">
+                  <a:pos x="connsiteX47" y="connsiteY47"/>
+                </a:cxn>
+                <a:cxn ang="0">
+                  <a:pos x="connsiteX48" y="connsiteY48"/>
+                </a:cxn>
+                <a:cxn ang="0">
+                  <a:pos x="connsiteX49" y="connsiteY49"/>
+                </a:cxn>
+                <a:cxn ang="0">
+                  <a:pos x="connsiteX50" y="connsiteY50"/>
+                </a:cxn>
+                <a:cxn ang="0">
+                  <a:pos x="connsiteX51" y="connsiteY51"/>
+                </a:cxn>
+                <a:cxn ang="0">
+                  <a:pos x="connsiteX52" y="connsiteY52"/>
+                </a:cxn>
+                <a:cxn ang="0">
+                  <a:pos x="connsiteX53" y="connsiteY53"/>
+                </a:cxn>
+                <a:cxn ang="0">
+                  <a:pos x="connsiteX54" y="connsiteY54"/>
+                </a:cxn>
+                <a:cxn ang="0">
+                  <a:pos x="connsiteX55" y="connsiteY55"/>
+                </a:cxn>
+                <a:cxn ang="0">
+                  <a:pos x="connsiteX56" y="connsiteY56"/>
+                </a:cxn>
+                <a:cxn ang="0">
+                  <a:pos x="connsiteX57" y="connsiteY57"/>
+                </a:cxn>
+                <a:cxn ang="0">
+                  <a:pos x="connsiteX58" y="connsiteY58"/>
+                </a:cxn>
+                <a:cxn ang="0">
+                  <a:pos x="connsiteX59" y="connsiteY59"/>
+                </a:cxn>
+                <a:cxn ang="0">
+                  <a:pos x="connsiteX60" y="connsiteY60"/>
+                </a:cxn>
+                <a:cxn ang="0">
+                  <a:pos x="connsiteX61" y="connsiteY61"/>
+                </a:cxn>
+                <a:cxn ang="0">
+                  <a:pos x="connsiteX62" y="connsiteY62"/>
+                </a:cxn>
+                <a:cxn ang="0">
+                  <a:pos x="connsiteX63" y="connsiteY63"/>
+                </a:cxn>
+              </a:cxnLst>
+              <a:rect l="l" t="t" r="r" b="b"/>
+              <a:pathLst>
+                <a:path w="6264586" h="6858001">
+                  <a:moveTo>
+                    <a:pt x="6264586" y="6646464"/>
+                  </a:moveTo>
+                  <a:lnTo>
+                    <a:pt x="6264586" y="6858001"/>
+                  </a:lnTo>
+                  <a:lnTo>
+                    <a:pt x="5997170" y="6858001"/>
+                  </a:lnTo>
+                  <a:lnTo>
+                    <a:pt x="6121512" y="6761029"/>
+                  </a:lnTo>
+                  <a:close/>
+                  <a:moveTo>
+                    <a:pt x="2693206" y="0"/>
+                  </a:moveTo>
+                  <a:lnTo>
+                    <a:pt x="5872285" y="0"/>
+                  </a:lnTo>
+                  <a:lnTo>
+                    <a:pt x="6024875" y="68385"/>
+                  </a:lnTo>
+                  <a:cubicBezTo>
+                    <a:pt x="6086250" y="97989"/>
+                    <a:pt x="6146793" y="129318"/>
+                    <a:pt x="6206432" y="162336"/>
+                  </a:cubicBezTo>
+                  <a:lnTo>
+                    <a:pt x="6264586" y="196704"/>
+                  </a:lnTo>
+                  <a:lnTo>
+                    <a:pt x="6264586" y="537242"/>
+                  </a:lnTo>
+                  <a:lnTo>
+                    <a:pt x="6230189" y="517260"/>
+                  </a:lnTo>
+                  <a:cubicBezTo>
+                    <a:pt x="6012226" y="399931"/>
+                    <a:pt x="5780573" y="310008"/>
+                    <a:pt x="5540536" y="249543"/>
+                  </a:cubicBezTo>
+                  <a:cubicBezTo>
+                    <a:pt x="5421375" y="219324"/>
+                    <a:pt x="5300641" y="195644"/>
+                    <a:pt x="5178896" y="178606"/>
+                  </a:cubicBezTo>
+                  <a:cubicBezTo>
+                    <a:pt x="5057977" y="161840"/>
+                    <a:pt x="4936276" y="151186"/>
+                    <a:pt x="4814279" y="146683"/>
+                  </a:cubicBezTo>
+                  <a:cubicBezTo>
+                    <a:pt x="4761501" y="144556"/>
+                    <a:pt x="4708015" y="143421"/>
+                    <a:pt x="4655095" y="143421"/>
+                  </a:cubicBezTo>
+                  <a:cubicBezTo>
+                    <a:pt x="4462968" y="143573"/>
+                    <a:pt x="4271111" y="157799"/>
+                    <a:pt x="4081069" y="185983"/>
+                  </a:cubicBezTo>
+                  <a:cubicBezTo>
+                    <a:pt x="3956361" y="205703"/>
+                    <a:pt x="3835058" y="229396"/>
+                    <a:pt x="3720566" y="256921"/>
+                  </a:cubicBezTo>
+                  <a:cubicBezTo>
+                    <a:pt x="3596708" y="286714"/>
+                    <a:pt x="3477677" y="320905"/>
+                    <a:pt x="3365879" y="357651"/>
+                  </a:cubicBezTo>
+                  <a:cubicBezTo>
+                    <a:pt x="3249257" y="395958"/>
+                    <a:pt x="3133487" y="438945"/>
+                    <a:pt x="3020555" y="486190"/>
+                  </a:cubicBezTo>
+                  <a:cubicBezTo>
+                    <a:pt x="2907623" y="533434"/>
+                    <a:pt x="2794832" y="585786"/>
+                    <a:pt x="2685163" y="641542"/>
+                  </a:cubicBezTo>
+                  <a:cubicBezTo>
+                    <a:pt x="2463995" y="754348"/>
+                    <a:pt x="2250998" y="882488"/>
+                    <a:pt x="2047720" y="1025030"/>
+                  </a:cubicBezTo>
+                  <a:cubicBezTo>
+                    <a:pt x="2006151" y="1054399"/>
+                    <a:pt x="1951528" y="1093415"/>
+                    <a:pt x="1897333" y="1134983"/>
+                  </a:cubicBezTo>
+                  <a:cubicBezTo>
+                    <a:pt x="1876761" y="1150164"/>
+                    <a:pt x="1855905" y="1166479"/>
+                    <a:pt x="1835758" y="1182227"/>
+                  </a:cubicBezTo>
+                  <a:lnTo>
+                    <a:pt x="1823273" y="1192016"/>
+                  </a:lnTo>
+                  <a:cubicBezTo>
+                    <a:pt x="1797027" y="1211879"/>
+                    <a:pt x="1772057" y="1232309"/>
+                    <a:pt x="1750918" y="1249760"/>
+                  </a:cubicBezTo>
+                  <a:cubicBezTo>
+                    <a:pt x="1645931" y="1335737"/>
+                    <a:pt x="1554422" y="1416605"/>
+                    <a:pt x="1469297" y="1496906"/>
+                  </a:cubicBezTo>
+                  <a:cubicBezTo>
+                    <a:pt x="1286595" y="1668957"/>
+                    <a:pt x="1118818" y="1856190"/>
+                    <a:pt x="967769" y="2056602"/>
+                  </a:cubicBezTo>
+                  <a:cubicBezTo>
+                    <a:pt x="890731" y="2159603"/>
+                    <a:pt x="818800" y="2264590"/>
+                    <a:pt x="754105" y="2368727"/>
+                  </a:cubicBezTo>
+                  <a:cubicBezTo>
+                    <a:pt x="681749" y="2488328"/>
+                    <a:pt x="622304" y="2596720"/>
+                    <a:pt x="572364" y="2701140"/>
+                  </a:cubicBezTo>
+                  <a:cubicBezTo>
+                    <a:pt x="557609" y="2730507"/>
+                    <a:pt x="543989" y="2760443"/>
+                    <a:pt x="532497" y="2786265"/>
+                  </a:cubicBezTo>
+                  <a:lnTo>
+                    <a:pt x="512918" y="2828827"/>
+                  </a:lnTo>
+                  <a:lnTo>
+                    <a:pt x="494475" y="2872240"/>
+                  </a:lnTo>
+                  <a:lnTo>
+                    <a:pt x="491637" y="2878908"/>
+                  </a:lnTo>
+                  <a:cubicBezTo>
+                    <a:pt x="480146" y="2906575"/>
+                    <a:pt x="469220" y="2932821"/>
+                    <a:pt x="459290" y="2959635"/>
+                  </a:cubicBezTo>
+                  <a:cubicBezTo>
+                    <a:pt x="455176" y="2970559"/>
+                    <a:pt x="451060" y="2981484"/>
+                    <a:pt x="446805" y="2992408"/>
+                  </a:cubicBezTo>
+                  <a:cubicBezTo>
+                    <a:pt x="439427" y="3012412"/>
+                    <a:pt x="432333" y="3030572"/>
+                    <a:pt x="426090" y="3049158"/>
+                  </a:cubicBezTo>
+                  <a:lnTo>
+                    <a:pt x="426090" y="3049867"/>
+                  </a:lnTo>
+                  <a:cubicBezTo>
+                    <a:pt x="383010" y="3169099"/>
+                    <a:pt x="346959" y="3290756"/>
+                    <a:pt x="318124" y="3414202"/>
+                  </a:cubicBezTo>
+                  <a:cubicBezTo>
+                    <a:pt x="260107" y="3661703"/>
+                    <a:pt x="230780" y="3915049"/>
+                    <a:pt x="230729" y="4169260"/>
+                  </a:cubicBezTo>
+                  <a:cubicBezTo>
+                    <a:pt x="231621" y="4295173"/>
+                    <a:pt x="244398" y="4420719"/>
+                    <a:pt x="268893" y="4544236"/>
+                  </a:cubicBezTo>
+                  <a:cubicBezTo>
+                    <a:pt x="293708" y="4666304"/>
+                    <a:pt x="330882" y="4785521"/>
+                    <a:pt x="379840" y="4900056"/>
+                  </a:cubicBezTo>
+                  <a:cubicBezTo>
+                    <a:pt x="387926" y="4919919"/>
+                    <a:pt x="397006" y="4939498"/>
+                    <a:pt x="406512" y="4960211"/>
+                  </a:cubicBezTo>
+                  <a:cubicBezTo>
+                    <a:pt x="410343" y="4968299"/>
+                    <a:pt x="414173" y="4976385"/>
+                    <a:pt x="417862" y="4984613"/>
+                  </a:cubicBezTo>
+                  <a:lnTo>
+                    <a:pt x="428077" y="5005043"/>
+                  </a:lnTo>
+                  <a:cubicBezTo>
+                    <a:pt x="438860" y="5026751"/>
+                    <a:pt x="449075" y="5047181"/>
+                    <a:pt x="460140" y="5067327"/>
+                  </a:cubicBezTo>
+                  <a:cubicBezTo>
+                    <a:pt x="485536" y="5116273"/>
+                    <a:pt x="514763" y="5165789"/>
+                    <a:pt x="555197" y="5229773"/>
+                  </a:cubicBezTo>
+                  <a:cubicBezTo>
+                    <a:pt x="586836" y="5280282"/>
+                    <a:pt x="620318" y="5329511"/>
+                    <a:pt x="660611" y="5387396"/>
+                  </a:cubicBezTo>
+                  <a:cubicBezTo>
+                    <a:pt x="698065" y="5440741"/>
+                    <a:pt x="737223" y="5493094"/>
+                    <a:pt x="774110" y="5542182"/>
+                  </a:cubicBezTo>
+                  <a:cubicBezTo>
+                    <a:pt x="821070" y="5604324"/>
+                    <a:pt x="870301" y="5667173"/>
+                    <a:pt x="917829" y="5727896"/>
+                  </a:cubicBezTo>
+                  <a:cubicBezTo>
+                    <a:pt x="949042" y="5767762"/>
+                    <a:pt x="979828" y="5807063"/>
+                    <a:pt x="1012885" y="5849767"/>
+                  </a:cubicBezTo>
+                  <a:cubicBezTo>
+                    <a:pt x="1045942" y="5892471"/>
+                    <a:pt x="1089497" y="5948796"/>
+                    <a:pt x="1133053" y="6006822"/>
+                  </a:cubicBezTo>
+                  <a:cubicBezTo>
+                    <a:pt x="1153624" y="6034345"/>
+                    <a:pt x="1175332" y="6063998"/>
+                    <a:pt x="1194343" y="6090245"/>
+                  </a:cubicBezTo>
+                  <a:cubicBezTo>
+                    <a:pt x="1213355" y="6116491"/>
+                    <a:pt x="1231372" y="6141178"/>
+                    <a:pt x="1249390" y="6165155"/>
+                  </a:cubicBezTo>
+                  <a:cubicBezTo>
+                    <a:pt x="1280461" y="6208000"/>
+                    <a:pt x="1313659" y="6250847"/>
+                    <a:pt x="1345724" y="6292132"/>
+                  </a:cubicBezTo>
+                  <a:lnTo>
+                    <a:pt x="1364310" y="6316251"/>
+                  </a:lnTo>
+                  <a:lnTo>
+                    <a:pt x="1373673" y="6327885"/>
+                  </a:lnTo>
+                  <a:cubicBezTo>
+                    <a:pt x="1409566" y="6372433"/>
+                    <a:pt x="1446738" y="6418542"/>
+                    <a:pt x="1484619" y="6462240"/>
+                  </a:cubicBezTo>
+                  <a:cubicBezTo>
+                    <a:pt x="1567899" y="6559850"/>
+                    <a:pt x="1653876" y="6652211"/>
+                    <a:pt x="1739000" y="6737335"/>
+                  </a:cubicBezTo>
+                  <a:lnTo>
+                    <a:pt x="1866801" y="6858001"/>
+                  </a:lnTo>
+                  <a:lnTo>
+                    <a:pt x="1144149" y="6858001"/>
+                  </a:lnTo>
+                  <a:lnTo>
+                    <a:pt x="1058349" y="6766452"/>
+                  </a:lnTo>
+                  <a:cubicBezTo>
+                    <a:pt x="878978" y="6562465"/>
+                    <a:pt x="718756" y="6341104"/>
+                    <a:pt x="580309" y="6105000"/>
+                  </a:cubicBezTo>
+                  <a:cubicBezTo>
+                    <a:pt x="200401" y="5454007"/>
+                    <a:pt x="146" y="4713831"/>
+                    <a:pt x="1" y="3960094"/>
+                  </a:cubicBezTo>
+                  <a:cubicBezTo>
+                    <a:pt x="-335" y="2196754"/>
+                    <a:pt x="1071479" y="683605"/>
+                    <a:pt x="2599292" y="37050"/>
+                  </a:cubicBezTo>
+                  <a:close/>
+                </a:path>
+              </a:pathLst>
+            </a:custGeom>
+            <a:gradFill>
+              <a:gsLst>
+                <a:gs pos="2000">
+                  <a:schemeClr val="bg1">
+                    <a:alpha val="10000"/>
+                  </a:schemeClr>
+                </a:gs>
+                <a:gs pos="16000">
+                  <a:schemeClr val="accent6">
+                    <a:alpha val="10000"/>
+                  </a:schemeClr>
+                </a:gs>
+                <a:gs pos="100000">
+                  <a:schemeClr val="bg1">
+                    <a:alpha val="10000"/>
+                  </a:schemeClr>
+                </a:gs>
+                <a:gs pos="85000">
+                  <a:schemeClr val="accent1">
+                    <a:alpha val="10000"/>
+                  </a:schemeClr>
+                </a:gs>
+              </a:gsLst>
+              <a:lin ang="12000000" scaled="0"/>
+            </a:gradFill>
+            <a:ln>
+              <a:noFill/>
+            </a:ln>
+          </p:spPr>
+          <p:style>
+            <a:lnRef idx="2">
+              <a:schemeClr val="accent1">
+                <a:shade val="50000"/>
+              </a:schemeClr>
+            </a:lnRef>
+            <a:fillRef idx="1">
+              <a:schemeClr val="accent1"/>
+            </a:fillRef>
+            <a:effectRef idx="0">
+              <a:schemeClr val="accent1"/>
+            </a:effectRef>
+            <a:fontRef idx="minor">
+              <a:schemeClr val="lt1"/>
+            </a:fontRef>
+          </p:style>
+          <p:txBody>
+            <a:bodyPr rtlCol="0" anchor="ctr"/>
+            <a:lstStyle/>
+            <a:p>
+              <a:pPr algn="ctr"/>
+              <a:endParaRPr lang="en-US" dirty="0"/>
+            </a:p>
+          </p:txBody>
+        </p:sp>
+      </p:grpSp>
     </p:spTree>
     <p:extLst>
       <p:ext uri="{BB962C8B-B14F-4D97-AF65-F5344CB8AC3E}">
-        <p14:creationId xmlns:p14="http://schemas.microsoft.com/office/powerpoint/2010/main" val="4147237148"/>
+        <p14:creationId xmlns:p14="http://schemas.microsoft.com/office/powerpoint/2010/main" val="4198811885"/>
       </p:ext>
     </p:extLst>
   </p:cSld>
@@ -3429,7 +5655,7 @@
           <p:cNvPr id="2" name="Titel 1">
             <a:extLst>
               <a:ext uri="{FF2B5EF4-FFF2-40B4-BE49-F238E27FC236}">
-                <a16:creationId xmlns:a16="http://schemas.microsoft.com/office/drawing/2014/main" id="{1CC032B2-C826-B971-6C23-57E68768982A}"/>
+                <a16:creationId xmlns:a16="http://schemas.microsoft.com/office/drawing/2014/main" id="{635CF2F7-40F1-4EA0-DFDE-B799F2096372}"/>
               </a:ext>
             </a:extLst>
           </p:cNvPr>
@@ -3437,7 +5663,7 @@
             <a:spLocks noGrp="1"/>
           </p:cNvSpPr>
           <p:nvPr>
-            <p:ph type="ctrTitle"/>
+            <p:ph type="title"/>
           </p:nvPr>
         </p:nvSpPr>
         <p:spPr/>
@@ -3446,22 +5672,31 @@
           <a:lstStyle/>
           <a:p>
             <a:r>
+              <a:rPr lang="de-DE" dirty="0"/>
+              <a:t>… in </a:t>
+            </a:r>
+            <a:r>
               <a:rPr lang="de-DE" dirty="0" err="1"/>
-              <a:t>Principle</a:t>
+              <a:t>your</a:t>
             </a:r>
             <a:r>
               <a:rPr lang="de-DE" dirty="0"/>
-              <a:t>:</a:t>
-            </a:r>
+              <a:t> </a:t>
+            </a:r>
+            <a:r>
+              <a:rPr lang="de-DE" dirty="0" err="1"/>
+              <a:t>Cargo.toml</a:t>
+            </a:r>
+            <a:endParaRPr lang="de-AT" dirty="0"/>
           </a:p>
         </p:txBody>
       </p:sp>
       <p:sp>
         <p:nvSpPr>
-          <p:cNvPr id="3" name="Untertitel 2">
-            <a:extLst>
-              <a:ext uri="{FF2B5EF4-FFF2-40B4-BE49-F238E27FC236}">
-                <a16:creationId xmlns:a16="http://schemas.microsoft.com/office/drawing/2014/main" id="{91D3E1D6-4E92-3CF3-79A0-C3D06EECF650}"/>
+          <p:cNvPr id="3" name="Inhaltsplatzhalter 2">
+            <a:extLst>
+              <a:ext uri="{FF2B5EF4-FFF2-40B4-BE49-F238E27FC236}">
+                <a16:creationId xmlns:a16="http://schemas.microsoft.com/office/drawing/2014/main" id="{7068B3D2-9793-1871-3200-B38649508FF6}"/>
               </a:ext>
             </a:extLst>
           </p:cNvPr>
@@ -3469,7 +5704,7 @@
             <a:spLocks noGrp="1"/>
           </p:cNvSpPr>
           <p:nvPr>
-            <p:ph type="subTitle" idx="1"/>
+            <p:ph idx="1"/>
           </p:nvPr>
         </p:nvSpPr>
         <p:spPr/>
@@ -3477,87 +5712,60 @@
           <a:bodyPr/>
           <a:lstStyle/>
           <a:p>
-            <a:r>
-              <a:rPr lang="de-DE" dirty="0"/>
-              <a:t>URI-Path   -&gt;   Handler </a:t>
-            </a:r>
-            <a:r>
-              <a:rPr lang="de-DE" dirty="0" err="1"/>
-              <a:t>Function</a:t>
-            </a:r>
-            <a:endParaRPr lang="de-DE" dirty="0"/>
-          </a:p>
-          <a:p>
-            <a:r>
-              <a:rPr lang="de-AT" b="0" dirty="0">
-                <a:solidFill>
-                  <a:srgbClr val="CE9178"/>
-                </a:solidFill>
-                <a:effectLst/>
-                <a:latin typeface="Menlo" panose="020B0609030804020204" pitchFamily="49" charset="0"/>
-              </a:rPr>
-              <a:t>"/"</a:t>
-            </a:r>
-            <a:r>
-              <a:rPr lang="de-AT" b="0" dirty="0">
-                <a:solidFill>
-                  <a:srgbClr val="CCCCCC"/>
-                </a:solidFill>
-                <a:effectLst/>
-                <a:latin typeface="Menlo" panose="020B0609030804020204" pitchFamily="49" charset="0"/>
-              </a:rPr>
-              <a:t> </a:t>
-            </a:r>
-            <a:r>
-              <a:rPr lang="de-AT" b="0" dirty="0">
-                <a:solidFill>
-                  <a:srgbClr val="D4D4D4"/>
-                </a:solidFill>
-                <a:effectLst/>
-                <a:latin typeface="Menlo" panose="020B0609030804020204" pitchFamily="49" charset="0"/>
-              </a:rPr>
-              <a:t>-&gt;</a:t>
-            </a:r>
-            <a:r>
-              <a:rPr lang="de-AT" b="0" dirty="0">
-                <a:solidFill>
-                  <a:srgbClr val="CCCCCC"/>
-                </a:solidFill>
-                <a:effectLst/>
-                <a:latin typeface="Menlo" panose="020B0609030804020204" pitchFamily="49" charset="0"/>
-              </a:rPr>
-              <a:t> </a:t>
-            </a:r>
-            <a:r>
-              <a:rPr lang="de-AT" b="0" dirty="0" err="1">
-                <a:solidFill>
-                  <a:srgbClr val="569CD6"/>
-                </a:solidFill>
-                <a:effectLst/>
-                <a:latin typeface="Menlo" panose="020B0609030804020204" pitchFamily="49" charset="0"/>
-              </a:rPr>
-              <a:t>fn</a:t>
-            </a:r>
-            <a:r>
-              <a:rPr lang="de-AT" b="0" dirty="0">
-                <a:solidFill>
-                  <a:srgbClr val="CCCCCC"/>
-                </a:solidFill>
-                <a:effectLst/>
-                <a:latin typeface="Menlo" panose="020B0609030804020204" pitchFamily="49" charset="0"/>
-              </a:rPr>
-              <a:t>()</a:t>
-            </a:r>
-          </a:p>
-          <a:p>
-            <a:endParaRPr lang="de-DE" dirty="0"/>
+            <a:pPr marL="0" indent="0">
+              <a:buNone/>
+            </a:pPr>
+            <a:endParaRPr lang="de-AT" dirty="0"/>
+          </a:p>
+          <a:p>
+            <a:pPr marL="0" indent="0">
+              <a:buNone/>
+            </a:pPr>
+            <a:r>
+              <a:rPr lang="de-AT" dirty="0"/>
+              <a:t>[</a:t>
+            </a:r>
+            <a:r>
+              <a:rPr lang="de-AT" dirty="0" err="1"/>
+              <a:t>dependencies</a:t>
+            </a:r>
+            <a:r>
+              <a:rPr lang="de-AT" dirty="0"/>
+              <a:t>]</a:t>
+            </a:r>
+          </a:p>
+          <a:p>
+            <a:pPr marL="0" indent="0">
+              <a:buNone/>
+            </a:pPr>
+            <a:r>
+              <a:rPr lang="de-AT" dirty="0" err="1"/>
+              <a:t>actix</a:t>
+            </a:r>
+            <a:r>
+              <a:rPr lang="de-AT" dirty="0"/>
+              <a:t>-web = "4"</a:t>
+            </a:r>
+          </a:p>
+          <a:p>
+            <a:pPr marL="0" indent="0">
+              <a:buNone/>
+            </a:pPr>
+            <a:r>
+              <a:rPr lang="de-AT" dirty="0" err="1"/>
+              <a:t>serde</a:t>
+            </a:r>
+            <a:r>
+              <a:rPr lang="de-AT" dirty="0"/>
+              <a:t> = "1.0.193"</a:t>
+            </a:r>
           </a:p>
         </p:txBody>
       </p:sp>
     </p:spTree>
     <p:extLst>
       <p:ext uri="{BB962C8B-B14F-4D97-AF65-F5344CB8AC3E}">
-        <p14:creationId xmlns:p14="http://schemas.microsoft.com/office/powerpoint/2010/main" val="1296110748"/>
+        <p14:creationId xmlns:p14="http://schemas.microsoft.com/office/powerpoint/2010/main" val="2759533678"/>
       </p:ext>
     </p:extLst>
   </p:cSld>
@@ -3643,17 +5851,16 @@
               </a:rPr>
               <a:t>HttpServer</a:t>
             </a:r>
-            <a:endParaRPr lang="de-AT" sz="3600" dirty="0">
-              <a:solidFill>
-                <a:srgbClr val="CCCCCC"/>
-              </a:solidFill>
-              <a:latin typeface="Menlo" panose="020B0609030804020204" pitchFamily="49" charset="0"/>
-            </a:endParaRPr>
-          </a:p>
-          <a:p>
-            <a:pPr marL="0" indent="0">
-              <a:buNone/>
-            </a:pPr>
+            <a:r>
+              <a:rPr lang="de-AT" sz="3600" b="0" dirty="0">
+                <a:solidFill>
+                  <a:srgbClr val="4EC9B0"/>
+                </a:solidFill>
+                <a:effectLst/>
+                <a:latin typeface="Menlo" panose="020B0609030804020204" pitchFamily="49" charset="0"/>
+              </a:rPr>
+              <a:t> </a:t>
+            </a:r>
             <a:br>
               <a:rPr lang="de-AT" b="0" dirty="0">
                 <a:solidFill>
@@ -3692,97 +5899,9 @@
             </a:endParaRPr>
           </a:p>
           <a:p>
-            <a:pPr lvl="3"/>
-            <a:r>
-              <a:rPr lang="de-AT" sz="2400" b="0" dirty="0">
-                <a:solidFill>
-                  <a:srgbClr val="CCCCCC"/>
-                </a:solidFill>
-                <a:effectLst/>
-                <a:latin typeface="Menlo" panose="020B0609030804020204" pitchFamily="49" charset="0"/>
-              </a:rPr>
-              <a:t>URI</a:t>
-            </a:r>
-            <a:r>
-              <a:rPr lang="de-AT" sz="2400" b="0" dirty="0">
-                <a:solidFill>
-                  <a:srgbClr val="D4D4D4"/>
-                </a:solidFill>
-                <a:effectLst/>
-                <a:latin typeface="Menlo" panose="020B0609030804020204" pitchFamily="49" charset="0"/>
-              </a:rPr>
-              <a:t>-</a:t>
-            </a:r>
-            <a:r>
-              <a:rPr lang="de-AT" sz="2400" b="0" dirty="0">
-                <a:solidFill>
-                  <a:srgbClr val="4EC9B0"/>
-                </a:solidFill>
-                <a:effectLst/>
-                <a:latin typeface="Menlo" panose="020B0609030804020204" pitchFamily="49" charset="0"/>
-              </a:rPr>
-              <a:t>Path</a:t>
-            </a:r>
-            <a:r>
-              <a:rPr lang="de-AT" sz="2400" b="0" dirty="0">
-                <a:solidFill>
-                  <a:srgbClr val="CCCCCC"/>
-                </a:solidFill>
-                <a:effectLst/>
-                <a:latin typeface="Menlo" panose="020B0609030804020204" pitchFamily="49" charset="0"/>
-              </a:rPr>
-              <a:t> </a:t>
-            </a:r>
-            <a:r>
-              <a:rPr lang="de-AT" sz="2400" b="0" dirty="0">
-                <a:solidFill>
-                  <a:srgbClr val="D4D4D4"/>
-                </a:solidFill>
-                <a:effectLst/>
-                <a:latin typeface="Menlo" panose="020B0609030804020204" pitchFamily="49" charset="0"/>
-              </a:rPr>
-              <a:t>-&gt;</a:t>
-            </a:r>
-            <a:r>
-              <a:rPr lang="de-AT" sz="2400" b="0" dirty="0">
-                <a:solidFill>
-                  <a:srgbClr val="CCCCCC"/>
-                </a:solidFill>
-                <a:effectLst/>
-                <a:latin typeface="Menlo" panose="020B0609030804020204" pitchFamily="49" charset="0"/>
-              </a:rPr>
-              <a:t> </a:t>
-            </a:r>
-            <a:r>
-              <a:rPr lang="de-AT" sz="2400" b="0" dirty="0">
-                <a:solidFill>
-                  <a:srgbClr val="4EC9B0"/>
-                </a:solidFill>
-                <a:effectLst/>
-                <a:latin typeface="Menlo" panose="020B0609030804020204" pitchFamily="49" charset="0"/>
-              </a:rPr>
-              <a:t>Handler</a:t>
-            </a:r>
-            <a:r>
-              <a:rPr lang="de-AT" sz="2400" b="0" dirty="0">
-                <a:solidFill>
-                  <a:srgbClr val="CCCCCC"/>
-                </a:solidFill>
-                <a:effectLst/>
-                <a:latin typeface="Menlo" panose="020B0609030804020204" pitchFamily="49" charset="0"/>
-              </a:rPr>
-              <a:t> </a:t>
-            </a:r>
-            <a:r>
-              <a:rPr lang="de-AT" sz="2400" b="0" dirty="0" err="1">
-                <a:solidFill>
-                  <a:srgbClr val="4EC9B0"/>
-                </a:solidFill>
-                <a:effectLst/>
-                <a:latin typeface="Menlo" panose="020B0609030804020204" pitchFamily="49" charset="0"/>
-              </a:rPr>
-              <a:t>Function</a:t>
-            </a:r>
+            <a:pPr marL="1371600" lvl="3" indent="0">
+              <a:buNone/>
+            </a:pPr>
             <a:endParaRPr lang="de-AT" sz="2400" b="0" dirty="0">
               <a:solidFill>
                 <a:srgbClr val="CCCCCC"/>
@@ -3792,10 +5911,114 @@
             </a:endParaRPr>
           </a:p>
           <a:p>
-            <a:pPr lvl="3"/>
+            <a:pPr marL="1371600" lvl="3" indent="0">
+              <a:buNone/>
+            </a:pPr>
             <a:r>
               <a:rPr lang="de-AT" sz="2400" b="0" dirty="0">
                 <a:solidFill>
+                  <a:srgbClr val="CCCCCC"/>
+                </a:solidFill>
+                <a:effectLst/>
+                <a:latin typeface="Menlo" panose="020B0609030804020204" pitchFamily="49" charset="0"/>
+              </a:rPr>
+              <a:t>URI</a:t>
+            </a:r>
+            <a:r>
+              <a:rPr lang="de-AT" sz="2400" b="0" dirty="0">
+                <a:solidFill>
+                  <a:srgbClr val="D4D4D4"/>
+                </a:solidFill>
+                <a:effectLst/>
+                <a:latin typeface="Menlo" panose="020B0609030804020204" pitchFamily="49" charset="0"/>
+              </a:rPr>
+              <a:t>-</a:t>
+            </a:r>
+            <a:r>
+              <a:rPr lang="de-AT" sz="2400" b="0" dirty="0">
+                <a:solidFill>
+                  <a:srgbClr val="4EC9B0"/>
+                </a:solidFill>
+                <a:effectLst/>
+                <a:latin typeface="Menlo" panose="020B0609030804020204" pitchFamily="49" charset="0"/>
+              </a:rPr>
+              <a:t>Path</a:t>
+            </a:r>
+            <a:r>
+              <a:rPr lang="de-AT" sz="2400" b="0" dirty="0">
+                <a:solidFill>
+                  <a:srgbClr val="CCCCCC"/>
+                </a:solidFill>
+                <a:effectLst/>
+                <a:latin typeface="Menlo" panose="020B0609030804020204" pitchFamily="49" charset="0"/>
+              </a:rPr>
+              <a:t> </a:t>
+            </a:r>
+            <a:r>
+              <a:rPr lang="de-AT" sz="2400" b="0" dirty="0">
+                <a:solidFill>
+                  <a:srgbClr val="D4D4D4"/>
+                </a:solidFill>
+                <a:effectLst/>
+                <a:latin typeface="Menlo" panose="020B0609030804020204" pitchFamily="49" charset="0"/>
+              </a:rPr>
+              <a:t>-&gt;</a:t>
+            </a:r>
+            <a:r>
+              <a:rPr lang="de-AT" sz="2400" b="0" dirty="0">
+                <a:solidFill>
+                  <a:srgbClr val="CCCCCC"/>
+                </a:solidFill>
+                <a:effectLst/>
+                <a:latin typeface="Menlo" panose="020B0609030804020204" pitchFamily="49" charset="0"/>
+              </a:rPr>
+              <a:t> </a:t>
+            </a:r>
+            <a:r>
+              <a:rPr lang="de-AT" sz="2400" b="0" dirty="0">
+                <a:solidFill>
+                  <a:srgbClr val="4EC9B0"/>
+                </a:solidFill>
+                <a:effectLst/>
+                <a:latin typeface="Menlo" panose="020B0609030804020204" pitchFamily="49" charset="0"/>
+              </a:rPr>
+              <a:t>Handler</a:t>
+            </a:r>
+            <a:r>
+              <a:rPr lang="de-AT" sz="2400" b="0" dirty="0">
+                <a:solidFill>
+                  <a:srgbClr val="CCCCCC"/>
+                </a:solidFill>
+                <a:effectLst/>
+                <a:latin typeface="Menlo" panose="020B0609030804020204" pitchFamily="49" charset="0"/>
+              </a:rPr>
+              <a:t> </a:t>
+            </a:r>
+            <a:r>
+              <a:rPr lang="de-AT" sz="2400" b="0" dirty="0" err="1">
+                <a:solidFill>
+                  <a:srgbClr val="4EC9B0"/>
+                </a:solidFill>
+                <a:effectLst/>
+                <a:latin typeface="Menlo" panose="020B0609030804020204" pitchFamily="49" charset="0"/>
+              </a:rPr>
+              <a:t>Function</a:t>
+            </a:r>
+            <a:endParaRPr lang="de-AT" sz="2400" b="0" dirty="0">
+              <a:solidFill>
+                <a:srgbClr val="CCCCCC"/>
+              </a:solidFill>
+              <a:effectLst/>
+              <a:latin typeface="Menlo" panose="020B0609030804020204" pitchFamily="49" charset="0"/>
+            </a:endParaRPr>
+          </a:p>
+          <a:p>
+            <a:pPr marL="1828800" lvl="4" indent="0">
+              <a:buNone/>
+            </a:pPr>
+            <a:r>
+              <a:rPr lang="de-AT" sz="2400" b="0" dirty="0">
+                <a:solidFill>
                   <a:srgbClr val="CE9178"/>
                 </a:solidFill>
                 <a:effectLst/>
@@ -3855,7 +6078,9 @@
             </a:r>
           </a:p>
           <a:p>
-            <a:pPr lvl="3"/>
+            <a:pPr marL="1828800" lvl="4" indent="0">
+              <a:buNone/>
+            </a:pPr>
             <a:r>
               <a:rPr lang="de-AT" sz="2400" b="0" dirty="0">
                 <a:solidFill>
@@ -3948,10 +6173,2145 @@
           </a:p>
         </p:txBody>
       </p:sp>
+      <p:sp>
+        <p:nvSpPr>
+          <p:cNvPr id="4" name="Rechteck 3">
+            <a:extLst>
+              <a:ext uri="{FF2B5EF4-FFF2-40B4-BE49-F238E27FC236}">
+                <a16:creationId xmlns:a16="http://schemas.microsoft.com/office/drawing/2014/main" id="{2747E1D2-8382-983E-86DE-FD3543CD2AD9}"/>
+              </a:ext>
+            </a:extLst>
+          </p:cNvPr>
+          <p:cNvSpPr/>
+          <p:nvPr/>
+        </p:nvSpPr>
+        <p:spPr>
+          <a:xfrm>
+            <a:off x="838200" y="1825625"/>
+            <a:ext cx="6876495" cy="4051392"/>
+          </a:xfrm>
+          <a:prstGeom prst="rect">
+            <a:avLst/>
+          </a:prstGeom>
+          <a:noFill/>
+        </p:spPr>
+        <p:style>
+          <a:lnRef idx="2">
+            <a:schemeClr val="accent1">
+              <a:shade val="50000"/>
+            </a:schemeClr>
+          </a:lnRef>
+          <a:fillRef idx="1">
+            <a:schemeClr val="accent1"/>
+          </a:fillRef>
+          <a:effectRef idx="0">
+            <a:schemeClr val="accent1"/>
+          </a:effectRef>
+          <a:fontRef idx="minor">
+            <a:schemeClr val="lt1"/>
+          </a:fontRef>
+        </p:style>
+        <p:txBody>
+          <a:bodyPr rtlCol="0" anchor="ctr"/>
+          <a:lstStyle/>
+          <a:p>
+            <a:pPr algn="ctr"/>
+            <a:endParaRPr lang="de-AT"/>
+          </a:p>
+        </p:txBody>
+      </p:sp>
+      <p:sp>
+        <p:nvSpPr>
+          <p:cNvPr id="5" name="Rechteck 4">
+            <a:extLst>
+              <a:ext uri="{FF2B5EF4-FFF2-40B4-BE49-F238E27FC236}">
+                <a16:creationId xmlns:a16="http://schemas.microsoft.com/office/drawing/2014/main" id="{243B8190-9507-D46E-9980-F0987DC91B81}"/>
+              </a:ext>
+            </a:extLst>
+          </p:cNvPr>
+          <p:cNvSpPr/>
+          <p:nvPr/>
+        </p:nvSpPr>
+        <p:spPr>
+          <a:xfrm>
+            <a:off x="1713390" y="2405849"/>
+            <a:ext cx="5575177" cy="3222594"/>
+          </a:xfrm>
+          <a:prstGeom prst="rect">
+            <a:avLst/>
+          </a:prstGeom>
+          <a:noFill/>
+        </p:spPr>
+        <p:style>
+          <a:lnRef idx="2">
+            <a:schemeClr val="accent1">
+              <a:shade val="50000"/>
+            </a:schemeClr>
+          </a:lnRef>
+          <a:fillRef idx="1">
+            <a:schemeClr val="accent1"/>
+          </a:fillRef>
+          <a:effectRef idx="0">
+            <a:schemeClr val="accent1"/>
+          </a:effectRef>
+          <a:fontRef idx="minor">
+            <a:schemeClr val="lt1"/>
+          </a:fontRef>
+        </p:style>
+        <p:txBody>
+          <a:bodyPr rtlCol="0" anchor="ctr"/>
+          <a:lstStyle/>
+          <a:p>
+            <a:pPr algn="ctr"/>
+            <a:endParaRPr lang="de-AT"/>
+          </a:p>
+        </p:txBody>
+      </p:sp>
+      <p:sp>
+        <p:nvSpPr>
+          <p:cNvPr id="6" name="Rechteck 5">
+            <a:extLst>
+              <a:ext uri="{FF2B5EF4-FFF2-40B4-BE49-F238E27FC236}">
+                <a16:creationId xmlns:a16="http://schemas.microsoft.com/office/drawing/2014/main" id="{00D55A51-1AAD-84F8-520F-9E0ADFA85521}"/>
+              </a:ext>
+            </a:extLst>
+          </p:cNvPr>
+          <p:cNvSpPr/>
+          <p:nvPr/>
+        </p:nvSpPr>
+        <p:spPr>
+          <a:xfrm>
+            <a:off x="2201662" y="2920752"/>
+            <a:ext cx="4270159" cy="2183907"/>
+          </a:xfrm>
+          <a:prstGeom prst="rect">
+            <a:avLst/>
+          </a:prstGeom>
+          <a:noFill/>
+        </p:spPr>
+        <p:style>
+          <a:lnRef idx="2">
+            <a:schemeClr val="accent1">
+              <a:shade val="50000"/>
+            </a:schemeClr>
+          </a:lnRef>
+          <a:fillRef idx="1">
+            <a:schemeClr val="accent1"/>
+          </a:fillRef>
+          <a:effectRef idx="0">
+            <a:schemeClr val="accent1"/>
+          </a:effectRef>
+          <a:fontRef idx="minor">
+            <a:schemeClr val="lt1"/>
+          </a:fontRef>
+        </p:style>
+        <p:txBody>
+          <a:bodyPr rtlCol="0" anchor="ctr"/>
+          <a:lstStyle/>
+          <a:p>
+            <a:pPr algn="ctr"/>
+            <a:endParaRPr lang="de-AT"/>
+          </a:p>
+        </p:txBody>
+      </p:sp>
     </p:spTree>
     <p:extLst>
       <p:ext uri="{BB962C8B-B14F-4D97-AF65-F5344CB8AC3E}">
         <p14:creationId xmlns:p14="http://schemas.microsoft.com/office/powerpoint/2010/main" val="701615487"/>
+      </p:ext>
+    </p:extLst>
+  </p:cSld>
+  <p:clrMapOvr>
+    <a:masterClrMapping/>
+  </p:clrMapOvr>
+</p:sld>
+</file>
+
+<file path=ppt/slides/slide4.xml><?xml version="1.0" encoding="utf-8"?>
+<p:sld xmlns:a="http://schemas.openxmlformats.org/drawingml/2006/main" xmlns:r="http://schemas.openxmlformats.org/officeDocument/2006/relationships" xmlns:p="http://schemas.openxmlformats.org/presentationml/2006/main">
+  <p:cSld>
+    <p:spTree>
+      <p:nvGrpSpPr>
+        <p:cNvPr id="1" name=""/>
+        <p:cNvGrpSpPr/>
+        <p:nvPr/>
+      </p:nvGrpSpPr>
+      <p:grpSpPr>
+        <a:xfrm>
+          <a:off x="0" y="0"/>
+          <a:ext cx="0" cy="0"/>
+          <a:chOff x="0" y="0"/>
+          <a:chExt cx="0" cy="0"/>
+        </a:xfrm>
+      </p:grpSpPr>
+      <p:sp>
+        <p:nvSpPr>
+          <p:cNvPr id="3" name="Untertitel 2">
+            <a:extLst>
+              <a:ext uri="{FF2B5EF4-FFF2-40B4-BE49-F238E27FC236}">
+                <a16:creationId xmlns:a16="http://schemas.microsoft.com/office/drawing/2014/main" id="{91D3E1D6-4E92-3CF3-79A0-C3D06EECF650}"/>
+              </a:ext>
+            </a:extLst>
+          </p:cNvPr>
+          <p:cNvSpPr>
+            <a:spLocks noGrp="1"/>
+          </p:cNvSpPr>
+          <p:nvPr>
+            <p:ph type="subTitle" idx="1"/>
+          </p:nvPr>
+        </p:nvSpPr>
+        <p:spPr>
+          <a:xfrm>
+            <a:off x="1524000" y="2563345"/>
+            <a:ext cx="9144000" cy="1655762"/>
+          </a:xfrm>
+        </p:spPr>
+        <p:txBody>
+          <a:bodyPr/>
+          <a:lstStyle/>
+          <a:p>
+            <a:r>
+              <a:rPr lang="de-DE" sz="4000" dirty="0"/>
+              <a:t>URI-Path   -&gt;   Handler </a:t>
+            </a:r>
+            <a:r>
+              <a:rPr lang="de-DE" sz="4000" dirty="0" err="1"/>
+              <a:t>Function</a:t>
+            </a:r>
+            <a:endParaRPr lang="de-DE" sz="4000" dirty="0"/>
+          </a:p>
+          <a:p>
+            <a:r>
+              <a:rPr lang="de-AT" sz="4000" b="0" dirty="0">
+                <a:solidFill>
+                  <a:srgbClr val="CE9178"/>
+                </a:solidFill>
+                <a:effectLst/>
+                <a:latin typeface="Menlo" panose="020B0609030804020204" pitchFamily="49" charset="0"/>
+              </a:rPr>
+              <a:t>"/"</a:t>
+            </a:r>
+            <a:r>
+              <a:rPr lang="de-AT" sz="4000" b="0" dirty="0">
+                <a:solidFill>
+                  <a:srgbClr val="CCCCCC"/>
+                </a:solidFill>
+                <a:effectLst/>
+                <a:latin typeface="Menlo" panose="020B0609030804020204" pitchFamily="49" charset="0"/>
+              </a:rPr>
+              <a:t> </a:t>
+            </a:r>
+            <a:r>
+              <a:rPr lang="de-AT" sz="4000" b="0" dirty="0">
+                <a:solidFill>
+                  <a:srgbClr val="D4D4D4"/>
+                </a:solidFill>
+                <a:effectLst/>
+                <a:latin typeface="Menlo" panose="020B0609030804020204" pitchFamily="49" charset="0"/>
+              </a:rPr>
+              <a:t>-&gt;</a:t>
+            </a:r>
+            <a:r>
+              <a:rPr lang="de-AT" sz="4000" b="0" dirty="0">
+                <a:solidFill>
+                  <a:srgbClr val="CCCCCC"/>
+                </a:solidFill>
+                <a:effectLst/>
+                <a:latin typeface="Menlo" panose="020B0609030804020204" pitchFamily="49" charset="0"/>
+              </a:rPr>
+              <a:t> </a:t>
+            </a:r>
+            <a:r>
+              <a:rPr lang="de-AT" sz="4000" b="0" dirty="0" err="1">
+                <a:solidFill>
+                  <a:srgbClr val="569CD6"/>
+                </a:solidFill>
+                <a:effectLst/>
+                <a:latin typeface="Menlo" panose="020B0609030804020204" pitchFamily="49" charset="0"/>
+              </a:rPr>
+              <a:t>fn</a:t>
+            </a:r>
+            <a:r>
+              <a:rPr lang="de-AT" sz="4000" b="0" dirty="0">
+                <a:solidFill>
+                  <a:srgbClr val="CCCCCC"/>
+                </a:solidFill>
+                <a:effectLst/>
+                <a:latin typeface="Menlo" panose="020B0609030804020204" pitchFamily="49" charset="0"/>
+              </a:rPr>
+              <a:t>()</a:t>
+            </a:r>
+          </a:p>
+          <a:p>
+            <a:endParaRPr lang="de-DE" dirty="0"/>
+          </a:p>
+        </p:txBody>
+      </p:sp>
+      <p:sp>
+        <p:nvSpPr>
+          <p:cNvPr id="4" name="Titel 1">
+            <a:extLst>
+              <a:ext uri="{FF2B5EF4-FFF2-40B4-BE49-F238E27FC236}">
+                <a16:creationId xmlns:a16="http://schemas.microsoft.com/office/drawing/2014/main" id="{76921599-2561-271E-E65E-2F68BE59417A}"/>
+              </a:ext>
+            </a:extLst>
+          </p:cNvPr>
+          <p:cNvSpPr txBox="1">
+            <a:spLocks/>
+          </p:cNvSpPr>
+          <p:nvPr/>
+        </p:nvSpPr>
+        <p:spPr>
+          <a:xfrm>
+            <a:off x="838200" y="365125"/>
+            <a:ext cx="10515600" cy="1325563"/>
+          </a:xfrm>
+          <a:prstGeom prst="rect">
+            <a:avLst/>
+          </a:prstGeom>
+        </p:spPr>
+        <p:txBody>
+          <a:bodyPr vert="horz" lIns="91440" tIns="45720" rIns="91440" bIns="45720" rtlCol="0" anchor="b">
+            <a:normAutofit/>
+          </a:bodyPr>
+          <a:lstStyle>
+            <a:lvl1pPr algn="ctr" defTabSz="914400" rtl="0" eaLnBrk="1" latinLnBrk="0" hangingPunct="1">
+              <a:lnSpc>
+                <a:spcPct val="90000"/>
+              </a:lnSpc>
+              <a:spcBef>
+                <a:spcPct val="0"/>
+              </a:spcBef>
+              <a:buNone/>
+              <a:defRPr sz="6000" kern="1200">
+                <a:solidFill>
+                  <a:schemeClr val="tx1"/>
+                </a:solidFill>
+                <a:latin typeface="+mj-lt"/>
+                <a:ea typeface="+mj-ea"/>
+                <a:cs typeface="+mj-cs"/>
+              </a:defRPr>
+            </a:lvl1pPr>
+          </a:lstStyle>
+          <a:p>
+            <a:pPr algn="l"/>
+            <a:r>
+              <a:rPr lang="de-DE" sz="4400" dirty="0"/>
+              <a:t>Route Registration</a:t>
+            </a:r>
+            <a:endParaRPr lang="de-AT" sz="4400" dirty="0"/>
+          </a:p>
+        </p:txBody>
+      </p:sp>
+    </p:spTree>
+    <p:extLst>
+      <p:ext uri="{BB962C8B-B14F-4D97-AF65-F5344CB8AC3E}">
+        <p14:creationId xmlns:p14="http://schemas.microsoft.com/office/powerpoint/2010/main" val="4052739116"/>
+      </p:ext>
+    </p:extLst>
+  </p:cSld>
+  <p:clrMapOvr>
+    <a:masterClrMapping/>
+  </p:clrMapOvr>
+</p:sld>
+</file>
+
+<file path=ppt/slides/slide5.xml><?xml version="1.0" encoding="utf-8"?>
+<p:sld xmlns:a="http://schemas.openxmlformats.org/drawingml/2006/main" xmlns:r="http://schemas.openxmlformats.org/officeDocument/2006/relationships" xmlns:p="http://schemas.openxmlformats.org/presentationml/2006/main">
+  <p:cSld>
+    <p:spTree>
+      <p:nvGrpSpPr>
+        <p:cNvPr id="1" name=""/>
+        <p:cNvGrpSpPr/>
+        <p:nvPr/>
+      </p:nvGrpSpPr>
+      <p:grpSpPr>
+        <a:xfrm>
+          <a:off x="0" y="0"/>
+          <a:ext cx="0" cy="0"/>
+          <a:chOff x="0" y="0"/>
+          <a:chExt cx="0" cy="0"/>
+        </a:xfrm>
+      </p:grpSpPr>
+      <p:sp>
+        <p:nvSpPr>
+          <p:cNvPr id="2" name="Titel 1">
+            <a:extLst>
+              <a:ext uri="{FF2B5EF4-FFF2-40B4-BE49-F238E27FC236}">
+                <a16:creationId xmlns:a16="http://schemas.microsoft.com/office/drawing/2014/main" id="{95C02B1D-7431-6E46-48FE-93E826D48DCC}"/>
+              </a:ext>
+            </a:extLst>
+          </p:cNvPr>
+          <p:cNvSpPr>
+            <a:spLocks noGrp="1"/>
+          </p:cNvSpPr>
+          <p:nvPr>
+            <p:ph type="title"/>
+          </p:nvPr>
+        </p:nvSpPr>
+        <p:spPr/>
+        <p:txBody>
+          <a:bodyPr/>
+          <a:lstStyle/>
+          <a:p>
+            <a:endParaRPr lang="de-AT"/>
+          </a:p>
+        </p:txBody>
+      </p:sp>
+      <p:sp>
+        <p:nvSpPr>
+          <p:cNvPr id="3" name="Inhaltsplatzhalter 2">
+            <a:extLst>
+              <a:ext uri="{FF2B5EF4-FFF2-40B4-BE49-F238E27FC236}">
+                <a16:creationId xmlns:a16="http://schemas.microsoft.com/office/drawing/2014/main" id="{0A878F4F-8CCE-1A6C-E1AF-8C21C65358C5}"/>
+              </a:ext>
+            </a:extLst>
+          </p:cNvPr>
+          <p:cNvSpPr>
+            <a:spLocks noGrp="1"/>
+          </p:cNvSpPr>
+          <p:nvPr>
+            <p:ph idx="1"/>
+          </p:nvPr>
+        </p:nvSpPr>
+        <p:spPr/>
+        <p:txBody>
+          <a:bodyPr>
+            <a:normAutofit fontScale="77500" lnSpcReduction="20000"/>
+          </a:bodyPr>
+          <a:lstStyle/>
+          <a:p>
+            <a:pPr marL="0" indent="0">
+              <a:buNone/>
+            </a:pPr>
+            <a:r>
+              <a:rPr lang="de-AT" b="0" dirty="0" err="1">
+                <a:solidFill>
+                  <a:srgbClr val="569CD6"/>
+                </a:solidFill>
+                <a:effectLst/>
+                <a:latin typeface="Consolas" panose="020B0609020204030204" pitchFamily="49" charset="0"/>
+              </a:rPr>
+              <a:t>async</a:t>
+            </a:r>
+            <a:r>
+              <a:rPr lang="de-AT" b="0" dirty="0">
+                <a:solidFill>
+                  <a:srgbClr val="D4D4D4"/>
+                </a:solidFill>
+                <a:effectLst/>
+                <a:latin typeface="Consolas" panose="020B0609020204030204" pitchFamily="49" charset="0"/>
+              </a:rPr>
+              <a:t> </a:t>
+            </a:r>
+            <a:r>
+              <a:rPr lang="de-AT" b="0" dirty="0" err="1">
+                <a:solidFill>
+                  <a:srgbClr val="569CD6"/>
+                </a:solidFill>
+                <a:effectLst/>
+                <a:latin typeface="Consolas" panose="020B0609020204030204" pitchFamily="49" charset="0"/>
+              </a:rPr>
+              <a:t>fn</a:t>
+            </a:r>
+            <a:r>
+              <a:rPr lang="de-AT" b="0" dirty="0">
+                <a:solidFill>
+                  <a:srgbClr val="D4D4D4"/>
+                </a:solidFill>
+                <a:effectLst/>
+                <a:latin typeface="Consolas" panose="020B0609020204030204" pitchFamily="49" charset="0"/>
+              </a:rPr>
+              <a:t> </a:t>
+            </a:r>
+            <a:r>
+              <a:rPr lang="de-AT" b="0" dirty="0" err="1">
+                <a:solidFill>
+                  <a:srgbClr val="DCDCAA"/>
+                </a:solidFill>
+                <a:effectLst/>
+                <a:latin typeface="Consolas" panose="020B0609020204030204" pitchFamily="49" charset="0"/>
+              </a:rPr>
+              <a:t>main</a:t>
+            </a:r>
+            <a:r>
+              <a:rPr lang="de-AT" b="0" dirty="0">
+                <a:solidFill>
+                  <a:srgbClr val="D4D4D4"/>
+                </a:solidFill>
+                <a:effectLst/>
+                <a:latin typeface="Consolas" panose="020B0609020204030204" pitchFamily="49" charset="0"/>
+              </a:rPr>
+              <a:t>() -&gt; </a:t>
+            </a:r>
+            <a:r>
+              <a:rPr lang="de-AT" b="0" dirty="0" err="1">
+                <a:solidFill>
+                  <a:srgbClr val="4EC9B0"/>
+                </a:solidFill>
+                <a:effectLst/>
+                <a:latin typeface="Consolas" panose="020B0609020204030204" pitchFamily="49" charset="0"/>
+              </a:rPr>
+              <a:t>Result</a:t>
+            </a:r>
+            <a:r>
+              <a:rPr lang="de-AT" b="0" dirty="0">
+                <a:solidFill>
+                  <a:srgbClr val="D4D4D4"/>
+                </a:solidFill>
+                <a:effectLst/>
+                <a:latin typeface="Consolas" panose="020B0609020204030204" pitchFamily="49" charset="0"/>
+              </a:rPr>
+              <a:t>&lt;(), </a:t>
+            </a:r>
+            <a:r>
+              <a:rPr lang="de-AT" b="0" dirty="0">
+                <a:solidFill>
+                  <a:srgbClr val="4EC9B0"/>
+                </a:solidFill>
+                <a:effectLst/>
+                <a:latin typeface="Consolas" panose="020B0609020204030204" pitchFamily="49" charset="0"/>
+              </a:rPr>
+              <a:t>Error</a:t>
+            </a:r>
+            <a:r>
+              <a:rPr lang="de-AT" b="0" dirty="0">
+                <a:solidFill>
+                  <a:srgbClr val="D4D4D4"/>
+                </a:solidFill>
+                <a:effectLst/>
+                <a:latin typeface="Consolas" panose="020B0609020204030204" pitchFamily="49" charset="0"/>
+              </a:rPr>
+              <a:t>&gt; {</a:t>
+            </a:r>
+          </a:p>
+          <a:p>
+            <a:pPr marL="0" indent="0">
+              <a:buNone/>
+            </a:pPr>
+            <a:endParaRPr lang="de-AT" b="0" dirty="0">
+              <a:solidFill>
+                <a:srgbClr val="D4D4D4"/>
+              </a:solidFill>
+              <a:effectLst/>
+              <a:latin typeface="Consolas" panose="020B0609020204030204" pitchFamily="49" charset="0"/>
+            </a:endParaRPr>
+          </a:p>
+          <a:p>
+            <a:pPr marL="0" indent="0">
+              <a:buNone/>
+            </a:pPr>
+            <a:r>
+              <a:rPr lang="de-AT" b="0" dirty="0">
+                <a:solidFill>
+                  <a:srgbClr val="6A9955"/>
+                </a:solidFill>
+                <a:effectLst/>
+                <a:latin typeface="Consolas" panose="020B0609020204030204" pitchFamily="49" charset="0"/>
+              </a:rPr>
+              <a:t>    </a:t>
+            </a:r>
+            <a:r>
+              <a:rPr lang="de-AT" dirty="0">
+                <a:solidFill>
+                  <a:srgbClr val="D4D4D4"/>
+                </a:solidFill>
+                <a:latin typeface="Consolas" panose="020B0609020204030204" pitchFamily="49" charset="0"/>
+              </a:rPr>
+              <a:t> </a:t>
+            </a:r>
+            <a:r>
+              <a:rPr lang="de-AT" b="0" dirty="0" err="1">
+                <a:solidFill>
+                  <a:srgbClr val="4EC9B0"/>
+                </a:solidFill>
+                <a:effectLst/>
+                <a:latin typeface="Consolas" panose="020B0609020204030204" pitchFamily="49" charset="0"/>
+              </a:rPr>
+              <a:t>HttpServer</a:t>
+            </a:r>
+            <a:r>
+              <a:rPr lang="de-AT" b="0" dirty="0">
+                <a:solidFill>
+                  <a:srgbClr val="D4D4D4"/>
+                </a:solidFill>
+                <a:effectLst/>
+                <a:latin typeface="Consolas" panose="020B0609020204030204" pitchFamily="49" charset="0"/>
+              </a:rPr>
+              <a:t>::</a:t>
+            </a:r>
+            <a:r>
+              <a:rPr lang="de-AT" b="0" dirty="0" err="1">
+                <a:solidFill>
+                  <a:srgbClr val="DCDCAA"/>
+                </a:solidFill>
+                <a:effectLst/>
+                <a:latin typeface="Consolas" panose="020B0609020204030204" pitchFamily="49" charset="0"/>
+              </a:rPr>
+              <a:t>new</a:t>
+            </a:r>
+            <a:r>
+              <a:rPr lang="de-AT" b="0" dirty="0">
+                <a:solidFill>
+                  <a:srgbClr val="D4D4D4"/>
+                </a:solidFill>
+                <a:effectLst/>
+                <a:latin typeface="Consolas" panose="020B0609020204030204" pitchFamily="49" charset="0"/>
+              </a:rPr>
+              <a:t>(|| {</a:t>
+            </a:r>
+          </a:p>
+          <a:p>
+            <a:pPr marL="0" indent="0">
+              <a:buNone/>
+            </a:pPr>
+            <a:r>
+              <a:rPr lang="de-AT" b="0" dirty="0">
+                <a:solidFill>
+                  <a:srgbClr val="6A9955"/>
+                </a:solidFill>
+                <a:effectLst/>
+                <a:latin typeface="Consolas" panose="020B0609020204030204" pitchFamily="49" charset="0"/>
+              </a:rPr>
+              <a:t>      </a:t>
+            </a:r>
+            <a:endParaRPr lang="de-AT" b="0" dirty="0">
+              <a:solidFill>
+                <a:srgbClr val="D4D4D4"/>
+              </a:solidFill>
+              <a:effectLst/>
+              <a:latin typeface="Consolas" panose="020B0609020204030204" pitchFamily="49" charset="0"/>
+            </a:endParaRPr>
+          </a:p>
+          <a:p>
+            <a:pPr marL="0" indent="0">
+              <a:buNone/>
+            </a:pPr>
+            <a:r>
+              <a:rPr lang="de-AT" b="0" dirty="0">
+                <a:solidFill>
+                  <a:srgbClr val="D4D4D4"/>
+                </a:solidFill>
+                <a:effectLst/>
+                <a:latin typeface="Consolas" panose="020B0609020204030204" pitchFamily="49" charset="0"/>
+              </a:rPr>
+              <a:t>        </a:t>
+            </a:r>
+            <a:r>
+              <a:rPr lang="de-AT" b="0" dirty="0">
+                <a:solidFill>
+                  <a:srgbClr val="4EC9B0"/>
+                </a:solidFill>
+                <a:effectLst/>
+                <a:latin typeface="Consolas" panose="020B0609020204030204" pitchFamily="49" charset="0"/>
+              </a:rPr>
+              <a:t>App</a:t>
+            </a:r>
+            <a:r>
+              <a:rPr lang="de-AT" b="0" dirty="0">
+                <a:solidFill>
+                  <a:srgbClr val="D4D4D4"/>
+                </a:solidFill>
+                <a:effectLst/>
+                <a:latin typeface="Consolas" panose="020B0609020204030204" pitchFamily="49" charset="0"/>
+              </a:rPr>
+              <a:t>::</a:t>
+            </a:r>
+            <a:r>
+              <a:rPr lang="de-AT" b="0" dirty="0" err="1">
+                <a:solidFill>
+                  <a:srgbClr val="DCDCAA"/>
+                </a:solidFill>
+                <a:effectLst/>
+                <a:latin typeface="Consolas" panose="020B0609020204030204" pitchFamily="49" charset="0"/>
+              </a:rPr>
+              <a:t>new</a:t>
+            </a:r>
+            <a:r>
+              <a:rPr lang="de-AT" b="0" dirty="0">
+                <a:solidFill>
+                  <a:srgbClr val="D4D4D4"/>
+                </a:solidFill>
+                <a:effectLst/>
+                <a:latin typeface="Consolas" panose="020B0609020204030204" pitchFamily="49" charset="0"/>
+              </a:rPr>
+              <a:t>() </a:t>
+            </a:r>
+            <a:r>
+              <a:rPr lang="de-AT" b="0" dirty="0">
+                <a:solidFill>
+                  <a:srgbClr val="6A9955"/>
+                </a:solidFill>
+                <a:effectLst/>
+                <a:latin typeface="Consolas" panose="020B0609020204030204" pitchFamily="49" charset="0"/>
+              </a:rPr>
+              <a:t>// Registration </a:t>
+            </a:r>
+            <a:r>
+              <a:rPr lang="de-AT" b="0" dirty="0" err="1">
+                <a:solidFill>
+                  <a:srgbClr val="6A9955"/>
+                </a:solidFill>
+                <a:effectLst/>
+                <a:latin typeface="Consolas" panose="020B0609020204030204" pitchFamily="49" charset="0"/>
+              </a:rPr>
+              <a:t>of</a:t>
+            </a:r>
+            <a:r>
+              <a:rPr lang="de-AT" b="0" dirty="0">
+                <a:solidFill>
+                  <a:srgbClr val="6A9955"/>
+                </a:solidFill>
+                <a:effectLst/>
+                <a:latin typeface="Consolas" panose="020B0609020204030204" pitchFamily="49" charset="0"/>
+              </a:rPr>
+              <a:t> </a:t>
+            </a:r>
+            <a:r>
+              <a:rPr lang="de-AT" b="0" dirty="0" err="1">
+                <a:solidFill>
+                  <a:srgbClr val="6A9955"/>
+                </a:solidFill>
+                <a:effectLst/>
+                <a:latin typeface="Consolas" panose="020B0609020204030204" pitchFamily="49" charset="0"/>
+              </a:rPr>
+              <a:t>routes</a:t>
+            </a:r>
+            <a:r>
+              <a:rPr lang="de-AT" b="0" dirty="0">
+                <a:solidFill>
+                  <a:srgbClr val="6A9955"/>
+                </a:solidFill>
+                <a:effectLst/>
+                <a:latin typeface="Consolas" panose="020B0609020204030204" pitchFamily="49" charset="0"/>
+              </a:rPr>
+              <a:t> </a:t>
+            </a:r>
+            <a:r>
+              <a:rPr lang="de-AT" b="0" dirty="0" err="1">
+                <a:solidFill>
+                  <a:srgbClr val="6A9955"/>
+                </a:solidFill>
+                <a:effectLst/>
+                <a:latin typeface="Consolas" panose="020B0609020204030204" pitchFamily="49" charset="0"/>
+              </a:rPr>
+              <a:t>is</a:t>
+            </a:r>
+            <a:r>
+              <a:rPr lang="de-AT" b="0" dirty="0">
+                <a:solidFill>
+                  <a:srgbClr val="6A9955"/>
+                </a:solidFill>
+                <a:effectLst/>
+                <a:latin typeface="Consolas" panose="020B0609020204030204" pitchFamily="49" charset="0"/>
+              </a:rPr>
+              <a:t> </a:t>
+            </a:r>
+            <a:r>
+              <a:rPr lang="de-AT" b="0" dirty="0" err="1">
+                <a:solidFill>
+                  <a:srgbClr val="6A9955"/>
+                </a:solidFill>
+                <a:effectLst/>
+                <a:latin typeface="Consolas" panose="020B0609020204030204" pitchFamily="49" charset="0"/>
+              </a:rPr>
+              <a:t>here</a:t>
+            </a:r>
+            <a:r>
+              <a:rPr lang="de-AT" b="0" dirty="0">
+                <a:solidFill>
+                  <a:srgbClr val="6A9955"/>
+                </a:solidFill>
+                <a:effectLst/>
+                <a:latin typeface="Consolas" panose="020B0609020204030204" pitchFamily="49" charset="0"/>
+              </a:rPr>
+              <a:t>!</a:t>
+            </a:r>
+            <a:endParaRPr lang="de-AT" b="0" dirty="0">
+              <a:solidFill>
+                <a:srgbClr val="D4D4D4"/>
+              </a:solidFill>
+              <a:effectLst/>
+              <a:latin typeface="Consolas" panose="020B0609020204030204" pitchFamily="49" charset="0"/>
+            </a:endParaRPr>
+          </a:p>
+          <a:p>
+            <a:pPr marL="0" indent="0">
+              <a:buNone/>
+            </a:pPr>
+            <a:endParaRPr lang="de-AT" b="0" dirty="0">
+              <a:solidFill>
+                <a:srgbClr val="D4D4D4"/>
+              </a:solidFill>
+              <a:effectLst/>
+              <a:latin typeface="Consolas" panose="020B0609020204030204" pitchFamily="49" charset="0"/>
+            </a:endParaRPr>
+          </a:p>
+          <a:p>
+            <a:pPr marL="0" indent="0">
+              <a:buNone/>
+            </a:pPr>
+            <a:r>
+              <a:rPr lang="de-AT" b="0" dirty="0">
+                <a:solidFill>
+                  <a:srgbClr val="D4D4D4"/>
+                </a:solidFill>
+                <a:effectLst/>
+                <a:latin typeface="Consolas" panose="020B0609020204030204" pitchFamily="49" charset="0"/>
+              </a:rPr>
+              <a:t>        })</a:t>
+            </a:r>
+          </a:p>
+          <a:p>
+            <a:pPr marL="0" indent="0">
+              <a:buNone/>
+            </a:pPr>
+            <a:r>
+              <a:rPr lang="de-AT" b="0" dirty="0">
+                <a:solidFill>
+                  <a:srgbClr val="D4D4D4"/>
+                </a:solidFill>
+                <a:effectLst/>
+                <a:latin typeface="Consolas" panose="020B0609020204030204" pitchFamily="49" charset="0"/>
+              </a:rPr>
+              <a:t>  </a:t>
+            </a:r>
+          </a:p>
+          <a:p>
+            <a:pPr marL="0" indent="0">
+              <a:buNone/>
+            </a:pPr>
+            <a:br>
+              <a:rPr lang="de-AT" b="0" dirty="0">
+                <a:solidFill>
+                  <a:srgbClr val="D4D4D4"/>
+                </a:solidFill>
+                <a:effectLst/>
+                <a:latin typeface="Consolas" panose="020B0609020204030204" pitchFamily="49" charset="0"/>
+              </a:rPr>
+            </a:br>
+            <a:r>
+              <a:rPr lang="de-AT" b="0" dirty="0">
+                <a:solidFill>
+                  <a:srgbClr val="D4D4D4"/>
+                </a:solidFill>
+                <a:effectLst/>
+                <a:latin typeface="Consolas" panose="020B0609020204030204" pitchFamily="49" charset="0"/>
+              </a:rPr>
+              <a:t>    .</a:t>
+            </a:r>
+            <a:r>
+              <a:rPr lang="de-AT" b="0" dirty="0">
+                <a:solidFill>
+                  <a:srgbClr val="DCDCAA"/>
+                </a:solidFill>
+                <a:effectLst/>
+                <a:latin typeface="Consolas" panose="020B0609020204030204" pitchFamily="49" charset="0"/>
+              </a:rPr>
+              <a:t>bind</a:t>
+            </a:r>
+            <a:r>
+              <a:rPr lang="de-AT" b="0" dirty="0">
+                <a:solidFill>
+                  <a:srgbClr val="D4D4D4"/>
+                </a:solidFill>
+                <a:effectLst/>
+                <a:latin typeface="Consolas" panose="020B0609020204030204" pitchFamily="49" charset="0"/>
+              </a:rPr>
+              <a:t>((</a:t>
+            </a:r>
+            <a:r>
+              <a:rPr lang="de-AT" b="0" dirty="0">
+                <a:solidFill>
+                  <a:srgbClr val="CE9178"/>
+                </a:solidFill>
+                <a:effectLst/>
+                <a:latin typeface="Consolas" panose="020B0609020204030204" pitchFamily="49" charset="0"/>
+              </a:rPr>
+              <a:t>"0.0.0.0"</a:t>
+            </a:r>
+            <a:r>
+              <a:rPr lang="de-AT" b="0" dirty="0">
+                <a:solidFill>
+                  <a:srgbClr val="D4D4D4"/>
+                </a:solidFill>
+                <a:effectLst/>
+                <a:latin typeface="Consolas" panose="020B0609020204030204" pitchFamily="49" charset="0"/>
+              </a:rPr>
+              <a:t>, </a:t>
+            </a:r>
+            <a:r>
+              <a:rPr lang="de-AT" b="0" dirty="0">
+                <a:solidFill>
+                  <a:srgbClr val="B5CEA8"/>
+                </a:solidFill>
+                <a:effectLst/>
+                <a:latin typeface="Consolas" panose="020B0609020204030204" pitchFamily="49" charset="0"/>
+              </a:rPr>
+              <a:t>8080</a:t>
+            </a:r>
+            <a:r>
+              <a:rPr lang="de-AT" b="0" dirty="0">
+                <a:solidFill>
+                  <a:srgbClr val="D4D4D4"/>
+                </a:solidFill>
+                <a:effectLst/>
+                <a:latin typeface="Consolas" panose="020B0609020204030204" pitchFamily="49" charset="0"/>
+              </a:rPr>
+              <a:t>)).</a:t>
+            </a:r>
+            <a:r>
+              <a:rPr lang="de-AT" b="0" dirty="0" err="1">
+                <a:solidFill>
+                  <a:srgbClr val="DCDCAA"/>
+                </a:solidFill>
+                <a:effectLst/>
+                <a:latin typeface="Consolas" panose="020B0609020204030204" pitchFamily="49" charset="0"/>
+              </a:rPr>
+              <a:t>unwrap</a:t>
+            </a:r>
+            <a:r>
+              <a:rPr lang="de-AT" b="0" dirty="0">
+                <a:solidFill>
+                  <a:srgbClr val="D4D4D4"/>
+                </a:solidFill>
+                <a:effectLst/>
+                <a:latin typeface="Consolas" panose="020B0609020204030204" pitchFamily="49" charset="0"/>
+              </a:rPr>
+              <a:t>()</a:t>
+            </a:r>
+          </a:p>
+          <a:p>
+            <a:pPr marL="0" indent="0">
+              <a:buNone/>
+            </a:pPr>
+            <a:r>
+              <a:rPr lang="de-AT" b="0" dirty="0">
+                <a:solidFill>
+                  <a:srgbClr val="D4D4D4"/>
+                </a:solidFill>
+                <a:effectLst/>
+                <a:latin typeface="Consolas" panose="020B0609020204030204" pitchFamily="49" charset="0"/>
+              </a:rPr>
+              <a:t>    .</a:t>
+            </a:r>
+            <a:r>
+              <a:rPr lang="de-AT" b="0" dirty="0" err="1">
+                <a:solidFill>
+                  <a:srgbClr val="DCDCAA"/>
+                </a:solidFill>
+                <a:effectLst/>
+                <a:latin typeface="Consolas" panose="020B0609020204030204" pitchFamily="49" charset="0"/>
+              </a:rPr>
+              <a:t>run</a:t>
+            </a:r>
+            <a:r>
+              <a:rPr lang="de-AT" b="0" dirty="0">
+                <a:solidFill>
+                  <a:srgbClr val="D4D4D4"/>
+                </a:solidFill>
+                <a:effectLst/>
+                <a:latin typeface="Consolas" panose="020B0609020204030204" pitchFamily="49" charset="0"/>
+              </a:rPr>
+              <a:t>().</a:t>
+            </a:r>
+            <a:r>
+              <a:rPr lang="de-AT" b="0" dirty="0" err="1">
+                <a:solidFill>
+                  <a:srgbClr val="C586C0"/>
+                </a:solidFill>
+                <a:effectLst/>
+                <a:latin typeface="Consolas" panose="020B0609020204030204" pitchFamily="49" charset="0"/>
+              </a:rPr>
+              <a:t>await</a:t>
+            </a:r>
+            <a:endParaRPr lang="de-AT" b="0" dirty="0">
+              <a:solidFill>
+                <a:srgbClr val="D4D4D4"/>
+              </a:solidFill>
+              <a:effectLst/>
+              <a:latin typeface="Consolas" panose="020B0609020204030204" pitchFamily="49" charset="0"/>
+            </a:endParaRPr>
+          </a:p>
+          <a:p>
+            <a:pPr marL="0" indent="0">
+              <a:buNone/>
+            </a:pPr>
+            <a:r>
+              <a:rPr lang="de-AT" b="0" dirty="0">
+                <a:solidFill>
+                  <a:srgbClr val="D4D4D4"/>
+                </a:solidFill>
+                <a:effectLst/>
+                <a:latin typeface="Consolas" panose="020B0609020204030204" pitchFamily="49" charset="0"/>
+              </a:rPr>
+              <a:t>}</a:t>
+            </a:r>
+          </a:p>
+          <a:p>
+            <a:pPr marL="0" indent="0">
+              <a:buNone/>
+            </a:pPr>
+            <a:endParaRPr lang="de-AT" dirty="0"/>
+          </a:p>
+        </p:txBody>
+      </p:sp>
+    </p:spTree>
+    <p:extLst>
+      <p:ext uri="{BB962C8B-B14F-4D97-AF65-F5344CB8AC3E}">
+        <p14:creationId xmlns:p14="http://schemas.microsoft.com/office/powerpoint/2010/main" val="1491222435"/>
+      </p:ext>
+    </p:extLst>
+  </p:cSld>
+  <p:clrMapOvr>
+    <a:masterClrMapping/>
+  </p:clrMapOvr>
+</p:sld>
+</file>
+
+<file path=ppt/slides/slide6.xml><?xml version="1.0" encoding="utf-8"?>
+<p:sld xmlns:a="http://schemas.openxmlformats.org/drawingml/2006/main" xmlns:r="http://schemas.openxmlformats.org/officeDocument/2006/relationships" xmlns:p="http://schemas.openxmlformats.org/presentationml/2006/main">
+  <p:cSld>
+    <p:spTree>
+      <p:nvGrpSpPr>
+        <p:cNvPr id="1" name=""/>
+        <p:cNvGrpSpPr/>
+        <p:nvPr/>
+      </p:nvGrpSpPr>
+      <p:grpSpPr>
+        <a:xfrm>
+          <a:off x="0" y="0"/>
+          <a:ext cx="0" cy="0"/>
+          <a:chOff x="0" y="0"/>
+          <a:chExt cx="0" cy="0"/>
+        </a:xfrm>
+      </p:grpSpPr>
+      <p:sp>
+        <p:nvSpPr>
+          <p:cNvPr id="3" name="Untertitel 2">
+            <a:extLst>
+              <a:ext uri="{FF2B5EF4-FFF2-40B4-BE49-F238E27FC236}">
+                <a16:creationId xmlns:a16="http://schemas.microsoft.com/office/drawing/2014/main" id="{91D3E1D6-4E92-3CF3-79A0-C3D06EECF650}"/>
+              </a:ext>
+            </a:extLst>
+          </p:cNvPr>
+          <p:cNvSpPr>
+            <a:spLocks noGrp="1"/>
+          </p:cNvSpPr>
+          <p:nvPr>
+            <p:ph type="subTitle" idx="1"/>
+          </p:nvPr>
+        </p:nvSpPr>
+        <p:spPr>
+          <a:xfrm>
+            <a:off x="1524000" y="2563345"/>
+            <a:ext cx="9144000" cy="1655762"/>
+          </a:xfrm>
+        </p:spPr>
+        <p:txBody>
+          <a:bodyPr/>
+          <a:lstStyle/>
+          <a:p>
+            <a:r>
+              <a:rPr lang="de-DE" sz="4000" dirty="0"/>
+              <a:t>URI-Path   -&gt;   Handler </a:t>
+            </a:r>
+            <a:r>
+              <a:rPr lang="de-DE" sz="4000" dirty="0" err="1"/>
+              <a:t>Function</a:t>
+            </a:r>
+            <a:endParaRPr lang="de-DE" sz="4000" dirty="0"/>
+          </a:p>
+          <a:p>
+            <a:r>
+              <a:rPr lang="de-AT" sz="4000" b="0" dirty="0">
+                <a:solidFill>
+                  <a:srgbClr val="CE9178"/>
+                </a:solidFill>
+                <a:effectLst/>
+                <a:latin typeface="Menlo" panose="020B0609030804020204" pitchFamily="49" charset="0"/>
+              </a:rPr>
+              <a:t>"/"</a:t>
+            </a:r>
+            <a:r>
+              <a:rPr lang="de-AT" sz="4000" b="0" dirty="0">
+                <a:solidFill>
+                  <a:srgbClr val="CCCCCC"/>
+                </a:solidFill>
+                <a:effectLst/>
+                <a:latin typeface="Menlo" panose="020B0609030804020204" pitchFamily="49" charset="0"/>
+              </a:rPr>
+              <a:t> </a:t>
+            </a:r>
+            <a:r>
+              <a:rPr lang="de-AT" sz="4000" b="0" dirty="0">
+                <a:solidFill>
+                  <a:srgbClr val="D4D4D4"/>
+                </a:solidFill>
+                <a:effectLst/>
+                <a:latin typeface="Menlo" panose="020B0609030804020204" pitchFamily="49" charset="0"/>
+              </a:rPr>
+              <a:t>-&gt;</a:t>
+            </a:r>
+            <a:r>
+              <a:rPr lang="de-AT" sz="4000" b="0" dirty="0">
+                <a:solidFill>
+                  <a:srgbClr val="CCCCCC"/>
+                </a:solidFill>
+                <a:effectLst/>
+                <a:latin typeface="Menlo" panose="020B0609030804020204" pitchFamily="49" charset="0"/>
+              </a:rPr>
+              <a:t> </a:t>
+            </a:r>
+            <a:r>
+              <a:rPr lang="de-AT" sz="4000" b="0" dirty="0" err="1">
+                <a:solidFill>
+                  <a:srgbClr val="569CD6"/>
+                </a:solidFill>
+                <a:effectLst/>
+                <a:latin typeface="Menlo" panose="020B0609030804020204" pitchFamily="49" charset="0"/>
+              </a:rPr>
+              <a:t>fn</a:t>
+            </a:r>
+            <a:r>
+              <a:rPr lang="de-AT" sz="4000" b="0" dirty="0">
+                <a:solidFill>
+                  <a:srgbClr val="CCCCCC"/>
+                </a:solidFill>
+                <a:effectLst/>
+                <a:latin typeface="Menlo" panose="020B0609030804020204" pitchFamily="49" charset="0"/>
+              </a:rPr>
+              <a:t>()</a:t>
+            </a:r>
+          </a:p>
+          <a:p>
+            <a:endParaRPr lang="de-DE" dirty="0"/>
+          </a:p>
+        </p:txBody>
+      </p:sp>
+      <p:sp>
+        <p:nvSpPr>
+          <p:cNvPr id="4" name="Titel 1">
+            <a:extLst>
+              <a:ext uri="{FF2B5EF4-FFF2-40B4-BE49-F238E27FC236}">
+                <a16:creationId xmlns:a16="http://schemas.microsoft.com/office/drawing/2014/main" id="{76921599-2561-271E-E65E-2F68BE59417A}"/>
+              </a:ext>
+            </a:extLst>
+          </p:cNvPr>
+          <p:cNvSpPr txBox="1">
+            <a:spLocks/>
+          </p:cNvSpPr>
+          <p:nvPr/>
+        </p:nvSpPr>
+        <p:spPr>
+          <a:xfrm>
+            <a:off x="838200" y="365125"/>
+            <a:ext cx="10515600" cy="1325563"/>
+          </a:xfrm>
+          <a:prstGeom prst="rect">
+            <a:avLst/>
+          </a:prstGeom>
+        </p:spPr>
+        <p:txBody>
+          <a:bodyPr vert="horz" lIns="91440" tIns="45720" rIns="91440" bIns="45720" rtlCol="0" anchor="b">
+            <a:normAutofit/>
+          </a:bodyPr>
+          <a:lstStyle>
+            <a:lvl1pPr algn="ctr" defTabSz="914400" rtl="0" eaLnBrk="1" latinLnBrk="0" hangingPunct="1">
+              <a:lnSpc>
+                <a:spcPct val="90000"/>
+              </a:lnSpc>
+              <a:spcBef>
+                <a:spcPct val="0"/>
+              </a:spcBef>
+              <a:buNone/>
+              <a:defRPr sz="6000" kern="1200">
+                <a:solidFill>
+                  <a:schemeClr val="tx1"/>
+                </a:solidFill>
+                <a:latin typeface="+mj-lt"/>
+                <a:ea typeface="+mj-ea"/>
+                <a:cs typeface="+mj-cs"/>
+              </a:defRPr>
+            </a:lvl1pPr>
+          </a:lstStyle>
+          <a:p>
+            <a:pPr algn="l"/>
+            <a:r>
+              <a:rPr lang="de-DE" sz="4400" dirty="0"/>
+              <a:t>Route Registration</a:t>
+            </a:r>
+            <a:endParaRPr lang="de-AT" sz="4400" dirty="0"/>
+          </a:p>
+        </p:txBody>
+      </p:sp>
+    </p:spTree>
+    <p:extLst>
+      <p:ext uri="{BB962C8B-B14F-4D97-AF65-F5344CB8AC3E}">
+        <p14:creationId xmlns:p14="http://schemas.microsoft.com/office/powerpoint/2010/main" val="1296110748"/>
+      </p:ext>
+    </p:extLst>
+  </p:cSld>
+  <p:clrMapOvr>
+    <a:masterClrMapping/>
+  </p:clrMapOvr>
+</p:sld>
+</file>
+
+<file path=ppt/slides/slide7.xml><?xml version="1.0" encoding="utf-8"?>
+<p:sld xmlns:a="http://schemas.openxmlformats.org/drawingml/2006/main" xmlns:r="http://schemas.openxmlformats.org/officeDocument/2006/relationships" xmlns:p="http://schemas.openxmlformats.org/presentationml/2006/main">
+  <p:cSld>
+    <p:spTree>
+      <p:nvGrpSpPr>
+        <p:cNvPr id="1" name=""/>
+        <p:cNvGrpSpPr/>
+        <p:nvPr/>
+      </p:nvGrpSpPr>
+      <p:grpSpPr>
+        <a:xfrm>
+          <a:off x="0" y="0"/>
+          <a:ext cx="0" cy="0"/>
+          <a:chOff x="0" y="0"/>
+          <a:chExt cx="0" cy="0"/>
+        </a:xfrm>
+      </p:grpSpPr>
+      <p:sp>
+        <p:nvSpPr>
+          <p:cNvPr id="2" name="Titel 1">
+            <a:extLst>
+              <a:ext uri="{FF2B5EF4-FFF2-40B4-BE49-F238E27FC236}">
+                <a16:creationId xmlns:a16="http://schemas.microsoft.com/office/drawing/2014/main" id="{4242A11C-A257-C995-6CD7-1D3DB47CF9C6}"/>
+              </a:ext>
+            </a:extLst>
+          </p:cNvPr>
+          <p:cNvSpPr>
+            <a:spLocks noGrp="1"/>
+          </p:cNvSpPr>
+          <p:nvPr>
+            <p:ph type="title"/>
+          </p:nvPr>
+        </p:nvSpPr>
+        <p:spPr/>
+        <p:txBody>
+          <a:bodyPr/>
+          <a:lstStyle/>
+          <a:p>
+            <a:r>
+              <a:rPr lang="de-DE" dirty="0"/>
+              <a:t>Handler </a:t>
+            </a:r>
+            <a:r>
+              <a:rPr lang="de-DE" dirty="0" err="1"/>
+              <a:t>Function</a:t>
+            </a:r>
+            <a:endParaRPr lang="de-AT" dirty="0"/>
+          </a:p>
+        </p:txBody>
+      </p:sp>
+      <p:sp>
+        <p:nvSpPr>
+          <p:cNvPr id="3" name="Inhaltsplatzhalter 2">
+            <a:extLst>
+              <a:ext uri="{FF2B5EF4-FFF2-40B4-BE49-F238E27FC236}">
+                <a16:creationId xmlns:a16="http://schemas.microsoft.com/office/drawing/2014/main" id="{95E13109-FCD1-36ED-E008-4E791B558A93}"/>
+              </a:ext>
+            </a:extLst>
+          </p:cNvPr>
+          <p:cNvSpPr>
+            <a:spLocks noGrp="1"/>
+          </p:cNvSpPr>
+          <p:nvPr>
+            <p:ph idx="1"/>
+          </p:nvPr>
+        </p:nvSpPr>
+        <p:spPr/>
+        <p:txBody>
+          <a:bodyPr/>
+          <a:lstStyle/>
+          <a:p>
+            <a:pPr marL="0" indent="0">
+              <a:buNone/>
+            </a:pPr>
+            <a:r>
+              <a:rPr lang="de-DE" dirty="0" err="1"/>
+              <a:t>Requirements</a:t>
+            </a:r>
+            <a:r>
+              <a:rPr lang="de-DE" dirty="0"/>
+              <a:t>:</a:t>
+            </a:r>
+          </a:p>
+          <a:p>
+            <a:pPr marL="0" indent="0">
+              <a:buNone/>
+            </a:pPr>
+            <a:endParaRPr lang="de-DE" dirty="0"/>
+          </a:p>
+          <a:p>
+            <a:pPr marL="0" indent="0">
+              <a:buNone/>
+            </a:pPr>
+            <a:r>
+              <a:rPr lang="de-DE" sz="2400" dirty="0"/>
+              <a:t>	-&gt; </a:t>
+            </a:r>
+            <a:r>
+              <a:rPr lang="de-DE" sz="2400" dirty="0" err="1"/>
+              <a:t>Has</a:t>
+            </a:r>
+            <a:r>
+              <a:rPr lang="de-DE" sz="2400" dirty="0"/>
+              <a:t> </a:t>
+            </a:r>
+            <a:r>
+              <a:rPr lang="de-DE" sz="2400" dirty="0" err="1"/>
+              <a:t>to</a:t>
+            </a:r>
+            <a:r>
+              <a:rPr lang="de-DE" sz="2400" dirty="0"/>
+              <a:t> </a:t>
+            </a:r>
+            <a:r>
+              <a:rPr lang="de-DE" sz="2400" dirty="0" err="1"/>
+              <a:t>be</a:t>
+            </a:r>
+            <a:r>
+              <a:rPr lang="de-DE" sz="2400" dirty="0"/>
+              <a:t> an </a:t>
+            </a:r>
+            <a:r>
+              <a:rPr lang="de-DE" sz="2400" dirty="0" err="1"/>
+              <a:t>async</a:t>
+            </a:r>
+            <a:r>
+              <a:rPr lang="de-DE" sz="2400" dirty="0"/>
+              <a:t> </a:t>
+            </a:r>
+            <a:r>
+              <a:rPr lang="de-DE" sz="2400" dirty="0" err="1"/>
+              <a:t>Function</a:t>
+            </a:r>
+            <a:r>
+              <a:rPr lang="de-DE" sz="2400" dirty="0"/>
+              <a:t> </a:t>
+            </a:r>
+            <a:r>
+              <a:rPr lang="de-DE" sz="2400" dirty="0" err="1"/>
+              <a:t>or</a:t>
+            </a:r>
+            <a:r>
+              <a:rPr lang="de-DE" sz="2400" dirty="0"/>
+              <a:t> a </a:t>
+            </a:r>
+            <a:r>
+              <a:rPr lang="de-DE" sz="2400" dirty="0" err="1"/>
+              <a:t>closure</a:t>
+            </a:r>
+            <a:r>
+              <a:rPr lang="de-DE" sz="2400" dirty="0"/>
+              <a:t> </a:t>
+            </a:r>
+            <a:r>
+              <a:rPr lang="de-DE" sz="2400" dirty="0" err="1"/>
+              <a:t>that</a:t>
+            </a:r>
+            <a:r>
+              <a:rPr lang="de-DE" sz="2400" dirty="0"/>
+              <a:t> </a:t>
+            </a:r>
+            <a:r>
+              <a:rPr lang="de-DE" sz="2400" dirty="0" err="1"/>
+              <a:t>returns</a:t>
+            </a:r>
+            <a:r>
+              <a:rPr lang="de-DE" sz="2400" dirty="0"/>
+              <a:t> a Future</a:t>
+            </a:r>
+          </a:p>
+          <a:p>
+            <a:pPr marL="0" indent="0">
+              <a:buNone/>
+            </a:pPr>
+            <a:r>
+              <a:rPr lang="de-DE" sz="2400" dirty="0"/>
+              <a:t>	</a:t>
+            </a:r>
+            <a:r>
+              <a:rPr lang="de-DE" sz="2400"/>
+              <a:t>-&gt; Args </a:t>
+            </a:r>
+            <a:r>
+              <a:rPr lang="de-DE" sz="2400" dirty="0" err="1"/>
+              <a:t>have</a:t>
+            </a:r>
+            <a:r>
+              <a:rPr lang="de-DE" sz="2400" dirty="0"/>
+              <a:t> </a:t>
+            </a:r>
+            <a:r>
+              <a:rPr lang="de-DE" sz="2400" dirty="0" err="1"/>
+              <a:t>to</a:t>
+            </a:r>
+            <a:r>
+              <a:rPr lang="de-DE" sz="2400" dirty="0"/>
+              <a:t> </a:t>
+            </a:r>
+            <a:r>
+              <a:rPr lang="de-DE" sz="2400" dirty="0" err="1"/>
+              <a:t>implement</a:t>
+            </a:r>
+            <a:r>
+              <a:rPr lang="de-DE" sz="2400" dirty="0"/>
+              <a:t> </a:t>
+            </a:r>
+            <a:r>
+              <a:rPr lang="de-DE" sz="2400" dirty="0" err="1"/>
+              <a:t>FromRequest</a:t>
+            </a:r>
+            <a:r>
+              <a:rPr lang="de-DE" sz="2400" dirty="0"/>
+              <a:t> </a:t>
+            </a:r>
+            <a:r>
+              <a:rPr lang="de-DE" sz="2400" dirty="0" err="1"/>
+              <a:t>trait</a:t>
+            </a:r>
+            <a:endParaRPr lang="de-DE" sz="2400" dirty="0"/>
+          </a:p>
+          <a:p>
+            <a:pPr marL="0" indent="0">
+              <a:buNone/>
+            </a:pPr>
+            <a:r>
+              <a:rPr lang="de-DE" sz="2400" dirty="0"/>
+              <a:t>	-&gt; Return type </a:t>
+            </a:r>
+            <a:r>
+              <a:rPr lang="de-DE" sz="2400" dirty="0" err="1"/>
+              <a:t>can</a:t>
+            </a:r>
+            <a:r>
+              <a:rPr lang="de-DE" sz="2400" dirty="0"/>
+              <a:t> </a:t>
+            </a:r>
+            <a:r>
+              <a:rPr lang="de-DE" sz="2400" dirty="0" err="1"/>
+              <a:t>be</a:t>
+            </a:r>
+            <a:r>
+              <a:rPr lang="de-DE" sz="2400" dirty="0"/>
+              <a:t> </a:t>
+            </a:r>
+            <a:r>
+              <a:rPr lang="de-DE" sz="2400" dirty="0" err="1"/>
+              <a:t>resolved</a:t>
+            </a:r>
+            <a:r>
+              <a:rPr lang="de-DE" sz="2400" dirty="0"/>
+              <a:t> </a:t>
+            </a:r>
+            <a:r>
+              <a:rPr lang="de-DE" sz="2400" dirty="0" err="1"/>
+              <a:t>into</a:t>
+            </a:r>
+            <a:r>
+              <a:rPr lang="de-DE" sz="2400" dirty="0"/>
+              <a:t> a </a:t>
+            </a:r>
+            <a:r>
+              <a:rPr lang="de-DE" sz="2400" dirty="0" err="1"/>
+              <a:t>HttpResponse</a:t>
+            </a:r>
+            <a:r>
+              <a:rPr lang="de-DE" sz="2400" dirty="0"/>
+              <a:t> (e.g. </a:t>
+            </a:r>
+            <a:r>
+              <a:rPr lang="de-DE" sz="2400" dirty="0" err="1"/>
+              <a:t>it</a:t>
+            </a:r>
+            <a:r>
+              <a:rPr lang="de-DE" sz="2400" dirty="0"/>
+              <a:t> </a:t>
+            </a:r>
+            <a:r>
+              <a:rPr lang="de-DE" sz="2400" dirty="0" err="1"/>
+              <a:t>implements</a:t>
+            </a:r>
+            <a:r>
+              <a:rPr lang="de-DE" sz="2400" dirty="0"/>
+              <a:t> </a:t>
+            </a:r>
+            <a:r>
+              <a:rPr lang="de-DE" sz="2400" dirty="0" err="1"/>
+              <a:t>the</a:t>
+            </a:r>
+            <a:r>
+              <a:rPr lang="de-DE" sz="2400" dirty="0"/>
+              <a:t> 	Responder </a:t>
+            </a:r>
+            <a:r>
+              <a:rPr lang="de-DE" sz="2400" dirty="0" err="1"/>
+              <a:t>trait</a:t>
+            </a:r>
+            <a:r>
+              <a:rPr lang="de-DE" sz="2400" dirty="0"/>
+              <a:t>)</a:t>
+            </a:r>
+            <a:endParaRPr lang="de-AT" sz="2400" dirty="0"/>
+          </a:p>
+        </p:txBody>
+      </p:sp>
+    </p:spTree>
+    <p:extLst>
+      <p:ext uri="{BB962C8B-B14F-4D97-AF65-F5344CB8AC3E}">
+        <p14:creationId xmlns:p14="http://schemas.microsoft.com/office/powerpoint/2010/main" val="2132812502"/>
+      </p:ext>
+    </p:extLst>
+  </p:cSld>
+  <p:clrMapOvr>
+    <a:masterClrMapping/>
+  </p:clrMapOvr>
+</p:sld>
+</file>
+
+<file path=ppt/slides/slide8.xml><?xml version="1.0" encoding="utf-8"?>
+<p:sld xmlns:a="http://schemas.openxmlformats.org/drawingml/2006/main" xmlns:r="http://schemas.openxmlformats.org/officeDocument/2006/relationships" xmlns:p="http://schemas.openxmlformats.org/presentationml/2006/main">
+  <p:cSld>
+    <p:spTree>
+      <p:nvGrpSpPr>
+        <p:cNvPr id="1" name=""/>
+        <p:cNvGrpSpPr/>
+        <p:nvPr/>
+      </p:nvGrpSpPr>
+      <p:grpSpPr>
+        <a:xfrm>
+          <a:off x="0" y="0"/>
+          <a:ext cx="0" cy="0"/>
+          <a:chOff x="0" y="0"/>
+          <a:chExt cx="0" cy="0"/>
+        </a:xfrm>
+      </p:grpSpPr>
+      <p:sp>
+        <p:nvSpPr>
+          <p:cNvPr id="2" name="Titel 1">
+            <a:extLst>
+              <a:ext uri="{FF2B5EF4-FFF2-40B4-BE49-F238E27FC236}">
+                <a16:creationId xmlns:a16="http://schemas.microsoft.com/office/drawing/2014/main" id="{66A96E6F-B497-C7C2-B074-E01083A94E34}"/>
+              </a:ext>
+            </a:extLst>
+          </p:cNvPr>
+          <p:cNvSpPr>
+            <a:spLocks noGrp="1"/>
+          </p:cNvSpPr>
+          <p:nvPr>
+            <p:ph type="title"/>
+          </p:nvPr>
+        </p:nvSpPr>
+        <p:spPr/>
+        <p:txBody>
+          <a:bodyPr/>
+          <a:lstStyle/>
+          <a:p>
+            <a:r>
+              <a:rPr lang="de-DE" dirty="0"/>
+              <a:t>Handler </a:t>
+            </a:r>
+            <a:r>
+              <a:rPr lang="de-DE" dirty="0" err="1"/>
+              <a:t>Function</a:t>
+            </a:r>
+            <a:endParaRPr lang="de-AT" dirty="0"/>
+          </a:p>
+        </p:txBody>
+      </p:sp>
+      <p:sp>
+        <p:nvSpPr>
+          <p:cNvPr id="5" name="Inhaltsplatzhalter 4">
+            <a:extLst>
+              <a:ext uri="{FF2B5EF4-FFF2-40B4-BE49-F238E27FC236}">
+                <a16:creationId xmlns:a16="http://schemas.microsoft.com/office/drawing/2014/main" id="{893C5F94-2EE9-9AF3-3680-56F990D8A4A8}"/>
+              </a:ext>
+            </a:extLst>
+          </p:cNvPr>
+          <p:cNvSpPr>
+            <a:spLocks noGrp="1"/>
+          </p:cNvSpPr>
+          <p:nvPr>
+            <p:ph idx="1"/>
+          </p:nvPr>
+        </p:nvSpPr>
+        <p:spPr/>
+        <p:txBody>
+          <a:bodyPr/>
+          <a:lstStyle/>
+          <a:p>
+            <a:pPr marL="0" indent="0">
+              <a:buNone/>
+            </a:pPr>
+            <a:r>
+              <a:rPr lang="de-AT" b="0" dirty="0">
+                <a:solidFill>
+                  <a:srgbClr val="569CD6"/>
+                </a:solidFill>
+                <a:effectLst/>
+                <a:latin typeface="Consolas" panose="020B0609020204030204" pitchFamily="49" charset="0"/>
+              </a:rPr>
+              <a:t>		</a:t>
+            </a:r>
+            <a:r>
+              <a:rPr lang="de-AT" dirty="0" err="1">
+                <a:solidFill>
+                  <a:srgbClr val="4EC9B0"/>
+                </a:solidFill>
+                <a:latin typeface="Consolas" panose="020B0609020204030204" pitchFamily="49" charset="0"/>
+              </a:rPr>
+              <a:t>impl</a:t>
+            </a:r>
+            <a:r>
+              <a:rPr lang="de-AT" dirty="0">
+                <a:solidFill>
+                  <a:srgbClr val="4EC9B0"/>
+                </a:solidFill>
+                <a:latin typeface="Consolas" panose="020B0609020204030204" pitchFamily="49" charset="0"/>
+              </a:rPr>
+              <a:t> </a:t>
+            </a:r>
+            <a:r>
+              <a:rPr lang="de-AT" dirty="0" err="1">
+                <a:solidFill>
+                  <a:srgbClr val="4EC9B0"/>
+                </a:solidFill>
+                <a:latin typeface="Consolas" panose="020B0609020204030204" pitchFamily="49" charset="0"/>
+              </a:rPr>
+              <a:t>FromRequest</a:t>
+            </a:r>
+            <a:endParaRPr lang="de-AT" dirty="0">
+              <a:solidFill>
+                <a:srgbClr val="4EC9B0"/>
+              </a:solidFill>
+              <a:latin typeface="Consolas" panose="020B0609020204030204" pitchFamily="49" charset="0"/>
+            </a:endParaRPr>
+          </a:p>
+          <a:p>
+            <a:pPr marL="0" indent="0">
+              <a:buNone/>
+            </a:pPr>
+            <a:endParaRPr lang="de-AT" b="0" dirty="0">
+              <a:solidFill>
+                <a:srgbClr val="569CD6"/>
+              </a:solidFill>
+              <a:effectLst/>
+              <a:latin typeface="Consolas" panose="020B0609020204030204" pitchFamily="49" charset="0"/>
+            </a:endParaRPr>
+          </a:p>
+          <a:p>
+            <a:pPr marL="0" indent="0">
+              <a:buNone/>
+            </a:pPr>
+            <a:r>
+              <a:rPr lang="de-AT" b="0" dirty="0" err="1">
+                <a:solidFill>
+                  <a:srgbClr val="569CD6"/>
+                </a:solidFill>
+                <a:effectLst/>
+                <a:latin typeface="Consolas" panose="020B0609020204030204" pitchFamily="49" charset="0"/>
+              </a:rPr>
+              <a:t>async</a:t>
+            </a:r>
+            <a:r>
+              <a:rPr lang="de-AT" b="0" dirty="0">
+                <a:solidFill>
+                  <a:srgbClr val="D4D4D4"/>
+                </a:solidFill>
+                <a:effectLst/>
+                <a:latin typeface="Consolas" panose="020B0609020204030204" pitchFamily="49" charset="0"/>
+              </a:rPr>
+              <a:t> </a:t>
+            </a:r>
+            <a:r>
+              <a:rPr lang="de-AT" b="0" dirty="0" err="1">
+                <a:solidFill>
+                  <a:srgbClr val="569CD6"/>
+                </a:solidFill>
+                <a:effectLst/>
+                <a:latin typeface="Consolas" panose="020B0609020204030204" pitchFamily="49" charset="0"/>
+              </a:rPr>
+              <a:t>fn</a:t>
+            </a:r>
+            <a:r>
+              <a:rPr lang="de-AT" b="0" dirty="0">
+                <a:solidFill>
+                  <a:srgbClr val="D4D4D4"/>
+                </a:solidFill>
+                <a:effectLst/>
+                <a:latin typeface="Consolas" panose="020B0609020204030204" pitchFamily="49" charset="0"/>
+              </a:rPr>
+              <a:t> </a:t>
+            </a:r>
+            <a:r>
+              <a:rPr lang="de-AT" b="0" dirty="0" err="1">
+                <a:solidFill>
+                  <a:srgbClr val="DCDCAA"/>
+                </a:solidFill>
+                <a:effectLst/>
+                <a:latin typeface="Consolas" panose="020B0609020204030204" pitchFamily="49" charset="0"/>
+              </a:rPr>
+              <a:t>hello</a:t>
+            </a:r>
+            <a:r>
+              <a:rPr lang="de-AT" b="0" dirty="0">
+                <a:solidFill>
+                  <a:srgbClr val="D4D4D4"/>
+                </a:solidFill>
+                <a:effectLst/>
+                <a:latin typeface="Consolas" panose="020B0609020204030204" pitchFamily="49" charset="0"/>
+              </a:rPr>
+              <a:t>() -&gt; </a:t>
+            </a:r>
+            <a:r>
+              <a:rPr lang="de-AT" b="0" dirty="0" err="1">
+                <a:solidFill>
+                  <a:srgbClr val="4EC9B0"/>
+                </a:solidFill>
+                <a:effectLst/>
+                <a:latin typeface="Consolas" panose="020B0609020204030204" pitchFamily="49" charset="0"/>
+              </a:rPr>
+              <a:t>impl</a:t>
+            </a:r>
+            <a:r>
+              <a:rPr lang="de-AT" b="0" dirty="0">
+                <a:solidFill>
+                  <a:srgbClr val="4EC9B0"/>
+                </a:solidFill>
+                <a:effectLst/>
+                <a:latin typeface="Consolas" panose="020B0609020204030204" pitchFamily="49" charset="0"/>
+              </a:rPr>
+              <a:t> Responder</a:t>
+            </a:r>
+            <a:r>
+              <a:rPr lang="de-AT" b="0" dirty="0">
+                <a:solidFill>
+                  <a:srgbClr val="D4D4D4"/>
+                </a:solidFill>
+                <a:effectLst/>
+                <a:latin typeface="Consolas" panose="020B0609020204030204" pitchFamily="49" charset="0"/>
+              </a:rPr>
+              <a:t> {</a:t>
+            </a:r>
+          </a:p>
+          <a:p>
+            <a:pPr marL="0" indent="0">
+              <a:buNone/>
+            </a:pPr>
+            <a:r>
+              <a:rPr lang="de-AT" b="0" dirty="0">
+                <a:solidFill>
+                  <a:srgbClr val="D4D4D4"/>
+                </a:solidFill>
+                <a:effectLst/>
+                <a:latin typeface="Consolas" panose="020B0609020204030204" pitchFamily="49" charset="0"/>
+              </a:rPr>
+              <a:t>    </a:t>
+            </a:r>
+            <a:r>
+              <a:rPr lang="de-AT" b="0" dirty="0">
+                <a:solidFill>
+                  <a:srgbClr val="CE9178"/>
+                </a:solidFill>
+                <a:effectLst/>
+                <a:latin typeface="Consolas" panose="020B0609020204030204" pitchFamily="49" charset="0"/>
+              </a:rPr>
+              <a:t>"Hello </a:t>
+            </a:r>
+            <a:r>
+              <a:rPr lang="de-AT" b="0" dirty="0" err="1">
+                <a:solidFill>
+                  <a:srgbClr val="CE9178"/>
+                </a:solidFill>
+                <a:effectLst/>
+                <a:latin typeface="Consolas" panose="020B0609020204030204" pitchFamily="49" charset="0"/>
+              </a:rPr>
+              <a:t>Rustaceans</a:t>
+            </a:r>
+            <a:r>
+              <a:rPr lang="de-AT" b="0" dirty="0">
+                <a:solidFill>
+                  <a:srgbClr val="CE9178"/>
+                </a:solidFill>
+                <a:effectLst/>
+                <a:latin typeface="Consolas" panose="020B0609020204030204" pitchFamily="49" charset="0"/>
+              </a:rPr>
+              <a:t>!"</a:t>
+            </a:r>
+            <a:endParaRPr lang="de-AT" b="0" dirty="0">
+              <a:solidFill>
+                <a:srgbClr val="D4D4D4"/>
+              </a:solidFill>
+              <a:effectLst/>
+              <a:latin typeface="Consolas" panose="020B0609020204030204" pitchFamily="49" charset="0"/>
+            </a:endParaRPr>
+          </a:p>
+          <a:p>
+            <a:pPr marL="0" indent="0">
+              <a:buNone/>
+            </a:pPr>
+            <a:r>
+              <a:rPr lang="de-AT" b="0" dirty="0">
+                <a:solidFill>
+                  <a:srgbClr val="D4D4D4"/>
+                </a:solidFill>
+                <a:effectLst/>
+                <a:latin typeface="Consolas" panose="020B0609020204030204" pitchFamily="49" charset="0"/>
+              </a:rPr>
+              <a:t>}</a:t>
+            </a:r>
+          </a:p>
+          <a:p>
+            <a:pPr marL="0" indent="0">
+              <a:buNone/>
+            </a:pPr>
+            <a:endParaRPr lang="de-AT" dirty="0"/>
+          </a:p>
+        </p:txBody>
+      </p:sp>
+      <p:sp>
+        <p:nvSpPr>
+          <p:cNvPr id="6" name="Ellipse 5">
+            <a:extLst>
+              <a:ext uri="{FF2B5EF4-FFF2-40B4-BE49-F238E27FC236}">
+                <a16:creationId xmlns:a16="http://schemas.microsoft.com/office/drawing/2014/main" id="{32210CB7-FC96-37C9-727E-00AF63CAAD6C}"/>
+              </a:ext>
+            </a:extLst>
+          </p:cNvPr>
+          <p:cNvSpPr/>
+          <p:nvPr/>
+        </p:nvSpPr>
+        <p:spPr>
+          <a:xfrm>
+            <a:off x="838200" y="2734322"/>
+            <a:ext cx="1194786" cy="694678"/>
+          </a:xfrm>
+          <a:prstGeom prst="ellipse">
+            <a:avLst/>
+          </a:prstGeom>
+          <a:noFill/>
+          <a:ln>
+            <a:solidFill>
+              <a:srgbClr val="FF0000"/>
+            </a:solidFill>
+          </a:ln>
+        </p:spPr>
+        <p:style>
+          <a:lnRef idx="2">
+            <a:schemeClr val="accent1">
+              <a:shade val="50000"/>
+            </a:schemeClr>
+          </a:lnRef>
+          <a:fillRef idx="1">
+            <a:schemeClr val="accent1"/>
+          </a:fillRef>
+          <a:effectRef idx="0">
+            <a:schemeClr val="accent1"/>
+          </a:effectRef>
+          <a:fontRef idx="minor">
+            <a:schemeClr val="lt1"/>
+          </a:fontRef>
+        </p:style>
+        <p:txBody>
+          <a:bodyPr rtlCol="0" anchor="ctr"/>
+          <a:lstStyle/>
+          <a:p>
+            <a:pPr algn="ctr"/>
+            <a:endParaRPr lang="de-AT"/>
+          </a:p>
+        </p:txBody>
+      </p:sp>
+      <p:sp>
+        <p:nvSpPr>
+          <p:cNvPr id="7" name="Ellipse 6">
+            <a:extLst>
+              <a:ext uri="{FF2B5EF4-FFF2-40B4-BE49-F238E27FC236}">
+                <a16:creationId xmlns:a16="http://schemas.microsoft.com/office/drawing/2014/main" id="{FE9EC0BE-3F2C-20B9-9F9D-4AB817708D02}"/>
+              </a:ext>
+            </a:extLst>
+          </p:cNvPr>
+          <p:cNvSpPr/>
+          <p:nvPr/>
+        </p:nvSpPr>
+        <p:spPr>
+          <a:xfrm>
+            <a:off x="4687411" y="2716566"/>
+            <a:ext cx="3036162" cy="774577"/>
+          </a:xfrm>
+          <a:prstGeom prst="ellipse">
+            <a:avLst/>
+          </a:prstGeom>
+          <a:noFill/>
+          <a:ln>
+            <a:solidFill>
+              <a:srgbClr val="FF0000"/>
+            </a:solidFill>
+          </a:ln>
+        </p:spPr>
+        <p:style>
+          <a:lnRef idx="2">
+            <a:schemeClr val="accent1">
+              <a:shade val="50000"/>
+            </a:schemeClr>
+          </a:lnRef>
+          <a:fillRef idx="1">
+            <a:schemeClr val="accent1"/>
+          </a:fillRef>
+          <a:effectRef idx="0">
+            <a:schemeClr val="accent1"/>
+          </a:effectRef>
+          <a:fontRef idx="minor">
+            <a:schemeClr val="lt1"/>
+          </a:fontRef>
+        </p:style>
+        <p:txBody>
+          <a:bodyPr rtlCol="0" anchor="ctr"/>
+          <a:lstStyle/>
+          <a:p>
+            <a:pPr algn="ctr"/>
+            <a:endParaRPr lang="de-AT"/>
+          </a:p>
+        </p:txBody>
+      </p:sp>
+      <p:sp>
+        <p:nvSpPr>
+          <p:cNvPr id="8" name="Ellipse 7">
+            <a:extLst>
+              <a:ext uri="{FF2B5EF4-FFF2-40B4-BE49-F238E27FC236}">
+                <a16:creationId xmlns:a16="http://schemas.microsoft.com/office/drawing/2014/main" id="{D6AC8C1F-69D8-CE52-FB22-5ECAD1826D24}"/>
+              </a:ext>
+            </a:extLst>
+          </p:cNvPr>
+          <p:cNvSpPr/>
+          <p:nvPr/>
+        </p:nvSpPr>
+        <p:spPr>
+          <a:xfrm>
+            <a:off x="2544931" y="1690688"/>
+            <a:ext cx="3625049" cy="774577"/>
+          </a:xfrm>
+          <a:prstGeom prst="ellipse">
+            <a:avLst/>
+          </a:prstGeom>
+          <a:noFill/>
+          <a:ln>
+            <a:solidFill>
+              <a:srgbClr val="FF0000"/>
+            </a:solidFill>
+          </a:ln>
+        </p:spPr>
+        <p:style>
+          <a:lnRef idx="2">
+            <a:schemeClr val="accent1">
+              <a:shade val="50000"/>
+            </a:schemeClr>
+          </a:lnRef>
+          <a:fillRef idx="1">
+            <a:schemeClr val="accent1"/>
+          </a:fillRef>
+          <a:effectRef idx="0">
+            <a:schemeClr val="accent1"/>
+          </a:effectRef>
+          <a:fontRef idx="minor">
+            <a:schemeClr val="lt1"/>
+          </a:fontRef>
+        </p:style>
+        <p:txBody>
+          <a:bodyPr rtlCol="0" anchor="ctr"/>
+          <a:lstStyle/>
+          <a:p>
+            <a:pPr algn="ctr"/>
+            <a:endParaRPr lang="de-AT"/>
+          </a:p>
+        </p:txBody>
+      </p:sp>
+      <p:cxnSp>
+        <p:nvCxnSpPr>
+          <p:cNvPr id="13" name="Gerade Verbindung mit Pfeil 12">
+            <a:extLst>
+              <a:ext uri="{FF2B5EF4-FFF2-40B4-BE49-F238E27FC236}">
+                <a16:creationId xmlns:a16="http://schemas.microsoft.com/office/drawing/2014/main" id="{FC7DDAD9-4525-D3D4-598B-85CD8F498FC3}"/>
+              </a:ext>
+            </a:extLst>
+          </p:cNvPr>
+          <p:cNvCxnSpPr>
+            <a:cxnSpLocks/>
+          </p:cNvCxnSpPr>
+          <p:nvPr/>
+        </p:nvCxnSpPr>
+        <p:spPr>
+          <a:xfrm flipH="1">
+            <a:off x="3835153" y="2465265"/>
+            <a:ext cx="62144" cy="550986"/>
+          </a:xfrm>
+          <a:prstGeom prst="straightConnector1">
+            <a:avLst/>
+          </a:prstGeom>
+          <a:ln>
+            <a:solidFill>
+              <a:srgbClr val="FF0000"/>
+            </a:solidFill>
+            <a:tailEnd type="triangle"/>
+          </a:ln>
+        </p:spPr>
+        <p:style>
+          <a:lnRef idx="1">
+            <a:schemeClr val="accent1"/>
+          </a:lnRef>
+          <a:fillRef idx="0">
+            <a:schemeClr val="accent1"/>
+          </a:fillRef>
+          <a:effectRef idx="0">
+            <a:schemeClr val="accent1"/>
+          </a:effectRef>
+          <a:fontRef idx="minor">
+            <a:schemeClr val="tx1"/>
+          </a:fontRef>
+        </p:style>
+      </p:cxnSp>
+    </p:spTree>
+    <p:extLst>
+      <p:ext uri="{BB962C8B-B14F-4D97-AF65-F5344CB8AC3E}">
+        <p14:creationId xmlns:p14="http://schemas.microsoft.com/office/powerpoint/2010/main" val="1766509743"/>
+      </p:ext>
+    </p:extLst>
+  </p:cSld>
+  <p:clrMapOvr>
+    <a:masterClrMapping/>
+  </p:clrMapOvr>
+</p:sld>
+</file>
+
+<file path=ppt/slides/slide9.xml><?xml version="1.0" encoding="utf-8"?>
+<p:sld xmlns:a="http://schemas.openxmlformats.org/drawingml/2006/main" xmlns:r="http://schemas.openxmlformats.org/officeDocument/2006/relationships" xmlns:p="http://schemas.openxmlformats.org/presentationml/2006/main">
+  <p:cSld>
+    <p:spTree>
+      <p:nvGrpSpPr>
+        <p:cNvPr id="1" name=""/>
+        <p:cNvGrpSpPr/>
+        <p:nvPr/>
+      </p:nvGrpSpPr>
+      <p:grpSpPr>
+        <a:xfrm>
+          <a:off x="0" y="0"/>
+          <a:ext cx="0" cy="0"/>
+          <a:chOff x="0" y="0"/>
+          <a:chExt cx="0" cy="0"/>
+        </a:xfrm>
+      </p:grpSpPr>
+      <p:sp>
+        <p:nvSpPr>
+          <p:cNvPr id="2" name="Titel 1">
+            <a:extLst>
+              <a:ext uri="{FF2B5EF4-FFF2-40B4-BE49-F238E27FC236}">
+                <a16:creationId xmlns:a16="http://schemas.microsoft.com/office/drawing/2014/main" id="{52923CB2-3A15-F0D7-133F-B9DC5C934EFF}"/>
+              </a:ext>
+            </a:extLst>
+          </p:cNvPr>
+          <p:cNvSpPr>
+            <a:spLocks noGrp="1"/>
+          </p:cNvSpPr>
+          <p:nvPr>
+            <p:ph type="title"/>
+          </p:nvPr>
+        </p:nvSpPr>
+        <p:spPr/>
+        <p:txBody>
+          <a:bodyPr/>
+          <a:lstStyle/>
+          <a:p>
+            <a:r>
+              <a:rPr lang="de-DE" dirty="0"/>
+              <a:t>Other Frameworks / Libraries</a:t>
+            </a:r>
+          </a:p>
+        </p:txBody>
+      </p:sp>
+      <p:sp>
+        <p:nvSpPr>
+          <p:cNvPr id="3" name="Inhaltsplatzhalter 2">
+            <a:extLst>
+              <a:ext uri="{FF2B5EF4-FFF2-40B4-BE49-F238E27FC236}">
+                <a16:creationId xmlns:a16="http://schemas.microsoft.com/office/drawing/2014/main" id="{61E8B97F-54A9-E12D-9A19-3178AB7A887C}"/>
+              </a:ext>
+            </a:extLst>
+          </p:cNvPr>
+          <p:cNvSpPr>
+            <a:spLocks noGrp="1"/>
+          </p:cNvSpPr>
+          <p:nvPr>
+            <p:ph idx="1"/>
+          </p:nvPr>
+        </p:nvSpPr>
+        <p:spPr/>
+        <p:txBody>
+          <a:bodyPr/>
+          <a:lstStyle/>
+          <a:p>
+            <a:r>
+              <a:rPr lang="de-DE" dirty="0"/>
+              <a:t>Warp</a:t>
+            </a:r>
+          </a:p>
+          <a:p>
+            <a:r>
+              <a:rPr lang="de-DE" dirty="0"/>
+              <a:t>Rocket</a:t>
+            </a:r>
+          </a:p>
+          <a:p>
+            <a:r>
+              <a:rPr lang="de-DE" dirty="0" err="1"/>
+              <a:t>Thruster</a:t>
+            </a:r>
+            <a:endParaRPr lang="de-DE" dirty="0"/>
+          </a:p>
+          <a:p>
+            <a:r>
+              <a:rPr lang="de-DE" dirty="0" err="1"/>
+              <a:t>Hyper</a:t>
+            </a:r>
+            <a:r>
+              <a:rPr lang="de-DE" dirty="0"/>
+              <a:t> (</a:t>
+            </a:r>
+            <a:r>
+              <a:rPr lang="de-DE" dirty="0" err="1"/>
+              <a:t>more</a:t>
+            </a:r>
+            <a:r>
+              <a:rPr lang="de-DE" dirty="0"/>
+              <a:t> </a:t>
+            </a:r>
+            <a:r>
+              <a:rPr lang="de-DE" dirty="0" err="1"/>
+              <a:t>low</a:t>
+            </a:r>
+            <a:r>
+              <a:rPr lang="de-DE" dirty="0"/>
+              <a:t> </a:t>
+            </a:r>
+            <a:r>
+              <a:rPr lang="de-DE" dirty="0" err="1"/>
+              <a:t>level</a:t>
+            </a:r>
+            <a:r>
+              <a:rPr lang="de-DE" dirty="0"/>
+              <a:t>)</a:t>
+            </a:r>
+          </a:p>
+        </p:txBody>
+      </p:sp>
+    </p:spTree>
+    <p:extLst>
+      <p:ext uri="{BB962C8B-B14F-4D97-AF65-F5344CB8AC3E}">
+        <p14:creationId xmlns:p14="http://schemas.microsoft.com/office/powerpoint/2010/main" val="4147237148"/>
       </p:ext>
     </p:extLst>
   </p:cSld>

--- a/Pres.pptx
+++ b/Pres.pptx
@@ -13,7 +13,10 @@
     <p:sldId id="256" r:id="rId7"/>
     <p:sldId id="259" r:id="rId8"/>
     <p:sldId id="260" r:id="rId9"/>
-    <p:sldId id="258" r:id="rId10"/>
+    <p:sldId id="265" r:id="rId10"/>
+    <p:sldId id="266" r:id="rId11"/>
+    <p:sldId id="267" r:id="rId12"/>
+    <p:sldId id="258" r:id="rId13"/>
   </p:sldIdLst>
   <p:sldSz cx="12192000" cy="6858000"/>
   <p:notesSz cx="6858000" cy="9144000"/>
@@ -267,7 +270,7 @@
           <a:p>
             <a:fld id="{98C5D0A0-7D22-BE42-9A30-B4115F904EDD}" type="datetimeFigureOut">
               <a:rPr lang="de-DE" smtClean="0"/>
-              <a:t>23.11.2023</a:t>
+              <a:t>24.11.2023</a:t>
             </a:fld>
             <a:endParaRPr lang="de-DE"/>
           </a:p>
@@ -465,7 +468,7 @@
           <a:p>
             <a:fld id="{98C5D0A0-7D22-BE42-9A30-B4115F904EDD}" type="datetimeFigureOut">
               <a:rPr lang="de-DE" smtClean="0"/>
-              <a:t>23.11.2023</a:t>
+              <a:t>24.11.2023</a:t>
             </a:fld>
             <a:endParaRPr lang="de-DE"/>
           </a:p>
@@ -673,7 +676,7 @@
           <a:p>
             <a:fld id="{98C5D0A0-7D22-BE42-9A30-B4115F904EDD}" type="datetimeFigureOut">
               <a:rPr lang="de-DE" smtClean="0"/>
-              <a:t>23.11.2023</a:t>
+              <a:t>24.11.2023</a:t>
             </a:fld>
             <a:endParaRPr lang="de-DE"/>
           </a:p>
@@ -871,7 +874,7 @@
           <a:p>
             <a:fld id="{98C5D0A0-7D22-BE42-9A30-B4115F904EDD}" type="datetimeFigureOut">
               <a:rPr lang="de-DE" smtClean="0"/>
-              <a:t>23.11.2023</a:t>
+              <a:t>24.11.2023</a:t>
             </a:fld>
             <a:endParaRPr lang="de-DE"/>
           </a:p>
@@ -1146,7 +1149,7 @@
           <a:p>
             <a:fld id="{98C5D0A0-7D22-BE42-9A30-B4115F904EDD}" type="datetimeFigureOut">
               <a:rPr lang="de-DE" smtClean="0"/>
-              <a:t>23.11.2023</a:t>
+              <a:t>24.11.2023</a:t>
             </a:fld>
             <a:endParaRPr lang="de-DE"/>
           </a:p>
@@ -1411,7 +1414,7 @@
           <a:p>
             <a:fld id="{98C5D0A0-7D22-BE42-9A30-B4115F904EDD}" type="datetimeFigureOut">
               <a:rPr lang="de-DE" smtClean="0"/>
-              <a:t>23.11.2023</a:t>
+              <a:t>24.11.2023</a:t>
             </a:fld>
             <a:endParaRPr lang="de-DE"/>
           </a:p>
@@ -1823,7 +1826,7 @@
           <a:p>
             <a:fld id="{98C5D0A0-7D22-BE42-9A30-B4115F904EDD}" type="datetimeFigureOut">
               <a:rPr lang="de-DE" smtClean="0"/>
-              <a:t>23.11.2023</a:t>
+              <a:t>24.11.2023</a:t>
             </a:fld>
             <a:endParaRPr lang="de-DE"/>
           </a:p>
@@ -1964,7 +1967,7 @@
           <a:p>
             <a:fld id="{98C5D0A0-7D22-BE42-9A30-B4115F904EDD}" type="datetimeFigureOut">
               <a:rPr lang="de-DE" smtClean="0"/>
-              <a:t>23.11.2023</a:t>
+              <a:t>24.11.2023</a:t>
             </a:fld>
             <a:endParaRPr lang="de-DE"/>
           </a:p>
@@ -2077,7 +2080,7 @@
           <a:p>
             <a:fld id="{98C5D0A0-7D22-BE42-9A30-B4115F904EDD}" type="datetimeFigureOut">
               <a:rPr lang="de-DE" smtClean="0"/>
-              <a:t>23.11.2023</a:t>
+              <a:t>24.11.2023</a:t>
             </a:fld>
             <a:endParaRPr lang="de-DE"/>
           </a:p>
@@ -2388,7 +2391,7 @@
           <a:p>
             <a:fld id="{98C5D0A0-7D22-BE42-9A30-B4115F904EDD}" type="datetimeFigureOut">
               <a:rPr lang="de-DE" smtClean="0"/>
-              <a:t>23.11.2023</a:t>
+              <a:t>24.11.2023</a:t>
             </a:fld>
             <a:endParaRPr lang="de-DE"/>
           </a:p>
@@ -2676,7 +2679,7 @@
           <a:p>
             <a:fld id="{98C5D0A0-7D22-BE42-9A30-B4115F904EDD}" type="datetimeFigureOut">
               <a:rPr lang="de-DE" smtClean="0"/>
-              <a:t>23.11.2023</a:t>
+              <a:t>24.11.2023</a:t>
             </a:fld>
             <a:endParaRPr lang="de-DE"/>
           </a:p>
@@ -2917,7 +2920,7 @@
           <a:p>
             <a:fld id="{98C5D0A0-7D22-BE42-9A30-B4115F904EDD}" type="datetimeFigureOut">
               <a:rPr lang="de-DE" smtClean="0"/>
-              <a:t>23.11.2023</a:t>
+              <a:t>24.11.2023</a:t>
             </a:fld>
             <a:endParaRPr lang="de-DE"/>
           </a:p>
@@ -5633,6 +5636,540 @@
 </p:sld>
 </file>
 
+<file path=ppt/slides/slide10.xml><?xml version="1.0" encoding="utf-8"?>
+<p:sld xmlns:a="http://schemas.openxmlformats.org/drawingml/2006/main" xmlns:r="http://schemas.openxmlformats.org/officeDocument/2006/relationships" xmlns:p="http://schemas.openxmlformats.org/presentationml/2006/main">
+  <p:cSld>
+    <p:spTree>
+      <p:nvGrpSpPr>
+        <p:cNvPr id="1" name=""/>
+        <p:cNvGrpSpPr/>
+        <p:nvPr/>
+      </p:nvGrpSpPr>
+      <p:grpSpPr>
+        <a:xfrm>
+          <a:off x="0" y="0"/>
+          <a:ext cx="0" cy="0"/>
+          <a:chOff x="0" y="0"/>
+          <a:chExt cx="0" cy="0"/>
+        </a:xfrm>
+      </p:grpSpPr>
+      <p:sp>
+        <p:nvSpPr>
+          <p:cNvPr id="2" name="Titel 1">
+            <a:extLst>
+              <a:ext uri="{FF2B5EF4-FFF2-40B4-BE49-F238E27FC236}">
+                <a16:creationId xmlns:a16="http://schemas.microsoft.com/office/drawing/2014/main" id="{A2133C53-ACA7-77D9-1892-A1D212AB4255}"/>
+              </a:ext>
+            </a:extLst>
+          </p:cNvPr>
+          <p:cNvSpPr>
+            <a:spLocks noGrp="1"/>
+          </p:cNvSpPr>
+          <p:nvPr>
+            <p:ph type="title"/>
+          </p:nvPr>
+        </p:nvSpPr>
+        <p:spPr/>
+        <p:txBody>
+          <a:bodyPr/>
+          <a:lstStyle/>
+          <a:p>
+            <a:r>
+              <a:rPr lang="de-DE" dirty="0" err="1"/>
+              <a:t>Types</a:t>
+            </a:r>
+            <a:r>
+              <a:rPr lang="de-DE" dirty="0"/>
+              <a:t> </a:t>
+            </a:r>
+            <a:r>
+              <a:rPr lang="de-DE" dirty="0" err="1"/>
+              <a:t>that</a:t>
+            </a:r>
+            <a:r>
+              <a:rPr lang="de-DE" dirty="0"/>
+              <a:t> </a:t>
+            </a:r>
+            <a:r>
+              <a:rPr lang="de-DE" dirty="0" err="1"/>
+              <a:t>implement</a:t>
+            </a:r>
+            <a:r>
+              <a:rPr lang="de-DE" dirty="0"/>
+              <a:t> Responder </a:t>
+            </a:r>
+            <a:r>
+              <a:rPr lang="de-DE" dirty="0" err="1"/>
+              <a:t>by</a:t>
+            </a:r>
+            <a:r>
+              <a:rPr lang="de-DE" dirty="0"/>
+              <a:t> </a:t>
+            </a:r>
+            <a:r>
+              <a:rPr lang="de-DE" dirty="0" err="1"/>
+              <a:t>default</a:t>
+            </a:r>
+            <a:endParaRPr lang="de-AT" dirty="0"/>
+          </a:p>
+        </p:txBody>
+      </p:sp>
+      <p:pic>
+        <p:nvPicPr>
+          <p:cNvPr id="5" name="Inhaltsplatzhalter 4">
+            <a:extLst>
+              <a:ext uri="{FF2B5EF4-FFF2-40B4-BE49-F238E27FC236}">
+                <a16:creationId xmlns:a16="http://schemas.microsoft.com/office/drawing/2014/main" id="{20D04653-4006-179C-3B0C-1691271C92B4}"/>
+              </a:ext>
+            </a:extLst>
+          </p:cNvPr>
+          <p:cNvPicPr>
+            <a:picLocks noGrp="1" noChangeAspect="1"/>
+          </p:cNvPicPr>
+          <p:nvPr>
+            <p:ph idx="1"/>
+          </p:nvPr>
+        </p:nvPicPr>
+        <p:blipFill>
+          <a:blip r:embed="rId2"/>
+          <a:stretch>
+            <a:fillRect/>
+          </a:stretch>
+        </p:blipFill>
+        <p:spPr>
+          <a:xfrm>
+            <a:off x="838199" y="1902598"/>
+            <a:ext cx="8174269" cy="3637063"/>
+          </a:xfrm>
+        </p:spPr>
+      </p:pic>
+    </p:spTree>
+    <p:extLst>
+      <p:ext uri="{BB962C8B-B14F-4D97-AF65-F5344CB8AC3E}">
+        <p14:creationId xmlns:p14="http://schemas.microsoft.com/office/powerpoint/2010/main" val="2410797446"/>
+      </p:ext>
+    </p:extLst>
+  </p:cSld>
+  <p:clrMapOvr>
+    <a:masterClrMapping/>
+  </p:clrMapOvr>
+</p:sld>
+</file>
+
+<file path=ppt/slides/slide11.xml><?xml version="1.0" encoding="utf-8"?>
+<p:sld xmlns:a="http://schemas.openxmlformats.org/drawingml/2006/main" xmlns:r="http://schemas.openxmlformats.org/officeDocument/2006/relationships" xmlns:p="http://schemas.openxmlformats.org/presentationml/2006/main">
+  <p:cSld>
+    <p:spTree>
+      <p:nvGrpSpPr>
+        <p:cNvPr id="1" name=""/>
+        <p:cNvGrpSpPr/>
+        <p:nvPr/>
+      </p:nvGrpSpPr>
+      <p:grpSpPr>
+        <a:xfrm>
+          <a:off x="0" y="0"/>
+          <a:ext cx="0" cy="0"/>
+          <a:chOff x="0" y="0"/>
+          <a:chExt cx="0" cy="0"/>
+        </a:xfrm>
+      </p:grpSpPr>
+      <p:sp>
+        <p:nvSpPr>
+          <p:cNvPr id="2" name="Titel 1">
+            <a:extLst>
+              <a:ext uri="{FF2B5EF4-FFF2-40B4-BE49-F238E27FC236}">
+                <a16:creationId xmlns:a16="http://schemas.microsoft.com/office/drawing/2014/main" id="{751842EB-203D-FD96-6EDF-06C32DE3C360}"/>
+              </a:ext>
+            </a:extLst>
+          </p:cNvPr>
+          <p:cNvSpPr>
+            <a:spLocks noGrp="1"/>
+          </p:cNvSpPr>
+          <p:nvPr>
+            <p:ph type="title"/>
+          </p:nvPr>
+        </p:nvSpPr>
+        <p:spPr/>
+        <p:txBody>
+          <a:bodyPr/>
+          <a:lstStyle/>
+          <a:p>
+            <a:r>
+              <a:rPr lang="de-DE" dirty="0"/>
+              <a:t>Customize a </a:t>
+            </a:r>
+            <a:r>
+              <a:rPr lang="de-DE" dirty="0" err="1"/>
+              <a:t>HttpResponse</a:t>
+            </a:r>
+            <a:endParaRPr lang="de-AT" dirty="0"/>
+          </a:p>
+        </p:txBody>
+      </p:sp>
+      <p:sp>
+        <p:nvSpPr>
+          <p:cNvPr id="3" name="Inhaltsplatzhalter 2">
+            <a:extLst>
+              <a:ext uri="{FF2B5EF4-FFF2-40B4-BE49-F238E27FC236}">
+                <a16:creationId xmlns:a16="http://schemas.microsoft.com/office/drawing/2014/main" id="{7E4BFCF8-2ADC-1A5C-6E3D-63B4575E4FDE}"/>
+              </a:ext>
+            </a:extLst>
+          </p:cNvPr>
+          <p:cNvSpPr>
+            <a:spLocks noGrp="1"/>
+          </p:cNvSpPr>
+          <p:nvPr>
+            <p:ph idx="1"/>
+          </p:nvPr>
+        </p:nvSpPr>
+        <p:spPr/>
+        <p:txBody>
+          <a:bodyPr/>
+          <a:lstStyle/>
+          <a:p>
+            <a:pPr marL="0" indent="0">
+              <a:buNone/>
+            </a:pPr>
+            <a:r>
+              <a:rPr lang="de-DE" dirty="0"/>
+              <a:t>The Responder </a:t>
+            </a:r>
+            <a:r>
+              <a:rPr lang="de-DE" dirty="0" err="1"/>
+              <a:t>trait</a:t>
+            </a:r>
+            <a:r>
+              <a:rPr lang="de-DE" dirty="0"/>
+              <a:t> </a:t>
+            </a:r>
+            <a:r>
+              <a:rPr lang="de-DE" dirty="0" err="1"/>
+              <a:t>provides</a:t>
+            </a:r>
+            <a:r>
+              <a:rPr lang="de-DE" dirty="0"/>
+              <a:t> a </a:t>
+            </a:r>
+            <a:r>
+              <a:rPr lang="de-DE" dirty="0" err="1"/>
+              <a:t>method</a:t>
+            </a:r>
+            <a:r>
+              <a:rPr lang="de-DE" dirty="0"/>
+              <a:t> </a:t>
+            </a:r>
+            <a:r>
+              <a:rPr lang="de-DE" dirty="0" err="1"/>
+              <a:t>for</a:t>
+            </a:r>
+            <a:r>
+              <a:rPr lang="de-DE" dirty="0"/>
+              <a:t> </a:t>
+            </a:r>
+            <a:r>
+              <a:rPr lang="de-DE" dirty="0" err="1"/>
+              <a:t>customizing</a:t>
+            </a:r>
+            <a:r>
+              <a:rPr lang="de-DE" dirty="0"/>
+              <a:t> </a:t>
+            </a:r>
+            <a:r>
+              <a:rPr lang="de-DE" dirty="0" err="1"/>
+              <a:t>responses</a:t>
+            </a:r>
+            <a:r>
+              <a:rPr lang="de-DE" dirty="0"/>
+              <a:t>:</a:t>
+            </a:r>
+          </a:p>
+          <a:p>
+            <a:pPr marL="0" indent="0">
+              <a:buNone/>
+            </a:pPr>
+            <a:endParaRPr lang="de-DE" dirty="0"/>
+          </a:p>
+          <a:p>
+            <a:pPr marL="0" indent="0">
+              <a:buNone/>
+            </a:pPr>
+            <a:r>
+              <a:rPr lang="de-AT" b="0" dirty="0">
+                <a:solidFill>
+                  <a:srgbClr val="DCDCAA"/>
+                </a:solidFill>
+                <a:effectLst/>
+                <a:latin typeface="Consolas" panose="020B0609020204030204" pitchFamily="49" charset="0"/>
+              </a:rPr>
+              <a:t>customize</a:t>
+            </a:r>
+            <a:r>
+              <a:rPr lang="de-AT" b="0" dirty="0">
+                <a:solidFill>
+                  <a:srgbClr val="D4D4D4"/>
+                </a:solidFill>
+                <a:effectLst/>
+                <a:latin typeface="Consolas" panose="020B0609020204030204" pitchFamily="49" charset="0"/>
+              </a:rPr>
+              <a:t>()</a:t>
+            </a:r>
+          </a:p>
+          <a:p>
+            <a:pPr marL="0" indent="0">
+              <a:buNone/>
+            </a:pPr>
+            <a:endParaRPr lang="de-AT" dirty="0"/>
+          </a:p>
+          <a:p>
+            <a:pPr marL="0" indent="0">
+              <a:buNone/>
+            </a:pPr>
+            <a:r>
+              <a:rPr lang="de-AT" dirty="0"/>
+              <a:t>The </a:t>
+            </a:r>
+            <a:r>
+              <a:rPr lang="de-AT" dirty="0" err="1"/>
+              <a:t>HttpResponse</a:t>
+            </a:r>
+            <a:r>
+              <a:rPr lang="de-AT" dirty="0"/>
+              <a:t> type </a:t>
+            </a:r>
+            <a:r>
+              <a:rPr lang="de-AT" dirty="0" err="1"/>
+              <a:t>provides</a:t>
+            </a:r>
+            <a:r>
+              <a:rPr lang="de-AT" dirty="0"/>
+              <a:t> a </a:t>
+            </a:r>
+            <a:r>
+              <a:rPr lang="de-AT" dirty="0" err="1"/>
+              <a:t>method</a:t>
+            </a:r>
+            <a:r>
+              <a:rPr lang="de-AT" dirty="0"/>
+              <a:t> </a:t>
+            </a:r>
+            <a:r>
+              <a:rPr lang="de-AT" dirty="0" err="1"/>
+              <a:t>to</a:t>
+            </a:r>
+            <a:r>
+              <a:rPr lang="de-AT" dirty="0"/>
+              <a:t> </a:t>
+            </a:r>
+            <a:r>
+              <a:rPr lang="de-AT" dirty="0" err="1"/>
+              <a:t>build</a:t>
+            </a:r>
+            <a:r>
+              <a:rPr lang="de-AT" dirty="0"/>
+              <a:t> a </a:t>
+            </a:r>
+            <a:r>
+              <a:rPr lang="de-AT" dirty="0" err="1"/>
+              <a:t>customized</a:t>
+            </a:r>
+            <a:r>
+              <a:rPr lang="de-AT" dirty="0"/>
+              <a:t> </a:t>
+            </a:r>
+            <a:r>
+              <a:rPr lang="de-AT" dirty="0" err="1"/>
+              <a:t>response</a:t>
+            </a:r>
+            <a:r>
+              <a:rPr lang="de-AT" dirty="0"/>
+              <a:t>:</a:t>
+            </a:r>
+          </a:p>
+          <a:p>
+            <a:pPr marL="0" indent="0">
+              <a:buNone/>
+            </a:pPr>
+            <a:endParaRPr lang="de-AT" dirty="0"/>
+          </a:p>
+          <a:p>
+            <a:pPr marL="0" indent="0">
+              <a:buNone/>
+            </a:pPr>
+            <a:r>
+              <a:rPr lang="de-AT" b="0" dirty="0" err="1">
+                <a:solidFill>
+                  <a:srgbClr val="DCDCAA"/>
+                </a:solidFill>
+                <a:effectLst/>
+                <a:latin typeface="Consolas" panose="020B0609020204030204" pitchFamily="49" charset="0"/>
+              </a:rPr>
+              <a:t>build</a:t>
+            </a:r>
+            <a:r>
+              <a:rPr lang="de-AT" b="0" dirty="0">
+                <a:solidFill>
+                  <a:srgbClr val="D4D4D4"/>
+                </a:solidFill>
+                <a:effectLst/>
+                <a:latin typeface="Consolas" panose="020B0609020204030204" pitchFamily="49" charset="0"/>
+              </a:rPr>
+              <a:t>()</a:t>
+            </a:r>
+          </a:p>
+          <a:p>
+            <a:pPr marL="0" indent="0">
+              <a:buNone/>
+            </a:pPr>
+            <a:endParaRPr lang="de-AT" dirty="0"/>
+          </a:p>
+        </p:txBody>
+      </p:sp>
+    </p:spTree>
+    <p:extLst>
+      <p:ext uri="{BB962C8B-B14F-4D97-AF65-F5344CB8AC3E}">
+        <p14:creationId xmlns:p14="http://schemas.microsoft.com/office/powerpoint/2010/main" val="3749233082"/>
+      </p:ext>
+    </p:extLst>
+  </p:cSld>
+  <p:clrMapOvr>
+    <a:masterClrMapping/>
+  </p:clrMapOvr>
+</p:sld>
+</file>
+
+<file path=ppt/slides/slide12.xml><?xml version="1.0" encoding="utf-8"?>
+<p:sld xmlns:a="http://schemas.openxmlformats.org/drawingml/2006/main" xmlns:r="http://schemas.openxmlformats.org/officeDocument/2006/relationships" xmlns:p="http://schemas.openxmlformats.org/presentationml/2006/main">
+  <p:cSld>
+    <p:spTree>
+      <p:nvGrpSpPr>
+        <p:cNvPr id="1" name=""/>
+        <p:cNvGrpSpPr/>
+        <p:nvPr/>
+      </p:nvGrpSpPr>
+      <p:grpSpPr>
+        <a:xfrm>
+          <a:off x="0" y="0"/>
+          <a:ext cx="0" cy="0"/>
+          <a:chOff x="0" y="0"/>
+          <a:chExt cx="0" cy="0"/>
+        </a:xfrm>
+      </p:grpSpPr>
+      <p:sp>
+        <p:nvSpPr>
+          <p:cNvPr id="2" name="Titel 1">
+            <a:extLst>
+              <a:ext uri="{FF2B5EF4-FFF2-40B4-BE49-F238E27FC236}">
+                <a16:creationId xmlns:a16="http://schemas.microsoft.com/office/drawing/2014/main" id="{52923CB2-3A15-F0D7-133F-B9DC5C934EFF}"/>
+              </a:ext>
+            </a:extLst>
+          </p:cNvPr>
+          <p:cNvSpPr>
+            <a:spLocks noGrp="1"/>
+          </p:cNvSpPr>
+          <p:nvPr>
+            <p:ph type="title"/>
+          </p:nvPr>
+        </p:nvSpPr>
+        <p:spPr/>
+        <p:txBody>
+          <a:bodyPr/>
+          <a:lstStyle/>
+          <a:p>
+            <a:r>
+              <a:rPr lang="de-DE" dirty="0"/>
+              <a:t>Other Frameworks / Libraries</a:t>
+            </a:r>
+          </a:p>
+        </p:txBody>
+      </p:sp>
+      <p:sp>
+        <p:nvSpPr>
+          <p:cNvPr id="3" name="Inhaltsplatzhalter 2">
+            <a:extLst>
+              <a:ext uri="{FF2B5EF4-FFF2-40B4-BE49-F238E27FC236}">
+                <a16:creationId xmlns:a16="http://schemas.microsoft.com/office/drawing/2014/main" id="{61E8B97F-54A9-E12D-9A19-3178AB7A887C}"/>
+              </a:ext>
+            </a:extLst>
+          </p:cNvPr>
+          <p:cNvSpPr>
+            <a:spLocks noGrp="1"/>
+          </p:cNvSpPr>
+          <p:nvPr>
+            <p:ph idx="1"/>
+          </p:nvPr>
+        </p:nvSpPr>
+        <p:spPr/>
+        <p:txBody>
+          <a:bodyPr/>
+          <a:lstStyle/>
+          <a:p>
+            <a:r>
+              <a:rPr lang="de-DE" dirty="0"/>
+              <a:t>Warp</a:t>
+            </a:r>
+          </a:p>
+          <a:p>
+            <a:r>
+              <a:rPr lang="de-DE" dirty="0"/>
+              <a:t>Rocket</a:t>
+            </a:r>
+          </a:p>
+          <a:p>
+            <a:r>
+              <a:rPr lang="de-DE" dirty="0" err="1"/>
+              <a:t>Thruster</a:t>
+            </a:r>
+            <a:endParaRPr lang="de-DE" dirty="0"/>
+          </a:p>
+          <a:p>
+            <a:r>
+              <a:rPr lang="de-DE" dirty="0" err="1"/>
+              <a:t>Hyper</a:t>
+            </a:r>
+            <a:r>
+              <a:rPr lang="de-DE" dirty="0"/>
+              <a:t> (</a:t>
+            </a:r>
+            <a:r>
+              <a:rPr lang="de-DE" dirty="0" err="1"/>
+              <a:t>more</a:t>
+            </a:r>
+            <a:r>
+              <a:rPr lang="de-DE" dirty="0"/>
+              <a:t> </a:t>
+            </a:r>
+            <a:r>
+              <a:rPr lang="de-DE" dirty="0" err="1"/>
+              <a:t>low</a:t>
+            </a:r>
+            <a:r>
+              <a:rPr lang="de-DE" dirty="0"/>
+              <a:t> </a:t>
+            </a:r>
+            <a:r>
+              <a:rPr lang="de-DE" dirty="0" err="1"/>
+              <a:t>level</a:t>
+            </a:r>
+            <a:r>
+              <a:rPr lang="de-DE" dirty="0"/>
+              <a:t>)</a:t>
+            </a:r>
+          </a:p>
+        </p:txBody>
+      </p:sp>
+    </p:spTree>
+    <p:extLst>
+      <p:ext uri="{BB962C8B-B14F-4D97-AF65-F5344CB8AC3E}">
+        <p14:creationId xmlns:p14="http://schemas.microsoft.com/office/powerpoint/2010/main" val="4147237148"/>
+      </p:ext>
+    </p:extLst>
+  </p:cSld>
+  <p:clrMapOvr>
+    <a:masterClrMapping/>
+  </p:clrMapOvr>
+</p:sld>
+</file>
+
 <file path=ppt/slides/slide2.xml><?xml version="1.0" encoding="utf-8"?>
 <p:sld xmlns:a="http://schemas.openxmlformats.org/drawingml/2006/main" xmlns:r="http://schemas.openxmlformats.org/officeDocument/2006/relationships" xmlns:p="http://schemas.openxmlformats.org/presentationml/2006/main">
   <p:cSld>
@@ -7534,15 +8071,11 @@
             </a:pPr>
             <a:r>
               <a:rPr lang="de-DE" sz="2400" dirty="0"/>
-              <a:t>	</a:t>
-            </a:r>
-            <a:r>
-              <a:rPr lang="de-DE" sz="2400"/>
-              <a:t>-&gt; Args </a:t>
+              <a:t>	-&gt; Args </a:t>
             </a:r>
             <a:r>
               <a:rPr lang="de-DE" sz="2400" dirty="0" err="1"/>
-              <a:t>have</a:t>
+              <a:t>Datatypes</a:t>
             </a:r>
             <a:r>
               <a:rPr lang="de-DE" sz="2400" dirty="0"/>
@@ -7550,7 +8083,7 @@
             </a:r>
             <a:r>
               <a:rPr lang="de-DE" sz="2400" dirty="0" err="1"/>
-              <a:t>to</a:t>
+              <a:t>must</a:t>
             </a:r>
             <a:r>
               <a:rPr lang="de-DE" sz="2400" dirty="0"/>
@@ -8210,7 +8743,7 @@
           <p:cNvPr id="2" name="Titel 1">
             <a:extLst>
               <a:ext uri="{FF2B5EF4-FFF2-40B4-BE49-F238E27FC236}">
-                <a16:creationId xmlns:a16="http://schemas.microsoft.com/office/drawing/2014/main" id="{52923CB2-3A15-F0D7-133F-B9DC5C934EFF}"/>
+                <a16:creationId xmlns:a16="http://schemas.microsoft.com/office/drawing/2014/main" id="{AB0AF7AC-96AA-F168-C11F-5BBBFBE1A7BE}"/>
               </a:ext>
             </a:extLst>
           </p:cNvPr>
@@ -8227,63 +8760,147 @@
           <a:lstStyle/>
           <a:p>
             <a:r>
+              <a:rPr lang="de-DE" dirty="0" err="1"/>
+              <a:t>Types</a:t>
+            </a:r>
+            <a:r>
               <a:rPr lang="de-DE" dirty="0"/>
-              <a:t>Other Frameworks / Libraries</a:t>
-            </a:r>
-          </a:p>
-        </p:txBody>
-      </p:sp>
-      <p:sp>
-        <p:nvSpPr>
-          <p:cNvPr id="3" name="Inhaltsplatzhalter 2">
-            <a:extLst>
-              <a:ext uri="{FF2B5EF4-FFF2-40B4-BE49-F238E27FC236}">
-                <a16:creationId xmlns:a16="http://schemas.microsoft.com/office/drawing/2014/main" id="{61E8B97F-54A9-E12D-9A19-3178AB7A887C}"/>
-              </a:ext>
-            </a:extLst>
-          </p:cNvPr>
-          <p:cNvSpPr>
-            <a:spLocks noGrp="1"/>
-          </p:cNvSpPr>
+              <a:t> </a:t>
+            </a:r>
+            <a:r>
+              <a:rPr lang="de-DE" dirty="0" err="1"/>
+              <a:t>that</a:t>
+            </a:r>
+            <a:r>
+              <a:rPr lang="de-DE" dirty="0"/>
+              <a:t> </a:t>
+            </a:r>
+            <a:r>
+              <a:rPr lang="de-DE" dirty="0" err="1"/>
+              <a:t>implement</a:t>
+            </a:r>
+            <a:r>
+              <a:rPr lang="de-DE" dirty="0"/>
+              <a:t> </a:t>
+            </a:r>
+            <a:r>
+              <a:rPr lang="de-DE" dirty="0" err="1"/>
+              <a:t>FromRequest</a:t>
+            </a:r>
+            <a:endParaRPr lang="de-AT" dirty="0"/>
+          </a:p>
+        </p:txBody>
+      </p:sp>
+      <p:pic>
+        <p:nvPicPr>
+          <p:cNvPr id="5" name="Inhaltsplatzhalter 4">
+            <a:extLst>
+              <a:ext uri="{FF2B5EF4-FFF2-40B4-BE49-F238E27FC236}">
+                <a16:creationId xmlns:a16="http://schemas.microsoft.com/office/drawing/2014/main" id="{DCFF9773-37F1-9607-2C23-B72638ECCE8B}"/>
+              </a:ext>
+            </a:extLst>
+          </p:cNvPr>
+          <p:cNvPicPr>
+            <a:picLocks noGrp="1" noChangeAspect="1"/>
+          </p:cNvPicPr>
           <p:nvPr>
             <p:ph idx="1"/>
           </p:nvPr>
-        </p:nvSpPr>
-        <p:spPr/>
-        <p:txBody>
-          <a:bodyPr/>
+        </p:nvPicPr>
+        <p:blipFill>
+          <a:blip r:embed="rId2"/>
+          <a:stretch>
+            <a:fillRect/>
+          </a:stretch>
+        </p:blipFill>
+        <p:spPr>
+          <a:xfrm>
+            <a:off x="960498" y="1841061"/>
+            <a:ext cx="1038225" cy="4267200"/>
+          </a:xfrm>
+        </p:spPr>
+      </p:pic>
+      <p:sp>
+        <p:nvSpPr>
+          <p:cNvPr id="6" name="Pfeil: nach rechts 5">
+            <a:extLst>
+              <a:ext uri="{FF2B5EF4-FFF2-40B4-BE49-F238E27FC236}">
+                <a16:creationId xmlns:a16="http://schemas.microsoft.com/office/drawing/2014/main" id="{FAA45500-624A-3F12-25F0-64D3E235F726}"/>
+              </a:ext>
+            </a:extLst>
+          </p:cNvPr>
+          <p:cNvSpPr/>
+          <p:nvPr/>
+        </p:nvSpPr>
+        <p:spPr>
+          <a:xfrm>
+            <a:off x="2361460" y="3737499"/>
+            <a:ext cx="5051394" cy="204186"/>
+          </a:xfrm>
+          <a:prstGeom prst="rightArrow">
+            <a:avLst/>
+          </a:prstGeom>
+        </p:spPr>
+        <p:style>
+          <a:lnRef idx="2">
+            <a:schemeClr val="accent1">
+              <a:shade val="50000"/>
+            </a:schemeClr>
+          </a:lnRef>
+          <a:fillRef idx="1">
+            <a:schemeClr val="accent1"/>
+          </a:fillRef>
+          <a:effectRef idx="0">
+            <a:schemeClr val="accent1"/>
+          </a:effectRef>
+          <a:fontRef idx="minor">
+            <a:schemeClr val="lt1"/>
+          </a:fontRef>
+        </p:style>
+        <p:txBody>
+          <a:bodyPr rtlCol="0" anchor="ctr"/>
           <a:lstStyle/>
           <a:p>
+            <a:pPr algn="ctr"/>
+            <a:endParaRPr lang="de-AT"/>
+          </a:p>
+        </p:txBody>
+      </p:sp>
+      <p:sp>
+        <p:nvSpPr>
+          <p:cNvPr id="7" name="Textfeld 6">
+            <a:extLst>
+              <a:ext uri="{FF2B5EF4-FFF2-40B4-BE49-F238E27FC236}">
+                <a16:creationId xmlns:a16="http://schemas.microsoft.com/office/drawing/2014/main" id="{D086DF05-7058-FE70-8E04-868371188E77}"/>
+              </a:ext>
+            </a:extLst>
+          </p:cNvPr>
+          <p:cNvSpPr txBox="1"/>
+          <p:nvPr/>
+        </p:nvSpPr>
+        <p:spPr>
+          <a:xfrm>
+            <a:off x="7775591" y="3506680"/>
+            <a:ext cx="3463541" cy="646331"/>
+          </a:xfrm>
+          <a:prstGeom prst="rect">
+            <a:avLst/>
+          </a:prstGeom>
+          <a:noFill/>
+        </p:spPr>
+        <p:txBody>
+          <a:bodyPr wrap="square" rtlCol="0">
+            <a:spAutoFit/>
+          </a:bodyPr>
+          <a:lstStyle/>
+          <a:p>
             <a:r>
               <a:rPr lang="de-DE" dirty="0"/>
-              <a:t>Warp</a:t>
-            </a:r>
-          </a:p>
-          <a:p>
-            <a:r>
-              <a:rPr lang="de-DE" dirty="0"/>
-              <a:t>Rocket</a:t>
-            </a:r>
-          </a:p>
-          <a:p>
+              <a:t>Extract </a:t>
+            </a:r>
             <a:r>
               <a:rPr lang="de-DE" dirty="0" err="1"/>
-              <a:t>Thruster</a:t>
-            </a:r>
-            <a:endParaRPr lang="de-DE" dirty="0"/>
-          </a:p>
-          <a:p>
-            <a:r>
-              <a:rPr lang="de-DE" dirty="0" err="1"/>
-              <a:t>Hyper</a:t>
-            </a:r>
-            <a:r>
-              <a:rPr lang="de-DE" dirty="0"/>
-              <a:t> (</a:t>
-            </a:r>
-            <a:r>
-              <a:rPr lang="de-DE" dirty="0" err="1"/>
-              <a:t>more</a:t>
+              <a:t>data</a:t>
             </a:r>
             <a:r>
               <a:rPr lang="de-DE" dirty="0"/>
@@ -8291,7 +8908,7 @@
             </a:r>
             <a:r>
               <a:rPr lang="de-DE" dirty="0" err="1"/>
-              <a:t>low</a:t>
+              <a:t>from</a:t>
             </a:r>
             <a:r>
               <a:rPr lang="de-DE" dirty="0"/>
@@ -8299,19 +8916,32 @@
             </a:r>
             <a:r>
               <a:rPr lang="de-DE" dirty="0" err="1"/>
-              <a:t>level</a:t>
+              <a:t>the</a:t>
             </a:r>
             <a:r>
               <a:rPr lang="de-DE" dirty="0"/>
-              <a:t>)</a:t>
-            </a:r>
+              <a:t> </a:t>
+            </a:r>
+            <a:r>
+              <a:rPr lang="de-DE" dirty="0" err="1"/>
+              <a:t>client‘s</a:t>
+            </a:r>
+            <a:r>
+              <a:rPr lang="de-DE" dirty="0"/>
+              <a:t> </a:t>
+            </a:r>
+            <a:r>
+              <a:rPr lang="de-DE" dirty="0" err="1"/>
+              <a:t>HttpRequest</a:t>
+            </a:r>
+            <a:endParaRPr lang="de-AT" dirty="0"/>
           </a:p>
         </p:txBody>
       </p:sp>
     </p:spTree>
     <p:extLst>
       <p:ext uri="{BB962C8B-B14F-4D97-AF65-F5344CB8AC3E}">
-        <p14:creationId xmlns:p14="http://schemas.microsoft.com/office/powerpoint/2010/main" val="4147237148"/>
+        <p14:creationId xmlns:p14="http://schemas.microsoft.com/office/powerpoint/2010/main" val="3208059671"/>
       </p:ext>
     </p:extLst>
   </p:cSld>

--- a/Pres.pptx
+++ b/Pres.pptx
@@ -13,10 +13,11 @@
     <p:sldId id="256" r:id="rId7"/>
     <p:sldId id="259" r:id="rId8"/>
     <p:sldId id="260" r:id="rId9"/>
-    <p:sldId id="265" r:id="rId10"/>
-    <p:sldId id="266" r:id="rId11"/>
-    <p:sldId id="267" r:id="rId12"/>
-    <p:sldId id="258" r:id="rId13"/>
+    <p:sldId id="268" r:id="rId10"/>
+    <p:sldId id="265" r:id="rId11"/>
+    <p:sldId id="266" r:id="rId12"/>
+    <p:sldId id="267" r:id="rId13"/>
+    <p:sldId id="258" r:id="rId14"/>
   </p:sldIdLst>
   <p:sldSz cx="12192000" cy="6858000"/>
   <p:notesSz cx="6858000" cy="9144000"/>
@@ -270,7 +271,7 @@
           <a:p>
             <a:fld id="{98C5D0A0-7D22-BE42-9A30-B4115F904EDD}" type="datetimeFigureOut">
               <a:rPr lang="de-DE" smtClean="0"/>
-              <a:t>24.11.2023</a:t>
+              <a:t>26.11.23</a:t>
             </a:fld>
             <a:endParaRPr lang="de-DE"/>
           </a:p>
@@ -468,7 +469,7 @@
           <a:p>
             <a:fld id="{98C5D0A0-7D22-BE42-9A30-B4115F904EDD}" type="datetimeFigureOut">
               <a:rPr lang="de-DE" smtClean="0"/>
-              <a:t>24.11.2023</a:t>
+              <a:t>26.11.23</a:t>
             </a:fld>
             <a:endParaRPr lang="de-DE"/>
           </a:p>
@@ -676,7 +677,7 @@
           <a:p>
             <a:fld id="{98C5D0A0-7D22-BE42-9A30-B4115F904EDD}" type="datetimeFigureOut">
               <a:rPr lang="de-DE" smtClean="0"/>
-              <a:t>24.11.2023</a:t>
+              <a:t>26.11.23</a:t>
             </a:fld>
             <a:endParaRPr lang="de-DE"/>
           </a:p>
@@ -874,7 +875,7 @@
           <a:p>
             <a:fld id="{98C5D0A0-7D22-BE42-9A30-B4115F904EDD}" type="datetimeFigureOut">
               <a:rPr lang="de-DE" smtClean="0"/>
-              <a:t>24.11.2023</a:t>
+              <a:t>26.11.23</a:t>
             </a:fld>
             <a:endParaRPr lang="de-DE"/>
           </a:p>
@@ -1149,7 +1150,7 @@
           <a:p>
             <a:fld id="{98C5D0A0-7D22-BE42-9A30-B4115F904EDD}" type="datetimeFigureOut">
               <a:rPr lang="de-DE" smtClean="0"/>
-              <a:t>24.11.2023</a:t>
+              <a:t>26.11.23</a:t>
             </a:fld>
             <a:endParaRPr lang="de-DE"/>
           </a:p>
@@ -1414,7 +1415,7 @@
           <a:p>
             <a:fld id="{98C5D0A0-7D22-BE42-9A30-B4115F904EDD}" type="datetimeFigureOut">
               <a:rPr lang="de-DE" smtClean="0"/>
-              <a:t>24.11.2023</a:t>
+              <a:t>26.11.23</a:t>
             </a:fld>
             <a:endParaRPr lang="de-DE"/>
           </a:p>
@@ -1826,7 +1827,7 @@
           <a:p>
             <a:fld id="{98C5D0A0-7D22-BE42-9A30-B4115F904EDD}" type="datetimeFigureOut">
               <a:rPr lang="de-DE" smtClean="0"/>
-              <a:t>24.11.2023</a:t>
+              <a:t>26.11.23</a:t>
             </a:fld>
             <a:endParaRPr lang="de-DE"/>
           </a:p>
@@ -1967,7 +1968,7 @@
           <a:p>
             <a:fld id="{98C5D0A0-7D22-BE42-9A30-B4115F904EDD}" type="datetimeFigureOut">
               <a:rPr lang="de-DE" smtClean="0"/>
-              <a:t>24.11.2023</a:t>
+              <a:t>26.11.23</a:t>
             </a:fld>
             <a:endParaRPr lang="de-DE"/>
           </a:p>
@@ -2080,7 +2081,7 @@
           <a:p>
             <a:fld id="{98C5D0A0-7D22-BE42-9A30-B4115F904EDD}" type="datetimeFigureOut">
               <a:rPr lang="de-DE" smtClean="0"/>
-              <a:t>24.11.2023</a:t>
+              <a:t>26.11.23</a:t>
             </a:fld>
             <a:endParaRPr lang="de-DE"/>
           </a:p>
@@ -2391,7 +2392,7 @@
           <a:p>
             <a:fld id="{98C5D0A0-7D22-BE42-9A30-B4115F904EDD}" type="datetimeFigureOut">
               <a:rPr lang="de-DE" smtClean="0"/>
-              <a:t>24.11.2023</a:t>
+              <a:t>26.11.23</a:t>
             </a:fld>
             <a:endParaRPr lang="de-DE"/>
           </a:p>
@@ -2679,7 +2680,7 @@
           <a:p>
             <a:fld id="{98C5D0A0-7D22-BE42-9A30-B4115F904EDD}" type="datetimeFigureOut">
               <a:rPr lang="de-DE" smtClean="0"/>
-              <a:t>24.11.2023</a:t>
+              <a:t>26.11.23</a:t>
             </a:fld>
             <a:endParaRPr lang="de-DE"/>
           </a:p>
@@ -2920,7 +2921,7 @@
           <a:p>
             <a:fld id="{98C5D0A0-7D22-BE42-9A30-B4115F904EDD}" type="datetimeFigureOut">
               <a:rPr lang="de-DE" smtClean="0"/>
-              <a:t>24.11.2023</a:t>
+              <a:t>26.11.23</a:t>
             </a:fld>
             <a:endParaRPr lang="de-DE"/>
           </a:p>
@@ -5658,6 +5659,236 @@
           <p:cNvPr id="2" name="Titel 1">
             <a:extLst>
               <a:ext uri="{FF2B5EF4-FFF2-40B4-BE49-F238E27FC236}">
+                <a16:creationId xmlns:a16="http://schemas.microsoft.com/office/drawing/2014/main" id="{AB0AF7AC-96AA-F168-C11F-5BBBFBE1A7BE}"/>
+              </a:ext>
+            </a:extLst>
+          </p:cNvPr>
+          <p:cNvSpPr>
+            <a:spLocks noGrp="1"/>
+          </p:cNvSpPr>
+          <p:nvPr>
+            <p:ph type="title"/>
+          </p:nvPr>
+        </p:nvSpPr>
+        <p:spPr/>
+        <p:txBody>
+          <a:bodyPr/>
+          <a:lstStyle/>
+          <a:p>
+            <a:r>
+              <a:rPr lang="de-DE" dirty="0" err="1"/>
+              <a:t>Types</a:t>
+            </a:r>
+            <a:r>
+              <a:rPr lang="de-DE" dirty="0"/>
+              <a:t> </a:t>
+            </a:r>
+            <a:r>
+              <a:rPr lang="de-DE" dirty="0" err="1"/>
+              <a:t>that</a:t>
+            </a:r>
+            <a:r>
+              <a:rPr lang="de-DE" dirty="0"/>
+              <a:t> </a:t>
+            </a:r>
+            <a:r>
+              <a:rPr lang="de-DE" dirty="0" err="1"/>
+              <a:t>implement</a:t>
+            </a:r>
+            <a:r>
+              <a:rPr lang="de-DE" dirty="0"/>
+              <a:t> </a:t>
+            </a:r>
+            <a:r>
+              <a:rPr lang="de-DE" dirty="0" err="1"/>
+              <a:t>FromRequest</a:t>
+            </a:r>
+            <a:endParaRPr lang="de-AT" dirty="0"/>
+          </a:p>
+        </p:txBody>
+      </p:sp>
+      <p:pic>
+        <p:nvPicPr>
+          <p:cNvPr id="5" name="Inhaltsplatzhalter 4">
+            <a:extLst>
+              <a:ext uri="{FF2B5EF4-FFF2-40B4-BE49-F238E27FC236}">
+                <a16:creationId xmlns:a16="http://schemas.microsoft.com/office/drawing/2014/main" id="{DCFF9773-37F1-9607-2C23-B72638ECCE8B}"/>
+              </a:ext>
+            </a:extLst>
+          </p:cNvPr>
+          <p:cNvPicPr>
+            <a:picLocks noGrp="1" noChangeAspect="1"/>
+          </p:cNvPicPr>
+          <p:nvPr>
+            <p:ph idx="1"/>
+          </p:nvPr>
+        </p:nvPicPr>
+        <p:blipFill>
+          <a:blip r:embed="rId2"/>
+          <a:stretch>
+            <a:fillRect/>
+          </a:stretch>
+        </p:blipFill>
+        <p:spPr>
+          <a:xfrm>
+            <a:off x="960498" y="1841061"/>
+            <a:ext cx="1038225" cy="4267200"/>
+          </a:xfrm>
+        </p:spPr>
+      </p:pic>
+      <p:sp>
+        <p:nvSpPr>
+          <p:cNvPr id="6" name="Pfeil: nach rechts 5">
+            <a:extLst>
+              <a:ext uri="{FF2B5EF4-FFF2-40B4-BE49-F238E27FC236}">
+                <a16:creationId xmlns:a16="http://schemas.microsoft.com/office/drawing/2014/main" id="{FAA45500-624A-3F12-25F0-64D3E235F726}"/>
+              </a:ext>
+            </a:extLst>
+          </p:cNvPr>
+          <p:cNvSpPr/>
+          <p:nvPr/>
+        </p:nvSpPr>
+        <p:spPr>
+          <a:xfrm>
+            <a:off x="2361460" y="3737499"/>
+            <a:ext cx="5051394" cy="204186"/>
+          </a:xfrm>
+          <a:prstGeom prst="rightArrow">
+            <a:avLst/>
+          </a:prstGeom>
+        </p:spPr>
+        <p:style>
+          <a:lnRef idx="2">
+            <a:schemeClr val="accent1">
+              <a:shade val="50000"/>
+            </a:schemeClr>
+          </a:lnRef>
+          <a:fillRef idx="1">
+            <a:schemeClr val="accent1"/>
+          </a:fillRef>
+          <a:effectRef idx="0">
+            <a:schemeClr val="accent1"/>
+          </a:effectRef>
+          <a:fontRef idx="minor">
+            <a:schemeClr val="lt1"/>
+          </a:fontRef>
+        </p:style>
+        <p:txBody>
+          <a:bodyPr rtlCol="0" anchor="ctr"/>
+          <a:lstStyle/>
+          <a:p>
+            <a:pPr algn="ctr"/>
+            <a:endParaRPr lang="de-AT"/>
+          </a:p>
+        </p:txBody>
+      </p:sp>
+      <p:sp>
+        <p:nvSpPr>
+          <p:cNvPr id="7" name="Textfeld 6">
+            <a:extLst>
+              <a:ext uri="{FF2B5EF4-FFF2-40B4-BE49-F238E27FC236}">
+                <a16:creationId xmlns:a16="http://schemas.microsoft.com/office/drawing/2014/main" id="{D086DF05-7058-FE70-8E04-868371188E77}"/>
+              </a:ext>
+            </a:extLst>
+          </p:cNvPr>
+          <p:cNvSpPr txBox="1"/>
+          <p:nvPr/>
+        </p:nvSpPr>
+        <p:spPr>
+          <a:xfrm>
+            <a:off x="7775591" y="3506680"/>
+            <a:ext cx="3463541" cy="646331"/>
+          </a:xfrm>
+          <a:prstGeom prst="rect">
+            <a:avLst/>
+          </a:prstGeom>
+          <a:noFill/>
+        </p:spPr>
+        <p:txBody>
+          <a:bodyPr wrap="square" rtlCol="0">
+            <a:spAutoFit/>
+          </a:bodyPr>
+          <a:lstStyle/>
+          <a:p>
+            <a:r>
+              <a:rPr lang="de-DE" dirty="0"/>
+              <a:t>Extract </a:t>
+            </a:r>
+            <a:r>
+              <a:rPr lang="de-DE" dirty="0" err="1"/>
+              <a:t>data</a:t>
+            </a:r>
+            <a:r>
+              <a:rPr lang="de-DE" dirty="0"/>
+              <a:t> </a:t>
+            </a:r>
+            <a:r>
+              <a:rPr lang="de-DE" dirty="0" err="1"/>
+              <a:t>from</a:t>
+            </a:r>
+            <a:r>
+              <a:rPr lang="de-DE" dirty="0"/>
+              <a:t> </a:t>
+            </a:r>
+            <a:r>
+              <a:rPr lang="de-DE" dirty="0" err="1"/>
+              <a:t>the</a:t>
+            </a:r>
+            <a:r>
+              <a:rPr lang="de-DE" dirty="0"/>
+              <a:t> </a:t>
+            </a:r>
+            <a:r>
+              <a:rPr lang="de-DE" dirty="0" err="1"/>
+              <a:t>client‘s</a:t>
+            </a:r>
+            <a:r>
+              <a:rPr lang="de-DE" dirty="0"/>
+              <a:t> </a:t>
+            </a:r>
+            <a:r>
+              <a:rPr lang="de-DE" dirty="0" err="1"/>
+              <a:t>HttpRequest</a:t>
+            </a:r>
+            <a:endParaRPr lang="de-AT" dirty="0"/>
+          </a:p>
+        </p:txBody>
+      </p:sp>
+    </p:spTree>
+    <p:extLst>
+      <p:ext uri="{BB962C8B-B14F-4D97-AF65-F5344CB8AC3E}">
+        <p14:creationId xmlns:p14="http://schemas.microsoft.com/office/powerpoint/2010/main" val="3208059671"/>
+      </p:ext>
+    </p:extLst>
+  </p:cSld>
+  <p:clrMapOvr>
+    <a:masterClrMapping/>
+  </p:clrMapOvr>
+</p:sld>
+</file>
+
+<file path=ppt/slides/slide11.xml><?xml version="1.0" encoding="utf-8"?>
+<p:sld xmlns:a="http://schemas.openxmlformats.org/drawingml/2006/main" xmlns:r="http://schemas.openxmlformats.org/officeDocument/2006/relationships" xmlns:p="http://schemas.openxmlformats.org/presentationml/2006/main">
+  <p:cSld>
+    <p:spTree>
+      <p:nvGrpSpPr>
+        <p:cNvPr id="1" name=""/>
+        <p:cNvGrpSpPr/>
+        <p:nvPr/>
+      </p:nvGrpSpPr>
+      <p:grpSpPr>
+        <a:xfrm>
+          <a:off x="0" y="0"/>
+          <a:ext cx="0" cy="0"/>
+          <a:chOff x="0" y="0"/>
+          <a:chExt cx="0" cy="0"/>
+        </a:xfrm>
+      </p:grpSpPr>
+      <p:sp>
+        <p:nvSpPr>
+          <p:cNvPr id="2" name="Titel 1">
+            <a:extLst>
+              <a:ext uri="{FF2B5EF4-FFF2-40B4-BE49-F238E27FC236}">
                 <a16:creationId xmlns:a16="http://schemas.microsoft.com/office/drawing/2014/main" id="{A2133C53-ACA7-77D9-1892-A1D212AB4255}"/>
               </a:ext>
             </a:extLst>
@@ -5756,7 +5987,7 @@
 </p:sld>
 </file>
 
-<file path=ppt/slides/slide11.xml><?xml version="1.0" encoding="utf-8"?>
+<file path=ppt/slides/slide12.xml><?xml version="1.0" encoding="utf-8"?>
 <p:sld xmlns:a="http://schemas.openxmlformats.org/drawingml/2006/main" xmlns:r="http://schemas.openxmlformats.org/officeDocument/2006/relationships" xmlns:p="http://schemas.openxmlformats.org/presentationml/2006/main">
   <p:cSld>
     <p:spTree>
@@ -6037,7 +6268,7 @@
 </p:sld>
 </file>
 
-<file path=ppt/slides/slide12.xml><?xml version="1.0" encoding="utf-8"?>
+<file path=ppt/slides/slide13.xml><?xml version="1.0" encoding="utf-8"?>
 <p:sld xmlns:a="http://schemas.openxmlformats.org/drawingml/2006/main" xmlns:r="http://schemas.openxmlformats.org/officeDocument/2006/relationships" xmlns:p="http://schemas.openxmlformats.org/presentationml/2006/main">
   <p:cSld>
     <p:spTree>
@@ -8743,7 +8974,7 @@
           <p:cNvPr id="2" name="Titel 1">
             <a:extLst>
               <a:ext uri="{FF2B5EF4-FFF2-40B4-BE49-F238E27FC236}">
-                <a16:creationId xmlns:a16="http://schemas.microsoft.com/office/drawing/2014/main" id="{AB0AF7AC-96AA-F168-C11F-5BBBFBE1A7BE}"/>
+                <a16:creationId xmlns:a16="http://schemas.microsoft.com/office/drawing/2014/main" id="{DE28BBC6-A8B3-01DD-B469-C9EC43354124}"/>
               </a:ext>
             </a:extLst>
           </p:cNvPr>
@@ -8761,146 +8992,77 @@
           <a:p>
             <a:r>
               <a:rPr lang="de-DE" dirty="0" err="1"/>
-              <a:t>Types</a:t>
+              <a:t>Defining</a:t>
             </a:r>
             <a:r>
               <a:rPr lang="de-DE" dirty="0"/>
-              <a:t> </a:t>
+              <a:t> a </a:t>
             </a:r>
             <a:r>
               <a:rPr lang="de-DE" dirty="0" err="1"/>
-              <a:t>that</a:t>
-            </a:r>
-            <a:r>
-              <a:rPr lang="de-DE" dirty="0"/>
-              <a:t> </a:t>
-            </a:r>
-            <a:r>
-              <a:rPr lang="de-DE" dirty="0" err="1"/>
-              <a:t>implement</a:t>
-            </a:r>
-            <a:r>
-              <a:rPr lang="de-DE" dirty="0"/>
-              <a:t> </a:t>
-            </a:r>
-            <a:r>
-              <a:rPr lang="de-DE" dirty="0" err="1"/>
-              <a:t>FromRequest</a:t>
-            </a:r>
-            <a:endParaRPr lang="de-AT" dirty="0"/>
-          </a:p>
-        </p:txBody>
-      </p:sp>
-      <p:pic>
-        <p:nvPicPr>
-          <p:cNvPr id="5" name="Inhaltsplatzhalter 4">
-            <a:extLst>
-              <a:ext uri="{FF2B5EF4-FFF2-40B4-BE49-F238E27FC236}">
-                <a16:creationId xmlns:a16="http://schemas.microsoft.com/office/drawing/2014/main" id="{DCFF9773-37F1-9607-2C23-B72638ECCE8B}"/>
-              </a:ext>
-            </a:extLst>
-          </p:cNvPr>
-          <p:cNvPicPr>
-            <a:picLocks noGrp="1" noChangeAspect="1"/>
-          </p:cNvPicPr>
-          <p:nvPr>
-            <p:ph idx="1"/>
-          </p:nvPr>
-        </p:nvPicPr>
-        <p:blipFill>
-          <a:blip r:embed="rId2"/>
-          <a:stretch>
-            <a:fillRect/>
-          </a:stretch>
-        </p:blipFill>
-        <p:spPr>
-          <a:xfrm>
-            <a:off x="960498" y="1841061"/>
-            <a:ext cx="1038225" cy="4267200"/>
-          </a:xfrm>
-        </p:spPr>
-      </p:pic>
-      <p:sp>
-        <p:nvSpPr>
-          <p:cNvPr id="6" name="Pfeil: nach rechts 5">
-            <a:extLst>
-              <a:ext uri="{FF2B5EF4-FFF2-40B4-BE49-F238E27FC236}">
-                <a16:creationId xmlns:a16="http://schemas.microsoft.com/office/drawing/2014/main" id="{FAA45500-624A-3F12-25F0-64D3E235F726}"/>
-              </a:ext>
-            </a:extLst>
-          </p:cNvPr>
-          <p:cNvSpPr/>
-          <p:nvPr/>
-        </p:nvSpPr>
-        <p:spPr>
-          <a:xfrm>
-            <a:off x="2361460" y="3737499"/>
-            <a:ext cx="5051394" cy="204186"/>
-          </a:xfrm>
-          <a:prstGeom prst="rightArrow">
-            <a:avLst/>
-          </a:prstGeom>
-        </p:spPr>
-        <p:style>
-          <a:lnRef idx="2">
-            <a:schemeClr val="accent1">
-              <a:shade val="50000"/>
-            </a:schemeClr>
-          </a:lnRef>
-          <a:fillRef idx="1">
-            <a:schemeClr val="accent1"/>
-          </a:fillRef>
-          <a:effectRef idx="0">
-            <a:schemeClr val="accent1"/>
-          </a:effectRef>
-          <a:fontRef idx="minor">
-            <a:schemeClr val="lt1"/>
-          </a:fontRef>
-        </p:style>
-        <p:txBody>
-          <a:bodyPr rtlCol="0" anchor="ctr"/>
-          <a:lstStyle/>
-          <a:p>
-            <a:pPr algn="ctr"/>
-            <a:endParaRPr lang="de-AT"/>
+              <a:t>scope</a:t>
+            </a:r>
+            <a:endParaRPr lang="de-DE" dirty="0"/>
           </a:p>
         </p:txBody>
       </p:sp>
       <p:sp>
         <p:nvSpPr>
-          <p:cNvPr id="7" name="Textfeld 6">
-            <a:extLst>
-              <a:ext uri="{FF2B5EF4-FFF2-40B4-BE49-F238E27FC236}">
-                <a16:creationId xmlns:a16="http://schemas.microsoft.com/office/drawing/2014/main" id="{D086DF05-7058-FE70-8E04-868371188E77}"/>
-              </a:ext>
-            </a:extLst>
-          </p:cNvPr>
-          <p:cNvSpPr txBox="1"/>
-          <p:nvPr/>
+          <p:cNvPr id="3" name="Inhaltsplatzhalter 2">
+            <a:extLst>
+              <a:ext uri="{FF2B5EF4-FFF2-40B4-BE49-F238E27FC236}">
+                <a16:creationId xmlns:a16="http://schemas.microsoft.com/office/drawing/2014/main" id="{B29092B3-A0B6-ADAC-CB1A-9D8A07B0A8E5}"/>
+              </a:ext>
+            </a:extLst>
+          </p:cNvPr>
+          <p:cNvSpPr>
+            <a:spLocks noGrp="1"/>
+          </p:cNvSpPr>
+          <p:nvPr>
+            <p:ph idx="1"/>
+          </p:nvPr>
         </p:nvSpPr>
-        <p:spPr>
-          <a:xfrm>
-            <a:off x="7775591" y="3506680"/>
-            <a:ext cx="3463541" cy="646331"/>
-          </a:xfrm>
-          <a:prstGeom prst="rect">
-            <a:avLst/>
-          </a:prstGeom>
-          <a:noFill/>
-        </p:spPr>
+        <p:spPr/>
         <p:txBody>
-          <a:bodyPr wrap="square" rtlCol="0">
-            <a:spAutoFit/>
+          <a:bodyPr>
+            <a:normAutofit fontScale="92500"/>
           </a:bodyPr>
           <a:lstStyle/>
           <a:p>
+            <a:pPr marL="0" indent="0">
+              <a:buNone/>
+            </a:pPr>
             <a:r>
               <a:rPr lang="de-DE" dirty="0"/>
-              <a:t>Extract </a:t>
+              <a:t>Registered </a:t>
             </a:r>
             <a:r>
               <a:rPr lang="de-DE" dirty="0" err="1"/>
-              <a:t>data</a:t>
+              <a:t>routes</a:t>
+            </a:r>
+            <a:r>
+              <a:rPr lang="de-DE" dirty="0"/>
+              <a:t> in a </a:t>
+            </a:r>
+            <a:r>
+              <a:rPr lang="de-DE" dirty="0" err="1"/>
+              <a:t>scope</a:t>
+            </a:r>
+            <a:r>
+              <a:rPr lang="de-DE" dirty="0"/>
+              <a:t> will </a:t>
+            </a:r>
+            <a:r>
+              <a:rPr lang="de-DE" dirty="0" err="1"/>
+              <a:t>share</a:t>
+            </a:r>
+            <a:r>
+              <a:rPr lang="de-DE" dirty="0"/>
+              <a:t> a </a:t>
+            </a:r>
+            <a:r>
+              <a:rPr lang="de-DE" dirty="0" err="1"/>
+              <a:t>common</a:t>
             </a:r>
             <a:r>
               <a:rPr lang="de-DE" dirty="0"/>
@@ -8908,7 +9070,7 @@
             </a:r>
             <a:r>
               <a:rPr lang="de-DE" dirty="0" err="1"/>
-              <a:t>from</a:t>
+              <a:t>path</a:t>
             </a:r>
             <a:r>
               <a:rPr lang="de-DE" dirty="0"/>
@@ -8916,32 +9078,476 @@
             </a:r>
             <a:r>
               <a:rPr lang="de-DE" dirty="0" err="1"/>
-              <a:t>the</a:t>
-            </a:r>
+              <a:t>prefix</a:t>
+            </a:r>
+            <a:endParaRPr lang="de-DE" dirty="0"/>
+          </a:p>
+          <a:p>
+            <a:pPr marL="0" indent="0">
+              <a:buNone/>
+            </a:pPr>
+            <a:endParaRPr lang="de-DE" dirty="0"/>
+          </a:p>
+          <a:p>
+            <a:pPr marL="0" indent="0">
+              <a:buNone/>
+            </a:pPr>
             <a:r>
               <a:rPr lang="de-DE" dirty="0"/>
+              <a:t>e.g.</a:t>
+            </a:r>
+          </a:p>
+          <a:p>
+            <a:pPr marL="0" indent="0">
+              <a:buNone/>
+            </a:pPr>
+            <a:endParaRPr lang="de-DE" dirty="0"/>
+          </a:p>
+          <a:p>
+            <a:pPr marL="0" indent="0">
+              <a:buNone/>
+            </a:pPr>
+            <a:r>
+              <a:rPr lang="de-AT" b="0" dirty="0" err="1">
+                <a:solidFill>
+                  <a:srgbClr val="DCDCAA"/>
+                </a:solidFill>
+                <a:effectLst/>
+                <a:latin typeface="Menlo" panose="020B0609030804020204" pitchFamily="49" charset="0"/>
+              </a:rPr>
+              <a:t>service</a:t>
+            </a:r>
+            <a:r>
+              <a:rPr lang="de-AT" b="0" dirty="0">
+                <a:solidFill>
+                  <a:srgbClr val="CCCCCC"/>
+                </a:solidFill>
+                <a:effectLst/>
+                <a:latin typeface="Menlo" panose="020B0609030804020204" pitchFamily="49" charset="0"/>
+              </a:rPr>
+              <a:t>(</a:t>
+            </a:r>
+          </a:p>
+          <a:p>
+            <a:pPr marL="0" indent="0">
+              <a:buNone/>
+            </a:pPr>
+            <a:r>
+              <a:rPr lang="de-AT" b="0" dirty="0">
+                <a:solidFill>
+                  <a:srgbClr val="4EC9B0"/>
+                </a:solidFill>
+                <a:effectLst/>
+                <a:latin typeface="Menlo" panose="020B0609030804020204" pitchFamily="49" charset="0"/>
+              </a:rPr>
+              <a:t>	web</a:t>
+            </a:r>
+            <a:r>
+              <a:rPr lang="de-AT" b="0" dirty="0">
+                <a:solidFill>
+                  <a:srgbClr val="D4D4D4"/>
+                </a:solidFill>
+                <a:effectLst/>
+                <a:latin typeface="Menlo" panose="020B0609030804020204" pitchFamily="49" charset="0"/>
+              </a:rPr>
+              <a:t>::</a:t>
+            </a:r>
+            <a:r>
+              <a:rPr lang="de-AT" b="0" dirty="0" err="1">
+                <a:solidFill>
+                  <a:srgbClr val="DCDCAA"/>
+                </a:solidFill>
+                <a:effectLst/>
+                <a:latin typeface="Menlo" panose="020B0609030804020204" pitchFamily="49" charset="0"/>
+              </a:rPr>
+              <a:t>scope</a:t>
+            </a:r>
+            <a:r>
+              <a:rPr lang="de-AT" b="0" dirty="0">
+                <a:solidFill>
+                  <a:srgbClr val="CCCCCC"/>
+                </a:solidFill>
+                <a:effectLst/>
+                <a:latin typeface="Menlo" panose="020B0609030804020204" pitchFamily="49" charset="0"/>
+              </a:rPr>
+              <a:t>(</a:t>
+            </a:r>
+            <a:r>
+              <a:rPr lang="de-AT" b="0" dirty="0">
+                <a:solidFill>
+                  <a:srgbClr val="CE9178"/>
+                </a:solidFill>
+                <a:effectLst/>
+                <a:latin typeface="Menlo" panose="020B0609030804020204" pitchFamily="49" charset="0"/>
+              </a:rPr>
+              <a:t>"/</a:t>
+            </a:r>
+            <a:r>
+              <a:rPr lang="de-AT" b="0" dirty="0" err="1">
+                <a:solidFill>
+                  <a:srgbClr val="CE9178"/>
+                </a:solidFill>
+                <a:effectLst/>
+                <a:latin typeface="Menlo" panose="020B0609030804020204" pitchFamily="49" charset="0"/>
+              </a:rPr>
+              <a:t>scope</a:t>
+            </a:r>
+            <a:r>
+              <a:rPr lang="de-AT" b="0" dirty="0">
+                <a:solidFill>
+                  <a:srgbClr val="CE9178"/>
+                </a:solidFill>
+                <a:effectLst/>
+                <a:latin typeface="Menlo" panose="020B0609030804020204" pitchFamily="49" charset="0"/>
+              </a:rPr>
+              <a:t>"</a:t>
+            </a:r>
+            <a:r>
+              <a:rPr lang="de-AT" b="0" dirty="0">
+                <a:solidFill>
+                  <a:srgbClr val="CCCCCC"/>
+                </a:solidFill>
+                <a:effectLst/>
+                <a:latin typeface="Menlo" panose="020B0609030804020204" pitchFamily="49" charset="0"/>
+              </a:rPr>
+              <a:t>) </a:t>
+            </a:r>
+          </a:p>
+          <a:p>
+            <a:pPr marL="0" indent="0">
+              <a:buNone/>
+            </a:pPr>
+            <a:r>
+              <a:rPr lang="de-AT" dirty="0">
+                <a:solidFill>
+                  <a:srgbClr val="D4D4D4"/>
+                </a:solidFill>
+                <a:latin typeface="Menlo" panose="020B0609030804020204" pitchFamily="49" charset="0"/>
+              </a:rPr>
+              <a:t>		</a:t>
+            </a:r>
+            <a:r>
+              <a:rPr lang="de-AT" b="0" dirty="0">
+                <a:solidFill>
+                  <a:srgbClr val="DCDCAA"/>
+                </a:solidFill>
+                <a:effectLst/>
+                <a:latin typeface="Menlo" panose="020B0609030804020204" pitchFamily="49" charset="0"/>
+              </a:rPr>
+              <a:t>route</a:t>
+            </a:r>
+            <a:r>
+              <a:rPr lang="de-AT" b="0" dirty="0">
+                <a:solidFill>
+                  <a:srgbClr val="CCCCCC"/>
+                </a:solidFill>
+                <a:effectLst/>
+                <a:latin typeface="Menlo" panose="020B0609030804020204" pitchFamily="49" charset="0"/>
+              </a:rPr>
+              <a:t>(</a:t>
+            </a:r>
+            <a:r>
+              <a:rPr lang="de-AT" b="0" dirty="0">
+                <a:solidFill>
+                  <a:srgbClr val="CE9178"/>
+                </a:solidFill>
+                <a:effectLst/>
+                <a:latin typeface="Menlo" panose="020B0609030804020204" pitchFamily="49" charset="0"/>
+              </a:rPr>
+              <a:t>"/sub1"</a:t>
+            </a:r>
+            <a:r>
+              <a:rPr lang="de-AT" b="0" dirty="0">
+                <a:solidFill>
+                  <a:srgbClr val="CCCCCC"/>
+                </a:solidFill>
+                <a:effectLst/>
+                <a:latin typeface="Menlo" panose="020B0609030804020204" pitchFamily="49" charset="0"/>
+              </a:rPr>
+              <a:t>, </a:t>
+            </a:r>
+            <a:r>
+              <a:rPr lang="de-AT" b="0" dirty="0">
+                <a:solidFill>
+                  <a:srgbClr val="4EC9B0"/>
+                </a:solidFill>
+                <a:effectLst/>
+                <a:latin typeface="Menlo" panose="020B0609030804020204" pitchFamily="49" charset="0"/>
+              </a:rPr>
+              <a:t>web</a:t>
+            </a:r>
+            <a:r>
+              <a:rPr lang="de-AT" b="0" dirty="0">
+                <a:solidFill>
+                  <a:srgbClr val="D4D4D4"/>
+                </a:solidFill>
+                <a:effectLst/>
+                <a:latin typeface="Menlo" panose="020B0609030804020204" pitchFamily="49" charset="0"/>
+              </a:rPr>
+              <a:t>::</a:t>
+            </a:r>
+            <a:r>
+              <a:rPr lang="de-AT" b="0" dirty="0" err="1">
+                <a:solidFill>
+                  <a:srgbClr val="DCDCAA"/>
+                </a:solidFill>
+                <a:effectLst/>
+                <a:latin typeface="Menlo" panose="020B0609030804020204" pitchFamily="49" charset="0"/>
+              </a:rPr>
+              <a:t>to</a:t>
+            </a:r>
+            <a:r>
+              <a:rPr lang="de-AT" b="0" dirty="0">
+                <a:solidFill>
+                  <a:srgbClr val="CCCCCC"/>
+                </a:solidFill>
+                <a:effectLst/>
+                <a:latin typeface="Menlo" panose="020B0609030804020204" pitchFamily="49" charset="0"/>
+              </a:rPr>
+              <a:t>(</a:t>
+            </a:r>
+            <a:r>
+              <a:rPr lang="de-AT" b="0" dirty="0">
+                <a:solidFill>
+                  <a:srgbClr val="D4D4D4"/>
+                </a:solidFill>
+                <a:effectLst/>
+                <a:latin typeface="Menlo" panose="020B0609030804020204" pitchFamily="49" charset="0"/>
+              </a:rPr>
+              <a:t>||</a:t>
+            </a:r>
+            <a:r>
+              <a:rPr lang="de-AT" b="0" dirty="0">
+                <a:solidFill>
+                  <a:srgbClr val="CCCCCC"/>
+                </a:solidFill>
+                <a:effectLst/>
+                <a:latin typeface="Menlo" panose="020B0609030804020204" pitchFamily="49" charset="0"/>
+              </a:rPr>
               <a:t> </a:t>
             </a:r>
             <a:r>
-              <a:rPr lang="de-DE" dirty="0" err="1"/>
-              <a:t>client‘s</a:t>
-            </a:r>
-            <a:r>
-              <a:rPr lang="de-DE" dirty="0"/>
+              <a:rPr lang="de-AT" b="0" dirty="0" err="1">
+                <a:solidFill>
+                  <a:srgbClr val="569CD6"/>
+                </a:solidFill>
+                <a:effectLst/>
+                <a:latin typeface="Menlo" panose="020B0609030804020204" pitchFamily="49" charset="0"/>
+              </a:rPr>
+              <a:t>async</a:t>
+            </a:r>
+            <a:r>
+              <a:rPr lang="de-AT" b="0" dirty="0">
+                <a:solidFill>
+                  <a:srgbClr val="CCCCCC"/>
+                </a:solidFill>
+                <a:effectLst/>
+                <a:latin typeface="Menlo" panose="020B0609030804020204" pitchFamily="49" charset="0"/>
+              </a:rPr>
+              <a:t> {</a:t>
+            </a:r>
+            <a:r>
+              <a:rPr lang="de-AT" b="0" dirty="0">
+                <a:solidFill>
+                  <a:srgbClr val="CE9178"/>
+                </a:solidFill>
+                <a:effectLst/>
+                <a:latin typeface="Menlo" panose="020B0609030804020204" pitchFamily="49" charset="0"/>
+              </a:rPr>
+              <a:t>"sub1"</a:t>
+            </a:r>
+            <a:r>
+              <a:rPr lang="de-AT" b="0" dirty="0">
+                <a:solidFill>
+                  <a:srgbClr val="CCCCCC"/>
+                </a:solidFill>
+                <a:effectLst/>
+                <a:latin typeface="Menlo" panose="020B0609030804020204" pitchFamily="49" charset="0"/>
+              </a:rPr>
+              <a:t>}))</a:t>
+            </a:r>
+          </a:p>
+          <a:p>
+            <a:pPr marL="0" indent="0">
+              <a:buNone/>
+            </a:pPr>
+            <a:r>
+              <a:rPr lang="de-AT" dirty="0">
+                <a:solidFill>
+                  <a:srgbClr val="D4D4D4"/>
+                </a:solidFill>
+                <a:latin typeface="Menlo" panose="020B0609030804020204" pitchFamily="49" charset="0"/>
+              </a:rPr>
+              <a:t>		</a:t>
+            </a:r>
+            <a:r>
+              <a:rPr lang="de-AT" b="0" dirty="0">
+                <a:solidFill>
+                  <a:srgbClr val="DCDCAA"/>
+                </a:solidFill>
+                <a:effectLst/>
+                <a:latin typeface="Menlo" panose="020B0609030804020204" pitchFamily="49" charset="0"/>
+              </a:rPr>
+              <a:t>route</a:t>
+            </a:r>
+            <a:r>
+              <a:rPr lang="de-AT" b="0" dirty="0">
+                <a:solidFill>
+                  <a:srgbClr val="CCCCCC"/>
+                </a:solidFill>
+                <a:effectLst/>
+                <a:latin typeface="Menlo" panose="020B0609030804020204" pitchFamily="49" charset="0"/>
+              </a:rPr>
+              <a:t>(</a:t>
+            </a:r>
+            <a:r>
+              <a:rPr lang="de-AT" b="0" dirty="0">
+                <a:solidFill>
+                  <a:srgbClr val="CE9178"/>
+                </a:solidFill>
+                <a:effectLst/>
+                <a:latin typeface="Menlo" panose="020B0609030804020204" pitchFamily="49" charset="0"/>
+              </a:rPr>
+              <a:t>"/sub2"</a:t>
+            </a:r>
+            <a:r>
+              <a:rPr lang="de-AT" b="0" dirty="0">
+                <a:solidFill>
+                  <a:srgbClr val="CCCCCC"/>
+                </a:solidFill>
+                <a:effectLst/>
+                <a:latin typeface="Menlo" panose="020B0609030804020204" pitchFamily="49" charset="0"/>
+              </a:rPr>
+              <a:t>, </a:t>
+            </a:r>
+            <a:r>
+              <a:rPr lang="de-AT" b="0" dirty="0">
+                <a:solidFill>
+                  <a:srgbClr val="4EC9B0"/>
+                </a:solidFill>
+                <a:effectLst/>
+                <a:latin typeface="Menlo" panose="020B0609030804020204" pitchFamily="49" charset="0"/>
+              </a:rPr>
+              <a:t>web</a:t>
+            </a:r>
+            <a:r>
+              <a:rPr lang="de-AT" b="0" dirty="0">
+                <a:solidFill>
+                  <a:srgbClr val="D4D4D4"/>
+                </a:solidFill>
+                <a:effectLst/>
+                <a:latin typeface="Menlo" panose="020B0609030804020204" pitchFamily="49" charset="0"/>
+              </a:rPr>
+              <a:t>::</a:t>
+            </a:r>
+            <a:r>
+              <a:rPr lang="de-AT" b="0" dirty="0" err="1">
+                <a:solidFill>
+                  <a:srgbClr val="DCDCAA"/>
+                </a:solidFill>
+                <a:effectLst/>
+                <a:latin typeface="Menlo" panose="020B0609030804020204" pitchFamily="49" charset="0"/>
+              </a:rPr>
+              <a:t>to</a:t>
+            </a:r>
+            <a:r>
+              <a:rPr lang="de-AT" b="0" dirty="0">
+                <a:solidFill>
+                  <a:srgbClr val="CCCCCC"/>
+                </a:solidFill>
+                <a:effectLst/>
+                <a:latin typeface="Menlo" panose="020B0609030804020204" pitchFamily="49" charset="0"/>
+              </a:rPr>
+              <a:t>(</a:t>
+            </a:r>
+            <a:r>
+              <a:rPr lang="de-AT" b="0" dirty="0">
+                <a:solidFill>
+                  <a:srgbClr val="D4D4D4"/>
+                </a:solidFill>
+                <a:effectLst/>
+                <a:latin typeface="Menlo" panose="020B0609030804020204" pitchFamily="49" charset="0"/>
+              </a:rPr>
+              <a:t>||</a:t>
+            </a:r>
+            <a:r>
+              <a:rPr lang="de-AT" b="0" dirty="0">
+                <a:solidFill>
+                  <a:srgbClr val="CCCCCC"/>
+                </a:solidFill>
+                <a:effectLst/>
+                <a:latin typeface="Menlo" panose="020B0609030804020204" pitchFamily="49" charset="0"/>
+              </a:rPr>
               <a:t> </a:t>
             </a:r>
             <a:r>
-              <a:rPr lang="de-DE" dirty="0" err="1"/>
-              <a:t>HttpRequest</a:t>
-            </a:r>
-            <a:endParaRPr lang="de-AT" dirty="0"/>
+              <a:rPr lang="de-AT" b="0" dirty="0" err="1">
+                <a:solidFill>
+                  <a:srgbClr val="569CD6"/>
+                </a:solidFill>
+                <a:effectLst/>
+                <a:latin typeface="Menlo" panose="020B0609030804020204" pitchFamily="49" charset="0"/>
+              </a:rPr>
+              <a:t>async</a:t>
+            </a:r>
+            <a:r>
+              <a:rPr lang="de-AT" b="0" dirty="0">
+                <a:solidFill>
+                  <a:srgbClr val="CCCCCC"/>
+                </a:solidFill>
+                <a:effectLst/>
+                <a:latin typeface="Menlo" panose="020B0609030804020204" pitchFamily="49" charset="0"/>
+              </a:rPr>
+              <a:t> {</a:t>
+            </a:r>
+            <a:r>
+              <a:rPr lang="de-AT" b="0" dirty="0">
+                <a:solidFill>
+                  <a:srgbClr val="CE9178"/>
+                </a:solidFill>
+                <a:effectLst/>
+                <a:latin typeface="Menlo" panose="020B0609030804020204" pitchFamily="49" charset="0"/>
+              </a:rPr>
+              <a:t>"sub2"</a:t>
+            </a:r>
+            <a:r>
+              <a:rPr lang="de-AT" b="0" dirty="0">
+                <a:solidFill>
+                  <a:srgbClr val="CCCCCC"/>
+                </a:solidFill>
+                <a:effectLst/>
+                <a:latin typeface="Menlo" panose="020B0609030804020204" pitchFamily="49" charset="0"/>
+              </a:rPr>
+              <a:t>}))</a:t>
+            </a:r>
+          </a:p>
+          <a:p>
+            <a:pPr marL="0" indent="0">
+              <a:buNone/>
+            </a:pPr>
+            <a:r>
+              <a:rPr lang="de-AT" b="0" dirty="0">
+                <a:solidFill>
+                  <a:srgbClr val="CCCCCC"/>
+                </a:solidFill>
+                <a:effectLst/>
+                <a:latin typeface="Menlo" panose="020B0609030804020204" pitchFamily="49" charset="0"/>
+              </a:rPr>
+              <a:t>)</a:t>
+            </a:r>
+          </a:p>
+          <a:p>
+            <a:pPr marL="0" indent="0">
+              <a:buNone/>
+            </a:pPr>
+            <a:endParaRPr lang="de-DE" dirty="0"/>
           </a:p>
         </p:txBody>
       </p:sp>
     </p:spTree>
     <p:extLst>
       <p:ext uri="{BB962C8B-B14F-4D97-AF65-F5344CB8AC3E}">
-        <p14:creationId xmlns:p14="http://schemas.microsoft.com/office/powerpoint/2010/main" val="3208059671"/>
+        <p14:creationId xmlns:p14="http://schemas.microsoft.com/office/powerpoint/2010/main" val="3996451288"/>
       </p:ext>
     </p:extLst>
   </p:cSld>

--- a/Pres.pptx
+++ b/Pres.pptx
@@ -6,18 +6,19 @@
   </p:sldMasterIdLst>
   <p:sldIdLst>
     <p:sldId id="262" r:id="rId2"/>
-    <p:sldId id="263" r:id="rId3"/>
-    <p:sldId id="257" r:id="rId4"/>
-    <p:sldId id="264" r:id="rId5"/>
-    <p:sldId id="261" r:id="rId6"/>
-    <p:sldId id="256" r:id="rId7"/>
-    <p:sldId id="259" r:id="rId8"/>
-    <p:sldId id="260" r:id="rId9"/>
-    <p:sldId id="268" r:id="rId10"/>
-    <p:sldId id="265" r:id="rId11"/>
-    <p:sldId id="266" r:id="rId12"/>
-    <p:sldId id="267" r:id="rId13"/>
-    <p:sldId id="258" r:id="rId14"/>
+    <p:sldId id="257" r:id="rId3"/>
+    <p:sldId id="264" r:id="rId4"/>
+    <p:sldId id="261" r:id="rId5"/>
+    <p:sldId id="256" r:id="rId6"/>
+    <p:sldId id="259" r:id="rId7"/>
+    <p:sldId id="260" r:id="rId8"/>
+    <p:sldId id="265" r:id="rId9"/>
+    <p:sldId id="266" r:id="rId10"/>
+    <p:sldId id="268" r:id="rId11"/>
+    <p:sldId id="267" r:id="rId12"/>
+    <p:sldId id="269" r:id="rId13"/>
+    <p:sldId id="270" r:id="rId14"/>
+    <p:sldId id="258" r:id="rId15"/>
   </p:sldIdLst>
   <p:sldSz cx="12192000" cy="6858000"/>
   <p:notesSz cx="6858000" cy="9144000"/>
@@ -5659,6 +5660,5053 @@
           <p:cNvPr id="2" name="Titel 1">
             <a:extLst>
               <a:ext uri="{FF2B5EF4-FFF2-40B4-BE49-F238E27FC236}">
+                <a16:creationId xmlns:a16="http://schemas.microsoft.com/office/drawing/2014/main" id="{DE28BBC6-A8B3-01DD-B469-C9EC43354124}"/>
+              </a:ext>
+            </a:extLst>
+          </p:cNvPr>
+          <p:cNvSpPr>
+            <a:spLocks noGrp="1"/>
+          </p:cNvSpPr>
+          <p:nvPr>
+            <p:ph type="title"/>
+          </p:nvPr>
+        </p:nvSpPr>
+        <p:spPr/>
+        <p:txBody>
+          <a:bodyPr/>
+          <a:lstStyle/>
+          <a:p>
+            <a:r>
+              <a:rPr lang="de-DE" dirty="0" err="1"/>
+              <a:t>Defining</a:t>
+            </a:r>
+            <a:r>
+              <a:rPr lang="de-DE" dirty="0"/>
+              <a:t> a </a:t>
+            </a:r>
+            <a:r>
+              <a:rPr lang="de-DE" dirty="0" err="1"/>
+              <a:t>scope</a:t>
+            </a:r>
+            <a:endParaRPr lang="de-DE" dirty="0"/>
+          </a:p>
+        </p:txBody>
+      </p:sp>
+      <p:sp>
+        <p:nvSpPr>
+          <p:cNvPr id="3" name="Inhaltsplatzhalter 2">
+            <a:extLst>
+              <a:ext uri="{FF2B5EF4-FFF2-40B4-BE49-F238E27FC236}">
+                <a16:creationId xmlns:a16="http://schemas.microsoft.com/office/drawing/2014/main" id="{B29092B3-A0B6-ADAC-CB1A-9D8A07B0A8E5}"/>
+              </a:ext>
+            </a:extLst>
+          </p:cNvPr>
+          <p:cNvSpPr>
+            <a:spLocks noGrp="1"/>
+          </p:cNvSpPr>
+          <p:nvPr>
+            <p:ph idx="1"/>
+          </p:nvPr>
+        </p:nvSpPr>
+        <p:spPr/>
+        <p:txBody>
+          <a:bodyPr>
+            <a:normAutofit fontScale="92500"/>
+          </a:bodyPr>
+          <a:lstStyle/>
+          <a:p>
+            <a:pPr marL="0" indent="0">
+              <a:buNone/>
+            </a:pPr>
+            <a:r>
+              <a:rPr lang="de-DE" dirty="0"/>
+              <a:t>Registered </a:t>
+            </a:r>
+            <a:r>
+              <a:rPr lang="de-DE" dirty="0" err="1"/>
+              <a:t>routes</a:t>
+            </a:r>
+            <a:r>
+              <a:rPr lang="de-DE" dirty="0"/>
+              <a:t> in a </a:t>
+            </a:r>
+            <a:r>
+              <a:rPr lang="de-DE" dirty="0" err="1"/>
+              <a:t>scope</a:t>
+            </a:r>
+            <a:r>
+              <a:rPr lang="de-DE" dirty="0"/>
+              <a:t> will </a:t>
+            </a:r>
+            <a:r>
+              <a:rPr lang="de-DE" dirty="0" err="1"/>
+              <a:t>share</a:t>
+            </a:r>
+            <a:r>
+              <a:rPr lang="de-DE" dirty="0"/>
+              <a:t> a </a:t>
+            </a:r>
+            <a:r>
+              <a:rPr lang="de-DE" dirty="0" err="1"/>
+              <a:t>common</a:t>
+            </a:r>
+            <a:r>
+              <a:rPr lang="de-DE" dirty="0"/>
+              <a:t> </a:t>
+            </a:r>
+            <a:r>
+              <a:rPr lang="de-DE" dirty="0" err="1"/>
+              <a:t>path</a:t>
+            </a:r>
+            <a:r>
+              <a:rPr lang="de-DE" dirty="0"/>
+              <a:t> </a:t>
+            </a:r>
+            <a:r>
+              <a:rPr lang="de-DE" dirty="0" err="1"/>
+              <a:t>prefix</a:t>
+            </a:r>
+            <a:endParaRPr lang="de-DE" dirty="0"/>
+          </a:p>
+          <a:p>
+            <a:pPr marL="0" indent="0">
+              <a:buNone/>
+            </a:pPr>
+            <a:endParaRPr lang="de-DE" dirty="0"/>
+          </a:p>
+          <a:p>
+            <a:pPr marL="0" indent="0">
+              <a:buNone/>
+            </a:pPr>
+            <a:r>
+              <a:rPr lang="de-DE" dirty="0"/>
+              <a:t>e.g.</a:t>
+            </a:r>
+          </a:p>
+          <a:p>
+            <a:pPr marL="0" indent="0">
+              <a:buNone/>
+            </a:pPr>
+            <a:endParaRPr lang="de-DE" dirty="0"/>
+          </a:p>
+          <a:p>
+            <a:pPr marL="0" indent="0">
+              <a:buNone/>
+            </a:pPr>
+            <a:r>
+              <a:rPr lang="de-AT" b="0" dirty="0" err="1">
+                <a:solidFill>
+                  <a:srgbClr val="DCDCAA"/>
+                </a:solidFill>
+                <a:effectLst/>
+                <a:latin typeface="Menlo" panose="020B0609030804020204" pitchFamily="49" charset="0"/>
+              </a:rPr>
+              <a:t>service</a:t>
+            </a:r>
+            <a:r>
+              <a:rPr lang="de-AT" b="0" dirty="0">
+                <a:solidFill>
+                  <a:srgbClr val="CCCCCC"/>
+                </a:solidFill>
+                <a:effectLst/>
+                <a:latin typeface="Menlo" panose="020B0609030804020204" pitchFamily="49" charset="0"/>
+              </a:rPr>
+              <a:t>(</a:t>
+            </a:r>
+          </a:p>
+          <a:p>
+            <a:pPr marL="0" indent="0">
+              <a:buNone/>
+            </a:pPr>
+            <a:r>
+              <a:rPr lang="de-AT" b="0" dirty="0">
+                <a:solidFill>
+                  <a:srgbClr val="4EC9B0"/>
+                </a:solidFill>
+                <a:effectLst/>
+                <a:latin typeface="Menlo" panose="020B0609030804020204" pitchFamily="49" charset="0"/>
+              </a:rPr>
+              <a:t>	web</a:t>
+            </a:r>
+            <a:r>
+              <a:rPr lang="de-AT" b="0" dirty="0">
+                <a:solidFill>
+                  <a:srgbClr val="D4D4D4"/>
+                </a:solidFill>
+                <a:effectLst/>
+                <a:latin typeface="Menlo" panose="020B0609030804020204" pitchFamily="49" charset="0"/>
+              </a:rPr>
+              <a:t>::</a:t>
+            </a:r>
+            <a:r>
+              <a:rPr lang="de-AT" b="0" dirty="0" err="1">
+                <a:solidFill>
+                  <a:srgbClr val="DCDCAA"/>
+                </a:solidFill>
+                <a:effectLst/>
+                <a:latin typeface="Menlo" panose="020B0609030804020204" pitchFamily="49" charset="0"/>
+              </a:rPr>
+              <a:t>scope</a:t>
+            </a:r>
+            <a:r>
+              <a:rPr lang="de-AT" b="0" dirty="0">
+                <a:solidFill>
+                  <a:srgbClr val="CCCCCC"/>
+                </a:solidFill>
+                <a:effectLst/>
+                <a:latin typeface="Menlo" panose="020B0609030804020204" pitchFamily="49" charset="0"/>
+              </a:rPr>
+              <a:t>(</a:t>
+            </a:r>
+            <a:r>
+              <a:rPr lang="de-AT" b="0" dirty="0">
+                <a:solidFill>
+                  <a:srgbClr val="CE9178"/>
+                </a:solidFill>
+                <a:effectLst/>
+                <a:latin typeface="Menlo" panose="020B0609030804020204" pitchFamily="49" charset="0"/>
+              </a:rPr>
+              <a:t>"/</a:t>
+            </a:r>
+            <a:r>
+              <a:rPr lang="de-AT" b="0" dirty="0" err="1">
+                <a:solidFill>
+                  <a:srgbClr val="CE9178"/>
+                </a:solidFill>
+                <a:effectLst/>
+                <a:latin typeface="Menlo" panose="020B0609030804020204" pitchFamily="49" charset="0"/>
+              </a:rPr>
+              <a:t>scope</a:t>
+            </a:r>
+            <a:r>
+              <a:rPr lang="de-AT" b="0" dirty="0">
+                <a:solidFill>
+                  <a:srgbClr val="CE9178"/>
+                </a:solidFill>
+                <a:effectLst/>
+                <a:latin typeface="Menlo" panose="020B0609030804020204" pitchFamily="49" charset="0"/>
+              </a:rPr>
+              <a:t>"</a:t>
+            </a:r>
+            <a:r>
+              <a:rPr lang="de-AT" b="0" dirty="0">
+                <a:solidFill>
+                  <a:srgbClr val="CCCCCC"/>
+                </a:solidFill>
+                <a:effectLst/>
+                <a:latin typeface="Menlo" panose="020B0609030804020204" pitchFamily="49" charset="0"/>
+              </a:rPr>
+              <a:t>) </a:t>
+            </a:r>
+          </a:p>
+          <a:p>
+            <a:pPr marL="0" indent="0">
+              <a:buNone/>
+            </a:pPr>
+            <a:r>
+              <a:rPr lang="de-AT" dirty="0">
+                <a:solidFill>
+                  <a:srgbClr val="D4D4D4"/>
+                </a:solidFill>
+                <a:latin typeface="Menlo" panose="020B0609030804020204" pitchFamily="49" charset="0"/>
+              </a:rPr>
+              <a:t>		</a:t>
+            </a:r>
+            <a:r>
+              <a:rPr lang="de-AT" b="0" dirty="0">
+                <a:solidFill>
+                  <a:srgbClr val="DCDCAA"/>
+                </a:solidFill>
+                <a:effectLst/>
+                <a:latin typeface="Menlo" panose="020B0609030804020204" pitchFamily="49" charset="0"/>
+              </a:rPr>
+              <a:t>route</a:t>
+            </a:r>
+            <a:r>
+              <a:rPr lang="de-AT" b="0" dirty="0">
+                <a:solidFill>
+                  <a:srgbClr val="CCCCCC"/>
+                </a:solidFill>
+                <a:effectLst/>
+                <a:latin typeface="Menlo" panose="020B0609030804020204" pitchFamily="49" charset="0"/>
+              </a:rPr>
+              <a:t>(</a:t>
+            </a:r>
+            <a:r>
+              <a:rPr lang="de-AT" b="0" dirty="0">
+                <a:solidFill>
+                  <a:srgbClr val="CE9178"/>
+                </a:solidFill>
+                <a:effectLst/>
+                <a:latin typeface="Menlo" panose="020B0609030804020204" pitchFamily="49" charset="0"/>
+              </a:rPr>
+              <a:t>"/sub1"</a:t>
+            </a:r>
+            <a:r>
+              <a:rPr lang="de-AT" b="0" dirty="0">
+                <a:solidFill>
+                  <a:srgbClr val="CCCCCC"/>
+                </a:solidFill>
+                <a:effectLst/>
+                <a:latin typeface="Menlo" panose="020B0609030804020204" pitchFamily="49" charset="0"/>
+              </a:rPr>
+              <a:t>, </a:t>
+            </a:r>
+            <a:r>
+              <a:rPr lang="de-AT" b="0" dirty="0">
+                <a:solidFill>
+                  <a:srgbClr val="4EC9B0"/>
+                </a:solidFill>
+                <a:effectLst/>
+                <a:latin typeface="Menlo" panose="020B0609030804020204" pitchFamily="49" charset="0"/>
+              </a:rPr>
+              <a:t>web</a:t>
+            </a:r>
+            <a:r>
+              <a:rPr lang="de-AT" b="0" dirty="0">
+                <a:solidFill>
+                  <a:srgbClr val="D4D4D4"/>
+                </a:solidFill>
+                <a:effectLst/>
+                <a:latin typeface="Menlo" panose="020B0609030804020204" pitchFamily="49" charset="0"/>
+              </a:rPr>
+              <a:t>::</a:t>
+            </a:r>
+            <a:r>
+              <a:rPr lang="de-AT" b="0" dirty="0" err="1">
+                <a:solidFill>
+                  <a:srgbClr val="DCDCAA"/>
+                </a:solidFill>
+                <a:effectLst/>
+                <a:latin typeface="Menlo" panose="020B0609030804020204" pitchFamily="49" charset="0"/>
+              </a:rPr>
+              <a:t>to</a:t>
+            </a:r>
+            <a:r>
+              <a:rPr lang="de-AT" b="0" dirty="0">
+                <a:solidFill>
+                  <a:srgbClr val="CCCCCC"/>
+                </a:solidFill>
+                <a:effectLst/>
+                <a:latin typeface="Menlo" panose="020B0609030804020204" pitchFamily="49" charset="0"/>
+              </a:rPr>
+              <a:t>(</a:t>
+            </a:r>
+            <a:r>
+              <a:rPr lang="de-AT" b="0" dirty="0">
+                <a:solidFill>
+                  <a:srgbClr val="D4D4D4"/>
+                </a:solidFill>
+                <a:effectLst/>
+                <a:latin typeface="Menlo" panose="020B0609030804020204" pitchFamily="49" charset="0"/>
+              </a:rPr>
+              <a:t>||</a:t>
+            </a:r>
+            <a:r>
+              <a:rPr lang="de-AT" b="0" dirty="0">
+                <a:solidFill>
+                  <a:srgbClr val="CCCCCC"/>
+                </a:solidFill>
+                <a:effectLst/>
+                <a:latin typeface="Menlo" panose="020B0609030804020204" pitchFamily="49" charset="0"/>
+              </a:rPr>
+              <a:t> </a:t>
+            </a:r>
+            <a:r>
+              <a:rPr lang="de-AT" b="0" dirty="0" err="1">
+                <a:solidFill>
+                  <a:srgbClr val="569CD6"/>
+                </a:solidFill>
+                <a:effectLst/>
+                <a:latin typeface="Menlo" panose="020B0609030804020204" pitchFamily="49" charset="0"/>
+              </a:rPr>
+              <a:t>async</a:t>
+            </a:r>
+            <a:r>
+              <a:rPr lang="de-AT" b="0" dirty="0">
+                <a:solidFill>
+                  <a:srgbClr val="CCCCCC"/>
+                </a:solidFill>
+                <a:effectLst/>
+                <a:latin typeface="Menlo" panose="020B0609030804020204" pitchFamily="49" charset="0"/>
+              </a:rPr>
+              <a:t> {</a:t>
+            </a:r>
+            <a:r>
+              <a:rPr lang="de-AT" b="0" dirty="0">
+                <a:solidFill>
+                  <a:srgbClr val="CE9178"/>
+                </a:solidFill>
+                <a:effectLst/>
+                <a:latin typeface="Menlo" panose="020B0609030804020204" pitchFamily="49" charset="0"/>
+              </a:rPr>
+              <a:t>"sub1"</a:t>
+            </a:r>
+            <a:r>
+              <a:rPr lang="de-AT" b="0" dirty="0">
+                <a:solidFill>
+                  <a:srgbClr val="CCCCCC"/>
+                </a:solidFill>
+                <a:effectLst/>
+                <a:latin typeface="Menlo" panose="020B0609030804020204" pitchFamily="49" charset="0"/>
+              </a:rPr>
+              <a:t>}))</a:t>
+            </a:r>
+          </a:p>
+          <a:p>
+            <a:pPr marL="0" indent="0">
+              <a:buNone/>
+            </a:pPr>
+            <a:r>
+              <a:rPr lang="de-AT" dirty="0">
+                <a:solidFill>
+                  <a:srgbClr val="D4D4D4"/>
+                </a:solidFill>
+                <a:latin typeface="Menlo" panose="020B0609030804020204" pitchFamily="49" charset="0"/>
+              </a:rPr>
+              <a:t>		</a:t>
+            </a:r>
+            <a:r>
+              <a:rPr lang="de-AT" b="0" dirty="0">
+                <a:solidFill>
+                  <a:srgbClr val="DCDCAA"/>
+                </a:solidFill>
+                <a:effectLst/>
+                <a:latin typeface="Menlo" panose="020B0609030804020204" pitchFamily="49" charset="0"/>
+              </a:rPr>
+              <a:t>route</a:t>
+            </a:r>
+            <a:r>
+              <a:rPr lang="de-AT" b="0" dirty="0">
+                <a:solidFill>
+                  <a:srgbClr val="CCCCCC"/>
+                </a:solidFill>
+                <a:effectLst/>
+                <a:latin typeface="Menlo" panose="020B0609030804020204" pitchFamily="49" charset="0"/>
+              </a:rPr>
+              <a:t>(</a:t>
+            </a:r>
+            <a:r>
+              <a:rPr lang="de-AT" b="0" dirty="0">
+                <a:solidFill>
+                  <a:srgbClr val="CE9178"/>
+                </a:solidFill>
+                <a:effectLst/>
+                <a:latin typeface="Menlo" panose="020B0609030804020204" pitchFamily="49" charset="0"/>
+              </a:rPr>
+              <a:t>"/sub2"</a:t>
+            </a:r>
+            <a:r>
+              <a:rPr lang="de-AT" b="0" dirty="0">
+                <a:solidFill>
+                  <a:srgbClr val="CCCCCC"/>
+                </a:solidFill>
+                <a:effectLst/>
+                <a:latin typeface="Menlo" panose="020B0609030804020204" pitchFamily="49" charset="0"/>
+              </a:rPr>
+              <a:t>, </a:t>
+            </a:r>
+            <a:r>
+              <a:rPr lang="de-AT" b="0" dirty="0">
+                <a:solidFill>
+                  <a:srgbClr val="4EC9B0"/>
+                </a:solidFill>
+                <a:effectLst/>
+                <a:latin typeface="Menlo" panose="020B0609030804020204" pitchFamily="49" charset="0"/>
+              </a:rPr>
+              <a:t>web</a:t>
+            </a:r>
+            <a:r>
+              <a:rPr lang="de-AT" b="0" dirty="0">
+                <a:solidFill>
+                  <a:srgbClr val="D4D4D4"/>
+                </a:solidFill>
+                <a:effectLst/>
+                <a:latin typeface="Menlo" panose="020B0609030804020204" pitchFamily="49" charset="0"/>
+              </a:rPr>
+              <a:t>::</a:t>
+            </a:r>
+            <a:r>
+              <a:rPr lang="de-AT" b="0" dirty="0" err="1">
+                <a:solidFill>
+                  <a:srgbClr val="DCDCAA"/>
+                </a:solidFill>
+                <a:effectLst/>
+                <a:latin typeface="Menlo" panose="020B0609030804020204" pitchFamily="49" charset="0"/>
+              </a:rPr>
+              <a:t>to</a:t>
+            </a:r>
+            <a:r>
+              <a:rPr lang="de-AT" b="0" dirty="0">
+                <a:solidFill>
+                  <a:srgbClr val="CCCCCC"/>
+                </a:solidFill>
+                <a:effectLst/>
+                <a:latin typeface="Menlo" panose="020B0609030804020204" pitchFamily="49" charset="0"/>
+              </a:rPr>
+              <a:t>(</a:t>
+            </a:r>
+            <a:r>
+              <a:rPr lang="de-AT" b="0" dirty="0">
+                <a:solidFill>
+                  <a:srgbClr val="D4D4D4"/>
+                </a:solidFill>
+                <a:effectLst/>
+                <a:latin typeface="Menlo" panose="020B0609030804020204" pitchFamily="49" charset="0"/>
+              </a:rPr>
+              <a:t>||</a:t>
+            </a:r>
+            <a:r>
+              <a:rPr lang="de-AT" b="0" dirty="0">
+                <a:solidFill>
+                  <a:srgbClr val="CCCCCC"/>
+                </a:solidFill>
+                <a:effectLst/>
+                <a:latin typeface="Menlo" panose="020B0609030804020204" pitchFamily="49" charset="0"/>
+              </a:rPr>
+              <a:t> </a:t>
+            </a:r>
+            <a:r>
+              <a:rPr lang="de-AT" b="0" dirty="0" err="1">
+                <a:solidFill>
+                  <a:srgbClr val="569CD6"/>
+                </a:solidFill>
+                <a:effectLst/>
+                <a:latin typeface="Menlo" panose="020B0609030804020204" pitchFamily="49" charset="0"/>
+              </a:rPr>
+              <a:t>async</a:t>
+            </a:r>
+            <a:r>
+              <a:rPr lang="de-AT" b="0" dirty="0">
+                <a:solidFill>
+                  <a:srgbClr val="CCCCCC"/>
+                </a:solidFill>
+                <a:effectLst/>
+                <a:latin typeface="Menlo" panose="020B0609030804020204" pitchFamily="49" charset="0"/>
+              </a:rPr>
+              <a:t> {</a:t>
+            </a:r>
+            <a:r>
+              <a:rPr lang="de-AT" b="0" dirty="0">
+                <a:solidFill>
+                  <a:srgbClr val="CE9178"/>
+                </a:solidFill>
+                <a:effectLst/>
+                <a:latin typeface="Menlo" panose="020B0609030804020204" pitchFamily="49" charset="0"/>
+              </a:rPr>
+              <a:t>"sub2"</a:t>
+            </a:r>
+            <a:r>
+              <a:rPr lang="de-AT" b="0" dirty="0">
+                <a:solidFill>
+                  <a:srgbClr val="CCCCCC"/>
+                </a:solidFill>
+                <a:effectLst/>
+                <a:latin typeface="Menlo" panose="020B0609030804020204" pitchFamily="49" charset="0"/>
+              </a:rPr>
+              <a:t>}))</a:t>
+            </a:r>
+          </a:p>
+          <a:p>
+            <a:pPr marL="0" indent="0">
+              <a:buNone/>
+            </a:pPr>
+            <a:r>
+              <a:rPr lang="de-AT" b="0" dirty="0">
+                <a:solidFill>
+                  <a:srgbClr val="CCCCCC"/>
+                </a:solidFill>
+                <a:effectLst/>
+                <a:latin typeface="Menlo" panose="020B0609030804020204" pitchFamily="49" charset="0"/>
+              </a:rPr>
+              <a:t>)</a:t>
+            </a:r>
+          </a:p>
+          <a:p>
+            <a:pPr marL="0" indent="0">
+              <a:buNone/>
+            </a:pPr>
+            <a:endParaRPr lang="de-DE" dirty="0"/>
+          </a:p>
+        </p:txBody>
+      </p:sp>
+    </p:spTree>
+    <p:extLst>
+      <p:ext uri="{BB962C8B-B14F-4D97-AF65-F5344CB8AC3E}">
+        <p14:creationId xmlns:p14="http://schemas.microsoft.com/office/powerpoint/2010/main" val="3996451288"/>
+      </p:ext>
+    </p:extLst>
+  </p:cSld>
+  <p:clrMapOvr>
+    <a:masterClrMapping/>
+  </p:clrMapOvr>
+</p:sld>
+</file>
+
+<file path=ppt/slides/slide11.xml><?xml version="1.0" encoding="utf-8"?>
+<p:sld xmlns:a="http://schemas.openxmlformats.org/drawingml/2006/main" xmlns:r="http://schemas.openxmlformats.org/officeDocument/2006/relationships" xmlns:p="http://schemas.openxmlformats.org/presentationml/2006/main">
+  <p:cSld>
+    <p:spTree>
+      <p:nvGrpSpPr>
+        <p:cNvPr id="1" name=""/>
+        <p:cNvGrpSpPr/>
+        <p:nvPr/>
+      </p:nvGrpSpPr>
+      <p:grpSpPr>
+        <a:xfrm>
+          <a:off x="0" y="0"/>
+          <a:ext cx="0" cy="0"/>
+          <a:chOff x="0" y="0"/>
+          <a:chExt cx="0" cy="0"/>
+        </a:xfrm>
+      </p:grpSpPr>
+      <p:sp>
+        <p:nvSpPr>
+          <p:cNvPr id="2" name="Titel 1">
+            <a:extLst>
+              <a:ext uri="{FF2B5EF4-FFF2-40B4-BE49-F238E27FC236}">
+                <a16:creationId xmlns:a16="http://schemas.microsoft.com/office/drawing/2014/main" id="{751842EB-203D-FD96-6EDF-06C32DE3C360}"/>
+              </a:ext>
+            </a:extLst>
+          </p:cNvPr>
+          <p:cNvSpPr>
+            <a:spLocks noGrp="1"/>
+          </p:cNvSpPr>
+          <p:nvPr>
+            <p:ph type="title"/>
+          </p:nvPr>
+        </p:nvSpPr>
+        <p:spPr/>
+        <p:txBody>
+          <a:bodyPr/>
+          <a:lstStyle/>
+          <a:p>
+            <a:r>
+              <a:rPr lang="de-DE" dirty="0"/>
+              <a:t>Customize a </a:t>
+            </a:r>
+            <a:r>
+              <a:rPr lang="de-DE" dirty="0" err="1"/>
+              <a:t>HttpResponse</a:t>
+            </a:r>
+            <a:endParaRPr lang="de-AT" dirty="0"/>
+          </a:p>
+        </p:txBody>
+      </p:sp>
+      <p:sp>
+        <p:nvSpPr>
+          <p:cNvPr id="3" name="Inhaltsplatzhalter 2">
+            <a:extLst>
+              <a:ext uri="{FF2B5EF4-FFF2-40B4-BE49-F238E27FC236}">
+                <a16:creationId xmlns:a16="http://schemas.microsoft.com/office/drawing/2014/main" id="{7E4BFCF8-2ADC-1A5C-6E3D-63B4575E4FDE}"/>
+              </a:ext>
+            </a:extLst>
+          </p:cNvPr>
+          <p:cNvSpPr>
+            <a:spLocks noGrp="1"/>
+          </p:cNvSpPr>
+          <p:nvPr>
+            <p:ph idx="1"/>
+          </p:nvPr>
+        </p:nvSpPr>
+        <p:spPr/>
+        <p:txBody>
+          <a:bodyPr/>
+          <a:lstStyle/>
+          <a:p>
+            <a:pPr marL="0" indent="0">
+              <a:buNone/>
+            </a:pPr>
+            <a:r>
+              <a:rPr lang="de-DE" dirty="0"/>
+              <a:t>The Responder </a:t>
+            </a:r>
+            <a:r>
+              <a:rPr lang="de-DE" dirty="0" err="1"/>
+              <a:t>trait</a:t>
+            </a:r>
+            <a:r>
+              <a:rPr lang="de-DE" dirty="0"/>
+              <a:t> </a:t>
+            </a:r>
+            <a:r>
+              <a:rPr lang="de-DE" dirty="0" err="1"/>
+              <a:t>provides</a:t>
+            </a:r>
+            <a:r>
+              <a:rPr lang="de-DE" dirty="0"/>
+              <a:t> a </a:t>
+            </a:r>
+            <a:r>
+              <a:rPr lang="de-DE" dirty="0" err="1"/>
+              <a:t>method</a:t>
+            </a:r>
+            <a:r>
+              <a:rPr lang="de-DE" dirty="0"/>
+              <a:t> </a:t>
+            </a:r>
+            <a:r>
+              <a:rPr lang="de-DE" dirty="0" err="1"/>
+              <a:t>for</a:t>
+            </a:r>
+            <a:r>
+              <a:rPr lang="de-DE" dirty="0"/>
+              <a:t> </a:t>
+            </a:r>
+            <a:r>
+              <a:rPr lang="de-DE" dirty="0" err="1"/>
+              <a:t>customizing</a:t>
+            </a:r>
+            <a:r>
+              <a:rPr lang="de-DE" dirty="0"/>
+              <a:t> </a:t>
+            </a:r>
+            <a:r>
+              <a:rPr lang="de-DE" dirty="0" err="1"/>
+              <a:t>responses</a:t>
+            </a:r>
+            <a:r>
+              <a:rPr lang="de-DE" dirty="0"/>
+              <a:t>:</a:t>
+            </a:r>
+          </a:p>
+          <a:p>
+            <a:pPr marL="0" indent="0">
+              <a:buNone/>
+            </a:pPr>
+            <a:endParaRPr lang="de-DE" dirty="0"/>
+          </a:p>
+          <a:p>
+            <a:pPr marL="0" indent="0">
+              <a:buNone/>
+            </a:pPr>
+            <a:r>
+              <a:rPr lang="de-AT" b="0" dirty="0">
+                <a:solidFill>
+                  <a:srgbClr val="DCDCAA"/>
+                </a:solidFill>
+                <a:effectLst/>
+                <a:latin typeface="Consolas" panose="020B0609020204030204" pitchFamily="49" charset="0"/>
+              </a:rPr>
+              <a:t>customize</a:t>
+            </a:r>
+            <a:r>
+              <a:rPr lang="de-AT" b="0" dirty="0">
+                <a:solidFill>
+                  <a:srgbClr val="D4D4D4"/>
+                </a:solidFill>
+                <a:effectLst/>
+                <a:latin typeface="Consolas" panose="020B0609020204030204" pitchFamily="49" charset="0"/>
+              </a:rPr>
+              <a:t>()</a:t>
+            </a:r>
+          </a:p>
+          <a:p>
+            <a:pPr marL="0" indent="0">
+              <a:buNone/>
+            </a:pPr>
+            <a:endParaRPr lang="de-AT" dirty="0"/>
+          </a:p>
+          <a:p>
+            <a:pPr marL="0" indent="0">
+              <a:buNone/>
+            </a:pPr>
+            <a:r>
+              <a:rPr lang="de-AT" dirty="0"/>
+              <a:t>The </a:t>
+            </a:r>
+            <a:r>
+              <a:rPr lang="de-AT" dirty="0" err="1"/>
+              <a:t>HttpResponse</a:t>
+            </a:r>
+            <a:r>
+              <a:rPr lang="de-AT" dirty="0"/>
+              <a:t> </a:t>
+            </a:r>
+            <a:r>
+              <a:rPr lang="de-AT" dirty="0" err="1"/>
+              <a:t>struct</a:t>
+            </a:r>
+            <a:r>
+              <a:rPr lang="de-AT" dirty="0"/>
+              <a:t> </a:t>
+            </a:r>
+            <a:r>
+              <a:rPr lang="de-AT" dirty="0" err="1"/>
+              <a:t>provides</a:t>
+            </a:r>
+            <a:r>
+              <a:rPr lang="de-AT" dirty="0"/>
+              <a:t> a </a:t>
+            </a:r>
+            <a:r>
+              <a:rPr lang="de-AT" dirty="0" err="1"/>
+              <a:t>method</a:t>
+            </a:r>
+            <a:r>
+              <a:rPr lang="de-AT" dirty="0"/>
+              <a:t> </a:t>
+            </a:r>
+            <a:r>
+              <a:rPr lang="de-AT" dirty="0" err="1"/>
+              <a:t>to</a:t>
+            </a:r>
+            <a:r>
+              <a:rPr lang="de-AT" dirty="0"/>
+              <a:t> </a:t>
+            </a:r>
+            <a:r>
+              <a:rPr lang="de-AT" dirty="0" err="1"/>
+              <a:t>build</a:t>
+            </a:r>
+            <a:r>
+              <a:rPr lang="de-AT" dirty="0"/>
+              <a:t> a </a:t>
+            </a:r>
+            <a:r>
+              <a:rPr lang="de-AT" dirty="0" err="1"/>
+              <a:t>customized</a:t>
+            </a:r>
+            <a:r>
+              <a:rPr lang="de-AT" dirty="0"/>
+              <a:t> </a:t>
+            </a:r>
+            <a:r>
+              <a:rPr lang="de-AT" dirty="0" err="1"/>
+              <a:t>response</a:t>
+            </a:r>
+            <a:r>
+              <a:rPr lang="de-AT" dirty="0"/>
+              <a:t>:</a:t>
+            </a:r>
+          </a:p>
+          <a:p>
+            <a:pPr marL="0" indent="0">
+              <a:buNone/>
+            </a:pPr>
+            <a:endParaRPr lang="de-AT" dirty="0"/>
+          </a:p>
+          <a:p>
+            <a:pPr marL="0" indent="0">
+              <a:buNone/>
+            </a:pPr>
+            <a:r>
+              <a:rPr lang="de-AT" b="0" dirty="0" err="1">
+                <a:solidFill>
+                  <a:srgbClr val="DCDCAA"/>
+                </a:solidFill>
+                <a:effectLst/>
+                <a:latin typeface="Consolas" panose="020B0609020204030204" pitchFamily="49" charset="0"/>
+              </a:rPr>
+              <a:t>build</a:t>
+            </a:r>
+            <a:r>
+              <a:rPr lang="de-AT" b="0" dirty="0">
+                <a:solidFill>
+                  <a:srgbClr val="D4D4D4"/>
+                </a:solidFill>
+                <a:effectLst/>
+                <a:latin typeface="Consolas" panose="020B0609020204030204" pitchFamily="49" charset="0"/>
+              </a:rPr>
+              <a:t>()</a:t>
+            </a:r>
+          </a:p>
+          <a:p>
+            <a:pPr marL="0" indent="0">
+              <a:buNone/>
+            </a:pPr>
+            <a:endParaRPr lang="de-AT" dirty="0"/>
+          </a:p>
+        </p:txBody>
+      </p:sp>
+    </p:spTree>
+    <p:extLst>
+      <p:ext uri="{BB962C8B-B14F-4D97-AF65-F5344CB8AC3E}">
+        <p14:creationId xmlns:p14="http://schemas.microsoft.com/office/powerpoint/2010/main" val="3749233082"/>
+      </p:ext>
+    </p:extLst>
+  </p:cSld>
+  <p:clrMapOvr>
+    <a:masterClrMapping/>
+  </p:clrMapOvr>
+</p:sld>
+</file>
+
+<file path=ppt/slides/slide12.xml><?xml version="1.0" encoding="utf-8"?>
+<p:sld xmlns:a="http://schemas.openxmlformats.org/drawingml/2006/main" xmlns:r="http://schemas.openxmlformats.org/officeDocument/2006/relationships" xmlns:p="http://schemas.openxmlformats.org/presentationml/2006/main">
+  <p:cSld>
+    <p:spTree>
+      <p:nvGrpSpPr>
+        <p:cNvPr id="1" name=""/>
+        <p:cNvGrpSpPr/>
+        <p:nvPr/>
+      </p:nvGrpSpPr>
+      <p:grpSpPr>
+        <a:xfrm>
+          <a:off x="0" y="0"/>
+          <a:ext cx="0" cy="0"/>
+          <a:chOff x="0" y="0"/>
+          <a:chExt cx="0" cy="0"/>
+        </a:xfrm>
+      </p:grpSpPr>
+      <p:sp>
+        <p:nvSpPr>
+          <p:cNvPr id="2" name="Titel 1">
+            <a:extLst>
+              <a:ext uri="{FF2B5EF4-FFF2-40B4-BE49-F238E27FC236}">
+                <a16:creationId xmlns:a16="http://schemas.microsoft.com/office/drawing/2014/main" id="{BD531336-1A28-5391-A234-001E13741834}"/>
+              </a:ext>
+            </a:extLst>
+          </p:cNvPr>
+          <p:cNvSpPr>
+            <a:spLocks noGrp="1"/>
+          </p:cNvSpPr>
+          <p:nvPr>
+            <p:ph type="title"/>
+          </p:nvPr>
+        </p:nvSpPr>
+        <p:spPr/>
+        <p:txBody>
+          <a:bodyPr/>
+          <a:lstStyle/>
+          <a:p>
+            <a:r>
+              <a:rPr lang="de-DE" dirty="0" err="1"/>
+              <a:t>Serve</a:t>
+            </a:r>
+            <a:r>
+              <a:rPr lang="de-DE" dirty="0"/>
+              <a:t> a </a:t>
+            </a:r>
+            <a:r>
+              <a:rPr lang="de-DE" dirty="0" err="1"/>
+              <a:t>static</a:t>
+            </a:r>
+            <a:r>
+              <a:rPr lang="de-DE" dirty="0"/>
+              <a:t> </a:t>
+            </a:r>
+            <a:r>
+              <a:rPr lang="de-DE" dirty="0" err="1"/>
+              <a:t>file</a:t>
+            </a:r>
+            <a:endParaRPr lang="de-DE" dirty="0"/>
+          </a:p>
+        </p:txBody>
+      </p:sp>
+      <p:sp>
+        <p:nvSpPr>
+          <p:cNvPr id="3" name="Inhaltsplatzhalter 2">
+            <a:extLst>
+              <a:ext uri="{FF2B5EF4-FFF2-40B4-BE49-F238E27FC236}">
+                <a16:creationId xmlns:a16="http://schemas.microsoft.com/office/drawing/2014/main" id="{A00525D1-C880-9B7B-BD27-E49FD761B6AD}"/>
+              </a:ext>
+            </a:extLst>
+          </p:cNvPr>
+          <p:cNvSpPr>
+            <a:spLocks noGrp="1"/>
+          </p:cNvSpPr>
+          <p:nvPr>
+            <p:ph idx="1"/>
+          </p:nvPr>
+        </p:nvSpPr>
+        <p:spPr/>
+        <p:txBody>
+          <a:bodyPr>
+            <a:normAutofit fontScale="92500"/>
+          </a:bodyPr>
+          <a:lstStyle/>
+          <a:p>
+            <a:pPr marL="0" indent="0">
+              <a:buNone/>
+            </a:pPr>
+            <a:r>
+              <a:rPr lang="de-DE" dirty="0" err="1"/>
+              <a:t>To</a:t>
+            </a:r>
+            <a:r>
+              <a:rPr lang="de-DE" dirty="0"/>
+              <a:t> </a:t>
+            </a:r>
+            <a:r>
+              <a:rPr lang="de-DE" dirty="0" err="1"/>
+              <a:t>serve</a:t>
+            </a:r>
+            <a:r>
+              <a:rPr lang="de-DE" dirty="0"/>
+              <a:t> </a:t>
+            </a:r>
+            <a:r>
+              <a:rPr lang="de-DE" dirty="0" err="1"/>
+              <a:t>static</a:t>
+            </a:r>
+            <a:r>
+              <a:rPr lang="de-DE" dirty="0"/>
+              <a:t> </a:t>
+            </a:r>
+            <a:r>
+              <a:rPr lang="de-DE" dirty="0" err="1"/>
+              <a:t>files</a:t>
+            </a:r>
+            <a:r>
+              <a:rPr lang="de-DE" dirty="0"/>
+              <a:t> </a:t>
+            </a:r>
+            <a:r>
+              <a:rPr lang="de-DE" dirty="0" err="1"/>
+              <a:t>you</a:t>
+            </a:r>
+            <a:r>
+              <a:rPr lang="de-DE" dirty="0"/>
+              <a:t> </a:t>
+            </a:r>
+            <a:r>
+              <a:rPr lang="de-DE" dirty="0" err="1"/>
+              <a:t>can</a:t>
+            </a:r>
+            <a:r>
+              <a:rPr lang="de-DE" dirty="0"/>
+              <a:t> </a:t>
+            </a:r>
+            <a:r>
+              <a:rPr lang="de-DE" dirty="0" err="1"/>
+              <a:t>use</a:t>
+            </a:r>
+            <a:r>
+              <a:rPr lang="de-DE" dirty="0"/>
+              <a:t> </a:t>
+            </a:r>
+            <a:r>
+              <a:rPr lang="de-DE" dirty="0" err="1"/>
+              <a:t>the</a:t>
+            </a:r>
+            <a:r>
+              <a:rPr lang="de-DE" dirty="0"/>
+              <a:t> </a:t>
+            </a:r>
+            <a:r>
+              <a:rPr lang="de-DE" dirty="0" err="1"/>
+              <a:t>actix</a:t>
+            </a:r>
+            <a:r>
+              <a:rPr lang="de-DE" dirty="0"/>
+              <a:t>-files </a:t>
+            </a:r>
+            <a:r>
+              <a:rPr lang="de-DE" dirty="0" err="1"/>
+              <a:t>crate</a:t>
+            </a:r>
+            <a:endParaRPr lang="de-DE" dirty="0"/>
+          </a:p>
+          <a:p>
+            <a:pPr marL="0" indent="0">
+              <a:buNone/>
+            </a:pPr>
+            <a:endParaRPr lang="de-DE" dirty="0"/>
+          </a:p>
+          <a:p>
+            <a:pPr marL="0" indent="0">
+              <a:buNone/>
+            </a:pPr>
+            <a:r>
+              <a:rPr lang="de-DE" dirty="0" err="1"/>
+              <a:t>You</a:t>
+            </a:r>
+            <a:r>
+              <a:rPr lang="de-DE" dirty="0"/>
+              <a:t> </a:t>
+            </a:r>
+            <a:r>
+              <a:rPr lang="de-DE" dirty="0" err="1"/>
+              <a:t>can</a:t>
+            </a:r>
+            <a:r>
+              <a:rPr lang="de-DE" dirty="0"/>
+              <a:t> </a:t>
+            </a:r>
+            <a:r>
+              <a:rPr lang="de-DE" dirty="0" err="1"/>
+              <a:t>use</a:t>
+            </a:r>
+            <a:r>
+              <a:rPr lang="de-DE" dirty="0"/>
+              <a:t> </a:t>
+            </a:r>
+            <a:r>
+              <a:rPr lang="de-DE" dirty="0" err="1"/>
+              <a:t>the</a:t>
+            </a:r>
+            <a:r>
+              <a:rPr lang="de-DE" dirty="0"/>
+              <a:t> </a:t>
+            </a:r>
+            <a:r>
+              <a:rPr lang="de-DE" dirty="0" err="1"/>
+              <a:t>extraction</a:t>
+            </a:r>
+            <a:r>
+              <a:rPr lang="de-DE" dirty="0"/>
+              <a:t> </a:t>
+            </a:r>
+            <a:r>
+              <a:rPr lang="de-DE" dirty="0" err="1"/>
+              <a:t>pattern</a:t>
+            </a:r>
+            <a:r>
+              <a:rPr lang="de-DE" dirty="0"/>
+              <a:t> </a:t>
+            </a:r>
+            <a:r>
+              <a:rPr lang="de-DE" dirty="0" err="1"/>
+              <a:t>provided</a:t>
+            </a:r>
+            <a:r>
+              <a:rPr lang="de-DE" dirty="0"/>
+              <a:t> </a:t>
+            </a:r>
+            <a:r>
+              <a:rPr lang="de-DE" dirty="0" err="1"/>
+              <a:t>for</a:t>
+            </a:r>
+            <a:r>
+              <a:rPr lang="de-DE" dirty="0"/>
+              <a:t> </a:t>
+            </a:r>
+            <a:r>
+              <a:rPr lang="de-DE" dirty="0" err="1"/>
+              <a:t>requests</a:t>
+            </a:r>
+            <a:r>
+              <a:rPr lang="de-DE" dirty="0"/>
+              <a:t>, e.g.:</a:t>
+            </a:r>
+          </a:p>
+          <a:p>
+            <a:pPr marL="0" indent="0">
+              <a:buNone/>
+            </a:pPr>
+            <a:r>
+              <a:rPr lang="de-AT" b="0" dirty="0">
+                <a:solidFill>
+                  <a:srgbClr val="CE9178"/>
+                </a:solidFill>
+                <a:effectLst/>
+                <a:latin typeface="Menlo" panose="020B0609030804020204" pitchFamily="49" charset="0"/>
+              </a:rPr>
+              <a:t>"/{</a:t>
+            </a:r>
+            <a:r>
+              <a:rPr lang="de-AT" b="0" dirty="0" err="1">
+                <a:solidFill>
+                  <a:srgbClr val="CE9178"/>
+                </a:solidFill>
+                <a:effectLst/>
+                <a:latin typeface="Menlo" panose="020B0609030804020204" pitchFamily="49" charset="0"/>
+              </a:rPr>
+              <a:t>filename</a:t>
+            </a:r>
+            <a:r>
+              <a:rPr lang="de-AT" b="0" dirty="0">
+                <a:solidFill>
+                  <a:srgbClr val="CE9178"/>
+                </a:solidFill>
+                <a:effectLst/>
+                <a:latin typeface="Menlo" panose="020B0609030804020204" pitchFamily="49" charset="0"/>
+              </a:rPr>
+              <a:t>:.*}"</a:t>
+            </a:r>
+            <a:endParaRPr lang="de-AT" b="0" dirty="0">
+              <a:solidFill>
+                <a:srgbClr val="CCCCCC"/>
+              </a:solidFill>
+              <a:effectLst/>
+              <a:latin typeface="Menlo" panose="020B0609030804020204" pitchFamily="49" charset="0"/>
+            </a:endParaRPr>
+          </a:p>
+          <a:p>
+            <a:pPr marL="0" indent="0">
+              <a:buNone/>
+            </a:pPr>
+            <a:r>
+              <a:rPr lang="de-DE" dirty="0"/>
+              <a:t> </a:t>
+            </a:r>
+          </a:p>
+          <a:p>
+            <a:pPr marL="0" indent="0">
+              <a:buNone/>
+            </a:pPr>
+            <a:r>
+              <a:rPr lang="de-DE" dirty="0" err="1"/>
+              <a:t>Extraction</a:t>
+            </a:r>
+            <a:r>
+              <a:rPr lang="de-DE" dirty="0"/>
+              <a:t> </a:t>
+            </a:r>
+            <a:r>
+              <a:rPr lang="de-DE" dirty="0" err="1"/>
+              <a:t>example</a:t>
+            </a:r>
+            <a:r>
+              <a:rPr lang="de-DE" dirty="0"/>
+              <a:t>:</a:t>
+            </a:r>
+          </a:p>
+          <a:p>
+            <a:pPr marL="0" indent="0">
+              <a:buNone/>
+            </a:pPr>
+            <a:r>
+              <a:rPr lang="de-AT" b="0" dirty="0" err="1">
+                <a:solidFill>
+                  <a:srgbClr val="569CD6"/>
+                </a:solidFill>
+                <a:effectLst/>
+                <a:latin typeface="Menlo" panose="020B0609030804020204" pitchFamily="49" charset="0"/>
+              </a:rPr>
+              <a:t>fn</a:t>
+            </a:r>
+            <a:r>
+              <a:rPr lang="de-AT" b="0" dirty="0">
+                <a:solidFill>
+                  <a:srgbClr val="CCCCCC"/>
+                </a:solidFill>
+                <a:effectLst/>
+                <a:latin typeface="Menlo" panose="020B0609030804020204" pitchFamily="49" charset="0"/>
+              </a:rPr>
+              <a:t> </a:t>
+            </a:r>
+            <a:r>
+              <a:rPr lang="de-AT" b="0" dirty="0" err="1">
+                <a:solidFill>
+                  <a:srgbClr val="DCDCAA"/>
+                </a:solidFill>
+                <a:effectLst/>
+                <a:latin typeface="Menlo" panose="020B0609030804020204" pitchFamily="49" charset="0"/>
+              </a:rPr>
+              <a:t>extract</a:t>
+            </a:r>
+            <a:r>
+              <a:rPr lang="de-AT" b="0" dirty="0">
+                <a:solidFill>
+                  <a:srgbClr val="CCCCCC"/>
+                </a:solidFill>
+                <a:effectLst/>
+                <a:latin typeface="Menlo" panose="020B0609030804020204" pitchFamily="49" charset="0"/>
+              </a:rPr>
+              <a:t>(</a:t>
+            </a:r>
+            <a:r>
+              <a:rPr lang="de-AT" b="0" dirty="0" err="1">
+                <a:solidFill>
+                  <a:srgbClr val="9CDCFE"/>
+                </a:solidFill>
+                <a:effectLst/>
+                <a:latin typeface="Menlo" panose="020B0609030804020204" pitchFamily="49" charset="0"/>
+              </a:rPr>
+              <a:t>req</a:t>
+            </a:r>
+            <a:r>
+              <a:rPr lang="de-AT" b="0" dirty="0">
+                <a:solidFill>
+                  <a:srgbClr val="D4D4D4"/>
+                </a:solidFill>
+                <a:effectLst/>
+                <a:latin typeface="Menlo" panose="020B0609030804020204" pitchFamily="49" charset="0"/>
+              </a:rPr>
+              <a:t>:</a:t>
+            </a:r>
+            <a:r>
+              <a:rPr lang="de-AT" b="0" dirty="0">
+                <a:solidFill>
+                  <a:srgbClr val="CCCCCC"/>
+                </a:solidFill>
+                <a:effectLst/>
+                <a:latin typeface="Menlo" panose="020B0609030804020204" pitchFamily="49" charset="0"/>
+              </a:rPr>
+              <a:t> </a:t>
+            </a:r>
+            <a:r>
+              <a:rPr lang="de-AT" b="0" dirty="0" err="1">
+                <a:solidFill>
+                  <a:srgbClr val="4EC9B0"/>
+                </a:solidFill>
+                <a:effectLst/>
+                <a:latin typeface="Menlo" panose="020B0609030804020204" pitchFamily="49" charset="0"/>
+              </a:rPr>
+              <a:t>HttpRequest</a:t>
+            </a:r>
+            <a:r>
+              <a:rPr lang="de-AT" b="0" dirty="0">
+                <a:solidFill>
+                  <a:srgbClr val="CCCCCC"/>
+                </a:solidFill>
+                <a:effectLst/>
+                <a:latin typeface="Menlo" panose="020B0609030804020204" pitchFamily="49" charset="0"/>
+              </a:rPr>
+              <a:t>) </a:t>
+            </a:r>
+            <a:r>
+              <a:rPr lang="de-AT" b="0" dirty="0">
+                <a:solidFill>
+                  <a:srgbClr val="D4D4D4"/>
+                </a:solidFill>
+                <a:effectLst/>
+                <a:latin typeface="Menlo" panose="020B0609030804020204" pitchFamily="49" charset="0"/>
+              </a:rPr>
+              <a:t>-&gt;</a:t>
+            </a:r>
+            <a:r>
+              <a:rPr lang="de-AT" b="0" dirty="0">
+                <a:solidFill>
+                  <a:srgbClr val="CCCCCC"/>
+                </a:solidFill>
+                <a:effectLst/>
+                <a:latin typeface="Menlo" panose="020B0609030804020204" pitchFamily="49" charset="0"/>
+              </a:rPr>
+              <a:t> </a:t>
+            </a:r>
+            <a:r>
+              <a:rPr lang="de-AT" b="0" dirty="0" err="1">
+                <a:solidFill>
+                  <a:srgbClr val="569CD6"/>
+                </a:solidFill>
+                <a:effectLst/>
+                <a:latin typeface="Menlo" panose="020B0609030804020204" pitchFamily="49" charset="0"/>
+              </a:rPr>
+              <a:t>impl</a:t>
+            </a:r>
+            <a:r>
+              <a:rPr lang="de-AT" b="0" dirty="0">
+                <a:solidFill>
+                  <a:srgbClr val="CCCCCC"/>
+                </a:solidFill>
+                <a:effectLst/>
+                <a:latin typeface="Menlo" panose="020B0609030804020204" pitchFamily="49" charset="0"/>
+              </a:rPr>
+              <a:t> </a:t>
+            </a:r>
+            <a:r>
+              <a:rPr lang="de-AT" b="0" dirty="0">
+                <a:solidFill>
+                  <a:srgbClr val="4EC9B0"/>
+                </a:solidFill>
+                <a:effectLst/>
+                <a:latin typeface="Menlo" panose="020B0609030804020204" pitchFamily="49" charset="0"/>
+              </a:rPr>
+              <a:t>Responder</a:t>
+            </a:r>
+            <a:r>
+              <a:rPr lang="de-AT" b="0" dirty="0">
+                <a:solidFill>
+                  <a:srgbClr val="CCCCCC"/>
+                </a:solidFill>
+                <a:effectLst/>
+                <a:latin typeface="Menlo" panose="020B0609030804020204" pitchFamily="49" charset="0"/>
+              </a:rPr>
+              <a:t> {</a:t>
+            </a:r>
+          </a:p>
+          <a:p>
+            <a:pPr marL="0" indent="0">
+              <a:buNone/>
+            </a:pPr>
+            <a:r>
+              <a:rPr lang="de-AT" b="0" dirty="0">
+                <a:solidFill>
+                  <a:srgbClr val="9CDCFE"/>
+                </a:solidFill>
+                <a:effectLst/>
+                <a:latin typeface="Menlo" panose="020B0609030804020204" pitchFamily="49" charset="0"/>
+              </a:rPr>
+              <a:t>	</a:t>
+            </a:r>
+            <a:r>
+              <a:rPr lang="de-AT" b="0" dirty="0" err="1">
+                <a:solidFill>
+                  <a:srgbClr val="9CDCFE"/>
+                </a:solidFill>
+                <a:effectLst/>
+                <a:latin typeface="Menlo" panose="020B0609030804020204" pitchFamily="49" charset="0"/>
+              </a:rPr>
+              <a:t>req</a:t>
+            </a:r>
+            <a:r>
+              <a:rPr lang="de-AT" b="0" dirty="0" err="1">
+                <a:solidFill>
+                  <a:srgbClr val="D4D4D4"/>
+                </a:solidFill>
+                <a:effectLst/>
+                <a:latin typeface="Menlo" panose="020B0609030804020204" pitchFamily="49" charset="0"/>
+              </a:rPr>
+              <a:t>.</a:t>
+            </a:r>
+            <a:r>
+              <a:rPr lang="de-AT" b="0" dirty="0" err="1">
+                <a:solidFill>
+                  <a:srgbClr val="DCDCAA"/>
+                </a:solidFill>
+                <a:effectLst/>
+                <a:latin typeface="Menlo" panose="020B0609030804020204" pitchFamily="49" charset="0"/>
+              </a:rPr>
+              <a:t>match_info</a:t>
+            </a:r>
+            <a:r>
+              <a:rPr lang="de-AT" b="0" dirty="0">
+                <a:solidFill>
+                  <a:srgbClr val="CCCCCC"/>
+                </a:solidFill>
+                <a:effectLst/>
+                <a:latin typeface="Menlo" panose="020B0609030804020204" pitchFamily="49" charset="0"/>
+              </a:rPr>
+              <a:t>()</a:t>
+            </a:r>
+            <a:r>
+              <a:rPr lang="de-AT" b="0" dirty="0">
+                <a:solidFill>
+                  <a:srgbClr val="D4D4D4"/>
+                </a:solidFill>
+                <a:effectLst/>
+                <a:latin typeface="Menlo" panose="020B0609030804020204" pitchFamily="49" charset="0"/>
+              </a:rPr>
+              <a:t>.</a:t>
+            </a:r>
+            <a:r>
+              <a:rPr lang="de-AT" b="0" dirty="0" err="1">
+                <a:solidFill>
+                  <a:srgbClr val="DCDCAA"/>
+                </a:solidFill>
+                <a:effectLst/>
+                <a:latin typeface="Menlo" panose="020B0609030804020204" pitchFamily="49" charset="0"/>
+              </a:rPr>
+              <a:t>query</a:t>
+            </a:r>
+            <a:r>
+              <a:rPr lang="de-AT" b="0" dirty="0">
+                <a:solidFill>
+                  <a:srgbClr val="CCCCCC"/>
+                </a:solidFill>
+                <a:effectLst/>
+                <a:latin typeface="Menlo" panose="020B0609030804020204" pitchFamily="49" charset="0"/>
+              </a:rPr>
+              <a:t>(</a:t>
+            </a:r>
+            <a:r>
+              <a:rPr lang="de-AT" b="0" dirty="0">
+                <a:solidFill>
+                  <a:srgbClr val="CE9178"/>
+                </a:solidFill>
+                <a:effectLst/>
+                <a:latin typeface="Menlo" panose="020B0609030804020204" pitchFamily="49" charset="0"/>
+              </a:rPr>
+              <a:t>"</a:t>
+            </a:r>
+            <a:r>
+              <a:rPr lang="de-AT" b="0" dirty="0" err="1">
+                <a:solidFill>
+                  <a:srgbClr val="CE9178"/>
+                </a:solidFill>
+                <a:effectLst/>
+                <a:latin typeface="Menlo" panose="020B0609030804020204" pitchFamily="49" charset="0"/>
+              </a:rPr>
+              <a:t>filename</a:t>
+            </a:r>
+            <a:r>
+              <a:rPr lang="de-AT" b="0" dirty="0">
+                <a:solidFill>
+                  <a:srgbClr val="CE9178"/>
+                </a:solidFill>
+                <a:effectLst/>
+                <a:latin typeface="Menlo" panose="020B0609030804020204" pitchFamily="49" charset="0"/>
+              </a:rPr>
+              <a:t>"</a:t>
+            </a:r>
+            <a:r>
+              <a:rPr lang="de-AT" b="0" dirty="0">
+                <a:solidFill>
+                  <a:srgbClr val="CCCCCC"/>
+                </a:solidFill>
+                <a:effectLst/>
+                <a:latin typeface="Menlo" panose="020B0609030804020204" pitchFamily="49" charset="0"/>
+              </a:rPr>
+              <a:t>)</a:t>
+            </a:r>
+            <a:r>
+              <a:rPr lang="de-AT" b="0" dirty="0">
+                <a:solidFill>
+                  <a:srgbClr val="D4D4D4"/>
+                </a:solidFill>
+                <a:effectLst/>
+                <a:latin typeface="Menlo" panose="020B0609030804020204" pitchFamily="49" charset="0"/>
+              </a:rPr>
+              <a:t>.</a:t>
+            </a:r>
+            <a:r>
+              <a:rPr lang="de-AT" b="0" dirty="0" err="1">
+                <a:solidFill>
+                  <a:srgbClr val="DCDCAA"/>
+                </a:solidFill>
+                <a:effectLst/>
+                <a:latin typeface="Menlo" panose="020B0609030804020204" pitchFamily="49" charset="0"/>
+              </a:rPr>
+              <a:t>to_string</a:t>
+            </a:r>
+            <a:r>
+              <a:rPr lang="de-AT" b="0" dirty="0">
+                <a:solidFill>
+                  <a:srgbClr val="CCCCCC"/>
+                </a:solidFill>
+                <a:effectLst/>
+                <a:latin typeface="Menlo" panose="020B0609030804020204" pitchFamily="49" charset="0"/>
+              </a:rPr>
+              <a:t>()</a:t>
+            </a:r>
+          </a:p>
+          <a:p>
+            <a:pPr marL="0" indent="0">
+              <a:buNone/>
+            </a:pPr>
+            <a:r>
+              <a:rPr lang="de-AT" b="0" dirty="0">
+                <a:solidFill>
+                  <a:srgbClr val="CCCCCC"/>
+                </a:solidFill>
+                <a:effectLst/>
+                <a:latin typeface="Menlo" panose="020B0609030804020204" pitchFamily="49" charset="0"/>
+              </a:rPr>
+              <a:t>}</a:t>
+            </a:r>
+          </a:p>
+          <a:p>
+            <a:pPr marL="0" indent="0">
+              <a:buNone/>
+            </a:pPr>
+            <a:endParaRPr lang="de-DE" dirty="0"/>
+          </a:p>
+        </p:txBody>
+      </p:sp>
+    </p:spTree>
+    <p:extLst>
+      <p:ext uri="{BB962C8B-B14F-4D97-AF65-F5344CB8AC3E}">
+        <p14:creationId xmlns:p14="http://schemas.microsoft.com/office/powerpoint/2010/main" val="1739863893"/>
+      </p:ext>
+    </p:extLst>
+  </p:cSld>
+  <p:clrMapOvr>
+    <a:masterClrMapping/>
+  </p:clrMapOvr>
+</p:sld>
+</file>
+
+<file path=ppt/slides/slide13.xml><?xml version="1.0" encoding="utf-8"?>
+<p:sld xmlns:a="http://schemas.openxmlformats.org/drawingml/2006/main" xmlns:r="http://schemas.openxmlformats.org/officeDocument/2006/relationships" xmlns:p="http://schemas.openxmlformats.org/presentationml/2006/main">
+  <p:cSld>
+    <p:spTree>
+      <p:nvGrpSpPr>
+        <p:cNvPr id="1" name=""/>
+        <p:cNvGrpSpPr/>
+        <p:nvPr/>
+      </p:nvGrpSpPr>
+      <p:grpSpPr>
+        <a:xfrm>
+          <a:off x="0" y="0"/>
+          <a:ext cx="0" cy="0"/>
+          <a:chOff x="0" y="0"/>
+          <a:chExt cx="0" cy="0"/>
+        </a:xfrm>
+      </p:grpSpPr>
+      <p:sp>
+        <p:nvSpPr>
+          <p:cNvPr id="2" name="Titel 1">
+            <a:extLst>
+              <a:ext uri="{FF2B5EF4-FFF2-40B4-BE49-F238E27FC236}">
+                <a16:creationId xmlns:a16="http://schemas.microsoft.com/office/drawing/2014/main" id="{188CF34B-AACA-C9E3-8AD7-CCB51BCB3CAC}"/>
+              </a:ext>
+            </a:extLst>
+          </p:cNvPr>
+          <p:cNvSpPr>
+            <a:spLocks noGrp="1"/>
+          </p:cNvSpPr>
+          <p:nvPr>
+            <p:ph type="title"/>
+          </p:nvPr>
+        </p:nvSpPr>
+        <p:spPr/>
+        <p:txBody>
+          <a:bodyPr/>
+          <a:lstStyle/>
+          <a:p>
+            <a:r>
+              <a:rPr lang="de-DE" dirty="0" err="1"/>
+              <a:t>Serve</a:t>
+            </a:r>
+            <a:r>
+              <a:rPr lang="de-DE" dirty="0"/>
+              <a:t> a </a:t>
+            </a:r>
+            <a:r>
+              <a:rPr lang="de-DE" dirty="0" err="1"/>
+              <a:t>static</a:t>
+            </a:r>
+            <a:r>
+              <a:rPr lang="de-DE" dirty="0"/>
+              <a:t> </a:t>
+            </a:r>
+            <a:r>
+              <a:rPr lang="de-DE" dirty="0" err="1"/>
+              <a:t>file</a:t>
+            </a:r>
+            <a:endParaRPr lang="de-DE" dirty="0"/>
+          </a:p>
+        </p:txBody>
+      </p:sp>
+      <p:sp>
+        <p:nvSpPr>
+          <p:cNvPr id="3" name="Inhaltsplatzhalter 2">
+            <a:extLst>
+              <a:ext uri="{FF2B5EF4-FFF2-40B4-BE49-F238E27FC236}">
+                <a16:creationId xmlns:a16="http://schemas.microsoft.com/office/drawing/2014/main" id="{9CAD2F7C-7615-1025-A159-72BD8D14F5B1}"/>
+              </a:ext>
+            </a:extLst>
+          </p:cNvPr>
+          <p:cNvSpPr>
+            <a:spLocks noGrp="1"/>
+          </p:cNvSpPr>
+          <p:nvPr>
+            <p:ph idx="1"/>
+          </p:nvPr>
+        </p:nvSpPr>
+        <p:spPr/>
+        <p:txBody>
+          <a:bodyPr>
+            <a:normAutofit/>
+          </a:bodyPr>
+          <a:lstStyle/>
+          <a:p>
+            <a:pPr marL="0" indent="0">
+              <a:buNone/>
+            </a:pPr>
+            <a:r>
+              <a:rPr lang="de-DE" dirty="0" err="1"/>
+              <a:t>Example</a:t>
+            </a:r>
+            <a:r>
+              <a:rPr lang="de-DE" dirty="0"/>
+              <a:t>:</a:t>
+            </a:r>
+          </a:p>
+          <a:p>
+            <a:pPr marL="0" indent="0">
+              <a:buNone/>
+            </a:pPr>
+            <a:endParaRPr lang="de-DE" dirty="0"/>
+          </a:p>
+          <a:p>
+            <a:pPr marL="0" indent="0">
+              <a:buNone/>
+            </a:pPr>
+            <a:r>
+              <a:rPr lang="de-AT" sz="1600" b="0" dirty="0">
+                <a:solidFill>
+                  <a:srgbClr val="CCCCCC"/>
+                </a:solidFill>
+                <a:effectLst/>
+                <a:latin typeface="Menlo" panose="020B0609030804020204" pitchFamily="49" charset="0"/>
+              </a:rPr>
+              <a:t>#[</a:t>
+            </a:r>
+            <a:r>
+              <a:rPr lang="de-AT" sz="1600" b="0" dirty="0" err="1">
+                <a:solidFill>
+                  <a:srgbClr val="DCDCAA"/>
+                </a:solidFill>
+                <a:effectLst/>
+                <a:latin typeface="Menlo" panose="020B0609030804020204" pitchFamily="49" charset="0"/>
+              </a:rPr>
+              <a:t>get</a:t>
+            </a:r>
+            <a:r>
+              <a:rPr lang="de-AT" sz="1600" b="0" dirty="0">
+                <a:solidFill>
+                  <a:srgbClr val="CCCCCC"/>
+                </a:solidFill>
+                <a:effectLst/>
+                <a:latin typeface="Menlo" panose="020B0609030804020204" pitchFamily="49" charset="0"/>
+              </a:rPr>
+              <a:t>(</a:t>
+            </a:r>
+            <a:r>
+              <a:rPr lang="de-AT" sz="1600" b="0" dirty="0">
+                <a:solidFill>
+                  <a:srgbClr val="CE9178"/>
+                </a:solidFill>
+                <a:effectLst/>
+                <a:latin typeface="Menlo" panose="020B0609030804020204" pitchFamily="49" charset="0"/>
+              </a:rPr>
+              <a:t>"/{</a:t>
+            </a:r>
+            <a:r>
+              <a:rPr lang="de-AT" sz="1600" b="0" dirty="0" err="1">
+                <a:solidFill>
+                  <a:srgbClr val="CE9178"/>
+                </a:solidFill>
+                <a:effectLst/>
+                <a:latin typeface="Menlo" panose="020B0609030804020204" pitchFamily="49" charset="0"/>
+              </a:rPr>
+              <a:t>filename</a:t>
+            </a:r>
+            <a:r>
+              <a:rPr lang="de-AT" sz="1600" b="0" dirty="0">
+                <a:solidFill>
+                  <a:srgbClr val="CE9178"/>
+                </a:solidFill>
+                <a:effectLst/>
+                <a:latin typeface="Menlo" panose="020B0609030804020204" pitchFamily="49" charset="0"/>
+              </a:rPr>
+              <a:t>:.*}"</a:t>
+            </a:r>
+            <a:r>
+              <a:rPr lang="de-AT" sz="1600" b="0" dirty="0">
+                <a:solidFill>
+                  <a:srgbClr val="CCCCCC"/>
+                </a:solidFill>
+                <a:effectLst/>
+                <a:latin typeface="Menlo" panose="020B0609030804020204" pitchFamily="49" charset="0"/>
+              </a:rPr>
+              <a:t>)]</a:t>
+            </a:r>
+          </a:p>
+          <a:p>
+            <a:pPr marL="0" indent="0">
+              <a:buNone/>
+            </a:pPr>
+            <a:r>
+              <a:rPr lang="de-AT" sz="1600" b="0" dirty="0" err="1">
+                <a:solidFill>
+                  <a:srgbClr val="569CD6"/>
+                </a:solidFill>
+                <a:effectLst/>
+                <a:latin typeface="Menlo" panose="020B0609030804020204" pitchFamily="49" charset="0"/>
+              </a:rPr>
+              <a:t>pub</a:t>
+            </a:r>
+            <a:r>
+              <a:rPr lang="de-AT" sz="1600" b="0" dirty="0">
+                <a:solidFill>
+                  <a:srgbClr val="CCCCCC"/>
+                </a:solidFill>
+                <a:effectLst/>
+                <a:latin typeface="Menlo" panose="020B0609030804020204" pitchFamily="49" charset="0"/>
+              </a:rPr>
+              <a:t> </a:t>
+            </a:r>
+            <a:r>
+              <a:rPr lang="de-AT" sz="1600" b="0" dirty="0" err="1">
+                <a:solidFill>
+                  <a:srgbClr val="569CD6"/>
+                </a:solidFill>
+                <a:effectLst/>
+                <a:latin typeface="Menlo" panose="020B0609030804020204" pitchFamily="49" charset="0"/>
+              </a:rPr>
+              <a:t>async</a:t>
+            </a:r>
+            <a:r>
+              <a:rPr lang="de-AT" sz="1600" b="0" dirty="0">
+                <a:solidFill>
+                  <a:srgbClr val="CCCCCC"/>
+                </a:solidFill>
+                <a:effectLst/>
+                <a:latin typeface="Menlo" panose="020B0609030804020204" pitchFamily="49" charset="0"/>
+              </a:rPr>
+              <a:t> </a:t>
+            </a:r>
+            <a:r>
+              <a:rPr lang="de-AT" sz="1600" b="0" dirty="0" err="1">
+                <a:solidFill>
+                  <a:srgbClr val="569CD6"/>
+                </a:solidFill>
+                <a:effectLst/>
+                <a:latin typeface="Menlo" panose="020B0609030804020204" pitchFamily="49" charset="0"/>
+              </a:rPr>
+              <a:t>fn</a:t>
+            </a:r>
+            <a:r>
+              <a:rPr lang="de-AT" sz="1600" b="0" dirty="0">
+                <a:solidFill>
+                  <a:srgbClr val="CCCCCC"/>
+                </a:solidFill>
+                <a:effectLst/>
+                <a:latin typeface="Menlo" panose="020B0609030804020204" pitchFamily="49" charset="0"/>
+              </a:rPr>
+              <a:t> </a:t>
+            </a:r>
+            <a:r>
+              <a:rPr lang="de-AT" sz="1600" b="0" dirty="0" err="1">
+                <a:solidFill>
+                  <a:srgbClr val="DCDCAA"/>
+                </a:solidFill>
+                <a:effectLst/>
+                <a:latin typeface="Menlo" panose="020B0609030804020204" pitchFamily="49" charset="0"/>
+              </a:rPr>
+              <a:t>serve_static_file</a:t>
+            </a:r>
+            <a:r>
+              <a:rPr lang="de-AT" sz="1600" b="0" dirty="0">
+                <a:solidFill>
+                  <a:srgbClr val="CCCCCC"/>
+                </a:solidFill>
+                <a:effectLst/>
+                <a:latin typeface="Menlo" panose="020B0609030804020204" pitchFamily="49" charset="0"/>
+              </a:rPr>
+              <a:t>(</a:t>
+            </a:r>
+            <a:r>
+              <a:rPr lang="de-AT" sz="1600" b="0" dirty="0" err="1">
+                <a:solidFill>
+                  <a:srgbClr val="9CDCFE"/>
+                </a:solidFill>
+                <a:effectLst/>
+                <a:latin typeface="Menlo" panose="020B0609030804020204" pitchFamily="49" charset="0"/>
+              </a:rPr>
+              <a:t>req</a:t>
+            </a:r>
+            <a:r>
+              <a:rPr lang="de-AT" sz="1600" b="0" dirty="0">
+                <a:solidFill>
+                  <a:srgbClr val="D4D4D4"/>
+                </a:solidFill>
+                <a:effectLst/>
+                <a:latin typeface="Menlo" panose="020B0609030804020204" pitchFamily="49" charset="0"/>
+              </a:rPr>
+              <a:t>:</a:t>
+            </a:r>
+            <a:r>
+              <a:rPr lang="de-AT" sz="1600" b="0" dirty="0">
+                <a:solidFill>
+                  <a:srgbClr val="CCCCCC"/>
+                </a:solidFill>
+                <a:effectLst/>
+                <a:latin typeface="Menlo" panose="020B0609030804020204" pitchFamily="49" charset="0"/>
+              </a:rPr>
+              <a:t> </a:t>
+            </a:r>
+            <a:r>
+              <a:rPr lang="de-AT" sz="1600" b="0" dirty="0" err="1">
+                <a:solidFill>
+                  <a:srgbClr val="4EC9B0"/>
+                </a:solidFill>
+                <a:effectLst/>
+                <a:latin typeface="Menlo" panose="020B0609030804020204" pitchFamily="49" charset="0"/>
+              </a:rPr>
+              <a:t>HttpRequest</a:t>
+            </a:r>
+            <a:r>
+              <a:rPr lang="de-AT" sz="1600" b="0" dirty="0">
+                <a:solidFill>
+                  <a:srgbClr val="CCCCCC"/>
+                </a:solidFill>
+                <a:effectLst/>
+                <a:latin typeface="Menlo" panose="020B0609030804020204" pitchFamily="49" charset="0"/>
+              </a:rPr>
+              <a:t>) </a:t>
+            </a:r>
+            <a:r>
+              <a:rPr lang="de-AT" sz="1600" b="0" dirty="0">
+                <a:solidFill>
+                  <a:srgbClr val="D4D4D4"/>
+                </a:solidFill>
+                <a:effectLst/>
+                <a:latin typeface="Menlo" panose="020B0609030804020204" pitchFamily="49" charset="0"/>
+              </a:rPr>
+              <a:t>-&gt;</a:t>
+            </a:r>
+            <a:r>
+              <a:rPr lang="de-AT" sz="1600" b="0" dirty="0">
+                <a:solidFill>
+                  <a:srgbClr val="CCCCCC"/>
+                </a:solidFill>
+                <a:effectLst/>
+                <a:latin typeface="Menlo" panose="020B0609030804020204" pitchFamily="49" charset="0"/>
+              </a:rPr>
+              <a:t> </a:t>
+            </a:r>
+            <a:r>
+              <a:rPr lang="de-AT" sz="1600" b="0" dirty="0" err="1">
+                <a:solidFill>
+                  <a:srgbClr val="4EC9B0"/>
+                </a:solidFill>
+                <a:effectLst/>
+                <a:latin typeface="Menlo" panose="020B0609030804020204" pitchFamily="49" charset="0"/>
+              </a:rPr>
+              <a:t>Result</a:t>
+            </a:r>
+            <a:r>
+              <a:rPr lang="de-AT" sz="1600" b="0" dirty="0">
+                <a:solidFill>
+                  <a:srgbClr val="CCCCCC"/>
+                </a:solidFill>
+                <a:effectLst/>
+                <a:latin typeface="Menlo" panose="020B0609030804020204" pitchFamily="49" charset="0"/>
+              </a:rPr>
+              <a:t>&lt;</a:t>
+            </a:r>
+            <a:r>
+              <a:rPr lang="de-AT" sz="1600" b="0" dirty="0" err="1">
+                <a:solidFill>
+                  <a:srgbClr val="4EC9B0"/>
+                </a:solidFill>
+                <a:effectLst/>
+                <a:latin typeface="Menlo" panose="020B0609030804020204" pitchFamily="49" charset="0"/>
+              </a:rPr>
+              <a:t>NamedFile</a:t>
+            </a:r>
+            <a:r>
+              <a:rPr lang="de-AT" sz="1600" b="0" dirty="0">
+                <a:solidFill>
+                  <a:srgbClr val="CCCCCC"/>
+                </a:solidFill>
+                <a:effectLst/>
+                <a:latin typeface="Menlo" panose="020B0609030804020204" pitchFamily="49" charset="0"/>
+              </a:rPr>
+              <a:t>&gt; {</a:t>
+            </a:r>
+          </a:p>
+          <a:p>
+            <a:pPr marL="0" indent="0">
+              <a:buNone/>
+            </a:pPr>
+            <a:r>
+              <a:rPr lang="de-AT" sz="1600" b="0" dirty="0">
+                <a:solidFill>
+                  <a:srgbClr val="569CD6"/>
+                </a:solidFill>
+                <a:effectLst/>
+                <a:latin typeface="Menlo" panose="020B0609030804020204" pitchFamily="49" charset="0"/>
+              </a:rPr>
+              <a:t>	</a:t>
+            </a:r>
+            <a:r>
+              <a:rPr lang="de-AT" sz="1600" b="0" dirty="0" err="1">
+                <a:solidFill>
+                  <a:srgbClr val="569CD6"/>
+                </a:solidFill>
+                <a:effectLst/>
+                <a:latin typeface="Menlo" panose="020B0609030804020204" pitchFamily="49" charset="0"/>
+              </a:rPr>
+              <a:t>let</a:t>
+            </a:r>
+            <a:r>
+              <a:rPr lang="de-AT" sz="1600" b="0" dirty="0">
+                <a:solidFill>
+                  <a:srgbClr val="CCCCCC"/>
+                </a:solidFill>
+                <a:effectLst/>
+                <a:latin typeface="Menlo" panose="020B0609030804020204" pitchFamily="49" charset="0"/>
+              </a:rPr>
+              <a:t> </a:t>
+            </a:r>
+            <a:r>
+              <a:rPr lang="de-AT" sz="1600" b="0" dirty="0" err="1">
+                <a:solidFill>
+                  <a:srgbClr val="9CDCFE"/>
+                </a:solidFill>
+                <a:effectLst/>
+                <a:latin typeface="Menlo" panose="020B0609030804020204" pitchFamily="49" charset="0"/>
+              </a:rPr>
+              <a:t>static_path</a:t>
+            </a:r>
+            <a:r>
+              <a:rPr lang="de-AT" sz="1600" b="0" dirty="0">
+                <a:solidFill>
+                  <a:srgbClr val="CCCCCC"/>
+                </a:solidFill>
+                <a:effectLst/>
+                <a:latin typeface="Menlo" panose="020B0609030804020204" pitchFamily="49" charset="0"/>
+              </a:rPr>
+              <a:t> </a:t>
+            </a:r>
+            <a:r>
+              <a:rPr lang="de-AT" sz="1600" b="0" dirty="0">
+                <a:solidFill>
+                  <a:srgbClr val="D4D4D4"/>
+                </a:solidFill>
+                <a:effectLst/>
+                <a:latin typeface="Menlo" panose="020B0609030804020204" pitchFamily="49" charset="0"/>
+              </a:rPr>
+              <a:t>=</a:t>
+            </a:r>
+            <a:r>
+              <a:rPr lang="de-AT" sz="1600" b="0" dirty="0">
+                <a:solidFill>
+                  <a:srgbClr val="CCCCCC"/>
+                </a:solidFill>
+                <a:effectLst/>
+                <a:latin typeface="Menlo" panose="020B0609030804020204" pitchFamily="49" charset="0"/>
+              </a:rPr>
+              <a:t> </a:t>
+            </a:r>
+            <a:r>
+              <a:rPr lang="de-AT" sz="1600" b="0" dirty="0" err="1">
+                <a:solidFill>
+                  <a:srgbClr val="569CD6"/>
+                </a:solidFill>
+                <a:effectLst/>
+                <a:latin typeface="Menlo" panose="020B0609030804020204" pitchFamily="49" charset="0"/>
+              </a:rPr>
+              <a:t>format</a:t>
+            </a:r>
+            <a:r>
+              <a:rPr lang="de-AT" sz="1600" b="0" dirty="0">
+                <a:solidFill>
+                  <a:srgbClr val="569CD6"/>
+                </a:solidFill>
+                <a:effectLst/>
+                <a:latin typeface="Menlo" panose="020B0609030804020204" pitchFamily="49" charset="0"/>
+              </a:rPr>
+              <a:t>!</a:t>
+            </a:r>
+            <a:r>
+              <a:rPr lang="de-AT" sz="1600" b="0" dirty="0">
+                <a:solidFill>
+                  <a:srgbClr val="CCCCCC"/>
+                </a:solidFill>
+                <a:effectLst/>
+                <a:latin typeface="Menlo" panose="020B0609030804020204" pitchFamily="49" charset="0"/>
+              </a:rPr>
+              <a:t>(</a:t>
+            </a:r>
+            <a:r>
+              <a:rPr lang="de-AT" sz="1600" b="0" dirty="0">
+                <a:solidFill>
+                  <a:srgbClr val="CE9178"/>
+                </a:solidFill>
+                <a:effectLst/>
+                <a:latin typeface="Menlo" panose="020B0609030804020204" pitchFamily="49" charset="0"/>
+              </a:rPr>
+              <a:t>"./</a:t>
+            </a:r>
+            <a:r>
+              <a:rPr lang="de-AT" sz="1600" b="0" dirty="0" err="1">
+                <a:solidFill>
+                  <a:srgbClr val="CE9178"/>
+                </a:solidFill>
+                <a:effectLst/>
+                <a:latin typeface="Menlo" panose="020B0609030804020204" pitchFamily="49" charset="0"/>
+              </a:rPr>
+              <a:t>static</a:t>
+            </a:r>
+            <a:r>
+              <a:rPr lang="de-AT" sz="1600" b="0" dirty="0">
+                <a:solidFill>
+                  <a:srgbClr val="CE9178"/>
+                </a:solidFill>
+                <a:effectLst/>
+                <a:latin typeface="Menlo" panose="020B0609030804020204" pitchFamily="49" charset="0"/>
+              </a:rPr>
+              <a:t>/</a:t>
+            </a:r>
+            <a:r>
+              <a:rPr lang="de-AT" sz="1600" b="0" dirty="0">
+                <a:solidFill>
+                  <a:srgbClr val="569CD6"/>
+                </a:solidFill>
+                <a:effectLst/>
+                <a:latin typeface="Menlo" panose="020B0609030804020204" pitchFamily="49" charset="0"/>
+              </a:rPr>
+              <a:t>{}</a:t>
+            </a:r>
+            <a:r>
+              <a:rPr lang="de-AT" sz="1600" b="0" dirty="0">
+                <a:solidFill>
+                  <a:srgbClr val="CE9178"/>
+                </a:solidFill>
+                <a:effectLst/>
+                <a:latin typeface="Menlo" panose="020B0609030804020204" pitchFamily="49" charset="0"/>
+              </a:rPr>
+              <a:t>"</a:t>
+            </a:r>
+            <a:r>
+              <a:rPr lang="de-AT" sz="1600" b="0" dirty="0">
+                <a:solidFill>
+                  <a:srgbClr val="CCCCCC"/>
+                </a:solidFill>
+                <a:effectLst/>
+                <a:latin typeface="Menlo" panose="020B0609030804020204" pitchFamily="49" charset="0"/>
+              </a:rPr>
+              <a:t>, </a:t>
+            </a:r>
+            <a:r>
+              <a:rPr lang="de-AT" sz="1600" b="0" dirty="0" err="1">
+                <a:solidFill>
+                  <a:srgbClr val="9CDCFE"/>
+                </a:solidFill>
+                <a:effectLst/>
+                <a:latin typeface="Menlo" panose="020B0609030804020204" pitchFamily="49" charset="0"/>
+              </a:rPr>
+              <a:t>req</a:t>
+            </a:r>
+            <a:r>
+              <a:rPr lang="de-AT" sz="1600" b="0" dirty="0" err="1">
+                <a:solidFill>
+                  <a:srgbClr val="D4D4D4"/>
+                </a:solidFill>
+                <a:effectLst/>
+                <a:latin typeface="Menlo" panose="020B0609030804020204" pitchFamily="49" charset="0"/>
+              </a:rPr>
+              <a:t>.</a:t>
+            </a:r>
+            <a:r>
+              <a:rPr lang="de-AT" sz="1600" b="0" dirty="0" err="1">
+                <a:solidFill>
+                  <a:srgbClr val="DCDCAA"/>
+                </a:solidFill>
+                <a:effectLst/>
+                <a:latin typeface="Menlo" panose="020B0609030804020204" pitchFamily="49" charset="0"/>
+              </a:rPr>
+              <a:t>match_info</a:t>
+            </a:r>
+            <a:r>
+              <a:rPr lang="de-AT" sz="1600" b="0" dirty="0">
+                <a:solidFill>
+                  <a:srgbClr val="CCCCCC"/>
+                </a:solidFill>
+                <a:effectLst/>
+                <a:latin typeface="Menlo" panose="020B0609030804020204" pitchFamily="49" charset="0"/>
+              </a:rPr>
+              <a:t>()</a:t>
+            </a:r>
+            <a:r>
+              <a:rPr lang="de-AT" sz="1600" b="0" dirty="0">
+                <a:solidFill>
+                  <a:srgbClr val="D4D4D4"/>
+                </a:solidFill>
+                <a:effectLst/>
+                <a:latin typeface="Menlo" panose="020B0609030804020204" pitchFamily="49" charset="0"/>
+              </a:rPr>
+              <a:t>.</a:t>
+            </a:r>
+            <a:r>
+              <a:rPr lang="de-AT" sz="1600" b="0" dirty="0" err="1">
+                <a:solidFill>
+                  <a:srgbClr val="DCDCAA"/>
+                </a:solidFill>
+                <a:effectLst/>
+                <a:latin typeface="Menlo" panose="020B0609030804020204" pitchFamily="49" charset="0"/>
+              </a:rPr>
+              <a:t>query</a:t>
+            </a:r>
+            <a:r>
+              <a:rPr lang="de-AT" sz="1600" b="0" dirty="0">
+                <a:solidFill>
+                  <a:srgbClr val="CCCCCC"/>
+                </a:solidFill>
+                <a:effectLst/>
+                <a:latin typeface="Menlo" panose="020B0609030804020204" pitchFamily="49" charset="0"/>
+              </a:rPr>
+              <a:t>(</a:t>
+            </a:r>
+            <a:r>
+              <a:rPr lang="de-AT" sz="1600" b="0" dirty="0">
+                <a:solidFill>
+                  <a:srgbClr val="CE9178"/>
+                </a:solidFill>
+                <a:effectLst/>
+                <a:latin typeface="Menlo" panose="020B0609030804020204" pitchFamily="49" charset="0"/>
+              </a:rPr>
+              <a:t>"</a:t>
+            </a:r>
+            <a:r>
+              <a:rPr lang="de-AT" sz="1600" b="0" dirty="0" err="1">
+                <a:solidFill>
+                  <a:srgbClr val="CE9178"/>
+                </a:solidFill>
+                <a:effectLst/>
+                <a:latin typeface="Menlo" panose="020B0609030804020204" pitchFamily="49" charset="0"/>
+              </a:rPr>
+              <a:t>filename</a:t>
+            </a:r>
+            <a:r>
+              <a:rPr lang="de-AT" sz="1600" b="0" dirty="0">
+                <a:solidFill>
+                  <a:srgbClr val="CE9178"/>
+                </a:solidFill>
+                <a:effectLst/>
+                <a:latin typeface="Menlo" panose="020B0609030804020204" pitchFamily="49" charset="0"/>
+              </a:rPr>
+              <a:t>"</a:t>
+            </a:r>
+            <a:r>
+              <a:rPr lang="de-AT" sz="1600" b="0" dirty="0">
+                <a:solidFill>
+                  <a:srgbClr val="CCCCCC"/>
+                </a:solidFill>
+                <a:effectLst/>
+                <a:latin typeface="Menlo" panose="020B0609030804020204" pitchFamily="49" charset="0"/>
+              </a:rPr>
+              <a:t>));</a:t>
+            </a:r>
+          </a:p>
+          <a:p>
+            <a:pPr marL="0" indent="0">
+              <a:buNone/>
+            </a:pPr>
+            <a:r>
+              <a:rPr lang="de-AT" sz="1600" b="0" dirty="0">
+                <a:solidFill>
+                  <a:srgbClr val="569CD6"/>
+                </a:solidFill>
+                <a:effectLst/>
+                <a:latin typeface="Menlo" panose="020B0609030804020204" pitchFamily="49" charset="0"/>
+              </a:rPr>
+              <a:t>	</a:t>
+            </a:r>
+            <a:r>
+              <a:rPr lang="de-AT" sz="1600" b="0" dirty="0" err="1">
+                <a:solidFill>
+                  <a:srgbClr val="569CD6"/>
+                </a:solidFill>
+                <a:effectLst/>
+                <a:latin typeface="Menlo" panose="020B0609030804020204" pitchFamily="49" charset="0"/>
+              </a:rPr>
+              <a:t>let</a:t>
+            </a:r>
+            <a:r>
+              <a:rPr lang="de-AT" sz="1600" b="0" dirty="0">
+                <a:solidFill>
+                  <a:srgbClr val="CCCCCC"/>
+                </a:solidFill>
+                <a:effectLst/>
+                <a:latin typeface="Menlo" panose="020B0609030804020204" pitchFamily="49" charset="0"/>
+              </a:rPr>
+              <a:t> </a:t>
+            </a:r>
+            <a:r>
+              <a:rPr lang="de-AT" sz="1600" b="0" dirty="0" err="1">
+                <a:solidFill>
+                  <a:srgbClr val="9CDCFE"/>
+                </a:solidFill>
+                <a:effectLst/>
+                <a:latin typeface="Menlo" panose="020B0609030804020204" pitchFamily="49" charset="0"/>
+              </a:rPr>
+              <a:t>file</a:t>
+            </a:r>
+            <a:r>
+              <a:rPr lang="de-AT" sz="1600" b="0" dirty="0">
+                <a:solidFill>
+                  <a:srgbClr val="D4D4D4"/>
+                </a:solidFill>
+                <a:effectLst/>
+                <a:latin typeface="Menlo" panose="020B0609030804020204" pitchFamily="49" charset="0"/>
+              </a:rPr>
+              <a:t>:</a:t>
+            </a:r>
+            <a:r>
+              <a:rPr lang="de-AT" sz="1600" b="0" dirty="0">
+                <a:solidFill>
+                  <a:srgbClr val="CCCCCC"/>
+                </a:solidFill>
+                <a:effectLst/>
+                <a:latin typeface="Menlo" panose="020B0609030804020204" pitchFamily="49" charset="0"/>
+              </a:rPr>
+              <a:t> </a:t>
+            </a:r>
+            <a:r>
+              <a:rPr lang="de-AT" sz="1600" b="0" dirty="0" err="1">
+                <a:solidFill>
+                  <a:srgbClr val="4EC9B0"/>
+                </a:solidFill>
+                <a:effectLst/>
+                <a:latin typeface="Menlo" panose="020B0609030804020204" pitchFamily="49" charset="0"/>
+              </a:rPr>
+              <a:t>PathBuf</a:t>
+            </a:r>
+            <a:r>
+              <a:rPr lang="de-AT" sz="1600" b="0" dirty="0">
+                <a:solidFill>
+                  <a:srgbClr val="CCCCCC"/>
+                </a:solidFill>
+                <a:effectLst/>
+                <a:latin typeface="Menlo" panose="020B0609030804020204" pitchFamily="49" charset="0"/>
+              </a:rPr>
+              <a:t> = </a:t>
+            </a:r>
+            <a:r>
+              <a:rPr lang="de-AT" sz="1600" b="0" dirty="0" err="1">
+                <a:solidFill>
+                  <a:srgbClr val="9CDCFE"/>
+                </a:solidFill>
+                <a:effectLst/>
+                <a:latin typeface="Menlo" panose="020B0609030804020204" pitchFamily="49" charset="0"/>
+              </a:rPr>
+              <a:t>static_path</a:t>
+            </a:r>
+            <a:r>
+              <a:rPr lang="de-AT" sz="1600" b="0" dirty="0" err="1">
+                <a:solidFill>
+                  <a:srgbClr val="D4D4D4"/>
+                </a:solidFill>
+                <a:effectLst/>
+                <a:latin typeface="Menlo" panose="020B0609030804020204" pitchFamily="49" charset="0"/>
+              </a:rPr>
+              <a:t>.</a:t>
+            </a:r>
+            <a:r>
+              <a:rPr lang="de-AT" sz="1600" b="0" dirty="0" err="1">
+                <a:solidFill>
+                  <a:srgbClr val="DCDCAA"/>
+                </a:solidFill>
+                <a:effectLst/>
+                <a:latin typeface="Menlo" panose="020B0609030804020204" pitchFamily="49" charset="0"/>
+              </a:rPr>
+              <a:t>parse</a:t>
+            </a:r>
+            <a:r>
+              <a:rPr lang="de-AT" sz="1600" b="0" dirty="0">
+                <a:solidFill>
+                  <a:srgbClr val="CCCCCC"/>
+                </a:solidFill>
+                <a:effectLst/>
+                <a:latin typeface="Menlo" panose="020B0609030804020204" pitchFamily="49" charset="0"/>
+              </a:rPr>
+              <a:t>()</a:t>
+            </a:r>
+            <a:r>
+              <a:rPr lang="de-AT" sz="1600" b="0" dirty="0">
+                <a:solidFill>
+                  <a:srgbClr val="D4D4D4"/>
+                </a:solidFill>
+                <a:effectLst/>
+                <a:latin typeface="Menlo" panose="020B0609030804020204" pitchFamily="49" charset="0"/>
+              </a:rPr>
+              <a:t>.</a:t>
+            </a:r>
+            <a:r>
+              <a:rPr lang="de-AT" sz="1600" b="0" dirty="0" err="1">
+                <a:solidFill>
+                  <a:srgbClr val="DCDCAA"/>
+                </a:solidFill>
+                <a:effectLst/>
+                <a:latin typeface="Menlo" panose="020B0609030804020204" pitchFamily="49" charset="0"/>
+              </a:rPr>
+              <a:t>unwrap</a:t>
+            </a:r>
+            <a:r>
+              <a:rPr lang="de-AT" sz="1600" b="0" dirty="0">
+                <a:solidFill>
+                  <a:srgbClr val="CCCCCC"/>
+                </a:solidFill>
+                <a:effectLst/>
+                <a:latin typeface="Menlo" panose="020B0609030804020204" pitchFamily="49" charset="0"/>
+              </a:rPr>
+              <a:t>();</a:t>
+            </a:r>
+          </a:p>
+          <a:p>
+            <a:pPr marL="0" indent="0">
+              <a:buNone/>
+            </a:pPr>
+            <a:r>
+              <a:rPr lang="de-AT" sz="1600" b="0" dirty="0">
+                <a:solidFill>
+                  <a:srgbClr val="4FC1FF"/>
+                </a:solidFill>
+                <a:effectLst/>
+                <a:latin typeface="Menlo" panose="020B0609030804020204" pitchFamily="49" charset="0"/>
+              </a:rPr>
+              <a:t>	Ok</a:t>
+            </a:r>
+            <a:r>
+              <a:rPr lang="de-AT" sz="1600" b="0" dirty="0">
+                <a:solidFill>
+                  <a:srgbClr val="CCCCCC"/>
+                </a:solidFill>
+                <a:effectLst/>
+                <a:latin typeface="Menlo" panose="020B0609030804020204" pitchFamily="49" charset="0"/>
+              </a:rPr>
+              <a:t>(</a:t>
+            </a:r>
+            <a:r>
+              <a:rPr lang="de-AT" sz="1600" b="0" dirty="0" err="1">
+                <a:solidFill>
+                  <a:srgbClr val="4EC9B0"/>
+                </a:solidFill>
+                <a:effectLst/>
+                <a:latin typeface="Menlo" panose="020B0609030804020204" pitchFamily="49" charset="0"/>
+              </a:rPr>
+              <a:t>NamedFile</a:t>
+            </a:r>
+            <a:r>
+              <a:rPr lang="de-AT" sz="1600" b="0" dirty="0">
+                <a:solidFill>
+                  <a:srgbClr val="D4D4D4"/>
+                </a:solidFill>
+                <a:effectLst/>
+                <a:latin typeface="Menlo" panose="020B0609030804020204" pitchFamily="49" charset="0"/>
+              </a:rPr>
+              <a:t>::</a:t>
+            </a:r>
+            <a:r>
+              <a:rPr lang="de-AT" sz="1600" b="0" dirty="0">
+                <a:solidFill>
+                  <a:srgbClr val="DCDCAA"/>
+                </a:solidFill>
+                <a:effectLst/>
+                <a:latin typeface="Menlo" panose="020B0609030804020204" pitchFamily="49" charset="0"/>
+              </a:rPr>
+              <a:t>open</a:t>
+            </a:r>
+            <a:r>
+              <a:rPr lang="de-AT" sz="1600" b="0" dirty="0">
+                <a:solidFill>
+                  <a:srgbClr val="CCCCCC"/>
+                </a:solidFill>
+                <a:effectLst/>
+                <a:latin typeface="Menlo" panose="020B0609030804020204" pitchFamily="49" charset="0"/>
+              </a:rPr>
+              <a:t>(</a:t>
+            </a:r>
+            <a:r>
+              <a:rPr lang="de-AT" sz="1600" b="0" dirty="0" err="1">
+                <a:solidFill>
+                  <a:srgbClr val="9CDCFE"/>
+                </a:solidFill>
+                <a:effectLst/>
+                <a:latin typeface="Menlo" panose="020B0609030804020204" pitchFamily="49" charset="0"/>
+              </a:rPr>
+              <a:t>file</a:t>
+            </a:r>
+            <a:r>
+              <a:rPr lang="de-AT" sz="1600" b="0" dirty="0">
+                <a:solidFill>
+                  <a:srgbClr val="CCCCCC"/>
+                </a:solidFill>
+                <a:effectLst/>
+                <a:latin typeface="Menlo" panose="020B0609030804020204" pitchFamily="49" charset="0"/>
+              </a:rPr>
+              <a:t>)</a:t>
+            </a:r>
+            <a:r>
+              <a:rPr lang="de-AT" sz="1600" b="0" dirty="0">
+                <a:solidFill>
+                  <a:srgbClr val="D4D4D4"/>
+                </a:solidFill>
+                <a:effectLst/>
+                <a:latin typeface="Menlo" panose="020B0609030804020204" pitchFamily="49" charset="0"/>
+              </a:rPr>
+              <a:t>?</a:t>
+            </a:r>
+            <a:r>
+              <a:rPr lang="de-AT" sz="1600" b="0" dirty="0">
+                <a:solidFill>
+                  <a:srgbClr val="CCCCCC"/>
+                </a:solidFill>
+                <a:effectLst/>
+                <a:latin typeface="Menlo" panose="020B0609030804020204" pitchFamily="49" charset="0"/>
+              </a:rPr>
+              <a:t>)</a:t>
+            </a:r>
+          </a:p>
+          <a:p>
+            <a:pPr marL="0" indent="0">
+              <a:buNone/>
+            </a:pPr>
+            <a:r>
+              <a:rPr lang="de-AT" sz="1600" b="0" dirty="0">
+                <a:solidFill>
+                  <a:srgbClr val="CCCCCC"/>
+                </a:solidFill>
+                <a:effectLst/>
+                <a:latin typeface="Menlo" panose="020B0609030804020204" pitchFamily="49" charset="0"/>
+              </a:rPr>
+              <a:t>}</a:t>
+            </a:r>
+          </a:p>
+          <a:p>
+            <a:pPr marL="0" indent="0">
+              <a:buNone/>
+            </a:pPr>
+            <a:endParaRPr lang="de-DE" dirty="0"/>
+          </a:p>
+        </p:txBody>
+      </p:sp>
+    </p:spTree>
+    <p:extLst>
+      <p:ext uri="{BB962C8B-B14F-4D97-AF65-F5344CB8AC3E}">
+        <p14:creationId xmlns:p14="http://schemas.microsoft.com/office/powerpoint/2010/main" val="3117469721"/>
+      </p:ext>
+    </p:extLst>
+  </p:cSld>
+  <p:clrMapOvr>
+    <a:masterClrMapping/>
+  </p:clrMapOvr>
+</p:sld>
+</file>
+
+<file path=ppt/slides/slide14.xml><?xml version="1.0" encoding="utf-8"?>
+<p:sld xmlns:a="http://schemas.openxmlformats.org/drawingml/2006/main" xmlns:r="http://schemas.openxmlformats.org/officeDocument/2006/relationships" xmlns:p="http://schemas.openxmlformats.org/presentationml/2006/main">
+  <p:cSld>
+    <p:spTree>
+      <p:nvGrpSpPr>
+        <p:cNvPr id="1" name=""/>
+        <p:cNvGrpSpPr/>
+        <p:nvPr/>
+      </p:nvGrpSpPr>
+      <p:grpSpPr>
+        <a:xfrm>
+          <a:off x="0" y="0"/>
+          <a:ext cx="0" cy="0"/>
+          <a:chOff x="0" y="0"/>
+          <a:chExt cx="0" cy="0"/>
+        </a:xfrm>
+      </p:grpSpPr>
+      <p:sp>
+        <p:nvSpPr>
+          <p:cNvPr id="2" name="Titel 1">
+            <a:extLst>
+              <a:ext uri="{FF2B5EF4-FFF2-40B4-BE49-F238E27FC236}">
+                <a16:creationId xmlns:a16="http://schemas.microsoft.com/office/drawing/2014/main" id="{52923CB2-3A15-F0D7-133F-B9DC5C934EFF}"/>
+              </a:ext>
+            </a:extLst>
+          </p:cNvPr>
+          <p:cNvSpPr>
+            <a:spLocks noGrp="1"/>
+          </p:cNvSpPr>
+          <p:nvPr>
+            <p:ph type="title"/>
+          </p:nvPr>
+        </p:nvSpPr>
+        <p:spPr/>
+        <p:txBody>
+          <a:bodyPr/>
+          <a:lstStyle/>
+          <a:p>
+            <a:r>
+              <a:rPr lang="de-DE" dirty="0"/>
+              <a:t>Other Frameworks / Libraries</a:t>
+            </a:r>
+          </a:p>
+        </p:txBody>
+      </p:sp>
+      <p:sp>
+        <p:nvSpPr>
+          <p:cNvPr id="3" name="Inhaltsplatzhalter 2">
+            <a:extLst>
+              <a:ext uri="{FF2B5EF4-FFF2-40B4-BE49-F238E27FC236}">
+                <a16:creationId xmlns:a16="http://schemas.microsoft.com/office/drawing/2014/main" id="{61E8B97F-54A9-E12D-9A19-3178AB7A887C}"/>
+              </a:ext>
+            </a:extLst>
+          </p:cNvPr>
+          <p:cNvSpPr>
+            <a:spLocks noGrp="1"/>
+          </p:cNvSpPr>
+          <p:nvPr>
+            <p:ph idx="1"/>
+          </p:nvPr>
+        </p:nvSpPr>
+        <p:spPr/>
+        <p:txBody>
+          <a:bodyPr/>
+          <a:lstStyle/>
+          <a:p>
+            <a:r>
+              <a:rPr lang="de-DE" dirty="0"/>
+              <a:t>Warp</a:t>
+            </a:r>
+          </a:p>
+          <a:p>
+            <a:r>
+              <a:rPr lang="de-DE" dirty="0"/>
+              <a:t>Rocket</a:t>
+            </a:r>
+          </a:p>
+          <a:p>
+            <a:r>
+              <a:rPr lang="de-DE" dirty="0" err="1"/>
+              <a:t>Thruster</a:t>
+            </a:r>
+            <a:endParaRPr lang="de-DE" dirty="0"/>
+          </a:p>
+          <a:p>
+            <a:r>
+              <a:rPr lang="de-DE" dirty="0" err="1"/>
+              <a:t>Hyper</a:t>
+            </a:r>
+            <a:r>
+              <a:rPr lang="de-DE" dirty="0"/>
+              <a:t> (</a:t>
+            </a:r>
+            <a:r>
+              <a:rPr lang="de-DE" dirty="0" err="1"/>
+              <a:t>more</a:t>
+            </a:r>
+            <a:r>
+              <a:rPr lang="de-DE" dirty="0"/>
+              <a:t> </a:t>
+            </a:r>
+            <a:r>
+              <a:rPr lang="de-DE" dirty="0" err="1"/>
+              <a:t>low</a:t>
+            </a:r>
+            <a:r>
+              <a:rPr lang="de-DE" dirty="0"/>
+              <a:t> </a:t>
+            </a:r>
+            <a:r>
+              <a:rPr lang="de-DE" dirty="0" err="1"/>
+              <a:t>level</a:t>
+            </a:r>
+            <a:r>
+              <a:rPr lang="de-DE" dirty="0"/>
+              <a:t>)</a:t>
+            </a:r>
+          </a:p>
+        </p:txBody>
+      </p:sp>
+    </p:spTree>
+    <p:extLst>
+      <p:ext uri="{BB962C8B-B14F-4D97-AF65-F5344CB8AC3E}">
+        <p14:creationId xmlns:p14="http://schemas.microsoft.com/office/powerpoint/2010/main" val="4147237148"/>
+      </p:ext>
+    </p:extLst>
+  </p:cSld>
+  <p:clrMapOvr>
+    <a:masterClrMapping/>
+  </p:clrMapOvr>
+</p:sld>
+</file>
+
+<file path=ppt/slides/slide2.xml><?xml version="1.0" encoding="utf-8"?>
+<p:sld xmlns:a="http://schemas.openxmlformats.org/drawingml/2006/main" xmlns:r="http://schemas.openxmlformats.org/officeDocument/2006/relationships" xmlns:p="http://schemas.openxmlformats.org/presentationml/2006/main">
+  <p:cSld>
+    <p:spTree>
+      <p:nvGrpSpPr>
+        <p:cNvPr id="1" name=""/>
+        <p:cNvGrpSpPr/>
+        <p:nvPr/>
+      </p:nvGrpSpPr>
+      <p:grpSpPr>
+        <a:xfrm>
+          <a:off x="0" y="0"/>
+          <a:ext cx="0" cy="0"/>
+          <a:chOff x="0" y="0"/>
+          <a:chExt cx="0" cy="0"/>
+        </a:xfrm>
+      </p:grpSpPr>
+      <p:sp>
+        <p:nvSpPr>
+          <p:cNvPr id="2" name="Titel 1">
+            <a:extLst>
+              <a:ext uri="{FF2B5EF4-FFF2-40B4-BE49-F238E27FC236}">
+                <a16:creationId xmlns:a16="http://schemas.microsoft.com/office/drawing/2014/main" id="{78EE578B-479B-F841-3656-F3D607163B37}"/>
+              </a:ext>
+            </a:extLst>
+          </p:cNvPr>
+          <p:cNvSpPr>
+            <a:spLocks noGrp="1"/>
+          </p:cNvSpPr>
+          <p:nvPr>
+            <p:ph type="title"/>
+          </p:nvPr>
+        </p:nvSpPr>
+        <p:spPr/>
+        <p:txBody>
+          <a:bodyPr/>
+          <a:lstStyle/>
+          <a:p>
+            <a:endParaRPr lang="de-DE" dirty="0"/>
+          </a:p>
+        </p:txBody>
+      </p:sp>
+      <p:sp>
+        <p:nvSpPr>
+          <p:cNvPr id="3" name="Inhaltsplatzhalter 2">
+            <a:extLst>
+              <a:ext uri="{FF2B5EF4-FFF2-40B4-BE49-F238E27FC236}">
+                <a16:creationId xmlns:a16="http://schemas.microsoft.com/office/drawing/2014/main" id="{46F8B20B-3078-545E-82E7-17645F1F9B02}"/>
+              </a:ext>
+            </a:extLst>
+          </p:cNvPr>
+          <p:cNvSpPr>
+            <a:spLocks noGrp="1"/>
+          </p:cNvSpPr>
+          <p:nvPr>
+            <p:ph idx="1"/>
+          </p:nvPr>
+        </p:nvSpPr>
+        <p:spPr/>
+        <p:txBody>
+          <a:bodyPr/>
+          <a:lstStyle/>
+          <a:p>
+            <a:pPr marL="0" indent="0">
+              <a:buNone/>
+            </a:pPr>
+            <a:r>
+              <a:rPr lang="de-AT" sz="3600" b="0" dirty="0" err="1">
+                <a:solidFill>
+                  <a:srgbClr val="4EC9B0"/>
+                </a:solidFill>
+                <a:effectLst/>
+                <a:latin typeface="Menlo" panose="020B0609030804020204" pitchFamily="49" charset="0"/>
+              </a:rPr>
+              <a:t>HttpServer</a:t>
+            </a:r>
+            <a:r>
+              <a:rPr lang="de-AT" sz="3600" b="0" dirty="0">
+                <a:solidFill>
+                  <a:srgbClr val="4EC9B0"/>
+                </a:solidFill>
+                <a:effectLst/>
+                <a:latin typeface="Menlo" panose="020B0609030804020204" pitchFamily="49" charset="0"/>
+              </a:rPr>
+              <a:t> </a:t>
+            </a:r>
+            <a:br>
+              <a:rPr lang="de-AT" b="0" dirty="0">
+                <a:solidFill>
+                  <a:srgbClr val="CCCCCC"/>
+                </a:solidFill>
+                <a:effectLst/>
+                <a:latin typeface="Menlo" panose="020B0609030804020204" pitchFamily="49" charset="0"/>
+              </a:rPr>
+            </a:br>
+            <a:r>
+              <a:rPr lang="de-AT" b="0" dirty="0">
+                <a:solidFill>
+                  <a:srgbClr val="CCCCCC"/>
+                </a:solidFill>
+                <a:effectLst/>
+                <a:latin typeface="Menlo" panose="020B0609030804020204" pitchFamily="49" charset="0"/>
+              </a:rPr>
+              <a:t>	</a:t>
+            </a:r>
+            <a:r>
+              <a:rPr lang="de-AT" sz="3200" b="0" dirty="0">
+                <a:solidFill>
+                  <a:srgbClr val="4EC9B0"/>
+                </a:solidFill>
+                <a:effectLst/>
+                <a:latin typeface="Menlo" panose="020B0609030804020204" pitchFamily="49" charset="0"/>
+              </a:rPr>
+              <a:t>App</a:t>
+            </a:r>
+            <a:endParaRPr lang="de-AT" sz="3200" b="0" dirty="0">
+              <a:solidFill>
+                <a:srgbClr val="CCCCCC"/>
+              </a:solidFill>
+              <a:effectLst/>
+              <a:latin typeface="Menlo" panose="020B0609030804020204" pitchFamily="49" charset="0"/>
+            </a:endParaRPr>
+          </a:p>
+          <a:p>
+            <a:pPr marL="1371600" lvl="3" indent="0">
+              <a:buNone/>
+            </a:pPr>
+            <a:endParaRPr lang="de-AT" sz="2400" b="0" dirty="0">
+              <a:solidFill>
+                <a:srgbClr val="CCCCCC"/>
+              </a:solidFill>
+              <a:effectLst/>
+              <a:latin typeface="Menlo" panose="020B0609030804020204" pitchFamily="49" charset="0"/>
+            </a:endParaRPr>
+          </a:p>
+          <a:p>
+            <a:pPr marL="1371600" lvl="3" indent="0">
+              <a:buNone/>
+            </a:pPr>
+            <a:r>
+              <a:rPr lang="de-AT" sz="2400" b="0" dirty="0">
+                <a:solidFill>
+                  <a:srgbClr val="CCCCCC"/>
+                </a:solidFill>
+                <a:effectLst/>
+                <a:latin typeface="Menlo" panose="020B0609030804020204" pitchFamily="49" charset="0"/>
+              </a:rPr>
+              <a:t>URI</a:t>
+            </a:r>
+            <a:r>
+              <a:rPr lang="de-AT" sz="2400" b="0" dirty="0">
+                <a:solidFill>
+                  <a:srgbClr val="D4D4D4"/>
+                </a:solidFill>
+                <a:effectLst/>
+                <a:latin typeface="Menlo" panose="020B0609030804020204" pitchFamily="49" charset="0"/>
+              </a:rPr>
+              <a:t>-</a:t>
+            </a:r>
+            <a:r>
+              <a:rPr lang="de-AT" sz="2400" b="0" dirty="0">
+                <a:solidFill>
+                  <a:srgbClr val="4EC9B0"/>
+                </a:solidFill>
+                <a:effectLst/>
+                <a:latin typeface="Menlo" panose="020B0609030804020204" pitchFamily="49" charset="0"/>
+              </a:rPr>
+              <a:t>Path</a:t>
+            </a:r>
+            <a:r>
+              <a:rPr lang="de-AT" sz="2400" b="0" dirty="0">
+                <a:solidFill>
+                  <a:srgbClr val="CCCCCC"/>
+                </a:solidFill>
+                <a:effectLst/>
+                <a:latin typeface="Menlo" panose="020B0609030804020204" pitchFamily="49" charset="0"/>
+              </a:rPr>
+              <a:t> </a:t>
+            </a:r>
+            <a:r>
+              <a:rPr lang="de-AT" sz="2400" b="0" dirty="0">
+                <a:solidFill>
+                  <a:srgbClr val="D4D4D4"/>
+                </a:solidFill>
+                <a:effectLst/>
+                <a:latin typeface="Menlo" panose="020B0609030804020204" pitchFamily="49" charset="0"/>
+              </a:rPr>
+              <a:t>-&gt;</a:t>
+            </a:r>
+            <a:r>
+              <a:rPr lang="de-AT" sz="2400" b="0" dirty="0">
+                <a:solidFill>
+                  <a:srgbClr val="CCCCCC"/>
+                </a:solidFill>
+                <a:effectLst/>
+                <a:latin typeface="Menlo" panose="020B0609030804020204" pitchFamily="49" charset="0"/>
+              </a:rPr>
+              <a:t> </a:t>
+            </a:r>
+            <a:r>
+              <a:rPr lang="de-AT" sz="2400" b="0" dirty="0">
+                <a:solidFill>
+                  <a:srgbClr val="4EC9B0"/>
+                </a:solidFill>
+                <a:effectLst/>
+                <a:latin typeface="Menlo" panose="020B0609030804020204" pitchFamily="49" charset="0"/>
+              </a:rPr>
+              <a:t>Handler</a:t>
+            </a:r>
+            <a:r>
+              <a:rPr lang="de-AT" sz="2400" b="0" dirty="0">
+                <a:solidFill>
+                  <a:srgbClr val="CCCCCC"/>
+                </a:solidFill>
+                <a:effectLst/>
+                <a:latin typeface="Menlo" panose="020B0609030804020204" pitchFamily="49" charset="0"/>
+              </a:rPr>
+              <a:t> </a:t>
+            </a:r>
+            <a:r>
+              <a:rPr lang="de-AT" sz="2400" b="0" dirty="0" err="1">
+                <a:solidFill>
+                  <a:srgbClr val="4EC9B0"/>
+                </a:solidFill>
+                <a:effectLst/>
+                <a:latin typeface="Menlo" panose="020B0609030804020204" pitchFamily="49" charset="0"/>
+              </a:rPr>
+              <a:t>Function</a:t>
+            </a:r>
+            <a:endParaRPr lang="de-AT" sz="2400" b="0" dirty="0">
+              <a:solidFill>
+                <a:srgbClr val="CCCCCC"/>
+              </a:solidFill>
+              <a:effectLst/>
+              <a:latin typeface="Menlo" panose="020B0609030804020204" pitchFamily="49" charset="0"/>
+            </a:endParaRPr>
+          </a:p>
+          <a:p>
+            <a:pPr marL="1828800" lvl="4" indent="0">
+              <a:buNone/>
+            </a:pPr>
+            <a:r>
+              <a:rPr lang="de-AT" sz="2400" b="0" dirty="0">
+                <a:solidFill>
+                  <a:srgbClr val="CE9178"/>
+                </a:solidFill>
+                <a:effectLst/>
+                <a:latin typeface="Menlo" panose="020B0609030804020204" pitchFamily="49" charset="0"/>
+              </a:rPr>
+              <a:t>"/"</a:t>
+            </a:r>
+            <a:r>
+              <a:rPr lang="de-AT" sz="2400" b="0" dirty="0">
+                <a:solidFill>
+                  <a:srgbClr val="CCCCCC"/>
+                </a:solidFill>
+                <a:effectLst/>
+                <a:latin typeface="Menlo" panose="020B0609030804020204" pitchFamily="49" charset="0"/>
+              </a:rPr>
+              <a:t> </a:t>
+            </a:r>
+            <a:r>
+              <a:rPr lang="de-AT" sz="2400" b="0" dirty="0">
+                <a:solidFill>
+                  <a:srgbClr val="D4D4D4"/>
+                </a:solidFill>
+                <a:effectLst/>
+                <a:latin typeface="Menlo" panose="020B0609030804020204" pitchFamily="49" charset="0"/>
+              </a:rPr>
+              <a:t>-&gt;</a:t>
+            </a:r>
+            <a:r>
+              <a:rPr lang="de-AT" sz="2400" b="0" dirty="0">
+                <a:solidFill>
+                  <a:srgbClr val="CCCCCC"/>
+                </a:solidFill>
+                <a:effectLst/>
+                <a:latin typeface="Menlo" panose="020B0609030804020204" pitchFamily="49" charset="0"/>
+              </a:rPr>
+              <a:t> </a:t>
+            </a:r>
+            <a:r>
+              <a:rPr lang="de-AT" sz="2400" b="0" dirty="0" err="1">
+                <a:solidFill>
+                  <a:srgbClr val="569CD6"/>
+                </a:solidFill>
+                <a:effectLst/>
+                <a:latin typeface="Menlo" panose="020B0609030804020204" pitchFamily="49" charset="0"/>
+              </a:rPr>
+              <a:t>fn</a:t>
+            </a:r>
+            <a:r>
+              <a:rPr lang="de-AT" sz="2400" b="0" dirty="0">
+                <a:solidFill>
+                  <a:srgbClr val="CCCCCC"/>
+                </a:solidFill>
+                <a:effectLst/>
+                <a:latin typeface="Menlo" panose="020B0609030804020204" pitchFamily="49" charset="0"/>
+              </a:rPr>
+              <a:t>()</a:t>
+            </a:r>
+          </a:p>
+          <a:p>
+            <a:pPr marL="1828800" lvl="4" indent="0">
+              <a:buNone/>
+            </a:pPr>
+            <a:r>
+              <a:rPr lang="de-AT" sz="2400" b="0" dirty="0">
+                <a:solidFill>
+                  <a:srgbClr val="CE9178"/>
+                </a:solidFill>
+                <a:effectLst/>
+                <a:latin typeface="Menlo" panose="020B0609030804020204" pitchFamily="49" charset="0"/>
+              </a:rPr>
+              <a:t>"/</a:t>
+            </a:r>
+            <a:r>
+              <a:rPr lang="de-AT" sz="2400" b="0" dirty="0" err="1">
+                <a:solidFill>
+                  <a:srgbClr val="CE9178"/>
+                </a:solidFill>
+                <a:effectLst/>
+                <a:latin typeface="Menlo" panose="020B0609030804020204" pitchFamily="49" charset="0"/>
+              </a:rPr>
+              <a:t>hello</a:t>
+            </a:r>
+            <a:r>
+              <a:rPr lang="de-AT" sz="2400" b="0" dirty="0">
+                <a:solidFill>
+                  <a:srgbClr val="CE9178"/>
+                </a:solidFill>
+                <a:effectLst/>
+                <a:latin typeface="Menlo" panose="020B0609030804020204" pitchFamily="49" charset="0"/>
+              </a:rPr>
+              <a:t>"</a:t>
+            </a:r>
+            <a:r>
+              <a:rPr lang="de-AT" sz="2400" b="0" dirty="0">
+                <a:solidFill>
+                  <a:srgbClr val="CCCCCC"/>
+                </a:solidFill>
+                <a:effectLst/>
+                <a:latin typeface="Menlo" panose="020B0609030804020204" pitchFamily="49" charset="0"/>
+              </a:rPr>
+              <a:t> </a:t>
+            </a:r>
+            <a:r>
+              <a:rPr lang="de-AT" sz="2400" b="0" dirty="0">
+                <a:solidFill>
+                  <a:srgbClr val="D4D4D4"/>
+                </a:solidFill>
+                <a:effectLst/>
+                <a:latin typeface="Menlo" panose="020B0609030804020204" pitchFamily="49" charset="0"/>
+              </a:rPr>
+              <a:t>-&gt;</a:t>
+            </a:r>
+            <a:r>
+              <a:rPr lang="de-AT" sz="2400" b="0" dirty="0">
+                <a:solidFill>
+                  <a:srgbClr val="CCCCCC"/>
+                </a:solidFill>
+                <a:effectLst/>
+                <a:latin typeface="Menlo" panose="020B0609030804020204" pitchFamily="49" charset="0"/>
+              </a:rPr>
+              <a:t> </a:t>
+            </a:r>
+            <a:r>
+              <a:rPr lang="de-AT" sz="2400" b="0" dirty="0" err="1">
+                <a:solidFill>
+                  <a:srgbClr val="569CD6"/>
+                </a:solidFill>
+                <a:effectLst/>
+                <a:latin typeface="Menlo" panose="020B0609030804020204" pitchFamily="49" charset="0"/>
+              </a:rPr>
+              <a:t>fn</a:t>
+            </a:r>
+            <a:r>
+              <a:rPr lang="de-AT" sz="2400" b="0" dirty="0">
+                <a:solidFill>
+                  <a:srgbClr val="CCCCCC"/>
+                </a:solidFill>
+                <a:effectLst/>
+                <a:latin typeface="Menlo" panose="020B0609030804020204" pitchFamily="49" charset="0"/>
+              </a:rPr>
+              <a:t>()</a:t>
+            </a:r>
+          </a:p>
+          <a:p>
+            <a:endParaRPr lang="de-AT" b="0" dirty="0">
+              <a:solidFill>
+                <a:srgbClr val="CCCCCC"/>
+              </a:solidFill>
+              <a:effectLst/>
+              <a:latin typeface="Menlo" panose="020B0609030804020204" pitchFamily="49" charset="0"/>
+            </a:endParaRPr>
+          </a:p>
+        </p:txBody>
+      </p:sp>
+      <p:sp>
+        <p:nvSpPr>
+          <p:cNvPr id="4" name="Rechteck 3">
+            <a:extLst>
+              <a:ext uri="{FF2B5EF4-FFF2-40B4-BE49-F238E27FC236}">
+                <a16:creationId xmlns:a16="http://schemas.microsoft.com/office/drawing/2014/main" id="{2747E1D2-8382-983E-86DE-FD3543CD2AD9}"/>
+              </a:ext>
+            </a:extLst>
+          </p:cNvPr>
+          <p:cNvSpPr/>
+          <p:nvPr/>
+        </p:nvSpPr>
+        <p:spPr>
+          <a:xfrm>
+            <a:off x="838200" y="1825624"/>
+            <a:ext cx="9152138" cy="4778375"/>
+          </a:xfrm>
+          <a:prstGeom prst="rect">
+            <a:avLst/>
+          </a:prstGeom>
+          <a:noFill/>
+        </p:spPr>
+        <p:style>
+          <a:lnRef idx="2">
+            <a:schemeClr val="accent1">
+              <a:shade val="50000"/>
+            </a:schemeClr>
+          </a:lnRef>
+          <a:fillRef idx="1">
+            <a:schemeClr val="accent1"/>
+          </a:fillRef>
+          <a:effectRef idx="0">
+            <a:schemeClr val="accent1"/>
+          </a:effectRef>
+          <a:fontRef idx="minor">
+            <a:schemeClr val="lt1"/>
+          </a:fontRef>
+        </p:style>
+        <p:txBody>
+          <a:bodyPr rtlCol="0" anchor="ctr"/>
+          <a:lstStyle/>
+          <a:p>
+            <a:pPr algn="ctr"/>
+            <a:endParaRPr lang="de-AT"/>
+          </a:p>
+        </p:txBody>
+      </p:sp>
+      <p:sp>
+        <p:nvSpPr>
+          <p:cNvPr id="5" name="Rechteck 4">
+            <a:extLst>
+              <a:ext uri="{FF2B5EF4-FFF2-40B4-BE49-F238E27FC236}">
+                <a16:creationId xmlns:a16="http://schemas.microsoft.com/office/drawing/2014/main" id="{243B8190-9507-D46E-9980-F0987DC91B81}"/>
+              </a:ext>
+            </a:extLst>
+          </p:cNvPr>
+          <p:cNvSpPr/>
+          <p:nvPr/>
+        </p:nvSpPr>
+        <p:spPr>
+          <a:xfrm>
+            <a:off x="1713390" y="2405848"/>
+            <a:ext cx="7652860" cy="3906051"/>
+          </a:xfrm>
+          <a:prstGeom prst="rect">
+            <a:avLst/>
+          </a:prstGeom>
+          <a:noFill/>
+        </p:spPr>
+        <p:style>
+          <a:lnRef idx="2">
+            <a:schemeClr val="accent1">
+              <a:shade val="50000"/>
+            </a:schemeClr>
+          </a:lnRef>
+          <a:fillRef idx="1">
+            <a:schemeClr val="accent1"/>
+          </a:fillRef>
+          <a:effectRef idx="0">
+            <a:schemeClr val="accent1"/>
+          </a:effectRef>
+          <a:fontRef idx="minor">
+            <a:schemeClr val="lt1"/>
+          </a:fontRef>
+        </p:style>
+        <p:txBody>
+          <a:bodyPr rtlCol="0" anchor="ctr"/>
+          <a:lstStyle/>
+          <a:p>
+            <a:pPr algn="ctr"/>
+            <a:endParaRPr lang="de-AT"/>
+          </a:p>
+        </p:txBody>
+      </p:sp>
+      <p:sp>
+        <p:nvSpPr>
+          <p:cNvPr id="6" name="Rechteck 5">
+            <a:extLst>
+              <a:ext uri="{FF2B5EF4-FFF2-40B4-BE49-F238E27FC236}">
+                <a16:creationId xmlns:a16="http://schemas.microsoft.com/office/drawing/2014/main" id="{00D55A51-1AAD-84F8-520F-9E0ADFA85521}"/>
+              </a:ext>
+            </a:extLst>
+          </p:cNvPr>
+          <p:cNvSpPr/>
+          <p:nvPr/>
+        </p:nvSpPr>
+        <p:spPr>
+          <a:xfrm>
+            <a:off x="2201662" y="2920752"/>
+            <a:ext cx="5627888" cy="2737098"/>
+          </a:xfrm>
+          <a:prstGeom prst="rect">
+            <a:avLst/>
+          </a:prstGeom>
+          <a:noFill/>
+        </p:spPr>
+        <p:style>
+          <a:lnRef idx="2">
+            <a:schemeClr val="accent1">
+              <a:shade val="50000"/>
+            </a:schemeClr>
+          </a:lnRef>
+          <a:fillRef idx="1">
+            <a:schemeClr val="accent1"/>
+          </a:fillRef>
+          <a:effectRef idx="0">
+            <a:schemeClr val="accent1"/>
+          </a:effectRef>
+          <a:fontRef idx="minor">
+            <a:schemeClr val="lt1"/>
+          </a:fontRef>
+        </p:style>
+        <p:txBody>
+          <a:bodyPr rtlCol="0" anchor="ctr"/>
+          <a:lstStyle/>
+          <a:p>
+            <a:pPr algn="ctr"/>
+            <a:endParaRPr lang="de-AT"/>
+          </a:p>
+        </p:txBody>
+      </p:sp>
+    </p:spTree>
+    <p:extLst>
+      <p:ext uri="{BB962C8B-B14F-4D97-AF65-F5344CB8AC3E}">
+        <p14:creationId xmlns:p14="http://schemas.microsoft.com/office/powerpoint/2010/main" val="701615487"/>
+      </p:ext>
+    </p:extLst>
+  </p:cSld>
+  <p:clrMapOvr>
+    <a:masterClrMapping/>
+  </p:clrMapOvr>
+</p:sld>
+</file>
+
+<file path=ppt/slides/slide3.xml><?xml version="1.0" encoding="utf-8"?>
+<p:sld xmlns:a="http://schemas.openxmlformats.org/drawingml/2006/main" xmlns:r="http://schemas.openxmlformats.org/officeDocument/2006/relationships" xmlns:p="http://schemas.openxmlformats.org/presentationml/2006/main">
+  <p:cSld>
+    <p:spTree>
+      <p:nvGrpSpPr>
+        <p:cNvPr id="1" name=""/>
+        <p:cNvGrpSpPr/>
+        <p:nvPr/>
+      </p:nvGrpSpPr>
+      <p:grpSpPr>
+        <a:xfrm>
+          <a:off x="0" y="0"/>
+          <a:ext cx="0" cy="0"/>
+          <a:chOff x="0" y="0"/>
+          <a:chExt cx="0" cy="0"/>
+        </a:xfrm>
+      </p:grpSpPr>
+      <p:sp>
+        <p:nvSpPr>
+          <p:cNvPr id="3" name="Untertitel 2">
+            <a:extLst>
+              <a:ext uri="{FF2B5EF4-FFF2-40B4-BE49-F238E27FC236}">
+                <a16:creationId xmlns:a16="http://schemas.microsoft.com/office/drawing/2014/main" id="{91D3E1D6-4E92-3CF3-79A0-C3D06EECF650}"/>
+              </a:ext>
+            </a:extLst>
+          </p:cNvPr>
+          <p:cNvSpPr>
+            <a:spLocks noGrp="1"/>
+          </p:cNvSpPr>
+          <p:nvPr>
+            <p:ph type="subTitle" idx="1"/>
+          </p:nvPr>
+        </p:nvSpPr>
+        <p:spPr>
+          <a:xfrm>
+            <a:off x="1524000" y="2563345"/>
+            <a:ext cx="9144000" cy="1655762"/>
+          </a:xfrm>
+        </p:spPr>
+        <p:txBody>
+          <a:bodyPr/>
+          <a:lstStyle/>
+          <a:p>
+            <a:r>
+              <a:rPr lang="de-DE" sz="4000" dirty="0"/>
+              <a:t>URI-Path   -&gt;   Handler </a:t>
+            </a:r>
+            <a:r>
+              <a:rPr lang="de-DE" sz="4000" dirty="0" err="1"/>
+              <a:t>Function</a:t>
+            </a:r>
+            <a:endParaRPr lang="de-DE" sz="4000" dirty="0"/>
+          </a:p>
+          <a:p>
+            <a:r>
+              <a:rPr lang="de-AT" sz="4000" b="0" dirty="0">
+                <a:solidFill>
+                  <a:srgbClr val="CE9178"/>
+                </a:solidFill>
+                <a:effectLst/>
+                <a:latin typeface="Menlo" panose="020B0609030804020204" pitchFamily="49" charset="0"/>
+              </a:rPr>
+              <a:t>"/"</a:t>
+            </a:r>
+            <a:r>
+              <a:rPr lang="de-AT" sz="4000" b="0" dirty="0">
+                <a:solidFill>
+                  <a:srgbClr val="CCCCCC"/>
+                </a:solidFill>
+                <a:effectLst/>
+                <a:latin typeface="Menlo" panose="020B0609030804020204" pitchFamily="49" charset="0"/>
+              </a:rPr>
+              <a:t> </a:t>
+            </a:r>
+            <a:r>
+              <a:rPr lang="de-AT" sz="4000" b="0" dirty="0">
+                <a:solidFill>
+                  <a:srgbClr val="D4D4D4"/>
+                </a:solidFill>
+                <a:effectLst/>
+                <a:latin typeface="Menlo" panose="020B0609030804020204" pitchFamily="49" charset="0"/>
+              </a:rPr>
+              <a:t>-&gt;</a:t>
+            </a:r>
+            <a:r>
+              <a:rPr lang="de-AT" sz="4000" b="0" dirty="0">
+                <a:solidFill>
+                  <a:srgbClr val="CCCCCC"/>
+                </a:solidFill>
+                <a:effectLst/>
+                <a:latin typeface="Menlo" panose="020B0609030804020204" pitchFamily="49" charset="0"/>
+              </a:rPr>
+              <a:t> </a:t>
+            </a:r>
+            <a:r>
+              <a:rPr lang="de-AT" sz="4000" b="0" dirty="0" err="1">
+                <a:solidFill>
+                  <a:srgbClr val="569CD6"/>
+                </a:solidFill>
+                <a:effectLst/>
+                <a:latin typeface="Menlo" panose="020B0609030804020204" pitchFamily="49" charset="0"/>
+              </a:rPr>
+              <a:t>fn</a:t>
+            </a:r>
+            <a:r>
+              <a:rPr lang="de-AT" sz="4000" b="0" dirty="0">
+                <a:solidFill>
+                  <a:srgbClr val="CCCCCC"/>
+                </a:solidFill>
+                <a:effectLst/>
+                <a:latin typeface="Menlo" panose="020B0609030804020204" pitchFamily="49" charset="0"/>
+              </a:rPr>
+              <a:t>()</a:t>
+            </a:r>
+          </a:p>
+          <a:p>
+            <a:endParaRPr lang="de-DE" dirty="0"/>
+          </a:p>
+        </p:txBody>
+      </p:sp>
+      <p:sp>
+        <p:nvSpPr>
+          <p:cNvPr id="4" name="Titel 1">
+            <a:extLst>
+              <a:ext uri="{FF2B5EF4-FFF2-40B4-BE49-F238E27FC236}">
+                <a16:creationId xmlns:a16="http://schemas.microsoft.com/office/drawing/2014/main" id="{76921599-2561-271E-E65E-2F68BE59417A}"/>
+              </a:ext>
+            </a:extLst>
+          </p:cNvPr>
+          <p:cNvSpPr txBox="1">
+            <a:spLocks/>
+          </p:cNvSpPr>
+          <p:nvPr/>
+        </p:nvSpPr>
+        <p:spPr>
+          <a:xfrm>
+            <a:off x="838200" y="365125"/>
+            <a:ext cx="10515600" cy="1325563"/>
+          </a:xfrm>
+          <a:prstGeom prst="rect">
+            <a:avLst/>
+          </a:prstGeom>
+        </p:spPr>
+        <p:txBody>
+          <a:bodyPr vert="horz" lIns="91440" tIns="45720" rIns="91440" bIns="45720" rtlCol="0" anchor="b">
+            <a:normAutofit/>
+          </a:bodyPr>
+          <a:lstStyle>
+            <a:lvl1pPr algn="ctr" defTabSz="914400" rtl="0" eaLnBrk="1" latinLnBrk="0" hangingPunct="1">
+              <a:lnSpc>
+                <a:spcPct val="90000"/>
+              </a:lnSpc>
+              <a:spcBef>
+                <a:spcPct val="0"/>
+              </a:spcBef>
+              <a:buNone/>
+              <a:defRPr sz="6000" kern="1200">
+                <a:solidFill>
+                  <a:schemeClr val="tx1"/>
+                </a:solidFill>
+                <a:latin typeface="+mj-lt"/>
+                <a:ea typeface="+mj-ea"/>
+                <a:cs typeface="+mj-cs"/>
+              </a:defRPr>
+            </a:lvl1pPr>
+          </a:lstStyle>
+          <a:p>
+            <a:pPr algn="l"/>
+            <a:r>
+              <a:rPr lang="de-DE" sz="4400" dirty="0"/>
+              <a:t>Route Registration</a:t>
+            </a:r>
+            <a:endParaRPr lang="de-AT" sz="4400" dirty="0"/>
+          </a:p>
+        </p:txBody>
+      </p:sp>
+    </p:spTree>
+    <p:extLst>
+      <p:ext uri="{BB962C8B-B14F-4D97-AF65-F5344CB8AC3E}">
+        <p14:creationId xmlns:p14="http://schemas.microsoft.com/office/powerpoint/2010/main" val="4052739116"/>
+      </p:ext>
+    </p:extLst>
+  </p:cSld>
+  <p:clrMapOvr>
+    <a:masterClrMapping/>
+  </p:clrMapOvr>
+</p:sld>
+</file>
+
+<file path=ppt/slides/slide4.xml><?xml version="1.0" encoding="utf-8"?>
+<p:sld xmlns:a="http://schemas.openxmlformats.org/drawingml/2006/main" xmlns:r="http://schemas.openxmlformats.org/officeDocument/2006/relationships" xmlns:p="http://schemas.openxmlformats.org/presentationml/2006/main">
+  <p:cSld>
+    <p:spTree>
+      <p:nvGrpSpPr>
+        <p:cNvPr id="1" name=""/>
+        <p:cNvGrpSpPr/>
+        <p:nvPr/>
+      </p:nvGrpSpPr>
+      <p:grpSpPr>
+        <a:xfrm>
+          <a:off x="0" y="0"/>
+          <a:ext cx="0" cy="0"/>
+          <a:chOff x="0" y="0"/>
+          <a:chExt cx="0" cy="0"/>
+        </a:xfrm>
+      </p:grpSpPr>
+      <p:sp>
+        <p:nvSpPr>
+          <p:cNvPr id="2" name="Titel 1">
+            <a:extLst>
+              <a:ext uri="{FF2B5EF4-FFF2-40B4-BE49-F238E27FC236}">
+                <a16:creationId xmlns:a16="http://schemas.microsoft.com/office/drawing/2014/main" id="{95C02B1D-7431-6E46-48FE-93E826D48DCC}"/>
+              </a:ext>
+            </a:extLst>
+          </p:cNvPr>
+          <p:cNvSpPr>
+            <a:spLocks noGrp="1"/>
+          </p:cNvSpPr>
+          <p:nvPr>
+            <p:ph type="title"/>
+          </p:nvPr>
+        </p:nvSpPr>
+        <p:spPr/>
+        <p:txBody>
+          <a:bodyPr/>
+          <a:lstStyle/>
+          <a:p>
+            <a:endParaRPr lang="de-AT"/>
+          </a:p>
+        </p:txBody>
+      </p:sp>
+      <p:sp>
+        <p:nvSpPr>
+          <p:cNvPr id="3" name="Inhaltsplatzhalter 2">
+            <a:extLst>
+              <a:ext uri="{FF2B5EF4-FFF2-40B4-BE49-F238E27FC236}">
+                <a16:creationId xmlns:a16="http://schemas.microsoft.com/office/drawing/2014/main" id="{0A878F4F-8CCE-1A6C-E1AF-8C21C65358C5}"/>
+              </a:ext>
+            </a:extLst>
+          </p:cNvPr>
+          <p:cNvSpPr>
+            <a:spLocks noGrp="1"/>
+          </p:cNvSpPr>
+          <p:nvPr>
+            <p:ph idx="1"/>
+          </p:nvPr>
+        </p:nvSpPr>
+        <p:spPr/>
+        <p:txBody>
+          <a:bodyPr>
+            <a:normAutofit fontScale="77500" lnSpcReduction="20000"/>
+          </a:bodyPr>
+          <a:lstStyle/>
+          <a:p>
+            <a:pPr marL="0" indent="0">
+              <a:buNone/>
+            </a:pPr>
+            <a:r>
+              <a:rPr lang="de-AT" b="0" dirty="0" err="1">
+                <a:solidFill>
+                  <a:srgbClr val="569CD6"/>
+                </a:solidFill>
+                <a:effectLst/>
+                <a:latin typeface="Consolas" panose="020B0609020204030204" pitchFamily="49" charset="0"/>
+              </a:rPr>
+              <a:t>async</a:t>
+            </a:r>
+            <a:r>
+              <a:rPr lang="de-AT" b="0" dirty="0">
+                <a:solidFill>
+                  <a:srgbClr val="D4D4D4"/>
+                </a:solidFill>
+                <a:effectLst/>
+                <a:latin typeface="Consolas" panose="020B0609020204030204" pitchFamily="49" charset="0"/>
+              </a:rPr>
+              <a:t> </a:t>
+            </a:r>
+            <a:r>
+              <a:rPr lang="de-AT" b="0" dirty="0" err="1">
+                <a:solidFill>
+                  <a:srgbClr val="569CD6"/>
+                </a:solidFill>
+                <a:effectLst/>
+                <a:latin typeface="Consolas" panose="020B0609020204030204" pitchFamily="49" charset="0"/>
+              </a:rPr>
+              <a:t>fn</a:t>
+            </a:r>
+            <a:r>
+              <a:rPr lang="de-AT" b="0" dirty="0">
+                <a:solidFill>
+                  <a:srgbClr val="D4D4D4"/>
+                </a:solidFill>
+                <a:effectLst/>
+                <a:latin typeface="Consolas" panose="020B0609020204030204" pitchFamily="49" charset="0"/>
+              </a:rPr>
+              <a:t> </a:t>
+            </a:r>
+            <a:r>
+              <a:rPr lang="de-AT" b="0" dirty="0" err="1">
+                <a:solidFill>
+                  <a:srgbClr val="DCDCAA"/>
+                </a:solidFill>
+                <a:effectLst/>
+                <a:latin typeface="Consolas" panose="020B0609020204030204" pitchFamily="49" charset="0"/>
+              </a:rPr>
+              <a:t>main</a:t>
+            </a:r>
+            <a:r>
+              <a:rPr lang="de-AT" b="0" dirty="0">
+                <a:solidFill>
+                  <a:srgbClr val="D4D4D4"/>
+                </a:solidFill>
+                <a:effectLst/>
+                <a:latin typeface="Consolas" panose="020B0609020204030204" pitchFamily="49" charset="0"/>
+              </a:rPr>
+              <a:t>() -&gt; </a:t>
+            </a:r>
+            <a:r>
+              <a:rPr lang="de-AT" b="0" dirty="0" err="1">
+                <a:solidFill>
+                  <a:srgbClr val="4EC9B0"/>
+                </a:solidFill>
+                <a:effectLst/>
+                <a:latin typeface="Consolas" panose="020B0609020204030204" pitchFamily="49" charset="0"/>
+              </a:rPr>
+              <a:t>Result</a:t>
+            </a:r>
+            <a:r>
+              <a:rPr lang="de-AT" b="0" dirty="0">
+                <a:solidFill>
+                  <a:srgbClr val="D4D4D4"/>
+                </a:solidFill>
+                <a:effectLst/>
+                <a:latin typeface="Consolas" panose="020B0609020204030204" pitchFamily="49" charset="0"/>
+              </a:rPr>
+              <a:t>&lt;(), </a:t>
+            </a:r>
+            <a:r>
+              <a:rPr lang="de-AT" b="0" dirty="0">
+                <a:solidFill>
+                  <a:srgbClr val="4EC9B0"/>
+                </a:solidFill>
+                <a:effectLst/>
+                <a:latin typeface="Consolas" panose="020B0609020204030204" pitchFamily="49" charset="0"/>
+              </a:rPr>
+              <a:t>Error</a:t>
+            </a:r>
+            <a:r>
+              <a:rPr lang="de-AT" b="0" dirty="0">
+                <a:solidFill>
+                  <a:srgbClr val="D4D4D4"/>
+                </a:solidFill>
+                <a:effectLst/>
+                <a:latin typeface="Consolas" panose="020B0609020204030204" pitchFamily="49" charset="0"/>
+              </a:rPr>
+              <a:t>&gt; {</a:t>
+            </a:r>
+          </a:p>
+          <a:p>
+            <a:pPr marL="0" indent="0">
+              <a:buNone/>
+            </a:pPr>
+            <a:endParaRPr lang="de-AT" b="0" dirty="0">
+              <a:solidFill>
+                <a:srgbClr val="D4D4D4"/>
+              </a:solidFill>
+              <a:effectLst/>
+              <a:latin typeface="Consolas" panose="020B0609020204030204" pitchFamily="49" charset="0"/>
+            </a:endParaRPr>
+          </a:p>
+          <a:p>
+            <a:pPr marL="0" indent="0">
+              <a:buNone/>
+            </a:pPr>
+            <a:r>
+              <a:rPr lang="de-AT" b="0" dirty="0">
+                <a:solidFill>
+                  <a:srgbClr val="6A9955"/>
+                </a:solidFill>
+                <a:effectLst/>
+                <a:latin typeface="Consolas" panose="020B0609020204030204" pitchFamily="49" charset="0"/>
+              </a:rPr>
+              <a:t>    </a:t>
+            </a:r>
+            <a:r>
+              <a:rPr lang="de-AT" dirty="0">
+                <a:solidFill>
+                  <a:srgbClr val="D4D4D4"/>
+                </a:solidFill>
+                <a:latin typeface="Consolas" panose="020B0609020204030204" pitchFamily="49" charset="0"/>
+              </a:rPr>
+              <a:t> </a:t>
+            </a:r>
+            <a:r>
+              <a:rPr lang="de-AT" b="0" dirty="0" err="1">
+                <a:solidFill>
+                  <a:srgbClr val="4EC9B0"/>
+                </a:solidFill>
+                <a:effectLst/>
+                <a:latin typeface="Consolas" panose="020B0609020204030204" pitchFamily="49" charset="0"/>
+              </a:rPr>
+              <a:t>HttpServer</a:t>
+            </a:r>
+            <a:r>
+              <a:rPr lang="de-AT" b="0" dirty="0">
+                <a:solidFill>
+                  <a:srgbClr val="D4D4D4"/>
+                </a:solidFill>
+                <a:effectLst/>
+                <a:latin typeface="Consolas" panose="020B0609020204030204" pitchFamily="49" charset="0"/>
+              </a:rPr>
+              <a:t>::</a:t>
+            </a:r>
+            <a:r>
+              <a:rPr lang="de-AT" b="0" dirty="0" err="1">
+                <a:solidFill>
+                  <a:srgbClr val="DCDCAA"/>
+                </a:solidFill>
+                <a:effectLst/>
+                <a:latin typeface="Consolas" panose="020B0609020204030204" pitchFamily="49" charset="0"/>
+              </a:rPr>
+              <a:t>new</a:t>
+            </a:r>
+            <a:r>
+              <a:rPr lang="de-AT" b="0" dirty="0">
+                <a:solidFill>
+                  <a:srgbClr val="D4D4D4"/>
+                </a:solidFill>
+                <a:effectLst/>
+                <a:latin typeface="Consolas" panose="020B0609020204030204" pitchFamily="49" charset="0"/>
+              </a:rPr>
+              <a:t>(|| {</a:t>
+            </a:r>
+          </a:p>
+          <a:p>
+            <a:pPr marL="0" indent="0">
+              <a:buNone/>
+            </a:pPr>
+            <a:r>
+              <a:rPr lang="de-AT" b="0" dirty="0">
+                <a:solidFill>
+                  <a:srgbClr val="6A9955"/>
+                </a:solidFill>
+                <a:effectLst/>
+                <a:latin typeface="Consolas" panose="020B0609020204030204" pitchFamily="49" charset="0"/>
+              </a:rPr>
+              <a:t>      </a:t>
+            </a:r>
+            <a:endParaRPr lang="de-AT" b="0" dirty="0">
+              <a:solidFill>
+                <a:srgbClr val="D4D4D4"/>
+              </a:solidFill>
+              <a:effectLst/>
+              <a:latin typeface="Consolas" panose="020B0609020204030204" pitchFamily="49" charset="0"/>
+            </a:endParaRPr>
+          </a:p>
+          <a:p>
+            <a:pPr marL="0" indent="0">
+              <a:buNone/>
+            </a:pPr>
+            <a:r>
+              <a:rPr lang="de-AT" b="0" dirty="0">
+                <a:solidFill>
+                  <a:srgbClr val="D4D4D4"/>
+                </a:solidFill>
+                <a:effectLst/>
+                <a:latin typeface="Consolas" panose="020B0609020204030204" pitchFamily="49" charset="0"/>
+              </a:rPr>
+              <a:t>        </a:t>
+            </a:r>
+            <a:r>
+              <a:rPr lang="de-AT" b="0" dirty="0">
+                <a:solidFill>
+                  <a:srgbClr val="4EC9B0"/>
+                </a:solidFill>
+                <a:effectLst/>
+                <a:latin typeface="Consolas" panose="020B0609020204030204" pitchFamily="49" charset="0"/>
+              </a:rPr>
+              <a:t>App</a:t>
+            </a:r>
+            <a:r>
+              <a:rPr lang="de-AT" b="0" dirty="0">
+                <a:solidFill>
+                  <a:srgbClr val="D4D4D4"/>
+                </a:solidFill>
+                <a:effectLst/>
+                <a:latin typeface="Consolas" panose="020B0609020204030204" pitchFamily="49" charset="0"/>
+              </a:rPr>
+              <a:t>::</a:t>
+            </a:r>
+            <a:r>
+              <a:rPr lang="de-AT" b="0" dirty="0" err="1">
+                <a:solidFill>
+                  <a:srgbClr val="DCDCAA"/>
+                </a:solidFill>
+                <a:effectLst/>
+                <a:latin typeface="Consolas" panose="020B0609020204030204" pitchFamily="49" charset="0"/>
+              </a:rPr>
+              <a:t>new</a:t>
+            </a:r>
+            <a:r>
+              <a:rPr lang="de-AT" b="0" dirty="0">
+                <a:solidFill>
+                  <a:srgbClr val="D4D4D4"/>
+                </a:solidFill>
+                <a:effectLst/>
+                <a:latin typeface="Consolas" panose="020B0609020204030204" pitchFamily="49" charset="0"/>
+              </a:rPr>
+              <a:t>() </a:t>
+            </a:r>
+            <a:r>
+              <a:rPr lang="de-AT" b="0" dirty="0">
+                <a:solidFill>
+                  <a:srgbClr val="6A9955"/>
+                </a:solidFill>
+                <a:effectLst/>
+                <a:latin typeface="Consolas" panose="020B0609020204030204" pitchFamily="49" charset="0"/>
+              </a:rPr>
+              <a:t>// Registration </a:t>
+            </a:r>
+            <a:r>
+              <a:rPr lang="de-AT" b="0" dirty="0" err="1">
+                <a:solidFill>
+                  <a:srgbClr val="6A9955"/>
+                </a:solidFill>
+                <a:effectLst/>
+                <a:latin typeface="Consolas" panose="020B0609020204030204" pitchFamily="49" charset="0"/>
+              </a:rPr>
+              <a:t>of</a:t>
+            </a:r>
+            <a:r>
+              <a:rPr lang="de-AT" b="0" dirty="0">
+                <a:solidFill>
+                  <a:srgbClr val="6A9955"/>
+                </a:solidFill>
+                <a:effectLst/>
+                <a:latin typeface="Consolas" panose="020B0609020204030204" pitchFamily="49" charset="0"/>
+              </a:rPr>
+              <a:t> </a:t>
+            </a:r>
+            <a:r>
+              <a:rPr lang="de-AT" b="0" dirty="0" err="1">
+                <a:solidFill>
+                  <a:srgbClr val="6A9955"/>
+                </a:solidFill>
+                <a:effectLst/>
+                <a:latin typeface="Consolas" panose="020B0609020204030204" pitchFamily="49" charset="0"/>
+              </a:rPr>
+              <a:t>routes</a:t>
+            </a:r>
+            <a:r>
+              <a:rPr lang="de-AT" b="0" dirty="0">
+                <a:solidFill>
+                  <a:srgbClr val="6A9955"/>
+                </a:solidFill>
+                <a:effectLst/>
+                <a:latin typeface="Consolas" panose="020B0609020204030204" pitchFamily="49" charset="0"/>
+              </a:rPr>
+              <a:t> </a:t>
+            </a:r>
+            <a:r>
+              <a:rPr lang="de-AT" b="0" dirty="0" err="1">
+                <a:solidFill>
+                  <a:srgbClr val="6A9955"/>
+                </a:solidFill>
+                <a:effectLst/>
+                <a:latin typeface="Consolas" panose="020B0609020204030204" pitchFamily="49" charset="0"/>
+              </a:rPr>
+              <a:t>is</a:t>
+            </a:r>
+            <a:r>
+              <a:rPr lang="de-AT" b="0" dirty="0">
+                <a:solidFill>
+                  <a:srgbClr val="6A9955"/>
+                </a:solidFill>
+                <a:effectLst/>
+                <a:latin typeface="Consolas" panose="020B0609020204030204" pitchFamily="49" charset="0"/>
+              </a:rPr>
+              <a:t> </a:t>
+            </a:r>
+            <a:r>
+              <a:rPr lang="de-AT" b="0" dirty="0" err="1">
+                <a:solidFill>
+                  <a:srgbClr val="6A9955"/>
+                </a:solidFill>
+                <a:effectLst/>
+                <a:latin typeface="Consolas" panose="020B0609020204030204" pitchFamily="49" charset="0"/>
+              </a:rPr>
+              <a:t>here</a:t>
+            </a:r>
+            <a:r>
+              <a:rPr lang="de-AT" b="0" dirty="0">
+                <a:solidFill>
+                  <a:srgbClr val="6A9955"/>
+                </a:solidFill>
+                <a:effectLst/>
+                <a:latin typeface="Consolas" panose="020B0609020204030204" pitchFamily="49" charset="0"/>
+              </a:rPr>
+              <a:t>!</a:t>
+            </a:r>
+            <a:endParaRPr lang="de-AT" b="0" dirty="0">
+              <a:solidFill>
+                <a:srgbClr val="D4D4D4"/>
+              </a:solidFill>
+              <a:effectLst/>
+              <a:latin typeface="Consolas" panose="020B0609020204030204" pitchFamily="49" charset="0"/>
+            </a:endParaRPr>
+          </a:p>
+          <a:p>
+            <a:pPr marL="0" indent="0">
+              <a:buNone/>
+            </a:pPr>
+            <a:endParaRPr lang="de-AT" b="0" dirty="0">
+              <a:solidFill>
+                <a:srgbClr val="D4D4D4"/>
+              </a:solidFill>
+              <a:effectLst/>
+              <a:latin typeface="Consolas" panose="020B0609020204030204" pitchFamily="49" charset="0"/>
+            </a:endParaRPr>
+          </a:p>
+          <a:p>
+            <a:pPr marL="0" indent="0">
+              <a:buNone/>
+            </a:pPr>
+            <a:r>
+              <a:rPr lang="de-AT" b="0" dirty="0">
+                <a:solidFill>
+                  <a:srgbClr val="D4D4D4"/>
+                </a:solidFill>
+                <a:effectLst/>
+                <a:latin typeface="Consolas" panose="020B0609020204030204" pitchFamily="49" charset="0"/>
+              </a:rPr>
+              <a:t>        })</a:t>
+            </a:r>
+          </a:p>
+          <a:p>
+            <a:pPr marL="0" indent="0">
+              <a:buNone/>
+            </a:pPr>
+            <a:r>
+              <a:rPr lang="de-AT" b="0" dirty="0">
+                <a:solidFill>
+                  <a:srgbClr val="D4D4D4"/>
+                </a:solidFill>
+                <a:effectLst/>
+                <a:latin typeface="Consolas" panose="020B0609020204030204" pitchFamily="49" charset="0"/>
+              </a:rPr>
+              <a:t>  </a:t>
+            </a:r>
+          </a:p>
+          <a:p>
+            <a:pPr marL="0" indent="0">
+              <a:buNone/>
+            </a:pPr>
+            <a:br>
+              <a:rPr lang="de-AT" b="0" dirty="0">
+                <a:solidFill>
+                  <a:srgbClr val="D4D4D4"/>
+                </a:solidFill>
+                <a:effectLst/>
+                <a:latin typeface="Consolas" panose="020B0609020204030204" pitchFamily="49" charset="0"/>
+              </a:rPr>
+            </a:br>
+            <a:r>
+              <a:rPr lang="de-AT" b="0" dirty="0">
+                <a:solidFill>
+                  <a:srgbClr val="D4D4D4"/>
+                </a:solidFill>
+                <a:effectLst/>
+                <a:latin typeface="Consolas" panose="020B0609020204030204" pitchFamily="49" charset="0"/>
+              </a:rPr>
+              <a:t>    .</a:t>
+            </a:r>
+            <a:r>
+              <a:rPr lang="de-AT" b="0" dirty="0">
+                <a:solidFill>
+                  <a:srgbClr val="DCDCAA"/>
+                </a:solidFill>
+                <a:effectLst/>
+                <a:latin typeface="Consolas" panose="020B0609020204030204" pitchFamily="49" charset="0"/>
+              </a:rPr>
+              <a:t>bind</a:t>
+            </a:r>
+            <a:r>
+              <a:rPr lang="de-AT" b="0" dirty="0">
+                <a:solidFill>
+                  <a:srgbClr val="D4D4D4"/>
+                </a:solidFill>
+                <a:effectLst/>
+                <a:latin typeface="Consolas" panose="020B0609020204030204" pitchFamily="49" charset="0"/>
+              </a:rPr>
+              <a:t>((</a:t>
+            </a:r>
+            <a:r>
+              <a:rPr lang="de-AT" b="0" dirty="0">
+                <a:solidFill>
+                  <a:srgbClr val="CE9178"/>
+                </a:solidFill>
+                <a:effectLst/>
+                <a:latin typeface="Consolas" panose="020B0609020204030204" pitchFamily="49" charset="0"/>
+              </a:rPr>
+              <a:t>"0.0.0.0"</a:t>
+            </a:r>
+            <a:r>
+              <a:rPr lang="de-AT" b="0" dirty="0">
+                <a:solidFill>
+                  <a:srgbClr val="D4D4D4"/>
+                </a:solidFill>
+                <a:effectLst/>
+                <a:latin typeface="Consolas" panose="020B0609020204030204" pitchFamily="49" charset="0"/>
+              </a:rPr>
+              <a:t>, </a:t>
+            </a:r>
+            <a:r>
+              <a:rPr lang="de-AT" b="0" dirty="0">
+                <a:solidFill>
+                  <a:srgbClr val="B5CEA8"/>
+                </a:solidFill>
+                <a:effectLst/>
+                <a:latin typeface="Consolas" panose="020B0609020204030204" pitchFamily="49" charset="0"/>
+              </a:rPr>
+              <a:t>8080</a:t>
+            </a:r>
+            <a:r>
+              <a:rPr lang="de-AT" b="0" dirty="0">
+                <a:solidFill>
+                  <a:srgbClr val="D4D4D4"/>
+                </a:solidFill>
+                <a:effectLst/>
+                <a:latin typeface="Consolas" panose="020B0609020204030204" pitchFamily="49" charset="0"/>
+              </a:rPr>
+              <a:t>)).</a:t>
+            </a:r>
+            <a:r>
+              <a:rPr lang="de-AT" b="0" dirty="0" err="1">
+                <a:solidFill>
+                  <a:srgbClr val="DCDCAA"/>
+                </a:solidFill>
+                <a:effectLst/>
+                <a:latin typeface="Consolas" panose="020B0609020204030204" pitchFamily="49" charset="0"/>
+              </a:rPr>
+              <a:t>unwrap</a:t>
+            </a:r>
+            <a:r>
+              <a:rPr lang="de-AT" b="0" dirty="0">
+                <a:solidFill>
+                  <a:srgbClr val="D4D4D4"/>
+                </a:solidFill>
+                <a:effectLst/>
+                <a:latin typeface="Consolas" panose="020B0609020204030204" pitchFamily="49" charset="0"/>
+              </a:rPr>
+              <a:t>()</a:t>
+            </a:r>
+          </a:p>
+          <a:p>
+            <a:pPr marL="0" indent="0">
+              <a:buNone/>
+            </a:pPr>
+            <a:r>
+              <a:rPr lang="de-AT" b="0" dirty="0">
+                <a:solidFill>
+                  <a:srgbClr val="D4D4D4"/>
+                </a:solidFill>
+                <a:effectLst/>
+                <a:latin typeface="Consolas" panose="020B0609020204030204" pitchFamily="49" charset="0"/>
+              </a:rPr>
+              <a:t>    .</a:t>
+            </a:r>
+            <a:r>
+              <a:rPr lang="de-AT" b="0" dirty="0" err="1">
+                <a:solidFill>
+                  <a:srgbClr val="DCDCAA"/>
+                </a:solidFill>
+                <a:effectLst/>
+                <a:latin typeface="Consolas" panose="020B0609020204030204" pitchFamily="49" charset="0"/>
+              </a:rPr>
+              <a:t>run</a:t>
+            </a:r>
+            <a:r>
+              <a:rPr lang="de-AT" b="0" dirty="0">
+                <a:solidFill>
+                  <a:srgbClr val="D4D4D4"/>
+                </a:solidFill>
+                <a:effectLst/>
+                <a:latin typeface="Consolas" panose="020B0609020204030204" pitchFamily="49" charset="0"/>
+              </a:rPr>
+              <a:t>().</a:t>
+            </a:r>
+            <a:r>
+              <a:rPr lang="de-AT" b="0" dirty="0" err="1">
+                <a:solidFill>
+                  <a:srgbClr val="C586C0"/>
+                </a:solidFill>
+                <a:effectLst/>
+                <a:latin typeface="Consolas" panose="020B0609020204030204" pitchFamily="49" charset="0"/>
+              </a:rPr>
+              <a:t>await</a:t>
+            </a:r>
+            <a:endParaRPr lang="de-AT" b="0" dirty="0">
+              <a:solidFill>
+                <a:srgbClr val="D4D4D4"/>
+              </a:solidFill>
+              <a:effectLst/>
+              <a:latin typeface="Consolas" panose="020B0609020204030204" pitchFamily="49" charset="0"/>
+            </a:endParaRPr>
+          </a:p>
+          <a:p>
+            <a:pPr marL="0" indent="0">
+              <a:buNone/>
+            </a:pPr>
+            <a:r>
+              <a:rPr lang="de-AT" b="0" dirty="0">
+                <a:solidFill>
+                  <a:srgbClr val="D4D4D4"/>
+                </a:solidFill>
+                <a:effectLst/>
+                <a:latin typeface="Consolas" panose="020B0609020204030204" pitchFamily="49" charset="0"/>
+              </a:rPr>
+              <a:t>}</a:t>
+            </a:r>
+          </a:p>
+          <a:p>
+            <a:pPr marL="0" indent="0">
+              <a:buNone/>
+            </a:pPr>
+            <a:endParaRPr lang="de-AT" dirty="0"/>
+          </a:p>
+        </p:txBody>
+      </p:sp>
+    </p:spTree>
+    <p:extLst>
+      <p:ext uri="{BB962C8B-B14F-4D97-AF65-F5344CB8AC3E}">
+        <p14:creationId xmlns:p14="http://schemas.microsoft.com/office/powerpoint/2010/main" val="1491222435"/>
+      </p:ext>
+    </p:extLst>
+  </p:cSld>
+  <p:clrMapOvr>
+    <a:masterClrMapping/>
+  </p:clrMapOvr>
+</p:sld>
+</file>
+
+<file path=ppt/slides/slide5.xml><?xml version="1.0" encoding="utf-8"?>
+<p:sld xmlns:a="http://schemas.openxmlformats.org/drawingml/2006/main" xmlns:r="http://schemas.openxmlformats.org/officeDocument/2006/relationships" xmlns:p="http://schemas.openxmlformats.org/presentationml/2006/main">
+  <p:cSld>
+    <p:spTree>
+      <p:nvGrpSpPr>
+        <p:cNvPr id="1" name=""/>
+        <p:cNvGrpSpPr/>
+        <p:nvPr/>
+      </p:nvGrpSpPr>
+      <p:grpSpPr>
+        <a:xfrm>
+          <a:off x="0" y="0"/>
+          <a:ext cx="0" cy="0"/>
+          <a:chOff x="0" y="0"/>
+          <a:chExt cx="0" cy="0"/>
+        </a:xfrm>
+      </p:grpSpPr>
+      <p:sp>
+        <p:nvSpPr>
+          <p:cNvPr id="3" name="Untertitel 2">
+            <a:extLst>
+              <a:ext uri="{FF2B5EF4-FFF2-40B4-BE49-F238E27FC236}">
+                <a16:creationId xmlns:a16="http://schemas.microsoft.com/office/drawing/2014/main" id="{91D3E1D6-4E92-3CF3-79A0-C3D06EECF650}"/>
+              </a:ext>
+            </a:extLst>
+          </p:cNvPr>
+          <p:cNvSpPr>
+            <a:spLocks noGrp="1"/>
+          </p:cNvSpPr>
+          <p:nvPr>
+            <p:ph type="subTitle" idx="1"/>
+          </p:nvPr>
+        </p:nvSpPr>
+        <p:spPr>
+          <a:xfrm>
+            <a:off x="1524000" y="2563345"/>
+            <a:ext cx="9144000" cy="1655762"/>
+          </a:xfrm>
+        </p:spPr>
+        <p:txBody>
+          <a:bodyPr/>
+          <a:lstStyle/>
+          <a:p>
+            <a:r>
+              <a:rPr lang="de-DE" sz="4000" dirty="0"/>
+              <a:t>URI-Path   -&gt;   Handler </a:t>
+            </a:r>
+            <a:r>
+              <a:rPr lang="de-DE" sz="4000" dirty="0" err="1"/>
+              <a:t>Function</a:t>
+            </a:r>
+            <a:endParaRPr lang="de-DE" sz="4000" dirty="0"/>
+          </a:p>
+          <a:p>
+            <a:r>
+              <a:rPr lang="de-AT" sz="4000" b="0" dirty="0">
+                <a:solidFill>
+                  <a:srgbClr val="CE9178"/>
+                </a:solidFill>
+                <a:effectLst/>
+                <a:latin typeface="Menlo" panose="020B0609030804020204" pitchFamily="49" charset="0"/>
+              </a:rPr>
+              <a:t>"/"</a:t>
+            </a:r>
+            <a:r>
+              <a:rPr lang="de-AT" sz="4000" b="0" dirty="0">
+                <a:solidFill>
+                  <a:srgbClr val="CCCCCC"/>
+                </a:solidFill>
+                <a:effectLst/>
+                <a:latin typeface="Menlo" panose="020B0609030804020204" pitchFamily="49" charset="0"/>
+              </a:rPr>
+              <a:t> </a:t>
+            </a:r>
+            <a:r>
+              <a:rPr lang="de-AT" sz="4000" b="0" dirty="0">
+                <a:solidFill>
+                  <a:srgbClr val="D4D4D4"/>
+                </a:solidFill>
+                <a:effectLst/>
+                <a:latin typeface="Menlo" panose="020B0609030804020204" pitchFamily="49" charset="0"/>
+              </a:rPr>
+              <a:t>-&gt;</a:t>
+            </a:r>
+            <a:r>
+              <a:rPr lang="de-AT" sz="4000" b="0" dirty="0">
+                <a:solidFill>
+                  <a:srgbClr val="CCCCCC"/>
+                </a:solidFill>
+                <a:effectLst/>
+                <a:latin typeface="Menlo" panose="020B0609030804020204" pitchFamily="49" charset="0"/>
+              </a:rPr>
+              <a:t> </a:t>
+            </a:r>
+            <a:r>
+              <a:rPr lang="de-AT" sz="4000" b="0" dirty="0" err="1">
+                <a:solidFill>
+                  <a:srgbClr val="569CD6"/>
+                </a:solidFill>
+                <a:effectLst/>
+                <a:latin typeface="Menlo" panose="020B0609030804020204" pitchFamily="49" charset="0"/>
+              </a:rPr>
+              <a:t>fn</a:t>
+            </a:r>
+            <a:r>
+              <a:rPr lang="de-AT" sz="4000" b="0" dirty="0">
+                <a:solidFill>
+                  <a:srgbClr val="CCCCCC"/>
+                </a:solidFill>
+                <a:effectLst/>
+                <a:latin typeface="Menlo" panose="020B0609030804020204" pitchFamily="49" charset="0"/>
+              </a:rPr>
+              <a:t>()</a:t>
+            </a:r>
+          </a:p>
+          <a:p>
+            <a:endParaRPr lang="de-DE" dirty="0"/>
+          </a:p>
+        </p:txBody>
+      </p:sp>
+      <p:sp>
+        <p:nvSpPr>
+          <p:cNvPr id="4" name="Titel 1">
+            <a:extLst>
+              <a:ext uri="{FF2B5EF4-FFF2-40B4-BE49-F238E27FC236}">
+                <a16:creationId xmlns:a16="http://schemas.microsoft.com/office/drawing/2014/main" id="{76921599-2561-271E-E65E-2F68BE59417A}"/>
+              </a:ext>
+            </a:extLst>
+          </p:cNvPr>
+          <p:cNvSpPr txBox="1">
+            <a:spLocks/>
+          </p:cNvSpPr>
+          <p:nvPr/>
+        </p:nvSpPr>
+        <p:spPr>
+          <a:xfrm>
+            <a:off x="838200" y="365125"/>
+            <a:ext cx="10515600" cy="1325563"/>
+          </a:xfrm>
+          <a:prstGeom prst="rect">
+            <a:avLst/>
+          </a:prstGeom>
+        </p:spPr>
+        <p:txBody>
+          <a:bodyPr vert="horz" lIns="91440" tIns="45720" rIns="91440" bIns="45720" rtlCol="0" anchor="b">
+            <a:normAutofit/>
+          </a:bodyPr>
+          <a:lstStyle>
+            <a:lvl1pPr algn="ctr" defTabSz="914400" rtl="0" eaLnBrk="1" latinLnBrk="0" hangingPunct="1">
+              <a:lnSpc>
+                <a:spcPct val="90000"/>
+              </a:lnSpc>
+              <a:spcBef>
+                <a:spcPct val="0"/>
+              </a:spcBef>
+              <a:buNone/>
+              <a:defRPr sz="6000" kern="1200">
+                <a:solidFill>
+                  <a:schemeClr val="tx1"/>
+                </a:solidFill>
+                <a:latin typeface="+mj-lt"/>
+                <a:ea typeface="+mj-ea"/>
+                <a:cs typeface="+mj-cs"/>
+              </a:defRPr>
+            </a:lvl1pPr>
+          </a:lstStyle>
+          <a:p>
+            <a:pPr algn="l"/>
+            <a:r>
+              <a:rPr lang="de-DE" sz="4400" dirty="0"/>
+              <a:t>Route Registration</a:t>
+            </a:r>
+            <a:endParaRPr lang="de-AT" sz="4400" dirty="0"/>
+          </a:p>
+        </p:txBody>
+      </p:sp>
+    </p:spTree>
+    <p:extLst>
+      <p:ext uri="{BB962C8B-B14F-4D97-AF65-F5344CB8AC3E}">
+        <p14:creationId xmlns:p14="http://schemas.microsoft.com/office/powerpoint/2010/main" val="1296110748"/>
+      </p:ext>
+    </p:extLst>
+  </p:cSld>
+  <p:clrMapOvr>
+    <a:masterClrMapping/>
+  </p:clrMapOvr>
+</p:sld>
+</file>
+
+<file path=ppt/slides/slide6.xml><?xml version="1.0" encoding="utf-8"?>
+<p:sld xmlns:a="http://schemas.openxmlformats.org/drawingml/2006/main" xmlns:r="http://schemas.openxmlformats.org/officeDocument/2006/relationships" xmlns:p="http://schemas.openxmlformats.org/presentationml/2006/main">
+  <p:cSld>
+    <p:spTree>
+      <p:nvGrpSpPr>
+        <p:cNvPr id="1" name=""/>
+        <p:cNvGrpSpPr/>
+        <p:nvPr/>
+      </p:nvGrpSpPr>
+      <p:grpSpPr>
+        <a:xfrm>
+          <a:off x="0" y="0"/>
+          <a:ext cx="0" cy="0"/>
+          <a:chOff x="0" y="0"/>
+          <a:chExt cx="0" cy="0"/>
+        </a:xfrm>
+      </p:grpSpPr>
+      <p:sp>
+        <p:nvSpPr>
+          <p:cNvPr id="2" name="Titel 1">
+            <a:extLst>
+              <a:ext uri="{FF2B5EF4-FFF2-40B4-BE49-F238E27FC236}">
+                <a16:creationId xmlns:a16="http://schemas.microsoft.com/office/drawing/2014/main" id="{4242A11C-A257-C995-6CD7-1D3DB47CF9C6}"/>
+              </a:ext>
+            </a:extLst>
+          </p:cNvPr>
+          <p:cNvSpPr>
+            <a:spLocks noGrp="1"/>
+          </p:cNvSpPr>
+          <p:nvPr>
+            <p:ph type="title"/>
+          </p:nvPr>
+        </p:nvSpPr>
+        <p:spPr/>
+        <p:txBody>
+          <a:bodyPr/>
+          <a:lstStyle/>
+          <a:p>
+            <a:r>
+              <a:rPr lang="de-DE" dirty="0"/>
+              <a:t>Handler </a:t>
+            </a:r>
+            <a:r>
+              <a:rPr lang="de-DE" dirty="0" err="1"/>
+              <a:t>Function</a:t>
+            </a:r>
+            <a:endParaRPr lang="de-AT" dirty="0"/>
+          </a:p>
+        </p:txBody>
+      </p:sp>
+      <p:sp>
+        <p:nvSpPr>
+          <p:cNvPr id="3" name="Inhaltsplatzhalter 2">
+            <a:extLst>
+              <a:ext uri="{FF2B5EF4-FFF2-40B4-BE49-F238E27FC236}">
+                <a16:creationId xmlns:a16="http://schemas.microsoft.com/office/drawing/2014/main" id="{95E13109-FCD1-36ED-E008-4E791B558A93}"/>
+              </a:ext>
+            </a:extLst>
+          </p:cNvPr>
+          <p:cNvSpPr>
+            <a:spLocks noGrp="1"/>
+          </p:cNvSpPr>
+          <p:nvPr>
+            <p:ph idx="1"/>
+          </p:nvPr>
+        </p:nvSpPr>
+        <p:spPr/>
+        <p:txBody>
+          <a:bodyPr/>
+          <a:lstStyle/>
+          <a:p>
+            <a:pPr marL="0" indent="0">
+              <a:buNone/>
+            </a:pPr>
+            <a:r>
+              <a:rPr lang="de-DE" dirty="0" err="1"/>
+              <a:t>Requirements</a:t>
+            </a:r>
+            <a:r>
+              <a:rPr lang="de-DE" dirty="0"/>
+              <a:t>:</a:t>
+            </a:r>
+          </a:p>
+          <a:p>
+            <a:pPr marL="0" indent="0">
+              <a:buNone/>
+            </a:pPr>
+            <a:endParaRPr lang="de-DE" dirty="0"/>
+          </a:p>
+          <a:p>
+            <a:pPr marL="0" indent="0">
+              <a:buNone/>
+            </a:pPr>
+            <a:r>
+              <a:rPr lang="de-DE" sz="2400" dirty="0"/>
+              <a:t>	-&gt; </a:t>
+            </a:r>
+            <a:r>
+              <a:rPr lang="de-DE" sz="2400" dirty="0" err="1"/>
+              <a:t>Has</a:t>
+            </a:r>
+            <a:r>
+              <a:rPr lang="de-DE" sz="2400" dirty="0"/>
+              <a:t> </a:t>
+            </a:r>
+            <a:r>
+              <a:rPr lang="de-DE" sz="2400" dirty="0" err="1"/>
+              <a:t>to</a:t>
+            </a:r>
+            <a:r>
+              <a:rPr lang="de-DE" sz="2400" dirty="0"/>
+              <a:t> </a:t>
+            </a:r>
+            <a:r>
+              <a:rPr lang="de-DE" sz="2400" dirty="0" err="1"/>
+              <a:t>be</a:t>
+            </a:r>
+            <a:r>
+              <a:rPr lang="de-DE" sz="2400" dirty="0"/>
+              <a:t> an </a:t>
+            </a:r>
+            <a:r>
+              <a:rPr lang="de-DE" sz="2400" dirty="0" err="1"/>
+              <a:t>async</a:t>
+            </a:r>
+            <a:r>
+              <a:rPr lang="de-DE" sz="2400" dirty="0"/>
+              <a:t> </a:t>
+            </a:r>
+            <a:r>
+              <a:rPr lang="de-DE" sz="2400" dirty="0" err="1"/>
+              <a:t>Function</a:t>
+            </a:r>
+            <a:r>
+              <a:rPr lang="de-DE" sz="2400" dirty="0"/>
+              <a:t> </a:t>
+            </a:r>
+            <a:r>
+              <a:rPr lang="de-DE" sz="2400" dirty="0" err="1"/>
+              <a:t>or</a:t>
+            </a:r>
+            <a:r>
+              <a:rPr lang="de-DE" sz="2400" dirty="0"/>
+              <a:t> a </a:t>
+            </a:r>
+            <a:r>
+              <a:rPr lang="de-DE" sz="2400" dirty="0" err="1"/>
+              <a:t>closure</a:t>
+            </a:r>
+            <a:r>
+              <a:rPr lang="de-DE" sz="2400" dirty="0"/>
+              <a:t> </a:t>
+            </a:r>
+            <a:r>
+              <a:rPr lang="de-DE" sz="2400" dirty="0" err="1"/>
+              <a:t>that</a:t>
+            </a:r>
+            <a:r>
+              <a:rPr lang="de-DE" sz="2400" dirty="0"/>
+              <a:t> </a:t>
+            </a:r>
+            <a:r>
+              <a:rPr lang="de-DE" sz="2400" dirty="0" err="1"/>
+              <a:t>returns</a:t>
+            </a:r>
+            <a:r>
+              <a:rPr lang="de-DE" sz="2400" dirty="0"/>
+              <a:t> a Future</a:t>
+            </a:r>
+          </a:p>
+          <a:p>
+            <a:pPr marL="0" indent="0">
+              <a:buNone/>
+            </a:pPr>
+            <a:r>
+              <a:rPr lang="de-DE" sz="2400" dirty="0"/>
+              <a:t>	-&gt; Args </a:t>
+            </a:r>
+            <a:r>
+              <a:rPr lang="de-DE" sz="2400" dirty="0" err="1"/>
+              <a:t>Datatypes</a:t>
+            </a:r>
+            <a:r>
+              <a:rPr lang="de-DE" sz="2400" dirty="0"/>
+              <a:t> </a:t>
+            </a:r>
+            <a:r>
+              <a:rPr lang="de-DE" sz="2400" dirty="0" err="1"/>
+              <a:t>must</a:t>
+            </a:r>
+            <a:r>
+              <a:rPr lang="de-DE" sz="2400" dirty="0"/>
+              <a:t> </a:t>
+            </a:r>
+            <a:r>
+              <a:rPr lang="de-DE" sz="2400" dirty="0" err="1"/>
+              <a:t>implement</a:t>
+            </a:r>
+            <a:r>
+              <a:rPr lang="de-DE" sz="2400" dirty="0"/>
+              <a:t> </a:t>
+            </a:r>
+            <a:r>
+              <a:rPr lang="de-DE" sz="2400" dirty="0" err="1"/>
+              <a:t>FromRequest</a:t>
+            </a:r>
+            <a:r>
+              <a:rPr lang="de-DE" sz="2400" dirty="0"/>
+              <a:t> </a:t>
+            </a:r>
+            <a:r>
+              <a:rPr lang="de-DE" sz="2400" dirty="0" err="1"/>
+              <a:t>trait</a:t>
+            </a:r>
+            <a:endParaRPr lang="de-DE" sz="2400" dirty="0"/>
+          </a:p>
+          <a:p>
+            <a:pPr marL="0" indent="0">
+              <a:buNone/>
+            </a:pPr>
+            <a:r>
+              <a:rPr lang="de-DE" sz="2400" dirty="0"/>
+              <a:t>	-&gt; Return type </a:t>
+            </a:r>
+            <a:r>
+              <a:rPr lang="de-DE" sz="2400" dirty="0" err="1"/>
+              <a:t>can</a:t>
+            </a:r>
+            <a:r>
+              <a:rPr lang="de-DE" sz="2400" dirty="0"/>
+              <a:t> </a:t>
+            </a:r>
+            <a:r>
+              <a:rPr lang="de-DE" sz="2400" dirty="0" err="1"/>
+              <a:t>be</a:t>
+            </a:r>
+            <a:r>
+              <a:rPr lang="de-DE" sz="2400" dirty="0"/>
+              <a:t> </a:t>
+            </a:r>
+            <a:r>
+              <a:rPr lang="de-DE" sz="2400" dirty="0" err="1"/>
+              <a:t>resolved</a:t>
+            </a:r>
+            <a:r>
+              <a:rPr lang="de-DE" sz="2400" dirty="0"/>
+              <a:t> </a:t>
+            </a:r>
+            <a:r>
+              <a:rPr lang="de-DE" sz="2400" dirty="0" err="1"/>
+              <a:t>into</a:t>
+            </a:r>
+            <a:r>
+              <a:rPr lang="de-DE" sz="2400" dirty="0"/>
+              <a:t> a </a:t>
+            </a:r>
+            <a:r>
+              <a:rPr lang="de-DE" sz="2400" dirty="0" err="1"/>
+              <a:t>HttpResponse</a:t>
+            </a:r>
+            <a:r>
+              <a:rPr lang="de-DE" sz="2400" dirty="0"/>
+              <a:t> (e.g. </a:t>
+            </a:r>
+            <a:r>
+              <a:rPr lang="de-DE" sz="2400" dirty="0" err="1"/>
+              <a:t>it</a:t>
+            </a:r>
+            <a:r>
+              <a:rPr lang="de-DE" sz="2400" dirty="0"/>
+              <a:t> </a:t>
+            </a:r>
+            <a:r>
+              <a:rPr lang="de-DE" sz="2400" dirty="0" err="1"/>
+              <a:t>implements</a:t>
+            </a:r>
+            <a:r>
+              <a:rPr lang="de-DE" sz="2400" dirty="0"/>
+              <a:t> </a:t>
+            </a:r>
+            <a:r>
+              <a:rPr lang="de-DE" sz="2400" dirty="0" err="1"/>
+              <a:t>the</a:t>
+            </a:r>
+            <a:r>
+              <a:rPr lang="de-DE" sz="2400" dirty="0"/>
+              <a:t> 	Responder </a:t>
+            </a:r>
+            <a:r>
+              <a:rPr lang="de-DE" sz="2400" dirty="0" err="1"/>
+              <a:t>trait</a:t>
+            </a:r>
+            <a:r>
+              <a:rPr lang="de-DE" sz="2400" dirty="0"/>
+              <a:t>)</a:t>
+            </a:r>
+            <a:endParaRPr lang="de-AT" sz="2400" dirty="0"/>
+          </a:p>
+        </p:txBody>
+      </p:sp>
+    </p:spTree>
+    <p:extLst>
+      <p:ext uri="{BB962C8B-B14F-4D97-AF65-F5344CB8AC3E}">
+        <p14:creationId xmlns:p14="http://schemas.microsoft.com/office/powerpoint/2010/main" val="2132812502"/>
+      </p:ext>
+    </p:extLst>
+  </p:cSld>
+  <p:clrMapOvr>
+    <a:masterClrMapping/>
+  </p:clrMapOvr>
+</p:sld>
+</file>
+
+<file path=ppt/slides/slide7.xml><?xml version="1.0" encoding="utf-8"?>
+<p:sld xmlns:a="http://schemas.openxmlformats.org/drawingml/2006/main" xmlns:r="http://schemas.openxmlformats.org/officeDocument/2006/relationships" xmlns:p="http://schemas.openxmlformats.org/presentationml/2006/main">
+  <p:cSld>
+    <p:spTree>
+      <p:nvGrpSpPr>
+        <p:cNvPr id="1" name=""/>
+        <p:cNvGrpSpPr/>
+        <p:nvPr/>
+      </p:nvGrpSpPr>
+      <p:grpSpPr>
+        <a:xfrm>
+          <a:off x="0" y="0"/>
+          <a:ext cx="0" cy="0"/>
+          <a:chOff x="0" y="0"/>
+          <a:chExt cx="0" cy="0"/>
+        </a:xfrm>
+      </p:grpSpPr>
+      <p:sp>
+        <p:nvSpPr>
+          <p:cNvPr id="2" name="Titel 1">
+            <a:extLst>
+              <a:ext uri="{FF2B5EF4-FFF2-40B4-BE49-F238E27FC236}">
+                <a16:creationId xmlns:a16="http://schemas.microsoft.com/office/drawing/2014/main" id="{66A96E6F-B497-C7C2-B074-E01083A94E34}"/>
+              </a:ext>
+            </a:extLst>
+          </p:cNvPr>
+          <p:cNvSpPr>
+            <a:spLocks noGrp="1"/>
+          </p:cNvSpPr>
+          <p:nvPr>
+            <p:ph type="title"/>
+          </p:nvPr>
+        </p:nvSpPr>
+        <p:spPr/>
+        <p:txBody>
+          <a:bodyPr/>
+          <a:lstStyle/>
+          <a:p>
+            <a:r>
+              <a:rPr lang="de-DE" dirty="0"/>
+              <a:t>Handler </a:t>
+            </a:r>
+            <a:r>
+              <a:rPr lang="de-DE" dirty="0" err="1"/>
+              <a:t>Function</a:t>
+            </a:r>
+            <a:endParaRPr lang="de-AT" dirty="0"/>
+          </a:p>
+        </p:txBody>
+      </p:sp>
+      <p:sp>
+        <p:nvSpPr>
+          <p:cNvPr id="5" name="Inhaltsplatzhalter 4">
+            <a:extLst>
+              <a:ext uri="{FF2B5EF4-FFF2-40B4-BE49-F238E27FC236}">
+                <a16:creationId xmlns:a16="http://schemas.microsoft.com/office/drawing/2014/main" id="{893C5F94-2EE9-9AF3-3680-56F990D8A4A8}"/>
+              </a:ext>
+            </a:extLst>
+          </p:cNvPr>
+          <p:cNvSpPr>
+            <a:spLocks noGrp="1"/>
+          </p:cNvSpPr>
+          <p:nvPr>
+            <p:ph idx="1"/>
+          </p:nvPr>
+        </p:nvSpPr>
+        <p:spPr/>
+        <p:txBody>
+          <a:bodyPr/>
+          <a:lstStyle/>
+          <a:p>
+            <a:pPr marL="0" indent="0">
+              <a:buNone/>
+            </a:pPr>
+            <a:r>
+              <a:rPr lang="de-AT" b="0" dirty="0">
+                <a:solidFill>
+                  <a:srgbClr val="569CD6"/>
+                </a:solidFill>
+                <a:effectLst/>
+                <a:latin typeface="Consolas" panose="020B0609020204030204" pitchFamily="49" charset="0"/>
+              </a:rPr>
+              <a:t>		</a:t>
+            </a:r>
+            <a:r>
+              <a:rPr lang="de-AT" dirty="0" err="1">
+                <a:solidFill>
+                  <a:srgbClr val="4EC9B0"/>
+                </a:solidFill>
+                <a:latin typeface="Consolas" panose="020B0609020204030204" pitchFamily="49" charset="0"/>
+              </a:rPr>
+              <a:t>impl</a:t>
+            </a:r>
+            <a:r>
+              <a:rPr lang="de-AT" dirty="0">
+                <a:solidFill>
+                  <a:srgbClr val="4EC9B0"/>
+                </a:solidFill>
+                <a:latin typeface="Consolas" panose="020B0609020204030204" pitchFamily="49" charset="0"/>
+              </a:rPr>
+              <a:t> </a:t>
+            </a:r>
+            <a:r>
+              <a:rPr lang="de-AT" dirty="0" err="1">
+                <a:solidFill>
+                  <a:srgbClr val="4EC9B0"/>
+                </a:solidFill>
+                <a:latin typeface="Consolas" panose="020B0609020204030204" pitchFamily="49" charset="0"/>
+              </a:rPr>
+              <a:t>FromRequest</a:t>
+            </a:r>
+            <a:endParaRPr lang="de-AT" dirty="0">
+              <a:solidFill>
+                <a:srgbClr val="4EC9B0"/>
+              </a:solidFill>
+              <a:latin typeface="Consolas" panose="020B0609020204030204" pitchFamily="49" charset="0"/>
+            </a:endParaRPr>
+          </a:p>
+          <a:p>
+            <a:pPr marL="0" indent="0">
+              <a:buNone/>
+            </a:pPr>
+            <a:endParaRPr lang="de-AT" b="0" dirty="0">
+              <a:solidFill>
+                <a:srgbClr val="569CD6"/>
+              </a:solidFill>
+              <a:effectLst/>
+              <a:latin typeface="Consolas" panose="020B0609020204030204" pitchFamily="49" charset="0"/>
+            </a:endParaRPr>
+          </a:p>
+          <a:p>
+            <a:pPr marL="0" indent="0">
+              <a:buNone/>
+            </a:pPr>
+            <a:r>
+              <a:rPr lang="de-AT" b="0" dirty="0" err="1">
+                <a:solidFill>
+                  <a:srgbClr val="569CD6"/>
+                </a:solidFill>
+                <a:effectLst/>
+                <a:latin typeface="Consolas" panose="020B0609020204030204" pitchFamily="49" charset="0"/>
+              </a:rPr>
+              <a:t>async</a:t>
+            </a:r>
+            <a:r>
+              <a:rPr lang="de-AT" b="0" dirty="0">
+                <a:solidFill>
+                  <a:srgbClr val="D4D4D4"/>
+                </a:solidFill>
+                <a:effectLst/>
+                <a:latin typeface="Consolas" panose="020B0609020204030204" pitchFamily="49" charset="0"/>
+              </a:rPr>
+              <a:t> </a:t>
+            </a:r>
+            <a:r>
+              <a:rPr lang="de-AT" b="0" dirty="0" err="1">
+                <a:solidFill>
+                  <a:srgbClr val="569CD6"/>
+                </a:solidFill>
+                <a:effectLst/>
+                <a:latin typeface="Consolas" panose="020B0609020204030204" pitchFamily="49" charset="0"/>
+              </a:rPr>
+              <a:t>fn</a:t>
+            </a:r>
+            <a:r>
+              <a:rPr lang="de-AT" b="0" dirty="0">
+                <a:solidFill>
+                  <a:srgbClr val="D4D4D4"/>
+                </a:solidFill>
+                <a:effectLst/>
+                <a:latin typeface="Consolas" panose="020B0609020204030204" pitchFamily="49" charset="0"/>
+              </a:rPr>
+              <a:t> </a:t>
+            </a:r>
+            <a:r>
+              <a:rPr lang="de-AT" b="0" dirty="0" err="1">
+                <a:solidFill>
+                  <a:srgbClr val="DCDCAA"/>
+                </a:solidFill>
+                <a:effectLst/>
+                <a:latin typeface="Consolas" panose="020B0609020204030204" pitchFamily="49" charset="0"/>
+              </a:rPr>
+              <a:t>hello</a:t>
+            </a:r>
+            <a:r>
+              <a:rPr lang="de-AT" b="0" dirty="0">
+                <a:solidFill>
+                  <a:srgbClr val="D4D4D4"/>
+                </a:solidFill>
+                <a:effectLst/>
+                <a:latin typeface="Consolas" panose="020B0609020204030204" pitchFamily="49" charset="0"/>
+              </a:rPr>
+              <a:t>() -&gt; </a:t>
+            </a:r>
+            <a:r>
+              <a:rPr lang="de-AT" b="0" dirty="0" err="1">
+                <a:solidFill>
+                  <a:srgbClr val="4EC9B0"/>
+                </a:solidFill>
+                <a:effectLst/>
+                <a:latin typeface="Consolas" panose="020B0609020204030204" pitchFamily="49" charset="0"/>
+              </a:rPr>
+              <a:t>impl</a:t>
+            </a:r>
+            <a:r>
+              <a:rPr lang="de-AT" b="0" dirty="0">
+                <a:solidFill>
+                  <a:srgbClr val="4EC9B0"/>
+                </a:solidFill>
+                <a:effectLst/>
+                <a:latin typeface="Consolas" panose="020B0609020204030204" pitchFamily="49" charset="0"/>
+              </a:rPr>
+              <a:t> Responder</a:t>
+            </a:r>
+            <a:r>
+              <a:rPr lang="de-AT" b="0" dirty="0">
+                <a:solidFill>
+                  <a:srgbClr val="D4D4D4"/>
+                </a:solidFill>
+                <a:effectLst/>
+                <a:latin typeface="Consolas" panose="020B0609020204030204" pitchFamily="49" charset="0"/>
+              </a:rPr>
+              <a:t> {</a:t>
+            </a:r>
+          </a:p>
+          <a:p>
+            <a:pPr marL="0" indent="0">
+              <a:buNone/>
+            </a:pPr>
+            <a:r>
+              <a:rPr lang="de-AT" b="0" dirty="0">
+                <a:solidFill>
+                  <a:srgbClr val="D4D4D4"/>
+                </a:solidFill>
+                <a:effectLst/>
+                <a:latin typeface="Consolas" panose="020B0609020204030204" pitchFamily="49" charset="0"/>
+              </a:rPr>
+              <a:t>    </a:t>
+            </a:r>
+            <a:r>
+              <a:rPr lang="de-AT" b="0" dirty="0">
+                <a:solidFill>
+                  <a:srgbClr val="CE9178"/>
+                </a:solidFill>
+                <a:effectLst/>
+                <a:latin typeface="Consolas" panose="020B0609020204030204" pitchFamily="49" charset="0"/>
+              </a:rPr>
+              <a:t>"Hello </a:t>
+            </a:r>
+            <a:r>
+              <a:rPr lang="de-AT" b="0" dirty="0" err="1">
+                <a:solidFill>
+                  <a:srgbClr val="CE9178"/>
+                </a:solidFill>
+                <a:effectLst/>
+                <a:latin typeface="Consolas" panose="020B0609020204030204" pitchFamily="49" charset="0"/>
+              </a:rPr>
+              <a:t>Rustaceans</a:t>
+            </a:r>
+            <a:r>
+              <a:rPr lang="de-AT" b="0" dirty="0">
+                <a:solidFill>
+                  <a:srgbClr val="CE9178"/>
+                </a:solidFill>
+                <a:effectLst/>
+                <a:latin typeface="Consolas" panose="020B0609020204030204" pitchFamily="49" charset="0"/>
+              </a:rPr>
+              <a:t>!"</a:t>
+            </a:r>
+            <a:endParaRPr lang="de-AT" b="0" dirty="0">
+              <a:solidFill>
+                <a:srgbClr val="D4D4D4"/>
+              </a:solidFill>
+              <a:effectLst/>
+              <a:latin typeface="Consolas" panose="020B0609020204030204" pitchFamily="49" charset="0"/>
+            </a:endParaRPr>
+          </a:p>
+          <a:p>
+            <a:pPr marL="0" indent="0">
+              <a:buNone/>
+            </a:pPr>
+            <a:r>
+              <a:rPr lang="de-AT" b="0" dirty="0">
+                <a:solidFill>
+                  <a:srgbClr val="D4D4D4"/>
+                </a:solidFill>
+                <a:effectLst/>
+                <a:latin typeface="Consolas" panose="020B0609020204030204" pitchFamily="49" charset="0"/>
+              </a:rPr>
+              <a:t>}</a:t>
+            </a:r>
+          </a:p>
+          <a:p>
+            <a:pPr marL="0" indent="0">
+              <a:buNone/>
+            </a:pPr>
+            <a:endParaRPr lang="de-AT" dirty="0"/>
+          </a:p>
+        </p:txBody>
+      </p:sp>
+      <p:sp>
+        <p:nvSpPr>
+          <p:cNvPr id="6" name="Ellipse 5">
+            <a:extLst>
+              <a:ext uri="{FF2B5EF4-FFF2-40B4-BE49-F238E27FC236}">
+                <a16:creationId xmlns:a16="http://schemas.microsoft.com/office/drawing/2014/main" id="{32210CB7-FC96-37C9-727E-00AF63CAAD6C}"/>
+              </a:ext>
+            </a:extLst>
+          </p:cNvPr>
+          <p:cNvSpPr/>
+          <p:nvPr/>
+        </p:nvSpPr>
+        <p:spPr>
+          <a:xfrm>
+            <a:off x="838200" y="2734322"/>
+            <a:ext cx="1194786" cy="694678"/>
+          </a:xfrm>
+          <a:prstGeom prst="ellipse">
+            <a:avLst/>
+          </a:prstGeom>
+          <a:noFill/>
+          <a:ln>
+            <a:solidFill>
+              <a:srgbClr val="FF0000"/>
+            </a:solidFill>
+          </a:ln>
+        </p:spPr>
+        <p:style>
+          <a:lnRef idx="2">
+            <a:schemeClr val="accent1">
+              <a:shade val="50000"/>
+            </a:schemeClr>
+          </a:lnRef>
+          <a:fillRef idx="1">
+            <a:schemeClr val="accent1"/>
+          </a:fillRef>
+          <a:effectRef idx="0">
+            <a:schemeClr val="accent1"/>
+          </a:effectRef>
+          <a:fontRef idx="minor">
+            <a:schemeClr val="lt1"/>
+          </a:fontRef>
+        </p:style>
+        <p:txBody>
+          <a:bodyPr rtlCol="0" anchor="ctr"/>
+          <a:lstStyle/>
+          <a:p>
+            <a:pPr algn="ctr"/>
+            <a:endParaRPr lang="de-AT"/>
+          </a:p>
+        </p:txBody>
+      </p:sp>
+      <p:sp>
+        <p:nvSpPr>
+          <p:cNvPr id="7" name="Ellipse 6">
+            <a:extLst>
+              <a:ext uri="{FF2B5EF4-FFF2-40B4-BE49-F238E27FC236}">
+                <a16:creationId xmlns:a16="http://schemas.microsoft.com/office/drawing/2014/main" id="{FE9EC0BE-3F2C-20B9-9F9D-4AB817708D02}"/>
+              </a:ext>
+            </a:extLst>
+          </p:cNvPr>
+          <p:cNvSpPr/>
+          <p:nvPr/>
+        </p:nvSpPr>
+        <p:spPr>
+          <a:xfrm>
+            <a:off x="4687411" y="2716566"/>
+            <a:ext cx="3036162" cy="774577"/>
+          </a:xfrm>
+          <a:prstGeom prst="ellipse">
+            <a:avLst/>
+          </a:prstGeom>
+          <a:noFill/>
+          <a:ln>
+            <a:solidFill>
+              <a:srgbClr val="FF0000"/>
+            </a:solidFill>
+          </a:ln>
+        </p:spPr>
+        <p:style>
+          <a:lnRef idx="2">
+            <a:schemeClr val="accent1">
+              <a:shade val="50000"/>
+            </a:schemeClr>
+          </a:lnRef>
+          <a:fillRef idx="1">
+            <a:schemeClr val="accent1"/>
+          </a:fillRef>
+          <a:effectRef idx="0">
+            <a:schemeClr val="accent1"/>
+          </a:effectRef>
+          <a:fontRef idx="minor">
+            <a:schemeClr val="lt1"/>
+          </a:fontRef>
+        </p:style>
+        <p:txBody>
+          <a:bodyPr rtlCol="0" anchor="ctr"/>
+          <a:lstStyle/>
+          <a:p>
+            <a:pPr algn="ctr"/>
+            <a:endParaRPr lang="de-AT"/>
+          </a:p>
+        </p:txBody>
+      </p:sp>
+      <p:sp>
+        <p:nvSpPr>
+          <p:cNvPr id="8" name="Ellipse 7">
+            <a:extLst>
+              <a:ext uri="{FF2B5EF4-FFF2-40B4-BE49-F238E27FC236}">
+                <a16:creationId xmlns:a16="http://schemas.microsoft.com/office/drawing/2014/main" id="{D6AC8C1F-69D8-CE52-FB22-5ECAD1826D24}"/>
+              </a:ext>
+            </a:extLst>
+          </p:cNvPr>
+          <p:cNvSpPr/>
+          <p:nvPr/>
+        </p:nvSpPr>
+        <p:spPr>
+          <a:xfrm>
+            <a:off x="2544931" y="1690688"/>
+            <a:ext cx="3625049" cy="774577"/>
+          </a:xfrm>
+          <a:prstGeom prst="ellipse">
+            <a:avLst/>
+          </a:prstGeom>
+          <a:noFill/>
+          <a:ln>
+            <a:solidFill>
+              <a:srgbClr val="FF0000"/>
+            </a:solidFill>
+          </a:ln>
+        </p:spPr>
+        <p:style>
+          <a:lnRef idx="2">
+            <a:schemeClr val="accent1">
+              <a:shade val="50000"/>
+            </a:schemeClr>
+          </a:lnRef>
+          <a:fillRef idx="1">
+            <a:schemeClr val="accent1"/>
+          </a:fillRef>
+          <a:effectRef idx="0">
+            <a:schemeClr val="accent1"/>
+          </a:effectRef>
+          <a:fontRef idx="minor">
+            <a:schemeClr val="lt1"/>
+          </a:fontRef>
+        </p:style>
+        <p:txBody>
+          <a:bodyPr rtlCol="0" anchor="ctr"/>
+          <a:lstStyle/>
+          <a:p>
+            <a:pPr algn="ctr"/>
+            <a:endParaRPr lang="de-AT"/>
+          </a:p>
+        </p:txBody>
+      </p:sp>
+      <p:cxnSp>
+        <p:nvCxnSpPr>
+          <p:cNvPr id="13" name="Gerade Verbindung mit Pfeil 12">
+            <a:extLst>
+              <a:ext uri="{FF2B5EF4-FFF2-40B4-BE49-F238E27FC236}">
+                <a16:creationId xmlns:a16="http://schemas.microsoft.com/office/drawing/2014/main" id="{FC7DDAD9-4525-D3D4-598B-85CD8F498FC3}"/>
+              </a:ext>
+            </a:extLst>
+          </p:cNvPr>
+          <p:cNvCxnSpPr>
+            <a:cxnSpLocks/>
+          </p:cNvCxnSpPr>
+          <p:nvPr/>
+        </p:nvCxnSpPr>
+        <p:spPr>
+          <a:xfrm flipH="1">
+            <a:off x="3835153" y="2465265"/>
+            <a:ext cx="62144" cy="550986"/>
+          </a:xfrm>
+          <a:prstGeom prst="straightConnector1">
+            <a:avLst/>
+          </a:prstGeom>
+          <a:ln>
+            <a:solidFill>
+              <a:srgbClr val="FF0000"/>
+            </a:solidFill>
+            <a:tailEnd type="triangle"/>
+          </a:ln>
+        </p:spPr>
+        <p:style>
+          <a:lnRef idx="1">
+            <a:schemeClr val="accent1"/>
+          </a:lnRef>
+          <a:fillRef idx="0">
+            <a:schemeClr val="accent1"/>
+          </a:fillRef>
+          <a:effectRef idx="0">
+            <a:schemeClr val="accent1"/>
+          </a:effectRef>
+          <a:fontRef idx="minor">
+            <a:schemeClr val="tx1"/>
+          </a:fontRef>
+        </p:style>
+      </p:cxnSp>
+    </p:spTree>
+    <p:extLst>
+      <p:ext uri="{BB962C8B-B14F-4D97-AF65-F5344CB8AC3E}">
+        <p14:creationId xmlns:p14="http://schemas.microsoft.com/office/powerpoint/2010/main" val="1766509743"/>
+      </p:ext>
+    </p:extLst>
+  </p:cSld>
+  <p:clrMapOvr>
+    <a:masterClrMapping/>
+  </p:clrMapOvr>
+</p:sld>
+</file>
+
+<file path=ppt/slides/slide8.xml><?xml version="1.0" encoding="utf-8"?>
+<p:sld xmlns:a="http://schemas.openxmlformats.org/drawingml/2006/main" xmlns:r="http://schemas.openxmlformats.org/officeDocument/2006/relationships" xmlns:p="http://schemas.openxmlformats.org/presentationml/2006/main">
+  <p:cSld>
+    <p:spTree>
+      <p:nvGrpSpPr>
+        <p:cNvPr id="1" name=""/>
+        <p:cNvGrpSpPr/>
+        <p:nvPr/>
+      </p:nvGrpSpPr>
+      <p:grpSpPr>
+        <a:xfrm>
+          <a:off x="0" y="0"/>
+          <a:ext cx="0" cy="0"/>
+          <a:chOff x="0" y="0"/>
+          <a:chExt cx="0" cy="0"/>
+        </a:xfrm>
+      </p:grpSpPr>
+      <p:sp>
+        <p:nvSpPr>
+          <p:cNvPr id="2" name="Titel 1">
+            <a:extLst>
+              <a:ext uri="{FF2B5EF4-FFF2-40B4-BE49-F238E27FC236}">
                 <a16:creationId xmlns:a16="http://schemas.microsoft.com/office/drawing/2014/main" id="{AB0AF7AC-96AA-F168-C11F-5BBBFBE1A7BE}"/>
               </a:ext>
             </a:extLst>
@@ -5681,6 +10729,14 @@
             </a:r>
             <a:r>
               <a:rPr lang="de-DE" dirty="0"/>
+              <a:t> and </a:t>
+            </a:r>
+            <a:r>
+              <a:rPr lang="de-DE" dirty="0" err="1"/>
+              <a:t>structs</a:t>
+            </a:r>
+            <a:r>
+              <a:rPr lang="de-DE" dirty="0"/>
               <a:t> </a:t>
             </a:r>
             <a:r>
@@ -5702,6 +10758,18 @@
             <a:r>
               <a:rPr lang="de-DE" dirty="0" err="1"/>
               <a:t>FromRequest</a:t>
+            </a:r>
+            <a:r>
+              <a:rPr lang="de-DE" dirty="0"/>
+              <a:t> (</a:t>
+            </a:r>
+            <a:r>
+              <a:rPr lang="de-DE" dirty="0" err="1"/>
+              <a:t>examples</a:t>
+            </a:r>
+            <a:r>
+              <a:rPr lang="de-DE" dirty="0"/>
+              <a:t>)</a:t>
             </a:r>
             <a:endParaRPr lang="de-AT" dirty="0"/>
           </a:p>
@@ -5867,7 +10935,7 @@
 </p:sld>
 </file>
 
-<file path=ppt/slides/slide11.xml><?xml version="1.0" encoding="utf-8"?>
+<file path=ppt/slides/slide9.xml><?xml version="1.0" encoding="utf-8"?>
 <p:sld xmlns:a="http://schemas.openxmlformats.org/drawingml/2006/main" xmlns:r="http://schemas.openxmlformats.org/officeDocument/2006/relationships" xmlns:p="http://schemas.openxmlformats.org/presentationml/2006/main">
   <p:cSld>
     <p:spTree>
@@ -5911,6 +10979,14 @@
             </a:r>
             <a:r>
               <a:rPr lang="de-DE" dirty="0"/>
+              <a:t> and </a:t>
+            </a:r>
+            <a:r>
+              <a:rPr lang="de-DE" dirty="0" err="1"/>
+              <a:t>structs</a:t>
+            </a:r>
+            <a:r>
+              <a:rPr lang="de-DE" dirty="0"/>
               <a:t> </a:t>
             </a:r>
             <a:r>
@@ -5978,3576 +11054,6 @@
     <p:extLst>
       <p:ext uri="{BB962C8B-B14F-4D97-AF65-F5344CB8AC3E}">
         <p14:creationId xmlns:p14="http://schemas.microsoft.com/office/powerpoint/2010/main" val="2410797446"/>
-      </p:ext>
-    </p:extLst>
-  </p:cSld>
-  <p:clrMapOvr>
-    <a:masterClrMapping/>
-  </p:clrMapOvr>
-</p:sld>
-</file>
-
-<file path=ppt/slides/slide12.xml><?xml version="1.0" encoding="utf-8"?>
-<p:sld xmlns:a="http://schemas.openxmlformats.org/drawingml/2006/main" xmlns:r="http://schemas.openxmlformats.org/officeDocument/2006/relationships" xmlns:p="http://schemas.openxmlformats.org/presentationml/2006/main">
-  <p:cSld>
-    <p:spTree>
-      <p:nvGrpSpPr>
-        <p:cNvPr id="1" name=""/>
-        <p:cNvGrpSpPr/>
-        <p:nvPr/>
-      </p:nvGrpSpPr>
-      <p:grpSpPr>
-        <a:xfrm>
-          <a:off x="0" y="0"/>
-          <a:ext cx="0" cy="0"/>
-          <a:chOff x="0" y="0"/>
-          <a:chExt cx="0" cy="0"/>
-        </a:xfrm>
-      </p:grpSpPr>
-      <p:sp>
-        <p:nvSpPr>
-          <p:cNvPr id="2" name="Titel 1">
-            <a:extLst>
-              <a:ext uri="{FF2B5EF4-FFF2-40B4-BE49-F238E27FC236}">
-                <a16:creationId xmlns:a16="http://schemas.microsoft.com/office/drawing/2014/main" id="{751842EB-203D-FD96-6EDF-06C32DE3C360}"/>
-              </a:ext>
-            </a:extLst>
-          </p:cNvPr>
-          <p:cNvSpPr>
-            <a:spLocks noGrp="1"/>
-          </p:cNvSpPr>
-          <p:nvPr>
-            <p:ph type="title"/>
-          </p:nvPr>
-        </p:nvSpPr>
-        <p:spPr/>
-        <p:txBody>
-          <a:bodyPr/>
-          <a:lstStyle/>
-          <a:p>
-            <a:r>
-              <a:rPr lang="de-DE" dirty="0"/>
-              <a:t>Customize a </a:t>
-            </a:r>
-            <a:r>
-              <a:rPr lang="de-DE" dirty="0" err="1"/>
-              <a:t>HttpResponse</a:t>
-            </a:r>
-            <a:endParaRPr lang="de-AT" dirty="0"/>
-          </a:p>
-        </p:txBody>
-      </p:sp>
-      <p:sp>
-        <p:nvSpPr>
-          <p:cNvPr id="3" name="Inhaltsplatzhalter 2">
-            <a:extLst>
-              <a:ext uri="{FF2B5EF4-FFF2-40B4-BE49-F238E27FC236}">
-                <a16:creationId xmlns:a16="http://schemas.microsoft.com/office/drawing/2014/main" id="{7E4BFCF8-2ADC-1A5C-6E3D-63B4575E4FDE}"/>
-              </a:ext>
-            </a:extLst>
-          </p:cNvPr>
-          <p:cNvSpPr>
-            <a:spLocks noGrp="1"/>
-          </p:cNvSpPr>
-          <p:nvPr>
-            <p:ph idx="1"/>
-          </p:nvPr>
-        </p:nvSpPr>
-        <p:spPr/>
-        <p:txBody>
-          <a:bodyPr/>
-          <a:lstStyle/>
-          <a:p>
-            <a:pPr marL="0" indent="0">
-              <a:buNone/>
-            </a:pPr>
-            <a:r>
-              <a:rPr lang="de-DE" dirty="0"/>
-              <a:t>The Responder </a:t>
-            </a:r>
-            <a:r>
-              <a:rPr lang="de-DE" dirty="0" err="1"/>
-              <a:t>trait</a:t>
-            </a:r>
-            <a:r>
-              <a:rPr lang="de-DE" dirty="0"/>
-              <a:t> </a:t>
-            </a:r>
-            <a:r>
-              <a:rPr lang="de-DE" dirty="0" err="1"/>
-              <a:t>provides</a:t>
-            </a:r>
-            <a:r>
-              <a:rPr lang="de-DE" dirty="0"/>
-              <a:t> a </a:t>
-            </a:r>
-            <a:r>
-              <a:rPr lang="de-DE" dirty="0" err="1"/>
-              <a:t>method</a:t>
-            </a:r>
-            <a:r>
-              <a:rPr lang="de-DE" dirty="0"/>
-              <a:t> </a:t>
-            </a:r>
-            <a:r>
-              <a:rPr lang="de-DE" dirty="0" err="1"/>
-              <a:t>for</a:t>
-            </a:r>
-            <a:r>
-              <a:rPr lang="de-DE" dirty="0"/>
-              <a:t> </a:t>
-            </a:r>
-            <a:r>
-              <a:rPr lang="de-DE" dirty="0" err="1"/>
-              <a:t>customizing</a:t>
-            </a:r>
-            <a:r>
-              <a:rPr lang="de-DE" dirty="0"/>
-              <a:t> </a:t>
-            </a:r>
-            <a:r>
-              <a:rPr lang="de-DE" dirty="0" err="1"/>
-              <a:t>responses</a:t>
-            </a:r>
-            <a:r>
-              <a:rPr lang="de-DE" dirty="0"/>
-              <a:t>:</a:t>
-            </a:r>
-          </a:p>
-          <a:p>
-            <a:pPr marL="0" indent="0">
-              <a:buNone/>
-            </a:pPr>
-            <a:endParaRPr lang="de-DE" dirty="0"/>
-          </a:p>
-          <a:p>
-            <a:pPr marL="0" indent="0">
-              <a:buNone/>
-            </a:pPr>
-            <a:r>
-              <a:rPr lang="de-AT" b="0" dirty="0">
-                <a:solidFill>
-                  <a:srgbClr val="DCDCAA"/>
-                </a:solidFill>
-                <a:effectLst/>
-                <a:latin typeface="Consolas" panose="020B0609020204030204" pitchFamily="49" charset="0"/>
-              </a:rPr>
-              <a:t>customize</a:t>
-            </a:r>
-            <a:r>
-              <a:rPr lang="de-AT" b="0" dirty="0">
-                <a:solidFill>
-                  <a:srgbClr val="D4D4D4"/>
-                </a:solidFill>
-                <a:effectLst/>
-                <a:latin typeface="Consolas" panose="020B0609020204030204" pitchFamily="49" charset="0"/>
-              </a:rPr>
-              <a:t>()</a:t>
-            </a:r>
-          </a:p>
-          <a:p>
-            <a:pPr marL="0" indent="0">
-              <a:buNone/>
-            </a:pPr>
-            <a:endParaRPr lang="de-AT" dirty="0"/>
-          </a:p>
-          <a:p>
-            <a:pPr marL="0" indent="0">
-              <a:buNone/>
-            </a:pPr>
-            <a:r>
-              <a:rPr lang="de-AT" dirty="0"/>
-              <a:t>The </a:t>
-            </a:r>
-            <a:r>
-              <a:rPr lang="de-AT" dirty="0" err="1"/>
-              <a:t>HttpResponse</a:t>
-            </a:r>
-            <a:r>
-              <a:rPr lang="de-AT" dirty="0"/>
-              <a:t> type </a:t>
-            </a:r>
-            <a:r>
-              <a:rPr lang="de-AT" dirty="0" err="1"/>
-              <a:t>provides</a:t>
-            </a:r>
-            <a:r>
-              <a:rPr lang="de-AT" dirty="0"/>
-              <a:t> a </a:t>
-            </a:r>
-            <a:r>
-              <a:rPr lang="de-AT" dirty="0" err="1"/>
-              <a:t>method</a:t>
-            </a:r>
-            <a:r>
-              <a:rPr lang="de-AT" dirty="0"/>
-              <a:t> </a:t>
-            </a:r>
-            <a:r>
-              <a:rPr lang="de-AT" dirty="0" err="1"/>
-              <a:t>to</a:t>
-            </a:r>
-            <a:r>
-              <a:rPr lang="de-AT" dirty="0"/>
-              <a:t> </a:t>
-            </a:r>
-            <a:r>
-              <a:rPr lang="de-AT" dirty="0" err="1"/>
-              <a:t>build</a:t>
-            </a:r>
-            <a:r>
-              <a:rPr lang="de-AT" dirty="0"/>
-              <a:t> a </a:t>
-            </a:r>
-            <a:r>
-              <a:rPr lang="de-AT" dirty="0" err="1"/>
-              <a:t>customized</a:t>
-            </a:r>
-            <a:r>
-              <a:rPr lang="de-AT" dirty="0"/>
-              <a:t> </a:t>
-            </a:r>
-            <a:r>
-              <a:rPr lang="de-AT" dirty="0" err="1"/>
-              <a:t>response</a:t>
-            </a:r>
-            <a:r>
-              <a:rPr lang="de-AT" dirty="0"/>
-              <a:t>:</a:t>
-            </a:r>
-          </a:p>
-          <a:p>
-            <a:pPr marL="0" indent="0">
-              <a:buNone/>
-            </a:pPr>
-            <a:endParaRPr lang="de-AT" dirty="0"/>
-          </a:p>
-          <a:p>
-            <a:pPr marL="0" indent="0">
-              <a:buNone/>
-            </a:pPr>
-            <a:r>
-              <a:rPr lang="de-AT" b="0" dirty="0" err="1">
-                <a:solidFill>
-                  <a:srgbClr val="DCDCAA"/>
-                </a:solidFill>
-                <a:effectLst/>
-                <a:latin typeface="Consolas" panose="020B0609020204030204" pitchFamily="49" charset="0"/>
-              </a:rPr>
-              <a:t>build</a:t>
-            </a:r>
-            <a:r>
-              <a:rPr lang="de-AT" b="0" dirty="0">
-                <a:solidFill>
-                  <a:srgbClr val="D4D4D4"/>
-                </a:solidFill>
-                <a:effectLst/>
-                <a:latin typeface="Consolas" panose="020B0609020204030204" pitchFamily="49" charset="0"/>
-              </a:rPr>
-              <a:t>()</a:t>
-            </a:r>
-          </a:p>
-          <a:p>
-            <a:pPr marL="0" indent="0">
-              <a:buNone/>
-            </a:pPr>
-            <a:endParaRPr lang="de-AT" dirty="0"/>
-          </a:p>
-        </p:txBody>
-      </p:sp>
-    </p:spTree>
-    <p:extLst>
-      <p:ext uri="{BB962C8B-B14F-4D97-AF65-F5344CB8AC3E}">
-        <p14:creationId xmlns:p14="http://schemas.microsoft.com/office/powerpoint/2010/main" val="3749233082"/>
-      </p:ext>
-    </p:extLst>
-  </p:cSld>
-  <p:clrMapOvr>
-    <a:masterClrMapping/>
-  </p:clrMapOvr>
-</p:sld>
-</file>
-
-<file path=ppt/slides/slide13.xml><?xml version="1.0" encoding="utf-8"?>
-<p:sld xmlns:a="http://schemas.openxmlformats.org/drawingml/2006/main" xmlns:r="http://schemas.openxmlformats.org/officeDocument/2006/relationships" xmlns:p="http://schemas.openxmlformats.org/presentationml/2006/main">
-  <p:cSld>
-    <p:spTree>
-      <p:nvGrpSpPr>
-        <p:cNvPr id="1" name=""/>
-        <p:cNvGrpSpPr/>
-        <p:nvPr/>
-      </p:nvGrpSpPr>
-      <p:grpSpPr>
-        <a:xfrm>
-          <a:off x="0" y="0"/>
-          <a:ext cx="0" cy="0"/>
-          <a:chOff x="0" y="0"/>
-          <a:chExt cx="0" cy="0"/>
-        </a:xfrm>
-      </p:grpSpPr>
-      <p:sp>
-        <p:nvSpPr>
-          <p:cNvPr id="2" name="Titel 1">
-            <a:extLst>
-              <a:ext uri="{FF2B5EF4-FFF2-40B4-BE49-F238E27FC236}">
-                <a16:creationId xmlns:a16="http://schemas.microsoft.com/office/drawing/2014/main" id="{52923CB2-3A15-F0D7-133F-B9DC5C934EFF}"/>
-              </a:ext>
-            </a:extLst>
-          </p:cNvPr>
-          <p:cNvSpPr>
-            <a:spLocks noGrp="1"/>
-          </p:cNvSpPr>
-          <p:nvPr>
-            <p:ph type="title"/>
-          </p:nvPr>
-        </p:nvSpPr>
-        <p:spPr/>
-        <p:txBody>
-          <a:bodyPr/>
-          <a:lstStyle/>
-          <a:p>
-            <a:r>
-              <a:rPr lang="de-DE" dirty="0"/>
-              <a:t>Other Frameworks / Libraries</a:t>
-            </a:r>
-          </a:p>
-        </p:txBody>
-      </p:sp>
-      <p:sp>
-        <p:nvSpPr>
-          <p:cNvPr id="3" name="Inhaltsplatzhalter 2">
-            <a:extLst>
-              <a:ext uri="{FF2B5EF4-FFF2-40B4-BE49-F238E27FC236}">
-                <a16:creationId xmlns:a16="http://schemas.microsoft.com/office/drawing/2014/main" id="{61E8B97F-54A9-E12D-9A19-3178AB7A887C}"/>
-              </a:ext>
-            </a:extLst>
-          </p:cNvPr>
-          <p:cNvSpPr>
-            <a:spLocks noGrp="1"/>
-          </p:cNvSpPr>
-          <p:nvPr>
-            <p:ph idx="1"/>
-          </p:nvPr>
-        </p:nvSpPr>
-        <p:spPr/>
-        <p:txBody>
-          <a:bodyPr/>
-          <a:lstStyle/>
-          <a:p>
-            <a:r>
-              <a:rPr lang="de-DE" dirty="0"/>
-              <a:t>Warp</a:t>
-            </a:r>
-          </a:p>
-          <a:p>
-            <a:r>
-              <a:rPr lang="de-DE" dirty="0"/>
-              <a:t>Rocket</a:t>
-            </a:r>
-          </a:p>
-          <a:p>
-            <a:r>
-              <a:rPr lang="de-DE" dirty="0" err="1"/>
-              <a:t>Thruster</a:t>
-            </a:r>
-            <a:endParaRPr lang="de-DE" dirty="0"/>
-          </a:p>
-          <a:p>
-            <a:r>
-              <a:rPr lang="de-DE" dirty="0" err="1"/>
-              <a:t>Hyper</a:t>
-            </a:r>
-            <a:r>
-              <a:rPr lang="de-DE" dirty="0"/>
-              <a:t> (</a:t>
-            </a:r>
-            <a:r>
-              <a:rPr lang="de-DE" dirty="0" err="1"/>
-              <a:t>more</a:t>
-            </a:r>
-            <a:r>
-              <a:rPr lang="de-DE" dirty="0"/>
-              <a:t> </a:t>
-            </a:r>
-            <a:r>
-              <a:rPr lang="de-DE" dirty="0" err="1"/>
-              <a:t>low</a:t>
-            </a:r>
-            <a:r>
-              <a:rPr lang="de-DE" dirty="0"/>
-              <a:t> </a:t>
-            </a:r>
-            <a:r>
-              <a:rPr lang="de-DE" dirty="0" err="1"/>
-              <a:t>level</a:t>
-            </a:r>
-            <a:r>
-              <a:rPr lang="de-DE" dirty="0"/>
-              <a:t>)</a:t>
-            </a:r>
-          </a:p>
-        </p:txBody>
-      </p:sp>
-    </p:spTree>
-    <p:extLst>
-      <p:ext uri="{BB962C8B-B14F-4D97-AF65-F5344CB8AC3E}">
-        <p14:creationId xmlns:p14="http://schemas.microsoft.com/office/powerpoint/2010/main" val="4147237148"/>
-      </p:ext>
-    </p:extLst>
-  </p:cSld>
-  <p:clrMapOvr>
-    <a:masterClrMapping/>
-  </p:clrMapOvr>
-</p:sld>
-</file>
-
-<file path=ppt/slides/slide2.xml><?xml version="1.0" encoding="utf-8"?>
-<p:sld xmlns:a="http://schemas.openxmlformats.org/drawingml/2006/main" xmlns:r="http://schemas.openxmlformats.org/officeDocument/2006/relationships" xmlns:p="http://schemas.openxmlformats.org/presentationml/2006/main">
-  <p:cSld>
-    <p:spTree>
-      <p:nvGrpSpPr>
-        <p:cNvPr id="1" name=""/>
-        <p:cNvGrpSpPr/>
-        <p:nvPr/>
-      </p:nvGrpSpPr>
-      <p:grpSpPr>
-        <a:xfrm>
-          <a:off x="0" y="0"/>
-          <a:ext cx="0" cy="0"/>
-          <a:chOff x="0" y="0"/>
-          <a:chExt cx="0" cy="0"/>
-        </a:xfrm>
-      </p:grpSpPr>
-      <p:sp>
-        <p:nvSpPr>
-          <p:cNvPr id="2" name="Titel 1">
-            <a:extLst>
-              <a:ext uri="{FF2B5EF4-FFF2-40B4-BE49-F238E27FC236}">
-                <a16:creationId xmlns:a16="http://schemas.microsoft.com/office/drawing/2014/main" id="{635CF2F7-40F1-4EA0-DFDE-B799F2096372}"/>
-              </a:ext>
-            </a:extLst>
-          </p:cNvPr>
-          <p:cNvSpPr>
-            <a:spLocks noGrp="1"/>
-          </p:cNvSpPr>
-          <p:nvPr>
-            <p:ph type="title"/>
-          </p:nvPr>
-        </p:nvSpPr>
-        <p:spPr/>
-        <p:txBody>
-          <a:bodyPr/>
-          <a:lstStyle/>
-          <a:p>
-            <a:r>
-              <a:rPr lang="de-DE" dirty="0"/>
-              <a:t>… in </a:t>
-            </a:r>
-            <a:r>
-              <a:rPr lang="de-DE" dirty="0" err="1"/>
-              <a:t>your</a:t>
-            </a:r>
-            <a:r>
-              <a:rPr lang="de-DE" dirty="0"/>
-              <a:t> </a:t>
-            </a:r>
-            <a:r>
-              <a:rPr lang="de-DE" dirty="0" err="1"/>
-              <a:t>Cargo.toml</a:t>
-            </a:r>
-            <a:endParaRPr lang="de-AT" dirty="0"/>
-          </a:p>
-        </p:txBody>
-      </p:sp>
-      <p:sp>
-        <p:nvSpPr>
-          <p:cNvPr id="3" name="Inhaltsplatzhalter 2">
-            <a:extLst>
-              <a:ext uri="{FF2B5EF4-FFF2-40B4-BE49-F238E27FC236}">
-                <a16:creationId xmlns:a16="http://schemas.microsoft.com/office/drawing/2014/main" id="{7068B3D2-9793-1871-3200-B38649508FF6}"/>
-              </a:ext>
-            </a:extLst>
-          </p:cNvPr>
-          <p:cNvSpPr>
-            <a:spLocks noGrp="1"/>
-          </p:cNvSpPr>
-          <p:nvPr>
-            <p:ph idx="1"/>
-          </p:nvPr>
-        </p:nvSpPr>
-        <p:spPr/>
-        <p:txBody>
-          <a:bodyPr/>
-          <a:lstStyle/>
-          <a:p>
-            <a:pPr marL="0" indent="0">
-              <a:buNone/>
-            </a:pPr>
-            <a:endParaRPr lang="de-AT" dirty="0"/>
-          </a:p>
-          <a:p>
-            <a:pPr marL="0" indent="0">
-              <a:buNone/>
-            </a:pPr>
-            <a:r>
-              <a:rPr lang="de-AT" dirty="0"/>
-              <a:t>[</a:t>
-            </a:r>
-            <a:r>
-              <a:rPr lang="de-AT" dirty="0" err="1"/>
-              <a:t>dependencies</a:t>
-            </a:r>
-            <a:r>
-              <a:rPr lang="de-AT" dirty="0"/>
-              <a:t>]</a:t>
-            </a:r>
-          </a:p>
-          <a:p>
-            <a:pPr marL="0" indent="0">
-              <a:buNone/>
-            </a:pPr>
-            <a:r>
-              <a:rPr lang="de-AT" dirty="0" err="1"/>
-              <a:t>actix</a:t>
-            </a:r>
-            <a:r>
-              <a:rPr lang="de-AT" dirty="0"/>
-              <a:t>-web = "4"</a:t>
-            </a:r>
-          </a:p>
-          <a:p>
-            <a:pPr marL="0" indent="0">
-              <a:buNone/>
-            </a:pPr>
-            <a:r>
-              <a:rPr lang="de-AT" dirty="0" err="1"/>
-              <a:t>serde</a:t>
-            </a:r>
-            <a:r>
-              <a:rPr lang="de-AT" dirty="0"/>
-              <a:t> = "1.0.193"</a:t>
-            </a:r>
-          </a:p>
-        </p:txBody>
-      </p:sp>
-    </p:spTree>
-    <p:extLst>
-      <p:ext uri="{BB962C8B-B14F-4D97-AF65-F5344CB8AC3E}">
-        <p14:creationId xmlns:p14="http://schemas.microsoft.com/office/powerpoint/2010/main" val="2759533678"/>
-      </p:ext>
-    </p:extLst>
-  </p:cSld>
-  <p:clrMapOvr>
-    <a:masterClrMapping/>
-  </p:clrMapOvr>
-</p:sld>
-</file>
-
-<file path=ppt/slides/slide3.xml><?xml version="1.0" encoding="utf-8"?>
-<p:sld xmlns:a="http://schemas.openxmlformats.org/drawingml/2006/main" xmlns:r="http://schemas.openxmlformats.org/officeDocument/2006/relationships" xmlns:p="http://schemas.openxmlformats.org/presentationml/2006/main">
-  <p:cSld>
-    <p:spTree>
-      <p:nvGrpSpPr>
-        <p:cNvPr id="1" name=""/>
-        <p:cNvGrpSpPr/>
-        <p:nvPr/>
-      </p:nvGrpSpPr>
-      <p:grpSpPr>
-        <a:xfrm>
-          <a:off x="0" y="0"/>
-          <a:ext cx="0" cy="0"/>
-          <a:chOff x="0" y="0"/>
-          <a:chExt cx="0" cy="0"/>
-        </a:xfrm>
-      </p:grpSpPr>
-      <p:sp>
-        <p:nvSpPr>
-          <p:cNvPr id="2" name="Titel 1">
-            <a:extLst>
-              <a:ext uri="{FF2B5EF4-FFF2-40B4-BE49-F238E27FC236}">
-                <a16:creationId xmlns:a16="http://schemas.microsoft.com/office/drawing/2014/main" id="{78EE578B-479B-F841-3656-F3D607163B37}"/>
-              </a:ext>
-            </a:extLst>
-          </p:cNvPr>
-          <p:cNvSpPr>
-            <a:spLocks noGrp="1"/>
-          </p:cNvSpPr>
-          <p:nvPr>
-            <p:ph type="title"/>
-          </p:nvPr>
-        </p:nvSpPr>
-        <p:spPr/>
-        <p:txBody>
-          <a:bodyPr/>
-          <a:lstStyle/>
-          <a:p>
-            <a:endParaRPr lang="de-DE" dirty="0"/>
-          </a:p>
-        </p:txBody>
-      </p:sp>
-      <p:sp>
-        <p:nvSpPr>
-          <p:cNvPr id="3" name="Inhaltsplatzhalter 2">
-            <a:extLst>
-              <a:ext uri="{FF2B5EF4-FFF2-40B4-BE49-F238E27FC236}">
-                <a16:creationId xmlns:a16="http://schemas.microsoft.com/office/drawing/2014/main" id="{46F8B20B-3078-545E-82E7-17645F1F9B02}"/>
-              </a:ext>
-            </a:extLst>
-          </p:cNvPr>
-          <p:cNvSpPr>
-            <a:spLocks noGrp="1"/>
-          </p:cNvSpPr>
-          <p:nvPr>
-            <p:ph idx="1"/>
-          </p:nvPr>
-        </p:nvSpPr>
-        <p:spPr/>
-        <p:txBody>
-          <a:bodyPr/>
-          <a:lstStyle/>
-          <a:p>
-            <a:pPr marL="0" indent="0">
-              <a:buNone/>
-            </a:pPr>
-            <a:r>
-              <a:rPr lang="de-AT" sz="3600" b="0" dirty="0" err="1">
-                <a:solidFill>
-                  <a:srgbClr val="4EC9B0"/>
-                </a:solidFill>
-                <a:effectLst/>
-                <a:latin typeface="Menlo" panose="020B0609030804020204" pitchFamily="49" charset="0"/>
-              </a:rPr>
-              <a:t>HttpServer</a:t>
-            </a:r>
-            <a:r>
-              <a:rPr lang="de-AT" sz="3600" b="0" dirty="0">
-                <a:solidFill>
-                  <a:srgbClr val="4EC9B0"/>
-                </a:solidFill>
-                <a:effectLst/>
-                <a:latin typeface="Menlo" panose="020B0609030804020204" pitchFamily="49" charset="0"/>
-              </a:rPr>
-              <a:t> </a:t>
-            </a:r>
-            <a:br>
-              <a:rPr lang="de-AT" b="0" dirty="0">
-                <a:solidFill>
-                  <a:srgbClr val="CCCCCC"/>
-                </a:solidFill>
-                <a:effectLst/>
-                <a:latin typeface="Menlo" panose="020B0609030804020204" pitchFamily="49" charset="0"/>
-              </a:rPr>
-            </a:br>
-            <a:r>
-              <a:rPr lang="de-AT" b="0" dirty="0">
-                <a:solidFill>
-                  <a:srgbClr val="CCCCCC"/>
-                </a:solidFill>
-                <a:effectLst/>
-                <a:latin typeface="Menlo" panose="020B0609030804020204" pitchFamily="49" charset="0"/>
-              </a:rPr>
-              <a:t>	</a:t>
-            </a:r>
-            <a:r>
-              <a:rPr lang="de-AT" sz="3200" b="0" dirty="0">
-                <a:solidFill>
-                  <a:srgbClr val="4EC9B0"/>
-                </a:solidFill>
-                <a:effectLst/>
-                <a:latin typeface="Menlo" panose="020B0609030804020204" pitchFamily="49" charset="0"/>
-              </a:rPr>
-              <a:t>App</a:t>
-            </a:r>
-            <a:endParaRPr lang="de-AT" sz="3200" b="0" dirty="0">
-              <a:solidFill>
-                <a:srgbClr val="CCCCCC"/>
-              </a:solidFill>
-              <a:effectLst/>
-              <a:latin typeface="Menlo" panose="020B0609030804020204" pitchFamily="49" charset="0"/>
-            </a:endParaRPr>
-          </a:p>
-          <a:p>
-            <a:pPr marL="1371600" lvl="3" indent="0">
-              <a:buNone/>
-            </a:pPr>
-            <a:endParaRPr lang="de-AT" sz="2400" b="0" dirty="0">
-              <a:solidFill>
-                <a:srgbClr val="CCCCCC"/>
-              </a:solidFill>
-              <a:effectLst/>
-              <a:latin typeface="Menlo" panose="020B0609030804020204" pitchFamily="49" charset="0"/>
-            </a:endParaRPr>
-          </a:p>
-          <a:p>
-            <a:pPr marL="1371600" lvl="3" indent="0">
-              <a:buNone/>
-            </a:pPr>
-            <a:r>
-              <a:rPr lang="de-AT" sz="2400" b="0" dirty="0">
-                <a:solidFill>
-                  <a:srgbClr val="CCCCCC"/>
-                </a:solidFill>
-                <a:effectLst/>
-                <a:latin typeface="Menlo" panose="020B0609030804020204" pitchFamily="49" charset="0"/>
-              </a:rPr>
-              <a:t>URI</a:t>
-            </a:r>
-            <a:r>
-              <a:rPr lang="de-AT" sz="2400" b="0" dirty="0">
-                <a:solidFill>
-                  <a:srgbClr val="D4D4D4"/>
-                </a:solidFill>
-                <a:effectLst/>
-                <a:latin typeface="Menlo" panose="020B0609030804020204" pitchFamily="49" charset="0"/>
-              </a:rPr>
-              <a:t>-</a:t>
-            </a:r>
-            <a:r>
-              <a:rPr lang="de-AT" sz="2400" b="0" dirty="0">
-                <a:solidFill>
-                  <a:srgbClr val="4EC9B0"/>
-                </a:solidFill>
-                <a:effectLst/>
-                <a:latin typeface="Menlo" panose="020B0609030804020204" pitchFamily="49" charset="0"/>
-              </a:rPr>
-              <a:t>Path</a:t>
-            </a:r>
-            <a:r>
-              <a:rPr lang="de-AT" sz="2400" b="0" dirty="0">
-                <a:solidFill>
-                  <a:srgbClr val="CCCCCC"/>
-                </a:solidFill>
-                <a:effectLst/>
-                <a:latin typeface="Menlo" panose="020B0609030804020204" pitchFamily="49" charset="0"/>
-              </a:rPr>
-              <a:t> </a:t>
-            </a:r>
-            <a:r>
-              <a:rPr lang="de-AT" sz="2400" b="0" dirty="0">
-                <a:solidFill>
-                  <a:srgbClr val="D4D4D4"/>
-                </a:solidFill>
-                <a:effectLst/>
-                <a:latin typeface="Menlo" panose="020B0609030804020204" pitchFamily="49" charset="0"/>
-              </a:rPr>
-              <a:t>-&gt;</a:t>
-            </a:r>
-            <a:r>
-              <a:rPr lang="de-AT" sz="2400" b="0" dirty="0">
-                <a:solidFill>
-                  <a:srgbClr val="CCCCCC"/>
-                </a:solidFill>
-                <a:effectLst/>
-                <a:latin typeface="Menlo" panose="020B0609030804020204" pitchFamily="49" charset="0"/>
-              </a:rPr>
-              <a:t> </a:t>
-            </a:r>
-            <a:r>
-              <a:rPr lang="de-AT" sz="2400" b="0" dirty="0">
-                <a:solidFill>
-                  <a:srgbClr val="4EC9B0"/>
-                </a:solidFill>
-                <a:effectLst/>
-                <a:latin typeface="Menlo" panose="020B0609030804020204" pitchFamily="49" charset="0"/>
-              </a:rPr>
-              <a:t>Handler</a:t>
-            </a:r>
-            <a:r>
-              <a:rPr lang="de-AT" sz="2400" b="0" dirty="0">
-                <a:solidFill>
-                  <a:srgbClr val="CCCCCC"/>
-                </a:solidFill>
-                <a:effectLst/>
-                <a:latin typeface="Menlo" panose="020B0609030804020204" pitchFamily="49" charset="0"/>
-              </a:rPr>
-              <a:t> </a:t>
-            </a:r>
-            <a:r>
-              <a:rPr lang="de-AT" sz="2400" b="0" dirty="0" err="1">
-                <a:solidFill>
-                  <a:srgbClr val="4EC9B0"/>
-                </a:solidFill>
-                <a:effectLst/>
-                <a:latin typeface="Menlo" panose="020B0609030804020204" pitchFamily="49" charset="0"/>
-              </a:rPr>
-              <a:t>Function</a:t>
-            </a:r>
-            <a:endParaRPr lang="de-AT" sz="2400" b="0" dirty="0">
-              <a:solidFill>
-                <a:srgbClr val="CCCCCC"/>
-              </a:solidFill>
-              <a:effectLst/>
-              <a:latin typeface="Menlo" panose="020B0609030804020204" pitchFamily="49" charset="0"/>
-            </a:endParaRPr>
-          </a:p>
-          <a:p>
-            <a:pPr marL="1828800" lvl="4" indent="0">
-              <a:buNone/>
-            </a:pPr>
-            <a:r>
-              <a:rPr lang="de-AT" sz="2400" b="0" dirty="0">
-                <a:solidFill>
-                  <a:srgbClr val="CE9178"/>
-                </a:solidFill>
-                <a:effectLst/>
-                <a:latin typeface="Menlo" panose="020B0609030804020204" pitchFamily="49" charset="0"/>
-              </a:rPr>
-              <a:t>"/"</a:t>
-            </a:r>
-            <a:r>
-              <a:rPr lang="de-AT" sz="2400" b="0" dirty="0">
-                <a:solidFill>
-                  <a:srgbClr val="CCCCCC"/>
-                </a:solidFill>
-                <a:effectLst/>
-                <a:latin typeface="Menlo" panose="020B0609030804020204" pitchFamily="49" charset="0"/>
-              </a:rPr>
-              <a:t> </a:t>
-            </a:r>
-            <a:r>
-              <a:rPr lang="de-AT" sz="2400" b="0" dirty="0">
-                <a:solidFill>
-                  <a:srgbClr val="D4D4D4"/>
-                </a:solidFill>
-                <a:effectLst/>
-                <a:latin typeface="Menlo" panose="020B0609030804020204" pitchFamily="49" charset="0"/>
-              </a:rPr>
-              <a:t>-&gt;</a:t>
-            </a:r>
-            <a:r>
-              <a:rPr lang="de-AT" sz="2400" b="0" dirty="0">
-                <a:solidFill>
-                  <a:srgbClr val="CCCCCC"/>
-                </a:solidFill>
-                <a:effectLst/>
-                <a:latin typeface="Menlo" panose="020B0609030804020204" pitchFamily="49" charset="0"/>
-              </a:rPr>
-              <a:t> </a:t>
-            </a:r>
-            <a:r>
-              <a:rPr lang="de-AT" sz="2400" b="0" dirty="0" err="1">
-                <a:solidFill>
-                  <a:srgbClr val="569CD6"/>
-                </a:solidFill>
-                <a:effectLst/>
-                <a:latin typeface="Menlo" panose="020B0609030804020204" pitchFamily="49" charset="0"/>
-              </a:rPr>
-              <a:t>fn</a:t>
-            </a:r>
-            <a:r>
-              <a:rPr lang="de-AT" sz="2400" b="0" dirty="0">
-                <a:solidFill>
-                  <a:srgbClr val="CCCCCC"/>
-                </a:solidFill>
-                <a:effectLst/>
-                <a:latin typeface="Menlo" panose="020B0609030804020204" pitchFamily="49" charset="0"/>
-              </a:rPr>
-              <a:t>()</a:t>
-            </a:r>
-          </a:p>
-          <a:p>
-            <a:pPr marL="1828800" lvl="4" indent="0">
-              <a:buNone/>
-            </a:pPr>
-            <a:r>
-              <a:rPr lang="de-AT" sz="2400" b="0" dirty="0">
-                <a:solidFill>
-                  <a:srgbClr val="CE9178"/>
-                </a:solidFill>
-                <a:effectLst/>
-                <a:latin typeface="Menlo" panose="020B0609030804020204" pitchFamily="49" charset="0"/>
-              </a:rPr>
-              <a:t>"/</a:t>
-            </a:r>
-            <a:r>
-              <a:rPr lang="de-AT" sz="2400" b="0" dirty="0" err="1">
-                <a:solidFill>
-                  <a:srgbClr val="CE9178"/>
-                </a:solidFill>
-                <a:effectLst/>
-                <a:latin typeface="Menlo" panose="020B0609030804020204" pitchFamily="49" charset="0"/>
-              </a:rPr>
-              <a:t>hello</a:t>
-            </a:r>
-            <a:r>
-              <a:rPr lang="de-AT" sz="2400" b="0" dirty="0">
-                <a:solidFill>
-                  <a:srgbClr val="CE9178"/>
-                </a:solidFill>
-                <a:effectLst/>
-                <a:latin typeface="Menlo" panose="020B0609030804020204" pitchFamily="49" charset="0"/>
-              </a:rPr>
-              <a:t>"</a:t>
-            </a:r>
-            <a:r>
-              <a:rPr lang="de-AT" sz="2400" b="0" dirty="0">
-                <a:solidFill>
-                  <a:srgbClr val="CCCCCC"/>
-                </a:solidFill>
-                <a:effectLst/>
-                <a:latin typeface="Menlo" panose="020B0609030804020204" pitchFamily="49" charset="0"/>
-              </a:rPr>
-              <a:t> </a:t>
-            </a:r>
-            <a:r>
-              <a:rPr lang="de-AT" sz="2400" b="0" dirty="0">
-                <a:solidFill>
-                  <a:srgbClr val="D4D4D4"/>
-                </a:solidFill>
-                <a:effectLst/>
-                <a:latin typeface="Menlo" panose="020B0609030804020204" pitchFamily="49" charset="0"/>
-              </a:rPr>
-              <a:t>-&gt;</a:t>
-            </a:r>
-            <a:r>
-              <a:rPr lang="de-AT" sz="2400" b="0" dirty="0">
-                <a:solidFill>
-                  <a:srgbClr val="CCCCCC"/>
-                </a:solidFill>
-                <a:effectLst/>
-                <a:latin typeface="Menlo" panose="020B0609030804020204" pitchFamily="49" charset="0"/>
-              </a:rPr>
-              <a:t> </a:t>
-            </a:r>
-            <a:r>
-              <a:rPr lang="de-AT" sz="2400" b="0" dirty="0" err="1">
-                <a:solidFill>
-                  <a:srgbClr val="569CD6"/>
-                </a:solidFill>
-                <a:effectLst/>
-                <a:latin typeface="Menlo" panose="020B0609030804020204" pitchFamily="49" charset="0"/>
-              </a:rPr>
-              <a:t>fn</a:t>
-            </a:r>
-            <a:r>
-              <a:rPr lang="de-AT" sz="2400" b="0" dirty="0">
-                <a:solidFill>
-                  <a:srgbClr val="CCCCCC"/>
-                </a:solidFill>
-                <a:effectLst/>
-                <a:latin typeface="Menlo" panose="020B0609030804020204" pitchFamily="49" charset="0"/>
-              </a:rPr>
-              <a:t>()</a:t>
-            </a:r>
-          </a:p>
-          <a:p>
-            <a:endParaRPr lang="de-AT" b="0" dirty="0">
-              <a:solidFill>
-                <a:srgbClr val="CCCCCC"/>
-              </a:solidFill>
-              <a:effectLst/>
-              <a:latin typeface="Menlo" panose="020B0609030804020204" pitchFamily="49" charset="0"/>
-            </a:endParaRPr>
-          </a:p>
-        </p:txBody>
-      </p:sp>
-      <p:sp>
-        <p:nvSpPr>
-          <p:cNvPr id="4" name="Rechteck 3">
-            <a:extLst>
-              <a:ext uri="{FF2B5EF4-FFF2-40B4-BE49-F238E27FC236}">
-                <a16:creationId xmlns:a16="http://schemas.microsoft.com/office/drawing/2014/main" id="{2747E1D2-8382-983E-86DE-FD3543CD2AD9}"/>
-              </a:ext>
-            </a:extLst>
-          </p:cNvPr>
-          <p:cNvSpPr/>
-          <p:nvPr/>
-        </p:nvSpPr>
-        <p:spPr>
-          <a:xfrm>
-            <a:off x="838200" y="1825625"/>
-            <a:ext cx="6876495" cy="4051392"/>
-          </a:xfrm>
-          <a:prstGeom prst="rect">
-            <a:avLst/>
-          </a:prstGeom>
-          <a:noFill/>
-        </p:spPr>
-        <p:style>
-          <a:lnRef idx="2">
-            <a:schemeClr val="accent1">
-              <a:shade val="50000"/>
-            </a:schemeClr>
-          </a:lnRef>
-          <a:fillRef idx="1">
-            <a:schemeClr val="accent1"/>
-          </a:fillRef>
-          <a:effectRef idx="0">
-            <a:schemeClr val="accent1"/>
-          </a:effectRef>
-          <a:fontRef idx="minor">
-            <a:schemeClr val="lt1"/>
-          </a:fontRef>
-        </p:style>
-        <p:txBody>
-          <a:bodyPr rtlCol="0" anchor="ctr"/>
-          <a:lstStyle/>
-          <a:p>
-            <a:pPr algn="ctr"/>
-            <a:endParaRPr lang="de-AT"/>
-          </a:p>
-        </p:txBody>
-      </p:sp>
-      <p:sp>
-        <p:nvSpPr>
-          <p:cNvPr id="5" name="Rechteck 4">
-            <a:extLst>
-              <a:ext uri="{FF2B5EF4-FFF2-40B4-BE49-F238E27FC236}">
-                <a16:creationId xmlns:a16="http://schemas.microsoft.com/office/drawing/2014/main" id="{243B8190-9507-D46E-9980-F0987DC91B81}"/>
-              </a:ext>
-            </a:extLst>
-          </p:cNvPr>
-          <p:cNvSpPr/>
-          <p:nvPr/>
-        </p:nvSpPr>
-        <p:spPr>
-          <a:xfrm>
-            <a:off x="1713390" y="2405849"/>
-            <a:ext cx="5575177" cy="3222594"/>
-          </a:xfrm>
-          <a:prstGeom prst="rect">
-            <a:avLst/>
-          </a:prstGeom>
-          <a:noFill/>
-        </p:spPr>
-        <p:style>
-          <a:lnRef idx="2">
-            <a:schemeClr val="accent1">
-              <a:shade val="50000"/>
-            </a:schemeClr>
-          </a:lnRef>
-          <a:fillRef idx="1">
-            <a:schemeClr val="accent1"/>
-          </a:fillRef>
-          <a:effectRef idx="0">
-            <a:schemeClr val="accent1"/>
-          </a:effectRef>
-          <a:fontRef idx="minor">
-            <a:schemeClr val="lt1"/>
-          </a:fontRef>
-        </p:style>
-        <p:txBody>
-          <a:bodyPr rtlCol="0" anchor="ctr"/>
-          <a:lstStyle/>
-          <a:p>
-            <a:pPr algn="ctr"/>
-            <a:endParaRPr lang="de-AT"/>
-          </a:p>
-        </p:txBody>
-      </p:sp>
-      <p:sp>
-        <p:nvSpPr>
-          <p:cNvPr id="6" name="Rechteck 5">
-            <a:extLst>
-              <a:ext uri="{FF2B5EF4-FFF2-40B4-BE49-F238E27FC236}">
-                <a16:creationId xmlns:a16="http://schemas.microsoft.com/office/drawing/2014/main" id="{00D55A51-1AAD-84F8-520F-9E0ADFA85521}"/>
-              </a:ext>
-            </a:extLst>
-          </p:cNvPr>
-          <p:cNvSpPr/>
-          <p:nvPr/>
-        </p:nvSpPr>
-        <p:spPr>
-          <a:xfrm>
-            <a:off x="2201662" y="2920752"/>
-            <a:ext cx="4270159" cy="2183907"/>
-          </a:xfrm>
-          <a:prstGeom prst="rect">
-            <a:avLst/>
-          </a:prstGeom>
-          <a:noFill/>
-        </p:spPr>
-        <p:style>
-          <a:lnRef idx="2">
-            <a:schemeClr val="accent1">
-              <a:shade val="50000"/>
-            </a:schemeClr>
-          </a:lnRef>
-          <a:fillRef idx="1">
-            <a:schemeClr val="accent1"/>
-          </a:fillRef>
-          <a:effectRef idx="0">
-            <a:schemeClr val="accent1"/>
-          </a:effectRef>
-          <a:fontRef idx="minor">
-            <a:schemeClr val="lt1"/>
-          </a:fontRef>
-        </p:style>
-        <p:txBody>
-          <a:bodyPr rtlCol="0" anchor="ctr"/>
-          <a:lstStyle/>
-          <a:p>
-            <a:pPr algn="ctr"/>
-            <a:endParaRPr lang="de-AT"/>
-          </a:p>
-        </p:txBody>
-      </p:sp>
-    </p:spTree>
-    <p:extLst>
-      <p:ext uri="{BB962C8B-B14F-4D97-AF65-F5344CB8AC3E}">
-        <p14:creationId xmlns:p14="http://schemas.microsoft.com/office/powerpoint/2010/main" val="701615487"/>
-      </p:ext>
-    </p:extLst>
-  </p:cSld>
-  <p:clrMapOvr>
-    <a:masterClrMapping/>
-  </p:clrMapOvr>
-</p:sld>
-</file>
-
-<file path=ppt/slides/slide4.xml><?xml version="1.0" encoding="utf-8"?>
-<p:sld xmlns:a="http://schemas.openxmlformats.org/drawingml/2006/main" xmlns:r="http://schemas.openxmlformats.org/officeDocument/2006/relationships" xmlns:p="http://schemas.openxmlformats.org/presentationml/2006/main">
-  <p:cSld>
-    <p:spTree>
-      <p:nvGrpSpPr>
-        <p:cNvPr id="1" name=""/>
-        <p:cNvGrpSpPr/>
-        <p:nvPr/>
-      </p:nvGrpSpPr>
-      <p:grpSpPr>
-        <a:xfrm>
-          <a:off x="0" y="0"/>
-          <a:ext cx="0" cy="0"/>
-          <a:chOff x="0" y="0"/>
-          <a:chExt cx="0" cy="0"/>
-        </a:xfrm>
-      </p:grpSpPr>
-      <p:sp>
-        <p:nvSpPr>
-          <p:cNvPr id="3" name="Untertitel 2">
-            <a:extLst>
-              <a:ext uri="{FF2B5EF4-FFF2-40B4-BE49-F238E27FC236}">
-                <a16:creationId xmlns:a16="http://schemas.microsoft.com/office/drawing/2014/main" id="{91D3E1D6-4E92-3CF3-79A0-C3D06EECF650}"/>
-              </a:ext>
-            </a:extLst>
-          </p:cNvPr>
-          <p:cNvSpPr>
-            <a:spLocks noGrp="1"/>
-          </p:cNvSpPr>
-          <p:nvPr>
-            <p:ph type="subTitle" idx="1"/>
-          </p:nvPr>
-        </p:nvSpPr>
-        <p:spPr>
-          <a:xfrm>
-            <a:off x="1524000" y="2563345"/>
-            <a:ext cx="9144000" cy="1655762"/>
-          </a:xfrm>
-        </p:spPr>
-        <p:txBody>
-          <a:bodyPr/>
-          <a:lstStyle/>
-          <a:p>
-            <a:r>
-              <a:rPr lang="de-DE" sz="4000" dirty="0"/>
-              <a:t>URI-Path   -&gt;   Handler </a:t>
-            </a:r>
-            <a:r>
-              <a:rPr lang="de-DE" sz="4000" dirty="0" err="1"/>
-              <a:t>Function</a:t>
-            </a:r>
-            <a:endParaRPr lang="de-DE" sz="4000" dirty="0"/>
-          </a:p>
-          <a:p>
-            <a:r>
-              <a:rPr lang="de-AT" sz="4000" b="0" dirty="0">
-                <a:solidFill>
-                  <a:srgbClr val="CE9178"/>
-                </a:solidFill>
-                <a:effectLst/>
-                <a:latin typeface="Menlo" panose="020B0609030804020204" pitchFamily="49" charset="0"/>
-              </a:rPr>
-              <a:t>"/"</a:t>
-            </a:r>
-            <a:r>
-              <a:rPr lang="de-AT" sz="4000" b="0" dirty="0">
-                <a:solidFill>
-                  <a:srgbClr val="CCCCCC"/>
-                </a:solidFill>
-                <a:effectLst/>
-                <a:latin typeface="Menlo" panose="020B0609030804020204" pitchFamily="49" charset="0"/>
-              </a:rPr>
-              <a:t> </a:t>
-            </a:r>
-            <a:r>
-              <a:rPr lang="de-AT" sz="4000" b="0" dirty="0">
-                <a:solidFill>
-                  <a:srgbClr val="D4D4D4"/>
-                </a:solidFill>
-                <a:effectLst/>
-                <a:latin typeface="Menlo" panose="020B0609030804020204" pitchFamily="49" charset="0"/>
-              </a:rPr>
-              <a:t>-&gt;</a:t>
-            </a:r>
-            <a:r>
-              <a:rPr lang="de-AT" sz="4000" b="0" dirty="0">
-                <a:solidFill>
-                  <a:srgbClr val="CCCCCC"/>
-                </a:solidFill>
-                <a:effectLst/>
-                <a:latin typeface="Menlo" panose="020B0609030804020204" pitchFamily="49" charset="0"/>
-              </a:rPr>
-              <a:t> </a:t>
-            </a:r>
-            <a:r>
-              <a:rPr lang="de-AT" sz="4000" b="0" dirty="0" err="1">
-                <a:solidFill>
-                  <a:srgbClr val="569CD6"/>
-                </a:solidFill>
-                <a:effectLst/>
-                <a:latin typeface="Menlo" panose="020B0609030804020204" pitchFamily="49" charset="0"/>
-              </a:rPr>
-              <a:t>fn</a:t>
-            </a:r>
-            <a:r>
-              <a:rPr lang="de-AT" sz="4000" b="0" dirty="0">
-                <a:solidFill>
-                  <a:srgbClr val="CCCCCC"/>
-                </a:solidFill>
-                <a:effectLst/>
-                <a:latin typeface="Menlo" panose="020B0609030804020204" pitchFamily="49" charset="0"/>
-              </a:rPr>
-              <a:t>()</a:t>
-            </a:r>
-          </a:p>
-          <a:p>
-            <a:endParaRPr lang="de-DE" dirty="0"/>
-          </a:p>
-        </p:txBody>
-      </p:sp>
-      <p:sp>
-        <p:nvSpPr>
-          <p:cNvPr id="4" name="Titel 1">
-            <a:extLst>
-              <a:ext uri="{FF2B5EF4-FFF2-40B4-BE49-F238E27FC236}">
-                <a16:creationId xmlns:a16="http://schemas.microsoft.com/office/drawing/2014/main" id="{76921599-2561-271E-E65E-2F68BE59417A}"/>
-              </a:ext>
-            </a:extLst>
-          </p:cNvPr>
-          <p:cNvSpPr txBox="1">
-            <a:spLocks/>
-          </p:cNvSpPr>
-          <p:nvPr/>
-        </p:nvSpPr>
-        <p:spPr>
-          <a:xfrm>
-            <a:off x="838200" y="365125"/>
-            <a:ext cx="10515600" cy="1325563"/>
-          </a:xfrm>
-          <a:prstGeom prst="rect">
-            <a:avLst/>
-          </a:prstGeom>
-        </p:spPr>
-        <p:txBody>
-          <a:bodyPr vert="horz" lIns="91440" tIns="45720" rIns="91440" bIns="45720" rtlCol="0" anchor="b">
-            <a:normAutofit/>
-          </a:bodyPr>
-          <a:lstStyle>
-            <a:lvl1pPr algn="ctr" defTabSz="914400" rtl="0" eaLnBrk="1" latinLnBrk="0" hangingPunct="1">
-              <a:lnSpc>
-                <a:spcPct val="90000"/>
-              </a:lnSpc>
-              <a:spcBef>
-                <a:spcPct val="0"/>
-              </a:spcBef>
-              <a:buNone/>
-              <a:defRPr sz="6000" kern="1200">
-                <a:solidFill>
-                  <a:schemeClr val="tx1"/>
-                </a:solidFill>
-                <a:latin typeface="+mj-lt"/>
-                <a:ea typeface="+mj-ea"/>
-                <a:cs typeface="+mj-cs"/>
-              </a:defRPr>
-            </a:lvl1pPr>
-          </a:lstStyle>
-          <a:p>
-            <a:pPr algn="l"/>
-            <a:r>
-              <a:rPr lang="de-DE" sz="4400" dirty="0"/>
-              <a:t>Route Registration</a:t>
-            </a:r>
-            <a:endParaRPr lang="de-AT" sz="4400" dirty="0"/>
-          </a:p>
-        </p:txBody>
-      </p:sp>
-    </p:spTree>
-    <p:extLst>
-      <p:ext uri="{BB962C8B-B14F-4D97-AF65-F5344CB8AC3E}">
-        <p14:creationId xmlns:p14="http://schemas.microsoft.com/office/powerpoint/2010/main" val="4052739116"/>
-      </p:ext>
-    </p:extLst>
-  </p:cSld>
-  <p:clrMapOvr>
-    <a:masterClrMapping/>
-  </p:clrMapOvr>
-</p:sld>
-</file>
-
-<file path=ppt/slides/slide5.xml><?xml version="1.0" encoding="utf-8"?>
-<p:sld xmlns:a="http://schemas.openxmlformats.org/drawingml/2006/main" xmlns:r="http://schemas.openxmlformats.org/officeDocument/2006/relationships" xmlns:p="http://schemas.openxmlformats.org/presentationml/2006/main">
-  <p:cSld>
-    <p:spTree>
-      <p:nvGrpSpPr>
-        <p:cNvPr id="1" name=""/>
-        <p:cNvGrpSpPr/>
-        <p:nvPr/>
-      </p:nvGrpSpPr>
-      <p:grpSpPr>
-        <a:xfrm>
-          <a:off x="0" y="0"/>
-          <a:ext cx="0" cy="0"/>
-          <a:chOff x="0" y="0"/>
-          <a:chExt cx="0" cy="0"/>
-        </a:xfrm>
-      </p:grpSpPr>
-      <p:sp>
-        <p:nvSpPr>
-          <p:cNvPr id="2" name="Titel 1">
-            <a:extLst>
-              <a:ext uri="{FF2B5EF4-FFF2-40B4-BE49-F238E27FC236}">
-                <a16:creationId xmlns:a16="http://schemas.microsoft.com/office/drawing/2014/main" id="{95C02B1D-7431-6E46-48FE-93E826D48DCC}"/>
-              </a:ext>
-            </a:extLst>
-          </p:cNvPr>
-          <p:cNvSpPr>
-            <a:spLocks noGrp="1"/>
-          </p:cNvSpPr>
-          <p:nvPr>
-            <p:ph type="title"/>
-          </p:nvPr>
-        </p:nvSpPr>
-        <p:spPr/>
-        <p:txBody>
-          <a:bodyPr/>
-          <a:lstStyle/>
-          <a:p>
-            <a:endParaRPr lang="de-AT"/>
-          </a:p>
-        </p:txBody>
-      </p:sp>
-      <p:sp>
-        <p:nvSpPr>
-          <p:cNvPr id="3" name="Inhaltsplatzhalter 2">
-            <a:extLst>
-              <a:ext uri="{FF2B5EF4-FFF2-40B4-BE49-F238E27FC236}">
-                <a16:creationId xmlns:a16="http://schemas.microsoft.com/office/drawing/2014/main" id="{0A878F4F-8CCE-1A6C-E1AF-8C21C65358C5}"/>
-              </a:ext>
-            </a:extLst>
-          </p:cNvPr>
-          <p:cNvSpPr>
-            <a:spLocks noGrp="1"/>
-          </p:cNvSpPr>
-          <p:nvPr>
-            <p:ph idx="1"/>
-          </p:nvPr>
-        </p:nvSpPr>
-        <p:spPr/>
-        <p:txBody>
-          <a:bodyPr>
-            <a:normAutofit fontScale="77500" lnSpcReduction="20000"/>
-          </a:bodyPr>
-          <a:lstStyle/>
-          <a:p>
-            <a:pPr marL="0" indent="0">
-              <a:buNone/>
-            </a:pPr>
-            <a:r>
-              <a:rPr lang="de-AT" b="0" dirty="0" err="1">
-                <a:solidFill>
-                  <a:srgbClr val="569CD6"/>
-                </a:solidFill>
-                <a:effectLst/>
-                <a:latin typeface="Consolas" panose="020B0609020204030204" pitchFamily="49" charset="0"/>
-              </a:rPr>
-              <a:t>async</a:t>
-            </a:r>
-            <a:r>
-              <a:rPr lang="de-AT" b="0" dirty="0">
-                <a:solidFill>
-                  <a:srgbClr val="D4D4D4"/>
-                </a:solidFill>
-                <a:effectLst/>
-                <a:latin typeface="Consolas" panose="020B0609020204030204" pitchFamily="49" charset="0"/>
-              </a:rPr>
-              <a:t> </a:t>
-            </a:r>
-            <a:r>
-              <a:rPr lang="de-AT" b="0" dirty="0" err="1">
-                <a:solidFill>
-                  <a:srgbClr val="569CD6"/>
-                </a:solidFill>
-                <a:effectLst/>
-                <a:latin typeface="Consolas" panose="020B0609020204030204" pitchFamily="49" charset="0"/>
-              </a:rPr>
-              <a:t>fn</a:t>
-            </a:r>
-            <a:r>
-              <a:rPr lang="de-AT" b="0" dirty="0">
-                <a:solidFill>
-                  <a:srgbClr val="D4D4D4"/>
-                </a:solidFill>
-                <a:effectLst/>
-                <a:latin typeface="Consolas" panose="020B0609020204030204" pitchFamily="49" charset="0"/>
-              </a:rPr>
-              <a:t> </a:t>
-            </a:r>
-            <a:r>
-              <a:rPr lang="de-AT" b="0" dirty="0" err="1">
-                <a:solidFill>
-                  <a:srgbClr val="DCDCAA"/>
-                </a:solidFill>
-                <a:effectLst/>
-                <a:latin typeface="Consolas" panose="020B0609020204030204" pitchFamily="49" charset="0"/>
-              </a:rPr>
-              <a:t>main</a:t>
-            </a:r>
-            <a:r>
-              <a:rPr lang="de-AT" b="0" dirty="0">
-                <a:solidFill>
-                  <a:srgbClr val="D4D4D4"/>
-                </a:solidFill>
-                <a:effectLst/>
-                <a:latin typeface="Consolas" panose="020B0609020204030204" pitchFamily="49" charset="0"/>
-              </a:rPr>
-              <a:t>() -&gt; </a:t>
-            </a:r>
-            <a:r>
-              <a:rPr lang="de-AT" b="0" dirty="0" err="1">
-                <a:solidFill>
-                  <a:srgbClr val="4EC9B0"/>
-                </a:solidFill>
-                <a:effectLst/>
-                <a:latin typeface="Consolas" panose="020B0609020204030204" pitchFamily="49" charset="0"/>
-              </a:rPr>
-              <a:t>Result</a:t>
-            </a:r>
-            <a:r>
-              <a:rPr lang="de-AT" b="0" dirty="0">
-                <a:solidFill>
-                  <a:srgbClr val="D4D4D4"/>
-                </a:solidFill>
-                <a:effectLst/>
-                <a:latin typeface="Consolas" panose="020B0609020204030204" pitchFamily="49" charset="0"/>
-              </a:rPr>
-              <a:t>&lt;(), </a:t>
-            </a:r>
-            <a:r>
-              <a:rPr lang="de-AT" b="0" dirty="0">
-                <a:solidFill>
-                  <a:srgbClr val="4EC9B0"/>
-                </a:solidFill>
-                <a:effectLst/>
-                <a:latin typeface="Consolas" panose="020B0609020204030204" pitchFamily="49" charset="0"/>
-              </a:rPr>
-              <a:t>Error</a:t>
-            </a:r>
-            <a:r>
-              <a:rPr lang="de-AT" b="0" dirty="0">
-                <a:solidFill>
-                  <a:srgbClr val="D4D4D4"/>
-                </a:solidFill>
-                <a:effectLst/>
-                <a:latin typeface="Consolas" panose="020B0609020204030204" pitchFamily="49" charset="0"/>
-              </a:rPr>
-              <a:t>&gt; {</a:t>
-            </a:r>
-          </a:p>
-          <a:p>
-            <a:pPr marL="0" indent="0">
-              <a:buNone/>
-            </a:pPr>
-            <a:endParaRPr lang="de-AT" b="0" dirty="0">
-              <a:solidFill>
-                <a:srgbClr val="D4D4D4"/>
-              </a:solidFill>
-              <a:effectLst/>
-              <a:latin typeface="Consolas" panose="020B0609020204030204" pitchFamily="49" charset="0"/>
-            </a:endParaRPr>
-          </a:p>
-          <a:p>
-            <a:pPr marL="0" indent="0">
-              <a:buNone/>
-            </a:pPr>
-            <a:r>
-              <a:rPr lang="de-AT" b="0" dirty="0">
-                <a:solidFill>
-                  <a:srgbClr val="6A9955"/>
-                </a:solidFill>
-                <a:effectLst/>
-                <a:latin typeface="Consolas" panose="020B0609020204030204" pitchFamily="49" charset="0"/>
-              </a:rPr>
-              <a:t>    </a:t>
-            </a:r>
-            <a:r>
-              <a:rPr lang="de-AT" dirty="0">
-                <a:solidFill>
-                  <a:srgbClr val="D4D4D4"/>
-                </a:solidFill>
-                <a:latin typeface="Consolas" panose="020B0609020204030204" pitchFamily="49" charset="0"/>
-              </a:rPr>
-              <a:t> </a:t>
-            </a:r>
-            <a:r>
-              <a:rPr lang="de-AT" b="0" dirty="0" err="1">
-                <a:solidFill>
-                  <a:srgbClr val="4EC9B0"/>
-                </a:solidFill>
-                <a:effectLst/>
-                <a:latin typeface="Consolas" panose="020B0609020204030204" pitchFamily="49" charset="0"/>
-              </a:rPr>
-              <a:t>HttpServer</a:t>
-            </a:r>
-            <a:r>
-              <a:rPr lang="de-AT" b="0" dirty="0">
-                <a:solidFill>
-                  <a:srgbClr val="D4D4D4"/>
-                </a:solidFill>
-                <a:effectLst/>
-                <a:latin typeface="Consolas" panose="020B0609020204030204" pitchFamily="49" charset="0"/>
-              </a:rPr>
-              <a:t>::</a:t>
-            </a:r>
-            <a:r>
-              <a:rPr lang="de-AT" b="0" dirty="0" err="1">
-                <a:solidFill>
-                  <a:srgbClr val="DCDCAA"/>
-                </a:solidFill>
-                <a:effectLst/>
-                <a:latin typeface="Consolas" panose="020B0609020204030204" pitchFamily="49" charset="0"/>
-              </a:rPr>
-              <a:t>new</a:t>
-            </a:r>
-            <a:r>
-              <a:rPr lang="de-AT" b="0" dirty="0">
-                <a:solidFill>
-                  <a:srgbClr val="D4D4D4"/>
-                </a:solidFill>
-                <a:effectLst/>
-                <a:latin typeface="Consolas" panose="020B0609020204030204" pitchFamily="49" charset="0"/>
-              </a:rPr>
-              <a:t>(|| {</a:t>
-            </a:r>
-          </a:p>
-          <a:p>
-            <a:pPr marL="0" indent="0">
-              <a:buNone/>
-            </a:pPr>
-            <a:r>
-              <a:rPr lang="de-AT" b="0" dirty="0">
-                <a:solidFill>
-                  <a:srgbClr val="6A9955"/>
-                </a:solidFill>
-                <a:effectLst/>
-                <a:latin typeface="Consolas" panose="020B0609020204030204" pitchFamily="49" charset="0"/>
-              </a:rPr>
-              <a:t>      </a:t>
-            </a:r>
-            <a:endParaRPr lang="de-AT" b="0" dirty="0">
-              <a:solidFill>
-                <a:srgbClr val="D4D4D4"/>
-              </a:solidFill>
-              <a:effectLst/>
-              <a:latin typeface="Consolas" panose="020B0609020204030204" pitchFamily="49" charset="0"/>
-            </a:endParaRPr>
-          </a:p>
-          <a:p>
-            <a:pPr marL="0" indent="0">
-              <a:buNone/>
-            </a:pPr>
-            <a:r>
-              <a:rPr lang="de-AT" b="0" dirty="0">
-                <a:solidFill>
-                  <a:srgbClr val="D4D4D4"/>
-                </a:solidFill>
-                <a:effectLst/>
-                <a:latin typeface="Consolas" panose="020B0609020204030204" pitchFamily="49" charset="0"/>
-              </a:rPr>
-              <a:t>        </a:t>
-            </a:r>
-            <a:r>
-              <a:rPr lang="de-AT" b="0" dirty="0">
-                <a:solidFill>
-                  <a:srgbClr val="4EC9B0"/>
-                </a:solidFill>
-                <a:effectLst/>
-                <a:latin typeface="Consolas" panose="020B0609020204030204" pitchFamily="49" charset="0"/>
-              </a:rPr>
-              <a:t>App</a:t>
-            </a:r>
-            <a:r>
-              <a:rPr lang="de-AT" b="0" dirty="0">
-                <a:solidFill>
-                  <a:srgbClr val="D4D4D4"/>
-                </a:solidFill>
-                <a:effectLst/>
-                <a:latin typeface="Consolas" panose="020B0609020204030204" pitchFamily="49" charset="0"/>
-              </a:rPr>
-              <a:t>::</a:t>
-            </a:r>
-            <a:r>
-              <a:rPr lang="de-AT" b="0" dirty="0" err="1">
-                <a:solidFill>
-                  <a:srgbClr val="DCDCAA"/>
-                </a:solidFill>
-                <a:effectLst/>
-                <a:latin typeface="Consolas" panose="020B0609020204030204" pitchFamily="49" charset="0"/>
-              </a:rPr>
-              <a:t>new</a:t>
-            </a:r>
-            <a:r>
-              <a:rPr lang="de-AT" b="0" dirty="0">
-                <a:solidFill>
-                  <a:srgbClr val="D4D4D4"/>
-                </a:solidFill>
-                <a:effectLst/>
-                <a:latin typeface="Consolas" panose="020B0609020204030204" pitchFamily="49" charset="0"/>
-              </a:rPr>
-              <a:t>() </a:t>
-            </a:r>
-            <a:r>
-              <a:rPr lang="de-AT" b="0" dirty="0">
-                <a:solidFill>
-                  <a:srgbClr val="6A9955"/>
-                </a:solidFill>
-                <a:effectLst/>
-                <a:latin typeface="Consolas" panose="020B0609020204030204" pitchFamily="49" charset="0"/>
-              </a:rPr>
-              <a:t>// Registration </a:t>
-            </a:r>
-            <a:r>
-              <a:rPr lang="de-AT" b="0" dirty="0" err="1">
-                <a:solidFill>
-                  <a:srgbClr val="6A9955"/>
-                </a:solidFill>
-                <a:effectLst/>
-                <a:latin typeface="Consolas" panose="020B0609020204030204" pitchFamily="49" charset="0"/>
-              </a:rPr>
-              <a:t>of</a:t>
-            </a:r>
-            <a:r>
-              <a:rPr lang="de-AT" b="0" dirty="0">
-                <a:solidFill>
-                  <a:srgbClr val="6A9955"/>
-                </a:solidFill>
-                <a:effectLst/>
-                <a:latin typeface="Consolas" panose="020B0609020204030204" pitchFamily="49" charset="0"/>
-              </a:rPr>
-              <a:t> </a:t>
-            </a:r>
-            <a:r>
-              <a:rPr lang="de-AT" b="0" dirty="0" err="1">
-                <a:solidFill>
-                  <a:srgbClr val="6A9955"/>
-                </a:solidFill>
-                <a:effectLst/>
-                <a:latin typeface="Consolas" panose="020B0609020204030204" pitchFamily="49" charset="0"/>
-              </a:rPr>
-              <a:t>routes</a:t>
-            </a:r>
-            <a:r>
-              <a:rPr lang="de-AT" b="0" dirty="0">
-                <a:solidFill>
-                  <a:srgbClr val="6A9955"/>
-                </a:solidFill>
-                <a:effectLst/>
-                <a:latin typeface="Consolas" panose="020B0609020204030204" pitchFamily="49" charset="0"/>
-              </a:rPr>
-              <a:t> </a:t>
-            </a:r>
-            <a:r>
-              <a:rPr lang="de-AT" b="0" dirty="0" err="1">
-                <a:solidFill>
-                  <a:srgbClr val="6A9955"/>
-                </a:solidFill>
-                <a:effectLst/>
-                <a:latin typeface="Consolas" panose="020B0609020204030204" pitchFamily="49" charset="0"/>
-              </a:rPr>
-              <a:t>is</a:t>
-            </a:r>
-            <a:r>
-              <a:rPr lang="de-AT" b="0" dirty="0">
-                <a:solidFill>
-                  <a:srgbClr val="6A9955"/>
-                </a:solidFill>
-                <a:effectLst/>
-                <a:latin typeface="Consolas" panose="020B0609020204030204" pitchFamily="49" charset="0"/>
-              </a:rPr>
-              <a:t> </a:t>
-            </a:r>
-            <a:r>
-              <a:rPr lang="de-AT" b="0" dirty="0" err="1">
-                <a:solidFill>
-                  <a:srgbClr val="6A9955"/>
-                </a:solidFill>
-                <a:effectLst/>
-                <a:latin typeface="Consolas" panose="020B0609020204030204" pitchFamily="49" charset="0"/>
-              </a:rPr>
-              <a:t>here</a:t>
-            </a:r>
-            <a:r>
-              <a:rPr lang="de-AT" b="0" dirty="0">
-                <a:solidFill>
-                  <a:srgbClr val="6A9955"/>
-                </a:solidFill>
-                <a:effectLst/>
-                <a:latin typeface="Consolas" panose="020B0609020204030204" pitchFamily="49" charset="0"/>
-              </a:rPr>
-              <a:t>!</a:t>
-            </a:r>
-            <a:endParaRPr lang="de-AT" b="0" dirty="0">
-              <a:solidFill>
-                <a:srgbClr val="D4D4D4"/>
-              </a:solidFill>
-              <a:effectLst/>
-              <a:latin typeface="Consolas" panose="020B0609020204030204" pitchFamily="49" charset="0"/>
-            </a:endParaRPr>
-          </a:p>
-          <a:p>
-            <a:pPr marL="0" indent="0">
-              <a:buNone/>
-            </a:pPr>
-            <a:endParaRPr lang="de-AT" b="0" dirty="0">
-              <a:solidFill>
-                <a:srgbClr val="D4D4D4"/>
-              </a:solidFill>
-              <a:effectLst/>
-              <a:latin typeface="Consolas" panose="020B0609020204030204" pitchFamily="49" charset="0"/>
-            </a:endParaRPr>
-          </a:p>
-          <a:p>
-            <a:pPr marL="0" indent="0">
-              <a:buNone/>
-            </a:pPr>
-            <a:r>
-              <a:rPr lang="de-AT" b="0" dirty="0">
-                <a:solidFill>
-                  <a:srgbClr val="D4D4D4"/>
-                </a:solidFill>
-                <a:effectLst/>
-                <a:latin typeface="Consolas" panose="020B0609020204030204" pitchFamily="49" charset="0"/>
-              </a:rPr>
-              <a:t>        })</a:t>
-            </a:r>
-          </a:p>
-          <a:p>
-            <a:pPr marL="0" indent="0">
-              <a:buNone/>
-            </a:pPr>
-            <a:r>
-              <a:rPr lang="de-AT" b="0" dirty="0">
-                <a:solidFill>
-                  <a:srgbClr val="D4D4D4"/>
-                </a:solidFill>
-                <a:effectLst/>
-                <a:latin typeface="Consolas" panose="020B0609020204030204" pitchFamily="49" charset="0"/>
-              </a:rPr>
-              <a:t>  </a:t>
-            </a:r>
-          </a:p>
-          <a:p>
-            <a:pPr marL="0" indent="0">
-              <a:buNone/>
-            </a:pPr>
-            <a:br>
-              <a:rPr lang="de-AT" b="0" dirty="0">
-                <a:solidFill>
-                  <a:srgbClr val="D4D4D4"/>
-                </a:solidFill>
-                <a:effectLst/>
-                <a:latin typeface="Consolas" panose="020B0609020204030204" pitchFamily="49" charset="0"/>
-              </a:rPr>
-            </a:br>
-            <a:r>
-              <a:rPr lang="de-AT" b="0" dirty="0">
-                <a:solidFill>
-                  <a:srgbClr val="D4D4D4"/>
-                </a:solidFill>
-                <a:effectLst/>
-                <a:latin typeface="Consolas" panose="020B0609020204030204" pitchFamily="49" charset="0"/>
-              </a:rPr>
-              <a:t>    .</a:t>
-            </a:r>
-            <a:r>
-              <a:rPr lang="de-AT" b="0" dirty="0">
-                <a:solidFill>
-                  <a:srgbClr val="DCDCAA"/>
-                </a:solidFill>
-                <a:effectLst/>
-                <a:latin typeface="Consolas" panose="020B0609020204030204" pitchFamily="49" charset="0"/>
-              </a:rPr>
-              <a:t>bind</a:t>
-            </a:r>
-            <a:r>
-              <a:rPr lang="de-AT" b="0" dirty="0">
-                <a:solidFill>
-                  <a:srgbClr val="D4D4D4"/>
-                </a:solidFill>
-                <a:effectLst/>
-                <a:latin typeface="Consolas" panose="020B0609020204030204" pitchFamily="49" charset="0"/>
-              </a:rPr>
-              <a:t>((</a:t>
-            </a:r>
-            <a:r>
-              <a:rPr lang="de-AT" b="0" dirty="0">
-                <a:solidFill>
-                  <a:srgbClr val="CE9178"/>
-                </a:solidFill>
-                <a:effectLst/>
-                <a:latin typeface="Consolas" panose="020B0609020204030204" pitchFamily="49" charset="0"/>
-              </a:rPr>
-              <a:t>"0.0.0.0"</a:t>
-            </a:r>
-            <a:r>
-              <a:rPr lang="de-AT" b="0" dirty="0">
-                <a:solidFill>
-                  <a:srgbClr val="D4D4D4"/>
-                </a:solidFill>
-                <a:effectLst/>
-                <a:latin typeface="Consolas" panose="020B0609020204030204" pitchFamily="49" charset="0"/>
-              </a:rPr>
-              <a:t>, </a:t>
-            </a:r>
-            <a:r>
-              <a:rPr lang="de-AT" b="0" dirty="0">
-                <a:solidFill>
-                  <a:srgbClr val="B5CEA8"/>
-                </a:solidFill>
-                <a:effectLst/>
-                <a:latin typeface="Consolas" panose="020B0609020204030204" pitchFamily="49" charset="0"/>
-              </a:rPr>
-              <a:t>8080</a:t>
-            </a:r>
-            <a:r>
-              <a:rPr lang="de-AT" b="0" dirty="0">
-                <a:solidFill>
-                  <a:srgbClr val="D4D4D4"/>
-                </a:solidFill>
-                <a:effectLst/>
-                <a:latin typeface="Consolas" panose="020B0609020204030204" pitchFamily="49" charset="0"/>
-              </a:rPr>
-              <a:t>)).</a:t>
-            </a:r>
-            <a:r>
-              <a:rPr lang="de-AT" b="0" dirty="0" err="1">
-                <a:solidFill>
-                  <a:srgbClr val="DCDCAA"/>
-                </a:solidFill>
-                <a:effectLst/>
-                <a:latin typeface="Consolas" panose="020B0609020204030204" pitchFamily="49" charset="0"/>
-              </a:rPr>
-              <a:t>unwrap</a:t>
-            </a:r>
-            <a:r>
-              <a:rPr lang="de-AT" b="0" dirty="0">
-                <a:solidFill>
-                  <a:srgbClr val="D4D4D4"/>
-                </a:solidFill>
-                <a:effectLst/>
-                <a:latin typeface="Consolas" panose="020B0609020204030204" pitchFamily="49" charset="0"/>
-              </a:rPr>
-              <a:t>()</a:t>
-            </a:r>
-          </a:p>
-          <a:p>
-            <a:pPr marL="0" indent="0">
-              <a:buNone/>
-            </a:pPr>
-            <a:r>
-              <a:rPr lang="de-AT" b="0" dirty="0">
-                <a:solidFill>
-                  <a:srgbClr val="D4D4D4"/>
-                </a:solidFill>
-                <a:effectLst/>
-                <a:latin typeface="Consolas" panose="020B0609020204030204" pitchFamily="49" charset="0"/>
-              </a:rPr>
-              <a:t>    .</a:t>
-            </a:r>
-            <a:r>
-              <a:rPr lang="de-AT" b="0" dirty="0" err="1">
-                <a:solidFill>
-                  <a:srgbClr val="DCDCAA"/>
-                </a:solidFill>
-                <a:effectLst/>
-                <a:latin typeface="Consolas" panose="020B0609020204030204" pitchFamily="49" charset="0"/>
-              </a:rPr>
-              <a:t>run</a:t>
-            </a:r>
-            <a:r>
-              <a:rPr lang="de-AT" b="0" dirty="0">
-                <a:solidFill>
-                  <a:srgbClr val="D4D4D4"/>
-                </a:solidFill>
-                <a:effectLst/>
-                <a:latin typeface="Consolas" panose="020B0609020204030204" pitchFamily="49" charset="0"/>
-              </a:rPr>
-              <a:t>().</a:t>
-            </a:r>
-            <a:r>
-              <a:rPr lang="de-AT" b="0" dirty="0" err="1">
-                <a:solidFill>
-                  <a:srgbClr val="C586C0"/>
-                </a:solidFill>
-                <a:effectLst/>
-                <a:latin typeface="Consolas" panose="020B0609020204030204" pitchFamily="49" charset="0"/>
-              </a:rPr>
-              <a:t>await</a:t>
-            </a:r>
-            <a:endParaRPr lang="de-AT" b="0" dirty="0">
-              <a:solidFill>
-                <a:srgbClr val="D4D4D4"/>
-              </a:solidFill>
-              <a:effectLst/>
-              <a:latin typeface="Consolas" panose="020B0609020204030204" pitchFamily="49" charset="0"/>
-            </a:endParaRPr>
-          </a:p>
-          <a:p>
-            <a:pPr marL="0" indent="0">
-              <a:buNone/>
-            </a:pPr>
-            <a:r>
-              <a:rPr lang="de-AT" b="0" dirty="0">
-                <a:solidFill>
-                  <a:srgbClr val="D4D4D4"/>
-                </a:solidFill>
-                <a:effectLst/>
-                <a:latin typeface="Consolas" panose="020B0609020204030204" pitchFamily="49" charset="0"/>
-              </a:rPr>
-              <a:t>}</a:t>
-            </a:r>
-          </a:p>
-          <a:p>
-            <a:pPr marL="0" indent="0">
-              <a:buNone/>
-            </a:pPr>
-            <a:endParaRPr lang="de-AT" dirty="0"/>
-          </a:p>
-        </p:txBody>
-      </p:sp>
-    </p:spTree>
-    <p:extLst>
-      <p:ext uri="{BB962C8B-B14F-4D97-AF65-F5344CB8AC3E}">
-        <p14:creationId xmlns:p14="http://schemas.microsoft.com/office/powerpoint/2010/main" val="1491222435"/>
-      </p:ext>
-    </p:extLst>
-  </p:cSld>
-  <p:clrMapOvr>
-    <a:masterClrMapping/>
-  </p:clrMapOvr>
-</p:sld>
-</file>
-
-<file path=ppt/slides/slide6.xml><?xml version="1.0" encoding="utf-8"?>
-<p:sld xmlns:a="http://schemas.openxmlformats.org/drawingml/2006/main" xmlns:r="http://schemas.openxmlformats.org/officeDocument/2006/relationships" xmlns:p="http://schemas.openxmlformats.org/presentationml/2006/main">
-  <p:cSld>
-    <p:spTree>
-      <p:nvGrpSpPr>
-        <p:cNvPr id="1" name=""/>
-        <p:cNvGrpSpPr/>
-        <p:nvPr/>
-      </p:nvGrpSpPr>
-      <p:grpSpPr>
-        <a:xfrm>
-          <a:off x="0" y="0"/>
-          <a:ext cx="0" cy="0"/>
-          <a:chOff x="0" y="0"/>
-          <a:chExt cx="0" cy="0"/>
-        </a:xfrm>
-      </p:grpSpPr>
-      <p:sp>
-        <p:nvSpPr>
-          <p:cNvPr id="3" name="Untertitel 2">
-            <a:extLst>
-              <a:ext uri="{FF2B5EF4-FFF2-40B4-BE49-F238E27FC236}">
-                <a16:creationId xmlns:a16="http://schemas.microsoft.com/office/drawing/2014/main" id="{91D3E1D6-4E92-3CF3-79A0-C3D06EECF650}"/>
-              </a:ext>
-            </a:extLst>
-          </p:cNvPr>
-          <p:cNvSpPr>
-            <a:spLocks noGrp="1"/>
-          </p:cNvSpPr>
-          <p:nvPr>
-            <p:ph type="subTitle" idx="1"/>
-          </p:nvPr>
-        </p:nvSpPr>
-        <p:spPr>
-          <a:xfrm>
-            <a:off x="1524000" y="2563345"/>
-            <a:ext cx="9144000" cy="1655762"/>
-          </a:xfrm>
-        </p:spPr>
-        <p:txBody>
-          <a:bodyPr/>
-          <a:lstStyle/>
-          <a:p>
-            <a:r>
-              <a:rPr lang="de-DE" sz="4000" dirty="0"/>
-              <a:t>URI-Path   -&gt;   Handler </a:t>
-            </a:r>
-            <a:r>
-              <a:rPr lang="de-DE" sz="4000" dirty="0" err="1"/>
-              <a:t>Function</a:t>
-            </a:r>
-            <a:endParaRPr lang="de-DE" sz="4000" dirty="0"/>
-          </a:p>
-          <a:p>
-            <a:r>
-              <a:rPr lang="de-AT" sz="4000" b="0" dirty="0">
-                <a:solidFill>
-                  <a:srgbClr val="CE9178"/>
-                </a:solidFill>
-                <a:effectLst/>
-                <a:latin typeface="Menlo" panose="020B0609030804020204" pitchFamily="49" charset="0"/>
-              </a:rPr>
-              <a:t>"/"</a:t>
-            </a:r>
-            <a:r>
-              <a:rPr lang="de-AT" sz="4000" b="0" dirty="0">
-                <a:solidFill>
-                  <a:srgbClr val="CCCCCC"/>
-                </a:solidFill>
-                <a:effectLst/>
-                <a:latin typeface="Menlo" panose="020B0609030804020204" pitchFamily="49" charset="0"/>
-              </a:rPr>
-              <a:t> </a:t>
-            </a:r>
-            <a:r>
-              <a:rPr lang="de-AT" sz="4000" b="0" dirty="0">
-                <a:solidFill>
-                  <a:srgbClr val="D4D4D4"/>
-                </a:solidFill>
-                <a:effectLst/>
-                <a:latin typeface="Menlo" panose="020B0609030804020204" pitchFamily="49" charset="0"/>
-              </a:rPr>
-              <a:t>-&gt;</a:t>
-            </a:r>
-            <a:r>
-              <a:rPr lang="de-AT" sz="4000" b="0" dirty="0">
-                <a:solidFill>
-                  <a:srgbClr val="CCCCCC"/>
-                </a:solidFill>
-                <a:effectLst/>
-                <a:latin typeface="Menlo" panose="020B0609030804020204" pitchFamily="49" charset="0"/>
-              </a:rPr>
-              <a:t> </a:t>
-            </a:r>
-            <a:r>
-              <a:rPr lang="de-AT" sz="4000" b="0" dirty="0" err="1">
-                <a:solidFill>
-                  <a:srgbClr val="569CD6"/>
-                </a:solidFill>
-                <a:effectLst/>
-                <a:latin typeface="Menlo" panose="020B0609030804020204" pitchFamily="49" charset="0"/>
-              </a:rPr>
-              <a:t>fn</a:t>
-            </a:r>
-            <a:r>
-              <a:rPr lang="de-AT" sz="4000" b="0" dirty="0">
-                <a:solidFill>
-                  <a:srgbClr val="CCCCCC"/>
-                </a:solidFill>
-                <a:effectLst/>
-                <a:latin typeface="Menlo" panose="020B0609030804020204" pitchFamily="49" charset="0"/>
-              </a:rPr>
-              <a:t>()</a:t>
-            </a:r>
-          </a:p>
-          <a:p>
-            <a:endParaRPr lang="de-DE" dirty="0"/>
-          </a:p>
-        </p:txBody>
-      </p:sp>
-      <p:sp>
-        <p:nvSpPr>
-          <p:cNvPr id="4" name="Titel 1">
-            <a:extLst>
-              <a:ext uri="{FF2B5EF4-FFF2-40B4-BE49-F238E27FC236}">
-                <a16:creationId xmlns:a16="http://schemas.microsoft.com/office/drawing/2014/main" id="{76921599-2561-271E-E65E-2F68BE59417A}"/>
-              </a:ext>
-            </a:extLst>
-          </p:cNvPr>
-          <p:cNvSpPr txBox="1">
-            <a:spLocks/>
-          </p:cNvSpPr>
-          <p:nvPr/>
-        </p:nvSpPr>
-        <p:spPr>
-          <a:xfrm>
-            <a:off x="838200" y="365125"/>
-            <a:ext cx="10515600" cy="1325563"/>
-          </a:xfrm>
-          <a:prstGeom prst="rect">
-            <a:avLst/>
-          </a:prstGeom>
-        </p:spPr>
-        <p:txBody>
-          <a:bodyPr vert="horz" lIns="91440" tIns="45720" rIns="91440" bIns="45720" rtlCol="0" anchor="b">
-            <a:normAutofit/>
-          </a:bodyPr>
-          <a:lstStyle>
-            <a:lvl1pPr algn="ctr" defTabSz="914400" rtl="0" eaLnBrk="1" latinLnBrk="0" hangingPunct="1">
-              <a:lnSpc>
-                <a:spcPct val="90000"/>
-              </a:lnSpc>
-              <a:spcBef>
-                <a:spcPct val="0"/>
-              </a:spcBef>
-              <a:buNone/>
-              <a:defRPr sz="6000" kern="1200">
-                <a:solidFill>
-                  <a:schemeClr val="tx1"/>
-                </a:solidFill>
-                <a:latin typeface="+mj-lt"/>
-                <a:ea typeface="+mj-ea"/>
-                <a:cs typeface="+mj-cs"/>
-              </a:defRPr>
-            </a:lvl1pPr>
-          </a:lstStyle>
-          <a:p>
-            <a:pPr algn="l"/>
-            <a:r>
-              <a:rPr lang="de-DE" sz="4400" dirty="0"/>
-              <a:t>Route Registration</a:t>
-            </a:r>
-            <a:endParaRPr lang="de-AT" sz="4400" dirty="0"/>
-          </a:p>
-        </p:txBody>
-      </p:sp>
-    </p:spTree>
-    <p:extLst>
-      <p:ext uri="{BB962C8B-B14F-4D97-AF65-F5344CB8AC3E}">
-        <p14:creationId xmlns:p14="http://schemas.microsoft.com/office/powerpoint/2010/main" val="1296110748"/>
-      </p:ext>
-    </p:extLst>
-  </p:cSld>
-  <p:clrMapOvr>
-    <a:masterClrMapping/>
-  </p:clrMapOvr>
-</p:sld>
-</file>
-
-<file path=ppt/slides/slide7.xml><?xml version="1.0" encoding="utf-8"?>
-<p:sld xmlns:a="http://schemas.openxmlformats.org/drawingml/2006/main" xmlns:r="http://schemas.openxmlformats.org/officeDocument/2006/relationships" xmlns:p="http://schemas.openxmlformats.org/presentationml/2006/main">
-  <p:cSld>
-    <p:spTree>
-      <p:nvGrpSpPr>
-        <p:cNvPr id="1" name=""/>
-        <p:cNvGrpSpPr/>
-        <p:nvPr/>
-      </p:nvGrpSpPr>
-      <p:grpSpPr>
-        <a:xfrm>
-          <a:off x="0" y="0"/>
-          <a:ext cx="0" cy="0"/>
-          <a:chOff x="0" y="0"/>
-          <a:chExt cx="0" cy="0"/>
-        </a:xfrm>
-      </p:grpSpPr>
-      <p:sp>
-        <p:nvSpPr>
-          <p:cNvPr id="2" name="Titel 1">
-            <a:extLst>
-              <a:ext uri="{FF2B5EF4-FFF2-40B4-BE49-F238E27FC236}">
-                <a16:creationId xmlns:a16="http://schemas.microsoft.com/office/drawing/2014/main" id="{4242A11C-A257-C995-6CD7-1D3DB47CF9C6}"/>
-              </a:ext>
-            </a:extLst>
-          </p:cNvPr>
-          <p:cNvSpPr>
-            <a:spLocks noGrp="1"/>
-          </p:cNvSpPr>
-          <p:nvPr>
-            <p:ph type="title"/>
-          </p:nvPr>
-        </p:nvSpPr>
-        <p:spPr/>
-        <p:txBody>
-          <a:bodyPr/>
-          <a:lstStyle/>
-          <a:p>
-            <a:r>
-              <a:rPr lang="de-DE" dirty="0"/>
-              <a:t>Handler </a:t>
-            </a:r>
-            <a:r>
-              <a:rPr lang="de-DE" dirty="0" err="1"/>
-              <a:t>Function</a:t>
-            </a:r>
-            <a:endParaRPr lang="de-AT" dirty="0"/>
-          </a:p>
-        </p:txBody>
-      </p:sp>
-      <p:sp>
-        <p:nvSpPr>
-          <p:cNvPr id="3" name="Inhaltsplatzhalter 2">
-            <a:extLst>
-              <a:ext uri="{FF2B5EF4-FFF2-40B4-BE49-F238E27FC236}">
-                <a16:creationId xmlns:a16="http://schemas.microsoft.com/office/drawing/2014/main" id="{95E13109-FCD1-36ED-E008-4E791B558A93}"/>
-              </a:ext>
-            </a:extLst>
-          </p:cNvPr>
-          <p:cNvSpPr>
-            <a:spLocks noGrp="1"/>
-          </p:cNvSpPr>
-          <p:nvPr>
-            <p:ph idx="1"/>
-          </p:nvPr>
-        </p:nvSpPr>
-        <p:spPr/>
-        <p:txBody>
-          <a:bodyPr/>
-          <a:lstStyle/>
-          <a:p>
-            <a:pPr marL="0" indent="0">
-              <a:buNone/>
-            </a:pPr>
-            <a:r>
-              <a:rPr lang="de-DE" dirty="0" err="1"/>
-              <a:t>Requirements</a:t>
-            </a:r>
-            <a:r>
-              <a:rPr lang="de-DE" dirty="0"/>
-              <a:t>:</a:t>
-            </a:r>
-          </a:p>
-          <a:p>
-            <a:pPr marL="0" indent="0">
-              <a:buNone/>
-            </a:pPr>
-            <a:endParaRPr lang="de-DE" dirty="0"/>
-          </a:p>
-          <a:p>
-            <a:pPr marL="0" indent="0">
-              <a:buNone/>
-            </a:pPr>
-            <a:r>
-              <a:rPr lang="de-DE" sz="2400" dirty="0"/>
-              <a:t>	-&gt; </a:t>
-            </a:r>
-            <a:r>
-              <a:rPr lang="de-DE" sz="2400" dirty="0" err="1"/>
-              <a:t>Has</a:t>
-            </a:r>
-            <a:r>
-              <a:rPr lang="de-DE" sz="2400" dirty="0"/>
-              <a:t> </a:t>
-            </a:r>
-            <a:r>
-              <a:rPr lang="de-DE" sz="2400" dirty="0" err="1"/>
-              <a:t>to</a:t>
-            </a:r>
-            <a:r>
-              <a:rPr lang="de-DE" sz="2400" dirty="0"/>
-              <a:t> </a:t>
-            </a:r>
-            <a:r>
-              <a:rPr lang="de-DE" sz="2400" dirty="0" err="1"/>
-              <a:t>be</a:t>
-            </a:r>
-            <a:r>
-              <a:rPr lang="de-DE" sz="2400" dirty="0"/>
-              <a:t> an </a:t>
-            </a:r>
-            <a:r>
-              <a:rPr lang="de-DE" sz="2400" dirty="0" err="1"/>
-              <a:t>async</a:t>
-            </a:r>
-            <a:r>
-              <a:rPr lang="de-DE" sz="2400" dirty="0"/>
-              <a:t> </a:t>
-            </a:r>
-            <a:r>
-              <a:rPr lang="de-DE" sz="2400" dirty="0" err="1"/>
-              <a:t>Function</a:t>
-            </a:r>
-            <a:r>
-              <a:rPr lang="de-DE" sz="2400" dirty="0"/>
-              <a:t> </a:t>
-            </a:r>
-            <a:r>
-              <a:rPr lang="de-DE" sz="2400" dirty="0" err="1"/>
-              <a:t>or</a:t>
-            </a:r>
-            <a:r>
-              <a:rPr lang="de-DE" sz="2400" dirty="0"/>
-              <a:t> a </a:t>
-            </a:r>
-            <a:r>
-              <a:rPr lang="de-DE" sz="2400" dirty="0" err="1"/>
-              <a:t>closure</a:t>
-            </a:r>
-            <a:r>
-              <a:rPr lang="de-DE" sz="2400" dirty="0"/>
-              <a:t> </a:t>
-            </a:r>
-            <a:r>
-              <a:rPr lang="de-DE" sz="2400" dirty="0" err="1"/>
-              <a:t>that</a:t>
-            </a:r>
-            <a:r>
-              <a:rPr lang="de-DE" sz="2400" dirty="0"/>
-              <a:t> </a:t>
-            </a:r>
-            <a:r>
-              <a:rPr lang="de-DE" sz="2400" dirty="0" err="1"/>
-              <a:t>returns</a:t>
-            </a:r>
-            <a:r>
-              <a:rPr lang="de-DE" sz="2400" dirty="0"/>
-              <a:t> a Future</a:t>
-            </a:r>
-          </a:p>
-          <a:p>
-            <a:pPr marL="0" indent="0">
-              <a:buNone/>
-            </a:pPr>
-            <a:r>
-              <a:rPr lang="de-DE" sz="2400" dirty="0"/>
-              <a:t>	-&gt; Args </a:t>
-            </a:r>
-            <a:r>
-              <a:rPr lang="de-DE" sz="2400" dirty="0" err="1"/>
-              <a:t>Datatypes</a:t>
-            </a:r>
-            <a:r>
-              <a:rPr lang="de-DE" sz="2400" dirty="0"/>
-              <a:t> </a:t>
-            </a:r>
-            <a:r>
-              <a:rPr lang="de-DE" sz="2400" dirty="0" err="1"/>
-              <a:t>must</a:t>
-            </a:r>
-            <a:r>
-              <a:rPr lang="de-DE" sz="2400" dirty="0"/>
-              <a:t> </a:t>
-            </a:r>
-            <a:r>
-              <a:rPr lang="de-DE" sz="2400" dirty="0" err="1"/>
-              <a:t>implement</a:t>
-            </a:r>
-            <a:r>
-              <a:rPr lang="de-DE" sz="2400" dirty="0"/>
-              <a:t> </a:t>
-            </a:r>
-            <a:r>
-              <a:rPr lang="de-DE" sz="2400" dirty="0" err="1"/>
-              <a:t>FromRequest</a:t>
-            </a:r>
-            <a:r>
-              <a:rPr lang="de-DE" sz="2400" dirty="0"/>
-              <a:t> </a:t>
-            </a:r>
-            <a:r>
-              <a:rPr lang="de-DE" sz="2400" dirty="0" err="1"/>
-              <a:t>trait</a:t>
-            </a:r>
-            <a:endParaRPr lang="de-DE" sz="2400" dirty="0"/>
-          </a:p>
-          <a:p>
-            <a:pPr marL="0" indent="0">
-              <a:buNone/>
-            </a:pPr>
-            <a:r>
-              <a:rPr lang="de-DE" sz="2400" dirty="0"/>
-              <a:t>	-&gt; Return type </a:t>
-            </a:r>
-            <a:r>
-              <a:rPr lang="de-DE" sz="2400" dirty="0" err="1"/>
-              <a:t>can</a:t>
-            </a:r>
-            <a:r>
-              <a:rPr lang="de-DE" sz="2400" dirty="0"/>
-              <a:t> </a:t>
-            </a:r>
-            <a:r>
-              <a:rPr lang="de-DE" sz="2400" dirty="0" err="1"/>
-              <a:t>be</a:t>
-            </a:r>
-            <a:r>
-              <a:rPr lang="de-DE" sz="2400" dirty="0"/>
-              <a:t> </a:t>
-            </a:r>
-            <a:r>
-              <a:rPr lang="de-DE" sz="2400" dirty="0" err="1"/>
-              <a:t>resolved</a:t>
-            </a:r>
-            <a:r>
-              <a:rPr lang="de-DE" sz="2400" dirty="0"/>
-              <a:t> </a:t>
-            </a:r>
-            <a:r>
-              <a:rPr lang="de-DE" sz="2400" dirty="0" err="1"/>
-              <a:t>into</a:t>
-            </a:r>
-            <a:r>
-              <a:rPr lang="de-DE" sz="2400" dirty="0"/>
-              <a:t> a </a:t>
-            </a:r>
-            <a:r>
-              <a:rPr lang="de-DE" sz="2400" dirty="0" err="1"/>
-              <a:t>HttpResponse</a:t>
-            </a:r>
-            <a:r>
-              <a:rPr lang="de-DE" sz="2400" dirty="0"/>
-              <a:t> (e.g. </a:t>
-            </a:r>
-            <a:r>
-              <a:rPr lang="de-DE" sz="2400" dirty="0" err="1"/>
-              <a:t>it</a:t>
-            </a:r>
-            <a:r>
-              <a:rPr lang="de-DE" sz="2400" dirty="0"/>
-              <a:t> </a:t>
-            </a:r>
-            <a:r>
-              <a:rPr lang="de-DE" sz="2400" dirty="0" err="1"/>
-              <a:t>implements</a:t>
-            </a:r>
-            <a:r>
-              <a:rPr lang="de-DE" sz="2400" dirty="0"/>
-              <a:t> </a:t>
-            </a:r>
-            <a:r>
-              <a:rPr lang="de-DE" sz="2400" dirty="0" err="1"/>
-              <a:t>the</a:t>
-            </a:r>
-            <a:r>
-              <a:rPr lang="de-DE" sz="2400" dirty="0"/>
-              <a:t> 	Responder </a:t>
-            </a:r>
-            <a:r>
-              <a:rPr lang="de-DE" sz="2400" dirty="0" err="1"/>
-              <a:t>trait</a:t>
-            </a:r>
-            <a:r>
-              <a:rPr lang="de-DE" sz="2400" dirty="0"/>
-              <a:t>)</a:t>
-            </a:r>
-            <a:endParaRPr lang="de-AT" sz="2400" dirty="0"/>
-          </a:p>
-        </p:txBody>
-      </p:sp>
-    </p:spTree>
-    <p:extLst>
-      <p:ext uri="{BB962C8B-B14F-4D97-AF65-F5344CB8AC3E}">
-        <p14:creationId xmlns:p14="http://schemas.microsoft.com/office/powerpoint/2010/main" val="2132812502"/>
-      </p:ext>
-    </p:extLst>
-  </p:cSld>
-  <p:clrMapOvr>
-    <a:masterClrMapping/>
-  </p:clrMapOvr>
-</p:sld>
-</file>
-
-<file path=ppt/slides/slide8.xml><?xml version="1.0" encoding="utf-8"?>
-<p:sld xmlns:a="http://schemas.openxmlformats.org/drawingml/2006/main" xmlns:r="http://schemas.openxmlformats.org/officeDocument/2006/relationships" xmlns:p="http://schemas.openxmlformats.org/presentationml/2006/main">
-  <p:cSld>
-    <p:spTree>
-      <p:nvGrpSpPr>
-        <p:cNvPr id="1" name=""/>
-        <p:cNvGrpSpPr/>
-        <p:nvPr/>
-      </p:nvGrpSpPr>
-      <p:grpSpPr>
-        <a:xfrm>
-          <a:off x="0" y="0"/>
-          <a:ext cx="0" cy="0"/>
-          <a:chOff x="0" y="0"/>
-          <a:chExt cx="0" cy="0"/>
-        </a:xfrm>
-      </p:grpSpPr>
-      <p:sp>
-        <p:nvSpPr>
-          <p:cNvPr id="2" name="Titel 1">
-            <a:extLst>
-              <a:ext uri="{FF2B5EF4-FFF2-40B4-BE49-F238E27FC236}">
-                <a16:creationId xmlns:a16="http://schemas.microsoft.com/office/drawing/2014/main" id="{66A96E6F-B497-C7C2-B074-E01083A94E34}"/>
-              </a:ext>
-            </a:extLst>
-          </p:cNvPr>
-          <p:cNvSpPr>
-            <a:spLocks noGrp="1"/>
-          </p:cNvSpPr>
-          <p:nvPr>
-            <p:ph type="title"/>
-          </p:nvPr>
-        </p:nvSpPr>
-        <p:spPr/>
-        <p:txBody>
-          <a:bodyPr/>
-          <a:lstStyle/>
-          <a:p>
-            <a:r>
-              <a:rPr lang="de-DE" dirty="0"/>
-              <a:t>Handler </a:t>
-            </a:r>
-            <a:r>
-              <a:rPr lang="de-DE" dirty="0" err="1"/>
-              <a:t>Function</a:t>
-            </a:r>
-            <a:endParaRPr lang="de-AT" dirty="0"/>
-          </a:p>
-        </p:txBody>
-      </p:sp>
-      <p:sp>
-        <p:nvSpPr>
-          <p:cNvPr id="5" name="Inhaltsplatzhalter 4">
-            <a:extLst>
-              <a:ext uri="{FF2B5EF4-FFF2-40B4-BE49-F238E27FC236}">
-                <a16:creationId xmlns:a16="http://schemas.microsoft.com/office/drawing/2014/main" id="{893C5F94-2EE9-9AF3-3680-56F990D8A4A8}"/>
-              </a:ext>
-            </a:extLst>
-          </p:cNvPr>
-          <p:cNvSpPr>
-            <a:spLocks noGrp="1"/>
-          </p:cNvSpPr>
-          <p:nvPr>
-            <p:ph idx="1"/>
-          </p:nvPr>
-        </p:nvSpPr>
-        <p:spPr/>
-        <p:txBody>
-          <a:bodyPr/>
-          <a:lstStyle/>
-          <a:p>
-            <a:pPr marL="0" indent="0">
-              <a:buNone/>
-            </a:pPr>
-            <a:r>
-              <a:rPr lang="de-AT" b="0" dirty="0">
-                <a:solidFill>
-                  <a:srgbClr val="569CD6"/>
-                </a:solidFill>
-                <a:effectLst/>
-                <a:latin typeface="Consolas" panose="020B0609020204030204" pitchFamily="49" charset="0"/>
-              </a:rPr>
-              <a:t>		</a:t>
-            </a:r>
-            <a:r>
-              <a:rPr lang="de-AT" dirty="0" err="1">
-                <a:solidFill>
-                  <a:srgbClr val="4EC9B0"/>
-                </a:solidFill>
-                <a:latin typeface="Consolas" panose="020B0609020204030204" pitchFamily="49" charset="0"/>
-              </a:rPr>
-              <a:t>impl</a:t>
-            </a:r>
-            <a:r>
-              <a:rPr lang="de-AT" dirty="0">
-                <a:solidFill>
-                  <a:srgbClr val="4EC9B0"/>
-                </a:solidFill>
-                <a:latin typeface="Consolas" panose="020B0609020204030204" pitchFamily="49" charset="0"/>
-              </a:rPr>
-              <a:t> </a:t>
-            </a:r>
-            <a:r>
-              <a:rPr lang="de-AT" dirty="0" err="1">
-                <a:solidFill>
-                  <a:srgbClr val="4EC9B0"/>
-                </a:solidFill>
-                <a:latin typeface="Consolas" panose="020B0609020204030204" pitchFamily="49" charset="0"/>
-              </a:rPr>
-              <a:t>FromRequest</a:t>
-            </a:r>
-            <a:endParaRPr lang="de-AT" dirty="0">
-              <a:solidFill>
-                <a:srgbClr val="4EC9B0"/>
-              </a:solidFill>
-              <a:latin typeface="Consolas" panose="020B0609020204030204" pitchFamily="49" charset="0"/>
-            </a:endParaRPr>
-          </a:p>
-          <a:p>
-            <a:pPr marL="0" indent="0">
-              <a:buNone/>
-            </a:pPr>
-            <a:endParaRPr lang="de-AT" b="0" dirty="0">
-              <a:solidFill>
-                <a:srgbClr val="569CD6"/>
-              </a:solidFill>
-              <a:effectLst/>
-              <a:latin typeface="Consolas" panose="020B0609020204030204" pitchFamily="49" charset="0"/>
-            </a:endParaRPr>
-          </a:p>
-          <a:p>
-            <a:pPr marL="0" indent="0">
-              <a:buNone/>
-            </a:pPr>
-            <a:r>
-              <a:rPr lang="de-AT" b="0" dirty="0" err="1">
-                <a:solidFill>
-                  <a:srgbClr val="569CD6"/>
-                </a:solidFill>
-                <a:effectLst/>
-                <a:latin typeface="Consolas" panose="020B0609020204030204" pitchFamily="49" charset="0"/>
-              </a:rPr>
-              <a:t>async</a:t>
-            </a:r>
-            <a:r>
-              <a:rPr lang="de-AT" b="0" dirty="0">
-                <a:solidFill>
-                  <a:srgbClr val="D4D4D4"/>
-                </a:solidFill>
-                <a:effectLst/>
-                <a:latin typeface="Consolas" panose="020B0609020204030204" pitchFamily="49" charset="0"/>
-              </a:rPr>
-              <a:t> </a:t>
-            </a:r>
-            <a:r>
-              <a:rPr lang="de-AT" b="0" dirty="0" err="1">
-                <a:solidFill>
-                  <a:srgbClr val="569CD6"/>
-                </a:solidFill>
-                <a:effectLst/>
-                <a:latin typeface="Consolas" panose="020B0609020204030204" pitchFamily="49" charset="0"/>
-              </a:rPr>
-              <a:t>fn</a:t>
-            </a:r>
-            <a:r>
-              <a:rPr lang="de-AT" b="0" dirty="0">
-                <a:solidFill>
-                  <a:srgbClr val="D4D4D4"/>
-                </a:solidFill>
-                <a:effectLst/>
-                <a:latin typeface="Consolas" panose="020B0609020204030204" pitchFamily="49" charset="0"/>
-              </a:rPr>
-              <a:t> </a:t>
-            </a:r>
-            <a:r>
-              <a:rPr lang="de-AT" b="0" dirty="0" err="1">
-                <a:solidFill>
-                  <a:srgbClr val="DCDCAA"/>
-                </a:solidFill>
-                <a:effectLst/>
-                <a:latin typeface="Consolas" panose="020B0609020204030204" pitchFamily="49" charset="0"/>
-              </a:rPr>
-              <a:t>hello</a:t>
-            </a:r>
-            <a:r>
-              <a:rPr lang="de-AT" b="0" dirty="0">
-                <a:solidFill>
-                  <a:srgbClr val="D4D4D4"/>
-                </a:solidFill>
-                <a:effectLst/>
-                <a:latin typeface="Consolas" panose="020B0609020204030204" pitchFamily="49" charset="0"/>
-              </a:rPr>
-              <a:t>() -&gt; </a:t>
-            </a:r>
-            <a:r>
-              <a:rPr lang="de-AT" b="0" dirty="0" err="1">
-                <a:solidFill>
-                  <a:srgbClr val="4EC9B0"/>
-                </a:solidFill>
-                <a:effectLst/>
-                <a:latin typeface="Consolas" panose="020B0609020204030204" pitchFamily="49" charset="0"/>
-              </a:rPr>
-              <a:t>impl</a:t>
-            </a:r>
-            <a:r>
-              <a:rPr lang="de-AT" b="0" dirty="0">
-                <a:solidFill>
-                  <a:srgbClr val="4EC9B0"/>
-                </a:solidFill>
-                <a:effectLst/>
-                <a:latin typeface="Consolas" panose="020B0609020204030204" pitchFamily="49" charset="0"/>
-              </a:rPr>
-              <a:t> Responder</a:t>
-            </a:r>
-            <a:r>
-              <a:rPr lang="de-AT" b="0" dirty="0">
-                <a:solidFill>
-                  <a:srgbClr val="D4D4D4"/>
-                </a:solidFill>
-                <a:effectLst/>
-                <a:latin typeface="Consolas" panose="020B0609020204030204" pitchFamily="49" charset="0"/>
-              </a:rPr>
-              <a:t> {</a:t>
-            </a:r>
-          </a:p>
-          <a:p>
-            <a:pPr marL="0" indent="0">
-              <a:buNone/>
-            </a:pPr>
-            <a:r>
-              <a:rPr lang="de-AT" b="0" dirty="0">
-                <a:solidFill>
-                  <a:srgbClr val="D4D4D4"/>
-                </a:solidFill>
-                <a:effectLst/>
-                <a:latin typeface="Consolas" panose="020B0609020204030204" pitchFamily="49" charset="0"/>
-              </a:rPr>
-              <a:t>    </a:t>
-            </a:r>
-            <a:r>
-              <a:rPr lang="de-AT" b="0" dirty="0">
-                <a:solidFill>
-                  <a:srgbClr val="CE9178"/>
-                </a:solidFill>
-                <a:effectLst/>
-                <a:latin typeface="Consolas" panose="020B0609020204030204" pitchFamily="49" charset="0"/>
-              </a:rPr>
-              <a:t>"Hello </a:t>
-            </a:r>
-            <a:r>
-              <a:rPr lang="de-AT" b="0" dirty="0" err="1">
-                <a:solidFill>
-                  <a:srgbClr val="CE9178"/>
-                </a:solidFill>
-                <a:effectLst/>
-                <a:latin typeface="Consolas" panose="020B0609020204030204" pitchFamily="49" charset="0"/>
-              </a:rPr>
-              <a:t>Rustaceans</a:t>
-            </a:r>
-            <a:r>
-              <a:rPr lang="de-AT" b="0" dirty="0">
-                <a:solidFill>
-                  <a:srgbClr val="CE9178"/>
-                </a:solidFill>
-                <a:effectLst/>
-                <a:latin typeface="Consolas" panose="020B0609020204030204" pitchFamily="49" charset="0"/>
-              </a:rPr>
-              <a:t>!"</a:t>
-            </a:r>
-            <a:endParaRPr lang="de-AT" b="0" dirty="0">
-              <a:solidFill>
-                <a:srgbClr val="D4D4D4"/>
-              </a:solidFill>
-              <a:effectLst/>
-              <a:latin typeface="Consolas" panose="020B0609020204030204" pitchFamily="49" charset="0"/>
-            </a:endParaRPr>
-          </a:p>
-          <a:p>
-            <a:pPr marL="0" indent="0">
-              <a:buNone/>
-            </a:pPr>
-            <a:r>
-              <a:rPr lang="de-AT" b="0" dirty="0">
-                <a:solidFill>
-                  <a:srgbClr val="D4D4D4"/>
-                </a:solidFill>
-                <a:effectLst/>
-                <a:latin typeface="Consolas" panose="020B0609020204030204" pitchFamily="49" charset="0"/>
-              </a:rPr>
-              <a:t>}</a:t>
-            </a:r>
-          </a:p>
-          <a:p>
-            <a:pPr marL="0" indent="0">
-              <a:buNone/>
-            </a:pPr>
-            <a:endParaRPr lang="de-AT" dirty="0"/>
-          </a:p>
-        </p:txBody>
-      </p:sp>
-      <p:sp>
-        <p:nvSpPr>
-          <p:cNvPr id="6" name="Ellipse 5">
-            <a:extLst>
-              <a:ext uri="{FF2B5EF4-FFF2-40B4-BE49-F238E27FC236}">
-                <a16:creationId xmlns:a16="http://schemas.microsoft.com/office/drawing/2014/main" id="{32210CB7-FC96-37C9-727E-00AF63CAAD6C}"/>
-              </a:ext>
-            </a:extLst>
-          </p:cNvPr>
-          <p:cNvSpPr/>
-          <p:nvPr/>
-        </p:nvSpPr>
-        <p:spPr>
-          <a:xfrm>
-            <a:off x="838200" y="2734322"/>
-            <a:ext cx="1194786" cy="694678"/>
-          </a:xfrm>
-          <a:prstGeom prst="ellipse">
-            <a:avLst/>
-          </a:prstGeom>
-          <a:noFill/>
-          <a:ln>
-            <a:solidFill>
-              <a:srgbClr val="FF0000"/>
-            </a:solidFill>
-          </a:ln>
-        </p:spPr>
-        <p:style>
-          <a:lnRef idx="2">
-            <a:schemeClr val="accent1">
-              <a:shade val="50000"/>
-            </a:schemeClr>
-          </a:lnRef>
-          <a:fillRef idx="1">
-            <a:schemeClr val="accent1"/>
-          </a:fillRef>
-          <a:effectRef idx="0">
-            <a:schemeClr val="accent1"/>
-          </a:effectRef>
-          <a:fontRef idx="minor">
-            <a:schemeClr val="lt1"/>
-          </a:fontRef>
-        </p:style>
-        <p:txBody>
-          <a:bodyPr rtlCol="0" anchor="ctr"/>
-          <a:lstStyle/>
-          <a:p>
-            <a:pPr algn="ctr"/>
-            <a:endParaRPr lang="de-AT"/>
-          </a:p>
-        </p:txBody>
-      </p:sp>
-      <p:sp>
-        <p:nvSpPr>
-          <p:cNvPr id="7" name="Ellipse 6">
-            <a:extLst>
-              <a:ext uri="{FF2B5EF4-FFF2-40B4-BE49-F238E27FC236}">
-                <a16:creationId xmlns:a16="http://schemas.microsoft.com/office/drawing/2014/main" id="{FE9EC0BE-3F2C-20B9-9F9D-4AB817708D02}"/>
-              </a:ext>
-            </a:extLst>
-          </p:cNvPr>
-          <p:cNvSpPr/>
-          <p:nvPr/>
-        </p:nvSpPr>
-        <p:spPr>
-          <a:xfrm>
-            <a:off x="4687411" y="2716566"/>
-            <a:ext cx="3036162" cy="774577"/>
-          </a:xfrm>
-          <a:prstGeom prst="ellipse">
-            <a:avLst/>
-          </a:prstGeom>
-          <a:noFill/>
-          <a:ln>
-            <a:solidFill>
-              <a:srgbClr val="FF0000"/>
-            </a:solidFill>
-          </a:ln>
-        </p:spPr>
-        <p:style>
-          <a:lnRef idx="2">
-            <a:schemeClr val="accent1">
-              <a:shade val="50000"/>
-            </a:schemeClr>
-          </a:lnRef>
-          <a:fillRef idx="1">
-            <a:schemeClr val="accent1"/>
-          </a:fillRef>
-          <a:effectRef idx="0">
-            <a:schemeClr val="accent1"/>
-          </a:effectRef>
-          <a:fontRef idx="minor">
-            <a:schemeClr val="lt1"/>
-          </a:fontRef>
-        </p:style>
-        <p:txBody>
-          <a:bodyPr rtlCol="0" anchor="ctr"/>
-          <a:lstStyle/>
-          <a:p>
-            <a:pPr algn="ctr"/>
-            <a:endParaRPr lang="de-AT"/>
-          </a:p>
-        </p:txBody>
-      </p:sp>
-      <p:sp>
-        <p:nvSpPr>
-          <p:cNvPr id="8" name="Ellipse 7">
-            <a:extLst>
-              <a:ext uri="{FF2B5EF4-FFF2-40B4-BE49-F238E27FC236}">
-                <a16:creationId xmlns:a16="http://schemas.microsoft.com/office/drawing/2014/main" id="{D6AC8C1F-69D8-CE52-FB22-5ECAD1826D24}"/>
-              </a:ext>
-            </a:extLst>
-          </p:cNvPr>
-          <p:cNvSpPr/>
-          <p:nvPr/>
-        </p:nvSpPr>
-        <p:spPr>
-          <a:xfrm>
-            <a:off x="2544931" y="1690688"/>
-            <a:ext cx="3625049" cy="774577"/>
-          </a:xfrm>
-          <a:prstGeom prst="ellipse">
-            <a:avLst/>
-          </a:prstGeom>
-          <a:noFill/>
-          <a:ln>
-            <a:solidFill>
-              <a:srgbClr val="FF0000"/>
-            </a:solidFill>
-          </a:ln>
-        </p:spPr>
-        <p:style>
-          <a:lnRef idx="2">
-            <a:schemeClr val="accent1">
-              <a:shade val="50000"/>
-            </a:schemeClr>
-          </a:lnRef>
-          <a:fillRef idx="1">
-            <a:schemeClr val="accent1"/>
-          </a:fillRef>
-          <a:effectRef idx="0">
-            <a:schemeClr val="accent1"/>
-          </a:effectRef>
-          <a:fontRef idx="minor">
-            <a:schemeClr val="lt1"/>
-          </a:fontRef>
-        </p:style>
-        <p:txBody>
-          <a:bodyPr rtlCol="0" anchor="ctr"/>
-          <a:lstStyle/>
-          <a:p>
-            <a:pPr algn="ctr"/>
-            <a:endParaRPr lang="de-AT"/>
-          </a:p>
-        </p:txBody>
-      </p:sp>
-      <p:cxnSp>
-        <p:nvCxnSpPr>
-          <p:cNvPr id="13" name="Gerade Verbindung mit Pfeil 12">
-            <a:extLst>
-              <a:ext uri="{FF2B5EF4-FFF2-40B4-BE49-F238E27FC236}">
-                <a16:creationId xmlns:a16="http://schemas.microsoft.com/office/drawing/2014/main" id="{FC7DDAD9-4525-D3D4-598B-85CD8F498FC3}"/>
-              </a:ext>
-            </a:extLst>
-          </p:cNvPr>
-          <p:cNvCxnSpPr>
-            <a:cxnSpLocks/>
-          </p:cNvCxnSpPr>
-          <p:nvPr/>
-        </p:nvCxnSpPr>
-        <p:spPr>
-          <a:xfrm flipH="1">
-            <a:off x="3835153" y="2465265"/>
-            <a:ext cx="62144" cy="550986"/>
-          </a:xfrm>
-          <a:prstGeom prst="straightConnector1">
-            <a:avLst/>
-          </a:prstGeom>
-          <a:ln>
-            <a:solidFill>
-              <a:srgbClr val="FF0000"/>
-            </a:solidFill>
-            <a:tailEnd type="triangle"/>
-          </a:ln>
-        </p:spPr>
-        <p:style>
-          <a:lnRef idx="1">
-            <a:schemeClr val="accent1"/>
-          </a:lnRef>
-          <a:fillRef idx="0">
-            <a:schemeClr val="accent1"/>
-          </a:fillRef>
-          <a:effectRef idx="0">
-            <a:schemeClr val="accent1"/>
-          </a:effectRef>
-          <a:fontRef idx="minor">
-            <a:schemeClr val="tx1"/>
-          </a:fontRef>
-        </p:style>
-      </p:cxnSp>
-    </p:spTree>
-    <p:extLst>
-      <p:ext uri="{BB962C8B-B14F-4D97-AF65-F5344CB8AC3E}">
-        <p14:creationId xmlns:p14="http://schemas.microsoft.com/office/powerpoint/2010/main" val="1766509743"/>
-      </p:ext>
-    </p:extLst>
-  </p:cSld>
-  <p:clrMapOvr>
-    <a:masterClrMapping/>
-  </p:clrMapOvr>
-</p:sld>
-</file>
-
-<file path=ppt/slides/slide9.xml><?xml version="1.0" encoding="utf-8"?>
-<p:sld xmlns:a="http://schemas.openxmlformats.org/drawingml/2006/main" xmlns:r="http://schemas.openxmlformats.org/officeDocument/2006/relationships" xmlns:p="http://schemas.openxmlformats.org/presentationml/2006/main">
-  <p:cSld>
-    <p:spTree>
-      <p:nvGrpSpPr>
-        <p:cNvPr id="1" name=""/>
-        <p:cNvGrpSpPr/>
-        <p:nvPr/>
-      </p:nvGrpSpPr>
-      <p:grpSpPr>
-        <a:xfrm>
-          <a:off x="0" y="0"/>
-          <a:ext cx="0" cy="0"/>
-          <a:chOff x="0" y="0"/>
-          <a:chExt cx="0" cy="0"/>
-        </a:xfrm>
-      </p:grpSpPr>
-      <p:sp>
-        <p:nvSpPr>
-          <p:cNvPr id="2" name="Titel 1">
-            <a:extLst>
-              <a:ext uri="{FF2B5EF4-FFF2-40B4-BE49-F238E27FC236}">
-                <a16:creationId xmlns:a16="http://schemas.microsoft.com/office/drawing/2014/main" id="{DE28BBC6-A8B3-01DD-B469-C9EC43354124}"/>
-              </a:ext>
-            </a:extLst>
-          </p:cNvPr>
-          <p:cNvSpPr>
-            <a:spLocks noGrp="1"/>
-          </p:cNvSpPr>
-          <p:nvPr>
-            <p:ph type="title"/>
-          </p:nvPr>
-        </p:nvSpPr>
-        <p:spPr/>
-        <p:txBody>
-          <a:bodyPr/>
-          <a:lstStyle/>
-          <a:p>
-            <a:r>
-              <a:rPr lang="de-DE" dirty="0" err="1"/>
-              <a:t>Defining</a:t>
-            </a:r>
-            <a:r>
-              <a:rPr lang="de-DE" dirty="0"/>
-              <a:t> a </a:t>
-            </a:r>
-            <a:r>
-              <a:rPr lang="de-DE" dirty="0" err="1"/>
-              <a:t>scope</a:t>
-            </a:r>
-            <a:endParaRPr lang="de-DE" dirty="0"/>
-          </a:p>
-        </p:txBody>
-      </p:sp>
-      <p:sp>
-        <p:nvSpPr>
-          <p:cNvPr id="3" name="Inhaltsplatzhalter 2">
-            <a:extLst>
-              <a:ext uri="{FF2B5EF4-FFF2-40B4-BE49-F238E27FC236}">
-                <a16:creationId xmlns:a16="http://schemas.microsoft.com/office/drawing/2014/main" id="{B29092B3-A0B6-ADAC-CB1A-9D8A07B0A8E5}"/>
-              </a:ext>
-            </a:extLst>
-          </p:cNvPr>
-          <p:cNvSpPr>
-            <a:spLocks noGrp="1"/>
-          </p:cNvSpPr>
-          <p:nvPr>
-            <p:ph idx="1"/>
-          </p:nvPr>
-        </p:nvSpPr>
-        <p:spPr/>
-        <p:txBody>
-          <a:bodyPr>
-            <a:normAutofit fontScale="92500"/>
-          </a:bodyPr>
-          <a:lstStyle/>
-          <a:p>
-            <a:pPr marL="0" indent="0">
-              <a:buNone/>
-            </a:pPr>
-            <a:r>
-              <a:rPr lang="de-DE" dirty="0"/>
-              <a:t>Registered </a:t>
-            </a:r>
-            <a:r>
-              <a:rPr lang="de-DE" dirty="0" err="1"/>
-              <a:t>routes</a:t>
-            </a:r>
-            <a:r>
-              <a:rPr lang="de-DE" dirty="0"/>
-              <a:t> in a </a:t>
-            </a:r>
-            <a:r>
-              <a:rPr lang="de-DE" dirty="0" err="1"/>
-              <a:t>scope</a:t>
-            </a:r>
-            <a:r>
-              <a:rPr lang="de-DE" dirty="0"/>
-              <a:t> will </a:t>
-            </a:r>
-            <a:r>
-              <a:rPr lang="de-DE" dirty="0" err="1"/>
-              <a:t>share</a:t>
-            </a:r>
-            <a:r>
-              <a:rPr lang="de-DE" dirty="0"/>
-              <a:t> a </a:t>
-            </a:r>
-            <a:r>
-              <a:rPr lang="de-DE" dirty="0" err="1"/>
-              <a:t>common</a:t>
-            </a:r>
-            <a:r>
-              <a:rPr lang="de-DE" dirty="0"/>
-              <a:t> </a:t>
-            </a:r>
-            <a:r>
-              <a:rPr lang="de-DE" dirty="0" err="1"/>
-              <a:t>path</a:t>
-            </a:r>
-            <a:r>
-              <a:rPr lang="de-DE" dirty="0"/>
-              <a:t> </a:t>
-            </a:r>
-            <a:r>
-              <a:rPr lang="de-DE" dirty="0" err="1"/>
-              <a:t>prefix</a:t>
-            </a:r>
-            <a:endParaRPr lang="de-DE" dirty="0"/>
-          </a:p>
-          <a:p>
-            <a:pPr marL="0" indent="0">
-              <a:buNone/>
-            </a:pPr>
-            <a:endParaRPr lang="de-DE" dirty="0"/>
-          </a:p>
-          <a:p>
-            <a:pPr marL="0" indent="0">
-              <a:buNone/>
-            </a:pPr>
-            <a:r>
-              <a:rPr lang="de-DE" dirty="0"/>
-              <a:t>e.g.</a:t>
-            </a:r>
-          </a:p>
-          <a:p>
-            <a:pPr marL="0" indent="0">
-              <a:buNone/>
-            </a:pPr>
-            <a:endParaRPr lang="de-DE" dirty="0"/>
-          </a:p>
-          <a:p>
-            <a:pPr marL="0" indent="0">
-              <a:buNone/>
-            </a:pPr>
-            <a:r>
-              <a:rPr lang="de-AT" b="0" dirty="0" err="1">
-                <a:solidFill>
-                  <a:srgbClr val="DCDCAA"/>
-                </a:solidFill>
-                <a:effectLst/>
-                <a:latin typeface="Menlo" panose="020B0609030804020204" pitchFamily="49" charset="0"/>
-              </a:rPr>
-              <a:t>service</a:t>
-            </a:r>
-            <a:r>
-              <a:rPr lang="de-AT" b="0" dirty="0">
-                <a:solidFill>
-                  <a:srgbClr val="CCCCCC"/>
-                </a:solidFill>
-                <a:effectLst/>
-                <a:latin typeface="Menlo" panose="020B0609030804020204" pitchFamily="49" charset="0"/>
-              </a:rPr>
-              <a:t>(</a:t>
-            </a:r>
-          </a:p>
-          <a:p>
-            <a:pPr marL="0" indent="0">
-              <a:buNone/>
-            </a:pPr>
-            <a:r>
-              <a:rPr lang="de-AT" b="0" dirty="0">
-                <a:solidFill>
-                  <a:srgbClr val="4EC9B0"/>
-                </a:solidFill>
-                <a:effectLst/>
-                <a:latin typeface="Menlo" panose="020B0609030804020204" pitchFamily="49" charset="0"/>
-              </a:rPr>
-              <a:t>	web</a:t>
-            </a:r>
-            <a:r>
-              <a:rPr lang="de-AT" b="0" dirty="0">
-                <a:solidFill>
-                  <a:srgbClr val="D4D4D4"/>
-                </a:solidFill>
-                <a:effectLst/>
-                <a:latin typeface="Menlo" panose="020B0609030804020204" pitchFamily="49" charset="0"/>
-              </a:rPr>
-              <a:t>::</a:t>
-            </a:r>
-            <a:r>
-              <a:rPr lang="de-AT" b="0" dirty="0" err="1">
-                <a:solidFill>
-                  <a:srgbClr val="DCDCAA"/>
-                </a:solidFill>
-                <a:effectLst/>
-                <a:latin typeface="Menlo" panose="020B0609030804020204" pitchFamily="49" charset="0"/>
-              </a:rPr>
-              <a:t>scope</a:t>
-            </a:r>
-            <a:r>
-              <a:rPr lang="de-AT" b="0" dirty="0">
-                <a:solidFill>
-                  <a:srgbClr val="CCCCCC"/>
-                </a:solidFill>
-                <a:effectLst/>
-                <a:latin typeface="Menlo" panose="020B0609030804020204" pitchFamily="49" charset="0"/>
-              </a:rPr>
-              <a:t>(</a:t>
-            </a:r>
-            <a:r>
-              <a:rPr lang="de-AT" b="0" dirty="0">
-                <a:solidFill>
-                  <a:srgbClr val="CE9178"/>
-                </a:solidFill>
-                <a:effectLst/>
-                <a:latin typeface="Menlo" panose="020B0609030804020204" pitchFamily="49" charset="0"/>
-              </a:rPr>
-              <a:t>"/</a:t>
-            </a:r>
-            <a:r>
-              <a:rPr lang="de-AT" b="0" dirty="0" err="1">
-                <a:solidFill>
-                  <a:srgbClr val="CE9178"/>
-                </a:solidFill>
-                <a:effectLst/>
-                <a:latin typeface="Menlo" panose="020B0609030804020204" pitchFamily="49" charset="0"/>
-              </a:rPr>
-              <a:t>scope</a:t>
-            </a:r>
-            <a:r>
-              <a:rPr lang="de-AT" b="0" dirty="0">
-                <a:solidFill>
-                  <a:srgbClr val="CE9178"/>
-                </a:solidFill>
-                <a:effectLst/>
-                <a:latin typeface="Menlo" panose="020B0609030804020204" pitchFamily="49" charset="0"/>
-              </a:rPr>
-              <a:t>"</a:t>
-            </a:r>
-            <a:r>
-              <a:rPr lang="de-AT" b="0" dirty="0">
-                <a:solidFill>
-                  <a:srgbClr val="CCCCCC"/>
-                </a:solidFill>
-                <a:effectLst/>
-                <a:latin typeface="Menlo" panose="020B0609030804020204" pitchFamily="49" charset="0"/>
-              </a:rPr>
-              <a:t>) </a:t>
-            </a:r>
-          </a:p>
-          <a:p>
-            <a:pPr marL="0" indent="0">
-              <a:buNone/>
-            </a:pPr>
-            <a:r>
-              <a:rPr lang="de-AT" dirty="0">
-                <a:solidFill>
-                  <a:srgbClr val="D4D4D4"/>
-                </a:solidFill>
-                <a:latin typeface="Menlo" panose="020B0609030804020204" pitchFamily="49" charset="0"/>
-              </a:rPr>
-              <a:t>		</a:t>
-            </a:r>
-            <a:r>
-              <a:rPr lang="de-AT" b="0" dirty="0">
-                <a:solidFill>
-                  <a:srgbClr val="DCDCAA"/>
-                </a:solidFill>
-                <a:effectLst/>
-                <a:latin typeface="Menlo" panose="020B0609030804020204" pitchFamily="49" charset="0"/>
-              </a:rPr>
-              <a:t>route</a:t>
-            </a:r>
-            <a:r>
-              <a:rPr lang="de-AT" b="0" dirty="0">
-                <a:solidFill>
-                  <a:srgbClr val="CCCCCC"/>
-                </a:solidFill>
-                <a:effectLst/>
-                <a:latin typeface="Menlo" panose="020B0609030804020204" pitchFamily="49" charset="0"/>
-              </a:rPr>
-              <a:t>(</a:t>
-            </a:r>
-            <a:r>
-              <a:rPr lang="de-AT" b="0" dirty="0">
-                <a:solidFill>
-                  <a:srgbClr val="CE9178"/>
-                </a:solidFill>
-                <a:effectLst/>
-                <a:latin typeface="Menlo" panose="020B0609030804020204" pitchFamily="49" charset="0"/>
-              </a:rPr>
-              <a:t>"/sub1"</a:t>
-            </a:r>
-            <a:r>
-              <a:rPr lang="de-AT" b="0" dirty="0">
-                <a:solidFill>
-                  <a:srgbClr val="CCCCCC"/>
-                </a:solidFill>
-                <a:effectLst/>
-                <a:latin typeface="Menlo" panose="020B0609030804020204" pitchFamily="49" charset="0"/>
-              </a:rPr>
-              <a:t>, </a:t>
-            </a:r>
-            <a:r>
-              <a:rPr lang="de-AT" b="0" dirty="0">
-                <a:solidFill>
-                  <a:srgbClr val="4EC9B0"/>
-                </a:solidFill>
-                <a:effectLst/>
-                <a:latin typeface="Menlo" panose="020B0609030804020204" pitchFamily="49" charset="0"/>
-              </a:rPr>
-              <a:t>web</a:t>
-            </a:r>
-            <a:r>
-              <a:rPr lang="de-AT" b="0" dirty="0">
-                <a:solidFill>
-                  <a:srgbClr val="D4D4D4"/>
-                </a:solidFill>
-                <a:effectLst/>
-                <a:latin typeface="Menlo" panose="020B0609030804020204" pitchFamily="49" charset="0"/>
-              </a:rPr>
-              <a:t>::</a:t>
-            </a:r>
-            <a:r>
-              <a:rPr lang="de-AT" b="0" dirty="0" err="1">
-                <a:solidFill>
-                  <a:srgbClr val="DCDCAA"/>
-                </a:solidFill>
-                <a:effectLst/>
-                <a:latin typeface="Menlo" panose="020B0609030804020204" pitchFamily="49" charset="0"/>
-              </a:rPr>
-              <a:t>to</a:t>
-            </a:r>
-            <a:r>
-              <a:rPr lang="de-AT" b="0" dirty="0">
-                <a:solidFill>
-                  <a:srgbClr val="CCCCCC"/>
-                </a:solidFill>
-                <a:effectLst/>
-                <a:latin typeface="Menlo" panose="020B0609030804020204" pitchFamily="49" charset="0"/>
-              </a:rPr>
-              <a:t>(</a:t>
-            </a:r>
-            <a:r>
-              <a:rPr lang="de-AT" b="0" dirty="0">
-                <a:solidFill>
-                  <a:srgbClr val="D4D4D4"/>
-                </a:solidFill>
-                <a:effectLst/>
-                <a:latin typeface="Menlo" panose="020B0609030804020204" pitchFamily="49" charset="0"/>
-              </a:rPr>
-              <a:t>||</a:t>
-            </a:r>
-            <a:r>
-              <a:rPr lang="de-AT" b="0" dirty="0">
-                <a:solidFill>
-                  <a:srgbClr val="CCCCCC"/>
-                </a:solidFill>
-                <a:effectLst/>
-                <a:latin typeface="Menlo" panose="020B0609030804020204" pitchFamily="49" charset="0"/>
-              </a:rPr>
-              <a:t> </a:t>
-            </a:r>
-            <a:r>
-              <a:rPr lang="de-AT" b="0" dirty="0" err="1">
-                <a:solidFill>
-                  <a:srgbClr val="569CD6"/>
-                </a:solidFill>
-                <a:effectLst/>
-                <a:latin typeface="Menlo" panose="020B0609030804020204" pitchFamily="49" charset="0"/>
-              </a:rPr>
-              <a:t>async</a:t>
-            </a:r>
-            <a:r>
-              <a:rPr lang="de-AT" b="0" dirty="0">
-                <a:solidFill>
-                  <a:srgbClr val="CCCCCC"/>
-                </a:solidFill>
-                <a:effectLst/>
-                <a:latin typeface="Menlo" panose="020B0609030804020204" pitchFamily="49" charset="0"/>
-              </a:rPr>
-              <a:t> {</a:t>
-            </a:r>
-            <a:r>
-              <a:rPr lang="de-AT" b="0" dirty="0">
-                <a:solidFill>
-                  <a:srgbClr val="CE9178"/>
-                </a:solidFill>
-                <a:effectLst/>
-                <a:latin typeface="Menlo" panose="020B0609030804020204" pitchFamily="49" charset="0"/>
-              </a:rPr>
-              <a:t>"sub1"</a:t>
-            </a:r>
-            <a:r>
-              <a:rPr lang="de-AT" b="0" dirty="0">
-                <a:solidFill>
-                  <a:srgbClr val="CCCCCC"/>
-                </a:solidFill>
-                <a:effectLst/>
-                <a:latin typeface="Menlo" panose="020B0609030804020204" pitchFamily="49" charset="0"/>
-              </a:rPr>
-              <a:t>}))</a:t>
-            </a:r>
-          </a:p>
-          <a:p>
-            <a:pPr marL="0" indent="0">
-              <a:buNone/>
-            </a:pPr>
-            <a:r>
-              <a:rPr lang="de-AT" dirty="0">
-                <a:solidFill>
-                  <a:srgbClr val="D4D4D4"/>
-                </a:solidFill>
-                <a:latin typeface="Menlo" panose="020B0609030804020204" pitchFamily="49" charset="0"/>
-              </a:rPr>
-              <a:t>		</a:t>
-            </a:r>
-            <a:r>
-              <a:rPr lang="de-AT" b="0" dirty="0">
-                <a:solidFill>
-                  <a:srgbClr val="DCDCAA"/>
-                </a:solidFill>
-                <a:effectLst/>
-                <a:latin typeface="Menlo" panose="020B0609030804020204" pitchFamily="49" charset="0"/>
-              </a:rPr>
-              <a:t>route</a:t>
-            </a:r>
-            <a:r>
-              <a:rPr lang="de-AT" b="0" dirty="0">
-                <a:solidFill>
-                  <a:srgbClr val="CCCCCC"/>
-                </a:solidFill>
-                <a:effectLst/>
-                <a:latin typeface="Menlo" panose="020B0609030804020204" pitchFamily="49" charset="0"/>
-              </a:rPr>
-              <a:t>(</a:t>
-            </a:r>
-            <a:r>
-              <a:rPr lang="de-AT" b="0" dirty="0">
-                <a:solidFill>
-                  <a:srgbClr val="CE9178"/>
-                </a:solidFill>
-                <a:effectLst/>
-                <a:latin typeface="Menlo" panose="020B0609030804020204" pitchFamily="49" charset="0"/>
-              </a:rPr>
-              <a:t>"/sub2"</a:t>
-            </a:r>
-            <a:r>
-              <a:rPr lang="de-AT" b="0" dirty="0">
-                <a:solidFill>
-                  <a:srgbClr val="CCCCCC"/>
-                </a:solidFill>
-                <a:effectLst/>
-                <a:latin typeface="Menlo" panose="020B0609030804020204" pitchFamily="49" charset="0"/>
-              </a:rPr>
-              <a:t>, </a:t>
-            </a:r>
-            <a:r>
-              <a:rPr lang="de-AT" b="0" dirty="0">
-                <a:solidFill>
-                  <a:srgbClr val="4EC9B0"/>
-                </a:solidFill>
-                <a:effectLst/>
-                <a:latin typeface="Menlo" panose="020B0609030804020204" pitchFamily="49" charset="0"/>
-              </a:rPr>
-              <a:t>web</a:t>
-            </a:r>
-            <a:r>
-              <a:rPr lang="de-AT" b="0" dirty="0">
-                <a:solidFill>
-                  <a:srgbClr val="D4D4D4"/>
-                </a:solidFill>
-                <a:effectLst/>
-                <a:latin typeface="Menlo" panose="020B0609030804020204" pitchFamily="49" charset="0"/>
-              </a:rPr>
-              <a:t>::</a:t>
-            </a:r>
-            <a:r>
-              <a:rPr lang="de-AT" b="0" dirty="0" err="1">
-                <a:solidFill>
-                  <a:srgbClr val="DCDCAA"/>
-                </a:solidFill>
-                <a:effectLst/>
-                <a:latin typeface="Menlo" panose="020B0609030804020204" pitchFamily="49" charset="0"/>
-              </a:rPr>
-              <a:t>to</a:t>
-            </a:r>
-            <a:r>
-              <a:rPr lang="de-AT" b="0" dirty="0">
-                <a:solidFill>
-                  <a:srgbClr val="CCCCCC"/>
-                </a:solidFill>
-                <a:effectLst/>
-                <a:latin typeface="Menlo" panose="020B0609030804020204" pitchFamily="49" charset="0"/>
-              </a:rPr>
-              <a:t>(</a:t>
-            </a:r>
-            <a:r>
-              <a:rPr lang="de-AT" b="0" dirty="0">
-                <a:solidFill>
-                  <a:srgbClr val="D4D4D4"/>
-                </a:solidFill>
-                <a:effectLst/>
-                <a:latin typeface="Menlo" panose="020B0609030804020204" pitchFamily="49" charset="0"/>
-              </a:rPr>
-              <a:t>||</a:t>
-            </a:r>
-            <a:r>
-              <a:rPr lang="de-AT" b="0" dirty="0">
-                <a:solidFill>
-                  <a:srgbClr val="CCCCCC"/>
-                </a:solidFill>
-                <a:effectLst/>
-                <a:latin typeface="Menlo" panose="020B0609030804020204" pitchFamily="49" charset="0"/>
-              </a:rPr>
-              <a:t> </a:t>
-            </a:r>
-            <a:r>
-              <a:rPr lang="de-AT" b="0" dirty="0" err="1">
-                <a:solidFill>
-                  <a:srgbClr val="569CD6"/>
-                </a:solidFill>
-                <a:effectLst/>
-                <a:latin typeface="Menlo" panose="020B0609030804020204" pitchFamily="49" charset="0"/>
-              </a:rPr>
-              <a:t>async</a:t>
-            </a:r>
-            <a:r>
-              <a:rPr lang="de-AT" b="0" dirty="0">
-                <a:solidFill>
-                  <a:srgbClr val="CCCCCC"/>
-                </a:solidFill>
-                <a:effectLst/>
-                <a:latin typeface="Menlo" panose="020B0609030804020204" pitchFamily="49" charset="0"/>
-              </a:rPr>
-              <a:t> {</a:t>
-            </a:r>
-            <a:r>
-              <a:rPr lang="de-AT" b="0" dirty="0">
-                <a:solidFill>
-                  <a:srgbClr val="CE9178"/>
-                </a:solidFill>
-                <a:effectLst/>
-                <a:latin typeface="Menlo" panose="020B0609030804020204" pitchFamily="49" charset="0"/>
-              </a:rPr>
-              <a:t>"sub2"</a:t>
-            </a:r>
-            <a:r>
-              <a:rPr lang="de-AT" b="0" dirty="0">
-                <a:solidFill>
-                  <a:srgbClr val="CCCCCC"/>
-                </a:solidFill>
-                <a:effectLst/>
-                <a:latin typeface="Menlo" panose="020B0609030804020204" pitchFamily="49" charset="0"/>
-              </a:rPr>
-              <a:t>}))</a:t>
-            </a:r>
-          </a:p>
-          <a:p>
-            <a:pPr marL="0" indent="0">
-              <a:buNone/>
-            </a:pPr>
-            <a:r>
-              <a:rPr lang="de-AT" b="0" dirty="0">
-                <a:solidFill>
-                  <a:srgbClr val="CCCCCC"/>
-                </a:solidFill>
-                <a:effectLst/>
-                <a:latin typeface="Menlo" panose="020B0609030804020204" pitchFamily="49" charset="0"/>
-              </a:rPr>
-              <a:t>)</a:t>
-            </a:r>
-          </a:p>
-          <a:p>
-            <a:pPr marL="0" indent="0">
-              <a:buNone/>
-            </a:pPr>
-            <a:endParaRPr lang="de-DE" dirty="0"/>
-          </a:p>
-        </p:txBody>
-      </p:sp>
-    </p:spTree>
-    <p:extLst>
-      <p:ext uri="{BB962C8B-B14F-4D97-AF65-F5344CB8AC3E}">
-        <p14:creationId xmlns:p14="http://schemas.microsoft.com/office/powerpoint/2010/main" val="3996451288"/>
       </p:ext>
     </p:extLst>
   </p:cSld>

--- a/Pres.pptx
+++ b/Pres.pptx
@@ -6773,13 +6773,10 @@
               <a:t> </a:t>
             </a:r>
             <a:r>
-              <a:rPr lang="de-DE" dirty="0" err="1"/>
-              <a:t>requests</a:t>
-            </a:r>
-            <a:r>
-              <a:rPr lang="de-DE" dirty="0"/>
-              <a:t>, e.g.:</a:t>
-            </a:r>
+              <a:rPr lang="de-DE"/>
+              <a:t>requests:</a:t>
+            </a:r>
+            <a:endParaRPr lang="de-DE" dirty="0"/>
           </a:p>
           <a:p>
             <a:pPr marL="0" indent="0">
@@ -6813,7 +6810,7 @@
                 <a:effectLst/>
                 <a:latin typeface="Menlo" panose="020B0609030804020204" pitchFamily="49" charset="0"/>
               </a:rPr>
-              <a:t>:.*}"</a:t>
+              <a:t>}"</a:t>
             </a:r>
             <a:endParaRPr lang="de-AT" b="0" dirty="0">
               <a:solidFill>

--- a/Pres.pptx
+++ b/Pres.pptx
@@ -18,7 +18,10 @@
     <p:sldId id="267" r:id="rId12"/>
     <p:sldId id="269" r:id="rId13"/>
     <p:sldId id="270" r:id="rId14"/>
-    <p:sldId id="258" r:id="rId15"/>
+    <p:sldId id="271" r:id="rId15"/>
+    <p:sldId id="272" r:id="rId16"/>
+    <p:sldId id="258" r:id="rId17"/>
+    <p:sldId id="273" r:id="rId18"/>
   </p:sldIdLst>
   <p:sldSz cx="12192000" cy="6858000"/>
   <p:notesSz cx="6858000" cy="9144000"/>
@@ -8162,6 +8165,734 @@
           <p:cNvPr id="2" name="Titel 1">
             <a:extLst>
               <a:ext uri="{FF2B5EF4-FFF2-40B4-BE49-F238E27FC236}">
+                <a16:creationId xmlns:a16="http://schemas.microsoft.com/office/drawing/2014/main" id="{E497031A-86A4-6BB3-5200-F41FF11238C0}"/>
+              </a:ext>
+            </a:extLst>
+          </p:cNvPr>
+          <p:cNvSpPr>
+            <a:spLocks noGrp="1"/>
+          </p:cNvSpPr>
+          <p:nvPr>
+            <p:ph type="title"/>
+          </p:nvPr>
+        </p:nvSpPr>
+        <p:spPr/>
+        <p:txBody>
+          <a:bodyPr/>
+          <a:lstStyle/>
+          <a:p>
+            <a:r>
+              <a:rPr lang="de-DE" dirty="0"/>
+              <a:t>Add </a:t>
+            </a:r>
+            <a:r>
+              <a:rPr lang="de-DE" dirty="0" err="1"/>
+              <a:t>middleware</a:t>
+            </a:r>
+            <a:endParaRPr lang="de-DE" dirty="0"/>
+          </a:p>
+        </p:txBody>
+      </p:sp>
+      <p:sp>
+        <p:nvSpPr>
+          <p:cNvPr id="3" name="Inhaltsplatzhalter 2">
+            <a:extLst>
+              <a:ext uri="{FF2B5EF4-FFF2-40B4-BE49-F238E27FC236}">
+                <a16:creationId xmlns:a16="http://schemas.microsoft.com/office/drawing/2014/main" id="{4CC299E8-1569-C006-2355-07D41E93F1AD}"/>
+              </a:ext>
+            </a:extLst>
+          </p:cNvPr>
+          <p:cNvSpPr>
+            <a:spLocks noGrp="1"/>
+          </p:cNvSpPr>
+          <p:nvPr>
+            <p:ph idx="1"/>
+          </p:nvPr>
+        </p:nvSpPr>
+        <p:spPr/>
+        <p:txBody>
+          <a:bodyPr/>
+          <a:lstStyle/>
+          <a:p>
+            <a:pPr marL="0" indent="0">
+              <a:buNone/>
+            </a:pPr>
+            <a:r>
+              <a:rPr lang="de-DE" dirty="0"/>
+              <a:t>The </a:t>
+            </a:r>
+            <a:r>
+              <a:rPr lang="de-DE" dirty="0" err="1"/>
+              <a:t>middleware</a:t>
+            </a:r>
+            <a:r>
+              <a:rPr lang="de-DE" dirty="0"/>
+              <a:t> </a:t>
+            </a:r>
+            <a:r>
+              <a:rPr lang="de-DE" dirty="0" err="1"/>
+              <a:t>module</a:t>
+            </a:r>
+            <a:r>
+              <a:rPr lang="de-DE" dirty="0"/>
+              <a:t> </a:t>
+            </a:r>
+            <a:r>
+              <a:rPr lang="de-DE" dirty="0" err="1"/>
+              <a:t>provides</a:t>
+            </a:r>
+            <a:r>
+              <a:rPr lang="de-DE" dirty="0"/>
+              <a:t> </a:t>
+            </a:r>
+            <a:r>
+              <a:rPr lang="de-DE" dirty="0" err="1"/>
+              <a:t>useful</a:t>
+            </a:r>
+            <a:r>
+              <a:rPr lang="de-DE" dirty="0"/>
+              <a:t> </a:t>
+            </a:r>
+            <a:r>
+              <a:rPr lang="de-DE" dirty="0" err="1"/>
+              <a:t>tools</a:t>
+            </a:r>
+            <a:r>
+              <a:rPr lang="de-DE" dirty="0"/>
+              <a:t> </a:t>
+            </a:r>
+            <a:r>
+              <a:rPr lang="de-DE" dirty="0" err="1"/>
+              <a:t>for</a:t>
+            </a:r>
+            <a:r>
+              <a:rPr lang="de-DE" dirty="0"/>
+              <a:t> </a:t>
+            </a:r>
+            <a:r>
+              <a:rPr lang="de-DE" dirty="0" err="1"/>
+              <a:t>pre-processing</a:t>
+            </a:r>
+            <a:r>
+              <a:rPr lang="de-DE" dirty="0"/>
+              <a:t> </a:t>
+            </a:r>
+            <a:r>
+              <a:rPr lang="de-DE" dirty="0" err="1"/>
+              <a:t>requests</a:t>
+            </a:r>
+            <a:r>
+              <a:rPr lang="de-DE" dirty="0"/>
+              <a:t> and post-</a:t>
+            </a:r>
+            <a:r>
+              <a:rPr lang="de-DE" dirty="0" err="1"/>
+              <a:t>processing</a:t>
+            </a:r>
+            <a:r>
+              <a:rPr lang="de-DE" dirty="0"/>
+              <a:t> </a:t>
+            </a:r>
+            <a:r>
+              <a:rPr lang="de-DE" dirty="0" err="1"/>
+              <a:t>responses</a:t>
+            </a:r>
+            <a:r>
+              <a:rPr lang="de-DE" dirty="0"/>
+              <a:t>.</a:t>
+            </a:r>
+          </a:p>
+          <a:p>
+            <a:pPr marL="0" indent="0">
+              <a:buNone/>
+            </a:pPr>
+            <a:endParaRPr lang="de-DE" dirty="0"/>
+          </a:p>
+          <a:p>
+            <a:pPr marL="0" indent="0">
+              <a:buNone/>
+            </a:pPr>
+            <a:r>
+              <a:rPr lang="de-DE" dirty="0"/>
+              <a:t>Middleware </a:t>
+            </a:r>
+            <a:r>
+              <a:rPr lang="de-DE" dirty="0" err="1"/>
+              <a:t>can</a:t>
+            </a:r>
+            <a:r>
+              <a:rPr lang="de-DE" dirty="0"/>
+              <a:t> </a:t>
+            </a:r>
+            <a:r>
+              <a:rPr lang="de-DE" dirty="0" err="1"/>
+              <a:t>be</a:t>
+            </a:r>
+            <a:r>
+              <a:rPr lang="de-DE" dirty="0"/>
+              <a:t> </a:t>
+            </a:r>
+            <a:r>
+              <a:rPr lang="de-DE" dirty="0" err="1"/>
+              <a:t>added</a:t>
+            </a:r>
+            <a:r>
+              <a:rPr lang="de-DE" dirty="0"/>
+              <a:t> </a:t>
+            </a:r>
+            <a:r>
+              <a:rPr lang="de-DE" dirty="0" err="1"/>
+              <a:t>by</a:t>
+            </a:r>
+            <a:r>
+              <a:rPr lang="de-DE" dirty="0"/>
+              <a:t> </a:t>
+            </a:r>
+            <a:r>
+              <a:rPr lang="de-DE" dirty="0" err="1"/>
+              <a:t>calling</a:t>
+            </a:r>
+            <a:r>
+              <a:rPr lang="de-DE" dirty="0"/>
+              <a:t> </a:t>
+            </a:r>
+            <a:r>
+              <a:rPr lang="de-DE" dirty="0" err="1"/>
+              <a:t>the</a:t>
+            </a:r>
+            <a:r>
+              <a:rPr lang="de-DE" dirty="0"/>
+              <a:t> </a:t>
+            </a:r>
+            <a:r>
+              <a:rPr lang="de-DE" dirty="0" err="1"/>
+              <a:t>wrap-method</a:t>
+            </a:r>
+            <a:r>
+              <a:rPr lang="de-DE" dirty="0"/>
+              <a:t> on an App</a:t>
+            </a:r>
+          </a:p>
+          <a:p>
+            <a:pPr marL="0" indent="0">
+              <a:buNone/>
+            </a:pPr>
+            <a:endParaRPr lang="de-DE" dirty="0"/>
+          </a:p>
+          <a:p>
+            <a:pPr marL="0" indent="0">
+              <a:buNone/>
+            </a:pPr>
+            <a:r>
+              <a:rPr lang="de-AT" b="0" dirty="0" err="1">
+                <a:solidFill>
+                  <a:srgbClr val="DCDCAA"/>
+                </a:solidFill>
+                <a:effectLst/>
+                <a:latin typeface="Menlo" panose="020B0609030804020204" pitchFamily="49" charset="0"/>
+              </a:rPr>
+              <a:t>wrap</a:t>
+            </a:r>
+            <a:r>
+              <a:rPr lang="de-AT" b="0" dirty="0">
+                <a:solidFill>
+                  <a:srgbClr val="CCCCCC"/>
+                </a:solidFill>
+                <a:effectLst/>
+                <a:latin typeface="Menlo" panose="020B0609030804020204" pitchFamily="49" charset="0"/>
+              </a:rPr>
+              <a:t>()</a:t>
+            </a:r>
+          </a:p>
+          <a:p>
+            <a:pPr marL="0" indent="0">
+              <a:buNone/>
+            </a:pPr>
+            <a:endParaRPr lang="de-DE" dirty="0"/>
+          </a:p>
+        </p:txBody>
+      </p:sp>
+    </p:spTree>
+    <p:extLst>
+      <p:ext uri="{BB962C8B-B14F-4D97-AF65-F5344CB8AC3E}">
+        <p14:creationId xmlns:p14="http://schemas.microsoft.com/office/powerpoint/2010/main" val="4026357082"/>
+      </p:ext>
+    </p:extLst>
+  </p:cSld>
+  <p:clrMapOvr>
+    <a:masterClrMapping/>
+  </p:clrMapOvr>
+</p:sld>
+</file>
+
+<file path=ppt/slides/slide15.xml><?xml version="1.0" encoding="utf-8"?>
+<p:sld xmlns:a="http://schemas.openxmlformats.org/drawingml/2006/main" xmlns:r="http://schemas.openxmlformats.org/officeDocument/2006/relationships" xmlns:p="http://schemas.openxmlformats.org/presentationml/2006/main">
+  <p:cSld>
+    <p:spTree>
+      <p:nvGrpSpPr>
+        <p:cNvPr id="1" name=""/>
+        <p:cNvGrpSpPr/>
+        <p:nvPr/>
+      </p:nvGrpSpPr>
+      <p:grpSpPr>
+        <a:xfrm>
+          <a:off x="0" y="0"/>
+          <a:ext cx="0" cy="0"/>
+          <a:chOff x="0" y="0"/>
+          <a:chExt cx="0" cy="0"/>
+        </a:xfrm>
+      </p:grpSpPr>
+      <p:sp>
+        <p:nvSpPr>
+          <p:cNvPr id="2" name="Titel 1">
+            <a:extLst>
+              <a:ext uri="{FF2B5EF4-FFF2-40B4-BE49-F238E27FC236}">
+                <a16:creationId xmlns:a16="http://schemas.microsoft.com/office/drawing/2014/main" id="{A81AF49E-5BE2-16CD-7BBF-B15142429A52}"/>
+              </a:ext>
+            </a:extLst>
+          </p:cNvPr>
+          <p:cNvSpPr>
+            <a:spLocks noGrp="1"/>
+          </p:cNvSpPr>
+          <p:nvPr>
+            <p:ph type="title"/>
+          </p:nvPr>
+        </p:nvSpPr>
+        <p:spPr/>
+        <p:txBody>
+          <a:bodyPr/>
+          <a:lstStyle/>
+          <a:p>
+            <a:r>
+              <a:rPr lang="de-DE" dirty="0"/>
+              <a:t>Add </a:t>
+            </a:r>
+            <a:r>
+              <a:rPr lang="de-DE" dirty="0" err="1"/>
+              <a:t>middleware</a:t>
+            </a:r>
+            <a:endParaRPr lang="de-DE" dirty="0"/>
+          </a:p>
+        </p:txBody>
+      </p:sp>
+      <p:sp>
+        <p:nvSpPr>
+          <p:cNvPr id="3" name="Inhaltsplatzhalter 2">
+            <a:extLst>
+              <a:ext uri="{FF2B5EF4-FFF2-40B4-BE49-F238E27FC236}">
+                <a16:creationId xmlns:a16="http://schemas.microsoft.com/office/drawing/2014/main" id="{11C863E4-12AB-63F5-1E3A-2E39AFB1DF1B}"/>
+              </a:ext>
+            </a:extLst>
+          </p:cNvPr>
+          <p:cNvSpPr>
+            <a:spLocks noGrp="1"/>
+          </p:cNvSpPr>
+          <p:nvPr>
+            <p:ph idx="1"/>
+          </p:nvPr>
+        </p:nvSpPr>
+        <p:spPr/>
+        <p:txBody>
+          <a:bodyPr/>
+          <a:lstStyle/>
+          <a:p>
+            <a:pPr marL="0" indent="0">
+              <a:buNone/>
+            </a:pPr>
+            <a:r>
+              <a:rPr lang="de-DE" dirty="0" err="1"/>
+              <a:t>Example</a:t>
+            </a:r>
+            <a:r>
+              <a:rPr lang="de-DE" dirty="0"/>
+              <a:t>:</a:t>
+            </a:r>
+          </a:p>
+          <a:p>
+            <a:pPr marL="0" indent="0">
+              <a:buNone/>
+            </a:pPr>
+            <a:endParaRPr lang="de-DE" dirty="0"/>
+          </a:p>
+          <a:p>
+            <a:pPr marL="0" indent="0">
+              <a:buNone/>
+            </a:pPr>
+            <a:r>
+              <a:rPr lang="de-AT" sz="1800" b="0" dirty="0">
+                <a:solidFill>
+                  <a:srgbClr val="4EC9B0"/>
+                </a:solidFill>
+                <a:effectLst/>
+                <a:latin typeface="Menlo" panose="020B0609030804020204" pitchFamily="49" charset="0"/>
+              </a:rPr>
+              <a:t>App</a:t>
+            </a:r>
+            <a:r>
+              <a:rPr lang="de-AT" sz="1800" b="0" dirty="0">
+                <a:solidFill>
+                  <a:srgbClr val="D4D4D4"/>
+                </a:solidFill>
+                <a:effectLst/>
+                <a:latin typeface="Menlo" panose="020B0609030804020204" pitchFamily="49" charset="0"/>
+              </a:rPr>
+              <a:t>::</a:t>
+            </a:r>
+            <a:r>
+              <a:rPr lang="de-AT" sz="1800" b="0" dirty="0" err="1">
+                <a:solidFill>
+                  <a:srgbClr val="DCDCAA"/>
+                </a:solidFill>
+                <a:effectLst/>
+                <a:latin typeface="Menlo" panose="020B0609030804020204" pitchFamily="49" charset="0"/>
+              </a:rPr>
+              <a:t>new</a:t>
+            </a:r>
+            <a:r>
+              <a:rPr lang="de-AT" sz="1800" b="0" dirty="0">
+                <a:solidFill>
+                  <a:srgbClr val="CCCCCC"/>
+                </a:solidFill>
+                <a:effectLst/>
+                <a:latin typeface="Menlo" panose="020B0609030804020204" pitchFamily="49" charset="0"/>
+              </a:rPr>
+              <a:t>()</a:t>
+            </a:r>
+            <a:endParaRPr lang="de-DE" sz="1800" dirty="0"/>
+          </a:p>
+          <a:p>
+            <a:pPr marL="0" indent="0">
+              <a:buNone/>
+            </a:pPr>
+            <a:r>
+              <a:rPr lang="de-AT" sz="1800" b="0" dirty="0">
+                <a:solidFill>
+                  <a:srgbClr val="DCDCAA"/>
+                </a:solidFill>
+                <a:effectLst/>
+                <a:latin typeface="Menlo" panose="020B0609030804020204" pitchFamily="49" charset="0"/>
+              </a:rPr>
+              <a:t>	.</a:t>
+            </a:r>
+            <a:r>
+              <a:rPr lang="de-AT" sz="1800" b="0" dirty="0" err="1">
+                <a:solidFill>
+                  <a:srgbClr val="DCDCAA"/>
+                </a:solidFill>
+                <a:effectLst/>
+                <a:latin typeface="Menlo" panose="020B0609030804020204" pitchFamily="49" charset="0"/>
+              </a:rPr>
+              <a:t>wrap</a:t>
+            </a:r>
+            <a:r>
+              <a:rPr lang="de-AT" sz="1800" b="0" dirty="0">
+                <a:solidFill>
+                  <a:srgbClr val="CCCCCC"/>
+                </a:solidFill>
+                <a:effectLst/>
+                <a:latin typeface="Menlo" panose="020B0609030804020204" pitchFamily="49" charset="0"/>
+              </a:rPr>
+              <a:t>(</a:t>
+            </a:r>
+          </a:p>
+          <a:p>
+            <a:pPr marL="0" indent="0">
+              <a:buNone/>
+            </a:pPr>
+            <a:r>
+              <a:rPr lang="de-AT" sz="1800" b="0" dirty="0">
+                <a:solidFill>
+                  <a:srgbClr val="4EC9B0"/>
+                </a:solidFill>
+                <a:effectLst/>
+                <a:latin typeface="Menlo" panose="020B0609030804020204" pitchFamily="49" charset="0"/>
+              </a:rPr>
+              <a:t>		</a:t>
+            </a:r>
+            <a:r>
+              <a:rPr lang="de-AT" sz="1800" b="0" dirty="0" err="1">
+                <a:solidFill>
+                  <a:srgbClr val="4EC9B0"/>
+                </a:solidFill>
+                <a:effectLst/>
+                <a:latin typeface="Menlo" panose="020B0609030804020204" pitchFamily="49" charset="0"/>
+              </a:rPr>
+              <a:t>middleware</a:t>
+            </a:r>
+            <a:r>
+              <a:rPr lang="de-AT" sz="1800" b="0" dirty="0">
+                <a:solidFill>
+                  <a:srgbClr val="D4D4D4"/>
+                </a:solidFill>
+                <a:effectLst/>
+                <a:latin typeface="Menlo" panose="020B0609030804020204" pitchFamily="49" charset="0"/>
+              </a:rPr>
+              <a:t>::</a:t>
+            </a:r>
+            <a:r>
+              <a:rPr lang="de-AT" sz="1800" b="0" dirty="0" err="1">
+                <a:solidFill>
+                  <a:srgbClr val="4EC9B0"/>
+                </a:solidFill>
+                <a:effectLst/>
+                <a:latin typeface="Menlo" panose="020B0609030804020204" pitchFamily="49" charset="0"/>
+              </a:rPr>
+              <a:t>DefaultHeaders</a:t>
+            </a:r>
+            <a:r>
+              <a:rPr lang="de-AT" sz="1800" b="0" dirty="0">
+                <a:solidFill>
+                  <a:srgbClr val="D4D4D4"/>
+                </a:solidFill>
+                <a:effectLst/>
+                <a:latin typeface="Menlo" panose="020B0609030804020204" pitchFamily="49" charset="0"/>
+              </a:rPr>
+              <a:t>::</a:t>
+            </a:r>
+            <a:r>
+              <a:rPr lang="de-AT" sz="1800" b="0" dirty="0" err="1">
+                <a:solidFill>
+                  <a:srgbClr val="DCDCAA"/>
+                </a:solidFill>
+                <a:effectLst/>
+                <a:latin typeface="Menlo" panose="020B0609030804020204" pitchFamily="49" charset="0"/>
+              </a:rPr>
+              <a:t>new</a:t>
+            </a:r>
+            <a:r>
+              <a:rPr lang="de-AT" sz="1800" b="0" dirty="0">
+                <a:solidFill>
+                  <a:srgbClr val="CCCCCC"/>
+                </a:solidFill>
+                <a:effectLst/>
+                <a:latin typeface="Menlo" panose="020B0609030804020204" pitchFamily="49" charset="0"/>
+              </a:rPr>
+              <a:t>()</a:t>
+            </a:r>
+            <a:r>
+              <a:rPr lang="de-AT" sz="1800" b="0" dirty="0">
+                <a:solidFill>
+                  <a:srgbClr val="D4D4D4"/>
+                </a:solidFill>
+                <a:effectLst/>
+                <a:latin typeface="Menlo" panose="020B0609030804020204" pitchFamily="49" charset="0"/>
+              </a:rPr>
+              <a:t>.</a:t>
+            </a:r>
+            <a:r>
+              <a:rPr lang="de-AT" sz="1800" b="0" dirty="0" err="1">
+                <a:solidFill>
+                  <a:srgbClr val="DCDCAA"/>
+                </a:solidFill>
+                <a:effectLst/>
+                <a:latin typeface="Menlo" panose="020B0609030804020204" pitchFamily="49" charset="0"/>
+              </a:rPr>
+              <a:t>add</a:t>
+            </a:r>
+            <a:r>
+              <a:rPr lang="de-AT" sz="1800" b="0" dirty="0">
+                <a:solidFill>
+                  <a:srgbClr val="CCCCCC"/>
+                </a:solidFill>
+                <a:effectLst/>
+                <a:latin typeface="Menlo" panose="020B0609030804020204" pitchFamily="49" charset="0"/>
+              </a:rPr>
+              <a:t>((</a:t>
+            </a:r>
+            <a:r>
+              <a:rPr lang="de-AT" sz="1800" b="0" dirty="0">
+                <a:solidFill>
+                  <a:srgbClr val="CE9178"/>
+                </a:solidFill>
+                <a:effectLst/>
+                <a:latin typeface="Menlo" panose="020B0609030804020204" pitchFamily="49" charset="0"/>
+              </a:rPr>
+              <a:t>"x-version"</a:t>
+            </a:r>
+            <a:r>
+              <a:rPr lang="de-AT" sz="1800" b="0" dirty="0">
+                <a:solidFill>
+                  <a:srgbClr val="CCCCCC"/>
+                </a:solidFill>
+                <a:effectLst/>
+                <a:latin typeface="Menlo" panose="020B0609030804020204" pitchFamily="49" charset="0"/>
+              </a:rPr>
+              <a:t>, </a:t>
+            </a:r>
+            <a:r>
+              <a:rPr lang="de-AT" sz="1800" b="0" dirty="0">
+                <a:solidFill>
+                  <a:srgbClr val="CE9178"/>
+                </a:solidFill>
+                <a:effectLst/>
+                <a:latin typeface="Menlo" panose="020B0609030804020204" pitchFamily="49" charset="0"/>
+              </a:rPr>
+              <a:t>"1.0"</a:t>
+            </a:r>
+            <a:r>
+              <a:rPr lang="de-AT" sz="1800" b="0" dirty="0">
+                <a:solidFill>
+                  <a:srgbClr val="CCCCCC"/>
+                </a:solidFill>
+                <a:effectLst/>
+                <a:latin typeface="Menlo" panose="020B0609030804020204" pitchFamily="49" charset="0"/>
+              </a:rPr>
+              <a:t>))</a:t>
+            </a:r>
+          </a:p>
+          <a:p>
+            <a:pPr marL="0" indent="0">
+              <a:buNone/>
+            </a:pPr>
+            <a:r>
+              <a:rPr lang="de-AT" sz="1800" b="0" dirty="0">
+                <a:solidFill>
+                  <a:srgbClr val="CCCCCC"/>
+                </a:solidFill>
+                <a:effectLst/>
+                <a:latin typeface="Menlo" panose="020B0609030804020204" pitchFamily="49" charset="0"/>
+              </a:rPr>
+              <a:t>	)</a:t>
+            </a:r>
+          </a:p>
+          <a:p>
+            <a:pPr marL="0" indent="0">
+              <a:buNone/>
+            </a:pPr>
+            <a:r>
+              <a:rPr lang="de-AT" sz="1800" b="0" dirty="0">
+                <a:solidFill>
+                  <a:srgbClr val="D4D4D4"/>
+                </a:solidFill>
+                <a:effectLst/>
+                <a:latin typeface="Menlo" panose="020B0609030804020204" pitchFamily="49" charset="0"/>
+              </a:rPr>
+              <a:t>	.</a:t>
+            </a:r>
+            <a:r>
+              <a:rPr lang="de-AT" sz="1800" b="0" dirty="0" err="1">
+                <a:solidFill>
+                  <a:srgbClr val="DCDCAA"/>
+                </a:solidFill>
+                <a:effectLst/>
+                <a:latin typeface="Menlo" panose="020B0609030804020204" pitchFamily="49" charset="0"/>
+              </a:rPr>
+              <a:t>wrap</a:t>
+            </a:r>
+            <a:r>
+              <a:rPr lang="de-AT" sz="1800" b="0" dirty="0">
+                <a:solidFill>
+                  <a:srgbClr val="CCCCCC"/>
+                </a:solidFill>
+                <a:effectLst/>
+                <a:latin typeface="Menlo" panose="020B0609030804020204" pitchFamily="49" charset="0"/>
+              </a:rPr>
+              <a:t>(</a:t>
+            </a:r>
+            <a:r>
+              <a:rPr lang="de-AT" sz="1800" b="0" dirty="0" err="1">
+                <a:solidFill>
+                  <a:srgbClr val="4EC9B0"/>
+                </a:solidFill>
+                <a:effectLst/>
+                <a:latin typeface="Menlo" panose="020B0609030804020204" pitchFamily="49" charset="0"/>
+              </a:rPr>
+              <a:t>middleware</a:t>
+            </a:r>
+            <a:r>
+              <a:rPr lang="de-AT" sz="1800" b="0" dirty="0">
+                <a:solidFill>
+                  <a:srgbClr val="D4D4D4"/>
+                </a:solidFill>
+                <a:effectLst/>
+                <a:latin typeface="Menlo" panose="020B0609030804020204" pitchFamily="49" charset="0"/>
+              </a:rPr>
+              <a:t>::</a:t>
+            </a:r>
+            <a:r>
+              <a:rPr lang="de-AT" sz="1800" b="0" dirty="0" err="1">
+                <a:solidFill>
+                  <a:srgbClr val="4EC9B0"/>
+                </a:solidFill>
+                <a:effectLst/>
+                <a:latin typeface="Menlo" panose="020B0609030804020204" pitchFamily="49" charset="0"/>
+              </a:rPr>
+              <a:t>NormalizePath</a:t>
+            </a:r>
+            <a:r>
+              <a:rPr lang="de-AT" sz="1800" b="0" dirty="0">
+                <a:solidFill>
+                  <a:srgbClr val="D4D4D4"/>
+                </a:solidFill>
+                <a:effectLst/>
+                <a:latin typeface="Menlo" panose="020B0609030804020204" pitchFamily="49" charset="0"/>
+              </a:rPr>
+              <a:t>::</a:t>
+            </a:r>
+            <a:r>
+              <a:rPr lang="de-AT" sz="1800" b="0" dirty="0" err="1">
+                <a:solidFill>
+                  <a:srgbClr val="DCDCAA"/>
+                </a:solidFill>
+                <a:effectLst/>
+                <a:latin typeface="Menlo" panose="020B0609030804020204" pitchFamily="49" charset="0"/>
+              </a:rPr>
+              <a:t>trim</a:t>
+            </a:r>
+            <a:r>
+              <a:rPr lang="de-AT" sz="1800" b="0" dirty="0">
+                <a:solidFill>
+                  <a:srgbClr val="CCCCCC"/>
+                </a:solidFill>
+                <a:effectLst/>
+                <a:latin typeface="Menlo" panose="020B0609030804020204" pitchFamily="49" charset="0"/>
+              </a:rPr>
+              <a:t>())</a:t>
+            </a:r>
+          </a:p>
+          <a:p>
+            <a:pPr marL="0" indent="0">
+              <a:buNone/>
+            </a:pPr>
+            <a:endParaRPr lang="de-DE" dirty="0"/>
+          </a:p>
+        </p:txBody>
+      </p:sp>
+    </p:spTree>
+    <p:extLst>
+      <p:ext uri="{BB962C8B-B14F-4D97-AF65-F5344CB8AC3E}">
+        <p14:creationId xmlns:p14="http://schemas.microsoft.com/office/powerpoint/2010/main" val="81410813"/>
+      </p:ext>
+    </p:extLst>
+  </p:cSld>
+  <p:clrMapOvr>
+    <a:masterClrMapping/>
+  </p:clrMapOvr>
+</p:sld>
+</file>
+
+<file path=ppt/slides/slide16.xml><?xml version="1.0" encoding="utf-8"?>
+<p:sld xmlns:a="http://schemas.openxmlformats.org/drawingml/2006/main" xmlns:r="http://schemas.openxmlformats.org/officeDocument/2006/relationships" xmlns:p="http://schemas.openxmlformats.org/presentationml/2006/main">
+  <p:cSld>
+    <p:spTree>
+      <p:nvGrpSpPr>
+        <p:cNvPr id="1" name=""/>
+        <p:cNvGrpSpPr/>
+        <p:nvPr/>
+      </p:nvGrpSpPr>
+      <p:grpSpPr>
+        <a:xfrm>
+          <a:off x="0" y="0"/>
+          <a:ext cx="0" cy="0"/>
+          <a:chOff x="0" y="0"/>
+          <a:chExt cx="0" cy="0"/>
+        </a:xfrm>
+      </p:grpSpPr>
+      <p:sp>
+        <p:nvSpPr>
+          <p:cNvPr id="2" name="Titel 1">
+            <a:extLst>
+              <a:ext uri="{FF2B5EF4-FFF2-40B4-BE49-F238E27FC236}">
                 <a16:creationId xmlns:a16="http://schemas.microsoft.com/office/drawing/2014/main" id="{52923CB2-3A15-F0D7-133F-B9DC5C934EFF}"/>
               </a:ext>
             </a:extLst>
@@ -8264,6 +8995,127 @@
     <p:extLst>
       <p:ext uri="{BB962C8B-B14F-4D97-AF65-F5344CB8AC3E}">
         <p14:creationId xmlns:p14="http://schemas.microsoft.com/office/powerpoint/2010/main" val="4147237148"/>
+      </p:ext>
+    </p:extLst>
+  </p:cSld>
+  <p:clrMapOvr>
+    <a:masterClrMapping/>
+  </p:clrMapOvr>
+</p:sld>
+</file>
+
+<file path=ppt/slides/slide17.xml><?xml version="1.0" encoding="utf-8"?>
+<p:sld xmlns:a="http://schemas.openxmlformats.org/drawingml/2006/main" xmlns:r="http://schemas.openxmlformats.org/officeDocument/2006/relationships" xmlns:p="http://schemas.openxmlformats.org/presentationml/2006/main">
+  <p:cSld>
+    <p:spTree>
+      <p:nvGrpSpPr>
+        <p:cNvPr id="1" name=""/>
+        <p:cNvGrpSpPr/>
+        <p:nvPr/>
+      </p:nvGrpSpPr>
+      <p:grpSpPr>
+        <a:xfrm>
+          <a:off x="0" y="0"/>
+          <a:ext cx="0" cy="0"/>
+          <a:chOff x="0" y="0"/>
+          <a:chExt cx="0" cy="0"/>
+        </a:xfrm>
+      </p:grpSpPr>
+      <p:sp>
+        <p:nvSpPr>
+          <p:cNvPr id="2" name="Titel 1">
+            <a:extLst>
+              <a:ext uri="{FF2B5EF4-FFF2-40B4-BE49-F238E27FC236}">
+                <a16:creationId xmlns:a16="http://schemas.microsoft.com/office/drawing/2014/main" id="{8D92C9DF-ACAD-642B-C3DF-685FF07E7F2C}"/>
+              </a:ext>
+            </a:extLst>
+          </p:cNvPr>
+          <p:cNvSpPr>
+            <a:spLocks noGrp="1"/>
+          </p:cNvSpPr>
+          <p:nvPr>
+            <p:ph type="title"/>
+          </p:nvPr>
+        </p:nvSpPr>
+        <p:spPr/>
+        <p:txBody>
+          <a:bodyPr/>
+          <a:lstStyle/>
+          <a:p>
+            <a:endParaRPr lang="de-DE" dirty="0"/>
+          </a:p>
+        </p:txBody>
+      </p:sp>
+      <p:sp>
+        <p:nvSpPr>
+          <p:cNvPr id="3" name="Inhaltsplatzhalter 2">
+            <a:extLst>
+              <a:ext uri="{FF2B5EF4-FFF2-40B4-BE49-F238E27FC236}">
+                <a16:creationId xmlns:a16="http://schemas.microsoft.com/office/drawing/2014/main" id="{67F6430F-5C42-9736-7625-9C33AF37E595}"/>
+              </a:ext>
+            </a:extLst>
+          </p:cNvPr>
+          <p:cNvSpPr>
+            <a:spLocks noGrp="1"/>
+          </p:cNvSpPr>
+          <p:nvPr>
+            <p:ph idx="1"/>
+          </p:nvPr>
+        </p:nvSpPr>
+        <p:spPr/>
+        <p:txBody>
+          <a:bodyPr/>
+          <a:lstStyle/>
+          <a:p>
+            <a:pPr marL="0" indent="0" algn="ctr">
+              <a:buNone/>
+            </a:pPr>
+            <a:endParaRPr lang="de-DE" dirty="0"/>
+          </a:p>
+          <a:p>
+            <a:pPr marL="0" indent="0" algn="ctr">
+              <a:buNone/>
+            </a:pPr>
+            <a:endParaRPr lang="de-DE" dirty="0"/>
+          </a:p>
+          <a:p>
+            <a:pPr marL="0" indent="0" algn="ctr">
+              <a:buNone/>
+            </a:pPr>
+            <a:endParaRPr lang="de-DE" dirty="0"/>
+          </a:p>
+          <a:p>
+            <a:pPr marL="0" indent="0" algn="ctr">
+              <a:buNone/>
+            </a:pPr>
+            <a:r>
+              <a:rPr lang="de-DE" sz="3600" dirty="0" err="1"/>
+              <a:t>github.com</a:t>
+            </a:r>
+            <a:r>
+              <a:rPr lang="de-DE" sz="3600" dirty="0"/>
+              <a:t>/</a:t>
+            </a:r>
+            <a:r>
+              <a:rPr lang="de-DE" sz="3600" dirty="0" err="1"/>
+              <a:t>floscodes</a:t>
+            </a:r>
+            <a:r>
+              <a:rPr lang="de-DE" sz="3600" dirty="0"/>
+              <a:t>/</a:t>
+            </a:r>
+            <a:r>
+              <a:rPr lang="de-DE" sz="3600" dirty="0" err="1"/>
+              <a:t>actix_talk</a:t>
+            </a:r>
+            <a:endParaRPr lang="de-DE" sz="3600" dirty="0"/>
+          </a:p>
+        </p:txBody>
+      </p:sp>
+    </p:spTree>
+    <p:extLst>
+      <p:ext uri="{BB962C8B-B14F-4D97-AF65-F5344CB8AC3E}">
+        <p14:creationId xmlns:p14="http://schemas.microsoft.com/office/powerpoint/2010/main" val="1242456910"/>
       </p:ext>
     </p:extLst>
   </p:cSld>

--- a/Pres.pptx
+++ b/Pres.pptx
@@ -11573,16 +11573,12 @@
           <a:lstStyle/>
           <a:p>
             <a:r>
+              <a:rPr lang="de-DE" dirty="0"/>
+              <a:t>Extract </a:t>
+            </a:r>
+            <a:r>
               <a:rPr lang="de-DE" dirty="0" err="1"/>
-              <a:t>Types</a:t>
-            </a:r>
-            <a:r>
-              <a:rPr lang="de-DE" dirty="0"/>
-              <a:t> and </a:t>
-            </a:r>
-            <a:r>
-              <a:rPr lang="de-DE" dirty="0" err="1"/>
-              <a:t>structs</a:t>
+              <a:t>data</a:t>
             </a:r>
             <a:r>
               <a:rPr lang="de-DE" dirty="0"/>
@@ -11590,35 +11586,15 @@
             </a:r>
             <a:r>
               <a:rPr lang="de-DE" dirty="0" err="1"/>
-              <a:t>that</a:t>
+              <a:t>from</a:t>
             </a:r>
             <a:r>
               <a:rPr lang="de-DE" dirty="0"/>
               <a:t> </a:t>
             </a:r>
             <a:r>
-              <a:rPr lang="de-DE" dirty="0" err="1"/>
-              <a:t>implement</a:t>
-            </a:r>
-            <a:r>
-              <a:rPr lang="de-DE" dirty="0"/>
-              <a:t> </a:t>
-            </a:r>
-            <a:r>
-              <a:rPr lang="de-DE" dirty="0" err="1"/>
-              <a:t>FromRequest</a:t>
-            </a:r>
-            <a:r>
-              <a:rPr lang="de-DE" dirty="0"/>
-              <a:t> (</a:t>
-            </a:r>
-            <a:r>
-              <a:rPr lang="de-DE" dirty="0" err="1"/>
-              <a:t>examples</a:t>
-            </a:r>
-            <a:r>
-              <a:rPr lang="de-DE" dirty="0"/>
-              <a:t>)</a:t>
+              <a:rPr lang="de-DE"/>
+              <a:t>request</a:t>
             </a:r>
             <a:endParaRPr lang="de-AT" dirty="0"/>
           </a:p>
@@ -11714,7 +11690,7 @@
         <p:spPr>
           <a:xfrm>
             <a:off x="7775591" y="3506680"/>
-            <a:ext cx="3463541" cy="646331"/>
+            <a:ext cx="3463541" cy="923330"/>
           </a:xfrm>
           <a:prstGeom prst="rect">
             <a:avLst/>
@@ -11767,7 +11743,63 @@
               <a:rPr lang="de-DE" dirty="0" err="1"/>
               <a:t>HttpRequest</a:t>
             </a:r>
-            <a:endParaRPr lang="de-AT" dirty="0"/>
+            <a:r>
+              <a:rPr lang="de-DE" dirty="0"/>
+              <a:t> </a:t>
+            </a:r>
+            <a:r>
+              <a:rPr lang="de-DE" dirty="0" err="1"/>
+              <a:t>by</a:t>
+            </a:r>
+            <a:r>
+              <a:rPr lang="de-DE" dirty="0"/>
+              <a:t> </a:t>
+            </a:r>
+            <a:r>
+              <a:rPr lang="de-DE" dirty="0" err="1"/>
+              <a:t>using</a:t>
+            </a:r>
+            <a:r>
+              <a:rPr lang="de-DE" dirty="0"/>
+              <a:t> </a:t>
+            </a:r>
+            <a:r>
+              <a:rPr lang="de-DE" dirty="0" err="1"/>
+              <a:t>structs</a:t>
+            </a:r>
+            <a:r>
+              <a:rPr lang="de-DE" dirty="0"/>
+              <a:t> </a:t>
+            </a:r>
+            <a:r>
+              <a:rPr lang="de-DE" dirty="0" err="1"/>
+              <a:t>provided</a:t>
+            </a:r>
+            <a:r>
+              <a:rPr lang="de-DE" dirty="0"/>
+              <a:t> </a:t>
+            </a:r>
+            <a:r>
+              <a:rPr lang="de-DE" dirty="0" err="1"/>
+              <a:t>by</a:t>
+            </a:r>
+            <a:r>
+              <a:rPr lang="de-DE" dirty="0"/>
+              <a:t> </a:t>
+            </a:r>
+            <a:r>
+              <a:rPr lang="de-DE" dirty="0" err="1"/>
+              <a:t>the</a:t>
+            </a:r>
+            <a:r>
+              <a:rPr lang="de-DE" dirty="0"/>
+              <a:t> web </a:t>
+            </a:r>
+            <a:r>
+              <a:rPr lang="de-DE" dirty="0" err="1"/>
+              <a:t>module</a:t>
+            </a:r>
+            <a:endParaRPr lang="de-DE" dirty="0"/>
           </a:p>
         </p:txBody>
       </p:sp>

--- a/Pres.pptx
+++ b/Pres.pptx
@@ -12,16 +12,17 @@
     <p:sldId id="256" r:id="rId6"/>
     <p:sldId id="259" r:id="rId7"/>
     <p:sldId id="260" r:id="rId8"/>
-    <p:sldId id="265" r:id="rId9"/>
-    <p:sldId id="266" r:id="rId10"/>
-    <p:sldId id="268" r:id="rId11"/>
-    <p:sldId id="267" r:id="rId12"/>
-    <p:sldId id="269" r:id="rId13"/>
-    <p:sldId id="270" r:id="rId14"/>
-    <p:sldId id="271" r:id="rId15"/>
-    <p:sldId id="272" r:id="rId16"/>
-    <p:sldId id="258" r:id="rId17"/>
-    <p:sldId id="273" r:id="rId18"/>
+    <p:sldId id="274" r:id="rId9"/>
+    <p:sldId id="265" r:id="rId10"/>
+    <p:sldId id="266" r:id="rId11"/>
+    <p:sldId id="268" r:id="rId12"/>
+    <p:sldId id="267" r:id="rId13"/>
+    <p:sldId id="269" r:id="rId14"/>
+    <p:sldId id="270" r:id="rId15"/>
+    <p:sldId id="271" r:id="rId16"/>
+    <p:sldId id="272" r:id="rId17"/>
+    <p:sldId id="258" r:id="rId18"/>
+    <p:sldId id="273" r:id="rId19"/>
   </p:sldIdLst>
   <p:sldSz cx="12192000" cy="6858000"/>
   <p:notesSz cx="6858000" cy="9144000"/>
@@ -275,7 +276,7 @@
           <a:p>
             <a:fld id="{98C5D0A0-7D22-BE42-9A30-B4115F904EDD}" type="datetimeFigureOut">
               <a:rPr lang="de-DE" smtClean="0"/>
-              <a:t>26.11.23</a:t>
+              <a:t>27.11.23</a:t>
             </a:fld>
             <a:endParaRPr lang="de-DE"/>
           </a:p>
@@ -473,7 +474,7 @@
           <a:p>
             <a:fld id="{98C5D0A0-7D22-BE42-9A30-B4115F904EDD}" type="datetimeFigureOut">
               <a:rPr lang="de-DE" smtClean="0"/>
-              <a:t>26.11.23</a:t>
+              <a:t>27.11.23</a:t>
             </a:fld>
             <a:endParaRPr lang="de-DE"/>
           </a:p>
@@ -681,7 +682,7 @@
           <a:p>
             <a:fld id="{98C5D0A0-7D22-BE42-9A30-B4115F904EDD}" type="datetimeFigureOut">
               <a:rPr lang="de-DE" smtClean="0"/>
-              <a:t>26.11.23</a:t>
+              <a:t>27.11.23</a:t>
             </a:fld>
             <a:endParaRPr lang="de-DE"/>
           </a:p>
@@ -879,7 +880,7 @@
           <a:p>
             <a:fld id="{98C5D0A0-7D22-BE42-9A30-B4115F904EDD}" type="datetimeFigureOut">
               <a:rPr lang="de-DE" smtClean="0"/>
-              <a:t>26.11.23</a:t>
+              <a:t>27.11.23</a:t>
             </a:fld>
             <a:endParaRPr lang="de-DE"/>
           </a:p>
@@ -1154,7 +1155,7 @@
           <a:p>
             <a:fld id="{98C5D0A0-7D22-BE42-9A30-B4115F904EDD}" type="datetimeFigureOut">
               <a:rPr lang="de-DE" smtClean="0"/>
-              <a:t>26.11.23</a:t>
+              <a:t>27.11.23</a:t>
             </a:fld>
             <a:endParaRPr lang="de-DE"/>
           </a:p>
@@ -1419,7 +1420,7 @@
           <a:p>
             <a:fld id="{98C5D0A0-7D22-BE42-9A30-B4115F904EDD}" type="datetimeFigureOut">
               <a:rPr lang="de-DE" smtClean="0"/>
-              <a:t>26.11.23</a:t>
+              <a:t>27.11.23</a:t>
             </a:fld>
             <a:endParaRPr lang="de-DE"/>
           </a:p>
@@ -1831,7 +1832,7 @@
           <a:p>
             <a:fld id="{98C5D0A0-7D22-BE42-9A30-B4115F904EDD}" type="datetimeFigureOut">
               <a:rPr lang="de-DE" smtClean="0"/>
-              <a:t>26.11.23</a:t>
+              <a:t>27.11.23</a:t>
             </a:fld>
             <a:endParaRPr lang="de-DE"/>
           </a:p>
@@ -1972,7 +1973,7 @@
           <a:p>
             <a:fld id="{98C5D0A0-7D22-BE42-9A30-B4115F904EDD}" type="datetimeFigureOut">
               <a:rPr lang="de-DE" smtClean="0"/>
-              <a:t>26.11.23</a:t>
+              <a:t>27.11.23</a:t>
             </a:fld>
             <a:endParaRPr lang="de-DE"/>
           </a:p>
@@ -2085,7 +2086,7 @@
           <a:p>
             <a:fld id="{98C5D0A0-7D22-BE42-9A30-B4115F904EDD}" type="datetimeFigureOut">
               <a:rPr lang="de-DE" smtClean="0"/>
-              <a:t>26.11.23</a:t>
+              <a:t>27.11.23</a:t>
             </a:fld>
             <a:endParaRPr lang="de-DE"/>
           </a:p>
@@ -2396,7 +2397,7 @@
           <a:p>
             <a:fld id="{98C5D0A0-7D22-BE42-9A30-B4115F904EDD}" type="datetimeFigureOut">
               <a:rPr lang="de-DE" smtClean="0"/>
-              <a:t>26.11.23</a:t>
+              <a:t>27.11.23</a:t>
             </a:fld>
             <a:endParaRPr lang="de-DE"/>
           </a:p>
@@ -2684,7 +2685,7 @@
           <a:p>
             <a:fld id="{98C5D0A0-7D22-BE42-9A30-B4115F904EDD}" type="datetimeFigureOut">
               <a:rPr lang="de-DE" smtClean="0"/>
-              <a:t>26.11.23</a:t>
+              <a:t>27.11.23</a:t>
             </a:fld>
             <a:endParaRPr lang="de-DE"/>
           </a:p>
@@ -2925,7 +2926,7 @@
           <a:p>
             <a:fld id="{98C5D0A0-7D22-BE42-9A30-B4115F904EDD}" type="datetimeFigureOut">
               <a:rPr lang="de-DE" smtClean="0"/>
-              <a:t>26.11.23</a:t>
+              <a:t>27.11.23</a:t>
             </a:fld>
             <a:endParaRPr lang="de-DE"/>
           </a:p>
@@ -5663,6 +5664,134 @@
           <p:cNvPr id="2" name="Titel 1">
             <a:extLst>
               <a:ext uri="{FF2B5EF4-FFF2-40B4-BE49-F238E27FC236}">
+                <a16:creationId xmlns:a16="http://schemas.microsoft.com/office/drawing/2014/main" id="{A2133C53-ACA7-77D9-1892-A1D212AB4255}"/>
+              </a:ext>
+            </a:extLst>
+          </p:cNvPr>
+          <p:cNvSpPr>
+            <a:spLocks noGrp="1"/>
+          </p:cNvSpPr>
+          <p:nvPr>
+            <p:ph type="title"/>
+          </p:nvPr>
+        </p:nvSpPr>
+        <p:spPr/>
+        <p:txBody>
+          <a:bodyPr/>
+          <a:lstStyle/>
+          <a:p>
+            <a:r>
+              <a:rPr lang="de-DE" dirty="0" err="1"/>
+              <a:t>Types</a:t>
+            </a:r>
+            <a:r>
+              <a:rPr lang="de-DE" dirty="0"/>
+              <a:t> and </a:t>
+            </a:r>
+            <a:r>
+              <a:rPr lang="de-DE" dirty="0" err="1"/>
+              <a:t>structs</a:t>
+            </a:r>
+            <a:r>
+              <a:rPr lang="de-DE" dirty="0"/>
+              <a:t> </a:t>
+            </a:r>
+            <a:r>
+              <a:rPr lang="de-DE" dirty="0" err="1"/>
+              <a:t>that</a:t>
+            </a:r>
+            <a:r>
+              <a:rPr lang="de-DE" dirty="0"/>
+              <a:t> </a:t>
+            </a:r>
+            <a:r>
+              <a:rPr lang="de-DE" dirty="0" err="1"/>
+              <a:t>implement</a:t>
+            </a:r>
+            <a:r>
+              <a:rPr lang="de-DE" dirty="0"/>
+              <a:t> Responder </a:t>
+            </a:r>
+            <a:r>
+              <a:rPr lang="de-DE" dirty="0" err="1"/>
+              <a:t>by</a:t>
+            </a:r>
+            <a:r>
+              <a:rPr lang="de-DE" dirty="0"/>
+              <a:t> </a:t>
+            </a:r>
+            <a:r>
+              <a:rPr lang="de-DE" dirty="0" err="1"/>
+              <a:t>default</a:t>
+            </a:r>
+            <a:endParaRPr lang="de-AT" dirty="0"/>
+          </a:p>
+        </p:txBody>
+      </p:sp>
+      <p:pic>
+        <p:nvPicPr>
+          <p:cNvPr id="5" name="Inhaltsplatzhalter 4">
+            <a:extLst>
+              <a:ext uri="{FF2B5EF4-FFF2-40B4-BE49-F238E27FC236}">
+                <a16:creationId xmlns:a16="http://schemas.microsoft.com/office/drawing/2014/main" id="{20D04653-4006-179C-3B0C-1691271C92B4}"/>
+              </a:ext>
+            </a:extLst>
+          </p:cNvPr>
+          <p:cNvPicPr>
+            <a:picLocks noGrp="1" noChangeAspect="1"/>
+          </p:cNvPicPr>
+          <p:nvPr>
+            <p:ph idx="1"/>
+          </p:nvPr>
+        </p:nvPicPr>
+        <p:blipFill>
+          <a:blip r:embed="rId2"/>
+          <a:stretch>
+            <a:fillRect/>
+          </a:stretch>
+        </p:blipFill>
+        <p:spPr>
+          <a:xfrm>
+            <a:off x="838199" y="1902598"/>
+            <a:ext cx="8174269" cy="3637063"/>
+          </a:xfrm>
+        </p:spPr>
+      </p:pic>
+    </p:spTree>
+    <p:extLst>
+      <p:ext uri="{BB962C8B-B14F-4D97-AF65-F5344CB8AC3E}">
+        <p14:creationId xmlns:p14="http://schemas.microsoft.com/office/powerpoint/2010/main" val="2410797446"/>
+      </p:ext>
+    </p:extLst>
+  </p:cSld>
+  <p:clrMapOvr>
+    <a:masterClrMapping/>
+  </p:clrMapOvr>
+</p:sld>
+</file>
+
+<file path=ppt/slides/slide11.xml><?xml version="1.0" encoding="utf-8"?>
+<p:sld xmlns:a="http://schemas.openxmlformats.org/drawingml/2006/main" xmlns:r="http://schemas.openxmlformats.org/officeDocument/2006/relationships" xmlns:p="http://schemas.openxmlformats.org/presentationml/2006/main">
+  <p:cSld>
+    <p:spTree>
+      <p:nvGrpSpPr>
+        <p:cNvPr id="1" name=""/>
+        <p:cNvGrpSpPr/>
+        <p:nvPr/>
+      </p:nvGrpSpPr>
+      <p:grpSpPr>
+        <a:xfrm>
+          <a:off x="0" y="0"/>
+          <a:ext cx="0" cy="0"/>
+          <a:chOff x="0" y="0"/>
+          <a:chExt cx="0" cy="0"/>
+        </a:xfrm>
+      </p:grpSpPr>
+      <p:sp>
+        <p:nvSpPr>
+          <p:cNvPr id="2" name="Titel 1">
+            <a:extLst>
+              <a:ext uri="{FF2B5EF4-FFF2-40B4-BE49-F238E27FC236}">
                 <a16:creationId xmlns:a16="http://schemas.microsoft.com/office/drawing/2014/main" id="{DE28BBC6-A8B3-01DD-B469-C9EC43354124}"/>
               </a:ext>
             </a:extLst>
@@ -6246,7 +6375,7 @@
 </p:sld>
 </file>
 
-<file path=ppt/slides/slide11.xml><?xml version="1.0" encoding="utf-8"?>
+<file path=ppt/slides/slide12.xml><?xml version="1.0" encoding="utf-8"?>
 <p:sld xmlns:a="http://schemas.openxmlformats.org/drawingml/2006/main" xmlns:r="http://schemas.openxmlformats.org/officeDocument/2006/relationships" xmlns:p="http://schemas.openxmlformats.org/presentationml/2006/main">
   <p:cSld>
     <p:spTree>
@@ -6535,7 +6664,7 @@
 </p:sld>
 </file>
 
-<file path=ppt/slides/slide12.xml><?xml version="1.0" encoding="utf-8"?>
+<file path=ppt/slides/slide13.xml><?xml version="1.0" encoding="utf-8"?>
 <p:sld xmlns:a="http://schemas.openxmlformats.org/drawingml/2006/main" xmlns:r="http://schemas.openxmlformats.org/officeDocument/2006/relationships" xmlns:p="http://schemas.openxmlformats.org/presentationml/2006/main">
   <p:cSld>
     <p:spTree>
@@ -7199,7 +7328,7 @@
 </p:sld>
 </file>
 
-<file path=ppt/slides/slide13.xml><?xml version="1.0" encoding="utf-8"?>
+<file path=ppt/slides/slide14.xml><?xml version="1.0" encoding="utf-8"?>
 <p:sld xmlns:a="http://schemas.openxmlformats.org/drawingml/2006/main" xmlns:r="http://schemas.openxmlformats.org/officeDocument/2006/relationships" xmlns:p="http://schemas.openxmlformats.org/presentationml/2006/main">
   <p:cSld>
     <p:spTree>
@@ -8143,7 +8272,7 @@
 </p:sld>
 </file>
 
-<file path=ppt/slides/slide14.xml><?xml version="1.0" encoding="utf-8"?>
+<file path=ppt/slides/slide15.xml><?xml version="1.0" encoding="utf-8"?>
 <p:sld xmlns:a="http://schemas.openxmlformats.org/drawingml/2006/main" xmlns:r="http://schemas.openxmlformats.org/officeDocument/2006/relationships" xmlns:p="http://schemas.openxmlformats.org/presentationml/2006/main">
   <p:cSld>
     <p:spTree>
@@ -8425,7 +8554,7 @@
 </p:sld>
 </file>
 
-<file path=ppt/slides/slide15.xml><?xml version="1.0" encoding="utf-8"?>
+<file path=ppt/slides/slide16.xml><?xml version="1.0" encoding="utf-8"?>
 <p:sld xmlns:a="http://schemas.openxmlformats.org/drawingml/2006/main" xmlns:r="http://schemas.openxmlformats.org/officeDocument/2006/relationships" xmlns:p="http://schemas.openxmlformats.org/presentationml/2006/main">
   <p:cSld>
     <p:spTree>
@@ -8871,7 +9000,7 @@
 </p:sld>
 </file>
 
-<file path=ppt/slides/slide16.xml><?xml version="1.0" encoding="utf-8"?>
+<file path=ppt/slides/slide17.xml><?xml version="1.0" encoding="utf-8"?>
 <p:sld xmlns:a="http://schemas.openxmlformats.org/drawingml/2006/main" xmlns:r="http://schemas.openxmlformats.org/officeDocument/2006/relationships" xmlns:p="http://schemas.openxmlformats.org/presentationml/2006/main">
   <p:cSld>
     <p:spTree>
@@ -9004,7 +9133,7 @@
 </p:sld>
 </file>
 
-<file path=ppt/slides/slide17.xml><?xml version="1.0" encoding="utf-8"?>
+<file path=ppt/slides/slide18.xml><?xml version="1.0" encoding="utf-8"?>
 <p:sld xmlns:a="http://schemas.openxmlformats.org/drawingml/2006/main" xmlns:r="http://schemas.openxmlformats.org/officeDocument/2006/relationships" xmlns:p="http://schemas.openxmlformats.org/presentationml/2006/main">
   <p:cSld>
     <p:spTree>
@@ -10934,6 +11063,38 @@
             </a:r>
             <a:r>
               <a:rPr lang="de-DE" sz="2400" dirty="0" err="1"/>
+              <a:t>implements</a:t>
+            </a:r>
+            <a:r>
+              <a:rPr lang="de-DE" sz="2400" dirty="0"/>
+              <a:t> </a:t>
+            </a:r>
+            <a:r>
+              <a:rPr lang="de-DE" sz="2400" dirty="0" err="1"/>
+              <a:t>the</a:t>
+            </a:r>
+            <a:r>
+              <a:rPr lang="de-DE" sz="2400" dirty="0"/>
+              <a:t> Responder </a:t>
+            </a:r>
+            <a:r>
+              <a:rPr lang="de-DE" sz="2400" dirty="0" err="1"/>
+              <a:t>trait</a:t>
+            </a:r>
+            <a:r>
+              <a:rPr lang="de-DE" sz="2400" dirty="0"/>
+              <a:t> (</a:t>
+            </a:r>
+            <a:r>
+              <a:rPr lang="de-DE" sz="2400" dirty="0" err="1"/>
+              <a:t>or</a:t>
+            </a:r>
+            <a:r>
+              <a:rPr lang="de-DE" sz="2400" dirty="0"/>
+              <a:t> </a:t>
+            </a:r>
+            <a:r>
+              <a:rPr lang="de-DE" sz="2400" dirty="0" err="1"/>
               <a:t>can</a:t>
             </a:r>
             <a:r>
@@ -10950,7 +11111,7 @@
             </a:r>
             <a:r>
               <a:rPr lang="de-DE" sz="2400" dirty="0" err="1"/>
-              <a:t>resolved</a:t>
+              <a:t>turned</a:t>
             </a:r>
             <a:r>
               <a:rPr lang="de-DE" sz="2400" dirty="0"/>
@@ -10962,43 +11123,11 @@
             </a:r>
             <a:r>
               <a:rPr lang="de-DE" sz="2400" dirty="0"/>
-              <a:t> a </a:t>
+              <a:t> a valid 	    </a:t>
             </a:r>
             <a:r>
               <a:rPr lang="de-DE" sz="2400" dirty="0" err="1"/>
               <a:t>HttpResponse</a:t>
-            </a:r>
-            <a:r>
-              <a:rPr lang="de-DE" sz="2400" dirty="0"/>
-              <a:t> (e.g. </a:t>
-            </a:r>
-            <a:r>
-              <a:rPr lang="de-DE" sz="2400" dirty="0" err="1"/>
-              <a:t>it</a:t>
-            </a:r>
-            <a:r>
-              <a:rPr lang="de-DE" sz="2400" dirty="0"/>
-              <a:t> </a:t>
-            </a:r>
-            <a:r>
-              <a:rPr lang="de-DE" sz="2400" dirty="0" err="1"/>
-              <a:t>implements</a:t>
-            </a:r>
-            <a:r>
-              <a:rPr lang="de-DE" sz="2400" dirty="0"/>
-              <a:t> </a:t>
-            </a:r>
-            <a:r>
-              <a:rPr lang="de-DE" sz="2400" dirty="0" err="1"/>
-              <a:t>the</a:t>
-            </a:r>
-            <a:r>
-              <a:rPr lang="de-DE" sz="2400" dirty="0"/>
-              <a:t> 	Responder </a:t>
-            </a:r>
-            <a:r>
-              <a:rPr lang="de-DE" sz="2400" dirty="0" err="1"/>
-              <a:t>trait</a:t>
             </a:r>
             <a:r>
               <a:rPr lang="de-DE" sz="2400" dirty="0"/>
@@ -11556,6 +11685,571 @@
           <p:cNvPr id="2" name="Titel 1">
             <a:extLst>
               <a:ext uri="{FF2B5EF4-FFF2-40B4-BE49-F238E27FC236}">
+                <a16:creationId xmlns:a16="http://schemas.microsoft.com/office/drawing/2014/main" id="{46D4EC42-ECB0-F4B6-2482-FA1A2C58CE6F}"/>
+              </a:ext>
+            </a:extLst>
+          </p:cNvPr>
+          <p:cNvSpPr>
+            <a:spLocks noGrp="1"/>
+          </p:cNvSpPr>
+          <p:nvPr>
+            <p:ph type="title"/>
+          </p:nvPr>
+        </p:nvSpPr>
+        <p:spPr/>
+        <p:txBody>
+          <a:bodyPr/>
+          <a:lstStyle/>
+          <a:p>
+            <a:r>
+              <a:rPr lang="de-DE" dirty="0"/>
+              <a:t>Register </a:t>
+            </a:r>
+            <a:r>
+              <a:rPr lang="de-DE" dirty="0" err="1"/>
+              <a:t>routes</a:t>
+            </a:r>
+            <a:endParaRPr lang="de-DE" dirty="0"/>
+          </a:p>
+        </p:txBody>
+      </p:sp>
+      <p:sp>
+        <p:nvSpPr>
+          <p:cNvPr id="3" name="Inhaltsplatzhalter 2">
+            <a:extLst>
+              <a:ext uri="{FF2B5EF4-FFF2-40B4-BE49-F238E27FC236}">
+                <a16:creationId xmlns:a16="http://schemas.microsoft.com/office/drawing/2014/main" id="{06AFE83A-C1DB-68D6-1074-3DF6C1C728B1}"/>
+              </a:ext>
+            </a:extLst>
+          </p:cNvPr>
+          <p:cNvSpPr>
+            <a:spLocks noGrp="1"/>
+          </p:cNvSpPr>
+          <p:nvPr>
+            <p:ph idx="1"/>
+          </p:nvPr>
+        </p:nvSpPr>
+        <p:spPr/>
+        <p:txBody>
+          <a:bodyPr/>
+          <a:lstStyle/>
+          <a:p>
+            <a:pPr marL="0" indent="0">
+              <a:buNone/>
+            </a:pPr>
+            <a:r>
+              <a:rPr lang="de-DE" dirty="0" err="1"/>
+              <a:t>provides</a:t>
+            </a:r>
+            <a:r>
+              <a:rPr lang="de-DE" dirty="0"/>
+              <a:t> </a:t>
+            </a:r>
+            <a:r>
+              <a:rPr lang="de-DE" dirty="0" err="1"/>
+              <a:t>useful</a:t>
+            </a:r>
+            <a:r>
+              <a:rPr lang="de-DE" dirty="0"/>
+              <a:t> </a:t>
+            </a:r>
+            <a:r>
+              <a:rPr lang="de-DE" dirty="0" err="1"/>
+              <a:t>tools</a:t>
+            </a:r>
+            <a:r>
+              <a:rPr lang="de-DE" dirty="0"/>
+              <a:t> </a:t>
+            </a:r>
+            <a:r>
+              <a:rPr lang="de-DE" dirty="0" err="1"/>
+              <a:t>for</a:t>
+            </a:r>
+            <a:r>
+              <a:rPr lang="de-DE" dirty="0"/>
+              <a:t> </a:t>
+            </a:r>
+            <a:r>
+              <a:rPr lang="de-DE" dirty="0" err="1"/>
+              <a:t>registering</a:t>
+            </a:r>
+            <a:r>
+              <a:rPr lang="de-DE" dirty="0"/>
+              <a:t> </a:t>
+            </a:r>
+            <a:r>
+              <a:rPr lang="de-DE" dirty="0" err="1"/>
+              <a:t>routes</a:t>
+            </a:r>
+            <a:r>
+              <a:rPr lang="de-DE" dirty="0"/>
+              <a:t> and </a:t>
+            </a:r>
+            <a:r>
+              <a:rPr lang="de-DE" dirty="0" err="1"/>
+              <a:t>for</a:t>
+            </a:r>
+            <a:r>
+              <a:rPr lang="de-DE" dirty="0"/>
+              <a:t> </a:t>
+            </a:r>
+            <a:r>
+              <a:rPr lang="de-DE" dirty="0" err="1"/>
+              <a:t>extracting</a:t>
+            </a:r>
+            <a:r>
+              <a:rPr lang="de-DE" dirty="0"/>
+              <a:t> </a:t>
+            </a:r>
+            <a:r>
+              <a:rPr lang="de-DE" dirty="0" err="1"/>
+              <a:t>data</a:t>
+            </a:r>
+            <a:r>
+              <a:rPr lang="de-DE" dirty="0"/>
+              <a:t> </a:t>
+            </a:r>
+            <a:r>
+              <a:rPr lang="de-DE" dirty="0" err="1"/>
+              <a:t>from</a:t>
+            </a:r>
+            <a:r>
+              <a:rPr lang="de-DE" dirty="0"/>
+              <a:t> </a:t>
+            </a:r>
+            <a:r>
+              <a:rPr lang="de-DE" dirty="0" err="1"/>
+              <a:t>request</a:t>
+            </a:r>
+            <a:endParaRPr lang="de-DE" dirty="0"/>
+          </a:p>
+          <a:p>
+            <a:pPr marL="0" indent="0">
+              <a:buNone/>
+            </a:pPr>
+            <a:endParaRPr lang="de-DE" dirty="0"/>
+          </a:p>
+          <a:p>
+            <a:pPr marL="0" indent="0">
+              <a:buNone/>
+            </a:pPr>
+            <a:r>
+              <a:rPr lang="de-AT" sz="2000" b="0" dirty="0">
+                <a:solidFill>
+                  <a:srgbClr val="4EC9B0"/>
+                </a:solidFill>
+                <a:effectLst/>
+                <a:latin typeface="Menlo" panose="020B0609030804020204" pitchFamily="49" charset="0"/>
+              </a:rPr>
+              <a:t>web</a:t>
+            </a:r>
+            <a:r>
+              <a:rPr lang="de-AT" sz="2000" b="0" dirty="0">
+                <a:solidFill>
+                  <a:srgbClr val="D4D4D4"/>
+                </a:solidFill>
+                <a:effectLst/>
+                <a:latin typeface="Menlo" panose="020B0609030804020204" pitchFamily="49" charset="0"/>
+              </a:rPr>
+              <a:t>::</a:t>
+            </a:r>
+            <a:r>
+              <a:rPr lang="de-AT" sz="2000" b="0" dirty="0" err="1">
+                <a:solidFill>
+                  <a:srgbClr val="DCDCAA"/>
+                </a:solidFill>
+                <a:effectLst/>
+                <a:latin typeface="Menlo" panose="020B0609030804020204" pitchFamily="49" charset="0"/>
+              </a:rPr>
+              <a:t>to</a:t>
+            </a:r>
+            <a:r>
+              <a:rPr lang="de-AT" sz="2000" b="0" dirty="0">
+                <a:solidFill>
+                  <a:srgbClr val="CCCCCC"/>
+                </a:solidFill>
+                <a:effectLst/>
+                <a:latin typeface="Menlo" panose="020B0609030804020204" pitchFamily="49" charset="0"/>
+              </a:rPr>
+              <a:t>(</a:t>
+            </a:r>
+            <a:r>
+              <a:rPr lang="de-AT" sz="2000" b="0" dirty="0" err="1">
+                <a:solidFill>
+                  <a:srgbClr val="DCDCAA"/>
+                </a:solidFill>
+                <a:effectLst/>
+                <a:latin typeface="Menlo" panose="020B0609030804020204" pitchFamily="49" charset="0"/>
+              </a:rPr>
+              <a:t>handler_fn</a:t>
+            </a:r>
+            <a:r>
+              <a:rPr lang="de-AT" sz="2000" b="0" dirty="0">
+                <a:solidFill>
+                  <a:srgbClr val="CCCCCC"/>
+                </a:solidFill>
+                <a:effectLst/>
+                <a:latin typeface="Menlo" panose="020B0609030804020204" pitchFamily="49" charset="0"/>
+              </a:rPr>
+              <a:t>) // </a:t>
+            </a:r>
+            <a:r>
+              <a:rPr lang="de-AT" sz="2000" b="0" dirty="0" err="1">
+                <a:solidFill>
+                  <a:srgbClr val="CCCCCC"/>
+                </a:solidFill>
+                <a:effectLst/>
+                <a:latin typeface="Menlo" panose="020B0609030804020204" pitchFamily="49" charset="0"/>
+              </a:rPr>
+              <a:t>any</a:t>
+            </a:r>
+            <a:r>
+              <a:rPr lang="de-AT" sz="2000" b="0" dirty="0">
+                <a:solidFill>
+                  <a:srgbClr val="CCCCCC"/>
+                </a:solidFill>
+                <a:effectLst/>
+                <a:latin typeface="Menlo" panose="020B0609030804020204" pitchFamily="49" charset="0"/>
+              </a:rPr>
+              <a:t> </a:t>
+            </a:r>
+            <a:r>
+              <a:rPr lang="de-AT" sz="2000" b="0" dirty="0" err="1">
+                <a:solidFill>
+                  <a:srgbClr val="CCCCCC"/>
+                </a:solidFill>
+                <a:effectLst/>
+                <a:latin typeface="Menlo" panose="020B0609030804020204" pitchFamily="49" charset="0"/>
+              </a:rPr>
+              <a:t>method</a:t>
+            </a:r>
+            <a:r>
+              <a:rPr lang="de-AT" sz="2000" b="0" dirty="0">
+                <a:solidFill>
+                  <a:srgbClr val="CCCCCC"/>
+                </a:solidFill>
+                <a:effectLst/>
+                <a:latin typeface="Menlo" panose="020B0609030804020204" pitchFamily="49" charset="0"/>
+              </a:rPr>
+              <a:t> </a:t>
+            </a:r>
+            <a:r>
+              <a:rPr lang="de-AT" sz="2000" b="0" dirty="0" err="1">
+                <a:solidFill>
+                  <a:srgbClr val="CCCCCC"/>
+                </a:solidFill>
+                <a:effectLst/>
+                <a:latin typeface="Menlo" panose="020B0609030804020204" pitchFamily="49" charset="0"/>
+              </a:rPr>
+              <a:t>is</a:t>
+            </a:r>
+            <a:r>
+              <a:rPr lang="de-AT" sz="2000" b="0" dirty="0">
+                <a:solidFill>
+                  <a:srgbClr val="CCCCCC"/>
+                </a:solidFill>
+                <a:effectLst/>
+                <a:latin typeface="Menlo" panose="020B0609030804020204" pitchFamily="49" charset="0"/>
+              </a:rPr>
+              <a:t> </a:t>
+            </a:r>
+            <a:r>
+              <a:rPr lang="de-AT" sz="2000" b="0" dirty="0" err="1">
+                <a:solidFill>
+                  <a:srgbClr val="CCCCCC"/>
+                </a:solidFill>
+                <a:effectLst/>
+                <a:latin typeface="Menlo" panose="020B0609030804020204" pitchFamily="49" charset="0"/>
+              </a:rPr>
+              <a:t>allowed</a:t>
+            </a:r>
+            <a:endParaRPr lang="de-AT" sz="2000" b="0" dirty="0">
+              <a:solidFill>
+                <a:srgbClr val="4EC9B0"/>
+              </a:solidFill>
+              <a:effectLst/>
+              <a:latin typeface="Menlo" panose="020B0609030804020204" pitchFamily="49" charset="0"/>
+            </a:endParaRPr>
+          </a:p>
+          <a:p>
+            <a:pPr marL="0" indent="0">
+              <a:buNone/>
+            </a:pPr>
+            <a:r>
+              <a:rPr lang="de-AT" sz="2000" b="0" dirty="0">
+                <a:solidFill>
+                  <a:srgbClr val="4EC9B0"/>
+                </a:solidFill>
+                <a:effectLst/>
+                <a:latin typeface="Menlo" panose="020B0609030804020204" pitchFamily="49" charset="0"/>
+              </a:rPr>
+              <a:t>web</a:t>
+            </a:r>
+            <a:r>
+              <a:rPr lang="de-AT" sz="2000" b="0" dirty="0">
+                <a:solidFill>
+                  <a:srgbClr val="D4D4D4"/>
+                </a:solidFill>
+                <a:effectLst/>
+                <a:latin typeface="Menlo" panose="020B0609030804020204" pitchFamily="49" charset="0"/>
+              </a:rPr>
+              <a:t>::</a:t>
+            </a:r>
+            <a:r>
+              <a:rPr lang="de-AT" sz="2000" b="0" dirty="0" err="1">
+                <a:solidFill>
+                  <a:srgbClr val="DCDCAA"/>
+                </a:solidFill>
+                <a:effectLst/>
+                <a:latin typeface="Menlo" panose="020B0609030804020204" pitchFamily="49" charset="0"/>
+              </a:rPr>
+              <a:t>get</a:t>
+            </a:r>
+            <a:r>
+              <a:rPr lang="de-AT" sz="2000" b="0" dirty="0">
+                <a:solidFill>
+                  <a:srgbClr val="CCCCCC"/>
+                </a:solidFill>
+                <a:effectLst/>
+                <a:latin typeface="Menlo" panose="020B0609030804020204" pitchFamily="49" charset="0"/>
+              </a:rPr>
+              <a:t>()</a:t>
+            </a:r>
+            <a:r>
+              <a:rPr lang="de-AT" sz="2000" b="0" dirty="0">
+                <a:solidFill>
+                  <a:srgbClr val="D4D4D4"/>
+                </a:solidFill>
+                <a:effectLst/>
+                <a:latin typeface="Menlo" panose="020B0609030804020204" pitchFamily="49" charset="0"/>
+              </a:rPr>
+              <a:t>.</a:t>
+            </a:r>
+            <a:r>
+              <a:rPr lang="de-AT" sz="2000" b="0" dirty="0" err="1">
+                <a:solidFill>
+                  <a:srgbClr val="DCDCAA"/>
+                </a:solidFill>
+                <a:effectLst/>
+                <a:latin typeface="Menlo" panose="020B0609030804020204" pitchFamily="49" charset="0"/>
+              </a:rPr>
+              <a:t>to</a:t>
+            </a:r>
+            <a:r>
+              <a:rPr lang="de-AT" sz="2000" b="0" dirty="0">
+                <a:solidFill>
+                  <a:srgbClr val="CCCCCC"/>
+                </a:solidFill>
+                <a:effectLst/>
+                <a:latin typeface="Menlo" panose="020B0609030804020204" pitchFamily="49" charset="0"/>
+              </a:rPr>
+              <a:t>(</a:t>
+            </a:r>
+            <a:r>
+              <a:rPr lang="de-AT" sz="2000" b="0" dirty="0" err="1">
+                <a:solidFill>
+                  <a:srgbClr val="DCDCAA"/>
+                </a:solidFill>
+                <a:effectLst/>
+                <a:latin typeface="Menlo" panose="020B0609030804020204" pitchFamily="49" charset="0"/>
+              </a:rPr>
+              <a:t>handler_fn</a:t>
+            </a:r>
+            <a:r>
+              <a:rPr lang="de-AT" sz="2000" b="0" dirty="0">
+                <a:solidFill>
+                  <a:srgbClr val="CCCCCC"/>
+                </a:solidFill>
+                <a:effectLst/>
+                <a:latin typeface="Menlo" panose="020B0609030804020204" pitchFamily="49" charset="0"/>
+              </a:rPr>
+              <a:t>) // </a:t>
+            </a:r>
+            <a:r>
+              <a:rPr lang="de-AT" sz="2000" b="0" dirty="0" err="1">
+                <a:solidFill>
+                  <a:srgbClr val="CCCCCC"/>
+                </a:solidFill>
+                <a:effectLst/>
+                <a:latin typeface="Menlo" panose="020B0609030804020204" pitchFamily="49" charset="0"/>
+              </a:rPr>
+              <a:t>only</a:t>
+            </a:r>
+            <a:r>
+              <a:rPr lang="de-AT" sz="2000" b="0" dirty="0">
+                <a:solidFill>
+                  <a:srgbClr val="CCCCCC"/>
+                </a:solidFill>
+                <a:effectLst/>
+                <a:latin typeface="Menlo" panose="020B0609030804020204" pitchFamily="49" charset="0"/>
+              </a:rPr>
+              <a:t> </a:t>
+            </a:r>
+            <a:r>
+              <a:rPr lang="de-AT" sz="2000" b="0" dirty="0" err="1">
+                <a:solidFill>
+                  <a:srgbClr val="CCCCCC"/>
+                </a:solidFill>
+                <a:effectLst/>
+                <a:latin typeface="Menlo" panose="020B0609030804020204" pitchFamily="49" charset="0"/>
+              </a:rPr>
+              <a:t>get</a:t>
+            </a:r>
+            <a:r>
+              <a:rPr lang="de-AT" sz="2000" b="0" dirty="0">
+                <a:solidFill>
+                  <a:srgbClr val="CCCCCC"/>
+                </a:solidFill>
+                <a:effectLst/>
+                <a:latin typeface="Menlo" panose="020B0609030804020204" pitchFamily="49" charset="0"/>
+              </a:rPr>
+              <a:t> </a:t>
+            </a:r>
+            <a:r>
+              <a:rPr lang="de-AT" sz="2000" b="0" dirty="0" err="1">
+                <a:solidFill>
+                  <a:srgbClr val="CCCCCC"/>
+                </a:solidFill>
+                <a:effectLst/>
+                <a:latin typeface="Menlo" panose="020B0609030804020204" pitchFamily="49" charset="0"/>
+              </a:rPr>
+              <a:t>method</a:t>
+            </a:r>
+            <a:r>
+              <a:rPr lang="de-AT" sz="2000" b="0" dirty="0">
+                <a:solidFill>
+                  <a:srgbClr val="CCCCCC"/>
+                </a:solidFill>
+                <a:effectLst/>
+                <a:latin typeface="Menlo" panose="020B0609030804020204" pitchFamily="49" charset="0"/>
+              </a:rPr>
+              <a:t> </a:t>
+            </a:r>
+            <a:r>
+              <a:rPr lang="de-AT" sz="2000" b="0" dirty="0" err="1">
+                <a:solidFill>
+                  <a:srgbClr val="CCCCCC"/>
+                </a:solidFill>
+                <a:effectLst/>
+                <a:latin typeface="Menlo" panose="020B0609030804020204" pitchFamily="49" charset="0"/>
+              </a:rPr>
+              <a:t>is</a:t>
+            </a:r>
+            <a:r>
+              <a:rPr lang="de-AT" sz="2000" b="0" dirty="0">
+                <a:solidFill>
+                  <a:srgbClr val="CCCCCC"/>
+                </a:solidFill>
+                <a:effectLst/>
+                <a:latin typeface="Menlo" panose="020B0609030804020204" pitchFamily="49" charset="0"/>
+              </a:rPr>
+              <a:t> </a:t>
+            </a:r>
+            <a:r>
+              <a:rPr lang="de-AT" sz="2000" b="0" dirty="0" err="1">
+                <a:solidFill>
+                  <a:srgbClr val="CCCCCC"/>
+                </a:solidFill>
+                <a:effectLst/>
+                <a:latin typeface="Menlo" panose="020B0609030804020204" pitchFamily="49" charset="0"/>
+              </a:rPr>
+              <a:t>allowed</a:t>
+            </a:r>
+            <a:endParaRPr lang="de-AT" sz="2000" b="0" dirty="0">
+              <a:solidFill>
+                <a:srgbClr val="CCCCCC"/>
+              </a:solidFill>
+              <a:effectLst/>
+              <a:latin typeface="Menlo" panose="020B0609030804020204" pitchFamily="49" charset="0"/>
+            </a:endParaRPr>
+          </a:p>
+          <a:p>
+            <a:pPr marL="0" indent="0">
+              <a:buNone/>
+            </a:pPr>
+            <a:endParaRPr lang="de-AT" sz="2000" b="0" dirty="0">
+              <a:solidFill>
+                <a:srgbClr val="CCCCCC"/>
+              </a:solidFill>
+              <a:effectLst/>
+              <a:latin typeface="Menlo" panose="020B0609030804020204" pitchFamily="49" charset="0"/>
+            </a:endParaRPr>
+          </a:p>
+          <a:p>
+            <a:pPr marL="0" indent="0">
+              <a:buNone/>
+            </a:pPr>
+            <a:r>
+              <a:rPr lang="de-DE" dirty="0"/>
+              <a:t>… </a:t>
+            </a:r>
+            <a:r>
+              <a:rPr lang="de-DE" dirty="0" err="1"/>
+              <a:t>or</a:t>
+            </a:r>
+            <a:r>
+              <a:rPr lang="de-DE" dirty="0"/>
+              <a:t> </a:t>
+            </a:r>
+            <a:r>
+              <a:rPr lang="de-DE" dirty="0" err="1"/>
+              <a:t>use</a:t>
+            </a:r>
+            <a:r>
+              <a:rPr lang="de-DE" dirty="0"/>
+              <a:t> a </a:t>
+            </a:r>
+            <a:r>
+              <a:rPr lang="de-DE" dirty="0" err="1"/>
+              <a:t>procedural</a:t>
+            </a:r>
+            <a:r>
+              <a:rPr lang="de-DE" dirty="0"/>
+              <a:t> </a:t>
+            </a:r>
+            <a:r>
+              <a:rPr lang="de-DE" dirty="0" err="1"/>
+              <a:t>macro</a:t>
+            </a:r>
+            <a:endParaRPr lang="de-DE" dirty="0"/>
+          </a:p>
+        </p:txBody>
+      </p:sp>
+    </p:spTree>
+    <p:extLst>
+      <p:ext uri="{BB962C8B-B14F-4D97-AF65-F5344CB8AC3E}">
+        <p14:creationId xmlns:p14="http://schemas.microsoft.com/office/powerpoint/2010/main" val="3940972417"/>
+      </p:ext>
+    </p:extLst>
+  </p:cSld>
+  <p:clrMapOvr>
+    <a:masterClrMapping/>
+  </p:clrMapOvr>
+</p:sld>
+</file>
+
+<file path=ppt/slides/slide9.xml><?xml version="1.0" encoding="utf-8"?>
+<p:sld xmlns:a="http://schemas.openxmlformats.org/drawingml/2006/main" xmlns:r="http://schemas.openxmlformats.org/officeDocument/2006/relationships" xmlns:p="http://schemas.openxmlformats.org/presentationml/2006/main">
+  <p:cSld>
+    <p:spTree>
+      <p:nvGrpSpPr>
+        <p:cNvPr id="1" name=""/>
+        <p:cNvGrpSpPr/>
+        <p:nvPr/>
+      </p:nvGrpSpPr>
+      <p:grpSpPr>
+        <a:xfrm>
+          <a:off x="0" y="0"/>
+          <a:ext cx="0" cy="0"/>
+          <a:chOff x="0" y="0"/>
+          <a:chExt cx="0" cy="0"/>
+        </a:xfrm>
+      </p:grpSpPr>
+      <p:sp>
+        <p:nvSpPr>
+          <p:cNvPr id="2" name="Titel 1">
+            <a:extLst>
+              <a:ext uri="{FF2B5EF4-FFF2-40B4-BE49-F238E27FC236}">
                 <a16:creationId xmlns:a16="http://schemas.microsoft.com/office/drawing/2014/main" id="{AB0AF7AC-96AA-F168-C11F-5BBBFBE1A7BE}"/>
               </a:ext>
             </a:extLst>
@@ -11643,8 +12337,8 @@
         </p:nvSpPr>
         <p:spPr>
           <a:xfrm>
-            <a:off x="2361460" y="3737499"/>
-            <a:ext cx="5051394" cy="204186"/>
+            <a:off x="2114550" y="3737499"/>
+            <a:ext cx="2451100" cy="204186"/>
           </a:xfrm>
           <a:prstGeom prst="rightArrow">
             <a:avLst/>
@@ -11689,8 +12383,8 @@
         </p:nvSpPr>
         <p:spPr>
           <a:xfrm>
-            <a:off x="7775591" y="3506680"/>
-            <a:ext cx="3463541" cy="923330"/>
+            <a:off x="4681477" y="3737499"/>
+            <a:ext cx="7023887" cy="1446550"/>
           </a:xfrm>
           <a:prstGeom prst="rect">
             <a:avLst/>
@@ -11801,140 +12495,207 @@
             </a:r>
             <a:endParaRPr lang="de-DE" dirty="0"/>
           </a:p>
+          <a:p>
+            <a:endParaRPr lang="de-DE" dirty="0"/>
+          </a:p>
+          <a:p>
+            <a:r>
+              <a:rPr lang="de-AT" sz="1600" b="0" dirty="0" err="1">
+                <a:solidFill>
+                  <a:srgbClr val="569CD6"/>
+                </a:solidFill>
+                <a:effectLst/>
+                <a:latin typeface="Menlo" panose="020B0609030804020204" pitchFamily="49" charset="0"/>
+              </a:rPr>
+              <a:t>fn</a:t>
+            </a:r>
+            <a:r>
+              <a:rPr lang="de-AT" sz="1600" b="0" dirty="0">
+                <a:solidFill>
+                  <a:srgbClr val="CCCCCC"/>
+                </a:solidFill>
+                <a:effectLst/>
+                <a:latin typeface="Menlo" panose="020B0609030804020204" pitchFamily="49" charset="0"/>
+              </a:rPr>
+              <a:t> </a:t>
+            </a:r>
+            <a:r>
+              <a:rPr lang="de-AT" sz="1600" b="0" dirty="0" err="1">
+                <a:solidFill>
+                  <a:srgbClr val="DCDCAA"/>
+                </a:solidFill>
+                <a:effectLst/>
+                <a:latin typeface="Menlo" panose="020B0609030804020204" pitchFamily="49" charset="0"/>
+              </a:rPr>
+              <a:t>get_params</a:t>
+            </a:r>
+            <a:r>
+              <a:rPr lang="de-AT" sz="1600" b="0" dirty="0">
+                <a:solidFill>
+                  <a:srgbClr val="CCCCCC"/>
+                </a:solidFill>
+                <a:effectLst/>
+                <a:latin typeface="Menlo" panose="020B0609030804020204" pitchFamily="49" charset="0"/>
+              </a:rPr>
+              <a:t>(</a:t>
+            </a:r>
+            <a:r>
+              <a:rPr lang="de-AT" sz="1600" b="0" dirty="0" err="1">
+                <a:solidFill>
+                  <a:srgbClr val="9CDCFE"/>
+                </a:solidFill>
+                <a:effectLst/>
+                <a:latin typeface="Menlo" panose="020B0609030804020204" pitchFamily="49" charset="0"/>
+              </a:rPr>
+              <a:t>info</a:t>
+            </a:r>
+            <a:r>
+              <a:rPr lang="de-AT" sz="1600" b="0" dirty="0">
+                <a:solidFill>
+                  <a:srgbClr val="D4D4D4"/>
+                </a:solidFill>
+                <a:effectLst/>
+                <a:latin typeface="Menlo" panose="020B0609030804020204" pitchFamily="49" charset="0"/>
+              </a:rPr>
+              <a:t>:</a:t>
+            </a:r>
+            <a:r>
+              <a:rPr lang="de-AT" sz="1600" b="0" dirty="0">
+                <a:solidFill>
+                  <a:srgbClr val="CCCCCC"/>
+                </a:solidFill>
+                <a:effectLst/>
+                <a:latin typeface="Menlo" panose="020B0609030804020204" pitchFamily="49" charset="0"/>
+              </a:rPr>
+              <a:t> </a:t>
+            </a:r>
+            <a:r>
+              <a:rPr lang="de-AT" sz="1600" b="0" dirty="0">
+                <a:solidFill>
+                  <a:srgbClr val="4EC9B0"/>
+                </a:solidFill>
+                <a:effectLst/>
+                <a:latin typeface="Menlo" panose="020B0609030804020204" pitchFamily="49" charset="0"/>
+              </a:rPr>
+              <a:t>web</a:t>
+            </a:r>
+            <a:r>
+              <a:rPr lang="de-AT" sz="1600" b="0" dirty="0">
+                <a:solidFill>
+                  <a:srgbClr val="D4D4D4"/>
+                </a:solidFill>
+                <a:effectLst/>
+                <a:latin typeface="Menlo" panose="020B0609030804020204" pitchFamily="49" charset="0"/>
+              </a:rPr>
+              <a:t>::</a:t>
+            </a:r>
+            <a:r>
+              <a:rPr lang="de-AT" sz="1600" b="0" dirty="0">
+                <a:solidFill>
+                  <a:srgbClr val="4EC9B0"/>
+                </a:solidFill>
+                <a:effectLst/>
+                <a:latin typeface="Menlo" panose="020B0609030804020204" pitchFamily="49" charset="0"/>
+              </a:rPr>
+              <a:t>Query</a:t>
+            </a:r>
+            <a:r>
+              <a:rPr lang="de-AT" sz="1600" b="0" dirty="0">
+                <a:solidFill>
+                  <a:srgbClr val="CCCCCC"/>
+                </a:solidFill>
+                <a:effectLst/>
+                <a:latin typeface="Menlo" panose="020B0609030804020204" pitchFamily="49" charset="0"/>
+              </a:rPr>
+              <a:t>&lt;</a:t>
+            </a:r>
+            <a:r>
+              <a:rPr lang="de-AT" sz="1600" b="0" dirty="0">
+                <a:solidFill>
+                  <a:srgbClr val="4EC9B0"/>
+                </a:solidFill>
+                <a:effectLst/>
+                <a:latin typeface="Menlo" panose="020B0609030804020204" pitchFamily="49" charset="0"/>
+              </a:rPr>
+              <a:t>Info</a:t>
+            </a:r>
+            <a:r>
+              <a:rPr lang="de-AT" sz="1600" b="0" dirty="0">
+                <a:solidFill>
+                  <a:srgbClr val="CCCCCC"/>
+                </a:solidFill>
+                <a:effectLst/>
+                <a:latin typeface="Menlo" panose="020B0609030804020204" pitchFamily="49" charset="0"/>
+              </a:rPr>
+              <a:t>&gt;) </a:t>
+            </a:r>
+            <a:r>
+              <a:rPr lang="de-AT" sz="1600" b="0" dirty="0">
+                <a:solidFill>
+                  <a:srgbClr val="D4D4D4"/>
+                </a:solidFill>
+                <a:effectLst/>
+                <a:latin typeface="Menlo" panose="020B0609030804020204" pitchFamily="49" charset="0"/>
+              </a:rPr>
+              <a:t>-&gt;</a:t>
+            </a:r>
+            <a:r>
+              <a:rPr lang="de-AT" sz="1600" b="0" dirty="0">
+                <a:solidFill>
+                  <a:srgbClr val="CCCCCC"/>
+                </a:solidFill>
+                <a:effectLst/>
+                <a:latin typeface="Menlo" panose="020B0609030804020204" pitchFamily="49" charset="0"/>
+              </a:rPr>
+              <a:t> </a:t>
+            </a:r>
+            <a:r>
+              <a:rPr lang="de-AT" sz="1600" b="0" dirty="0" err="1">
+                <a:solidFill>
+                  <a:srgbClr val="569CD6"/>
+                </a:solidFill>
+                <a:effectLst/>
+                <a:latin typeface="Menlo" panose="020B0609030804020204" pitchFamily="49" charset="0"/>
+              </a:rPr>
+              <a:t>impl</a:t>
+            </a:r>
+            <a:r>
+              <a:rPr lang="de-AT" sz="1600" b="0" dirty="0">
+                <a:solidFill>
+                  <a:srgbClr val="CCCCCC"/>
+                </a:solidFill>
+                <a:effectLst/>
+                <a:latin typeface="Menlo" panose="020B0609030804020204" pitchFamily="49" charset="0"/>
+              </a:rPr>
+              <a:t> </a:t>
+            </a:r>
+            <a:r>
+              <a:rPr lang="de-AT" sz="1600" b="0" dirty="0">
+                <a:solidFill>
+                  <a:srgbClr val="4EC9B0"/>
+                </a:solidFill>
+                <a:effectLst/>
+                <a:latin typeface="Menlo" panose="020B0609030804020204" pitchFamily="49" charset="0"/>
+              </a:rPr>
+              <a:t>Responder</a:t>
+            </a:r>
+            <a:endParaRPr lang="de-AT" sz="1600" b="0" dirty="0">
+              <a:solidFill>
+                <a:srgbClr val="CCCCCC"/>
+              </a:solidFill>
+              <a:effectLst/>
+              <a:latin typeface="Menlo" panose="020B0609030804020204" pitchFamily="49" charset="0"/>
+            </a:endParaRPr>
+          </a:p>
+          <a:p>
+            <a:endParaRPr lang="de-DE" dirty="0"/>
+          </a:p>
         </p:txBody>
       </p:sp>
     </p:spTree>
     <p:extLst>
       <p:ext uri="{BB962C8B-B14F-4D97-AF65-F5344CB8AC3E}">
         <p14:creationId xmlns:p14="http://schemas.microsoft.com/office/powerpoint/2010/main" val="3208059671"/>
-      </p:ext>
-    </p:extLst>
-  </p:cSld>
-  <p:clrMapOvr>
-    <a:masterClrMapping/>
-  </p:clrMapOvr>
-</p:sld>
-</file>
-
-<file path=ppt/slides/slide9.xml><?xml version="1.0" encoding="utf-8"?>
-<p:sld xmlns:a="http://schemas.openxmlformats.org/drawingml/2006/main" xmlns:r="http://schemas.openxmlformats.org/officeDocument/2006/relationships" xmlns:p="http://schemas.openxmlformats.org/presentationml/2006/main">
-  <p:cSld>
-    <p:spTree>
-      <p:nvGrpSpPr>
-        <p:cNvPr id="1" name=""/>
-        <p:cNvGrpSpPr/>
-        <p:nvPr/>
-      </p:nvGrpSpPr>
-      <p:grpSpPr>
-        <a:xfrm>
-          <a:off x="0" y="0"/>
-          <a:ext cx="0" cy="0"/>
-          <a:chOff x="0" y="0"/>
-          <a:chExt cx="0" cy="0"/>
-        </a:xfrm>
-      </p:grpSpPr>
-      <p:sp>
-        <p:nvSpPr>
-          <p:cNvPr id="2" name="Titel 1">
-            <a:extLst>
-              <a:ext uri="{FF2B5EF4-FFF2-40B4-BE49-F238E27FC236}">
-                <a16:creationId xmlns:a16="http://schemas.microsoft.com/office/drawing/2014/main" id="{A2133C53-ACA7-77D9-1892-A1D212AB4255}"/>
-              </a:ext>
-            </a:extLst>
-          </p:cNvPr>
-          <p:cNvSpPr>
-            <a:spLocks noGrp="1"/>
-          </p:cNvSpPr>
-          <p:nvPr>
-            <p:ph type="title"/>
-          </p:nvPr>
-        </p:nvSpPr>
-        <p:spPr/>
-        <p:txBody>
-          <a:bodyPr/>
-          <a:lstStyle/>
-          <a:p>
-            <a:r>
-              <a:rPr lang="de-DE" dirty="0" err="1"/>
-              <a:t>Types</a:t>
-            </a:r>
-            <a:r>
-              <a:rPr lang="de-DE" dirty="0"/>
-              <a:t> and </a:t>
-            </a:r>
-            <a:r>
-              <a:rPr lang="de-DE" dirty="0" err="1"/>
-              <a:t>structs</a:t>
-            </a:r>
-            <a:r>
-              <a:rPr lang="de-DE" dirty="0"/>
-              <a:t> </a:t>
-            </a:r>
-            <a:r>
-              <a:rPr lang="de-DE" dirty="0" err="1"/>
-              <a:t>that</a:t>
-            </a:r>
-            <a:r>
-              <a:rPr lang="de-DE" dirty="0"/>
-              <a:t> </a:t>
-            </a:r>
-            <a:r>
-              <a:rPr lang="de-DE" dirty="0" err="1"/>
-              <a:t>implement</a:t>
-            </a:r>
-            <a:r>
-              <a:rPr lang="de-DE" dirty="0"/>
-              <a:t> Responder </a:t>
-            </a:r>
-            <a:r>
-              <a:rPr lang="de-DE" dirty="0" err="1"/>
-              <a:t>by</a:t>
-            </a:r>
-            <a:r>
-              <a:rPr lang="de-DE" dirty="0"/>
-              <a:t> </a:t>
-            </a:r>
-            <a:r>
-              <a:rPr lang="de-DE" dirty="0" err="1"/>
-              <a:t>default</a:t>
-            </a:r>
-            <a:endParaRPr lang="de-AT" dirty="0"/>
-          </a:p>
-        </p:txBody>
-      </p:sp>
-      <p:pic>
-        <p:nvPicPr>
-          <p:cNvPr id="5" name="Inhaltsplatzhalter 4">
-            <a:extLst>
-              <a:ext uri="{FF2B5EF4-FFF2-40B4-BE49-F238E27FC236}">
-                <a16:creationId xmlns:a16="http://schemas.microsoft.com/office/drawing/2014/main" id="{20D04653-4006-179C-3B0C-1691271C92B4}"/>
-              </a:ext>
-            </a:extLst>
-          </p:cNvPr>
-          <p:cNvPicPr>
-            <a:picLocks noGrp="1" noChangeAspect="1"/>
-          </p:cNvPicPr>
-          <p:nvPr>
-            <p:ph idx="1"/>
-          </p:nvPr>
-        </p:nvPicPr>
-        <p:blipFill>
-          <a:blip r:embed="rId2"/>
-          <a:stretch>
-            <a:fillRect/>
-          </a:stretch>
-        </p:blipFill>
-        <p:spPr>
-          <a:xfrm>
-            <a:off x="838199" y="1902598"/>
-            <a:ext cx="8174269" cy="3637063"/>
-          </a:xfrm>
-        </p:spPr>
-      </p:pic>
-    </p:spTree>
-    <p:extLst>
-      <p:ext uri="{BB962C8B-B14F-4D97-AF65-F5344CB8AC3E}">
-        <p14:creationId xmlns:p14="http://schemas.microsoft.com/office/powerpoint/2010/main" val="2410797446"/>
       </p:ext>
     </p:extLst>
   </p:cSld>

--- a/Pres.pptx
+++ b/Pres.pptx
@@ -9,20 +9,18 @@
     <p:sldId id="257" r:id="rId3"/>
     <p:sldId id="264" r:id="rId4"/>
     <p:sldId id="261" r:id="rId5"/>
-    <p:sldId id="256" r:id="rId6"/>
-    <p:sldId id="259" r:id="rId7"/>
-    <p:sldId id="260" r:id="rId8"/>
-    <p:sldId id="274" r:id="rId9"/>
-    <p:sldId id="265" r:id="rId10"/>
-    <p:sldId id="266" r:id="rId11"/>
-    <p:sldId id="268" r:id="rId12"/>
-    <p:sldId id="267" r:id="rId13"/>
-    <p:sldId id="269" r:id="rId14"/>
-    <p:sldId id="270" r:id="rId15"/>
-    <p:sldId id="271" r:id="rId16"/>
-    <p:sldId id="272" r:id="rId17"/>
-    <p:sldId id="258" r:id="rId18"/>
-    <p:sldId id="273" r:id="rId19"/>
+    <p:sldId id="260" r:id="rId6"/>
+    <p:sldId id="274" r:id="rId7"/>
+    <p:sldId id="265" r:id="rId8"/>
+    <p:sldId id="266" r:id="rId9"/>
+    <p:sldId id="268" r:id="rId10"/>
+    <p:sldId id="267" r:id="rId11"/>
+    <p:sldId id="269" r:id="rId12"/>
+    <p:sldId id="270" r:id="rId13"/>
+    <p:sldId id="271" r:id="rId14"/>
+    <p:sldId id="272" r:id="rId15"/>
+    <p:sldId id="258" r:id="rId16"/>
+    <p:sldId id="273" r:id="rId17"/>
   </p:sldIdLst>
   <p:sldSz cx="12192000" cy="6858000"/>
   <p:notesSz cx="6858000" cy="9144000"/>
@@ -5664,739 +5662,6 @@
           <p:cNvPr id="2" name="Titel 1">
             <a:extLst>
               <a:ext uri="{FF2B5EF4-FFF2-40B4-BE49-F238E27FC236}">
-                <a16:creationId xmlns:a16="http://schemas.microsoft.com/office/drawing/2014/main" id="{A2133C53-ACA7-77D9-1892-A1D212AB4255}"/>
-              </a:ext>
-            </a:extLst>
-          </p:cNvPr>
-          <p:cNvSpPr>
-            <a:spLocks noGrp="1"/>
-          </p:cNvSpPr>
-          <p:nvPr>
-            <p:ph type="title"/>
-          </p:nvPr>
-        </p:nvSpPr>
-        <p:spPr/>
-        <p:txBody>
-          <a:bodyPr/>
-          <a:lstStyle/>
-          <a:p>
-            <a:r>
-              <a:rPr lang="de-DE" dirty="0" err="1"/>
-              <a:t>Types</a:t>
-            </a:r>
-            <a:r>
-              <a:rPr lang="de-DE" dirty="0"/>
-              <a:t> and </a:t>
-            </a:r>
-            <a:r>
-              <a:rPr lang="de-DE" dirty="0" err="1"/>
-              <a:t>structs</a:t>
-            </a:r>
-            <a:r>
-              <a:rPr lang="de-DE" dirty="0"/>
-              <a:t> </a:t>
-            </a:r>
-            <a:r>
-              <a:rPr lang="de-DE" dirty="0" err="1"/>
-              <a:t>that</a:t>
-            </a:r>
-            <a:r>
-              <a:rPr lang="de-DE" dirty="0"/>
-              <a:t> </a:t>
-            </a:r>
-            <a:r>
-              <a:rPr lang="de-DE" dirty="0" err="1"/>
-              <a:t>implement</a:t>
-            </a:r>
-            <a:r>
-              <a:rPr lang="de-DE" dirty="0"/>
-              <a:t> Responder </a:t>
-            </a:r>
-            <a:r>
-              <a:rPr lang="de-DE" dirty="0" err="1"/>
-              <a:t>by</a:t>
-            </a:r>
-            <a:r>
-              <a:rPr lang="de-DE" dirty="0"/>
-              <a:t> </a:t>
-            </a:r>
-            <a:r>
-              <a:rPr lang="de-DE" dirty="0" err="1"/>
-              <a:t>default</a:t>
-            </a:r>
-            <a:endParaRPr lang="de-AT" dirty="0"/>
-          </a:p>
-        </p:txBody>
-      </p:sp>
-      <p:pic>
-        <p:nvPicPr>
-          <p:cNvPr id="5" name="Inhaltsplatzhalter 4">
-            <a:extLst>
-              <a:ext uri="{FF2B5EF4-FFF2-40B4-BE49-F238E27FC236}">
-                <a16:creationId xmlns:a16="http://schemas.microsoft.com/office/drawing/2014/main" id="{20D04653-4006-179C-3B0C-1691271C92B4}"/>
-              </a:ext>
-            </a:extLst>
-          </p:cNvPr>
-          <p:cNvPicPr>
-            <a:picLocks noGrp="1" noChangeAspect="1"/>
-          </p:cNvPicPr>
-          <p:nvPr>
-            <p:ph idx="1"/>
-          </p:nvPr>
-        </p:nvPicPr>
-        <p:blipFill>
-          <a:blip r:embed="rId2"/>
-          <a:stretch>
-            <a:fillRect/>
-          </a:stretch>
-        </p:blipFill>
-        <p:spPr>
-          <a:xfrm>
-            <a:off x="838199" y="1902598"/>
-            <a:ext cx="8174269" cy="3637063"/>
-          </a:xfrm>
-        </p:spPr>
-      </p:pic>
-    </p:spTree>
-    <p:extLst>
-      <p:ext uri="{BB962C8B-B14F-4D97-AF65-F5344CB8AC3E}">
-        <p14:creationId xmlns:p14="http://schemas.microsoft.com/office/powerpoint/2010/main" val="2410797446"/>
-      </p:ext>
-    </p:extLst>
-  </p:cSld>
-  <p:clrMapOvr>
-    <a:masterClrMapping/>
-  </p:clrMapOvr>
-</p:sld>
-</file>
-
-<file path=ppt/slides/slide11.xml><?xml version="1.0" encoding="utf-8"?>
-<p:sld xmlns:a="http://schemas.openxmlformats.org/drawingml/2006/main" xmlns:r="http://schemas.openxmlformats.org/officeDocument/2006/relationships" xmlns:p="http://schemas.openxmlformats.org/presentationml/2006/main">
-  <p:cSld>
-    <p:spTree>
-      <p:nvGrpSpPr>
-        <p:cNvPr id="1" name=""/>
-        <p:cNvGrpSpPr/>
-        <p:nvPr/>
-      </p:nvGrpSpPr>
-      <p:grpSpPr>
-        <a:xfrm>
-          <a:off x="0" y="0"/>
-          <a:ext cx="0" cy="0"/>
-          <a:chOff x="0" y="0"/>
-          <a:chExt cx="0" cy="0"/>
-        </a:xfrm>
-      </p:grpSpPr>
-      <p:sp>
-        <p:nvSpPr>
-          <p:cNvPr id="2" name="Titel 1">
-            <a:extLst>
-              <a:ext uri="{FF2B5EF4-FFF2-40B4-BE49-F238E27FC236}">
-                <a16:creationId xmlns:a16="http://schemas.microsoft.com/office/drawing/2014/main" id="{DE28BBC6-A8B3-01DD-B469-C9EC43354124}"/>
-              </a:ext>
-            </a:extLst>
-          </p:cNvPr>
-          <p:cNvSpPr>
-            <a:spLocks noGrp="1"/>
-          </p:cNvSpPr>
-          <p:nvPr>
-            <p:ph type="title"/>
-          </p:nvPr>
-        </p:nvSpPr>
-        <p:spPr/>
-        <p:txBody>
-          <a:bodyPr/>
-          <a:lstStyle/>
-          <a:p>
-            <a:r>
-              <a:rPr lang="de-DE" dirty="0" err="1"/>
-              <a:t>Defining</a:t>
-            </a:r>
-            <a:r>
-              <a:rPr lang="de-DE" dirty="0"/>
-              <a:t> a </a:t>
-            </a:r>
-            <a:r>
-              <a:rPr lang="de-DE" dirty="0" err="1"/>
-              <a:t>scope</a:t>
-            </a:r>
-            <a:endParaRPr lang="de-DE" dirty="0"/>
-          </a:p>
-        </p:txBody>
-      </p:sp>
-      <p:sp>
-        <p:nvSpPr>
-          <p:cNvPr id="3" name="Inhaltsplatzhalter 2">
-            <a:extLst>
-              <a:ext uri="{FF2B5EF4-FFF2-40B4-BE49-F238E27FC236}">
-                <a16:creationId xmlns:a16="http://schemas.microsoft.com/office/drawing/2014/main" id="{B29092B3-A0B6-ADAC-CB1A-9D8A07B0A8E5}"/>
-              </a:ext>
-            </a:extLst>
-          </p:cNvPr>
-          <p:cNvSpPr>
-            <a:spLocks noGrp="1"/>
-          </p:cNvSpPr>
-          <p:nvPr>
-            <p:ph idx="1"/>
-          </p:nvPr>
-        </p:nvSpPr>
-        <p:spPr/>
-        <p:txBody>
-          <a:bodyPr>
-            <a:normAutofit fontScale="92500"/>
-          </a:bodyPr>
-          <a:lstStyle/>
-          <a:p>
-            <a:pPr marL="0" indent="0">
-              <a:buNone/>
-            </a:pPr>
-            <a:r>
-              <a:rPr lang="de-DE" dirty="0"/>
-              <a:t>Registered </a:t>
-            </a:r>
-            <a:r>
-              <a:rPr lang="de-DE" dirty="0" err="1"/>
-              <a:t>routes</a:t>
-            </a:r>
-            <a:r>
-              <a:rPr lang="de-DE" dirty="0"/>
-              <a:t> in a </a:t>
-            </a:r>
-            <a:r>
-              <a:rPr lang="de-DE" dirty="0" err="1"/>
-              <a:t>scope</a:t>
-            </a:r>
-            <a:r>
-              <a:rPr lang="de-DE" dirty="0"/>
-              <a:t> will </a:t>
-            </a:r>
-            <a:r>
-              <a:rPr lang="de-DE" dirty="0" err="1"/>
-              <a:t>share</a:t>
-            </a:r>
-            <a:r>
-              <a:rPr lang="de-DE" dirty="0"/>
-              <a:t> a </a:t>
-            </a:r>
-            <a:r>
-              <a:rPr lang="de-DE" dirty="0" err="1"/>
-              <a:t>common</a:t>
-            </a:r>
-            <a:r>
-              <a:rPr lang="de-DE" dirty="0"/>
-              <a:t> </a:t>
-            </a:r>
-            <a:r>
-              <a:rPr lang="de-DE" dirty="0" err="1"/>
-              <a:t>path</a:t>
-            </a:r>
-            <a:r>
-              <a:rPr lang="de-DE" dirty="0"/>
-              <a:t> </a:t>
-            </a:r>
-            <a:r>
-              <a:rPr lang="de-DE" dirty="0" err="1"/>
-              <a:t>prefix</a:t>
-            </a:r>
-            <a:endParaRPr lang="de-DE" dirty="0"/>
-          </a:p>
-          <a:p>
-            <a:pPr marL="0" indent="0">
-              <a:buNone/>
-            </a:pPr>
-            <a:endParaRPr lang="de-DE" dirty="0"/>
-          </a:p>
-          <a:p>
-            <a:pPr marL="0" indent="0">
-              <a:buNone/>
-            </a:pPr>
-            <a:r>
-              <a:rPr lang="de-DE" dirty="0"/>
-              <a:t>e.g.</a:t>
-            </a:r>
-          </a:p>
-          <a:p>
-            <a:pPr marL="0" indent="0">
-              <a:buNone/>
-            </a:pPr>
-            <a:endParaRPr lang="de-DE" dirty="0"/>
-          </a:p>
-          <a:p>
-            <a:pPr marL="0" indent="0">
-              <a:buNone/>
-            </a:pPr>
-            <a:r>
-              <a:rPr lang="de-AT" b="0" dirty="0" err="1">
-                <a:solidFill>
-                  <a:srgbClr val="DCDCAA"/>
-                </a:solidFill>
-                <a:effectLst/>
-                <a:latin typeface="Menlo" panose="020B0609030804020204" pitchFamily="49" charset="0"/>
-              </a:rPr>
-              <a:t>service</a:t>
-            </a:r>
-            <a:r>
-              <a:rPr lang="de-AT" b="0" dirty="0">
-                <a:solidFill>
-                  <a:srgbClr val="CCCCCC"/>
-                </a:solidFill>
-                <a:effectLst/>
-                <a:latin typeface="Menlo" panose="020B0609030804020204" pitchFamily="49" charset="0"/>
-              </a:rPr>
-              <a:t>(</a:t>
-            </a:r>
-          </a:p>
-          <a:p>
-            <a:pPr marL="0" indent="0">
-              <a:buNone/>
-            </a:pPr>
-            <a:r>
-              <a:rPr lang="de-AT" b="0" dirty="0">
-                <a:solidFill>
-                  <a:srgbClr val="4EC9B0"/>
-                </a:solidFill>
-                <a:effectLst/>
-                <a:latin typeface="Menlo" panose="020B0609030804020204" pitchFamily="49" charset="0"/>
-              </a:rPr>
-              <a:t>	web</a:t>
-            </a:r>
-            <a:r>
-              <a:rPr lang="de-AT" b="0" dirty="0">
-                <a:solidFill>
-                  <a:srgbClr val="D4D4D4"/>
-                </a:solidFill>
-                <a:effectLst/>
-                <a:latin typeface="Menlo" panose="020B0609030804020204" pitchFamily="49" charset="0"/>
-              </a:rPr>
-              <a:t>::</a:t>
-            </a:r>
-            <a:r>
-              <a:rPr lang="de-AT" b="0" dirty="0" err="1">
-                <a:solidFill>
-                  <a:srgbClr val="DCDCAA"/>
-                </a:solidFill>
-                <a:effectLst/>
-                <a:latin typeface="Menlo" panose="020B0609030804020204" pitchFamily="49" charset="0"/>
-              </a:rPr>
-              <a:t>scope</a:t>
-            </a:r>
-            <a:r>
-              <a:rPr lang="de-AT" b="0" dirty="0">
-                <a:solidFill>
-                  <a:srgbClr val="CCCCCC"/>
-                </a:solidFill>
-                <a:effectLst/>
-                <a:latin typeface="Menlo" panose="020B0609030804020204" pitchFamily="49" charset="0"/>
-              </a:rPr>
-              <a:t>(</a:t>
-            </a:r>
-            <a:r>
-              <a:rPr lang="de-AT" b="0" dirty="0">
-                <a:solidFill>
-                  <a:srgbClr val="CE9178"/>
-                </a:solidFill>
-                <a:effectLst/>
-                <a:latin typeface="Menlo" panose="020B0609030804020204" pitchFamily="49" charset="0"/>
-              </a:rPr>
-              <a:t>"/</a:t>
-            </a:r>
-            <a:r>
-              <a:rPr lang="de-AT" b="0" dirty="0" err="1">
-                <a:solidFill>
-                  <a:srgbClr val="CE9178"/>
-                </a:solidFill>
-                <a:effectLst/>
-                <a:latin typeface="Menlo" panose="020B0609030804020204" pitchFamily="49" charset="0"/>
-              </a:rPr>
-              <a:t>scope</a:t>
-            </a:r>
-            <a:r>
-              <a:rPr lang="de-AT" b="0" dirty="0">
-                <a:solidFill>
-                  <a:srgbClr val="CE9178"/>
-                </a:solidFill>
-                <a:effectLst/>
-                <a:latin typeface="Menlo" panose="020B0609030804020204" pitchFamily="49" charset="0"/>
-              </a:rPr>
-              <a:t>"</a:t>
-            </a:r>
-            <a:r>
-              <a:rPr lang="de-AT" b="0" dirty="0">
-                <a:solidFill>
-                  <a:srgbClr val="CCCCCC"/>
-                </a:solidFill>
-                <a:effectLst/>
-                <a:latin typeface="Menlo" panose="020B0609030804020204" pitchFamily="49" charset="0"/>
-              </a:rPr>
-              <a:t>) </a:t>
-            </a:r>
-          </a:p>
-          <a:p>
-            <a:pPr marL="0" indent="0">
-              <a:buNone/>
-            </a:pPr>
-            <a:r>
-              <a:rPr lang="de-AT" dirty="0">
-                <a:solidFill>
-                  <a:srgbClr val="D4D4D4"/>
-                </a:solidFill>
-                <a:latin typeface="Menlo" panose="020B0609030804020204" pitchFamily="49" charset="0"/>
-              </a:rPr>
-              <a:t>		</a:t>
-            </a:r>
-            <a:r>
-              <a:rPr lang="de-AT" b="0" dirty="0">
-                <a:solidFill>
-                  <a:srgbClr val="DCDCAA"/>
-                </a:solidFill>
-                <a:effectLst/>
-                <a:latin typeface="Menlo" panose="020B0609030804020204" pitchFamily="49" charset="0"/>
-              </a:rPr>
-              <a:t>route</a:t>
-            </a:r>
-            <a:r>
-              <a:rPr lang="de-AT" b="0" dirty="0">
-                <a:solidFill>
-                  <a:srgbClr val="CCCCCC"/>
-                </a:solidFill>
-                <a:effectLst/>
-                <a:latin typeface="Menlo" panose="020B0609030804020204" pitchFamily="49" charset="0"/>
-              </a:rPr>
-              <a:t>(</a:t>
-            </a:r>
-            <a:r>
-              <a:rPr lang="de-AT" b="0" dirty="0">
-                <a:solidFill>
-                  <a:srgbClr val="CE9178"/>
-                </a:solidFill>
-                <a:effectLst/>
-                <a:latin typeface="Menlo" panose="020B0609030804020204" pitchFamily="49" charset="0"/>
-              </a:rPr>
-              <a:t>"/sub1"</a:t>
-            </a:r>
-            <a:r>
-              <a:rPr lang="de-AT" b="0" dirty="0">
-                <a:solidFill>
-                  <a:srgbClr val="CCCCCC"/>
-                </a:solidFill>
-                <a:effectLst/>
-                <a:latin typeface="Menlo" panose="020B0609030804020204" pitchFamily="49" charset="0"/>
-              </a:rPr>
-              <a:t>, </a:t>
-            </a:r>
-            <a:r>
-              <a:rPr lang="de-AT" b="0" dirty="0">
-                <a:solidFill>
-                  <a:srgbClr val="4EC9B0"/>
-                </a:solidFill>
-                <a:effectLst/>
-                <a:latin typeface="Menlo" panose="020B0609030804020204" pitchFamily="49" charset="0"/>
-              </a:rPr>
-              <a:t>web</a:t>
-            </a:r>
-            <a:r>
-              <a:rPr lang="de-AT" b="0" dirty="0">
-                <a:solidFill>
-                  <a:srgbClr val="D4D4D4"/>
-                </a:solidFill>
-                <a:effectLst/>
-                <a:latin typeface="Menlo" panose="020B0609030804020204" pitchFamily="49" charset="0"/>
-              </a:rPr>
-              <a:t>::</a:t>
-            </a:r>
-            <a:r>
-              <a:rPr lang="de-AT" b="0" dirty="0" err="1">
-                <a:solidFill>
-                  <a:srgbClr val="DCDCAA"/>
-                </a:solidFill>
-                <a:effectLst/>
-                <a:latin typeface="Menlo" panose="020B0609030804020204" pitchFamily="49" charset="0"/>
-              </a:rPr>
-              <a:t>to</a:t>
-            </a:r>
-            <a:r>
-              <a:rPr lang="de-AT" b="0" dirty="0">
-                <a:solidFill>
-                  <a:srgbClr val="CCCCCC"/>
-                </a:solidFill>
-                <a:effectLst/>
-                <a:latin typeface="Menlo" panose="020B0609030804020204" pitchFamily="49" charset="0"/>
-              </a:rPr>
-              <a:t>(</a:t>
-            </a:r>
-            <a:r>
-              <a:rPr lang="de-AT" b="0" dirty="0">
-                <a:solidFill>
-                  <a:srgbClr val="D4D4D4"/>
-                </a:solidFill>
-                <a:effectLst/>
-                <a:latin typeface="Menlo" panose="020B0609030804020204" pitchFamily="49" charset="0"/>
-              </a:rPr>
-              <a:t>||</a:t>
-            </a:r>
-            <a:r>
-              <a:rPr lang="de-AT" b="0" dirty="0">
-                <a:solidFill>
-                  <a:srgbClr val="CCCCCC"/>
-                </a:solidFill>
-                <a:effectLst/>
-                <a:latin typeface="Menlo" panose="020B0609030804020204" pitchFamily="49" charset="0"/>
-              </a:rPr>
-              <a:t> </a:t>
-            </a:r>
-            <a:r>
-              <a:rPr lang="de-AT" b="0" dirty="0" err="1">
-                <a:solidFill>
-                  <a:srgbClr val="569CD6"/>
-                </a:solidFill>
-                <a:effectLst/>
-                <a:latin typeface="Menlo" panose="020B0609030804020204" pitchFamily="49" charset="0"/>
-              </a:rPr>
-              <a:t>async</a:t>
-            </a:r>
-            <a:r>
-              <a:rPr lang="de-AT" b="0" dirty="0">
-                <a:solidFill>
-                  <a:srgbClr val="CCCCCC"/>
-                </a:solidFill>
-                <a:effectLst/>
-                <a:latin typeface="Menlo" panose="020B0609030804020204" pitchFamily="49" charset="0"/>
-              </a:rPr>
-              <a:t> {</a:t>
-            </a:r>
-            <a:r>
-              <a:rPr lang="de-AT" b="0" dirty="0">
-                <a:solidFill>
-                  <a:srgbClr val="CE9178"/>
-                </a:solidFill>
-                <a:effectLst/>
-                <a:latin typeface="Menlo" panose="020B0609030804020204" pitchFamily="49" charset="0"/>
-              </a:rPr>
-              <a:t>"sub1"</a:t>
-            </a:r>
-            <a:r>
-              <a:rPr lang="de-AT" b="0" dirty="0">
-                <a:solidFill>
-                  <a:srgbClr val="CCCCCC"/>
-                </a:solidFill>
-                <a:effectLst/>
-                <a:latin typeface="Menlo" panose="020B0609030804020204" pitchFamily="49" charset="0"/>
-              </a:rPr>
-              <a:t>}))</a:t>
-            </a:r>
-          </a:p>
-          <a:p>
-            <a:pPr marL="0" indent="0">
-              <a:buNone/>
-            </a:pPr>
-            <a:r>
-              <a:rPr lang="de-AT" dirty="0">
-                <a:solidFill>
-                  <a:srgbClr val="D4D4D4"/>
-                </a:solidFill>
-                <a:latin typeface="Menlo" panose="020B0609030804020204" pitchFamily="49" charset="0"/>
-              </a:rPr>
-              <a:t>		</a:t>
-            </a:r>
-            <a:r>
-              <a:rPr lang="de-AT" b="0" dirty="0">
-                <a:solidFill>
-                  <a:srgbClr val="DCDCAA"/>
-                </a:solidFill>
-                <a:effectLst/>
-                <a:latin typeface="Menlo" panose="020B0609030804020204" pitchFamily="49" charset="0"/>
-              </a:rPr>
-              <a:t>route</a:t>
-            </a:r>
-            <a:r>
-              <a:rPr lang="de-AT" b="0" dirty="0">
-                <a:solidFill>
-                  <a:srgbClr val="CCCCCC"/>
-                </a:solidFill>
-                <a:effectLst/>
-                <a:latin typeface="Menlo" panose="020B0609030804020204" pitchFamily="49" charset="0"/>
-              </a:rPr>
-              <a:t>(</a:t>
-            </a:r>
-            <a:r>
-              <a:rPr lang="de-AT" b="0" dirty="0">
-                <a:solidFill>
-                  <a:srgbClr val="CE9178"/>
-                </a:solidFill>
-                <a:effectLst/>
-                <a:latin typeface="Menlo" panose="020B0609030804020204" pitchFamily="49" charset="0"/>
-              </a:rPr>
-              <a:t>"/sub2"</a:t>
-            </a:r>
-            <a:r>
-              <a:rPr lang="de-AT" b="0" dirty="0">
-                <a:solidFill>
-                  <a:srgbClr val="CCCCCC"/>
-                </a:solidFill>
-                <a:effectLst/>
-                <a:latin typeface="Menlo" panose="020B0609030804020204" pitchFamily="49" charset="0"/>
-              </a:rPr>
-              <a:t>, </a:t>
-            </a:r>
-            <a:r>
-              <a:rPr lang="de-AT" b="0" dirty="0">
-                <a:solidFill>
-                  <a:srgbClr val="4EC9B0"/>
-                </a:solidFill>
-                <a:effectLst/>
-                <a:latin typeface="Menlo" panose="020B0609030804020204" pitchFamily="49" charset="0"/>
-              </a:rPr>
-              <a:t>web</a:t>
-            </a:r>
-            <a:r>
-              <a:rPr lang="de-AT" b="0" dirty="0">
-                <a:solidFill>
-                  <a:srgbClr val="D4D4D4"/>
-                </a:solidFill>
-                <a:effectLst/>
-                <a:latin typeface="Menlo" panose="020B0609030804020204" pitchFamily="49" charset="0"/>
-              </a:rPr>
-              <a:t>::</a:t>
-            </a:r>
-            <a:r>
-              <a:rPr lang="de-AT" b="0" dirty="0" err="1">
-                <a:solidFill>
-                  <a:srgbClr val="DCDCAA"/>
-                </a:solidFill>
-                <a:effectLst/>
-                <a:latin typeface="Menlo" panose="020B0609030804020204" pitchFamily="49" charset="0"/>
-              </a:rPr>
-              <a:t>to</a:t>
-            </a:r>
-            <a:r>
-              <a:rPr lang="de-AT" b="0" dirty="0">
-                <a:solidFill>
-                  <a:srgbClr val="CCCCCC"/>
-                </a:solidFill>
-                <a:effectLst/>
-                <a:latin typeface="Menlo" panose="020B0609030804020204" pitchFamily="49" charset="0"/>
-              </a:rPr>
-              <a:t>(</a:t>
-            </a:r>
-            <a:r>
-              <a:rPr lang="de-AT" b="0" dirty="0">
-                <a:solidFill>
-                  <a:srgbClr val="D4D4D4"/>
-                </a:solidFill>
-                <a:effectLst/>
-                <a:latin typeface="Menlo" panose="020B0609030804020204" pitchFamily="49" charset="0"/>
-              </a:rPr>
-              <a:t>||</a:t>
-            </a:r>
-            <a:r>
-              <a:rPr lang="de-AT" b="0" dirty="0">
-                <a:solidFill>
-                  <a:srgbClr val="CCCCCC"/>
-                </a:solidFill>
-                <a:effectLst/>
-                <a:latin typeface="Menlo" panose="020B0609030804020204" pitchFamily="49" charset="0"/>
-              </a:rPr>
-              <a:t> </a:t>
-            </a:r>
-            <a:r>
-              <a:rPr lang="de-AT" b="0" dirty="0" err="1">
-                <a:solidFill>
-                  <a:srgbClr val="569CD6"/>
-                </a:solidFill>
-                <a:effectLst/>
-                <a:latin typeface="Menlo" panose="020B0609030804020204" pitchFamily="49" charset="0"/>
-              </a:rPr>
-              <a:t>async</a:t>
-            </a:r>
-            <a:r>
-              <a:rPr lang="de-AT" b="0" dirty="0">
-                <a:solidFill>
-                  <a:srgbClr val="CCCCCC"/>
-                </a:solidFill>
-                <a:effectLst/>
-                <a:latin typeface="Menlo" panose="020B0609030804020204" pitchFamily="49" charset="0"/>
-              </a:rPr>
-              <a:t> {</a:t>
-            </a:r>
-            <a:r>
-              <a:rPr lang="de-AT" b="0" dirty="0">
-                <a:solidFill>
-                  <a:srgbClr val="CE9178"/>
-                </a:solidFill>
-                <a:effectLst/>
-                <a:latin typeface="Menlo" panose="020B0609030804020204" pitchFamily="49" charset="0"/>
-              </a:rPr>
-              <a:t>"sub2"</a:t>
-            </a:r>
-            <a:r>
-              <a:rPr lang="de-AT" b="0" dirty="0">
-                <a:solidFill>
-                  <a:srgbClr val="CCCCCC"/>
-                </a:solidFill>
-                <a:effectLst/>
-                <a:latin typeface="Menlo" panose="020B0609030804020204" pitchFamily="49" charset="0"/>
-              </a:rPr>
-              <a:t>}))</a:t>
-            </a:r>
-          </a:p>
-          <a:p>
-            <a:pPr marL="0" indent="0">
-              <a:buNone/>
-            </a:pPr>
-            <a:r>
-              <a:rPr lang="de-AT" b="0" dirty="0">
-                <a:solidFill>
-                  <a:srgbClr val="CCCCCC"/>
-                </a:solidFill>
-                <a:effectLst/>
-                <a:latin typeface="Menlo" panose="020B0609030804020204" pitchFamily="49" charset="0"/>
-              </a:rPr>
-              <a:t>)</a:t>
-            </a:r>
-          </a:p>
-          <a:p>
-            <a:pPr marL="0" indent="0">
-              <a:buNone/>
-            </a:pPr>
-            <a:endParaRPr lang="de-DE" dirty="0"/>
-          </a:p>
-        </p:txBody>
-      </p:sp>
-    </p:spTree>
-    <p:extLst>
-      <p:ext uri="{BB962C8B-B14F-4D97-AF65-F5344CB8AC3E}">
-        <p14:creationId xmlns:p14="http://schemas.microsoft.com/office/powerpoint/2010/main" val="3996451288"/>
-      </p:ext>
-    </p:extLst>
-  </p:cSld>
-  <p:clrMapOvr>
-    <a:masterClrMapping/>
-  </p:clrMapOvr>
-</p:sld>
-</file>
-
-<file path=ppt/slides/slide12.xml><?xml version="1.0" encoding="utf-8"?>
-<p:sld xmlns:a="http://schemas.openxmlformats.org/drawingml/2006/main" xmlns:r="http://schemas.openxmlformats.org/officeDocument/2006/relationships" xmlns:p="http://schemas.openxmlformats.org/presentationml/2006/main">
-  <p:cSld>
-    <p:spTree>
-      <p:nvGrpSpPr>
-        <p:cNvPr id="1" name=""/>
-        <p:cNvGrpSpPr/>
-        <p:nvPr/>
-      </p:nvGrpSpPr>
-      <p:grpSpPr>
-        <a:xfrm>
-          <a:off x="0" y="0"/>
-          <a:ext cx="0" cy="0"/>
-          <a:chOff x="0" y="0"/>
-          <a:chExt cx="0" cy="0"/>
-        </a:xfrm>
-      </p:grpSpPr>
-      <p:sp>
-        <p:nvSpPr>
-          <p:cNvPr id="2" name="Titel 1">
-            <a:extLst>
-              <a:ext uri="{FF2B5EF4-FFF2-40B4-BE49-F238E27FC236}">
                 <a16:creationId xmlns:a16="http://schemas.microsoft.com/office/drawing/2014/main" id="{751842EB-203D-FD96-6EDF-06C32DE3C360}"/>
               </a:ext>
             </a:extLst>
@@ -6664,7 +5929,7 @@
 </p:sld>
 </file>
 
-<file path=ppt/slides/slide13.xml><?xml version="1.0" encoding="utf-8"?>
+<file path=ppt/slides/slide11.xml><?xml version="1.0" encoding="utf-8"?>
 <p:sld xmlns:a="http://schemas.openxmlformats.org/drawingml/2006/main" xmlns:r="http://schemas.openxmlformats.org/officeDocument/2006/relationships" xmlns:p="http://schemas.openxmlformats.org/presentationml/2006/main">
   <p:cSld>
     <p:spTree>
@@ -7328,7 +6593,7 @@
 </p:sld>
 </file>
 
-<file path=ppt/slides/slide14.xml><?xml version="1.0" encoding="utf-8"?>
+<file path=ppt/slides/slide12.xml><?xml version="1.0" encoding="utf-8"?>
 <p:sld xmlns:a="http://schemas.openxmlformats.org/drawingml/2006/main" xmlns:r="http://schemas.openxmlformats.org/officeDocument/2006/relationships" xmlns:p="http://schemas.openxmlformats.org/presentationml/2006/main">
   <p:cSld>
     <p:spTree>
@@ -8272,7 +7537,7 @@
 </p:sld>
 </file>
 
-<file path=ppt/slides/slide15.xml><?xml version="1.0" encoding="utf-8"?>
+<file path=ppt/slides/slide13.xml><?xml version="1.0" encoding="utf-8"?>
 <p:sld xmlns:a="http://schemas.openxmlformats.org/drawingml/2006/main" xmlns:r="http://schemas.openxmlformats.org/officeDocument/2006/relationships" xmlns:p="http://schemas.openxmlformats.org/presentationml/2006/main">
   <p:cSld>
     <p:spTree>
@@ -8554,7 +7819,7 @@
 </p:sld>
 </file>
 
-<file path=ppt/slides/slide16.xml><?xml version="1.0" encoding="utf-8"?>
+<file path=ppt/slides/slide14.xml><?xml version="1.0" encoding="utf-8"?>
 <p:sld xmlns:a="http://schemas.openxmlformats.org/drawingml/2006/main" xmlns:r="http://schemas.openxmlformats.org/officeDocument/2006/relationships" xmlns:p="http://schemas.openxmlformats.org/presentationml/2006/main">
   <p:cSld>
     <p:spTree>
@@ -9000,7 +8265,7 @@
 </p:sld>
 </file>
 
-<file path=ppt/slides/slide17.xml><?xml version="1.0" encoding="utf-8"?>
+<file path=ppt/slides/slide15.xml><?xml version="1.0" encoding="utf-8"?>
 <p:sld xmlns:a="http://schemas.openxmlformats.org/drawingml/2006/main" xmlns:r="http://schemas.openxmlformats.org/officeDocument/2006/relationships" xmlns:p="http://schemas.openxmlformats.org/presentationml/2006/main">
   <p:cSld>
     <p:spTree>
@@ -9133,7 +8398,7 @@
 </p:sld>
 </file>
 
-<file path=ppt/slides/slide18.xml><?xml version="1.0" encoding="utf-8"?>
+<file path=ppt/slides/slide16.xml><?xml version="1.0" encoding="utf-8"?>
 <p:sld xmlns:a="http://schemas.openxmlformats.org/drawingml/2006/main" xmlns:r="http://schemas.openxmlformats.org/officeDocument/2006/relationships" xmlns:p="http://schemas.openxmlformats.org/presentationml/2006/main">
   <p:cSld>
     <p:spTree>
@@ -10649,508 +9914,6 @@
 </file>
 
 <file path=ppt/slides/slide5.xml><?xml version="1.0" encoding="utf-8"?>
-<p:sld xmlns:a="http://schemas.openxmlformats.org/drawingml/2006/main" xmlns:r="http://schemas.openxmlformats.org/officeDocument/2006/relationships" xmlns:p="http://schemas.openxmlformats.org/presentationml/2006/main">
-  <p:cSld>
-    <p:spTree>
-      <p:nvGrpSpPr>
-        <p:cNvPr id="1" name=""/>
-        <p:cNvGrpSpPr/>
-        <p:nvPr/>
-      </p:nvGrpSpPr>
-      <p:grpSpPr>
-        <a:xfrm>
-          <a:off x="0" y="0"/>
-          <a:ext cx="0" cy="0"/>
-          <a:chOff x="0" y="0"/>
-          <a:chExt cx="0" cy="0"/>
-        </a:xfrm>
-      </p:grpSpPr>
-      <p:sp>
-        <p:nvSpPr>
-          <p:cNvPr id="3" name="Untertitel 2">
-            <a:extLst>
-              <a:ext uri="{FF2B5EF4-FFF2-40B4-BE49-F238E27FC236}">
-                <a16:creationId xmlns:a16="http://schemas.microsoft.com/office/drawing/2014/main" id="{91D3E1D6-4E92-3CF3-79A0-C3D06EECF650}"/>
-              </a:ext>
-            </a:extLst>
-          </p:cNvPr>
-          <p:cNvSpPr>
-            <a:spLocks noGrp="1"/>
-          </p:cNvSpPr>
-          <p:nvPr>
-            <p:ph type="subTitle" idx="1"/>
-          </p:nvPr>
-        </p:nvSpPr>
-        <p:spPr>
-          <a:xfrm>
-            <a:off x="1524000" y="2563345"/>
-            <a:ext cx="9144000" cy="1655762"/>
-          </a:xfrm>
-        </p:spPr>
-        <p:txBody>
-          <a:bodyPr/>
-          <a:lstStyle/>
-          <a:p>
-            <a:r>
-              <a:rPr lang="de-DE" sz="4000" dirty="0"/>
-              <a:t>URI-Path   -&gt;   Handler </a:t>
-            </a:r>
-            <a:r>
-              <a:rPr lang="de-DE" sz="4000" dirty="0" err="1"/>
-              <a:t>Function</a:t>
-            </a:r>
-            <a:endParaRPr lang="de-DE" sz="4000" dirty="0"/>
-          </a:p>
-          <a:p>
-            <a:r>
-              <a:rPr lang="de-AT" sz="4000" b="0" dirty="0">
-                <a:solidFill>
-                  <a:srgbClr val="CE9178"/>
-                </a:solidFill>
-                <a:effectLst/>
-                <a:latin typeface="Menlo" panose="020B0609030804020204" pitchFamily="49" charset="0"/>
-              </a:rPr>
-              <a:t>"/"</a:t>
-            </a:r>
-            <a:r>
-              <a:rPr lang="de-AT" sz="4000" b="0" dirty="0">
-                <a:solidFill>
-                  <a:srgbClr val="CCCCCC"/>
-                </a:solidFill>
-                <a:effectLst/>
-                <a:latin typeface="Menlo" panose="020B0609030804020204" pitchFamily="49" charset="0"/>
-              </a:rPr>
-              <a:t> </a:t>
-            </a:r>
-            <a:r>
-              <a:rPr lang="de-AT" sz="4000" b="0" dirty="0">
-                <a:solidFill>
-                  <a:srgbClr val="D4D4D4"/>
-                </a:solidFill>
-                <a:effectLst/>
-                <a:latin typeface="Menlo" panose="020B0609030804020204" pitchFamily="49" charset="0"/>
-              </a:rPr>
-              <a:t>-&gt;</a:t>
-            </a:r>
-            <a:r>
-              <a:rPr lang="de-AT" sz="4000" b="0" dirty="0">
-                <a:solidFill>
-                  <a:srgbClr val="CCCCCC"/>
-                </a:solidFill>
-                <a:effectLst/>
-                <a:latin typeface="Menlo" panose="020B0609030804020204" pitchFamily="49" charset="0"/>
-              </a:rPr>
-              <a:t> </a:t>
-            </a:r>
-            <a:r>
-              <a:rPr lang="de-AT" sz="4000" b="0" dirty="0" err="1">
-                <a:solidFill>
-                  <a:srgbClr val="569CD6"/>
-                </a:solidFill>
-                <a:effectLst/>
-                <a:latin typeface="Menlo" panose="020B0609030804020204" pitchFamily="49" charset="0"/>
-              </a:rPr>
-              <a:t>fn</a:t>
-            </a:r>
-            <a:r>
-              <a:rPr lang="de-AT" sz="4000" b="0" dirty="0">
-                <a:solidFill>
-                  <a:srgbClr val="CCCCCC"/>
-                </a:solidFill>
-                <a:effectLst/>
-                <a:latin typeface="Menlo" panose="020B0609030804020204" pitchFamily="49" charset="0"/>
-              </a:rPr>
-              <a:t>()</a:t>
-            </a:r>
-          </a:p>
-          <a:p>
-            <a:endParaRPr lang="de-DE" dirty="0"/>
-          </a:p>
-        </p:txBody>
-      </p:sp>
-      <p:sp>
-        <p:nvSpPr>
-          <p:cNvPr id="4" name="Titel 1">
-            <a:extLst>
-              <a:ext uri="{FF2B5EF4-FFF2-40B4-BE49-F238E27FC236}">
-                <a16:creationId xmlns:a16="http://schemas.microsoft.com/office/drawing/2014/main" id="{76921599-2561-271E-E65E-2F68BE59417A}"/>
-              </a:ext>
-            </a:extLst>
-          </p:cNvPr>
-          <p:cNvSpPr txBox="1">
-            <a:spLocks/>
-          </p:cNvSpPr>
-          <p:nvPr/>
-        </p:nvSpPr>
-        <p:spPr>
-          <a:xfrm>
-            <a:off x="838200" y="365125"/>
-            <a:ext cx="10515600" cy="1325563"/>
-          </a:xfrm>
-          <a:prstGeom prst="rect">
-            <a:avLst/>
-          </a:prstGeom>
-        </p:spPr>
-        <p:txBody>
-          <a:bodyPr vert="horz" lIns="91440" tIns="45720" rIns="91440" bIns="45720" rtlCol="0" anchor="b">
-            <a:normAutofit/>
-          </a:bodyPr>
-          <a:lstStyle>
-            <a:lvl1pPr algn="ctr" defTabSz="914400" rtl="0" eaLnBrk="1" latinLnBrk="0" hangingPunct="1">
-              <a:lnSpc>
-                <a:spcPct val="90000"/>
-              </a:lnSpc>
-              <a:spcBef>
-                <a:spcPct val="0"/>
-              </a:spcBef>
-              <a:buNone/>
-              <a:defRPr sz="6000" kern="1200">
-                <a:solidFill>
-                  <a:schemeClr val="tx1"/>
-                </a:solidFill>
-                <a:latin typeface="+mj-lt"/>
-                <a:ea typeface="+mj-ea"/>
-                <a:cs typeface="+mj-cs"/>
-              </a:defRPr>
-            </a:lvl1pPr>
-          </a:lstStyle>
-          <a:p>
-            <a:pPr algn="l"/>
-            <a:r>
-              <a:rPr lang="de-DE" sz="4400" dirty="0"/>
-              <a:t>Route Registration</a:t>
-            </a:r>
-            <a:endParaRPr lang="de-AT" sz="4400" dirty="0"/>
-          </a:p>
-        </p:txBody>
-      </p:sp>
-    </p:spTree>
-    <p:extLst>
-      <p:ext uri="{BB962C8B-B14F-4D97-AF65-F5344CB8AC3E}">
-        <p14:creationId xmlns:p14="http://schemas.microsoft.com/office/powerpoint/2010/main" val="1296110748"/>
-      </p:ext>
-    </p:extLst>
-  </p:cSld>
-  <p:clrMapOvr>
-    <a:masterClrMapping/>
-  </p:clrMapOvr>
-</p:sld>
-</file>
-
-<file path=ppt/slides/slide6.xml><?xml version="1.0" encoding="utf-8"?>
-<p:sld xmlns:a="http://schemas.openxmlformats.org/drawingml/2006/main" xmlns:r="http://schemas.openxmlformats.org/officeDocument/2006/relationships" xmlns:p="http://schemas.openxmlformats.org/presentationml/2006/main">
-  <p:cSld>
-    <p:spTree>
-      <p:nvGrpSpPr>
-        <p:cNvPr id="1" name=""/>
-        <p:cNvGrpSpPr/>
-        <p:nvPr/>
-      </p:nvGrpSpPr>
-      <p:grpSpPr>
-        <a:xfrm>
-          <a:off x="0" y="0"/>
-          <a:ext cx="0" cy="0"/>
-          <a:chOff x="0" y="0"/>
-          <a:chExt cx="0" cy="0"/>
-        </a:xfrm>
-      </p:grpSpPr>
-      <p:sp>
-        <p:nvSpPr>
-          <p:cNvPr id="2" name="Titel 1">
-            <a:extLst>
-              <a:ext uri="{FF2B5EF4-FFF2-40B4-BE49-F238E27FC236}">
-                <a16:creationId xmlns:a16="http://schemas.microsoft.com/office/drawing/2014/main" id="{4242A11C-A257-C995-6CD7-1D3DB47CF9C6}"/>
-              </a:ext>
-            </a:extLst>
-          </p:cNvPr>
-          <p:cNvSpPr>
-            <a:spLocks noGrp="1"/>
-          </p:cNvSpPr>
-          <p:nvPr>
-            <p:ph type="title"/>
-          </p:nvPr>
-        </p:nvSpPr>
-        <p:spPr/>
-        <p:txBody>
-          <a:bodyPr/>
-          <a:lstStyle/>
-          <a:p>
-            <a:r>
-              <a:rPr lang="de-DE" dirty="0"/>
-              <a:t>Handler </a:t>
-            </a:r>
-            <a:r>
-              <a:rPr lang="de-DE" dirty="0" err="1"/>
-              <a:t>Function</a:t>
-            </a:r>
-            <a:endParaRPr lang="de-AT" dirty="0"/>
-          </a:p>
-        </p:txBody>
-      </p:sp>
-      <p:sp>
-        <p:nvSpPr>
-          <p:cNvPr id="3" name="Inhaltsplatzhalter 2">
-            <a:extLst>
-              <a:ext uri="{FF2B5EF4-FFF2-40B4-BE49-F238E27FC236}">
-                <a16:creationId xmlns:a16="http://schemas.microsoft.com/office/drawing/2014/main" id="{95E13109-FCD1-36ED-E008-4E791B558A93}"/>
-              </a:ext>
-            </a:extLst>
-          </p:cNvPr>
-          <p:cNvSpPr>
-            <a:spLocks noGrp="1"/>
-          </p:cNvSpPr>
-          <p:nvPr>
-            <p:ph idx="1"/>
-          </p:nvPr>
-        </p:nvSpPr>
-        <p:spPr/>
-        <p:txBody>
-          <a:bodyPr/>
-          <a:lstStyle/>
-          <a:p>
-            <a:pPr marL="0" indent="0">
-              <a:buNone/>
-            </a:pPr>
-            <a:r>
-              <a:rPr lang="de-DE" dirty="0" err="1"/>
-              <a:t>Requirements</a:t>
-            </a:r>
-            <a:r>
-              <a:rPr lang="de-DE" dirty="0"/>
-              <a:t>:</a:t>
-            </a:r>
-          </a:p>
-          <a:p>
-            <a:pPr marL="0" indent="0">
-              <a:buNone/>
-            </a:pPr>
-            <a:endParaRPr lang="de-DE" dirty="0"/>
-          </a:p>
-          <a:p>
-            <a:pPr marL="0" indent="0">
-              <a:buNone/>
-            </a:pPr>
-            <a:r>
-              <a:rPr lang="de-DE" sz="2400" dirty="0"/>
-              <a:t>	-&gt; </a:t>
-            </a:r>
-            <a:r>
-              <a:rPr lang="de-DE" sz="2400" dirty="0" err="1"/>
-              <a:t>Has</a:t>
-            </a:r>
-            <a:r>
-              <a:rPr lang="de-DE" sz="2400" dirty="0"/>
-              <a:t> </a:t>
-            </a:r>
-            <a:r>
-              <a:rPr lang="de-DE" sz="2400" dirty="0" err="1"/>
-              <a:t>to</a:t>
-            </a:r>
-            <a:r>
-              <a:rPr lang="de-DE" sz="2400" dirty="0"/>
-              <a:t> </a:t>
-            </a:r>
-            <a:r>
-              <a:rPr lang="de-DE" sz="2400" dirty="0" err="1"/>
-              <a:t>be</a:t>
-            </a:r>
-            <a:r>
-              <a:rPr lang="de-DE" sz="2400" dirty="0"/>
-              <a:t> an </a:t>
-            </a:r>
-            <a:r>
-              <a:rPr lang="de-DE" sz="2400" dirty="0" err="1"/>
-              <a:t>async</a:t>
-            </a:r>
-            <a:r>
-              <a:rPr lang="de-DE" sz="2400" dirty="0"/>
-              <a:t> </a:t>
-            </a:r>
-            <a:r>
-              <a:rPr lang="de-DE" sz="2400" dirty="0" err="1"/>
-              <a:t>Function</a:t>
-            </a:r>
-            <a:r>
-              <a:rPr lang="de-DE" sz="2400" dirty="0"/>
-              <a:t> </a:t>
-            </a:r>
-            <a:r>
-              <a:rPr lang="de-DE" sz="2400" dirty="0" err="1"/>
-              <a:t>or</a:t>
-            </a:r>
-            <a:r>
-              <a:rPr lang="de-DE" sz="2400" dirty="0"/>
-              <a:t> a </a:t>
-            </a:r>
-            <a:r>
-              <a:rPr lang="de-DE" sz="2400" dirty="0" err="1"/>
-              <a:t>closure</a:t>
-            </a:r>
-            <a:r>
-              <a:rPr lang="de-DE" sz="2400" dirty="0"/>
-              <a:t> </a:t>
-            </a:r>
-            <a:r>
-              <a:rPr lang="de-DE" sz="2400" dirty="0" err="1"/>
-              <a:t>that</a:t>
-            </a:r>
-            <a:r>
-              <a:rPr lang="de-DE" sz="2400" dirty="0"/>
-              <a:t> </a:t>
-            </a:r>
-            <a:r>
-              <a:rPr lang="de-DE" sz="2400" dirty="0" err="1"/>
-              <a:t>returns</a:t>
-            </a:r>
-            <a:r>
-              <a:rPr lang="de-DE" sz="2400" dirty="0"/>
-              <a:t> a Future</a:t>
-            </a:r>
-          </a:p>
-          <a:p>
-            <a:pPr marL="0" indent="0">
-              <a:buNone/>
-            </a:pPr>
-            <a:r>
-              <a:rPr lang="de-DE" sz="2400" dirty="0"/>
-              <a:t>	-&gt; Args </a:t>
-            </a:r>
-            <a:r>
-              <a:rPr lang="de-DE" sz="2400" dirty="0" err="1"/>
-              <a:t>Datatypes</a:t>
-            </a:r>
-            <a:r>
-              <a:rPr lang="de-DE" sz="2400" dirty="0"/>
-              <a:t> </a:t>
-            </a:r>
-            <a:r>
-              <a:rPr lang="de-DE" sz="2400" dirty="0" err="1"/>
-              <a:t>must</a:t>
-            </a:r>
-            <a:r>
-              <a:rPr lang="de-DE" sz="2400" dirty="0"/>
-              <a:t> </a:t>
-            </a:r>
-            <a:r>
-              <a:rPr lang="de-DE" sz="2400" dirty="0" err="1"/>
-              <a:t>implement</a:t>
-            </a:r>
-            <a:r>
-              <a:rPr lang="de-DE" sz="2400" dirty="0"/>
-              <a:t> </a:t>
-            </a:r>
-            <a:r>
-              <a:rPr lang="de-DE" sz="2400" dirty="0" err="1"/>
-              <a:t>FromRequest</a:t>
-            </a:r>
-            <a:r>
-              <a:rPr lang="de-DE" sz="2400" dirty="0"/>
-              <a:t> </a:t>
-            </a:r>
-            <a:r>
-              <a:rPr lang="de-DE" sz="2400" dirty="0" err="1"/>
-              <a:t>trait</a:t>
-            </a:r>
-            <a:endParaRPr lang="de-DE" sz="2400" dirty="0"/>
-          </a:p>
-          <a:p>
-            <a:pPr marL="0" indent="0">
-              <a:buNone/>
-            </a:pPr>
-            <a:r>
-              <a:rPr lang="de-DE" sz="2400" dirty="0"/>
-              <a:t>	-&gt; Return type </a:t>
-            </a:r>
-            <a:r>
-              <a:rPr lang="de-DE" sz="2400" dirty="0" err="1"/>
-              <a:t>implements</a:t>
-            </a:r>
-            <a:r>
-              <a:rPr lang="de-DE" sz="2400" dirty="0"/>
-              <a:t> </a:t>
-            </a:r>
-            <a:r>
-              <a:rPr lang="de-DE" sz="2400" dirty="0" err="1"/>
-              <a:t>the</a:t>
-            </a:r>
-            <a:r>
-              <a:rPr lang="de-DE" sz="2400" dirty="0"/>
-              <a:t> Responder </a:t>
-            </a:r>
-            <a:r>
-              <a:rPr lang="de-DE" sz="2400" dirty="0" err="1"/>
-              <a:t>trait</a:t>
-            </a:r>
-            <a:r>
-              <a:rPr lang="de-DE" sz="2400" dirty="0"/>
-              <a:t> (</a:t>
-            </a:r>
-            <a:r>
-              <a:rPr lang="de-DE" sz="2400" dirty="0" err="1"/>
-              <a:t>or</a:t>
-            </a:r>
-            <a:r>
-              <a:rPr lang="de-DE" sz="2400" dirty="0"/>
-              <a:t> </a:t>
-            </a:r>
-            <a:r>
-              <a:rPr lang="de-DE" sz="2400" dirty="0" err="1"/>
-              <a:t>can</a:t>
-            </a:r>
-            <a:r>
-              <a:rPr lang="de-DE" sz="2400" dirty="0"/>
-              <a:t> </a:t>
-            </a:r>
-            <a:r>
-              <a:rPr lang="de-DE" sz="2400" dirty="0" err="1"/>
-              <a:t>be</a:t>
-            </a:r>
-            <a:r>
-              <a:rPr lang="de-DE" sz="2400" dirty="0"/>
-              <a:t> </a:t>
-            </a:r>
-            <a:r>
-              <a:rPr lang="de-DE" sz="2400" dirty="0" err="1"/>
-              <a:t>turned</a:t>
-            </a:r>
-            <a:r>
-              <a:rPr lang="de-DE" sz="2400" dirty="0"/>
-              <a:t> </a:t>
-            </a:r>
-            <a:r>
-              <a:rPr lang="de-DE" sz="2400" dirty="0" err="1"/>
-              <a:t>into</a:t>
-            </a:r>
-            <a:r>
-              <a:rPr lang="de-DE" sz="2400" dirty="0"/>
-              <a:t> a valid 	    </a:t>
-            </a:r>
-            <a:r>
-              <a:rPr lang="de-DE" sz="2400" dirty="0" err="1"/>
-              <a:t>HttpResponse</a:t>
-            </a:r>
-            <a:r>
-              <a:rPr lang="de-DE" sz="2400" dirty="0"/>
-              <a:t>)</a:t>
-            </a:r>
-            <a:endParaRPr lang="de-AT" sz="2400" dirty="0"/>
-          </a:p>
-        </p:txBody>
-      </p:sp>
-    </p:spTree>
-    <p:extLst>
-      <p:ext uri="{BB962C8B-B14F-4D97-AF65-F5344CB8AC3E}">
-        <p14:creationId xmlns:p14="http://schemas.microsoft.com/office/powerpoint/2010/main" val="2132812502"/>
-      </p:ext>
-    </p:extLst>
-  </p:cSld>
-  <p:clrMapOvr>
-    <a:masterClrMapping/>
-  </p:clrMapOvr>
-</p:sld>
-</file>
-
-<file path=ppt/slides/slide7.xml><?xml version="1.0" encoding="utf-8"?>
 <p:sld xmlns:a="http://schemas.openxmlformats.org/drawingml/2006/main" xmlns:r="http://schemas.openxmlformats.org/officeDocument/2006/relationships" xmlns:p="http://schemas.openxmlformats.org/presentationml/2006/main">
   <p:cSld>
     <p:spTree>
@@ -11663,7 +10426,7 @@
 </p:sld>
 </file>
 
-<file path=ppt/slides/slide8.xml><?xml version="1.0" encoding="utf-8"?>
+<file path=ppt/slides/slide6.xml><?xml version="1.0" encoding="utf-8"?>
 <p:sld xmlns:a="http://schemas.openxmlformats.org/drawingml/2006/main" xmlns:r="http://schemas.openxmlformats.org/officeDocument/2006/relationships" xmlns:p="http://schemas.openxmlformats.org/presentationml/2006/main">
   <p:cSld>
     <p:spTree>
@@ -12228,7 +10991,7 @@
 </p:sld>
 </file>
 
-<file path=ppt/slides/slide9.xml><?xml version="1.0" encoding="utf-8"?>
+<file path=ppt/slides/slide7.xml><?xml version="1.0" encoding="utf-8"?>
 <p:sld xmlns:a="http://schemas.openxmlformats.org/drawingml/2006/main" xmlns:r="http://schemas.openxmlformats.org/officeDocument/2006/relationships" xmlns:p="http://schemas.openxmlformats.org/presentationml/2006/main">
   <p:cSld>
     <p:spTree>
@@ -12696,6 +11459,739 @@
     <p:extLst>
       <p:ext uri="{BB962C8B-B14F-4D97-AF65-F5344CB8AC3E}">
         <p14:creationId xmlns:p14="http://schemas.microsoft.com/office/powerpoint/2010/main" val="3208059671"/>
+      </p:ext>
+    </p:extLst>
+  </p:cSld>
+  <p:clrMapOvr>
+    <a:masterClrMapping/>
+  </p:clrMapOvr>
+</p:sld>
+</file>
+
+<file path=ppt/slides/slide8.xml><?xml version="1.0" encoding="utf-8"?>
+<p:sld xmlns:a="http://schemas.openxmlformats.org/drawingml/2006/main" xmlns:r="http://schemas.openxmlformats.org/officeDocument/2006/relationships" xmlns:p="http://schemas.openxmlformats.org/presentationml/2006/main">
+  <p:cSld>
+    <p:spTree>
+      <p:nvGrpSpPr>
+        <p:cNvPr id="1" name=""/>
+        <p:cNvGrpSpPr/>
+        <p:nvPr/>
+      </p:nvGrpSpPr>
+      <p:grpSpPr>
+        <a:xfrm>
+          <a:off x="0" y="0"/>
+          <a:ext cx="0" cy="0"/>
+          <a:chOff x="0" y="0"/>
+          <a:chExt cx="0" cy="0"/>
+        </a:xfrm>
+      </p:grpSpPr>
+      <p:sp>
+        <p:nvSpPr>
+          <p:cNvPr id="2" name="Titel 1">
+            <a:extLst>
+              <a:ext uri="{FF2B5EF4-FFF2-40B4-BE49-F238E27FC236}">
+                <a16:creationId xmlns:a16="http://schemas.microsoft.com/office/drawing/2014/main" id="{A2133C53-ACA7-77D9-1892-A1D212AB4255}"/>
+              </a:ext>
+            </a:extLst>
+          </p:cNvPr>
+          <p:cNvSpPr>
+            <a:spLocks noGrp="1"/>
+          </p:cNvSpPr>
+          <p:nvPr>
+            <p:ph type="title"/>
+          </p:nvPr>
+        </p:nvSpPr>
+        <p:spPr/>
+        <p:txBody>
+          <a:bodyPr/>
+          <a:lstStyle/>
+          <a:p>
+            <a:r>
+              <a:rPr lang="de-DE" dirty="0" err="1"/>
+              <a:t>Types</a:t>
+            </a:r>
+            <a:r>
+              <a:rPr lang="de-DE" dirty="0"/>
+              <a:t> and </a:t>
+            </a:r>
+            <a:r>
+              <a:rPr lang="de-DE" dirty="0" err="1"/>
+              <a:t>structs</a:t>
+            </a:r>
+            <a:r>
+              <a:rPr lang="de-DE" dirty="0"/>
+              <a:t> </a:t>
+            </a:r>
+            <a:r>
+              <a:rPr lang="de-DE" dirty="0" err="1"/>
+              <a:t>that</a:t>
+            </a:r>
+            <a:r>
+              <a:rPr lang="de-DE" dirty="0"/>
+              <a:t> </a:t>
+            </a:r>
+            <a:r>
+              <a:rPr lang="de-DE" dirty="0" err="1"/>
+              <a:t>implement</a:t>
+            </a:r>
+            <a:r>
+              <a:rPr lang="de-DE" dirty="0"/>
+              <a:t> Responder </a:t>
+            </a:r>
+            <a:r>
+              <a:rPr lang="de-DE" dirty="0" err="1"/>
+              <a:t>by</a:t>
+            </a:r>
+            <a:r>
+              <a:rPr lang="de-DE" dirty="0"/>
+              <a:t> </a:t>
+            </a:r>
+            <a:r>
+              <a:rPr lang="de-DE" dirty="0" err="1"/>
+              <a:t>default</a:t>
+            </a:r>
+            <a:endParaRPr lang="de-AT" dirty="0"/>
+          </a:p>
+        </p:txBody>
+      </p:sp>
+      <p:pic>
+        <p:nvPicPr>
+          <p:cNvPr id="5" name="Inhaltsplatzhalter 4">
+            <a:extLst>
+              <a:ext uri="{FF2B5EF4-FFF2-40B4-BE49-F238E27FC236}">
+                <a16:creationId xmlns:a16="http://schemas.microsoft.com/office/drawing/2014/main" id="{20D04653-4006-179C-3B0C-1691271C92B4}"/>
+              </a:ext>
+            </a:extLst>
+          </p:cNvPr>
+          <p:cNvPicPr>
+            <a:picLocks noGrp="1" noChangeAspect="1"/>
+          </p:cNvPicPr>
+          <p:nvPr>
+            <p:ph idx="1"/>
+          </p:nvPr>
+        </p:nvPicPr>
+        <p:blipFill>
+          <a:blip r:embed="rId2"/>
+          <a:stretch>
+            <a:fillRect/>
+          </a:stretch>
+        </p:blipFill>
+        <p:spPr>
+          <a:xfrm>
+            <a:off x="838199" y="1902598"/>
+            <a:ext cx="8174269" cy="3637063"/>
+          </a:xfrm>
+        </p:spPr>
+      </p:pic>
+    </p:spTree>
+    <p:extLst>
+      <p:ext uri="{BB962C8B-B14F-4D97-AF65-F5344CB8AC3E}">
+        <p14:creationId xmlns:p14="http://schemas.microsoft.com/office/powerpoint/2010/main" val="2410797446"/>
+      </p:ext>
+    </p:extLst>
+  </p:cSld>
+  <p:clrMapOvr>
+    <a:masterClrMapping/>
+  </p:clrMapOvr>
+</p:sld>
+</file>
+
+<file path=ppt/slides/slide9.xml><?xml version="1.0" encoding="utf-8"?>
+<p:sld xmlns:a="http://schemas.openxmlformats.org/drawingml/2006/main" xmlns:r="http://schemas.openxmlformats.org/officeDocument/2006/relationships" xmlns:p="http://schemas.openxmlformats.org/presentationml/2006/main">
+  <p:cSld>
+    <p:spTree>
+      <p:nvGrpSpPr>
+        <p:cNvPr id="1" name=""/>
+        <p:cNvGrpSpPr/>
+        <p:nvPr/>
+      </p:nvGrpSpPr>
+      <p:grpSpPr>
+        <a:xfrm>
+          <a:off x="0" y="0"/>
+          <a:ext cx="0" cy="0"/>
+          <a:chOff x="0" y="0"/>
+          <a:chExt cx="0" cy="0"/>
+        </a:xfrm>
+      </p:grpSpPr>
+      <p:sp>
+        <p:nvSpPr>
+          <p:cNvPr id="2" name="Titel 1">
+            <a:extLst>
+              <a:ext uri="{FF2B5EF4-FFF2-40B4-BE49-F238E27FC236}">
+                <a16:creationId xmlns:a16="http://schemas.microsoft.com/office/drawing/2014/main" id="{DE28BBC6-A8B3-01DD-B469-C9EC43354124}"/>
+              </a:ext>
+            </a:extLst>
+          </p:cNvPr>
+          <p:cNvSpPr>
+            <a:spLocks noGrp="1"/>
+          </p:cNvSpPr>
+          <p:nvPr>
+            <p:ph type="title"/>
+          </p:nvPr>
+        </p:nvSpPr>
+        <p:spPr/>
+        <p:txBody>
+          <a:bodyPr/>
+          <a:lstStyle/>
+          <a:p>
+            <a:r>
+              <a:rPr lang="de-DE" dirty="0" err="1"/>
+              <a:t>Defining</a:t>
+            </a:r>
+            <a:r>
+              <a:rPr lang="de-DE" dirty="0"/>
+              <a:t> a </a:t>
+            </a:r>
+            <a:r>
+              <a:rPr lang="de-DE" dirty="0" err="1"/>
+              <a:t>scope</a:t>
+            </a:r>
+            <a:endParaRPr lang="de-DE" dirty="0"/>
+          </a:p>
+        </p:txBody>
+      </p:sp>
+      <p:sp>
+        <p:nvSpPr>
+          <p:cNvPr id="3" name="Inhaltsplatzhalter 2">
+            <a:extLst>
+              <a:ext uri="{FF2B5EF4-FFF2-40B4-BE49-F238E27FC236}">
+                <a16:creationId xmlns:a16="http://schemas.microsoft.com/office/drawing/2014/main" id="{B29092B3-A0B6-ADAC-CB1A-9D8A07B0A8E5}"/>
+              </a:ext>
+            </a:extLst>
+          </p:cNvPr>
+          <p:cNvSpPr>
+            <a:spLocks noGrp="1"/>
+          </p:cNvSpPr>
+          <p:nvPr>
+            <p:ph idx="1"/>
+          </p:nvPr>
+        </p:nvSpPr>
+        <p:spPr/>
+        <p:txBody>
+          <a:bodyPr>
+            <a:normAutofit fontScale="92500"/>
+          </a:bodyPr>
+          <a:lstStyle/>
+          <a:p>
+            <a:pPr marL="0" indent="0">
+              <a:buNone/>
+            </a:pPr>
+            <a:r>
+              <a:rPr lang="de-DE" dirty="0"/>
+              <a:t>Registered </a:t>
+            </a:r>
+            <a:r>
+              <a:rPr lang="de-DE" dirty="0" err="1"/>
+              <a:t>routes</a:t>
+            </a:r>
+            <a:r>
+              <a:rPr lang="de-DE" dirty="0"/>
+              <a:t> in a </a:t>
+            </a:r>
+            <a:r>
+              <a:rPr lang="de-DE" dirty="0" err="1"/>
+              <a:t>scope</a:t>
+            </a:r>
+            <a:r>
+              <a:rPr lang="de-DE" dirty="0"/>
+              <a:t> will </a:t>
+            </a:r>
+            <a:r>
+              <a:rPr lang="de-DE" dirty="0" err="1"/>
+              <a:t>share</a:t>
+            </a:r>
+            <a:r>
+              <a:rPr lang="de-DE" dirty="0"/>
+              <a:t> a </a:t>
+            </a:r>
+            <a:r>
+              <a:rPr lang="de-DE" dirty="0" err="1"/>
+              <a:t>common</a:t>
+            </a:r>
+            <a:r>
+              <a:rPr lang="de-DE" dirty="0"/>
+              <a:t> </a:t>
+            </a:r>
+            <a:r>
+              <a:rPr lang="de-DE" dirty="0" err="1"/>
+              <a:t>path</a:t>
+            </a:r>
+            <a:r>
+              <a:rPr lang="de-DE" dirty="0"/>
+              <a:t> </a:t>
+            </a:r>
+            <a:r>
+              <a:rPr lang="de-DE" dirty="0" err="1"/>
+              <a:t>prefix</a:t>
+            </a:r>
+            <a:endParaRPr lang="de-DE" dirty="0"/>
+          </a:p>
+          <a:p>
+            <a:pPr marL="0" indent="0">
+              <a:buNone/>
+            </a:pPr>
+            <a:endParaRPr lang="de-DE" dirty="0"/>
+          </a:p>
+          <a:p>
+            <a:pPr marL="0" indent="0">
+              <a:buNone/>
+            </a:pPr>
+            <a:r>
+              <a:rPr lang="de-DE" dirty="0"/>
+              <a:t>e.g.</a:t>
+            </a:r>
+          </a:p>
+          <a:p>
+            <a:pPr marL="0" indent="0">
+              <a:buNone/>
+            </a:pPr>
+            <a:endParaRPr lang="de-DE" dirty="0"/>
+          </a:p>
+          <a:p>
+            <a:pPr marL="0" indent="0">
+              <a:buNone/>
+            </a:pPr>
+            <a:r>
+              <a:rPr lang="de-AT" b="0" dirty="0" err="1">
+                <a:solidFill>
+                  <a:srgbClr val="DCDCAA"/>
+                </a:solidFill>
+                <a:effectLst/>
+                <a:latin typeface="Menlo" panose="020B0609030804020204" pitchFamily="49" charset="0"/>
+              </a:rPr>
+              <a:t>service</a:t>
+            </a:r>
+            <a:r>
+              <a:rPr lang="de-AT" b="0" dirty="0">
+                <a:solidFill>
+                  <a:srgbClr val="CCCCCC"/>
+                </a:solidFill>
+                <a:effectLst/>
+                <a:latin typeface="Menlo" panose="020B0609030804020204" pitchFamily="49" charset="0"/>
+              </a:rPr>
+              <a:t>(</a:t>
+            </a:r>
+          </a:p>
+          <a:p>
+            <a:pPr marL="0" indent="0">
+              <a:buNone/>
+            </a:pPr>
+            <a:r>
+              <a:rPr lang="de-AT" b="0" dirty="0">
+                <a:solidFill>
+                  <a:srgbClr val="4EC9B0"/>
+                </a:solidFill>
+                <a:effectLst/>
+                <a:latin typeface="Menlo" panose="020B0609030804020204" pitchFamily="49" charset="0"/>
+              </a:rPr>
+              <a:t>	web</a:t>
+            </a:r>
+            <a:r>
+              <a:rPr lang="de-AT" b="0" dirty="0">
+                <a:solidFill>
+                  <a:srgbClr val="D4D4D4"/>
+                </a:solidFill>
+                <a:effectLst/>
+                <a:latin typeface="Menlo" panose="020B0609030804020204" pitchFamily="49" charset="0"/>
+              </a:rPr>
+              <a:t>::</a:t>
+            </a:r>
+            <a:r>
+              <a:rPr lang="de-AT" b="0" dirty="0" err="1">
+                <a:solidFill>
+                  <a:srgbClr val="DCDCAA"/>
+                </a:solidFill>
+                <a:effectLst/>
+                <a:latin typeface="Menlo" panose="020B0609030804020204" pitchFamily="49" charset="0"/>
+              </a:rPr>
+              <a:t>scope</a:t>
+            </a:r>
+            <a:r>
+              <a:rPr lang="de-AT" b="0" dirty="0">
+                <a:solidFill>
+                  <a:srgbClr val="CCCCCC"/>
+                </a:solidFill>
+                <a:effectLst/>
+                <a:latin typeface="Menlo" panose="020B0609030804020204" pitchFamily="49" charset="0"/>
+              </a:rPr>
+              <a:t>(</a:t>
+            </a:r>
+            <a:r>
+              <a:rPr lang="de-AT" b="0" dirty="0">
+                <a:solidFill>
+                  <a:srgbClr val="CE9178"/>
+                </a:solidFill>
+                <a:effectLst/>
+                <a:latin typeface="Menlo" panose="020B0609030804020204" pitchFamily="49" charset="0"/>
+              </a:rPr>
+              <a:t>"/</a:t>
+            </a:r>
+            <a:r>
+              <a:rPr lang="de-AT" b="0" dirty="0" err="1">
+                <a:solidFill>
+                  <a:srgbClr val="CE9178"/>
+                </a:solidFill>
+                <a:effectLst/>
+                <a:latin typeface="Menlo" panose="020B0609030804020204" pitchFamily="49" charset="0"/>
+              </a:rPr>
+              <a:t>scope</a:t>
+            </a:r>
+            <a:r>
+              <a:rPr lang="de-AT" b="0" dirty="0">
+                <a:solidFill>
+                  <a:srgbClr val="CE9178"/>
+                </a:solidFill>
+                <a:effectLst/>
+                <a:latin typeface="Menlo" panose="020B0609030804020204" pitchFamily="49" charset="0"/>
+              </a:rPr>
+              <a:t>"</a:t>
+            </a:r>
+            <a:r>
+              <a:rPr lang="de-AT" b="0" dirty="0">
+                <a:solidFill>
+                  <a:srgbClr val="CCCCCC"/>
+                </a:solidFill>
+                <a:effectLst/>
+                <a:latin typeface="Menlo" panose="020B0609030804020204" pitchFamily="49" charset="0"/>
+              </a:rPr>
+              <a:t>) </a:t>
+            </a:r>
+          </a:p>
+          <a:p>
+            <a:pPr marL="0" indent="0">
+              <a:buNone/>
+            </a:pPr>
+            <a:r>
+              <a:rPr lang="de-AT" dirty="0">
+                <a:solidFill>
+                  <a:srgbClr val="D4D4D4"/>
+                </a:solidFill>
+                <a:latin typeface="Menlo" panose="020B0609030804020204" pitchFamily="49" charset="0"/>
+              </a:rPr>
+              <a:t>		</a:t>
+            </a:r>
+            <a:r>
+              <a:rPr lang="de-AT" b="0" dirty="0">
+                <a:solidFill>
+                  <a:srgbClr val="DCDCAA"/>
+                </a:solidFill>
+                <a:effectLst/>
+                <a:latin typeface="Menlo" panose="020B0609030804020204" pitchFamily="49" charset="0"/>
+              </a:rPr>
+              <a:t>route</a:t>
+            </a:r>
+            <a:r>
+              <a:rPr lang="de-AT" b="0" dirty="0">
+                <a:solidFill>
+                  <a:srgbClr val="CCCCCC"/>
+                </a:solidFill>
+                <a:effectLst/>
+                <a:latin typeface="Menlo" panose="020B0609030804020204" pitchFamily="49" charset="0"/>
+              </a:rPr>
+              <a:t>(</a:t>
+            </a:r>
+            <a:r>
+              <a:rPr lang="de-AT" b="0" dirty="0">
+                <a:solidFill>
+                  <a:srgbClr val="CE9178"/>
+                </a:solidFill>
+                <a:effectLst/>
+                <a:latin typeface="Menlo" panose="020B0609030804020204" pitchFamily="49" charset="0"/>
+              </a:rPr>
+              <a:t>"/sub1"</a:t>
+            </a:r>
+            <a:r>
+              <a:rPr lang="de-AT" b="0" dirty="0">
+                <a:solidFill>
+                  <a:srgbClr val="CCCCCC"/>
+                </a:solidFill>
+                <a:effectLst/>
+                <a:latin typeface="Menlo" panose="020B0609030804020204" pitchFamily="49" charset="0"/>
+              </a:rPr>
+              <a:t>, </a:t>
+            </a:r>
+            <a:r>
+              <a:rPr lang="de-AT" b="0" dirty="0">
+                <a:solidFill>
+                  <a:srgbClr val="4EC9B0"/>
+                </a:solidFill>
+                <a:effectLst/>
+                <a:latin typeface="Menlo" panose="020B0609030804020204" pitchFamily="49" charset="0"/>
+              </a:rPr>
+              <a:t>web</a:t>
+            </a:r>
+            <a:r>
+              <a:rPr lang="de-AT" b="0" dirty="0">
+                <a:solidFill>
+                  <a:srgbClr val="D4D4D4"/>
+                </a:solidFill>
+                <a:effectLst/>
+                <a:latin typeface="Menlo" panose="020B0609030804020204" pitchFamily="49" charset="0"/>
+              </a:rPr>
+              <a:t>::</a:t>
+            </a:r>
+            <a:r>
+              <a:rPr lang="de-AT" b="0" dirty="0" err="1">
+                <a:solidFill>
+                  <a:srgbClr val="DCDCAA"/>
+                </a:solidFill>
+                <a:effectLst/>
+                <a:latin typeface="Menlo" panose="020B0609030804020204" pitchFamily="49" charset="0"/>
+              </a:rPr>
+              <a:t>to</a:t>
+            </a:r>
+            <a:r>
+              <a:rPr lang="de-AT" b="0" dirty="0">
+                <a:solidFill>
+                  <a:srgbClr val="CCCCCC"/>
+                </a:solidFill>
+                <a:effectLst/>
+                <a:latin typeface="Menlo" panose="020B0609030804020204" pitchFamily="49" charset="0"/>
+              </a:rPr>
+              <a:t>(</a:t>
+            </a:r>
+            <a:r>
+              <a:rPr lang="de-AT" b="0" dirty="0">
+                <a:solidFill>
+                  <a:srgbClr val="D4D4D4"/>
+                </a:solidFill>
+                <a:effectLst/>
+                <a:latin typeface="Menlo" panose="020B0609030804020204" pitchFamily="49" charset="0"/>
+              </a:rPr>
+              <a:t>||</a:t>
+            </a:r>
+            <a:r>
+              <a:rPr lang="de-AT" b="0" dirty="0">
+                <a:solidFill>
+                  <a:srgbClr val="CCCCCC"/>
+                </a:solidFill>
+                <a:effectLst/>
+                <a:latin typeface="Menlo" panose="020B0609030804020204" pitchFamily="49" charset="0"/>
+              </a:rPr>
+              <a:t> </a:t>
+            </a:r>
+            <a:r>
+              <a:rPr lang="de-AT" b="0" dirty="0" err="1">
+                <a:solidFill>
+                  <a:srgbClr val="569CD6"/>
+                </a:solidFill>
+                <a:effectLst/>
+                <a:latin typeface="Menlo" panose="020B0609030804020204" pitchFamily="49" charset="0"/>
+              </a:rPr>
+              <a:t>async</a:t>
+            </a:r>
+            <a:r>
+              <a:rPr lang="de-AT" b="0" dirty="0">
+                <a:solidFill>
+                  <a:srgbClr val="CCCCCC"/>
+                </a:solidFill>
+                <a:effectLst/>
+                <a:latin typeface="Menlo" panose="020B0609030804020204" pitchFamily="49" charset="0"/>
+              </a:rPr>
+              <a:t> {</a:t>
+            </a:r>
+            <a:r>
+              <a:rPr lang="de-AT" b="0" dirty="0">
+                <a:solidFill>
+                  <a:srgbClr val="CE9178"/>
+                </a:solidFill>
+                <a:effectLst/>
+                <a:latin typeface="Menlo" panose="020B0609030804020204" pitchFamily="49" charset="0"/>
+              </a:rPr>
+              <a:t>"sub1"</a:t>
+            </a:r>
+            <a:r>
+              <a:rPr lang="de-AT" b="0" dirty="0">
+                <a:solidFill>
+                  <a:srgbClr val="CCCCCC"/>
+                </a:solidFill>
+                <a:effectLst/>
+                <a:latin typeface="Menlo" panose="020B0609030804020204" pitchFamily="49" charset="0"/>
+              </a:rPr>
+              <a:t>}))</a:t>
+            </a:r>
+          </a:p>
+          <a:p>
+            <a:pPr marL="0" indent="0">
+              <a:buNone/>
+            </a:pPr>
+            <a:r>
+              <a:rPr lang="de-AT" dirty="0">
+                <a:solidFill>
+                  <a:srgbClr val="D4D4D4"/>
+                </a:solidFill>
+                <a:latin typeface="Menlo" panose="020B0609030804020204" pitchFamily="49" charset="0"/>
+              </a:rPr>
+              <a:t>		</a:t>
+            </a:r>
+            <a:r>
+              <a:rPr lang="de-AT" b="0" dirty="0">
+                <a:solidFill>
+                  <a:srgbClr val="DCDCAA"/>
+                </a:solidFill>
+                <a:effectLst/>
+                <a:latin typeface="Menlo" panose="020B0609030804020204" pitchFamily="49" charset="0"/>
+              </a:rPr>
+              <a:t>route</a:t>
+            </a:r>
+            <a:r>
+              <a:rPr lang="de-AT" b="0" dirty="0">
+                <a:solidFill>
+                  <a:srgbClr val="CCCCCC"/>
+                </a:solidFill>
+                <a:effectLst/>
+                <a:latin typeface="Menlo" panose="020B0609030804020204" pitchFamily="49" charset="0"/>
+              </a:rPr>
+              <a:t>(</a:t>
+            </a:r>
+            <a:r>
+              <a:rPr lang="de-AT" b="0" dirty="0">
+                <a:solidFill>
+                  <a:srgbClr val="CE9178"/>
+                </a:solidFill>
+                <a:effectLst/>
+                <a:latin typeface="Menlo" panose="020B0609030804020204" pitchFamily="49" charset="0"/>
+              </a:rPr>
+              <a:t>"/sub2"</a:t>
+            </a:r>
+            <a:r>
+              <a:rPr lang="de-AT" b="0" dirty="0">
+                <a:solidFill>
+                  <a:srgbClr val="CCCCCC"/>
+                </a:solidFill>
+                <a:effectLst/>
+                <a:latin typeface="Menlo" panose="020B0609030804020204" pitchFamily="49" charset="0"/>
+              </a:rPr>
+              <a:t>, </a:t>
+            </a:r>
+            <a:r>
+              <a:rPr lang="de-AT" b="0" dirty="0">
+                <a:solidFill>
+                  <a:srgbClr val="4EC9B0"/>
+                </a:solidFill>
+                <a:effectLst/>
+                <a:latin typeface="Menlo" panose="020B0609030804020204" pitchFamily="49" charset="0"/>
+              </a:rPr>
+              <a:t>web</a:t>
+            </a:r>
+            <a:r>
+              <a:rPr lang="de-AT" b="0" dirty="0">
+                <a:solidFill>
+                  <a:srgbClr val="D4D4D4"/>
+                </a:solidFill>
+                <a:effectLst/>
+                <a:latin typeface="Menlo" panose="020B0609030804020204" pitchFamily="49" charset="0"/>
+              </a:rPr>
+              <a:t>::</a:t>
+            </a:r>
+            <a:r>
+              <a:rPr lang="de-AT" b="0" dirty="0" err="1">
+                <a:solidFill>
+                  <a:srgbClr val="DCDCAA"/>
+                </a:solidFill>
+                <a:effectLst/>
+                <a:latin typeface="Menlo" panose="020B0609030804020204" pitchFamily="49" charset="0"/>
+              </a:rPr>
+              <a:t>to</a:t>
+            </a:r>
+            <a:r>
+              <a:rPr lang="de-AT" b="0" dirty="0">
+                <a:solidFill>
+                  <a:srgbClr val="CCCCCC"/>
+                </a:solidFill>
+                <a:effectLst/>
+                <a:latin typeface="Menlo" panose="020B0609030804020204" pitchFamily="49" charset="0"/>
+              </a:rPr>
+              <a:t>(</a:t>
+            </a:r>
+            <a:r>
+              <a:rPr lang="de-AT" b="0" dirty="0">
+                <a:solidFill>
+                  <a:srgbClr val="D4D4D4"/>
+                </a:solidFill>
+                <a:effectLst/>
+                <a:latin typeface="Menlo" panose="020B0609030804020204" pitchFamily="49" charset="0"/>
+              </a:rPr>
+              <a:t>||</a:t>
+            </a:r>
+            <a:r>
+              <a:rPr lang="de-AT" b="0" dirty="0">
+                <a:solidFill>
+                  <a:srgbClr val="CCCCCC"/>
+                </a:solidFill>
+                <a:effectLst/>
+                <a:latin typeface="Menlo" panose="020B0609030804020204" pitchFamily="49" charset="0"/>
+              </a:rPr>
+              <a:t> </a:t>
+            </a:r>
+            <a:r>
+              <a:rPr lang="de-AT" b="0" dirty="0" err="1">
+                <a:solidFill>
+                  <a:srgbClr val="569CD6"/>
+                </a:solidFill>
+                <a:effectLst/>
+                <a:latin typeface="Menlo" panose="020B0609030804020204" pitchFamily="49" charset="0"/>
+              </a:rPr>
+              <a:t>async</a:t>
+            </a:r>
+            <a:r>
+              <a:rPr lang="de-AT" b="0" dirty="0">
+                <a:solidFill>
+                  <a:srgbClr val="CCCCCC"/>
+                </a:solidFill>
+                <a:effectLst/>
+                <a:latin typeface="Menlo" panose="020B0609030804020204" pitchFamily="49" charset="0"/>
+              </a:rPr>
+              <a:t> {</a:t>
+            </a:r>
+            <a:r>
+              <a:rPr lang="de-AT" b="0" dirty="0">
+                <a:solidFill>
+                  <a:srgbClr val="CE9178"/>
+                </a:solidFill>
+                <a:effectLst/>
+                <a:latin typeface="Menlo" panose="020B0609030804020204" pitchFamily="49" charset="0"/>
+              </a:rPr>
+              <a:t>"sub2"</a:t>
+            </a:r>
+            <a:r>
+              <a:rPr lang="de-AT" b="0" dirty="0">
+                <a:solidFill>
+                  <a:srgbClr val="CCCCCC"/>
+                </a:solidFill>
+                <a:effectLst/>
+                <a:latin typeface="Menlo" panose="020B0609030804020204" pitchFamily="49" charset="0"/>
+              </a:rPr>
+              <a:t>}))</a:t>
+            </a:r>
+          </a:p>
+          <a:p>
+            <a:pPr marL="0" indent="0">
+              <a:buNone/>
+            </a:pPr>
+            <a:r>
+              <a:rPr lang="de-AT" b="0" dirty="0">
+                <a:solidFill>
+                  <a:srgbClr val="CCCCCC"/>
+                </a:solidFill>
+                <a:effectLst/>
+                <a:latin typeface="Menlo" panose="020B0609030804020204" pitchFamily="49" charset="0"/>
+              </a:rPr>
+              <a:t>)</a:t>
+            </a:r>
+          </a:p>
+          <a:p>
+            <a:pPr marL="0" indent="0">
+              <a:buNone/>
+            </a:pPr>
+            <a:endParaRPr lang="de-DE" dirty="0"/>
+          </a:p>
+        </p:txBody>
+      </p:sp>
+    </p:spTree>
+    <p:extLst>
+      <p:ext uri="{BB962C8B-B14F-4D97-AF65-F5344CB8AC3E}">
+        <p14:creationId xmlns:p14="http://schemas.microsoft.com/office/powerpoint/2010/main" val="3996451288"/>
       </p:ext>
     </p:extLst>
   </p:cSld>

--- a/Pres.pptx
+++ b/Pres.pptx
@@ -9,8 +9,8 @@
     <p:sldId id="257" r:id="rId3"/>
     <p:sldId id="264" r:id="rId4"/>
     <p:sldId id="261" r:id="rId5"/>
-    <p:sldId id="260" r:id="rId6"/>
-    <p:sldId id="274" r:id="rId7"/>
+    <p:sldId id="274" r:id="rId6"/>
+    <p:sldId id="260" r:id="rId7"/>
     <p:sldId id="265" r:id="rId8"/>
     <p:sldId id="266" r:id="rId9"/>
     <p:sldId id="268" r:id="rId10"/>
@@ -9935,6 +9935,752 @@
           <p:cNvPr id="2" name="Titel 1">
             <a:extLst>
               <a:ext uri="{FF2B5EF4-FFF2-40B4-BE49-F238E27FC236}">
+                <a16:creationId xmlns:a16="http://schemas.microsoft.com/office/drawing/2014/main" id="{46D4EC42-ECB0-F4B6-2482-FA1A2C58CE6F}"/>
+              </a:ext>
+            </a:extLst>
+          </p:cNvPr>
+          <p:cNvSpPr>
+            <a:spLocks noGrp="1"/>
+          </p:cNvSpPr>
+          <p:nvPr>
+            <p:ph type="title"/>
+          </p:nvPr>
+        </p:nvSpPr>
+        <p:spPr/>
+        <p:txBody>
+          <a:bodyPr/>
+          <a:lstStyle/>
+          <a:p>
+            <a:r>
+              <a:rPr lang="de-DE" dirty="0"/>
+              <a:t>Register </a:t>
+            </a:r>
+            <a:r>
+              <a:rPr lang="de-DE" dirty="0" err="1"/>
+              <a:t>routes</a:t>
+            </a:r>
+            <a:endParaRPr lang="de-DE" dirty="0"/>
+          </a:p>
+        </p:txBody>
+      </p:sp>
+      <p:sp>
+        <p:nvSpPr>
+          <p:cNvPr id="3" name="Inhaltsplatzhalter 2">
+            <a:extLst>
+              <a:ext uri="{FF2B5EF4-FFF2-40B4-BE49-F238E27FC236}">
+                <a16:creationId xmlns:a16="http://schemas.microsoft.com/office/drawing/2014/main" id="{06AFE83A-C1DB-68D6-1074-3DF6C1C728B1}"/>
+              </a:ext>
+            </a:extLst>
+          </p:cNvPr>
+          <p:cNvSpPr>
+            <a:spLocks noGrp="1"/>
+          </p:cNvSpPr>
+          <p:nvPr>
+            <p:ph idx="1"/>
+          </p:nvPr>
+        </p:nvSpPr>
+        <p:spPr/>
+        <p:txBody>
+          <a:bodyPr/>
+          <a:lstStyle/>
+          <a:p>
+            <a:pPr marL="0" indent="0">
+              <a:buNone/>
+            </a:pPr>
+            <a:r>
+              <a:rPr lang="de-AT" b="0" dirty="0">
+                <a:solidFill>
+                  <a:srgbClr val="4EC9B0"/>
+                </a:solidFill>
+                <a:effectLst/>
+                <a:latin typeface="Consolas" panose="020B0609020204030204" pitchFamily="49" charset="0"/>
+              </a:rPr>
+              <a:t>App</a:t>
+            </a:r>
+            <a:r>
+              <a:rPr lang="de-AT" b="0" dirty="0">
+                <a:solidFill>
+                  <a:srgbClr val="D4D4D4"/>
+                </a:solidFill>
+                <a:effectLst/>
+                <a:latin typeface="Consolas" panose="020B0609020204030204" pitchFamily="49" charset="0"/>
+              </a:rPr>
+              <a:t>::</a:t>
+            </a:r>
+            <a:r>
+              <a:rPr lang="de-AT" b="0" dirty="0" err="1">
+                <a:solidFill>
+                  <a:srgbClr val="DCDCAA"/>
+                </a:solidFill>
+                <a:effectLst/>
+                <a:latin typeface="Consolas" panose="020B0609020204030204" pitchFamily="49" charset="0"/>
+              </a:rPr>
+              <a:t>new</a:t>
+            </a:r>
+            <a:r>
+              <a:rPr lang="de-AT" b="0" dirty="0">
+                <a:solidFill>
+                  <a:srgbClr val="D4D4D4"/>
+                </a:solidFill>
+                <a:effectLst/>
+                <a:latin typeface="Consolas" panose="020B0609020204030204" pitchFamily="49" charset="0"/>
+              </a:rPr>
+              <a:t>()</a:t>
+            </a:r>
+          </a:p>
+          <a:p>
+            <a:pPr marL="0" indent="0">
+              <a:buNone/>
+            </a:pPr>
+            <a:endParaRPr lang="de-DE" dirty="0"/>
+          </a:p>
+          <a:p>
+            <a:pPr marL="0" indent="0">
+              <a:buNone/>
+            </a:pPr>
+            <a:r>
+              <a:rPr lang="de-AT" sz="2000" b="0" dirty="0">
+                <a:solidFill>
+                  <a:srgbClr val="DCDCAA"/>
+                </a:solidFill>
+                <a:effectLst/>
+                <a:latin typeface="Menlo" panose="020B0609030804020204" pitchFamily="49" charset="0"/>
+              </a:rPr>
+              <a:t>.route</a:t>
+            </a:r>
+            <a:r>
+              <a:rPr lang="de-AT" sz="2000" b="0" dirty="0">
+                <a:solidFill>
+                  <a:srgbClr val="CCCCCC"/>
+                </a:solidFill>
+                <a:effectLst/>
+                <a:latin typeface="Menlo" panose="020B0609030804020204" pitchFamily="49" charset="0"/>
+              </a:rPr>
+              <a:t>(</a:t>
+            </a:r>
+            <a:r>
+              <a:rPr lang="de-AT" sz="2000" b="0" dirty="0">
+                <a:solidFill>
+                  <a:srgbClr val="CE9178"/>
+                </a:solidFill>
+                <a:effectLst/>
+                <a:latin typeface="Menlo" panose="020B0609030804020204" pitchFamily="49" charset="0"/>
+              </a:rPr>
+              <a:t>"/</a:t>
+            </a:r>
+            <a:r>
+              <a:rPr lang="de-AT" sz="2000" b="0" dirty="0" err="1">
+                <a:solidFill>
+                  <a:srgbClr val="CE9178"/>
+                </a:solidFill>
+                <a:effectLst/>
+                <a:latin typeface="Menlo" panose="020B0609030804020204" pitchFamily="49" charset="0"/>
+              </a:rPr>
+              <a:t>hello</a:t>
+            </a:r>
+            <a:r>
+              <a:rPr lang="de-AT" sz="2000" b="0" dirty="0">
+                <a:solidFill>
+                  <a:srgbClr val="CE9178"/>
+                </a:solidFill>
+                <a:effectLst/>
+                <a:latin typeface="Menlo" panose="020B0609030804020204" pitchFamily="49" charset="0"/>
+              </a:rPr>
+              <a:t>"</a:t>
+            </a:r>
+            <a:r>
+              <a:rPr lang="de-AT" sz="2000" b="0" dirty="0">
+                <a:solidFill>
+                  <a:srgbClr val="CCCCCC"/>
+                </a:solidFill>
+                <a:effectLst/>
+                <a:latin typeface="Menlo" panose="020B0609030804020204" pitchFamily="49" charset="0"/>
+              </a:rPr>
+              <a:t>, </a:t>
+            </a:r>
+            <a:r>
+              <a:rPr lang="de-AT" sz="2000" b="0" dirty="0">
+                <a:solidFill>
+                  <a:srgbClr val="4EC9B0"/>
+                </a:solidFill>
+                <a:effectLst/>
+                <a:latin typeface="Menlo" panose="020B0609030804020204" pitchFamily="49" charset="0"/>
+              </a:rPr>
+              <a:t>web</a:t>
+            </a:r>
+            <a:r>
+              <a:rPr lang="de-AT" sz="2000" b="0" dirty="0">
+                <a:solidFill>
+                  <a:srgbClr val="D4D4D4"/>
+                </a:solidFill>
+                <a:effectLst/>
+                <a:latin typeface="Menlo" panose="020B0609030804020204" pitchFamily="49" charset="0"/>
+              </a:rPr>
+              <a:t>::</a:t>
+            </a:r>
+            <a:r>
+              <a:rPr lang="de-AT" sz="2000" b="0" dirty="0" err="1">
+                <a:solidFill>
+                  <a:srgbClr val="DCDCAA"/>
+                </a:solidFill>
+                <a:effectLst/>
+                <a:latin typeface="Menlo" panose="020B0609030804020204" pitchFamily="49" charset="0"/>
+              </a:rPr>
+              <a:t>to</a:t>
+            </a:r>
+            <a:r>
+              <a:rPr lang="de-AT" sz="2000" b="0" dirty="0">
+                <a:solidFill>
+                  <a:srgbClr val="CCCCCC"/>
+                </a:solidFill>
+                <a:effectLst/>
+                <a:latin typeface="Menlo" panose="020B0609030804020204" pitchFamily="49" charset="0"/>
+              </a:rPr>
+              <a:t>(</a:t>
+            </a:r>
+            <a:r>
+              <a:rPr lang="de-AT" sz="2000" b="0" dirty="0" err="1">
+                <a:solidFill>
+                  <a:srgbClr val="DCDCAA"/>
+                </a:solidFill>
+                <a:effectLst/>
+                <a:latin typeface="Menlo" panose="020B0609030804020204" pitchFamily="49" charset="0"/>
+              </a:rPr>
+              <a:t>handler_function</a:t>
+            </a:r>
+            <a:r>
+              <a:rPr lang="de-AT" sz="2000" b="0" dirty="0">
+                <a:solidFill>
+                  <a:srgbClr val="CCCCCC"/>
+                </a:solidFill>
+                <a:effectLst/>
+                <a:latin typeface="Menlo" panose="020B0609030804020204" pitchFamily="49" charset="0"/>
+              </a:rPr>
+              <a:t>)) // </a:t>
+            </a:r>
+            <a:r>
+              <a:rPr lang="de-AT" sz="2000" b="0" dirty="0" err="1">
+                <a:solidFill>
+                  <a:srgbClr val="CCCCCC"/>
+                </a:solidFill>
+                <a:effectLst/>
+                <a:latin typeface="Menlo" panose="020B0609030804020204" pitchFamily="49" charset="0"/>
+              </a:rPr>
+              <a:t>any</a:t>
+            </a:r>
+            <a:r>
+              <a:rPr lang="de-AT" sz="2000" b="0" dirty="0">
+                <a:solidFill>
+                  <a:srgbClr val="CCCCCC"/>
+                </a:solidFill>
+                <a:effectLst/>
+                <a:latin typeface="Menlo" panose="020B0609030804020204" pitchFamily="49" charset="0"/>
+              </a:rPr>
+              <a:t> </a:t>
+            </a:r>
+            <a:r>
+              <a:rPr lang="de-AT" sz="2000" b="0" dirty="0" err="1">
+                <a:solidFill>
+                  <a:srgbClr val="CCCCCC"/>
+                </a:solidFill>
+                <a:effectLst/>
+                <a:latin typeface="Menlo" panose="020B0609030804020204" pitchFamily="49" charset="0"/>
+              </a:rPr>
+              <a:t>method</a:t>
+            </a:r>
+            <a:r>
+              <a:rPr lang="de-AT" sz="2000" b="0" dirty="0">
+                <a:solidFill>
+                  <a:srgbClr val="CCCCCC"/>
+                </a:solidFill>
+                <a:effectLst/>
+                <a:latin typeface="Menlo" panose="020B0609030804020204" pitchFamily="49" charset="0"/>
+              </a:rPr>
+              <a:t> </a:t>
+            </a:r>
+            <a:r>
+              <a:rPr lang="de-AT" sz="2000" b="0" dirty="0" err="1">
+                <a:solidFill>
+                  <a:srgbClr val="CCCCCC"/>
+                </a:solidFill>
+                <a:effectLst/>
+                <a:latin typeface="Menlo" panose="020B0609030804020204" pitchFamily="49" charset="0"/>
+              </a:rPr>
+              <a:t>is</a:t>
+            </a:r>
+            <a:r>
+              <a:rPr lang="de-AT" sz="2000" b="0" dirty="0">
+                <a:solidFill>
+                  <a:srgbClr val="CCCCCC"/>
+                </a:solidFill>
+                <a:effectLst/>
+                <a:latin typeface="Menlo" panose="020B0609030804020204" pitchFamily="49" charset="0"/>
+              </a:rPr>
+              <a:t> </a:t>
+            </a:r>
+            <a:r>
+              <a:rPr lang="de-AT" sz="2000" b="0" dirty="0" err="1">
+                <a:solidFill>
+                  <a:srgbClr val="CCCCCC"/>
+                </a:solidFill>
+                <a:effectLst/>
+                <a:latin typeface="Menlo" panose="020B0609030804020204" pitchFamily="49" charset="0"/>
+              </a:rPr>
+              <a:t>allowed</a:t>
+            </a:r>
+            <a:endParaRPr lang="de-AT" sz="2000" b="0" dirty="0">
+              <a:solidFill>
+                <a:srgbClr val="4EC9B0"/>
+              </a:solidFill>
+              <a:effectLst/>
+              <a:latin typeface="Menlo" panose="020B0609030804020204" pitchFamily="49" charset="0"/>
+            </a:endParaRPr>
+          </a:p>
+          <a:p>
+            <a:pPr marL="0" indent="0">
+              <a:buNone/>
+            </a:pPr>
+            <a:r>
+              <a:rPr lang="de-AT" sz="2000" b="0" dirty="0">
+                <a:solidFill>
+                  <a:srgbClr val="DCDCAA"/>
+                </a:solidFill>
+                <a:effectLst/>
+                <a:latin typeface="Menlo" panose="020B0609030804020204" pitchFamily="49" charset="0"/>
+              </a:rPr>
+              <a:t>.route</a:t>
+            </a:r>
+            <a:r>
+              <a:rPr lang="de-AT" sz="2000" b="0" dirty="0">
+                <a:solidFill>
+                  <a:srgbClr val="CCCCCC"/>
+                </a:solidFill>
+                <a:effectLst/>
+                <a:latin typeface="Menlo" panose="020B0609030804020204" pitchFamily="49" charset="0"/>
+              </a:rPr>
+              <a:t>(</a:t>
+            </a:r>
+            <a:r>
+              <a:rPr lang="de-AT" sz="2000" b="0" dirty="0">
+                <a:solidFill>
+                  <a:srgbClr val="CE9178"/>
+                </a:solidFill>
+                <a:effectLst/>
+                <a:latin typeface="Menlo" panose="020B0609030804020204" pitchFamily="49" charset="0"/>
+              </a:rPr>
+              <a:t>"/</a:t>
+            </a:r>
+            <a:r>
+              <a:rPr lang="de-AT" sz="2000" b="0" dirty="0" err="1">
+                <a:solidFill>
+                  <a:srgbClr val="CE9178"/>
+                </a:solidFill>
+                <a:effectLst/>
+                <a:latin typeface="Menlo" panose="020B0609030804020204" pitchFamily="49" charset="0"/>
+              </a:rPr>
+              <a:t>hello</a:t>
+            </a:r>
+            <a:r>
+              <a:rPr lang="de-AT" sz="2000" b="0" dirty="0">
+                <a:solidFill>
+                  <a:srgbClr val="CE9178"/>
+                </a:solidFill>
+                <a:effectLst/>
+                <a:latin typeface="Menlo" panose="020B0609030804020204" pitchFamily="49" charset="0"/>
+              </a:rPr>
+              <a:t>"</a:t>
+            </a:r>
+            <a:r>
+              <a:rPr lang="de-AT" sz="2000" b="0" dirty="0">
+                <a:solidFill>
+                  <a:srgbClr val="CCCCCC"/>
+                </a:solidFill>
+                <a:effectLst/>
+                <a:latin typeface="Menlo" panose="020B0609030804020204" pitchFamily="49" charset="0"/>
+              </a:rPr>
+              <a:t>, </a:t>
+            </a:r>
+            <a:r>
+              <a:rPr lang="de-AT" sz="2000" b="0" dirty="0">
+                <a:solidFill>
+                  <a:srgbClr val="4EC9B0"/>
+                </a:solidFill>
+                <a:effectLst/>
+                <a:latin typeface="Menlo" panose="020B0609030804020204" pitchFamily="49" charset="0"/>
+              </a:rPr>
+              <a:t>web</a:t>
+            </a:r>
+            <a:r>
+              <a:rPr lang="de-AT" sz="2000" b="0" dirty="0">
+                <a:solidFill>
+                  <a:srgbClr val="D4D4D4"/>
+                </a:solidFill>
+                <a:effectLst/>
+                <a:latin typeface="Menlo" panose="020B0609030804020204" pitchFamily="49" charset="0"/>
+              </a:rPr>
+              <a:t>::</a:t>
+            </a:r>
+            <a:r>
+              <a:rPr lang="de-AT" sz="2000" b="0" dirty="0" err="1">
+                <a:solidFill>
+                  <a:srgbClr val="DCDCAA"/>
+                </a:solidFill>
+                <a:effectLst/>
+                <a:latin typeface="Menlo" panose="020B0609030804020204" pitchFamily="49" charset="0"/>
+              </a:rPr>
+              <a:t>get</a:t>
+            </a:r>
+            <a:r>
+              <a:rPr lang="de-AT" sz="2000" b="0" dirty="0">
+                <a:solidFill>
+                  <a:srgbClr val="CCCCCC"/>
+                </a:solidFill>
+                <a:effectLst/>
+                <a:latin typeface="Menlo" panose="020B0609030804020204" pitchFamily="49" charset="0"/>
+              </a:rPr>
+              <a:t>()</a:t>
+            </a:r>
+            <a:r>
+              <a:rPr lang="de-AT" sz="2000" b="0" dirty="0">
+                <a:solidFill>
+                  <a:srgbClr val="D4D4D4"/>
+                </a:solidFill>
+                <a:effectLst/>
+                <a:latin typeface="Menlo" panose="020B0609030804020204" pitchFamily="49" charset="0"/>
+              </a:rPr>
+              <a:t>.</a:t>
+            </a:r>
+            <a:r>
+              <a:rPr lang="de-AT" sz="2000" b="0" dirty="0" err="1">
+                <a:solidFill>
+                  <a:srgbClr val="DCDCAA"/>
+                </a:solidFill>
+                <a:effectLst/>
+                <a:latin typeface="Menlo" panose="020B0609030804020204" pitchFamily="49" charset="0"/>
+              </a:rPr>
+              <a:t>to</a:t>
+            </a:r>
+            <a:r>
+              <a:rPr lang="de-AT" sz="2000" b="0" dirty="0">
+                <a:solidFill>
+                  <a:srgbClr val="CCCCCC"/>
+                </a:solidFill>
+                <a:effectLst/>
+                <a:latin typeface="Menlo" panose="020B0609030804020204" pitchFamily="49" charset="0"/>
+              </a:rPr>
+              <a:t>(</a:t>
+            </a:r>
+            <a:r>
+              <a:rPr lang="de-AT" sz="2000" b="0" dirty="0" err="1">
+                <a:solidFill>
+                  <a:srgbClr val="DCDCAA"/>
+                </a:solidFill>
+                <a:effectLst/>
+                <a:latin typeface="Menlo" panose="020B0609030804020204" pitchFamily="49" charset="0"/>
+              </a:rPr>
+              <a:t>handler_function</a:t>
+            </a:r>
+            <a:r>
+              <a:rPr lang="de-AT" sz="2000" b="0" dirty="0">
+                <a:solidFill>
+                  <a:srgbClr val="DCDCAA"/>
+                </a:solidFill>
+                <a:effectLst/>
+                <a:latin typeface="Menlo" panose="020B0609030804020204" pitchFamily="49" charset="0"/>
+              </a:rPr>
+              <a:t>)</a:t>
+            </a:r>
+            <a:r>
+              <a:rPr lang="de-AT" sz="2000" b="0" dirty="0">
+                <a:solidFill>
+                  <a:srgbClr val="CCCCCC"/>
+                </a:solidFill>
+                <a:effectLst/>
+                <a:latin typeface="Menlo" panose="020B0609030804020204" pitchFamily="49" charset="0"/>
+              </a:rPr>
+              <a:t>) // </a:t>
+            </a:r>
+            <a:r>
+              <a:rPr lang="de-AT" sz="2000" b="0" dirty="0" err="1">
+                <a:solidFill>
+                  <a:srgbClr val="CCCCCC"/>
+                </a:solidFill>
+                <a:effectLst/>
+                <a:latin typeface="Menlo" panose="020B0609030804020204" pitchFamily="49" charset="0"/>
+              </a:rPr>
+              <a:t>only</a:t>
+            </a:r>
+            <a:r>
+              <a:rPr lang="de-AT" sz="2000" b="0" dirty="0">
+                <a:solidFill>
+                  <a:srgbClr val="CCCCCC"/>
+                </a:solidFill>
+                <a:effectLst/>
+                <a:latin typeface="Menlo" panose="020B0609030804020204" pitchFamily="49" charset="0"/>
+              </a:rPr>
+              <a:t> </a:t>
+            </a:r>
+            <a:r>
+              <a:rPr lang="de-AT" sz="2000" b="0" dirty="0" err="1">
+                <a:solidFill>
+                  <a:srgbClr val="CCCCCC"/>
+                </a:solidFill>
+                <a:effectLst/>
+                <a:latin typeface="Menlo" panose="020B0609030804020204" pitchFamily="49" charset="0"/>
+              </a:rPr>
+              <a:t>get</a:t>
+            </a:r>
+            <a:r>
+              <a:rPr lang="de-AT" sz="2000" b="0" dirty="0">
+                <a:solidFill>
+                  <a:srgbClr val="CCCCCC"/>
+                </a:solidFill>
+                <a:effectLst/>
+                <a:latin typeface="Menlo" panose="020B0609030804020204" pitchFamily="49" charset="0"/>
+              </a:rPr>
+              <a:t> </a:t>
+            </a:r>
+            <a:r>
+              <a:rPr lang="de-AT" sz="2000" b="0" dirty="0" err="1">
+                <a:solidFill>
+                  <a:srgbClr val="CCCCCC"/>
+                </a:solidFill>
+                <a:effectLst/>
+                <a:latin typeface="Menlo" panose="020B0609030804020204" pitchFamily="49" charset="0"/>
+              </a:rPr>
+              <a:t>method</a:t>
+            </a:r>
+            <a:r>
+              <a:rPr lang="de-AT" sz="2000" b="0" dirty="0">
+                <a:solidFill>
+                  <a:srgbClr val="CCCCCC"/>
+                </a:solidFill>
+                <a:effectLst/>
+                <a:latin typeface="Menlo" panose="020B0609030804020204" pitchFamily="49" charset="0"/>
+              </a:rPr>
+              <a:t> </a:t>
+            </a:r>
+            <a:r>
+              <a:rPr lang="de-AT" sz="2000" b="0" dirty="0" err="1">
+                <a:solidFill>
+                  <a:srgbClr val="CCCCCC"/>
+                </a:solidFill>
+                <a:effectLst/>
+                <a:latin typeface="Menlo" panose="020B0609030804020204" pitchFamily="49" charset="0"/>
+              </a:rPr>
+              <a:t>is</a:t>
+            </a:r>
+            <a:r>
+              <a:rPr lang="de-AT" sz="2000" b="0" dirty="0">
+                <a:solidFill>
+                  <a:srgbClr val="CCCCCC"/>
+                </a:solidFill>
+                <a:effectLst/>
+                <a:latin typeface="Menlo" panose="020B0609030804020204" pitchFamily="49" charset="0"/>
+              </a:rPr>
+              <a:t> </a:t>
+            </a:r>
+            <a:r>
+              <a:rPr lang="de-AT" sz="2000" b="0" dirty="0" err="1">
+                <a:solidFill>
+                  <a:srgbClr val="CCCCCC"/>
+                </a:solidFill>
+                <a:effectLst/>
+                <a:latin typeface="Menlo" panose="020B0609030804020204" pitchFamily="49" charset="0"/>
+              </a:rPr>
+              <a:t>allowed</a:t>
+            </a:r>
+            <a:endParaRPr lang="de-AT" sz="2000" b="0" dirty="0">
+              <a:solidFill>
+                <a:srgbClr val="CCCCCC"/>
+              </a:solidFill>
+              <a:effectLst/>
+              <a:latin typeface="Menlo" panose="020B0609030804020204" pitchFamily="49" charset="0"/>
+            </a:endParaRPr>
+          </a:p>
+          <a:p>
+            <a:pPr marL="0" indent="0">
+              <a:buNone/>
+            </a:pPr>
+            <a:endParaRPr lang="de-AT" sz="2000" b="0" dirty="0">
+              <a:solidFill>
+                <a:srgbClr val="CCCCCC"/>
+              </a:solidFill>
+              <a:effectLst/>
+              <a:latin typeface="Menlo" panose="020B0609030804020204" pitchFamily="49" charset="0"/>
+            </a:endParaRPr>
+          </a:p>
+          <a:p>
+            <a:pPr marL="0" indent="0">
+              <a:buNone/>
+            </a:pPr>
+            <a:r>
+              <a:rPr lang="de-DE" dirty="0"/>
+              <a:t>… </a:t>
+            </a:r>
+            <a:r>
+              <a:rPr lang="de-DE" dirty="0" err="1"/>
+              <a:t>or</a:t>
+            </a:r>
+            <a:r>
+              <a:rPr lang="de-DE" dirty="0"/>
+              <a:t> </a:t>
+            </a:r>
+            <a:r>
+              <a:rPr lang="de-DE" dirty="0" err="1"/>
+              <a:t>use</a:t>
+            </a:r>
+            <a:r>
+              <a:rPr lang="de-DE" dirty="0"/>
+              <a:t> a </a:t>
+            </a:r>
+            <a:r>
+              <a:rPr lang="de-DE" dirty="0" err="1"/>
+              <a:t>procedural</a:t>
+            </a:r>
+            <a:r>
+              <a:rPr lang="de-DE" dirty="0"/>
+              <a:t> </a:t>
+            </a:r>
+            <a:r>
+              <a:rPr lang="de-DE" dirty="0" err="1"/>
+              <a:t>macro</a:t>
+            </a:r>
+            <a:r>
+              <a:rPr lang="de-DE" dirty="0"/>
+              <a:t> and </a:t>
+            </a:r>
+            <a:r>
+              <a:rPr lang="de-DE" dirty="0" err="1"/>
+              <a:t>call</a:t>
+            </a:r>
+            <a:r>
+              <a:rPr lang="de-DE" dirty="0"/>
+              <a:t> </a:t>
+            </a:r>
+            <a:r>
+              <a:rPr lang="de-DE" dirty="0" err="1"/>
+              <a:t>the</a:t>
+            </a:r>
+            <a:r>
+              <a:rPr lang="de-DE" dirty="0"/>
+              <a:t> </a:t>
+            </a:r>
+            <a:r>
+              <a:rPr lang="de-DE" dirty="0" err="1"/>
+              <a:t>service</a:t>
+            </a:r>
+            <a:r>
+              <a:rPr lang="de-DE" dirty="0"/>
+              <a:t> </a:t>
+            </a:r>
+            <a:r>
+              <a:rPr lang="de-DE" dirty="0" err="1"/>
+              <a:t>method</a:t>
+            </a:r>
+            <a:r>
+              <a:rPr lang="de-DE" dirty="0"/>
+              <a:t>:</a:t>
+            </a:r>
+          </a:p>
+          <a:p>
+            <a:pPr marL="0" indent="0">
+              <a:buNone/>
+            </a:pPr>
+            <a:r>
+              <a:rPr lang="de-AT" sz="2000" b="0" dirty="0">
+                <a:solidFill>
+                  <a:srgbClr val="DCDCAA"/>
+                </a:solidFill>
+                <a:effectLst/>
+                <a:latin typeface="Menlo" panose="020B0609030804020204" pitchFamily="49" charset="0"/>
+              </a:rPr>
+              <a:t>.</a:t>
+            </a:r>
+            <a:r>
+              <a:rPr lang="de-AT" sz="2000" b="0" dirty="0" err="1">
+                <a:solidFill>
+                  <a:srgbClr val="DCDCAA"/>
+                </a:solidFill>
+                <a:effectLst/>
+                <a:latin typeface="Menlo" panose="020B0609030804020204" pitchFamily="49" charset="0"/>
+              </a:rPr>
+              <a:t>service</a:t>
+            </a:r>
+            <a:r>
+              <a:rPr lang="de-AT" sz="2000" b="0" dirty="0">
+                <a:solidFill>
+                  <a:srgbClr val="CCCCCC"/>
+                </a:solidFill>
+                <a:effectLst/>
+                <a:latin typeface="Menlo" panose="020B0609030804020204" pitchFamily="49" charset="0"/>
+              </a:rPr>
+              <a:t>(</a:t>
+            </a:r>
+            <a:r>
+              <a:rPr lang="de-AT" sz="2000" b="0" dirty="0" err="1">
+                <a:solidFill>
+                  <a:srgbClr val="4EC9B0"/>
+                </a:solidFill>
+                <a:effectLst/>
+                <a:latin typeface="Menlo" panose="020B0609030804020204" pitchFamily="49" charset="0"/>
+              </a:rPr>
+              <a:t>handler_function</a:t>
+            </a:r>
+            <a:r>
+              <a:rPr lang="de-AT" sz="2000" b="0" dirty="0">
+                <a:solidFill>
+                  <a:srgbClr val="CCCCCC"/>
+                </a:solidFill>
+                <a:effectLst/>
+                <a:latin typeface="Menlo" panose="020B0609030804020204" pitchFamily="49" charset="0"/>
+              </a:rPr>
+              <a:t>)</a:t>
+            </a:r>
+          </a:p>
+          <a:p>
+            <a:pPr marL="0" indent="0">
+              <a:buNone/>
+            </a:pPr>
+            <a:endParaRPr lang="de-DE" dirty="0"/>
+          </a:p>
+        </p:txBody>
+      </p:sp>
+    </p:spTree>
+    <p:extLst>
+      <p:ext uri="{BB962C8B-B14F-4D97-AF65-F5344CB8AC3E}">
+        <p14:creationId xmlns:p14="http://schemas.microsoft.com/office/powerpoint/2010/main" val="3940972417"/>
+      </p:ext>
+    </p:extLst>
+  </p:cSld>
+  <p:clrMapOvr>
+    <a:masterClrMapping/>
+  </p:clrMapOvr>
+</p:sld>
+</file>
+
+<file path=ppt/slides/slide6.xml><?xml version="1.0" encoding="utf-8"?>
+<p:sld xmlns:a="http://schemas.openxmlformats.org/drawingml/2006/main" xmlns:r="http://schemas.openxmlformats.org/officeDocument/2006/relationships" xmlns:p="http://schemas.openxmlformats.org/presentationml/2006/main">
+  <p:cSld>
+    <p:spTree>
+      <p:nvGrpSpPr>
+        <p:cNvPr id="1" name=""/>
+        <p:cNvGrpSpPr/>
+        <p:nvPr/>
+      </p:nvGrpSpPr>
+      <p:grpSpPr>
+        <a:xfrm>
+          <a:off x="0" y="0"/>
+          <a:ext cx="0" cy="0"/>
+          <a:chOff x="0" y="0"/>
+          <a:chExt cx="0" cy="0"/>
+        </a:xfrm>
+      </p:grpSpPr>
+      <p:sp>
+        <p:nvSpPr>
+          <p:cNvPr id="2" name="Titel 1">
+            <a:extLst>
+              <a:ext uri="{FF2B5EF4-FFF2-40B4-BE49-F238E27FC236}">
                 <a16:creationId xmlns:a16="http://schemas.microsoft.com/office/drawing/2014/main" id="{66A96E6F-B497-C7C2-B074-E01083A94E34}"/>
               </a:ext>
             </a:extLst>
@@ -10417,571 +11163,6 @@
     <p:extLst>
       <p:ext uri="{BB962C8B-B14F-4D97-AF65-F5344CB8AC3E}">
         <p14:creationId xmlns:p14="http://schemas.microsoft.com/office/powerpoint/2010/main" val="1766509743"/>
-      </p:ext>
-    </p:extLst>
-  </p:cSld>
-  <p:clrMapOvr>
-    <a:masterClrMapping/>
-  </p:clrMapOvr>
-</p:sld>
-</file>
-
-<file path=ppt/slides/slide6.xml><?xml version="1.0" encoding="utf-8"?>
-<p:sld xmlns:a="http://schemas.openxmlformats.org/drawingml/2006/main" xmlns:r="http://schemas.openxmlformats.org/officeDocument/2006/relationships" xmlns:p="http://schemas.openxmlformats.org/presentationml/2006/main">
-  <p:cSld>
-    <p:spTree>
-      <p:nvGrpSpPr>
-        <p:cNvPr id="1" name=""/>
-        <p:cNvGrpSpPr/>
-        <p:nvPr/>
-      </p:nvGrpSpPr>
-      <p:grpSpPr>
-        <a:xfrm>
-          <a:off x="0" y="0"/>
-          <a:ext cx="0" cy="0"/>
-          <a:chOff x="0" y="0"/>
-          <a:chExt cx="0" cy="0"/>
-        </a:xfrm>
-      </p:grpSpPr>
-      <p:sp>
-        <p:nvSpPr>
-          <p:cNvPr id="2" name="Titel 1">
-            <a:extLst>
-              <a:ext uri="{FF2B5EF4-FFF2-40B4-BE49-F238E27FC236}">
-                <a16:creationId xmlns:a16="http://schemas.microsoft.com/office/drawing/2014/main" id="{46D4EC42-ECB0-F4B6-2482-FA1A2C58CE6F}"/>
-              </a:ext>
-            </a:extLst>
-          </p:cNvPr>
-          <p:cNvSpPr>
-            <a:spLocks noGrp="1"/>
-          </p:cNvSpPr>
-          <p:nvPr>
-            <p:ph type="title"/>
-          </p:nvPr>
-        </p:nvSpPr>
-        <p:spPr/>
-        <p:txBody>
-          <a:bodyPr/>
-          <a:lstStyle/>
-          <a:p>
-            <a:r>
-              <a:rPr lang="de-DE" dirty="0"/>
-              <a:t>Register </a:t>
-            </a:r>
-            <a:r>
-              <a:rPr lang="de-DE" dirty="0" err="1"/>
-              <a:t>routes</a:t>
-            </a:r>
-            <a:endParaRPr lang="de-DE" dirty="0"/>
-          </a:p>
-        </p:txBody>
-      </p:sp>
-      <p:sp>
-        <p:nvSpPr>
-          <p:cNvPr id="3" name="Inhaltsplatzhalter 2">
-            <a:extLst>
-              <a:ext uri="{FF2B5EF4-FFF2-40B4-BE49-F238E27FC236}">
-                <a16:creationId xmlns:a16="http://schemas.microsoft.com/office/drawing/2014/main" id="{06AFE83A-C1DB-68D6-1074-3DF6C1C728B1}"/>
-              </a:ext>
-            </a:extLst>
-          </p:cNvPr>
-          <p:cNvSpPr>
-            <a:spLocks noGrp="1"/>
-          </p:cNvSpPr>
-          <p:nvPr>
-            <p:ph idx="1"/>
-          </p:nvPr>
-        </p:nvSpPr>
-        <p:spPr/>
-        <p:txBody>
-          <a:bodyPr/>
-          <a:lstStyle/>
-          <a:p>
-            <a:pPr marL="0" indent="0">
-              <a:buNone/>
-            </a:pPr>
-            <a:r>
-              <a:rPr lang="de-DE" dirty="0" err="1"/>
-              <a:t>provides</a:t>
-            </a:r>
-            <a:r>
-              <a:rPr lang="de-DE" dirty="0"/>
-              <a:t> </a:t>
-            </a:r>
-            <a:r>
-              <a:rPr lang="de-DE" dirty="0" err="1"/>
-              <a:t>useful</a:t>
-            </a:r>
-            <a:r>
-              <a:rPr lang="de-DE" dirty="0"/>
-              <a:t> </a:t>
-            </a:r>
-            <a:r>
-              <a:rPr lang="de-DE" dirty="0" err="1"/>
-              <a:t>tools</a:t>
-            </a:r>
-            <a:r>
-              <a:rPr lang="de-DE" dirty="0"/>
-              <a:t> </a:t>
-            </a:r>
-            <a:r>
-              <a:rPr lang="de-DE" dirty="0" err="1"/>
-              <a:t>for</a:t>
-            </a:r>
-            <a:r>
-              <a:rPr lang="de-DE" dirty="0"/>
-              <a:t> </a:t>
-            </a:r>
-            <a:r>
-              <a:rPr lang="de-DE" dirty="0" err="1"/>
-              <a:t>registering</a:t>
-            </a:r>
-            <a:r>
-              <a:rPr lang="de-DE" dirty="0"/>
-              <a:t> </a:t>
-            </a:r>
-            <a:r>
-              <a:rPr lang="de-DE" dirty="0" err="1"/>
-              <a:t>routes</a:t>
-            </a:r>
-            <a:r>
-              <a:rPr lang="de-DE" dirty="0"/>
-              <a:t> and </a:t>
-            </a:r>
-            <a:r>
-              <a:rPr lang="de-DE" dirty="0" err="1"/>
-              <a:t>for</a:t>
-            </a:r>
-            <a:r>
-              <a:rPr lang="de-DE" dirty="0"/>
-              <a:t> </a:t>
-            </a:r>
-            <a:r>
-              <a:rPr lang="de-DE" dirty="0" err="1"/>
-              <a:t>extracting</a:t>
-            </a:r>
-            <a:r>
-              <a:rPr lang="de-DE" dirty="0"/>
-              <a:t> </a:t>
-            </a:r>
-            <a:r>
-              <a:rPr lang="de-DE" dirty="0" err="1"/>
-              <a:t>data</a:t>
-            </a:r>
-            <a:r>
-              <a:rPr lang="de-DE" dirty="0"/>
-              <a:t> </a:t>
-            </a:r>
-            <a:r>
-              <a:rPr lang="de-DE" dirty="0" err="1"/>
-              <a:t>from</a:t>
-            </a:r>
-            <a:r>
-              <a:rPr lang="de-DE" dirty="0"/>
-              <a:t> </a:t>
-            </a:r>
-            <a:r>
-              <a:rPr lang="de-DE" dirty="0" err="1"/>
-              <a:t>request</a:t>
-            </a:r>
-            <a:endParaRPr lang="de-DE" dirty="0"/>
-          </a:p>
-          <a:p>
-            <a:pPr marL="0" indent="0">
-              <a:buNone/>
-            </a:pPr>
-            <a:endParaRPr lang="de-DE" dirty="0"/>
-          </a:p>
-          <a:p>
-            <a:pPr marL="0" indent="0">
-              <a:buNone/>
-            </a:pPr>
-            <a:r>
-              <a:rPr lang="de-AT" sz="2000" b="0" dirty="0">
-                <a:solidFill>
-                  <a:srgbClr val="4EC9B0"/>
-                </a:solidFill>
-                <a:effectLst/>
-                <a:latin typeface="Menlo" panose="020B0609030804020204" pitchFamily="49" charset="0"/>
-              </a:rPr>
-              <a:t>web</a:t>
-            </a:r>
-            <a:r>
-              <a:rPr lang="de-AT" sz="2000" b="0" dirty="0">
-                <a:solidFill>
-                  <a:srgbClr val="D4D4D4"/>
-                </a:solidFill>
-                <a:effectLst/>
-                <a:latin typeface="Menlo" panose="020B0609030804020204" pitchFamily="49" charset="0"/>
-              </a:rPr>
-              <a:t>::</a:t>
-            </a:r>
-            <a:r>
-              <a:rPr lang="de-AT" sz="2000" b="0" dirty="0" err="1">
-                <a:solidFill>
-                  <a:srgbClr val="DCDCAA"/>
-                </a:solidFill>
-                <a:effectLst/>
-                <a:latin typeface="Menlo" panose="020B0609030804020204" pitchFamily="49" charset="0"/>
-              </a:rPr>
-              <a:t>to</a:t>
-            </a:r>
-            <a:r>
-              <a:rPr lang="de-AT" sz="2000" b="0" dirty="0">
-                <a:solidFill>
-                  <a:srgbClr val="CCCCCC"/>
-                </a:solidFill>
-                <a:effectLst/>
-                <a:latin typeface="Menlo" panose="020B0609030804020204" pitchFamily="49" charset="0"/>
-              </a:rPr>
-              <a:t>(</a:t>
-            </a:r>
-            <a:r>
-              <a:rPr lang="de-AT" sz="2000" b="0" dirty="0" err="1">
-                <a:solidFill>
-                  <a:srgbClr val="DCDCAA"/>
-                </a:solidFill>
-                <a:effectLst/>
-                <a:latin typeface="Menlo" panose="020B0609030804020204" pitchFamily="49" charset="0"/>
-              </a:rPr>
-              <a:t>handler_fn</a:t>
-            </a:r>
-            <a:r>
-              <a:rPr lang="de-AT" sz="2000" b="0" dirty="0">
-                <a:solidFill>
-                  <a:srgbClr val="CCCCCC"/>
-                </a:solidFill>
-                <a:effectLst/>
-                <a:latin typeface="Menlo" panose="020B0609030804020204" pitchFamily="49" charset="0"/>
-              </a:rPr>
-              <a:t>) // </a:t>
-            </a:r>
-            <a:r>
-              <a:rPr lang="de-AT" sz="2000" b="0" dirty="0" err="1">
-                <a:solidFill>
-                  <a:srgbClr val="CCCCCC"/>
-                </a:solidFill>
-                <a:effectLst/>
-                <a:latin typeface="Menlo" panose="020B0609030804020204" pitchFamily="49" charset="0"/>
-              </a:rPr>
-              <a:t>any</a:t>
-            </a:r>
-            <a:r>
-              <a:rPr lang="de-AT" sz="2000" b="0" dirty="0">
-                <a:solidFill>
-                  <a:srgbClr val="CCCCCC"/>
-                </a:solidFill>
-                <a:effectLst/>
-                <a:latin typeface="Menlo" panose="020B0609030804020204" pitchFamily="49" charset="0"/>
-              </a:rPr>
-              <a:t> </a:t>
-            </a:r>
-            <a:r>
-              <a:rPr lang="de-AT" sz="2000" b="0" dirty="0" err="1">
-                <a:solidFill>
-                  <a:srgbClr val="CCCCCC"/>
-                </a:solidFill>
-                <a:effectLst/>
-                <a:latin typeface="Menlo" panose="020B0609030804020204" pitchFamily="49" charset="0"/>
-              </a:rPr>
-              <a:t>method</a:t>
-            </a:r>
-            <a:r>
-              <a:rPr lang="de-AT" sz="2000" b="0" dirty="0">
-                <a:solidFill>
-                  <a:srgbClr val="CCCCCC"/>
-                </a:solidFill>
-                <a:effectLst/>
-                <a:latin typeface="Menlo" panose="020B0609030804020204" pitchFamily="49" charset="0"/>
-              </a:rPr>
-              <a:t> </a:t>
-            </a:r>
-            <a:r>
-              <a:rPr lang="de-AT" sz="2000" b="0" dirty="0" err="1">
-                <a:solidFill>
-                  <a:srgbClr val="CCCCCC"/>
-                </a:solidFill>
-                <a:effectLst/>
-                <a:latin typeface="Menlo" panose="020B0609030804020204" pitchFamily="49" charset="0"/>
-              </a:rPr>
-              <a:t>is</a:t>
-            </a:r>
-            <a:r>
-              <a:rPr lang="de-AT" sz="2000" b="0" dirty="0">
-                <a:solidFill>
-                  <a:srgbClr val="CCCCCC"/>
-                </a:solidFill>
-                <a:effectLst/>
-                <a:latin typeface="Menlo" panose="020B0609030804020204" pitchFamily="49" charset="0"/>
-              </a:rPr>
-              <a:t> </a:t>
-            </a:r>
-            <a:r>
-              <a:rPr lang="de-AT" sz="2000" b="0" dirty="0" err="1">
-                <a:solidFill>
-                  <a:srgbClr val="CCCCCC"/>
-                </a:solidFill>
-                <a:effectLst/>
-                <a:latin typeface="Menlo" panose="020B0609030804020204" pitchFamily="49" charset="0"/>
-              </a:rPr>
-              <a:t>allowed</a:t>
-            </a:r>
-            <a:endParaRPr lang="de-AT" sz="2000" b="0" dirty="0">
-              <a:solidFill>
-                <a:srgbClr val="4EC9B0"/>
-              </a:solidFill>
-              <a:effectLst/>
-              <a:latin typeface="Menlo" panose="020B0609030804020204" pitchFamily="49" charset="0"/>
-            </a:endParaRPr>
-          </a:p>
-          <a:p>
-            <a:pPr marL="0" indent="0">
-              <a:buNone/>
-            </a:pPr>
-            <a:r>
-              <a:rPr lang="de-AT" sz="2000" b="0" dirty="0">
-                <a:solidFill>
-                  <a:srgbClr val="4EC9B0"/>
-                </a:solidFill>
-                <a:effectLst/>
-                <a:latin typeface="Menlo" panose="020B0609030804020204" pitchFamily="49" charset="0"/>
-              </a:rPr>
-              <a:t>web</a:t>
-            </a:r>
-            <a:r>
-              <a:rPr lang="de-AT" sz="2000" b="0" dirty="0">
-                <a:solidFill>
-                  <a:srgbClr val="D4D4D4"/>
-                </a:solidFill>
-                <a:effectLst/>
-                <a:latin typeface="Menlo" panose="020B0609030804020204" pitchFamily="49" charset="0"/>
-              </a:rPr>
-              <a:t>::</a:t>
-            </a:r>
-            <a:r>
-              <a:rPr lang="de-AT" sz="2000" b="0" dirty="0" err="1">
-                <a:solidFill>
-                  <a:srgbClr val="DCDCAA"/>
-                </a:solidFill>
-                <a:effectLst/>
-                <a:latin typeface="Menlo" panose="020B0609030804020204" pitchFamily="49" charset="0"/>
-              </a:rPr>
-              <a:t>get</a:t>
-            </a:r>
-            <a:r>
-              <a:rPr lang="de-AT" sz="2000" b="0" dirty="0">
-                <a:solidFill>
-                  <a:srgbClr val="CCCCCC"/>
-                </a:solidFill>
-                <a:effectLst/>
-                <a:latin typeface="Menlo" panose="020B0609030804020204" pitchFamily="49" charset="0"/>
-              </a:rPr>
-              <a:t>()</a:t>
-            </a:r>
-            <a:r>
-              <a:rPr lang="de-AT" sz="2000" b="0" dirty="0">
-                <a:solidFill>
-                  <a:srgbClr val="D4D4D4"/>
-                </a:solidFill>
-                <a:effectLst/>
-                <a:latin typeface="Menlo" panose="020B0609030804020204" pitchFamily="49" charset="0"/>
-              </a:rPr>
-              <a:t>.</a:t>
-            </a:r>
-            <a:r>
-              <a:rPr lang="de-AT" sz="2000" b="0" dirty="0" err="1">
-                <a:solidFill>
-                  <a:srgbClr val="DCDCAA"/>
-                </a:solidFill>
-                <a:effectLst/>
-                <a:latin typeface="Menlo" panose="020B0609030804020204" pitchFamily="49" charset="0"/>
-              </a:rPr>
-              <a:t>to</a:t>
-            </a:r>
-            <a:r>
-              <a:rPr lang="de-AT" sz="2000" b="0" dirty="0">
-                <a:solidFill>
-                  <a:srgbClr val="CCCCCC"/>
-                </a:solidFill>
-                <a:effectLst/>
-                <a:latin typeface="Menlo" panose="020B0609030804020204" pitchFamily="49" charset="0"/>
-              </a:rPr>
-              <a:t>(</a:t>
-            </a:r>
-            <a:r>
-              <a:rPr lang="de-AT" sz="2000" b="0" dirty="0" err="1">
-                <a:solidFill>
-                  <a:srgbClr val="DCDCAA"/>
-                </a:solidFill>
-                <a:effectLst/>
-                <a:latin typeface="Menlo" panose="020B0609030804020204" pitchFamily="49" charset="0"/>
-              </a:rPr>
-              <a:t>handler_fn</a:t>
-            </a:r>
-            <a:r>
-              <a:rPr lang="de-AT" sz="2000" b="0" dirty="0">
-                <a:solidFill>
-                  <a:srgbClr val="CCCCCC"/>
-                </a:solidFill>
-                <a:effectLst/>
-                <a:latin typeface="Menlo" panose="020B0609030804020204" pitchFamily="49" charset="0"/>
-              </a:rPr>
-              <a:t>) // </a:t>
-            </a:r>
-            <a:r>
-              <a:rPr lang="de-AT" sz="2000" b="0" dirty="0" err="1">
-                <a:solidFill>
-                  <a:srgbClr val="CCCCCC"/>
-                </a:solidFill>
-                <a:effectLst/>
-                <a:latin typeface="Menlo" panose="020B0609030804020204" pitchFamily="49" charset="0"/>
-              </a:rPr>
-              <a:t>only</a:t>
-            </a:r>
-            <a:r>
-              <a:rPr lang="de-AT" sz="2000" b="0" dirty="0">
-                <a:solidFill>
-                  <a:srgbClr val="CCCCCC"/>
-                </a:solidFill>
-                <a:effectLst/>
-                <a:latin typeface="Menlo" panose="020B0609030804020204" pitchFamily="49" charset="0"/>
-              </a:rPr>
-              <a:t> </a:t>
-            </a:r>
-            <a:r>
-              <a:rPr lang="de-AT" sz="2000" b="0" dirty="0" err="1">
-                <a:solidFill>
-                  <a:srgbClr val="CCCCCC"/>
-                </a:solidFill>
-                <a:effectLst/>
-                <a:latin typeface="Menlo" panose="020B0609030804020204" pitchFamily="49" charset="0"/>
-              </a:rPr>
-              <a:t>get</a:t>
-            </a:r>
-            <a:r>
-              <a:rPr lang="de-AT" sz="2000" b="0" dirty="0">
-                <a:solidFill>
-                  <a:srgbClr val="CCCCCC"/>
-                </a:solidFill>
-                <a:effectLst/>
-                <a:latin typeface="Menlo" panose="020B0609030804020204" pitchFamily="49" charset="0"/>
-              </a:rPr>
-              <a:t> </a:t>
-            </a:r>
-            <a:r>
-              <a:rPr lang="de-AT" sz="2000" b="0" dirty="0" err="1">
-                <a:solidFill>
-                  <a:srgbClr val="CCCCCC"/>
-                </a:solidFill>
-                <a:effectLst/>
-                <a:latin typeface="Menlo" panose="020B0609030804020204" pitchFamily="49" charset="0"/>
-              </a:rPr>
-              <a:t>method</a:t>
-            </a:r>
-            <a:r>
-              <a:rPr lang="de-AT" sz="2000" b="0" dirty="0">
-                <a:solidFill>
-                  <a:srgbClr val="CCCCCC"/>
-                </a:solidFill>
-                <a:effectLst/>
-                <a:latin typeface="Menlo" panose="020B0609030804020204" pitchFamily="49" charset="0"/>
-              </a:rPr>
-              <a:t> </a:t>
-            </a:r>
-            <a:r>
-              <a:rPr lang="de-AT" sz="2000" b="0" dirty="0" err="1">
-                <a:solidFill>
-                  <a:srgbClr val="CCCCCC"/>
-                </a:solidFill>
-                <a:effectLst/>
-                <a:latin typeface="Menlo" panose="020B0609030804020204" pitchFamily="49" charset="0"/>
-              </a:rPr>
-              <a:t>is</a:t>
-            </a:r>
-            <a:r>
-              <a:rPr lang="de-AT" sz="2000" b="0" dirty="0">
-                <a:solidFill>
-                  <a:srgbClr val="CCCCCC"/>
-                </a:solidFill>
-                <a:effectLst/>
-                <a:latin typeface="Menlo" panose="020B0609030804020204" pitchFamily="49" charset="0"/>
-              </a:rPr>
-              <a:t> </a:t>
-            </a:r>
-            <a:r>
-              <a:rPr lang="de-AT" sz="2000" b="0" dirty="0" err="1">
-                <a:solidFill>
-                  <a:srgbClr val="CCCCCC"/>
-                </a:solidFill>
-                <a:effectLst/>
-                <a:latin typeface="Menlo" panose="020B0609030804020204" pitchFamily="49" charset="0"/>
-              </a:rPr>
-              <a:t>allowed</a:t>
-            </a:r>
-            <a:endParaRPr lang="de-AT" sz="2000" b="0" dirty="0">
-              <a:solidFill>
-                <a:srgbClr val="CCCCCC"/>
-              </a:solidFill>
-              <a:effectLst/>
-              <a:latin typeface="Menlo" panose="020B0609030804020204" pitchFamily="49" charset="0"/>
-            </a:endParaRPr>
-          </a:p>
-          <a:p>
-            <a:pPr marL="0" indent="0">
-              <a:buNone/>
-            </a:pPr>
-            <a:endParaRPr lang="de-AT" sz="2000" b="0" dirty="0">
-              <a:solidFill>
-                <a:srgbClr val="CCCCCC"/>
-              </a:solidFill>
-              <a:effectLst/>
-              <a:latin typeface="Menlo" panose="020B0609030804020204" pitchFamily="49" charset="0"/>
-            </a:endParaRPr>
-          </a:p>
-          <a:p>
-            <a:pPr marL="0" indent="0">
-              <a:buNone/>
-            </a:pPr>
-            <a:r>
-              <a:rPr lang="de-DE" dirty="0"/>
-              <a:t>… </a:t>
-            </a:r>
-            <a:r>
-              <a:rPr lang="de-DE" dirty="0" err="1"/>
-              <a:t>or</a:t>
-            </a:r>
-            <a:r>
-              <a:rPr lang="de-DE" dirty="0"/>
-              <a:t> </a:t>
-            </a:r>
-            <a:r>
-              <a:rPr lang="de-DE" dirty="0" err="1"/>
-              <a:t>use</a:t>
-            </a:r>
-            <a:r>
-              <a:rPr lang="de-DE" dirty="0"/>
-              <a:t> a </a:t>
-            </a:r>
-            <a:r>
-              <a:rPr lang="de-DE" dirty="0" err="1"/>
-              <a:t>procedural</a:t>
-            </a:r>
-            <a:r>
-              <a:rPr lang="de-DE" dirty="0"/>
-              <a:t> </a:t>
-            </a:r>
-            <a:r>
-              <a:rPr lang="de-DE" dirty="0" err="1"/>
-              <a:t>macro</a:t>
-            </a:r>
-            <a:endParaRPr lang="de-DE" dirty="0"/>
-          </a:p>
-        </p:txBody>
-      </p:sp>
-    </p:spTree>
-    <p:extLst>
-      <p:ext uri="{BB962C8B-B14F-4D97-AF65-F5344CB8AC3E}">
-        <p14:creationId xmlns:p14="http://schemas.microsoft.com/office/powerpoint/2010/main" val="3940972417"/>
       </p:ext>
     </p:extLst>
   </p:cSld>

--- a/Pres.pptx
+++ b/Pres.pptx
@@ -7,20 +7,18 @@
   <p:sldIdLst>
     <p:sldId id="262" r:id="rId2"/>
     <p:sldId id="257" r:id="rId3"/>
-    <p:sldId id="264" r:id="rId4"/>
-    <p:sldId id="261" r:id="rId5"/>
-    <p:sldId id="274" r:id="rId6"/>
-    <p:sldId id="260" r:id="rId7"/>
+    <p:sldId id="261" r:id="rId4"/>
+    <p:sldId id="274" r:id="rId5"/>
+    <p:sldId id="260" r:id="rId6"/>
+    <p:sldId id="268" r:id="rId7"/>
     <p:sldId id="265" r:id="rId8"/>
-    <p:sldId id="266" r:id="rId9"/>
-    <p:sldId id="268" r:id="rId10"/>
-    <p:sldId id="267" r:id="rId11"/>
-    <p:sldId id="269" r:id="rId12"/>
-    <p:sldId id="270" r:id="rId13"/>
-    <p:sldId id="271" r:id="rId14"/>
-    <p:sldId id="272" r:id="rId15"/>
-    <p:sldId id="258" r:id="rId16"/>
-    <p:sldId id="273" r:id="rId17"/>
+    <p:sldId id="267" r:id="rId9"/>
+    <p:sldId id="269" r:id="rId10"/>
+    <p:sldId id="270" r:id="rId11"/>
+    <p:sldId id="271" r:id="rId12"/>
+    <p:sldId id="272" r:id="rId13"/>
+    <p:sldId id="258" r:id="rId14"/>
+    <p:sldId id="273" r:id="rId15"/>
   </p:sldIdLst>
   <p:sldSz cx="12192000" cy="6858000"/>
   <p:notesSz cx="6858000" cy="9144000"/>
@@ -5662,959 +5660,6 @@
           <p:cNvPr id="2" name="Titel 1">
             <a:extLst>
               <a:ext uri="{FF2B5EF4-FFF2-40B4-BE49-F238E27FC236}">
-                <a16:creationId xmlns:a16="http://schemas.microsoft.com/office/drawing/2014/main" id="{751842EB-203D-FD96-6EDF-06C32DE3C360}"/>
-              </a:ext>
-            </a:extLst>
-          </p:cNvPr>
-          <p:cNvSpPr>
-            <a:spLocks noGrp="1"/>
-          </p:cNvSpPr>
-          <p:nvPr>
-            <p:ph type="title"/>
-          </p:nvPr>
-        </p:nvSpPr>
-        <p:spPr/>
-        <p:txBody>
-          <a:bodyPr/>
-          <a:lstStyle/>
-          <a:p>
-            <a:r>
-              <a:rPr lang="de-DE" dirty="0"/>
-              <a:t>Customize a </a:t>
-            </a:r>
-            <a:r>
-              <a:rPr lang="de-DE" dirty="0" err="1"/>
-              <a:t>HttpResponse</a:t>
-            </a:r>
-            <a:endParaRPr lang="de-AT" dirty="0"/>
-          </a:p>
-        </p:txBody>
-      </p:sp>
-      <p:sp>
-        <p:nvSpPr>
-          <p:cNvPr id="3" name="Inhaltsplatzhalter 2">
-            <a:extLst>
-              <a:ext uri="{FF2B5EF4-FFF2-40B4-BE49-F238E27FC236}">
-                <a16:creationId xmlns:a16="http://schemas.microsoft.com/office/drawing/2014/main" id="{7E4BFCF8-2ADC-1A5C-6E3D-63B4575E4FDE}"/>
-              </a:ext>
-            </a:extLst>
-          </p:cNvPr>
-          <p:cNvSpPr>
-            <a:spLocks noGrp="1"/>
-          </p:cNvSpPr>
-          <p:nvPr>
-            <p:ph idx="1"/>
-          </p:nvPr>
-        </p:nvSpPr>
-        <p:spPr/>
-        <p:txBody>
-          <a:bodyPr/>
-          <a:lstStyle/>
-          <a:p>
-            <a:pPr marL="0" indent="0">
-              <a:buNone/>
-            </a:pPr>
-            <a:r>
-              <a:rPr lang="de-DE" dirty="0"/>
-              <a:t>The Responder </a:t>
-            </a:r>
-            <a:r>
-              <a:rPr lang="de-DE" dirty="0" err="1"/>
-              <a:t>trait</a:t>
-            </a:r>
-            <a:r>
-              <a:rPr lang="de-DE" dirty="0"/>
-              <a:t> </a:t>
-            </a:r>
-            <a:r>
-              <a:rPr lang="de-DE" dirty="0" err="1"/>
-              <a:t>provides</a:t>
-            </a:r>
-            <a:r>
-              <a:rPr lang="de-DE" dirty="0"/>
-              <a:t> a </a:t>
-            </a:r>
-            <a:r>
-              <a:rPr lang="de-DE" dirty="0" err="1"/>
-              <a:t>method</a:t>
-            </a:r>
-            <a:r>
-              <a:rPr lang="de-DE" dirty="0"/>
-              <a:t> </a:t>
-            </a:r>
-            <a:r>
-              <a:rPr lang="de-DE" dirty="0" err="1"/>
-              <a:t>for</a:t>
-            </a:r>
-            <a:r>
-              <a:rPr lang="de-DE" dirty="0"/>
-              <a:t> </a:t>
-            </a:r>
-            <a:r>
-              <a:rPr lang="de-DE" dirty="0" err="1"/>
-              <a:t>customizing</a:t>
-            </a:r>
-            <a:r>
-              <a:rPr lang="de-DE" dirty="0"/>
-              <a:t> </a:t>
-            </a:r>
-            <a:r>
-              <a:rPr lang="de-DE" dirty="0" err="1"/>
-              <a:t>responses</a:t>
-            </a:r>
-            <a:r>
-              <a:rPr lang="de-DE" dirty="0"/>
-              <a:t>:</a:t>
-            </a:r>
-          </a:p>
-          <a:p>
-            <a:pPr marL="0" indent="0">
-              <a:buNone/>
-            </a:pPr>
-            <a:endParaRPr lang="de-DE" dirty="0"/>
-          </a:p>
-          <a:p>
-            <a:pPr marL="0" indent="0">
-              <a:buNone/>
-            </a:pPr>
-            <a:r>
-              <a:rPr lang="de-AT" b="0" dirty="0">
-                <a:solidFill>
-                  <a:srgbClr val="DCDCAA"/>
-                </a:solidFill>
-                <a:effectLst/>
-                <a:latin typeface="Consolas" panose="020B0609020204030204" pitchFamily="49" charset="0"/>
-              </a:rPr>
-              <a:t>customize</a:t>
-            </a:r>
-            <a:r>
-              <a:rPr lang="de-AT" b="0" dirty="0">
-                <a:solidFill>
-                  <a:srgbClr val="D4D4D4"/>
-                </a:solidFill>
-                <a:effectLst/>
-                <a:latin typeface="Consolas" panose="020B0609020204030204" pitchFamily="49" charset="0"/>
-              </a:rPr>
-              <a:t>()</a:t>
-            </a:r>
-          </a:p>
-          <a:p>
-            <a:pPr marL="0" indent="0">
-              <a:buNone/>
-            </a:pPr>
-            <a:endParaRPr lang="de-AT" dirty="0"/>
-          </a:p>
-          <a:p>
-            <a:pPr marL="0" indent="0">
-              <a:buNone/>
-            </a:pPr>
-            <a:r>
-              <a:rPr lang="de-AT" dirty="0"/>
-              <a:t>The </a:t>
-            </a:r>
-            <a:r>
-              <a:rPr lang="de-AT" dirty="0" err="1"/>
-              <a:t>HttpResponse</a:t>
-            </a:r>
-            <a:r>
-              <a:rPr lang="de-AT" dirty="0"/>
-              <a:t> </a:t>
-            </a:r>
-            <a:r>
-              <a:rPr lang="de-AT" dirty="0" err="1"/>
-              <a:t>struct</a:t>
-            </a:r>
-            <a:r>
-              <a:rPr lang="de-AT" dirty="0"/>
-              <a:t> </a:t>
-            </a:r>
-            <a:r>
-              <a:rPr lang="de-AT" dirty="0" err="1"/>
-              <a:t>provides</a:t>
-            </a:r>
-            <a:r>
-              <a:rPr lang="de-AT" dirty="0"/>
-              <a:t> a </a:t>
-            </a:r>
-            <a:r>
-              <a:rPr lang="de-AT" dirty="0" err="1"/>
-              <a:t>method</a:t>
-            </a:r>
-            <a:r>
-              <a:rPr lang="de-AT" dirty="0"/>
-              <a:t> </a:t>
-            </a:r>
-            <a:r>
-              <a:rPr lang="de-AT" dirty="0" err="1"/>
-              <a:t>to</a:t>
-            </a:r>
-            <a:r>
-              <a:rPr lang="de-AT" dirty="0"/>
-              <a:t> </a:t>
-            </a:r>
-            <a:r>
-              <a:rPr lang="de-AT" dirty="0" err="1"/>
-              <a:t>build</a:t>
-            </a:r>
-            <a:r>
-              <a:rPr lang="de-AT" dirty="0"/>
-              <a:t> a </a:t>
-            </a:r>
-            <a:r>
-              <a:rPr lang="de-AT" dirty="0" err="1"/>
-              <a:t>customized</a:t>
-            </a:r>
-            <a:r>
-              <a:rPr lang="de-AT" dirty="0"/>
-              <a:t> </a:t>
-            </a:r>
-            <a:r>
-              <a:rPr lang="de-AT" dirty="0" err="1"/>
-              <a:t>response</a:t>
-            </a:r>
-            <a:r>
-              <a:rPr lang="de-AT" dirty="0"/>
-              <a:t>:</a:t>
-            </a:r>
-          </a:p>
-          <a:p>
-            <a:pPr marL="0" indent="0">
-              <a:buNone/>
-            </a:pPr>
-            <a:endParaRPr lang="de-AT" dirty="0"/>
-          </a:p>
-          <a:p>
-            <a:pPr marL="0" indent="0">
-              <a:buNone/>
-            </a:pPr>
-            <a:r>
-              <a:rPr lang="de-AT" b="0" dirty="0" err="1">
-                <a:solidFill>
-                  <a:srgbClr val="DCDCAA"/>
-                </a:solidFill>
-                <a:effectLst/>
-                <a:latin typeface="Consolas" panose="020B0609020204030204" pitchFamily="49" charset="0"/>
-              </a:rPr>
-              <a:t>build</a:t>
-            </a:r>
-            <a:r>
-              <a:rPr lang="de-AT" b="0" dirty="0">
-                <a:solidFill>
-                  <a:srgbClr val="D4D4D4"/>
-                </a:solidFill>
-                <a:effectLst/>
-                <a:latin typeface="Consolas" panose="020B0609020204030204" pitchFamily="49" charset="0"/>
-              </a:rPr>
-              <a:t>()</a:t>
-            </a:r>
-          </a:p>
-          <a:p>
-            <a:pPr marL="0" indent="0">
-              <a:buNone/>
-            </a:pPr>
-            <a:endParaRPr lang="de-AT" dirty="0"/>
-          </a:p>
-        </p:txBody>
-      </p:sp>
-    </p:spTree>
-    <p:extLst>
-      <p:ext uri="{BB962C8B-B14F-4D97-AF65-F5344CB8AC3E}">
-        <p14:creationId xmlns:p14="http://schemas.microsoft.com/office/powerpoint/2010/main" val="3749233082"/>
-      </p:ext>
-    </p:extLst>
-  </p:cSld>
-  <p:clrMapOvr>
-    <a:masterClrMapping/>
-  </p:clrMapOvr>
-</p:sld>
-</file>
-
-<file path=ppt/slides/slide11.xml><?xml version="1.0" encoding="utf-8"?>
-<p:sld xmlns:a="http://schemas.openxmlformats.org/drawingml/2006/main" xmlns:r="http://schemas.openxmlformats.org/officeDocument/2006/relationships" xmlns:p="http://schemas.openxmlformats.org/presentationml/2006/main">
-  <p:cSld>
-    <p:spTree>
-      <p:nvGrpSpPr>
-        <p:cNvPr id="1" name=""/>
-        <p:cNvGrpSpPr/>
-        <p:nvPr/>
-      </p:nvGrpSpPr>
-      <p:grpSpPr>
-        <a:xfrm>
-          <a:off x="0" y="0"/>
-          <a:ext cx="0" cy="0"/>
-          <a:chOff x="0" y="0"/>
-          <a:chExt cx="0" cy="0"/>
-        </a:xfrm>
-      </p:grpSpPr>
-      <p:sp>
-        <p:nvSpPr>
-          <p:cNvPr id="2" name="Titel 1">
-            <a:extLst>
-              <a:ext uri="{FF2B5EF4-FFF2-40B4-BE49-F238E27FC236}">
-                <a16:creationId xmlns:a16="http://schemas.microsoft.com/office/drawing/2014/main" id="{BD531336-1A28-5391-A234-001E13741834}"/>
-              </a:ext>
-            </a:extLst>
-          </p:cNvPr>
-          <p:cNvSpPr>
-            <a:spLocks noGrp="1"/>
-          </p:cNvSpPr>
-          <p:nvPr>
-            <p:ph type="title"/>
-          </p:nvPr>
-        </p:nvSpPr>
-        <p:spPr/>
-        <p:txBody>
-          <a:bodyPr/>
-          <a:lstStyle/>
-          <a:p>
-            <a:r>
-              <a:rPr lang="de-DE" dirty="0" err="1"/>
-              <a:t>Serve</a:t>
-            </a:r>
-            <a:r>
-              <a:rPr lang="de-DE" dirty="0"/>
-              <a:t> a </a:t>
-            </a:r>
-            <a:r>
-              <a:rPr lang="de-DE" dirty="0" err="1"/>
-              <a:t>static</a:t>
-            </a:r>
-            <a:r>
-              <a:rPr lang="de-DE" dirty="0"/>
-              <a:t> </a:t>
-            </a:r>
-            <a:r>
-              <a:rPr lang="de-DE" dirty="0" err="1"/>
-              <a:t>file</a:t>
-            </a:r>
-            <a:endParaRPr lang="de-DE" dirty="0"/>
-          </a:p>
-        </p:txBody>
-      </p:sp>
-      <p:sp>
-        <p:nvSpPr>
-          <p:cNvPr id="3" name="Inhaltsplatzhalter 2">
-            <a:extLst>
-              <a:ext uri="{FF2B5EF4-FFF2-40B4-BE49-F238E27FC236}">
-                <a16:creationId xmlns:a16="http://schemas.microsoft.com/office/drawing/2014/main" id="{A00525D1-C880-9B7B-BD27-E49FD761B6AD}"/>
-              </a:ext>
-            </a:extLst>
-          </p:cNvPr>
-          <p:cNvSpPr>
-            <a:spLocks noGrp="1"/>
-          </p:cNvSpPr>
-          <p:nvPr>
-            <p:ph idx="1"/>
-          </p:nvPr>
-        </p:nvSpPr>
-        <p:spPr/>
-        <p:txBody>
-          <a:bodyPr>
-            <a:normAutofit fontScale="92500"/>
-          </a:bodyPr>
-          <a:lstStyle/>
-          <a:p>
-            <a:pPr marL="0" indent="0">
-              <a:buNone/>
-            </a:pPr>
-            <a:r>
-              <a:rPr lang="de-DE" dirty="0" err="1"/>
-              <a:t>To</a:t>
-            </a:r>
-            <a:r>
-              <a:rPr lang="de-DE" dirty="0"/>
-              <a:t> </a:t>
-            </a:r>
-            <a:r>
-              <a:rPr lang="de-DE" dirty="0" err="1"/>
-              <a:t>serve</a:t>
-            </a:r>
-            <a:r>
-              <a:rPr lang="de-DE" dirty="0"/>
-              <a:t> </a:t>
-            </a:r>
-            <a:r>
-              <a:rPr lang="de-DE" dirty="0" err="1"/>
-              <a:t>static</a:t>
-            </a:r>
-            <a:r>
-              <a:rPr lang="de-DE" dirty="0"/>
-              <a:t> </a:t>
-            </a:r>
-            <a:r>
-              <a:rPr lang="de-DE" dirty="0" err="1"/>
-              <a:t>files</a:t>
-            </a:r>
-            <a:r>
-              <a:rPr lang="de-DE" dirty="0"/>
-              <a:t> </a:t>
-            </a:r>
-            <a:r>
-              <a:rPr lang="de-DE" dirty="0" err="1"/>
-              <a:t>you</a:t>
-            </a:r>
-            <a:r>
-              <a:rPr lang="de-DE" dirty="0"/>
-              <a:t> </a:t>
-            </a:r>
-            <a:r>
-              <a:rPr lang="de-DE" dirty="0" err="1"/>
-              <a:t>can</a:t>
-            </a:r>
-            <a:r>
-              <a:rPr lang="de-DE" dirty="0"/>
-              <a:t> </a:t>
-            </a:r>
-            <a:r>
-              <a:rPr lang="de-DE" dirty="0" err="1"/>
-              <a:t>use</a:t>
-            </a:r>
-            <a:r>
-              <a:rPr lang="de-DE" dirty="0"/>
-              <a:t> </a:t>
-            </a:r>
-            <a:r>
-              <a:rPr lang="de-DE" dirty="0" err="1"/>
-              <a:t>the</a:t>
-            </a:r>
-            <a:r>
-              <a:rPr lang="de-DE" dirty="0"/>
-              <a:t> </a:t>
-            </a:r>
-            <a:r>
-              <a:rPr lang="de-DE" dirty="0" err="1"/>
-              <a:t>actix</a:t>
-            </a:r>
-            <a:r>
-              <a:rPr lang="de-DE" dirty="0"/>
-              <a:t>-files </a:t>
-            </a:r>
-            <a:r>
-              <a:rPr lang="de-DE" dirty="0" err="1"/>
-              <a:t>crate</a:t>
-            </a:r>
-            <a:endParaRPr lang="de-DE" dirty="0"/>
-          </a:p>
-          <a:p>
-            <a:pPr marL="0" indent="0">
-              <a:buNone/>
-            </a:pPr>
-            <a:endParaRPr lang="de-DE" dirty="0"/>
-          </a:p>
-          <a:p>
-            <a:pPr marL="0" indent="0">
-              <a:buNone/>
-            </a:pPr>
-            <a:r>
-              <a:rPr lang="de-DE" dirty="0" err="1"/>
-              <a:t>You</a:t>
-            </a:r>
-            <a:r>
-              <a:rPr lang="de-DE" dirty="0"/>
-              <a:t> </a:t>
-            </a:r>
-            <a:r>
-              <a:rPr lang="de-DE" dirty="0" err="1"/>
-              <a:t>can</a:t>
-            </a:r>
-            <a:r>
-              <a:rPr lang="de-DE" dirty="0"/>
-              <a:t> </a:t>
-            </a:r>
-            <a:r>
-              <a:rPr lang="de-DE" dirty="0" err="1"/>
-              <a:t>use</a:t>
-            </a:r>
-            <a:r>
-              <a:rPr lang="de-DE" dirty="0"/>
-              <a:t> </a:t>
-            </a:r>
-            <a:r>
-              <a:rPr lang="de-DE" dirty="0" err="1"/>
-              <a:t>the</a:t>
-            </a:r>
-            <a:r>
-              <a:rPr lang="de-DE" dirty="0"/>
-              <a:t> </a:t>
-            </a:r>
-            <a:r>
-              <a:rPr lang="de-DE" dirty="0" err="1"/>
-              <a:t>extraction</a:t>
-            </a:r>
-            <a:r>
-              <a:rPr lang="de-DE" dirty="0"/>
-              <a:t> </a:t>
-            </a:r>
-            <a:r>
-              <a:rPr lang="de-DE" dirty="0" err="1"/>
-              <a:t>pattern</a:t>
-            </a:r>
-            <a:r>
-              <a:rPr lang="de-DE" dirty="0"/>
-              <a:t> </a:t>
-            </a:r>
-            <a:r>
-              <a:rPr lang="de-DE" dirty="0" err="1"/>
-              <a:t>provided</a:t>
-            </a:r>
-            <a:r>
-              <a:rPr lang="de-DE" dirty="0"/>
-              <a:t> </a:t>
-            </a:r>
-            <a:r>
-              <a:rPr lang="de-DE" dirty="0" err="1"/>
-              <a:t>for</a:t>
-            </a:r>
-            <a:r>
-              <a:rPr lang="de-DE" dirty="0"/>
-              <a:t> </a:t>
-            </a:r>
-            <a:r>
-              <a:rPr lang="de-DE"/>
-              <a:t>requests:</a:t>
-            </a:r>
-            <a:endParaRPr lang="de-DE" dirty="0"/>
-          </a:p>
-          <a:p>
-            <a:pPr marL="0" indent="0">
-              <a:buNone/>
-            </a:pPr>
-            <a:r>
-              <a:rPr lang="de-AT" b="0" dirty="0">
-                <a:solidFill>
-                  <a:srgbClr val="CE9178"/>
-                </a:solidFill>
-                <a:effectLst/>
-                <a:latin typeface="Menlo" panose="020B0609030804020204" pitchFamily="49" charset="0"/>
-              </a:rPr>
-              <a:t>"/{</a:t>
-            </a:r>
-            <a:r>
-              <a:rPr lang="de-AT" b="0" dirty="0" err="1">
-                <a:solidFill>
-                  <a:srgbClr val="CE9178"/>
-                </a:solidFill>
-                <a:effectLst/>
-                <a:latin typeface="Menlo" panose="020B0609030804020204" pitchFamily="49" charset="0"/>
-              </a:rPr>
-              <a:t>filename</a:t>
-            </a:r>
-            <a:r>
-              <a:rPr lang="de-AT" b="0" dirty="0">
-                <a:solidFill>
-                  <a:srgbClr val="CE9178"/>
-                </a:solidFill>
-                <a:effectLst/>
-                <a:latin typeface="Menlo" panose="020B0609030804020204" pitchFamily="49" charset="0"/>
-              </a:rPr>
-              <a:t>}"</a:t>
-            </a:r>
-            <a:endParaRPr lang="de-AT" b="0" dirty="0">
-              <a:solidFill>
-                <a:srgbClr val="CCCCCC"/>
-              </a:solidFill>
-              <a:effectLst/>
-              <a:latin typeface="Menlo" panose="020B0609030804020204" pitchFamily="49" charset="0"/>
-            </a:endParaRPr>
-          </a:p>
-          <a:p>
-            <a:pPr marL="0" indent="0">
-              <a:buNone/>
-            </a:pPr>
-            <a:r>
-              <a:rPr lang="de-DE" dirty="0"/>
-              <a:t> </a:t>
-            </a:r>
-          </a:p>
-          <a:p>
-            <a:pPr marL="0" indent="0">
-              <a:buNone/>
-            </a:pPr>
-            <a:r>
-              <a:rPr lang="de-DE" dirty="0" err="1"/>
-              <a:t>Extraction</a:t>
-            </a:r>
-            <a:r>
-              <a:rPr lang="de-DE" dirty="0"/>
-              <a:t> </a:t>
-            </a:r>
-            <a:r>
-              <a:rPr lang="de-DE" dirty="0" err="1"/>
-              <a:t>example</a:t>
-            </a:r>
-            <a:r>
-              <a:rPr lang="de-DE" dirty="0"/>
-              <a:t>:</a:t>
-            </a:r>
-          </a:p>
-          <a:p>
-            <a:pPr marL="0" indent="0">
-              <a:buNone/>
-            </a:pPr>
-            <a:r>
-              <a:rPr lang="de-AT" b="0" dirty="0" err="1">
-                <a:solidFill>
-                  <a:srgbClr val="569CD6"/>
-                </a:solidFill>
-                <a:effectLst/>
-                <a:latin typeface="Menlo" panose="020B0609030804020204" pitchFamily="49" charset="0"/>
-              </a:rPr>
-              <a:t>fn</a:t>
-            </a:r>
-            <a:r>
-              <a:rPr lang="de-AT" b="0" dirty="0">
-                <a:solidFill>
-                  <a:srgbClr val="CCCCCC"/>
-                </a:solidFill>
-                <a:effectLst/>
-                <a:latin typeface="Menlo" panose="020B0609030804020204" pitchFamily="49" charset="0"/>
-              </a:rPr>
-              <a:t> </a:t>
-            </a:r>
-            <a:r>
-              <a:rPr lang="de-AT" b="0" dirty="0" err="1">
-                <a:solidFill>
-                  <a:srgbClr val="DCDCAA"/>
-                </a:solidFill>
-                <a:effectLst/>
-                <a:latin typeface="Menlo" panose="020B0609030804020204" pitchFamily="49" charset="0"/>
-              </a:rPr>
-              <a:t>extract</a:t>
-            </a:r>
-            <a:r>
-              <a:rPr lang="de-AT" b="0" dirty="0">
-                <a:solidFill>
-                  <a:srgbClr val="CCCCCC"/>
-                </a:solidFill>
-                <a:effectLst/>
-                <a:latin typeface="Menlo" panose="020B0609030804020204" pitchFamily="49" charset="0"/>
-              </a:rPr>
-              <a:t>(</a:t>
-            </a:r>
-            <a:r>
-              <a:rPr lang="de-AT" b="0" dirty="0" err="1">
-                <a:solidFill>
-                  <a:srgbClr val="9CDCFE"/>
-                </a:solidFill>
-                <a:effectLst/>
-                <a:latin typeface="Menlo" panose="020B0609030804020204" pitchFamily="49" charset="0"/>
-              </a:rPr>
-              <a:t>req</a:t>
-            </a:r>
-            <a:r>
-              <a:rPr lang="de-AT" b="0" dirty="0">
-                <a:solidFill>
-                  <a:srgbClr val="D4D4D4"/>
-                </a:solidFill>
-                <a:effectLst/>
-                <a:latin typeface="Menlo" panose="020B0609030804020204" pitchFamily="49" charset="0"/>
-              </a:rPr>
-              <a:t>:</a:t>
-            </a:r>
-            <a:r>
-              <a:rPr lang="de-AT" b="0" dirty="0">
-                <a:solidFill>
-                  <a:srgbClr val="CCCCCC"/>
-                </a:solidFill>
-                <a:effectLst/>
-                <a:latin typeface="Menlo" panose="020B0609030804020204" pitchFamily="49" charset="0"/>
-              </a:rPr>
-              <a:t> </a:t>
-            </a:r>
-            <a:r>
-              <a:rPr lang="de-AT" b="0" dirty="0" err="1">
-                <a:solidFill>
-                  <a:srgbClr val="4EC9B0"/>
-                </a:solidFill>
-                <a:effectLst/>
-                <a:latin typeface="Menlo" panose="020B0609030804020204" pitchFamily="49" charset="0"/>
-              </a:rPr>
-              <a:t>HttpRequest</a:t>
-            </a:r>
-            <a:r>
-              <a:rPr lang="de-AT" b="0" dirty="0">
-                <a:solidFill>
-                  <a:srgbClr val="CCCCCC"/>
-                </a:solidFill>
-                <a:effectLst/>
-                <a:latin typeface="Menlo" panose="020B0609030804020204" pitchFamily="49" charset="0"/>
-              </a:rPr>
-              <a:t>) </a:t>
-            </a:r>
-            <a:r>
-              <a:rPr lang="de-AT" b="0" dirty="0">
-                <a:solidFill>
-                  <a:srgbClr val="D4D4D4"/>
-                </a:solidFill>
-                <a:effectLst/>
-                <a:latin typeface="Menlo" panose="020B0609030804020204" pitchFamily="49" charset="0"/>
-              </a:rPr>
-              <a:t>-&gt;</a:t>
-            </a:r>
-            <a:r>
-              <a:rPr lang="de-AT" b="0" dirty="0">
-                <a:solidFill>
-                  <a:srgbClr val="CCCCCC"/>
-                </a:solidFill>
-                <a:effectLst/>
-                <a:latin typeface="Menlo" panose="020B0609030804020204" pitchFamily="49" charset="0"/>
-              </a:rPr>
-              <a:t> </a:t>
-            </a:r>
-            <a:r>
-              <a:rPr lang="de-AT" b="0" dirty="0" err="1">
-                <a:solidFill>
-                  <a:srgbClr val="569CD6"/>
-                </a:solidFill>
-                <a:effectLst/>
-                <a:latin typeface="Menlo" panose="020B0609030804020204" pitchFamily="49" charset="0"/>
-              </a:rPr>
-              <a:t>impl</a:t>
-            </a:r>
-            <a:r>
-              <a:rPr lang="de-AT" b="0" dirty="0">
-                <a:solidFill>
-                  <a:srgbClr val="CCCCCC"/>
-                </a:solidFill>
-                <a:effectLst/>
-                <a:latin typeface="Menlo" panose="020B0609030804020204" pitchFamily="49" charset="0"/>
-              </a:rPr>
-              <a:t> </a:t>
-            </a:r>
-            <a:r>
-              <a:rPr lang="de-AT" b="0" dirty="0">
-                <a:solidFill>
-                  <a:srgbClr val="4EC9B0"/>
-                </a:solidFill>
-                <a:effectLst/>
-                <a:latin typeface="Menlo" panose="020B0609030804020204" pitchFamily="49" charset="0"/>
-              </a:rPr>
-              <a:t>Responder</a:t>
-            </a:r>
-            <a:r>
-              <a:rPr lang="de-AT" b="0" dirty="0">
-                <a:solidFill>
-                  <a:srgbClr val="CCCCCC"/>
-                </a:solidFill>
-                <a:effectLst/>
-                <a:latin typeface="Menlo" panose="020B0609030804020204" pitchFamily="49" charset="0"/>
-              </a:rPr>
-              <a:t> {</a:t>
-            </a:r>
-          </a:p>
-          <a:p>
-            <a:pPr marL="0" indent="0">
-              <a:buNone/>
-            </a:pPr>
-            <a:r>
-              <a:rPr lang="de-AT" b="0" dirty="0">
-                <a:solidFill>
-                  <a:srgbClr val="9CDCFE"/>
-                </a:solidFill>
-                <a:effectLst/>
-                <a:latin typeface="Menlo" panose="020B0609030804020204" pitchFamily="49" charset="0"/>
-              </a:rPr>
-              <a:t>	</a:t>
-            </a:r>
-            <a:r>
-              <a:rPr lang="de-AT" b="0" dirty="0" err="1">
-                <a:solidFill>
-                  <a:srgbClr val="9CDCFE"/>
-                </a:solidFill>
-                <a:effectLst/>
-                <a:latin typeface="Menlo" panose="020B0609030804020204" pitchFamily="49" charset="0"/>
-              </a:rPr>
-              <a:t>req</a:t>
-            </a:r>
-            <a:r>
-              <a:rPr lang="de-AT" b="0" dirty="0" err="1">
-                <a:solidFill>
-                  <a:srgbClr val="D4D4D4"/>
-                </a:solidFill>
-                <a:effectLst/>
-                <a:latin typeface="Menlo" panose="020B0609030804020204" pitchFamily="49" charset="0"/>
-              </a:rPr>
-              <a:t>.</a:t>
-            </a:r>
-            <a:r>
-              <a:rPr lang="de-AT" b="0" dirty="0" err="1">
-                <a:solidFill>
-                  <a:srgbClr val="DCDCAA"/>
-                </a:solidFill>
-                <a:effectLst/>
-                <a:latin typeface="Menlo" panose="020B0609030804020204" pitchFamily="49" charset="0"/>
-              </a:rPr>
-              <a:t>match_info</a:t>
-            </a:r>
-            <a:r>
-              <a:rPr lang="de-AT" b="0" dirty="0">
-                <a:solidFill>
-                  <a:srgbClr val="CCCCCC"/>
-                </a:solidFill>
-                <a:effectLst/>
-                <a:latin typeface="Menlo" panose="020B0609030804020204" pitchFamily="49" charset="0"/>
-              </a:rPr>
-              <a:t>()</a:t>
-            </a:r>
-            <a:r>
-              <a:rPr lang="de-AT" b="0" dirty="0">
-                <a:solidFill>
-                  <a:srgbClr val="D4D4D4"/>
-                </a:solidFill>
-                <a:effectLst/>
-                <a:latin typeface="Menlo" panose="020B0609030804020204" pitchFamily="49" charset="0"/>
-              </a:rPr>
-              <a:t>.</a:t>
-            </a:r>
-            <a:r>
-              <a:rPr lang="de-AT" b="0" dirty="0" err="1">
-                <a:solidFill>
-                  <a:srgbClr val="DCDCAA"/>
-                </a:solidFill>
-                <a:effectLst/>
-                <a:latin typeface="Menlo" panose="020B0609030804020204" pitchFamily="49" charset="0"/>
-              </a:rPr>
-              <a:t>query</a:t>
-            </a:r>
-            <a:r>
-              <a:rPr lang="de-AT" b="0" dirty="0">
-                <a:solidFill>
-                  <a:srgbClr val="CCCCCC"/>
-                </a:solidFill>
-                <a:effectLst/>
-                <a:latin typeface="Menlo" panose="020B0609030804020204" pitchFamily="49" charset="0"/>
-              </a:rPr>
-              <a:t>(</a:t>
-            </a:r>
-            <a:r>
-              <a:rPr lang="de-AT" b="0" dirty="0">
-                <a:solidFill>
-                  <a:srgbClr val="CE9178"/>
-                </a:solidFill>
-                <a:effectLst/>
-                <a:latin typeface="Menlo" panose="020B0609030804020204" pitchFamily="49" charset="0"/>
-              </a:rPr>
-              <a:t>"</a:t>
-            </a:r>
-            <a:r>
-              <a:rPr lang="de-AT" b="0" dirty="0" err="1">
-                <a:solidFill>
-                  <a:srgbClr val="CE9178"/>
-                </a:solidFill>
-                <a:effectLst/>
-                <a:latin typeface="Menlo" panose="020B0609030804020204" pitchFamily="49" charset="0"/>
-              </a:rPr>
-              <a:t>filename</a:t>
-            </a:r>
-            <a:r>
-              <a:rPr lang="de-AT" b="0" dirty="0">
-                <a:solidFill>
-                  <a:srgbClr val="CE9178"/>
-                </a:solidFill>
-                <a:effectLst/>
-                <a:latin typeface="Menlo" panose="020B0609030804020204" pitchFamily="49" charset="0"/>
-              </a:rPr>
-              <a:t>"</a:t>
-            </a:r>
-            <a:r>
-              <a:rPr lang="de-AT" b="0" dirty="0">
-                <a:solidFill>
-                  <a:srgbClr val="CCCCCC"/>
-                </a:solidFill>
-                <a:effectLst/>
-                <a:latin typeface="Menlo" panose="020B0609030804020204" pitchFamily="49" charset="0"/>
-              </a:rPr>
-              <a:t>)</a:t>
-            </a:r>
-            <a:r>
-              <a:rPr lang="de-AT" b="0" dirty="0">
-                <a:solidFill>
-                  <a:srgbClr val="D4D4D4"/>
-                </a:solidFill>
-                <a:effectLst/>
-                <a:latin typeface="Menlo" panose="020B0609030804020204" pitchFamily="49" charset="0"/>
-              </a:rPr>
-              <a:t>.</a:t>
-            </a:r>
-            <a:r>
-              <a:rPr lang="de-AT" b="0" dirty="0" err="1">
-                <a:solidFill>
-                  <a:srgbClr val="DCDCAA"/>
-                </a:solidFill>
-                <a:effectLst/>
-                <a:latin typeface="Menlo" panose="020B0609030804020204" pitchFamily="49" charset="0"/>
-              </a:rPr>
-              <a:t>to_string</a:t>
-            </a:r>
-            <a:r>
-              <a:rPr lang="de-AT" b="0" dirty="0">
-                <a:solidFill>
-                  <a:srgbClr val="CCCCCC"/>
-                </a:solidFill>
-                <a:effectLst/>
-                <a:latin typeface="Menlo" panose="020B0609030804020204" pitchFamily="49" charset="0"/>
-              </a:rPr>
-              <a:t>()</a:t>
-            </a:r>
-          </a:p>
-          <a:p>
-            <a:pPr marL="0" indent="0">
-              <a:buNone/>
-            </a:pPr>
-            <a:r>
-              <a:rPr lang="de-AT" b="0" dirty="0">
-                <a:solidFill>
-                  <a:srgbClr val="CCCCCC"/>
-                </a:solidFill>
-                <a:effectLst/>
-                <a:latin typeface="Menlo" panose="020B0609030804020204" pitchFamily="49" charset="0"/>
-              </a:rPr>
-              <a:t>}</a:t>
-            </a:r>
-          </a:p>
-          <a:p>
-            <a:pPr marL="0" indent="0">
-              <a:buNone/>
-            </a:pPr>
-            <a:endParaRPr lang="de-DE" dirty="0"/>
-          </a:p>
-        </p:txBody>
-      </p:sp>
-    </p:spTree>
-    <p:extLst>
-      <p:ext uri="{BB962C8B-B14F-4D97-AF65-F5344CB8AC3E}">
-        <p14:creationId xmlns:p14="http://schemas.microsoft.com/office/powerpoint/2010/main" val="1739863893"/>
-      </p:ext>
-    </p:extLst>
-  </p:cSld>
-  <p:clrMapOvr>
-    <a:masterClrMapping/>
-  </p:clrMapOvr>
-</p:sld>
-</file>
-
-<file path=ppt/slides/slide12.xml><?xml version="1.0" encoding="utf-8"?>
-<p:sld xmlns:a="http://schemas.openxmlformats.org/drawingml/2006/main" xmlns:r="http://schemas.openxmlformats.org/officeDocument/2006/relationships" xmlns:p="http://schemas.openxmlformats.org/presentationml/2006/main">
-  <p:cSld>
-    <p:spTree>
-      <p:nvGrpSpPr>
-        <p:cNvPr id="1" name=""/>
-        <p:cNvGrpSpPr/>
-        <p:nvPr/>
-      </p:nvGrpSpPr>
-      <p:grpSpPr>
-        <a:xfrm>
-          <a:off x="0" y="0"/>
-          <a:ext cx="0" cy="0"/>
-          <a:chOff x="0" y="0"/>
-          <a:chExt cx="0" cy="0"/>
-        </a:xfrm>
-      </p:grpSpPr>
-      <p:sp>
-        <p:nvSpPr>
-          <p:cNvPr id="2" name="Titel 1">
-            <a:extLst>
-              <a:ext uri="{FF2B5EF4-FFF2-40B4-BE49-F238E27FC236}">
                 <a16:creationId xmlns:a16="http://schemas.microsoft.com/office/drawing/2014/main" id="{188CF34B-AACA-C9E3-8AD7-CCB51BCB3CAC}"/>
               </a:ext>
             </a:extLst>
@@ -6758,7 +5803,7 @@
                 <a:effectLst/>
                 <a:latin typeface="Menlo" panose="020B0609030804020204" pitchFamily="49" charset="0"/>
               </a:rPr>
-              <a:t>:.*}"</a:t>
+              <a:t>}"</a:t>
             </a:r>
             <a:r>
               <a:rPr lang="de-AT" sz="1600" b="0" dirty="0">
@@ -7537,7 +6582,7 @@
 </p:sld>
 </file>
 
-<file path=ppt/slides/slide13.xml><?xml version="1.0" encoding="utf-8"?>
+<file path=ppt/slides/slide11.xml><?xml version="1.0" encoding="utf-8"?>
 <p:sld xmlns:a="http://schemas.openxmlformats.org/drawingml/2006/main" xmlns:r="http://schemas.openxmlformats.org/officeDocument/2006/relationships" xmlns:p="http://schemas.openxmlformats.org/presentationml/2006/main">
   <p:cSld>
     <p:spTree>
@@ -7819,7 +6864,7 @@
 </p:sld>
 </file>
 
-<file path=ppt/slides/slide14.xml><?xml version="1.0" encoding="utf-8"?>
+<file path=ppt/slides/slide12.xml><?xml version="1.0" encoding="utf-8"?>
 <p:sld xmlns:a="http://schemas.openxmlformats.org/drawingml/2006/main" xmlns:r="http://schemas.openxmlformats.org/officeDocument/2006/relationships" xmlns:p="http://schemas.openxmlformats.org/presentationml/2006/main">
   <p:cSld>
     <p:spTree>
@@ -8265,7 +7310,7 @@
 </p:sld>
 </file>
 
-<file path=ppt/slides/slide15.xml><?xml version="1.0" encoding="utf-8"?>
+<file path=ppt/slides/slide13.xml><?xml version="1.0" encoding="utf-8"?>
 <p:sld xmlns:a="http://schemas.openxmlformats.org/drawingml/2006/main" xmlns:r="http://schemas.openxmlformats.org/officeDocument/2006/relationships" xmlns:p="http://schemas.openxmlformats.org/presentationml/2006/main">
   <p:cSld>
     <p:spTree>
@@ -8398,7 +7443,7 @@
 </p:sld>
 </file>
 
-<file path=ppt/slides/slide16.xml><?xml version="1.0" encoding="utf-8"?>
+<file path=ppt/slides/slide14.xml><?xml version="1.0" encoding="utf-8"?>
 <p:sld xmlns:a="http://schemas.openxmlformats.org/drawingml/2006/main" xmlns:r="http://schemas.openxmlformats.org/officeDocument/2006/relationships" xmlns:p="http://schemas.openxmlformats.org/presentationml/2006/main">
   <p:cSld>
     <p:spTree>
@@ -9090,195 +8135,6 @@
       </p:grpSpPr>
       <p:sp>
         <p:nvSpPr>
-          <p:cNvPr id="3" name="Untertitel 2">
-            <a:extLst>
-              <a:ext uri="{FF2B5EF4-FFF2-40B4-BE49-F238E27FC236}">
-                <a16:creationId xmlns:a16="http://schemas.microsoft.com/office/drawing/2014/main" id="{91D3E1D6-4E92-3CF3-79A0-C3D06EECF650}"/>
-              </a:ext>
-            </a:extLst>
-          </p:cNvPr>
-          <p:cNvSpPr>
-            <a:spLocks noGrp="1"/>
-          </p:cNvSpPr>
-          <p:nvPr>
-            <p:ph type="subTitle" idx="1"/>
-          </p:nvPr>
-        </p:nvSpPr>
-        <p:spPr>
-          <a:xfrm>
-            <a:off x="1524000" y="2563345"/>
-            <a:ext cx="9144000" cy="1655762"/>
-          </a:xfrm>
-        </p:spPr>
-        <p:txBody>
-          <a:bodyPr/>
-          <a:lstStyle/>
-          <a:p>
-            <a:r>
-              <a:rPr lang="de-DE" sz="4000" dirty="0"/>
-              <a:t>URI-Path   -&gt;   Handler </a:t>
-            </a:r>
-            <a:r>
-              <a:rPr lang="de-DE" sz="4000" dirty="0" err="1"/>
-              <a:t>Function</a:t>
-            </a:r>
-            <a:endParaRPr lang="de-DE" sz="4000" dirty="0"/>
-          </a:p>
-          <a:p>
-            <a:r>
-              <a:rPr lang="de-AT" sz="4000" b="0" dirty="0">
-                <a:solidFill>
-                  <a:srgbClr val="CE9178"/>
-                </a:solidFill>
-                <a:effectLst/>
-                <a:latin typeface="Menlo" panose="020B0609030804020204" pitchFamily="49" charset="0"/>
-              </a:rPr>
-              <a:t>"/"</a:t>
-            </a:r>
-            <a:r>
-              <a:rPr lang="de-AT" sz="4000" b="0" dirty="0">
-                <a:solidFill>
-                  <a:srgbClr val="CCCCCC"/>
-                </a:solidFill>
-                <a:effectLst/>
-                <a:latin typeface="Menlo" panose="020B0609030804020204" pitchFamily="49" charset="0"/>
-              </a:rPr>
-              <a:t> </a:t>
-            </a:r>
-            <a:r>
-              <a:rPr lang="de-AT" sz="4000" b="0" dirty="0">
-                <a:solidFill>
-                  <a:srgbClr val="D4D4D4"/>
-                </a:solidFill>
-                <a:effectLst/>
-                <a:latin typeface="Menlo" panose="020B0609030804020204" pitchFamily="49" charset="0"/>
-              </a:rPr>
-              <a:t>-&gt;</a:t>
-            </a:r>
-            <a:r>
-              <a:rPr lang="de-AT" sz="4000" b="0" dirty="0">
-                <a:solidFill>
-                  <a:srgbClr val="CCCCCC"/>
-                </a:solidFill>
-                <a:effectLst/>
-                <a:latin typeface="Menlo" panose="020B0609030804020204" pitchFamily="49" charset="0"/>
-              </a:rPr>
-              <a:t> </a:t>
-            </a:r>
-            <a:r>
-              <a:rPr lang="de-AT" sz="4000" b="0" dirty="0" err="1">
-                <a:solidFill>
-                  <a:srgbClr val="569CD6"/>
-                </a:solidFill>
-                <a:effectLst/>
-                <a:latin typeface="Menlo" panose="020B0609030804020204" pitchFamily="49" charset="0"/>
-              </a:rPr>
-              <a:t>fn</a:t>
-            </a:r>
-            <a:r>
-              <a:rPr lang="de-AT" sz="4000" b="0" dirty="0">
-                <a:solidFill>
-                  <a:srgbClr val="CCCCCC"/>
-                </a:solidFill>
-                <a:effectLst/>
-                <a:latin typeface="Menlo" panose="020B0609030804020204" pitchFamily="49" charset="0"/>
-              </a:rPr>
-              <a:t>()</a:t>
-            </a:r>
-          </a:p>
-          <a:p>
-            <a:endParaRPr lang="de-DE" dirty="0"/>
-          </a:p>
-        </p:txBody>
-      </p:sp>
-      <p:sp>
-        <p:nvSpPr>
-          <p:cNvPr id="4" name="Titel 1">
-            <a:extLst>
-              <a:ext uri="{FF2B5EF4-FFF2-40B4-BE49-F238E27FC236}">
-                <a16:creationId xmlns:a16="http://schemas.microsoft.com/office/drawing/2014/main" id="{76921599-2561-271E-E65E-2F68BE59417A}"/>
-              </a:ext>
-            </a:extLst>
-          </p:cNvPr>
-          <p:cNvSpPr txBox="1">
-            <a:spLocks/>
-          </p:cNvSpPr>
-          <p:nvPr/>
-        </p:nvSpPr>
-        <p:spPr>
-          <a:xfrm>
-            <a:off x="838200" y="365125"/>
-            <a:ext cx="10515600" cy="1325563"/>
-          </a:xfrm>
-          <a:prstGeom prst="rect">
-            <a:avLst/>
-          </a:prstGeom>
-        </p:spPr>
-        <p:txBody>
-          <a:bodyPr vert="horz" lIns="91440" tIns="45720" rIns="91440" bIns="45720" rtlCol="0" anchor="b">
-            <a:normAutofit/>
-          </a:bodyPr>
-          <a:lstStyle>
-            <a:lvl1pPr algn="ctr" defTabSz="914400" rtl="0" eaLnBrk="1" latinLnBrk="0" hangingPunct="1">
-              <a:lnSpc>
-                <a:spcPct val="90000"/>
-              </a:lnSpc>
-              <a:spcBef>
-                <a:spcPct val="0"/>
-              </a:spcBef>
-              <a:buNone/>
-              <a:defRPr sz="6000" kern="1200">
-                <a:solidFill>
-                  <a:schemeClr val="tx1"/>
-                </a:solidFill>
-                <a:latin typeface="+mj-lt"/>
-                <a:ea typeface="+mj-ea"/>
-                <a:cs typeface="+mj-cs"/>
-              </a:defRPr>
-            </a:lvl1pPr>
-          </a:lstStyle>
-          <a:p>
-            <a:pPr algn="l"/>
-            <a:r>
-              <a:rPr lang="de-DE" sz="4400" dirty="0"/>
-              <a:t>Route Registration</a:t>
-            </a:r>
-            <a:endParaRPr lang="de-AT" sz="4400" dirty="0"/>
-          </a:p>
-        </p:txBody>
-      </p:sp>
-    </p:spTree>
-    <p:extLst>
-      <p:ext uri="{BB962C8B-B14F-4D97-AF65-F5344CB8AC3E}">
-        <p14:creationId xmlns:p14="http://schemas.microsoft.com/office/powerpoint/2010/main" val="4052739116"/>
-      </p:ext>
-    </p:extLst>
-  </p:cSld>
-  <p:clrMapOvr>
-    <a:masterClrMapping/>
-  </p:clrMapOvr>
-</p:sld>
-</file>
-
-<file path=ppt/slides/slide4.xml><?xml version="1.0" encoding="utf-8"?>
-<p:sld xmlns:a="http://schemas.openxmlformats.org/drawingml/2006/main" xmlns:r="http://schemas.openxmlformats.org/officeDocument/2006/relationships" xmlns:p="http://schemas.openxmlformats.org/presentationml/2006/main">
-  <p:cSld>
-    <p:spTree>
-      <p:nvGrpSpPr>
-        <p:cNvPr id="1" name=""/>
-        <p:cNvGrpSpPr/>
-        <p:nvPr/>
-      </p:nvGrpSpPr>
-      <p:grpSpPr>
-        <a:xfrm>
-          <a:off x="0" y="0"/>
-          <a:ext cx="0" cy="0"/>
-          <a:chOff x="0" y="0"/>
-          <a:chExt cx="0" cy="0"/>
-        </a:xfrm>
-      </p:grpSpPr>
-      <p:sp>
-        <p:nvSpPr>
           <p:cNvPr id="2" name="Titel 1">
             <a:extLst>
               <a:ext uri="{FF2B5EF4-FFF2-40B4-BE49-F238E27FC236}">
@@ -9792,7 +8648,7 @@
                 <a:effectLst/>
                 <a:latin typeface="Consolas" panose="020B0609020204030204" pitchFamily="49" charset="0"/>
               </a:rPr>
-              <a:t>8080</a:t>
+              <a:t>8000</a:t>
             </a:r>
             <a:r>
               <a:rPr lang="de-AT" b="0" dirty="0">
@@ -9913,7 +8769,7 @@
 </p:sld>
 </file>
 
-<file path=ppt/slides/slide5.xml><?xml version="1.0" encoding="utf-8"?>
+<file path=ppt/slides/slide4.xml><?xml version="1.0" encoding="utf-8"?>
 <p:sld xmlns:a="http://schemas.openxmlformats.org/drawingml/2006/main" xmlns:r="http://schemas.openxmlformats.org/officeDocument/2006/relationships" xmlns:p="http://schemas.openxmlformats.org/presentationml/2006/main">
   <p:cSld>
     <p:spTree>
@@ -10659,7 +9515,7 @@
 </p:sld>
 </file>
 
-<file path=ppt/slides/slide6.xml><?xml version="1.0" encoding="utf-8"?>
+<file path=ppt/slides/slide5.xml><?xml version="1.0" encoding="utf-8"?>
 <p:sld xmlns:a="http://schemas.openxmlformats.org/drawingml/2006/main" xmlns:r="http://schemas.openxmlformats.org/officeDocument/2006/relationships" xmlns:p="http://schemas.openxmlformats.org/presentationml/2006/main">
   <p:cSld>
     <p:spTree>
@@ -11172,6 +10028,611 @@
 </p:sld>
 </file>
 
+<file path=ppt/slides/slide6.xml><?xml version="1.0" encoding="utf-8"?>
+<p:sld xmlns:a="http://schemas.openxmlformats.org/drawingml/2006/main" xmlns:r="http://schemas.openxmlformats.org/officeDocument/2006/relationships" xmlns:p="http://schemas.openxmlformats.org/presentationml/2006/main">
+  <p:cSld>
+    <p:spTree>
+      <p:nvGrpSpPr>
+        <p:cNvPr id="1" name=""/>
+        <p:cNvGrpSpPr/>
+        <p:nvPr/>
+      </p:nvGrpSpPr>
+      <p:grpSpPr>
+        <a:xfrm>
+          <a:off x="0" y="0"/>
+          <a:ext cx="0" cy="0"/>
+          <a:chOff x="0" y="0"/>
+          <a:chExt cx="0" cy="0"/>
+        </a:xfrm>
+      </p:grpSpPr>
+      <p:sp>
+        <p:nvSpPr>
+          <p:cNvPr id="2" name="Titel 1">
+            <a:extLst>
+              <a:ext uri="{FF2B5EF4-FFF2-40B4-BE49-F238E27FC236}">
+                <a16:creationId xmlns:a16="http://schemas.microsoft.com/office/drawing/2014/main" id="{DE28BBC6-A8B3-01DD-B469-C9EC43354124}"/>
+              </a:ext>
+            </a:extLst>
+          </p:cNvPr>
+          <p:cNvSpPr>
+            <a:spLocks noGrp="1"/>
+          </p:cNvSpPr>
+          <p:nvPr>
+            <p:ph type="title"/>
+          </p:nvPr>
+        </p:nvSpPr>
+        <p:spPr/>
+        <p:txBody>
+          <a:bodyPr/>
+          <a:lstStyle/>
+          <a:p>
+            <a:r>
+              <a:rPr lang="de-DE" dirty="0" err="1"/>
+              <a:t>Defining</a:t>
+            </a:r>
+            <a:r>
+              <a:rPr lang="de-DE" dirty="0"/>
+              <a:t> a </a:t>
+            </a:r>
+            <a:r>
+              <a:rPr lang="de-DE" dirty="0" err="1"/>
+              <a:t>scope</a:t>
+            </a:r>
+            <a:endParaRPr lang="de-DE" dirty="0"/>
+          </a:p>
+        </p:txBody>
+      </p:sp>
+      <p:sp>
+        <p:nvSpPr>
+          <p:cNvPr id="3" name="Inhaltsplatzhalter 2">
+            <a:extLst>
+              <a:ext uri="{FF2B5EF4-FFF2-40B4-BE49-F238E27FC236}">
+                <a16:creationId xmlns:a16="http://schemas.microsoft.com/office/drawing/2014/main" id="{B29092B3-A0B6-ADAC-CB1A-9D8A07B0A8E5}"/>
+              </a:ext>
+            </a:extLst>
+          </p:cNvPr>
+          <p:cNvSpPr>
+            <a:spLocks noGrp="1"/>
+          </p:cNvSpPr>
+          <p:nvPr>
+            <p:ph idx="1"/>
+          </p:nvPr>
+        </p:nvSpPr>
+        <p:spPr/>
+        <p:txBody>
+          <a:bodyPr>
+            <a:normAutofit fontScale="92500"/>
+          </a:bodyPr>
+          <a:lstStyle/>
+          <a:p>
+            <a:pPr marL="0" indent="0">
+              <a:buNone/>
+            </a:pPr>
+            <a:r>
+              <a:rPr lang="de-DE" dirty="0"/>
+              <a:t>Registered </a:t>
+            </a:r>
+            <a:r>
+              <a:rPr lang="de-DE" dirty="0" err="1"/>
+              <a:t>routes</a:t>
+            </a:r>
+            <a:r>
+              <a:rPr lang="de-DE" dirty="0"/>
+              <a:t> in a </a:t>
+            </a:r>
+            <a:r>
+              <a:rPr lang="de-DE" dirty="0" err="1"/>
+              <a:t>scope</a:t>
+            </a:r>
+            <a:r>
+              <a:rPr lang="de-DE" dirty="0"/>
+              <a:t> will </a:t>
+            </a:r>
+            <a:r>
+              <a:rPr lang="de-DE" dirty="0" err="1"/>
+              <a:t>share</a:t>
+            </a:r>
+            <a:r>
+              <a:rPr lang="de-DE" dirty="0"/>
+              <a:t> a </a:t>
+            </a:r>
+            <a:r>
+              <a:rPr lang="de-DE" dirty="0" err="1"/>
+              <a:t>common</a:t>
+            </a:r>
+            <a:r>
+              <a:rPr lang="de-DE" dirty="0"/>
+              <a:t> </a:t>
+            </a:r>
+            <a:r>
+              <a:rPr lang="de-DE" dirty="0" err="1"/>
+              <a:t>path</a:t>
+            </a:r>
+            <a:r>
+              <a:rPr lang="de-DE" dirty="0"/>
+              <a:t> </a:t>
+            </a:r>
+            <a:r>
+              <a:rPr lang="de-DE" dirty="0" err="1"/>
+              <a:t>prefix</a:t>
+            </a:r>
+            <a:endParaRPr lang="de-DE" dirty="0"/>
+          </a:p>
+          <a:p>
+            <a:pPr marL="0" indent="0">
+              <a:buNone/>
+            </a:pPr>
+            <a:endParaRPr lang="de-DE" dirty="0"/>
+          </a:p>
+          <a:p>
+            <a:pPr marL="0" indent="0">
+              <a:buNone/>
+            </a:pPr>
+            <a:r>
+              <a:rPr lang="de-DE" dirty="0"/>
+              <a:t>e.g.</a:t>
+            </a:r>
+          </a:p>
+          <a:p>
+            <a:pPr marL="0" indent="0">
+              <a:buNone/>
+            </a:pPr>
+            <a:endParaRPr lang="de-DE" dirty="0"/>
+          </a:p>
+          <a:p>
+            <a:pPr marL="0" indent="0">
+              <a:buNone/>
+            </a:pPr>
+            <a:r>
+              <a:rPr lang="de-AT" b="0" dirty="0" err="1">
+                <a:solidFill>
+                  <a:srgbClr val="DCDCAA"/>
+                </a:solidFill>
+                <a:effectLst/>
+                <a:latin typeface="Menlo" panose="020B0609030804020204" pitchFamily="49" charset="0"/>
+              </a:rPr>
+              <a:t>service</a:t>
+            </a:r>
+            <a:r>
+              <a:rPr lang="de-AT" b="0" dirty="0">
+                <a:solidFill>
+                  <a:srgbClr val="CCCCCC"/>
+                </a:solidFill>
+                <a:effectLst/>
+                <a:latin typeface="Menlo" panose="020B0609030804020204" pitchFamily="49" charset="0"/>
+              </a:rPr>
+              <a:t>(</a:t>
+            </a:r>
+          </a:p>
+          <a:p>
+            <a:pPr marL="0" indent="0">
+              <a:buNone/>
+            </a:pPr>
+            <a:r>
+              <a:rPr lang="de-AT" b="0" dirty="0">
+                <a:solidFill>
+                  <a:srgbClr val="4EC9B0"/>
+                </a:solidFill>
+                <a:effectLst/>
+                <a:latin typeface="Menlo" panose="020B0609030804020204" pitchFamily="49" charset="0"/>
+              </a:rPr>
+              <a:t>	web</a:t>
+            </a:r>
+            <a:r>
+              <a:rPr lang="de-AT" b="0" dirty="0">
+                <a:solidFill>
+                  <a:srgbClr val="D4D4D4"/>
+                </a:solidFill>
+                <a:effectLst/>
+                <a:latin typeface="Menlo" panose="020B0609030804020204" pitchFamily="49" charset="0"/>
+              </a:rPr>
+              <a:t>::</a:t>
+            </a:r>
+            <a:r>
+              <a:rPr lang="de-AT" b="0" dirty="0" err="1">
+                <a:solidFill>
+                  <a:srgbClr val="DCDCAA"/>
+                </a:solidFill>
+                <a:effectLst/>
+                <a:latin typeface="Menlo" panose="020B0609030804020204" pitchFamily="49" charset="0"/>
+              </a:rPr>
+              <a:t>scope</a:t>
+            </a:r>
+            <a:r>
+              <a:rPr lang="de-AT" b="0" dirty="0">
+                <a:solidFill>
+                  <a:srgbClr val="CCCCCC"/>
+                </a:solidFill>
+                <a:effectLst/>
+                <a:latin typeface="Menlo" panose="020B0609030804020204" pitchFamily="49" charset="0"/>
+              </a:rPr>
+              <a:t>(</a:t>
+            </a:r>
+            <a:r>
+              <a:rPr lang="de-AT" b="0" dirty="0">
+                <a:solidFill>
+                  <a:srgbClr val="CE9178"/>
+                </a:solidFill>
+                <a:effectLst/>
+                <a:latin typeface="Menlo" panose="020B0609030804020204" pitchFamily="49" charset="0"/>
+              </a:rPr>
+              <a:t>"/</a:t>
+            </a:r>
+            <a:r>
+              <a:rPr lang="de-AT" b="0" dirty="0" err="1">
+                <a:solidFill>
+                  <a:srgbClr val="CE9178"/>
+                </a:solidFill>
+                <a:effectLst/>
+                <a:latin typeface="Menlo" panose="020B0609030804020204" pitchFamily="49" charset="0"/>
+              </a:rPr>
+              <a:t>scope</a:t>
+            </a:r>
+            <a:r>
+              <a:rPr lang="de-AT" b="0" dirty="0">
+                <a:solidFill>
+                  <a:srgbClr val="CE9178"/>
+                </a:solidFill>
+                <a:effectLst/>
+                <a:latin typeface="Menlo" panose="020B0609030804020204" pitchFamily="49" charset="0"/>
+              </a:rPr>
+              <a:t>"</a:t>
+            </a:r>
+            <a:r>
+              <a:rPr lang="de-AT" b="0" dirty="0">
+                <a:solidFill>
+                  <a:srgbClr val="CCCCCC"/>
+                </a:solidFill>
+                <a:effectLst/>
+                <a:latin typeface="Menlo" panose="020B0609030804020204" pitchFamily="49" charset="0"/>
+              </a:rPr>
+              <a:t>) </a:t>
+            </a:r>
+          </a:p>
+          <a:p>
+            <a:pPr marL="0" indent="0">
+              <a:buNone/>
+            </a:pPr>
+            <a:r>
+              <a:rPr lang="de-AT" dirty="0">
+                <a:solidFill>
+                  <a:srgbClr val="D4D4D4"/>
+                </a:solidFill>
+                <a:latin typeface="Menlo" panose="020B0609030804020204" pitchFamily="49" charset="0"/>
+              </a:rPr>
+              <a:t>		</a:t>
+            </a:r>
+            <a:r>
+              <a:rPr lang="de-AT" b="0" dirty="0">
+                <a:solidFill>
+                  <a:srgbClr val="DCDCAA"/>
+                </a:solidFill>
+                <a:effectLst/>
+                <a:latin typeface="Menlo" panose="020B0609030804020204" pitchFamily="49" charset="0"/>
+              </a:rPr>
+              <a:t>route</a:t>
+            </a:r>
+            <a:r>
+              <a:rPr lang="de-AT" b="0" dirty="0">
+                <a:solidFill>
+                  <a:srgbClr val="CCCCCC"/>
+                </a:solidFill>
+                <a:effectLst/>
+                <a:latin typeface="Menlo" panose="020B0609030804020204" pitchFamily="49" charset="0"/>
+              </a:rPr>
+              <a:t>(</a:t>
+            </a:r>
+            <a:r>
+              <a:rPr lang="de-AT" b="0" dirty="0">
+                <a:solidFill>
+                  <a:srgbClr val="CE9178"/>
+                </a:solidFill>
+                <a:effectLst/>
+                <a:latin typeface="Menlo" panose="020B0609030804020204" pitchFamily="49" charset="0"/>
+              </a:rPr>
+              <a:t>"/sub1"</a:t>
+            </a:r>
+            <a:r>
+              <a:rPr lang="de-AT" b="0" dirty="0">
+                <a:solidFill>
+                  <a:srgbClr val="CCCCCC"/>
+                </a:solidFill>
+                <a:effectLst/>
+                <a:latin typeface="Menlo" panose="020B0609030804020204" pitchFamily="49" charset="0"/>
+              </a:rPr>
+              <a:t>, </a:t>
+            </a:r>
+            <a:r>
+              <a:rPr lang="de-AT" b="0" dirty="0">
+                <a:solidFill>
+                  <a:srgbClr val="4EC9B0"/>
+                </a:solidFill>
+                <a:effectLst/>
+                <a:latin typeface="Menlo" panose="020B0609030804020204" pitchFamily="49" charset="0"/>
+              </a:rPr>
+              <a:t>web</a:t>
+            </a:r>
+            <a:r>
+              <a:rPr lang="de-AT" b="0" dirty="0">
+                <a:solidFill>
+                  <a:srgbClr val="D4D4D4"/>
+                </a:solidFill>
+                <a:effectLst/>
+                <a:latin typeface="Menlo" panose="020B0609030804020204" pitchFamily="49" charset="0"/>
+              </a:rPr>
+              <a:t>::</a:t>
+            </a:r>
+            <a:r>
+              <a:rPr lang="de-AT" b="0" dirty="0" err="1">
+                <a:solidFill>
+                  <a:srgbClr val="DCDCAA"/>
+                </a:solidFill>
+                <a:effectLst/>
+                <a:latin typeface="Menlo" panose="020B0609030804020204" pitchFamily="49" charset="0"/>
+              </a:rPr>
+              <a:t>to</a:t>
+            </a:r>
+            <a:r>
+              <a:rPr lang="de-AT" b="0" dirty="0">
+                <a:solidFill>
+                  <a:srgbClr val="CCCCCC"/>
+                </a:solidFill>
+                <a:effectLst/>
+                <a:latin typeface="Menlo" panose="020B0609030804020204" pitchFamily="49" charset="0"/>
+              </a:rPr>
+              <a:t>(</a:t>
+            </a:r>
+            <a:r>
+              <a:rPr lang="de-AT" b="0" dirty="0">
+                <a:solidFill>
+                  <a:srgbClr val="D4D4D4"/>
+                </a:solidFill>
+                <a:effectLst/>
+                <a:latin typeface="Menlo" panose="020B0609030804020204" pitchFamily="49" charset="0"/>
+              </a:rPr>
+              <a:t>||</a:t>
+            </a:r>
+            <a:r>
+              <a:rPr lang="de-AT" b="0" dirty="0">
+                <a:solidFill>
+                  <a:srgbClr val="CCCCCC"/>
+                </a:solidFill>
+                <a:effectLst/>
+                <a:latin typeface="Menlo" panose="020B0609030804020204" pitchFamily="49" charset="0"/>
+              </a:rPr>
+              <a:t> </a:t>
+            </a:r>
+            <a:r>
+              <a:rPr lang="de-AT" b="0" dirty="0" err="1">
+                <a:solidFill>
+                  <a:srgbClr val="569CD6"/>
+                </a:solidFill>
+                <a:effectLst/>
+                <a:latin typeface="Menlo" panose="020B0609030804020204" pitchFamily="49" charset="0"/>
+              </a:rPr>
+              <a:t>async</a:t>
+            </a:r>
+            <a:r>
+              <a:rPr lang="de-AT" b="0" dirty="0">
+                <a:solidFill>
+                  <a:srgbClr val="CCCCCC"/>
+                </a:solidFill>
+                <a:effectLst/>
+                <a:latin typeface="Menlo" panose="020B0609030804020204" pitchFamily="49" charset="0"/>
+              </a:rPr>
+              <a:t> {</a:t>
+            </a:r>
+            <a:r>
+              <a:rPr lang="de-AT" b="0" dirty="0">
+                <a:solidFill>
+                  <a:srgbClr val="CE9178"/>
+                </a:solidFill>
+                <a:effectLst/>
+                <a:latin typeface="Menlo" panose="020B0609030804020204" pitchFamily="49" charset="0"/>
+              </a:rPr>
+              <a:t>"sub1"</a:t>
+            </a:r>
+            <a:r>
+              <a:rPr lang="de-AT" b="0" dirty="0">
+                <a:solidFill>
+                  <a:srgbClr val="CCCCCC"/>
+                </a:solidFill>
+                <a:effectLst/>
+                <a:latin typeface="Menlo" panose="020B0609030804020204" pitchFamily="49" charset="0"/>
+              </a:rPr>
+              <a:t>}))</a:t>
+            </a:r>
+          </a:p>
+          <a:p>
+            <a:pPr marL="0" indent="0">
+              <a:buNone/>
+            </a:pPr>
+            <a:r>
+              <a:rPr lang="de-AT" dirty="0">
+                <a:solidFill>
+                  <a:srgbClr val="D4D4D4"/>
+                </a:solidFill>
+                <a:latin typeface="Menlo" panose="020B0609030804020204" pitchFamily="49" charset="0"/>
+              </a:rPr>
+              <a:t>		</a:t>
+            </a:r>
+            <a:r>
+              <a:rPr lang="de-AT" b="0" dirty="0">
+                <a:solidFill>
+                  <a:srgbClr val="DCDCAA"/>
+                </a:solidFill>
+                <a:effectLst/>
+                <a:latin typeface="Menlo" panose="020B0609030804020204" pitchFamily="49" charset="0"/>
+              </a:rPr>
+              <a:t>route</a:t>
+            </a:r>
+            <a:r>
+              <a:rPr lang="de-AT" b="0" dirty="0">
+                <a:solidFill>
+                  <a:srgbClr val="CCCCCC"/>
+                </a:solidFill>
+                <a:effectLst/>
+                <a:latin typeface="Menlo" panose="020B0609030804020204" pitchFamily="49" charset="0"/>
+              </a:rPr>
+              <a:t>(</a:t>
+            </a:r>
+            <a:r>
+              <a:rPr lang="de-AT" b="0" dirty="0">
+                <a:solidFill>
+                  <a:srgbClr val="CE9178"/>
+                </a:solidFill>
+                <a:effectLst/>
+                <a:latin typeface="Menlo" panose="020B0609030804020204" pitchFamily="49" charset="0"/>
+              </a:rPr>
+              <a:t>"/sub2"</a:t>
+            </a:r>
+            <a:r>
+              <a:rPr lang="de-AT" b="0" dirty="0">
+                <a:solidFill>
+                  <a:srgbClr val="CCCCCC"/>
+                </a:solidFill>
+                <a:effectLst/>
+                <a:latin typeface="Menlo" panose="020B0609030804020204" pitchFamily="49" charset="0"/>
+              </a:rPr>
+              <a:t>, </a:t>
+            </a:r>
+            <a:r>
+              <a:rPr lang="de-AT" b="0" dirty="0">
+                <a:solidFill>
+                  <a:srgbClr val="4EC9B0"/>
+                </a:solidFill>
+                <a:effectLst/>
+                <a:latin typeface="Menlo" panose="020B0609030804020204" pitchFamily="49" charset="0"/>
+              </a:rPr>
+              <a:t>web</a:t>
+            </a:r>
+            <a:r>
+              <a:rPr lang="de-AT" b="0" dirty="0">
+                <a:solidFill>
+                  <a:srgbClr val="D4D4D4"/>
+                </a:solidFill>
+                <a:effectLst/>
+                <a:latin typeface="Menlo" panose="020B0609030804020204" pitchFamily="49" charset="0"/>
+              </a:rPr>
+              <a:t>::</a:t>
+            </a:r>
+            <a:r>
+              <a:rPr lang="de-AT" b="0" dirty="0" err="1">
+                <a:solidFill>
+                  <a:srgbClr val="DCDCAA"/>
+                </a:solidFill>
+                <a:effectLst/>
+                <a:latin typeface="Menlo" panose="020B0609030804020204" pitchFamily="49" charset="0"/>
+              </a:rPr>
+              <a:t>to</a:t>
+            </a:r>
+            <a:r>
+              <a:rPr lang="de-AT" b="0" dirty="0">
+                <a:solidFill>
+                  <a:srgbClr val="CCCCCC"/>
+                </a:solidFill>
+                <a:effectLst/>
+                <a:latin typeface="Menlo" panose="020B0609030804020204" pitchFamily="49" charset="0"/>
+              </a:rPr>
+              <a:t>(</a:t>
+            </a:r>
+            <a:r>
+              <a:rPr lang="de-AT" b="0" dirty="0">
+                <a:solidFill>
+                  <a:srgbClr val="D4D4D4"/>
+                </a:solidFill>
+                <a:effectLst/>
+                <a:latin typeface="Menlo" panose="020B0609030804020204" pitchFamily="49" charset="0"/>
+              </a:rPr>
+              <a:t>||</a:t>
+            </a:r>
+            <a:r>
+              <a:rPr lang="de-AT" b="0" dirty="0">
+                <a:solidFill>
+                  <a:srgbClr val="CCCCCC"/>
+                </a:solidFill>
+                <a:effectLst/>
+                <a:latin typeface="Menlo" panose="020B0609030804020204" pitchFamily="49" charset="0"/>
+              </a:rPr>
+              <a:t> </a:t>
+            </a:r>
+            <a:r>
+              <a:rPr lang="de-AT" b="0" dirty="0" err="1">
+                <a:solidFill>
+                  <a:srgbClr val="569CD6"/>
+                </a:solidFill>
+                <a:effectLst/>
+                <a:latin typeface="Menlo" panose="020B0609030804020204" pitchFamily="49" charset="0"/>
+              </a:rPr>
+              <a:t>async</a:t>
+            </a:r>
+            <a:r>
+              <a:rPr lang="de-AT" b="0" dirty="0">
+                <a:solidFill>
+                  <a:srgbClr val="CCCCCC"/>
+                </a:solidFill>
+                <a:effectLst/>
+                <a:latin typeface="Menlo" panose="020B0609030804020204" pitchFamily="49" charset="0"/>
+              </a:rPr>
+              <a:t> {</a:t>
+            </a:r>
+            <a:r>
+              <a:rPr lang="de-AT" b="0" dirty="0">
+                <a:solidFill>
+                  <a:srgbClr val="CE9178"/>
+                </a:solidFill>
+                <a:effectLst/>
+                <a:latin typeface="Menlo" panose="020B0609030804020204" pitchFamily="49" charset="0"/>
+              </a:rPr>
+              <a:t>"sub2"</a:t>
+            </a:r>
+            <a:r>
+              <a:rPr lang="de-AT" b="0" dirty="0">
+                <a:solidFill>
+                  <a:srgbClr val="CCCCCC"/>
+                </a:solidFill>
+                <a:effectLst/>
+                <a:latin typeface="Menlo" panose="020B0609030804020204" pitchFamily="49" charset="0"/>
+              </a:rPr>
+              <a:t>}))</a:t>
+            </a:r>
+          </a:p>
+          <a:p>
+            <a:pPr marL="0" indent="0">
+              <a:buNone/>
+            </a:pPr>
+            <a:r>
+              <a:rPr lang="de-AT" b="0" dirty="0">
+                <a:solidFill>
+                  <a:srgbClr val="CCCCCC"/>
+                </a:solidFill>
+                <a:effectLst/>
+                <a:latin typeface="Menlo" panose="020B0609030804020204" pitchFamily="49" charset="0"/>
+              </a:rPr>
+              <a:t>)</a:t>
+            </a:r>
+          </a:p>
+          <a:p>
+            <a:pPr marL="0" indent="0">
+              <a:buNone/>
+            </a:pPr>
+            <a:endParaRPr lang="de-DE" dirty="0"/>
+          </a:p>
+        </p:txBody>
+      </p:sp>
+    </p:spTree>
+    <p:extLst>
+      <p:ext uri="{BB962C8B-B14F-4D97-AF65-F5344CB8AC3E}">
+        <p14:creationId xmlns:p14="http://schemas.microsoft.com/office/powerpoint/2010/main" val="3996451288"/>
+      </p:ext>
+    </p:extLst>
+  </p:cSld>
+  <p:clrMapOvr>
+    <a:masterClrMapping/>
+  </p:clrMapOvr>
+</p:sld>
+</file>
+
 <file path=ppt/slides/slide7.xml><?xml version="1.0" encoding="utf-8"?>
 <p:sld xmlns:a="http://schemas.openxmlformats.org/drawingml/2006/main" xmlns:r="http://schemas.openxmlformats.org/officeDocument/2006/relationships" xmlns:p="http://schemas.openxmlformats.org/presentationml/2006/main">
   <p:cSld>
@@ -11238,81 +10699,6 @@
           </a:p>
         </p:txBody>
       </p:sp>
-      <p:pic>
-        <p:nvPicPr>
-          <p:cNvPr id="5" name="Inhaltsplatzhalter 4">
-            <a:extLst>
-              <a:ext uri="{FF2B5EF4-FFF2-40B4-BE49-F238E27FC236}">
-                <a16:creationId xmlns:a16="http://schemas.microsoft.com/office/drawing/2014/main" id="{DCFF9773-37F1-9607-2C23-B72638ECCE8B}"/>
-              </a:ext>
-            </a:extLst>
-          </p:cNvPr>
-          <p:cNvPicPr>
-            <a:picLocks noGrp="1" noChangeAspect="1"/>
-          </p:cNvPicPr>
-          <p:nvPr>
-            <p:ph idx="1"/>
-          </p:nvPr>
-        </p:nvPicPr>
-        <p:blipFill>
-          <a:blip r:embed="rId2"/>
-          <a:stretch>
-            <a:fillRect/>
-          </a:stretch>
-        </p:blipFill>
-        <p:spPr>
-          <a:xfrm>
-            <a:off x="960498" y="1841061"/>
-            <a:ext cx="1038225" cy="4267200"/>
-          </a:xfrm>
-        </p:spPr>
-      </p:pic>
-      <p:sp>
-        <p:nvSpPr>
-          <p:cNvPr id="6" name="Pfeil: nach rechts 5">
-            <a:extLst>
-              <a:ext uri="{FF2B5EF4-FFF2-40B4-BE49-F238E27FC236}">
-                <a16:creationId xmlns:a16="http://schemas.microsoft.com/office/drawing/2014/main" id="{FAA45500-624A-3F12-25F0-64D3E235F726}"/>
-              </a:ext>
-            </a:extLst>
-          </p:cNvPr>
-          <p:cNvSpPr/>
-          <p:nvPr/>
-        </p:nvSpPr>
-        <p:spPr>
-          <a:xfrm>
-            <a:off x="2114550" y="3737499"/>
-            <a:ext cx="2451100" cy="204186"/>
-          </a:xfrm>
-          <a:prstGeom prst="rightArrow">
-            <a:avLst/>
-          </a:prstGeom>
-        </p:spPr>
-        <p:style>
-          <a:lnRef idx="2">
-            <a:schemeClr val="accent1">
-              <a:shade val="50000"/>
-            </a:schemeClr>
-          </a:lnRef>
-          <a:fillRef idx="1">
-            <a:schemeClr val="accent1"/>
-          </a:fillRef>
-          <a:effectRef idx="0">
-            <a:schemeClr val="accent1"/>
-          </a:effectRef>
-          <a:fontRef idx="minor">
-            <a:schemeClr val="lt1"/>
-          </a:fontRef>
-        </p:style>
-        <p:txBody>
-          <a:bodyPr rtlCol="0" anchor="ctr"/>
-          <a:lstStyle/>
-          <a:p>
-            <a:pPr algn="ctr"/>
-            <a:endParaRPr lang="de-AT"/>
-          </a:p>
-        </p:txBody>
-      </p:sp>
       <p:sp>
         <p:nvSpPr>
           <p:cNvPr id="7" name="Textfeld 6">
@@ -11327,8 +10713,8 @@
         </p:nvSpPr>
         <p:spPr>
           <a:xfrm>
-            <a:off x="4681477" y="3737499"/>
-            <a:ext cx="7023887" cy="1446550"/>
+            <a:off x="838200" y="1949450"/>
+            <a:ext cx="8456673" cy="4862870"/>
           </a:xfrm>
           <a:prstGeom prst="rect">
             <a:avLst/>
@@ -11342,109 +10728,249 @@
           <a:lstStyle/>
           <a:p>
             <a:r>
-              <a:rPr lang="de-DE" dirty="0"/>
+              <a:rPr lang="de-DE" sz="2000" dirty="0" err="1"/>
+              <a:t>Cargo.toml</a:t>
+            </a:r>
+            <a:r>
+              <a:rPr lang="de-DE" sz="2000" dirty="0"/>
+              <a:t>:</a:t>
+            </a:r>
+          </a:p>
+          <a:p>
+            <a:endParaRPr lang="de-DE" sz="2000" dirty="0"/>
+          </a:p>
+          <a:p>
+            <a:r>
+              <a:rPr lang="de-DE" sz="2000" dirty="0">
+                <a:solidFill>
+                  <a:schemeClr val="bg2">
+                    <a:lumMod val="75000"/>
+                  </a:schemeClr>
+                </a:solidFill>
+              </a:rPr>
+              <a:t>[</a:t>
+            </a:r>
+            <a:r>
+              <a:rPr lang="de-DE" sz="2000" dirty="0" err="1">
+                <a:solidFill>
+                  <a:schemeClr val="bg2">
+                    <a:lumMod val="75000"/>
+                  </a:schemeClr>
+                </a:solidFill>
+              </a:rPr>
+              <a:t>dependencies</a:t>
+            </a:r>
+            <a:r>
+              <a:rPr lang="de-DE" sz="2000" dirty="0">
+                <a:solidFill>
+                  <a:schemeClr val="bg2">
+                    <a:lumMod val="75000"/>
+                  </a:schemeClr>
+                </a:solidFill>
+              </a:rPr>
+              <a:t>]</a:t>
+            </a:r>
+          </a:p>
+          <a:p>
+            <a:r>
+              <a:rPr lang="de-DE" sz="2000" dirty="0" err="1">
+                <a:solidFill>
+                  <a:schemeClr val="bg2">
+                    <a:lumMod val="75000"/>
+                  </a:schemeClr>
+                </a:solidFill>
+              </a:rPr>
+              <a:t>serde</a:t>
+            </a:r>
+            <a:r>
+              <a:rPr lang="de-DE" sz="2000" dirty="0">
+                <a:solidFill>
+                  <a:schemeClr val="bg2">
+                    <a:lumMod val="75000"/>
+                  </a:schemeClr>
+                </a:solidFill>
+              </a:rPr>
+              <a:t> = {</a:t>
+            </a:r>
+            <a:r>
+              <a:rPr lang="de-DE" sz="2000" dirty="0" err="1">
+                <a:solidFill>
+                  <a:schemeClr val="bg2">
+                    <a:lumMod val="75000"/>
+                  </a:schemeClr>
+                </a:solidFill>
+              </a:rPr>
+              <a:t>version</a:t>
+            </a:r>
+            <a:r>
+              <a:rPr lang="de-DE" sz="2000" dirty="0">
+                <a:solidFill>
+                  <a:schemeClr val="bg2">
+                    <a:lumMod val="75000"/>
+                  </a:schemeClr>
+                </a:solidFill>
+              </a:rPr>
+              <a:t> = "1.0.193", </a:t>
+            </a:r>
+            <a:r>
+              <a:rPr lang="de-DE" sz="2000" dirty="0" err="1">
+                <a:solidFill>
+                  <a:schemeClr val="bg2">
+                    <a:lumMod val="75000"/>
+                  </a:schemeClr>
+                </a:solidFill>
+              </a:rPr>
+              <a:t>features</a:t>
+            </a:r>
+            <a:r>
+              <a:rPr lang="de-DE" sz="2000" dirty="0">
+                <a:solidFill>
+                  <a:schemeClr val="bg2">
+                    <a:lumMod val="75000"/>
+                  </a:schemeClr>
+                </a:solidFill>
+              </a:rPr>
+              <a:t> = ["</a:t>
+            </a:r>
+            <a:r>
+              <a:rPr lang="de-DE" sz="2000" dirty="0" err="1">
+                <a:solidFill>
+                  <a:schemeClr val="bg2">
+                    <a:lumMod val="75000"/>
+                  </a:schemeClr>
+                </a:solidFill>
+              </a:rPr>
+              <a:t>derive</a:t>
+            </a:r>
+            <a:r>
+              <a:rPr lang="de-DE" sz="2000" dirty="0">
+                <a:solidFill>
+                  <a:schemeClr val="bg2">
+                    <a:lumMod val="75000"/>
+                  </a:schemeClr>
+                </a:solidFill>
+              </a:rPr>
+              <a:t>"]}</a:t>
+            </a:r>
+          </a:p>
+          <a:p>
+            <a:endParaRPr lang="de-DE" sz="2000" dirty="0"/>
+          </a:p>
+          <a:p>
+            <a:r>
+              <a:rPr lang="de-DE" sz="2000" dirty="0"/>
               <a:t>Extract </a:t>
             </a:r>
             <a:r>
-              <a:rPr lang="de-DE" dirty="0" err="1"/>
+              <a:rPr lang="de-DE" sz="2000" dirty="0" err="1"/>
               <a:t>data</a:t>
             </a:r>
             <a:r>
-              <a:rPr lang="de-DE" dirty="0"/>
+              <a:rPr lang="de-DE" sz="2000" dirty="0"/>
               <a:t> </a:t>
             </a:r>
             <a:r>
-              <a:rPr lang="de-DE" dirty="0" err="1"/>
+              <a:rPr lang="de-DE" sz="2000" dirty="0" err="1"/>
               <a:t>from</a:t>
             </a:r>
             <a:r>
-              <a:rPr lang="de-DE" dirty="0"/>
+              <a:rPr lang="de-DE" sz="2000" dirty="0"/>
               <a:t> </a:t>
             </a:r>
             <a:r>
-              <a:rPr lang="de-DE" dirty="0" err="1"/>
+              <a:rPr lang="de-DE" sz="2000" dirty="0" err="1"/>
               <a:t>the</a:t>
             </a:r>
             <a:r>
-              <a:rPr lang="de-DE" dirty="0"/>
+              <a:rPr lang="de-DE" sz="2000" dirty="0"/>
               <a:t> </a:t>
             </a:r>
             <a:r>
-              <a:rPr lang="de-DE" dirty="0" err="1"/>
+              <a:rPr lang="de-DE" sz="2000" dirty="0" err="1"/>
               <a:t>client‘s</a:t>
             </a:r>
             <a:r>
-              <a:rPr lang="de-DE" dirty="0"/>
+              <a:rPr lang="de-DE" sz="2000" dirty="0"/>
               <a:t> </a:t>
             </a:r>
             <a:r>
-              <a:rPr lang="de-DE" dirty="0" err="1"/>
+              <a:rPr lang="de-DE" sz="2000" dirty="0" err="1"/>
               <a:t>HttpRequest</a:t>
             </a:r>
             <a:r>
-              <a:rPr lang="de-DE" dirty="0"/>
+              <a:rPr lang="de-DE" sz="2000" dirty="0"/>
               <a:t> </a:t>
             </a:r>
             <a:r>
-              <a:rPr lang="de-DE" dirty="0" err="1"/>
+              <a:rPr lang="de-DE" sz="2000" dirty="0" err="1"/>
               <a:t>by</a:t>
             </a:r>
             <a:r>
-              <a:rPr lang="de-DE" dirty="0"/>
+              <a:rPr lang="de-DE" sz="2000" dirty="0"/>
               <a:t> </a:t>
             </a:r>
             <a:r>
-              <a:rPr lang="de-DE" dirty="0" err="1"/>
+              <a:rPr lang="de-DE" sz="2000" dirty="0" err="1"/>
               <a:t>using</a:t>
             </a:r>
             <a:r>
-              <a:rPr lang="de-DE" dirty="0"/>
+              <a:rPr lang="de-DE" sz="2000" dirty="0"/>
               <a:t> </a:t>
             </a:r>
             <a:r>
-              <a:rPr lang="de-DE" dirty="0" err="1"/>
+              <a:rPr lang="de-DE" sz="2000" dirty="0" err="1"/>
               <a:t>structs</a:t>
             </a:r>
             <a:r>
-              <a:rPr lang="de-DE" dirty="0"/>
+              <a:rPr lang="de-DE" sz="2000" dirty="0"/>
               <a:t> </a:t>
             </a:r>
             <a:r>
-              <a:rPr lang="de-DE" dirty="0" err="1"/>
+              <a:rPr lang="de-DE" sz="2000" dirty="0" err="1"/>
               <a:t>provided</a:t>
             </a:r>
             <a:r>
-              <a:rPr lang="de-DE" dirty="0"/>
+              <a:rPr lang="de-DE" sz="2000" dirty="0"/>
               <a:t> </a:t>
             </a:r>
             <a:r>
-              <a:rPr lang="de-DE" dirty="0" err="1"/>
+              <a:rPr lang="de-DE" sz="2000" dirty="0" err="1"/>
               <a:t>by</a:t>
             </a:r>
             <a:r>
-              <a:rPr lang="de-DE" dirty="0"/>
+              <a:rPr lang="de-DE" sz="2000" dirty="0"/>
               <a:t> </a:t>
             </a:r>
             <a:r>
-              <a:rPr lang="de-DE" dirty="0" err="1"/>
+              <a:rPr lang="de-DE" sz="2000" dirty="0" err="1"/>
               <a:t>the</a:t>
             </a:r>
             <a:r>
-              <a:rPr lang="de-DE" dirty="0"/>
+              <a:rPr lang="de-DE" sz="2000" dirty="0"/>
               <a:t> web </a:t>
             </a:r>
             <a:r>
-              <a:rPr lang="de-DE" dirty="0" err="1"/>
+              <a:rPr lang="de-DE" sz="2000" dirty="0" err="1"/>
               <a:t>module</a:t>
             </a:r>
-            <a:endParaRPr lang="de-DE" dirty="0"/>
-          </a:p>
-          <a:p>
-            <a:endParaRPr lang="de-DE" dirty="0"/>
-          </a:p>
-          <a:p>
-            <a:r>
-              <a:rPr lang="de-AT" sz="1600" b="0" dirty="0" err="1">
+            <a:endParaRPr lang="de-DE" sz="2000" dirty="0"/>
+          </a:p>
+          <a:p>
+            <a:endParaRPr lang="de-DE" sz="2000" dirty="0"/>
+          </a:p>
+          <a:p>
+            <a:r>
+              <a:rPr lang="de-DE" sz="2000" dirty="0" err="1"/>
+              <a:t>Example</a:t>
+            </a:r>
+            <a:r>
+              <a:rPr lang="de-DE" sz="2000" dirty="0"/>
+              <a:t>:</a:t>
+            </a:r>
+          </a:p>
+          <a:p>
+            <a:r>
+              <a:rPr lang="de-AT" b="0" dirty="0" err="1">
                 <a:solidFill>
                   <a:srgbClr val="569CD6"/>
                 </a:solidFill>
@@ -11454,7 +10980,7 @@
               <a:t>fn</a:t>
             </a:r>
             <a:r>
-              <a:rPr lang="de-AT" sz="1600" b="0" dirty="0">
+              <a:rPr lang="de-AT" b="0" dirty="0">
                 <a:solidFill>
                   <a:srgbClr val="CCCCCC"/>
                 </a:solidFill>
@@ -11464,7 +10990,7 @@
               <a:t> </a:t>
             </a:r>
             <a:r>
-              <a:rPr lang="de-AT" sz="1600" b="0" dirty="0" err="1">
+              <a:rPr lang="de-AT" b="0" dirty="0" err="1">
                 <a:solidFill>
                   <a:srgbClr val="DCDCAA"/>
                 </a:solidFill>
@@ -11474,7 +11000,7 @@
               <a:t>get_params</a:t>
             </a:r>
             <a:r>
-              <a:rPr lang="de-AT" sz="1600" b="0" dirty="0">
+              <a:rPr lang="de-AT" b="0" dirty="0">
                 <a:solidFill>
                   <a:srgbClr val="CCCCCC"/>
                 </a:solidFill>
@@ -11484,7 +11010,7 @@
               <a:t>(</a:t>
             </a:r>
             <a:r>
-              <a:rPr lang="de-AT" sz="1600" b="0" dirty="0" err="1">
+              <a:rPr lang="de-AT" b="0" dirty="0" err="1">
                 <a:solidFill>
                   <a:srgbClr val="9CDCFE"/>
                 </a:solidFill>
@@ -11494,7 +11020,7 @@
               <a:t>info</a:t>
             </a:r>
             <a:r>
-              <a:rPr lang="de-AT" sz="1600" b="0" dirty="0">
+              <a:rPr lang="de-AT" b="0" dirty="0">
                 <a:solidFill>
                   <a:srgbClr val="D4D4D4"/>
                 </a:solidFill>
@@ -11504,7 +11030,7 @@
               <a:t>:</a:t>
             </a:r>
             <a:r>
-              <a:rPr lang="de-AT" sz="1600" b="0" dirty="0">
+              <a:rPr lang="de-AT" b="0" dirty="0">
                 <a:solidFill>
                   <a:srgbClr val="CCCCCC"/>
                 </a:solidFill>
@@ -11514,7 +11040,7 @@
               <a:t> </a:t>
             </a:r>
             <a:r>
-              <a:rPr lang="de-AT" sz="1600" b="0" dirty="0">
+              <a:rPr lang="de-AT" b="0" dirty="0">
                 <a:solidFill>
                   <a:srgbClr val="4EC9B0"/>
                 </a:solidFill>
@@ -11524,7 +11050,7 @@
               <a:t>web</a:t>
             </a:r>
             <a:r>
-              <a:rPr lang="de-AT" sz="1600" b="0" dirty="0">
+              <a:rPr lang="de-AT" b="0" dirty="0">
                 <a:solidFill>
                   <a:srgbClr val="D4D4D4"/>
                 </a:solidFill>
@@ -11534,7 +11060,7 @@
               <a:t>::</a:t>
             </a:r>
             <a:r>
-              <a:rPr lang="de-AT" sz="1600" b="0" dirty="0">
+              <a:rPr lang="de-AT" b="0" dirty="0">
                 <a:solidFill>
                   <a:srgbClr val="4EC9B0"/>
                 </a:solidFill>
@@ -11544,7 +11070,7 @@
               <a:t>Query</a:t>
             </a:r>
             <a:r>
-              <a:rPr lang="de-AT" sz="1600" b="0" dirty="0">
+              <a:rPr lang="de-AT" b="0" dirty="0">
                 <a:solidFill>
                   <a:srgbClr val="CCCCCC"/>
                 </a:solidFill>
@@ -11554,7 +11080,7 @@
               <a:t>&lt;</a:t>
             </a:r>
             <a:r>
-              <a:rPr lang="de-AT" sz="1600" b="0" dirty="0">
+              <a:rPr lang="de-AT" b="0" dirty="0">
                 <a:solidFill>
                   <a:srgbClr val="4EC9B0"/>
                 </a:solidFill>
@@ -11564,7 +11090,7 @@
               <a:t>Info</a:t>
             </a:r>
             <a:r>
-              <a:rPr lang="de-AT" sz="1600" b="0" dirty="0">
+              <a:rPr lang="de-AT" b="0" dirty="0">
                 <a:solidFill>
                   <a:srgbClr val="CCCCCC"/>
                 </a:solidFill>
@@ -11574,7 +11100,7 @@
               <a:t>&gt;) </a:t>
             </a:r>
             <a:r>
-              <a:rPr lang="de-AT" sz="1600" b="0" dirty="0">
+              <a:rPr lang="de-AT" b="0" dirty="0">
                 <a:solidFill>
                   <a:srgbClr val="D4D4D4"/>
                 </a:solidFill>
@@ -11584,7 +11110,7 @@
               <a:t>-&gt;</a:t>
             </a:r>
             <a:r>
-              <a:rPr lang="de-AT" sz="1600" b="0" dirty="0">
+              <a:rPr lang="de-AT" b="0" dirty="0">
                 <a:solidFill>
                   <a:srgbClr val="CCCCCC"/>
                 </a:solidFill>
@@ -11594,7 +11120,7 @@
               <a:t> </a:t>
             </a:r>
             <a:r>
-              <a:rPr lang="de-AT" sz="1600" b="0" dirty="0" err="1">
+              <a:rPr lang="de-AT" b="0" dirty="0" err="1">
                 <a:solidFill>
                   <a:srgbClr val="569CD6"/>
                 </a:solidFill>
@@ -11604,7 +11130,7 @@
               <a:t>impl</a:t>
             </a:r>
             <a:r>
-              <a:rPr lang="de-AT" sz="1600" b="0" dirty="0">
+              <a:rPr lang="de-AT" b="0" dirty="0">
                 <a:solidFill>
                   <a:srgbClr val="CCCCCC"/>
                 </a:solidFill>
@@ -11614,7 +11140,7 @@
               <a:t> </a:t>
             </a:r>
             <a:r>
-              <a:rPr lang="de-AT" sz="1600" b="0" dirty="0">
+              <a:rPr lang="de-AT" b="0" dirty="0">
                 <a:solidFill>
                   <a:srgbClr val="4EC9B0"/>
                 </a:solidFill>
@@ -11623,6 +11149,178 @@
               </a:rPr>
               <a:t>Responder</a:t>
             </a:r>
+          </a:p>
+          <a:p>
+            <a:endParaRPr lang="de-AT" sz="2000" dirty="0">
+              <a:solidFill>
+                <a:srgbClr val="4EC9B0"/>
+              </a:solidFill>
+              <a:latin typeface="Menlo" panose="020B0609030804020204" pitchFamily="49" charset="0"/>
+            </a:endParaRPr>
+          </a:p>
+          <a:p>
+            <a:endParaRPr lang="de-AT" sz="2000" b="0" dirty="0">
+              <a:solidFill>
+                <a:srgbClr val="4EC9B0"/>
+              </a:solidFill>
+              <a:effectLst/>
+              <a:latin typeface="Menlo" panose="020B0609030804020204" pitchFamily="49" charset="0"/>
+            </a:endParaRPr>
+          </a:p>
+          <a:p>
+            <a:r>
+              <a:rPr lang="de-AT" sz="2000" dirty="0"/>
+              <a:t>More possible </a:t>
+            </a:r>
+            <a:r>
+              <a:rPr lang="de-AT" sz="2000" dirty="0" err="1"/>
+              <a:t>extractors</a:t>
+            </a:r>
+            <a:r>
+              <a:rPr lang="de-AT" sz="2000" dirty="0"/>
+              <a:t>:</a:t>
+            </a:r>
+          </a:p>
+          <a:p>
+            <a:r>
+              <a:rPr lang="de-AT" b="0" dirty="0">
+                <a:solidFill>
+                  <a:srgbClr val="4EC9B0"/>
+                </a:solidFill>
+                <a:effectLst/>
+                <a:latin typeface="Menlo" panose="020B0609030804020204" pitchFamily="49" charset="0"/>
+              </a:rPr>
+              <a:t>Header</a:t>
+            </a:r>
+            <a:r>
+              <a:rPr lang="de-AT" b="0" dirty="0">
+                <a:solidFill>
+                  <a:srgbClr val="CCCCCC"/>
+                </a:solidFill>
+                <a:effectLst/>
+                <a:latin typeface="Menlo" panose="020B0609030804020204" pitchFamily="49" charset="0"/>
+              </a:rPr>
+              <a:t>, </a:t>
+            </a:r>
+            <a:r>
+              <a:rPr lang="de-AT" b="0" dirty="0">
+                <a:solidFill>
+                  <a:srgbClr val="4EC9B0"/>
+                </a:solidFill>
+                <a:effectLst/>
+                <a:latin typeface="Menlo" panose="020B0609030804020204" pitchFamily="49" charset="0"/>
+              </a:rPr>
+              <a:t>Path</a:t>
+            </a:r>
+            <a:r>
+              <a:rPr lang="de-AT" b="0" dirty="0">
+                <a:solidFill>
+                  <a:srgbClr val="CCCCCC"/>
+                </a:solidFill>
+                <a:effectLst/>
+                <a:latin typeface="Menlo" panose="020B0609030804020204" pitchFamily="49" charset="0"/>
+              </a:rPr>
+              <a:t>, </a:t>
+            </a:r>
+            <a:r>
+              <a:rPr lang="de-AT" b="0" dirty="0" err="1">
+                <a:solidFill>
+                  <a:srgbClr val="4EC9B0"/>
+                </a:solidFill>
+                <a:effectLst/>
+                <a:latin typeface="Menlo" panose="020B0609030804020204" pitchFamily="49" charset="0"/>
+              </a:rPr>
+              <a:t>Json</a:t>
+            </a:r>
+            <a:r>
+              <a:rPr lang="de-AT" b="0" dirty="0">
+                <a:solidFill>
+                  <a:srgbClr val="CCCCCC"/>
+                </a:solidFill>
+                <a:effectLst/>
+                <a:latin typeface="Menlo" panose="020B0609030804020204" pitchFamily="49" charset="0"/>
+              </a:rPr>
+              <a:t>, </a:t>
+            </a:r>
+            <a:r>
+              <a:rPr lang="de-AT" b="0" dirty="0">
+                <a:solidFill>
+                  <a:srgbClr val="4EC9B0"/>
+                </a:solidFill>
+                <a:effectLst/>
+                <a:latin typeface="Menlo" panose="020B0609030804020204" pitchFamily="49" charset="0"/>
+              </a:rPr>
+              <a:t>Form</a:t>
+            </a:r>
+            <a:r>
+              <a:rPr lang="de-AT" b="0" dirty="0">
+                <a:solidFill>
+                  <a:srgbClr val="CCCCCC"/>
+                </a:solidFill>
+                <a:effectLst/>
+                <a:latin typeface="Menlo" panose="020B0609030804020204" pitchFamily="49" charset="0"/>
+              </a:rPr>
+              <a:t>, </a:t>
+            </a:r>
+            <a:r>
+              <a:rPr lang="de-AT" b="0" dirty="0">
+                <a:solidFill>
+                  <a:srgbClr val="4EC9B0"/>
+                </a:solidFill>
+                <a:effectLst/>
+                <a:latin typeface="Menlo" panose="020B0609030804020204" pitchFamily="49" charset="0"/>
+              </a:rPr>
+              <a:t>Query</a:t>
+            </a:r>
+            <a:r>
+              <a:rPr lang="de-AT" b="0" dirty="0">
+                <a:solidFill>
+                  <a:srgbClr val="CCCCCC"/>
+                </a:solidFill>
+                <a:effectLst/>
+                <a:latin typeface="Menlo" panose="020B0609030804020204" pitchFamily="49" charset="0"/>
+              </a:rPr>
+              <a:t>, </a:t>
+            </a:r>
+            <a:r>
+              <a:rPr lang="de-AT" b="0" dirty="0">
+                <a:solidFill>
+                  <a:srgbClr val="4EC9B0"/>
+                </a:solidFill>
+                <a:effectLst/>
+                <a:latin typeface="Menlo" panose="020B0609030804020204" pitchFamily="49" charset="0"/>
+              </a:rPr>
+              <a:t>Bytes</a:t>
+            </a:r>
+            <a:r>
+              <a:rPr lang="de-AT" b="0" dirty="0">
+                <a:solidFill>
+                  <a:srgbClr val="CCCCCC"/>
+                </a:solidFill>
+                <a:effectLst/>
+                <a:latin typeface="Menlo" panose="020B0609030804020204" pitchFamily="49" charset="0"/>
+              </a:rPr>
+              <a:t>, </a:t>
+            </a:r>
+            <a:r>
+              <a:rPr lang="de-AT" b="0" dirty="0">
+                <a:solidFill>
+                  <a:srgbClr val="4EC9B0"/>
+                </a:solidFill>
+                <a:effectLst/>
+                <a:latin typeface="Menlo" panose="020B0609030804020204" pitchFamily="49" charset="0"/>
+              </a:rPr>
+              <a:t>String</a:t>
+            </a:r>
+            <a:endParaRPr lang="de-AT" b="0" dirty="0">
+              <a:solidFill>
+                <a:srgbClr val="CCCCCC"/>
+              </a:solidFill>
+              <a:effectLst/>
+              <a:latin typeface="Menlo" panose="020B0609030804020204" pitchFamily="49" charset="0"/>
+            </a:endParaRPr>
+          </a:p>
+          <a:p>
             <a:endParaRPr lang="de-AT" sz="1600" b="0" dirty="0">
               <a:solidFill>
                 <a:srgbClr val="CCCCCC"/>
@@ -11671,7 +11369,7 @@
           <p:cNvPr id="2" name="Titel 1">
             <a:extLst>
               <a:ext uri="{FF2B5EF4-FFF2-40B4-BE49-F238E27FC236}">
-                <a16:creationId xmlns:a16="http://schemas.microsoft.com/office/drawing/2014/main" id="{A2133C53-ACA7-77D9-1892-A1D212AB4255}"/>
+                <a16:creationId xmlns:a16="http://schemas.microsoft.com/office/drawing/2014/main" id="{751842EB-203D-FD96-6EDF-06C32DE3C360}"/>
               </a:ext>
             </a:extLst>
           </p:cNvPr>
@@ -11688,86 +11386,247 @@
           <a:lstStyle/>
           <a:p>
             <a:r>
+              <a:rPr lang="de-DE" dirty="0"/>
+              <a:t>Customize a </a:t>
+            </a:r>
+            <a:r>
               <a:rPr lang="de-DE" dirty="0" err="1"/>
-              <a:t>Types</a:t>
-            </a:r>
-            <a:r>
-              <a:rPr lang="de-DE" dirty="0"/>
-              <a:t> and </a:t>
-            </a:r>
-            <a:r>
-              <a:rPr lang="de-DE" dirty="0" err="1"/>
-              <a:t>structs</a:t>
-            </a:r>
-            <a:r>
-              <a:rPr lang="de-DE" dirty="0"/>
-              <a:t> </a:t>
-            </a:r>
-            <a:r>
-              <a:rPr lang="de-DE" dirty="0" err="1"/>
-              <a:t>that</a:t>
-            </a:r>
-            <a:r>
-              <a:rPr lang="de-DE" dirty="0"/>
-              <a:t> </a:t>
-            </a:r>
-            <a:r>
-              <a:rPr lang="de-DE" dirty="0" err="1"/>
-              <a:t>implement</a:t>
-            </a:r>
-            <a:r>
-              <a:rPr lang="de-DE" dirty="0"/>
-              <a:t> Responder </a:t>
-            </a:r>
-            <a:r>
-              <a:rPr lang="de-DE" dirty="0" err="1"/>
-              <a:t>by</a:t>
-            </a:r>
-            <a:r>
-              <a:rPr lang="de-DE" dirty="0"/>
-              <a:t> </a:t>
-            </a:r>
-            <a:r>
-              <a:rPr lang="de-DE" dirty="0" err="1"/>
-              <a:t>default</a:t>
+              <a:t>HttpResponse</a:t>
             </a:r>
             <a:endParaRPr lang="de-AT" dirty="0"/>
           </a:p>
         </p:txBody>
       </p:sp>
-      <p:pic>
-        <p:nvPicPr>
-          <p:cNvPr id="5" name="Inhaltsplatzhalter 4">
+      <p:sp>
+        <p:nvSpPr>
+          <p:cNvPr id="3" name="Inhaltsplatzhalter 2">
             <a:extLst>
               <a:ext uri="{FF2B5EF4-FFF2-40B4-BE49-F238E27FC236}">
-                <a16:creationId xmlns:a16="http://schemas.microsoft.com/office/drawing/2014/main" id="{20D04653-4006-179C-3B0C-1691271C92B4}"/>
+                <a16:creationId xmlns:a16="http://schemas.microsoft.com/office/drawing/2014/main" id="{7E4BFCF8-2ADC-1A5C-6E3D-63B4575E4FDE}"/>
               </a:ext>
             </a:extLst>
           </p:cNvPr>
-          <p:cNvPicPr>
-            <a:picLocks noGrp="1" noChangeAspect="1"/>
-          </p:cNvPicPr>
+          <p:cNvSpPr>
+            <a:spLocks noGrp="1"/>
+          </p:cNvSpPr>
           <p:nvPr>
             <p:ph idx="1"/>
           </p:nvPr>
-        </p:nvPicPr>
-        <p:blipFill>
-          <a:blip r:embed="rId2"/>
-          <a:stretch>
-            <a:fillRect/>
-          </a:stretch>
-        </p:blipFill>
-        <p:spPr>
-          <a:xfrm>
-            <a:off x="838199" y="1902598"/>
-            <a:ext cx="8174269" cy="3637063"/>
-          </a:xfrm>
-        </p:spPr>
-      </p:pic>
+        </p:nvSpPr>
+        <p:spPr/>
+        <p:txBody>
+          <a:bodyPr/>
+          <a:lstStyle/>
+          <a:p>
+            <a:pPr marL="0" indent="0">
+              <a:buNone/>
+            </a:pPr>
+            <a:r>
+              <a:rPr lang="de-DE" dirty="0"/>
+              <a:t>The Responder </a:t>
+            </a:r>
+            <a:r>
+              <a:rPr lang="de-DE" dirty="0" err="1"/>
+              <a:t>trait</a:t>
+            </a:r>
+            <a:r>
+              <a:rPr lang="de-DE" dirty="0"/>
+              <a:t> </a:t>
+            </a:r>
+            <a:r>
+              <a:rPr lang="de-DE" dirty="0" err="1"/>
+              <a:t>provides</a:t>
+            </a:r>
+            <a:r>
+              <a:rPr lang="de-DE" dirty="0"/>
+              <a:t> a </a:t>
+            </a:r>
+            <a:r>
+              <a:rPr lang="de-DE" dirty="0" err="1"/>
+              <a:t>method</a:t>
+            </a:r>
+            <a:r>
+              <a:rPr lang="de-DE" dirty="0"/>
+              <a:t> </a:t>
+            </a:r>
+            <a:r>
+              <a:rPr lang="de-DE" dirty="0" err="1"/>
+              <a:t>for</a:t>
+            </a:r>
+            <a:r>
+              <a:rPr lang="de-DE" dirty="0"/>
+              <a:t> </a:t>
+            </a:r>
+            <a:r>
+              <a:rPr lang="de-DE" dirty="0" err="1"/>
+              <a:t>customizing</a:t>
+            </a:r>
+            <a:r>
+              <a:rPr lang="de-DE" dirty="0"/>
+              <a:t> </a:t>
+            </a:r>
+            <a:r>
+              <a:rPr lang="de-DE" dirty="0" err="1"/>
+              <a:t>responses</a:t>
+            </a:r>
+            <a:r>
+              <a:rPr lang="de-DE" dirty="0"/>
+              <a:t>:</a:t>
+            </a:r>
+          </a:p>
+          <a:p>
+            <a:pPr marL="0" indent="0">
+              <a:buNone/>
+            </a:pPr>
+            <a:endParaRPr lang="de-DE" dirty="0"/>
+          </a:p>
+          <a:p>
+            <a:pPr marL="0" indent="0">
+              <a:buNone/>
+            </a:pPr>
+            <a:r>
+              <a:rPr lang="de-AT" b="0" dirty="0">
+                <a:solidFill>
+                  <a:srgbClr val="DCDCAA"/>
+                </a:solidFill>
+                <a:effectLst/>
+                <a:latin typeface="Consolas" panose="020B0609020204030204" pitchFamily="49" charset="0"/>
+              </a:rPr>
+              <a:t>customize</a:t>
+            </a:r>
+            <a:r>
+              <a:rPr lang="de-AT" b="0" dirty="0">
+                <a:solidFill>
+                  <a:srgbClr val="D4D4D4"/>
+                </a:solidFill>
+                <a:effectLst/>
+                <a:latin typeface="Consolas" panose="020B0609020204030204" pitchFamily="49" charset="0"/>
+              </a:rPr>
+              <a:t>()</a:t>
+            </a:r>
+          </a:p>
+          <a:p>
+            <a:pPr marL="0" indent="0">
+              <a:buNone/>
+            </a:pPr>
+            <a:endParaRPr lang="de-AT" dirty="0"/>
+          </a:p>
+          <a:p>
+            <a:pPr marL="0" indent="0">
+              <a:buNone/>
+            </a:pPr>
+            <a:r>
+              <a:rPr lang="de-AT" dirty="0"/>
+              <a:t>The </a:t>
+            </a:r>
+            <a:r>
+              <a:rPr lang="de-AT" dirty="0" err="1"/>
+              <a:t>HttpResponse</a:t>
+            </a:r>
+            <a:r>
+              <a:rPr lang="de-AT" dirty="0"/>
+              <a:t> </a:t>
+            </a:r>
+            <a:r>
+              <a:rPr lang="de-AT" dirty="0" err="1"/>
+              <a:t>struct</a:t>
+            </a:r>
+            <a:r>
+              <a:rPr lang="de-AT" dirty="0"/>
+              <a:t> </a:t>
+            </a:r>
+            <a:r>
+              <a:rPr lang="de-AT" dirty="0" err="1"/>
+              <a:t>provides</a:t>
+            </a:r>
+            <a:r>
+              <a:rPr lang="de-AT" dirty="0"/>
+              <a:t> a </a:t>
+            </a:r>
+            <a:r>
+              <a:rPr lang="de-AT" dirty="0" err="1"/>
+              <a:t>method</a:t>
+            </a:r>
+            <a:r>
+              <a:rPr lang="de-AT" dirty="0"/>
+              <a:t> </a:t>
+            </a:r>
+            <a:r>
+              <a:rPr lang="de-AT" dirty="0" err="1"/>
+              <a:t>to</a:t>
+            </a:r>
+            <a:r>
+              <a:rPr lang="de-AT" dirty="0"/>
+              <a:t> </a:t>
+            </a:r>
+            <a:r>
+              <a:rPr lang="de-AT" dirty="0" err="1"/>
+              <a:t>build</a:t>
+            </a:r>
+            <a:r>
+              <a:rPr lang="de-AT" dirty="0"/>
+              <a:t> a </a:t>
+            </a:r>
+            <a:r>
+              <a:rPr lang="de-AT" dirty="0" err="1"/>
+              <a:t>customized</a:t>
+            </a:r>
+            <a:r>
+              <a:rPr lang="de-AT" dirty="0"/>
+              <a:t> </a:t>
+            </a:r>
+            <a:r>
+              <a:rPr lang="de-AT" dirty="0" err="1"/>
+              <a:t>response</a:t>
+            </a:r>
+            <a:r>
+              <a:rPr lang="de-AT" dirty="0"/>
+              <a:t>:</a:t>
+            </a:r>
+          </a:p>
+          <a:p>
+            <a:pPr marL="0" indent="0">
+              <a:buNone/>
+            </a:pPr>
+            <a:endParaRPr lang="de-AT" dirty="0"/>
+          </a:p>
+          <a:p>
+            <a:pPr marL="0" indent="0">
+              <a:buNone/>
+            </a:pPr>
+            <a:r>
+              <a:rPr lang="de-AT" b="0" dirty="0" err="1">
+                <a:solidFill>
+                  <a:srgbClr val="DCDCAA"/>
+                </a:solidFill>
+                <a:effectLst/>
+                <a:latin typeface="Consolas" panose="020B0609020204030204" pitchFamily="49" charset="0"/>
+              </a:rPr>
+              <a:t>build</a:t>
+            </a:r>
+            <a:r>
+              <a:rPr lang="de-AT" b="0" dirty="0">
+                <a:solidFill>
+                  <a:srgbClr val="D4D4D4"/>
+                </a:solidFill>
+                <a:effectLst/>
+                <a:latin typeface="Consolas" panose="020B0609020204030204" pitchFamily="49" charset="0"/>
+              </a:rPr>
+              <a:t>()</a:t>
+            </a:r>
+          </a:p>
+          <a:p>
+            <a:pPr marL="0" indent="0">
+              <a:buNone/>
+            </a:pPr>
+            <a:endParaRPr lang="de-AT" dirty="0"/>
+          </a:p>
+        </p:txBody>
+      </p:sp>
     </p:spTree>
     <p:extLst>
       <p:ext uri="{BB962C8B-B14F-4D97-AF65-F5344CB8AC3E}">
-        <p14:creationId xmlns:p14="http://schemas.microsoft.com/office/powerpoint/2010/main" val="2410797446"/>
+        <p14:creationId xmlns:p14="http://schemas.microsoft.com/office/powerpoint/2010/main" val="3749233082"/>
       </p:ext>
     </p:extLst>
   </p:cSld>
@@ -11799,7 +11658,7 @@
           <p:cNvPr id="2" name="Titel 1">
             <a:extLst>
               <a:ext uri="{FF2B5EF4-FFF2-40B4-BE49-F238E27FC236}">
-                <a16:creationId xmlns:a16="http://schemas.microsoft.com/office/drawing/2014/main" id="{DE28BBC6-A8B3-01DD-B469-C9EC43354124}"/>
+                <a16:creationId xmlns:a16="http://schemas.microsoft.com/office/drawing/2014/main" id="{BD531336-1A28-5391-A234-001E13741834}"/>
               </a:ext>
             </a:extLst>
           </p:cNvPr>
@@ -11817,7 +11676,7 @@
           <a:p>
             <a:r>
               <a:rPr lang="de-DE" dirty="0" err="1"/>
-              <a:t>Defining</a:t>
+              <a:t>Serve</a:t>
             </a:r>
             <a:r>
               <a:rPr lang="de-DE" dirty="0"/>
@@ -11825,7 +11684,15 @@
             </a:r>
             <a:r>
               <a:rPr lang="de-DE" dirty="0" err="1"/>
-              <a:t>scope</a:t>
+              <a:t>static</a:t>
+            </a:r>
+            <a:r>
+              <a:rPr lang="de-DE" dirty="0"/>
+              <a:t> </a:t>
+            </a:r>
+            <a:r>
+              <a:rPr lang="de-DE" dirty="0" err="1"/>
+              <a:t>file</a:t>
             </a:r>
             <a:endParaRPr lang="de-DE" dirty="0"/>
           </a:p>
@@ -11836,7 +11703,7 @@
           <p:cNvPr id="3" name="Inhaltsplatzhalter 2">
             <a:extLst>
               <a:ext uri="{FF2B5EF4-FFF2-40B4-BE49-F238E27FC236}">
-                <a16:creationId xmlns:a16="http://schemas.microsoft.com/office/drawing/2014/main" id="{B29092B3-A0B6-ADAC-CB1A-9D8A07B0A8E5}"/>
+                <a16:creationId xmlns:a16="http://schemas.microsoft.com/office/drawing/2014/main" id="{A00525D1-C880-9B7B-BD27-E49FD761B6AD}"/>
               </a:ext>
             </a:extLst>
           </p:cNvPr>
@@ -11858,36 +11725,8 @@
               <a:buNone/>
             </a:pPr>
             <a:r>
-              <a:rPr lang="de-DE" dirty="0"/>
-              <a:t>Registered </a:t>
-            </a:r>
-            <a:r>
               <a:rPr lang="de-DE" dirty="0" err="1"/>
-              <a:t>routes</a:t>
-            </a:r>
-            <a:r>
-              <a:rPr lang="de-DE" dirty="0"/>
-              <a:t> in a </a:t>
-            </a:r>
-            <a:r>
-              <a:rPr lang="de-DE" dirty="0" err="1"/>
-              <a:t>scope</a:t>
-            </a:r>
-            <a:r>
-              <a:rPr lang="de-DE" dirty="0"/>
-              <a:t> will </a:t>
-            </a:r>
-            <a:r>
-              <a:rPr lang="de-DE" dirty="0" err="1"/>
-              <a:t>share</a:t>
-            </a:r>
-            <a:r>
-              <a:rPr lang="de-DE" dirty="0"/>
-              <a:t> a </a:t>
-            </a:r>
-            <a:r>
-              <a:rPr lang="de-DE" dirty="0" err="1"/>
-              <a:t>common</a:t>
+              <a:t>To</a:t>
             </a:r>
             <a:r>
               <a:rPr lang="de-DE" dirty="0"/>
@@ -11895,7 +11734,7 @@
             </a:r>
             <a:r>
               <a:rPr lang="de-DE" dirty="0" err="1"/>
-              <a:t>path</a:t>
+              <a:t>serve</a:t>
             </a:r>
             <a:r>
               <a:rPr lang="de-DE" dirty="0"/>
@@ -11903,7 +11742,63 @@
             </a:r>
             <a:r>
               <a:rPr lang="de-DE" dirty="0" err="1"/>
-              <a:t>prefix</a:t>
+              <a:t>static</a:t>
+            </a:r>
+            <a:r>
+              <a:rPr lang="de-DE" dirty="0"/>
+              <a:t> </a:t>
+            </a:r>
+            <a:r>
+              <a:rPr lang="de-DE" dirty="0" err="1"/>
+              <a:t>files</a:t>
+            </a:r>
+            <a:r>
+              <a:rPr lang="de-DE" dirty="0"/>
+              <a:t> </a:t>
+            </a:r>
+            <a:r>
+              <a:rPr lang="de-DE" dirty="0" err="1"/>
+              <a:t>you</a:t>
+            </a:r>
+            <a:r>
+              <a:rPr lang="de-DE" dirty="0"/>
+              <a:t> </a:t>
+            </a:r>
+            <a:r>
+              <a:rPr lang="de-DE" dirty="0" err="1"/>
+              <a:t>can</a:t>
+            </a:r>
+            <a:r>
+              <a:rPr lang="de-DE" dirty="0"/>
+              <a:t> </a:t>
+            </a:r>
+            <a:r>
+              <a:rPr lang="de-DE" dirty="0" err="1"/>
+              <a:t>use</a:t>
+            </a:r>
+            <a:r>
+              <a:rPr lang="de-DE" dirty="0"/>
+              <a:t> </a:t>
+            </a:r>
+            <a:r>
+              <a:rPr lang="de-DE" dirty="0" err="1"/>
+              <a:t>the</a:t>
+            </a:r>
+            <a:r>
+              <a:rPr lang="de-DE" dirty="0"/>
+              <a:t> </a:t>
+            </a:r>
+            <a:r>
+              <a:rPr lang="de-DE" dirty="0" err="1"/>
+              <a:t>actix</a:t>
+            </a:r>
+            <a:r>
+              <a:rPr lang="de-DE" dirty="0"/>
+              <a:t>-files </a:t>
+            </a:r>
+            <a:r>
+              <a:rPr lang="de-DE" dirty="0" err="1"/>
+              <a:t>crate</a:t>
             </a:r>
             <a:endParaRPr lang="de-DE" dirty="0"/>
           </a:p>
@@ -11918,29 +11813,180 @@
               <a:buNone/>
             </a:pPr>
             <a:r>
+              <a:rPr lang="de-DE" dirty="0" err="1"/>
+              <a:t>You</a:t>
+            </a:r>
+            <a:r>
               <a:rPr lang="de-DE" dirty="0"/>
-              <a:t>e.g.</a:t>
-            </a:r>
+              <a:t> </a:t>
+            </a:r>
+            <a:r>
+              <a:rPr lang="de-DE" dirty="0" err="1"/>
+              <a:t>can</a:t>
+            </a:r>
+            <a:r>
+              <a:rPr lang="de-DE" dirty="0"/>
+              <a:t> </a:t>
+            </a:r>
+            <a:r>
+              <a:rPr lang="de-DE" dirty="0" err="1"/>
+              <a:t>use</a:t>
+            </a:r>
+            <a:r>
+              <a:rPr lang="de-DE" dirty="0"/>
+              <a:t> </a:t>
+            </a:r>
+            <a:r>
+              <a:rPr lang="de-DE" dirty="0" err="1"/>
+              <a:t>the</a:t>
+            </a:r>
+            <a:r>
+              <a:rPr lang="de-DE" dirty="0"/>
+              <a:t> </a:t>
+            </a:r>
+            <a:r>
+              <a:rPr lang="de-DE" dirty="0" err="1"/>
+              <a:t>extraction</a:t>
+            </a:r>
+            <a:r>
+              <a:rPr lang="de-DE" dirty="0"/>
+              <a:t> </a:t>
+            </a:r>
+            <a:r>
+              <a:rPr lang="de-DE" dirty="0" err="1"/>
+              <a:t>pattern</a:t>
+            </a:r>
+            <a:r>
+              <a:rPr lang="de-DE" dirty="0"/>
+              <a:t> </a:t>
+            </a:r>
+            <a:r>
+              <a:rPr lang="de-DE" dirty="0" err="1"/>
+              <a:t>provided</a:t>
+            </a:r>
+            <a:r>
+              <a:rPr lang="de-DE" dirty="0"/>
+              <a:t> </a:t>
+            </a:r>
+            <a:r>
+              <a:rPr lang="de-DE" dirty="0" err="1"/>
+              <a:t>for</a:t>
+            </a:r>
+            <a:r>
+              <a:rPr lang="de-DE" dirty="0"/>
+              <a:t> </a:t>
+            </a:r>
+            <a:r>
+              <a:rPr lang="de-DE"/>
+              <a:t>requests:</a:t>
+            </a:r>
+            <a:endParaRPr lang="de-DE" dirty="0"/>
           </a:p>
           <a:p>
             <a:pPr marL="0" indent="0">
               <a:buNone/>
             </a:pPr>
-            <a:endParaRPr lang="de-DE" dirty="0"/>
+            <a:r>
+              <a:rPr lang="de-AT" b="0" dirty="0">
+                <a:solidFill>
+                  <a:srgbClr val="CE9178"/>
+                </a:solidFill>
+                <a:effectLst/>
+                <a:latin typeface="Menlo" panose="020B0609030804020204" pitchFamily="49" charset="0"/>
+              </a:rPr>
+              <a:t>"/{</a:t>
+            </a:r>
+            <a:r>
+              <a:rPr lang="de-AT" b="0" dirty="0" err="1">
+                <a:solidFill>
+                  <a:srgbClr val="CE9178"/>
+                </a:solidFill>
+                <a:effectLst/>
+                <a:latin typeface="Menlo" panose="020B0609030804020204" pitchFamily="49" charset="0"/>
+              </a:rPr>
+              <a:t>filename</a:t>
+            </a:r>
+            <a:r>
+              <a:rPr lang="de-AT" b="0" dirty="0">
+                <a:solidFill>
+                  <a:srgbClr val="CE9178"/>
+                </a:solidFill>
+                <a:effectLst/>
+                <a:latin typeface="Menlo" panose="020B0609030804020204" pitchFamily="49" charset="0"/>
+              </a:rPr>
+              <a:t>}"</a:t>
+            </a:r>
+            <a:endParaRPr lang="de-AT" b="0" dirty="0">
+              <a:solidFill>
+                <a:srgbClr val="CCCCCC"/>
+              </a:solidFill>
+              <a:effectLst/>
+              <a:latin typeface="Menlo" panose="020B0609030804020204" pitchFamily="49" charset="0"/>
+            </a:endParaRPr>
           </a:p>
           <a:p>
             <a:pPr marL="0" indent="0">
               <a:buNone/>
             </a:pPr>
             <a:r>
+              <a:rPr lang="de-DE" dirty="0"/>
+              <a:t> </a:t>
+            </a:r>
+          </a:p>
+          <a:p>
+            <a:pPr marL="0" indent="0">
+              <a:buNone/>
+            </a:pPr>
+            <a:r>
+              <a:rPr lang="de-DE" dirty="0" err="1"/>
+              <a:t>Extraction</a:t>
+            </a:r>
+            <a:r>
+              <a:rPr lang="de-DE" dirty="0"/>
+              <a:t> </a:t>
+            </a:r>
+            <a:r>
+              <a:rPr lang="de-DE" dirty="0" err="1"/>
+              <a:t>example</a:t>
+            </a:r>
+            <a:r>
+              <a:rPr lang="de-DE" dirty="0"/>
+              <a:t>:</a:t>
+            </a:r>
+          </a:p>
+          <a:p>
+            <a:pPr marL="0" indent="0">
+              <a:buNone/>
+            </a:pPr>
+            <a:r>
               <a:rPr lang="de-AT" b="0" dirty="0" err="1">
                 <a:solidFill>
+                  <a:srgbClr val="569CD6"/>
+                </a:solidFill>
+                <a:effectLst/>
+                <a:latin typeface="Menlo" panose="020B0609030804020204" pitchFamily="49" charset="0"/>
+              </a:rPr>
+              <a:t>fn</a:t>
+            </a:r>
+            <a:r>
+              <a:rPr lang="de-AT" b="0" dirty="0">
+                <a:solidFill>
+                  <a:srgbClr val="CCCCCC"/>
+                </a:solidFill>
+                <a:effectLst/>
+                <a:latin typeface="Menlo" panose="020B0609030804020204" pitchFamily="49" charset="0"/>
+              </a:rPr>
+              <a:t> </a:t>
+            </a:r>
+            <a:r>
+              <a:rPr lang="de-AT" b="0" dirty="0" err="1">
+                <a:solidFill>
                   <a:srgbClr val="DCDCAA"/>
                 </a:solidFill>
                 <a:effectLst/>
                 <a:latin typeface="Menlo" panose="020B0609030804020204" pitchFamily="49" charset="0"/>
               </a:rPr>
-              <a:t>service</a:t>
+              <a:t>extract</a:t>
             </a:r>
             <a:r>
               <a:rPr lang="de-AT" b="0" dirty="0">
@@ -11952,6 +11998,116 @@
               </a:rPr>
               <a:t>(</a:t>
             </a:r>
+            <a:r>
+              <a:rPr lang="de-AT" b="0" dirty="0" err="1">
+                <a:solidFill>
+                  <a:srgbClr val="9CDCFE"/>
+                </a:solidFill>
+                <a:effectLst/>
+                <a:latin typeface="Menlo" panose="020B0609030804020204" pitchFamily="49" charset="0"/>
+              </a:rPr>
+              <a:t>req</a:t>
+            </a:r>
+            <a:r>
+              <a:rPr lang="de-AT" b="0" dirty="0">
+                <a:solidFill>
+                  <a:srgbClr val="D4D4D4"/>
+                </a:solidFill>
+                <a:effectLst/>
+                <a:latin typeface="Menlo" panose="020B0609030804020204" pitchFamily="49" charset="0"/>
+              </a:rPr>
+              <a:t>:</a:t>
+            </a:r>
+            <a:r>
+              <a:rPr lang="de-AT" b="0" dirty="0">
+                <a:solidFill>
+                  <a:srgbClr val="CCCCCC"/>
+                </a:solidFill>
+                <a:effectLst/>
+                <a:latin typeface="Menlo" panose="020B0609030804020204" pitchFamily="49" charset="0"/>
+              </a:rPr>
+              <a:t> </a:t>
+            </a:r>
+            <a:r>
+              <a:rPr lang="de-AT" b="0" dirty="0" err="1">
+                <a:solidFill>
+                  <a:srgbClr val="4EC9B0"/>
+                </a:solidFill>
+                <a:effectLst/>
+                <a:latin typeface="Menlo" panose="020B0609030804020204" pitchFamily="49" charset="0"/>
+              </a:rPr>
+              <a:t>HttpRequest</a:t>
+            </a:r>
+            <a:r>
+              <a:rPr lang="de-AT" b="0" dirty="0">
+                <a:solidFill>
+                  <a:srgbClr val="CCCCCC"/>
+                </a:solidFill>
+                <a:effectLst/>
+                <a:latin typeface="Menlo" panose="020B0609030804020204" pitchFamily="49" charset="0"/>
+              </a:rPr>
+              <a:t>) </a:t>
+            </a:r>
+            <a:r>
+              <a:rPr lang="de-AT" b="0" dirty="0">
+                <a:solidFill>
+                  <a:srgbClr val="D4D4D4"/>
+                </a:solidFill>
+                <a:effectLst/>
+                <a:latin typeface="Menlo" panose="020B0609030804020204" pitchFamily="49" charset="0"/>
+              </a:rPr>
+              <a:t>-&gt;</a:t>
+            </a:r>
+            <a:r>
+              <a:rPr lang="de-AT" b="0" dirty="0">
+                <a:solidFill>
+                  <a:srgbClr val="CCCCCC"/>
+                </a:solidFill>
+                <a:effectLst/>
+                <a:latin typeface="Menlo" panose="020B0609030804020204" pitchFamily="49" charset="0"/>
+              </a:rPr>
+              <a:t> </a:t>
+            </a:r>
+            <a:r>
+              <a:rPr lang="de-AT" b="0" dirty="0" err="1">
+                <a:solidFill>
+                  <a:srgbClr val="569CD6"/>
+                </a:solidFill>
+                <a:effectLst/>
+                <a:latin typeface="Menlo" panose="020B0609030804020204" pitchFamily="49" charset="0"/>
+              </a:rPr>
+              <a:t>impl</a:t>
+            </a:r>
+            <a:r>
+              <a:rPr lang="de-AT" b="0" dirty="0">
+                <a:solidFill>
+                  <a:srgbClr val="CCCCCC"/>
+                </a:solidFill>
+                <a:effectLst/>
+                <a:latin typeface="Menlo" panose="020B0609030804020204" pitchFamily="49" charset="0"/>
+              </a:rPr>
+              <a:t> </a:t>
+            </a:r>
+            <a:r>
+              <a:rPr lang="de-AT" b="0" dirty="0">
+                <a:solidFill>
+                  <a:srgbClr val="4EC9B0"/>
+                </a:solidFill>
+                <a:effectLst/>
+                <a:latin typeface="Menlo" panose="020B0609030804020204" pitchFamily="49" charset="0"/>
+              </a:rPr>
+              <a:t>Responder</a:t>
+            </a:r>
+            <a:r>
+              <a:rPr lang="de-AT" b="0" dirty="0">
+                <a:solidFill>
+                  <a:srgbClr val="CCCCCC"/>
+                </a:solidFill>
+                <a:effectLst/>
+                <a:latin typeface="Menlo" panose="020B0609030804020204" pitchFamily="49" charset="0"/>
+              </a:rPr>
+              <a:t> {</a:t>
+            </a:r>
           </a:p>
           <a:p>
             <a:pPr marL="0" indent="0">
@@ -11960,22 +12116,32 @@
             <a:r>
               <a:rPr lang="de-AT" b="0" dirty="0">
                 <a:solidFill>
-                  <a:srgbClr val="4EC9B0"/>
-                </a:solidFill>
-                <a:effectLst/>
-                <a:latin typeface="Menlo" panose="020B0609030804020204" pitchFamily="49" charset="0"/>
-              </a:rPr>
-              <a:t>	web</a:t>
-            </a:r>
-            <a:r>
-              <a:rPr lang="de-AT" b="0" dirty="0">
+                  <a:srgbClr val="9CDCFE"/>
+                </a:solidFill>
+                <a:effectLst/>
+                <a:latin typeface="Menlo" panose="020B0609030804020204" pitchFamily="49" charset="0"/>
+              </a:rPr>
+              <a:t>	</a:t>
+            </a:r>
+            <a:r>
+              <a:rPr lang="de-AT" b="0" dirty="0" err="1">
+                <a:solidFill>
+                  <a:srgbClr val="9CDCFE"/>
+                </a:solidFill>
+                <a:effectLst/>
+                <a:latin typeface="Menlo" panose="020B0609030804020204" pitchFamily="49" charset="0"/>
+              </a:rPr>
+              <a:t>req</a:t>
+            </a:r>
+            <a:r>
+              <a:rPr lang="de-AT" b="0" dirty="0" err="1">
                 <a:solidFill>
                   <a:srgbClr val="D4D4D4"/>
                 </a:solidFill>
                 <a:effectLst/>
                 <a:latin typeface="Menlo" panose="020B0609030804020204" pitchFamily="49" charset="0"/>
               </a:rPr>
-              <a:t>::</a:t>
+              <a:t>.</a:t>
             </a:r>
             <a:r>
               <a:rPr lang="de-AT" b="0" dirty="0" err="1">
@@ -11985,7 +12151,7 @@
                 <a:effectLst/>
                 <a:latin typeface="Menlo" panose="020B0609030804020204" pitchFamily="49" charset="0"/>
               </a:rPr>
-              <a:t>scope</a:t>
+              <a:t>match_info</a:t>
             </a:r>
             <a:r>
               <a:rPr lang="de-AT" b="0" dirty="0">
@@ -11995,6 +12161,36 @@
                 <a:effectLst/>
                 <a:latin typeface="Menlo" panose="020B0609030804020204" pitchFamily="49" charset="0"/>
               </a:rPr>
+              <a:t>()</a:t>
+            </a:r>
+            <a:r>
+              <a:rPr lang="de-AT" b="0" dirty="0">
+                <a:solidFill>
+                  <a:srgbClr val="D4D4D4"/>
+                </a:solidFill>
+                <a:effectLst/>
+                <a:latin typeface="Menlo" panose="020B0609030804020204" pitchFamily="49" charset="0"/>
+              </a:rPr>
+              <a:t>.</a:t>
+            </a:r>
+            <a:r>
+              <a:rPr lang="de-AT" b="0" dirty="0" err="1">
+                <a:solidFill>
+                  <a:srgbClr val="DCDCAA"/>
+                </a:solidFill>
+                <a:effectLst/>
+                <a:latin typeface="Menlo" panose="020B0609030804020204" pitchFamily="49" charset="0"/>
+              </a:rPr>
+              <a:t>query</a:t>
+            </a:r>
+            <a:r>
+              <a:rPr lang="de-AT" b="0" dirty="0">
+                <a:solidFill>
+                  <a:srgbClr val="CCCCCC"/>
+                </a:solidFill>
+                <a:effectLst/>
+                <a:latin typeface="Menlo" panose="020B0609030804020204" pitchFamily="49" charset="0"/>
+              </a:rPr>
               <a:t>(</a:t>
             </a:r>
             <a:r>
@@ -12005,7 +12201,7 @@
                 <a:effectLst/>
                 <a:latin typeface="Menlo" panose="020B0609030804020204" pitchFamily="49" charset="0"/>
               </a:rPr>
-              <a:t>"/</a:t>
+              <a:t>"</a:t>
             </a:r>
             <a:r>
               <a:rPr lang="de-AT" b="0" dirty="0" err="1">
@@ -12015,7 +12211,7 @@
                 <a:effectLst/>
                 <a:latin typeface="Menlo" panose="020B0609030804020204" pitchFamily="49" charset="0"/>
               </a:rPr>
-              <a:t>scope</a:t>
+              <a:t>filename</a:t>
             </a:r>
             <a:r>
               <a:rPr lang="de-AT" b="0" dirty="0">
@@ -12035,7 +12231,37 @@
                 <a:effectLst/>
                 <a:latin typeface="Menlo" panose="020B0609030804020204" pitchFamily="49" charset="0"/>
               </a:rPr>
-              <a:t>) </a:t>
+              <a:t>)</a:t>
+            </a:r>
+            <a:r>
+              <a:rPr lang="de-AT" b="0" dirty="0">
+                <a:solidFill>
+                  <a:srgbClr val="D4D4D4"/>
+                </a:solidFill>
+                <a:effectLst/>
+                <a:latin typeface="Menlo" panose="020B0609030804020204" pitchFamily="49" charset="0"/>
+              </a:rPr>
+              <a:t>.</a:t>
+            </a:r>
+            <a:r>
+              <a:rPr lang="de-AT" b="0" dirty="0" err="1">
+                <a:solidFill>
+                  <a:srgbClr val="DCDCAA"/>
+                </a:solidFill>
+                <a:effectLst/>
+                <a:latin typeface="Menlo" panose="020B0609030804020204" pitchFamily="49" charset="0"/>
+              </a:rPr>
+              <a:t>to_string</a:t>
+            </a:r>
+            <a:r>
+              <a:rPr lang="de-AT" b="0" dirty="0">
+                <a:solidFill>
+                  <a:srgbClr val="CCCCCC"/>
+                </a:solidFill>
+                <a:effectLst/>
+                <a:latin typeface="Menlo" panose="020B0609030804020204" pitchFamily="49" charset="0"/>
+              </a:rPr>
+              <a:t>()</a:t>
             </a:r>
           </a:p>
           <a:p>
@@ -12043,25 +12269,6 @@
               <a:buNone/>
             </a:pPr>
             <a:r>
-              <a:rPr lang="de-AT" dirty="0">
-                <a:solidFill>
-                  <a:srgbClr val="D4D4D4"/>
-                </a:solidFill>
-                <a:latin typeface="Menlo" panose="020B0609030804020204" pitchFamily="49" charset="0"/>
-              </a:rPr>
-              <a:t>		</a:t>
-            </a:r>
-            <a:r>
-              <a:rPr lang="de-AT" b="0" dirty="0">
-                <a:solidFill>
-                  <a:srgbClr val="DCDCAA"/>
-                </a:solidFill>
-                <a:effectLst/>
-                <a:latin typeface="Menlo" panose="020B0609030804020204" pitchFamily="49" charset="0"/>
-              </a:rPr>
-              <a:t>route</a:t>
-            </a:r>
-            <a:r>
               <a:rPr lang="de-AT" b="0" dirty="0">
                 <a:solidFill>
                   <a:srgbClr val="CCCCCC"/>
@@ -12069,296 +12276,7 @@
                 <a:effectLst/>
                 <a:latin typeface="Menlo" panose="020B0609030804020204" pitchFamily="49" charset="0"/>
               </a:rPr>
-              <a:t>(</a:t>
-            </a:r>
-            <a:r>
-              <a:rPr lang="de-AT" b="0" dirty="0">
-                <a:solidFill>
-                  <a:srgbClr val="CE9178"/>
-                </a:solidFill>
-                <a:effectLst/>
-                <a:latin typeface="Menlo" panose="020B0609030804020204" pitchFamily="49" charset="0"/>
-              </a:rPr>
-              <a:t>"/sub1"</a:t>
-            </a:r>
-            <a:r>
-              <a:rPr lang="de-AT" b="0" dirty="0">
-                <a:solidFill>
-                  <a:srgbClr val="CCCCCC"/>
-                </a:solidFill>
-                <a:effectLst/>
-                <a:latin typeface="Menlo" panose="020B0609030804020204" pitchFamily="49" charset="0"/>
-              </a:rPr>
-              <a:t>, </a:t>
-            </a:r>
-            <a:r>
-              <a:rPr lang="de-AT" b="0" dirty="0">
-                <a:solidFill>
-                  <a:srgbClr val="4EC9B0"/>
-                </a:solidFill>
-                <a:effectLst/>
-                <a:latin typeface="Menlo" panose="020B0609030804020204" pitchFamily="49" charset="0"/>
-              </a:rPr>
-              <a:t>web</a:t>
-            </a:r>
-            <a:r>
-              <a:rPr lang="de-AT" b="0" dirty="0">
-                <a:solidFill>
-                  <a:srgbClr val="D4D4D4"/>
-                </a:solidFill>
-                <a:effectLst/>
-                <a:latin typeface="Menlo" panose="020B0609030804020204" pitchFamily="49" charset="0"/>
-              </a:rPr>
-              <a:t>::</a:t>
-            </a:r>
-            <a:r>
-              <a:rPr lang="de-AT" b="0" dirty="0" err="1">
-                <a:solidFill>
-                  <a:srgbClr val="DCDCAA"/>
-                </a:solidFill>
-                <a:effectLst/>
-                <a:latin typeface="Menlo" panose="020B0609030804020204" pitchFamily="49" charset="0"/>
-              </a:rPr>
-              <a:t>to</a:t>
-            </a:r>
-            <a:r>
-              <a:rPr lang="de-AT" b="0" dirty="0">
-                <a:solidFill>
-                  <a:srgbClr val="CCCCCC"/>
-                </a:solidFill>
-                <a:effectLst/>
-                <a:latin typeface="Menlo" panose="020B0609030804020204" pitchFamily="49" charset="0"/>
-              </a:rPr>
-              <a:t>(</a:t>
-            </a:r>
-            <a:r>
-              <a:rPr lang="de-AT" b="0" dirty="0">
-                <a:solidFill>
-                  <a:srgbClr val="D4D4D4"/>
-                </a:solidFill>
-                <a:effectLst/>
-                <a:latin typeface="Menlo" panose="020B0609030804020204" pitchFamily="49" charset="0"/>
-              </a:rPr>
-              <a:t>||</a:t>
-            </a:r>
-            <a:r>
-              <a:rPr lang="de-AT" b="0" dirty="0">
-                <a:solidFill>
-                  <a:srgbClr val="CCCCCC"/>
-                </a:solidFill>
-                <a:effectLst/>
-                <a:latin typeface="Menlo" panose="020B0609030804020204" pitchFamily="49" charset="0"/>
-              </a:rPr>
-              <a:t> </a:t>
-            </a:r>
-            <a:r>
-              <a:rPr lang="de-AT" b="0" dirty="0" err="1">
-                <a:solidFill>
-                  <a:srgbClr val="569CD6"/>
-                </a:solidFill>
-                <a:effectLst/>
-                <a:latin typeface="Menlo" panose="020B0609030804020204" pitchFamily="49" charset="0"/>
-              </a:rPr>
-              <a:t>async</a:t>
-            </a:r>
-            <a:r>
-              <a:rPr lang="de-AT" b="0" dirty="0">
-                <a:solidFill>
-                  <a:srgbClr val="CCCCCC"/>
-                </a:solidFill>
-                <a:effectLst/>
-                <a:latin typeface="Menlo" panose="020B0609030804020204" pitchFamily="49" charset="0"/>
-              </a:rPr>
-              <a:t> {</a:t>
-            </a:r>
-            <a:r>
-              <a:rPr lang="de-AT" b="0" dirty="0">
-                <a:solidFill>
-                  <a:srgbClr val="CE9178"/>
-                </a:solidFill>
-                <a:effectLst/>
-                <a:latin typeface="Menlo" panose="020B0609030804020204" pitchFamily="49" charset="0"/>
-              </a:rPr>
-              <a:t>"sub1"</a:t>
-            </a:r>
-            <a:r>
-              <a:rPr lang="de-AT" b="0" dirty="0">
-                <a:solidFill>
-                  <a:srgbClr val="CCCCCC"/>
-                </a:solidFill>
-                <a:effectLst/>
-                <a:latin typeface="Menlo" panose="020B0609030804020204" pitchFamily="49" charset="0"/>
-              </a:rPr>
-              <a:t>}))</a:t>
-            </a:r>
-          </a:p>
-          <a:p>
-            <a:pPr marL="0" indent="0">
-              <a:buNone/>
-            </a:pPr>
-            <a:r>
-              <a:rPr lang="de-AT" dirty="0">
-                <a:solidFill>
-                  <a:srgbClr val="D4D4D4"/>
-                </a:solidFill>
-                <a:latin typeface="Menlo" panose="020B0609030804020204" pitchFamily="49" charset="0"/>
-              </a:rPr>
-              <a:t>		</a:t>
-            </a:r>
-            <a:r>
-              <a:rPr lang="de-AT" b="0" dirty="0">
-                <a:solidFill>
-                  <a:srgbClr val="DCDCAA"/>
-                </a:solidFill>
-                <a:effectLst/>
-                <a:latin typeface="Menlo" panose="020B0609030804020204" pitchFamily="49" charset="0"/>
-              </a:rPr>
-              <a:t>route</a:t>
-            </a:r>
-            <a:r>
-              <a:rPr lang="de-AT" b="0" dirty="0">
-                <a:solidFill>
-                  <a:srgbClr val="CCCCCC"/>
-                </a:solidFill>
-                <a:effectLst/>
-                <a:latin typeface="Menlo" panose="020B0609030804020204" pitchFamily="49" charset="0"/>
-              </a:rPr>
-              <a:t>(</a:t>
-            </a:r>
-            <a:r>
-              <a:rPr lang="de-AT" b="0" dirty="0">
-                <a:solidFill>
-                  <a:srgbClr val="CE9178"/>
-                </a:solidFill>
-                <a:effectLst/>
-                <a:latin typeface="Menlo" panose="020B0609030804020204" pitchFamily="49" charset="0"/>
-              </a:rPr>
-              <a:t>"/sub2"</a:t>
-            </a:r>
-            <a:r>
-              <a:rPr lang="de-AT" b="0" dirty="0">
-                <a:solidFill>
-                  <a:srgbClr val="CCCCCC"/>
-                </a:solidFill>
-                <a:effectLst/>
-                <a:latin typeface="Menlo" panose="020B0609030804020204" pitchFamily="49" charset="0"/>
-              </a:rPr>
-              <a:t>, </a:t>
-            </a:r>
-            <a:r>
-              <a:rPr lang="de-AT" b="0" dirty="0">
-                <a:solidFill>
-                  <a:srgbClr val="4EC9B0"/>
-                </a:solidFill>
-                <a:effectLst/>
-                <a:latin typeface="Menlo" panose="020B0609030804020204" pitchFamily="49" charset="0"/>
-              </a:rPr>
-              <a:t>web</a:t>
-            </a:r>
-            <a:r>
-              <a:rPr lang="de-AT" b="0" dirty="0">
-                <a:solidFill>
-                  <a:srgbClr val="D4D4D4"/>
-                </a:solidFill>
-                <a:effectLst/>
-                <a:latin typeface="Menlo" panose="020B0609030804020204" pitchFamily="49" charset="0"/>
-              </a:rPr>
-              <a:t>::</a:t>
-            </a:r>
-            <a:r>
-              <a:rPr lang="de-AT" b="0" dirty="0" err="1">
-                <a:solidFill>
-                  <a:srgbClr val="DCDCAA"/>
-                </a:solidFill>
-                <a:effectLst/>
-                <a:latin typeface="Menlo" panose="020B0609030804020204" pitchFamily="49" charset="0"/>
-              </a:rPr>
-              <a:t>to</a:t>
-            </a:r>
-            <a:r>
-              <a:rPr lang="de-AT" b="0" dirty="0">
-                <a:solidFill>
-                  <a:srgbClr val="CCCCCC"/>
-                </a:solidFill>
-                <a:effectLst/>
-                <a:latin typeface="Menlo" panose="020B0609030804020204" pitchFamily="49" charset="0"/>
-              </a:rPr>
-              <a:t>(</a:t>
-            </a:r>
-            <a:r>
-              <a:rPr lang="de-AT" b="0" dirty="0">
-                <a:solidFill>
-                  <a:srgbClr val="D4D4D4"/>
-                </a:solidFill>
-                <a:effectLst/>
-                <a:latin typeface="Menlo" panose="020B0609030804020204" pitchFamily="49" charset="0"/>
-              </a:rPr>
-              <a:t>||</a:t>
-            </a:r>
-            <a:r>
-              <a:rPr lang="de-AT" b="0" dirty="0">
-                <a:solidFill>
-                  <a:srgbClr val="CCCCCC"/>
-                </a:solidFill>
-                <a:effectLst/>
-                <a:latin typeface="Menlo" panose="020B0609030804020204" pitchFamily="49" charset="0"/>
-              </a:rPr>
-              <a:t> </a:t>
-            </a:r>
-            <a:r>
-              <a:rPr lang="de-AT" b="0" dirty="0" err="1">
-                <a:solidFill>
-                  <a:srgbClr val="569CD6"/>
-                </a:solidFill>
-                <a:effectLst/>
-                <a:latin typeface="Menlo" panose="020B0609030804020204" pitchFamily="49" charset="0"/>
-              </a:rPr>
-              <a:t>async</a:t>
-            </a:r>
-            <a:r>
-              <a:rPr lang="de-AT" b="0" dirty="0">
-                <a:solidFill>
-                  <a:srgbClr val="CCCCCC"/>
-                </a:solidFill>
-                <a:effectLst/>
-                <a:latin typeface="Menlo" panose="020B0609030804020204" pitchFamily="49" charset="0"/>
-              </a:rPr>
-              <a:t> {</a:t>
-            </a:r>
-            <a:r>
-              <a:rPr lang="de-AT" b="0" dirty="0">
-                <a:solidFill>
-                  <a:srgbClr val="CE9178"/>
-                </a:solidFill>
-                <a:effectLst/>
-                <a:latin typeface="Menlo" panose="020B0609030804020204" pitchFamily="49" charset="0"/>
-              </a:rPr>
-              <a:t>"sub2"</a:t>
-            </a:r>
-            <a:r>
-              <a:rPr lang="de-AT" b="0" dirty="0">
-                <a:solidFill>
-                  <a:srgbClr val="CCCCCC"/>
-                </a:solidFill>
-                <a:effectLst/>
-                <a:latin typeface="Menlo" panose="020B0609030804020204" pitchFamily="49" charset="0"/>
-              </a:rPr>
-              <a:t>}))</a:t>
-            </a:r>
-          </a:p>
-          <a:p>
-            <a:pPr marL="0" indent="0">
-              <a:buNone/>
-            </a:pPr>
-            <a:r>
-              <a:rPr lang="de-AT" b="0" dirty="0">
-                <a:solidFill>
-                  <a:srgbClr val="CCCCCC"/>
-                </a:solidFill>
-                <a:effectLst/>
-                <a:latin typeface="Menlo" panose="020B0609030804020204" pitchFamily="49" charset="0"/>
-              </a:rPr>
-              <a:t>)</a:t>
+              <a:t>}</a:t>
             </a:r>
           </a:p>
           <a:p>
@@ -12372,7 +12290,7 @@
     </p:spTree>
     <p:extLst>
       <p:ext uri="{BB962C8B-B14F-4D97-AF65-F5344CB8AC3E}">
-        <p14:creationId xmlns:p14="http://schemas.microsoft.com/office/powerpoint/2010/main" val="3996451288"/>
+        <p14:creationId xmlns:p14="http://schemas.microsoft.com/office/powerpoint/2010/main" val="1739863893"/>
       </p:ext>
     </p:extLst>
   </p:cSld>

--- a/Pres.pptx
+++ b/Pres.pptx
@@ -6,19 +6,20 @@
   </p:sldMasterIdLst>
   <p:sldIdLst>
     <p:sldId id="262" r:id="rId2"/>
-    <p:sldId id="257" r:id="rId3"/>
-    <p:sldId id="261" r:id="rId4"/>
-    <p:sldId id="274" r:id="rId5"/>
-    <p:sldId id="260" r:id="rId6"/>
-    <p:sldId id="268" r:id="rId7"/>
-    <p:sldId id="265" r:id="rId8"/>
-    <p:sldId id="267" r:id="rId9"/>
-    <p:sldId id="269" r:id="rId10"/>
-    <p:sldId id="270" r:id="rId11"/>
-    <p:sldId id="271" r:id="rId12"/>
-    <p:sldId id="272" r:id="rId13"/>
-    <p:sldId id="258" r:id="rId14"/>
-    <p:sldId id="273" r:id="rId15"/>
+    <p:sldId id="275" r:id="rId3"/>
+    <p:sldId id="257" r:id="rId4"/>
+    <p:sldId id="261" r:id="rId5"/>
+    <p:sldId id="274" r:id="rId6"/>
+    <p:sldId id="260" r:id="rId7"/>
+    <p:sldId id="268" r:id="rId8"/>
+    <p:sldId id="265" r:id="rId9"/>
+    <p:sldId id="267" r:id="rId10"/>
+    <p:sldId id="269" r:id="rId11"/>
+    <p:sldId id="270" r:id="rId12"/>
+    <p:sldId id="271" r:id="rId13"/>
+    <p:sldId id="272" r:id="rId14"/>
+    <p:sldId id="258" r:id="rId15"/>
+    <p:sldId id="273" r:id="rId16"/>
   </p:sldIdLst>
   <p:sldSz cx="12192000" cy="6858000"/>
   <p:notesSz cx="6858000" cy="9144000"/>
@@ -5660,6 +5661,670 @@
           <p:cNvPr id="2" name="Titel 1">
             <a:extLst>
               <a:ext uri="{FF2B5EF4-FFF2-40B4-BE49-F238E27FC236}">
+                <a16:creationId xmlns:a16="http://schemas.microsoft.com/office/drawing/2014/main" id="{BD531336-1A28-5391-A234-001E13741834}"/>
+              </a:ext>
+            </a:extLst>
+          </p:cNvPr>
+          <p:cNvSpPr>
+            <a:spLocks noGrp="1"/>
+          </p:cNvSpPr>
+          <p:nvPr>
+            <p:ph type="title"/>
+          </p:nvPr>
+        </p:nvSpPr>
+        <p:spPr/>
+        <p:txBody>
+          <a:bodyPr/>
+          <a:lstStyle/>
+          <a:p>
+            <a:r>
+              <a:rPr lang="de-DE" dirty="0" err="1"/>
+              <a:t>Serve</a:t>
+            </a:r>
+            <a:r>
+              <a:rPr lang="de-DE" dirty="0"/>
+              <a:t> a </a:t>
+            </a:r>
+            <a:r>
+              <a:rPr lang="de-DE" dirty="0" err="1"/>
+              <a:t>static</a:t>
+            </a:r>
+            <a:r>
+              <a:rPr lang="de-DE" dirty="0"/>
+              <a:t> </a:t>
+            </a:r>
+            <a:r>
+              <a:rPr lang="de-DE" dirty="0" err="1"/>
+              <a:t>file</a:t>
+            </a:r>
+            <a:endParaRPr lang="de-DE" dirty="0"/>
+          </a:p>
+        </p:txBody>
+      </p:sp>
+      <p:sp>
+        <p:nvSpPr>
+          <p:cNvPr id="3" name="Inhaltsplatzhalter 2">
+            <a:extLst>
+              <a:ext uri="{FF2B5EF4-FFF2-40B4-BE49-F238E27FC236}">
+                <a16:creationId xmlns:a16="http://schemas.microsoft.com/office/drawing/2014/main" id="{A00525D1-C880-9B7B-BD27-E49FD761B6AD}"/>
+              </a:ext>
+            </a:extLst>
+          </p:cNvPr>
+          <p:cNvSpPr>
+            <a:spLocks noGrp="1"/>
+          </p:cNvSpPr>
+          <p:nvPr>
+            <p:ph idx="1"/>
+          </p:nvPr>
+        </p:nvSpPr>
+        <p:spPr/>
+        <p:txBody>
+          <a:bodyPr>
+            <a:normAutofit fontScale="92500"/>
+          </a:bodyPr>
+          <a:lstStyle/>
+          <a:p>
+            <a:pPr marL="0" indent="0">
+              <a:buNone/>
+            </a:pPr>
+            <a:r>
+              <a:rPr lang="de-DE" dirty="0" err="1"/>
+              <a:t>To</a:t>
+            </a:r>
+            <a:r>
+              <a:rPr lang="de-DE" dirty="0"/>
+              <a:t> </a:t>
+            </a:r>
+            <a:r>
+              <a:rPr lang="de-DE" dirty="0" err="1"/>
+              <a:t>serve</a:t>
+            </a:r>
+            <a:r>
+              <a:rPr lang="de-DE" dirty="0"/>
+              <a:t> </a:t>
+            </a:r>
+            <a:r>
+              <a:rPr lang="de-DE" dirty="0" err="1"/>
+              <a:t>static</a:t>
+            </a:r>
+            <a:r>
+              <a:rPr lang="de-DE" dirty="0"/>
+              <a:t> </a:t>
+            </a:r>
+            <a:r>
+              <a:rPr lang="de-DE" dirty="0" err="1"/>
+              <a:t>files</a:t>
+            </a:r>
+            <a:r>
+              <a:rPr lang="de-DE" dirty="0"/>
+              <a:t> </a:t>
+            </a:r>
+            <a:r>
+              <a:rPr lang="de-DE" dirty="0" err="1"/>
+              <a:t>you</a:t>
+            </a:r>
+            <a:r>
+              <a:rPr lang="de-DE" dirty="0"/>
+              <a:t> </a:t>
+            </a:r>
+            <a:r>
+              <a:rPr lang="de-DE" dirty="0" err="1"/>
+              <a:t>can</a:t>
+            </a:r>
+            <a:r>
+              <a:rPr lang="de-DE" dirty="0"/>
+              <a:t> </a:t>
+            </a:r>
+            <a:r>
+              <a:rPr lang="de-DE" dirty="0" err="1"/>
+              <a:t>use</a:t>
+            </a:r>
+            <a:r>
+              <a:rPr lang="de-DE" dirty="0"/>
+              <a:t> </a:t>
+            </a:r>
+            <a:r>
+              <a:rPr lang="de-DE" dirty="0" err="1"/>
+              <a:t>the</a:t>
+            </a:r>
+            <a:r>
+              <a:rPr lang="de-DE" dirty="0"/>
+              <a:t> </a:t>
+            </a:r>
+            <a:r>
+              <a:rPr lang="de-DE" dirty="0" err="1"/>
+              <a:t>actix</a:t>
+            </a:r>
+            <a:r>
+              <a:rPr lang="de-DE" dirty="0"/>
+              <a:t>-files </a:t>
+            </a:r>
+            <a:r>
+              <a:rPr lang="de-DE" dirty="0" err="1"/>
+              <a:t>crate</a:t>
+            </a:r>
+            <a:endParaRPr lang="de-DE" dirty="0"/>
+          </a:p>
+          <a:p>
+            <a:pPr marL="0" indent="0">
+              <a:buNone/>
+            </a:pPr>
+            <a:endParaRPr lang="de-DE" dirty="0"/>
+          </a:p>
+          <a:p>
+            <a:pPr marL="0" indent="0">
+              <a:buNone/>
+            </a:pPr>
+            <a:r>
+              <a:rPr lang="de-DE" dirty="0" err="1"/>
+              <a:t>You</a:t>
+            </a:r>
+            <a:r>
+              <a:rPr lang="de-DE" dirty="0"/>
+              <a:t> </a:t>
+            </a:r>
+            <a:r>
+              <a:rPr lang="de-DE" dirty="0" err="1"/>
+              <a:t>can</a:t>
+            </a:r>
+            <a:r>
+              <a:rPr lang="de-DE" dirty="0"/>
+              <a:t> </a:t>
+            </a:r>
+            <a:r>
+              <a:rPr lang="de-DE" dirty="0" err="1"/>
+              <a:t>use</a:t>
+            </a:r>
+            <a:r>
+              <a:rPr lang="de-DE" dirty="0"/>
+              <a:t> </a:t>
+            </a:r>
+            <a:r>
+              <a:rPr lang="de-DE" dirty="0" err="1"/>
+              <a:t>the</a:t>
+            </a:r>
+            <a:r>
+              <a:rPr lang="de-DE" dirty="0"/>
+              <a:t> </a:t>
+            </a:r>
+            <a:r>
+              <a:rPr lang="de-DE" dirty="0" err="1"/>
+              <a:t>extraction</a:t>
+            </a:r>
+            <a:r>
+              <a:rPr lang="de-DE" dirty="0"/>
+              <a:t> </a:t>
+            </a:r>
+            <a:r>
+              <a:rPr lang="de-DE" dirty="0" err="1"/>
+              <a:t>pattern</a:t>
+            </a:r>
+            <a:r>
+              <a:rPr lang="de-DE" dirty="0"/>
+              <a:t> </a:t>
+            </a:r>
+            <a:r>
+              <a:rPr lang="de-DE" dirty="0" err="1"/>
+              <a:t>provided</a:t>
+            </a:r>
+            <a:r>
+              <a:rPr lang="de-DE" dirty="0"/>
+              <a:t> </a:t>
+            </a:r>
+            <a:r>
+              <a:rPr lang="de-DE" dirty="0" err="1"/>
+              <a:t>for</a:t>
+            </a:r>
+            <a:r>
+              <a:rPr lang="de-DE" dirty="0"/>
+              <a:t> </a:t>
+            </a:r>
+            <a:r>
+              <a:rPr lang="de-DE"/>
+              <a:t>requests:</a:t>
+            </a:r>
+            <a:endParaRPr lang="de-DE" dirty="0"/>
+          </a:p>
+          <a:p>
+            <a:pPr marL="0" indent="0">
+              <a:buNone/>
+            </a:pPr>
+            <a:r>
+              <a:rPr lang="de-AT" b="0" dirty="0">
+                <a:solidFill>
+                  <a:srgbClr val="CE9178"/>
+                </a:solidFill>
+                <a:effectLst/>
+                <a:latin typeface="Menlo" panose="020B0609030804020204" pitchFamily="49" charset="0"/>
+              </a:rPr>
+              <a:t>"/{</a:t>
+            </a:r>
+            <a:r>
+              <a:rPr lang="de-AT" b="0" dirty="0" err="1">
+                <a:solidFill>
+                  <a:srgbClr val="CE9178"/>
+                </a:solidFill>
+                <a:effectLst/>
+                <a:latin typeface="Menlo" panose="020B0609030804020204" pitchFamily="49" charset="0"/>
+              </a:rPr>
+              <a:t>filename</a:t>
+            </a:r>
+            <a:r>
+              <a:rPr lang="de-AT" b="0" dirty="0">
+                <a:solidFill>
+                  <a:srgbClr val="CE9178"/>
+                </a:solidFill>
+                <a:effectLst/>
+                <a:latin typeface="Menlo" panose="020B0609030804020204" pitchFamily="49" charset="0"/>
+              </a:rPr>
+              <a:t>}"</a:t>
+            </a:r>
+            <a:endParaRPr lang="de-AT" b="0" dirty="0">
+              <a:solidFill>
+                <a:srgbClr val="CCCCCC"/>
+              </a:solidFill>
+              <a:effectLst/>
+              <a:latin typeface="Menlo" panose="020B0609030804020204" pitchFamily="49" charset="0"/>
+            </a:endParaRPr>
+          </a:p>
+          <a:p>
+            <a:pPr marL="0" indent="0">
+              <a:buNone/>
+            </a:pPr>
+            <a:r>
+              <a:rPr lang="de-DE" dirty="0"/>
+              <a:t> </a:t>
+            </a:r>
+          </a:p>
+          <a:p>
+            <a:pPr marL="0" indent="0">
+              <a:buNone/>
+            </a:pPr>
+            <a:r>
+              <a:rPr lang="de-DE" dirty="0" err="1"/>
+              <a:t>Extraction</a:t>
+            </a:r>
+            <a:r>
+              <a:rPr lang="de-DE" dirty="0"/>
+              <a:t> </a:t>
+            </a:r>
+            <a:r>
+              <a:rPr lang="de-DE" dirty="0" err="1"/>
+              <a:t>example</a:t>
+            </a:r>
+            <a:r>
+              <a:rPr lang="de-DE" dirty="0"/>
+              <a:t>:</a:t>
+            </a:r>
+          </a:p>
+          <a:p>
+            <a:pPr marL="0" indent="0">
+              <a:buNone/>
+            </a:pPr>
+            <a:r>
+              <a:rPr lang="de-AT" b="0" dirty="0" err="1">
+                <a:solidFill>
+                  <a:srgbClr val="569CD6"/>
+                </a:solidFill>
+                <a:effectLst/>
+                <a:latin typeface="Menlo" panose="020B0609030804020204" pitchFamily="49" charset="0"/>
+              </a:rPr>
+              <a:t>fn</a:t>
+            </a:r>
+            <a:r>
+              <a:rPr lang="de-AT" b="0" dirty="0">
+                <a:solidFill>
+                  <a:srgbClr val="CCCCCC"/>
+                </a:solidFill>
+                <a:effectLst/>
+                <a:latin typeface="Menlo" panose="020B0609030804020204" pitchFamily="49" charset="0"/>
+              </a:rPr>
+              <a:t> </a:t>
+            </a:r>
+            <a:r>
+              <a:rPr lang="de-AT" b="0" dirty="0" err="1">
+                <a:solidFill>
+                  <a:srgbClr val="DCDCAA"/>
+                </a:solidFill>
+                <a:effectLst/>
+                <a:latin typeface="Menlo" panose="020B0609030804020204" pitchFamily="49" charset="0"/>
+              </a:rPr>
+              <a:t>extract</a:t>
+            </a:r>
+            <a:r>
+              <a:rPr lang="de-AT" b="0" dirty="0">
+                <a:solidFill>
+                  <a:srgbClr val="CCCCCC"/>
+                </a:solidFill>
+                <a:effectLst/>
+                <a:latin typeface="Menlo" panose="020B0609030804020204" pitchFamily="49" charset="0"/>
+              </a:rPr>
+              <a:t>(</a:t>
+            </a:r>
+            <a:r>
+              <a:rPr lang="de-AT" b="0" dirty="0" err="1">
+                <a:solidFill>
+                  <a:srgbClr val="9CDCFE"/>
+                </a:solidFill>
+                <a:effectLst/>
+                <a:latin typeface="Menlo" panose="020B0609030804020204" pitchFamily="49" charset="0"/>
+              </a:rPr>
+              <a:t>req</a:t>
+            </a:r>
+            <a:r>
+              <a:rPr lang="de-AT" b="0" dirty="0">
+                <a:solidFill>
+                  <a:srgbClr val="D4D4D4"/>
+                </a:solidFill>
+                <a:effectLst/>
+                <a:latin typeface="Menlo" panose="020B0609030804020204" pitchFamily="49" charset="0"/>
+              </a:rPr>
+              <a:t>:</a:t>
+            </a:r>
+            <a:r>
+              <a:rPr lang="de-AT" b="0" dirty="0">
+                <a:solidFill>
+                  <a:srgbClr val="CCCCCC"/>
+                </a:solidFill>
+                <a:effectLst/>
+                <a:latin typeface="Menlo" panose="020B0609030804020204" pitchFamily="49" charset="0"/>
+              </a:rPr>
+              <a:t> </a:t>
+            </a:r>
+            <a:r>
+              <a:rPr lang="de-AT" b="0" dirty="0" err="1">
+                <a:solidFill>
+                  <a:srgbClr val="4EC9B0"/>
+                </a:solidFill>
+                <a:effectLst/>
+                <a:latin typeface="Menlo" panose="020B0609030804020204" pitchFamily="49" charset="0"/>
+              </a:rPr>
+              <a:t>HttpRequest</a:t>
+            </a:r>
+            <a:r>
+              <a:rPr lang="de-AT" b="0" dirty="0">
+                <a:solidFill>
+                  <a:srgbClr val="CCCCCC"/>
+                </a:solidFill>
+                <a:effectLst/>
+                <a:latin typeface="Menlo" panose="020B0609030804020204" pitchFamily="49" charset="0"/>
+              </a:rPr>
+              <a:t>) </a:t>
+            </a:r>
+            <a:r>
+              <a:rPr lang="de-AT" b="0" dirty="0">
+                <a:solidFill>
+                  <a:srgbClr val="D4D4D4"/>
+                </a:solidFill>
+                <a:effectLst/>
+                <a:latin typeface="Menlo" panose="020B0609030804020204" pitchFamily="49" charset="0"/>
+              </a:rPr>
+              <a:t>-&gt;</a:t>
+            </a:r>
+            <a:r>
+              <a:rPr lang="de-AT" b="0" dirty="0">
+                <a:solidFill>
+                  <a:srgbClr val="CCCCCC"/>
+                </a:solidFill>
+                <a:effectLst/>
+                <a:latin typeface="Menlo" panose="020B0609030804020204" pitchFamily="49" charset="0"/>
+              </a:rPr>
+              <a:t> </a:t>
+            </a:r>
+            <a:r>
+              <a:rPr lang="de-AT" b="0" dirty="0" err="1">
+                <a:solidFill>
+                  <a:srgbClr val="569CD6"/>
+                </a:solidFill>
+                <a:effectLst/>
+                <a:latin typeface="Menlo" panose="020B0609030804020204" pitchFamily="49" charset="0"/>
+              </a:rPr>
+              <a:t>impl</a:t>
+            </a:r>
+            <a:r>
+              <a:rPr lang="de-AT" b="0" dirty="0">
+                <a:solidFill>
+                  <a:srgbClr val="CCCCCC"/>
+                </a:solidFill>
+                <a:effectLst/>
+                <a:latin typeface="Menlo" panose="020B0609030804020204" pitchFamily="49" charset="0"/>
+              </a:rPr>
+              <a:t> </a:t>
+            </a:r>
+            <a:r>
+              <a:rPr lang="de-AT" b="0" dirty="0">
+                <a:solidFill>
+                  <a:srgbClr val="4EC9B0"/>
+                </a:solidFill>
+                <a:effectLst/>
+                <a:latin typeface="Menlo" panose="020B0609030804020204" pitchFamily="49" charset="0"/>
+              </a:rPr>
+              <a:t>Responder</a:t>
+            </a:r>
+            <a:r>
+              <a:rPr lang="de-AT" b="0" dirty="0">
+                <a:solidFill>
+                  <a:srgbClr val="CCCCCC"/>
+                </a:solidFill>
+                <a:effectLst/>
+                <a:latin typeface="Menlo" panose="020B0609030804020204" pitchFamily="49" charset="0"/>
+              </a:rPr>
+              <a:t> {</a:t>
+            </a:r>
+          </a:p>
+          <a:p>
+            <a:pPr marL="0" indent="0">
+              <a:buNone/>
+            </a:pPr>
+            <a:r>
+              <a:rPr lang="de-AT" b="0" dirty="0">
+                <a:solidFill>
+                  <a:srgbClr val="9CDCFE"/>
+                </a:solidFill>
+                <a:effectLst/>
+                <a:latin typeface="Menlo" panose="020B0609030804020204" pitchFamily="49" charset="0"/>
+              </a:rPr>
+              <a:t>	</a:t>
+            </a:r>
+            <a:r>
+              <a:rPr lang="de-AT" b="0" dirty="0" err="1">
+                <a:solidFill>
+                  <a:srgbClr val="9CDCFE"/>
+                </a:solidFill>
+                <a:effectLst/>
+                <a:latin typeface="Menlo" panose="020B0609030804020204" pitchFamily="49" charset="0"/>
+              </a:rPr>
+              <a:t>req</a:t>
+            </a:r>
+            <a:r>
+              <a:rPr lang="de-AT" b="0" dirty="0" err="1">
+                <a:solidFill>
+                  <a:srgbClr val="D4D4D4"/>
+                </a:solidFill>
+                <a:effectLst/>
+                <a:latin typeface="Menlo" panose="020B0609030804020204" pitchFamily="49" charset="0"/>
+              </a:rPr>
+              <a:t>.</a:t>
+            </a:r>
+            <a:r>
+              <a:rPr lang="de-AT" b="0" dirty="0" err="1">
+                <a:solidFill>
+                  <a:srgbClr val="DCDCAA"/>
+                </a:solidFill>
+                <a:effectLst/>
+                <a:latin typeface="Menlo" panose="020B0609030804020204" pitchFamily="49" charset="0"/>
+              </a:rPr>
+              <a:t>match_info</a:t>
+            </a:r>
+            <a:r>
+              <a:rPr lang="de-AT" b="0" dirty="0">
+                <a:solidFill>
+                  <a:srgbClr val="CCCCCC"/>
+                </a:solidFill>
+                <a:effectLst/>
+                <a:latin typeface="Menlo" panose="020B0609030804020204" pitchFamily="49" charset="0"/>
+              </a:rPr>
+              <a:t>()</a:t>
+            </a:r>
+            <a:r>
+              <a:rPr lang="de-AT" b="0" dirty="0">
+                <a:solidFill>
+                  <a:srgbClr val="D4D4D4"/>
+                </a:solidFill>
+                <a:effectLst/>
+                <a:latin typeface="Menlo" panose="020B0609030804020204" pitchFamily="49" charset="0"/>
+              </a:rPr>
+              <a:t>.</a:t>
+            </a:r>
+            <a:r>
+              <a:rPr lang="de-AT" b="0" dirty="0" err="1">
+                <a:solidFill>
+                  <a:srgbClr val="DCDCAA"/>
+                </a:solidFill>
+                <a:effectLst/>
+                <a:latin typeface="Menlo" panose="020B0609030804020204" pitchFamily="49" charset="0"/>
+              </a:rPr>
+              <a:t>query</a:t>
+            </a:r>
+            <a:r>
+              <a:rPr lang="de-AT" b="0" dirty="0">
+                <a:solidFill>
+                  <a:srgbClr val="CCCCCC"/>
+                </a:solidFill>
+                <a:effectLst/>
+                <a:latin typeface="Menlo" panose="020B0609030804020204" pitchFamily="49" charset="0"/>
+              </a:rPr>
+              <a:t>(</a:t>
+            </a:r>
+            <a:r>
+              <a:rPr lang="de-AT" b="0" dirty="0">
+                <a:solidFill>
+                  <a:srgbClr val="CE9178"/>
+                </a:solidFill>
+                <a:effectLst/>
+                <a:latin typeface="Menlo" panose="020B0609030804020204" pitchFamily="49" charset="0"/>
+              </a:rPr>
+              <a:t>"</a:t>
+            </a:r>
+            <a:r>
+              <a:rPr lang="de-AT" b="0" dirty="0" err="1">
+                <a:solidFill>
+                  <a:srgbClr val="CE9178"/>
+                </a:solidFill>
+                <a:effectLst/>
+                <a:latin typeface="Menlo" panose="020B0609030804020204" pitchFamily="49" charset="0"/>
+              </a:rPr>
+              <a:t>filename</a:t>
+            </a:r>
+            <a:r>
+              <a:rPr lang="de-AT" b="0" dirty="0">
+                <a:solidFill>
+                  <a:srgbClr val="CE9178"/>
+                </a:solidFill>
+                <a:effectLst/>
+                <a:latin typeface="Menlo" panose="020B0609030804020204" pitchFamily="49" charset="0"/>
+              </a:rPr>
+              <a:t>"</a:t>
+            </a:r>
+            <a:r>
+              <a:rPr lang="de-AT" b="0" dirty="0">
+                <a:solidFill>
+                  <a:srgbClr val="CCCCCC"/>
+                </a:solidFill>
+                <a:effectLst/>
+                <a:latin typeface="Menlo" panose="020B0609030804020204" pitchFamily="49" charset="0"/>
+              </a:rPr>
+              <a:t>)</a:t>
+            </a:r>
+            <a:r>
+              <a:rPr lang="de-AT" b="0" dirty="0">
+                <a:solidFill>
+                  <a:srgbClr val="D4D4D4"/>
+                </a:solidFill>
+                <a:effectLst/>
+                <a:latin typeface="Menlo" panose="020B0609030804020204" pitchFamily="49" charset="0"/>
+              </a:rPr>
+              <a:t>.</a:t>
+            </a:r>
+            <a:r>
+              <a:rPr lang="de-AT" b="0" dirty="0" err="1">
+                <a:solidFill>
+                  <a:srgbClr val="DCDCAA"/>
+                </a:solidFill>
+                <a:effectLst/>
+                <a:latin typeface="Menlo" panose="020B0609030804020204" pitchFamily="49" charset="0"/>
+              </a:rPr>
+              <a:t>to_string</a:t>
+            </a:r>
+            <a:r>
+              <a:rPr lang="de-AT" b="0" dirty="0">
+                <a:solidFill>
+                  <a:srgbClr val="CCCCCC"/>
+                </a:solidFill>
+                <a:effectLst/>
+                <a:latin typeface="Menlo" panose="020B0609030804020204" pitchFamily="49" charset="0"/>
+              </a:rPr>
+              <a:t>()</a:t>
+            </a:r>
+          </a:p>
+          <a:p>
+            <a:pPr marL="0" indent="0">
+              <a:buNone/>
+            </a:pPr>
+            <a:r>
+              <a:rPr lang="de-AT" b="0" dirty="0">
+                <a:solidFill>
+                  <a:srgbClr val="CCCCCC"/>
+                </a:solidFill>
+                <a:effectLst/>
+                <a:latin typeface="Menlo" panose="020B0609030804020204" pitchFamily="49" charset="0"/>
+              </a:rPr>
+              <a:t>}</a:t>
+            </a:r>
+          </a:p>
+          <a:p>
+            <a:pPr marL="0" indent="0">
+              <a:buNone/>
+            </a:pPr>
+            <a:endParaRPr lang="de-DE" dirty="0"/>
+          </a:p>
+        </p:txBody>
+      </p:sp>
+    </p:spTree>
+    <p:extLst>
+      <p:ext uri="{BB962C8B-B14F-4D97-AF65-F5344CB8AC3E}">
+        <p14:creationId xmlns:p14="http://schemas.microsoft.com/office/powerpoint/2010/main" val="1739863893"/>
+      </p:ext>
+    </p:extLst>
+  </p:cSld>
+  <p:clrMapOvr>
+    <a:masterClrMapping/>
+  </p:clrMapOvr>
+</p:sld>
+</file>
+
+<file path=ppt/slides/slide11.xml><?xml version="1.0" encoding="utf-8"?>
+<p:sld xmlns:a="http://schemas.openxmlformats.org/drawingml/2006/main" xmlns:r="http://schemas.openxmlformats.org/officeDocument/2006/relationships" xmlns:p="http://schemas.openxmlformats.org/presentationml/2006/main">
+  <p:cSld>
+    <p:spTree>
+      <p:nvGrpSpPr>
+        <p:cNvPr id="1" name=""/>
+        <p:cNvGrpSpPr/>
+        <p:nvPr/>
+      </p:nvGrpSpPr>
+      <p:grpSpPr>
+        <a:xfrm>
+          <a:off x="0" y="0"/>
+          <a:ext cx="0" cy="0"/>
+          <a:chOff x="0" y="0"/>
+          <a:chExt cx="0" cy="0"/>
+        </a:xfrm>
+      </p:grpSpPr>
+      <p:sp>
+        <p:nvSpPr>
+          <p:cNvPr id="2" name="Titel 1">
+            <a:extLst>
+              <a:ext uri="{FF2B5EF4-FFF2-40B4-BE49-F238E27FC236}">
                 <a16:creationId xmlns:a16="http://schemas.microsoft.com/office/drawing/2014/main" id="{188CF34B-AACA-C9E3-8AD7-CCB51BCB3CAC}"/>
               </a:ext>
             </a:extLst>
@@ -5746,74 +6411,464 @@
               <a:buNone/>
             </a:pPr>
             <a:r>
-              <a:rPr lang="de-AT" sz="1600" b="0" dirty="0">
+              <a:rPr lang="de-AT" sz="1800" b="0" dirty="0" err="1">
+                <a:solidFill>
+                  <a:srgbClr val="569CD6"/>
+                </a:solidFill>
+                <a:effectLst/>
+                <a:latin typeface="Menlo" panose="020B0609030804020204" pitchFamily="49" charset="0"/>
+              </a:rPr>
+              <a:t>pub</a:t>
+            </a:r>
+            <a:r>
+              <a:rPr lang="de-AT" sz="1800" b="0" dirty="0">
                 <a:solidFill>
                   <a:srgbClr val="CCCCCC"/>
                 </a:solidFill>
                 <a:effectLst/>
                 <a:latin typeface="Menlo" panose="020B0609030804020204" pitchFamily="49" charset="0"/>
               </a:rPr>
-              <a:t>#[</a:t>
-            </a:r>
-            <a:r>
-              <a:rPr lang="de-AT" sz="1600" b="0" dirty="0" err="1">
+              <a:t> </a:t>
+            </a:r>
+            <a:r>
+              <a:rPr lang="de-AT" sz="1800" b="0" dirty="0" err="1">
+                <a:solidFill>
+                  <a:srgbClr val="569CD6"/>
+                </a:solidFill>
+                <a:effectLst/>
+                <a:latin typeface="Menlo" panose="020B0609030804020204" pitchFamily="49" charset="0"/>
+              </a:rPr>
+              <a:t>async</a:t>
+            </a:r>
+            <a:r>
+              <a:rPr lang="de-AT" sz="1800" b="0" dirty="0">
+                <a:solidFill>
+                  <a:srgbClr val="CCCCCC"/>
+                </a:solidFill>
+                <a:effectLst/>
+                <a:latin typeface="Menlo" panose="020B0609030804020204" pitchFamily="49" charset="0"/>
+              </a:rPr>
+              <a:t> </a:t>
+            </a:r>
+            <a:r>
+              <a:rPr lang="de-AT" sz="1800" b="0" dirty="0" err="1">
+                <a:solidFill>
+                  <a:srgbClr val="569CD6"/>
+                </a:solidFill>
+                <a:effectLst/>
+                <a:latin typeface="Menlo" panose="020B0609030804020204" pitchFamily="49" charset="0"/>
+              </a:rPr>
+              <a:t>fn</a:t>
+            </a:r>
+            <a:r>
+              <a:rPr lang="de-AT" sz="1800" b="0" dirty="0">
+                <a:solidFill>
+                  <a:srgbClr val="CCCCCC"/>
+                </a:solidFill>
+                <a:effectLst/>
+                <a:latin typeface="Menlo" panose="020B0609030804020204" pitchFamily="49" charset="0"/>
+              </a:rPr>
+              <a:t> </a:t>
+            </a:r>
+            <a:r>
+              <a:rPr lang="de-AT" sz="1800" b="0" dirty="0" err="1">
                 <a:solidFill>
                   <a:srgbClr val="DCDCAA"/>
                 </a:solidFill>
                 <a:effectLst/>
                 <a:latin typeface="Menlo" panose="020B0609030804020204" pitchFamily="49" charset="0"/>
               </a:rPr>
-              <a:t>get</a:t>
-            </a:r>
-            <a:r>
-              <a:rPr lang="de-AT" sz="1600" b="0" dirty="0">
+              <a:t>serve_static_file</a:t>
+            </a:r>
+            <a:r>
+              <a:rPr lang="de-AT" sz="1800" b="0" dirty="0">
                 <a:solidFill>
                   <a:srgbClr val="CCCCCC"/>
                 </a:solidFill>
                 <a:effectLst/>
                 <a:latin typeface="Menlo" panose="020B0609030804020204" pitchFamily="49" charset="0"/>
               </a:rPr>
+              <a:t>() </a:t>
+            </a:r>
+            <a:r>
+              <a:rPr lang="de-AT" sz="1800" b="0" dirty="0">
+                <a:solidFill>
+                  <a:srgbClr val="D4D4D4"/>
+                </a:solidFill>
+                <a:effectLst/>
+                <a:latin typeface="Menlo" panose="020B0609030804020204" pitchFamily="49" charset="0"/>
+              </a:rPr>
+              <a:t>-&gt;</a:t>
+            </a:r>
+            <a:r>
+              <a:rPr lang="de-AT" sz="1800" b="0" dirty="0">
+                <a:solidFill>
+                  <a:srgbClr val="CCCCCC"/>
+                </a:solidFill>
+                <a:effectLst/>
+                <a:latin typeface="Menlo" panose="020B0609030804020204" pitchFamily="49" charset="0"/>
+              </a:rPr>
+              <a:t> </a:t>
+            </a:r>
+            <a:r>
+              <a:rPr lang="de-AT" sz="1800" b="0" dirty="0" err="1">
+                <a:solidFill>
+                  <a:srgbClr val="4EC9B0"/>
+                </a:solidFill>
+                <a:effectLst/>
+                <a:latin typeface="Menlo" panose="020B0609030804020204" pitchFamily="49" charset="0"/>
+              </a:rPr>
+              <a:t>Result</a:t>
+            </a:r>
+            <a:r>
+              <a:rPr lang="de-AT" sz="1800" b="0" dirty="0">
+                <a:solidFill>
+                  <a:srgbClr val="CCCCCC"/>
+                </a:solidFill>
+                <a:effectLst/>
+                <a:latin typeface="Menlo" panose="020B0609030804020204" pitchFamily="49" charset="0"/>
+              </a:rPr>
+              <a:t>&lt;</a:t>
+            </a:r>
+            <a:r>
+              <a:rPr lang="de-AT" sz="1800" b="0" dirty="0" err="1">
+                <a:solidFill>
+                  <a:srgbClr val="4EC9B0"/>
+                </a:solidFill>
+                <a:effectLst/>
+                <a:latin typeface="Menlo" panose="020B0609030804020204" pitchFamily="49" charset="0"/>
+              </a:rPr>
+              <a:t>NamedFile</a:t>
+            </a:r>
+            <a:r>
+              <a:rPr lang="de-AT" sz="1800" b="0" dirty="0">
+                <a:solidFill>
+                  <a:srgbClr val="CCCCCC"/>
+                </a:solidFill>
+                <a:effectLst/>
+                <a:latin typeface="Menlo" panose="020B0609030804020204" pitchFamily="49" charset="0"/>
+              </a:rPr>
+              <a:t>&gt; {</a:t>
+            </a:r>
+          </a:p>
+          <a:p>
+            <a:pPr marL="0" indent="0">
+              <a:buNone/>
+            </a:pPr>
+            <a:r>
+              <a:rPr lang="de-AT" sz="1800" b="0" dirty="0">
+                <a:solidFill>
+                  <a:srgbClr val="569CD6"/>
+                </a:solidFill>
+                <a:effectLst/>
+                <a:latin typeface="Menlo" panose="020B0609030804020204" pitchFamily="49" charset="0"/>
+              </a:rPr>
+              <a:t>	</a:t>
+            </a:r>
+            <a:r>
+              <a:rPr lang="de-AT" sz="1800" b="0" dirty="0" err="1">
+                <a:solidFill>
+                  <a:srgbClr val="569CD6"/>
+                </a:solidFill>
+                <a:effectLst/>
+                <a:latin typeface="Menlo" panose="020B0609030804020204" pitchFamily="49" charset="0"/>
+              </a:rPr>
+              <a:t>let</a:t>
+            </a:r>
+            <a:r>
+              <a:rPr lang="de-AT" sz="1800" b="0" dirty="0">
+                <a:solidFill>
+                  <a:srgbClr val="CCCCCC"/>
+                </a:solidFill>
+                <a:effectLst/>
+                <a:latin typeface="Menlo" panose="020B0609030804020204" pitchFamily="49" charset="0"/>
+              </a:rPr>
+              <a:t> </a:t>
+            </a:r>
+            <a:r>
+              <a:rPr lang="de-AT" sz="1800" b="0" dirty="0" err="1">
+                <a:solidFill>
+                  <a:srgbClr val="9CDCFE"/>
+                </a:solidFill>
+                <a:effectLst/>
+                <a:latin typeface="Menlo" panose="020B0609030804020204" pitchFamily="49" charset="0"/>
+              </a:rPr>
+              <a:t>file</a:t>
+            </a:r>
+            <a:r>
+              <a:rPr lang="de-AT" sz="1800" b="0" dirty="0">
+                <a:solidFill>
+                  <a:srgbClr val="D4D4D4"/>
+                </a:solidFill>
+                <a:effectLst/>
+                <a:latin typeface="Menlo" panose="020B0609030804020204" pitchFamily="49" charset="0"/>
+              </a:rPr>
+              <a:t>:</a:t>
+            </a:r>
+            <a:r>
+              <a:rPr lang="de-AT" sz="1800" b="0" dirty="0">
+                <a:solidFill>
+                  <a:srgbClr val="CCCCCC"/>
+                </a:solidFill>
+                <a:effectLst/>
+                <a:latin typeface="Menlo" panose="020B0609030804020204" pitchFamily="49" charset="0"/>
+              </a:rPr>
+              <a:t> </a:t>
+            </a:r>
+            <a:r>
+              <a:rPr lang="de-AT" sz="1800" b="0" dirty="0" err="1">
+                <a:solidFill>
+                  <a:srgbClr val="4EC9B0"/>
+                </a:solidFill>
+                <a:effectLst/>
+                <a:latin typeface="Menlo" panose="020B0609030804020204" pitchFamily="49" charset="0"/>
+              </a:rPr>
+              <a:t>PathBuf</a:t>
+            </a:r>
+            <a:r>
+              <a:rPr lang="de-AT" sz="1800" b="0" dirty="0">
+                <a:solidFill>
+                  <a:srgbClr val="CCCCCC"/>
+                </a:solidFill>
+                <a:effectLst/>
+                <a:latin typeface="Menlo" panose="020B0609030804020204" pitchFamily="49" charset="0"/>
+              </a:rPr>
+              <a:t> </a:t>
+            </a:r>
+            <a:r>
+              <a:rPr lang="de-AT" sz="1800" b="0" dirty="0">
+                <a:solidFill>
+                  <a:srgbClr val="D4D4D4"/>
+                </a:solidFill>
+                <a:effectLst/>
+                <a:latin typeface="Menlo" panose="020B0609030804020204" pitchFamily="49" charset="0"/>
+              </a:rPr>
+              <a:t>=</a:t>
+            </a:r>
+            <a:r>
+              <a:rPr lang="de-AT" sz="1800" b="0" dirty="0">
+                <a:solidFill>
+                  <a:srgbClr val="CCCCCC"/>
+                </a:solidFill>
+                <a:effectLst/>
+                <a:latin typeface="Menlo" panose="020B0609030804020204" pitchFamily="49" charset="0"/>
+              </a:rPr>
+              <a:t> </a:t>
+            </a:r>
+            <a:r>
+              <a:rPr lang="de-AT" sz="1800" b="0" dirty="0">
+                <a:solidFill>
+                  <a:srgbClr val="CE9178"/>
+                </a:solidFill>
+                <a:effectLst/>
+                <a:latin typeface="Menlo" panose="020B0609030804020204" pitchFamily="49" charset="0"/>
+              </a:rPr>
+              <a:t>"./</a:t>
+            </a:r>
+            <a:r>
+              <a:rPr lang="de-AT" sz="1800" b="0" dirty="0" err="1">
+                <a:solidFill>
+                  <a:srgbClr val="CE9178"/>
+                </a:solidFill>
+                <a:effectLst/>
+                <a:latin typeface="Menlo" panose="020B0609030804020204" pitchFamily="49" charset="0"/>
+              </a:rPr>
+              <a:t>static</a:t>
+            </a:r>
+            <a:r>
+              <a:rPr lang="de-AT" sz="1800" b="0" dirty="0">
+                <a:solidFill>
+                  <a:srgbClr val="CE9178"/>
+                </a:solidFill>
+                <a:effectLst/>
+                <a:latin typeface="Menlo" panose="020B0609030804020204" pitchFamily="49" charset="0"/>
+              </a:rPr>
+              <a:t>/logo.</a:t>
+            </a:r>
+            <a:r>
+              <a:rPr lang="de-AT" sz="1800" b="0" dirty="0" err="1">
+                <a:solidFill>
+                  <a:srgbClr val="CE9178"/>
+                </a:solidFill>
+                <a:effectLst/>
+                <a:latin typeface="Menlo" panose="020B0609030804020204" pitchFamily="49" charset="0"/>
+              </a:rPr>
+              <a:t>png</a:t>
+            </a:r>
+            <a:r>
+              <a:rPr lang="de-AT" sz="1800" b="0" dirty="0">
+                <a:solidFill>
+                  <a:srgbClr val="CE9178"/>
+                </a:solidFill>
+                <a:effectLst/>
+                <a:latin typeface="Menlo" panose="020B0609030804020204" pitchFamily="49" charset="0"/>
+              </a:rPr>
+              <a:t>"</a:t>
+            </a:r>
+            <a:r>
+              <a:rPr lang="de-AT" sz="1800" b="0" dirty="0">
+                <a:solidFill>
+                  <a:srgbClr val="D4D4D4"/>
+                </a:solidFill>
+                <a:effectLst/>
+                <a:latin typeface="Menlo" panose="020B0609030804020204" pitchFamily="49" charset="0"/>
+              </a:rPr>
+              <a:t>.</a:t>
+            </a:r>
+            <a:r>
+              <a:rPr lang="de-AT" sz="1800" b="0" dirty="0">
+                <a:solidFill>
+                  <a:srgbClr val="DCDCAA"/>
+                </a:solidFill>
+                <a:effectLst/>
+                <a:latin typeface="Menlo" panose="020B0609030804020204" pitchFamily="49" charset="0"/>
+              </a:rPr>
+              <a:t>parse</a:t>
+            </a:r>
+            <a:r>
+              <a:rPr lang="de-AT" sz="1800" b="0" dirty="0">
+                <a:solidFill>
+                  <a:srgbClr val="CCCCCC"/>
+                </a:solidFill>
+                <a:effectLst/>
+                <a:latin typeface="Menlo" panose="020B0609030804020204" pitchFamily="49" charset="0"/>
+              </a:rPr>
+              <a:t>()</a:t>
+            </a:r>
+            <a:r>
+              <a:rPr lang="de-AT" sz="1800" b="0" dirty="0">
+                <a:solidFill>
+                  <a:srgbClr val="D4D4D4"/>
+                </a:solidFill>
+                <a:effectLst/>
+                <a:latin typeface="Menlo" panose="020B0609030804020204" pitchFamily="49" charset="0"/>
+              </a:rPr>
+              <a:t>.</a:t>
+            </a:r>
+            <a:r>
+              <a:rPr lang="de-AT" sz="1800" b="0" dirty="0" err="1">
+                <a:solidFill>
+                  <a:srgbClr val="DCDCAA"/>
+                </a:solidFill>
+                <a:effectLst/>
+                <a:latin typeface="Menlo" panose="020B0609030804020204" pitchFamily="49" charset="0"/>
+              </a:rPr>
+              <a:t>unwrap</a:t>
+            </a:r>
+            <a:r>
+              <a:rPr lang="de-AT" sz="1800" b="0" dirty="0">
+                <a:solidFill>
+                  <a:srgbClr val="CCCCCC"/>
+                </a:solidFill>
+                <a:effectLst/>
+                <a:latin typeface="Menlo" panose="020B0609030804020204" pitchFamily="49" charset="0"/>
+              </a:rPr>
+              <a:t>();</a:t>
+            </a:r>
+          </a:p>
+          <a:p>
+            <a:pPr marL="0" indent="0">
+              <a:buNone/>
+            </a:pPr>
+            <a:r>
+              <a:rPr lang="de-AT" sz="1800" b="0" dirty="0">
+                <a:solidFill>
+                  <a:srgbClr val="4FC1FF"/>
+                </a:solidFill>
+                <a:effectLst/>
+                <a:latin typeface="Menlo" panose="020B0609030804020204" pitchFamily="49" charset="0"/>
+              </a:rPr>
+              <a:t>	Ok</a:t>
+            </a:r>
+            <a:r>
+              <a:rPr lang="de-AT" sz="1800" b="0" dirty="0">
+                <a:solidFill>
+                  <a:srgbClr val="CCCCCC"/>
+                </a:solidFill>
+                <a:effectLst/>
+                <a:latin typeface="Menlo" panose="020B0609030804020204" pitchFamily="49" charset="0"/>
+              </a:rPr>
               <a:t>(</a:t>
             </a:r>
             <a:r>
-              <a:rPr lang="de-AT" sz="1600" b="0" dirty="0">
-                <a:solidFill>
-                  <a:srgbClr val="CE9178"/>
-                </a:solidFill>
-                <a:effectLst/>
-                <a:latin typeface="Menlo" panose="020B0609030804020204" pitchFamily="49" charset="0"/>
-              </a:rPr>
-              <a:t>"/{</a:t>
-            </a:r>
-            <a:r>
-              <a:rPr lang="de-AT" sz="1600" b="0" dirty="0" err="1">
-                <a:solidFill>
-                  <a:srgbClr val="CE9178"/>
-                </a:solidFill>
-                <a:effectLst/>
-                <a:latin typeface="Menlo" panose="020B0609030804020204" pitchFamily="49" charset="0"/>
-              </a:rPr>
-              <a:t>filename</a:t>
-            </a:r>
-            <a:r>
-              <a:rPr lang="de-AT" sz="1600" b="0" dirty="0">
-                <a:solidFill>
-                  <a:srgbClr val="CE9178"/>
-                </a:solidFill>
-                <a:effectLst/>
-                <a:latin typeface="Menlo" panose="020B0609030804020204" pitchFamily="49" charset="0"/>
-              </a:rPr>
-              <a:t>}"</a:t>
-            </a:r>
-            <a:r>
-              <a:rPr lang="de-AT" sz="1600" b="0" dirty="0">
+              <a:rPr lang="de-AT" sz="1800" b="0" dirty="0" err="1">
+                <a:solidFill>
+                  <a:srgbClr val="4EC9B0"/>
+                </a:solidFill>
+                <a:effectLst/>
+                <a:latin typeface="Menlo" panose="020B0609030804020204" pitchFamily="49" charset="0"/>
+              </a:rPr>
+              <a:t>NamedFile</a:t>
+            </a:r>
+            <a:r>
+              <a:rPr lang="de-AT" sz="1800" b="0" dirty="0">
+                <a:solidFill>
+                  <a:srgbClr val="D4D4D4"/>
+                </a:solidFill>
+                <a:effectLst/>
+                <a:latin typeface="Menlo" panose="020B0609030804020204" pitchFamily="49" charset="0"/>
+              </a:rPr>
+              <a:t>::</a:t>
+            </a:r>
+            <a:r>
+              <a:rPr lang="de-AT" sz="1800" b="0" dirty="0">
+                <a:solidFill>
+                  <a:srgbClr val="DCDCAA"/>
+                </a:solidFill>
+                <a:effectLst/>
+                <a:latin typeface="Menlo" panose="020B0609030804020204" pitchFamily="49" charset="0"/>
+              </a:rPr>
+              <a:t>open</a:t>
+            </a:r>
+            <a:r>
+              <a:rPr lang="de-AT" sz="1800" b="0" dirty="0">
                 <a:solidFill>
                   <a:srgbClr val="CCCCCC"/>
                 </a:solidFill>
                 <a:effectLst/>
                 <a:latin typeface="Menlo" panose="020B0609030804020204" pitchFamily="49" charset="0"/>
               </a:rPr>
-              <a:t>)]</a:t>
+              <a:t>(</a:t>
+            </a:r>
+            <a:r>
+              <a:rPr lang="de-AT" sz="1800" b="0" dirty="0" err="1">
+                <a:solidFill>
+                  <a:srgbClr val="9CDCFE"/>
+                </a:solidFill>
+                <a:effectLst/>
+                <a:latin typeface="Menlo" panose="020B0609030804020204" pitchFamily="49" charset="0"/>
+              </a:rPr>
+              <a:t>file</a:t>
+            </a:r>
+            <a:r>
+              <a:rPr lang="de-AT" sz="1800" b="0" dirty="0">
+                <a:solidFill>
+                  <a:srgbClr val="CCCCCC"/>
+                </a:solidFill>
+                <a:effectLst/>
+                <a:latin typeface="Menlo" panose="020B0609030804020204" pitchFamily="49" charset="0"/>
+              </a:rPr>
+              <a:t>)</a:t>
+            </a:r>
+            <a:r>
+              <a:rPr lang="de-AT" sz="1800" b="0" dirty="0">
+                <a:solidFill>
+                  <a:srgbClr val="D4D4D4"/>
+                </a:solidFill>
+                <a:effectLst/>
+                <a:latin typeface="Menlo" panose="020B0609030804020204" pitchFamily="49" charset="0"/>
+              </a:rPr>
+              <a:t>?</a:t>
+            </a:r>
+            <a:r>
+              <a:rPr lang="de-AT" sz="1800" b="0" dirty="0">
+                <a:solidFill>
+                  <a:srgbClr val="CCCCCC"/>
+                </a:solidFill>
+                <a:effectLst/>
+                <a:latin typeface="Menlo" panose="020B0609030804020204" pitchFamily="49" charset="0"/>
+              </a:rPr>
+              <a:t>)</a:t>
             </a:r>
           </a:p>
           <a:p>
@@ -5821,737 +6876,7 @@
               <a:buNone/>
             </a:pPr>
             <a:r>
-              <a:rPr lang="de-AT" sz="1600" b="0" dirty="0" err="1">
-                <a:solidFill>
-                  <a:srgbClr val="569CD6"/>
-                </a:solidFill>
-                <a:effectLst/>
-                <a:latin typeface="Menlo" panose="020B0609030804020204" pitchFamily="49" charset="0"/>
-              </a:rPr>
-              <a:t>pub</a:t>
-            </a:r>
-            <a:r>
-              <a:rPr lang="de-AT" sz="1600" b="0" dirty="0">
-                <a:solidFill>
-                  <a:srgbClr val="CCCCCC"/>
-                </a:solidFill>
-                <a:effectLst/>
-                <a:latin typeface="Menlo" panose="020B0609030804020204" pitchFamily="49" charset="0"/>
-              </a:rPr>
-              <a:t> </a:t>
-            </a:r>
-            <a:r>
-              <a:rPr lang="de-AT" sz="1600" b="0" dirty="0" err="1">
-                <a:solidFill>
-                  <a:srgbClr val="569CD6"/>
-                </a:solidFill>
-                <a:effectLst/>
-                <a:latin typeface="Menlo" panose="020B0609030804020204" pitchFamily="49" charset="0"/>
-              </a:rPr>
-              <a:t>async</a:t>
-            </a:r>
-            <a:r>
-              <a:rPr lang="de-AT" sz="1600" b="0" dirty="0">
-                <a:solidFill>
-                  <a:srgbClr val="CCCCCC"/>
-                </a:solidFill>
-                <a:effectLst/>
-                <a:latin typeface="Menlo" panose="020B0609030804020204" pitchFamily="49" charset="0"/>
-              </a:rPr>
-              <a:t> </a:t>
-            </a:r>
-            <a:r>
-              <a:rPr lang="de-AT" sz="1600" b="0" dirty="0" err="1">
-                <a:solidFill>
-                  <a:srgbClr val="569CD6"/>
-                </a:solidFill>
-                <a:effectLst/>
-                <a:latin typeface="Menlo" panose="020B0609030804020204" pitchFamily="49" charset="0"/>
-              </a:rPr>
-              <a:t>fn</a:t>
-            </a:r>
-            <a:r>
-              <a:rPr lang="de-AT" sz="1600" b="0" dirty="0">
-                <a:solidFill>
-                  <a:srgbClr val="CCCCCC"/>
-                </a:solidFill>
-                <a:effectLst/>
-                <a:latin typeface="Menlo" panose="020B0609030804020204" pitchFamily="49" charset="0"/>
-              </a:rPr>
-              <a:t> </a:t>
-            </a:r>
-            <a:r>
-              <a:rPr lang="de-AT" sz="1600" b="0" dirty="0" err="1">
-                <a:solidFill>
-                  <a:srgbClr val="DCDCAA"/>
-                </a:solidFill>
-                <a:effectLst/>
-                <a:latin typeface="Menlo" panose="020B0609030804020204" pitchFamily="49" charset="0"/>
-              </a:rPr>
-              <a:t>serve_static_file</a:t>
-            </a:r>
-            <a:r>
-              <a:rPr lang="de-AT" sz="1600" b="0" dirty="0">
-                <a:solidFill>
-                  <a:srgbClr val="CCCCCC"/>
-                </a:solidFill>
-                <a:effectLst/>
-                <a:latin typeface="Menlo" panose="020B0609030804020204" pitchFamily="49" charset="0"/>
-              </a:rPr>
-              <a:t>(</a:t>
-            </a:r>
-            <a:r>
-              <a:rPr lang="de-AT" sz="1600" b="0" dirty="0" err="1">
-                <a:solidFill>
-                  <a:srgbClr val="9CDCFE"/>
-                </a:solidFill>
-                <a:effectLst/>
-                <a:latin typeface="Menlo" panose="020B0609030804020204" pitchFamily="49" charset="0"/>
-              </a:rPr>
-              <a:t>req</a:t>
-            </a:r>
-            <a:r>
-              <a:rPr lang="de-AT" sz="1600" b="0" dirty="0">
-                <a:solidFill>
-                  <a:srgbClr val="D4D4D4"/>
-                </a:solidFill>
-                <a:effectLst/>
-                <a:latin typeface="Menlo" panose="020B0609030804020204" pitchFamily="49" charset="0"/>
-              </a:rPr>
-              <a:t>:</a:t>
-            </a:r>
-            <a:r>
-              <a:rPr lang="de-AT" sz="1600" b="0" dirty="0">
-                <a:solidFill>
-                  <a:srgbClr val="CCCCCC"/>
-                </a:solidFill>
-                <a:effectLst/>
-                <a:latin typeface="Menlo" panose="020B0609030804020204" pitchFamily="49" charset="0"/>
-              </a:rPr>
-              <a:t> </a:t>
-            </a:r>
-            <a:r>
-              <a:rPr lang="de-AT" sz="1600" b="0" dirty="0" err="1">
-                <a:solidFill>
-                  <a:srgbClr val="4EC9B0"/>
-                </a:solidFill>
-                <a:effectLst/>
-                <a:latin typeface="Menlo" panose="020B0609030804020204" pitchFamily="49" charset="0"/>
-              </a:rPr>
-              <a:t>HttpRequest</a:t>
-            </a:r>
-            <a:r>
-              <a:rPr lang="de-AT" sz="1600" b="0" dirty="0">
-                <a:solidFill>
-                  <a:srgbClr val="CCCCCC"/>
-                </a:solidFill>
-                <a:effectLst/>
-                <a:latin typeface="Menlo" panose="020B0609030804020204" pitchFamily="49" charset="0"/>
-              </a:rPr>
-              <a:t>) </a:t>
-            </a:r>
-            <a:r>
-              <a:rPr lang="de-AT" sz="1600" b="0" dirty="0">
-                <a:solidFill>
-                  <a:srgbClr val="D4D4D4"/>
-                </a:solidFill>
-                <a:effectLst/>
-                <a:latin typeface="Menlo" panose="020B0609030804020204" pitchFamily="49" charset="0"/>
-              </a:rPr>
-              <a:t>-&gt;</a:t>
-            </a:r>
-            <a:r>
-              <a:rPr lang="de-AT" sz="1600" b="0" dirty="0">
-                <a:solidFill>
-                  <a:srgbClr val="CCCCCC"/>
-                </a:solidFill>
-                <a:effectLst/>
-                <a:latin typeface="Menlo" panose="020B0609030804020204" pitchFamily="49" charset="0"/>
-              </a:rPr>
-              <a:t> </a:t>
-            </a:r>
-            <a:r>
-              <a:rPr lang="de-AT" sz="1600" b="0" dirty="0" err="1">
-                <a:solidFill>
-                  <a:srgbClr val="4EC9B0"/>
-                </a:solidFill>
-                <a:effectLst/>
-                <a:latin typeface="Menlo" panose="020B0609030804020204" pitchFamily="49" charset="0"/>
-              </a:rPr>
-              <a:t>Result</a:t>
-            </a:r>
-            <a:r>
-              <a:rPr lang="de-AT" sz="1600" b="0" dirty="0">
-                <a:solidFill>
-                  <a:srgbClr val="CCCCCC"/>
-                </a:solidFill>
-                <a:effectLst/>
-                <a:latin typeface="Menlo" panose="020B0609030804020204" pitchFamily="49" charset="0"/>
-              </a:rPr>
-              <a:t>&lt;</a:t>
-            </a:r>
-            <a:r>
-              <a:rPr lang="de-AT" sz="1600" b="0" dirty="0" err="1">
-                <a:solidFill>
-                  <a:srgbClr val="4EC9B0"/>
-                </a:solidFill>
-                <a:effectLst/>
-                <a:latin typeface="Menlo" panose="020B0609030804020204" pitchFamily="49" charset="0"/>
-              </a:rPr>
-              <a:t>NamedFile</a:t>
-            </a:r>
-            <a:r>
-              <a:rPr lang="de-AT" sz="1600" b="0" dirty="0">
-                <a:solidFill>
-                  <a:srgbClr val="CCCCCC"/>
-                </a:solidFill>
-                <a:effectLst/>
-                <a:latin typeface="Menlo" panose="020B0609030804020204" pitchFamily="49" charset="0"/>
-              </a:rPr>
-              <a:t>&gt; {</a:t>
-            </a:r>
-          </a:p>
-          <a:p>
-            <a:pPr marL="0" indent="0">
-              <a:buNone/>
-            </a:pPr>
-            <a:r>
-              <a:rPr lang="de-AT" sz="1600" b="0" dirty="0">
-                <a:solidFill>
-                  <a:srgbClr val="569CD6"/>
-                </a:solidFill>
-                <a:effectLst/>
-                <a:latin typeface="Menlo" panose="020B0609030804020204" pitchFamily="49" charset="0"/>
-              </a:rPr>
-              <a:t>	</a:t>
-            </a:r>
-            <a:r>
-              <a:rPr lang="de-AT" sz="1600" b="0" dirty="0" err="1">
-                <a:solidFill>
-                  <a:srgbClr val="569CD6"/>
-                </a:solidFill>
-                <a:effectLst/>
-                <a:latin typeface="Menlo" panose="020B0609030804020204" pitchFamily="49" charset="0"/>
-              </a:rPr>
-              <a:t>let</a:t>
-            </a:r>
-            <a:r>
-              <a:rPr lang="de-AT" sz="1600" b="0" dirty="0">
-                <a:solidFill>
-                  <a:srgbClr val="CCCCCC"/>
-                </a:solidFill>
-                <a:effectLst/>
-                <a:latin typeface="Menlo" panose="020B0609030804020204" pitchFamily="49" charset="0"/>
-              </a:rPr>
-              <a:t> </a:t>
-            </a:r>
-            <a:r>
-              <a:rPr lang="de-AT" sz="1600" b="0" dirty="0" err="1">
-                <a:solidFill>
-                  <a:srgbClr val="9CDCFE"/>
-                </a:solidFill>
-                <a:effectLst/>
-                <a:latin typeface="Menlo" panose="020B0609030804020204" pitchFamily="49" charset="0"/>
-              </a:rPr>
-              <a:t>static_path</a:t>
-            </a:r>
-            <a:r>
-              <a:rPr lang="de-AT" sz="1600" b="0" dirty="0">
-                <a:solidFill>
-                  <a:srgbClr val="CCCCCC"/>
-                </a:solidFill>
-                <a:effectLst/>
-                <a:latin typeface="Menlo" panose="020B0609030804020204" pitchFamily="49" charset="0"/>
-              </a:rPr>
-              <a:t> </a:t>
-            </a:r>
-            <a:r>
-              <a:rPr lang="de-AT" sz="1600" b="0" dirty="0">
-                <a:solidFill>
-                  <a:srgbClr val="D4D4D4"/>
-                </a:solidFill>
-                <a:effectLst/>
-                <a:latin typeface="Menlo" panose="020B0609030804020204" pitchFamily="49" charset="0"/>
-              </a:rPr>
-              <a:t>=</a:t>
-            </a:r>
-            <a:r>
-              <a:rPr lang="de-AT" sz="1600" b="0" dirty="0">
-                <a:solidFill>
-                  <a:srgbClr val="CCCCCC"/>
-                </a:solidFill>
-                <a:effectLst/>
-                <a:latin typeface="Menlo" panose="020B0609030804020204" pitchFamily="49" charset="0"/>
-              </a:rPr>
-              <a:t> </a:t>
-            </a:r>
-            <a:r>
-              <a:rPr lang="de-AT" sz="1600" b="0" dirty="0" err="1">
-                <a:solidFill>
-                  <a:srgbClr val="569CD6"/>
-                </a:solidFill>
-                <a:effectLst/>
-                <a:latin typeface="Menlo" panose="020B0609030804020204" pitchFamily="49" charset="0"/>
-              </a:rPr>
-              <a:t>format</a:t>
-            </a:r>
-            <a:r>
-              <a:rPr lang="de-AT" sz="1600" b="0" dirty="0">
-                <a:solidFill>
-                  <a:srgbClr val="569CD6"/>
-                </a:solidFill>
-                <a:effectLst/>
-                <a:latin typeface="Menlo" panose="020B0609030804020204" pitchFamily="49" charset="0"/>
-              </a:rPr>
-              <a:t>!</a:t>
-            </a:r>
-            <a:r>
-              <a:rPr lang="de-AT" sz="1600" b="0" dirty="0">
-                <a:solidFill>
-                  <a:srgbClr val="CCCCCC"/>
-                </a:solidFill>
-                <a:effectLst/>
-                <a:latin typeface="Menlo" panose="020B0609030804020204" pitchFamily="49" charset="0"/>
-              </a:rPr>
-              <a:t>(</a:t>
-            </a:r>
-            <a:r>
-              <a:rPr lang="de-AT" sz="1600" b="0" dirty="0">
-                <a:solidFill>
-                  <a:srgbClr val="CE9178"/>
-                </a:solidFill>
-                <a:effectLst/>
-                <a:latin typeface="Menlo" panose="020B0609030804020204" pitchFamily="49" charset="0"/>
-              </a:rPr>
-              <a:t>"./</a:t>
-            </a:r>
-            <a:r>
-              <a:rPr lang="de-AT" sz="1600" b="0" dirty="0" err="1">
-                <a:solidFill>
-                  <a:srgbClr val="CE9178"/>
-                </a:solidFill>
-                <a:effectLst/>
-                <a:latin typeface="Menlo" panose="020B0609030804020204" pitchFamily="49" charset="0"/>
-              </a:rPr>
-              <a:t>static</a:t>
-            </a:r>
-            <a:r>
-              <a:rPr lang="de-AT" sz="1600" b="0" dirty="0">
-                <a:solidFill>
-                  <a:srgbClr val="CE9178"/>
-                </a:solidFill>
-                <a:effectLst/>
-                <a:latin typeface="Menlo" panose="020B0609030804020204" pitchFamily="49" charset="0"/>
-              </a:rPr>
-              <a:t>/</a:t>
-            </a:r>
-            <a:r>
-              <a:rPr lang="de-AT" sz="1600" b="0" dirty="0">
-                <a:solidFill>
-                  <a:srgbClr val="569CD6"/>
-                </a:solidFill>
-                <a:effectLst/>
-                <a:latin typeface="Menlo" panose="020B0609030804020204" pitchFamily="49" charset="0"/>
-              </a:rPr>
-              <a:t>{}</a:t>
-            </a:r>
-            <a:r>
-              <a:rPr lang="de-AT" sz="1600" b="0" dirty="0">
-                <a:solidFill>
-                  <a:srgbClr val="CE9178"/>
-                </a:solidFill>
-                <a:effectLst/>
-                <a:latin typeface="Menlo" panose="020B0609030804020204" pitchFamily="49" charset="0"/>
-              </a:rPr>
-              <a:t>"</a:t>
-            </a:r>
-            <a:r>
-              <a:rPr lang="de-AT" sz="1600" b="0" dirty="0">
-                <a:solidFill>
-                  <a:srgbClr val="CCCCCC"/>
-                </a:solidFill>
-                <a:effectLst/>
-                <a:latin typeface="Menlo" panose="020B0609030804020204" pitchFamily="49" charset="0"/>
-              </a:rPr>
-              <a:t>, </a:t>
-            </a:r>
-            <a:r>
-              <a:rPr lang="de-AT" sz="1600" b="0" dirty="0" err="1">
-                <a:solidFill>
-                  <a:srgbClr val="9CDCFE"/>
-                </a:solidFill>
-                <a:effectLst/>
-                <a:latin typeface="Menlo" panose="020B0609030804020204" pitchFamily="49" charset="0"/>
-              </a:rPr>
-              <a:t>req</a:t>
-            </a:r>
-            <a:r>
-              <a:rPr lang="de-AT" sz="1600" b="0" dirty="0" err="1">
-                <a:solidFill>
-                  <a:srgbClr val="D4D4D4"/>
-                </a:solidFill>
-                <a:effectLst/>
-                <a:latin typeface="Menlo" panose="020B0609030804020204" pitchFamily="49" charset="0"/>
-              </a:rPr>
-              <a:t>.</a:t>
-            </a:r>
-            <a:r>
-              <a:rPr lang="de-AT" sz="1600" b="0" dirty="0" err="1">
-                <a:solidFill>
-                  <a:srgbClr val="DCDCAA"/>
-                </a:solidFill>
-                <a:effectLst/>
-                <a:latin typeface="Menlo" panose="020B0609030804020204" pitchFamily="49" charset="0"/>
-              </a:rPr>
-              <a:t>match_info</a:t>
-            </a:r>
-            <a:r>
-              <a:rPr lang="de-AT" sz="1600" b="0" dirty="0">
-                <a:solidFill>
-                  <a:srgbClr val="CCCCCC"/>
-                </a:solidFill>
-                <a:effectLst/>
-                <a:latin typeface="Menlo" panose="020B0609030804020204" pitchFamily="49" charset="0"/>
-              </a:rPr>
-              <a:t>()</a:t>
-            </a:r>
-            <a:r>
-              <a:rPr lang="de-AT" sz="1600" b="0" dirty="0">
-                <a:solidFill>
-                  <a:srgbClr val="D4D4D4"/>
-                </a:solidFill>
-                <a:effectLst/>
-                <a:latin typeface="Menlo" panose="020B0609030804020204" pitchFamily="49" charset="0"/>
-              </a:rPr>
-              <a:t>.</a:t>
-            </a:r>
-            <a:r>
-              <a:rPr lang="de-AT" sz="1600" b="0" dirty="0" err="1">
-                <a:solidFill>
-                  <a:srgbClr val="DCDCAA"/>
-                </a:solidFill>
-                <a:effectLst/>
-                <a:latin typeface="Menlo" panose="020B0609030804020204" pitchFamily="49" charset="0"/>
-              </a:rPr>
-              <a:t>query</a:t>
-            </a:r>
-            <a:r>
-              <a:rPr lang="de-AT" sz="1600" b="0" dirty="0">
-                <a:solidFill>
-                  <a:srgbClr val="CCCCCC"/>
-                </a:solidFill>
-                <a:effectLst/>
-                <a:latin typeface="Menlo" panose="020B0609030804020204" pitchFamily="49" charset="0"/>
-              </a:rPr>
-              <a:t>(</a:t>
-            </a:r>
-            <a:r>
-              <a:rPr lang="de-AT" sz="1600" b="0" dirty="0">
-                <a:solidFill>
-                  <a:srgbClr val="CE9178"/>
-                </a:solidFill>
-                <a:effectLst/>
-                <a:latin typeface="Menlo" panose="020B0609030804020204" pitchFamily="49" charset="0"/>
-              </a:rPr>
-              <a:t>"</a:t>
-            </a:r>
-            <a:r>
-              <a:rPr lang="de-AT" sz="1600" b="0" dirty="0" err="1">
-                <a:solidFill>
-                  <a:srgbClr val="CE9178"/>
-                </a:solidFill>
-                <a:effectLst/>
-                <a:latin typeface="Menlo" panose="020B0609030804020204" pitchFamily="49" charset="0"/>
-              </a:rPr>
-              <a:t>filename</a:t>
-            </a:r>
-            <a:r>
-              <a:rPr lang="de-AT" sz="1600" b="0" dirty="0">
-                <a:solidFill>
-                  <a:srgbClr val="CE9178"/>
-                </a:solidFill>
-                <a:effectLst/>
-                <a:latin typeface="Menlo" panose="020B0609030804020204" pitchFamily="49" charset="0"/>
-              </a:rPr>
-              <a:t>"</a:t>
-            </a:r>
-            <a:r>
-              <a:rPr lang="de-AT" sz="1600" b="0" dirty="0">
-                <a:solidFill>
-                  <a:srgbClr val="CCCCCC"/>
-                </a:solidFill>
-                <a:effectLst/>
-                <a:latin typeface="Menlo" panose="020B0609030804020204" pitchFamily="49" charset="0"/>
-              </a:rPr>
-              <a:t>));</a:t>
-            </a:r>
-          </a:p>
-          <a:p>
-            <a:pPr marL="0" indent="0">
-              <a:buNone/>
-            </a:pPr>
-            <a:r>
-              <a:rPr lang="de-AT" sz="1600" b="0" dirty="0">
-                <a:solidFill>
-                  <a:srgbClr val="569CD6"/>
-                </a:solidFill>
-                <a:effectLst/>
-                <a:latin typeface="Menlo" panose="020B0609030804020204" pitchFamily="49" charset="0"/>
-              </a:rPr>
-              <a:t>	</a:t>
-            </a:r>
-            <a:r>
-              <a:rPr lang="de-AT" sz="1600" b="0" dirty="0" err="1">
-                <a:solidFill>
-                  <a:srgbClr val="569CD6"/>
-                </a:solidFill>
-                <a:effectLst/>
-                <a:latin typeface="Menlo" panose="020B0609030804020204" pitchFamily="49" charset="0"/>
-              </a:rPr>
-              <a:t>let</a:t>
-            </a:r>
-            <a:r>
-              <a:rPr lang="de-AT" sz="1600" b="0" dirty="0">
-                <a:solidFill>
-                  <a:srgbClr val="CCCCCC"/>
-                </a:solidFill>
-                <a:effectLst/>
-                <a:latin typeface="Menlo" panose="020B0609030804020204" pitchFamily="49" charset="0"/>
-              </a:rPr>
-              <a:t> </a:t>
-            </a:r>
-            <a:r>
-              <a:rPr lang="de-AT" sz="1600" b="0" dirty="0" err="1">
-                <a:solidFill>
-                  <a:srgbClr val="9CDCFE"/>
-                </a:solidFill>
-                <a:effectLst/>
-                <a:latin typeface="Menlo" panose="020B0609030804020204" pitchFamily="49" charset="0"/>
-              </a:rPr>
-              <a:t>file</a:t>
-            </a:r>
-            <a:r>
-              <a:rPr lang="de-AT" sz="1600" b="0" dirty="0">
-                <a:solidFill>
-                  <a:srgbClr val="D4D4D4"/>
-                </a:solidFill>
-                <a:effectLst/>
-                <a:latin typeface="Menlo" panose="020B0609030804020204" pitchFamily="49" charset="0"/>
-              </a:rPr>
-              <a:t>:</a:t>
-            </a:r>
-            <a:r>
-              <a:rPr lang="de-AT" sz="1600" b="0" dirty="0">
-                <a:solidFill>
-                  <a:srgbClr val="CCCCCC"/>
-                </a:solidFill>
-                <a:effectLst/>
-                <a:latin typeface="Menlo" panose="020B0609030804020204" pitchFamily="49" charset="0"/>
-              </a:rPr>
-              <a:t> </a:t>
-            </a:r>
-            <a:r>
-              <a:rPr lang="de-AT" sz="1600" b="0" dirty="0" err="1">
-                <a:solidFill>
-                  <a:srgbClr val="4EC9B0"/>
-                </a:solidFill>
-                <a:effectLst/>
-                <a:latin typeface="Menlo" panose="020B0609030804020204" pitchFamily="49" charset="0"/>
-              </a:rPr>
-              <a:t>PathBuf</a:t>
-            </a:r>
-            <a:r>
-              <a:rPr lang="de-AT" sz="1600" b="0" dirty="0">
-                <a:solidFill>
-                  <a:srgbClr val="CCCCCC"/>
-                </a:solidFill>
-                <a:effectLst/>
-                <a:latin typeface="Menlo" panose="020B0609030804020204" pitchFamily="49" charset="0"/>
-              </a:rPr>
-              <a:t> = </a:t>
-            </a:r>
-            <a:r>
-              <a:rPr lang="de-AT" sz="1600" b="0" dirty="0" err="1">
-                <a:solidFill>
-                  <a:srgbClr val="9CDCFE"/>
-                </a:solidFill>
-                <a:effectLst/>
-                <a:latin typeface="Menlo" panose="020B0609030804020204" pitchFamily="49" charset="0"/>
-              </a:rPr>
-              <a:t>static_path</a:t>
-            </a:r>
-            <a:r>
-              <a:rPr lang="de-AT" sz="1600" b="0" dirty="0" err="1">
-                <a:solidFill>
-                  <a:srgbClr val="D4D4D4"/>
-                </a:solidFill>
-                <a:effectLst/>
-                <a:latin typeface="Menlo" panose="020B0609030804020204" pitchFamily="49" charset="0"/>
-              </a:rPr>
-              <a:t>.</a:t>
-            </a:r>
-            <a:r>
-              <a:rPr lang="de-AT" sz="1600" b="0" dirty="0" err="1">
-                <a:solidFill>
-                  <a:srgbClr val="DCDCAA"/>
-                </a:solidFill>
-                <a:effectLst/>
-                <a:latin typeface="Menlo" panose="020B0609030804020204" pitchFamily="49" charset="0"/>
-              </a:rPr>
-              <a:t>parse</a:t>
-            </a:r>
-            <a:r>
-              <a:rPr lang="de-AT" sz="1600" b="0" dirty="0">
-                <a:solidFill>
-                  <a:srgbClr val="CCCCCC"/>
-                </a:solidFill>
-                <a:effectLst/>
-                <a:latin typeface="Menlo" panose="020B0609030804020204" pitchFamily="49" charset="0"/>
-              </a:rPr>
-              <a:t>()</a:t>
-            </a:r>
-            <a:r>
-              <a:rPr lang="de-AT" sz="1600" b="0" dirty="0">
-                <a:solidFill>
-                  <a:srgbClr val="D4D4D4"/>
-                </a:solidFill>
-                <a:effectLst/>
-                <a:latin typeface="Menlo" panose="020B0609030804020204" pitchFamily="49" charset="0"/>
-              </a:rPr>
-              <a:t>.</a:t>
-            </a:r>
-            <a:r>
-              <a:rPr lang="de-AT" sz="1600" b="0" dirty="0" err="1">
-                <a:solidFill>
-                  <a:srgbClr val="DCDCAA"/>
-                </a:solidFill>
-                <a:effectLst/>
-                <a:latin typeface="Menlo" panose="020B0609030804020204" pitchFamily="49" charset="0"/>
-              </a:rPr>
-              <a:t>unwrap</a:t>
-            </a:r>
-            <a:r>
-              <a:rPr lang="de-AT" sz="1600" b="0" dirty="0">
-                <a:solidFill>
-                  <a:srgbClr val="CCCCCC"/>
-                </a:solidFill>
-                <a:effectLst/>
-                <a:latin typeface="Menlo" panose="020B0609030804020204" pitchFamily="49" charset="0"/>
-              </a:rPr>
-              <a:t>();</a:t>
-            </a:r>
-          </a:p>
-          <a:p>
-            <a:pPr marL="0" indent="0">
-              <a:buNone/>
-            </a:pPr>
-            <a:r>
-              <a:rPr lang="de-AT" sz="1600" b="0" dirty="0">
-                <a:solidFill>
-                  <a:srgbClr val="4FC1FF"/>
-                </a:solidFill>
-                <a:effectLst/>
-                <a:latin typeface="Menlo" panose="020B0609030804020204" pitchFamily="49" charset="0"/>
-              </a:rPr>
-              <a:t>	Ok</a:t>
-            </a:r>
-            <a:r>
-              <a:rPr lang="de-AT" sz="1600" b="0" dirty="0">
-                <a:solidFill>
-                  <a:srgbClr val="CCCCCC"/>
-                </a:solidFill>
-                <a:effectLst/>
-                <a:latin typeface="Menlo" panose="020B0609030804020204" pitchFamily="49" charset="0"/>
-              </a:rPr>
-              <a:t>(</a:t>
-            </a:r>
-            <a:r>
-              <a:rPr lang="de-AT" sz="1600" b="0" dirty="0" err="1">
-                <a:solidFill>
-                  <a:srgbClr val="4EC9B0"/>
-                </a:solidFill>
-                <a:effectLst/>
-                <a:latin typeface="Menlo" panose="020B0609030804020204" pitchFamily="49" charset="0"/>
-              </a:rPr>
-              <a:t>NamedFile</a:t>
-            </a:r>
-            <a:r>
-              <a:rPr lang="de-AT" sz="1600" b="0" dirty="0">
-                <a:solidFill>
-                  <a:srgbClr val="D4D4D4"/>
-                </a:solidFill>
-                <a:effectLst/>
-                <a:latin typeface="Menlo" panose="020B0609030804020204" pitchFamily="49" charset="0"/>
-              </a:rPr>
-              <a:t>::</a:t>
-            </a:r>
-            <a:r>
-              <a:rPr lang="de-AT" sz="1600" b="0" dirty="0">
-                <a:solidFill>
-                  <a:srgbClr val="DCDCAA"/>
-                </a:solidFill>
-                <a:effectLst/>
-                <a:latin typeface="Menlo" panose="020B0609030804020204" pitchFamily="49" charset="0"/>
-              </a:rPr>
-              <a:t>open</a:t>
-            </a:r>
-            <a:r>
-              <a:rPr lang="de-AT" sz="1600" b="0" dirty="0">
-                <a:solidFill>
-                  <a:srgbClr val="CCCCCC"/>
-                </a:solidFill>
-                <a:effectLst/>
-                <a:latin typeface="Menlo" panose="020B0609030804020204" pitchFamily="49" charset="0"/>
-              </a:rPr>
-              <a:t>(</a:t>
-            </a:r>
-            <a:r>
-              <a:rPr lang="de-AT" sz="1600" b="0" dirty="0" err="1">
-                <a:solidFill>
-                  <a:srgbClr val="9CDCFE"/>
-                </a:solidFill>
-                <a:effectLst/>
-                <a:latin typeface="Menlo" panose="020B0609030804020204" pitchFamily="49" charset="0"/>
-              </a:rPr>
-              <a:t>file</a:t>
-            </a:r>
-            <a:r>
-              <a:rPr lang="de-AT" sz="1600" b="0" dirty="0">
-                <a:solidFill>
-                  <a:srgbClr val="CCCCCC"/>
-                </a:solidFill>
-                <a:effectLst/>
-                <a:latin typeface="Menlo" panose="020B0609030804020204" pitchFamily="49" charset="0"/>
-              </a:rPr>
-              <a:t>)</a:t>
-            </a:r>
-            <a:r>
-              <a:rPr lang="de-AT" sz="1600" b="0" dirty="0">
-                <a:solidFill>
-                  <a:srgbClr val="D4D4D4"/>
-                </a:solidFill>
-                <a:effectLst/>
-                <a:latin typeface="Menlo" panose="020B0609030804020204" pitchFamily="49" charset="0"/>
-              </a:rPr>
-              <a:t>?</a:t>
-            </a:r>
-            <a:r>
-              <a:rPr lang="de-AT" sz="1600" b="0" dirty="0">
-                <a:solidFill>
-                  <a:srgbClr val="CCCCCC"/>
-                </a:solidFill>
-                <a:effectLst/>
-                <a:latin typeface="Menlo" panose="020B0609030804020204" pitchFamily="49" charset="0"/>
-              </a:rPr>
-              <a:t>)</a:t>
-            </a:r>
-          </a:p>
-          <a:p>
-            <a:pPr marL="0" indent="0">
-              <a:buNone/>
-            </a:pPr>
-            <a:r>
-              <a:rPr lang="de-AT" sz="1600" b="0" dirty="0">
+              <a:rPr lang="de-AT" sz="1800" b="0" dirty="0">
                 <a:solidFill>
                   <a:srgbClr val="CCCCCC"/>
                 </a:solidFill>
@@ -6582,7 +6907,7 @@
 </p:sld>
 </file>
 
-<file path=ppt/slides/slide11.xml><?xml version="1.0" encoding="utf-8"?>
+<file path=ppt/slides/slide12.xml><?xml version="1.0" encoding="utf-8"?>
 <p:sld xmlns:a="http://schemas.openxmlformats.org/drawingml/2006/main" xmlns:r="http://schemas.openxmlformats.org/officeDocument/2006/relationships" xmlns:p="http://schemas.openxmlformats.org/presentationml/2006/main">
   <p:cSld>
     <p:spTree>
@@ -6864,7 +7189,7 @@
 </p:sld>
 </file>
 
-<file path=ppt/slides/slide12.xml><?xml version="1.0" encoding="utf-8"?>
+<file path=ppt/slides/slide13.xml><?xml version="1.0" encoding="utf-8"?>
 <p:sld xmlns:a="http://schemas.openxmlformats.org/drawingml/2006/main" xmlns:r="http://schemas.openxmlformats.org/officeDocument/2006/relationships" xmlns:p="http://schemas.openxmlformats.org/presentationml/2006/main">
   <p:cSld>
     <p:spTree>
@@ -7310,7 +7635,7 @@
 </p:sld>
 </file>
 
-<file path=ppt/slides/slide13.xml><?xml version="1.0" encoding="utf-8"?>
+<file path=ppt/slides/slide14.xml><?xml version="1.0" encoding="utf-8"?>
 <p:sld xmlns:a="http://schemas.openxmlformats.org/drawingml/2006/main" xmlns:r="http://schemas.openxmlformats.org/officeDocument/2006/relationships" xmlns:p="http://schemas.openxmlformats.org/presentationml/2006/main">
   <p:cSld>
     <p:spTree>
@@ -7443,7 +7768,7 @@
 </p:sld>
 </file>
 
-<file path=ppt/slides/slide14.xml><?xml version="1.0" encoding="utf-8"?>
+<file path=ppt/slides/slide15.xml><?xml version="1.0" encoding="utf-8"?>
 <p:sld xmlns:a="http://schemas.openxmlformats.org/drawingml/2006/main" xmlns:r="http://schemas.openxmlformats.org/officeDocument/2006/relationships" xmlns:p="http://schemas.openxmlformats.org/presentationml/2006/main">
   <p:cSld>
     <p:spTree>
@@ -7565,6 +7890,237 @@
 </file>
 
 <file path=ppt/slides/slide2.xml><?xml version="1.0" encoding="utf-8"?>
+<p:sld xmlns:a="http://schemas.openxmlformats.org/drawingml/2006/main" xmlns:r="http://schemas.openxmlformats.org/officeDocument/2006/relationships" xmlns:p="http://schemas.openxmlformats.org/presentationml/2006/main">
+  <p:cSld>
+    <p:spTree>
+      <p:nvGrpSpPr>
+        <p:cNvPr id="1" name=""/>
+        <p:cNvGrpSpPr/>
+        <p:nvPr/>
+      </p:nvGrpSpPr>
+      <p:grpSpPr>
+        <a:xfrm>
+          <a:off x="0" y="0"/>
+          <a:ext cx="0" cy="0"/>
+          <a:chOff x="0" y="0"/>
+          <a:chExt cx="0" cy="0"/>
+        </a:xfrm>
+      </p:grpSpPr>
+      <p:sp>
+        <p:nvSpPr>
+          <p:cNvPr id="2" name="Titel 1">
+            <a:extLst>
+              <a:ext uri="{FF2B5EF4-FFF2-40B4-BE49-F238E27FC236}">
+                <a16:creationId xmlns:a16="http://schemas.microsoft.com/office/drawing/2014/main" id="{4D57C690-BC54-1084-53C8-A1BB98EBF511}"/>
+              </a:ext>
+            </a:extLst>
+          </p:cNvPr>
+          <p:cNvSpPr>
+            <a:spLocks noGrp="1"/>
+          </p:cNvSpPr>
+          <p:nvPr>
+            <p:ph type="title"/>
+          </p:nvPr>
+        </p:nvSpPr>
+        <p:spPr/>
+        <p:txBody>
+          <a:bodyPr/>
+          <a:lstStyle/>
+          <a:p>
+            <a:r>
+              <a:rPr lang="de-DE" dirty="0" err="1"/>
+              <a:t>Using</a:t>
+            </a:r>
+            <a:r>
+              <a:rPr lang="de-DE" dirty="0"/>
+              <a:t> </a:t>
+            </a:r>
+            <a:r>
+              <a:rPr lang="de-DE" dirty="0" err="1"/>
+              <a:t>Actix</a:t>
+            </a:r>
+            <a:r>
+              <a:rPr lang="de-DE" dirty="0"/>
+              <a:t> Web</a:t>
+            </a:r>
+          </a:p>
+        </p:txBody>
+      </p:sp>
+      <p:sp>
+        <p:nvSpPr>
+          <p:cNvPr id="3" name="Inhaltsplatzhalter 2">
+            <a:extLst>
+              <a:ext uri="{FF2B5EF4-FFF2-40B4-BE49-F238E27FC236}">
+                <a16:creationId xmlns:a16="http://schemas.microsoft.com/office/drawing/2014/main" id="{D0D6C0B8-F904-DB78-748D-9EB2175471E0}"/>
+              </a:ext>
+            </a:extLst>
+          </p:cNvPr>
+          <p:cNvSpPr>
+            <a:spLocks noGrp="1"/>
+          </p:cNvSpPr>
+          <p:nvPr>
+            <p:ph idx="1"/>
+          </p:nvPr>
+        </p:nvSpPr>
+        <p:spPr/>
+        <p:txBody>
+          <a:bodyPr/>
+          <a:lstStyle/>
+          <a:p>
+            <a:pPr marL="0" indent="0">
+              <a:buNone/>
+            </a:pPr>
+            <a:r>
+              <a:rPr lang="de-DE" dirty="0" err="1"/>
+              <a:t>Cargo.toml</a:t>
+            </a:r>
+            <a:r>
+              <a:rPr lang="de-DE" dirty="0"/>
+              <a:t>:</a:t>
+            </a:r>
+          </a:p>
+          <a:p>
+            <a:pPr marL="0" indent="0">
+              <a:buNone/>
+            </a:pPr>
+            <a:endParaRPr lang="de-DE" dirty="0"/>
+          </a:p>
+          <a:p>
+            <a:pPr marL="0" indent="0">
+              <a:buNone/>
+            </a:pPr>
+            <a:r>
+              <a:rPr lang="de-DE" dirty="0">
+                <a:solidFill>
+                  <a:schemeClr val="bg2">
+                    <a:lumMod val="75000"/>
+                  </a:schemeClr>
+                </a:solidFill>
+              </a:rPr>
+              <a:t>[</a:t>
+            </a:r>
+            <a:r>
+              <a:rPr lang="de-DE" dirty="0" err="1">
+                <a:solidFill>
+                  <a:schemeClr val="bg2">
+                    <a:lumMod val="75000"/>
+                  </a:schemeClr>
+                </a:solidFill>
+              </a:rPr>
+              <a:t>dependencies</a:t>
+            </a:r>
+            <a:r>
+              <a:rPr lang="de-DE" dirty="0">
+                <a:solidFill>
+                  <a:schemeClr val="bg2">
+                    <a:lumMod val="75000"/>
+                  </a:schemeClr>
+                </a:solidFill>
+              </a:rPr>
+              <a:t>]</a:t>
+            </a:r>
+          </a:p>
+          <a:p>
+            <a:pPr marL="0" indent="0">
+              <a:buNone/>
+            </a:pPr>
+            <a:r>
+              <a:rPr lang="de-DE" dirty="0" err="1">
+                <a:solidFill>
+                  <a:schemeClr val="bg2">
+                    <a:lumMod val="75000"/>
+                  </a:schemeClr>
+                </a:solidFill>
+              </a:rPr>
+              <a:t>actix</a:t>
+            </a:r>
+            <a:r>
+              <a:rPr lang="de-DE" dirty="0">
+                <a:solidFill>
+                  <a:schemeClr val="bg2">
+                    <a:lumMod val="75000"/>
+                  </a:schemeClr>
+                </a:solidFill>
+              </a:rPr>
+              <a:t>-web = {</a:t>
+            </a:r>
+            <a:r>
+              <a:rPr lang="de-DE" dirty="0" err="1">
+                <a:solidFill>
+                  <a:schemeClr val="bg2">
+                    <a:lumMod val="75000"/>
+                  </a:schemeClr>
+                </a:solidFill>
+              </a:rPr>
+              <a:t>version</a:t>
+            </a:r>
+            <a:r>
+              <a:rPr lang="de-DE" dirty="0">
+                <a:solidFill>
+                  <a:schemeClr val="bg2">
+                    <a:lumMod val="75000"/>
+                  </a:schemeClr>
+                </a:solidFill>
+              </a:rPr>
+              <a:t> = "4", </a:t>
+            </a:r>
+            <a:r>
+              <a:rPr lang="de-DE" dirty="0" err="1">
+                <a:solidFill>
+                  <a:schemeClr val="bg2">
+                    <a:lumMod val="75000"/>
+                  </a:schemeClr>
+                </a:solidFill>
+              </a:rPr>
+              <a:t>features</a:t>
+            </a:r>
+            <a:r>
+              <a:rPr lang="de-DE" dirty="0">
+                <a:solidFill>
+                  <a:schemeClr val="bg2">
+                    <a:lumMod val="75000"/>
+                  </a:schemeClr>
+                </a:solidFill>
+              </a:rPr>
+              <a:t> = ["</a:t>
+            </a:r>
+            <a:r>
+              <a:rPr lang="de-DE" dirty="0" err="1">
+                <a:solidFill>
+                  <a:schemeClr val="bg2">
+                    <a:lumMod val="75000"/>
+                  </a:schemeClr>
+                </a:solidFill>
+              </a:rPr>
+              <a:t>cookies</a:t>
+            </a:r>
+            <a:r>
+              <a:rPr lang="de-DE" dirty="0">
+                <a:solidFill>
+                  <a:schemeClr val="bg2">
+                    <a:lumMod val="75000"/>
+                  </a:schemeClr>
+                </a:solidFill>
+              </a:rPr>
+              <a:t>"]}</a:t>
+            </a:r>
+          </a:p>
+        </p:txBody>
+      </p:sp>
+    </p:spTree>
+    <p:extLst>
+      <p:ext uri="{BB962C8B-B14F-4D97-AF65-F5344CB8AC3E}">
+        <p14:creationId xmlns:p14="http://schemas.microsoft.com/office/powerpoint/2010/main" val="2836217913"/>
+      </p:ext>
+    </p:extLst>
+  </p:cSld>
+  <p:clrMapOvr>
+    <a:masterClrMapping/>
+  </p:clrMapOvr>
+</p:sld>
+</file>
+
+<file path=ppt/slides/slide3.xml><?xml version="1.0" encoding="utf-8"?>
 <p:sld xmlns:a="http://schemas.openxmlformats.org/drawingml/2006/main" xmlns:r="http://schemas.openxmlformats.org/officeDocument/2006/relationships" xmlns:p="http://schemas.openxmlformats.org/presentationml/2006/main">
   <p:cSld>
     <p:spTree>
@@ -8116,7 +8672,7 @@
 </p:sld>
 </file>
 
-<file path=ppt/slides/slide3.xml><?xml version="1.0" encoding="utf-8"?>
+<file path=ppt/slides/slide4.xml><?xml version="1.0" encoding="utf-8"?>
 <p:sld xmlns:a="http://schemas.openxmlformats.org/drawingml/2006/main" xmlns:r="http://schemas.openxmlformats.org/officeDocument/2006/relationships" xmlns:p="http://schemas.openxmlformats.org/presentationml/2006/main">
   <p:cSld>
     <p:spTree>
@@ -8769,7 +9325,7 @@
 </p:sld>
 </file>
 
-<file path=ppt/slides/slide4.xml><?xml version="1.0" encoding="utf-8"?>
+<file path=ppt/slides/slide5.xml><?xml version="1.0" encoding="utf-8"?>
 <p:sld xmlns:a="http://schemas.openxmlformats.org/drawingml/2006/main" xmlns:r="http://schemas.openxmlformats.org/officeDocument/2006/relationships" xmlns:p="http://schemas.openxmlformats.org/presentationml/2006/main">
   <p:cSld>
     <p:spTree>
@@ -9515,7 +10071,7 @@
 </p:sld>
 </file>
 
-<file path=ppt/slides/slide5.xml><?xml version="1.0" encoding="utf-8"?>
+<file path=ppt/slides/slide6.xml><?xml version="1.0" encoding="utf-8"?>
 <p:sld xmlns:a="http://schemas.openxmlformats.org/drawingml/2006/main" xmlns:r="http://schemas.openxmlformats.org/officeDocument/2006/relationships" xmlns:p="http://schemas.openxmlformats.org/presentationml/2006/main">
   <p:cSld>
     <p:spTree>
@@ -10028,7 +10584,7 @@
 </p:sld>
 </file>
 
-<file path=ppt/slides/slide6.xml><?xml version="1.0" encoding="utf-8"?>
+<file path=ppt/slides/slide7.xml><?xml version="1.0" encoding="utf-8"?>
 <p:sld xmlns:a="http://schemas.openxmlformats.org/drawingml/2006/main" xmlns:r="http://schemas.openxmlformats.org/officeDocument/2006/relationships" xmlns:p="http://schemas.openxmlformats.org/presentationml/2006/main">
   <p:cSld>
     <p:spTree>
@@ -10633,7 +11189,7 @@
 </p:sld>
 </file>
 
-<file path=ppt/slides/slide7.xml><?xml version="1.0" encoding="utf-8"?>
+<file path=ppt/slides/slide8.xml><?xml version="1.0" encoding="utf-8"?>
 <p:sld xmlns:a="http://schemas.openxmlformats.org/drawingml/2006/main" xmlns:r="http://schemas.openxmlformats.org/officeDocument/2006/relationships" xmlns:p="http://schemas.openxmlformats.org/presentationml/2006/main">
   <p:cSld>
     <p:spTree>
@@ -11347,7 +11903,7 @@
 </p:sld>
 </file>
 
-<file path=ppt/slides/slide8.xml><?xml version="1.0" encoding="utf-8"?>
+<file path=ppt/slides/slide9.xml><?xml version="1.0" encoding="utf-8"?>
 <p:sld xmlns:a="http://schemas.openxmlformats.org/drawingml/2006/main" xmlns:r="http://schemas.openxmlformats.org/officeDocument/2006/relationships" xmlns:p="http://schemas.openxmlformats.org/presentationml/2006/main">
   <p:cSld>
     <p:spTree>
@@ -11627,670 +12183,6 @@
     <p:extLst>
       <p:ext uri="{BB962C8B-B14F-4D97-AF65-F5344CB8AC3E}">
         <p14:creationId xmlns:p14="http://schemas.microsoft.com/office/powerpoint/2010/main" val="3749233082"/>
-      </p:ext>
-    </p:extLst>
-  </p:cSld>
-  <p:clrMapOvr>
-    <a:masterClrMapping/>
-  </p:clrMapOvr>
-</p:sld>
-</file>
-
-<file path=ppt/slides/slide9.xml><?xml version="1.0" encoding="utf-8"?>
-<p:sld xmlns:a="http://schemas.openxmlformats.org/drawingml/2006/main" xmlns:r="http://schemas.openxmlformats.org/officeDocument/2006/relationships" xmlns:p="http://schemas.openxmlformats.org/presentationml/2006/main">
-  <p:cSld>
-    <p:spTree>
-      <p:nvGrpSpPr>
-        <p:cNvPr id="1" name=""/>
-        <p:cNvGrpSpPr/>
-        <p:nvPr/>
-      </p:nvGrpSpPr>
-      <p:grpSpPr>
-        <a:xfrm>
-          <a:off x="0" y="0"/>
-          <a:ext cx="0" cy="0"/>
-          <a:chOff x="0" y="0"/>
-          <a:chExt cx="0" cy="0"/>
-        </a:xfrm>
-      </p:grpSpPr>
-      <p:sp>
-        <p:nvSpPr>
-          <p:cNvPr id="2" name="Titel 1">
-            <a:extLst>
-              <a:ext uri="{FF2B5EF4-FFF2-40B4-BE49-F238E27FC236}">
-                <a16:creationId xmlns:a16="http://schemas.microsoft.com/office/drawing/2014/main" id="{BD531336-1A28-5391-A234-001E13741834}"/>
-              </a:ext>
-            </a:extLst>
-          </p:cNvPr>
-          <p:cNvSpPr>
-            <a:spLocks noGrp="1"/>
-          </p:cNvSpPr>
-          <p:nvPr>
-            <p:ph type="title"/>
-          </p:nvPr>
-        </p:nvSpPr>
-        <p:spPr/>
-        <p:txBody>
-          <a:bodyPr/>
-          <a:lstStyle/>
-          <a:p>
-            <a:r>
-              <a:rPr lang="de-DE" dirty="0" err="1"/>
-              <a:t>Serve</a:t>
-            </a:r>
-            <a:r>
-              <a:rPr lang="de-DE" dirty="0"/>
-              <a:t> a </a:t>
-            </a:r>
-            <a:r>
-              <a:rPr lang="de-DE" dirty="0" err="1"/>
-              <a:t>static</a:t>
-            </a:r>
-            <a:r>
-              <a:rPr lang="de-DE" dirty="0"/>
-              <a:t> </a:t>
-            </a:r>
-            <a:r>
-              <a:rPr lang="de-DE" dirty="0" err="1"/>
-              <a:t>file</a:t>
-            </a:r>
-            <a:endParaRPr lang="de-DE" dirty="0"/>
-          </a:p>
-        </p:txBody>
-      </p:sp>
-      <p:sp>
-        <p:nvSpPr>
-          <p:cNvPr id="3" name="Inhaltsplatzhalter 2">
-            <a:extLst>
-              <a:ext uri="{FF2B5EF4-FFF2-40B4-BE49-F238E27FC236}">
-                <a16:creationId xmlns:a16="http://schemas.microsoft.com/office/drawing/2014/main" id="{A00525D1-C880-9B7B-BD27-E49FD761B6AD}"/>
-              </a:ext>
-            </a:extLst>
-          </p:cNvPr>
-          <p:cNvSpPr>
-            <a:spLocks noGrp="1"/>
-          </p:cNvSpPr>
-          <p:nvPr>
-            <p:ph idx="1"/>
-          </p:nvPr>
-        </p:nvSpPr>
-        <p:spPr/>
-        <p:txBody>
-          <a:bodyPr>
-            <a:normAutofit fontScale="92500"/>
-          </a:bodyPr>
-          <a:lstStyle/>
-          <a:p>
-            <a:pPr marL="0" indent="0">
-              <a:buNone/>
-            </a:pPr>
-            <a:r>
-              <a:rPr lang="de-DE" dirty="0" err="1"/>
-              <a:t>To</a:t>
-            </a:r>
-            <a:r>
-              <a:rPr lang="de-DE" dirty="0"/>
-              <a:t> </a:t>
-            </a:r>
-            <a:r>
-              <a:rPr lang="de-DE" dirty="0" err="1"/>
-              <a:t>serve</a:t>
-            </a:r>
-            <a:r>
-              <a:rPr lang="de-DE" dirty="0"/>
-              <a:t> </a:t>
-            </a:r>
-            <a:r>
-              <a:rPr lang="de-DE" dirty="0" err="1"/>
-              <a:t>static</a:t>
-            </a:r>
-            <a:r>
-              <a:rPr lang="de-DE" dirty="0"/>
-              <a:t> </a:t>
-            </a:r>
-            <a:r>
-              <a:rPr lang="de-DE" dirty="0" err="1"/>
-              <a:t>files</a:t>
-            </a:r>
-            <a:r>
-              <a:rPr lang="de-DE" dirty="0"/>
-              <a:t> </a:t>
-            </a:r>
-            <a:r>
-              <a:rPr lang="de-DE" dirty="0" err="1"/>
-              <a:t>you</a:t>
-            </a:r>
-            <a:r>
-              <a:rPr lang="de-DE" dirty="0"/>
-              <a:t> </a:t>
-            </a:r>
-            <a:r>
-              <a:rPr lang="de-DE" dirty="0" err="1"/>
-              <a:t>can</a:t>
-            </a:r>
-            <a:r>
-              <a:rPr lang="de-DE" dirty="0"/>
-              <a:t> </a:t>
-            </a:r>
-            <a:r>
-              <a:rPr lang="de-DE" dirty="0" err="1"/>
-              <a:t>use</a:t>
-            </a:r>
-            <a:r>
-              <a:rPr lang="de-DE" dirty="0"/>
-              <a:t> </a:t>
-            </a:r>
-            <a:r>
-              <a:rPr lang="de-DE" dirty="0" err="1"/>
-              <a:t>the</a:t>
-            </a:r>
-            <a:r>
-              <a:rPr lang="de-DE" dirty="0"/>
-              <a:t> </a:t>
-            </a:r>
-            <a:r>
-              <a:rPr lang="de-DE" dirty="0" err="1"/>
-              <a:t>actix</a:t>
-            </a:r>
-            <a:r>
-              <a:rPr lang="de-DE" dirty="0"/>
-              <a:t>-files </a:t>
-            </a:r>
-            <a:r>
-              <a:rPr lang="de-DE" dirty="0" err="1"/>
-              <a:t>crate</a:t>
-            </a:r>
-            <a:endParaRPr lang="de-DE" dirty="0"/>
-          </a:p>
-          <a:p>
-            <a:pPr marL="0" indent="0">
-              <a:buNone/>
-            </a:pPr>
-            <a:endParaRPr lang="de-DE" dirty="0"/>
-          </a:p>
-          <a:p>
-            <a:pPr marL="0" indent="0">
-              <a:buNone/>
-            </a:pPr>
-            <a:r>
-              <a:rPr lang="de-DE" dirty="0" err="1"/>
-              <a:t>You</a:t>
-            </a:r>
-            <a:r>
-              <a:rPr lang="de-DE" dirty="0"/>
-              <a:t> </a:t>
-            </a:r>
-            <a:r>
-              <a:rPr lang="de-DE" dirty="0" err="1"/>
-              <a:t>can</a:t>
-            </a:r>
-            <a:r>
-              <a:rPr lang="de-DE" dirty="0"/>
-              <a:t> </a:t>
-            </a:r>
-            <a:r>
-              <a:rPr lang="de-DE" dirty="0" err="1"/>
-              <a:t>use</a:t>
-            </a:r>
-            <a:r>
-              <a:rPr lang="de-DE" dirty="0"/>
-              <a:t> </a:t>
-            </a:r>
-            <a:r>
-              <a:rPr lang="de-DE" dirty="0" err="1"/>
-              <a:t>the</a:t>
-            </a:r>
-            <a:r>
-              <a:rPr lang="de-DE" dirty="0"/>
-              <a:t> </a:t>
-            </a:r>
-            <a:r>
-              <a:rPr lang="de-DE" dirty="0" err="1"/>
-              <a:t>extraction</a:t>
-            </a:r>
-            <a:r>
-              <a:rPr lang="de-DE" dirty="0"/>
-              <a:t> </a:t>
-            </a:r>
-            <a:r>
-              <a:rPr lang="de-DE" dirty="0" err="1"/>
-              <a:t>pattern</a:t>
-            </a:r>
-            <a:r>
-              <a:rPr lang="de-DE" dirty="0"/>
-              <a:t> </a:t>
-            </a:r>
-            <a:r>
-              <a:rPr lang="de-DE" dirty="0" err="1"/>
-              <a:t>provided</a:t>
-            </a:r>
-            <a:r>
-              <a:rPr lang="de-DE" dirty="0"/>
-              <a:t> </a:t>
-            </a:r>
-            <a:r>
-              <a:rPr lang="de-DE" dirty="0" err="1"/>
-              <a:t>for</a:t>
-            </a:r>
-            <a:r>
-              <a:rPr lang="de-DE" dirty="0"/>
-              <a:t> </a:t>
-            </a:r>
-            <a:r>
-              <a:rPr lang="de-DE"/>
-              <a:t>requests:</a:t>
-            </a:r>
-            <a:endParaRPr lang="de-DE" dirty="0"/>
-          </a:p>
-          <a:p>
-            <a:pPr marL="0" indent="0">
-              <a:buNone/>
-            </a:pPr>
-            <a:r>
-              <a:rPr lang="de-AT" b="0" dirty="0">
-                <a:solidFill>
-                  <a:srgbClr val="CE9178"/>
-                </a:solidFill>
-                <a:effectLst/>
-                <a:latin typeface="Menlo" panose="020B0609030804020204" pitchFamily="49" charset="0"/>
-              </a:rPr>
-              <a:t>"/{</a:t>
-            </a:r>
-            <a:r>
-              <a:rPr lang="de-AT" b="0" dirty="0" err="1">
-                <a:solidFill>
-                  <a:srgbClr val="CE9178"/>
-                </a:solidFill>
-                <a:effectLst/>
-                <a:latin typeface="Menlo" panose="020B0609030804020204" pitchFamily="49" charset="0"/>
-              </a:rPr>
-              <a:t>filename</a:t>
-            </a:r>
-            <a:r>
-              <a:rPr lang="de-AT" b="0" dirty="0">
-                <a:solidFill>
-                  <a:srgbClr val="CE9178"/>
-                </a:solidFill>
-                <a:effectLst/>
-                <a:latin typeface="Menlo" panose="020B0609030804020204" pitchFamily="49" charset="0"/>
-              </a:rPr>
-              <a:t>}"</a:t>
-            </a:r>
-            <a:endParaRPr lang="de-AT" b="0" dirty="0">
-              <a:solidFill>
-                <a:srgbClr val="CCCCCC"/>
-              </a:solidFill>
-              <a:effectLst/>
-              <a:latin typeface="Menlo" panose="020B0609030804020204" pitchFamily="49" charset="0"/>
-            </a:endParaRPr>
-          </a:p>
-          <a:p>
-            <a:pPr marL="0" indent="0">
-              <a:buNone/>
-            </a:pPr>
-            <a:r>
-              <a:rPr lang="de-DE" dirty="0"/>
-              <a:t> </a:t>
-            </a:r>
-          </a:p>
-          <a:p>
-            <a:pPr marL="0" indent="0">
-              <a:buNone/>
-            </a:pPr>
-            <a:r>
-              <a:rPr lang="de-DE" dirty="0" err="1"/>
-              <a:t>Extraction</a:t>
-            </a:r>
-            <a:r>
-              <a:rPr lang="de-DE" dirty="0"/>
-              <a:t> </a:t>
-            </a:r>
-            <a:r>
-              <a:rPr lang="de-DE" dirty="0" err="1"/>
-              <a:t>example</a:t>
-            </a:r>
-            <a:r>
-              <a:rPr lang="de-DE" dirty="0"/>
-              <a:t>:</a:t>
-            </a:r>
-          </a:p>
-          <a:p>
-            <a:pPr marL="0" indent="0">
-              <a:buNone/>
-            </a:pPr>
-            <a:r>
-              <a:rPr lang="de-AT" b="0" dirty="0" err="1">
-                <a:solidFill>
-                  <a:srgbClr val="569CD6"/>
-                </a:solidFill>
-                <a:effectLst/>
-                <a:latin typeface="Menlo" panose="020B0609030804020204" pitchFamily="49" charset="0"/>
-              </a:rPr>
-              <a:t>fn</a:t>
-            </a:r>
-            <a:r>
-              <a:rPr lang="de-AT" b="0" dirty="0">
-                <a:solidFill>
-                  <a:srgbClr val="CCCCCC"/>
-                </a:solidFill>
-                <a:effectLst/>
-                <a:latin typeface="Menlo" panose="020B0609030804020204" pitchFamily="49" charset="0"/>
-              </a:rPr>
-              <a:t> </a:t>
-            </a:r>
-            <a:r>
-              <a:rPr lang="de-AT" b="0" dirty="0" err="1">
-                <a:solidFill>
-                  <a:srgbClr val="DCDCAA"/>
-                </a:solidFill>
-                <a:effectLst/>
-                <a:latin typeface="Menlo" panose="020B0609030804020204" pitchFamily="49" charset="0"/>
-              </a:rPr>
-              <a:t>extract</a:t>
-            </a:r>
-            <a:r>
-              <a:rPr lang="de-AT" b="0" dirty="0">
-                <a:solidFill>
-                  <a:srgbClr val="CCCCCC"/>
-                </a:solidFill>
-                <a:effectLst/>
-                <a:latin typeface="Menlo" panose="020B0609030804020204" pitchFamily="49" charset="0"/>
-              </a:rPr>
-              <a:t>(</a:t>
-            </a:r>
-            <a:r>
-              <a:rPr lang="de-AT" b="0" dirty="0" err="1">
-                <a:solidFill>
-                  <a:srgbClr val="9CDCFE"/>
-                </a:solidFill>
-                <a:effectLst/>
-                <a:latin typeface="Menlo" panose="020B0609030804020204" pitchFamily="49" charset="0"/>
-              </a:rPr>
-              <a:t>req</a:t>
-            </a:r>
-            <a:r>
-              <a:rPr lang="de-AT" b="0" dirty="0">
-                <a:solidFill>
-                  <a:srgbClr val="D4D4D4"/>
-                </a:solidFill>
-                <a:effectLst/>
-                <a:latin typeface="Menlo" panose="020B0609030804020204" pitchFamily="49" charset="0"/>
-              </a:rPr>
-              <a:t>:</a:t>
-            </a:r>
-            <a:r>
-              <a:rPr lang="de-AT" b="0" dirty="0">
-                <a:solidFill>
-                  <a:srgbClr val="CCCCCC"/>
-                </a:solidFill>
-                <a:effectLst/>
-                <a:latin typeface="Menlo" panose="020B0609030804020204" pitchFamily="49" charset="0"/>
-              </a:rPr>
-              <a:t> </a:t>
-            </a:r>
-            <a:r>
-              <a:rPr lang="de-AT" b="0" dirty="0" err="1">
-                <a:solidFill>
-                  <a:srgbClr val="4EC9B0"/>
-                </a:solidFill>
-                <a:effectLst/>
-                <a:latin typeface="Menlo" panose="020B0609030804020204" pitchFamily="49" charset="0"/>
-              </a:rPr>
-              <a:t>HttpRequest</a:t>
-            </a:r>
-            <a:r>
-              <a:rPr lang="de-AT" b="0" dirty="0">
-                <a:solidFill>
-                  <a:srgbClr val="CCCCCC"/>
-                </a:solidFill>
-                <a:effectLst/>
-                <a:latin typeface="Menlo" panose="020B0609030804020204" pitchFamily="49" charset="0"/>
-              </a:rPr>
-              <a:t>) </a:t>
-            </a:r>
-            <a:r>
-              <a:rPr lang="de-AT" b="0" dirty="0">
-                <a:solidFill>
-                  <a:srgbClr val="D4D4D4"/>
-                </a:solidFill>
-                <a:effectLst/>
-                <a:latin typeface="Menlo" panose="020B0609030804020204" pitchFamily="49" charset="0"/>
-              </a:rPr>
-              <a:t>-&gt;</a:t>
-            </a:r>
-            <a:r>
-              <a:rPr lang="de-AT" b="0" dirty="0">
-                <a:solidFill>
-                  <a:srgbClr val="CCCCCC"/>
-                </a:solidFill>
-                <a:effectLst/>
-                <a:latin typeface="Menlo" panose="020B0609030804020204" pitchFamily="49" charset="0"/>
-              </a:rPr>
-              <a:t> </a:t>
-            </a:r>
-            <a:r>
-              <a:rPr lang="de-AT" b="0" dirty="0" err="1">
-                <a:solidFill>
-                  <a:srgbClr val="569CD6"/>
-                </a:solidFill>
-                <a:effectLst/>
-                <a:latin typeface="Menlo" panose="020B0609030804020204" pitchFamily="49" charset="0"/>
-              </a:rPr>
-              <a:t>impl</a:t>
-            </a:r>
-            <a:r>
-              <a:rPr lang="de-AT" b="0" dirty="0">
-                <a:solidFill>
-                  <a:srgbClr val="CCCCCC"/>
-                </a:solidFill>
-                <a:effectLst/>
-                <a:latin typeface="Menlo" panose="020B0609030804020204" pitchFamily="49" charset="0"/>
-              </a:rPr>
-              <a:t> </a:t>
-            </a:r>
-            <a:r>
-              <a:rPr lang="de-AT" b="0" dirty="0">
-                <a:solidFill>
-                  <a:srgbClr val="4EC9B0"/>
-                </a:solidFill>
-                <a:effectLst/>
-                <a:latin typeface="Menlo" panose="020B0609030804020204" pitchFamily="49" charset="0"/>
-              </a:rPr>
-              <a:t>Responder</a:t>
-            </a:r>
-            <a:r>
-              <a:rPr lang="de-AT" b="0" dirty="0">
-                <a:solidFill>
-                  <a:srgbClr val="CCCCCC"/>
-                </a:solidFill>
-                <a:effectLst/>
-                <a:latin typeface="Menlo" panose="020B0609030804020204" pitchFamily="49" charset="0"/>
-              </a:rPr>
-              <a:t> {</a:t>
-            </a:r>
-          </a:p>
-          <a:p>
-            <a:pPr marL="0" indent="0">
-              <a:buNone/>
-            </a:pPr>
-            <a:r>
-              <a:rPr lang="de-AT" b="0" dirty="0">
-                <a:solidFill>
-                  <a:srgbClr val="9CDCFE"/>
-                </a:solidFill>
-                <a:effectLst/>
-                <a:latin typeface="Menlo" panose="020B0609030804020204" pitchFamily="49" charset="0"/>
-              </a:rPr>
-              <a:t>	</a:t>
-            </a:r>
-            <a:r>
-              <a:rPr lang="de-AT" b="0" dirty="0" err="1">
-                <a:solidFill>
-                  <a:srgbClr val="9CDCFE"/>
-                </a:solidFill>
-                <a:effectLst/>
-                <a:latin typeface="Menlo" panose="020B0609030804020204" pitchFamily="49" charset="0"/>
-              </a:rPr>
-              <a:t>req</a:t>
-            </a:r>
-            <a:r>
-              <a:rPr lang="de-AT" b="0" dirty="0" err="1">
-                <a:solidFill>
-                  <a:srgbClr val="D4D4D4"/>
-                </a:solidFill>
-                <a:effectLst/>
-                <a:latin typeface="Menlo" panose="020B0609030804020204" pitchFamily="49" charset="0"/>
-              </a:rPr>
-              <a:t>.</a:t>
-            </a:r>
-            <a:r>
-              <a:rPr lang="de-AT" b="0" dirty="0" err="1">
-                <a:solidFill>
-                  <a:srgbClr val="DCDCAA"/>
-                </a:solidFill>
-                <a:effectLst/>
-                <a:latin typeface="Menlo" panose="020B0609030804020204" pitchFamily="49" charset="0"/>
-              </a:rPr>
-              <a:t>match_info</a:t>
-            </a:r>
-            <a:r>
-              <a:rPr lang="de-AT" b="0" dirty="0">
-                <a:solidFill>
-                  <a:srgbClr val="CCCCCC"/>
-                </a:solidFill>
-                <a:effectLst/>
-                <a:latin typeface="Menlo" panose="020B0609030804020204" pitchFamily="49" charset="0"/>
-              </a:rPr>
-              <a:t>()</a:t>
-            </a:r>
-            <a:r>
-              <a:rPr lang="de-AT" b="0" dirty="0">
-                <a:solidFill>
-                  <a:srgbClr val="D4D4D4"/>
-                </a:solidFill>
-                <a:effectLst/>
-                <a:latin typeface="Menlo" panose="020B0609030804020204" pitchFamily="49" charset="0"/>
-              </a:rPr>
-              <a:t>.</a:t>
-            </a:r>
-            <a:r>
-              <a:rPr lang="de-AT" b="0" dirty="0" err="1">
-                <a:solidFill>
-                  <a:srgbClr val="DCDCAA"/>
-                </a:solidFill>
-                <a:effectLst/>
-                <a:latin typeface="Menlo" panose="020B0609030804020204" pitchFamily="49" charset="0"/>
-              </a:rPr>
-              <a:t>query</a:t>
-            </a:r>
-            <a:r>
-              <a:rPr lang="de-AT" b="0" dirty="0">
-                <a:solidFill>
-                  <a:srgbClr val="CCCCCC"/>
-                </a:solidFill>
-                <a:effectLst/>
-                <a:latin typeface="Menlo" panose="020B0609030804020204" pitchFamily="49" charset="0"/>
-              </a:rPr>
-              <a:t>(</a:t>
-            </a:r>
-            <a:r>
-              <a:rPr lang="de-AT" b="0" dirty="0">
-                <a:solidFill>
-                  <a:srgbClr val="CE9178"/>
-                </a:solidFill>
-                <a:effectLst/>
-                <a:latin typeface="Menlo" panose="020B0609030804020204" pitchFamily="49" charset="0"/>
-              </a:rPr>
-              <a:t>"</a:t>
-            </a:r>
-            <a:r>
-              <a:rPr lang="de-AT" b="0" dirty="0" err="1">
-                <a:solidFill>
-                  <a:srgbClr val="CE9178"/>
-                </a:solidFill>
-                <a:effectLst/>
-                <a:latin typeface="Menlo" panose="020B0609030804020204" pitchFamily="49" charset="0"/>
-              </a:rPr>
-              <a:t>filename</a:t>
-            </a:r>
-            <a:r>
-              <a:rPr lang="de-AT" b="0" dirty="0">
-                <a:solidFill>
-                  <a:srgbClr val="CE9178"/>
-                </a:solidFill>
-                <a:effectLst/>
-                <a:latin typeface="Menlo" panose="020B0609030804020204" pitchFamily="49" charset="0"/>
-              </a:rPr>
-              <a:t>"</a:t>
-            </a:r>
-            <a:r>
-              <a:rPr lang="de-AT" b="0" dirty="0">
-                <a:solidFill>
-                  <a:srgbClr val="CCCCCC"/>
-                </a:solidFill>
-                <a:effectLst/>
-                <a:latin typeface="Menlo" panose="020B0609030804020204" pitchFamily="49" charset="0"/>
-              </a:rPr>
-              <a:t>)</a:t>
-            </a:r>
-            <a:r>
-              <a:rPr lang="de-AT" b="0" dirty="0">
-                <a:solidFill>
-                  <a:srgbClr val="D4D4D4"/>
-                </a:solidFill>
-                <a:effectLst/>
-                <a:latin typeface="Menlo" panose="020B0609030804020204" pitchFamily="49" charset="0"/>
-              </a:rPr>
-              <a:t>.</a:t>
-            </a:r>
-            <a:r>
-              <a:rPr lang="de-AT" b="0" dirty="0" err="1">
-                <a:solidFill>
-                  <a:srgbClr val="DCDCAA"/>
-                </a:solidFill>
-                <a:effectLst/>
-                <a:latin typeface="Menlo" panose="020B0609030804020204" pitchFamily="49" charset="0"/>
-              </a:rPr>
-              <a:t>to_string</a:t>
-            </a:r>
-            <a:r>
-              <a:rPr lang="de-AT" b="0" dirty="0">
-                <a:solidFill>
-                  <a:srgbClr val="CCCCCC"/>
-                </a:solidFill>
-                <a:effectLst/>
-                <a:latin typeface="Menlo" panose="020B0609030804020204" pitchFamily="49" charset="0"/>
-              </a:rPr>
-              <a:t>()</a:t>
-            </a:r>
-          </a:p>
-          <a:p>
-            <a:pPr marL="0" indent="0">
-              <a:buNone/>
-            </a:pPr>
-            <a:r>
-              <a:rPr lang="de-AT" b="0" dirty="0">
-                <a:solidFill>
-                  <a:srgbClr val="CCCCCC"/>
-                </a:solidFill>
-                <a:effectLst/>
-                <a:latin typeface="Menlo" panose="020B0609030804020204" pitchFamily="49" charset="0"/>
-              </a:rPr>
-              <a:t>}</a:t>
-            </a:r>
-          </a:p>
-          <a:p>
-            <a:pPr marL="0" indent="0">
-              <a:buNone/>
-            </a:pPr>
-            <a:endParaRPr lang="de-DE" dirty="0"/>
-          </a:p>
-        </p:txBody>
-      </p:sp>
-    </p:spTree>
-    <p:extLst>
-      <p:ext uri="{BB962C8B-B14F-4D97-AF65-F5344CB8AC3E}">
-        <p14:creationId xmlns:p14="http://schemas.microsoft.com/office/powerpoint/2010/main" val="1739863893"/>
       </p:ext>
     </p:extLst>
   </p:cSld>

--- a/Pres.pptx
+++ b/Pres.pptx
@@ -14,12 +14,11 @@
     <p:sldId id="268" r:id="rId8"/>
     <p:sldId id="265" r:id="rId9"/>
     <p:sldId id="267" r:id="rId10"/>
-    <p:sldId id="269" r:id="rId11"/>
-    <p:sldId id="270" r:id="rId12"/>
-    <p:sldId id="271" r:id="rId13"/>
-    <p:sldId id="272" r:id="rId14"/>
-    <p:sldId id="258" r:id="rId15"/>
-    <p:sldId id="273" r:id="rId16"/>
+    <p:sldId id="276" r:id="rId11"/>
+    <p:sldId id="271" r:id="rId12"/>
+    <p:sldId id="272" r:id="rId13"/>
+    <p:sldId id="258" r:id="rId14"/>
+    <p:sldId id="273" r:id="rId15"/>
   </p:sldIdLst>
   <p:sldSz cx="12192000" cy="6858000"/>
   <p:notesSz cx="6858000" cy="9144000"/>
@@ -5661,7 +5660,7 @@
           <p:cNvPr id="2" name="Titel 1">
             <a:extLst>
               <a:ext uri="{FF2B5EF4-FFF2-40B4-BE49-F238E27FC236}">
-                <a16:creationId xmlns:a16="http://schemas.microsoft.com/office/drawing/2014/main" id="{BD531336-1A28-5391-A234-001E13741834}"/>
+                <a16:creationId xmlns:a16="http://schemas.microsoft.com/office/drawing/2014/main" id="{E00DC508-FB0F-5FFB-9F5A-7406A10FCDC9}"/>
               </a:ext>
             </a:extLst>
           </p:cNvPr>
@@ -5695,7 +5694,7 @@
             </a:r>
             <a:r>
               <a:rPr lang="de-DE" dirty="0" err="1"/>
-              <a:t>file</a:t>
+              <a:t>files</a:t>
             </a:r>
             <a:endParaRPr lang="de-DE" dirty="0"/>
           </a:p>
@@ -5706,7 +5705,7 @@
           <p:cNvPr id="3" name="Inhaltsplatzhalter 2">
             <a:extLst>
               <a:ext uri="{FF2B5EF4-FFF2-40B4-BE49-F238E27FC236}">
-                <a16:creationId xmlns:a16="http://schemas.microsoft.com/office/drawing/2014/main" id="{A00525D1-C880-9B7B-BD27-E49FD761B6AD}"/>
+                <a16:creationId xmlns:a16="http://schemas.microsoft.com/office/drawing/2014/main" id="{961BB639-1270-6FC3-AC96-239D018F1820}"/>
               </a:ext>
             </a:extLst>
           </p:cNvPr>
@@ -5720,208 +5719,16 @@
         <p:spPr/>
         <p:txBody>
           <a:bodyPr>
-            <a:normAutofit fontScale="92500"/>
+            <a:normAutofit lnSpcReduction="10000"/>
           </a:bodyPr>
           <a:lstStyle/>
           <a:p>
             <a:pPr marL="0" indent="0">
               <a:buNone/>
             </a:pPr>
-            <a:r>
-              <a:rPr lang="de-DE" dirty="0" err="1"/>
-              <a:t>To</a:t>
-            </a:r>
-            <a:r>
-              <a:rPr lang="de-DE" dirty="0"/>
-              <a:t> </a:t>
-            </a:r>
-            <a:r>
-              <a:rPr lang="de-DE" dirty="0" err="1"/>
-              <a:t>serve</a:t>
-            </a:r>
-            <a:r>
-              <a:rPr lang="de-DE" dirty="0"/>
-              <a:t> </a:t>
-            </a:r>
-            <a:r>
-              <a:rPr lang="de-DE" dirty="0" err="1"/>
-              <a:t>static</a:t>
-            </a:r>
-            <a:r>
-              <a:rPr lang="de-DE" dirty="0"/>
-              <a:t> </a:t>
-            </a:r>
-            <a:r>
-              <a:rPr lang="de-DE" dirty="0" err="1"/>
-              <a:t>files</a:t>
-            </a:r>
-            <a:r>
-              <a:rPr lang="de-DE" dirty="0"/>
-              <a:t> </a:t>
-            </a:r>
-            <a:r>
-              <a:rPr lang="de-DE" dirty="0" err="1"/>
-              <a:t>you</a:t>
-            </a:r>
-            <a:r>
-              <a:rPr lang="de-DE" dirty="0"/>
-              <a:t> </a:t>
-            </a:r>
-            <a:r>
-              <a:rPr lang="de-DE" dirty="0" err="1"/>
-              <a:t>can</a:t>
-            </a:r>
-            <a:r>
-              <a:rPr lang="de-DE" dirty="0"/>
-              <a:t> </a:t>
-            </a:r>
-            <a:r>
-              <a:rPr lang="de-DE" dirty="0" err="1"/>
-              <a:t>use</a:t>
-            </a:r>
-            <a:r>
-              <a:rPr lang="de-DE" dirty="0"/>
-              <a:t> </a:t>
-            </a:r>
-            <a:r>
-              <a:rPr lang="de-DE" dirty="0" err="1"/>
-              <a:t>the</a:t>
-            </a:r>
-            <a:r>
-              <a:rPr lang="de-DE" dirty="0"/>
-              <a:t> </a:t>
-            </a:r>
-            <a:r>
-              <a:rPr lang="de-DE" dirty="0" err="1"/>
-              <a:t>actix</a:t>
-            </a:r>
-            <a:r>
-              <a:rPr lang="de-DE" dirty="0"/>
-              <a:t>-files </a:t>
-            </a:r>
-            <a:r>
-              <a:rPr lang="de-DE" dirty="0" err="1"/>
-              <a:t>crate</a:t>
-            </a:r>
-            <a:endParaRPr lang="de-DE" dirty="0"/>
-          </a:p>
-          <a:p>
-            <a:pPr marL="0" indent="0">
-              <a:buNone/>
-            </a:pPr>
-            <a:endParaRPr lang="de-DE" dirty="0"/>
-          </a:p>
-          <a:p>
-            <a:pPr marL="0" indent="0">
-              <a:buNone/>
-            </a:pPr>
-            <a:r>
-              <a:rPr lang="de-DE" dirty="0" err="1"/>
-              <a:t>You</a:t>
-            </a:r>
-            <a:r>
-              <a:rPr lang="de-DE" dirty="0"/>
-              <a:t> </a:t>
-            </a:r>
-            <a:r>
-              <a:rPr lang="de-DE" dirty="0" err="1"/>
-              <a:t>can</a:t>
-            </a:r>
-            <a:r>
-              <a:rPr lang="de-DE" dirty="0"/>
-              <a:t> </a:t>
-            </a:r>
-            <a:r>
-              <a:rPr lang="de-DE" dirty="0" err="1"/>
-              <a:t>use</a:t>
-            </a:r>
-            <a:r>
-              <a:rPr lang="de-DE" dirty="0"/>
-              <a:t> </a:t>
-            </a:r>
-            <a:r>
-              <a:rPr lang="de-DE" dirty="0" err="1"/>
-              <a:t>the</a:t>
-            </a:r>
-            <a:r>
-              <a:rPr lang="de-DE" dirty="0"/>
-              <a:t> </a:t>
-            </a:r>
-            <a:r>
-              <a:rPr lang="de-DE" dirty="0" err="1"/>
-              <a:t>extraction</a:t>
-            </a:r>
-            <a:r>
-              <a:rPr lang="de-DE" dirty="0"/>
-              <a:t> </a:t>
-            </a:r>
-            <a:r>
-              <a:rPr lang="de-DE" dirty="0" err="1"/>
-              <a:t>pattern</a:t>
-            </a:r>
-            <a:r>
-              <a:rPr lang="de-DE" dirty="0"/>
-              <a:t> </a:t>
-            </a:r>
-            <a:r>
-              <a:rPr lang="de-DE" dirty="0" err="1"/>
-              <a:t>provided</a:t>
-            </a:r>
-            <a:r>
-              <a:rPr lang="de-DE" dirty="0"/>
-              <a:t> </a:t>
-            </a:r>
-            <a:r>
-              <a:rPr lang="de-DE" dirty="0" err="1"/>
-              <a:t>for</a:t>
-            </a:r>
-            <a:r>
-              <a:rPr lang="de-DE" dirty="0"/>
-              <a:t> </a:t>
-            </a:r>
-            <a:r>
-              <a:rPr lang="de-DE"/>
-              <a:t>requests:</a:t>
-            </a:r>
-            <a:endParaRPr lang="de-DE" dirty="0"/>
-          </a:p>
-          <a:p>
-            <a:pPr marL="0" indent="0">
-              <a:buNone/>
-            </a:pPr>
-            <a:r>
-              <a:rPr lang="de-AT" b="0" dirty="0">
-                <a:solidFill>
-                  <a:srgbClr val="CE9178"/>
-                </a:solidFill>
-                <a:effectLst/>
-                <a:latin typeface="Menlo" panose="020B0609030804020204" pitchFamily="49" charset="0"/>
-              </a:rPr>
-              <a:t>"/{</a:t>
-            </a:r>
-            <a:r>
-              <a:rPr lang="de-AT" b="0" dirty="0" err="1">
-                <a:solidFill>
-                  <a:srgbClr val="CE9178"/>
-                </a:solidFill>
-                <a:effectLst/>
-                <a:latin typeface="Menlo" panose="020B0609030804020204" pitchFamily="49" charset="0"/>
-              </a:rPr>
-              <a:t>filename</a:t>
-            </a:r>
-            <a:r>
-              <a:rPr lang="de-AT" b="0" dirty="0">
-                <a:solidFill>
-                  <a:srgbClr val="CE9178"/>
-                </a:solidFill>
-                <a:effectLst/>
-                <a:latin typeface="Menlo" panose="020B0609030804020204" pitchFamily="49" charset="0"/>
-              </a:rPr>
-              <a:t>}"</a:t>
-            </a:r>
-            <a:endParaRPr lang="de-AT" b="0" dirty="0">
+            <a:endParaRPr lang="de-AT" sz="1800" b="0" dirty="0">
               <a:solidFill>
-                <a:srgbClr val="CCCCCC"/>
+                <a:srgbClr val="D4D4D4"/>
               </a:solidFill>
               <a:effectLst/>
               <a:latin typeface="Menlo" panose="020B0609030804020204" pitchFamily="49" charset="0"/>
@@ -5932,28 +5739,188 @@
               <a:buNone/>
             </a:pPr>
             <a:r>
-              <a:rPr lang="de-DE" dirty="0"/>
+              <a:rPr lang="de-DE" sz="1800" dirty="0" err="1"/>
+              <a:t>To</a:t>
+            </a:r>
+            <a:r>
+              <a:rPr lang="de-DE" sz="1800" dirty="0"/>
               <a:t> </a:t>
             </a:r>
+            <a:r>
+              <a:rPr lang="de-DE" sz="1800" dirty="0" err="1"/>
+              <a:t>serve</a:t>
+            </a:r>
+            <a:r>
+              <a:rPr lang="de-DE" sz="1800" dirty="0"/>
+              <a:t> </a:t>
+            </a:r>
+            <a:r>
+              <a:rPr lang="de-DE" sz="1800" dirty="0" err="1"/>
+              <a:t>static</a:t>
+            </a:r>
+            <a:r>
+              <a:rPr lang="de-DE" sz="1800" dirty="0"/>
+              <a:t> </a:t>
+            </a:r>
+            <a:r>
+              <a:rPr lang="de-DE" sz="1800" dirty="0" err="1"/>
+              <a:t>files</a:t>
+            </a:r>
+            <a:r>
+              <a:rPr lang="de-DE" sz="1800" dirty="0"/>
+              <a:t> </a:t>
+            </a:r>
+            <a:r>
+              <a:rPr lang="de-DE" sz="1800" dirty="0" err="1"/>
+              <a:t>you</a:t>
+            </a:r>
+            <a:r>
+              <a:rPr lang="de-DE" sz="1800" dirty="0"/>
+              <a:t> </a:t>
+            </a:r>
+            <a:r>
+              <a:rPr lang="de-DE" sz="1800" dirty="0" err="1"/>
+              <a:t>can</a:t>
+            </a:r>
+            <a:r>
+              <a:rPr lang="de-DE" sz="1800" dirty="0"/>
+              <a:t> </a:t>
+            </a:r>
+            <a:r>
+              <a:rPr lang="de-DE" sz="1800" dirty="0" err="1"/>
+              <a:t>use</a:t>
+            </a:r>
+            <a:r>
+              <a:rPr lang="de-DE" sz="1800" dirty="0"/>
+              <a:t> </a:t>
+            </a:r>
+            <a:r>
+              <a:rPr lang="de-DE" sz="1800" dirty="0" err="1"/>
+              <a:t>the</a:t>
+            </a:r>
+            <a:r>
+              <a:rPr lang="de-DE" sz="1800" dirty="0"/>
+              <a:t> </a:t>
+            </a:r>
+            <a:r>
+              <a:rPr lang="de-DE" sz="1800" dirty="0" err="1"/>
+              <a:t>actix</a:t>
+            </a:r>
+            <a:r>
+              <a:rPr lang="de-DE" sz="1800" dirty="0"/>
+              <a:t>-files </a:t>
+            </a:r>
+            <a:r>
+              <a:rPr lang="de-DE" sz="1800" dirty="0" err="1"/>
+              <a:t>crate</a:t>
+            </a:r>
+            <a:endParaRPr lang="de-DE" sz="1800" dirty="0"/>
           </a:p>
           <a:p>
             <a:pPr marL="0" indent="0">
               <a:buNone/>
             </a:pPr>
-            <a:r>
-              <a:rPr lang="de-DE" dirty="0" err="1"/>
-              <a:t>Extraction</a:t>
-            </a:r>
-            <a:r>
-              <a:rPr lang="de-DE" dirty="0"/>
+            <a:endParaRPr lang="de-DE" sz="1800" dirty="0"/>
+          </a:p>
+          <a:p>
+            <a:pPr marL="0" indent="0">
+              <a:buNone/>
+            </a:pPr>
+            <a:r>
+              <a:rPr lang="de-DE" sz="1800" dirty="0" err="1"/>
+              <a:t>Cargo.toml</a:t>
+            </a:r>
+            <a:r>
+              <a:rPr lang="de-DE" sz="1800" dirty="0"/>
+              <a:t>:</a:t>
+            </a:r>
+          </a:p>
+          <a:p>
+            <a:pPr marL="0" indent="0">
+              <a:buNone/>
+            </a:pPr>
+            <a:r>
+              <a:rPr lang="de-DE" sz="1800" dirty="0">
+                <a:solidFill>
+                  <a:schemeClr val="bg2">
+                    <a:lumMod val="75000"/>
+                  </a:schemeClr>
+                </a:solidFill>
+              </a:rPr>
+              <a:t>[</a:t>
+            </a:r>
+            <a:r>
+              <a:rPr lang="de-DE" sz="1800" dirty="0" err="1">
+                <a:solidFill>
+                  <a:schemeClr val="bg2">
+                    <a:lumMod val="75000"/>
+                  </a:schemeClr>
+                </a:solidFill>
+              </a:rPr>
+              <a:t>dependencies</a:t>
+            </a:r>
+            <a:r>
+              <a:rPr lang="de-DE" sz="1800" dirty="0">
+                <a:solidFill>
+                  <a:schemeClr val="bg2">
+                    <a:lumMod val="75000"/>
+                  </a:schemeClr>
+                </a:solidFill>
+              </a:rPr>
+              <a:t>]</a:t>
+            </a:r>
+          </a:p>
+          <a:p>
+            <a:pPr marL="0" indent="0">
+              <a:buNone/>
+            </a:pPr>
+            <a:r>
+              <a:rPr lang="de-DE" sz="1800" dirty="0" err="1">
+                <a:solidFill>
+                  <a:schemeClr val="bg2">
+                    <a:lumMod val="75000"/>
+                  </a:schemeClr>
+                </a:solidFill>
+              </a:rPr>
+              <a:t>actix</a:t>
+            </a:r>
+            <a:r>
+              <a:rPr lang="de-DE" sz="1800" dirty="0">
+                <a:solidFill>
+                  <a:schemeClr val="bg2">
+                    <a:lumMod val="75000"/>
+                  </a:schemeClr>
+                </a:solidFill>
+              </a:rPr>
+              <a:t>-files = "0.6.2"</a:t>
+            </a:r>
+          </a:p>
+          <a:p>
+            <a:pPr marL="0" indent="0">
+              <a:buNone/>
+            </a:pPr>
+            <a:endParaRPr lang="de-DE" sz="1800" dirty="0">
+              <a:solidFill>
+                <a:schemeClr val="bg2">
+                  <a:lumMod val="75000"/>
+                </a:schemeClr>
+              </a:solidFill>
+            </a:endParaRPr>
+          </a:p>
+          <a:p>
+            <a:pPr marL="0" indent="0">
+              <a:buNone/>
+            </a:pPr>
+            <a:r>
+              <a:rPr lang="de-DE" sz="1800" dirty="0"/>
               <a:t> </a:t>
             </a:r>
             <a:r>
-              <a:rPr lang="de-DE" dirty="0" err="1"/>
-              <a:t>example</a:t>
-            </a:r>
-            <a:r>
-              <a:rPr lang="de-DE" dirty="0"/>
+              <a:rPr lang="de-DE" sz="1800" dirty="0" err="1"/>
+              <a:t>Example</a:t>
+            </a:r>
+            <a:r>
+              <a:rPr lang="de-DE" sz="1800" dirty="0"/>
               <a:t>:</a:t>
             </a:r>
           </a:p>
@@ -5961,38 +5928,114 @@
             <a:pPr marL="0" indent="0">
               <a:buNone/>
             </a:pPr>
-            <a:r>
-              <a:rPr lang="de-AT" b="0" dirty="0" err="1">
-                <a:solidFill>
-                  <a:srgbClr val="569CD6"/>
-                </a:solidFill>
-                <a:effectLst/>
-                <a:latin typeface="Menlo" panose="020B0609030804020204" pitchFamily="49" charset="0"/>
-              </a:rPr>
-              <a:t>fn</a:t>
-            </a:r>
-            <a:r>
-              <a:rPr lang="de-AT" b="0" dirty="0">
+            <a:endParaRPr lang="de-AT" sz="1800" dirty="0">
+              <a:solidFill>
+                <a:srgbClr val="D4D4D4"/>
+              </a:solidFill>
+              <a:latin typeface="Menlo" panose="020B0609030804020204" pitchFamily="49" charset="0"/>
+            </a:endParaRPr>
+          </a:p>
+          <a:p>
+            <a:pPr marL="0" indent="0">
+              <a:buNone/>
+            </a:pPr>
+            <a:r>
+              <a:rPr lang="de-AT" sz="1800" b="0" dirty="0">
+                <a:solidFill>
+                  <a:srgbClr val="D4D4D4"/>
+                </a:solidFill>
+                <a:effectLst/>
+                <a:latin typeface="Menlo" panose="020B0609030804020204" pitchFamily="49" charset="0"/>
+              </a:rPr>
+              <a:t>.</a:t>
+            </a:r>
+            <a:r>
+              <a:rPr lang="de-AT" sz="1800" b="0" dirty="0" err="1">
+                <a:solidFill>
+                  <a:srgbClr val="DCDCAA"/>
+                </a:solidFill>
+                <a:effectLst/>
+                <a:latin typeface="Menlo" panose="020B0609030804020204" pitchFamily="49" charset="0"/>
+              </a:rPr>
+              <a:t>service</a:t>
+            </a:r>
+            <a:r>
+              <a:rPr lang="de-AT" sz="1800" b="0" dirty="0">
                 <a:solidFill>
                   <a:srgbClr val="CCCCCC"/>
                 </a:solidFill>
                 <a:effectLst/>
                 <a:latin typeface="Menlo" panose="020B0609030804020204" pitchFamily="49" charset="0"/>
               </a:rPr>
-              <a:t> </a:t>
-            </a:r>
-            <a:r>
-              <a:rPr lang="de-AT" b="0" dirty="0" err="1">
+              <a:t>(</a:t>
+            </a:r>
+          </a:p>
+          <a:p>
+            <a:pPr marL="0" indent="0">
+              <a:buNone/>
+            </a:pPr>
+            <a:r>
+              <a:rPr lang="de-AT" sz="1800" b="0" dirty="0">
+                <a:solidFill>
+                  <a:srgbClr val="4EC9B0"/>
+                </a:solidFill>
+                <a:effectLst/>
+                <a:latin typeface="Menlo" panose="020B0609030804020204" pitchFamily="49" charset="0"/>
+              </a:rPr>
+              <a:t>	</a:t>
+            </a:r>
+            <a:r>
+              <a:rPr lang="de-AT" sz="1800" b="0" dirty="0" err="1">
+                <a:solidFill>
+                  <a:srgbClr val="4EC9B0"/>
+                </a:solidFill>
+                <a:effectLst/>
+                <a:latin typeface="Menlo" panose="020B0609030804020204" pitchFamily="49" charset="0"/>
+              </a:rPr>
+              <a:t>actix_files</a:t>
+            </a:r>
+            <a:r>
+              <a:rPr lang="de-AT" sz="1800" b="0" dirty="0">
+                <a:solidFill>
+                  <a:srgbClr val="D4D4D4"/>
+                </a:solidFill>
+                <a:effectLst/>
+                <a:latin typeface="Menlo" panose="020B0609030804020204" pitchFamily="49" charset="0"/>
+              </a:rPr>
+              <a:t>::</a:t>
+            </a:r>
+            <a:r>
+              <a:rPr lang="de-AT" sz="1800" b="0" dirty="0">
+                <a:solidFill>
+                  <a:srgbClr val="4EC9B0"/>
+                </a:solidFill>
+                <a:effectLst/>
+                <a:latin typeface="Menlo" panose="020B0609030804020204" pitchFamily="49" charset="0"/>
+              </a:rPr>
+              <a:t>Files</a:t>
+            </a:r>
+            <a:r>
+              <a:rPr lang="de-AT" sz="1800" b="0" dirty="0">
+                <a:solidFill>
+                  <a:srgbClr val="D4D4D4"/>
+                </a:solidFill>
+                <a:effectLst/>
+                <a:latin typeface="Menlo" panose="020B0609030804020204" pitchFamily="49" charset="0"/>
+              </a:rPr>
+              <a:t>::</a:t>
+            </a:r>
+            <a:r>
+              <a:rPr lang="de-AT" sz="1800" b="0" dirty="0" err="1">
                 <a:solidFill>
                   <a:srgbClr val="DCDCAA"/>
                 </a:solidFill>
                 <a:effectLst/>
                 <a:latin typeface="Menlo" panose="020B0609030804020204" pitchFamily="49" charset="0"/>
               </a:rPr>
-              <a:t>extract</a:t>
-            </a:r>
-            <a:r>
-              <a:rPr lang="de-AT" b="0" dirty="0">
+              <a:t>new</a:t>
+            </a:r>
+            <a:r>
+              <a:rPr lang="de-AT" sz="1800" b="0" dirty="0">
                 <a:solidFill>
                   <a:srgbClr val="CCCCCC"/>
                 </a:solidFill>
@@ -6002,284 +6045,129 @@
               <a:t>(</a:t>
             </a:r>
             <a:r>
-              <a:rPr lang="de-AT" b="0" dirty="0" err="1">
-                <a:solidFill>
-                  <a:srgbClr val="9CDCFE"/>
-                </a:solidFill>
-                <a:effectLst/>
-                <a:latin typeface="Menlo" panose="020B0609030804020204" pitchFamily="49" charset="0"/>
-              </a:rPr>
-              <a:t>req</a:t>
-            </a:r>
-            <a:r>
-              <a:rPr lang="de-AT" b="0" dirty="0">
+              <a:rPr lang="de-AT" sz="1800" b="0" dirty="0">
+                <a:solidFill>
+                  <a:srgbClr val="CE9178"/>
+                </a:solidFill>
+                <a:effectLst/>
+                <a:latin typeface="Menlo" panose="020B0609030804020204" pitchFamily="49" charset="0"/>
+              </a:rPr>
+              <a:t>"/</a:t>
+            </a:r>
+            <a:r>
+              <a:rPr lang="de-AT" sz="1800" b="0" dirty="0" err="1">
+                <a:solidFill>
+                  <a:srgbClr val="CE9178"/>
+                </a:solidFill>
+                <a:effectLst/>
+                <a:latin typeface="Menlo" panose="020B0609030804020204" pitchFamily="49" charset="0"/>
+              </a:rPr>
+              <a:t>static</a:t>
+            </a:r>
+            <a:r>
+              <a:rPr lang="de-AT" sz="1800" b="0" dirty="0">
+                <a:solidFill>
+                  <a:srgbClr val="CE9178"/>
+                </a:solidFill>
+                <a:effectLst/>
+                <a:latin typeface="Menlo" panose="020B0609030804020204" pitchFamily="49" charset="0"/>
+              </a:rPr>
+              <a:t>"</a:t>
+            </a:r>
+            <a:r>
+              <a:rPr lang="de-AT" sz="1800" b="0" dirty="0">
+                <a:solidFill>
+                  <a:srgbClr val="CCCCCC"/>
+                </a:solidFill>
+                <a:effectLst/>
+                <a:latin typeface="Menlo" panose="020B0609030804020204" pitchFamily="49" charset="0"/>
+              </a:rPr>
+              <a:t>, </a:t>
+            </a:r>
+            <a:r>
+              <a:rPr lang="de-AT" sz="1800" b="0" dirty="0">
+                <a:solidFill>
+                  <a:srgbClr val="CE9178"/>
+                </a:solidFill>
+                <a:effectLst/>
+                <a:latin typeface="Menlo" panose="020B0609030804020204" pitchFamily="49" charset="0"/>
+              </a:rPr>
+              <a:t>"./</a:t>
+            </a:r>
+            <a:r>
+              <a:rPr lang="de-AT" sz="1800" b="0" dirty="0" err="1">
+                <a:solidFill>
+                  <a:srgbClr val="CE9178"/>
+                </a:solidFill>
+                <a:effectLst/>
+                <a:latin typeface="Menlo" panose="020B0609030804020204" pitchFamily="49" charset="0"/>
+              </a:rPr>
+              <a:t>static</a:t>
+            </a:r>
+            <a:r>
+              <a:rPr lang="de-AT" sz="1800" b="0" dirty="0">
+                <a:solidFill>
+                  <a:srgbClr val="CE9178"/>
+                </a:solidFill>
+                <a:effectLst/>
+                <a:latin typeface="Menlo" panose="020B0609030804020204" pitchFamily="49" charset="0"/>
+              </a:rPr>
+              <a:t>"</a:t>
+            </a:r>
+            <a:r>
+              <a:rPr lang="de-AT" sz="1800" b="0" dirty="0">
+                <a:solidFill>
+                  <a:srgbClr val="CCCCCC"/>
+                </a:solidFill>
+                <a:effectLst/>
+                <a:latin typeface="Menlo" panose="020B0609030804020204" pitchFamily="49" charset="0"/>
+              </a:rPr>
+              <a:t>)</a:t>
+            </a:r>
+            <a:r>
+              <a:rPr lang="de-AT" sz="1800" b="0" dirty="0">
                 <a:solidFill>
                   <a:srgbClr val="D4D4D4"/>
                 </a:solidFill>
                 <a:effectLst/>
                 <a:latin typeface="Menlo" panose="020B0609030804020204" pitchFamily="49" charset="0"/>
               </a:rPr>
-              <a:t>:</a:t>
-            </a:r>
-            <a:r>
-              <a:rPr lang="de-AT" b="0" dirty="0">
+              <a:t>.</a:t>
+            </a:r>
+            <a:r>
+              <a:rPr lang="de-AT" sz="1800" b="0" dirty="0" err="1">
+                <a:solidFill>
+                  <a:srgbClr val="DCDCAA"/>
+                </a:solidFill>
+                <a:effectLst/>
+                <a:latin typeface="Menlo" panose="020B0609030804020204" pitchFamily="49" charset="0"/>
+              </a:rPr>
+              <a:t>show_files_listing</a:t>
+            </a:r>
+            <a:r>
+              <a:rPr lang="de-AT" sz="1800" b="0" dirty="0">
                 <a:solidFill>
                   <a:srgbClr val="CCCCCC"/>
                 </a:solidFill>
                 <a:effectLst/>
                 <a:latin typeface="Menlo" panose="020B0609030804020204" pitchFamily="49" charset="0"/>
               </a:rPr>
-              <a:t> </a:t>
-            </a:r>
-            <a:r>
-              <a:rPr lang="de-AT" b="0" dirty="0" err="1">
-                <a:solidFill>
-                  <a:srgbClr val="4EC9B0"/>
-                </a:solidFill>
-                <a:effectLst/>
-                <a:latin typeface="Menlo" panose="020B0609030804020204" pitchFamily="49" charset="0"/>
-              </a:rPr>
-              <a:t>HttpRequest</a:t>
-            </a:r>
-            <a:r>
-              <a:rPr lang="de-AT" b="0" dirty="0">
+              <a:t>()</a:t>
+            </a:r>
+          </a:p>
+          <a:p>
+            <a:pPr marL="0" indent="0">
+              <a:buNone/>
+            </a:pPr>
+            <a:r>
+              <a:rPr lang="de-AT" sz="1800" b="0" dirty="0">
                 <a:solidFill>
                   <a:srgbClr val="CCCCCC"/>
                 </a:solidFill>
                 <a:effectLst/>
                 <a:latin typeface="Menlo" panose="020B0609030804020204" pitchFamily="49" charset="0"/>
               </a:rPr>
-              <a:t>) </a:t>
-            </a:r>
-            <a:r>
-              <a:rPr lang="de-AT" b="0" dirty="0">
-                <a:solidFill>
-                  <a:srgbClr val="D4D4D4"/>
-                </a:solidFill>
-                <a:effectLst/>
-                <a:latin typeface="Menlo" panose="020B0609030804020204" pitchFamily="49" charset="0"/>
-              </a:rPr>
-              <a:t>-&gt;</a:t>
-            </a:r>
-            <a:r>
-              <a:rPr lang="de-AT" b="0" dirty="0">
-                <a:solidFill>
-                  <a:srgbClr val="CCCCCC"/>
-                </a:solidFill>
-                <a:effectLst/>
-                <a:latin typeface="Menlo" panose="020B0609030804020204" pitchFamily="49" charset="0"/>
-              </a:rPr>
-              <a:t> </a:t>
-            </a:r>
-            <a:r>
-              <a:rPr lang="de-AT" b="0" dirty="0" err="1">
-                <a:solidFill>
-                  <a:srgbClr val="569CD6"/>
-                </a:solidFill>
-                <a:effectLst/>
-                <a:latin typeface="Menlo" panose="020B0609030804020204" pitchFamily="49" charset="0"/>
-              </a:rPr>
-              <a:t>impl</a:t>
-            </a:r>
-            <a:r>
-              <a:rPr lang="de-AT" b="0" dirty="0">
-                <a:solidFill>
-                  <a:srgbClr val="CCCCCC"/>
-                </a:solidFill>
-                <a:effectLst/>
-                <a:latin typeface="Menlo" panose="020B0609030804020204" pitchFamily="49" charset="0"/>
-              </a:rPr>
-              <a:t> </a:t>
-            </a:r>
-            <a:r>
-              <a:rPr lang="de-AT" b="0" dirty="0">
-                <a:solidFill>
-                  <a:srgbClr val="4EC9B0"/>
-                </a:solidFill>
-                <a:effectLst/>
-                <a:latin typeface="Menlo" panose="020B0609030804020204" pitchFamily="49" charset="0"/>
-              </a:rPr>
-              <a:t>Responder</a:t>
-            </a:r>
-            <a:r>
-              <a:rPr lang="de-AT" b="0" dirty="0">
-                <a:solidFill>
-                  <a:srgbClr val="CCCCCC"/>
-                </a:solidFill>
-                <a:effectLst/>
-                <a:latin typeface="Menlo" panose="020B0609030804020204" pitchFamily="49" charset="0"/>
-              </a:rPr>
-              <a:t> {</a:t>
-            </a:r>
-          </a:p>
-          <a:p>
-            <a:pPr marL="0" indent="0">
-              <a:buNone/>
-            </a:pPr>
-            <a:r>
-              <a:rPr lang="de-AT" b="0" dirty="0">
-                <a:solidFill>
-                  <a:srgbClr val="9CDCFE"/>
-                </a:solidFill>
-                <a:effectLst/>
-                <a:latin typeface="Menlo" panose="020B0609030804020204" pitchFamily="49" charset="0"/>
-              </a:rPr>
-              <a:t>	</a:t>
-            </a:r>
-            <a:r>
-              <a:rPr lang="de-AT" b="0" dirty="0" err="1">
-                <a:solidFill>
-                  <a:srgbClr val="9CDCFE"/>
-                </a:solidFill>
-                <a:effectLst/>
-                <a:latin typeface="Menlo" panose="020B0609030804020204" pitchFamily="49" charset="0"/>
-              </a:rPr>
-              <a:t>req</a:t>
-            </a:r>
-            <a:r>
-              <a:rPr lang="de-AT" b="0" dirty="0" err="1">
-                <a:solidFill>
-                  <a:srgbClr val="D4D4D4"/>
-                </a:solidFill>
-                <a:effectLst/>
-                <a:latin typeface="Menlo" panose="020B0609030804020204" pitchFamily="49" charset="0"/>
-              </a:rPr>
-              <a:t>.</a:t>
-            </a:r>
-            <a:r>
-              <a:rPr lang="de-AT" b="0" dirty="0" err="1">
-                <a:solidFill>
-                  <a:srgbClr val="DCDCAA"/>
-                </a:solidFill>
-                <a:effectLst/>
-                <a:latin typeface="Menlo" panose="020B0609030804020204" pitchFamily="49" charset="0"/>
-              </a:rPr>
-              <a:t>match_info</a:t>
-            </a:r>
-            <a:r>
-              <a:rPr lang="de-AT" b="0" dirty="0">
-                <a:solidFill>
-                  <a:srgbClr val="CCCCCC"/>
-                </a:solidFill>
-                <a:effectLst/>
-                <a:latin typeface="Menlo" panose="020B0609030804020204" pitchFamily="49" charset="0"/>
-              </a:rPr>
-              <a:t>()</a:t>
-            </a:r>
-            <a:r>
-              <a:rPr lang="de-AT" b="0" dirty="0">
-                <a:solidFill>
-                  <a:srgbClr val="D4D4D4"/>
-                </a:solidFill>
-                <a:effectLst/>
-                <a:latin typeface="Menlo" panose="020B0609030804020204" pitchFamily="49" charset="0"/>
-              </a:rPr>
-              <a:t>.</a:t>
-            </a:r>
-            <a:r>
-              <a:rPr lang="de-AT" b="0" dirty="0" err="1">
-                <a:solidFill>
-                  <a:srgbClr val="DCDCAA"/>
-                </a:solidFill>
-                <a:effectLst/>
-                <a:latin typeface="Menlo" panose="020B0609030804020204" pitchFamily="49" charset="0"/>
-              </a:rPr>
-              <a:t>query</a:t>
-            </a:r>
-            <a:r>
-              <a:rPr lang="de-AT" b="0" dirty="0">
-                <a:solidFill>
-                  <a:srgbClr val="CCCCCC"/>
-                </a:solidFill>
-                <a:effectLst/>
-                <a:latin typeface="Menlo" panose="020B0609030804020204" pitchFamily="49" charset="0"/>
-              </a:rPr>
-              <a:t>(</a:t>
-            </a:r>
-            <a:r>
-              <a:rPr lang="de-AT" b="0" dirty="0">
-                <a:solidFill>
-                  <a:srgbClr val="CE9178"/>
-                </a:solidFill>
-                <a:effectLst/>
-                <a:latin typeface="Menlo" panose="020B0609030804020204" pitchFamily="49" charset="0"/>
-              </a:rPr>
-              <a:t>"</a:t>
-            </a:r>
-            <a:r>
-              <a:rPr lang="de-AT" b="0" dirty="0" err="1">
-                <a:solidFill>
-                  <a:srgbClr val="CE9178"/>
-                </a:solidFill>
-                <a:effectLst/>
-                <a:latin typeface="Menlo" panose="020B0609030804020204" pitchFamily="49" charset="0"/>
-              </a:rPr>
-              <a:t>filename</a:t>
-            </a:r>
-            <a:r>
-              <a:rPr lang="de-AT" b="0" dirty="0">
-                <a:solidFill>
-                  <a:srgbClr val="CE9178"/>
-                </a:solidFill>
-                <a:effectLst/>
-                <a:latin typeface="Menlo" panose="020B0609030804020204" pitchFamily="49" charset="0"/>
-              </a:rPr>
-              <a:t>"</a:t>
-            </a:r>
-            <a:r>
-              <a:rPr lang="de-AT" b="0" dirty="0">
-                <a:solidFill>
-                  <a:srgbClr val="CCCCCC"/>
-                </a:solidFill>
-                <a:effectLst/>
-                <a:latin typeface="Menlo" panose="020B0609030804020204" pitchFamily="49" charset="0"/>
-              </a:rPr>
               <a:t>)</a:t>
-            </a:r>
-            <a:r>
-              <a:rPr lang="de-AT" b="0" dirty="0">
-                <a:solidFill>
-                  <a:srgbClr val="D4D4D4"/>
-                </a:solidFill>
-                <a:effectLst/>
-                <a:latin typeface="Menlo" panose="020B0609030804020204" pitchFamily="49" charset="0"/>
-              </a:rPr>
-              <a:t>.</a:t>
-            </a:r>
-            <a:r>
-              <a:rPr lang="de-AT" b="0" dirty="0" err="1">
-                <a:solidFill>
-                  <a:srgbClr val="DCDCAA"/>
-                </a:solidFill>
-                <a:effectLst/>
-                <a:latin typeface="Menlo" panose="020B0609030804020204" pitchFamily="49" charset="0"/>
-              </a:rPr>
-              <a:t>to_string</a:t>
-            </a:r>
-            <a:r>
-              <a:rPr lang="de-AT" b="0" dirty="0">
-                <a:solidFill>
-                  <a:srgbClr val="CCCCCC"/>
-                </a:solidFill>
-                <a:effectLst/>
-                <a:latin typeface="Menlo" panose="020B0609030804020204" pitchFamily="49" charset="0"/>
-              </a:rPr>
-              <a:t>()</a:t>
-            </a:r>
-          </a:p>
-          <a:p>
-            <a:pPr marL="0" indent="0">
-              <a:buNone/>
-            </a:pPr>
-            <a:r>
-              <a:rPr lang="de-AT" b="0" dirty="0">
-                <a:solidFill>
-                  <a:srgbClr val="CCCCCC"/>
-                </a:solidFill>
-                <a:effectLst/>
-                <a:latin typeface="Menlo" panose="020B0609030804020204" pitchFamily="49" charset="0"/>
-              </a:rPr>
-              <a:t>}</a:t>
             </a:r>
           </a:p>
           <a:p>
@@ -6293,7 +6181,7 @@
     </p:spTree>
     <p:extLst>
       <p:ext uri="{BB962C8B-B14F-4D97-AF65-F5344CB8AC3E}">
-        <p14:creationId xmlns:p14="http://schemas.microsoft.com/office/powerpoint/2010/main" val="1739863893"/>
+        <p14:creationId xmlns:p14="http://schemas.microsoft.com/office/powerpoint/2010/main" val="182428383"/>
       </p:ext>
     </p:extLst>
   </p:cSld>
@@ -6304,610 +6192,6 @@
 </file>
 
 <file path=ppt/slides/slide11.xml><?xml version="1.0" encoding="utf-8"?>
-<p:sld xmlns:a="http://schemas.openxmlformats.org/drawingml/2006/main" xmlns:r="http://schemas.openxmlformats.org/officeDocument/2006/relationships" xmlns:p="http://schemas.openxmlformats.org/presentationml/2006/main">
-  <p:cSld>
-    <p:spTree>
-      <p:nvGrpSpPr>
-        <p:cNvPr id="1" name=""/>
-        <p:cNvGrpSpPr/>
-        <p:nvPr/>
-      </p:nvGrpSpPr>
-      <p:grpSpPr>
-        <a:xfrm>
-          <a:off x="0" y="0"/>
-          <a:ext cx="0" cy="0"/>
-          <a:chOff x="0" y="0"/>
-          <a:chExt cx="0" cy="0"/>
-        </a:xfrm>
-      </p:grpSpPr>
-      <p:sp>
-        <p:nvSpPr>
-          <p:cNvPr id="2" name="Titel 1">
-            <a:extLst>
-              <a:ext uri="{FF2B5EF4-FFF2-40B4-BE49-F238E27FC236}">
-                <a16:creationId xmlns:a16="http://schemas.microsoft.com/office/drawing/2014/main" id="{188CF34B-AACA-C9E3-8AD7-CCB51BCB3CAC}"/>
-              </a:ext>
-            </a:extLst>
-          </p:cNvPr>
-          <p:cNvSpPr>
-            <a:spLocks noGrp="1"/>
-          </p:cNvSpPr>
-          <p:nvPr>
-            <p:ph type="title"/>
-          </p:nvPr>
-        </p:nvSpPr>
-        <p:spPr/>
-        <p:txBody>
-          <a:bodyPr/>
-          <a:lstStyle/>
-          <a:p>
-            <a:r>
-              <a:rPr lang="de-DE" dirty="0" err="1"/>
-              <a:t>Serve</a:t>
-            </a:r>
-            <a:r>
-              <a:rPr lang="de-DE" dirty="0"/>
-              <a:t> a </a:t>
-            </a:r>
-            <a:r>
-              <a:rPr lang="de-DE" dirty="0" err="1"/>
-              <a:t>static</a:t>
-            </a:r>
-            <a:r>
-              <a:rPr lang="de-DE" dirty="0"/>
-              <a:t> </a:t>
-            </a:r>
-            <a:r>
-              <a:rPr lang="de-DE" dirty="0" err="1"/>
-              <a:t>file</a:t>
-            </a:r>
-            <a:endParaRPr lang="de-DE" dirty="0"/>
-          </a:p>
-        </p:txBody>
-      </p:sp>
-      <p:sp>
-        <p:nvSpPr>
-          <p:cNvPr id="3" name="Inhaltsplatzhalter 2">
-            <a:extLst>
-              <a:ext uri="{FF2B5EF4-FFF2-40B4-BE49-F238E27FC236}">
-                <a16:creationId xmlns:a16="http://schemas.microsoft.com/office/drawing/2014/main" id="{9CAD2F7C-7615-1025-A159-72BD8D14F5B1}"/>
-              </a:ext>
-            </a:extLst>
-          </p:cNvPr>
-          <p:cNvSpPr>
-            <a:spLocks noGrp="1"/>
-          </p:cNvSpPr>
-          <p:nvPr>
-            <p:ph idx="1"/>
-          </p:nvPr>
-        </p:nvSpPr>
-        <p:spPr/>
-        <p:txBody>
-          <a:bodyPr>
-            <a:normAutofit/>
-          </a:bodyPr>
-          <a:lstStyle/>
-          <a:p>
-            <a:pPr marL="0" indent="0">
-              <a:buNone/>
-            </a:pPr>
-            <a:r>
-              <a:rPr lang="de-DE" dirty="0" err="1"/>
-              <a:t>Example</a:t>
-            </a:r>
-            <a:r>
-              <a:rPr lang="de-DE" dirty="0"/>
-              <a:t>:</a:t>
-            </a:r>
-          </a:p>
-          <a:p>
-            <a:pPr marL="0" indent="0">
-              <a:buNone/>
-            </a:pPr>
-            <a:endParaRPr lang="de-DE" dirty="0"/>
-          </a:p>
-          <a:p>
-            <a:pPr marL="0" indent="0">
-              <a:buNone/>
-            </a:pPr>
-            <a:r>
-              <a:rPr lang="de-AT" sz="1800" b="0" dirty="0" err="1">
-                <a:solidFill>
-                  <a:srgbClr val="569CD6"/>
-                </a:solidFill>
-                <a:effectLst/>
-                <a:latin typeface="Menlo" panose="020B0609030804020204" pitchFamily="49" charset="0"/>
-              </a:rPr>
-              <a:t>pub</a:t>
-            </a:r>
-            <a:r>
-              <a:rPr lang="de-AT" sz="1800" b="0" dirty="0">
-                <a:solidFill>
-                  <a:srgbClr val="CCCCCC"/>
-                </a:solidFill>
-                <a:effectLst/>
-                <a:latin typeface="Menlo" panose="020B0609030804020204" pitchFamily="49" charset="0"/>
-              </a:rPr>
-              <a:t> </a:t>
-            </a:r>
-            <a:r>
-              <a:rPr lang="de-AT" sz="1800" b="0" dirty="0" err="1">
-                <a:solidFill>
-                  <a:srgbClr val="569CD6"/>
-                </a:solidFill>
-                <a:effectLst/>
-                <a:latin typeface="Menlo" panose="020B0609030804020204" pitchFamily="49" charset="0"/>
-              </a:rPr>
-              <a:t>async</a:t>
-            </a:r>
-            <a:r>
-              <a:rPr lang="de-AT" sz="1800" b="0" dirty="0">
-                <a:solidFill>
-                  <a:srgbClr val="CCCCCC"/>
-                </a:solidFill>
-                <a:effectLst/>
-                <a:latin typeface="Menlo" panose="020B0609030804020204" pitchFamily="49" charset="0"/>
-              </a:rPr>
-              <a:t> </a:t>
-            </a:r>
-            <a:r>
-              <a:rPr lang="de-AT" sz="1800" b="0" dirty="0" err="1">
-                <a:solidFill>
-                  <a:srgbClr val="569CD6"/>
-                </a:solidFill>
-                <a:effectLst/>
-                <a:latin typeface="Menlo" panose="020B0609030804020204" pitchFamily="49" charset="0"/>
-              </a:rPr>
-              <a:t>fn</a:t>
-            </a:r>
-            <a:r>
-              <a:rPr lang="de-AT" sz="1800" b="0" dirty="0">
-                <a:solidFill>
-                  <a:srgbClr val="CCCCCC"/>
-                </a:solidFill>
-                <a:effectLst/>
-                <a:latin typeface="Menlo" panose="020B0609030804020204" pitchFamily="49" charset="0"/>
-              </a:rPr>
-              <a:t> </a:t>
-            </a:r>
-            <a:r>
-              <a:rPr lang="de-AT" sz="1800" b="0" dirty="0" err="1">
-                <a:solidFill>
-                  <a:srgbClr val="DCDCAA"/>
-                </a:solidFill>
-                <a:effectLst/>
-                <a:latin typeface="Menlo" panose="020B0609030804020204" pitchFamily="49" charset="0"/>
-              </a:rPr>
-              <a:t>serve_static_file</a:t>
-            </a:r>
-            <a:r>
-              <a:rPr lang="de-AT" sz="1800" b="0" dirty="0">
-                <a:solidFill>
-                  <a:srgbClr val="CCCCCC"/>
-                </a:solidFill>
-                <a:effectLst/>
-                <a:latin typeface="Menlo" panose="020B0609030804020204" pitchFamily="49" charset="0"/>
-              </a:rPr>
-              <a:t>() </a:t>
-            </a:r>
-            <a:r>
-              <a:rPr lang="de-AT" sz="1800" b="0" dirty="0">
-                <a:solidFill>
-                  <a:srgbClr val="D4D4D4"/>
-                </a:solidFill>
-                <a:effectLst/>
-                <a:latin typeface="Menlo" panose="020B0609030804020204" pitchFamily="49" charset="0"/>
-              </a:rPr>
-              <a:t>-&gt;</a:t>
-            </a:r>
-            <a:r>
-              <a:rPr lang="de-AT" sz="1800" b="0" dirty="0">
-                <a:solidFill>
-                  <a:srgbClr val="CCCCCC"/>
-                </a:solidFill>
-                <a:effectLst/>
-                <a:latin typeface="Menlo" panose="020B0609030804020204" pitchFamily="49" charset="0"/>
-              </a:rPr>
-              <a:t> </a:t>
-            </a:r>
-            <a:r>
-              <a:rPr lang="de-AT" sz="1800" b="0" dirty="0" err="1">
-                <a:solidFill>
-                  <a:srgbClr val="4EC9B0"/>
-                </a:solidFill>
-                <a:effectLst/>
-                <a:latin typeface="Menlo" panose="020B0609030804020204" pitchFamily="49" charset="0"/>
-              </a:rPr>
-              <a:t>Result</a:t>
-            </a:r>
-            <a:r>
-              <a:rPr lang="de-AT" sz="1800" b="0" dirty="0">
-                <a:solidFill>
-                  <a:srgbClr val="CCCCCC"/>
-                </a:solidFill>
-                <a:effectLst/>
-                <a:latin typeface="Menlo" panose="020B0609030804020204" pitchFamily="49" charset="0"/>
-              </a:rPr>
-              <a:t>&lt;</a:t>
-            </a:r>
-            <a:r>
-              <a:rPr lang="de-AT" sz="1800" b="0" dirty="0" err="1">
-                <a:solidFill>
-                  <a:srgbClr val="4EC9B0"/>
-                </a:solidFill>
-                <a:effectLst/>
-                <a:latin typeface="Menlo" panose="020B0609030804020204" pitchFamily="49" charset="0"/>
-              </a:rPr>
-              <a:t>NamedFile</a:t>
-            </a:r>
-            <a:r>
-              <a:rPr lang="de-AT" sz="1800" b="0" dirty="0">
-                <a:solidFill>
-                  <a:srgbClr val="CCCCCC"/>
-                </a:solidFill>
-                <a:effectLst/>
-                <a:latin typeface="Menlo" panose="020B0609030804020204" pitchFamily="49" charset="0"/>
-              </a:rPr>
-              <a:t>&gt; {</a:t>
-            </a:r>
-          </a:p>
-          <a:p>
-            <a:pPr marL="0" indent="0">
-              <a:buNone/>
-            </a:pPr>
-            <a:r>
-              <a:rPr lang="de-AT" sz="1800" b="0" dirty="0">
-                <a:solidFill>
-                  <a:srgbClr val="569CD6"/>
-                </a:solidFill>
-                <a:effectLst/>
-                <a:latin typeface="Menlo" panose="020B0609030804020204" pitchFamily="49" charset="0"/>
-              </a:rPr>
-              <a:t>	</a:t>
-            </a:r>
-            <a:r>
-              <a:rPr lang="de-AT" sz="1800" b="0" dirty="0" err="1">
-                <a:solidFill>
-                  <a:srgbClr val="569CD6"/>
-                </a:solidFill>
-                <a:effectLst/>
-                <a:latin typeface="Menlo" panose="020B0609030804020204" pitchFamily="49" charset="0"/>
-              </a:rPr>
-              <a:t>let</a:t>
-            </a:r>
-            <a:r>
-              <a:rPr lang="de-AT" sz="1800" b="0" dirty="0">
-                <a:solidFill>
-                  <a:srgbClr val="CCCCCC"/>
-                </a:solidFill>
-                <a:effectLst/>
-                <a:latin typeface="Menlo" panose="020B0609030804020204" pitchFamily="49" charset="0"/>
-              </a:rPr>
-              <a:t> </a:t>
-            </a:r>
-            <a:r>
-              <a:rPr lang="de-AT" sz="1800" b="0" dirty="0" err="1">
-                <a:solidFill>
-                  <a:srgbClr val="9CDCFE"/>
-                </a:solidFill>
-                <a:effectLst/>
-                <a:latin typeface="Menlo" panose="020B0609030804020204" pitchFamily="49" charset="0"/>
-              </a:rPr>
-              <a:t>file</a:t>
-            </a:r>
-            <a:r>
-              <a:rPr lang="de-AT" sz="1800" b="0" dirty="0">
-                <a:solidFill>
-                  <a:srgbClr val="D4D4D4"/>
-                </a:solidFill>
-                <a:effectLst/>
-                <a:latin typeface="Menlo" panose="020B0609030804020204" pitchFamily="49" charset="0"/>
-              </a:rPr>
-              <a:t>:</a:t>
-            </a:r>
-            <a:r>
-              <a:rPr lang="de-AT" sz="1800" b="0" dirty="0">
-                <a:solidFill>
-                  <a:srgbClr val="CCCCCC"/>
-                </a:solidFill>
-                <a:effectLst/>
-                <a:latin typeface="Menlo" panose="020B0609030804020204" pitchFamily="49" charset="0"/>
-              </a:rPr>
-              <a:t> </a:t>
-            </a:r>
-            <a:r>
-              <a:rPr lang="de-AT" sz="1800" b="0" dirty="0" err="1">
-                <a:solidFill>
-                  <a:srgbClr val="4EC9B0"/>
-                </a:solidFill>
-                <a:effectLst/>
-                <a:latin typeface="Menlo" panose="020B0609030804020204" pitchFamily="49" charset="0"/>
-              </a:rPr>
-              <a:t>PathBuf</a:t>
-            </a:r>
-            <a:r>
-              <a:rPr lang="de-AT" sz="1800" b="0" dirty="0">
-                <a:solidFill>
-                  <a:srgbClr val="CCCCCC"/>
-                </a:solidFill>
-                <a:effectLst/>
-                <a:latin typeface="Menlo" panose="020B0609030804020204" pitchFamily="49" charset="0"/>
-              </a:rPr>
-              <a:t> </a:t>
-            </a:r>
-            <a:r>
-              <a:rPr lang="de-AT" sz="1800" b="0" dirty="0">
-                <a:solidFill>
-                  <a:srgbClr val="D4D4D4"/>
-                </a:solidFill>
-                <a:effectLst/>
-                <a:latin typeface="Menlo" panose="020B0609030804020204" pitchFamily="49" charset="0"/>
-              </a:rPr>
-              <a:t>=</a:t>
-            </a:r>
-            <a:r>
-              <a:rPr lang="de-AT" sz="1800" b="0" dirty="0">
-                <a:solidFill>
-                  <a:srgbClr val="CCCCCC"/>
-                </a:solidFill>
-                <a:effectLst/>
-                <a:latin typeface="Menlo" panose="020B0609030804020204" pitchFamily="49" charset="0"/>
-              </a:rPr>
-              <a:t> </a:t>
-            </a:r>
-            <a:r>
-              <a:rPr lang="de-AT" sz="1800" b="0" dirty="0">
-                <a:solidFill>
-                  <a:srgbClr val="CE9178"/>
-                </a:solidFill>
-                <a:effectLst/>
-                <a:latin typeface="Menlo" panose="020B0609030804020204" pitchFamily="49" charset="0"/>
-              </a:rPr>
-              <a:t>"./</a:t>
-            </a:r>
-            <a:r>
-              <a:rPr lang="de-AT" sz="1800" b="0" dirty="0" err="1">
-                <a:solidFill>
-                  <a:srgbClr val="CE9178"/>
-                </a:solidFill>
-                <a:effectLst/>
-                <a:latin typeface="Menlo" panose="020B0609030804020204" pitchFamily="49" charset="0"/>
-              </a:rPr>
-              <a:t>static</a:t>
-            </a:r>
-            <a:r>
-              <a:rPr lang="de-AT" sz="1800" b="0" dirty="0">
-                <a:solidFill>
-                  <a:srgbClr val="CE9178"/>
-                </a:solidFill>
-                <a:effectLst/>
-                <a:latin typeface="Menlo" panose="020B0609030804020204" pitchFamily="49" charset="0"/>
-              </a:rPr>
-              <a:t>/logo.</a:t>
-            </a:r>
-            <a:r>
-              <a:rPr lang="de-AT" sz="1800" b="0" dirty="0" err="1">
-                <a:solidFill>
-                  <a:srgbClr val="CE9178"/>
-                </a:solidFill>
-                <a:effectLst/>
-                <a:latin typeface="Menlo" panose="020B0609030804020204" pitchFamily="49" charset="0"/>
-              </a:rPr>
-              <a:t>png</a:t>
-            </a:r>
-            <a:r>
-              <a:rPr lang="de-AT" sz="1800" b="0" dirty="0">
-                <a:solidFill>
-                  <a:srgbClr val="CE9178"/>
-                </a:solidFill>
-                <a:effectLst/>
-                <a:latin typeface="Menlo" panose="020B0609030804020204" pitchFamily="49" charset="0"/>
-              </a:rPr>
-              <a:t>"</a:t>
-            </a:r>
-            <a:r>
-              <a:rPr lang="de-AT" sz="1800" b="0" dirty="0">
-                <a:solidFill>
-                  <a:srgbClr val="D4D4D4"/>
-                </a:solidFill>
-                <a:effectLst/>
-                <a:latin typeface="Menlo" panose="020B0609030804020204" pitchFamily="49" charset="0"/>
-              </a:rPr>
-              <a:t>.</a:t>
-            </a:r>
-            <a:r>
-              <a:rPr lang="de-AT" sz="1800" b="0" dirty="0">
-                <a:solidFill>
-                  <a:srgbClr val="DCDCAA"/>
-                </a:solidFill>
-                <a:effectLst/>
-                <a:latin typeface="Menlo" panose="020B0609030804020204" pitchFamily="49" charset="0"/>
-              </a:rPr>
-              <a:t>parse</a:t>
-            </a:r>
-            <a:r>
-              <a:rPr lang="de-AT" sz="1800" b="0" dirty="0">
-                <a:solidFill>
-                  <a:srgbClr val="CCCCCC"/>
-                </a:solidFill>
-                <a:effectLst/>
-                <a:latin typeface="Menlo" panose="020B0609030804020204" pitchFamily="49" charset="0"/>
-              </a:rPr>
-              <a:t>()</a:t>
-            </a:r>
-            <a:r>
-              <a:rPr lang="de-AT" sz="1800" b="0" dirty="0">
-                <a:solidFill>
-                  <a:srgbClr val="D4D4D4"/>
-                </a:solidFill>
-                <a:effectLst/>
-                <a:latin typeface="Menlo" panose="020B0609030804020204" pitchFamily="49" charset="0"/>
-              </a:rPr>
-              <a:t>.</a:t>
-            </a:r>
-            <a:r>
-              <a:rPr lang="de-AT" sz="1800" b="0" dirty="0" err="1">
-                <a:solidFill>
-                  <a:srgbClr val="DCDCAA"/>
-                </a:solidFill>
-                <a:effectLst/>
-                <a:latin typeface="Menlo" panose="020B0609030804020204" pitchFamily="49" charset="0"/>
-              </a:rPr>
-              <a:t>unwrap</a:t>
-            </a:r>
-            <a:r>
-              <a:rPr lang="de-AT" sz="1800" b="0" dirty="0">
-                <a:solidFill>
-                  <a:srgbClr val="CCCCCC"/>
-                </a:solidFill>
-                <a:effectLst/>
-                <a:latin typeface="Menlo" panose="020B0609030804020204" pitchFamily="49" charset="0"/>
-              </a:rPr>
-              <a:t>();</a:t>
-            </a:r>
-          </a:p>
-          <a:p>
-            <a:pPr marL="0" indent="0">
-              <a:buNone/>
-            </a:pPr>
-            <a:r>
-              <a:rPr lang="de-AT" sz="1800" b="0" dirty="0">
-                <a:solidFill>
-                  <a:srgbClr val="4FC1FF"/>
-                </a:solidFill>
-                <a:effectLst/>
-                <a:latin typeface="Menlo" panose="020B0609030804020204" pitchFamily="49" charset="0"/>
-              </a:rPr>
-              <a:t>	Ok</a:t>
-            </a:r>
-            <a:r>
-              <a:rPr lang="de-AT" sz="1800" b="0" dirty="0">
-                <a:solidFill>
-                  <a:srgbClr val="CCCCCC"/>
-                </a:solidFill>
-                <a:effectLst/>
-                <a:latin typeface="Menlo" panose="020B0609030804020204" pitchFamily="49" charset="0"/>
-              </a:rPr>
-              <a:t>(</a:t>
-            </a:r>
-            <a:r>
-              <a:rPr lang="de-AT" sz="1800" b="0" dirty="0" err="1">
-                <a:solidFill>
-                  <a:srgbClr val="4EC9B0"/>
-                </a:solidFill>
-                <a:effectLst/>
-                <a:latin typeface="Menlo" panose="020B0609030804020204" pitchFamily="49" charset="0"/>
-              </a:rPr>
-              <a:t>NamedFile</a:t>
-            </a:r>
-            <a:r>
-              <a:rPr lang="de-AT" sz="1800" b="0" dirty="0">
-                <a:solidFill>
-                  <a:srgbClr val="D4D4D4"/>
-                </a:solidFill>
-                <a:effectLst/>
-                <a:latin typeface="Menlo" panose="020B0609030804020204" pitchFamily="49" charset="0"/>
-              </a:rPr>
-              <a:t>::</a:t>
-            </a:r>
-            <a:r>
-              <a:rPr lang="de-AT" sz="1800" b="0" dirty="0">
-                <a:solidFill>
-                  <a:srgbClr val="DCDCAA"/>
-                </a:solidFill>
-                <a:effectLst/>
-                <a:latin typeface="Menlo" panose="020B0609030804020204" pitchFamily="49" charset="0"/>
-              </a:rPr>
-              <a:t>open</a:t>
-            </a:r>
-            <a:r>
-              <a:rPr lang="de-AT" sz="1800" b="0" dirty="0">
-                <a:solidFill>
-                  <a:srgbClr val="CCCCCC"/>
-                </a:solidFill>
-                <a:effectLst/>
-                <a:latin typeface="Menlo" panose="020B0609030804020204" pitchFamily="49" charset="0"/>
-              </a:rPr>
-              <a:t>(</a:t>
-            </a:r>
-            <a:r>
-              <a:rPr lang="de-AT" sz="1800" b="0" dirty="0" err="1">
-                <a:solidFill>
-                  <a:srgbClr val="9CDCFE"/>
-                </a:solidFill>
-                <a:effectLst/>
-                <a:latin typeface="Menlo" panose="020B0609030804020204" pitchFamily="49" charset="0"/>
-              </a:rPr>
-              <a:t>file</a:t>
-            </a:r>
-            <a:r>
-              <a:rPr lang="de-AT" sz="1800" b="0" dirty="0">
-                <a:solidFill>
-                  <a:srgbClr val="CCCCCC"/>
-                </a:solidFill>
-                <a:effectLst/>
-                <a:latin typeface="Menlo" panose="020B0609030804020204" pitchFamily="49" charset="0"/>
-              </a:rPr>
-              <a:t>)</a:t>
-            </a:r>
-            <a:r>
-              <a:rPr lang="de-AT" sz="1800" b="0" dirty="0">
-                <a:solidFill>
-                  <a:srgbClr val="D4D4D4"/>
-                </a:solidFill>
-                <a:effectLst/>
-                <a:latin typeface="Menlo" panose="020B0609030804020204" pitchFamily="49" charset="0"/>
-              </a:rPr>
-              <a:t>?</a:t>
-            </a:r>
-            <a:r>
-              <a:rPr lang="de-AT" sz="1800" b="0" dirty="0">
-                <a:solidFill>
-                  <a:srgbClr val="CCCCCC"/>
-                </a:solidFill>
-                <a:effectLst/>
-                <a:latin typeface="Menlo" panose="020B0609030804020204" pitchFamily="49" charset="0"/>
-              </a:rPr>
-              <a:t>)</a:t>
-            </a:r>
-          </a:p>
-          <a:p>
-            <a:pPr marL="0" indent="0">
-              <a:buNone/>
-            </a:pPr>
-            <a:r>
-              <a:rPr lang="de-AT" sz="1800" b="0" dirty="0">
-                <a:solidFill>
-                  <a:srgbClr val="CCCCCC"/>
-                </a:solidFill>
-                <a:effectLst/>
-                <a:latin typeface="Menlo" panose="020B0609030804020204" pitchFamily="49" charset="0"/>
-              </a:rPr>
-              <a:t>}</a:t>
-            </a:r>
-          </a:p>
-          <a:p>
-            <a:pPr marL="0" indent="0">
-              <a:buNone/>
-            </a:pPr>
-            <a:endParaRPr lang="de-DE" dirty="0"/>
-          </a:p>
-        </p:txBody>
-      </p:sp>
-    </p:spTree>
-    <p:extLst>
-      <p:ext uri="{BB962C8B-B14F-4D97-AF65-F5344CB8AC3E}">
-        <p14:creationId xmlns:p14="http://schemas.microsoft.com/office/powerpoint/2010/main" val="3117469721"/>
-      </p:ext>
-    </p:extLst>
-  </p:cSld>
-  <p:clrMapOvr>
-    <a:masterClrMapping/>
-  </p:clrMapOvr>
-</p:sld>
-</file>
-
-<file path=ppt/slides/slide12.xml><?xml version="1.0" encoding="utf-8"?>
 <p:sld xmlns:a="http://schemas.openxmlformats.org/drawingml/2006/main" xmlns:r="http://schemas.openxmlformats.org/officeDocument/2006/relationships" xmlns:p="http://schemas.openxmlformats.org/presentationml/2006/main">
   <p:cSld>
     <p:spTree>
@@ -7189,7 +6473,7 @@
 </p:sld>
 </file>
 
-<file path=ppt/slides/slide13.xml><?xml version="1.0" encoding="utf-8"?>
+<file path=ppt/slides/slide12.xml><?xml version="1.0" encoding="utf-8"?>
 <p:sld xmlns:a="http://schemas.openxmlformats.org/drawingml/2006/main" xmlns:r="http://schemas.openxmlformats.org/officeDocument/2006/relationships" xmlns:p="http://schemas.openxmlformats.org/presentationml/2006/main">
   <p:cSld>
     <p:spTree>
@@ -7635,7 +6919,7 @@
 </p:sld>
 </file>
 
-<file path=ppt/slides/slide14.xml><?xml version="1.0" encoding="utf-8"?>
+<file path=ppt/slides/slide13.xml><?xml version="1.0" encoding="utf-8"?>
 <p:sld xmlns:a="http://schemas.openxmlformats.org/drawingml/2006/main" xmlns:r="http://schemas.openxmlformats.org/officeDocument/2006/relationships" xmlns:p="http://schemas.openxmlformats.org/presentationml/2006/main">
   <p:cSld>
     <p:spTree>
@@ -7768,7 +7052,7 @@
 </p:sld>
 </file>
 
-<file path=ppt/slides/slide15.xml><?xml version="1.0" encoding="utf-8"?>
+<file path=ppt/slides/slide14.xml><?xml version="1.0" encoding="utf-8"?>
 <p:sld xmlns:a="http://schemas.openxmlformats.org/drawingml/2006/main" xmlns:r="http://schemas.openxmlformats.org/officeDocument/2006/relationships" xmlns:p="http://schemas.openxmlformats.org/presentationml/2006/main">
   <p:cSld>
     <p:spTree>

--- a/Pres.pptx
+++ b/Pres.pptx
@@ -10024,7 +10024,7 @@
               <a:buNone/>
             </a:pPr>
             <a:r>
-              <a:rPr lang="de-AT" b="0" dirty="0" err="1">
+              <a:rPr lang="de-AT" sz="2600" b="0" dirty="0" err="1">
                 <a:solidFill>
                   <a:srgbClr val="DCDCAA"/>
                 </a:solidFill>
@@ -10034,7 +10034,7 @@
               <a:t>service</a:t>
             </a:r>
             <a:r>
-              <a:rPr lang="de-AT" b="0" dirty="0">
+              <a:rPr lang="de-AT" sz="2600" b="0" dirty="0">
                 <a:solidFill>
                   <a:srgbClr val="CCCCCC"/>
                 </a:solidFill>
@@ -10049,7 +10049,7 @@
               <a:buNone/>
             </a:pPr>
             <a:r>
-              <a:rPr lang="de-AT" b="0" dirty="0">
+              <a:rPr lang="de-AT" sz="2600" b="0" dirty="0">
                 <a:solidFill>
                   <a:srgbClr val="4EC9B0"/>
                 </a:solidFill>
@@ -10059,7 +10059,7 @@
               <a:t>	web</a:t>
             </a:r>
             <a:r>
-              <a:rPr lang="de-AT" b="0" dirty="0">
+              <a:rPr lang="de-AT" sz="2600" b="0" dirty="0">
                 <a:solidFill>
                   <a:srgbClr val="D4D4D4"/>
                 </a:solidFill>
@@ -10069,7 +10069,7 @@
               <a:t>::</a:t>
             </a:r>
             <a:r>
-              <a:rPr lang="de-AT" b="0" dirty="0" err="1">
+              <a:rPr lang="de-AT" sz="2600" b="0" dirty="0" err="1">
                 <a:solidFill>
                   <a:srgbClr val="DCDCAA"/>
                 </a:solidFill>
@@ -10079,7 +10079,7 @@
               <a:t>scope</a:t>
             </a:r>
             <a:r>
-              <a:rPr lang="de-AT" b="0" dirty="0">
+              <a:rPr lang="de-AT" sz="2600" b="0" dirty="0">
                 <a:solidFill>
                   <a:srgbClr val="CCCCCC"/>
                 </a:solidFill>
@@ -10089,7 +10089,7 @@
               <a:t>(</a:t>
             </a:r>
             <a:r>
-              <a:rPr lang="de-AT" b="0" dirty="0">
+              <a:rPr lang="de-AT" sz="2600" b="0" dirty="0">
                 <a:solidFill>
                   <a:srgbClr val="CE9178"/>
                 </a:solidFill>
@@ -10099,7 +10099,7 @@
               <a:t>"/</a:t>
             </a:r>
             <a:r>
-              <a:rPr lang="de-AT" b="0" dirty="0" err="1">
+              <a:rPr lang="de-AT" sz="2600" b="0" dirty="0" err="1">
                 <a:solidFill>
                   <a:srgbClr val="CE9178"/>
                 </a:solidFill>
@@ -10109,7 +10109,7 @@
               <a:t>scope</a:t>
             </a:r>
             <a:r>
-              <a:rPr lang="de-AT" b="0" dirty="0">
+              <a:rPr lang="de-AT" sz="2600" b="0" dirty="0">
                 <a:solidFill>
                   <a:srgbClr val="CE9178"/>
                 </a:solidFill>
@@ -10119,7 +10119,7 @@
               <a:t>"</a:t>
             </a:r>
             <a:r>
-              <a:rPr lang="de-AT" b="0" dirty="0">
+              <a:rPr lang="de-AT" sz="2600" b="0" dirty="0">
                 <a:solidFill>
                   <a:srgbClr val="CCCCCC"/>
                 </a:solidFill>
@@ -10134,16 +10134,16 @@
               <a:buNone/>
             </a:pPr>
             <a:r>
-              <a:rPr lang="de-AT" dirty="0">
+              <a:rPr lang="de-AT" sz="2600" dirty="0">
                 <a:solidFill>
                   <a:srgbClr val="D4D4D4"/>
                 </a:solidFill>
                 <a:latin typeface="Menlo" panose="020B0609030804020204" pitchFamily="49" charset="0"/>
               </a:rPr>
-              <a:t>		</a:t>
-            </a:r>
-            <a:r>
-              <a:rPr lang="de-AT" b="0" dirty="0">
+              <a:t>		.</a:t>
+            </a:r>
+            <a:r>
+              <a:rPr lang="de-AT" sz="2600" b="0" dirty="0">
                 <a:solidFill>
                   <a:srgbClr val="DCDCAA"/>
                 </a:solidFill>
@@ -10153,7 +10153,7 @@
               <a:t>route</a:t>
             </a:r>
             <a:r>
-              <a:rPr lang="de-AT" b="0" dirty="0">
+              <a:rPr lang="de-AT" sz="2600" b="0" dirty="0">
                 <a:solidFill>
                   <a:srgbClr val="CCCCCC"/>
                 </a:solidFill>
@@ -10163,7 +10163,7 @@
               <a:t>(</a:t>
             </a:r>
             <a:r>
-              <a:rPr lang="de-AT" b="0" dirty="0">
+              <a:rPr lang="de-AT" sz="2600" b="0" dirty="0">
                 <a:solidFill>
                   <a:srgbClr val="CE9178"/>
                 </a:solidFill>
@@ -10173,7 +10173,7 @@
               <a:t>"/sub1"</a:t>
             </a:r>
             <a:r>
-              <a:rPr lang="de-AT" b="0" dirty="0">
+              <a:rPr lang="de-AT" sz="2600" b="0" dirty="0">
                 <a:solidFill>
                   <a:srgbClr val="CCCCCC"/>
                 </a:solidFill>
@@ -10183,7 +10183,7 @@
               <a:t>, </a:t>
             </a:r>
             <a:r>
-              <a:rPr lang="de-AT" b="0" dirty="0">
+              <a:rPr lang="de-AT" sz="2600" b="0" dirty="0">
                 <a:solidFill>
                   <a:srgbClr val="4EC9B0"/>
                 </a:solidFill>
@@ -10193,7 +10193,7 @@
               <a:t>web</a:t>
             </a:r>
             <a:r>
-              <a:rPr lang="de-AT" b="0" dirty="0">
+              <a:rPr lang="de-AT" sz="2600" b="0" dirty="0">
                 <a:solidFill>
                   <a:srgbClr val="D4D4D4"/>
                 </a:solidFill>
@@ -10203,7 +10203,7 @@
               <a:t>::</a:t>
             </a:r>
             <a:r>
-              <a:rPr lang="de-AT" b="0" dirty="0" err="1">
+              <a:rPr lang="de-AT" sz="2600" b="0" dirty="0" err="1">
                 <a:solidFill>
                   <a:srgbClr val="DCDCAA"/>
                 </a:solidFill>
@@ -10213,7 +10213,7 @@
               <a:t>to</a:t>
             </a:r>
             <a:r>
-              <a:rPr lang="de-AT" b="0" dirty="0">
+              <a:rPr lang="de-AT" sz="2600" b="0" dirty="0">
                 <a:solidFill>
                   <a:srgbClr val="CCCCCC"/>
                 </a:solidFill>
@@ -10223,7 +10223,7 @@
               <a:t>(</a:t>
             </a:r>
             <a:r>
-              <a:rPr lang="de-AT" b="0" dirty="0">
+              <a:rPr lang="de-AT" sz="2600" b="0" dirty="0">
                 <a:solidFill>
                   <a:srgbClr val="D4D4D4"/>
                 </a:solidFill>
@@ -10233,7 +10233,7 @@
               <a:t>||</a:t>
             </a:r>
             <a:r>
-              <a:rPr lang="de-AT" b="0" dirty="0">
+              <a:rPr lang="de-AT" sz="2600" b="0" dirty="0">
                 <a:solidFill>
                   <a:srgbClr val="CCCCCC"/>
                 </a:solidFill>
@@ -10243,7 +10243,7 @@
               <a:t> </a:t>
             </a:r>
             <a:r>
-              <a:rPr lang="de-AT" b="0" dirty="0" err="1">
+              <a:rPr lang="de-AT" sz="2600" b="0" dirty="0" err="1">
                 <a:solidFill>
                   <a:srgbClr val="569CD6"/>
                 </a:solidFill>
@@ -10253,7 +10253,7 @@
               <a:t>async</a:t>
             </a:r>
             <a:r>
-              <a:rPr lang="de-AT" b="0" dirty="0">
+              <a:rPr lang="de-AT" sz="2600" b="0" dirty="0">
                 <a:solidFill>
                   <a:srgbClr val="CCCCCC"/>
                 </a:solidFill>
@@ -10263,7 +10263,7 @@
               <a:t> {</a:t>
             </a:r>
             <a:r>
-              <a:rPr lang="de-AT" b="0" dirty="0">
+              <a:rPr lang="de-AT" sz="2600" b="0" dirty="0">
                 <a:solidFill>
                   <a:srgbClr val="CE9178"/>
                 </a:solidFill>
@@ -10273,7 +10273,7 @@
               <a:t>"sub1"</a:t>
             </a:r>
             <a:r>
-              <a:rPr lang="de-AT" b="0" dirty="0">
+              <a:rPr lang="de-AT" sz="2600" b="0" dirty="0">
                 <a:solidFill>
                   <a:srgbClr val="CCCCCC"/>
                 </a:solidFill>
@@ -10288,16 +10288,16 @@
               <a:buNone/>
             </a:pPr>
             <a:r>
-              <a:rPr lang="de-AT" dirty="0">
+              <a:rPr lang="de-AT" sz="2600" dirty="0">
                 <a:solidFill>
                   <a:srgbClr val="D4D4D4"/>
                 </a:solidFill>
                 <a:latin typeface="Menlo" panose="020B0609030804020204" pitchFamily="49" charset="0"/>
               </a:rPr>
-              <a:t>		</a:t>
-            </a:r>
-            <a:r>
-              <a:rPr lang="de-AT" b="0" dirty="0">
+              <a:t>		.</a:t>
+            </a:r>
+            <a:r>
+              <a:rPr lang="de-AT" sz="2600" b="0" dirty="0">
                 <a:solidFill>
                   <a:srgbClr val="DCDCAA"/>
                 </a:solidFill>
@@ -10307,7 +10307,7 @@
               <a:t>route</a:t>
             </a:r>
             <a:r>
-              <a:rPr lang="de-AT" b="0" dirty="0">
+              <a:rPr lang="de-AT" sz="2600" b="0" dirty="0">
                 <a:solidFill>
                   <a:srgbClr val="CCCCCC"/>
                 </a:solidFill>
@@ -10317,7 +10317,7 @@
               <a:t>(</a:t>
             </a:r>
             <a:r>
-              <a:rPr lang="de-AT" b="0" dirty="0">
+              <a:rPr lang="de-AT" sz="2600" b="0" dirty="0">
                 <a:solidFill>
                   <a:srgbClr val="CE9178"/>
                 </a:solidFill>
@@ -10327,7 +10327,7 @@
               <a:t>"/sub2"</a:t>
             </a:r>
             <a:r>
-              <a:rPr lang="de-AT" b="0" dirty="0">
+              <a:rPr lang="de-AT" sz="2600" b="0" dirty="0">
                 <a:solidFill>
                   <a:srgbClr val="CCCCCC"/>
                 </a:solidFill>
@@ -10337,7 +10337,7 @@
               <a:t>, </a:t>
             </a:r>
             <a:r>
-              <a:rPr lang="de-AT" b="0" dirty="0">
+              <a:rPr lang="de-AT" sz="2600" b="0" dirty="0">
                 <a:solidFill>
                   <a:srgbClr val="4EC9B0"/>
                 </a:solidFill>
@@ -10347,7 +10347,7 @@
               <a:t>web</a:t>
             </a:r>
             <a:r>
-              <a:rPr lang="de-AT" b="0" dirty="0">
+              <a:rPr lang="de-AT" sz="2600" b="0" dirty="0">
                 <a:solidFill>
                   <a:srgbClr val="D4D4D4"/>
                 </a:solidFill>
@@ -10357,7 +10357,7 @@
               <a:t>::</a:t>
             </a:r>
             <a:r>
-              <a:rPr lang="de-AT" b="0" dirty="0" err="1">
+              <a:rPr lang="de-AT" sz="2600" b="0" dirty="0" err="1">
                 <a:solidFill>
                   <a:srgbClr val="DCDCAA"/>
                 </a:solidFill>
@@ -10367,7 +10367,7 @@
               <a:t>to</a:t>
             </a:r>
             <a:r>
-              <a:rPr lang="de-AT" b="0" dirty="0">
+              <a:rPr lang="de-AT" sz="2600" b="0" dirty="0">
                 <a:solidFill>
                   <a:srgbClr val="CCCCCC"/>
                 </a:solidFill>
@@ -10377,7 +10377,7 @@
               <a:t>(</a:t>
             </a:r>
             <a:r>
-              <a:rPr lang="de-AT" b="0" dirty="0">
+              <a:rPr lang="de-AT" sz="2600" b="0" dirty="0">
                 <a:solidFill>
                   <a:srgbClr val="D4D4D4"/>
                 </a:solidFill>
@@ -10387,7 +10387,7 @@
               <a:t>||</a:t>
             </a:r>
             <a:r>
-              <a:rPr lang="de-AT" b="0" dirty="0">
+              <a:rPr lang="de-AT" sz="2600" b="0" dirty="0">
                 <a:solidFill>
                   <a:srgbClr val="CCCCCC"/>
                 </a:solidFill>
@@ -10397,7 +10397,7 @@
               <a:t> </a:t>
             </a:r>
             <a:r>
-              <a:rPr lang="de-AT" b="0" dirty="0" err="1">
+              <a:rPr lang="de-AT" sz="2600" b="0" dirty="0" err="1">
                 <a:solidFill>
                   <a:srgbClr val="569CD6"/>
                 </a:solidFill>
@@ -10407,7 +10407,7 @@
               <a:t>async</a:t>
             </a:r>
             <a:r>
-              <a:rPr lang="de-AT" b="0" dirty="0">
+              <a:rPr lang="de-AT" sz="2600" b="0" dirty="0">
                 <a:solidFill>
                   <a:srgbClr val="CCCCCC"/>
                 </a:solidFill>
@@ -10417,7 +10417,7 @@
               <a:t> {</a:t>
             </a:r>
             <a:r>
-              <a:rPr lang="de-AT" b="0" dirty="0">
+              <a:rPr lang="de-AT" sz="2600" b="0" dirty="0">
                 <a:solidFill>
                   <a:srgbClr val="CE9178"/>
                 </a:solidFill>
@@ -10427,7 +10427,7 @@
               <a:t>"sub2"</a:t>
             </a:r>
             <a:r>
-              <a:rPr lang="de-AT" b="0" dirty="0">
+              <a:rPr lang="de-AT" sz="2600" b="0" dirty="0">
                 <a:solidFill>
                   <a:srgbClr val="CCCCCC"/>
                 </a:solidFill>
@@ -10442,7 +10442,7 @@
               <a:buNone/>
             </a:pPr>
             <a:r>
-              <a:rPr lang="de-AT" b="0" dirty="0">
+              <a:rPr lang="de-AT" sz="2600" b="0" dirty="0">
                 <a:solidFill>
                   <a:srgbClr val="CCCCCC"/>
                 </a:solidFill>

--- a/Pres.pptx
+++ b/Pres.pptx
@@ -12,13 +12,12 @@
     <p:sldId id="274" r:id="rId6"/>
     <p:sldId id="260" r:id="rId7"/>
     <p:sldId id="268" r:id="rId8"/>
-    <p:sldId id="265" r:id="rId9"/>
-    <p:sldId id="267" r:id="rId10"/>
-    <p:sldId id="276" r:id="rId11"/>
-    <p:sldId id="271" r:id="rId12"/>
-    <p:sldId id="272" r:id="rId13"/>
-    <p:sldId id="258" r:id="rId14"/>
-    <p:sldId id="273" r:id="rId15"/>
+    <p:sldId id="277" r:id="rId9"/>
+    <p:sldId id="265" r:id="rId10"/>
+    <p:sldId id="267" r:id="rId11"/>
+    <p:sldId id="276" r:id="rId12"/>
+    <p:sldId id="258" r:id="rId13"/>
+    <p:sldId id="273" r:id="rId14"/>
   </p:sldIdLst>
   <p:sldSz cx="12192000" cy="6858000"/>
   <p:notesSz cx="6858000" cy="9144000"/>
@@ -272,7 +271,7 @@
           <a:p>
             <a:fld id="{98C5D0A0-7D22-BE42-9A30-B4115F904EDD}" type="datetimeFigureOut">
               <a:rPr lang="de-DE" smtClean="0"/>
-              <a:t>27.11.23</a:t>
+              <a:t>28.11.23</a:t>
             </a:fld>
             <a:endParaRPr lang="de-DE"/>
           </a:p>
@@ -470,7 +469,7 @@
           <a:p>
             <a:fld id="{98C5D0A0-7D22-BE42-9A30-B4115F904EDD}" type="datetimeFigureOut">
               <a:rPr lang="de-DE" smtClean="0"/>
-              <a:t>27.11.23</a:t>
+              <a:t>28.11.23</a:t>
             </a:fld>
             <a:endParaRPr lang="de-DE"/>
           </a:p>
@@ -678,7 +677,7 @@
           <a:p>
             <a:fld id="{98C5D0A0-7D22-BE42-9A30-B4115F904EDD}" type="datetimeFigureOut">
               <a:rPr lang="de-DE" smtClean="0"/>
-              <a:t>27.11.23</a:t>
+              <a:t>28.11.23</a:t>
             </a:fld>
             <a:endParaRPr lang="de-DE"/>
           </a:p>
@@ -876,7 +875,7 @@
           <a:p>
             <a:fld id="{98C5D0A0-7D22-BE42-9A30-B4115F904EDD}" type="datetimeFigureOut">
               <a:rPr lang="de-DE" smtClean="0"/>
-              <a:t>27.11.23</a:t>
+              <a:t>28.11.23</a:t>
             </a:fld>
             <a:endParaRPr lang="de-DE"/>
           </a:p>
@@ -1151,7 +1150,7 @@
           <a:p>
             <a:fld id="{98C5D0A0-7D22-BE42-9A30-B4115F904EDD}" type="datetimeFigureOut">
               <a:rPr lang="de-DE" smtClean="0"/>
-              <a:t>27.11.23</a:t>
+              <a:t>28.11.23</a:t>
             </a:fld>
             <a:endParaRPr lang="de-DE"/>
           </a:p>
@@ -1416,7 +1415,7 @@
           <a:p>
             <a:fld id="{98C5D0A0-7D22-BE42-9A30-B4115F904EDD}" type="datetimeFigureOut">
               <a:rPr lang="de-DE" smtClean="0"/>
-              <a:t>27.11.23</a:t>
+              <a:t>28.11.23</a:t>
             </a:fld>
             <a:endParaRPr lang="de-DE"/>
           </a:p>
@@ -1828,7 +1827,7 @@
           <a:p>
             <a:fld id="{98C5D0A0-7D22-BE42-9A30-B4115F904EDD}" type="datetimeFigureOut">
               <a:rPr lang="de-DE" smtClean="0"/>
-              <a:t>27.11.23</a:t>
+              <a:t>28.11.23</a:t>
             </a:fld>
             <a:endParaRPr lang="de-DE"/>
           </a:p>
@@ -1969,7 +1968,7 @@
           <a:p>
             <a:fld id="{98C5D0A0-7D22-BE42-9A30-B4115F904EDD}" type="datetimeFigureOut">
               <a:rPr lang="de-DE" smtClean="0"/>
-              <a:t>27.11.23</a:t>
+              <a:t>28.11.23</a:t>
             </a:fld>
             <a:endParaRPr lang="de-DE"/>
           </a:p>
@@ -2082,7 +2081,7 @@
           <a:p>
             <a:fld id="{98C5D0A0-7D22-BE42-9A30-B4115F904EDD}" type="datetimeFigureOut">
               <a:rPr lang="de-DE" smtClean="0"/>
-              <a:t>27.11.23</a:t>
+              <a:t>28.11.23</a:t>
             </a:fld>
             <a:endParaRPr lang="de-DE"/>
           </a:p>
@@ -2393,7 +2392,7 @@
           <a:p>
             <a:fld id="{98C5D0A0-7D22-BE42-9A30-B4115F904EDD}" type="datetimeFigureOut">
               <a:rPr lang="de-DE" smtClean="0"/>
-              <a:t>27.11.23</a:t>
+              <a:t>28.11.23</a:t>
             </a:fld>
             <a:endParaRPr lang="de-DE"/>
           </a:p>
@@ -2681,7 +2680,7 @@
           <a:p>
             <a:fld id="{98C5D0A0-7D22-BE42-9A30-B4115F904EDD}" type="datetimeFigureOut">
               <a:rPr lang="de-DE" smtClean="0"/>
-              <a:t>27.11.23</a:t>
+              <a:t>28.11.23</a:t>
             </a:fld>
             <a:endParaRPr lang="de-DE"/>
           </a:p>
@@ -2922,7 +2921,7 @@
           <a:p>
             <a:fld id="{98C5D0A0-7D22-BE42-9A30-B4115F904EDD}" type="datetimeFigureOut">
               <a:rPr lang="de-DE" smtClean="0"/>
-              <a:t>27.11.23</a:t>
+              <a:t>28.11.23</a:t>
             </a:fld>
             <a:endParaRPr lang="de-DE"/>
           </a:p>
@@ -5660,7 +5659,7 @@
           <p:cNvPr id="2" name="Titel 1">
             <a:extLst>
               <a:ext uri="{FF2B5EF4-FFF2-40B4-BE49-F238E27FC236}">
-                <a16:creationId xmlns:a16="http://schemas.microsoft.com/office/drawing/2014/main" id="{E00DC508-FB0F-5FFB-9F5A-7406A10FCDC9}"/>
+                <a16:creationId xmlns:a16="http://schemas.microsoft.com/office/drawing/2014/main" id="{751842EB-203D-FD96-6EDF-06C32DE3C360}"/>
               </a:ext>
             </a:extLst>
           </p:cNvPr>
@@ -5677,26 +5676,14 @@
           <a:lstStyle/>
           <a:p>
             <a:r>
+              <a:rPr lang="de-DE" dirty="0"/>
+              <a:t>Customize a </a:t>
+            </a:r>
+            <a:r>
               <a:rPr lang="de-DE" dirty="0" err="1"/>
-              <a:t>Serve</a:t>
-            </a:r>
-            <a:r>
-              <a:rPr lang="de-DE" dirty="0"/>
-              <a:t> a </a:t>
-            </a:r>
-            <a:r>
-              <a:rPr lang="de-DE" dirty="0" err="1"/>
-              <a:t>static</a:t>
-            </a:r>
-            <a:r>
-              <a:rPr lang="de-DE" dirty="0"/>
-              <a:t> </a:t>
-            </a:r>
-            <a:r>
-              <a:rPr lang="de-DE" dirty="0" err="1"/>
-              <a:t>files</a:t>
-            </a:r>
-            <a:endParaRPr lang="de-DE" dirty="0"/>
+              <a:t>HttpResponse</a:t>
+            </a:r>
+            <a:endParaRPr lang="de-AT" dirty="0"/>
           </a:p>
         </p:txBody>
       </p:sp>
@@ -5705,7 +5692,7 @@
           <p:cNvPr id="3" name="Inhaltsplatzhalter 2">
             <a:extLst>
               <a:ext uri="{FF2B5EF4-FFF2-40B4-BE49-F238E27FC236}">
-                <a16:creationId xmlns:a16="http://schemas.microsoft.com/office/drawing/2014/main" id="{961BB639-1270-6FC3-AC96-239D018F1820}"/>
+                <a16:creationId xmlns:a16="http://schemas.microsoft.com/office/drawing/2014/main" id="{7E4BFCF8-2ADC-1A5C-6E3D-63B4575E4FDE}"/>
               </a:ext>
             </a:extLst>
           </p:cNvPr>
@@ -5718,456 +5705,63 @@
         </p:nvSpPr>
         <p:spPr/>
         <p:txBody>
-          <a:bodyPr>
-            <a:normAutofit lnSpcReduction="10000"/>
-          </a:bodyPr>
+          <a:bodyPr/>
           <a:lstStyle/>
           <a:p>
             <a:pPr marL="0" indent="0">
               <a:buNone/>
             </a:pPr>
-            <a:endParaRPr lang="de-AT" sz="1800" b="0" dirty="0">
-              <a:solidFill>
-                <a:srgbClr val="D4D4D4"/>
-              </a:solidFill>
-              <a:effectLst/>
-              <a:latin typeface="Menlo" panose="020B0609030804020204" pitchFamily="49" charset="0"/>
-            </a:endParaRPr>
-          </a:p>
-          <a:p>
-            <a:pPr marL="0" indent="0">
-              <a:buNone/>
-            </a:pPr>
-            <a:r>
-              <a:rPr lang="de-DE" sz="1800" dirty="0" err="1"/>
-              <a:t>To</a:t>
-            </a:r>
-            <a:r>
-              <a:rPr lang="de-DE" sz="1800" dirty="0"/>
+            <a:r>
+              <a:rPr lang="de-DE" dirty="0"/>
+              <a:t>The Responder </a:t>
+            </a:r>
+            <a:r>
+              <a:rPr lang="de-DE" dirty="0" err="1"/>
+              <a:t>trait</a:t>
+            </a:r>
+            <a:r>
+              <a:rPr lang="de-DE" dirty="0"/>
               <a:t> </a:t>
             </a:r>
             <a:r>
-              <a:rPr lang="de-DE" sz="1800" dirty="0" err="1"/>
-              <a:t>serve</a:t>
-            </a:r>
-            <a:r>
-              <a:rPr lang="de-DE" sz="1800" dirty="0"/>
+              <a:rPr lang="de-DE" dirty="0" err="1"/>
+              <a:t>provides</a:t>
+            </a:r>
+            <a:r>
+              <a:rPr lang="de-DE" dirty="0"/>
+              <a:t> a </a:t>
+            </a:r>
+            <a:r>
+              <a:rPr lang="de-DE" dirty="0" err="1"/>
+              <a:t>method</a:t>
+            </a:r>
+            <a:r>
+              <a:rPr lang="de-DE" dirty="0"/>
               <a:t> </a:t>
             </a:r>
             <a:r>
-              <a:rPr lang="de-DE" sz="1800" dirty="0" err="1"/>
-              <a:t>static</a:t>
-            </a:r>
-            <a:r>
-              <a:rPr lang="de-DE" sz="1800" dirty="0"/>
+              <a:rPr lang="de-DE" dirty="0" err="1"/>
+              <a:t>for</a:t>
+            </a:r>
+            <a:r>
+              <a:rPr lang="de-DE" dirty="0"/>
               <a:t> </a:t>
             </a:r>
             <a:r>
-              <a:rPr lang="de-DE" sz="1800" dirty="0" err="1"/>
-              <a:t>files</a:t>
-            </a:r>
-            <a:r>
-              <a:rPr lang="de-DE" sz="1800" dirty="0"/>
+              <a:rPr lang="de-DE" dirty="0" err="1"/>
+              <a:t>customizing</a:t>
+            </a:r>
+            <a:r>
+              <a:rPr lang="de-DE" dirty="0"/>
               <a:t> </a:t>
             </a:r>
             <a:r>
-              <a:rPr lang="de-DE" sz="1800" dirty="0" err="1"/>
-              <a:t>you</a:t>
-            </a:r>
-            <a:r>
-              <a:rPr lang="de-DE" sz="1800" dirty="0"/>
-              <a:t> </a:t>
-            </a:r>
-            <a:r>
-              <a:rPr lang="de-DE" sz="1800" dirty="0" err="1"/>
-              <a:t>can</a:t>
-            </a:r>
-            <a:r>
-              <a:rPr lang="de-DE" sz="1800" dirty="0"/>
-              <a:t> </a:t>
-            </a:r>
-            <a:r>
-              <a:rPr lang="de-DE" sz="1800" dirty="0" err="1"/>
-              <a:t>use</a:t>
-            </a:r>
-            <a:r>
-              <a:rPr lang="de-DE" sz="1800" dirty="0"/>
-              <a:t> </a:t>
-            </a:r>
-            <a:r>
-              <a:rPr lang="de-DE" sz="1800" dirty="0" err="1"/>
-              <a:t>the</a:t>
-            </a:r>
-            <a:r>
-              <a:rPr lang="de-DE" sz="1800" dirty="0"/>
-              <a:t> </a:t>
-            </a:r>
-            <a:r>
-              <a:rPr lang="de-DE" sz="1800" dirty="0" err="1"/>
-              <a:t>actix</a:t>
-            </a:r>
-            <a:r>
-              <a:rPr lang="de-DE" sz="1800" dirty="0"/>
-              <a:t>-files </a:t>
-            </a:r>
-            <a:r>
-              <a:rPr lang="de-DE" sz="1800" dirty="0" err="1"/>
-              <a:t>crate</a:t>
-            </a:r>
-            <a:endParaRPr lang="de-DE" sz="1800" dirty="0"/>
-          </a:p>
-          <a:p>
-            <a:pPr marL="0" indent="0">
-              <a:buNone/>
-            </a:pPr>
-            <a:endParaRPr lang="de-DE" sz="1800" dirty="0"/>
-          </a:p>
-          <a:p>
-            <a:pPr marL="0" indent="0">
-              <a:buNone/>
-            </a:pPr>
-            <a:r>
-              <a:rPr lang="de-DE" sz="1800" dirty="0" err="1"/>
-              <a:t>Cargo.toml</a:t>
-            </a:r>
-            <a:r>
-              <a:rPr lang="de-DE" sz="1800" dirty="0"/>
+              <a:rPr lang="de-DE" dirty="0" err="1"/>
+              <a:t>responses</a:t>
+            </a:r>
+            <a:r>
+              <a:rPr lang="de-DE" dirty="0"/>
               <a:t>:</a:t>
-            </a:r>
-          </a:p>
-          <a:p>
-            <a:pPr marL="0" indent="0">
-              <a:buNone/>
-            </a:pPr>
-            <a:r>
-              <a:rPr lang="de-DE" sz="1800" dirty="0">
-                <a:solidFill>
-                  <a:schemeClr val="bg2">
-                    <a:lumMod val="75000"/>
-                  </a:schemeClr>
-                </a:solidFill>
-              </a:rPr>
-              <a:t>[</a:t>
-            </a:r>
-            <a:r>
-              <a:rPr lang="de-DE" sz="1800" dirty="0" err="1">
-                <a:solidFill>
-                  <a:schemeClr val="bg2">
-                    <a:lumMod val="75000"/>
-                  </a:schemeClr>
-                </a:solidFill>
-              </a:rPr>
-              <a:t>dependencies</a:t>
-            </a:r>
-            <a:r>
-              <a:rPr lang="de-DE" sz="1800" dirty="0">
-                <a:solidFill>
-                  <a:schemeClr val="bg2">
-                    <a:lumMod val="75000"/>
-                  </a:schemeClr>
-                </a:solidFill>
-              </a:rPr>
-              <a:t>]</a:t>
-            </a:r>
-          </a:p>
-          <a:p>
-            <a:pPr marL="0" indent="0">
-              <a:buNone/>
-            </a:pPr>
-            <a:r>
-              <a:rPr lang="de-DE" sz="1800" dirty="0" err="1">
-                <a:solidFill>
-                  <a:schemeClr val="bg2">
-                    <a:lumMod val="75000"/>
-                  </a:schemeClr>
-                </a:solidFill>
-              </a:rPr>
-              <a:t>actix</a:t>
-            </a:r>
-            <a:r>
-              <a:rPr lang="de-DE" sz="1800" dirty="0">
-                <a:solidFill>
-                  <a:schemeClr val="bg2">
-                    <a:lumMod val="75000"/>
-                  </a:schemeClr>
-                </a:solidFill>
-              </a:rPr>
-              <a:t>-files = "0.6.2"</a:t>
-            </a:r>
-          </a:p>
-          <a:p>
-            <a:pPr marL="0" indent="0">
-              <a:buNone/>
-            </a:pPr>
-            <a:endParaRPr lang="de-DE" sz="1800" dirty="0">
-              <a:solidFill>
-                <a:schemeClr val="bg2">
-                  <a:lumMod val="75000"/>
-                </a:schemeClr>
-              </a:solidFill>
-            </a:endParaRPr>
-          </a:p>
-          <a:p>
-            <a:pPr marL="0" indent="0">
-              <a:buNone/>
-            </a:pPr>
-            <a:r>
-              <a:rPr lang="de-DE" sz="1800" dirty="0"/>
-              <a:t> </a:t>
-            </a:r>
-            <a:r>
-              <a:rPr lang="de-DE" sz="1800" dirty="0" err="1"/>
-              <a:t>Example</a:t>
-            </a:r>
-            <a:r>
-              <a:rPr lang="de-DE" sz="1800" dirty="0"/>
-              <a:t>:</a:t>
-            </a:r>
-          </a:p>
-          <a:p>
-            <a:pPr marL="0" indent="0">
-              <a:buNone/>
-            </a:pPr>
-            <a:endParaRPr lang="de-AT" sz="1800" dirty="0">
-              <a:solidFill>
-                <a:srgbClr val="D4D4D4"/>
-              </a:solidFill>
-              <a:latin typeface="Menlo" panose="020B0609030804020204" pitchFamily="49" charset="0"/>
-            </a:endParaRPr>
-          </a:p>
-          <a:p>
-            <a:pPr marL="0" indent="0">
-              <a:buNone/>
-            </a:pPr>
-            <a:r>
-              <a:rPr lang="de-AT" sz="1800" b="0" dirty="0">
-                <a:solidFill>
-                  <a:srgbClr val="D4D4D4"/>
-                </a:solidFill>
-                <a:effectLst/>
-                <a:latin typeface="Menlo" panose="020B0609030804020204" pitchFamily="49" charset="0"/>
-              </a:rPr>
-              <a:t>.</a:t>
-            </a:r>
-            <a:r>
-              <a:rPr lang="de-AT" sz="1800" b="0" dirty="0" err="1">
-                <a:solidFill>
-                  <a:srgbClr val="DCDCAA"/>
-                </a:solidFill>
-                <a:effectLst/>
-                <a:latin typeface="Menlo" panose="020B0609030804020204" pitchFamily="49" charset="0"/>
-              </a:rPr>
-              <a:t>service</a:t>
-            </a:r>
-            <a:r>
-              <a:rPr lang="de-AT" sz="1800" b="0" dirty="0">
-                <a:solidFill>
-                  <a:srgbClr val="CCCCCC"/>
-                </a:solidFill>
-                <a:effectLst/>
-                <a:latin typeface="Menlo" panose="020B0609030804020204" pitchFamily="49" charset="0"/>
-              </a:rPr>
-              <a:t>(</a:t>
-            </a:r>
-          </a:p>
-          <a:p>
-            <a:pPr marL="0" indent="0">
-              <a:buNone/>
-            </a:pPr>
-            <a:r>
-              <a:rPr lang="de-AT" sz="1800" b="0" dirty="0">
-                <a:solidFill>
-                  <a:srgbClr val="4EC9B0"/>
-                </a:solidFill>
-                <a:effectLst/>
-                <a:latin typeface="Menlo" panose="020B0609030804020204" pitchFamily="49" charset="0"/>
-              </a:rPr>
-              <a:t>	</a:t>
-            </a:r>
-            <a:r>
-              <a:rPr lang="de-AT" sz="1800" b="0" dirty="0" err="1">
-                <a:solidFill>
-                  <a:srgbClr val="4EC9B0"/>
-                </a:solidFill>
-                <a:effectLst/>
-                <a:latin typeface="Menlo" panose="020B0609030804020204" pitchFamily="49" charset="0"/>
-              </a:rPr>
-              <a:t>actix_files</a:t>
-            </a:r>
-            <a:r>
-              <a:rPr lang="de-AT" sz="1800" b="0" dirty="0">
-                <a:solidFill>
-                  <a:srgbClr val="D4D4D4"/>
-                </a:solidFill>
-                <a:effectLst/>
-                <a:latin typeface="Menlo" panose="020B0609030804020204" pitchFamily="49" charset="0"/>
-              </a:rPr>
-              <a:t>::</a:t>
-            </a:r>
-            <a:r>
-              <a:rPr lang="de-AT" sz="1800" b="0" dirty="0">
-                <a:solidFill>
-                  <a:srgbClr val="4EC9B0"/>
-                </a:solidFill>
-                <a:effectLst/>
-                <a:latin typeface="Menlo" panose="020B0609030804020204" pitchFamily="49" charset="0"/>
-              </a:rPr>
-              <a:t>Files</a:t>
-            </a:r>
-            <a:r>
-              <a:rPr lang="de-AT" sz="1800" b="0" dirty="0">
-                <a:solidFill>
-                  <a:srgbClr val="D4D4D4"/>
-                </a:solidFill>
-                <a:effectLst/>
-                <a:latin typeface="Menlo" panose="020B0609030804020204" pitchFamily="49" charset="0"/>
-              </a:rPr>
-              <a:t>::</a:t>
-            </a:r>
-            <a:r>
-              <a:rPr lang="de-AT" sz="1800" b="0" dirty="0" err="1">
-                <a:solidFill>
-                  <a:srgbClr val="DCDCAA"/>
-                </a:solidFill>
-                <a:effectLst/>
-                <a:latin typeface="Menlo" panose="020B0609030804020204" pitchFamily="49" charset="0"/>
-              </a:rPr>
-              <a:t>new</a:t>
-            </a:r>
-            <a:r>
-              <a:rPr lang="de-AT" sz="1800" b="0" dirty="0">
-                <a:solidFill>
-                  <a:srgbClr val="CCCCCC"/>
-                </a:solidFill>
-                <a:effectLst/>
-                <a:latin typeface="Menlo" panose="020B0609030804020204" pitchFamily="49" charset="0"/>
-              </a:rPr>
-              <a:t>(</a:t>
-            </a:r>
-            <a:r>
-              <a:rPr lang="de-AT" sz="1800" b="0" dirty="0">
-                <a:solidFill>
-                  <a:srgbClr val="CE9178"/>
-                </a:solidFill>
-                <a:effectLst/>
-                <a:latin typeface="Menlo" panose="020B0609030804020204" pitchFamily="49" charset="0"/>
-              </a:rPr>
-              <a:t>"/</a:t>
-            </a:r>
-            <a:r>
-              <a:rPr lang="de-AT" sz="1800" b="0" dirty="0" err="1">
-                <a:solidFill>
-                  <a:srgbClr val="CE9178"/>
-                </a:solidFill>
-                <a:effectLst/>
-                <a:latin typeface="Menlo" panose="020B0609030804020204" pitchFamily="49" charset="0"/>
-              </a:rPr>
-              <a:t>static</a:t>
-            </a:r>
-            <a:r>
-              <a:rPr lang="de-AT" sz="1800" b="0" dirty="0">
-                <a:solidFill>
-                  <a:srgbClr val="CE9178"/>
-                </a:solidFill>
-                <a:effectLst/>
-                <a:latin typeface="Menlo" panose="020B0609030804020204" pitchFamily="49" charset="0"/>
-              </a:rPr>
-              <a:t>"</a:t>
-            </a:r>
-            <a:r>
-              <a:rPr lang="de-AT" sz="1800" b="0" dirty="0">
-                <a:solidFill>
-                  <a:srgbClr val="CCCCCC"/>
-                </a:solidFill>
-                <a:effectLst/>
-                <a:latin typeface="Menlo" panose="020B0609030804020204" pitchFamily="49" charset="0"/>
-              </a:rPr>
-              <a:t>, </a:t>
-            </a:r>
-            <a:r>
-              <a:rPr lang="de-AT" sz="1800" b="0" dirty="0">
-                <a:solidFill>
-                  <a:srgbClr val="CE9178"/>
-                </a:solidFill>
-                <a:effectLst/>
-                <a:latin typeface="Menlo" panose="020B0609030804020204" pitchFamily="49" charset="0"/>
-              </a:rPr>
-              <a:t>"./</a:t>
-            </a:r>
-            <a:r>
-              <a:rPr lang="de-AT" sz="1800" b="0" dirty="0" err="1">
-                <a:solidFill>
-                  <a:srgbClr val="CE9178"/>
-                </a:solidFill>
-                <a:effectLst/>
-                <a:latin typeface="Menlo" panose="020B0609030804020204" pitchFamily="49" charset="0"/>
-              </a:rPr>
-              <a:t>static</a:t>
-            </a:r>
-            <a:r>
-              <a:rPr lang="de-AT" sz="1800" b="0" dirty="0">
-                <a:solidFill>
-                  <a:srgbClr val="CE9178"/>
-                </a:solidFill>
-                <a:effectLst/>
-                <a:latin typeface="Menlo" panose="020B0609030804020204" pitchFamily="49" charset="0"/>
-              </a:rPr>
-              <a:t>"</a:t>
-            </a:r>
-            <a:r>
-              <a:rPr lang="de-AT" sz="1800" b="0" dirty="0">
-                <a:solidFill>
-                  <a:srgbClr val="CCCCCC"/>
-                </a:solidFill>
-                <a:effectLst/>
-                <a:latin typeface="Menlo" panose="020B0609030804020204" pitchFamily="49" charset="0"/>
-              </a:rPr>
-              <a:t>)</a:t>
-            </a:r>
-            <a:r>
-              <a:rPr lang="de-AT" sz="1800" b="0" dirty="0">
-                <a:solidFill>
-                  <a:srgbClr val="D4D4D4"/>
-                </a:solidFill>
-                <a:effectLst/>
-                <a:latin typeface="Menlo" panose="020B0609030804020204" pitchFamily="49" charset="0"/>
-              </a:rPr>
-              <a:t>.</a:t>
-            </a:r>
-            <a:r>
-              <a:rPr lang="de-AT" sz="1800" b="0" dirty="0" err="1">
-                <a:solidFill>
-                  <a:srgbClr val="DCDCAA"/>
-                </a:solidFill>
-                <a:effectLst/>
-                <a:latin typeface="Menlo" panose="020B0609030804020204" pitchFamily="49" charset="0"/>
-              </a:rPr>
-              <a:t>show_files_listing</a:t>
-            </a:r>
-            <a:r>
-              <a:rPr lang="de-AT" sz="1800" b="0" dirty="0">
-                <a:solidFill>
-                  <a:srgbClr val="CCCCCC"/>
-                </a:solidFill>
-                <a:effectLst/>
-                <a:latin typeface="Menlo" panose="020B0609030804020204" pitchFamily="49" charset="0"/>
-              </a:rPr>
-              <a:t>()</a:t>
-            </a:r>
-          </a:p>
-          <a:p>
-            <a:pPr marL="0" indent="0">
-              <a:buNone/>
-            </a:pPr>
-            <a:r>
-              <a:rPr lang="de-AT" sz="1800" b="0" dirty="0">
-                <a:solidFill>
-                  <a:srgbClr val="CCCCCC"/>
-                </a:solidFill>
-                <a:effectLst/>
-                <a:latin typeface="Menlo" panose="020B0609030804020204" pitchFamily="49" charset="0"/>
-              </a:rPr>
-              <a:t>)</a:t>
             </a:r>
           </a:p>
           <a:p>
@@ -6175,13 +5769,154 @@
               <a:buNone/>
             </a:pPr>
             <a:endParaRPr lang="de-DE" dirty="0"/>
+          </a:p>
+          <a:p>
+            <a:pPr marL="0" indent="0">
+              <a:buNone/>
+            </a:pPr>
+            <a:r>
+              <a:rPr lang="de-AT" b="0" dirty="0">
+                <a:solidFill>
+                  <a:srgbClr val="DCDCAA"/>
+                </a:solidFill>
+                <a:effectLst/>
+                <a:latin typeface="Consolas" panose="020B0609020204030204" pitchFamily="49" charset="0"/>
+              </a:rPr>
+              <a:t>customize</a:t>
+            </a:r>
+            <a:r>
+              <a:rPr lang="de-AT" b="0" dirty="0">
+                <a:solidFill>
+                  <a:srgbClr val="D4D4D4"/>
+                </a:solidFill>
+                <a:effectLst/>
+                <a:latin typeface="Consolas" panose="020B0609020204030204" pitchFamily="49" charset="0"/>
+              </a:rPr>
+              <a:t>()</a:t>
+            </a:r>
+          </a:p>
+          <a:p>
+            <a:pPr marL="0" indent="0">
+              <a:buNone/>
+            </a:pPr>
+            <a:endParaRPr lang="de-AT" dirty="0"/>
+          </a:p>
+          <a:p>
+            <a:pPr marL="0" indent="0">
+              <a:buNone/>
+            </a:pPr>
+            <a:r>
+              <a:rPr lang="de-AT" dirty="0"/>
+              <a:t>The </a:t>
+            </a:r>
+            <a:r>
+              <a:rPr lang="de-AT" dirty="0" err="1"/>
+              <a:t>HttpResponse</a:t>
+            </a:r>
+            <a:r>
+              <a:rPr lang="de-AT" dirty="0"/>
+              <a:t> </a:t>
+            </a:r>
+            <a:r>
+              <a:rPr lang="de-AT" dirty="0" err="1"/>
+              <a:t>struct</a:t>
+            </a:r>
+            <a:r>
+              <a:rPr lang="de-AT" dirty="0"/>
+              <a:t> </a:t>
+            </a:r>
+            <a:r>
+              <a:rPr lang="de-AT" dirty="0" err="1"/>
+              <a:t>provides</a:t>
+            </a:r>
+            <a:r>
+              <a:rPr lang="de-AT" dirty="0"/>
+              <a:t> a </a:t>
+            </a:r>
+            <a:r>
+              <a:rPr lang="de-AT" dirty="0" err="1"/>
+              <a:t>method</a:t>
+            </a:r>
+            <a:r>
+              <a:rPr lang="de-AT" dirty="0"/>
+              <a:t> </a:t>
+            </a:r>
+            <a:r>
+              <a:rPr lang="de-AT" dirty="0" err="1"/>
+              <a:t>to</a:t>
+            </a:r>
+            <a:r>
+              <a:rPr lang="de-AT" dirty="0"/>
+              <a:t> </a:t>
+            </a:r>
+            <a:r>
+              <a:rPr lang="de-AT" dirty="0" err="1"/>
+              <a:t>build</a:t>
+            </a:r>
+            <a:r>
+              <a:rPr lang="de-AT" dirty="0"/>
+              <a:t> a </a:t>
+            </a:r>
+            <a:r>
+              <a:rPr lang="de-AT" dirty="0" err="1"/>
+              <a:t>customized</a:t>
+            </a:r>
+            <a:r>
+              <a:rPr lang="de-AT" dirty="0"/>
+              <a:t> </a:t>
+            </a:r>
+            <a:r>
+              <a:rPr lang="de-AT" dirty="0" err="1"/>
+              <a:t>response</a:t>
+            </a:r>
+            <a:r>
+              <a:rPr lang="de-AT" dirty="0"/>
+              <a:t>:</a:t>
+            </a:r>
+          </a:p>
+          <a:p>
+            <a:pPr marL="0" indent="0">
+              <a:buNone/>
+            </a:pPr>
+            <a:endParaRPr lang="de-AT" dirty="0"/>
+          </a:p>
+          <a:p>
+            <a:pPr marL="0" indent="0">
+              <a:buNone/>
+            </a:pPr>
+            <a:r>
+              <a:rPr lang="de-AT" b="0" dirty="0" err="1">
+                <a:solidFill>
+                  <a:srgbClr val="DCDCAA"/>
+                </a:solidFill>
+                <a:effectLst/>
+                <a:latin typeface="Consolas" panose="020B0609020204030204" pitchFamily="49" charset="0"/>
+              </a:rPr>
+              <a:t>build</a:t>
+            </a:r>
+            <a:r>
+              <a:rPr lang="de-AT" b="0" dirty="0">
+                <a:solidFill>
+                  <a:srgbClr val="D4D4D4"/>
+                </a:solidFill>
+                <a:effectLst/>
+                <a:latin typeface="Consolas" panose="020B0609020204030204" pitchFamily="49" charset="0"/>
+              </a:rPr>
+              <a:t>()</a:t>
+            </a:r>
+          </a:p>
+          <a:p>
+            <a:pPr marL="0" indent="0">
+              <a:buNone/>
+            </a:pPr>
+            <a:endParaRPr lang="de-AT" dirty="0"/>
           </a:p>
         </p:txBody>
       </p:sp>
     </p:spTree>
     <p:extLst>
       <p:ext uri="{BB962C8B-B14F-4D97-AF65-F5344CB8AC3E}">
-        <p14:creationId xmlns:p14="http://schemas.microsoft.com/office/powerpoint/2010/main" val="182428383"/>
+        <p14:creationId xmlns:p14="http://schemas.microsoft.com/office/powerpoint/2010/main" val="3749233082"/>
       </p:ext>
     </p:extLst>
   </p:cSld>
@@ -6213,7 +5948,7 @@
           <p:cNvPr id="2" name="Titel 1">
             <a:extLst>
               <a:ext uri="{FF2B5EF4-FFF2-40B4-BE49-F238E27FC236}">
-                <a16:creationId xmlns:a16="http://schemas.microsoft.com/office/drawing/2014/main" id="{E497031A-86A4-6BB3-5200-F41FF11238C0}"/>
+                <a16:creationId xmlns:a16="http://schemas.microsoft.com/office/drawing/2014/main" id="{E00DC508-FB0F-5FFB-9F5A-7406A10FCDC9}"/>
               </a:ext>
             </a:extLst>
           </p:cNvPr>
@@ -6230,12 +5965,24 @@
           <a:lstStyle/>
           <a:p>
             <a:r>
+              <a:rPr lang="de-DE" dirty="0" err="1"/>
+              <a:t>Serve</a:t>
+            </a:r>
+            <a:r>
               <a:rPr lang="de-DE" dirty="0"/>
-              <a:t>Add </a:t>
+              <a:t> a </a:t>
             </a:r>
             <a:r>
               <a:rPr lang="de-DE" dirty="0" err="1"/>
-              <a:t>middleware</a:t>
+              <a:t>static</a:t>
+            </a:r>
+            <a:r>
+              <a:rPr lang="de-DE" dirty="0"/>
+              <a:t> </a:t>
+            </a:r>
+            <a:r>
+              <a:rPr lang="de-DE" dirty="0" err="1"/>
+              <a:t>files</a:t>
             </a:r>
             <a:endParaRPr lang="de-DE" dirty="0"/>
           </a:p>
@@ -6246,7 +5993,7 @@
           <p:cNvPr id="3" name="Inhaltsplatzhalter 2">
             <a:extLst>
               <a:ext uri="{FF2B5EF4-FFF2-40B4-BE49-F238E27FC236}">
-                <a16:creationId xmlns:a16="http://schemas.microsoft.com/office/drawing/2014/main" id="{4CC299E8-1569-C006-2355-07D41E93F1AD}"/>
+                <a16:creationId xmlns:a16="http://schemas.microsoft.com/office/drawing/2014/main" id="{961BB639-1270-6FC3-AC96-239D018F1820}"/>
               </a:ext>
             </a:extLst>
           </p:cNvPr>
@@ -6259,197 +6006,456 @@
         </p:nvSpPr>
         <p:spPr/>
         <p:txBody>
-          <a:bodyPr/>
+          <a:bodyPr>
+            <a:normAutofit lnSpcReduction="10000"/>
+          </a:bodyPr>
           <a:lstStyle/>
           <a:p>
             <a:pPr marL="0" indent="0">
               <a:buNone/>
             </a:pPr>
-            <a:r>
-              <a:rPr lang="de-DE" dirty="0"/>
-              <a:t>The </a:t>
-            </a:r>
-            <a:r>
-              <a:rPr lang="de-DE" dirty="0" err="1"/>
-              <a:t>middleware</a:t>
-            </a:r>
-            <a:r>
-              <a:rPr lang="de-DE" dirty="0"/>
+            <a:endParaRPr lang="de-AT" sz="1800" b="0" dirty="0">
+              <a:solidFill>
+                <a:srgbClr val="D4D4D4"/>
+              </a:solidFill>
+              <a:effectLst/>
+              <a:latin typeface="Menlo" panose="020B0609030804020204" pitchFamily="49" charset="0"/>
+            </a:endParaRPr>
+          </a:p>
+          <a:p>
+            <a:pPr marL="0" indent="0">
+              <a:buNone/>
+            </a:pPr>
+            <a:r>
+              <a:rPr lang="de-DE" sz="1800" dirty="0" err="1"/>
+              <a:t>To</a:t>
+            </a:r>
+            <a:r>
+              <a:rPr lang="de-DE" sz="1800" dirty="0"/>
               <a:t> </a:t>
             </a:r>
             <a:r>
-              <a:rPr lang="de-DE" dirty="0" err="1"/>
-              <a:t>module</a:t>
-            </a:r>
-            <a:r>
-              <a:rPr lang="de-DE" dirty="0"/>
+              <a:rPr lang="de-DE" sz="1800" dirty="0" err="1"/>
+              <a:t>serve</a:t>
+            </a:r>
+            <a:r>
+              <a:rPr lang="de-DE" sz="1800" dirty="0"/>
               <a:t> </a:t>
             </a:r>
             <a:r>
-              <a:rPr lang="de-DE" dirty="0" err="1"/>
-              <a:t>provides</a:t>
-            </a:r>
-            <a:r>
-              <a:rPr lang="de-DE" dirty="0"/>
+              <a:rPr lang="de-DE" sz="1800" dirty="0" err="1"/>
+              <a:t>static</a:t>
+            </a:r>
+            <a:r>
+              <a:rPr lang="de-DE" sz="1800" dirty="0"/>
               <a:t> </a:t>
             </a:r>
             <a:r>
-              <a:rPr lang="de-DE" dirty="0" err="1"/>
-              <a:t>useful</a:t>
-            </a:r>
-            <a:r>
-              <a:rPr lang="de-DE" dirty="0"/>
+              <a:rPr lang="de-DE" sz="1800" dirty="0" err="1"/>
+              <a:t>files</a:t>
+            </a:r>
+            <a:r>
+              <a:rPr lang="de-DE" sz="1800" dirty="0"/>
               <a:t> </a:t>
             </a:r>
             <a:r>
-              <a:rPr lang="de-DE" dirty="0" err="1"/>
-              <a:t>tools</a:t>
-            </a:r>
-            <a:r>
-              <a:rPr lang="de-DE" dirty="0"/>
+              <a:rPr lang="de-DE" sz="1800" dirty="0" err="1"/>
+              <a:t>you</a:t>
+            </a:r>
+            <a:r>
+              <a:rPr lang="de-DE" sz="1800" dirty="0"/>
               <a:t> </a:t>
             </a:r>
             <a:r>
-              <a:rPr lang="de-DE" dirty="0" err="1"/>
-              <a:t>for</a:t>
-            </a:r>
-            <a:r>
-              <a:rPr lang="de-DE" dirty="0"/>
+              <a:rPr lang="de-DE" sz="1800" dirty="0" err="1"/>
+              <a:t>can</a:t>
+            </a:r>
+            <a:r>
+              <a:rPr lang="de-DE" sz="1800" dirty="0"/>
               <a:t> </a:t>
             </a:r>
             <a:r>
-              <a:rPr lang="de-DE" dirty="0" err="1"/>
-              <a:t>pre-processing</a:t>
-            </a:r>
-            <a:r>
-              <a:rPr lang="de-DE" dirty="0"/>
+              <a:rPr lang="de-DE" sz="1800" dirty="0" err="1"/>
+              <a:t>use</a:t>
+            </a:r>
+            <a:r>
+              <a:rPr lang="de-DE" sz="1800" dirty="0"/>
               <a:t> </a:t>
             </a:r>
             <a:r>
-              <a:rPr lang="de-DE" dirty="0" err="1"/>
-              <a:t>requests</a:t>
-            </a:r>
-            <a:r>
-              <a:rPr lang="de-DE" dirty="0"/>
-              <a:t> and post-</a:t>
-            </a:r>
-            <a:r>
-              <a:rPr lang="de-DE" dirty="0" err="1"/>
-              <a:t>processing</a:t>
-            </a:r>
-            <a:r>
-              <a:rPr lang="de-DE" dirty="0"/>
+              <a:rPr lang="de-DE" sz="1800" dirty="0" err="1"/>
+              <a:t>the</a:t>
+            </a:r>
+            <a:r>
+              <a:rPr lang="de-DE" sz="1800" dirty="0"/>
               <a:t> </a:t>
             </a:r>
             <a:r>
-              <a:rPr lang="de-DE" dirty="0" err="1"/>
-              <a:t>responses</a:t>
-            </a:r>
-            <a:r>
-              <a:rPr lang="de-DE" dirty="0"/>
+              <a:rPr lang="de-DE" sz="1800" dirty="0" err="1"/>
+              <a:t>actix</a:t>
+            </a:r>
+            <a:r>
+              <a:rPr lang="de-DE" sz="1800" dirty="0"/>
+              <a:t>-files </a:t>
+            </a:r>
+            <a:r>
+              <a:rPr lang="de-DE" sz="1800" dirty="0" err="1"/>
+              <a:t>crate</a:t>
+            </a:r>
+            <a:endParaRPr lang="de-DE" sz="1800" dirty="0"/>
+          </a:p>
+          <a:p>
+            <a:pPr marL="0" indent="0">
+              <a:buNone/>
+            </a:pPr>
+            <a:endParaRPr lang="de-DE" sz="1800" dirty="0"/>
+          </a:p>
+          <a:p>
+            <a:pPr marL="0" indent="0">
+              <a:buNone/>
+            </a:pPr>
+            <a:r>
+              <a:rPr lang="de-DE" sz="1800" dirty="0" err="1"/>
+              <a:t>Cargo.toml</a:t>
+            </a:r>
+            <a:r>
+              <a:rPr lang="de-DE" sz="1800" dirty="0"/>
+              <a:t>:</a:t>
+            </a:r>
+          </a:p>
+          <a:p>
+            <a:pPr marL="0" indent="0">
+              <a:buNone/>
+            </a:pPr>
+            <a:r>
+              <a:rPr lang="de-DE" sz="1800" dirty="0">
+                <a:solidFill>
+                  <a:schemeClr val="bg2">
+                    <a:lumMod val="75000"/>
+                  </a:schemeClr>
+                </a:solidFill>
+              </a:rPr>
+              <a:t>[</a:t>
+            </a:r>
+            <a:r>
+              <a:rPr lang="de-DE" sz="1800" dirty="0" err="1">
+                <a:solidFill>
+                  <a:schemeClr val="bg2">
+                    <a:lumMod val="75000"/>
+                  </a:schemeClr>
+                </a:solidFill>
+              </a:rPr>
+              <a:t>dependencies</a:t>
+            </a:r>
+            <a:r>
+              <a:rPr lang="de-DE" sz="1800" dirty="0">
+                <a:solidFill>
+                  <a:schemeClr val="bg2">
+                    <a:lumMod val="75000"/>
+                  </a:schemeClr>
+                </a:solidFill>
+              </a:rPr>
+              <a:t>]</a:t>
+            </a:r>
+          </a:p>
+          <a:p>
+            <a:pPr marL="0" indent="0">
+              <a:buNone/>
+            </a:pPr>
+            <a:r>
+              <a:rPr lang="de-DE" sz="1800" dirty="0" err="1">
+                <a:solidFill>
+                  <a:schemeClr val="bg2">
+                    <a:lumMod val="75000"/>
+                  </a:schemeClr>
+                </a:solidFill>
+              </a:rPr>
+              <a:t>actix</a:t>
+            </a:r>
+            <a:r>
+              <a:rPr lang="de-DE" sz="1800" dirty="0">
+                <a:solidFill>
+                  <a:schemeClr val="bg2">
+                    <a:lumMod val="75000"/>
+                  </a:schemeClr>
+                </a:solidFill>
+              </a:rPr>
+              <a:t>-files = "0.6.2"</a:t>
+            </a:r>
+          </a:p>
+          <a:p>
+            <a:pPr marL="0" indent="0">
+              <a:buNone/>
+            </a:pPr>
+            <a:endParaRPr lang="de-DE" sz="1800" dirty="0">
+              <a:solidFill>
+                <a:schemeClr val="bg2">
+                  <a:lumMod val="75000"/>
+                </a:schemeClr>
+              </a:solidFill>
+            </a:endParaRPr>
+          </a:p>
+          <a:p>
+            <a:pPr marL="0" indent="0">
+              <a:buNone/>
+            </a:pPr>
+            <a:r>
+              <a:rPr lang="de-DE" sz="1800" dirty="0"/>
+              <a:t> </a:t>
+            </a:r>
+            <a:r>
+              <a:rPr lang="de-DE" sz="1800" dirty="0" err="1"/>
+              <a:t>Example</a:t>
+            </a:r>
+            <a:r>
+              <a:rPr lang="de-DE" sz="1800" dirty="0"/>
+              <a:t>:</a:t>
+            </a:r>
+          </a:p>
+          <a:p>
+            <a:pPr marL="0" indent="0">
+              <a:buNone/>
+            </a:pPr>
+            <a:endParaRPr lang="de-AT" sz="1800" dirty="0">
+              <a:solidFill>
+                <a:srgbClr val="D4D4D4"/>
+              </a:solidFill>
+              <a:latin typeface="Menlo" panose="020B0609030804020204" pitchFamily="49" charset="0"/>
+            </a:endParaRPr>
+          </a:p>
+          <a:p>
+            <a:pPr marL="0" indent="0">
+              <a:buNone/>
+            </a:pPr>
+            <a:r>
+              <a:rPr lang="de-AT" sz="1800" b="0" dirty="0">
+                <a:solidFill>
+                  <a:srgbClr val="D4D4D4"/>
+                </a:solidFill>
+                <a:effectLst/>
+                <a:latin typeface="Menlo" panose="020B0609030804020204" pitchFamily="49" charset="0"/>
+              </a:rPr>
               <a:t>.</a:t>
             </a:r>
+            <a:r>
+              <a:rPr lang="de-AT" sz="1800" b="0" dirty="0" err="1">
+                <a:solidFill>
+                  <a:srgbClr val="DCDCAA"/>
+                </a:solidFill>
+                <a:effectLst/>
+                <a:latin typeface="Menlo" panose="020B0609030804020204" pitchFamily="49" charset="0"/>
+              </a:rPr>
+              <a:t>service</a:t>
+            </a:r>
+            <a:r>
+              <a:rPr lang="de-AT" sz="1800" b="0" dirty="0">
+                <a:solidFill>
+                  <a:srgbClr val="CCCCCC"/>
+                </a:solidFill>
+                <a:effectLst/>
+                <a:latin typeface="Menlo" panose="020B0609030804020204" pitchFamily="49" charset="0"/>
+              </a:rPr>
+              <a:t>(</a:t>
+            </a:r>
           </a:p>
           <a:p>
             <a:pPr marL="0" indent="0">
               <a:buNone/>
             </a:pPr>
-            <a:endParaRPr lang="de-DE" dirty="0"/>
+            <a:r>
+              <a:rPr lang="de-AT" sz="1800" b="0" dirty="0">
+                <a:solidFill>
+                  <a:srgbClr val="4EC9B0"/>
+                </a:solidFill>
+                <a:effectLst/>
+                <a:latin typeface="Menlo" panose="020B0609030804020204" pitchFamily="49" charset="0"/>
+              </a:rPr>
+              <a:t>	</a:t>
+            </a:r>
+            <a:r>
+              <a:rPr lang="de-AT" sz="1800" b="0" dirty="0" err="1">
+                <a:solidFill>
+                  <a:srgbClr val="4EC9B0"/>
+                </a:solidFill>
+                <a:effectLst/>
+                <a:latin typeface="Menlo" panose="020B0609030804020204" pitchFamily="49" charset="0"/>
+              </a:rPr>
+              <a:t>actix_files</a:t>
+            </a:r>
+            <a:r>
+              <a:rPr lang="de-AT" sz="1800" b="0" dirty="0">
+                <a:solidFill>
+                  <a:srgbClr val="D4D4D4"/>
+                </a:solidFill>
+                <a:effectLst/>
+                <a:latin typeface="Menlo" panose="020B0609030804020204" pitchFamily="49" charset="0"/>
+              </a:rPr>
+              <a:t>::</a:t>
+            </a:r>
+            <a:r>
+              <a:rPr lang="de-AT" sz="1800" b="0" dirty="0">
+                <a:solidFill>
+                  <a:srgbClr val="4EC9B0"/>
+                </a:solidFill>
+                <a:effectLst/>
+                <a:latin typeface="Menlo" panose="020B0609030804020204" pitchFamily="49" charset="0"/>
+              </a:rPr>
+              <a:t>Files</a:t>
+            </a:r>
+            <a:r>
+              <a:rPr lang="de-AT" sz="1800" b="0" dirty="0">
+                <a:solidFill>
+                  <a:srgbClr val="D4D4D4"/>
+                </a:solidFill>
+                <a:effectLst/>
+                <a:latin typeface="Menlo" panose="020B0609030804020204" pitchFamily="49" charset="0"/>
+              </a:rPr>
+              <a:t>::</a:t>
+            </a:r>
+            <a:r>
+              <a:rPr lang="de-AT" sz="1800" b="0" dirty="0" err="1">
+                <a:solidFill>
+                  <a:srgbClr val="DCDCAA"/>
+                </a:solidFill>
+                <a:effectLst/>
+                <a:latin typeface="Menlo" panose="020B0609030804020204" pitchFamily="49" charset="0"/>
+              </a:rPr>
+              <a:t>new</a:t>
+            </a:r>
+            <a:r>
+              <a:rPr lang="de-AT" sz="1800" b="0" dirty="0">
+                <a:solidFill>
+                  <a:srgbClr val="CCCCCC"/>
+                </a:solidFill>
+                <a:effectLst/>
+                <a:latin typeface="Menlo" panose="020B0609030804020204" pitchFamily="49" charset="0"/>
+              </a:rPr>
+              <a:t>(</a:t>
+            </a:r>
+            <a:r>
+              <a:rPr lang="de-AT" sz="1800" b="0" dirty="0">
+                <a:solidFill>
+                  <a:srgbClr val="CE9178"/>
+                </a:solidFill>
+                <a:effectLst/>
+                <a:latin typeface="Menlo" panose="020B0609030804020204" pitchFamily="49" charset="0"/>
+              </a:rPr>
+              <a:t>"/</a:t>
+            </a:r>
+            <a:r>
+              <a:rPr lang="de-AT" sz="1800" b="0" dirty="0" err="1">
+                <a:solidFill>
+                  <a:srgbClr val="CE9178"/>
+                </a:solidFill>
+                <a:effectLst/>
+                <a:latin typeface="Menlo" panose="020B0609030804020204" pitchFamily="49" charset="0"/>
+              </a:rPr>
+              <a:t>static</a:t>
+            </a:r>
+            <a:r>
+              <a:rPr lang="de-AT" sz="1800" b="0" dirty="0">
+                <a:solidFill>
+                  <a:srgbClr val="CE9178"/>
+                </a:solidFill>
+                <a:effectLst/>
+                <a:latin typeface="Menlo" panose="020B0609030804020204" pitchFamily="49" charset="0"/>
+              </a:rPr>
+              <a:t>"</a:t>
+            </a:r>
+            <a:r>
+              <a:rPr lang="de-AT" sz="1800" b="0" dirty="0">
+                <a:solidFill>
+                  <a:srgbClr val="CCCCCC"/>
+                </a:solidFill>
+                <a:effectLst/>
+                <a:latin typeface="Menlo" panose="020B0609030804020204" pitchFamily="49" charset="0"/>
+              </a:rPr>
+              <a:t>, </a:t>
+            </a:r>
+            <a:r>
+              <a:rPr lang="de-AT" sz="1800" b="0" dirty="0">
+                <a:solidFill>
+                  <a:srgbClr val="CE9178"/>
+                </a:solidFill>
+                <a:effectLst/>
+                <a:latin typeface="Menlo" panose="020B0609030804020204" pitchFamily="49" charset="0"/>
+              </a:rPr>
+              <a:t>"./</a:t>
+            </a:r>
+            <a:r>
+              <a:rPr lang="de-AT" sz="1800" b="0" dirty="0" err="1">
+                <a:solidFill>
+                  <a:srgbClr val="CE9178"/>
+                </a:solidFill>
+                <a:effectLst/>
+                <a:latin typeface="Menlo" panose="020B0609030804020204" pitchFamily="49" charset="0"/>
+              </a:rPr>
+              <a:t>static</a:t>
+            </a:r>
+            <a:r>
+              <a:rPr lang="de-AT" sz="1800" b="0" dirty="0">
+                <a:solidFill>
+                  <a:srgbClr val="CE9178"/>
+                </a:solidFill>
+                <a:effectLst/>
+                <a:latin typeface="Menlo" panose="020B0609030804020204" pitchFamily="49" charset="0"/>
+              </a:rPr>
+              <a:t>"</a:t>
+            </a:r>
+            <a:r>
+              <a:rPr lang="de-AT" sz="1800" b="0" dirty="0">
+                <a:solidFill>
+                  <a:srgbClr val="CCCCCC"/>
+                </a:solidFill>
+                <a:effectLst/>
+                <a:latin typeface="Menlo" panose="020B0609030804020204" pitchFamily="49" charset="0"/>
+              </a:rPr>
+              <a:t>)</a:t>
+            </a:r>
+            <a:r>
+              <a:rPr lang="de-AT" sz="1800" b="0" dirty="0">
+                <a:solidFill>
+                  <a:srgbClr val="D4D4D4"/>
+                </a:solidFill>
+                <a:effectLst/>
+                <a:latin typeface="Menlo" panose="020B0609030804020204" pitchFamily="49" charset="0"/>
+              </a:rPr>
+              <a:t>.</a:t>
+            </a:r>
+            <a:r>
+              <a:rPr lang="de-AT" sz="1800" b="0" dirty="0" err="1">
+                <a:solidFill>
+                  <a:srgbClr val="DCDCAA"/>
+                </a:solidFill>
+                <a:effectLst/>
+                <a:latin typeface="Menlo" panose="020B0609030804020204" pitchFamily="49" charset="0"/>
+              </a:rPr>
+              <a:t>show_files_listing</a:t>
+            </a:r>
+            <a:r>
+              <a:rPr lang="de-AT" sz="1800" b="0" dirty="0">
+                <a:solidFill>
+                  <a:srgbClr val="CCCCCC"/>
+                </a:solidFill>
+                <a:effectLst/>
+                <a:latin typeface="Menlo" panose="020B0609030804020204" pitchFamily="49" charset="0"/>
+              </a:rPr>
+              <a:t>()</a:t>
+            </a:r>
           </a:p>
           <a:p>
             <a:pPr marL="0" indent="0">
               <a:buNone/>
             </a:pPr>
             <a:r>
-              <a:rPr lang="de-DE" dirty="0"/>
-              <a:t>Middleware </a:t>
-            </a:r>
-            <a:r>
-              <a:rPr lang="de-DE" dirty="0" err="1"/>
-              <a:t>can</a:t>
-            </a:r>
-            <a:r>
-              <a:rPr lang="de-DE" dirty="0"/>
-              <a:t> </a:t>
-            </a:r>
-            <a:r>
-              <a:rPr lang="de-DE" dirty="0" err="1"/>
-              <a:t>be</a:t>
-            </a:r>
-            <a:r>
-              <a:rPr lang="de-DE" dirty="0"/>
-              <a:t> </a:t>
-            </a:r>
-            <a:r>
-              <a:rPr lang="de-DE" dirty="0" err="1"/>
-              <a:t>added</a:t>
-            </a:r>
-            <a:r>
-              <a:rPr lang="de-DE" dirty="0"/>
-              <a:t> </a:t>
-            </a:r>
-            <a:r>
-              <a:rPr lang="de-DE" dirty="0" err="1"/>
-              <a:t>by</a:t>
-            </a:r>
-            <a:r>
-              <a:rPr lang="de-DE" dirty="0"/>
-              <a:t> </a:t>
-            </a:r>
-            <a:r>
-              <a:rPr lang="de-DE" dirty="0" err="1"/>
-              <a:t>calling</a:t>
-            </a:r>
-            <a:r>
-              <a:rPr lang="de-DE" dirty="0"/>
-              <a:t> </a:t>
-            </a:r>
-            <a:r>
-              <a:rPr lang="de-DE" dirty="0" err="1"/>
-              <a:t>the</a:t>
-            </a:r>
-            <a:r>
-              <a:rPr lang="de-DE" dirty="0"/>
-              <a:t> </a:t>
-            </a:r>
-            <a:r>
-              <a:rPr lang="de-DE" dirty="0" err="1"/>
-              <a:t>wrap-method</a:t>
-            </a:r>
-            <a:r>
-              <a:rPr lang="de-DE" dirty="0"/>
-              <a:t> on an App</a:t>
-            </a:r>
-          </a:p>
-          <a:p>
-            <a:pPr marL="0" indent="0">
-              <a:buNone/>
-            </a:pPr>
-            <a:endParaRPr lang="de-DE" dirty="0"/>
-          </a:p>
-          <a:p>
-            <a:pPr marL="0" indent="0">
-              <a:buNone/>
-            </a:pPr>
-            <a:r>
-              <a:rPr lang="de-AT" b="0" dirty="0" err="1">
-                <a:solidFill>
-                  <a:srgbClr val="DCDCAA"/>
-                </a:solidFill>
-                <a:effectLst/>
-                <a:latin typeface="Menlo" panose="020B0609030804020204" pitchFamily="49" charset="0"/>
-              </a:rPr>
-              <a:t>wrap</a:t>
-            </a:r>
-            <a:r>
-              <a:rPr lang="de-AT" b="0" dirty="0">
+              <a:rPr lang="de-AT" sz="1800" b="0" dirty="0">
                 <a:solidFill>
                   <a:srgbClr val="CCCCCC"/>
                 </a:solidFill>
                 <a:effectLst/>
                 <a:latin typeface="Menlo" panose="020B0609030804020204" pitchFamily="49" charset="0"/>
               </a:rPr>
-              <a:t>()</a:t>
+              <a:t>)</a:t>
             </a:r>
           </a:p>
           <a:p>
@@ -6463,7 +6469,7 @@
     </p:spTree>
     <p:extLst>
       <p:ext uri="{BB962C8B-B14F-4D97-AF65-F5344CB8AC3E}">
-        <p14:creationId xmlns:p14="http://schemas.microsoft.com/office/powerpoint/2010/main" val="4026357082"/>
+        <p14:creationId xmlns:p14="http://schemas.microsoft.com/office/powerpoint/2010/main" val="182428383"/>
       </p:ext>
     </p:extLst>
   </p:cSld>
@@ -6474,452 +6480,6 @@
 </file>
 
 <file path=ppt/slides/slide12.xml><?xml version="1.0" encoding="utf-8"?>
-<p:sld xmlns:a="http://schemas.openxmlformats.org/drawingml/2006/main" xmlns:r="http://schemas.openxmlformats.org/officeDocument/2006/relationships" xmlns:p="http://schemas.openxmlformats.org/presentationml/2006/main">
-  <p:cSld>
-    <p:spTree>
-      <p:nvGrpSpPr>
-        <p:cNvPr id="1" name=""/>
-        <p:cNvGrpSpPr/>
-        <p:nvPr/>
-      </p:nvGrpSpPr>
-      <p:grpSpPr>
-        <a:xfrm>
-          <a:off x="0" y="0"/>
-          <a:ext cx="0" cy="0"/>
-          <a:chOff x="0" y="0"/>
-          <a:chExt cx="0" cy="0"/>
-        </a:xfrm>
-      </p:grpSpPr>
-      <p:sp>
-        <p:nvSpPr>
-          <p:cNvPr id="2" name="Titel 1">
-            <a:extLst>
-              <a:ext uri="{FF2B5EF4-FFF2-40B4-BE49-F238E27FC236}">
-                <a16:creationId xmlns:a16="http://schemas.microsoft.com/office/drawing/2014/main" id="{A81AF49E-5BE2-16CD-7BBF-B15142429A52}"/>
-              </a:ext>
-            </a:extLst>
-          </p:cNvPr>
-          <p:cNvSpPr>
-            <a:spLocks noGrp="1"/>
-          </p:cNvSpPr>
-          <p:nvPr>
-            <p:ph type="title"/>
-          </p:nvPr>
-        </p:nvSpPr>
-        <p:spPr/>
-        <p:txBody>
-          <a:bodyPr/>
-          <a:lstStyle/>
-          <a:p>
-            <a:r>
-              <a:rPr lang="de-DE" dirty="0"/>
-              <a:t>Add </a:t>
-            </a:r>
-            <a:r>
-              <a:rPr lang="de-DE" dirty="0" err="1"/>
-              <a:t>middleware</a:t>
-            </a:r>
-            <a:endParaRPr lang="de-DE" dirty="0"/>
-          </a:p>
-        </p:txBody>
-      </p:sp>
-      <p:sp>
-        <p:nvSpPr>
-          <p:cNvPr id="3" name="Inhaltsplatzhalter 2">
-            <a:extLst>
-              <a:ext uri="{FF2B5EF4-FFF2-40B4-BE49-F238E27FC236}">
-                <a16:creationId xmlns:a16="http://schemas.microsoft.com/office/drawing/2014/main" id="{11C863E4-12AB-63F5-1E3A-2E39AFB1DF1B}"/>
-              </a:ext>
-            </a:extLst>
-          </p:cNvPr>
-          <p:cNvSpPr>
-            <a:spLocks noGrp="1"/>
-          </p:cNvSpPr>
-          <p:nvPr>
-            <p:ph idx="1"/>
-          </p:nvPr>
-        </p:nvSpPr>
-        <p:spPr/>
-        <p:txBody>
-          <a:bodyPr/>
-          <a:lstStyle/>
-          <a:p>
-            <a:pPr marL="0" indent="0">
-              <a:buNone/>
-            </a:pPr>
-            <a:r>
-              <a:rPr lang="de-DE" dirty="0" err="1"/>
-              <a:t>Example</a:t>
-            </a:r>
-            <a:r>
-              <a:rPr lang="de-DE" dirty="0"/>
-              <a:t>:</a:t>
-            </a:r>
-          </a:p>
-          <a:p>
-            <a:pPr marL="0" indent="0">
-              <a:buNone/>
-            </a:pPr>
-            <a:endParaRPr lang="de-DE" dirty="0"/>
-          </a:p>
-          <a:p>
-            <a:pPr marL="0" indent="0">
-              <a:buNone/>
-            </a:pPr>
-            <a:r>
-              <a:rPr lang="de-AT" sz="1800" b="0" dirty="0">
-                <a:solidFill>
-                  <a:srgbClr val="4EC9B0"/>
-                </a:solidFill>
-                <a:effectLst/>
-                <a:latin typeface="Menlo" panose="020B0609030804020204" pitchFamily="49" charset="0"/>
-              </a:rPr>
-              <a:t>App</a:t>
-            </a:r>
-            <a:r>
-              <a:rPr lang="de-AT" sz="1800" b="0" dirty="0">
-                <a:solidFill>
-                  <a:srgbClr val="D4D4D4"/>
-                </a:solidFill>
-                <a:effectLst/>
-                <a:latin typeface="Menlo" panose="020B0609030804020204" pitchFamily="49" charset="0"/>
-              </a:rPr>
-              <a:t>::</a:t>
-            </a:r>
-            <a:r>
-              <a:rPr lang="de-AT" sz="1800" b="0" dirty="0" err="1">
-                <a:solidFill>
-                  <a:srgbClr val="DCDCAA"/>
-                </a:solidFill>
-                <a:effectLst/>
-                <a:latin typeface="Menlo" panose="020B0609030804020204" pitchFamily="49" charset="0"/>
-              </a:rPr>
-              <a:t>new</a:t>
-            </a:r>
-            <a:r>
-              <a:rPr lang="de-AT" sz="1800" b="0" dirty="0">
-                <a:solidFill>
-                  <a:srgbClr val="CCCCCC"/>
-                </a:solidFill>
-                <a:effectLst/>
-                <a:latin typeface="Menlo" panose="020B0609030804020204" pitchFamily="49" charset="0"/>
-              </a:rPr>
-              <a:t>()</a:t>
-            </a:r>
-            <a:endParaRPr lang="de-DE" sz="1800" dirty="0"/>
-          </a:p>
-          <a:p>
-            <a:pPr marL="0" indent="0">
-              <a:buNone/>
-            </a:pPr>
-            <a:r>
-              <a:rPr lang="de-AT" sz="1800" b="0" dirty="0">
-                <a:solidFill>
-                  <a:srgbClr val="DCDCAA"/>
-                </a:solidFill>
-                <a:effectLst/>
-                <a:latin typeface="Menlo" panose="020B0609030804020204" pitchFamily="49" charset="0"/>
-              </a:rPr>
-              <a:t>	.</a:t>
-            </a:r>
-            <a:r>
-              <a:rPr lang="de-AT" sz="1800" b="0" dirty="0" err="1">
-                <a:solidFill>
-                  <a:srgbClr val="DCDCAA"/>
-                </a:solidFill>
-                <a:effectLst/>
-                <a:latin typeface="Menlo" panose="020B0609030804020204" pitchFamily="49" charset="0"/>
-              </a:rPr>
-              <a:t>wrap</a:t>
-            </a:r>
-            <a:r>
-              <a:rPr lang="de-AT" sz="1800" b="0" dirty="0">
-                <a:solidFill>
-                  <a:srgbClr val="CCCCCC"/>
-                </a:solidFill>
-                <a:effectLst/>
-                <a:latin typeface="Menlo" panose="020B0609030804020204" pitchFamily="49" charset="0"/>
-              </a:rPr>
-              <a:t>(</a:t>
-            </a:r>
-          </a:p>
-          <a:p>
-            <a:pPr marL="0" indent="0">
-              <a:buNone/>
-            </a:pPr>
-            <a:r>
-              <a:rPr lang="de-AT" sz="1800" b="0" dirty="0">
-                <a:solidFill>
-                  <a:srgbClr val="4EC9B0"/>
-                </a:solidFill>
-                <a:effectLst/>
-                <a:latin typeface="Menlo" panose="020B0609030804020204" pitchFamily="49" charset="0"/>
-              </a:rPr>
-              <a:t>		</a:t>
-            </a:r>
-            <a:r>
-              <a:rPr lang="de-AT" sz="1800" b="0" dirty="0" err="1">
-                <a:solidFill>
-                  <a:srgbClr val="4EC9B0"/>
-                </a:solidFill>
-                <a:effectLst/>
-                <a:latin typeface="Menlo" panose="020B0609030804020204" pitchFamily="49" charset="0"/>
-              </a:rPr>
-              <a:t>middleware</a:t>
-            </a:r>
-            <a:r>
-              <a:rPr lang="de-AT" sz="1800" b="0" dirty="0">
-                <a:solidFill>
-                  <a:srgbClr val="D4D4D4"/>
-                </a:solidFill>
-                <a:effectLst/>
-                <a:latin typeface="Menlo" panose="020B0609030804020204" pitchFamily="49" charset="0"/>
-              </a:rPr>
-              <a:t>::</a:t>
-            </a:r>
-            <a:r>
-              <a:rPr lang="de-AT" sz="1800" b="0" dirty="0" err="1">
-                <a:solidFill>
-                  <a:srgbClr val="4EC9B0"/>
-                </a:solidFill>
-                <a:effectLst/>
-                <a:latin typeface="Menlo" panose="020B0609030804020204" pitchFamily="49" charset="0"/>
-              </a:rPr>
-              <a:t>DefaultHeaders</a:t>
-            </a:r>
-            <a:r>
-              <a:rPr lang="de-AT" sz="1800" b="0" dirty="0">
-                <a:solidFill>
-                  <a:srgbClr val="D4D4D4"/>
-                </a:solidFill>
-                <a:effectLst/>
-                <a:latin typeface="Menlo" panose="020B0609030804020204" pitchFamily="49" charset="0"/>
-              </a:rPr>
-              <a:t>::</a:t>
-            </a:r>
-            <a:r>
-              <a:rPr lang="de-AT" sz="1800" b="0" dirty="0" err="1">
-                <a:solidFill>
-                  <a:srgbClr val="DCDCAA"/>
-                </a:solidFill>
-                <a:effectLst/>
-                <a:latin typeface="Menlo" panose="020B0609030804020204" pitchFamily="49" charset="0"/>
-              </a:rPr>
-              <a:t>new</a:t>
-            </a:r>
-            <a:r>
-              <a:rPr lang="de-AT" sz="1800" b="0" dirty="0">
-                <a:solidFill>
-                  <a:srgbClr val="CCCCCC"/>
-                </a:solidFill>
-                <a:effectLst/>
-                <a:latin typeface="Menlo" panose="020B0609030804020204" pitchFamily="49" charset="0"/>
-              </a:rPr>
-              <a:t>()</a:t>
-            </a:r>
-            <a:r>
-              <a:rPr lang="de-AT" sz="1800" b="0" dirty="0">
-                <a:solidFill>
-                  <a:srgbClr val="D4D4D4"/>
-                </a:solidFill>
-                <a:effectLst/>
-                <a:latin typeface="Menlo" panose="020B0609030804020204" pitchFamily="49" charset="0"/>
-              </a:rPr>
-              <a:t>.</a:t>
-            </a:r>
-            <a:r>
-              <a:rPr lang="de-AT" sz="1800" b="0" dirty="0" err="1">
-                <a:solidFill>
-                  <a:srgbClr val="DCDCAA"/>
-                </a:solidFill>
-                <a:effectLst/>
-                <a:latin typeface="Menlo" panose="020B0609030804020204" pitchFamily="49" charset="0"/>
-              </a:rPr>
-              <a:t>add</a:t>
-            </a:r>
-            <a:r>
-              <a:rPr lang="de-AT" sz="1800" b="0" dirty="0">
-                <a:solidFill>
-                  <a:srgbClr val="CCCCCC"/>
-                </a:solidFill>
-                <a:effectLst/>
-                <a:latin typeface="Menlo" panose="020B0609030804020204" pitchFamily="49" charset="0"/>
-              </a:rPr>
-              <a:t>((</a:t>
-            </a:r>
-            <a:r>
-              <a:rPr lang="de-AT" sz="1800" b="0" dirty="0">
-                <a:solidFill>
-                  <a:srgbClr val="CE9178"/>
-                </a:solidFill>
-                <a:effectLst/>
-                <a:latin typeface="Menlo" panose="020B0609030804020204" pitchFamily="49" charset="0"/>
-              </a:rPr>
-              <a:t>"x-version"</a:t>
-            </a:r>
-            <a:r>
-              <a:rPr lang="de-AT" sz="1800" b="0" dirty="0">
-                <a:solidFill>
-                  <a:srgbClr val="CCCCCC"/>
-                </a:solidFill>
-                <a:effectLst/>
-                <a:latin typeface="Menlo" panose="020B0609030804020204" pitchFamily="49" charset="0"/>
-              </a:rPr>
-              <a:t>, </a:t>
-            </a:r>
-            <a:r>
-              <a:rPr lang="de-AT" sz="1800" b="0" dirty="0">
-                <a:solidFill>
-                  <a:srgbClr val="CE9178"/>
-                </a:solidFill>
-                <a:effectLst/>
-                <a:latin typeface="Menlo" panose="020B0609030804020204" pitchFamily="49" charset="0"/>
-              </a:rPr>
-              <a:t>"1.0"</a:t>
-            </a:r>
-            <a:r>
-              <a:rPr lang="de-AT" sz="1800" b="0" dirty="0">
-                <a:solidFill>
-                  <a:srgbClr val="CCCCCC"/>
-                </a:solidFill>
-                <a:effectLst/>
-                <a:latin typeface="Menlo" panose="020B0609030804020204" pitchFamily="49" charset="0"/>
-              </a:rPr>
-              <a:t>))</a:t>
-            </a:r>
-          </a:p>
-          <a:p>
-            <a:pPr marL="0" indent="0">
-              <a:buNone/>
-            </a:pPr>
-            <a:r>
-              <a:rPr lang="de-AT" sz="1800" b="0" dirty="0">
-                <a:solidFill>
-                  <a:srgbClr val="CCCCCC"/>
-                </a:solidFill>
-                <a:effectLst/>
-                <a:latin typeface="Menlo" panose="020B0609030804020204" pitchFamily="49" charset="0"/>
-              </a:rPr>
-              <a:t>	)</a:t>
-            </a:r>
-          </a:p>
-          <a:p>
-            <a:pPr marL="0" indent="0">
-              <a:buNone/>
-            </a:pPr>
-            <a:r>
-              <a:rPr lang="de-AT" sz="1800" b="0" dirty="0">
-                <a:solidFill>
-                  <a:srgbClr val="D4D4D4"/>
-                </a:solidFill>
-                <a:effectLst/>
-                <a:latin typeface="Menlo" panose="020B0609030804020204" pitchFamily="49" charset="0"/>
-              </a:rPr>
-              <a:t>	.</a:t>
-            </a:r>
-            <a:r>
-              <a:rPr lang="de-AT" sz="1800" b="0" dirty="0" err="1">
-                <a:solidFill>
-                  <a:srgbClr val="DCDCAA"/>
-                </a:solidFill>
-                <a:effectLst/>
-                <a:latin typeface="Menlo" panose="020B0609030804020204" pitchFamily="49" charset="0"/>
-              </a:rPr>
-              <a:t>wrap</a:t>
-            </a:r>
-            <a:r>
-              <a:rPr lang="de-AT" sz="1800" b="0" dirty="0">
-                <a:solidFill>
-                  <a:srgbClr val="CCCCCC"/>
-                </a:solidFill>
-                <a:effectLst/>
-                <a:latin typeface="Menlo" panose="020B0609030804020204" pitchFamily="49" charset="0"/>
-              </a:rPr>
-              <a:t>(</a:t>
-            </a:r>
-            <a:r>
-              <a:rPr lang="de-AT" sz="1800" b="0" dirty="0" err="1">
-                <a:solidFill>
-                  <a:srgbClr val="4EC9B0"/>
-                </a:solidFill>
-                <a:effectLst/>
-                <a:latin typeface="Menlo" panose="020B0609030804020204" pitchFamily="49" charset="0"/>
-              </a:rPr>
-              <a:t>middleware</a:t>
-            </a:r>
-            <a:r>
-              <a:rPr lang="de-AT" sz="1800" b="0" dirty="0">
-                <a:solidFill>
-                  <a:srgbClr val="D4D4D4"/>
-                </a:solidFill>
-                <a:effectLst/>
-                <a:latin typeface="Menlo" panose="020B0609030804020204" pitchFamily="49" charset="0"/>
-              </a:rPr>
-              <a:t>::</a:t>
-            </a:r>
-            <a:r>
-              <a:rPr lang="de-AT" sz="1800" b="0" dirty="0" err="1">
-                <a:solidFill>
-                  <a:srgbClr val="4EC9B0"/>
-                </a:solidFill>
-                <a:effectLst/>
-                <a:latin typeface="Menlo" panose="020B0609030804020204" pitchFamily="49" charset="0"/>
-              </a:rPr>
-              <a:t>NormalizePath</a:t>
-            </a:r>
-            <a:r>
-              <a:rPr lang="de-AT" sz="1800" b="0" dirty="0">
-                <a:solidFill>
-                  <a:srgbClr val="D4D4D4"/>
-                </a:solidFill>
-                <a:effectLst/>
-                <a:latin typeface="Menlo" panose="020B0609030804020204" pitchFamily="49" charset="0"/>
-              </a:rPr>
-              <a:t>::</a:t>
-            </a:r>
-            <a:r>
-              <a:rPr lang="de-AT" sz="1800" b="0" dirty="0" err="1">
-                <a:solidFill>
-                  <a:srgbClr val="DCDCAA"/>
-                </a:solidFill>
-                <a:effectLst/>
-                <a:latin typeface="Menlo" panose="020B0609030804020204" pitchFamily="49" charset="0"/>
-              </a:rPr>
-              <a:t>trim</a:t>
-            </a:r>
-            <a:r>
-              <a:rPr lang="de-AT" sz="1800" b="0" dirty="0">
-                <a:solidFill>
-                  <a:srgbClr val="CCCCCC"/>
-                </a:solidFill>
-                <a:effectLst/>
-                <a:latin typeface="Menlo" panose="020B0609030804020204" pitchFamily="49" charset="0"/>
-              </a:rPr>
-              <a:t>())</a:t>
-            </a:r>
-          </a:p>
-          <a:p>
-            <a:pPr marL="0" indent="0">
-              <a:buNone/>
-            </a:pPr>
-            <a:endParaRPr lang="de-DE" dirty="0"/>
-          </a:p>
-        </p:txBody>
-      </p:sp>
-    </p:spTree>
-    <p:extLst>
-      <p:ext uri="{BB962C8B-B14F-4D97-AF65-F5344CB8AC3E}">
-        <p14:creationId xmlns:p14="http://schemas.microsoft.com/office/powerpoint/2010/main" val="81410813"/>
-      </p:ext>
-    </p:extLst>
-  </p:cSld>
-  <p:clrMapOvr>
-    <a:masterClrMapping/>
-  </p:clrMapOvr>
-</p:sld>
-</file>
-
-<file path=ppt/slides/slide13.xml><?xml version="1.0" encoding="utf-8"?>
 <p:sld xmlns:a="http://schemas.openxmlformats.org/drawingml/2006/main" xmlns:r="http://schemas.openxmlformats.org/officeDocument/2006/relationships" xmlns:p="http://schemas.openxmlformats.org/presentationml/2006/main">
   <p:cSld>
     <p:spTree>
@@ -7052,7 +6612,7 @@
 </p:sld>
 </file>
 
-<file path=ppt/slides/slide14.xml><?xml version="1.0" encoding="utf-8"?>
+<file path=ppt/slides/slide13.xml><?xml version="1.0" encoding="utf-8"?>
 <p:sld xmlns:a="http://schemas.openxmlformats.org/drawingml/2006/main" xmlns:r="http://schemas.openxmlformats.org/officeDocument/2006/relationships" xmlns:p="http://schemas.openxmlformats.org/presentationml/2006/main">
   <p:cSld>
     <p:spTree>
@@ -8285,7 +7845,7 @@
                 <a:effectLst/>
                 <a:latin typeface="Consolas" panose="020B0609020204030204" pitchFamily="49" charset="0"/>
               </a:rPr>
-              <a:t>// Registration </a:t>
+              <a:t>// Register </a:t>
             </a:r>
             <a:r>
               <a:rPr lang="de-AT" b="0" dirty="0" err="1">
@@ -8295,7 +7855,7 @@
                 <a:effectLst/>
                 <a:latin typeface="Consolas" panose="020B0609020204030204" pitchFamily="49" charset="0"/>
               </a:rPr>
-              <a:t>of</a:t>
+              <a:t>your</a:t>
             </a:r>
             <a:r>
               <a:rPr lang="de-AT" b="0" dirty="0">
@@ -8316,26 +7876,6 @@
                 <a:latin typeface="Consolas" panose="020B0609020204030204" pitchFamily="49" charset="0"/>
               </a:rPr>
               <a:t>routes</a:t>
-            </a:r>
-            <a:r>
-              <a:rPr lang="de-AT" b="0" dirty="0">
-                <a:solidFill>
-                  <a:srgbClr val="6A9955"/>
-                </a:solidFill>
-                <a:effectLst/>
-                <a:latin typeface="Consolas" panose="020B0609020204030204" pitchFamily="49" charset="0"/>
-              </a:rPr>
-              <a:t> </a:t>
-            </a:r>
-            <a:r>
-              <a:rPr lang="de-AT" b="0" dirty="0" err="1">
-                <a:solidFill>
-                  <a:srgbClr val="6A9955"/>
-                </a:solidFill>
-                <a:effectLst/>
-                <a:latin typeface="Consolas" panose="020B0609020204030204" pitchFamily="49" charset="0"/>
-              </a:rPr>
-              <a:t>is</a:t>
             </a:r>
             <a:r>
               <a:rPr lang="de-AT" b="0" dirty="0">
@@ -8379,7 +7919,147 @@
             <a:pPr marL="0" indent="0">
               <a:buNone/>
             </a:pPr>
-            <a:endParaRPr lang="de-AT" b="0" dirty="0">
+            <a:r>
+              <a:rPr lang="de-AT" b="0" dirty="0">
+                <a:solidFill>
+                  <a:srgbClr val="D4D4D4"/>
+                </a:solidFill>
+                <a:effectLst/>
+                <a:latin typeface="Consolas" panose="020B0609020204030204" pitchFamily="49" charset="0"/>
+              </a:rPr>
+              <a:t>		</a:t>
+            </a:r>
+            <a:r>
+              <a:rPr lang="de-AT" sz="2800" b="0" dirty="0">
+                <a:solidFill>
+                  <a:srgbClr val="DCDCAA"/>
+                </a:solidFill>
+                <a:effectLst/>
+                <a:latin typeface="Menlo" panose="020B0609030804020204" pitchFamily="49" charset="0"/>
+              </a:rPr>
+              <a:t> 	 </a:t>
+            </a:r>
+            <a:r>
+              <a:rPr lang="de-AT" sz="2300" b="0" dirty="0">
+                <a:solidFill>
+                  <a:srgbClr val="DCDCAA"/>
+                </a:solidFill>
+                <a:effectLst/>
+                <a:latin typeface="Menlo" panose="020B0609030804020204" pitchFamily="49" charset="0"/>
+              </a:rPr>
+              <a:t>.route</a:t>
+            </a:r>
+            <a:r>
+              <a:rPr lang="de-AT" sz="2300" b="0" dirty="0">
+                <a:solidFill>
+                  <a:srgbClr val="CCCCCC"/>
+                </a:solidFill>
+                <a:effectLst/>
+                <a:latin typeface="Menlo" panose="020B0609030804020204" pitchFamily="49" charset="0"/>
+              </a:rPr>
+              <a:t>(</a:t>
+            </a:r>
+            <a:r>
+              <a:rPr lang="de-AT" sz="2300" b="0" dirty="0">
+                <a:solidFill>
+                  <a:srgbClr val="CE9178"/>
+                </a:solidFill>
+                <a:effectLst/>
+                <a:latin typeface="Menlo" panose="020B0609030804020204" pitchFamily="49" charset="0"/>
+              </a:rPr>
+              <a:t>"/</a:t>
+            </a:r>
+            <a:r>
+              <a:rPr lang="de-AT" sz="2300" b="0" dirty="0" err="1">
+                <a:solidFill>
+                  <a:srgbClr val="CE9178"/>
+                </a:solidFill>
+                <a:effectLst/>
+                <a:latin typeface="Menlo" panose="020B0609030804020204" pitchFamily="49" charset="0"/>
+              </a:rPr>
+              <a:t>hello</a:t>
+            </a:r>
+            <a:r>
+              <a:rPr lang="de-AT" sz="2300" b="0" dirty="0">
+                <a:solidFill>
+                  <a:srgbClr val="CE9178"/>
+                </a:solidFill>
+                <a:effectLst/>
+                <a:latin typeface="Menlo" panose="020B0609030804020204" pitchFamily="49" charset="0"/>
+              </a:rPr>
+              <a:t>"</a:t>
+            </a:r>
+            <a:r>
+              <a:rPr lang="de-AT" sz="2300" b="0" dirty="0">
+                <a:solidFill>
+                  <a:srgbClr val="CCCCCC"/>
+                </a:solidFill>
+                <a:effectLst/>
+                <a:latin typeface="Menlo" panose="020B0609030804020204" pitchFamily="49" charset="0"/>
+              </a:rPr>
+              <a:t>, </a:t>
+            </a:r>
+            <a:r>
+              <a:rPr lang="de-AT" sz="2300" b="0" dirty="0">
+                <a:solidFill>
+                  <a:srgbClr val="4EC9B0"/>
+                </a:solidFill>
+                <a:effectLst/>
+                <a:latin typeface="Menlo" panose="020B0609030804020204" pitchFamily="49" charset="0"/>
+              </a:rPr>
+              <a:t>web</a:t>
+            </a:r>
+            <a:r>
+              <a:rPr lang="de-AT" sz="2300" b="0" dirty="0">
+                <a:solidFill>
+                  <a:srgbClr val="D4D4D4"/>
+                </a:solidFill>
+                <a:effectLst/>
+                <a:latin typeface="Menlo" panose="020B0609030804020204" pitchFamily="49" charset="0"/>
+              </a:rPr>
+              <a:t>::</a:t>
+            </a:r>
+            <a:r>
+              <a:rPr lang="de-AT" sz="2300" b="0" dirty="0" err="1">
+                <a:solidFill>
+                  <a:srgbClr val="DCDCAA"/>
+                </a:solidFill>
+                <a:effectLst/>
+                <a:latin typeface="Menlo" panose="020B0609030804020204" pitchFamily="49" charset="0"/>
+              </a:rPr>
+              <a:t>to</a:t>
+            </a:r>
+            <a:r>
+              <a:rPr lang="de-AT" sz="2300" b="0" dirty="0">
+                <a:solidFill>
+                  <a:srgbClr val="CCCCCC"/>
+                </a:solidFill>
+                <a:effectLst/>
+                <a:latin typeface="Menlo" panose="020B0609030804020204" pitchFamily="49" charset="0"/>
+              </a:rPr>
+              <a:t>(</a:t>
+            </a:r>
+            <a:r>
+              <a:rPr lang="de-AT" sz="2300" b="0" dirty="0" err="1">
+                <a:solidFill>
+                  <a:srgbClr val="DCDCAA"/>
+                </a:solidFill>
+                <a:effectLst/>
+                <a:latin typeface="Menlo" panose="020B0609030804020204" pitchFamily="49" charset="0"/>
+              </a:rPr>
+              <a:t>handler_function</a:t>
+            </a:r>
+            <a:r>
+              <a:rPr lang="de-AT" sz="2300" b="0" dirty="0">
+                <a:solidFill>
+                  <a:srgbClr val="CCCCCC"/>
+                </a:solidFill>
+                <a:effectLst/>
+                <a:latin typeface="Menlo" panose="020B0609030804020204" pitchFamily="49" charset="0"/>
+              </a:rPr>
+              <a:t>)) </a:t>
+            </a:r>
+            <a:endParaRPr lang="de-AT" sz="2300" b="0" dirty="0">
               <a:solidFill>
                 <a:srgbClr val="D4D4D4"/>
               </a:solidFill>
@@ -8735,7 +8415,7 @@
               <a:buNone/>
             </a:pPr>
             <a:r>
-              <a:rPr lang="de-AT" sz="2000" b="0" dirty="0">
+              <a:rPr lang="de-AT" sz="1800" b="0" dirty="0">
                 <a:solidFill>
                   <a:srgbClr val="DCDCAA"/>
                 </a:solidFill>
@@ -8745,7 +8425,7 @@
               <a:t>.route</a:t>
             </a:r>
             <a:r>
-              <a:rPr lang="de-AT" sz="2000" b="0" dirty="0">
+              <a:rPr lang="de-AT" sz="1800" b="0" dirty="0">
                 <a:solidFill>
                   <a:srgbClr val="CCCCCC"/>
                 </a:solidFill>
@@ -8755,7 +8435,7 @@
               <a:t>(</a:t>
             </a:r>
             <a:r>
-              <a:rPr lang="de-AT" sz="2000" b="0" dirty="0">
+              <a:rPr lang="de-AT" sz="1800" b="0" dirty="0">
                 <a:solidFill>
                   <a:srgbClr val="CE9178"/>
                 </a:solidFill>
@@ -8765,7 +8445,7 @@
               <a:t>"/</a:t>
             </a:r>
             <a:r>
-              <a:rPr lang="de-AT" sz="2000" b="0" dirty="0" err="1">
+              <a:rPr lang="de-AT" sz="1800" b="0" dirty="0" err="1">
                 <a:solidFill>
                   <a:srgbClr val="CE9178"/>
                 </a:solidFill>
@@ -8775,7 +8455,7 @@
               <a:t>hello</a:t>
             </a:r>
             <a:r>
-              <a:rPr lang="de-AT" sz="2000" b="0" dirty="0">
+              <a:rPr lang="de-AT" sz="1800" b="0" dirty="0">
                 <a:solidFill>
                   <a:srgbClr val="CE9178"/>
                 </a:solidFill>
@@ -8785,7 +8465,7 @@
               <a:t>"</a:t>
             </a:r>
             <a:r>
-              <a:rPr lang="de-AT" sz="2000" b="0" dirty="0">
+              <a:rPr lang="de-AT" sz="1800" b="0" dirty="0">
                 <a:solidFill>
                   <a:srgbClr val="CCCCCC"/>
                 </a:solidFill>
@@ -8795,7 +8475,7 @@
               <a:t>, </a:t>
             </a:r>
             <a:r>
-              <a:rPr lang="de-AT" sz="2000" b="0" dirty="0">
+              <a:rPr lang="de-AT" sz="1800" b="0" dirty="0">
                 <a:solidFill>
                   <a:srgbClr val="4EC9B0"/>
                 </a:solidFill>
@@ -8805,7 +8485,7 @@
               <a:t>web</a:t>
             </a:r>
             <a:r>
-              <a:rPr lang="de-AT" sz="2000" b="0" dirty="0">
+              <a:rPr lang="de-AT" sz="1800" b="0" dirty="0">
                 <a:solidFill>
                   <a:srgbClr val="D4D4D4"/>
                 </a:solidFill>
@@ -8815,7 +8495,7 @@
               <a:t>::</a:t>
             </a:r>
             <a:r>
-              <a:rPr lang="de-AT" sz="2000" b="0" dirty="0" err="1">
+              <a:rPr lang="de-AT" sz="1800" b="0" dirty="0" err="1">
                 <a:solidFill>
                   <a:srgbClr val="DCDCAA"/>
                 </a:solidFill>
@@ -8825,7 +8505,7 @@
               <a:t>to</a:t>
             </a:r>
             <a:r>
-              <a:rPr lang="de-AT" sz="2000" b="0" dirty="0">
+              <a:rPr lang="de-AT" sz="1800" b="0" dirty="0">
                 <a:solidFill>
                   <a:srgbClr val="CCCCCC"/>
                 </a:solidFill>
@@ -8835,7 +8515,7 @@
               <a:t>(</a:t>
             </a:r>
             <a:r>
-              <a:rPr lang="de-AT" sz="2000" b="0" dirty="0" err="1">
+              <a:rPr lang="de-AT" sz="1800" b="0" dirty="0" err="1">
                 <a:solidFill>
                   <a:srgbClr val="DCDCAA"/>
                 </a:solidFill>
@@ -8845,7 +8525,7 @@
               <a:t>handler_function</a:t>
             </a:r>
             <a:r>
-              <a:rPr lang="de-AT" sz="2000" b="0" dirty="0">
+              <a:rPr lang="de-AT" sz="1800" b="0" dirty="0">
                 <a:solidFill>
                   <a:srgbClr val="CCCCCC"/>
                 </a:solidFill>
@@ -8855,7 +8535,7 @@
               <a:t>)) // </a:t>
             </a:r>
             <a:r>
-              <a:rPr lang="de-AT" sz="2000" b="0" dirty="0" err="1">
+              <a:rPr lang="de-AT" sz="1800" b="0" dirty="0" err="1">
                 <a:solidFill>
                   <a:srgbClr val="CCCCCC"/>
                 </a:solidFill>
@@ -8865,7 +8545,7 @@
               <a:t>any</a:t>
             </a:r>
             <a:r>
-              <a:rPr lang="de-AT" sz="2000" b="0" dirty="0">
+              <a:rPr lang="de-AT" sz="1800" b="0" dirty="0">
                 <a:solidFill>
                   <a:srgbClr val="CCCCCC"/>
                 </a:solidFill>
@@ -8875,7 +8555,7 @@
               <a:t> </a:t>
             </a:r>
             <a:r>
-              <a:rPr lang="de-AT" sz="2000" b="0" dirty="0" err="1">
+              <a:rPr lang="de-AT" sz="1800" b="0" dirty="0" err="1">
                 <a:solidFill>
                   <a:srgbClr val="CCCCCC"/>
                 </a:solidFill>
@@ -8885,7 +8565,7 @@
               <a:t>method</a:t>
             </a:r>
             <a:r>
-              <a:rPr lang="de-AT" sz="2000" b="0" dirty="0">
+              <a:rPr lang="de-AT" sz="1800" b="0" dirty="0">
                 <a:solidFill>
                   <a:srgbClr val="CCCCCC"/>
                 </a:solidFill>
@@ -8895,7 +8575,7 @@
               <a:t> </a:t>
             </a:r>
             <a:r>
-              <a:rPr lang="de-AT" sz="2000" b="0" dirty="0" err="1">
+              <a:rPr lang="de-AT" sz="1800" b="0" dirty="0" err="1">
                 <a:solidFill>
                   <a:srgbClr val="CCCCCC"/>
                 </a:solidFill>
@@ -8905,7 +8585,7 @@
               <a:t>is</a:t>
             </a:r>
             <a:r>
-              <a:rPr lang="de-AT" sz="2000" b="0" dirty="0">
+              <a:rPr lang="de-AT" sz="1800" b="0" dirty="0">
                 <a:solidFill>
                   <a:srgbClr val="CCCCCC"/>
                 </a:solidFill>
@@ -8915,7 +8595,7 @@
               <a:t> </a:t>
             </a:r>
             <a:r>
-              <a:rPr lang="de-AT" sz="2000" b="0" dirty="0" err="1">
+              <a:rPr lang="de-AT" sz="1800" b="0" dirty="0" err="1">
                 <a:solidFill>
                   <a:srgbClr val="CCCCCC"/>
                 </a:solidFill>
@@ -8924,7 +8604,19 @@
               </a:rPr>
               <a:t>allowed</a:t>
             </a:r>
-            <a:endParaRPr lang="de-AT" sz="2000" b="0" dirty="0">
+            <a:endParaRPr lang="de-AT" sz="1800" b="0" dirty="0">
+              <a:solidFill>
+                <a:srgbClr val="CCCCCC"/>
+              </a:solidFill>
+              <a:effectLst/>
+              <a:latin typeface="Menlo" panose="020B0609030804020204" pitchFamily="49" charset="0"/>
+            </a:endParaRPr>
+          </a:p>
+          <a:p>
+            <a:pPr marL="0" indent="0">
+              <a:buNone/>
+            </a:pPr>
+            <a:endParaRPr lang="de-AT" sz="1800" b="0" dirty="0">
               <a:solidFill>
                 <a:srgbClr val="4EC9B0"/>
               </a:solidFill>
@@ -8937,7 +8629,7 @@
               <a:buNone/>
             </a:pPr>
             <a:r>
-              <a:rPr lang="de-AT" sz="2000" b="0" dirty="0">
+              <a:rPr lang="de-AT" sz="1800" b="0" dirty="0">
                 <a:solidFill>
                   <a:srgbClr val="DCDCAA"/>
                 </a:solidFill>
@@ -8947,7 +8639,7 @@
               <a:t>.route</a:t>
             </a:r>
             <a:r>
-              <a:rPr lang="de-AT" sz="2000" b="0" dirty="0">
+              <a:rPr lang="de-AT" sz="1800" b="0" dirty="0">
                 <a:solidFill>
                   <a:srgbClr val="CCCCCC"/>
                 </a:solidFill>
@@ -8957,7 +8649,7 @@
               <a:t>(</a:t>
             </a:r>
             <a:r>
-              <a:rPr lang="de-AT" sz="2000" b="0" dirty="0">
+              <a:rPr lang="de-AT" sz="1800" b="0" dirty="0">
                 <a:solidFill>
                   <a:srgbClr val="CE9178"/>
                 </a:solidFill>
@@ -8967,7 +8659,7 @@
               <a:t>"/</a:t>
             </a:r>
             <a:r>
-              <a:rPr lang="de-AT" sz="2000" b="0" dirty="0" err="1">
+              <a:rPr lang="de-AT" sz="1800" b="0" dirty="0" err="1">
                 <a:solidFill>
                   <a:srgbClr val="CE9178"/>
                 </a:solidFill>
@@ -8977,7 +8669,7 @@
               <a:t>hello</a:t>
             </a:r>
             <a:r>
-              <a:rPr lang="de-AT" sz="2000" b="0" dirty="0">
+              <a:rPr lang="de-AT" sz="1800" b="0" dirty="0">
                 <a:solidFill>
                   <a:srgbClr val="CE9178"/>
                 </a:solidFill>
@@ -8987,7 +8679,7 @@
               <a:t>"</a:t>
             </a:r>
             <a:r>
-              <a:rPr lang="de-AT" sz="2000" b="0" dirty="0">
+              <a:rPr lang="de-AT" sz="1800" b="0" dirty="0">
                 <a:solidFill>
                   <a:srgbClr val="CCCCCC"/>
                 </a:solidFill>
@@ -8997,7 +8689,7 @@
               <a:t>, </a:t>
             </a:r>
             <a:r>
-              <a:rPr lang="de-AT" sz="2000" b="0" dirty="0">
+              <a:rPr lang="de-AT" sz="1800" b="0" dirty="0">
                 <a:solidFill>
                   <a:srgbClr val="4EC9B0"/>
                 </a:solidFill>
@@ -9007,7 +8699,7 @@
               <a:t>web</a:t>
             </a:r>
             <a:r>
-              <a:rPr lang="de-AT" sz="2000" b="0" dirty="0">
+              <a:rPr lang="de-AT" sz="1800" b="0" dirty="0">
                 <a:solidFill>
                   <a:srgbClr val="D4D4D4"/>
                 </a:solidFill>
@@ -9017,7 +8709,7 @@
               <a:t>::</a:t>
             </a:r>
             <a:r>
-              <a:rPr lang="de-AT" sz="2000" b="0" dirty="0" err="1">
+              <a:rPr lang="de-AT" sz="1800" b="0" dirty="0" err="1">
                 <a:solidFill>
                   <a:srgbClr val="DCDCAA"/>
                 </a:solidFill>
@@ -9027,7 +8719,7 @@
               <a:t>get</a:t>
             </a:r>
             <a:r>
-              <a:rPr lang="de-AT" sz="2000" b="0" dirty="0">
+              <a:rPr lang="de-AT" sz="1800" b="0" dirty="0">
                 <a:solidFill>
                   <a:srgbClr val="CCCCCC"/>
                 </a:solidFill>
@@ -9037,7 +8729,7 @@
               <a:t>()</a:t>
             </a:r>
             <a:r>
-              <a:rPr lang="de-AT" sz="2000" b="0" dirty="0">
+              <a:rPr lang="de-AT" sz="1800" b="0" dirty="0">
                 <a:solidFill>
                   <a:srgbClr val="D4D4D4"/>
                 </a:solidFill>
@@ -9047,7 +8739,7 @@
               <a:t>.</a:t>
             </a:r>
             <a:r>
-              <a:rPr lang="de-AT" sz="2000" b="0" dirty="0" err="1">
+              <a:rPr lang="de-AT" sz="1800" b="0" dirty="0" err="1">
                 <a:solidFill>
                   <a:srgbClr val="DCDCAA"/>
                 </a:solidFill>
@@ -9057,7 +8749,7 @@
               <a:t>to</a:t>
             </a:r>
             <a:r>
-              <a:rPr lang="de-AT" sz="2000" b="0" dirty="0">
+              <a:rPr lang="de-AT" sz="1800" b="0" dirty="0">
                 <a:solidFill>
                   <a:srgbClr val="CCCCCC"/>
                 </a:solidFill>
@@ -9067,7 +8759,7 @@
               <a:t>(</a:t>
             </a:r>
             <a:r>
-              <a:rPr lang="de-AT" sz="2000" b="0" dirty="0" err="1">
+              <a:rPr lang="de-AT" sz="1800" b="0" dirty="0" err="1">
                 <a:solidFill>
                   <a:srgbClr val="DCDCAA"/>
                 </a:solidFill>
@@ -9077,7 +8769,7 @@
               <a:t>handler_function</a:t>
             </a:r>
             <a:r>
-              <a:rPr lang="de-AT" sz="2000" b="0" dirty="0">
+              <a:rPr lang="de-AT" sz="1800" b="0" dirty="0">
                 <a:solidFill>
                   <a:srgbClr val="DCDCAA"/>
                 </a:solidFill>
@@ -9087,7 +8779,7 @@
               <a:t>)</a:t>
             </a:r>
             <a:r>
-              <a:rPr lang="de-AT" sz="2000" b="0" dirty="0">
+              <a:rPr lang="de-AT" sz="1800" b="0" dirty="0">
                 <a:solidFill>
                   <a:srgbClr val="CCCCCC"/>
                 </a:solidFill>
@@ -9097,7 +8789,7 @@
               <a:t>) // </a:t>
             </a:r>
             <a:r>
-              <a:rPr lang="de-AT" sz="2000" b="0" dirty="0" err="1">
+              <a:rPr lang="de-AT" sz="1800" b="0" dirty="0" err="1">
                 <a:solidFill>
                   <a:srgbClr val="CCCCCC"/>
                 </a:solidFill>
@@ -9107,7 +8799,7 @@
               <a:t>only</a:t>
             </a:r>
             <a:r>
-              <a:rPr lang="de-AT" sz="2000" b="0" dirty="0">
+              <a:rPr lang="de-AT" sz="1800" b="0" dirty="0">
                 <a:solidFill>
                   <a:srgbClr val="CCCCCC"/>
                 </a:solidFill>
@@ -9117,7 +8809,7 @@
               <a:t> </a:t>
             </a:r>
             <a:r>
-              <a:rPr lang="de-AT" sz="2000" b="0" dirty="0" err="1">
+              <a:rPr lang="de-AT" sz="1800" b="0" dirty="0" err="1">
                 <a:solidFill>
                   <a:srgbClr val="CCCCCC"/>
                 </a:solidFill>
@@ -9127,7 +8819,7 @@
               <a:t>get</a:t>
             </a:r>
             <a:r>
-              <a:rPr lang="de-AT" sz="2000" b="0" dirty="0">
+              <a:rPr lang="de-AT" sz="1800" b="0" dirty="0">
                 <a:solidFill>
                   <a:srgbClr val="CCCCCC"/>
                 </a:solidFill>
@@ -9137,7 +8829,7 @@
               <a:t> </a:t>
             </a:r>
             <a:r>
-              <a:rPr lang="de-AT" sz="2000" b="0" dirty="0" err="1">
+              <a:rPr lang="de-AT" sz="1800" b="0" dirty="0" err="1">
                 <a:solidFill>
                   <a:srgbClr val="CCCCCC"/>
                 </a:solidFill>
@@ -9147,7 +8839,7 @@
               <a:t>method</a:t>
             </a:r>
             <a:r>
-              <a:rPr lang="de-AT" sz="2000" b="0" dirty="0">
+              <a:rPr lang="de-AT" sz="1800" b="0" dirty="0">
                 <a:solidFill>
                   <a:srgbClr val="CCCCCC"/>
                 </a:solidFill>
@@ -9157,7 +8849,7 @@
               <a:t> </a:t>
             </a:r>
             <a:r>
-              <a:rPr lang="de-AT" sz="2000" b="0" dirty="0" err="1">
+              <a:rPr lang="de-AT" sz="1800" b="0" dirty="0" err="1">
                 <a:solidFill>
                   <a:srgbClr val="CCCCCC"/>
                 </a:solidFill>
@@ -9167,7 +8859,7 @@
               <a:t>is</a:t>
             </a:r>
             <a:r>
-              <a:rPr lang="de-AT" sz="2000" b="0" dirty="0">
+              <a:rPr lang="de-AT" sz="1800" b="0" dirty="0">
                 <a:solidFill>
                   <a:srgbClr val="CCCCCC"/>
                 </a:solidFill>
@@ -9177,7 +8869,7 @@
               <a:t> </a:t>
             </a:r>
             <a:r>
-              <a:rPr lang="de-AT" sz="2000" b="0" dirty="0" err="1">
+              <a:rPr lang="de-AT" sz="1800" b="0" dirty="0" err="1">
                 <a:solidFill>
                   <a:srgbClr val="CCCCCC"/>
                 </a:solidFill>
@@ -9186,7 +8878,7 @@
               </a:rPr>
               <a:t>allowed</a:t>
             </a:r>
-            <a:endParaRPr lang="de-AT" sz="2000" b="0" dirty="0">
+            <a:endParaRPr lang="de-AT" sz="1800" b="0" dirty="0">
               <a:solidFill>
                 <a:srgbClr val="CCCCCC"/>
               </a:solidFill>
@@ -9244,7 +8936,86 @@
             </a:r>
             <a:r>
               <a:rPr lang="de-DE" dirty="0"/>
-              <a:t> and </a:t>
+              <a:t> e.g. </a:t>
+            </a:r>
+            <a:r>
+              <a:rPr lang="de-AT" sz="1800" b="0" dirty="0">
+                <a:solidFill>
+                  <a:srgbClr val="CCCCCC"/>
+                </a:solidFill>
+                <a:effectLst/>
+                <a:latin typeface="Menlo" panose="020B0609030804020204" pitchFamily="49" charset="0"/>
+              </a:rPr>
+              <a:t>#[</a:t>
+            </a:r>
+            <a:r>
+              <a:rPr lang="de-AT" sz="1800" b="0" dirty="0" err="1">
+                <a:solidFill>
+                  <a:srgbClr val="DCDCAA"/>
+                </a:solidFill>
+                <a:effectLst/>
+                <a:latin typeface="Menlo" panose="020B0609030804020204" pitchFamily="49" charset="0"/>
+              </a:rPr>
+              <a:t>get</a:t>
+            </a:r>
+            <a:r>
+              <a:rPr lang="de-AT" sz="1800" b="0" dirty="0">
+                <a:solidFill>
+                  <a:srgbClr val="CCCCCC"/>
+                </a:solidFill>
+                <a:effectLst/>
+                <a:latin typeface="Menlo" panose="020B0609030804020204" pitchFamily="49" charset="0"/>
+              </a:rPr>
+              <a:t>(</a:t>
+            </a:r>
+            <a:r>
+              <a:rPr lang="de-AT" sz="1800" b="0" dirty="0">
+                <a:solidFill>
+                  <a:srgbClr val="CE9178"/>
+                </a:solidFill>
+                <a:effectLst/>
+                <a:latin typeface="Menlo" panose="020B0609030804020204" pitchFamily="49" charset="0"/>
+              </a:rPr>
+              <a:t>"/</a:t>
+            </a:r>
+            <a:r>
+              <a:rPr lang="de-AT" sz="1800" b="0" dirty="0" err="1">
+                <a:solidFill>
+                  <a:srgbClr val="CE9178"/>
+                </a:solidFill>
+                <a:effectLst/>
+                <a:latin typeface="Menlo" panose="020B0609030804020204" pitchFamily="49" charset="0"/>
+              </a:rPr>
+              <a:t>hello</a:t>
+            </a:r>
+            <a:r>
+              <a:rPr lang="de-AT" sz="1800" b="0" dirty="0">
+                <a:solidFill>
+                  <a:srgbClr val="CE9178"/>
+                </a:solidFill>
+                <a:effectLst/>
+                <a:latin typeface="Menlo" panose="020B0609030804020204" pitchFamily="49" charset="0"/>
+              </a:rPr>
+              <a:t>"</a:t>
+            </a:r>
+            <a:r>
+              <a:rPr lang="de-AT" sz="1800" b="0" dirty="0">
+                <a:solidFill>
+                  <a:srgbClr val="CCCCCC"/>
+                </a:solidFill>
+                <a:effectLst/>
+                <a:latin typeface="Menlo" panose="020B0609030804020204" pitchFamily="49" charset="0"/>
+              </a:rPr>
+              <a:t>)]</a:t>
+            </a:r>
+          </a:p>
+          <a:p>
+            <a:pPr marL="0" indent="0">
+              <a:buNone/>
+            </a:pPr>
+            <a:r>
+              <a:rPr lang="de-DE" dirty="0"/>
+              <a:t>and </a:t>
             </a:r>
             <a:r>
               <a:rPr lang="de-DE" dirty="0" err="1"/>
@@ -10495,7 +10266,7 @@
           <p:cNvPr id="2" name="Titel 1">
             <a:extLst>
               <a:ext uri="{FF2B5EF4-FFF2-40B4-BE49-F238E27FC236}">
-                <a16:creationId xmlns:a16="http://schemas.microsoft.com/office/drawing/2014/main" id="{AB0AF7AC-96AA-F168-C11F-5BBBFBE1A7BE}"/>
+                <a16:creationId xmlns:a16="http://schemas.microsoft.com/office/drawing/2014/main" id="{B5A21389-8EDF-F6D4-4B1B-BCB8885BFFC0}"/>
               </a:ext>
             </a:extLst>
           </p:cNvPr>
@@ -10532,644 +10303,1252 @@
               <a:t> </a:t>
             </a:r>
             <a:r>
-              <a:rPr lang="de-DE"/>
+              <a:rPr lang="de-DE" dirty="0" err="1"/>
               <a:t>request</a:t>
             </a:r>
-            <a:endParaRPr lang="de-AT" dirty="0"/>
+            <a:endParaRPr lang="de-DE" dirty="0"/>
           </a:p>
         </p:txBody>
       </p:sp>
       <p:sp>
         <p:nvSpPr>
-          <p:cNvPr id="7" name="Textfeld 6">
+          <p:cNvPr id="3" name="Inhaltsplatzhalter 2">
             <a:extLst>
               <a:ext uri="{FF2B5EF4-FFF2-40B4-BE49-F238E27FC236}">
-                <a16:creationId xmlns:a16="http://schemas.microsoft.com/office/drawing/2014/main" id="{D086DF05-7058-FE70-8E04-868371188E77}"/>
+                <a16:creationId xmlns:a16="http://schemas.microsoft.com/office/drawing/2014/main" id="{1653265F-31E4-C5E6-FD2E-306959A26ED4}"/>
               </a:ext>
             </a:extLst>
           </p:cNvPr>
-          <p:cNvSpPr txBox="1"/>
-          <p:nvPr/>
+          <p:cNvSpPr>
+            <a:spLocks noGrp="1"/>
+          </p:cNvSpPr>
+          <p:nvPr>
+            <p:ph idx="1"/>
+          </p:nvPr>
         </p:nvSpPr>
-        <p:spPr>
-          <a:xfrm>
-            <a:off x="838200" y="1949450"/>
-            <a:ext cx="8456673" cy="4862870"/>
-          </a:xfrm>
-          <a:prstGeom prst="rect">
-            <a:avLst/>
-          </a:prstGeom>
-          <a:noFill/>
-        </p:spPr>
+        <p:spPr/>
         <p:txBody>
-          <a:bodyPr wrap="square" rtlCol="0">
-            <a:spAutoFit/>
+          <a:bodyPr>
+            <a:normAutofit/>
           </a:bodyPr>
           <a:lstStyle/>
           <a:p>
-            <a:r>
-              <a:rPr lang="de-DE" sz="2000" dirty="0" err="1"/>
-              <a:t>Cargo.toml</a:t>
-            </a:r>
-            <a:r>
-              <a:rPr lang="de-DE" sz="2000" dirty="0"/>
+            <a:pPr marL="0" indent="0">
+              <a:buNone/>
+            </a:pPr>
+            <a:r>
+              <a:rPr lang="de-DE" dirty="0"/>
+              <a:t>Extract </a:t>
+            </a:r>
+            <a:r>
+              <a:rPr lang="de-DE" dirty="0" err="1"/>
+              <a:t>data</a:t>
+            </a:r>
+            <a:r>
+              <a:rPr lang="de-DE" dirty="0"/>
+              <a:t> </a:t>
+            </a:r>
+            <a:r>
+              <a:rPr lang="de-DE" dirty="0" err="1"/>
+              <a:t>from</a:t>
+            </a:r>
+            <a:r>
+              <a:rPr lang="de-DE" dirty="0"/>
+              <a:t> </a:t>
+            </a:r>
+            <a:r>
+              <a:rPr lang="de-DE" dirty="0" err="1"/>
+              <a:t>request</a:t>
+            </a:r>
+            <a:r>
+              <a:rPr lang="de-DE" dirty="0"/>
+              <a:t> </a:t>
+            </a:r>
+            <a:r>
+              <a:rPr lang="de-DE" dirty="0" err="1"/>
+              <a:t>path</a:t>
+            </a:r>
+            <a:r>
+              <a:rPr lang="de-DE" dirty="0"/>
+              <a:t> </a:t>
+            </a:r>
+            <a:r>
+              <a:rPr lang="de-DE" dirty="0" err="1"/>
+              <a:t>using</a:t>
+            </a:r>
+            <a:r>
+              <a:rPr lang="de-DE" dirty="0"/>
+              <a:t> </a:t>
+            </a:r>
+            <a:r>
+              <a:rPr lang="de-DE" dirty="0" err="1"/>
+              <a:t>path</a:t>
+            </a:r>
+            <a:r>
+              <a:rPr lang="de-DE" dirty="0"/>
+              <a:t> </a:t>
+            </a:r>
+            <a:r>
+              <a:rPr lang="de-DE" dirty="0" err="1"/>
+              <a:t>parameters</a:t>
+            </a:r>
+            <a:endParaRPr lang="de-DE" dirty="0"/>
+          </a:p>
+          <a:p>
+            <a:pPr marL="0" indent="0">
+              <a:buNone/>
+            </a:pPr>
+            <a:endParaRPr lang="de-DE" dirty="0"/>
+          </a:p>
+          <a:p>
+            <a:pPr marL="0" indent="0">
+              <a:buNone/>
+            </a:pPr>
+            <a:r>
+              <a:rPr lang="de-AT" sz="1900" b="0" dirty="0">
+                <a:solidFill>
+                  <a:srgbClr val="CCCCCC"/>
+                </a:solidFill>
+                <a:effectLst/>
+                <a:latin typeface="Menlo" panose="020B0609030804020204" pitchFamily="49" charset="0"/>
+              </a:rPr>
+              <a:t>#[</a:t>
+            </a:r>
+            <a:r>
+              <a:rPr lang="de-AT" sz="1900" b="0" dirty="0" err="1">
+                <a:solidFill>
+                  <a:srgbClr val="DCDCAA"/>
+                </a:solidFill>
+                <a:effectLst/>
+                <a:latin typeface="Menlo" panose="020B0609030804020204" pitchFamily="49" charset="0"/>
+              </a:rPr>
+              <a:t>get</a:t>
+            </a:r>
+            <a:r>
+              <a:rPr lang="de-AT" sz="1900" b="0" dirty="0">
+                <a:solidFill>
+                  <a:srgbClr val="CCCCCC"/>
+                </a:solidFill>
+                <a:effectLst/>
+                <a:latin typeface="Menlo" panose="020B0609030804020204" pitchFamily="49" charset="0"/>
+              </a:rPr>
+              <a:t>(</a:t>
+            </a:r>
+            <a:r>
+              <a:rPr lang="de-AT" sz="1900" b="0" dirty="0">
+                <a:solidFill>
+                  <a:srgbClr val="CE9178"/>
+                </a:solidFill>
+                <a:effectLst/>
+                <a:latin typeface="Menlo" panose="020B0609030804020204" pitchFamily="49" charset="0"/>
+              </a:rPr>
+              <a:t>"/{</a:t>
+            </a:r>
+            <a:r>
+              <a:rPr lang="de-AT" sz="1900" b="0" dirty="0" err="1">
+                <a:solidFill>
+                  <a:srgbClr val="CE9178"/>
+                </a:solidFill>
+                <a:effectLst/>
+                <a:latin typeface="Menlo" panose="020B0609030804020204" pitchFamily="49" charset="0"/>
+              </a:rPr>
+              <a:t>name</a:t>
+            </a:r>
+            <a:r>
+              <a:rPr lang="de-AT" sz="1900" b="0" dirty="0">
+                <a:solidFill>
+                  <a:srgbClr val="CE9178"/>
+                </a:solidFill>
+                <a:effectLst/>
+                <a:latin typeface="Menlo" panose="020B0609030804020204" pitchFamily="49" charset="0"/>
+              </a:rPr>
+              <a:t>}/{</a:t>
+            </a:r>
+            <a:r>
+              <a:rPr lang="de-AT" sz="1900" b="0" dirty="0" err="1">
+                <a:solidFill>
+                  <a:srgbClr val="CE9178"/>
+                </a:solidFill>
+                <a:effectLst/>
+                <a:latin typeface="Menlo" panose="020B0609030804020204" pitchFamily="49" charset="0"/>
+              </a:rPr>
+              <a:t>message</a:t>
+            </a:r>
+            <a:r>
+              <a:rPr lang="de-AT" sz="1900" b="0" dirty="0">
+                <a:solidFill>
+                  <a:srgbClr val="CE9178"/>
+                </a:solidFill>
+                <a:effectLst/>
+                <a:latin typeface="Menlo" panose="020B0609030804020204" pitchFamily="49" charset="0"/>
+              </a:rPr>
+              <a:t>}/{</a:t>
+            </a:r>
+            <a:r>
+              <a:rPr lang="de-AT" sz="1900" b="0" dirty="0" err="1">
+                <a:solidFill>
+                  <a:srgbClr val="CE9178"/>
+                </a:solidFill>
+                <a:effectLst/>
+                <a:latin typeface="Menlo" panose="020B0609030804020204" pitchFamily="49" charset="0"/>
+              </a:rPr>
+              <a:t>id</a:t>
+            </a:r>
+            <a:r>
+              <a:rPr lang="de-AT" sz="1900" b="0" dirty="0">
+                <a:solidFill>
+                  <a:srgbClr val="CE9178"/>
+                </a:solidFill>
+                <a:effectLst/>
+                <a:latin typeface="Menlo" panose="020B0609030804020204" pitchFamily="49" charset="0"/>
+              </a:rPr>
+              <a:t>}"</a:t>
+            </a:r>
+            <a:r>
+              <a:rPr lang="de-AT" sz="1900" b="0" dirty="0">
+                <a:solidFill>
+                  <a:srgbClr val="CCCCCC"/>
+                </a:solidFill>
+                <a:effectLst/>
+                <a:latin typeface="Menlo" panose="020B0609030804020204" pitchFamily="49" charset="0"/>
+              </a:rPr>
+              <a:t>)]</a:t>
+            </a:r>
+          </a:p>
+          <a:p>
+            <a:pPr marL="0" indent="0">
+              <a:buNone/>
+            </a:pPr>
+            <a:r>
+              <a:rPr lang="de-AT" sz="1800" b="0" dirty="0" err="1">
+                <a:solidFill>
+                  <a:srgbClr val="569CD6"/>
+                </a:solidFill>
+                <a:effectLst/>
+                <a:latin typeface="Menlo" panose="020B0609030804020204" pitchFamily="49" charset="0"/>
+              </a:rPr>
+              <a:t>pub</a:t>
+            </a:r>
+            <a:r>
+              <a:rPr lang="de-AT" sz="1800" b="0" dirty="0">
+                <a:solidFill>
+                  <a:srgbClr val="CCCCCC"/>
+                </a:solidFill>
+                <a:effectLst/>
+                <a:latin typeface="Menlo" panose="020B0609030804020204" pitchFamily="49" charset="0"/>
+              </a:rPr>
+              <a:t> </a:t>
+            </a:r>
+            <a:r>
+              <a:rPr lang="de-AT" sz="1800" b="0" dirty="0" err="1">
+                <a:solidFill>
+                  <a:srgbClr val="569CD6"/>
+                </a:solidFill>
+                <a:effectLst/>
+                <a:latin typeface="Menlo" panose="020B0609030804020204" pitchFamily="49" charset="0"/>
+              </a:rPr>
+              <a:t>async</a:t>
+            </a:r>
+            <a:r>
+              <a:rPr lang="de-AT" sz="1800" b="0" dirty="0">
+                <a:solidFill>
+                  <a:srgbClr val="CCCCCC"/>
+                </a:solidFill>
+                <a:effectLst/>
+                <a:latin typeface="Menlo" panose="020B0609030804020204" pitchFamily="49" charset="0"/>
+              </a:rPr>
+              <a:t> </a:t>
+            </a:r>
+            <a:r>
+              <a:rPr lang="de-AT" sz="1800" b="0" dirty="0" err="1">
+                <a:solidFill>
+                  <a:srgbClr val="569CD6"/>
+                </a:solidFill>
+                <a:effectLst/>
+                <a:latin typeface="Menlo" panose="020B0609030804020204" pitchFamily="49" charset="0"/>
+              </a:rPr>
+              <a:t>fn</a:t>
+            </a:r>
+            <a:r>
+              <a:rPr lang="de-AT" sz="1800" b="0" dirty="0">
+                <a:solidFill>
+                  <a:srgbClr val="CCCCCC"/>
+                </a:solidFill>
+                <a:effectLst/>
+                <a:latin typeface="Menlo" panose="020B0609030804020204" pitchFamily="49" charset="0"/>
+              </a:rPr>
+              <a:t> </a:t>
+            </a:r>
+            <a:r>
+              <a:rPr lang="de-AT" sz="1800" b="0" dirty="0" err="1">
+                <a:solidFill>
+                  <a:srgbClr val="DCDCAA"/>
+                </a:solidFill>
+                <a:effectLst/>
+                <a:latin typeface="Menlo" panose="020B0609030804020204" pitchFamily="49" charset="0"/>
+              </a:rPr>
+              <a:t>extract_name_id</a:t>
+            </a:r>
+            <a:r>
+              <a:rPr lang="de-AT" sz="1800" b="0" dirty="0">
+                <a:solidFill>
+                  <a:srgbClr val="CCCCCC"/>
+                </a:solidFill>
+                <a:effectLst/>
+                <a:latin typeface="Menlo" panose="020B0609030804020204" pitchFamily="49" charset="0"/>
+              </a:rPr>
+              <a:t>(</a:t>
+            </a:r>
+            <a:r>
+              <a:rPr lang="de-AT" sz="1800" b="0" dirty="0" err="1">
+                <a:solidFill>
+                  <a:srgbClr val="9CDCFE"/>
+                </a:solidFill>
+                <a:effectLst/>
+                <a:latin typeface="Menlo" panose="020B0609030804020204" pitchFamily="49" charset="0"/>
+              </a:rPr>
+              <a:t>req</a:t>
+            </a:r>
+            <a:r>
+              <a:rPr lang="de-AT" sz="1800" b="0" dirty="0">
+                <a:solidFill>
+                  <a:srgbClr val="D4D4D4"/>
+                </a:solidFill>
+                <a:effectLst/>
+                <a:latin typeface="Menlo" panose="020B0609030804020204" pitchFamily="49" charset="0"/>
+              </a:rPr>
               <a:t>:</a:t>
             </a:r>
-          </a:p>
-          <a:p>
-            <a:endParaRPr lang="de-DE" sz="2000" dirty="0"/>
-          </a:p>
-          <a:p>
-            <a:r>
-              <a:rPr lang="de-DE" sz="2000" dirty="0">
-                <a:solidFill>
-                  <a:schemeClr val="bg2">
-                    <a:lumMod val="75000"/>
-                  </a:schemeClr>
-                </a:solidFill>
-              </a:rPr>
-              <a:t>[</a:t>
-            </a:r>
-            <a:r>
-              <a:rPr lang="de-DE" sz="2000" dirty="0" err="1">
-                <a:solidFill>
-                  <a:schemeClr val="bg2">
-                    <a:lumMod val="75000"/>
-                  </a:schemeClr>
-                </a:solidFill>
-              </a:rPr>
-              <a:t>dependencies</a:t>
-            </a:r>
-            <a:r>
-              <a:rPr lang="de-DE" sz="2000" dirty="0">
-                <a:solidFill>
-                  <a:schemeClr val="bg2">
-                    <a:lumMod val="75000"/>
-                  </a:schemeClr>
-                </a:solidFill>
-              </a:rPr>
-              <a:t>]</a:t>
-            </a:r>
-          </a:p>
-          <a:p>
-            <a:r>
-              <a:rPr lang="de-DE" sz="2000" dirty="0" err="1">
-                <a:solidFill>
-                  <a:schemeClr val="bg2">
-                    <a:lumMod val="75000"/>
-                  </a:schemeClr>
-                </a:solidFill>
-              </a:rPr>
-              <a:t>serde</a:t>
-            </a:r>
-            <a:r>
-              <a:rPr lang="de-DE" sz="2000" dirty="0">
-                <a:solidFill>
-                  <a:schemeClr val="bg2">
-                    <a:lumMod val="75000"/>
-                  </a:schemeClr>
-                </a:solidFill>
-              </a:rPr>
-              <a:t> = {</a:t>
-            </a:r>
-            <a:r>
-              <a:rPr lang="de-DE" sz="2000" dirty="0" err="1">
-                <a:solidFill>
-                  <a:schemeClr val="bg2">
-                    <a:lumMod val="75000"/>
-                  </a:schemeClr>
-                </a:solidFill>
-              </a:rPr>
-              <a:t>version</a:t>
-            </a:r>
-            <a:r>
-              <a:rPr lang="de-DE" sz="2000" dirty="0">
-                <a:solidFill>
-                  <a:schemeClr val="bg2">
-                    <a:lumMod val="75000"/>
-                  </a:schemeClr>
-                </a:solidFill>
-              </a:rPr>
-              <a:t> = "1.0.193", </a:t>
-            </a:r>
-            <a:r>
-              <a:rPr lang="de-DE" sz="2000" dirty="0" err="1">
-                <a:solidFill>
-                  <a:schemeClr val="bg2">
-                    <a:lumMod val="75000"/>
-                  </a:schemeClr>
-                </a:solidFill>
-              </a:rPr>
-              <a:t>features</a:t>
-            </a:r>
-            <a:r>
-              <a:rPr lang="de-DE" sz="2000" dirty="0">
-                <a:solidFill>
-                  <a:schemeClr val="bg2">
-                    <a:lumMod val="75000"/>
-                  </a:schemeClr>
-                </a:solidFill>
-              </a:rPr>
-              <a:t> = ["</a:t>
-            </a:r>
-            <a:r>
-              <a:rPr lang="de-DE" sz="2000" dirty="0" err="1">
-                <a:solidFill>
-                  <a:schemeClr val="bg2">
-                    <a:lumMod val="75000"/>
-                  </a:schemeClr>
-                </a:solidFill>
-              </a:rPr>
-              <a:t>derive</a:t>
-            </a:r>
-            <a:r>
-              <a:rPr lang="de-DE" sz="2000" dirty="0">
-                <a:solidFill>
-                  <a:schemeClr val="bg2">
-                    <a:lumMod val="75000"/>
-                  </a:schemeClr>
-                </a:solidFill>
-              </a:rPr>
-              <a:t>"]}</a:t>
-            </a:r>
-          </a:p>
-          <a:p>
-            <a:endParaRPr lang="de-DE" sz="2000" dirty="0"/>
-          </a:p>
-          <a:p>
-            <a:r>
-              <a:rPr lang="de-DE" sz="2000" dirty="0"/>
-              <a:t>Extract </a:t>
-            </a:r>
-            <a:r>
-              <a:rPr lang="de-DE" sz="2000" dirty="0" err="1"/>
-              <a:t>data</a:t>
-            </a:r>
-            <a:r>
-              <a:rPr lang="de-DE" sz="2000" dirty="0"/>
+            <a:r>
+              <a:rPr lang="de-AT" sz="1800" b="0" dirty="0">
+                <a:solidFill>
+                  <a:srgbClr val="CCCCCC"/>
+                </a:solidFill>
+                <a:effectLst/>
+                <a:latin typeface="Menlo" panose="020B0609030804020204" pitchFamily="49" charset="0"/>
+              </a:rPr>
               <a:t> </a:t>
             </a:r>
             <a:r>
-              <a:rPr lang="de-DE" sz="2000" dirty="0" err="1"/>
-              <a:t>from</a:t>
-            </a:r>
-            <a:r>
-              <a:rPr lang="de-DE" sz="2000" dirty="0"/>
+              <a:rPr lang="de-AT" sz="1800" b="0" dirty="0" err="1">
+                <a:solidFill>
+                  <a:srgbClr val="4EC9B0"/>
+                </a:solidFill>
+                <a:effectLst/>
+                <a:latin typeface="Menlo" panose="020B0609030804020204" pitchFamily="49" charset="0"/>
+              </a:rPr>
+              <a:t>HttpRequest</a:t>
+            </a:r>
+            <a:r>
+              <a:rPr lang="de-AT" sz="1800" b="0" dirty="0">
+                <a:solidFill>
+                  <a:srgbClr val="CCCCCC"/>
+                </a:solidFill>
+                <a:effectLst/>
+                <a:latin typeface="Menlo" panose="020B0609030804020204" pitchFamily="49" charset="0"/>
+              </a:rPr>
+              <a:t>) </a:t>
+            </a:r>
+            <a:r>
+              <a:rPr lang="de-AT" sz="1800" b="0" dirty="0">
+                <a:solidFill>
+                  <a:srgbClr val="D4D4D4"/>
+                </a:solidFill>
+                <a:effectLst/>
+                <a:latin typeface="Menlo" panose="020B0609030804020204" pitchFamily="49" charset="0"/>
+              </a:rPr>
+              <a:t>-&gt;</a:t>
+            </a:r>
+            <a:r>
+              <a:rPr lang="de-AT" sz="1800" b="0" dirty="0">
+                <a:solidFill>
+                  <a:srgbClr val="CCCCCC"/>
+                </a:solidFill>
+                <a:effectLst/>
+                <a:latin typeface="Menlo" panose="020B0609030804020204" pitchFamily="49" charset="0"/>
+              </a:rPr>
               <a:t> </a:t>
             </a:r>
             <a:r>
-              <a:rPr lang="de-DE" sz="2000" dirty="0" err="1"/>
-              <a:t>the</a:t>
-            </a:r>
-            <a:r>
-              <a:rPr lang="de-DE" sz="2000" dirty="0"/>
+              <a:rPr lang="de-AT" sz="1800" b="0" dirty="0" err="1">
+                <a:solidFill>
+                  <a:srgbClr val="569CD6"/>
+                </a:solidFill>
+                <a:effectLst/>
+                <a:latin typeface="Menlo" panose="020B0609030804020204" pitchFamily="49" charset="0"/>
+              </a:rPr>
+              <a:t>impl</a:t>
+            </a:r>
+            <a:r>
+              <a:rPr lang="de-AT" sz="1800" b="0" dirty="0">
+                <a:solidFill>
+                  <a:srgbClr val="CCCCCC"/>
+                </a:solidFill>
+                <a:effectLst/>
+                <a:latin typeface="Menlo" panose="020B0609030804020204" pitchFamily="49" charset="0"/>
+              </a:rPr>
               <a:t> </a:t>
             </a:r>
             <a:r>
-              <a:rPr lang="de-DE" sz="2000" dirty="0" err="1"/>
-              <a:t>client‘s</a:t>
-            </a:r>
-            <a:r>
-              <a:rPr lang="de-DE" sz="2000" dirty="0"/>
+              <a:rPr lang="de-AT" sz="1800" b="0" dirty="0">
+                <a:solidFill>
+                  <a:srgbClr val="4EC9B0"/>
+                </a:solidFill>
+                <a:effectLst/>
+                <a:latin typeface="Menlo" panose="020B0609030804020204" pitchFamily="49" charset="0"/>
+              </a:rPr>
+              <a:t>Responder</a:t>
+            </a:r>
+            <a:r>
+              <a:rPr lang="de-AT" sz="1800" b="0" dirty="0">
+                <a:solidFill>
+                  <a:srgbClr val="CCCCCC"/>
+                </a:solidFill>
+                <a:effectLst/>
+                <a:latin typeface="Menlo" panose="020B0609030804020204" pitchFamily="49" charset="0"/>
+              </a:rPr>
+              <a:t> {</a:t>
+            </a:r>
+          </a:p>
+          <a:p>
+            <a:pPr marL="0" indent="0">
+              <a:buNone/>
+            </a:pPr>
+            <a:r>
+              <a:rPr lang="de-AT" sz="1800" b="0" dirty="0">
+                <a:solidFill>
+                  <a:srgbClr val="569CD6"/>
+                </a:solidFill>
+                <a:effectLst/>
+                <a:latin typeface="Menlo" panose="020B0609030804020204" pitchFamily="49" charset="0"/>
+              </a:rPr>
+              <a:t>	</a:t>
+            </a:r>
+            <a:r>
+              <a:rPr lang="de-AT" sz="1800" b="0" dirty="0" err="1">
+                <a:solidFill>
+                  <a:srgbClr val="569CD6"/>
+                </a:solidFill>
+                <a:effectLst/>
+                <a:latin typeface="Menlo" panose="020B0609030804020204" pitchFamily="49" charset="0"/>
+              </a:rPr>
+              <a:t>let</a:t>
+            </a:r>
+            <a:r>
+              <a:rPr lang="de-AT" sz="1800" b="0" dirty="0">
+                <a:solidFill>
+                  <a:srgbClr val="CCCCCC"/>
+                </a:solidFill>
+                <a:effectLst/>
+                <a:latin typeface="Menlo" panose="020B0609030804020204" pitchFamily="49" charset="0"/>
+              </a:rPr>
               <a:t> </a:t>
             </a:r>
             <a:r>
-              <a:rPr lang="de-DE" sz="2000" dirty="0" err="1"/>
-              <a:t>HttpRequest</a:t>
-            </a:r>
-            <a:r>
-              <a:rPr lang="de-DE" sz="2000" dirty="0"/>
+              <a:rPr lang="de-AT" sz="1800" b="0" dirty="0" err="1">
+                <a:solidFill>
+                  <a:srgbClr val="9CDCFE"/>
+                </a:solidFill>
+                <a:effectLst/>
+                <a:latin typeface="Menlo" panose="020B0609030804020204" pitchFamily="49" charset="0"/>
+              </a:rPr>
+              <a:t>name</a:t>
+            </a:r>
+            <a:r>
+              <a:rPr lang="de-AT" sz="1800" b="0" dirty="0">
+                <a:solidFill>
+                  <a:srgbClr val="CCCCCC"/>
+                </a:solidFill>
+                <a:effectLst/>
+                <a:latin typeface="Menlo" panose="020B0609030804020204" pitchFamily="49" charset="0"/>
+              </a:rPr>
               <a:t> </a:t>
             </a:r>
             <a:r>
-              <a:rPr lang="de-DE" sz="2000" dirty="0" err="1"/>
-              <a:t>by</a:t>
-            </a:r>
-            <a:r>
-              <a:rPr lang="de-DE" sz="2000" dirty="0"/>
+              <a:rPr lang="de-AT" sz="1800" b="0" dirty="0">
+                <a:solidFill>
+                  <a:srgbClr val="D4D4D4"/>
+                </a:solidFill>
+                <a:effectLst/>
+                <a:latin typeface="Menlo" panose="020B0609030804020204" pitchFamily="49" charset="0"/>
+              </a:rPr>
+              <a:t>=</a:t>
+            </a:r>
+            <a:r>
+              <a:rPr lang="de-AT" sz="1800" b="0" dirty="0">
+                <a:solidFill>
+                  <a:srgbClr val="CCCCCC"/>
+                </a:solidFill>
+                <a:effectLst/>
+                <a:latin typeface="Menlo" panose="020B0609030804020204" pitchFamily="49" charset="0"/>
+              </a:rPr>
               <a:t> </a:t>
             </a:r>
             <a:r>
-              <a:rPr lang="de-DE" sz="2000" dirty="0" err="1"/>
-              <a:t>using</a:t>
-            </a:r>
-            <a:r>
-              <a:rPr lang="de-DE" sz="2000" dirty="0"/>
+              <a:rPr lang="de-AT" sz="1800" b="0" dirty="0" err="1">
+                <a:solidFill>
+                  <a:srgbClr val="9CDCFE"/>
+                </a:solidFill>
+                <a:effectLst/>
+                <a:latin typeface="Menlo" panose="020B0609030804020204" pitchFamily="49" charset="0"/>
+              </a:rPr>
+              <a:t>req</a:t>
+            </a:r>
+            <a:r>
+              <a:rPr lang="de-AT" sz="1800" b="0" dirty="0" err="1">
+                <a:solidFill>
+                  <a:srgbClr val="D4D4D4"/>
+                </a:solidFill>
+                <a:effectLst/>
+                <a:latin typeface="Menlo" panose="020B0609030804020204" pitchFamily="49" charset="0"/>
+              </a:rPr>
+              <a:t>.</a:t>
+            </a:r>
+            <a:r>
+              <a:rPr lang="de-AT" sz="1800" b="0" dirty="0" err="1">
+                <a:solidFill>
+                  <a:srgbClr val="DCDCAA"/>
+                </a:solidFill>
+                <a:effectLst/>
+                <a:latin typeface="Menlo" panose="020B0609030804020204" pitchFamily="49" charset="0"/>
+              </a:rPr>
+              <a:t>match_info</a:t>
+            </a:r>
+            <a:r>
+              <a:rPr lang="de-AT" sz="1800" b="0" dirty="0">
+                <a:solidFill>
+                  <a:srgbClr val="CCCCCC"/>
+                </a:solidFill>
+                <a:effectLst/>
+                <a:latin typeface="Menlo" panose="020B0609030804020204" pitchFamily="49" charset="0"/>
+              </a:rPr>
+              <a:t>()</a:t>
+            </a:r>
+            <a:r>
+              <a:rPr lang="de-AT" sz="1800" b="0" dirty="0">
+                <a:solidFill>
+                  <a:srgbClr val="D4D4D4"/>
+                </a:solidFill>
+                <a:effectLst/>
+                <a:latin typeface="Menlo" panose="020B0609030804020204" pitchFamily="49" charset="0"/>
+              </a:rPr>
+              <a:t>.</a:t>
+            </a:r>
+            <a:r>
+              <a:rPr lang="de-AT" sz="1800" b="0" dirty="0" err="1">
+                <a:solidFill>
+                  <a:srgbClr val="DCDCAA"/>
+                </a:solidFill>
+                <a:effectLst/>
+                <a:latin typeface="Menlo" panose="020B0609030804020204" pitchFamily="49" charset="0"/>
+              </a:rPr>
+              <a:t>query</a:t>
+            </a:r>
+            <a:r>
+              <a:rPr lang="de-AT" sz="1800" b="0" dirty="0">
+                <a:solidFill>
+                  <a:srgbClr val="CCCCCC"/>
+                </a:solidFill>
+                <a:effectLst/>
+                <a:latin typeface="Menlo" panose="020B0609030804020204" pitchFamily="49" charset="0"/>
+              </a:rPr>
+              <a:t>(</a:t>
+            </a:r>
+            <a:r>
+              <a:rPr lang="de-AT" sz="1800" b="0" dirty="0">
+                <a:solidFill>
+                  <a:srgbClr val="CE9178"/>
+                </a:solidFill>
+                <a:effectLst/>
+                <a:latin typeface="Menlo" panose="020B0609030804020204" pitchFamily="49" charset="0"/>
+              </a:rPr>
+              <a:t>"</a:t>
+            </a:r>
+            <a:r>
+              <a:rPr lang="de-AT" sz="1800" b="0" dirty="0" err="1">
+                <a:solidFill>
+                  <a:srgbClr val="CE9178"/>
+                </a:solidFill>
+                <a:effectLst/>
+                <a:latin typeface="Menlo" panose="020B0609030804020204" pitchFamily="49" charset="0"/>
+              </a:rPr>
+              <a:t>name</a:t>
+            </a:r>
+            <a:r>
+              <a:rPr lang="de-AT" sz="1800" b="0" dirty="0">
+                <a:solidFill>
+                  <a:srgbClr val="CE9178"/>
+                </a:solidFill>
+                <a:effectLst/>
+                <a:latin typeface="Menlo" panose="020B0609030804020204" pitchFamily="49" charset="0"/>
+              </a:rPr>
+              <a:t>"</a:t>
+            </a:r>
+            <a:r>
+              <a:rPr lang="de-AT" sz="1800" b="0" dirty="0">
+                <a:solidFill>
+                  <a:srgbClr val="CCCCCC"/>
+                </a:solidFill>
+                <a:effectLst/>
+                <a:latin typeface="Menlo" panose="020B0609030804020204" pitchFamily="49" charset="0"/>
+              </a:rPr>
+              <a:t>);</a:t>
+            </a:r>
+          </a:p>
+          <a:p>
+            <a:pPr marL="0" indent="0">
+              <a:buNone/>
+            </a:pPr>
+            <a:r>
+              <a:rPr lang="de-AT" sz="1800" b="0" dirty="0">
+                <a:solidFill>
+                  <a:srgbClr val="569CD6"/>
+                </a:solidFill>
+                <a:effectLst/>
+                <a:latin typeface="Menlo" panose="020B0609030804020204" pitchFamily="49" charset="0"/>
+              </a:rPr>
+              <a:t>	</a:t>
+            </a:r>
+            <a:r>
+              <a:rPr lang="de-AT" sz="1800" b="0" dirty="0" err="1">
+                <a:solidFill>
+                  <a:srgbClr val="569CD6"/>
+                </a:solidFill>
+                <a:effectLst/>
+                <a:latin typeface="Menlo" panose="020B0609030804020204" pitchFamily="49" charset="0"/>
+              </a:rPr>
+              <a:t>let</a:t>
+            </a:r>
+            <a:r>
+              <a:rPr lang="de-AT" sz="1800" b="0" dirty="0">
+                <a:solidFill>
+                  <a:srgbClr val="CCCCCC"/>
+                </a:solidFill>
+                <a:effectLst/>
+                <a:latin typeface="Menlo" panose="020B0609030804020204" pitchFamily="49" charset="0"/>
+              </a:rPr>
               <a:t> </a:t>
             </a:r>
             <a:r>
-              <a:rPr lang="de-DE" sz="2000" dirty="0" err="1"/>
-              <a:t>structs</a:t>
-            </a:r>
-            <a:r>
-              <a:rPr lang="de-DE" sz="2000" dirty="0"/>
+              <a:rPr lang="de-AT" sz="1800" b="0" dirty="0" err="1">
+                <a:solidFill>
+                  <a:srgbClr val="9CDCFE"/>
+                </a:solidFill>
+                <a:effectLst/>
+                <a:latin typeface="Menlo" panose="020B0609030804020204" pitchFamily="49" charset="0"/>
+              </a:rPr>
+              <a:t>message</a:t>
+            </a:r>
+            <a:r>
+              <a:rPr lang="de-AT" sz="1800" b="0" dirty="0">
+                <a:solidFill>
+                  <a:srgbClr val="CCCCCC"/>
+                </a:solidFill>
+                <a:effectLst/>
+                <a:latin typeface="Menlo" panose="020B0609030804020204" pitchFamily="49" charset="0"/>
+              </a:rPr>
               <a:t> </a:t>
             </a:r>
             <a:r>
-              <a:rPr lang="de-DE" sz="2000" dirty="0" err="1"/>
-              <a:t>provided</a:t>
-            </a:r>
-            <a:r>
-              <a:rPr lang="de-DE" sz="2000" dirty="0"/>
+              <a:rPr lang="de-AT" sz="1800" b="0" dirty="0">
+                <a:solidFill>
+                  <a:srgbClr val="D4D4D4"/>
+                </a:solidFill>
+                <a:effectLst/>
+                <a:latin typeface="Menlo" panose="020B0609030804020204" pitchFamily="49" charset="0"/>
+              </a:rPr>
+              <a:t>=</a:t>
+            </a:r>
+            <a:r>
+              <a:rPr lang="de-AT" sz="1800" b="0" dirty="0">
+                <a:solidFill>
+                  <a:srgbClr val="CCCCCC"/>
+                </a:solidFill>
+                <a:effectLst/>
+                <a:latin typeface="Menlo" panose="020B0609030804020204" pitchFamily="49" charset="0"/>
+              </a:rPr>
               <a:t> </a:t>
             </a:r>
             <a:r>
-              <a:rPr lang="de-DE" sz="2000" dirty="0" err="1"/>
-              <a:t>by</a:t>
-            </a:r>
-            <a:r>
-              <a:rPr lang="de-DE" sz="2000" dirty="0"/>
+              <a:rPr lang="de-AT" sz="1800" b="0" dirty="0" err="1">
+                <a:solidFill>
+                  <a:srgbClr val="9CDCFE"/>
+                </a:solidFill>
+                <a:effectLst/>
+                <a:latin typeface="Menlo" panose="020B0609030804020204" pitchFamily="49" charset="0"/>
+              </a:rPr>
+              <a:t>req</a:t>
+            </a:r>
+            <a:r>
+              <a:rPr lang="de-AT" sz="1800" b="0" dirty="0" err="1">
+                <a:solidFill>
+                  <a:srgbClr val="D4D4D4"/>
+                </a:solidFill>
+                <a:effectLst/>
+                <a:latin typeface="Menlo" panose="020B0609030804020204" pitchFamily="49" charset="0"/>
+              </a:rPr>
+              <a:t>.</a:t>
+            </a:r>
+            <a:r>
+              <a:rPr lang="de-AT" sz="1800" b="0" dirty="0" err="1">
+                <a:solidFill>
+                  <a:srgbClr val="DCDCAA"/>
+                </a:solidFill>
+                <a:effectLst/>
+                <a:latin typeface="Menlo" panose="020B0609030804020204" pitchFamily="49" charset="0"/>
+              </a:rPr>
+              <a:t>match_info</a:t>
+            </a:r>
+            <a:r>
+              <a:rPr lang="de-AT" sz="1800" b="0" dirty="0">
+                <a:solidFill>
+                  <a:srgbClr val="CCCCCC"/>
+                </a:solidFill>
+                <a:effectLst/>
+                <a:latin typeface="Menlo" panose="020B0609030804020204" pitchFamily="49" charset="0"/>
+              </a:rPr>
+              <a:t>()</a:t>
+            </a:r>
+            <a:r>
+              <a:rPr lang="de-AT" sz="1800" b="0" dirty="0">
+                <a:solidFill>
+                  <a:srgbClr val="D4D4D4"/>
+                </a:solidFill>
+                <a:effectLst/>
+                <a:latin typeface="Menlo" panose="020B0609030804020204" pitchFamily="49" charset="0"/>
+              </a:rPr>
+              <a:t>.</a:t>
+            </a:r>
+            <a:r>
+              <a:rPr lang="de-AT" sz="1800" b="0" dirty="0" err="1">
+                <a:solidFill>
+                  <a:srgbClr val="DCDCAA"/>
+                </a:solidFill>
+                <a:effectLst/>
+                <a:latin typeface="Menlo" panose="020B0609030804020204" pitchFamily="49" charset="0"/>
+              </a:rPr>
+              <a:t>query</a:t>
+            </a:r>
+            <a:r>
+              <a:rPr lang="de-AT" sz="1800" b="0" dirty="0">
+                <a:solidFill>
+                  <a:srgbClr val="CCCCCC"/>
+                </a:solidFill>
+                <a:effectLst/>
+                <a:latin typeface="Menlo" panose="020B0609030804020204" pitchFamily="49" charset="0"/>
+              </a:rPr>
+              <a:t>(</a:t>
+            </a:r>
+            <a:r>
+              <a:rPr lang="de-AT" sz="1800" b="0" dirty="0">
+                <a:solidFill>
+                  <a:srgbClr val="CE9178"/>
+                </a:solidFill>
+                <a:effectLst/>
+                <a:latin typeface="Menlo" panose="020B0609030804020204" pitchFamily="49" charset="0"/>
+              </a:rPr>
+              <a:t>"</a:t>
+            </a:r>
+            <a:r>
+              <a:rPr lang="de-AT" sz="1800" b="0" dirty="0" err="1">
+                <a:solidFill>
+                  <a:srgbClr val="CE9178"/>
+                </a:solidFill>
+                <a:effectLst/>
+                <a:latin typeface="Menlo" panose="020B0609030804020204" pitchFamily="49" charset="0"/>
+              </a:rPr>
+              <a:t>message</a:t>
+            </a:r>
+            <a:r>
+              <a:rPr lang="de-AT" sz="1800" b="0" dirty="0">
+                <a:solidFill>
+                  <a:srgbClr val="CE9178"/>
+                </a:solidFill>
+                <a:effectLst/>
+                <a:latin typeface="Menlo" panose="020B0609030804020204" pitchFamily="49" charset="0"/>
+              </a:rPr>
+              <a:t>"</a:t>
+            </a:r>
+            <a:r>
+              <a:rPr lang="de-AT" sz="1800" b="0" dirty="0">
+                <a:solidFill>
+                  <a:srgbClr val="CCCCCC"/>
+                </a:solidFill>
+                <a:effectLst/>
+                <a:latin typeface="Menlo" panose="020B0609030804020204" pitchFamily="49" charset="0"/>
+              </a:rPr>
+              <a:t>);</a:t>
+            </a:r>
+          </a:p>
+          <a:p>
+            <a:pPr marL="0" indent="0">
+              <a:buNone/>
+            </a:pPr>
+            <a:r>
+              <a:rPr lang="de-AT" sz="1800" b="0" dirty="0">
+                <a:solidFill>
+                  <a:srgbClr val="569CD6"/>
+                </a:solidFill>
+                <a:effectLst/>
+                <a:latin typeface="Menlo" panose="020B0609030804020204" pitchFamily="49" charset="0"/>
+              </a:rPr>
+              <a:t>	</a:t>
+            </a:r>
+            <a:r>
+              <a:rPr lang="de-AT" sz="1800" b="0" dirty="0" err="1">
+                <a:solidFill>
+                  <a:srgbClr val="569CD6"/>
+                </a:solidFill>
+                <a:effectLst/>
+                <a:latin typeface="Menlo" panose="020B0609030804020204" pitchFamily="49" charset="0"/>
+              </a:rPr>
+              <a:t>let</a:t>
+            </a:r>
+            <a:r>
+              <a:rPr lang="de-AT" sz="1800" b="0" dirty="0">
+                <a:solidFill>
+                  <a:srgbClr val="CCCCCC"/>
+                </a:solidFill>
+                <a:effectLst/>
+                <a:latin typeface="Menlo" panose="020B0609030804020204" pitchFamily="49" charset="0"/>
+              </a:rPr>
               <a:t> </a:t>
             </a:r>
             <a:r>
-              <a:rPr lang="de-DE" sz="2000" dirty="0" err="1"/>
-              <a:t>the</a:t>
-            </a:r>
-            <a:r>
-              <a:rPr lang="de-DE" sz="2000" dirty="0"/>
-              <a:t> web </a:t>
-            </a:r>
-            <a:r>
-              <a:rPr lang="de-DE" sz="2000" dirty="0" err="1"/>
-              <a:t>module</a:t>
-            </a:r>
-            <a:endParaRPr lang="de-DE" sz="2000" dirty="0"/>
-          </a:p>
-          <a:p>
-            <a:endParaRPr lang="de-DE" sz="2000" dirty="0"/>
-          </a:p>
-          <a:p>
-            <a:r>
-              <a:rPr lang="de-DE" sz="2000" dirty="0" err="1"/>
-              <a:t>Example</a:t>
-            </a:r>
-            <a:r>
-              <a:rPr lang="de-DE" sz="2000" dirty="0"/>
-              <a:t>:</a:t>
-            </a:r>
-          </a:p>
-          <a:p>
-            <a:r>
-              <a:rPr lang="de-AT" b="0" dirty="0" err="1">
+              <a:rPr lang="de-AT" sz="1800" b="0" dirty="0" err="1">
+                <a:solidFill>
+                  <a:srgbClr val="9CDCFE"/>
+                </a:solidFill>
+                <a:effectLst/>
+                <a:latin typeface="Menlo" panose="020B0609030804020204" pitchFamily="49" charset="0"/>
+              </a:rPr>
+              <a:t>id</a:t>
+            </a:r>
+            <a:r>
+              <a:rPr lang="de-AT" sz="1800" b="0" dirty="0">
+                <a:solidFill>
+                  <a:srgbClr val="CCCCCC"/>
+                </a:solidFill>
+                <a:effectLst/>
+                <a:latin typeface="Menlo" panose="020B0609030804020204" pitchFamily="49" charset="0"/>
+              </a:rPr>
+              <a:t> </a:t>
+            </a:r>
+            <a:r>
+              <a:rPr lang="de-AT" sz="1800" b="0" dirty="0">
+                <a:solidFill>
+                  <a:srgbClr val="D4D4D4"/>
+                </a:solidFill>
+                <a:effectLst/>
+                <a:latin typeface="Menlo" panose="020B0609030804020204" pitchFamily="49" charset="0"/>
+              </a:rPr>
+              <a:t>=</a:t>
+            </a:r>
+            <a:r>
+              <a:rPr lang="de-AT" sz="1800" b="0" dirty="0">
+                <a:solidFill>
+                  <a:srgbClr val="CCCCCC"/>
+                </a:solidFill>
+                <a:effectLst/>
+                <a:latin typeface="Menlo" panose="020B0609030804020204" pitchFamily="49" charset="0"/>
+              </a:rPr>
+              <a:t> </a:t>
+            </a:r>
+            <a:r>
+              <a:rPr lang="de-AT" sz="1800" b="0" dirty="0" err="1">
+                <a:solidFill>
+                  <a:srgbClr val="9CDCFE"/>
+                </a:solidFill>
+                <a:effectLst/>
+                <a:latin typeface="Menlo" panose="020B0609030804020204" pitchFamily="49" charset="0"/>
+              </a:rPr>
+              <a:t>req</a:t>
+            </a:r>
+            <a:r>
+              <a:rPr lang="de-AT" sz="1800" b="0" dirty="0" err="1">
+                <a:solidFill>
+                  <a:srgbClr val="D4D4D4"/>
+                </a:solidFill>
+                <a:effectLst/>
+                <a:latin typeface="Menlo" panose="020B0609030804020204" pitchFamily="49" charset="0"/>
+              </a:rPr>
+              <a:t>.</a:t>
+            </a:r>
+            <a:r>
+              <a:rPr lang="de-AT" sz="1800" b="0" dirty="0" err="1">
+                <a:solidFill>
+                  <a:srgbClr val="DCDCAA"/>
+                </a:solidFill>
+                <a:effectLst/>
+                <a:latin typeface="Menlo" panose="020B0609030804020204" pitchFamily="49" charset="0"/>
+              </a:rPr>
+              <a:t>match_info</a:t>
+            </a:r>
+            <a:r>
+              <a:rPr lang="de-AT" sz="1800" b="0" dirty="0">
+                <a:solidFill>
+                  <a:srgbClr val="CCCCCC"/>
+                </a:solidFill>
+                <a:effectLst/>
+                <a:latin typeface="Menlo" panose="020B0609030804020204" pitchFamily="49" charset="0"/>
+              </a:rPr>
+              <a:t>()</a:t>
+            </a:r>
+            <a:r>
+              <a:rPr lang="de-AT" sz="1800" b="0" dirty="0">
+                <a:solidFill>
+                  <a:srgbClr val="D4D4D4"/>
+                </a:solidFill>
+                <a:effectLst/>
+                <a:latin typeface="Menlo" panose="020B0609030804020204" pitchFamily="49" charset="0"/>
+              </a:rPr>
+              <a:t>.</a:t>
+            </a:r>
+            <a:r>
+              <a:rPr lang="de-AT" sz="1800" b="0" dirty="0" err="1">
+                <a:solidFill>
+                  <a:srgbClr val="DCDCAA"/>
+                </a:solidFill>
+                <a:effectLst/>
+                <a:latin typeface="Menlo" panose="020B0609030804020204" pitchFamily="49" charset="0"/>
+              </a:rPr>
+              <a:t>query</a:t>
+            </a:r>
+            <a:r>
+              <a:rPr lang="de-AT" sz="1800" b="0" dirty="0">
+                <a:solidFill>
+                  <a:srgbClr val="CCCCCC"/>
+                </a:solidFill>
+                <a:effectLst/>
+                <a:latin typeface="Menlo" panose="020B0609030804020204" pitchFamily="49" charset="0"/>
+              </a:rPr>
+              <a:t>(</a:t>
+            </a:r>
+            <a:r>
+              <a:rPr lang="de-AT" sz="1800" b="0" dirty="0">
+                <a:solidFill>
+                  <a:srgbClr val="CE9178"/>
+                </a:solidFill>
+                <a:effectLst/>
+                <a:latin typeface="Menlo" panose="020B0609030804020204" pitchFamily="49" charset="0"/>
+              </a:rPr>
+              <a:t>"</a:t>
+            </a:r>
+            <a:r>
+              <a:rPr lang="de-AT" sz="1800" b="0" dirty="0" err="1">
+                <a:solidFill>
+                  <a:srgbClr val="CE9178"/>
+                </a:solidFill>
+                <a:effectLst/>
+                <a:latin typeface="Menlo" panose="020B0609030804020204" pitchFamily="49" charset="0"/>
+              </a:rPr>
+              <a:t>id</a:t>
+            </a:r>
+            <a:r>
+              <a:rPr lang="de-AT" sz="1800" b="0" dirty="0">
+                <a:solidFill>
+                  <a:srgbClr val="CE9178"/>
+                </a:solidFill>
+                <a:effectLst/>
+                <a:latin typeface="Menlo" panose="020B0609030804020204" pitchFamily="49" charset="0"/>
+              </a:rPr>
+              <a:t>"</a:t>
+            </a:r>
+            <a:r>
+              <a:rPr lang="de-AT" sz="1800" b="0" dirty="0">
+                <a:solidFill>
+                  <a:srgbClr val="CCCCCC"/>
+                </a:solidFill>
+                <a:effectLst/>
+                <a:latin typeface="Menlo" panose="020B0609030804020204" pitchFamily="49" charset="0"/>
+              </a:rPr>
+              <a:t>);</a:t>
+            </a:r>
+          </a:p>
+          <a:p>
+            <a:pPr marL="0" indent="0">
+              <a:buNone/>
+            </a:pPr>
+            <a:r>
+              <a:rPr lang="de-AT" sz="1800" b="0" dirty="0">
                 <a:solidFill>
                   <a:srgbClr val="569CD6"/>
                 </a:solidFill>
                 <a:effectLst/>
                 <a:latin typeface="Menlo" panose="020B0609030804020204" pitchFamily="49" charset="0"/>
               </a:rPr>
-              <a:t>fn</a:t>
-            </a:r>
-            <a:r>
-              <a:rPr lang="de-AT" b="0" dirty="0">
+              <a:t>	</a:t>
+            </a:r>
+            <a:r>
+              <a:rPr lang="de-AT" sz="1800" b="0" dirty="0" err="1">
+                <a:solidFill>
+                  <a:srgbClr val="569CD6"/>
+                </a:solidFill>
+                <a:effectLst/>
+                <a:latin typeface="Menlo" panose="020B0609030804020204" pitchFamily="49" charset="0"/>
+              </a:rPr>
+              <a:t>format</a:t>
+            </a:r>
+            <a:r>
+              <a:rPr lang="de-AT" sz="1800" b="0" dirty="0">
+                <a:solidFill>
+                  <a:srgbClr val="569CD6"/>
+                </a:solidFill>
+                <a:effectLst/>
+                <a:latin typeface="Menlo" panose="020B0609030804020204" pitchFamily="49" charset="0"/>
+              </a:rPr>
+              <a:t>!</a:t>
+            </a:r>
+            <a:r>
+              <a:rPr lang="de-AT" sz="1800" b="0" dirty="0">
                 <a:solidFill>
                   <a:srgbClr val="CCCCCC"/>
                 </a:solidFill>
                 <a:effectLst/>
                 <a:latin typeface="Menlo" panose="020B0609030804020204" pitchFamily="49" charset="0"/>
               </a:rPr>
+              <a:t>(</a:t>
+            </a:r>
+            <a:r>
+              <a:rPr lang="de-AT" sz="1800" b="0" dirty="0">
+                <a:solidFill>
+                  <a:srgbClr val="CE9178"/>
+                </a:solidFill>
+                <a:effectLst/>
+                <a:latin typeface="Menlo" panose="020B0609030804020204" pitchFamily="49" charset="0"/>
+              </a:rPr>
+              <a:t>"The </a:t>
+            </a:r>
+            <a:r>
+              <a:rPr lang="de-AT" sz="1800" b="0" dirty="0" err="1">
+                <a:solidFill>
+                  <a:srgbClr val="CE9178"/>
+                </a:solidFill>
+                <a:effectLst/>
+                <a:latin typeface="Menlo" panose="020B0609030804020204" pitchFamily="49" charset="0"/>
+              </a:rPr>
+              <a:t>name</a:t>
+            </a:r>
+            <a:r>
+              <a:rPr lang="de-AT" sz="1800" b="0" dirty="0">
+                <a:solidFill>
+                  <a:srgbClr val="CE9178"/>
+                </a:solidFill>
+                <a:effectLst/>
+                <a:latin typeface="Menlo" panose="020B0609030804020204" pitchFamily="49" charset="0"/>
+              </a:rPr>
               <a:t> </a:t>
             </a:r>
             <a:r>
-              <a:rPr lang="de-AT" b="0" dirty="0" err="1">
-                <a:solidFill>
-                  <a:srgbClr val="DCDCAA"/>
-                </a:solidFill>
-                <a:effectLst/>
-                <a:latin typeface="Menlo" panose="020B0609030804020204" pitchFamily="49" charset="0"/>
-              </a:rPr>
-              <a:t>get_params</a:t>
-            </a:r>
-            <a:r>
-              <a:rPr lang="de-AT" b="0" dirty="0">
+              <a:rPr lang="de-AT" sz="1800" b="0" dirty="0" err="1">
+                <a:solidFill>
+                  <a:srgbClr val="CE9178"/>
+                </a:solidFill>
+                <a:effectLst/>
+                <a:latin typeface="Menlo" panose="020B0609030804020204" pitchFamily="49" charset="0"/>
+              </a:rPr>
+              <a:t>is</a:t>
+            </a:r>
+            <a:r>
+              <a:rPr lang="de-AT" sz="1800" b="0" dirty="0">
+                <a:solidFill>
+                  <a:srgbClr val="CE9178"/>
+                </a:solidFill>
+                <a:effectLst/>
+                <a:latin typeface="Menlo" panose="020B0609030804020204" pitchFamily="49" charset="0"/>
+              </a:rPr>
+              <a:t>: </a:t>
+            </a:r>
+            <a:r>
+              <a:rPr lang="de-AT" sz="1800" b="0" dirty="0">
+                <a:solidFill>
+                  <a:srgbClr val="569CD6"/>
+                </a:solidFill>
+                <a:effectLst/>
+                <a:latin typeface="Menlo" panose="020B0609030804020204" pitchFamily="49" charset="0"/>
+              </a:rPr>
+              <a:t>{}</a:t>
+            </a:r>
+            <a:r>
+              <a:rPr lang="de-AT" sz="1800" b="0" dirty="0">
+                <a:solidFill>
+                  <a:srgbClr val="CE9178"/>
+                </a:solidFill>
+                <a:effectLst/>
+                <a:latin typeface="Menlo" panose="020B0609030804020204" pitchFamily="49" charset="0"/>
+              </a:rPr>
+              <a:t>, </a:t>
+            </a:r>
+            <a:r>
+              <a:rPr lang="de-AT" sz="1800" b="0" dirty="0" err="1">
+                <a:solidFill>
+                  <a:srgbClr val="CE9178"/>
+                </a:solidFill>
+                <a:effectLst/>
+                <a:latin typeface="Menlo" panose="020B0609030804020204" pitchFamily="49" charset="0"/>
+              </a:rPr>
+              <a:t>message</a:t>
+            </a:r>
+            <a:r>
+              <a:rPr lang="de-AT" sz="1800" b="0" dirty="0">
+                <a:solidFill>
+                  <a:srgbClr val="CE9178"/>
+                </a:solidFill>
+                <a:effectLst/>
+                <a:latin typeface="Menlo" panose="020B0609030804020204" pitchFamily="49" charset="0"/>
+              </a:rPr>
+              <a:t>: </a:t>
+            </a:r>
+            <a:r>
+              <a:rPr lang="de-AT" sz="1800" b="0" dirty="0">
+                <a:solidFill>
+                  <a:srgbClr val="569CD6"/>
+                </a:solidFill>
+                <a:effectLst/>
+                <a:latin typeface="Menlo" panose="020B0609030804020204" pitchFamily="49" charset="0"/>
+              </a:rPr>
+              <a:t>{}</a:t>
+            </a:r>
+            <a:r>
+              <a:rPr lang="de-AT" sz="1800" b="0" dirty="0">
+                <a:solidFill>
+                  <a:srgbClr val="CE9178"/>
+                </a:solidFill>
+                <a:effectLst/>
+                <a:latin typeface="Menlo" panose="020B0609030804020204" pitchFamily="49" charset="0"/>
+              </a:rPr>
+              <a:t>, </a:t>
+            </a:r>
+            <a:r>
+              <a:rPr lang="de-AT" sz="1800" b="0" dirty="0" err="1">
+                <a:solidFill>
+                  <a:srgbClr val="CE9178"/>
+                </a:solidFill>
+                <a:effectLst/>
+                <a:latin typeface="Menlo" panose="020B0609030804020204" pitchFamily="49" charset="0"/>
+              </a:rPr>
+              <a:t>id</a:t>
+            </a:r>
+            <a:r>
+              <a:rPr lang="de-AT" sz="1800" b="0" dirty="0">
+                <a:solidFill>
+                  <a:srgbClr val="CE9178"/>
+                </a:solidFill>
+                <a:effectLst/>
+                <a:latin typeface="Menlo" panose="020B0609030804020204" pitchFamily="49" charset="0"/>
+              </a:rPr>
+              <a:t>: </a:t>
+            </a:r>
+            <a:r>
+              <a:rPr lang="de-AT" sz="1800" b="0" dirty="0">
+                <a:solidFill>
+                  <a:srgbClr val="569CD6"/>
+                </a:solidFill>
+                <a:effectLst/>
+                <a:latin typeface="Menlo" panose="020B0609030804020204" pitchFamily="49" charset="0"/>
+              </a:rPr>
+              <a:t>{}</a:t>
+            </a:r>
+            <a:r>
+              <a:rPr lang="de-AT" sz="1800" b="0" dirty="0">
+                <a:solidFill>
+                  <a:srgbClr val="CE9178"/>
+                </a:solidFill>
+                <a:effectLst/>
+                <a:latin typeface="Menlo" panose="020B0609030804020204" pitchFamily="49" charset="0"/>
+              </a:rPr>
+              <a:t>"</a:t>
+            </a:r>
+            <a:r>
+              <a:rPr lang="de-AT" sz="1800" b="0" dirty="0">
                 <a:solidFill>
                   <a:srgbClr val="CCCCCC"/>
                 </a:solidFill>
                 <a:effectLst/>
                 <a:latin typeface="Menlo" panose="020B0609030804020204" pitchFamily="49" charset="0"/>
               </a:rPr>
-              <a:t>(</a:t>
-            </a:r>
-            <a:r>
-              <a:rPr lang="de-AT" b="0" dirty="0" err="1">
+              <a:t>, </a:t>
+            </a:r>
+            <a:r>
+              <a:rPr lang="de-AT" sz="1800" b="0" dirty="0" err="1">
                 <a:solidFill>
                   <a:srgbClr val="9CDCFE"/>
                 </a:solidFill>
                 <a:effectLst/>
                 <a:latin typeface="Menlo" panose="020B0609030804020204" pitchFamily="49" charset="0"/>
               </a:rPr>
-              <a:t>info</a:t>
-            </a:r>
-            <a:r>
-              <a:rPr lang="de-AT" b="0" dirty="0">
-                <a:solidFill>
-                  <a:srgbClr val="D4D4D4"/>
-                </a:solidFill>
-                <a:effectLst/>
-                <a:latin typeface="Menlo" panose="020B0609030804020204" pitchFamily="49" charset="0"/>
-              </a:rPr>
-              <a:t>:</a:t>
-            </a:r>
-            <a:r>
-              <a:rPr lang="de-AT" b="0" dirty="0">
+              <a:t>name</a:t>
+            </a:r>
+            <a:r>
+              <a:rPr lang="de-AT" sz="1800" b="0" dirty="0">
                 <a:solidFill>
                   <a:srgbClr val="CCCCCC"/>
                 </a:solidFill>
                 <a:effectLst/>
                 <a:latin typeface="Menlo" panose="020B0609030804020204" pitchFamily="49" charset="0"/>
               </a:rPr>
-              <a:t> </a:t>
-            </a:r>
-            <a:r>
-              <a:rPr lang="de-AT" b="0" dirty="0">
-                <a:solidFill>
-                  <a:srgbClr val="4EC9B0"/>
-                </a:solidFill>
-                <a:effectLst/>
-                <a:latin typeface="Menlo" panose="020B0609030804020204" pitchFamily="49" charset="0"/>
-              </a:rPr>
-              <a:t>web</a:t>
-            </a:r>
-            <a:r>
-              <a:rPr lang="de-AT" b="0" dirty="0">
-                <a:solidFill>
-                  <a:srgbClr val="D4D4D4"/>
-                </a:solidFill>
-                <a:effectLst/>
-                <a:latin typeface="Menlo" panose="020B0609030804020204" pitchFamily="49" charset="0"/>
-              </a:rPr>
-              <a:t>::</a:t>
-            </a:r>
-            <a:r>
-              <a:rPr lang="de-AT" b="0" dirty="0">
-                <a:solidFill>
-                  <a:srgbClr val="4EC9B0"/>
-                </a:solidFill>
-                <a:effectLst/>
-                <a:latin typeface="Menlo" panose="020B0609030804020204" pitchFamily="49" charset="0"/>
-              </a:rPr>
-              <a:t>Query</a:t>
-            </a:r>
-            <a:r>
-              <a:rPr lang="de-AT" b="0" dirty="0">
+              <a:t>, </a:t>
+            </a:r>
+            <a:r>
+              <a:rPr lang="de-AT" sz="1800" b="0" dirty="0" err="1">
+                <a:solidFill>
+                  <a:srgbClr val="9CDCFE"/>
+                </a:solidFill>
+                <a:effectLst/>
+                <a:latin typeface="Menlo" panose="020B0609030804020204" pitchFamily="49" charset="0"/>
+              </a:rPr>
+              <a:t>message</a:t>
+            </a:r>
+            <a:r>
+              <a:rPr lang="de-AT" sz="1800" b="0" dirty="0">
                 <a:solidFill>
                   <a:srgbClr val="CCCCCC"/>
                 </a:solidFill>
                 <a:effectLst/>
                 <a:latin typeface="Menlo" panose="020B0609030804020204" pitchFamily="49" charset="0"/>
               </a:rPr>
-              <a:t>&lt;</a:t>
-            </a:r>
-            <a:r>
-              <a:rPr lang="de-AT" b="0" dirty="0">
-                <a:solidFill>
-                  <a:srgbClr val="4EC9B0"/>
-                </a:solidFill>
-                <a:effectLst/>
-                <a:latin typeface="Menlo" panose="020B0609030804020204" pitchFamily="49" charset="0"/>
-              </a:rPr>
-              <a:t>Info</a:t>
-            </a:r>
-            <a:r>
-              <a:rPr lang="de-AT" b="0" dirty="0">
+              <a:t>, </a:t>
+            </a:r>
+            <a:r>
+              <a:rPr lang="de-AT" sz="1800" b="0" dirty="0" err="1">
+                <a:solidFill>
+                  <a:srgbClr val="9CDCFE"/>
+                </a:solidFill>
+                <a:effectLst/>
+                <a:latin typeface="Menlo" panose="020B0609030804020204" pitchFamily="49" charset="0"/>
+              </a:rPr>
+              <a:t>id</a:t>
+            </a:r>
+            <a:r>
+              <a:rPr lang="de-AT" sz="1800" b="0" dirty="0">
                 <a:solidFill>
                   <a:srgbClr val="CCCCCC"/>
                 </a:solidFill>
                 <a:effectLst/>
                 <a:latin typeface="Menlo" panose="020B0609030804020204" pitchFamily="49" charset="0"/>
               </a:rPr>
-              <a:t>&gt;) </a:t>
-            </a:r>
-            <a:r>
-              <a:rPr lang="de-AT" b="0" dirty="0">
-                <a:solidFill>
-                  <a:srgbClr val="D4D4D4"/>
-                </a:solidFill>
-                <a:effectLst/>
-                <a:latin typeface="Menlo" panose="020B0609030804020204" pitchFamily="49" charset="0"/>
-              </a:rPr>
-              <a:t>-&gt;</a:t>
-            </a:r>
-            <a:r>
-              <a:rPr lang="de-AT" b="0" dirty="0">
+              <a:t>)</a:t>
+            </a:r>
+          </a:p>
+          <a:p>
+            <a:pPr marL="0" indent="0">
+              <a:buNone/>
+            </a:pPr>
+            <a:r>
+              <a:rPr lang="de-AT" sz="1800" b="0" dirty="0">
                 <a:solidFill>
                   <a:srgbClr val="CCCCCC"/>
                 </a:solidFill>
                 <a:effectLst/>
                 <a:latin typeface="Menlo" panose="020B0609030804020204" pitchFamily="49" charset="0"/>
               </a:rPr>
-              <a:t> </a:t>
-            </a:r>
-            <a:r>
-              <a:rPr lang="de-AT" b="0" dirty="0" err="1">
-                <a:solidFill>
-                  <a:srgbClr val="569CD6"/>
-                </a:solidFill>
-                <a:effectLst/>
-                <a:latin typeface="Menlo" panose="020B0609030804020204" pitchFamily="49" charset="0"/>
-              </a:rPr>
-              <a:t>impl</a:t>
-            </a:r>
-            <a:r>
-              <a:rPr lang="de-AT" b="0" dirty="0">
-                <a:solidFill>
-                  <a:srgbClr val="CCCCCC"/>
-                </a:solidFill>
-                <a:effectLst/>
-                <a:latin typeface="Menlo" panose="020B0609030804020204" pitchFamily="49" charset="0"/>
-              </a:rPr>
-              <a:t> </a:t>
-            </a:r>
-            <a:r>
-              <a:rPr lang="de-AT" b="0" dirty="0">
-                <a:solidFill>
-                  <a:srgbClr val="4EC9B0"/>
-                </a:solidFill>
-                <a:effectLst/>
-                <a:latin typeface="Menlo" panose="020B0609030804020204" pitchFamily="49" charset="0"/>
-              </a:rPr>
-              <a:t>Responder</a:t>
-            </a:r>
-          </a:p>
-          <a:p>
-            <a:endParaRPr lang="de-AT" sz="2000" dirty="0">
-              <a:solidFill>
-                <a:srgbClr val="4EC9B0"/>
-              </a:solidFill>
-              <a:latin typeface="Menlo" panose="020B0609030804020204" pitchFamily="49" charset="0"/>
-            </a:endParaRPr>
-          </a:p>
-          <a:p>
-            <a:endParaRPr lang="de-AT" sz="2000" b="0" dirty="0">
-              <a:solidFill>
-                <a:srgbClr val="4EC9B0"/>
-              </a:solidFill>
-              <a:effectLst/>
-              <a:latin typeface="Menlo" panose="020B0609030804020204" pitchFamily="49" charset="0"/>
-            </a:endParaRPr>
-          </a:p>
-          <a:p>
-            <a:r>
-              <a:rPr lang="de-AT" sz="2000" dirty="0"/>
-              <a:t>More possible </a:t>
-            </a:r>
-            <a:r>
-              <a:rPr lang="de-AT" sz="2000" dirty="0" err="1"/>
-              <a:t>extractors</a:t>
-            </a:r>
-            <a:r>
-              <a:rPr lang="de-AT" sz="2000" dirty="0"/>
-              <a:t>:</a:t>
-            </a:r>
-          </a:p>
-          <a:p>
-            <a:r>
-              <a:rPr lang="de-AT" b="0" dirty="0">
-                <a:solidFill>
-                  <a:srgbClr val="4EC9B0"/>
-                </a:solidFill>
-                <a:effectLst/>
-                <a:latin typeface="Menlo" panose="020B0609030804020204" pitchFamily="49" charset="0"/>
-              </a:rPr>
-              <a:t>Header</a:t>
-            </a:r>
-            <a:r>
-              <a:rPr lang="de-AT" b="0" dirty="0">
-                <a:solidFill>
-                  <a:srgbClr val="CCCCCC"/>
-                </a:solidFill>
-                <a:effectLst/>
-                <a:latin typeface="Menlo" panose="020B0609030804020204" pitchFamily="49" charset="0"/>
-              </a:rPr>
-              <a:t>, </a:t>
-            </a:r>
-            <a:r>
-              <a:rPr lang="de-AT" b="0" dirty="0">
-                <a:solidFill>
-                  <a:srgbClr val="4EC9B0"/>
-                </a:solidFill>
-                <a:effectLst/>
-                <a:latin typeface="Menlo" panose="020B0609030804020204" pitchFamily="49" charset="0"/>
-              </a:rPr>
-              <a:t>Path</a:t>
-            </a:r>
-            <a:r>
-              <a:rPr lang="de-AT" b="0" dirty="0">
-                <a:solidFill>
-                  <a:srgbClr val="CCCCCC"/>
-                </a:solidFill>
-                <a:effectLst/>
-                <a:latin typeface="Menlo" panose="020B0609030804020204" pitchFamily="49" charset="0"/>
-              </a:rPr>
-              <a:t>, </a:t>
-            </a:r>
-            <a:r>
-              <a:rPr lang="de-AT" b="0" dirty="0" err="1">
-                <a:solidFill>
-                  <a:srgbClr val="4EC9B0"/>
-                </a:solidFill>
-                <a:effectLst/>
-                <a:latin typeface="Menlo" panose="020B0609030804020204" pitchFamily="49" charset="0"/>
-              </a:rPr>
-              <a:t>Json</a:t>
-            </a:r>
-            <a:r>
-              <a:rPr lang="de-AT" b="0" dirty="0">
-                <a:solidFill>
-                  <a:srgbClr val="CCCCCC"/>
-                </a:solidFill>
-                <a:effectLst/>
-                <a:latin typeface="Menlo" panose="020B0609030804020204" pitchFamily="49" charset="0"/>
-              </a:rPr>
-              <a:t>, </a:t>
-            </a:r>
-            <a:r>
-              <a:rPr lang="de-AT" b="0" dirty="0">
-                <a:solidFill>
-                  <a:srgbClr val="4EC9B0"/>
-                </a:solidFill>
-                <a:effectLst/>
-                <a:latin typeface="Menlo" panose="020B0609030804020204" pitchFamily="49" charset="0"/>
-              </a:rPr>
-              <a:t>Form</a:t>
-            </a:r>
-            <a:r>
-              <a:rPr lang="de-AT" b="0" dirty="0">
-                <a:solidFill>
-                  <a:srgbClr val="CCCCCC"/>
-                </a:solidFill>
-                <a:effectLst/>
-                <a:latin typeface="Menlo" panose="020B0609030804020204" pitchFamily="49" charset="0"/>
-              </a:rPr>
-              <a:t>, </a:t>
-            </a:r>
-            <a:r>
-              <a:rPr lang="de-AT" b="0" dirty="0">
-                <a:solidFill>
-                  <a:srgbClr val="4EC9B0"/>
-                </a:solidFill>
-                <a:effectLst/>
-                <a:latin typeface="Menlo" panose="020B0609030804020204" pitchFamily="49" charset="0"/>
-              </a:rPr>
-              <a:t>Query</a:t>
-            </a:r>
-            <a:r>
-              <a:rPr lang="de-AT" b="0" dirty="0">
-                <a:solidFill>
-                  <a:srgbClr val="CCCCCC"/>
-                </a:solidFill>
-                <a:effectLst/>
-                <a:latin typeface="Menlo" panose="020B0609030804020204" pitchFamily="49" charset="0"/>
-              </a:rPr>
-              <a:t>, </a:t>
-            </a:r>
-            <a:r>
-              <a:rPr lang="de-AT" b="0" dirty="0">
-                <a:solidFill>
-                  <a:srgbClr val="4EC9B0"/>
-                </a:solidFill>
-                <a:effectLst/>
-                <a:latin typeface="Menlo" panose="020B0609030804020204" pitchFamily="49" charset="0"/>
-              </a:rPr>
-              <a:t>Bytes</a:t>
-            </a:r>
-            <a:r>
-              <a:rPr lang="de-AT" b="0" dirty="0">
-                <a:solidFill>
-                  <a:srgbClr val="CCCCCC"/>
-                </a:solidFill>
-                <a:effectLst/>
-                <a:latin typeface="Menlo" panose="020B0609030804020204" pitchFamily="49" charset="0"/>
-              </a:rPr>
-              <a:t>, </a:t>
-            </a:r>
-            <a:r>
-              <a:rPr lang="de-AT" b="0" dirty="0">
-                <a:solidFill>
-                  <a:srgbClr val="4EC9B0"/>
-                </a:solidFill>
-                <a:effectLst/>
-                <a:latin typeface="Menlo" panose="020B0609030804020204" pitchFamily="49" charset="0"/>
-              </a:rPr>
-              <a:t>String</a:t>
-            </a:r>
-            <a:endParaRPr lang="de-AT" b="0" dirty="0">
-              <a:solidFill>
-                <a:srgbClr val="CCCCCC"/>
-              </a:solidFill>
-              <a:effectLst/>
-              <a:latin typeface="Menlo" panose="020B0609030804020204" pitchFamily="49" charset="0"/>
-            </a:endParaRPr>
-          </a:p>
-          <a:p>
-            <a:endParaRPr lang="de-AT" sz="1600" b="0" dirty="0">
-              <a:solidFill>
-                <a:srgbClr val="CCCCCC"/>
-              </a:solidFill>
-              <a:effectLst/>
-              <a:latin typeface="Menlo" panose="020B0609030804020204" pitchFamily="49" charset="0"/>
-            </a:endParaRPr>
-          </a:p>
-          <a:p>
+              <a:t>}</a:t>
+            </a:r>
+          </a:p>
+          <a:p>
+            <a:pPr marL="0" indent="0">
+              <a:buNone/>
+            </a:pPr>
             <a:endParaRPr lang="de-DE" dirty="0"/>
           </a:p>
         </p:txBody>
@@ -11177,7 +11556,7 @@
     </p:spTree>
     <p:extLst>
       <p:ext uri="{BB962C8B-B14F-4D97-AF65-F5344CB8AC3E}">
-        <p14:creationId xmlns:p14="http://schemas.microsoft.com/office/powerpoint/2010/main" val="3208059671"/>
+        <p14:creationId xmlns:p14="http://schemas.microsoft.com/office/powerpoint/2010/main" val="3800853562"/>
       </p:ext>
     </p:extLst>
   </p:cSld>
@@ -11209,7 +11588,7 @@
           <p:cNvPr id="2" name="Titel 1">
             <a:extLst>
               <a:ext uri="{FF2B5EF4-FFF2-40B4-BE49-F238E27FC236}">
-                <a16:creationId xmlns:a16="http://schemas.microsoft.com/office/drawing/2014/main" id="{751842EB-203D-FD96-6EDF-06C32DE3C360}"/>
+                <a16:creationId xmlns:a16="http://schemas.microsoft.com/office/drawing/2014/main" id="{AB0AF7AC-96AA-F168-C11F-5BBBFBE1A7BE}"/>
               </a:ext>
             </a:extLst>
           </p:cNvPr>
@@ -11227,11 +11606,27 @@
           <a:p>
             <a:r>
               <a:rPr lang="de-DE" dirty="0"/>
-              <a:t>Customize a </a:t>
+              <a:t>Extract </a:t>
             </a:r>
             <a:r>
               <a:rPr lang="de-DE" dirty="0" err="1"/>
-              <a:t>HttpResponse</a:t>
+              <a:t>data</a:t>
+            </a:r>
+            <a:r>
+              <a:rPr lang="de-DE" dirty="0"/>
+              <a:t> </a:t>
+            </a:r>
+            <a:r>
+              <a:rPr lang="de-DE" dirty="0" err="1"/>
+              <a:t>from</a:t>
+            </a:r>
+            <a:r>
+              <a:rPr lang="de-DE" dirty="0"/>
+              <a:t> </a:t>
+            </a:r>
+            <a:r>
+              <a:rPr lang="de-DE"/>
+              <a:t>request</a:t>
             </a:r>
             <a:endParaRPr lang="de-AT" dirty="0"/>
           </a:p>
@@ -11239,234 +11634,643 @@
       </p:sp>
       <p:sp>
         <p:nvSpPr>
-          <p:cNvPr id="3" name="Inhaltsplatzhalter 2">
+          <p:cNvPr id="7" name="Textfeld 6">
             <a:extLst>
               <a:ext uri="{FF2B5EF4-FFF2-40B4-BE49-F238E27FC236}">
-                <a16:creationId xmlns:a16="http://schemas.microsoft.com/office/drawing/2014/main" id="{7E4BFCF8-2ADC-1A5C-6E3D-63B4575E4FDE}"/>
+                <a16:creationId xmlns:a16="http://schemas.microsoft.com/office/drawing/2014/main" id="{D086DF05-7058-FE70-8E04-868371188E77}"/>
               </a:ext>
             </a:extLst>
           </p:cNvPr>
-          <p:cNvSpPr>
-            <a:spLocks noGrp="1"/>
-          </p:cNvSpPr>
-          <p:nvPr>
-            <p:ph idx="1"/>
-          </p:nvPr>
+          <p:cNvSpPr txBox="1"/>
+          <p:nvPr/>
         </p:nvSpPr>
-        <p:spPr/>
+        <p:spPr>
+          <a:xfrm>
+            <a:off x="838200" y="1949450"/>
+            <a:ext cx="8456673" cy="4862870"/>
+          </a:xfrm>
+          <a:prstGeom prst="rect">
+            <a:avLst/>
+          </a:prstGeom>
+          <a:noFill/>
+        </p:spPr>
         <p:txBody>
-          <a:bodyPr/>
+          <a:bodyPr wrap="square" rtlCol="0">
+            <a:spAutoFit/>
+          </a:bodyPr>
           <a:lstStyle/>
           <a:p>
-            <a:pPr marL="0" indent="0">
-              <a:buNone/>
-            </a:pPr>
-            <a:r>
-              <a:rPr lang="de-DE" dirty="0"/>
-              <a:t>The Responder </a:t>
-            </a:r>
-            <a:r>
-              <a:rPr lang="de-DE" dirty="0" err="1"/>
-              <a:t>trait</a:t>
-            </a:r>
-            <a:r>
-              <a:rPr lang="de-DE" dirty="0"/>
+            <a:r>
+              <a:rPr lang="de-DE" sz="2000" dirty="0" err="1"/>
+              <a:t>Cargo.toml</a:t>
+            </a:r>
+            <a:r>
+              <a:rPr lang="de-DE" sz="2000" dirty="0"/>
+              <a:t>:</a:t>
+            </a:r>
+          </a:p>
+          <a:p>
+            <a:endParaRPr lang="de-DE" sz="2000" dirty="0"/>
+          </a:p>
+          <a:p>
+            <a:r>
+              <a:rPr lang="de-DE" sz="2000" dirty="0">
+                <a:solidFill>
+                  <a:schemeClr val="bg2">
+                    <a:lumMod val="75000"/>
+                  </a:schemeClr>
+                </a:solidFill>
+              </a:rPr>
+              <a:t>[</a:t>
+            </a:r>
+            <a:r>
+              <a:rPr lang="de-DE" sz="2000" dirty="0" err="1">
+                <a:solidFill>
+                  <a:schemeClr val="bg2">
+                    <a:lumMod val="75000"/>
+                  </a:schemeClr>
+                </a:solidFill>
+              </a:rPr>
+              <a:t>dependencies</a:t>
+            </a:r>
+            <a:r>
+              <a:rPr lang="de-DE" sz="2000" dirty="0">
+                <a:solidFill>
+                  <a:schemeClr val="bg2">
+                    <a:lumMod val="75000"/>
+                  </a:schemeClr>
+                </a:solidFill>
+              </a:rPr>
+              <a:t>]</a:t>
+            </a:r>
+          </a:p>
+          <a:p>
+            <a:r>
+              <a:rPr lang="de-DE" sz="2000" dirty="0" err="1">
+                <a:solidFill>
+                  <a:schemeClr val="bg2">
+                    <a:lumMod val="75000"/>
+                  </a:schemeClr>
+                </a:solidFill>
+              </a:rPr>
+              <a:t>serde</a:t>
+            </a:r>
+            <a:r>
+              <a:rPr lang="de-DE" sz="2000" dirty="0">
+                <a:solidFill>
+                  <a:schemeClr val="bg2">
+                    <a:lumMod val="75000"/>
+                  </a:schemeClr>
+                </a:solidFill>
+              </a:rPr>
+              <a:t> = {</a:t>
+            </a:r>
+            <a:r>
+              <a:rPr lang="de-DE" sz="2000" dirty="0" err="1">
+                <a:solidFill>
+                  <a:schemeClr val="bg2">
+                    <a:lumMod val="75000"/>
+                  </a:schemeClr>
+                </a:solidFill>
+              </a:rPr>
+              <a:t>version</a:t>
+            </a:r>
+            <a:r>
+              <a:rPr lang="de-DE" sz="2000" dirty="0">
+                <a:solidFill>
+                  <a:schemeClr val="bg2">
+                    <a:lumMod val="75000"/>
+                  </a:schemeClr>
+                </a:solidFill>
+              </a:rPr>
+              <a:t> = "1.0.193", </a:t>
+            </a:r>
+            <a:r>
+              <a:rPr lang="de-DE" sz="2000" dirty="0" err="1">
+                <a:solidFill>
+                  <a:schemeClr val="bg2">
+                    <a:lumMod val="75000"/>
+                  </a:schemeClr>
+                </a:solidFill>
+              </a:rPr>
+              <a:t>features</a:t>
+            </a:r>
+            <a:r>
+              <a:rPr lang="de-DE" sz="2000" dirty="0">
+                <a:solidFill>
+                  <a:schemeClr val="bg2">
+                    <a:lumMod val="75000"/>
+                  </a:schemeClr>
+                </a:solidFill>
+              </a:rPr>
+              <a:t> = ["</a:t>
+            </a:r>
+            <a:r>
+              <a:rPr lang="de-DE" sz="2000" dirty="0" err="1">
+                <a:solidFill>
+                  <a:schemeClr val="bg2">
+                    <a:lumMod val="75000"/>
+                  </a:schemeClr>
+                </a:solidFill>
+              </a:rPr>
+              <a:t>derive</a:t>
+            </a:r>
+            <a:r>
+              <a:rPr lang="de-DE" sz="2000" dirty="0">
+                <a:solidFill>
+                  <a:schemeClr val="bg2">
+                    <a:lumMod val="75000"/>
+                  </a:schemeClr>
+                </a:solidFill>
+              </a:rPr>
+              <a:t>"]}</a:t>
+            </a:r>
+          </a:p>
+          <a:p>
+            <a:endParaRPr lang="de-DE" sz="2000" dirty="0"/>
+          </a:p>
+          <a:p>
+            <a:r>
+              <a:rPr lang="de-DE" sz="2000" dirty="0"/>
+              <a:t>Extract </a:t>
+            </a:r>
+            <a:r>
+              <a:rPr lang="de-DE" sz="2000" dirty="0" err="1"/>
+              <a:t>data</a:t>
+            </a:r>
+            <a:r>
+              <a:rPr lang="de-DE" sz="2000" dirty="0"/>
               <a:t> </a:t>
             </a:r>
             <a:r>
-              <a:rPr lang="de-DE" dirty="0" err="1"/>
-              <a:t>provides</a:t>
-            </a:r>
-            <a:r>
-              <a:rPr lang="de-DE" dirty="0"/>
-              <a:t> a </a:t>
-            </a:r>
-            <a:r>
-              <a:rPr lang="de-DE" dirty="0" err="1"/>
-              <a:t>method</a:t>
-            </a:r>
-            <a:r>
-              <a:rPr lang="de-DE" dirty="0"/>
+              <a:rPr lang="de-DE" sz="2000" dirty="0" err="1"/>
+              <a:t>from</a:t>
+            </a:r>
+            <a:r>
+              <a:rPr lang="de-DE" sz="2000" dirty="0"/>
               <a:t> </a:t>
             </a:r>
             <a:r>
-              <a:rPr lang="de-DE" dirty="0" err="1"/>
-              <a:t>for</a:t>
-            </a:r>
-            <a:r>
-              <a:rPr lang="de-DE" dirty="0"/>
+              <a:rPr lang="de-DE" sz="2000" dirty="0" err="1"/>
+              <a:t>the</a:t>
+            </a:r>
+            <a:r>
+              <a:rPr lang="de-DE" sz="2000" dirty="0"/>
               <a:t> </a:t>
             </a:r>
             <a:r>
-              <a:rPr lang="de-DE" dirty="0" err="1"/>
-              <a:t>customizing</a:t>
-            </a:r>
-            <a:r>
-              <a:rPr lang="de-DE" dirty="0"/>
+              <a:rPr lang="de-DE" sz="2000" dirty="0" err="1"/>
+              <a:t>client‘s</a:t>
+            </a:r>
+            <a:r>
+              <a:rPr lang="de-DE" sz="2000" dirty="0"/>
               <a:t> </a:t>
             </a:r>
             <a:r>
-              <a:rPr lang="de-DE" dirty="0" err="1"/>
-              <a:t>responses</a:t>
-            </a:r>
-            <a:r>
-              <a:rPr lang="de-DE" dirty="0"/>
+              <a:rPr lang="de-DE" sz="2000" dirty="0" err="1"/>
+              <a:t>HttpRequest</a:t>
+            </a:r>
+            <a:r>
+              <a:rPr lang="de-DE" sz="2000" dirty="0"/>
+              <a:t> </a:t>
+            </a:r>
+            <a:r>
+              <a:rPr lang="de-DE" sz="2000" dirty="0" err="1"/>
+              <a:t>by</a:t>
+            </a:r>
+            <a:r>
+              <a:rPr lang="de-DE" sz="2000" dirty="0"/>
+              <a:t> </a:t>
+            </a:r>
+            <a:r>
+              <a:rPr lang="de-DE" sz="2000" dirty="0" err="1"/>
+              <a:t>using</a:t>
+            </a:r>
+            <a:r>
+              <a:rPr lang="de-DE" sz="2000" dirty="0"/>
+              <a:t> </a:t>
+            </a:r>
+            <a:r>
+              <a:rPr lang="de-DE" sz="2000" dirty="0" err="1"/>
+              <a:t>structs</a:t>
+            </a:r>
+            <a:r>
+              <a:rPr lang="de-DE" sz="2000" dirty="0"/>
+              <a:t> </a:t>
+            </a:r>
+            <a:r>
+              <a:rPr lang="de-DE" sz="2000" dirty="0" err="1"/>
+              <a:t>provided</a:t>
+            </a:r>
+            <a:r>
+              <a:rPr lang="de-DE" sz="2000" dirty="0"/>
+              <a:t> </a:t>
+            </a:r>
+            <a:r>
+              <a:rPr lang="de-DE" sz="2000" dirty="0" err="1"/>
+              <a:t>by</a:t>
+            </a:r>
+            <a:r>
+              <a:rPr lang="de-DE" sz="2000" dirty="0"/>
+              <a:t> </a:t>
+            </a:r>
+            <a:r>
+              <a:rPr lang="de-DE" sz="2000" dirty="0" err="1"/>
+              <a:t>the</a:t>
+            </a:r>
+            <a:r>
+              <a:rPr lang="de-DE" sz="2000" dirty="0"/>
+              <a:t> web </a:t>
+            </a:r>
+            <a:r>
+              <a:rPr lang="de-DE" sz="2000" dirty="0" err="1"/>
+              <a:t>module</a:t>
+            </a:r>
+            <a:endParaRPr lang="de-DE" sz="2000" dirty="0"/>
+          </a:p>
+          <a:p>
+            <a:endParaRPr lang="de-DE" sz="2000" dirty="0"/>
+          </a:p>
+          <a:p>
+            <a:r>
+              <a:rPr lang="de-DE" sz="2000" dirty="0" err="1"/>
+              <a:t>Example</a:t>
+            </a:r>
+            <a:r>
+              <a:rPr lang="de-DE" sz="2000" dirty="0"/>
               <a:t>:</a:t>
             </a:r>
           </a:p>
           <a:p>
-            <a:pPr marL="0" indent="0">
-              <a:buNone/>
-            </a:pPr>
+            <a:r>
+              <a:rPr lang="de-AT" b="0" dirty="0" err="1">
+                <a:solidFill>
+                  <a:srgbClr val="569CD6"/>
+                </a:solidFill>
+                <a:effectLst/>
+                <a:latin typeface="Menlo" panose="020B0609030804020204" pitchFamily="49" charset="0"/>
+              </a:rPr>
+              <a:t>fn</a:t>
+            </a:r>
+            <a:r>
+              <a:rPr lang="de-AT" b="0" dirty="0">
+                <a:solidFill>
+                  <a:srgbClr val="CCCCCC"/>
+                </a:solidFill>
+                <a:effectLst/>
+                <a:latin typeface="Menlo" panose="020B0609030804020204" pitchFamily="49" charset="0"/>
+              </a:rPr>
+              <a:t> </a:t>
+            </a:r>
+            <a:r>
+              <a:rPr lang="de-AT" b="0" dirty="0" err="1">
+                <a:solidFill>
+                  <a:srgbClr val="DCDCAA"/>
+                </a:solidFill>
+                <a:effectLst/>
+                <a:latin typeface="Menlo" panose="020B0609030804020204" pitchFamily="49" charset="0"/>
+              </a:rPr>
+              <a:t>get_params</a:t>
+            </a:r>
+            <a:r>
+              <a:rPr lang="de-AT" b="0" dirty="0">
+                <a:solidFill>
+                  <a:srgbClr val="CCCCCC"/>
+                </a:solidFill>
+                <a:effectLst/>
+                <a:latin typeface="Menlo" panose="020B0609030804020204" pitchFamily="49" charset="0"/>
+              </a:rPr>
+              <a:t>(</a:t>
+            </a:r>
+            <a:r>
+              <a:rPr lang="de-AT" b="0" dirty="0" err="1">
+                <a:solidFill>
+                  <a:srgbClr val="9CDCFE"/>
+                </a:solidFill>
+                <a:effectLst/>
+                <a:latin typeface="Menlo" panose="020B0609030804020204" pitchFamily="49" charset="0"/>
+              </a:rPr>
+              <a:t>info</a:t>
+            </a:r>
+            <a:r>
+              <a:rPr lang="de-AT" b="0" dirty="0">
+                <a:solidFill>
+                  <a:srgbClr val="D4D4D4"/>
+                </a:solidFill>
+                <a:effectLst/>
+                <a:latin typeface="Menlo" panose="020B0609030804020204" pitchFamily="49" charset="0"/>
+              </a:rPr>
+              <a:t>:</a:t>
+            </a:r>
+            <a:r>
+              <a:rPr lang="de-AT" b="0" dirty="0">
+                <a:solidFill>
+                  <a:srgbClr val="CCCCCC"/>
+                </a:solidFill>
+                <a:effectLst/>
+                <a:latin typeface="Menlo" panose="020B0609030804020204" pitchFamily="49" charset="0"/>
+              </a:rPr>
+              <a:t> </a:t>
+            </a:r>
+            <a:r>
+              <a:rPr lang="de-AT" b="0" dirty="0">
+                <a:solidFill>
+                  <a:srgbClr val="4EC9B0"/>
+                </a:solidFill>
+                <a:effectLst/>
+                <a:latin typeface="Menlo" panose="020B0609030804020204" pitchFamily="49" charset="0"/>
+              </a:rPr>
+              <a:t>web</a:t>
+            </a:r>
+            <a:r>
+              <a:rPr lang="de-AT" b="0" dirty="0">
+                <a:solidFill>
+                  <a:srgbClr val="D4D4D4"/>
+                </a:solidFill>
+                <a:effectLst/>
+                <a:latin typeface="Menlo" panose="020B0609030804020204" pitchFamily="49" charset="0"/>
+              </a:rPr>
+              <a:t>::</a:t>
+            </a:r>
+            <a:r>
+              <a:rPr lang="de-AT" b="0" dirty="0">
+                <a:solidFill>
+                  <a:srgbClr val="4EC9B0"/>
+                </a:solidFill>
+                <a:effectLst/>
+                <a:latin typeface="Menlo" panose="020B0609030804020204" pitchFamily="49" charset="0"/>
+              </a:rPr>
+              <a:t>Query</a:t>
+            </a:r>
+            <a:r>
+              <a:rPr lang="de-AT" b="0" dirty="0">
+                <a:solidFill>
+                  <a:srgbClr val="CCCCCC"/>
+                </a:solidFill>
+                <a:effectLst/>
+                <a:latin typeface="Menlo" panose="020B0609030804020204" pitchFamily="49" charset="0"/>
+              </a:rPr>
+              <a:t>&lt;</a:t>
+            </a:r>
+            <a:r>
+              <a:rPr lang="de-AT" b="0" dirty="0">
+                <a:solidFill>
+                  <a:srgbClr val="4EC9B0"/>
+                </a:solidFill>
+                <a:effectLst/>
+                <a:latin typeface="Menlo" panose="020B0609030804020204" pitchFamily="49" charset="0"/>
+              </a:rPr>
+              <a:t>Info</a:t>
+            </a:r>
+            <a:r>
+              <a:rPr lang="de-AT" b="0" dirty="0">
+                <a:solidFill>
+                  <a:srgbClr val="CCCCCC"/>
+                </a:solidFill>
+                <a:effectLst/>
+                <a:latin typeface="Menlo" panose="020B0609030804020204" pitchFamily="49" charset="0"/>
+              </a:rPr>
+              <a:t>&gt;) </a:t>
+            </a:r>
+            <a:r>
+              <a:rPr lang="de-AT" b="0" dirty="0">
+                <a:solidFill>
+                  <a:srgbClr val="D4D4D4"/>
+                </a:solidFill>
+                <a:effectLst/>
+                <a:latin typeface="Menlo" panose="020B0609030804020204" pitchFamily="49" charset="0"/>
+              </a:rPr>
+              <a:t>-&gt;</a:t>
+            </a:r>
+            <a:r>
+              <a:rPr lang="de-AT" b="0" dirty="0">
+                <a:solidFill>
+                  <a:srgbClr val="CCCCCC"/>
+                </a:solidFill>
+                <a:effectLst/>
+                <a:latin typeface="Menlo" panose="020B0609030804020204" pitchFamily="49" charset="0"/>
+              </a:rPr>
+              <a:t> </a:t>
+            </a:r>
+            <a:r>
+              <a:rPr lang="de-AT" b="0" dirty="0" err="1">
+                <a:solidFill>
+                  <a:srgbClr val="569CD6"/>
+                </a:solidFill>
+                <a:effectLst/>
+                <a:latin typeface="Menlo" panose="020B0609030804020204" pitchFamily="49" charset="0"/>
+              </a:rPr>
+              <a:t>impl</a:t>
+            </a:r>
+            <a:r>
+              <a:rPr lang="de-AT" b="0" dirty="0">
+                <a:solidFill>
+                  <a:srgbClr val="CCCCCC"/>
+                </a:solidFill>
+                <a:effectLst/>
+                <a:latin typeface="Menlo" panose="020B0609030804020204" pitchFamily="49" charset="0"/>
+              </a:rPr>
+              <a:t> </a:t>
+            </a:r>
+            <a:r>
+              <a:rPr lang="de-AT" b="0" dirty="0">
+                <a:solidFill>
+                  <a:srgbClr val="4EC9B0"/>
+                </a:solidFill>
+                <a:effectLst/>
+                <a:latin typeface="Menlo" panose="020B0609030804020204" pitchFamily="49" charset="0"/>
+              </a:rPr>
+              <a:t>Responder</a:t>
+            </a:r>
+          </a:p>
+          <a:p>
+            <a:endParaRPr lang="de-AT" sz="2000" dirty="0">
+              <a:solidFill>
+                <a:srgbClr val="4EC9B0"/>
+              </a:solidFill>
+              <a:latin typeface="Menlo" panose="020B0609030804020204" pitchFamily="49" charset="0"/>
+            </a:endParaRPr>
+          </a:p>
+          <a:p>
+            <a:endParaRPr lang="de-AT" sz="2000" b="0" dirty="0">
+              <a:solidFill>
+                <a:srgbClr val="4EC9B0"/>
+              </a:solidFill>
+              <a:effectLst/>
+              <a:latin typeface="Menlo" panose="020B0609030804020204" pitchFamily="49" charset="0"/>
+            </a:endParaRPr>
+          </a:p>
+          <a:p>
+            <a:r>
+              <a:rPr lang="de-AT" sz="2000" dirty="0"/>
+              <a:t>More possible </a:t>
+            </a:r>
+            <a:r>
+              <a:rPr lang="de-AT" sz="2000" dirty="0" err="1"/>
+              <a:t>extractors</a:t>
+            </a:r>
+            <a:r>
+              <a:rPr lang="de-AT" sz="2000" dirty="0"/>
+              <a:t>:</a:t>
+            </a:r>
+          </a:p>
+          <a:p>
+            <a:r>
+              <a:rPr lang="de-AT" b="0" dirty="0">
+                <a:solidFill>
+                  <a:srgbClr val="4EC9B0"/>
+                </a:solidFill>
+                <a:effectLst/>
+                <a:latin typeface="Menlo" panose="020B0609030804020204" pitchFamily="49" charset="0"/>
+              </a:rPr>
+              <a:t>Header</a:t>
+            </a:r>
+            <a:r>
+              <a:rPr lang="de-AT" b="0" dirty="0">
+                <a:solidFill>
+                  <a:srgbClr val="CCCCCC"/>
+                </a:solidFill>
+                <a:effectLst/>
+                <a:latin typeface="Menlo" panose="020B0609030804020204" pitchFamily="49" charset="0"/>
+              </a:rPr>
+              <a:t>, </a:t>
+            </a:r>
+            <a:r>
+              <a:rPr lang="de-AT" b="0" dirty="0">
+                <a:solidFill>
+                  <a:srgbClr val="4EC9B0"/>
+                </a:solidFill>
+                <a:effectLst/>
+                <a:latin typeface="Menlo" panose="020B0609030804020204" pitchFamily="49" charset="0"/>
+              </a:rPr>
+              <a:t>Path</a:t>
+            </a:r>
+            <a:r>
+              <a:rPr lang="de-AT" b="0" dirty="0">
+                <a:solidFill>
+                  <a:srgbClr val="CCCCCC"/>
+                </a:solidFill>
+                <a:effectLst/>
+                <a:latin typeface="Menlo" panose="020B0609030804020204" pitchFamily="49" charset="0"/>
+              </a:rPr>
+              <a:t>, </a:t>
+            </a:r>
+            <a:r>
+              <a:rPr lang="de-AT" b="0" dirty="0" err="1">
+                <a:solidFill>
+                  <a:srgbClr val="4EC9B0"/>
+                </a:solidFill>
+                <a:effectLst/>
+                <a:latin typeface="Menlo" panose="020B0609030804020204" pitchFamily="49" charset="0"/>
+              </a:rPr>
+              <a:t>Json</a:t>
+            </a:r>
+            <a:r>
+              <a:rPr lang="de-AT" b="0" dirty="0">
+                <a:solidFill>
+                  <a:srgbClr val="CCCCCC"/>
+                </a:solidFill>
+                <a:effectLst/>
+                <a:latin typeface="Menlo" panose="020B0609030804020204" pitchFamily="49" charset="0"/>
+              </a:rPr>
+              <a:t>, </a:t>
+            </a:r>
+            <a:r>
+              <a:rPr lang="de-AT" b="0" dirty="0">
+                <a:solidFill>
+                  <a:srgbClr val="4EC9B0"/>
+                </a:solidFill>
+                <a:effectLst/>
+                <a:latin typeface="Menlo" panose="020B0609030804020204" pitchFamily="49" charset="0"/>
+              </a:rPr>
+              <a:t>Form</a:t>
+            </a:r>
+            <a:r>
+              <a:rPr lang="de-AT" b="0" dirty="0">
+                <a:solidFill>
+                  <a:srgbClr val="CCCCCC"/>
+                </a:solidFill>
+                <a:effectLst/>
+                <a:latin typeface="Menlo" panose="020B0609030804020204" pitchFamily="49" charset="0"/>
+              </a:rPr>
+              <a:t>, </a:t>
+            </a:r>
+            <a:r>
+              <a:rPr lang="de-AT" b="0" dirty="0">
+                <a:solidFill>
+                  <a:srgbClr val="4EC9B0"/>
+                </a:solidFill>
+                <a:effectLst/>
+                <a:latin typeface="Menlo" panose="020B0609030804020204" pitchFamily="49" charset="0"/>
+              </a:rPr>
+              <a:t>Query</a:t>
+            </a:r>
+            <a:r>
+              <a:rPr lang="de-AT" b="0" dirty="0">
+                <a:solidFill>
+                  <a:srgbClr val="CCCCCC"/>
+                </a:solidFill>
+                <a:effectLst/>
+                <a:latin typeface="Menlo" panose="020B0609030804020204" pitchFamily="49" charset="0"/>
+              </a:rPr>
+              <a:t>, </a:t>
+            </a:r>
+            <a:r>
+              <a:rPr lang="de-AT" b="0" dirty="0">
+                <a:solidFill>
+                  <a:srgbClr val="4EC9B0"/>
+                </a:solidFill>
+                <a:effectLst/>
+                <a:latin typeface="Menlo" panose="020B0609030804020204" pitchFamily="49" charset="0"/>
+              </a:rPr>
+              <a:t>Bytes</a:t>
+            </a:r>
+            <a:r>
+              <a:rPr lang="de-AT" b="0" dirty="0">
+                <a:solidFill>
+                  <a:srgbClr val="CCCCCC"/>
+                </a:solidFill>
+                <a:effectLst/>
+                <a:latin typeface="Menlo" panose="020B0609030804020204" pitchFamily="49" charset="0"/>
+              </a:rPr>
+              <a:t>, </a:t>
+            </a:r>
+            <a:r>
+              <a:rPr lang="de-AT" b="0" dirty="0">
+                <a:solidFill>
+                  <a:srgbClr val="4EC9B0"/>
+                </a:solidFill>
+                <a:effectLst/>
+                <a:latin typeface="Menlo" panose="020B0609030804020204" pitchFamily="49" charset="0"/>
+              </a:rPr>
+              <a:t>String</a:t>
+            </a:r>
+            <a:endParaRPr lang="de-AT" b="0" dirty="0">
+              <a:solidFill>
+                <a:srgbClr val="CCCCCC"/>
+              </a:solidFill>
+              <a:effectLst/>
+              <a:latin typeface="Menlo" panose="020B0609030804020204" pitchFamily="49" charset="0"/>
+            </a:endParaRPr>
+          </a:p>
+          <a:p>
+            <a:endParaRPr lang="de-AT" sz="1600" b="0" dirty="0">
+              <a:solidFill>
+                <a:srgbClr val="CCCCCC"/>
+              </a:solidFill>
+              <a:effectLst/>
+              <a:latin typeface="Menlo" panose="020B0609030804020204" pitchFamily="49" charset="0"/>
+            </a:endParaRPr>
+          </a:p>
+          <a:p>
             <a:endParaRPr lang="de-DE" dirty="0"/>
-          </a:p>
-          <a:p>
-            <a:pPr marL="0" indent="0">
-              <a:buNone/>
-            </a:pPr>
-            <a:r>
-              <a:rPr lang="de-AT" b="0" dirty="0">
-                <a:solidFill>
-                  <a:srgbClr val="DCDCAA"/>
-                </a:solidFill>
-                <a:effectLst/>
-                <a:latin typeface="Consolas" panose="020B0609020204030204" pitchFamily="49" charset="0"/>
-              </a:rPr>
-              <a:t>customize</a:t>
-            </a:r>
-            <a:r>
-              <a:rPr lang="de-AT" b="0" dirty="0">
-                <a:solidFill>
-                  <a:srgbClr val="D4D4D4"/>
-                </a:solidFill>
-                <a:effectLst/>
-                <a:latin typeface="Consolas" panose="020B0609020204030204" pitchFamily="49" charset="0"/>
-              </a:rPr>
-              <a:t>()</a:t>
-            </a:r>
-          </a:p>
-          <a:p>
-            <a:pPr marL="0" indent="0">
-              <a:buNone/>
-            </a:pPr>
-            <a:endParaRPr lang="de-AT" dirty="0"/>
-          </a:p>
-          <a:p>
-            <a:pPr marL="0" indent="0">
-              <a:buNone/>
-            </a:pPr>
-            <a:r>
-              <a:rPr lang="de-AT" dirty="0"/>
-              <a:t>The </a:t>
-            </a:r>
-            <a:r>
-              <a:rPr lang="de-AT" dirty="0" err="1"/>
-              <a:t>HttpResponse</a:t>
-            </a:r>
-            <a:r>
-              <a:rPr lang="de-AT" dirty="0"/>
-              <a:t> </a:t>
-            </a:r>
-            <a:r>
-              <a:rPr lang="de-AT" dirty="0" err="1"/>
-              <a:t>struct</a:t>
-            </a:r>
-            <a:r>
-              <a:rPr lang="de-AT" dirty="0"/>
-              <a:t> </a:t>
-            </a:r>
-            <a:r>
-              <a:rPr lang="de-AT" dirty="0" err="1"/>
-              <a:t>provides</a:t>
-            </a:r>
-            <a:r>
-              <a:rPr lang="de-AT" dirty="0"/>
-              <a:t> a </a:t>
-            </a:r>
-            <a:r>
-              <a:rPr lang="de-AT" dirty="0" err="1"/>
-              <a:t>method</a:t>
-            </a:r>
-            <a:r>
-              <a:rPr lang="de-AT" dirty="0"/>
-              <a:t> </a:t>
-            </a:r>
-            <a:r>
-              <a:rPr lang="de-AT" dirty="0" err="1"/>
-              <a:t>to</a:t>
-            </a:r>
-            <a:r>
-              <a:rPr lang="de-AT" dirty="0"/>
-              <a:t> </a:t>
-            </a:r>
-            <a:r>
-              <a:rPr lang="de-AT" dirty="0" err="1"/>
-              <a:t>build</a:t>
-            </a:r>
-            <a:r>
-              <a:rPr lang="de-AT" dirty="0"/>
-              <a:t> a </a:t>
-            </a:r>
-            <a:r>
-              <a:rPr lang="de-AT" dirty="0" err="1"/>
-              <a:t>customized</a:t>
-            </a:r>
-            <a:r>
-              <a:rPr lang="de-AT" dirty="0"/>
-              <a:t> </a:t>
-            </a:r>
-            <a:r>
-              <a:rPr lang="de-AT" dirty="0" err="1"/>
-              <a:t>response</a:t>
-            </a:r>
-            <a:r>
-              <a:rPr lang="de-AT" dirty="0"/>
-              <a:t>:</a:t>
-            </a:r>
-          </a:p>
-          <a:p>
-            <a:pPr marL="0" indent="0">
-              <a:buNone/>
-            </a:pPr>
-            <a:endParaRPr lang="de-AT" dirty="0"/>
-          </a:p>
-          <a:p>
-            <a:pPr marL="0" indent="0">
-              <a:buNone/>
-            </a:pPr>
-            <a:r>
-              <a:rPr lang="de-AT" b="0" dirty="0" err="1">
-                <a:solidFill>
-                  <a:srgbClr val="DCDCAA"/>
-                </a:solidFill>
-                <a:effectLst/>
-                <a:latin typeface="Consolas" panose="020B0609020204030204" pitchFamily="49" charset="0"/>
-              </a:rPr>
-              <a:t>build</a:t>
-            </a:r>
-            <a:r>
-              <a:rPr lang="de-AT" b="0" dirty="0">
-                <a:solidFill>
-                  <a:srgbClr val="D4D4D4"/>
-                </a:solidFill>
-                <a:effectLst/>
-                <a:latin typeface="Consolas" panose="020B0609020204030204" pitchFamily="49" charset="0"/>
-              </a:rPr>
-              <a:t>()</a:t>
-            </a:r>
-          </a:p>
-          <a:p>
-            <a:pPr marL="0" indent="0">
-              <a:buNone/>
-            </a:pPr>
-            <a:endParaRPr lang="de-AT" dirty="0"/>
           </a:p>
         </p:txBody>
       </p:sp>
     </p:spTree>
     <p:extLst>
       <p:ext uri="{BB962C8B-B14F-4D97-AF65-F5344CB8AC3E}">
-        <p14:creationId xmlns:p14="http://schemas.microsoft.com/office/powerpoint/2010/main" val="3749233082"/>
+        <p14:creationId xmlns:p14="http://schemas.microsoft.com/office/powerpoint/2010/main" val="3208059671"/>
       </p:ext>
     </p:extLst>
   </p:cSld>

--- a/Pres.pptx
+++ b/Pres.pptx
@@ -4,6 +4,12 @@
   <p:sldMasterIdLst>
     <p:sldMasterId id="2147483648" r:id="rId1"/>
   </p:sldMasterIdLst>
+  <p:notesMasterIdLst>
+    <p:notesMasterId r:id="rId15"/>
+  </p:notesMasterIdLst>
+  <p:handoutMasterIdLst>
+    <p:handoutMasterId r:id="rId16"/>
+  </p:handoutMasterIdLst>
   <p:sldIdLst>
     <p:sldId id="262" r:id="rId2"/>
     <p:sldId id="275" r:id="rId3"/>
@@ -124,6 +130,649 @@
 </p:presentation>
 </file>
 
+<file path=ppt/handoutMasters/handoutMaster1.xml><?xml version="1.0" encoding="utf-8"?>
+<p:handoutMaster xmlns:a="http://schemas.openxmlformats.org/drawingml/2006/main" xmlns:r="http://schemas.openxmlformats.org/officeDocument/2006/relationships" xmlns:p="http://schemas.openxmlformats.org/presentationml/2006/main">
+  <p:cSld>
+    <p:bg>
+      <p:bgRef idx="1001">
+        <a:schemeClr val="bg1"/>
+      </p:bgRef>
+    </p:bg>
+    <p:spTree>
+      <p:nvGrpSpPr>
+        <p:cNvPr id="1" name=""/>
+        <p:cNvGrpSpPr/>
+        <p:nvPr/>
+      </p:nvGrpSpPr>
+      <p:grpSpPr>
+        <a:xfrm>
+          <a:off x="0" y="0"/>
+          <a:ext cx="0" cy="0"/>
+          <a:chOff x="0" y="0"/>
+          <a:chExt cx="0" cy="0"/>
+        </a:xfrm>
+      </p:grpSpPr>
+      <p:sp>
+        <p:nvSpPr>
+          <p:cNvPr id="2" name="Kopfzeilenplatzhalter 1">
+            <a:extLst>
+              <a:ext uri="{FF2B5EF4-FFF2-40B4-BE49-F238E27FC236}">
+                <a16:creationId xmlns:a16="http://schemas.microsoft.com/office/drawing/2014/main" id="{7ED0230E-20F5-2285-39DB-A41AD5CA87F5}"/>
+              </a:ext>
+            </a:extLst>
+          </p:cNvPr>
+          <p:cNvSpPr>
+            <a:spLocks noGrp="1"/>
+          </p:cNvSpPr>
+          <p:nvPr>
+            <p:ph type="hdr" sz="quarter"/>
+          </p:nvPr>
+        </p:nvSpPr>
+        <p:spPr>
+          <a:xfrm>
+            <a:off x="0" y="0"/>
+            <a:ext cx="2971800" cy="458788"/>
+          </a:xfrm>
+          <a:prstGeom prst="rect">
+            <a:avLst/>
+          </a:prstGeom>
+        </p:spPr>
+        <p:txBody>
+          <a:bodyPr vert="horz" lIns="91440" tIns="45720" rIns="91440" bIns="45720" rtlCol="0"/>
+          <a:lstStyle>
+            <a:lvl1pPr algn="l">
+              <a:defRPr sz="1200"/>
+            </a:lvl1pPr>
+          </a:lstStyle>
+          <a:p>
+            <a:endParaRPr lang="de-DE"/>
+          </a:p>
+        </p:txBody>
+      </p:sp>
+      <p:sp>
+        <p:nvSpPr>
+          <p:cNvPr id="3" name="Datumsplatzhalter 2">
+            <a:extLst>
+              <a:ext uri="{FF2B5EF4-FFF2-40B4-BE49-F238E27FC236}">
+                <a16:creationId xmlns:a16="http://schemas.microsoft.com/office/drawing/2014/main" id="{A8DE52FB-E0ED-B6DD-6F38-0FD74C424D04}"/>
+              </a:ext>
+            </a:extLst>
+          </p:cNvPr>
+          <p:cNvSpPr>
+            <a:spLocks noGrp="1"/>
+          </p:cNvSpPr>
+          <p:nvPr>
+            <p:ph type="dt" sz="quarter" idx="1"/>
+          </p:nvPr>
+        </p:nvSpPr>
+        <p:spPr>
+          <a:xfrm>
+            <a:off x="3884613" y="0"/>
+            <a:ext cx="2971800" cy="458788"/>
+          </a:xfrm>
+          <a:prstGeom prst="rect">
+            <a:avLst/>
+          </a:prstGeom>
+        </p:spPr>
+        <p:txBody>
+          <a:bodyPr vert="horz" lIns="91440" tIns="45720" rIns="91440" bIns="45720" rtlCol="0"/>
+          <a:lstStyle>
+            <a:lvl1pPr algn="r">
+              <a:defRPr sz="1200"/>
+            </a:lvl1pPr>
+          </a:lstStyle>
+          <a:p>
+            <a:fld id="{390791F8-53D9-E949-82CE-479A6E75E19D}" type="datetimeFigureOut">
+              <a:rPr lang="de-DE" smtClean="0"/>
+              <a:t>28.11.23</a:t>
+            </a:fld>
+            <a:endParaRPr lang="de-DE"/>
+          </a:p>
+        </p:txBody>
+      </p:sp>
+      <p:sp>
+        <p:nvSpPr>
+          <p:cNvPr id="4" name="Fußzeilenplatzhalter 3">
+            <a:extLst>
+              <a:ext uri="{FF2B5EF4-FFF2-40B4-BE49-F238E27FC236}">
+                <a16:creationId xmlns:a16="http://schemas.microsoft.com/office/drawing/2014/main" id="{62379A41-D9C8-09DF-20FD-CA0FCDD06DEF}"/>
+              </a:ext>
+            </a:extLst>
+          </p:cNvPr>
+          <p:cNvSpPr>
+            <a:spLocks noGrp="1"/>
+          </p:cNvSpPr>
+          <p:nvPr>
+            <p:ph type="ftr" sz="quarter" idx="2"/>
+          </p:nvPr>
+        </p:nvSpPr>
+        <p:spPr>
+          <a:xfrm>
+            <a:off x="0" y="8685213"/>
+            <a:ext cx="2971800" cy="458787"/>
+          </a:xfrm>
+          <a:prstGeom prst="rect">
+            <a:avLst/>
+          </a:prstGeom>
+        </p:spPr>
+        <p:txBody>
+          <a:bodyPr vert="horz" lIns="91440" tIns="45720" rIns="91440" bIns="45720" rtlCol="0" anchor="b"/>
+          <a:lstStyle>
+            <a:lvl1pPr algn="l">
+              <a:defRPr sz="1200"/>
+            </a:lvl1pPr>
+          </a:lstStyle>
+          <a:p>
+            <a:endParaRPr lang="de-DE"/>
+          </a:p>
+        </p:txBody>
+      </p:sp>
+      <p:sp>
+        <p:nvSpPr>
+          <p:cNvPr id="5" name="Foliennummernplatzhalter 4">
+            <a:extLst>
+              <a:ext uri="{FF2B5EF4-FFF2-40B4-BE49-F238E27FC236}">
+                <a16:creationId xmlns:a16="http://schemas.microsoft.com/office/drawing/2014/main" id="{540D4092-47C7-3626-639C-B537F76EE63E}"/>
+              </a:ext>
+            </a:extLst>
+          </p:cNvPr>
+          <p:cNvSpPr>
+            <a:spLocks noGrp="1"/>
+          </p:cNvSpPr>
+          <p:nvPr>
+            <p:ph type="sldNum" sz="quarter" idx="3"/>
+          </p:nvPr>
+        </p:nvSpPr>
+        <p:spPr>
+          <a:xfrm>
+            <a:off x="3884613" y="8685213"/>
+            <a:ext cx="2971800" cy="458787"/>
+          </a:xfrm>
+          <a:prstGeom prst="rect">
+            <a:avLst/>
+          </a:prstGeom>
+        </p:spPr>
+        <p:txBody>
+          <a:bodyPr vert="horz" lIns="91440" tIns="45720" rIns="91440" bIns="45720" rtlCol="0" anchor="b"/>
+          <a:lstStyle>
+            <a:lvl1pPr algn="r">
+              <a:defRPr sz="1200"/>
+            </a:lvl1pPr>
+          </a:lstStyle>
+          <a:p>
+            <a:fld id="{629C4809-4028-7A43-B35C-E02EABA16825}" type="slidenum">
+              <a:rPr lang="de-DE" smtClean="0"/>
+              <a:t>‹Nr.›</a:t>
+            </a:fld>
+            <a:endParaRPr lang="de-DE"/>
+          </a:p>
+        </p:txBody>
+      </p:sp>
+    </p:spTree>
+    <p:extLst>
+      <p:ext uri="{BB962C8B-B14F-4D97-AF65-F5344CB8AC3E}">
+        <p14:creationId xmlns:p14="http://schemas.microsoft.com/office/powerpoint/2010/main" val="3972219121"/>
+      </p:ext>
+    </p:extLst>
+  </p:cSld>
+  <p:clrMap bg1="lt1" tx1="dk1" bg2="lt2" tx2="dk2" accent1="accent1" accent2="accent2" accent3="accent3" accent4="accent4" accent5="accent5" accent6="accent6" hlink="hlink" folHlink="folHlink"/>
+  <p:hf hdr="0" dt="0"/>
+</p:handoutMaster>
+</file>
+
+<file path=ppt/notesMasters/notesMaster1.xml><?xml version="1.0" encoding="utf-8"?>
+<p:notesMaster xmlns:a="http://schemas.openxmlformats.org/drawingml/2006/main" xmlns:r="http://schemas.openxmlformats.org/officeDocument/2006/relationships" xmlns:p="http://schemas.openxmlformats.org/presentationml/2006/main">
+  <p:cSld>
+    <p:bg>
+      <p:bgRef idx="1001">
+        <a:schemeClr val="bg1"/>
+      </p:bgRef>
+    </p:bg>
+    <p:spTree>
+      <p:nvGrpSpPr>
+        <p:cNvPr id="1" name=""/>
+        <p:cNvGrpSpPr/>
+        <p:nvPr/>
+      </p:nvGrpSpPr>
+      <p:grpSpPr>
+        <a:xfrm>
+          <a:off x="0" y="0"/>
+          <a:ext cx="0" cy="0"/>
+          <a:chOff x="0" y="0"/>
+          <a:chExt cx="0" cy="0"/>
+        </a:xfrm>
+      </p:grpSpPr>
+      <p:sp>
+        <p:nvSpPr>
+          <p:cNvPr id="2" name="Kopfzeilenplatzhalter 1"/>
+          <p:cNvSpPr>
+            <a:spLocks noGrp="1"/>
+          </p:cNvSpPr>
+          <p:nvPr>
+            <p:ph type="hdr" sz="quarter"/>
+          </p:nvPr>
+        </p:nvSpPr>
+        <p:spPr>
+          <a:xfrm>
+            <a:off x="0" y="0"/>
+            <a:ext cx="2971800" cy="458788"/>
+          </a:xfrm>
+          <a:prstGeom prst="rect">
+            <a:avLst/>
+          </a:prstGeom>
+        </p:spPr>
+        <p:txBody>
+          <a:bodyPr vert="horz" lIns="91440" tIns="45720" rIns="91440" bIns="45720" rtlCol="0"/>
+          <a:lstStyle>
+            <a:lvl1pPr algn="l">
+              <a:defRPr sz="1200"/>
+            </a:lvl1pPr>
+          </a:lstStyle>
+          <a:p>
+            <a:endParaRPr lang="de-DE"/>
+          </a:p>
+        </p:txBody>
+      </p:sp>
+      <p:sp>
+        <p:nvSpPr>
+          <p:cNvPr id="3" name="Datumsplatzhalter 2"/>
+          <p:cNvSpPr>
+            <a:spLocks noGrp="1"/>
+          </p:cNvSpPr>
+          <p:nvPr>
+            <p:ph type="dt" idx="1"/>
+          </p:nvPr>
+        </p:nvSpPr>
+        <p:spPr>
+          <a:xfrm>
+            <a:off x="3884613" y="0"/>
+            <a:ext cx="2971800" cy="458788"/>
+          </a:xfrm>
+          <a:prstGeom prst="rect">
+            <a:avLst/>
+          </a:prstGeom>
+        </p:spPr>
+        <p:txBody>
+          <a:bodyPr vert="horz" lIns="91440" tIns="45720" rIns="91440" bIns="45720" rtlCol="0"/>
+          <a:lstStyle>
+            <a:lvl1pPr algn="r">
+              <a:defRPr sz="1200"/>
+            </a:lvl1pPr>
+          </a:lstStyle>
+          <a:p>
+            <a:fld id="{5FD9FD2B-91EE-2042-90D2-C70962D910E3}" type="datetimeFigureOut">
+              <a:rPr lang="de-DE" smtClean="0"/>
+              <a:t>28.11.23</a:t>
+            </a:fld>
+            <a:endParaRPr lang="de-DE"/>
+          </a:p>
+        </p:txBody>
+      </p:sp>
+      <p:sp>
+        <p:nvSpPr>
+          <p:cNvPr id="4" name="Folienbildplatzhalter 3"/>
+          <p:cNvSpPr>
+            <a:spLocks noGrp="1" noRot="1" noChangeAspect="1"/>
+          </p:cNvSpPr>
+          <p:nvPr>
+            <p:ph type="sldImg" idx="2"/>
+          </p:nvPr>
+        </p:nvSpPr>
+        <p:spPr>
+          <a:xfrm>
+            <a:off x="685800" y="1143000"/>
+            <a:ext cx="5486400" cy="3086100"/>
+          </a:xfrm>
+          <a:prstGeom prst="rect">
+            <a:avLst/>
+          </a:prstGeom>
+          <a:noFill/>
+          <a:ln w="12700">
+            <a:solidFill>
+              <a:prstClr val="black"/>
+            </a:solidFill>
+          </a:ln>
+        </p:spPr>
+        <p:txBody>
+          <a:bodyPr vert="horz" lIns="91440" tIns="45720" rIns="91440" bIns="45720" rtlCol="0" anchor="ctr"/>
+          <a:lstStyle/>
+          <a:p>
+            <a:endParaRPr lang="de-DE"/>
+          </a:p>
+        </p:txBody>
+      </p:sp>
+      <p:sp>
+        <p:nvSpPr>
+          <p:cNvPr id="5" name="Notizenplatzhalter 4"/>
+          <p:cNvSpPr>
+            <a:spLocks noGrp="1"/>
+          </p:cNvSpPr>
+          <p:nvPr>
+            <p:ph type="body" sz="quarter" idx="3"/>
+          </p:nvPr>
+        </p:nvSpPr>
+        <p:spPr>
+          <a:xfrm>
+            <a:off x="685800" y="4400550"/>
+            <a:ext cx="5486400" cy="3600450"/>
+          </a:xfrm>
+          <a:prstGeom prst="rect">
+            <a:avLst/>
+          </a:prstGeom>
+        </p:spPr>
+        <p:txBody>
+          <a:bodyPr vert="horz" lIns="91440" tIns="45720" rIns="91440" bIns="45720" rtlCol="0"/>
+          <a:lstStyle/>
+          <a:p>
+            <a:pPr lvl="0"/>
+            <a:r>
+              <a:rPr lang="de-DE"/>
+              <a:t>Mastertextformat bearbeiten</a:t>
+            </a:r>
+          </a:p>
+          <a:p>
+            <a:pPr lvl="1"/>
+            <a:r>
+              <a:rPr lang="de-DE"/>
+              <a:t>Zweite Ebene</a:t>
+            </a:r>
+          </a:p>
+          <a:p>
+            <a:pPr lvl="2"/>
+            <a:r>
+              <a:rPr lang="de-DE"/>
+              <a:t>Dritte Ebene</a:t>
+            </a:r>
+          </a:p>
+          <a:p>
+            <a:pPr lvl="3"/>
+            <a:r>
+              <a:rPr lang="de-DE"/>
+              <a:t>Vierte Ebene</a:t>
+            </a:r>
+          </a:p>
+          <a:p>
+            <a:pPr lvl="4"/>
+            <a:r>
+              <a:rPr lang="de-DE"/>
+              <a:t>Fünfte Ebene</a:t>
+            </a:r>
+          </a:p>
+        </p:txBody>
+      </p:sp>
+      <p:sp>
+        <p:nvSpPr>
+          <p:cNvPr id="6" name="Fußzeilenplatzhalter 5"/>
+          <p:cNvSpPr>
+            <a:spLocks noGrp="1"/>
+          </p:cNvSpPr>
+          <p:nvPr>
+            <p:ph type="ftr" sz="quarter" idx="4"/>
+          </p:nvPr>
+        </p:nvSpPr>
+        <p:spPr>
+          <a:xfrm>
+            <a:off x="0" y="8685213"/>
+            <a:ext cx="2971800" cy="458787"/>
+          </a:xfrm>
+          <a:prstGeom prst="rect">
+            <a:avLst/>
+          </a:prstGeom>
+        </p:spPr>
+        <p:txBody>
+          <a:bodyPr vert="horz" lIns="91440" tIns="45720" rIns="91440" bIns="45720" rtlCol="0" anchor="b"/>
+          <a:lstStyle>
+            <a:lvl1pPr algn="l">
+              <a:defRPr sz="1200"/>
+            </a:lvl1pPr>
+          </a:lstStyle>
+          <a:p>
+            <a:endParaRPr lang="de-DE"/>
+          </a:p>
+        </p:txBody>
+      </p:sp>
+      <p:sp>
+        <p:nvSpPr>
+          <p:cNvPr id="7" name="Foliennummernplatzhalter 6"/>
+          <p:cNvSpPr>
+            <a:spLocks noGrp="1"/>
+          </p:cNvSpPr>
+          <p:nvPr>
+            <p:ph type="sldNum" sz="quarter" idx="5"/>
+          </p:nvPr>
+        </p:nvSpPr>
+        <p:spPr>
+          <a:xfrm>
+            <a:off x="3884613" y="8685213"/>
+            <a:ext cx="2971800" cy="458787"/>
+          </a:xfrm>
+          <a:prstGeom prst="rect">
+            <a:avLst/>
+          </a:prstGeom>
+        </p:spPr>
+        <p:txBody>
+          <a:bodyPr vert="horz" lIns="91440" tIns="45720" rIns="91440" bIns="45720" rtlCol="0" anchor="b"/>
+          <a:lstStyle>
+            <a:lvl1pPr algn="r">
+              <a:defRPr sz="1200"/>
+            </a:lvl1pPr>
+          </a:lstStyle>
+          <a:p>
+            <a:fld id="{81AE8F5F-4894-D046-B639-EBEFB0223F8B}" type="slidenum">
+              <a:rPr lang="de-DE" smtClean="0"/>
+              <a:t>‹Nr.›</a:t>
+            </a:fld>
+            <a:endParaRPr lang="de-DE"/>
+          </a:p>
+        </p:txBody>
+      </p:sp>
+    </p:spTree>
+    <p:extLst>
+      <p:ext uri="{BB962C8B-B14F-4D97-AF65-F5344CB8AC3E}">
+        <p14:creationId xmlns:p14="http://schemas.microsoft.com/office/powerpoint/2010/main" val="2969899823"/>
+      </p:ext>
+    </p:extLst>
+  </p:cSld>
+  <p:clrMap bg1="lt1" tx1="dk1" bg2="lt2" tx2="dk2" accent1="accent1" accent2="accent2" accent3="accent3" accent4="accent4" accent5="accent5" accent6="accent6" hlink="hlink" folHlink="folHlink"/>
+  <p:hf hdr="0" dt="0"/>
+  <p:notesStyle>
+    <a:lvl1pPr marL="0" algn="l" defTabSz="914400" rtl="0" eaLnBrk="1" latinLnBrk="0" hangingPunct="1">
+      <a:defRPr sz="1200" kern="1200">
+        <a:solidFill>
+          <a:schemeClr val="tx1"/>
+        </a:solidFill>
+        <a:latin typeface="+mn-lt"/>
+        <a:ea typeface="+mn-ea"/>
+        <a:cs typeface="+mn-cs"/>
+      </a:defRPr>
+    </a:lvl1pPr>
+    <a:lvl2pPr marL="457200" algn="l" defTabSz="914400" rtl="0" eaLnBrk="1" latinLnBrk="0" hangingPunct="1">
+      <a:defRPr sz="1200" kern="1200">
+        <a:solidFill>
+          <a:schemeClr val="tx1"/>
+        </a:solidFill>
+        <a:latin typeface="+mn-lt"/>
+        <a:ea typeface="+mn-ea"/>
+        <a:cs typeface="+mn-cs"/>
+      </a:defRPr>
+    </a:lvl2pPr>
+    <a:lvl3pPr marL="914400" algn="l" defTabSz="914400" rtl="0" eaLnBrk="1" latinLnBrk="0" hangingPunct="1">
+      <a:defRPr sz="1200" kern="1200">
+        <a:solidFill>
+          <a:schemeClr val="tx1"/>
+        </a:solidFill>
+        <a:latin typeface="+mn-lt"/>
+        <a:ea typeface="+mn-ea"/>
+        <a:cs typeface="+mn-cs"/>
+      </a:defRPr>
+    </a:lvl3pPr>
+    <a:lvl4pPr marL="1371600" algn="l" defTabSz="914400" rtl="0" eaLnBrk="1" latinLnBrk="0" hangingPunct="1">
+      <a:defRPr sz="1200" kern="1200">
+        <a:solidFill>
+          <a:schemeClr val="tx1"/>
+        </a:solidFill>
+        <a:latin typeface="+mn-lt"/>
+        <a:ea typeface="+mn-ea"/>
+        <a:cs typeface="+mn-cs"/>
+      </a:defRPr>
+    </a:lvl4pPr>
+    <a:lvl5pPr marL="1828800" algn="l" defTabSz="914400" rtl="0" eaLnBrk="1" latinLnBrk="0" hangingPunct="1">
+      <a:defRPr sz="1200" kern="1200">
+        <a:solidFill>
+          <a:schemeClr val="tx1"/>
+        </a:solidFill>
+        <a:latin typeface="+mn-lt"/>
+        <a:ea typeface="+mn-ea"/>
+        <a:cs typeface="+mn-cs"/>
+      </a:defRPr>
+    </a:lvl5pPr>
+    <a:lvl6pPr marL="2286000" algn="l" defTabSz="914400" rtl="0" eaLnBrk="1" latinLnBrk="0" hangingPunct="1">
+      <a:defRPr sz="1200" kern="1200">
+        <a:solidFill>
+          <a:schemeClr val="tx1"/>
+        </a:solidFill>
+        <a:latin typeface="+mn-lt"/>
+        <a:ea typeface="+mn-ea"/>
+        <a:cs typeface="+mn-cs"/>
+      </a:defRPr>
+    </a:lvl6pPr>
+    <a:lvl7pPr marL="2743200" algn="l" defTabSz="914400" rtl="0" eaLnBrk="1" latinLnBrk="0" hangingPunct="1">
+      <a:defRPr sz="1200" kern="1200">
+        <a:solidFill>
+          <a:schemeClr val="tx1"/>
+        </a:solidFill>
+        <a:latin typeface="+mn-lt"/>
+        <a:ea typeface="+mn-ea"/>
+        <a:cs typeface="+mn-cs"/>
+      </a:defRPr>
+    </a:lvl7pPr>
+    <a:lvl8pPr marL="3200400" algn="l" defTabSz="914400" rtl="0" eaLnBrk="1" latinLnBrk="0" hangingPunct="1">
+      <a:defRPr sz="1200" kern="1200">
+        <a:solidFill>
+          <a:schemeClr val="tx1"/>
+        </a:solidFill>
+        <a:latin typeface="+mn-lt"/>
+        <a:ea typeface="+mn-ea"/>
+        <a:cs typeface="+mn-cs"/>
+      </a:defRPr>
+    </a:lvl8pPr>
+    <a:lvl9pPr marL="3657600" algn="l" defTabSz="914400" rtl="0" eaLnBrk="1" latinLnBrk="0" hangingPunct="1">
+      <a:defRPr sz="1200" kern="1200">
+        <a:solidFill>
+          <a:schemeClr val="tx1"/>
+        </a:solidFill>
+        <a:latin typeface="+mn-lt"/>
+        <a:ea typeface="+mn-ea"/>
+        <a:cs typeface="+mn-cs"/>
+      </a:defRPr>
+    </a:lvl9pPr>
+  </p:notesStyle>
+</p:notesMaster>
+</file>
+
+<file path=ppt/notesSlides/notesSlide1.xml><?xml version="1.0" encoding="utf-8"?>
+<p:notes xmlns:a="http://schemas.openxmlformats.org/drawingml/2006/main" xmlns:r="http://schemas.openxmlformats.org/officeDocument/2006/relationships" xmlns:p="http://schemas.openxmlformats.org/presentationml/2006/main">
+  <p:cSld>
+    <p:spTree>
+      <p:nvGrpSpPr>
+        <p:cNvPr id="1" name=""/>
+        <p:cNvGrpSpPr/>
+        <p:nvPr/>
+      </p:nvGrpSpPr>
+      <p:grpSpPr>
+        <a:xfrm>
+          <a:off x="0" y="0"/>
+          <a:ext cx="0" cy="0"/>
+          <a:chOff x="0" y="0"/>
+          <a:chExt cx="0" cy="0"/>
+        </a:xfrm>
+      </p:grpSpPr>
+      <p:sp>
+        <p:nvSpPr>
+          <p:cNvPr id="2" name="Folienbildplatzhalter 1"/>
+          <p:cNvSpPr>
+            <a:spLocks noGrp="1" noRot="1" noChangeAspect="1"/>
+          </p:cNvSpPr>
+          <p:nvPr>
+            <p:ph type="sldImg"/>
+          </p:nvPr>
+        </p:nvSpPr>
+        <p:spPr/>
+      </p:sp>
+      <p:sp>
+        <p:nvSpPr>
+          <p:cNvPr id="3" name="Notizenplatzhalter 2"/>
+          <p:cNvSpPr>
+            <a:spLocks noGrp="1"/>
+          </p:cNvSpPr>
+          <p:nvPr>
+            <p:ph type="body" idx="1"/>
+          </p:nvPr>
+        </p:nvSpPr>
+        <p:spPr/>
+        <p:txBody>
+          <a:bodyPr/>
+          <a:lstStyle/>
+          <a:p>
+            <a:endParaRPr lang="de-DE" dirty="0"/>
+          </a:p>
+        </p:txBody>
+      </p:sp>
+      <p:sp>
+        <p:nvSpPr>
+          <p:cNvPr id="4" name="Fußzeilenplatzhalter 3"/>
+          <p:cNvSpPr>
+            <a:spLocks noGrp="1"/>
+          </p:cNvSpPr>
+          <p:nvPr>
+            <p:ph type="ftr" sz="quarter" idx="4"/>
+          </p:nvPr>
+        </p:nvSpPr>
+        <p:spPr/>
+        <p:txBody>
+          <a:bodyPr/>
+          <a:lstStyle/>
+          <a:p>
+            <a:endParaRPr lang="de-DE"/>
+          </a:p>
+        </p:txBody>
+      </p:sp>
+      <p:sp>
+        <p:nvSpPr>
+          <p:cNvPr id="5" name="Foliennummernplatzhalter 4"/>
+          <p:cNvSpPr>
+            <a:spLocks noGrp="1"/>
+          </p:cNvSpPr>
+          <p:nvPr>
+            <p:ph type="sldNum" sz="quarter" idx="5"/>
+          </p:nvPr>
+        </p:nvSpPr>
+        <p:spPr/>
+        <p:txBody>
+          <a:bodyPr/>
+          <a:lstStyle/>
+          <a:p>
+            <a:fld id="{81AE8F5F-4894-D046-B639-EBEFB0223F8B}" type="slidenum">
+              <a:rPr lang="de-DE" smtClean="0"/>
+              <a:t>2</a:t>
+            </a:fld>
+            <a:endParaRPr lang="de-DE"/>
+          </a:p>
+        </p:txBody>
+      </p:sp>
+    </p:spTree>
+    <p:extLst>
+      <p:ext uri="{BB962C8B-B14F-4D97-AF65-F5344CB8AC3E}">
+        <p14:creationId xmlns:p14="http://schemas.microsoft.com/office/powerpoint/2010/main" val="2571901525"/>
+      </p:ext>
+    </p:extLst>
+  </p:cSld>
+  <p:clrMapOvr>
+    <a:masterClrMapping/>
+  </p:clrMapOvr>
+</p:notes>
+</file>
+
 <file path=ppt/slideLayouts/slideLayout1.xml><?xml version="1.0" encoding="utf-8"?>
 <p:sldLayout xmlns:a="http://schemas.openxmlformats.org/drawingml/2006/main" xmlns:r="http://schemas.openxmlformats.org/officeDocument/2006/relationships" xmlns:p="http://schemas.openxmlformats.org/presentationml/2006/main" type="title" preserve="1">
   <p:cSld name="Titelfolie">
@@ -269,8 +918,8 @@
           <a:bodyPr/>
           <a:lstStyle/>
           <a:p>
-            <a:fld id="{98C5D0A0-7D22-BE42-9A30-B4115F904EDD}" type="datetimeFigureOut">
-              <a:rPr lang="de-DE" smtClean="0"/>
+            <a:fld id="{F2DFE85B-BD40-3C40-BA73-6C83310C7D0C}" type="datetime1">
+              <a:rPr lang="de-AT" smtClean="0"/>
               <a:t>28.11.23</a:t>
             </a:fld>
             <a:endParaRPr lang="de-DE"/>
@@ -298,7 +947,10 @@
           <a:bodyPr/>
           <a:lstStyle/>
           <a:p>
-            <a:endParaRPr lang="de-DE"/>
+            <a:r>
+              <a:rPr lang="de-DE"/>
+              <a:t>Florian Petautschnig</a:t>
+            </a:r>
           </a:p>
         </p:txBody>
       </p:sp>
@@ -467,8 +1119,8 @@
           <a:bodyPr/>
           <a:lstStyle/>
           <a:p>
-            <a:fld id="{98C5D0A0-7D22-BE42-9A30-B4115F904EDD}" type="datetimeFigureOut">
-              <a:rPr lang="de-DE" smtClean="0"/>
+            <a:fld id="{65E5A3FA-C24E-E14F-BB38-D3FB6BB829A4}" type="datetime1">
+              <a:rPr lang="de-AT" smtClean="0"/>
               <a:t>28.11.23</a:t>
             </a:fld>
             <a:endParaRPr lang="de-DE"/>
@@ -496,7 +1148,10 @@
           <a:bodyPr/>
           <a:lstStyle/>
           <a:p>
-            <a:endParaRPr lang="de-DE"/>
+            <a:r>
+              <a:rPr lang="de-DE"/>
+              <a:t>Florian Petautschnig</a:t>
+            </a:r>
           </a:p>
         </p:txBody>
       </p:sp>
@@ -675,8 +1330,8 @@
           <a:bodyPr/>
           <a:lstStyle/>
           <a:p>
-            <a:fld id="{98C5D0A0-7D22-BE42-9A30-B4115F904EDD}" type="datetimeFigureOut">
-              <a:rPr lang="de-DE" smtClean="0"/>
+            <a:fld id="{7DF26F1E-665D-F648-9008-688FF16D35BD}" type="datetime1">
+              <a:rPr lang="de-AT" smtClean="0"/>
               <a:t>28.11.23</a:t>
             </a:fld>
             <a:endParaRPr lang="de-DE"/>
@@ -704,7 +1359,10 @@
           <a:bodyPr/>
           <a:lstStyle/>
           <a:p>
-            <a:endParaRPr lang="de-DE"/>
+            <a:r>
+              <a:rPr lang="de-DE"/>
+              <a:t>Florian Petautschnig</a:t>
+            </a:r>
           </a:p>
         </p:txBody>
       </p:sp>
@@ -873,8 +1531,8 @@
           <a:bodyPr/>
           <a:lstStyle/>
           <a:p>
-            <a:fld id="{98C5D0A0-7D22-BE42-9A30-B4115F904EDD}" type="datetimeFigureOut">
-              <a:rPr lang="de-DE" smtClean="0"/>
+            <a:fld id="{7B41F931-E53B-4744-ACD8-0FEF73F57AB5}" type="datetime1">
+              <a:rPr lang="de-AT" smtClean="0"/>
               <a:t>28.11.23</a:t>
             </a:fld>
             <a:endParaRPr lang="de-DE"/>
@@ -902,7 +1560,10 @@
           <a:bodyPr/>
           <a:lstStyle/>
           <a:p>
-            <a:endParaRPr lang="de-DE"/>
+            <a:r>
+              <a:rPr lang="de-DE"/>
+              <a:t>Florian Petautschnig</a:t>
+            </a:r>
           </a:p>
         </p:txBody>
       </p:sp>
@@ -1148,8 +1809,8 @@
           <a:bodyPr/>
           <a:lstStyle/>
           <a:p>
-            <a:fld id="{98C5D0A0-7D22-BE42-9A30-B4115F904EDD}" type="datetimeFigureOut">
-              <a:rPr lang="de-DE" smtClean="0"/>
+            <a:fld id="{CC582E34-721A-7440-AC20-9A6981C6352E}" type="datetime1">
+              <a:rPr lang="de-AT" smtClean="0"/>
               <a:t>28.11.23</a:t>
             </a:fld>
             <a:endParaRPr lang="de-DE"/>
@@ -1177,7 +1838,10 @@
           <a:bodyPr/>
           <a:lstStyle/>
           <a:p>
-            <a:endParaRPr lang="de-DE"/>
+            <a:r>
+              <a:rPr lang="de-DE"/>
+              <a:t>Florian Petautschnig</a:t>
+            </a:r>
           </a:p>
         </p:txBody>
       </p:sp>
@@ -1413,8 +2077,8 @@
           <a:bodyPr/>
           <a:lstStyle/>
           <a:p>
-            <a:fld id="{98C5D0A0-7D22-BE42-9A30-B4115F904EDD}" type="datetimeFigureOut">
-              <a:rPr lang="de-DE" smtClean="0"/>
+            <a:fld id="{F6A5FDF6-2A4D-DF43-B8E3-860322BF4282}" type="datetime1">
+              <a:rPr lang="de-AT" smtClean="0"/>
               <a:t>28.11.23</a:t>
             </a:fld>
             <a:endParaRPr lang="de-DE"/>
@@ -1442,7 +2106,10 @@
           <a:bodyPr/>
           <a:lstStyle/>
           <a:p>
-            <a:endParaRPr lang="de-DE"/>
+            <a:r>
+              <a:rPr lang="de-DE"/>
+              <a:t>Florian Petautschnig</a:t>
+            </a:r>
           </a:p>
         </p:txBody>
       </p:sp>
@@ -1825,8 +2492,8 @@
           <a:bodyPr/>
           <a:lstStyle/>
           <a:p>
-            <a:fld id="{98C5D0A0-7D22-BE42-9A30-B4115F904EDD}" type="datetimeFigureOut">
-              <a:rPr lang="de-DE" smtClean="0"/>
+            <a:fld id="{C7BB32FF-FC71-D545-B175-AF8FFFFF33E2}" type="datetime1">
+              <a:rPr lang="de-AT" smtClean="0"/>
               <a:t>28.11.23</a:t>
             </a:fld>
             <a:endParaRPr lang="de-DE"/>
@@ -1854,7 +2521,10 @@
           <a:bodyPr/>
           <a:lstStyle/>
           <a:p>
-            <a:endParaRPr lang="de-DE"/>
+            <a:r>
+              <a:rPr lang="de-DE"/>
+              <a:t>Florian Petautschnig</a:t>
+            </a:r>
           </a:p>
         </p:txBody>
       </p:sp>
@@ -1966,8 +2636,8 @@
           <a:bodyPr/>
           <a:lstStyle/>
           <a:p>
-            <a:fld id="{98C5D0A0-7D22-BE42-9A30-B4115F904EDD}" type="datetimeFigureOut">
-              <a:rPr lang="de-DE" smtClean="0"/>
+            <a:fld id="{196B8057-C354-B44D-B6D9-EB0850B89211}" type="datetime1">
+              <a:rPr lang="de-AT" smtClean="0"/>
               <a:t>28.11.23</a:t>
             </a:fld>
             <a:endParaRPr lang="de-DE"/>
@@ -1995,7 +2665,10 @@
           <a:bodyPr/>
           <a:lstStyle/>
           <a:p>
-            <a:endParaRPr lang="de-DE"/>
+            <a:r>
+              <a:rPr lang="de-DE"/>
+              <a:t>Florian Petautschnig</a:t>
+            </a:r>
           </a:p>
         </p:txBody>
       </p:sp>
@@ -2079,8 +2752,8 @@
           <a:bodyPr/>
           <a:lstStyle/>
           <a:p>
-            <a:fld id="{98C5D0A0-7D22-BE42-9A30-B4115F904EDD}" type="datetimeFigureOut">
-              <a:rPr lang="de-DE" smtClean="0"/>
+            <a:fld id="{7BEDA41C-52AF-0249-AEE4-06E87D130032}" type="datetime1">
+              <a:rPr lang="de-AT" smtClean="0"/>
               <a:t>28.11.23</a:t>
             </a:fld>
             <a:endParaRPr lang="de-DE"/>
@@ -2108,7 +2781,10 @@
           <a:bodyPr/>
           <a:lstStyle/>
           <a:p>
-            <a:endParaRPr lang="de-DE"/>
+            <a:r>
+              <a:rPr lang="de-DE"/>
+              <a:t>Florian Petautschnig</a:t>
+            </a:r>
           </a:p>
         </p:txBody>
       </p:sp>
@@ -2390,8 +3066,8 @@
           <a:bodyPr/>
           <a:lstStyle/>
           <a:p>
-            <a:fld id="{98C5D0A0-7D22-BE42-9A30-B4115F904EDD}" type="datetimeFigureOut">
-              <a:rPr lang="de-DE" smtClean="0"/>
+            <a:fld id="{F48F96EB-1A9D-684F-B89C-A306EFF73586}" type="datetime1">
+              <a:rPr lang="de-AT" smtClean="0"/>
               <a:t>28.11.23</a:t>
             </a:fld>
             <a:endParaRPr lang="de-DE"/>
@@ -2419,7 +3095,10 @@
           <a:bodyPr/>
           <a:lstStyle/>
           <a:p>
-            <a:endParaRPr lang="de-DE"/>
+            <a:r>
+              <a:rPr lang="de-DE"/>
+              <a:t>Florian Petautschnig</a:t>
+            </a:r>
           </a:p>
         </p:txBody>
       </p:sp>
@@ -2678,8 +3357,8 @@
           <a:bodyPr/>
           <a:lstStyle/>
           <a:p>
-            <a:fld id="{98C5D0A0-7D22-BE42-9A30-B4115F904EDD}" type="datetimeFigureOut">
-              <a:rPr lang="de-DE" smtClean="0"/>
+            <a:fld id="{045A8105-436F-5B44-AC57-6D57FA1E523C}" type="datetime1">
+              <a:rPr lang="de-AT" smtClean="0"/>
               <a:t>28.11.23</a:t>
             </a:fld>
             <a:endParaRPr lang="de-DE"/>
@@ -2707,7 +3386,10 @@
           <a:bodyPr/>
           <a:lstStyle/>
           <a:p>
-            <a:endParaRPr lang="de-DE"/>
+            <a:r>
+              <a:rPr lang="de-DE"/>
+              <a:t>Florian Petautschnig</a:t>
+            </a:r>
           </a:p>
         </p:txBody>
       </p:sp>
@@ -2919,8 +3601,8 @@
             </a:lvl1pPr>
           </a:lstStyle>
           <a:p>
-            <a:fld id="{98C5D0A0-7D22-BE42-9A30-B4115F904EDD}" type="datetimeFigureOut">
-              <a:rPr lang="de-DE" smtClean="0"/>
+            <a:fld id="{710631F1-9651-9A42-8C38-9545A3300467}" type="datetime1">
+              <a:rPr lang="de-AT" smtClean="0"/>
               <a:t>28.11.23</a:t>
             </a:fld>
             <a:endParaRPr lang="de-DE"/>
@@ -2966,7 +3648,10 @@
             </a:lvl1pPr>
           </a:lstStyle>
           <a:p>
-            <a:endParaRPr lang="de-DE"/>
+            <a:r>
+              <a:rPr lang="de-DE"/>
+              <a:t>Florian Petautschnig</a:t>
+            </a:r>
           </a:p>
         </p:txBody>
       </p:sp>
@@ -3038,6 +3723,7 @@
     <p:sldLayoutId id="2147483658" r:id="rId10"/>
     <p:sldLayoutId id="2147483659" r:id="rId11"/>
   </p:sldLayoutIdLst>
+  <p:hf sldNum="0" hdr="0" ftr="0" dt="0"/>
   <p:txStyles>
     <p:titleStyle>
       <a:lvl1pPr algn="l" defTabSz="914400" rtl="0" eaLnBrk="1" latinLnBrk="0" hangingPunct="1">
@@ -3487,26 +4173,82 @@
         </p:nvSpPr>
         <p:spPr>
           <a:xfrm>
-            <a:off x="6590966" y="3428999"/>
-            <a:ext cx="4805691" cy="838831"/>
+            <a:off x="6024444" y="3428999"/>
+            <a:ext cx="5827086" cy="838831"/>
           </a:xfrm>
         </p:spPr>
         <p:txBody>
           <a:bodyPr anchor="b">
-            <a:normAutofit/>
+            <a:noAutofit/>
           </a:bodyPr>
           <a:lstStyle/>
           <a:p>
             <a:pPr algn="l"/>
             <a:r>
-              <a:rPr lang="de-DE" sz="2000">
+              <a:rPr lang="de-DE" sz="2800" dirty="0" err="1">
                 <a:solidFill>
                   <a:schemeClr val="tx2"/>
                 </a:solidFill>
               </a:rPr>
-              <a:t>Developing Backends with Actix Web</a:t>
-            </a:r>
-            <a:endParaRPr lang="de-AT" sz="2000">
+              <a:t>Developing</a:t>
+            </a:r>
+            <a:r>
+              <a:rPr lang="de-DE" sz="2800" dirty="0">
+                <a:solidFill>
+                  <a:schemeClr val="tx2"/>
+                </a:solidFill>
+              </a:rPr>
+              <a:t> </a:t>
+            </a:r>
+            <a:r>
+              <a:rPr lang="de-DE" sz="2800" dirty="0" err="1">
+                <a:solidFill>
+                  <a:schemeClr val="tx2"/>
+                </a:solidFill>
+              </a:rPr>
+              <a:t>Backends</a:t>
+            </a:r>
+            <a:r>
+              <a:rPr lang="de-DE" sz="2800" dirty="0">
+                <a:solidFill>
+                  <a:schemeClr val="tx2"/>
+                </a:solidFill>
+              </a:rPr>
+              <a:t> </a:t>
+            </a:r>
+            <a:r>
+              <a:rPr lang="de-DE" sz="2800" dirty="0" err="1">
+                <a:solidFill>
+                  <a:schemeClr val="tx2"/>
+                </a:solidFill>
+              </a:rPr>
+              <a:t>with</a:t>
+            </a:r>
+            <a:r>
+              <a:rPr lang="de-DE" sz="2800" dirty="0">
+                <a:solidFill>
+                  <a:schemeClr val="tx2"/>
+                </a:solidFill>
+              </a:rPr>
+              <a:t> </a:t>
+            </a:r>
+            <a:r>
+              <a:rPr lang="de-DE" sz="2800" dirty="0" err="1">
+                <a:solidFill>
+                  <a:schemeClr val="tx2"/>
+                </a:solidFill>
+              </a:rPr>
+              <a:t>Actix</a:t>
+            </a:r>
+            <a:r>
+              <a:rPr lang="de-DE" sz="2800" dirty="0">
+                <a:solidFill>
+                  <a:schemeClr val="tx2"/>
+                </a:solidFill>
+              </a:rPr>
+              <a:t> Web</a:t>
+            </a:r>
+            <a:endParaRPr lang="de-AT" sz="2800" dirty="0">
               <a:solidFill>
                 <a:schemeClr val="tx2"/>
               </a:solidFill>
@@ -5624,6 +6366,40 @@
           </p:txBody>
         </p:sp>
       </p:grpSp>
+      <p:sp>
+        <p:nvSpPr>
+          <p:cNvPr id="6" name="Fußzeilenplatzhalter 3">
+            <a:extLst>
+              <a:ext uri="{FF2B5EF4-FFF2-40B4-BE49-F238E27FC236}">
+                <a16:creationId xmlns:a16="http://schemas.microsoft.com/office/drawing/2014/main" id="{FF212B22-E277-E47C-F0DB-7940A99C8A9C}"/>
+              </a:ext>
+            </a:extLst>
+          </p:cNvPr>
+          <p:cNvSpPr>
+            <a:spLocks noGrp="1"/>
+          </p:cNvSpPr>
+          <p:nvPr>
+            <p:ph type="ftr" sz="quarter" idx="11"/>
+          </p:nvPr>
+        </p:nvSpPr>
+        <p:spPr>
+          <a:xfrm>
+            <a:off x="6031523" y="4271019"/>
+            <a:ext cx="4114800" cy="365125"/>
+          </a:xfrm>
+        </p:spPr>
+        <p:txBody>
+          <a:bodyPr/>
+          <a:lstStyle/>
+          <a:p>
+            <a:pPr algn="l"/>
+            <a:r>
+              <a:rPr lang="de-DE" sz="2400" dirty="0"/>
+              <a:t>Florian Petautschnig</a:t>
+            </a:r>
+          </a:p>
+        </p:txBody>
+      </p:sp>
     </p:spTree>
     <p:extLst>
       <p:ext uri="{BB962C8B-B14F-4D97-AF65-F5344CB8AC3E}">
@@ -5777,7 +6553,7 @@
             <a:r>
               <a:rPr lang="de-AT" b="0" dirty="0">
                 <a:solidFill>
-                  <a:srgbClr val="DCDCAA"/>
+                  <a:schemeClr val="accent2"/>
                 </a:solidFill>
                 <a:effectLst/>
                 <a:latin typeface="Consolas" panose="020B0609020204030204" pitchFamily="49" charset="0"/>
@@ -5787,7 +6563,10 @@
             <a:r>
               <a:rPr lang="de-AT" b="0" dirty="0">
                 <a:solidFill>
-                  <a:srgbClr val="D4D4D4"/>
+                  <a:schemeClr val="tx1">
+                    <a:lumMod val="65000"/>
+                    <a:lumOff val="35000"/>
+                  </a:schemeClr>
                 </a:solidFill>
                 <a:effectLst/>
                 <a:latin typeface="Consolas" panose="020B0609020204030204" pitchFamily="49" charset="0"/>
@@ -5885,21 +6664,22 @@
               <a:buNone/>
             </a:pPr>
             <a:r>
-              <a:rPr lang="de-AT" b="0" dirty="0" err="1">
-                <a:solidFill>
-                  <a:srgbClr val="DCDCAA"/>
-                </a:solidFill>
-                <a:effectLst/>
+              <a:rPr lang="de-AT" dirty="0" err="1">
+                <a:solidFill>
+                  <a:schemeClr val="accent2"/>
+                </a:solidFill>
                 <a:latin typeface="Consolas" panose="020B0609020204030204" pitchFamily="49" charset="0"/>
               </a:rPr>
               <a:t>build</a:t>
             </a:r>
             <a:r>
-              <a:rPr lang="de-AT" b="0" dirty="0">
-                <a:solidFill>
-                  <a:srgbClr val="D4D4D4"/>
-                </a:solidFill>
-                <a:effectLst/>
+              <a:rPr lang="de-AT" dirty="0">
+                <a:solidFill>
+                  <a:schemeClr val="tx1">
+                    <a:lumMod val="65000"/>
+                    <a:lumOff val="35000"/>
+                  </a:schemeClr>
+                </a:solidFill>
                 <a:latin typeface="Consolas" panose="020B0609020204030204" pitchFamily="49" charset="0"/>
               </a:rPr>
               <a:t>()</a:t>
@@ -5923,6 +6703,196 @@
   <p:clrMapOvr>
     <a:masterClrMapping/>
   </p:clrMapOvr>
+  <p:timing>
+    <p:tnLst>
+      <p:par>
+        <p:cTn id="1" dur="indefinite" restart="never" nodeType="tmRoot">
+          <p:childTnLst>
+            <p:seq concurrent="1" nextAc="seek">
+              <p:cTn id="2" dur="indefinite" nodeType="mainSeq">
+                <p:childTnLst>
+                  <p:par>
+                    <p:cTn id="3" fill="hold">
+                      <p:stCondLst>
+                        <p:cond delay="indefinite"/>
+                      </p:stCondLst>
+                      <p:childTnLst>
+                        <p:par>
+                          <p:cTn id="4" fill="hold">
+                            <p:stCondLst>
+                              <p:cond delay="0"/>
+                            </p:stCondLst>
+                            <p:childTnLst>
+                              <p:par>
+                                <p:cTn id="5" presetID="1" presetClass="entr" presetSubtype="0" fill="hold" nodeType="clickEffect">
+                                  <p:stCondLst>
+                                    <p:cond delay="0"/>
+                                  </p:stCondLst>
+                                  <p:childTnLst>
+                                    <p:set>
+                                      <p:cBhvr>
+                                        <p:cTn id="6" dur="1" fill="hold">
+                                          <p:stCondLst>
+                                            <p:cond delay="0"/>
+                                          </p:stCondLst>
+                                        </p:cTn>
+                                        <p:tgtEl>
+                                          <p:spTgt spid="3">
+                                            <p:txEl>
+                                              <p:pRg st="0" end="0"/>
+                                            </p:txEl>
+                                          </p:spTgt>
+                                        </p:tgtEl>
+                                        <p:attrNameLst>
+                                          <p:attrName>style.visibility</p:attrName>
+                                        </p:attrNameLst>
+                                      </p:cBhvr>
+                                      <p:to>
+                                        <p:strVal val="visible"/>
+                                      </p:to>
+                                    </p:set>
+                                  </p:childTnLst>
+                                </p:cTn>
+                              </p:par>
+                              <p:par>
+                                <p:cTn id="7" presetID="1" presetClass="entr" presetSubtype="0" fill="hold" nodeType="withEffect">
+                                  <p:stCondLst>
+                                    <p:cond delay="0"/>
+                                  </p:stCondLst>
+                                  <p:childTnLst>
+                                    <p:set>
+                                      <p:cBhvr>
+                                        <p:cTn id="8" dur="1" fill="hold">
+                                          <p:stCondLst>
+                                            <p:cond delay="0"/>
+                                          </p:stCondLst>
+                                        </p:cTn>
+                                        <p:tgtEl>
+                                          <p:spTgt spid="3">
+                                            <p:txEl>
+                                              <p:pRg st="2" end="2"/>
+                                            </p:txEl>
+                                          </p:spTgt>
+                                        </p:tgtEl>
+                                        <p:attrNameLst>
+                                          <p:attrName>style.visibility</p:attrName>
+                                        </p:attrNameLst>
+                                      </p:cBhvr>
+                                      <p:to>
+                                        <p:strVal val="visible"/>
+                                      </p:to>
+                                    </p:set>
+                                  </p:childTnLst>
+                                </p:cTn>
+                              </p:par>
+                            </p:childTnLst>
+                          </p:cTn>
+                        </p:par>
+                      </p:childTnLst>
+                    </p:cTn>
+                  </p:par>
+                  <p:par>
+                    <p:cTn id="9" fill="hold">
+                      <p:stCondLst>
+                        <p:cond delay="indefinite"/>
+                      </p:stCondLst>
+                      <p:childTnLst>
+                        <p:par>
+                          <p:cTn id="10" fill="hold">
+                            <p:stCondLst>
+                              <p:cond delay="0"/>
+                            </p:stCondLst>
+                            <p:childTnLst>
+                              <p:par>
+                                <p:cTn id="11" presetID="1" presetClass="entr" presetSubtype="0" fill="hold" nodeType="clickEffect">
+                                  <p:stCondLst>
+                                    <p:cond delay="0"/>
+                                  </p:stCondLst>
+                                  <p:childTnLst>
+                                    <p:set>
+                                      <p:cBhvr>
+                                        <p:cTn id="12" dur="1" fill="hold">
+                                          <p:stCondLst>
+                                            <p:cond delay="0"/>
+                                          </p:stCondLst>
+                                        </p:cTn>
+                                        <p:tgtEl>
+                                          <p:spTgt spid="3">
+                                            <p:txEl>
+                                              <p:pRg st="4" end="4"/>
+                                            </p:txEl>
+                                          </p:spTgt>
+                                        </p:tgtEl>
+                                        <p:attrNameLst>
+                                          <p:attrName>style.visibility</p:attrName>
+                                        </p:attrNameLst>
+                                      </p:cBhvr>
+                                      <p:to>
+                                        <p:strVal val="visible"/>
+                                      </p:to>
+                                    </p:set>
+                                  </p:childTnLst>
+                                </p:cTn>
+                              </p:par>
+                              <p:par>
+                                <p:cTn id="13" presetID="1" presetClass="entr" presetSubtype="0" fill="hold" nodeType="withEffect">
+                                  <p:stCondLst>
+                                    <p:cond delay="0"/>
+                                  </p:stCondLst>
+                                  <p:childTnLst>
+                                    <p:set>
+                                      <p:cBhvr>
+                                        <p:cTn id="14" dur="1" fill="hold">
+                                          <p:stCondLst>
+                                            <p:cond delay="0"/>
+                                          </p:stCondLst>
+                                        </p:cTn>
+                                        <p:tgtEl>
+                                          <p:spTgt spid="3">
+                                            <p:txEl>
+                                              <p:pRg st="6" end="6"/>
+                                            </p:txEl>
+                                          </p:spTgt>
+                                        </p:tgtEl>
+                                        <p:attrNameLst>
+                                          <p:attrName>style.visibility</p:attrName>
+                                        </p:attrNameLst>
+                                      </p:cBhvr>
+                                      <p:to>
+                                        <p:strVal val="visible"/>
+                                      </p:to>
+                                    </p:set>
+                                  </p:childTnLst>
+                                </p:cTn>
+                              </p:par>
+                            </p:childTnLst>
+                          </p:cTn>
+                        </p:par>
+                      </p:childTnLst>
+                    </p:cTn>
+                  </p:par>
+                </p:childTnLst>
+              </p:cTn>
+              <p:prevCondLst>
+                <p:cond evt="onPrev" delay="0">
+                  <p:tgtEl>
+                    <p:sldTgt/>
+                  </p:tgtEl>
+                </p:cond>
+              </p:prevCondLst>
+              <p:nextCondLst>
+                <p:cond evt="onNext" delay="0">
+                  <p:tgtEl>
+                    <p:sldTgt/>
+                  </p:tgtEl>
+                </p:cond>
+              </p:nextCondLst>
+            </p:seq>
+          </p:childTnLst>
+        </p:cTn>
+      </p:par>
+    </p:tnLst>
+  </p:timing>
 </p:sld>
 </file>
 
@@ -5970,7 +6940,7 @@
             </a:r>
             <a:r>
               <a:rPr lang="de-DE" dirty="0"/>
-              <a:t> a </a:t>
+              <a:t> </a:t>
             </a:r>
             <a:r>
               <a:rPr lang="de-DE" dirty="0" err="1"/>
@@ -6130,30 +7100,27 @@
             <a:r>
               <a:rPr lang="de-DE" sz="1800" dirty="0">
                 <a:solidFill>
-                  <a:schemeClr val="bg2">
-                    <a:lumMod val="75000"/>
-                  </a:schemeClr>
-                </a:solidFill>
+                  <a:srgbClr val="CE9178"/>
+                </a:solidFill>
+                <a:latin typeface="Menlo" panose="020B0609030804020204" pitchFamily="49" charset="0"/>
               </a:rPr>
               <a:t>[</a:t>
             </a:r>
             <a:r>
               <a:rPr lang="de-DE" sz="1800" dirty="0" err="1">
                 <a:solidFill>
-                  <a:schemeClr val="bg2">
-                    <a:lumMod val="75000"/>
-                  </a:schemeClr>
-                </a:solidFill>
+                  <a:srgbClr val="CE9178"/>
+                </a:solidFill>
+                <a:latin typeface="Menlo" panose="020B0609030804020204" pitchFamily="49" charset="0"/>
               </a:rPr>
               <a:t>dependencies</a:t>
             </a:r>
             <a:r>
               <a:rPr lang="de-DE" sz="1800" dirty="0">
                 <a:solidFill>
-                  <a:schemeClr val="bg2">
-                    <a:lumMod val="75000"/>
-                  </a:schemeClr>
-                </a:solidFill>
+                  <a:srgbClr val="CE9178"/>
+                </a:solidFill>
+                <a:latin typeface="Menlo" panose="020B0609030804020204" pitchFamily="49" charset="0"/>
               </a:rPr>
               <a:t>]</a:t>
             </a:r>
@@ -6165,20 +7132,18 @@
             <a:r>
               <a:rPr lang="de-DE" sz="1800" dirty="0" err="1">
                 <a:solidFill>
-                  <a:schemeClr val="bg2">
-                    <a:lumMod val="75000"/>
-                  </a:schemeClr>
-                </a:solidFill>
+                  <a:srgbClr val="CE9178"/>
+                </a:solidFill>
+                <a:latin typeface="Menlo" panose="020B0609030804020204" pitchFamily="49" charset="0"/>
               </a:rPr>
               <a:t>actix</a:t>
             </a:r>
             <a:r>
               <a:rPr lang="de-DE" sz="1800" dirty="0">
                 <a:solidFill>
-                  <a:schemeClr val="bg2">
-                    <a:lumMod val="75000"/>
-                  </a:schemeClr>
-                </a:solidFill>
+                  <a:srgbClr val="CE9178"/>
+                </a:solidFill>
+                <a:latin typeface="Menlo" panose="020B0609030804020204" pitchFamily="49" charset="0"/>
               </a:rPr>
               <a:t>-files = "0.6.2"</a:t>
             </a:r>
@@ -6228,31 +7193,34 @@
               <a:buNone/>
             </a:pPr>
             <a:r>
-              <a:rPr lang="de-AT" sz="1800" b="0" dirty="0">
-                <a:solidFill>
-                  <a:srgbClr val="D4D4D4"/>
-                </a:solidFill>
-                <a:effectLst/>
+              <a:rPr lang="de-AT" sz="1800" dirty="0">
+                <a:solidFill>
+                  <a:schemeClr val="tx1">
+                    <a:lumMod val="65000"/>
+                    <a:lumOff val="35000"/>
+                  </a:schemeClr>
+                </a:solidFill>
                 <a:latin typeface="Menlo" panose="020B0609030804020204" pitchFamily="49" charset="0"/>
               </a:rPr>
               <a:t>.</a:t>
             </a:r>
             <a:r>
-              <a:rPr lang="de-AT" sz="1800" b="0" dirty="0" err="1">
-                <a:solidFill>
-                  <a:srgbClr val="DCDCAA"/>
-                </a:solidFill>
-                <a:effectLst/>
+              <a:rPr lang="de-AT" sz="1800" dirty="0" err="1">
+                <a:solidFill>
+                  <a:srgbClr val="CE9178"/>
+                </a:solidFill>
                 <a:latin typeface="Menlo" panose="020B0609030804020204" pitchFamily="49" charset="0"/>
               </a:rPr>
               <a:t>service</a:t>
             </a:r>
             <a:r>
-              <a:rPr lang="de-AT" sz="1800" b="0" dirty="0">
-                <a:solidFill>
-                  <a:srgbClr val="CCCCCC"/>
-                </a:solidFill>
-                <a:effectLst/>
+              <a:rPr lang="de-AT" sz="1800" dirty="0">
+                <a:solidFill>
+                  <a:schemeClr val="tx1">
+                    <a:lumMod val="65000"/>
+                    <a:lumOff val="35000"/>
+                  </a:schemeClr>
+                </a:solidFill>
                 <a:latin typeface="Menlo" panose="020B0609030804020204" pitchFamily="49" charset="0"/>
               </a:rPr>
               <a:t>(</a:t>
@@ -6285,7 +7253,10 @@
             <a:r>
               <a:rPr lang="de-AT" sz="1800" b="0" dirty="0">
                 <a:solidFill>
-                  <a:srgbClr val="D4D4D4"/>
+                  <a:schemeClr val="tx1">
+                    <a:lumMod val="65000"/>
+                    <a:lumOff val="35000"/>
+                  </a:schemeClr>
                 </a:solidFill>
                 <a:effectLst/>
                 <a:latin typeface="Menlo" panose="020B0609030804020204" pitchFamily="49" charset="0"/>
@@ -6303,34 +7274,89 @@
               <a:t>Files</a:t>
             </a:r>
             <a:r>
+              <a:rPr lang="de-AT" sz="1800" dirty="0">
+                <a:solidFill>
+                  <a:schemeClr val="tx1">
+                    <a:lumMod val="65000"/>
+                    <a:lumOff val="35000"/>
+                  </a:schemeClr>
+                </a:solidFill>
+                <a:latin typeface="Menlo" panose="020B0609030804020204" pitchFamily="49" charset="0"/>
+              </a:rPr>
+              <a:t>::</a:t>
+            </a:r>
+            <a:r>
+              <a:rPr lang="de-AT" sz="1800" dirty="0" err="1">
+                <a:solidFill>
+                  <a:srgbClr val="CE9178"/>
+                </a:solidFill>
+                <a:latin typeface="Menlo" panose="020B0609030804020204" pitchFamily="49" charset="0"/>
+              </a:rPr>
+              <a:t>new</a:t>
+            </a:r>
+            <a:r>
+              <a:rPr lang="de-AT" sz="1800" dirty="0">
+                <a:solidFill>
+                  <a:schemeClr val="tx1">
+                    <a:lumMod val="65000"/>
+                    <a:lumOff val="35000"/>
+                  </a:schemeClr>
+                </a:solidFill>
+                <a:latin typeface="Menlo" panose="020B0609030804020204" pitchFamily="49" charset="0"/>
+              </a:rPr>
+              <a:t>(</a:t>
+            </a:r>
+            <a:r>
               <a:rPr lang="de-AT" sz="1800" b="0" dirty="0">
                 <a:solidFill>
-                  <a:srgbClr val="D4D4D4"/>
-                </a:solidFill>
-                <a:effectLst/>
-                <a:latin typeface="Menlo" panose="020B0609030804020204" pitchFamily="49" charset="0"/>
-              </a:rPr>
-              <a:t>::</a:t>
+                  <a:srgbClr val="CE9178"/>
+                </a:solidFill>
+                <a:effectLst/>
+                <a:latin typeface="Menlo" panose="020B0609030804020204" pitchFamily="49" charset="0"/>
+              </a:rPr>
+              <a:t>"/</a:t>
             </a:r>
             <a:r>
               <a:rPr lang="de-AT" sz="1800" b="0" dirty="0" err="1">
                 <a:solidFill>
-                  <a:srgbClr val="DCDCAA"/>
-                </a:solidFill>
-                <a:effectLst/>
-                <a:latin typeface="Menlo" panose="020B0609030804020204" pitchFamily="49" charset="0"/>
-              </a:rPr>
-              <a:t>new</a:t>
+                  <a:srgbClr val="CE9178"/>
+                </a:solidFill>
+                <a:effectLst/>
+                <a:latin typeface="Menlo" panose="020B0609030804020204" pitchFamily="49" charset="0"/>
+              </a:rPr>
+              <a:t>static</a:t>
             </a:r>
             <a:r>
               <a:rPr lang="de-AT" sz="1800" b="0" dirty="0">
                 <a:solidFill>
+                  <a:srgbClr val="CE9178"/>
+                </a:solidFill>
+                <a:effectLst/>
+                <a:latin typeface="Menlo" panose="020B0609030804020204" pitchFamily="49" charset="0"/>
+              </a:rPr>
+              <a:t>"</a:t>
+            </a:r>
+            <a:r>
+              <a:rPr lang="de-AT" sz="1800" dirty="0">
+                <a:solidFill>
+                  <a:schemeClr val="tx1">
+                    <a:lumMod val="65000"/>
+                    <a:lumOff val="35000"/>
+                  </a:schemeClr>
+                </a:solidFill>
+                <a:latin typeface="Menlo" panose="020B0609030804020204" pitchFamily="49" charset="0"/>
+              </a:rPr>
+              <a:t>,</a:t>
+            </a:r>
+            <a:r>
+              <a:rPr lang="de-AT" sz="1800" b="0" dirty="0">
+                <a:solidFill>
                   <a:srgbClr val="CCCCCC"/>
                 </a:solidFill>
                 <a:effectLst/>
                 <a:latin typeface="Menlo" panose="020B0609030804020204" pitchFamily="49" charset="0"/>
               </a:rPr>
-              <a:t>(</a:t>
+              <a:t> </a:t>
             </a:r>
             <a:r>
               <a:rPr lang="de-AT" sz="1800" b="0" dirty="0">
@@ -6340,7 +7366,7 @@
                 <a:effectLst/>
                 <a:latin typeface="Menlo" panose="020B0609030804020204" pitchFamily="49" charset="0"/>
               </a:rPr>
-              <a:t>"/</a:t>
+              <a:t>"./</a:t>
             </a:r>
             <a:r>
               <a:rPr lang="de-AT" sz="1800" b="0" dirty="0" err="1">
@@ -6363,81 +7389,34 @@
               <a:t>"</a:t>
             </a:r>
             <a:r>
-              <a:rPr lang="de-AT" sz="1800" b="0" dirty="0">
-                <a:solidFill>
-                  <a:srgbClr val="CCCCCC"/>
-                </a:solidFill>
-                <a:effectLst/>
-                <a:latin typeface="Menlo" panose="020B0609030804020204" pitchFamily="49" charset="0"/>
-              </a:rPr>
-              <a:t>, </a:t>
-            </a:r>
-            <a:r>
-              <a:rPr lang="de-AT" sz="1800" b="0" dirty="0">
+              <a:rPr lang="de-AT" sz="1800" dirty="0">
+                <a:solidFill>
+                  <a:schemeClr val="tx1">
+                    <a:lumMod val="65000"/>
+                    <a:lumOff val="35000"/>
+                  </a:schemeClr>
+                </a:solidFill>
+                <a:latin typeface="Menlo" panose="020B0609030804020204" pitchFamily="49" charset="0"/>
+              </a:rPr>
+              <a:t>).</a:t>
+            </a:r>
+            <a:r>
+              <a:rPr lang="de-AT" sz="1800" dirty="0" err="1">
                 <a:solidFill>
                   <a:srgbClr val="CE9178"/>
                 </a:solidFill>
-                <a:effectLst/>
-                <a:latin typeface="Menlo" panose="020B0609030804020204" pitchFamily="49" charset="0"/>
-              </a:rPr>
-              <a:t>"./</a:t>
-            </a:r>
-            <a:r>
-              <a:rPr lang="de-AT" sz="1800" b="0" dirty="0" err="1">
-                <a:solidFill>
-                  <a:srgbClr val="CE9178"/>
-                </a:solidFill>
-                <a:effectLst/>
-                <a:latin typeface="Menlo" panose="020B0609030804020204" pitchFamily="49" charset="0"/>
-              </a:rPr>
-              <a:t>static</a:t>
-            </a:r>
-            <a:r>
-              <a:rPr lang="de-AT" sz="1800" b="0" dirty="0">
-                <a:solidFill>
-                  <a:srgbClr val="CE9178"/>
-                </a:solidFill>
-                <a:effectLst/>
-                <a:latin typeface="Menlo" panose="020B0609030804020204" pitchFamily="49" charset="0"/>
-              </a:rPr>
-              <a:t>"</a:t>
-            </a:r>
-            <a:r>
-              <a:rPr lang="de-AT" sz="1800" b="0" dirty="0">
-                <a:solidFill>
-                  <a:srgbClr val="CCCCCC"/>
-                </a:solidFill>
-                <a:effectLst/>
-                <a:latin typeface="Menlo" panose="020B0609030804020204" pitchFamily="49" charset="0"/>
-              </a:rPr>
-              <a:t>)</a:t>
-            </a:r>
-            <a:r>
-              <a:rPr lang="de-AT" sz="1800" b="0" dirty="0">
-                <a:solidFill>
-                  <a:srgbClr val="D4D4D4"/>
-                </a:solidFill>
-                <a:effectLst/>
-                <a:latin typeface="Menlo" panose="020B0609030804020204" pitchFamily="49" charset="0"/>
-              </a:rPr>
-              <a:t>.</a:t>
-            </a:r>
-            <a:r>
-              <a:rPr lang="de-AT" sz="1800" b="0" dirty="0" err="1">
-                <a:solidFill>
-                  <a:srgbClr val="DCDCAA"/>
-                </a:solidFill>
-                <a:effectLst/>
                 <a:latin typeface="Menlo" panose="020B0609030804020204" pitchFamily="49" charset="0"/>
               </a:rPr>
               <a:t>show_files_listing</a:t>
             </a:r>
             <a:r>
-              <a:rPr lang="de-AT" sz="1800" b="0" dirty="0">
-                <a:solidFill>
-                  <a:srgbClr val="CCCCCC"/>
-                </a:solidFill>
-                <a:effectLst/>
+              <a:rPr lang="de-AT" sz="1800" dirty="0">
+                <a:solidFill>
+                  <a:schemeClr val="tx1">
+                    <a:lumMod val="65000"/>
+                    <a:lumOff val="35000"/>
+                  </a:schemeClr>
+                </a:solidFill>
                 <a:latin typeface="Menlo" panose="020B0609030804020204" pitchFamily="49" charset="0"/>
               </a:rPr>
               <a:t>()</a:t>
@@ -6448,11 +7427,13 @@
               <a:buNone/>
             </a:pPr>
             <a:r>
-              <a:rPr lang="de-AT" sz="1800" b="0" dirty="0">
-                <a:solidFill>
-                  <a:srgbClr val="CCCCCC"/>
-                </a:solidFill>
-                <a:effectLst/>
+              <a:rPr lang="de-AT" sz="1800" dirty="0">
+                <a:solidFill>
+                  <a:schemeClr val="tx1">
+                    <a:lumMod val="65000"/>
+                    <a:lumOff val="35000"/>
+                  </a:schemeClr>
+                </a:solidFill>
                 <a:latin typeface="Menlo" panose="020B0609030804020204" pitchFamily="49" charset="0"/>
               </a:rPr>
               <a:t>)</a:t>
@@ -6476,6 +7457,320 @@
   <p:clrMapOvr>
     <a:masterClrMapping/>
   </p:clrMapOvr>
+  <p:timing>
+    <p:tnLst>
+      <p:par>
+        <p:cTn id="1" dur="indefinite" restart="never" nodeType="tmRoot">
+          <p:childTnLst>
+            <p:seq concurrent="1" nextAc="seek">
+              <p:cTn id="2" dur="indefinite" nodeType="mainSeq">
+                <p:childTnLst>
+                  <p:par>
+                    <p:cTn id="3" fill="hold">
+                      <p:stCondLst>
+                        <p:cond delay="indefinite"/>
+                      </p:stCondLst>
+                      <p:childTnLst>
+                        <p:par>
+                          <p:cTn id="4" fill="hold">
+                            <p:stCondLst>
+                              <p:cond delay="0"/>
+                            </p:stCondLst>
+                            <p:childTnLst>
+                              <p:par>
+                                <p:cTn id="5" presetID="1" presetClass="entr" presetSubtype="0" fill="hold" nodeType="clickEffect">
+                                  <p:stCondLst>
+                                    <p:cond delay="0"/>
+                                  </p:stCondLst>
+                                  <p:childTnLst>
+                                    <p:set>
+                                      <p:cBhvr>
+                                        <p:cTn id="6" dur="1" fill="hold">
+                                          <p:stCondLst>
+                                            <p:cond delay="0"/>
+                                          </p:stCondLst>
+                                        </p:cTn>
+                                        <p:tgtEl>
+                                          <p:spTgt spid="3">
+                                            <p:txEl>
+                                              <p:pRg st="1" end="1"/>
+                                            </p:txEl>
+                                          </p:spTgt>
+                                        </p:tgtEl>
+                                        <p:attrNameLst>
+                                          <p:attrName>style.visibility</p:attrName>
+                                        </p:attrNameLst>
+                                      </p:cBhvr>
+                                      <p:to>
+                                        <p:strVal val="visible"/>
+                                      </p:to>
+                                    </p:set>
+                                  </p:childTnLst>
+                                </p:cTn>
+                              </p:par>
+                              <p:par>
+                                <p:cTn id="7" presetID="1" presetClass="entr" presetSubtype="0" fill="hold" nodeType="withEffect">
+                                  <p:stCondLst>
+                                    <p:cond delay="0"/>
+                                  </p:stCondLst>
+                                  <p:childTnLst>
+                                    <p:set>
+                                      <p:cBhvr>
+                                        <p:cTn id="8" dur="1" fill="hold">
+                                          <p:stCondLst>
+                                            <p:cond delay="0"/>
+                                          </p:stCondLst>
+                                        </p:cTn>
+                                        <p:tgtEl>
+                                          <p:spTgt spid="3">
+                                            <p:txEl>
+                                              <p:pRg st="3" end="3"/>
+                                            </p:txEl>
+                                          </p:spTgt>
+                                        </p:tgtEl>
+                                        <p:attrNameLst>
+                                          <p:attrName>style.visibility</p:attrName>
+                                        </p:attrNameLst>
+                                      </p:cBhvr>
+                                      <p:to>
+                                        <p:strVal val="visible"/>
+                                      </p:to>
+                                    </p:set>
+                                  </p:childTnLst>
+                                </p:cTn>
+                              </p:par>
+                              <p:par>
+                                <p:cTn id="9" presetID="1" presetClass="entr" presetSubtype="0" fill="hold" nodeType="withEffect">
+                                  <p:stCondLst>
+                                    <p:cond delay="0"/>
+                                  </p:stCondLst>
+                                  <p:childTnLst>
+                                    <p:set>
+                                      <p:cBhvr>
+                                        <p:cTn id="10" dur="1" fill="hold">
+                                          <p:stCondLst>
+                                            <p:cond delay="0"/>
+                                          </p:stCondLst>
+                                        </p:cTn>
+                                        <p:tgtEl>
+                                          <p:spTgt spid="3">
+                                            <p:txEl>
+                                              <p:pRg st="4" end="4"/>
+                                            </p:txEl>
+                                          </p:spTgt>
+                                        </p:tgtEl>
+                                        <p:attrNameLst>
+                                          <p:attrName>style.visibility</p:attrName>
+                                        </p:attrNameLst>
+                                      </p:cBhvr>
+                                      <p:to>
+                                        <p:strVal val="visible"/>
+                                      </p:to>
+                                    </p:set>
+                                  </p:childTnLst>
+                                </p:cTn>
+                              </p:par>
+                              <p:par>
+                                <p:cTn id="11" presetID="1" presetClass="entr" presetSubtype="0" fill="hold" nodeType="withEffect">
+                                  <p:stCondLst>
+                                    <p:cond delay="0"/>
+                                  </p:stCondLst>
+                                  <p:childTnLst>
+                                    <p:set>
+                                      <p:cBhvr>
+                                        <p:cTn id="12" dur="1" fill="hold">
+                                          <p:stCondLst>
+                                            <p:cond delay="0"/>
+                                          </p:stCondLst>
+                                        </p:cTn>
+                                        <p:tgtEl>
+                                          <p:spTgt spid="3">
+                                            <p:txEl>
+                                              <p:pRg st="5" end="5"/>
+                                            </p:txEl>
+                                          </p:spTgt>
+                                        </p:tgtEl>
+                                        <p:attrNameLst>
+                                          <p:attrName>style.visibility</p:attrName>
+                                        </p:attrNameLst>
+                                      </p:cBhvr>
+                                      <p:to>
+                                        <p:strVal val="visible"/>
+                                      </p:to>
+                                    </p:set>
+                                  </p:childTnLst>
+                                </p:cTn>
+                              </p:par>
+                            </p:childTnLst>
+                          </p:cTn>
+                        </p:par>
+                      </p:childTnLst>
+                    </p:cTn>
+                  </p:par>
+                  <p:par>
+                    <p:cTn id="13" fill="hold">
+                      <p:stCondLst>
+                        <p:cond delay="indefinite"/>
+                      </p:stCondLst>
+                      <p:childTnLst>
+                        <p:par>
+                          <p:cTn id="14" fill="hold">
+                            <p:stCondLst>
+                              <p:cond delay="0"/>
+                            </p:stCondLst>
+                            <p:childTnLst>
+                              <p:par>
+                                <p:cTn id="15" presetID="1" presetClass="entr" presetSubtype="0" fill="hold" nodeType="clickEffect">
+                                  <p:stCondLst>
+                                    <p:cond delay="0"/>
+                                  </p:stCondLst>
+                                  <p:childTnLst>
+                                    <p:set>
+                                      <p:cBhvr>
+                                        <p:cTn id="16" dur="1" fill="hold">
+                                          <p:stCondLst>
+                                            <p:cond delay="0"/>
+                                          </p:stCondLst>
+                                        </p:cTn>
+                                        <p:tgtEl>
+                                          <p:spTgt spid="3">
+                                            <p:txEl>
+                                              <p:pRg st="7" end="7"/>
+                                            </p:txEl>
+                                          </p:spTgt>
+                                        </p:tgtEl>
+                                        <p:attrNameLst>
+                                          <p:attrName>style.visibility</p:attrName>
+                                        </p:attrNameLst>
+                                      </p:cBhvr>
+                                      <p:to>
+                                        <p:strVal val="visible"/>
+                                      </p:to>
+                                    </p:set>
+                                  </p:childTnLst>
+                                </p:cTn>
+                              </p:par>
+                              <p:par>
+                                <p:cTn id="17" presetID="1" presetClass="entr" presetSubtype="0" fill="hold" nodeType="withEffect">
+                                  <p:stCondLst>
+                                    <p:cond delay="0"/>
+                                  </p:stCondLst>
+                                  <p:childTnLst>
+                                    <p:set>
+                                      <p:cBhvr>
+                                        <p:cTn id="18" dur="1" fill="hold">
+                                          <p:stCondLst>
+                                            <p:cond delay="0"/>
+                                          </p:stCondLst>
+                                        </p:cTn>
+                                        <p:tgtEl>
+                                          <p:spTgt spid="3">
+                                            <p:txEl>
+                                              <p:pRg st="9" end="9"/>
+                                            </p:txEl>
+                                          </p:spTgt>
+                                        </p:tgtEl>
+                                        <p:attrNameLst>
+                                          <p:attrName>style.visibility</p:attrName>
+                                        </p:attrNameLst>
+                                      </p:cBhvr>
+                                      <p:to>
+                                        <p:strVal val="visible"/>
+                                      </p:to>
+                                    </p:set>
+                                  </p:childTnLst>
+                                </p:cTn>
+                              </p:par>
+                              <p:par>
+                                <p:cTn id="19" presetID="1" presetClass="entr" presetSubtype="0" fill="hold" nodeType="withEffect">
+                                  <p:stCondLst>
+                                    <p:cond delay="0"/>
+                                  </p:stCondLst>
+                                  <p:childTnLst>
+                                    <p:set>
+                                      <p:cBhvr>
+                                        <p:cTn id="20" dur="1" fill="hold">
+                                          <p:stCondLst>
+                                            <p:cond delay="0"/>
+                                          </p:stCondLst>
+                                        </p:cTn>
+                                        <p:tgtEl>
+                                          <p:spTgt spid="3">
+                                            <p:txEl>
+                                              <p:pRg st="10" end="10"/>
+                                            </p:txEl>
+                                          </p:spTgt>
+                                        </p:tgtEl>
+                                        <p:attrNameLst>
+                                          <p:attrName>style.visibility</p:attrName>
+                                        </p:attrNameLst>
+                                      </p:cBhvr>
+                                      <p:to>
+                                        <p:strVal val="visible"/>
+                                      </p:to>
+                                    </p:set>
+                                  </p:childTnLst>
+                                </p:cTn>
+                              </p:par>
+                              <p:par>
+                                <p:cTn id="21" presetID="1" presetClass="entr" presetSubtype="0" fill="hold" nodeType="withEffect">
+                                  <p:stCondLst>
+                                    <p:cond delay="0"/>
+                                  </p:stCondLst>
+                                  <p:childTnLst>
+                                    <p:set>
+                                      <p:cBhvr>
+                                        <p:cTn id="22" dur="1" fill="hold">
+                                          <p:stCondLst>
+                                            <p:cond delay="0"/>
+                                          </p:stCondLst>
+                                        </p:cTn>
+                                        <p:tgtEl>
+                                          <p:spTgt spid="3">
+                                            <p:txEl>
+                                              <p:pRg st="11" end="11"/>
+                                            </p:txEl>
+                                          </p:spTgt>
+                                        </p:tgtEl>
+                                        <p:attrNameLst>
+                                          <p:attrName>style.visibility</p:attrName>
+                                        </p:attrNameLst>
+                                      </p:cBhvr>
+                                      <p:to>
+                                        <p:strVal val="visible"/>
+                                      </p:to>
+                                    </p:set>
+                                  </p:childTnLst>
+                                </p:cTn>
+                              </p:par>
+                            </p:childTnLst>
+                          </p:cTn>
+                        </p:par>
+                      </p:childTnLst>
+                    </p:cTn>
+                  </p:par>
+                </p:childTnLst>
+              </p:cTn>
+              <p:prevCondLst>
+                <p:cond evt="onPrev" delay="0">
+                  <p:tgtEl>
+                    <p:sldTgt/>
+                  </p:tgtEl>
+                </p:cond>
+              </p:prevCondLst>
+              <p:nextCondLst>
+                <p:cond evt="onNext" delay="0">
+                  <p:tgtEl>
+                    <p:sldTgt/>
+                  </p:tgtEl>
+                </p:cond>
+              </p:nextCondLst>
+            </p:seq>
+          </p:childTnLst>
+        </p:cTn>
+      </p:par>
+    </p:tnLst>
+  </p:timing>
 </p:sld>
 </file>
 
@@ -6836,7 +8131,7 @@
             <a:r>
               <a:rPr lang="de-DE" dirty="0">
                 <a:solidFill>
-                  <a:schemeClr val="bg2">
+                  <a:schemeClr val="accent2">
                     <a:lumMod val="75000"/>
                   </a:schemeClr>
                 </a:solidFill>
@@ -6846,7 +8141,7 @@
             <a:r>
               <a:rPr lang="de-DE" dirty="0" err="1">
                 <a:solidFill>
-                  <a:schemeClr val="bg2">
+                  <a:schemeClr val="accent2">
                     <a:lumMod val="75000"/>
                   </a:schemeClr>
                 </a:solidFill>
@@ -6856,7 +8151,7 @@
             <a:r>
               <a:rPr lang="de-DE" dirty="0">
                 <a:solidFill>
-                  <a:schemeClr val="bg2">
+                  <a:schemeClr val="accent2">
                     <a:lumMod val="75000"/>
                   </a:schemeClr>
                 </a:solidFill>
@@ -6871,7 +8166,7 @@
             <a:r>
               <a:rPr lang="de-DE" dirty="0" err="1">
                 <a:solidFill>
-                  <a:schemeClr val="bg2">
+                  <a:schemeClr val="accent2">
                     <a:lumMod val="75000"/>
                   </a:schemeClr>
                 </a:solidFill>
@@ -6881,7 +8176,7 @@
             <a:r>
               <a:rPr lang="de-DE" dirty="0">
                 <a:solidFill>
-                  <a:schemeClr val="bg2">
+                  <a:schemeClr val="accent2">
                     <a:lumMod val="75000"/>
                   </a:schemeClr>
                 </a:solidFill>
@@ -6891,7 +8186,7 @@
             <a:r>
               <a:rPr lang="de-DE" dirty="0" err="1">
                 <a:solidFill>
-                  <a:schemeClr val="bg2">
+                  <a:schemeClr val="accent2">
                     <a:lumMod val="75000"/>
                   </a:schemeClr>
                 </a:solidFill>
@@ -6901,7 +8196,7 @@
             <a:r>
               <a:rPr lang="de-DE" dirty="0">
                 <a:solidFill>
-                  <a:schemeClr val="bg2">
+                  <a:schemeClr val="accent2">
                     <a:lumMod val="75000"/>
                   </a:schemeClr>
                 </a:solidFill>
@@ -6911,7 +8206,7 @@
             <a:r>
               <a:rPr lang="de-DE" dirty="0" err="1">
                 <a:solidFill>
-                  <a:schemeClr val="bg2">
+                  <a:schemeClr val="accent2">
                     <a:lumMod val="75000"/>
                   </a:schemeClr>
                 </a:solidFill>
@@ -6921,7 +8216,7 @@
             <a:r>
               <a:rPr lang="de-DE" dirty="0">
                 <a:solidFill>
-                  <a:schemeClr val="bg2">
+                  <a:schemeClr val="accent2">
                     <a:lumMod val="75000"/>
                   </a:schemeClr>
                 </a:solidFill>
@@ -6931,7 +8226,7 @@
             <a:r>
               <a:rPr lang="de-DE" dirty="0" err="1">
                 <a:solidFill>
-                  <a:schemeClr val="bg2">
+                  <a:schemeClr val="accent2">
                     <a:lumMod val="75000"/>
                   </a:schemeClr>
                 </a:solidFill>
@@ -6941,7 +8236,7 @@
             <a:r>
               <a:rPr lang="de-DE" dirty="0">
                 <a:solidFill>
-                  <a:schemeClr val="bg2">
+                  <a:schemeClr val="accent2">
                     <a:lumMod val="75000"/>
                   </a:schemeClr>
                 </a:solidFill>
@@ -7104,49 +8399,21 @@
               <a:buNone/>
             </a:pPr>
             <a:r>
+              <a:rPr lang="de-AT" sz="2400" dirty="0">
+                <a:solidFill>
+                  <a:srgbClr val="CE9178"/>
+                </a:solidFill>
+                <a:latin typeface="Menlo" panose="020B0609030804020204" pitchFamily="49" charset="0"/>
+              </a:rPr>
+              <a:t>URI-Path </a:t>
+            </a:r>
+            <a:r>
               <a:rPr lang="de-AT" sz="2400" b="0" dirty="0">
                 <a:solidFill>
-                  <a:srgbClr val="CCCCCC"/>
-                </a:solidFill>
-                <a:effectLst/>
-                <a:latin typeface="Menlo" panose="020B0609030804020204" pitchFamily="49" charset="0"/>
-              </a:rPr>
-              <a:t>URI</a:t>
-            </a:r>
-            <a:r>
-              <a:rPr lang="de-AT" sz="2400" b="0" dirty="0">
-                <a:solidFill>
-                  <a:srgbClr val="D4D4D4"/>
-                </a:solidFill>
-                <a:effectLst/>
-                <a:latin typeface="Menlo" panose="020B0609030804020204" pitchFamily="49" charset="0"/>
-              </a:rPr>
-              <a:t>-</a:t>
-            </a:r>
-            <a:r>
-              <a:rPr lang="de-AT" sz="2400" b="0" dirty="0">
-                <a:solidFill>
-                  <a:srgbClr val="4EC9B0"/>
-                </a:solidFill>
-                <a:effectLst/>
-                <a:latin typeface="Menlo" panose="020B0609030804020204" pitchFamily="49" charset="0"/>
-              </a:rPr>
-              <a:t>Path</a:t>
-            </a:r>
-            <a:r>
-              <a:rPr lang="de-AT" sz="2400" b="0" dirty="0">
-                <a:solidFill>
-                  <a:srgbClr val="CCCCCC"/>
-                </a:solidFill>
-                <a:effectLst/>
-                <a:latin typeface="Menlo" panose="020B0609030804020204" pitchFamily="49" charset="0"/>
-              </a:rPr>
-              <a:t> </a:t>
-            </a:r>
-            <a:r>
-              <a:rPr lang="de-AT" sz="2400" b="0" dirty="0">
-                <a:solidFill>
-                  <a:srgbClr val="D4D4D4"/>
+                  <a:schemeClr val="tx1">
+                    <a:lumMod val="65000"/>
+                    <a:lumOff val="35000"/>
+                  </a:schemeClr>
                 </a:solidFill>
                 <a:effectLst/>
                 <a:latin typeface="Menlo" panose="020B0609030804020204" pitchFamily="49" charset="0"/>
@@ -7226,18 +8493,20 @@
               <a:t> </a:t>
             </a:r>
             <a:r>
+              <a:rPr lang="de-AT" sz="2400" dirty="0">
+                <a:solidFill>
+                  <a:schemeClr val="tx1">
+                    <a:lumMod val="65000"/>
+                    <a:lumOff val="35000"/>
+                  </a:schemeClr>
+                </a:solidFill>
+                <a:latin typeface="Menlo" panose="020B0609030804020204" pitchFamily="49" charset="0"/>
+              </a:rPr>
+              <a:t>-&gt;</a:t>
+            </a:r>
+            <a:r>
               <a:rPr lang="de-AT" sz="2400" b="0" dirty="0">
                 <a:solidFill>
-                  <a:srgbClr val="D4D4D4"/>
-                </a:solidFill>
-                <a:effectLst/>
-                <a:latin typeface="Menlo" panose="020B0609030804020204" pitchFamily="49" charset="0"/>
-              </a:rPr>
-              <a:t>-&gt;</a:t>
-            </a:r>
-            <a:r>
-              <a:rPr lang="de-AT" sz="2400" b="0" dirty="0">
-                <a:solidFill>
                   <a:srgbClr val="CCCCCC"/>
                 </a:solidFill>
                 <a:effectLst/>
@@ -7256,11 +8525,13 @@
               <a:t>fn</a:t>
             </a:r>
             <a:r>
-              <a:rPr lang="de-AT" sz="2400" b="0" dirty="0">
-                <a:solidFill>
-                  <a:srgbClr val="CCCCCC"/>
-                </a:solidFill>
-                <a:effectLst/>
+              <a:rPr lang="de-AT" sz="2400" dirty="0">
+                <a:solidFill>
+                  <a:schemeClr val="tx1">
+                    <a:lumMod val="65000"/>
+                    <a:lumOff val="35000"/>
+                  </a:schemeClr>
+                </a:solidFill>
                 <a:latin typeface="Menlo" panose="020B0609030804020204" pitchFamily="49" charset="0"/>
               </a:rPr>
               <a:t>()</a:t>
@@ -7311,18 +8582,20 @@
               <a:t> </a:t>
             </a:r>
             <a:r>
+              <a:rPr lang="de-AT" sz="2400" dirty="0">
+                <a:solidFill>
+                  <a:schemeClr val="tx1">
+                    <a:lumMod val="65000"/>
+                    <a:lumOff val="35000"/>
+                  </a:schemeClr>
+                </a:solidFill>
+                <a:latin typeface="Menlo" panose="020B0609030804020204" pitchFamily="49" charset="0"/>
+              </a:rPr>
+              <a:t>-&gt;</a:t>
+            </a:r>
+            <a:r>
               <a:rPr lang="de-AT" sz="2400" b="0" dirty="0">
                 <a:solidFill>
-                  <a:srgbClr val="D4D4D4"/>
-                </a:solidFill>
-                <a:effectLst/>
-                <a:latin typeface="Menlo" panose="020B0609030804020204" pitchFamily="49" charset="0"/>
-              </a:rPr>
-              <a:t>-&gt;</a:t>
-            </a:r>
-            <a:r>
-              <a:rPr lang="de-AT" sz="2400" b="0" dirty="0">
-                <a:solidFill>
                   <a:srgbClr val="CCCCCC"/>
                 </a:solidFill>
                 <a:effectLst/>
@@ -7341,11 +8614,13 @@
               <a:t>fn</a:t>
             </a:r>
             <a:r>
-              <a:rPr lang="de-AT" sz="2400" b="0" dirty="0">
-                <a:solidFill>
-                  <a:srgbClr val="CCCCCC"/>
-                </a:solidFill>
-                <a:effectLst/>
+              <a:rPr lang="de-AT" sz="2400" dirty="0">
+                <a:solidFill>
+                  <a:schemeClr val="tx1">
+                    <a:lumMod val="65000"/>
+                    <a:lumOff val="35000"/>
+                  </a:schemeClr>
+                </a:solidFill>
                 <a:latin typeface="Menlo" panose="020B0609030804020204" pitchFamily="49" charset="0"/>
               </a:rPr>
               <a:t>()</a:t>
@@ -7577,7 +8852,7 @@
         <p:spPr/>
         <p:txBody>
           <a:bodyPr>
-            <a:normAutofit fontScale="77500" lnSpcReduction="20000"/>
+            <a:normAutofit fontScale="70000" lnSpcReduction="20000"/>
           </a:bodyPr>
           <a:lstStyle/>
           <a:p>
@@ -7625,14 +8900,48 @@
               <a:t> </a:t>
             </a:r>
             <a:r>
+              <a:rPr lang="de-AT" sz="2300" dirty="0" err="1">
+                <a:solidFill>
+                  <a:srgbClr val="CE9178"/>
+                </a:solidFill>
+                <a:latin typeface="Menlo" panose="020B0609030804020204" pitchFamily="49" charset="0"/>
+              </a:rPr>
+              <a:t>main</a:t>
+            </a:r>
+            <a:r>
+              <a:rPr lang="de-AT" b="0" dirty="0">
+                <a:solidFill>
+                  <a:schemeClr val="tx1">
+                    <a:lumMod val="65000"/>
+                    <a:lumOff val="35000"/>
+                  </a:schemeClr>
+                </a:solidFill>
+                <a:effectLst/>
+                <a:latin typeface="Consolas" panose="020B0609020204030204" pitchFamily="49" charset="0"/>
+              </a:rPr>
+              <a:t>() -&gt; </a:t>
+            </a:r>
+            <a:r>
               <a:rPr lang="de-AT" b="0" dirty="0" err="1">
                 <a:solidFill>
-                  <a:srgbClr val="DCDCAA"/>
+                  <a:srgbClr val="4EC9B0"/>
                 </a:solidFill>
                 <a:effectLst/>
                 <a:latin typeface="Consolas" panose="020B0609020204030204" pitchFamily="49" charset="0"/>
               </a:rPr>
-              <a:t>main</a:t>
+              <a:t>Result</a:t>
+            </a:r>
+            <a:r>
+              <a:rPr lang="de-AT" sz="2900" dirty="0">
+                <a:solidFill>
+                  <a:schemeClr val="tx1">
+                    <a:lumMod val="65000"/>
+                    <a:lumOff val="35000"/>
+                  </a:schemeClr>
+                </a:solidFill>
+                <a:latin typeface="Consolas" panose="020B0609020204030204" pitchFamily="49" charset="0"/>
+              </a:rPr>
+              <a:t>&lt;(),</a:t>
             </a:r>
             <a:r>
               <a:rPr lang="de-AT" b="0" dirty="0">
@@ -7642,44 +8951,26 @@
                 <a:effectLst/>
                 <a:latin typeface="Consolas" panose="020B0609020204030204" pitchFamily="49" charset="0"/>
               </a:rPr>
-              <a:t>() -&gt; </a:t>
-            </a:r>
-            <a:r>
-              <a:rPr lang="de-AT" b="0" dirty="0" err="1">
+              <a:t> </a:t>
+            </a:r>
+            <a:r>
+              <a:rPr lang="de-AT" b="0" dirty="0">
                 <a:solidFill>
                   <a:srgbClr val="4EC9B0"/>
                 </a:solidFill>
                 <a:effectLst/>
                 <a:latin typeface="Consolas" panose="020B0609020204030204" pitchFamily="49" charset="0"/>
               </a:rPr>
-              <a:t>Result</a:t>
-            </a:r>
-            <a:r>
-              <a:rPr lang="de-AT" b="0" dirty="0">
-                <a:solidFill>
-                  <a:srgbClr val="D4D4D4"/>
-                </a:solidFill>
-                <a:effectLst/>
-                <a:latin typeface="Consolas" panose="020B0609020204030204" pitchFamily="49" charset="0"/>
-              </a:rPr>
-              <a:t>&lt;(), </a:t>
-            </a:r>
-            <a:r>
-              <a:rPr lang="de-AT" b="0" dirty="0">
-                <a:solidFill>
-                  <a:srgbClr val="4EC9B0"/>
-                </a:solidFill>
-                <a:effectLst/>
-                <a:latin typeface="Consolas" panose="020B0609020204030204" pitchFamily="49" charset="0"/>
-              </a:rPr>
               <a:t>Error</a:t>
             </a:r>
             <a:r>
-              <a:rPr lang="de-AT" b="0" dirty="0">
-                <a:solidFill>
-                  <a:srgbClr val="D4D4D4"/>
-                </a:solidFill>
-                <a:effectLst/>
+              <a:rPr lang="de-AT" sz="2900" dirty="0">
+                <a:solidFill>
+                  <a:schemeClr val="tx1">
+                    <a:lumMod val="65000"/>
+                    <a:lumOff val="35000"/>
+                  </a:schemeClr>
+                </a:solidFill>
                 <a:latin typeface="Consolas" panose="020B0609020204030204" pitchFamily="49" charset="0"/>
               </a:rPr>
               <a:t>&gt; {</a:t>
@@ -7731,31 +9022,34 @@
               <a:t>HttpServer</a:t>
             </a:r>
             <a:r>
-              <a:rPr lang="de-AT" b="0" dirty="0">
-                <a:solidFill>
-                  <a:srgbClr val="D4D4D4"/>
-                </a:solidFill>
-                <a:effectLst/>
+              <a:rPr lang="de-AT" sz="2900" dirty="0">
+                <a:solidFill>
+                  <a:schemeClr val="tx1">
+                    <a:lumMod val="65000"/>
+                    <a:lumOff val="35000"/>
+                  </a:schemeClr>
+                </a:solidFill>
                 <a:latin typeface="Consolas" panose="020B0609020204030204" pitchFamily="49" charset="0"/>
               </a:rPr>
               <a:t>::</a:t>
             </a:r>
             <a:r>
-              <a:rPr lang="de-AT" b="0" dirty="0" err="1">
-                <a:solidFill>
-                  <a:srgbClr val="DCDCAA"/>
-                </a:solidFill>
-                <a:effectLst/>
-                <a:latin typeface="Consolas" panose="020B0609020204030204" pitchFamily="49" charset="0"/>
+              <a:rPr lang="de-AT" sz="2300" dirty="0" err="1">
+                <a:solidFill>
+                  <a:srgbClr val="CE9178"/>
+                </a:solidFill>
+                <a:latin typeface="Menlo" panose="020B0609030804020204" pitchFamily="49" charset="0"/>
               </a:rPr>
               <a:t>new</a:t>
             </a:r>
             <a:r>
-              <a:rPr lang="de-AT" b="0" dirty="0">
-                <a:solidFill>
-                  <a:srgbClr val="D4D4D4"/>
-                </a:solidFill>
-                <a:effectLst/>
+              <a:rPr lang="de-AT" sz="2900" dirty="0">
+                <a:solidFill>
+                  <a:schemeClr val="tx1">
+                    <a:lumMod val="65000"/>
+                    <a:lumOff val="35000"/>
+                  </a:schemeClr>
+                </a:solidFill>
                 <a:latin typeface="Consolas" panose="020B0609020204030204" pitchFamily="49" charset="0"/>
               </a:rPr>
               <a:t>(|| {</a:t>
@@ -7808,6 +9102,39 @@
               <a:t>App</a:t>
             </a:r>
             <a:r>
+              <a:rPr lang="de-AT" sz="2900" dirty="0">
+                <a:solidFill>
+                  <a:schemeClr val="tx1">
+                    <a:lumMod val="65000"/>
+                    <a:lumOff val="35000"/>
+                  </a:schemeClr>
+                </a:solidFill>
+                <a:latin typeface="Consolas" panose="020B0609020204030204" pitchFamily="49" charset="0"/>
+              </a:rPr>
+              <a:t>::</a:t>
+            </a:r>
+            <a:r>
+              <a:rPr lang="de-AT" sz="2300" dirty="0" err="1">
+                <a:solidFill>
+                  <a:srgbClr val="CE9178"/>
+                </a:solidFill>
+                <a:latin typeface="Menlo" panose="020B0609030804020204" pitchFamily="49" charset="0"/>
+              </a:rPr>
+              <a:t>new</a:t>
+            </a:r>
+            <a:r>
+              <a:rPr lang="de-AT" sz="2900" dirty="0">
+                <a:solidFill>
+                  <a:schemeClr val="tx1">
+                    <a:lumMod val="65000"/>
+                    <a:lumOff val="35000"/>
+                  </a:schemeClr>
+                </a:solidFill>
+                <a:latin typeface="Consolas" panose="020B0609020204030204" pitchFamily="49" charset="0"/>
+              </a:rPr>
+              <a:t>()</a:t>
+            </a:r>
+            <a:r>
               <a:rPr lang="de-AT" b="0" dirty="0">
                 <a:solidFill>
                   <a:srgbClr val="D4D4D4"/>
@@ -7815,27 +9142,47 @@
                 <a:effectLst/>
                 <a:latin typeface="Consolas" panose="020B0609020204030204" pitchFamily="49" charset="0"/>
               </a:rPr>
-              <a:t>::</a:t>
+              <a:t> </a:t>
+            </a:r>
+            <a:r>
+              <a:rPr lang="de-AT" b="0" dirty="0">
+                <a:solidFill>
+                  <a:srgbClr val="6A9955"/>
+                </a:solidFill>
+                <a:effectLst/>
+                <a:latin typeface="Consolas" panose="020B0609020204030204" pitchFamily="49" charset="0"/>
+              </a:rPr>
+              <a:t>// Register </a:t>
             </a:r>
             <a:r>
               <a:rPr lang="de-AT" b="0" dirty="0" err="1">
                 <a:solidFill>
-                  <a:srgbClr val="DCDCAA"/>
+                  <a:srgbClr val="6A9955"/>
                 </a:solidFill>
                 <a:effectLst/>
                 <a:latin typeface="Consolas" panose="020B0609020204030204" pitchFamily="49" charset="0"/>
               </a:rPr>
-              <a:t>new</a:t>
+              <a:t>your</a:t>
             </a:r>
             <a:r>
               <a:rPr lang="de-AT" b="0" dirty="0">
                 <a:solidFill>
-                  <a:srgbClr val="D4D4D4"/>
+                  <a:srgbClr val="6A9955"/>
                 </a:solidFill>
                 <a:effectLst/>
                 <a:latin typeface="Consolas" panose="020B0609020204030204" pitchFamily="49" charset="0"/>
               </a:rPr>
-              <a:t>() </a:t>
+              <a:t> </a:t>
+            </a:r>
+            <a:r>
+              <a:rPr lang="de-AT" b="0" dirty="0" err="1">
+                <a:solidFill>
+                  <a:srgbClr val="6A9955"/>
+                </a:solidFill>
+                <a:effectLst/>
+                <a:latin typeface="Consolas" panose="020B0609020204030204" pitchFamily="49" charset="0"/>
+              </a:rPr>
+              <a:t>routes</a:t>
             </a:r>
             <a:r>
               <a:rPr lang="de-AT" b="0" dirty="0">
@@ -7845,7 +9192,7 @@
                 <a:effectLst/>
                 <a:latin typeface="Consolas" panose="020B0609020204030204" pitchFamily="49" charset="0"/>
               </a:rPr>
-              <a:t>// Register </a:t>
+              <a:t> </a:t>
             </a:r>
             <a:r>
               <a:rPr lang="de-AT" b="0" dirty="0" err="1">
@@ -7855,7 +9202,7 @@
                 <a:effectLst/>
                 <a:latin typeface="Consolas" panose="020B0609020204030204" pitchFamily="49" charset="0"/>
               </a:rPr>
-              <a:t>your</a:t>
+              <a:t>here</a:t>
             </a:r>
             <a:r>
               <a:rPr lang="de-AT" b="0" dirty="0">
@@ -7865,48 +9212,13 @@
                 <a:effectLst/>
                 <a:latin typeface="Consolas" panose="020B0609020204030204" pitchFamily="49" charset="0"/>
               </a:rPr>
-              <a:t> </a:t>
-            </a:r>
-            <a:r>
-              <a:rPr lang="de-AT" b="0" dirty="0" err="1">
-                <a:solidFill>
-                  <a:srgbClr val="6A9955"/>
-                </a:solidFill>
-                <a:effectLst/>
-                <a:latin typeface="Consolas" panose="020B0609020204030204" pitchFamily="49" charset="0"/>
-              </a:rPr>
-              <a:t>routes</a:t>
-            </a:r>
-            <a:r>
-              <a:rPr lang="de-AT" b="0" dirty="0">
-                <a:solidFill>
-                  <a:srgbClr val="6A9955"/>
-                </a:solidFill>
-                <a:effectLst/>
-                <a:latin typeface="Consolas" panose="020B0609020204030204" pitchFamily="49" charset="0"/>
-              </a:rPr>
-              <a:t> </a:t>
-            </a:r>
-            <a:r>
-              <a:rPr lang="de-AT" b="0" dirty="0" err="1">
-                <a:solidFill>
-                  <a:srgbClr val="6A9955"/>
-                </a:solidFill>
-                <a:effectLst/>
-                <a:latin typeface="Consolas" panose="020B0609020204030204" pitchFamily="49" charset="0"/>
-              </a:rPr>
-              <a:t>here</a:t>
-            </a:r>
-            <a:r>
-              <a:rPr lang="de-AT" b="0" dirty="0">
-                <a:solidFill>
-                  <a:srgbClr val="6A9955"/>
-                </a:solidFill>
-                <a:effectLst/>
-                <a:latin typeface="Consolas" panose="020B0609020204030204" pitchFamily="49" charset="0"/>
-              </a:rPr>
               <a:t>!</a:t>
             </a:r>
+          </a:p>
+          <a:p>
+            <a:pPr marL="0" indent="0">
+              <a:buNone/>
+            </a:pPr>
             <a:endParaRPr lang="de-AT" b="0" dirty="0">
               <a:solidFill>
                 <a:srgbClr val="D4D4D4"/>
@@ -7940,124 +9252,151 @@
               <a:t> 	 </a:t>
             </a:r>
             <a:r>
+              <a:rPr lang="de-AT" sz="2300" dirty="0">
+                <a:solidFill>
+                  <a:srgbClr val="CE9178"/>
+                </a:solidFill>
+                <a:latin typeface="Menlo" panose="020B0609030804020204" pitchFamily="49" charset="0"/>
+              </a:rPr>
+              <a:t>.route</a:t>
+            </a:r>
+            <a:r>
+              <a:rPr lang="de-AT" sz="2900" dirty="0">
+                <a:solidFill>
+                  <a:schemeClr val="tx1">
+                    <a:lumMod val="65000"/>
+                    <a:lumOff val="35000"/>
+                  </a:schemeClr>
+                </a:solidFill>
+                <a:latin typeface="Consolas" panose="020B0609020204030204" pitchFamily="49" charset="0"/>
+              </a:rPr>
+              <a:t>(</a:t>
+            </a:r>
+            <a:r>
               <a:rPr lang="de-AT" sz="2300" b="0" dirty="0">
                 <a:solidFill>
-                  <a:srgbClr val="DCDCAA"/>
-                </a:solidFill>
-                <a:effectLst/>
-                <a:latin typeface="Menlo" panose="020B0609030804020204" pitchFamily="49" charset="0"/>
-              </a:rPr>
-              <a:t>.route</a:t>
+                  <a:srgbClr val="CE9178"/>
+                </a:solidFill>
+                <a:effectLst/>
+                <a:latin typeface="Menlo" panose="020B0609030804020204" pitchFamily="49" charset="0"/>
+              </a:rPr>
+              <a:t>"/</a:t>
+            </a:r>
+            <a:r>
+              <a:rPr lang="de-AT" sz="2300" b="0" dirty="0" err="1">
+                <a:solidFill>
+                  <a:srgbClr val="CE9178"/>
+                </a:solidFill>
+                <a:effectLst/>
+                <a:latin typeface="Menlo" panose="020B0609030804020204" pitchFamily="49" charset="0"/>
+              </a:rPr>
+              <a:t>hello</a:t>
             </a:r>
             <a:r>
               <a:rPr lang="de-AT" sz="2300" b="0" dirty="0">
                 <a:solidFill>
+                  <a:srgbClr val="CE9178"/>
+                </a:solidFill>
+                <a:effectLst/>
+                <a:latin typeface="Menlo" panose="020B0609030804020204" pitchFamily="49" charset="0"/>
+              </a:rPr>
+              <a:t>"</a:t>
+            </a:r>
+            <a:r>
+              <a:rPr lang="de-AT" sz="2900" dirty="0">
+                <a:solidFill>
+                  <a:schemeClr val="tx1">
+                    <a:lumMod val="65000"/>
+                    <a:lumOff val="35000"/>
+                  </a:schemeClr>
+                </a:solidFill>
+                <a:latin typeface="Consolas" panose="020B0609020204030204" pitchFamily="49" charset="0"/>
+              </a:rPr>
+              <a:t>,</a:t>
+            </a:r>
+            <a:r>
+              <a:rPr lang="de-AT" sz="2300" b="0" dirty="0">
+                <a:solidFill>
                   <a:srgbClr val="CCCCCC"/>
                 </a:solidFill>
                 <a:effectLst/>
                 <a:latin typeface="Menlo" panose="020B0609030804020204" pitchFamily="49" charset="0"/>
               </a:rPr>
+              <a:t> </a:t>
+            </a:r>
+            <a:r>
+              <a:rPr lang="de-AT" sz="2300" b="0" dirty="0">
+                <a:solidFill>
+                  <a:srgbClr val="4EC9B0"/>
+                </a:solidFill>
+                <a:effectLst/>
+                <a:latin typeface="Menlo" panose="020B0609030804020204" pitchFamily="49" charset="0"/>
+              </a:rPr>
+              <a:t>web</a:t>
+            </a:r>
+            <a:r>
+              <a:rPr lang="de-AT" sz="2900" dirty="0">
+                <a:solidFill>
+                  <a:schemeClr val="tx1">
+                    <a:lumMod val="65000"/>
+                    <a:lumOff val="35000"/>
+                  </a:schemeClr>
+                </a:solidFill>
+                <a:latin typeface="Consolas" panose="020B0609020204030204" pitchFamily="49" charset="0"/>
+              </a:rPr>
+              <a:t>::</a:t>
+            </a:r>
+            <a:r>
+              <a:rPr lang="de-AT" sz="2300" dirty="0" err="1">
+                <a:solidFill>
+                  <a:srgbClr val="CE9178"/>
+                </a:solidFill>
+                <a:latin typeface="Menlo" panose="020B0609030804020204" pitchFamily="49" charset="0"/>
+              </a:rPr>
+              <a:t>to</a:t>
+            </a:r>
+            <a:r>
+              <a:rPr lang="de-AT" sz="2900" dirty="0">
+                <a:solidFill>
+                  <a:schemeClr val="tx1">
+                    <a:lumMod val="65000"/>
+                    <a:lumOff val="35000"/>
+                  </a:schemeClr>
+                </a:solidFill>
+                <a:latin typeface="Consolas" panose="020B0609020204030204" pitchFamily="49" charset="0"/>
+              </a:rPr>
               <a:t>(</a:t>
             </a:r>
             <a:r>
+              <a:rPr lang="de-AT" sz="2300" dirty="0" err="1">
+                <a:solidFill>
+                  <a:srgbClr val="CE9178"/>
+                </a:solidFill>
+                <a:latin typeface="Menlo" panose="020B0609030804020204" pitchFamily="49" charset="0"/>
+              </a:rPr>
+              <a:t>handler_function</a:t>
+            </a:r>
+            <a:r>
+              <a:rPr lang="de-AT" sz="2900" dirty="0">
+                <a:solidFill>
+                  <a:schemeClr val="tx1">
+                    <a:lumMod val="65000"/>
+                    <a:lumOff val="35000"/>
+                  </a:schemeClr>
+                </a:solidFill>
+                <a:latin typeface="Consolas" panose="020B0609020204030204" pitchFamily="49" charset="0"/>
+              </a:rPr>
+              <a:t>))</a:t>
+            </a:r>
+            <a:r>
               <a:rPr lang="de-AT" sz="2300" b="0" dirty="0">
                 <a:solidFill>
-                  <a:srgbClr val="CE9178"/>
-                </a:solidFill>
-                <a:effectLst/>
-                <a:latin typeface="Menlo" panose="020B0609030804020204" pitchFamily="49" charset="0"/>
-              </a:rPr>
-              <a:t>"/</a:t>
-            </a:r>
-            <a:r>
-              <a:rPr lang="de-AT" sz="2300" b="0" dirty="0" err="1">
-                <a:solidFill>
-                  <a:srgbClr val="CE9178"/>
-                </a:solidFill>
-                <a:effectLst/>
-                <a:latin typeface="Menlo" panose="020B0609030804020204" pitchFamily="49" charset="0"/>
-              </a:rPr>
-              <a:t>hello</a:t>
-            </a:r>
-            <a:r>
-              <a:rPr lang="de-AT" sz="2300" b="0" dirty="0">
-                <a:solidFill>
-                  <a:srgbClr val="CE9178"/>
-                </a:solidFill>
-                <a:effectLst/>
-                <a:latin typeface="Menlo" panose="020B0609030804020204" pitchFamily="49" charset="0"/>
-              </a:rPr>
-              <a:t>"</a:t>
-            </a:r>
-            <a:r>
-              <a:rPr lang="de-AT" sz="2300" b="0" dirty="0">
-                <a:solidFill>
                   <a:srgbClr val="CCCCCC"/>
                 </a:solidFill>
                 <a:effectLst/>
                 <a:latin typeface="Menlo" panose="020B0609030804020204" pitchFamily="49" charset="0"/>
               </a:rPr>
-              <a:t>, </a:t>
-            </a:r>
-            <a:r>
-              <a:rPr lang="de-AT" sz="2300" b="0" dirty="0">
-                <a:solidFill>
-                  <a:srgbClr val="4EC9B0"/>
-                </a:solidFill>
-                <a:effectLst/>
-                <a:latin typeface="Menlo" panose="020B0609030804020204" pitchFamily="49" charset="0"/>
-              </a:rPr>
-              <a:t>web</a:t>
-            </a:r>
-            <a:r>
-              <a:rPr lang="de-AT" sz="2300" b="0" dirty="0">
-                <a:solidFill>
-                  <a:srgbClr val="D4D4D4"/>
-                </a:solidFill>
-                <a:effectLst/>
-                <a:latin typeface="Menlo" panose="020B0609030804020204" pitchFamily="49" charset="0"/>
-              </a:rPr>
-              <a:t>::</a:t>
-            </a:r>
-            <a:r>
-              <a:rPr lang="de-AT" sz="2300" b="0" dirty="0" err="1">
-                <a:solidFill>
-                  <a:srgbClr val="DCDCAA"/>
-                </a:solidFill>
-                <a:effectLst/>
-                <a:latin typeface="Menlo" panose="020B0609030804020204" pitchFamily="49" charset="0"/>
-              </a:rPr>
-              <a:t>to</a:t>
-            </a:r>
-            <a:r>
-              <a:rPr lang="de-AT" sz="2300" b="0" dirty="0">
-                <a:solidFill>
-                  <a:srgbClr val="CCCCCC"/>
-                </a:solidFill>
-                <a:effectLst/>
-                <a:latin typeface="Menlo" panose="020B0609030804020204" pitchFamily="49" charset="0"/>
-              </a:rPr>
-              <a:t>(</a:t>
-            </a:r>
-            <a:r>
-              <a:rPr lang="de-AT" sz="2300" b="0" dirty="0" err="1">
-                <a:solidFill>
-                  <a:srgbClr val="DCDCAA"/>
-                </a:solidFill>
-                <a:effectLst/>
-                <a:latin typeface="Menlo" panose="020B0609030804020204" pitchFamily="49" charset="0"/>
-              </a:rPr>
-              <a:t>handler_function</a:t>
-            </a:r>
-            <a:r>
-              <a:rPr lang="de-AT" sz="2300" b="0" dirty="0">
-                <a:solidFill>
-                  <a:srgbClr val="CCCCCC"/>
-                </a:solidFill>
-                <a:effectLst/>
-                <a:latin typeface="Menlo" panose="020B0609030804020204" pitchFamily="49" charset="0"/>
-              </a:rPr>
-              <a:t>)) </a:t>
+              <a:t> </a:t>
             </a:r>
             <a:endParaRPr lang="de-AT" sz="2300" b="0" dirty="0">
               <a:solidFill>
@@ -8079,7 +9418,19 @@
                 <a:effectLst/>
                 <a:latin typeface="Consolas" panose="020B0609020204030204" pitchFamily="49" charset="0"/>
               </a:rPr>
-              <a:t>        })</a:t>
+              <a:t>        </a:t>
+            </a:r>
+            <a:r>
+              <a:rPr lang="de-AT" sz="2900" dirty="0">
+                <a:solidFill>
+                  <a:schemeClr val="tx1">
+                    <a:lumMod val="65000"/>
+                    <a:lumOff val="35000"/>
+                  </a:schemeClr>
+                </a:solidFill>
+                <a:latin typeface="Consolas" panose="020B0609020204030204" pitchFamily="49" charset="0"/>
+              </a:rPr>
+              <a:t>})</a:t>
             </a:r>
           </a:p>
           <a:p>
@@ -8118,17 +9469,62 @@
                 <a:effectLst/>
                 <a:latin typeface="Consolas" panose="020B0609020204030204" pitchFamily="49" charset="0"/>
               </a:rPr>
-              <a:t>    .</a:t>
+              <a:t>   </a:t>
+            </a:r>
+            <a:r>
+              <a:rPr lang="de-AT" sz="2900" dirty="0">
+                <a:solidFill>
+                  <a:schemeClr val="tx1">
+                    <a:lumMod val="65000"/>
+                    <a:lumOff val="35000"/>
+                  </a:schemeClr>
+                </a:solidFill>
+                <a:latin typeface="Consolas" panose="020B0609020204030204" pitchFamily="49" charset="0"/>
+              </a:rPr>
+              <a:t> .</a:t>
+            </a:r>
+            <a:r>
+              <a:rPr lang="de-AT" sz="2300" dirty="0">
+                <a:solidFill>
+                  <a:srgbClr val="CE9178"/>
+                </a:solidFill>
+                <a:latin typeface="Menlo" panose="020B0609030804020204" pitchFamily="49" charset="0"/>
+              </a:rPr>
+              <a:t>bind</a:t>
+            </a:r>
+            <a:r>
+              <a:rPr lang="de-AT" sz="2900" dirty="0">
+                <a:solidFill>
+                  <a:schemeClr val="tx1">
+                    <a:lumMod val="65000"/>
+                    <a:lumOff val="35000"/>
+                  </a:schemeClr>
+                </a:solidFill>
+                <a:latin typeface="Consolas" panose="020B0609020204030204" pitchFamily="49" charset="0"/>
+              </a:rPr>
+              <a:t>((</a:t>
             </a:r>
             <a:r>
               <a:rPr lang="de-AT" b="0" dirty="0">
                 <a:solidFill>
-                  <a:srgbClr val="DCDCAA"/>
+                  <a:srgbClr val="CE9178"/>
                 </a:solidFill>
                 <a:effectLst/>
                 <a:latin typeface="Consolas" panose="020B0609020204030204" pitchFamily="49" charset="0"/>
               </a:rPr>
-              <a:t>bind</a:t>
+              <a:t>"0.0.0.0"</a:t>
+            </a:r>
+            <a:r>
+              <a:rPr lang="de-AT" sz="2900" dirty="0">
+                <a:solidFill>
+                  <a:schemeClr val="tx1">
+                    <a:lumMod val="65000"/>
+                    <a:lumOff val="35000"/>
+                  </a:schemeClr>
+                </a:solidFill>
+                <a:latin typeface="Consolas" panose="020B0609020204030204" pitchFamily="49" charset="0"/>
+              </a:rPr>
+              <a:t>,</a:t>
             </a:r>
             <a:r>
               <a:rPr lang="de-AT" b="0" dirty="0">
@@ -8138,64 +9534,47 @@
                 <a:effectLst/>
                 <a:latin typeface="Consolas" panose="020B0609020204030204" pitchFamily="49" charset="0"/>
               </a:rPr>
-              <a:t>((</a:t>
+              <a:t> </a:t>
             </a:r>
             <a:r>
               <a:rPr lang="de-AT" b="0" dirty="0">
                 <a:solidFill>
+                  <a:srgbClr val="B5CEA8"/>
+                </a:solidFill>
+                <a:effectLst/>
+                <a:latin typeface="Consolas" panose="020B0609020204030204" pitchFamily="49" charset="0"/>
+              </a:rPr>
+              <a:t>8000</a:t>
+            </a:r>
+            <a:r>
+              <a:rPr lang="de-AT" sz="2900" dirty="0">
+                <a:solidFill>
+                  <a:schemeClr val="tx1">
+                    <a:lumMod val="65000"/>
+                    <a:lumOff val="35000"/>
+                  </a:schemeClr>
+                </a:solidFill>
+                <a:latin typeface="Consolas" panose="020B0609020204030204" pitchFamily="49" charset="0"/>
+              </a:rPr>
+              <a:t>)).</a:t>
+            </a:r>
+            <a:r>
+              <a:rPr lang="de-AT" sz="2300" dirty="0" err="1">
+                <a:solidFill>
                   <a:srgbClr val="CE9178"/>
                 </a:solidFill>
-                <a:effectLst/>
-                <a:latin typeface="Consolas" panose="020B0609020204030204" pitchFamily="49" charset="0"/>
-              </a:rPr>
-              <a:t>"0.0.0.0"</a:t>
-            </a:r>
-            <a:r>
-              <a:rPr lang="de-AT" b="0" dirty="0">
-                <a:solidFill>
-                  <a:srgbClr val="D4D4D4"/>
-                </a:solidFill>
-                <a:effectLst/>
-                <a:latin typeface="Consolas" panose="020B0609020204030204" pitchFamily="49" charset="0"/>
-              </a:rPr>
-              <a:t>, </a:t>
-            </a:r>
-            <a:r>
-              <a:rPr lang="de-AT" b="0" dirty="0">
-                <a:solidFill>
-                  <a:srgbClr val="B5CEA8"/>
-                </a:solidFill>
-                <a:effectLst/>
-                <a:latin typeface="Consolas" panose="020B0609020204030204" pitchFamily="49" charset="0"/>
-              </a:rPr>
-              <a:t>8000</a:t>
-            </a:r>
-            <a:r>
-              <a:rPr lang="de-AT" b="0" dirty="0">
-                <a:solidFill>
-                  <a:srgbClr val="D4D4D4"/>
-                </a:solidFill>
-                <a:effectLst/>
-                <a:latin typeface="Consolas" panose="020B0609020204030204" pitchFamily="49" charset="0"/>
-              </a:rPr>
-              <a:t>)).</a:t>
-            </a:r>
-            <a:r>
-              <a:rPr lang="de-AT" b="0" dirty="0" err="1">
-                <a:solidFill>
-                  <a:srgbClr val="DCDCAA"/>
-                </a:solidFill>
-                <a:effectLst/>
-                <a:latin typeface="Consolas" panose="020B0609020204030204" pitchFamily="49" charset="0"/>
+                <a:latin typeface="Menlo" panose="020B0609030804020204" pitchFamily="49" charset="0"/>
               </a:rPr>
               <a:t>unwrap</a:t>
             </a:r>
             <a:r>
-              <a:rPr lang="de-AT" b="0" dirty="0">
-                <a:solidFill>
-                  <a:srgbClr val="D4D4D4"/>
-                </a:solidFill>
-                <a:effectLst/>
+              <a:rPr lang="de-AT" sz="2900" dirty="0">
+                <a:solidFill>
+                  <a:schemeClr val="tx1">
+                    <a:lumMod val="65000"/>
+                    <a:lumOff val="35000"/>
+                  </a:schemeClr>
+                </a:solidFill>
                 <a:latin typeface="Consolas" panose="020B0609020204030204" pitchFamily="49" charset="0"/>
               </a:rPr>
               <a:t>()</a:t>
@@ -8213,24 +9592,37 @@
                 <a:effectLst/>
                 <a:latin typeface="Consolas" panose="020B0609020204030204" pitchFamily="49" charset="0"/>
               </a:rPr>
-              <a:t>    .</a:t>
-            </a:r>
-            <a:r>
-              <a:rPr lang="de-AT" b="0" dirty="0" err="1">
-                <a:solidFill>
-                  <a:srgbClr val="DCDCAA"/>
-                </a:solidFill>
-                <a:effectLst/>
+              <a:t>    </a:t>
+            </a:r>
+            <a:r>
+              <a:rPr lang="de-AT" sz="2900" dirty="0">
+                <a:solidFill>
+                  <a:schemeClr val="tx1">
+                    <a:lumMod val="65000"/>
+                    <a:lumOff val="35000"/>
+                  </a:schemeClr>
+                </a:solidFill>
                 <a:latin typeface="Consolas" panose="020B0609020204030204" pitchFamily="49" charset="0"/>
               </a:rPr>
+              <a:t>.</a:t>
+            </a:r>
+            <a:r>
+              <a:rPr lang="de-AT" sz="2300" dirty="0" err="1">
+                <a:solidFill>
+                  <a:srgbClr val="CE9178"/>
+                </a:solidFill>
+                <a:latin typeface="Menlo" panose="020B0609030804020204" pitchFamily="49" charset="0"/>
+              </a:rPr>
               <a:t>run</a:t>
             </a:r>
             <a:r>
-              <a:rPr lang="de-AT" b="0" dirty="0">
-                <a:solidFill>
-                  <a:srgbClr val="D4D4D4"/>
-                </a:solidFill>
-                <a:effectLst/>
+              <a:rPr lang="de-AT" sz="2900" dirty="0">
+                <a:solidFill>
+                  <a:schemeClr val="tx1">
+                    <a:lumMod val="65000"/>
+                    <a:lumOff val="35000"/>
+                  </a:schemeClr>
+                </a:solidFill>
                 <a:latin typeface="Consolas" panose="020B0609020204030204" pitchFamily="49" charset="0"/>
               </a:rPr>
               <a:t>().</a:t>
@@ -8258,11 +9650,13 @@
               <a:buNone/>
             </a:pPr>
             <a:r>
-              <a:rPr lang="de-AT" b="0" dirty="0">
-                <a:solidFill>
-                  <a:srgbClr val="D4D4D4"/>
-                </a:solidFill>
-                <a:effectLst/>
+              <a:rPr lang="de-AT" sz="2900" dirty="0">
+                <a:solidFill>
+                  <a:schemeClr val="tx1">
+                    <a:lumMod val="65000"/>
+                    <a:lumOff val="35000"/>
+                  </a:schemeClr>
+                </a:solidFill>
                 <a:latin typeface="Consolas" panose="020B0609020204030204" pitchFamily="49" charset="0"/>
               </a:rPr>
               <a:t>}</a:t>
@@ -8308,10 +9702,1042 @@
       </p:grpSpPr>
       <p:sp>
         <p:nvSpPr>
-          <p:cNvPr id="2" name="Titel 1">
+          <p:cNvPr id="3" name="Inhaltsplatzhalter 2">
             <a:extLst>
               <a:ext uri="{FF2B5EF4-FFF2-40B4-BE49-F238E27FC236}">
-                <a16:creationId xmlns:a16="http://schemas.microsoft.com/office/drawing/2014/main" id="{46D4EC42-ECB0-F4B6-2482-FA1A2C58CE6F}"/>
+                <a16:creationId xmlns:a16="http://schemas.microsoft.com/office/drawing/2014/main" id="{06AFE83A-C1DB-68D6-1074-3DF6C1C728B1}"/>
+              </a:ext>
+            </a:extLst>
+          </p:cNvPr>
+          <p:cNvSpPr>
+            <a:spLocks noGrp="1"/>
+          </p:cNvSpPr>
+          <p:nvPr>
+            <p:ph idx="1"/>
+          </p:nvPr>
+        </p:nvSpPr>
+        <p:spPr>
+          <a:xfrm>
+            <a:off x="838200" y="1027906"/>
+            <a:ext cx="10515600" cy="5329093"/>
+          </a:xfrm>
+        </p:spPr>
+        <p:txBody>
+          <a:bodyPr>
+            <a:normAutofit fontScale="70000" lnSpcReduction="20000"/>
+          </a:bodyPr>
+          <a:lstStyle/>
+          <a:p>
+            <a:pPr marL="0" indent="0">
+              <a:buNone/>
+            </a:pPr>
+            <a:r>
+              <a:rPr lang="de-AT" b="0" dirty="0">
+                <a:solidFill>
+                  <a:srgbClr val="4EC9B0"/>
+                </a:solidFill>
+                <a:effectLst/>
+                <a:latin typeface="Consolas" panose="020B0609020204030204" pitchFamily="49" charset="0"/>
+              </a:rPr>
+              <a:t>App</a:t>
+            </a:r>
+            <a:r>
+              <a:rPr lang="de-AT" b="0" dirty="0">
+                <a:solidFill>
+                  <a:schemeClr val="tx1">
+                    <a:lumMod val="65000"/>
+                    <a:lumOff val="35000"/>
+                  </a:schemeClr>
+                </a:solidFill>
+                <a:effectLst/>
+                <a:latin typeface="Consolas" panose="020B0609020204030204" pitchFamily="49" charset="0"/>
+              </a:rPr>
+              <a:t>::</a:t>
+            </a:r>
+            <a:r>
+              <a:rPr lang="de-AT" b="0" dirty="0" err="1">
+                <a:solidFill>
+                  <a:schemeClr val="accent2">
+                    <a:lumMod val="75000"/>
+                  </a:schemeClr>
+                </a:solidFill>
+                <a:effectLst/>
+                <a:latin typeface="Consolas" panose="020B0609020204030204" pitchFamily="49" charset="0"/>
+              </a:rPr>
+              <a:t>new</a:t>
+            </a:r>
+            <a:r>
+              <a:rPr lang="de-AT" b="0" dirty="0">
+                <a:solidFill>
+                  <a:schemeClr val="tx1">
+                    <a:lumMod val="65000"/>
+                    <a:lumOff val="35000"/>
+                  </a:schemeClr>
+                </a:solidFill>
+                <a:effectLst/>
+                <a:latin typeface="Consolas" panose="020B0609020204030204" pitchFamily="49" charset="0"/>
+              </a:rPr>
+              <a:t>()</a:t>
+            </a:r>
+          </a:p>
+          <a:p>
+            <a:pPr marL="0" indent="0">
+              <a:buNone/>
+            </a:pPr>
+            <a:endParaRPr lang="de-DE" dirty="0"/>
+          </a:p>
+          <a:p>
+            <a:pPr marL="0" indent="0">
+              <a:buNone/>
+            </a:pPr>
+            <a:r>
+              <a:rPr lang="de-AT" sz="1800" b="0" dirty="0">
+                <a:solidFill>
+                  <a:srgbClr val="DCDCAA"/>
+                </a:solidFill>
+                <a:effectLst/>
+                <a:latin typeface="Menlo" panose="020B0609030804020204" pitchFamily="49" charset="0"/>
+              </a:rPr>
+              <a:t>	</a:t>
+            </a:r>
+            <a:r>
+              <a:rPr lang="de-AT" sz="2600" b="0" dirty="0">
+                <a:solidFill>
+                  <a:schemeClr val="accent2">
+                    <a:lumMod val="75000"/>
+                  </a:schemeClr>
+                </a:solidFill>
+                <a:effectLst/>
+                <a:latin typeface="Menlo" panose="020B0609030804020204" pitchFamily="49" charset="0"/>
+              </a:rPr>
+              <a:t>.route</a:t>
+            </a:r>
+            <a:r>
+              <a:rPr lang="de-AT" sz="2600" b="0" dirty="0">
+                <a:solidFill>
+                  <a:schemeClr val="tx1">
+                    <a:lumMod val="65000"/>
+                    <a:lumOff val="35000"/>
+                  </a:schemeClr>
+                </a:solidFill>
+                <a:effectLst/>
+                <a:latin typeface="Menlo" panose="020B0609030804020204" pitchFamily="49" charset="0"/>
+              </a:rPr>
+              <a:t>(</a:t>
+            </a:r>
+            <a:r>
+              <a:rPr lang="de-AT" sz="2600" b="0" dirty="0">
+                <a:solidFill>
+                  <a:srgbClr val="CE9178"/>
+                </a:solidFill>
+                <a:effectLst/>
+                <a:latin typeface="Menlo" panose="020B0609030804020204" pitchFamily="49" charset="0"/>
+              </a:rPr>
+              <a:t>"/</a:t>
+            </a:r>
+            <a:r>
+              <a:rPr lang="de-AT" sz="2600" b="0" dirty="0" err="1">
+                <a:solidFill>
+                  <a:srgbClr val="CE9178"/>
+                </a:solidFill>
+                <a:effectLst/>
+                <a:latin typeface="Menlo" panose="020B0609030804020204" pitchFamily="49" charset="0"/>
+              </a:rPr>
+              <a:t>hello</a:t>
+            </a:r>
+            <a:r>
+              <a:rPr lang="de-AT" sz="2600" b="0" dirty="0">
+                <a:solidFill>
+                  <a:srgbClr val="CE9178"/>
+                </a:solidFill>
+                <a:effectLst/>
+                <a:latin typeface="Menlo" panose="020B0609030804020204" pitchFamily="49" charset="0"/>
+              </a:rPr>
+              <a:t>"</a:t>
+            </a:r>
+            <a:r>
+              <a:rPr lang="de-AT" sz="2600" b="0" dirty="0">
+                <a:solidFill>
+                  <a:schemeClr val="tx1">
+                    <a:lumMod val="65000"/>
+                    <a:lumOff val="35000"/>
+                  </a:schemeClr>
+                </a:solidFill>
+                <a:effectLst/>
+                <a:latin typeface="Menlo" panose="020B0609030804020204" pitchFamily="49" charset="0"/>
+              </a:rPr>
+              <a:t>,</a:t>
+            </a:r>
+            <a:r>
+              <a:rPr lang="de-AT" sz="2600" b="0" dirty="0">
+                <a:solidFill>
+                  <a:srgbClr val="CCCCCC"/>
+                </a:solidFill>
+                <a:effectLst/>
+                <a:latin typeface="Menlo" panose="020B0609030804020204" pitchFamily="49" charset="0"/>
+              </a:rPr>
+              <a:t> </a:t>
+            </a:r>
+            <a:r>
+              <a:rPr lang="de-AT" sz="2600" b="0" dirty="0">
+                <a:solidFill>
+                  <a:srgbClr val="4EC9B0"/>
+                </a:solidFill>
+                <a:effectLst/>
+                <a:latin typeface="Menlo" panose="020B0609030804020204" pitchFamily="49" charset="0"/>
+              </a:rPr>
+              <a:t>web</a:t>
+            </a:r>
+            <a:r>
+              <a:rPr lang="de-AT" sz="2600" b="0" dirty="0">
+                <a:solidFill>
+                  <a:schemeClr val="tx1">
+                    <a:lumMod val="65000"/>
+                    <a:lumOff val="35000"/>
+                  </a:schemeClr>
+                </a:solidFill>
+                <a:effectLst/>
+                <a:latin typeface="Menlo" panose="020B0609030804020204" pitchFamily="49" charset="0"/>
+              </a:rPr>
+              <a:t>::</a:t>
+            </a:r>
+            <a:r>
+              <a:rPr lang="de-AT" sz="2600" b="0" dirty="0" err="1">
+                <a:solidFill>
+                  <a:schemeClr val="accent2">
+                    <a:lumMod val="75000"/>
+                  </a:schemeClr>
+                </a:solidFill>
+                <a:effectLst/>
+                <a:latin typeface="Menlo" panose="020B0609030804020204" pitchFamily="49" charset="0"/>
+              </a:rPr>
+              <a:t>to</a:t>
+            </a:r>
+            <a:r>
+              <a:rPr lang="de-AT" sz="2600" b="0" dirty="0">
+                <a:solidFill>
+                  <a:schemeClr val="tx1">
+                    <a:lumMod val="65000"/>
+                    <a:lumOff val="35000"/>
+                  </a:schemeClr>
+                </a:solidFill>
+                <a:effectLst/>
+                <a:latin typeface="Menlo" panose="020B0609030804020204" pitchFamily="49" charset="0"/>
+              </a:rPr>
+              <a:t>(</a:t>
+            </a:r>
+            <a:r>
+              <a:rPr lang="de-AT" sz="2600" b="0" dirty="0" err="1">
+                <a:solidFill>
+                  <a:schemeClr val="accent2">
+                    <a:lumMod val="75000"/>
+                  </a:schemeClr>
+                </a:solidFill>
+                <a:effectLst/>
+                <a:latin typeface="Menlo" panose="020B0609030804020204" pitchFamily="49" charset="0"/>
+              </a:rPr>
+              <a:t>handler_function</a:t>
+            </a:r>
+            <a:r>
+              <a:rPr lang="de-AT" sz="2600" b="0" dirty="0">
+                <a:solidFill>
+                  <a:schemeClr val="tx1">
+                    <a:lumMod val="65000"/>
+                    <a:lumOff val="35000"/>
+                  </a:schemeClr>
+                </a:solidFill>
+                <a:effectLst/>
+                <a:latin typeface="Menlo" panose="020B0609030804020204" pitchFamily="49" charset="0"/>
+              </a:rPr>
+              <a:t>))</a:t>
+            </a:r>
+            <a:r>
+              <a:rPr lang="de-AT" sz="2600" b="0" dirty="0">
+                <a:solidFill>
+                  <a:srgbClr val="CCCCCC"/>
+                </a:solidFill>
+                <a:effectLst/>
+                <a:latin typeface="Menlo" panose="020B0609030804020204" pitchFamily="49" charset="0"/>
+              </a:rPr>
+              <a:t> </a:t>
+            </a:r>
+            <a:r>
+              <a:rPr lang="de-AT" sz="2600" b="0" dirty="0">
+                <a:solidFill>
+                  <a:schemeClr val="tx1">
+                    <a:lumMod val="65000"/>
+                    <a:lumOff val="35000"/>
+                  </a:schemeClr>
+                </a:solidFill>
+                <a:effectLst/>
+                <a:latin typeface="Menlo" panose="020B0609030804020204" pitchFamily="49" charset="0"/>
+              </a:rPr>
+              <a:t>// </a:t>
+            </a:r>
+            <a:r>
+              <a:rPr lang="de-AT" sz="2600" b="0" dirty="0" err="1">
+                <a:solidFill>
+                  <a:schemeClr val="tx1">
+                    <a:lumMod val="65000"/>
+                    <a:lumOff val="35000"/>
+                  </a:schemeClr>
+                </a:solidFill>
+                <a:effectLst/>
+                <a:latin typeface="Menlo" panose="020B0609030804020204" pitchFamily="49" charset="0"/>
+              </a:rPr>
+              <a:t>any</a:t>
+            </a:r>
+            <a:r>
+              <a:rPr lang="de-AT" sz="2600" b="0" dirty="0">
+                <a:solidFill>
+                  <a:schemeClr val="tx1">
+                    <a:lumMod val="65000"/>
+                    <a:lumOff val="35000"/>
+                  </a:schemeClr>
+                </a:solidFill>
+                <a:effectLst/>
+                <a:latin typeface="Menlo" panose="020B0609030804020204" pitchFamily="49" charset="0"/>
+              </a:rPr>
+              <a:t> </a:t>
+            </a:r>
+            <a:r>
+              <a:rPr lang="de-AT" sz="2600" b="0" dirty="0" err="1">
+                <a:solidFill>
+                  <a:schemeClr val="tx1">
+                    <a:lumMod val="65000"/>
+                    <a:lumOff val="35000"/>
+                  </a:schemeClr>
+                </a:solidFill>
+                <a:effectLst/>
+                <a:latin typeface="Menlo" panose="020B0609030804020204" pitchFamily="49" charset="0"/>
+              </a:rPr>
+              <a:t>method</a:t>
+            </a:r>
+            <a:r>
+              <a:rPr lang="de-AT" sz="2600" b="0" dirty="0">
+                <a:solidFill>
+                  <a:schemeClr val="tx1">
+                    <a:lumMod val="65000"/>
+                    <a:lumOff val="35000"/>
+                  </a:schemeClr>
+                </a:solidFill>
+                <a:effectLst/>
+                <a:latin typeface="Menlo" panose="020B0609030804020204" pitchFamily="49" charset="0"/>
+              </a:rPr>
+              <a:t> </a:t>
+            </a:r>
+            <a:r>
+              <a:rPr lang="de-AT" sz="2600" b="0" dirty="0" err="1">
+                <a:solidFill>
+                  <a:schemeClr val="tx1">
+                    <a:lumMod val="65000"/>
+                    <a:lumOff val="35000"/>
+                  </a:schemeClr>
+                </a:solidFill>
+                <a:effectLst/>
+                <a:latin typeface="Menlo" panose="020B0609030804020204" pitchFamily="49" charset="0"/>
+              </a:rPr>
+              <a:t>is</a:t>
+            </a:r>
+            <a:r>
+              <a:rPr lang="de-AT" sz="2600" b="0" dirty="0">
+                <a:solidFill>
+                  <a:schemeClr val="tx1">
+                    <a:lumMod val="65000"/>
+                    <a:lumOff val="35000"/>
+                  </a:schemeClr>
+                </a:solidFill>
+                <a:effectLst/>
+                <a:latin typeface="Menlo" panose="020B0609030804020204" pitchFamily="49" charset="0"/>
+              </a:rPr>
+              <a:t> </a:t>
+            </a:r>
+            <a:r>
+              <a:rPr lang="de-AT" sz="2600" b="0" dirty="0" err="1">
+                <a:solidFill>
+                  <a:schemeClr val="tx1">
+                    <a:lumMod val="65000"/>
+                    <a:lumOff val="35000"/>
+                  </a:schemeClr>
+                </a:solidFill>
+                <a:effectLst/>
+                <a:latin typeface="Menlo" panose="020B0609030804020204" pitchFamily="49" charset="0"/>
+              </a:rPr>
+              <a:t>allowed</a:t>
+            </a:r>
+            <a:endParaRPr lang="de-AT" sz="2600" b="0" dirty="0">
+              <a:solidFill>
+                <a:schemeClr val="tx1">
+                  <a:lumMod val="65000"/>
+                  <a:lumOff val="35000"/>
+                </a:schemeClr>
+              </a:solidFill>
+              <a:effectLst/>
+              <a:latin typeface="Menlo" panose="020B0609030804020204" pitchFamily="49" charset="0"/>
+            </a:endParaRPr>
+          </a:p>
+          <a:p>
+            <a:pPr marL="0" indent="0">
+              <a:buNone/>
+            </a:pPr>
+            <a:endParaRPr lang="de-AT" sz="2600" b="0" dirty="0">
+              <a:solidFill>
+                <a:srgbClr val="4EC9B0"/>
+              </a:solidFill>
+              <a:effectLst/>
+              <a:latin typeface="Menlo" panose="020B0609030804020204" pitchFamily="49" charset="0"/>
+            </a:endParaRPr>
+          </a:p>
+          <a:p>
+            <a:pPr marL="0" indent="0">
+              <a:lnSpc>
+                <a:spcPct val="170000"/>
+              </a:lnSpc>
+              <a:buNone/>
+            </a:pPr>
+            <a:r>
+              <a:rPr lang="de-AT" sz="2600" b="0" dirty="0">
+                <a:solidFill>
+                  <a:srgbClr val="DCDCAA"/>
+                </a:solidFill>
+                <a:effectLst/>
+                <a:latin typeface="Menlo" panose="020B0609030804020204" pitchFamily="49" charset="0"/>
+              </a:rPr>
+              <a:t>	</a:t>
+            </a:r>
+            <a:r>
+              <a:rPr lang="de-AT" sz="2600" b="0" dirty="0">
+                <a:solidFill>
+                  <a:schemeClr val="accent2">
+                    <a:lumMod val="75000"/>
+                  </a:schemeClr>
+                </a:solidFill>
+                <a:effectLst/>
+                <a:latin typeface="Menlo" panose="020B0609030804020204" pitchFamily="49" charset="0"/>
+              </a:rPr>
+              <a:t>.route</a:t>
+            </a:r>
+            <a:r>
+              <a:rPr lang="de-AT" sz="2600" b="0" dirty="0">
+                <a:solidFill>
+                  <a:schemeClr val="tx1">
+                    <a:lumMod val="65000"/>
+                    <a:lumOff val="35000"/>
+                  </a:schemeClr>
+                </a:solidFill>
+                <a:effectLst/>
+                <a:latin typeface="Menlo" panose="020B0609030804020204" pitchFamily="49" charset="0"/>
+              </a:rPr>
+              <a:t>(</a:t>
+            </a:r>
+            <a:r>
+              <a:rPr lang="de-AT" sz="2600" b="0" dirty="0">
+                <a:solidFill>
+                  <a:srgbClr val="CE9178"/>
+                </a:solidFill>
+                <a:effectLst/>
+                <a:latin typeface="Menlo" panose="020B0609030804020204" pitchFamily="49" charset="0"/>
+              </a:rPr>
+              <a:t>"/</a:t>
+            </a:r>
+            <a:r>
+              <a:rPr lang="de-AT" sz="2600" b="0" dirty="0" err="1">
+                <a:solidFill>
+                  <a:srgbClr val="CE9178"/>
+                </a:solidFill>
+                <a:effectLst/>
+                <a:latin typeface="Menlo" panose="020B0609030804020204" pitchFamily="49" charset="0"/>
+              </a:rPr>
+              <a:t>hello</a:t>
+            </a:r>
+            <a:r>
+              <a:rPr lang="de-AT" sz="2600" b="0" dirty="0">
+                <a:solidFill>
+                  <a:srgbClr val="CE9178"/>
+                </a:solidFill>
+                <a:effectLst/>
+                <a:latin typeface="Menlo" panose="020B0609030804020204" pitchFamily="49" charset="0"/>
+              </a:rPr>
+              <a:t>"</a:t>
+            </a:r>
+            <a:r>
+              <a:rPr lang="de-AT" sz="2600" b="0" dirty="0">
+                <a:solidFill>
+                  <a:schemeClr val="tx1">
+                    <a:lumMod val="65000"/>
+                    <a:lumOff val="35000"/>
+                  </a:schemeClr>
+                </a:solidFill>
+                <a:effectLst/>
+                <a:latin typeface="Menlo" panose="020B0609030804020204" pitchFamily="49" charset="0"/>
+              </a:rPr>
+              <a:t>,</a:t>
+            </a:r>
+            <a:r>
+              <a:rPr lang="de-AT" sz="2600" b="0" dirty="0">
+                <a:solidFill>
+                  <a:srgbClr val="CCCCCC"/>
+                </a:solidFill>
+                <a:effectLst/>
+                <a:latin typeface="Menlo" panose="020B0609030804020204" pitchFamily="49" charset="0"/>
+              </a:rPr>
+              <a:t> </a:t>
+            </a:r>
+            <a:r>
+              <a:rPr lang="de-AT" sz="2600" b="0" dirty="0">
+                <a:solidFill>
+                  <a:srgbClr val="4EC9B0"/>
+                </a:solidFill>
+                <a:effectLst/>
+                <a:latin typeface="Menlo" panose="020B0609030804020204" pitchFamily="49" charset="0"/>
+              </a:rPr>
+              <a:t>web</a:t>
+            </a:r>
+            <a:r>
+              <a:rPr lang="de-AT" sz="2600" b="0" dirty="0">
+                <a:solidFill>
+                  <a:schemeClr val="tx1">
+                    <a:lumMod val="65000"/>
+                    <a:lumOff val="35000"/>
+                  </a:schemeClr>
+                </a:solidFill>
+                <a:effectLst/>
+                <a:latin typeface="Menlo" panose="020B0609030804020204" pitchFamily="49" charset="0"/>
+              </a:rPr>
+              <a:t>::</a:t>
+            </a:r>
+            <a:r>
+              <a:rPr lang="de-AT" sz="2600" b="0" dirty="0" err="1">
+                <a:solidFill>
+                  <a:schemeClr val="accent2">
+                    <a:lumMod val="75000"/>
+                  </a:schemeClr>
+                </a:solidFill>
+                <a:effectLst/>
+                <a:latin typeface="Menlo" panose="020B0609030804020204" pitchFamily="49" charset="0"/>
+              </a:rPr>
+              <a:t>get</a:t>
+            </a:r>
+            <a:r>
+              <a:rPr lang="de-AT" sz="2600" b="0" dirty="0">
+                <a:solidFill>
+                  <a:schemeClr val="tx1">
+                    <a:lumMod val="65000"/>
+                    <a:lumOff val="35000"/>
+                  </a:schemeClr>
+                </a:solidFill>
+                <a:effectLst/>
+                <a:latin typeface="Menlo" panose="020B0609030804020204" pitchFamily="49" charset="0"/>
+              </a:rPr>
+              <a:t>().</a:t>
+            </a:r>
+            <a:r>
+              <a:rPr lang="de-AT" sz="2600" b="0" dirty="0" err="1">
+                <a:solidFill>
+                  <a:schemeClr val="accent2">
+                    <a:lumMod val="75000"/>
+                  </a:schemeClr>
+                </a:solidFill>
+                <a:effectLst/>
+                <a:latin typeface="Menlo" panose="020B0609030804020204" pitchFamily="49" charset="0"/>
+              </a:rPr>
+              <a:t>to</a:t>
+            </a:r>
+            <a:r>
+              <a:rPr lang="de-AT" sz="2600" b="0" dirty="0">
+                <a:solidFill>
+                  <a:schemeClr val="tx1">
+                    <a:lumMod val="65000"/>
+                    <a:lumOff val="35000"/>
+                  </a:schemeClr>
+                </a:solidFill>
+                <a:effectLst/>
+                <a:latin typeface="Menlo" panose="020B0609030804020204" pitchFamily="49" charset="0"/>
+              </a:rPr>
+              <a:t>(</a:t>
+            </a:r>
+            <a:r>
+              <a:rPr lang="de-AT" sz="2600" b="0" dirty="0" err="1">
+                <a:solidFill>
+                  <a:schemeClr val="accent2">
+                    <a:lumMod val="75000"/>
+                  </a:schemeClr>
+                </a:solidFill>
+                <a:effectLst/>
+                <a:latin typeface="Menlo" panose="020B0609030804020204" pitchFamily="49" charset="0"/>
+              </a:rPr>
+              <a:t>handler_function</a:t>
+            </a:r>
+            <a:r>
+              <a:rPr lang="de-AT" sz="2600" b="0" dirty="0">
+                <a:solidFill>
+                  <a:schemeClr val="tx1">
+                    <a:lumMod val="65000"/>
+                    <a:lumOff val="35000"/>
+                  </a:schemeClr>
+                </a:solidFill>
+                <a:effectLst/>
+                <a:latin typeface="Menlo" panose="020B0609030804020204" pitchFamily="49" charset="0"/>
+              </a:rPr>
+              <a:t>)) // </a:t>
+            </a:r>
+            <a:r>
+              <a:rPr lang="de-AT" sz="2600" b="0" dirty="0" err="1">
+                <a:solidFill>
+                  <a:schemeClr val="tx1">
+                    <a:lumMod val="65000"/>
+                    <a:lumOff val="35000"/>
+                  </a:schemeClr>
+                </a:solidFill>
+                <a:effectLst/>
+                <a:latin typeface="Menlo" panose="020B0609030804020204" pitchFamily="49" charset="0"/>
+              </a:rPr>
+              <a:t>only</a:t>
+            </a:r>
+            <a:r>
+              <a:rPr lang="de-AT" sz="2600" b="0" dirty="0">
+                <a:solidFill>
+                  <a:schemeClr val="tx1">
+                    <a:lumMod val="65000"/>
+                    <a:lumOff val="35000"/>
+                  </a:schemeClr>
+                </a:solidFill>
+                <a:effectLst/>
+                <a:latin typeface="Menlo" panose="020B0609030804020204" pitchFamily="49" charset="0"/>
+              </a:rPr>
+              <a:t> </a:t>
+            </a:r>
+            <a:r>
+              <a:rPr lang="de-AT" sz="2600" b="0" dirty="0" err="1">
+                <a:solidFill>
+                  <a:schemeClr val="tx1">
+                    <a:lumMod val="65000"/>
+                    <a:lumOff val="35000"/>
+                  </a:schemeClr>
+                </a:solidFill>
+                <a:effectLst/>
+                <a:latin typeface="Menlo" panose="020B0609030804020204" pitchFamily="49" charset="0"/>
+              </a:rPr>
+              <a:t>get</a:t>
+            </a:r>
+            <a:r>
+              <a:rPr lang="de-AT" sz="2600" b="0" dirty="0">
+                <a:solidFill>
+                  <a:schemeClr val="tx1">
+                    <a:lumMod val="65000"/>
+                    <a:lumOff val="35000"/>
+                  </a:schemeClr>
+                </a:solidFill>
+                <a:effectLst/>
+                <a:latin typeface="Menlo" panose="020B0609030804020204" pitchFamily="49" charset="0"/>
+              </a:rPr>
+              <a:t> </a:t>
+            </a:r>
+            <a:r>
+              <a:rPr lang="de-AT" sz="2600" b="0" dirty="0" err="1">
+                <a:solidFill>
+                  <a:schemeClr val="tx1">
+                    <a:lumMod val="65000"/>
+                    <a:lumOff val="35000"/>
+                  </a:schemeClr>
+                </a:solidFill>
+                <a:effectLst/>
+                <a:latin typeface="Menlo" panose="020B0609030804020204" pitchFamily="49" charset="0"/>
+              </a:rPr>
+              <a:t>method</a:t>
+            </a:r>
+            <a:r>
+              <a:rPr lang="de-AT" sz="2600" b="0" dirty="0">
+                <a:solidFill>
+                  <a:schemeClr val="tx1">
+                    <a:lumMod val="65000"/>
+                    <a:lumOff val="35000"/>
+                  </a:schemeClr>
+                </a:solidFill>
+                <a:effectLst/>
+                <a:latin typeface="Menlo" panose="020B0609030804020204" pitchFamily="49" charset="0"/>
+              </a:rPr>
+              <a:t> </a:t>
+            </a:r>
+            <a:endParaRPr lang="de-AT" sz="2600" dirty="0">
+              <a:solidFill>
+                <a:schemeClr val="tx1">
+                  <a:lumMod val="65000"/>
+                  <a:lumOff val="35000"/>
+                </a:schemeClr>
+              </a:solidFill>
+              <a:latin typeface="Menlo" panose="020B0609030804020204" pitchFamily="49" charset="0"/>
+            </a:endParaRPr>
+          </a:p>
+          <a:p>
+            <a:pPr marL="0" indent="0">
+              <a:lnSpc>
+                <a:spcPct val="170000"/>
+              </a:lnSpc>
+              <a:buNone/>
+            </a:pPr>
+            <a:r>
+              <a:rPr lang="de-AT" sz="2600" b="0" dirty="0">
+                <a:solidFill>
+                  <a:schemeClr val="tx1">
+                    <a:lumMod val="65000"/>
+                    <a:lumOff val="35000"/>
+                  </a:schemeClr>
+                </a:solidFill>
+                <a:effectLst/>
+                <a:latin typeface="Menlo" panose="020B0609030804020204" pitchFamily="49" charset="0"/>
+              </a:rPr>
+              <a:t>						</a:t>
+            </a:r>
+            <a:r>
+              <a:rPr lang="de-AT" sz="2600" dirty="0">
+                <a:solidFill>
+                  <a:schemeClr val="tx1">
+                    <a:lumMod val="65000"/>
+                    <a:lumOff val="35000"/>
+                  </a:schemeClr>
+                </a:solidFill>
+                <a:latin typeface="Menlo" panose="020B0609030804020204" pitchFamily="49" charset="0"/>
+              </a:rPr>
+              <a:t>                 </a:t>
+            </a:r>
+            <a:r>
+              <a:rPr lang="de-AT" sz="2600" b="0" dirty="0" err="1">
+                <a:solidFill>
+                  <a:schemeClr val="tx1">
+                    <a:lumMod val="65000"/>
+                    <a:lumOff val="35000"/>
+                  </a:schemeClr>
+                </a:solidFill>
+                <a:effectLst/>
+                <a:latin typeface="Menlo" panose="020B0609030804020204" pitchFamily="49" charset="0"/>
+              </a:rPr>
+              <a:t>is</a:t>
+            </a:r>
+            <a:r>
+              <a:rPr lang="de-AT" sz="2600" b="0" dirty="0">
+                <a:solidFill>
+                  <a:schemeClr val="tx1">
+                    <a:lumMod val="65000"/>
+                    <a:lumOff val="35000"/>
+                  </a:schemeClr>
+                </a:solidFill>
+                <a:effectLst/>
+                <a:latin typeface="Menlo" panose="020B0609030804020204" pitchFamily="49" charset="0"/>
+              </a:rPr>
+              <a:t> </a:t>
+            </a:r>
+            <a:r>
+              <a:rPr lang="de-AT" sz="2600" b="0" dirty="0" err="1">
+                <a:solidFill>
+                  <a:schemeClr val="tx1">
+                    <a:lumMod val="65000"/>
+                    <a:lumOff val="35000"/>
+                  </a:schemeClr>
+                </a:solidFill>
+                <a:effectLst/>
+                <a:latin typeface="Menlo" panose="020B0609030804020204" pitchFamily="49" charset="0"/>
+              </a:rPr>
+              <a:t>allowed</a:t>
+            </a:r>
+            <a:endParaRPr lang="de-AT" sz="2600" b="0" dirty="0">
+              <a:solidFill>
+                <a:schemeClr val="tx1">
+                  <a:lumMod val="65000"/>
+                  <a:lumOff val="35000"/>
+                </a:schemeClr>
+              </a:solidFill>
+              <a:effectLst/>
+              <a:latin typeface="Menlo" panose="020B0609030804020204" pitchFamily="49" charset="0"/>
+            </a:endParaRPr>
+          </a:p>
+          <a:p>
+            <a:pPr marL="0" indent="0">
+              <a:buNone/>
+            </a:pPr>
+            <a:endParaRPr lang="de-AT" sz="2000" b="0" dirty="0">
+              <a:solidFill>
+                <a:srgbClr val="CCCCCC"/>
+              </a:solidFill>
+              <a:effectLst/>
+              <a:latin typeface="Menlo" panose="020B0609030804020204" pitchFamily="49" charset="0"/>
+            </a:endParaRPr>
+          </a:p>
+          <a:p>
+            <a:pPr marL="0" indent="0">
+              <a:buNone/>
+            </a:pPr>
+            <a:r>
+              <a:rPr lang="de-DE" sz="3200" dirty="0"/>
+              <a:t>… </a:t>
+            </a:r>
+            <a:r>
+              <a:rPr lang="de-DE" sz="3200" dirty="0" err="1"/>
+              <a:t>or</a:t>
+            </a:r>
+            <a:r>
+              <a:rPr lang="de-DE" sz="3200" dirty="0"/>
+              <a:t> </a:t>
+            </a:r>
+            <a:r>
+              <a:rPr lang="de-DE" sz="3200" dirty="0" err="1"/>
+              <a:t>use</a:t>
+            </a:r>
+            <a:r>
+              <a:rPr lang="de-DE" sz="3200" dirty="0"/>
+              <a:t> a </a:t>
+            </a:r>
+            <a:r>
+              <a:rPr lang="de-DE" sz="3200" dirty="0" err="1"/>
+              <a:t>procedural</a:t>
+            </a:r>
+            <a:r>
+              <a:rPr lang="de-DE" sz="3200" dirty="0"/>
+              <a:t> </a:t>
+            </a:r>
+            <a:r>
+              <a:rPr lang="de-DE" sz="3200" dirty="0" err="1"/>
+              <a:t>macro</a:t>
+            </a:r>
+            <a:r>
+              <a:rPr lang="de-DE" sz="3200" dirty="0"/>
+              <a:t> e.g. </a:t>
+            </a:r>
+          </a:p>
+          <a:p>
+            <a:pPr marL="0" indent="0">
+              <a:buNone/>
+            </a:pPr>
+            <a:endParaRPr lang="de-DE" sz="1900" dirty="0"/>
+          </a:p>
+          <a:p>
+            <a:pPr marL="0" indent="0">
+              <a:buNone/>
+            </a:pPr>
+            <a:r>
+              <a:rPr lang="de-AT" sz="2300" b="0" dirty="0">
+                <a:solidFill>
+                  <a:schemeClr val="tx1">
+                    <a:lumMod val="65000"/>
+                    <a:lumOff val="35000"/>
+                  </a:schemeClr>
+                </a:solidFill>
+                <a:effectLst/>
+                <a:latin typeface="Menlo" panose="020B0609030804020204" pitchFamily="49" charset="0"/>
+              </a:rPr>
+              <a:t>#[</a:t>
+            </a:r>
+            <a:r>
+              <a:rPr lang="de-AT" sz="2300" b="0" dirty="0" err="1">
+                <a:solidFill>
+                  <a:schemeClr val="accent2">
+                    <a:lumMod val="75000"/>
+                  </a:schemeClr>
+                </a:solidFill>
+                <a:effectLst/>
+                <a:latin typeface="Menlo" panose="020B0609030804020204" pitchFamily="49" charset="0"/>
+              </a:rPr>
+              <a:t>get</a:t>
+            </a:r>
+            <a:r>
+              <a:rPr lang="de-AT" sz="2300" b="0" dirty="0">
+                <a:solidFill>
+                  <a:schemeClr val="tx1">
+                    <a:lumMod val="65000"/>
+                    <a:lumOff val="35000"/>
+                  </a:schemeClr>
+                </a:solidFill>
+                <a:effectLst/>
+                <a:latin typeface="Menlo" panose="020B0609030804020204" pitchFamily="49" charset="0"/>
+              </a:rPr>
+              <a:t>(</a:t>
+            </a:r>
+            <a:r>
+              <a:rPr lang="de-AT" sz="2300" b="0" dirty="0">
+                <a:solidFill>
+                  <a:srgbClr val="CE9178"/>
+                </a:solidFill>
+                <a:effectLst/>
+                <a:latin typeface="Menlo" panose="020B0609030804020204" pitchFamily="49" charset="0"/>
+              </a:rPr>
+              <a:t>"/</a:t>
+            </a:r>
+            <a:r>
+              <a:rPr lang="de-AT" sz="2300" b="0" dirty="0" err="1">
+                <a:solidFill>
+                  <a:srgbClr val="CE9178"/>
+                </a:solidFill>
+                <a:effectLst/>
+                <a:latin typeface="Menlo" panose="020B0609030804020204" pitchFamily="49" charset="0"/>
+              </a:rPr>
+              <a:t>hello</a:t>
+            </a:r>
+            <a:r>
+              <a:rPr lang="de-AT" sz="2300" b="0" dirty="0">
+                <a:solidFill>
+                  <a:srgbClr val="CE9178"/>
+                </a:solidFill>
+                <a:effectLst/>
+                <a:latin typeface="Menlo" panose="020B0609030804020204" pitchFamily="49" charset="0"/>
+              </a:rPr>
+              <a:t>"</a:t>
+            </a:r>
+            <a:r>
+              <a:rPr lang="de-AT" sz="2300" b="0" dirty="0">
+                <a:solidFill>
+                  <a:schemeClr val="tx1">
+                    <a:lumMod val="65000"/>
+                    <a:lumOff val="35000"/>
+                  </a:schemeClr>
+                </a:solidFill>
+                <a:effectLst/>
+                <a:latin typeface="Menlo" panose="020B0609030804020204" pitchFamily="49" charset="0"/>
+              </a:rPr>
+              <a:t>)]</a:t>
+            </a:r>
+          </a:p>
+          <a:p>
+            <a:pPr marL="0" indent="0">
+              <a:buNone/>
+            </a:pPr>
+            <a:endParaRPr lang="de-AT" sz="1900" b="0" dirty="0">
+              <a:solidFill>
+                <a:schemeClr val="tx1">
+                  <a:lumMod val="65000"/>
+                  <a:lumOff val="35000"/>
+                </a:schemeClr>
+              </a:solidFill>
+              <a:effectLst/>
+              <a:latin typeface="Menlo" panose="020B0609030804020204" pitchFamily="49" charset="0"/>
+            </a:endParaRPr>
+          </a:p>
+          <a:p>
+            <a:pPr marL="0" indent="0">
+              <a:buNone/>
+            </a:pPr>
+            <a:r>
+              <a:rPr lang="de-DE" sz="3200" dirty="0"/>
+              <a:t>and </a:t>
+            </a:r>
+            <a:r>
+              <a:rPr lang="de-DE" sz="3200" dirty="0" err="1"/>
+              <a:t>call</a:t>
+            </a:r>
+            <a:r>
+              <a:rPr lang="de-DE" sz="3200" dirty="0"/>
+              <a:t> </a:t>
+            </a:r>
+            <a:r>
+              <a:rPr lang="de-DE" sz="3200" dirty="0" err="1"/>
+              <a:t>the</a:t>
+            </a:r>
+            <a:r>
+              <a:rPr lang="de-DE" sz="3200" dirty="0"/>
+              <a:t> </a:t>
+            </a:r>
+            <a:r>
+              <a:rPr lang="de-DE" sz="3200" dirty="0" err="1"/>
+              <a:t>service</a:t>
+            </a:r>
+            <a:r>
+              <a:rPr lang="de-DE" sz="3200" dirty="0"/>
+              <a:t> </a:t>
+            </a:r>
+            <a:r>
+              <a:rPr lang="de-DE" sz="3200" dirty="0" err="1"/>
+              <a:t>method</a:t>
+            </a:r>
+            <a:r>
+              <a:rPr lang="de-DE" sz="3200" dirty="0"/>
+              <a:t>:</a:t>
+            </a:r>
+          </a:p>
+          <a:p>
+            <a:pPr marL="0" indent="0">
+              <a:buNone/>
+            </a:pPr>
+            <a:endParaRPr lang="de-DE" sz="3200" dirty="0"/>
+          </a:p>
+          <a:p>
+            <a:pPr marL="0" indent="0">
+              <a:buNone/>
+            </a:pPr>
+            <a:r>
+              <a:rPr lang="de-AT" sz="2300" b="0" dirty="0">
+                <a:solidFill>
+                  <a:schemeClr val="tx1">
+                    <a:lumMod val="65000"/>
+                    <a:lumOff val="35000"/>
+                  </a:schemeClr>
+                </a:solidFill>
+                <a:effectLst/>
+                <a:latin typeface="Menlo" panose="020B0609030804020204" pitchFamily="49" charset="0"/>
+              </a:rPr>
+              <a:t>.</a:t>
+            </a:r>
+            <a:r>
+              <a:rPr lang="de-AT" sz="2000" b="0" dirty="0" err="1">
+                <a:solidFill>
+                  <a:schemeClr val="accent2">
+                    <a:lumMod val="75000"/>
+                  </a:schemeClr>
+                </a:solidFill>
+                <a:effectLst/>
+                <a:latin typeface="Menlo" panose="020B0609030804020204" pitchFamily="49" charset="0"/>
+              </a:rPr>
+              <a:t>service</a:t>
+            </a:r>
+            <a:r>
+              <a:rPr lang="de-AT" sz="2000" b="0" dirty="0">
+                <a:solidFill>
+                  <a:schemeClr val="tx1">
+                    <a:lumMod val="65000"/>
+                    <a:lumOff val="35000"/>
+                  </a:schemeClr>
+                </a:solidFill>
+                <a:effectLst/>
+                <a:latin typeface="Menlo" panose="020B0609030804020204" pitchFamily="49" charset="0"/>
+              </a:rPr>
+              <a:t>(</a:t>
+            </a:r>
+            <a:r>
+              <a:rPr lang="de-AT" sz="2000" b="0" dirty="0" err="1">
+                <a:solidFill>
+                  <a:srgbClr val="4EC9B0"/>
+                </a:solidFill>
+                <a:effectLst/>
+                <a:latin typeface="Menlo" panose="020B0609030804020204" pitchFamily="49" charset="0"/>
+              </a:rPr>
+              <a:t>handler_function</a:t>
+            </a:r>
+            <a:r>
+              <a:rPr lang="de-AT" sz="2000" b="0" dirty="0">
+                <a:solidFill>
+                  <a:schemeClr val="tx1">
+                    <a:lumMod val="65000"/>
+                    <a:lumOff val="35000"/>
+                  </a:schemeClr>
+                </a:solidFill>
+                <a:effectLst/>
+                <a:latin typeface="Menlo" panose="020B0609030804020204" pitchFamily="49" charset="0"/>
+              </a:rPr>
+              <a:t>)</a:t>
+            </a:r>
+          </a:p>
+          <a:p>
+            <a:pPr marL="0" indent="0">
+              <a:buNone/>
+            </a:pPr>
+            <a:endParaRPr lang="de-DE" dirty="0"/>
+          </a:p>
+        </p:txBody>
+      </p:sp>
+      <p:sp>
+        <p:nvSpPr>
+          <p:cNvPr id="6" name="Titel 5">
+            <a:extLst>
+              <a:ext uri="{FF2B5EF4-FFF2-40B4-BE49-F238E27FC236}">
+                <a16:creationId xmlns:a16="http://schemas.microsoft.com/office/drawing/2014/main" id="{F2F4350E-0158-7B6F-7484-739B1AC8F3D9}"/>
               </a:ext>
             </a:extLst>
           </p:cNvPr>
@@ -8327,789 +10753,7 @@
           <a:bodyPr/>
           <a:lstStyle/>
           <a:p>
-            <a:r>
-              <a:rPr lang="de-DE" dirty="0"/>
-              <a:t>Register </a:t>
-            </a:r>
-            <a:r>
-              <a:rPr lang="de-DE" dirty="0" err="1"/>
-              <a:t>routes</a:t>
-            </a:r>
-            <a:endParaRPr lang="de-DE" dirty="0"/>
-          </a:p>
-        </p:txBody>
-      </p:sp>
-      <p:sp>
-        <p:nvSpPr>
-          <p:cNvPr id="3" name="Inhaltsplatzhalter 2">
-            <a:extLst>
-              <a:ext uri="{FF2B5EF4-FFF2-40B4-BE49-F238E27FC236}">
-                <a16:creationId xmlns:a16="http://schemas.microsoft.com/office/drawing/2014/main" id="{06AFE83A-C1DB-68D6-1074-3DF6C1C728B1}"/>
-              </a:ext>
-            </a:extLst>
-          </p:cNvPr>
-          <p:cNvSpPr>
-            <a:spLocks noGrp="1"/>
-          </p:cNvSpPr>
-          <p:nvPr>
-            <p:ph idx="1"/>
-          </p:nvPr>
-        </p:nvSpPr>
-        <p:spPr/>
-        <p:txBody>
-          <a:bodyPr/>
-          <a:lstStyle/>
-          <a:p>
-            <a:pPr marL="0" indent="0">
-              <a:buNone/>
-            </a:pPr>
-            <a:r>
-              <a:rPr lang="de-AT" b="0" dirty="0">
-                <a:solidFill>
-                  <a:srgbClr val="4EC9B0"/>
-                </a:solidFill>
-                <a:effectLst/>
-                <a:latin typeface="Consolas" panose="020B0609020204030204" pitchFamily="49" charset="0"/>
-              </a:rPr>
-              <a:t>App</a:t>
-            </a:r>
-            <a:r>
-              <a:rPr lang="de-AT" b="0" dirty="0">
-                <a:solidFill>
-                  <a:srgbClr val="D4D4D4"/>
-                </a:solidFill>
-                <a:effectLst/>
-                <a:latin typeface="Consolas" panose="020B0609020204030204" pitchFamily="49" charset="0"/>
-              </a:rPr>
-              <a:t>::</a:t>
-            </a:r>
-            <a:r>
-              <a:rPr lang="de-AT" b="0" dirty="0" err="1">
-                <a:solidFill>
-                  <a:srgbClr val="DCDCAA"/>
-                </a:solidFill>
-                <a:effectLst/>
-                <a:latin typeface="Consolas" panose="020B0609020204030204" pitchFamily="49" charset="0"/>
-              </a:rPr>
-              <a:t>new</a:t>
-            </a:r>
-            <a:r>
-              <a:rPr lang="de-AT" b="0" dirty="0">
-                <a:solidFill>
-                  <a:srgbClr val="D4D4D4"/>
-                </a:solidFill>
-                <a:effectLst/>
-                <a:latin typeface="Consolas" panose="020B0609020204030204" pitchFamily="49" charset="0"/>
-              </a:rPr>
-              <a:t>()</a:t>
-            </a:r>
-          </a:p>
-          <a:p>
-            <a:pPr marL="0" indent="0">
-              <a:buNone/>
-            </a:pPr>
-            <a:endParaRPr lang="de-DE" dirty="0"/>
-          </a:p>
-          <a:p>
-            <a:pPr marL="0" indent="0">
-              <a:buNone/>
-            </a:pPr>
-            <a:r>
-              <a:rPr lang="de-AT" sz="1800" b="0" dirty="0">
-                <a:solidFill>
-                  <a:srgbClr val="DCDCAA"/>
-                </a:solidFill>
-                <a:effectLst/>
-                <a:latin typeface="Menlo" panose="020B0609030804020204" pitchFamily="49" charset="0"/>
-              </a:rPr>
-              <a:t>.route</a:t>
-            </a:r>
-            <a:r>
-              <a:rPr lang="de-AT" sz="1800" b="0" dirty="0">
-                <a:solidFill>
-                  <a:srgbClr val="CCCCCC"/>
-                </a:solidFill>
-                <a:effectLst/>
-                <a:latin typeface="Menlo" panose="020B0609030804020204" pitchFamily="49" charset="0"/>
-              </a:rPr>
-              <a:t>(</a:t>
-            </a:r>
-            <a:r>
-              <a:rPr lang="de-AT" sz="1800" b="0" dirty="0">
-                <a:solidFill>
-                  <a:srgbClr val="CE9178"/>
-                </a:solidFill>
-                <a:effectLst/>
-                <a:latin typeface="Menlo" panose="020B0609030804020204" pitchFamily="49" charset="0"/>
-              </a:rPr>
-              <a:t>"/</a:t>
-            </a:r>
-            <a:r>
-              <a:rPr lang="de-AT" sz="1800" b="0" dirty="0" err="1">
-                <a:solidFill>
-                  <a:srgbClr val="CE9178"/>
-                </a:solidFill>
-                <a:effectLst/>
-                <a:latin typeface="Menlo" panose="020B0609030804020204" pitchFamily="49" charset="0"/>
-              </a:rPr>
-              <a:t>hello</a:t>
-            </a:r>
-            <a:r>
-              <a:rPr lang="de-AT" sz="1800" b="0" dirty="0">
-                <a:solidFill>
-                  <a:srgbClr val="CE9178"/>
-                </a:solidFill>
-                <a:effectLst/>
-                <a:latin typeface="Menlo" panose="020B0609030804020204" pitchFamily="49" charset="0"/>
-              </a:rPr>
-              <a:t>"</a:t>
-            </a:r>
-            <a:r>
-              <a:rPr lang="de-AT" sz="1800" b="0" dirty="0">
-                <a:solidFill>
-                  <a:srgbClr val="CCCCCC"/>
-                </a:solidFill>
-                <a:effectLst/>
-                <a:latin typeface="Menlo" panose="020B0609030804020204" pitchFamily="49" charset="0"/>
-              </a:rPr>
-              <a:t>, </a:t>
-            </a:r>
-            <a:r>
-              <a:rPr lang="de-AT" sz="1800" b="0" dirty="0">
-                <a:solidFill>
-                  <a:srgbClr val="4EC9B0"/>
-                </a:solidFill>
-                <a:effectLst/>
-                <a:latin typeface="Menlo" panose="020B0609030804020204" pitchFamily="49" charset="0"/>
-              </a:rPr>
-              <a:t>web</a:t>
-            </a:r>
-            <a:r>
-              <a:rPr lang="de-AT" sz="1800" b="0" dirty="0">
-                <a:solidFill>
-                  <a:srgbClr val="D4D4D4"/>
-                </a:solidFill>
-                <a:effectLst/>
-                <a:latin typeface="Menlo" panose="020B0609030804020204" pitchFamily="49" charset="0"/>
-              </a:rPr>
-              <a:t>::</a:t>
-            </a:r>
-            <a:r>
-              <a:rPr lang="de-AT" sz="1800" b="0" dirty="0" err="1">
-                <a:solidFill>
-                  <a:srgbClr val="DCDCAA"/>
-                </a:solidFill>
-                <a:effectLst/>
-                <a:latin typeface="Menlo" panose="020B0609030804020204" pitchFamily="49" charset="0"/>
-              </a:rPr>
-              <a:t>to</a:t>
-            </a:r>
-            <a:r>
-              <a:rPr lang="de-AT" sz="1800" b="0" dirty="0">
-                <a:solidFill>
-                  <a:srgbClr val="CCCCCC"/>
-                </a:solidFill>
-                <a:effectLst/>
-                <a:latin typeface="Menlo" panose="020B0609030804020204" pitchFamily="49" charset="0"/>
-              </a:rPr>
-              <a:t>(</a:t>
-            </a:r>
-            <a:r>
-              <a:rPr lang="de-AT" sz="1800" b="0" dirty="0" err="1">
-                <a:solidFill>
-                  <a:srgbClr val="DCDCAA"/>
-                </a:solidFill>
-                <a:effectLst/>
-                <a:latin typeface="Menlo" panose="020B0609030804020204" pitchFamily="49" charset="0"/>
-              </a:rPr>
-              <a:t>handler_function</a:t>
-            </a:r>
-            <a:r>
-              <a:rPr lang="de-AT" sz="1800" b="0" dirty="0">
-                <a:solidFill>
-                  <a:srgbClr val="CCCCCC"/>
-                </a:solidFill>
-                <a:effectLst/>
-                <a:latin typeface="Menlo" panose="020B0609030804020204" pitchFamily="49" charset="0"/>
-              </a:rPr>
-              <a:t>)) // </a:t>
-            </a:r>
-            <a:r>
-              <a:rPr lang="de-AT" sz="1800" b="0" dirty="0" err="1">
-                <a:solidFill>
-                  <a:srgbClr val="CCCCCC"/>
-                </a:solidFill>
-                <a:effectLst/>
-                <a:latin typeface="Menlo" panose="020B0609030804020204" pitchFamily="49" charset="0"/>
-              </a:rPr>
-              <a:t>any</a:t>
-            </a:r>
-            <a:r>
-              <a:rPr lang="de-AT" sz="1800" b="0" dirty="0">
-                <a:solidFill>
-                  <a:srgbClr val="CCCCCC"/>
-                </a:solidFill>
-                <a:effectLst/>
-                <a:latin typeface="Menlo" panose="020B0609030804020204" pitchFamily="49" charset="0"/>
-              </a:rPr>
-              <a:t> </a:t>
-            </a:r>
-            <a:r>
-              <a:rPr lang="de-AT" sz="1800" b="0" dirty="0" err="1">
-                <a:solidFill>
-                  <a:srgbClr val="CCCCCC"/>
-                </a:solidFill>
-                <a:effectLst/>
-                <a:latin typeface="Menlo" panose="020B0609030804020204" pitchFamily="49" charset="0"/>
-              </a:rPr>
-              <a:t>method</a:t>
-            </a:r>
-            <a:r>
-              <a:rPr lang="de-AT" sz="1800" b="0" dirty="0">
-                <a:solidFill>
-                  <a:srgbClr val="CCCCCC"/>
-                </a:solidFill>
-                <a:effectLst/>
-                <a:latin typeface="Menlo" panose="020B0609030804020204" pitchFamily="49" charset="0"/>
-              </a:rPr>
-              <a:t> </a:t>
-            </a:r>
-            <a:r>
-              <a:rPr lang="de-AT" sz="1800" b="0" dirty="0" err="1">
-                <a:solidFill>
-                  <a:srgbClr val="CCCCCC"/>
-                </a:solidFill>
-                <a:effectLst/>
-                <a:latin typeface="Menlo" panose="020B0609030804020204" pitchFamily="49" charset="0"/>
-              </a:rPr>
-              <a:t>is</a:t>
-            </a:r>
-            <a:r>
-              <a:rPr lang="de-AT" sz="1800" b="0" dirty="0">
-                <a:solidFill>
-                  <a:srgbClr val="CCCCCC"/>
-                </a:solidFill>
-                <a:effectLst/>
-                <a:latin typeface="Menlo" panose="020B0609030804020204" pitchFamily="49" charset="0"/>
-              </a:rPr>
-              <a:t> </a:t>
-            </a:r>
-            <a:r>
-              <a:rPr lang="de-AT" sz="1800" b="0" dirty="0" err="1">
-                <a:solidFill>
-                  <a:srgbClr val="CCCCCC"/>
-                </a:solidFill>
-                <a:effectLst/>
-                <a:latin typeface="Menlo" panose="020B0609030804020204" pitchFamily="49" charset="0"/>
-              </a:rPr>
-              <a:t>allowed</a:t>
-            </a:r>
-            <a:endParaRPr lang="de-AT" sz="1800" b="0" dirty="0">
-              <a:solidFill>
-                <a:srgbClr val="CCCCCC"/>
-              </a:solidFill>
-              <a:effectLst/>
-              <a:latin typeface="Menlo" panose="020B0609030804020204" pitchFamily="49" charset="0"/>
-            </a:endParaRPr>
-          </a:p>
-          <a:p>
-            <a:pPr marL="0" indent="0">
-              <a:buNone/>
-            </a:pPr>
-            <a:endParaRPr lang="de-AT" sz="1800" b="0" dirty="0">
-              <a:solidFill>
-                <a:srgbClr val="4EC9B0"/>
-              </a:solidFill>
-              <a:effectLst/>
-              <a:latin typeface="Menlo" panose="020B0609030804020204" pitchFamily="49" charset="0"/>
-            </a:endParaRPr>
-          </a:p>
-          <a:p>
-            <a:pPr marL="0" indent="0">
-              <a:buNone/>
-            </a:pPr>
-            <a:r>
-              <a:rPr lang="de-AT" sz="1800" b="0" dirty="0">
-                <a:solidFill>
-                  <a:srgbClr val="DCDCAA"/>
-                </a:solidFill>
-                <a:effectLst/>
-                <a:latin typeface="Menlo" panose="020B0609030804020204" pitchFamily="49" charset="0"/>
-              </a:rPr>
-              <a:t>.route</a:t>
-            </a:r>
-            <a:r>
-              <a:rPr lang="de-AT" sz="1800" b="0" dirty="0">
-                <a:solidFill>
-                  <a:srgbClr val="CCCCCC"/>
-                </a:solidFill>
-                <a:effectLst/>
-                <a:latin typeface="Menlo" panose="020B0609030804020204" pitchFamily="49" charset="0"/>
-              </a:rPr>
-              <a:t>(</a:t>
-            </a:r>
-            <a:r>
-              <a:rPr lang="de-AT" sz="1800" b="0" dirty="0">
-                <a:solidFill>
-                  <a:srgbClr val="CE9178"/>
-                </a:solidFill>
-                <a:effectLst/>
-                <a:latin typeface="Menlo" panose="020B0609030804020204" pitchFamily="49" charset="0"/>
-              </a:rPr>
-              <a:t>"/</a:t>
-            </a:r>
-            <a:r>
-              <a:rPr lang="de-AT" sz="1800" b="0" dirty="0" err="1">
-                <a:solidFill>
-                  <a:srgbClr val="CE9178"/>
-                </a:solidFill>
-                <a:effectLst/>
-                <a:latin typeface="Menlo" panose="020B0609030804020204" pitchFamily="49" charset="0"/>
-              </a:rPr>
-              <a:t>hello</a:t>
-            </a:r>
-            <a:r>
-              <a:rPr lang="de-AT" sz="1800" b="0" dirty="0">
-                <a:solidFill>
-                  <a:srgbClr val="CE9178"/>
-                </a:solidFill>
-                <a:effectLst/>
-                <a:latin typeface="Menlo" panose="020B0609030804020204" pitchFamily="49" charset="0"/>
-              </a:rPr>
-              <a:t>"</a:t>
-            </a:r>
-            <a:r>
-              <a:rPr lang="de-AT" sz="1800" b="0" dirty="0">
-                <a:solidFill>
-                  <a:srgbClr val="CCCCCC"/>
-                </a:solidFill>
-                <a:effectLst/>
-                <a:latin typeface="Menlo" panose="020B0609030804020204" pitchFamily="49" charset="0"/>
-              </a:rPr>
-              <a:t>, </a:t>
-            </a:r>
-            <a:r>
-              <a:rPr lang="de-AT" sz="1800" b="0" dirty="0">
-                <a:solidFill>
-                  <a:srgbClr val="4EC9B0"/>
-                </a:solidFill>
-                <a:effectLst/>
-                <a:latin typeface="Menlo" panose="020B0609030804020204" pitchFamily="49" charset="0"/>
-              </a:rPr>
-              <a:t>web</a:t>
-            </a:r>
-            <a:r>
-              <a:rPr lang="de-AT" sz="1800" b="0" dirty="0">
-                <a:solidFill>
-                  <a:srgbClr val="D4D4D4"/>
-                </a:solidFill>
-                <a:effectLst/>
-                <a:latin typeface="Menlo" panose="020B0609030804020204" pitchFamily="49" charset="0"/>
-              </a:rPr>
-              <a:t>::</a:t>
-            </a:r>
-            <a:r>
-              <a:rPr lang="de-AT" sz="1800" b="0" dirty="0" err="1">
-                <a:solidFill>
-                  <a:srgbClr val="DCDCAA"/>
-                </a:solidFill>
-                <a:effectLst/>
-                <a:latin typeface="Menlo" panose="020B0609030804020204" pitchFamily="49" charset="0"/>
-              </a:rPr>
-              <a:t>get</a:t>
-            </a:r>
-            <a:r>
-              <a:rPr lang="de-AT" sz="1800" b="0" dirty="0">
-                <a:solidFill>
-                  <a:srgbClr val="CCCCCC"/>
-                </a:solidFill>
-                <a:effectLst/>
-                <a:latin typeface="Menlo" panose="020B0609030804020204" pitchFamily="49" charset="0"/>
-              </a:rPr>
-              <a:t>()</a:t>
-            </a:r>
-            <a:r>
-              <a:rPr lang="de-AT" sz="1800" b="0" dirty="0">
-                <a:solidFill>
-                  <a:srgbClr val="D4D4D4"/>
-                </a:solidFill>
-                <a:effectLst/>
-                <a:latin typeface="Menlo" panose="020B0609030804020204" pitchFamily="49" charset="0"/>
-              </a:rPr>
-              <a:t>.</a:t>
-            </a:r>
-            <a:r>
-              <a:rPr lang="de-AT" sz="1800" b="0" dirty="0" err="1">
-                <a:solidFill>
-                  <a:srgbClr val="DCDCAA"/>
-                </a:solidFill>
-                <a:effectLst/>
-                <a:latin typeface="Menlo" panose="020B0609030804020204" pitchFamily="49" charset="0"/>
-              </a:rPr>
-              <a:t>to</a:t>
-            </a:r>
-            <a:r>
-              <a:rPr lang="de-AT" sz="1800" b="0" dirty="0">
-                <a:solidFill>
-                  <a:srgbClr val="CCCCCC"/>
-                </a:solidFill>
-                <a:effectLst/>
-                <a:latin typeface="Menlo" panose="020B0609030804020204" pitchFamily="49" charset="0"/>
-              </a:rPr>
-              <a:t>(</a:t>
-            </a:r>
-            <a:r>
-              <a:rPr lang="de-AT" sz="1800" b="0" dirty="0" err="1">
-                <a:solidFill>
-                  <a:srgbClr val="DCDCAA"/>
-                </a:solidFill>
-                <a:effectLst/>
-                <a:latin typeface="Menlo" panose="020B0609030804020204" pitchFamily="49" charset="0"/>
-              </a:rPr>
-              <a:t>handler_function</a:t>
-            </a:r>
-            <a:r>
-              <a:rPr lang="de-AT" sz="1800" b="0" dirty="0">
-                <a:solidFill>
-                  <a:srgbClr val="DCDCAA"/>
-                </a:solidFill>
-                <a:effectLst/>
-                <a:latin typeface="Menlo" panose="020B0609030804020204" pitchFamily="49" charset="0"/>
-              </a:rPr>
-              <a:t>)</a:t>
-            </a:r>
-            <a:r>
-              <a:rPr lang="de-AT" sz="1800" b="0" dirty="0">
-                <a:solidFill>
-                  <a:srgbClr val="CCCCCC"/>
-                </a:solidFill>
-                <a:effectLst/>
-                <a:latin typeface="Menlo" panose="020B0609030804020204" pitchFamily="49" charset="0"/>
-              </a:rPr>
-              <a:t>) // </a:t>
-            </a:r>
-            <a:r>
-              <a:rPr lang="de-AT" sz="1800" b="0" dirty="0" err="1">
-                <a:solidFill>
-                  <a:srgbClr val="CCCCCC"/>
-                </a:solidFill>
-                <a:effectLst/>
-                <a:latin typeface="Menlo" panose="020B0609030804020204" pitchFamily="49" charset="0"/>
-              </a:rPr>
-              <a:t>only</a:t>
-            </a:r>
-            <a:r>
-              <a:rPr lang="de-AT" sz="1800" b="0" dirty="0">
-                <a:solidFill>
-                  <a:srgbClr val="CCCCCC"/>
-                </a:solidFill>
-                <a:effectLst/>
-                <a:latin typeface="Menlo" panose="020B0609030804020204" pitchFamily="49" charset="0"/>
-              </a:rPr>
-              <a:t> </a:t>
-            </a:r>
-            <a:r>
-              <a:rPr lang="de-AT" sz="1800" b="0" dirty="0" err="1">
-                <a:solidFill>
-                  <a:srgbClr val="CCCCCC"/>
-                </a:solidFill>
-                <a:effectLst/>
-                <a:latin typeface="Menlo" panose="020B0609030804020204" pitchFamily="49" charset="0"/>
-              </a:rPr>
-              <a:t>get</a:t>
-            </a:r>
-            <a:r>
-              <a:rPr lang="de-AT" sz="1800" b="0" dirty="0">
-                <a:solidFill>
-                  <a:srgbClr val="CCCCCC"/>
-                </a:solidFill>
-                <a:effectLst/>
-                <a:latin typeface="Menlo" panose="020B0609030804020204" pitchFamily="49" charset="0"/>
-              </a:rPr>
-              <a:t> </a:t>
-            </a:r>
-            <a:r>
-              <a:rPr lang="de-AT" sz="1800" b="0" dirty="0" err="1">
-                <a:solidFill>
-                  <a:srgbClr val="CCCCCC"/>
-                </a:solidFill>
-                <a:effectLst/>
-                <a:latin typeface="Menlo" panose="020B0609030804020204" pitchFamily="49" charset="0"/>
-              </a:rPr>
-              <a:t>method</a:t>
-            </a:r>
-            <a:r>
-              <a:rPr lang="de-AT" sz="1800" b="0" dirty="0">
-                <a:solidFill>
-                  <a:srgbClr val="CCCCCC"/>
-                </a:solidFill>
-                <a:effectLst/>
-                <a:latin typeface="Menlo" panose="020B0609030804020204" pitchFamily="49" charset="0"/>
-              </a:rPr>
-              <a:t> </a:t>
-            </a:r>
-            <a:r>
-              <a:rPr lang="de-AT" sz="1800" b="0" dirty="0" err="1">
-                <a:solidFill>
-                  <a:srgbClr val="CCCCCC"/>
-                </a:solidFill>
-                <a:effectLst/>
-                <a:latin typeface="Menlo" panose="020B0609030804020204" pitchFamily="49" charset="0"/>
-              </a:rPr>
-              <a:t>is</a:t>
-            </a:r>
-            <a:r>
-              <a:rPr lang="de-AT" sz="1800" b="0" dirty="0">
-                <a:solidFill>
-                  <a:srgbClr val="CCCCCC"/>
-                </a:solidFill>
-                <a:effectLst/>
-                <a:latin typeface="Menlo" panose="020B0609030804020204" pitchFamily="49" charset="0"/>
-              </a:rPr>
-              <a:t> </a:t>
-            </a:r>
-            <a:r>
-              <a:rPr lang="de-AT" sz="1800" b="0" dirty="0" err="1">
-                <a:solidFill>
-                  <a:srgbClr val="CCCCCC"/>
-                </a:solidFill>
-                <a:effectLst/>
-                <a:latin typeface="Menlo" panose="020B0609030804020204" pitchFamily="49" charset="0"/>
-              </a:rPr>
-              <a:t>allowed</a:t>
-            </a:r>
-            <a:endParaRPr lang="de-AT" sz="1800" b="0" dirty="0">
-              <a:solidFill>
-                <a:srgbClr val="CCCCCC"/>
-              </a:solidFill>
-              <a:effectLst/>
-              <a:latin typeface="Menlo" panose="020B0609030804020204" pitchFamily="49" charset="0"/>
-            </a:endParaRPr>
-          </a:p>
-          <a:p>
-            <a:pPr marL="0" indent="0">
-              <a:buNone/>
-            </a:pPr>
-            <a:endParaRPr lang="de-AT" sz="2000" b="0" dirty="0">
-              <a:solidFill>
-                <a:srgbClr val="CCCCCC"/>
-              </a:solidFill>
-              <a:effectLst/>
-              <a:latin typeface="Menlo" panose="020B0609030804020204" pitchFamily="49" charset="0"/>
-            </a:endParaRPr>
-          </a:p>
-          <a:p>
-            <a:pPr marL="0" indent="0">
-              <a:buNone/>
-            </a:pPr>
-            <a:r>
-              <a:rPr lang="de-DE" dirty="0"/>
-              <a:t>… </a:t>
-            </a:r>
-            <a:r>
-              <a:rPr lang="de-DE" dirty="0" err="1"/>
-              <a:t>or</a:t>
-            </a:r>
-            <a:r>
-              <a:rPr lang="de-DE" dirty="0"/>
-              <a:t> </a:t>
-            </a:r>
-            <a:r>
-              <a:rPr lang="de-DE" dirty="0" err="1"/>
-              <a:t>use</a:t>
-            </a:r>
-            <a:r>
-              <a:rPr lang="de-DE" dirty="0"/>
-              <a:t> a </a:t>
-            </a:r>
-            <a:r>
-              <a:rPr lang="de-DE" dirty="0" err="1"/>
-              <a:t>procedural</a:t>
-            </a:r>
-            <a:r>
-              <a:rPr lang="de-DE" dirty="0"/>
-              <a:t> </a:t>
-            </a:r>
-            <a:r>
-              <a:rPr lang="de-DE" dirty="0" err="1"/>
-              <a:t>macro</a:t>
-            </a:r>
-            <a:r>
-              <a:rPr lang="de-DE" dirty="0"/>
-              <a:t> e.g. </a:t>
-            </a:r>
-            <a:r>
-              <a:rPr lang="de-AT" sz="1800" b="0" dirty="0">
-                <a:solidFill>
-                  <a:srgbClr val="CCCCCC"/>
-                </a:solidFill>
-                <a:effectLst/>
-                <a:latin typeface="Menlo" panose="020B0609030804020204" pitchFamily="49" charset="0"/>
-              </a:rPr>
-              <a:t>#[</a:t>
-            </a:r>
-            <a:r>
-              <a:rPr lang="de-AT" sz="1800" b="0" dirty="0" err="1">
-                <a:solidFill>
-                  <a:srgbClr val="DCDCAA"/>
-                </a:solidFill>
-                <a:effectLst/>
-                <a:latin typeface="Menlo" panose="020B0609030804020204" pitchFamily="49" charset="0"/>
-              </a:rPr>
-              <a:t>get</a:t>
-            </a:r>
-            <a:r>
-              <a:rPr lang="de-AT" sz="1800" b="0" dirty="0">
-                <a:solidFill>
-                  <a:srgbClr val="CCCCCC"/>
-                </a:solidFill>
-                <a:effectLst/>
-                <a:latin typeface="Menlo" panose="020B0609030804020204" pitchFamily="49" charset="0"/>
-              </a:rPr>
-              <a:t>(</a:t>
-            </a:r>
-            <a:r>
-              <a:rPr lang="de-AT" sz="1800" b="0" dirty="0">
-                <a:solidFill>
-                  <a:srgbClr val="CE9178"/>
-                </a:solidFill>
-                <a:effectLst/>
-                <a:latin typeface="Menlo" panose="020B0609030804020204" pitchFamily="49" charset="0"/>
-              </a:rPr>
-              <a:t>"/</a:t>
-            </a:r>
-            <a:r>
-              <a:rPr lang="de-AT" sz="1800" b="0" dirty="0" err="1">
-                <a:solidFill>
-                  <a:srgbClr val="CE9178"/>
-                </a:solidFill>
-                <a:effectLst/>
-                <a:latin typeface="Menlo" panose="020B0609030804020204" pitchFamily="49" charset="0"/>
-              </a:rPr>
-              <a:t>hello</a:t>
-            </a:r>
-            <a:r>
-              <a:rPr lang="de-AT" sz="1800" b="0" dirty="0">
-                <a:solidFill>
-                  <a:srgbClr val="CE9178"/>
-                </a:solidFill>
-                <a:effectLst/>
-                <a:latin typeface="Menlo" panose="020B0609030804020204" pitchFamily="49" charset="0"/>
-              </a:rPr>
-              <a:t>"</a:t>
-            </a:r>
-            <a:r>
-              <a:rPr lang="de-AT" sz="1800" b="0" dirty="0">
-                <a:solidFill>
-                  <a:srgbClr val="CCCCCC"/>
-                </a:solidFill>
-                <a:effectLst/>
-                <a:latin typeface="Menlo" panose="020B0609030804020204" pitchFamily="49" charset="0"/>
-              </a:rPr>
-              <a:t>)]</a:t>
-            </a:r>
-          </a:p>
-          <a:p>
-            <a:pPr marL="0" indent="0">
-              <a:buNone/>
-            </a:pPr>
-            <a:r>
-              <a:rPr lang="de-DE" dirty="0"/>
-              <a:t>and </a:t>
-            </a:r>
-            <a:r>
-              <a:rPr lang="de-DE" dirty="0" err="1"/>
-              <a:t>call</a:t>
-            </a:r>
-            <a:r>
-              <a:rPr lang="de-DE" dirty="0"/>
-              <a:t> </a:t>
-            </a:r>
-            <a:r>
-              <a:rPr lang="de-DE" dirty="0" err="1"/>
-              <a:t>the</a:t>
-            </a:r>
-            <a:r>
-              <a:rPr lang="de-DE" dirty="0"/>
-              <a:t> </a:t>
-            </a:r>
-            <a:r>
-              <a:rPr lang="de-DE" dirty="0" err="1"/>
-              <a:t>service</a:t>
-            </a:r>
-            <a:r>
-              <a:rPr lang="de-DE" dirty="0"/>
-              <a:t> </a:t>
-            </a:r>
-            <a:r>
-              <a:rPr lang="de-DE" dirty="0" err="1"/>
-              <a:t>method</a:t>
-            </a:r>
-            <a:r>
-              <a:rPr lang="de-DE" dirty="0"/>
-              <a:t>:</a:t>
-            </a:r>
-          </a:p>
-          <a:p>
-            <a:pPr marL="0" indent="0">
-              <a:buNone/>
-            </a:pPr>
-            <a:r>
-              <a:rPr lang="de-AT" sz="2000" b="0" dirty="0">
-                <a:solidFill>
-                  <a:srgbClr val="DCDCAA"/>
-                </a:solidFill>
-                <a:effectLst/>
-                <a:latin typeface="Menlo" panose="020B0609030804020204" pitchFamily="49" charset="0"/>
-              </a:rPr>
-              <a:t>.</a:t>
-            </a:r>
-            <a:r>
-              <a:rPr lang="de-AT" sz="2000" b="0" dirty="0" err="1">
-                <a:solidFill>
-                  <a:srgbClr val="DCDCAA"/>
-                </a:solidFill>
-                <a:effectLst/>
-                <a:latin typeface="Menlo" panose="020B0609030804020204" pitchFamily="49" charset="0"/>
-              </a:rPr>
-              <a:t>service</a:t>
-            </a:r>
-            <a:r>
-              <a:rPr lang="de-AT" sz="2000" b="0" dirty="0">
-                <a:solidFill>
-                  <a:srgbClr val="CCCCCC"/>
-                </a:solidFill>
-                <a:effectLst/>
-                <a:latin typeface="Menlo" panose="020B0609030804020204" pitchFamily="49" charset="0"/>
-              </a:rPr>
-              <a:t>(</a:t>
-            </a:r>
-            <a:r>
-              <a:rPr lang="de-AT" sz="2000" b="0" dirty="0" err="1">
-                <a:solidFill>
-                  <a:srgbClr val="4EC9B0"/>
-                </a:solidFill>
-                <a:effectLst/>
-                <a:latin typeface="Menlo" panose="020B0609030804020204" pitchFamily="49" charset="0"/>
-              </a:rPr>
-              <a:t>handler_function</a:t>
-            </a:r>
-            <a:r>
-              <a:rPr lang="de-AT" sz="2000" b="0" dirty="0">
-                <a:solidFill>
-                  <a:srgbClr val="CCCCCC"/>
-                </a:solidFill>
-                <a:effectLst/>
-                <a:latin typeface="Menlo" panose="020B0609030804020204" pitchFamily="49" charset="0"/>
-              </a:rPr>
-              <a:t>)</a:t>
-            </a:r>
-          </a:p>
-          <a:p>
-            <a:pPr marL="0" indent="0">
-              <a:buNone/>
-            </a:pPr>
-            <a:endParaRPr lang="de-DE" dirty="0"/>
+            <a:endParaRPr lang="de-DE"/>
           </a:p>
         </p:txBody>
       </p:sp>
@@ -9301,54 +10945,69 @@
               <a:t> </a:t>
             </a:r>
             <a:r>
+              <a:rPr lang="de-AT" dirty="0" err="1">
+                <a:solidFill>
+                  <a:srgbClr val="CE9178"/>
+                </a:solidFill>
+                <a:latin typeface="Consolas" panose="020B0609020204030204" pitchFamily="49" charset="0"/>
+              </a:rPr>
+              <a:t>hello</a:t>
+            </a:r>
+            <a:r>
+              <a:rPr lang="de-AT" b="0" dirty="0">
+                <a:solidFill>
+                  <a:schemeClr val="tx1">
+                    <a:lumMod val="65000"/>
+                    <a:lumOff val="35000"/>
+                  </a:schemeClr>
+                </a:solidFill>
+                <a:effectLst/>
+                <a:latin typeface="Consolas" panose="020B0609020204030204" pitchFamily="49" charset="0"/>
+              </a:rPr>
+              <a:t>() -&gt; </a:t>
+            </a:r>
+            <a:r>
               <a:rPr lang="de-AT" b="0" dirty="0" err="1">
                 <a:solidFill>
-                  <a:srgbClr val="DCDCAA"/>
+                  <a:srgbClr val="4EC9B0"/>
                 </a:solidFill>
                 <a:effectLst/>
                 <a:latin typeface="Consolas" panose="020B0609020204030204" pitchFamily="49" charset="0"/>
               </a:rPr>
-              <a:t>hello</a:t>
+              <a:t>impl</a:t>
             </a:r>
             <a:r>
               <a:rPr lang="de-AT" b="0" dirty="0">
                 <a:solidFill>
+                  <a:srgbClr val="4EC9B0"/>
+                </a:solidFill>
+                <a:effectLst/>
+                <a:latin typeface="Consolas" panose="020B0609020204030204" pitchFamily="49" charset="0"/>
+              </a:rPr>
+              <a:t> Responder</a:t>
+            </a:r>
+            <a:r>
+              <a:rPr lang="de-AT" b="0" dirty="0">
+                <a:solidFill>
                   <a:srgbClr val="D4D4D4"/>
                 </a:solidFill>
                 <a:effectLst/>
                 <a:latin typeface="Consolas" panose="020B0609020204030204" pitchFamily="49" charset="0"/>
               </a:rPr>
-              <a:t>() -&gt; </a:t>
-            </a:r>
-            <a:r>
-              <a:rPr lang="de-AT" b="0" dirty="0" err="1">
-                <a:solidFill>
-                  <a:srgbClr val="4EC9B0"/>
+              <a:t> </a:t>
+            </a:r>
+            <a:r>
+              <a:rPr lang="de-AT" b="0" dirty="0">
+                <a:solidFill>
+                  <a:schemeClr val="tx1">
+                    <a:lumMod val="65000"/>
+                    <a:lumOff val="35000"/>
+                  </a:schemeClr>
                 </a:solidFill>
                 <a:effectLst/>
                 <a:latin typeface="Consolas" panose="020B0609020204030204" pitchFamily="49" charset="0"/>
               </a:rPr>
-              <a:t>impl</a:t>
-            </a:r>
-            <a:r>
-              <a:rPr lang="de-AT" b="0" dirty="0">
-                <a:solidFill>
-                  <a:srgbClr val="4EC9B0"/>
-                </a:solidFill>
-                <a:effectLst/>
-                <a:latin typeface="Consolas" panose="020B0609020204030204" pitchFamily="49" charset="0"/>
-              </a:rPr>
-              <a:t> Responder</a:t>
-            </a:r>
-            <a:r>
-              <a:rPr lang="de-AT" b="0" dirty="0">
-                <a:solidFill>
-                  <a:srgbClr val="D4D4D4"/>
-                </a:solidFill>
-                <a:effectLst/>
-                <a:latin typeface="Consolas" panose="020B0609020204030204" pitchFamily="49" charset="0"/>
-              </a:rPr>
-              <a:t> {</a:t>
+              <a:t>{</a:t>
             </a:r>
           </a:p>
           <a:p>
@@ -9410,7 +11069,10 @@
             <a:r>
               <a:rPr lang="de-AT" b="0" dirty="0">
                 <a:solidFill>
-                  <a:srgbClr val="D4D4D4"/>
+                  <a:schemeClr val="tx1">
+                    <a:lumMod val="65000"/>
+                    <a:lumOff val="35000"/>
+                  </a:schemeClr>
                 </a:solidFill>
                 <a:effectLst/>
                 <a:latin typeface="Consolas" panose="020B0609020204030204" pitchFamily="49" charset="0"/>
@@ -9807,7 +11469,10 @@
             <a:r>
               <a:rPr lang="de-AT" sz="2600" b="0" dirty="0">
                 <a:solidFill>
-                  <a:srgbClr val="CCCCCC"/>
+                  <a:schemeClr val="tx1">
+                    <a:lumMod val="65000"/>
+                    <a:lumOff val="35000"/>
+                  </a:schemeClr>
                 </a:solidFill>
                 <a:effectLst/>
                 <a:latin typeface="Menlo" panose="020B0609030804020204" pitchFamily="49" charset="0"/>
@@ -9832,7 +11497,10 @@
             <a:r>
               <a:rPr lang="de-AT" sz="2600" b="0" dirty="0">
                 <a:solidFill>
-                  <a:srgbClr val="D4D4D4"/>
+                  <a:schemeClr val="tx1">
+                    <a:lumMod val="65000"/>
+                    <a:lumOff val="35000"/>
+                  </a:schemeClr>
                 </a:solidFill>
                 <a:effectLst/>
                 <a:latin typeface="Menlo" panose="020B0609030804020204" pitchFamily="49" charset="0"/>
@@ -9840,9 +11508,40 @@
               <a:t>::</a:t>
             </a:r>
             <a:r>
+              <a:rPr lang="de-AT" sz="2600" dirty="0" err="1">
+                <a:solidFill>
+                  <a:srgbClr val="CE9178"/>
+                </a:solidFill>
+                <a:latin typeface="Menlo" panose="020B0609030804020204" pitchFamily="49" charset="0"/>
+              </a:rPr>
+              <a:t>scope</a:t>
+            </a:r>
+            <a:r>
+              <a:rPr lang="de-AT" sz="2600" dirty="0">
+                <a:solidFill>
+                  <a:schemeClr val="tx1">
+                    <a:lumMod val="65000"/>
+                    <a:lumOff val="35000"/>
+                  </a:schemeClr>
+                </a:solidFill>
+                <a:latin typeface="Menlo" panose="020B0609030804020204" pitchFamily="49" charset="0"/>
+              </a:rPr>
+              <a:t>(</a:t>
+            </a:r>
+            <a:r>
+              <a:rPr lang="de-AT" sz="2600" b="0" dirty="0">
+                <a:solidFill>
+                  <a:srgbClr val="CE9178"/>
+                </a:solidFill>
+                <a:effectLst/>
+                <a:latin typeface="Menlo" panose="020B0609030804020204" pitchFamily="49" charset="0"/>
+              </a:rPr>
+              <a:t>"/</a:t>
+            </a:r>
+            <a:r>
               <a:rPr lang="de-AT" sz="2600" b="0" dirty="0" err="1">
                 <a:solidFill>
-                  <a:srgbClr val="DCDCAA"/>
+                  <a:srgbClr val="CE9178"/>
                 </a:solidFill>
                 <a:effectLst/>
                 <a:latin typeface="Menlo" panose="020B0609030804020204" pitchFamily="49" charset="0"/>
@@ -9852,52 +11551,34 @@
             <a:r>
               <a:rPr lang="de-AT" sz="2600" b="0" dirty="0">
                 <a:solidFill>
+                  <a:srgbClr val="CE9178"/>
+                </a:solidFill>
+                <a:effectLst/>
+                <a:latin typeface="Menlo" panose="020B0609030804020204" pitchFamily="49" charset="0"/>
+              </a:rPr>
+              <a:t>"</a:t>
+            </a:r>
+            <a:r>
+              <a:rPr lang="de-AT" sz="2600" dirty="0">
+                <a:solidFill>
+                  <a:schemeClr val="tx1">
+                    <a:lumMod val="65000"/>
+                    <a:lumOff val="35000"/>
+                  </a:schemeClr>
+                </a:solidFill>
+                <a:latin typeface="Menlo" panose="020B0609030804020204" pitchFamily="49" charset="0"/>
+              </a:rPr>
+              <a:t>)</a:t>
+            </a:r>
+            <a:r>
+              <a:rPr lang="de-AT" sz="2600" b="0" dirty="0">
+                <a:solidFill>
                   <a:srgbClr val="CCCCCC"/>
                 </a:solidFill>
                 <a:effectLst/>
                 <a:latin typeface="Menlo" panose="020B0609030804020204" pitchFamily="49" charset="0"/>
               </a:rPr>
-              <a:t>(</a:t>
-            </a:r>
-            <a:r>
-              <a:rPr lang="de-AT" sz="2600" b="0" dirty="0">
-                <a:solidFill>
-                  <a:srgbClr val="CE9178"/>
-                </a:solidFill>
-                <a:effectLst/>
-                <a:latin typeface="Menlo" panose="020B0609030804020204" pitchFamily="49" charset="0"/>
-              </a:rPr>
-              <a:t>"/</a:t>
-            </a:r>
-            <a:r>
-              <a:rPr lang="de-AT" sz="2600" b="0" dirty="0" err="1">
-                <a:solidFill>
-                  <a:srgbClr val="CE9178"/>
-                </a:solidFill>
-                <a:effectLst/>
-                <a:latin typeface="Menlo" panose="020B0609030804020204" pitchFamily="49" charset="0"/>
-              </a:rPr>
-              <a:t>scope</a:t>
-            </a:r>
-            <a:r>
-              <a:rPr lang="de-AT" sz="2600" b="0" dirty="0">
-                <a:solidFill>
-                  <a:srgbClr val="CE9178"/>
-                </a:solidFill>
-                <a:effectLst/>
-                <a:latin typeface="Menlo" panose="020B0609030804020204" pitchFamily="49" charset="0"/>
-              </a:rPr>
-              <a:t>"</a:t>
-            </a:r>
-            <a:r>
-              <a:rPr lang="de-AT" sz="2600" b="0" dirty="0">
-                <a:solidFill>
-                  <a:srgbClr val="CCCCCC"/>
-                </a:solidFill>
-                <a:effectLst/>
-                <a:latin typeface="Menlo" panose="020B0609030804020204" pitchFamily="49" charset="0"/>
-              </a:rPr>
-              <a:t>) </a:t>
+              <a:t> </a:t>
             </a:r>
           </a:p>
           <a:p>
@@ -9911,17 +11592,62 @@
                 </a:solidFill>
                 <a:latin typeface="Menlo" panose="020B0609030804020204" pitchFamily="49" charset="0"/>
               </a:rPr>
-              <a:t>		.</a:t>
+              <a:t>		</a:t>
+            </a:r>
+            <a:r>
+              <a:rPr lang="de-AT" sz="2600" dirty="0">
+                <a:solidFill>
+                  <a:schemeClr val="tx1">
+                    <a:lumMod val="65000"/>
+                    <a:lumOff val="35000"/>
+                  </a:schemeClr>
+                </a:solidFill>
+                <a:latin typeface="Menlo" panose="020B0609030804020204" pitchFamily="49" charset="0"/>
+              </a:rPr>
+              <a:t>.</a:t>
+            </a:r>
+            <a:r>
+              <a:rPr lang="de-AT" sz="2600" dirty="0">
+                <a:solidFill>
+                  <a:srgbClr val="CE9178"/>
+                </a:solidFill>
+                <a:latin typeface="Menlo" panose="020B0609030804020204" pitchFamily="49" charset="0"/>
+              </a:rPr>
+              <a:t>route</a:t>
+            </a:r>
+            <a:r>
+              <a:rPr lang="de-AT" sz="2600" dirty="0">
+                <a:solidFill>
+                  <a:schemeClr val="tx1">
+                    <a:lumMod val="65000"/>
+                    <a:lumOff val="35000"/>
+                  </a:schemeClr>
+                </a:solidFill>
+                <a:latin typeface="Menlo" panose="020B0609030804020204" pitchFamily="49" charset="0"/>
+              </a:rPr>
+              <a:t>(</a:t>
             </a:r>
             <a:r>
               <a:rPr lang="de-AT" sz="2600" b="0" dirty="0">
                 <a:solidFill>
-                  <a:srgbClr val="DCDCAA"/>
-                </a:solidFill>
-                <a:effectLst/>
-                <a:latin typeface="Menlo" panose="020B0609030804020204" pitchFamily="49" charset="0"/>
-              </a:rPr>
-              <a:t>route</a:t>
+                  <a:srgbClr val="CE9178"/>
+                </a:solidFill>
+                <a:effectLst/>
+                <a:latin typeface="Menlo" panose="020B0609030804020204" pitchFamily="49" charset="0"/>
+              </a:rPr>
+              <a:t>"/sub1"</a:t>
+            </a:r>
+            <a:r>
+              <a:rPr lang="de-AT" sz="2600" dirty="0">
+                <a:solidFill>
+                  <a:schemeClr val="tx1">
+                    <a:lumMod val="65000"/>
+                    <a:lumOff val="35000"/>
+                  </a:schemeClr>
+                </a:solidFill>
+                <a:latin typeface="Menlo" panose="020B0609030804020204" pitchFamily="49" charset="0"/>
+              </a:rPr>
+              <a:t>,</a:t>
             </a:r>
             <a:r>
               <a:rPr lang="de-AT" sz="2600" b="0" dirty="0">
@@ -9931,17 +11657,50 @@
                 <a:effectLst/>
                 <a:latin typeface="Menlo" panose="020B0609030804020204" pitchFamily="49" charset="0"/>
               </a:rPr>
-              <a:t>(</a:t>
+              <a:t> </a:t>
             </a:r>
             <a:r>
               <a:rPr lang="de-AT" sz="2600" b="0" dirty="0">
                 <a:solidFill>
+                  <a:srgbClr val="4EC9B0"/>
+                </a:solidFill>
+                <a:effectLst/>
+                <a:latin typeface="Menlo" panose="020B0609030804020204" pitchFamily="49" charset="0"/>
+              </a:rPr>
+              <a:t>web</a:t>
+            </a:r>
+            <a:r>
+              <a:rPr lang="de-AT" sz="2600" dirty="0">
+                <a:solidFill>
+                  <a:schemeClr val="tx1">
+                    <a:lumMod val="65000"/>
+                    <a:lumOff val="35000"/>
+                  </a:schemeClr>
+                </a:solidFill>
+                <a:latin typeface="Menlo" panose="020B0609030804020204" pitchFamily="49" charset="0"/>
+              </a:rPr>
+              <a:t>::</a:t>
+            </a:r>
+            <a:r>
+              <a:rPr lang="de-AT" sz="2600" dirty="0" err="1">
+                <a:solidFill>
                   <a:srgbClr val="CE9178"/>
                 </a:solidFill>
-                <a:effectLst/>
-                <a:latin typeface="Menlo" panose="020B0609030804020204" pitchFamily="49" charset="0"/>
-              </a:rPr>
-              <a:t>"/sub1"</a:t>
+                <a:latin typeface="Menlo" panose="020B0609030804020204" pitchFamily="49" charset="0"/>
+              </a:rPr>
+              <a:t>to</a:t>
+            </a:r>
+            <a:r>
+              <a:rPr lang="de-AT" sz="2600" dirty="0">
+                <a:solidFill>
+                  <a:schemeClr val="tx1">
+                    <a:lumMod val="65000"/>
+                    <a:lumOff val="35000"/>
+                  </a:schemeClr>
+                </a:solidFill>
+                <a:latin typeface="Menlo" panose="020B0609030804020204" pitchFamily="49" charset="0"/>
+              </a:rPr>
+              <a:t>(||</a:t>
             </a:r>
             <a:r>
               <a:rPr lang="de-AT" sz="2600" b="0" dirty="0">
@@ -9951,91 +11710,43 @@
                 <a:effectLst/>
                 <a:latin typeface="Menlo" panose="020B0609030804020204" pitchFamily="49" charset="0"/>
               </a:rPr>
-              <a:t>, </a:t>
+              <a:t> </a:t>
+            </a:r>
+            <a:r>
+              <a:rPr lang="de-AT" sz="2600" b="0" dirty="0" err="1">
+                <a:solidFill>
+                  <a:srgbClr val="569CD6"/>
+                </a:solidFill>
+                <a:effectLst/>
+                <a:latin typeface="Menlo" panose="020B0609030804020204" pitchFamily="49" charset="0"/>
+              </a:rPr>
+              <a:t>async</a:t>
             </a:r>
             <a:r>
               <a:rPr lang="de-AT" sz="2600" b="0" dirty="0">
                 <a:solidFill>
-                  <a:srgbClr val="4EC9B0"/>
-                </a:solidFill>
-                <a:effectLst/>
-                <a:latin typeface="Menlo" panose="020B0609030804020204" pitchFamily="49" charset="0"/>
-              </a:rPr>
-              <a:t>web</a:t>
+                  <a:srgbClr val="CCCCCC"/>
+                </a:solidFill>
+                <a:effectLst/>
+                <a:latin typeface="Menlo" panose="020B0609030804020204" pitchFamily="49" charset="0"/>
+              </a:rPr>
+              <a:t> </a:t>
+            </a:r>
+            <a:r>
+              <a:rPr lang="de-AT" sz="2600" dirty="0">
+                <a:solidFill>
+                  <a:schemeClr val="tx1">
+                    <a:lumMod val="65000"/>
+                    <a:lumOff val="35000"/>
+                  </a:schemeClr>
+                </a:solidFill>
+                <a:latin typeface="Menlo" panose="020B0609030804020204" pitchFamily="49" charset="0"/>
+              </a:rPr>
+              <a:t>{</a:t>
             </a:r>
             <a:r>
               <a:rPr lang="de-AT" sz="2600" b="0" dirty="0">
                 <a:solidFill>
-                  <a:srgbClr val="D4D4D4"/>
-                </a:solidFill>
-                <a:effectLst/>
-                <a:latin typeface="Menlo" panose="020B0609030804020204" pitchFamily="49" charset="0"/>
-              </a:rPr>
-              <a:t>::</a:t>
-            </a:r>
-            <a:r>
-              <a:rPr lang="de-AT" sz="2600" b="0" dirty="0" err="1">
-                <a:solidFill>
-                  <a:srgbClr val="DCDCAA"/>
-                </a:solidFill>
-                <a:effectLst/>
-                <a:latin typeface="Menlo" panose="020B0609030804020204" pitchFamily="49" charset="0"/>
-              </a:rPr>
-              <a:t>to</a:t>
-            </a:r>
-            <a:r>
-              <a:rPr lang="de-AT" sz="2600" b="0" dirty="0">
-                <a:solidFill>
-                  <a:srgbClr val="CCCCCC"/>
-                </a:solidFill>
-                <a:effectLst/>
-                <a:latin typeface="Menlo" panose="020B0609030804020204" pitchFamily="49" charset="0"/>
-              </a:rPr>
-              <a:t>(</a:t>
-            </a:r>
-            <a:r>
-              <a:rPr lang="de-AT" sz="2600" b="0" dirty="0">
-                <a:solidFill>
-                  <a:srgbClr val="D4D4D4"/>
-                </a:solidFill>
-                <a:effectLst/>
-                <a:latin typeface="Menlo" panose="020B0609030804020204" pitchFamily="49" charset="0"/>
-              </a:rPr>
-              <a:t>||</a:t>
-            </a:r>
-            <a:r>
-              <a:rPr lang="de-AT" sz="2600" b="0" dirty="0">
-                <a:solidFill>
-                  <a:srgbClr val="CCCCCC"/>
-                </a:solidFill>
-                <a:effectLst/>
-                <a:latin typeface="Menlo" panose="020B0609030804020204" pitchFamily="49" charset="0"/>
-              </a:rPr>
-              <a:t> </a:t>
-            </a:r>
-            <a:r>
-              <a:rPr lang="de-AT" sz="2600" b="0" dirty="0" err="1">
-                <a:solidFill>
-                  <a:srgbClr val="569CD6"/>
-                </a:solidFill>
-                <a:effectLst/>
-                <a:latin typeface="Menlo" panose="020B0609030804020204" pitchFamily="49" charset="0"/>
-              </a:rPr>
-              <a:t>async</a:t>
-            </a:r>
-            <a:r>
-              <a:rPr lang="de-AT" sz="2600" b="0" dirty="0">
-                <a:solidFill>
-                  <a:srgbClr val="CCCCCC"/>
-                </a:solidFill>
-                <a:effectLst/>
-                <a:latin typeface="Menlo" panose="020B0609030804020204" pitchFamily="49" charset="0"/>
-              </a:rPr>
-              <a:t> {</a:t>
-            </a:r>
-            <a:r>
-              <a:rPr lang="de-AT" sz="2600" b="0" dirty="0">
-                <a:solidFill>
                   <a:srgbClr val="CE9178"/>
                 </a:solidFill>
                 <a:effectLst/>
@@ -10044,11 +11755,13 @@
               <a:t>"sub1"</a:t>
             </a:r>
             <a:r>
-              <a:rPr lang="de-AT" sz="2600" b="0" dirty="0">
-                <a:solidFill>
-                  <a:srgbClr val="CCCCCC"/>
-                </a:solidFill>
-                <a:effectLst/>
+              <a:rPr lang="de-AT" sz="2600" dirty="0">
+                <a:solidFill>
+                  <a:schemeClr val="tx1">
+                    <a:lumMod val="65000"/>
+                    <a:lumOff val="35000"/>
+                  </a:schemeClr>
+                </a:solidFill>
                 <a:latin typeface="Menlo" panose="020B0609030804020204" pitchFamily="49" charset="0"/>
               </a:rPr>
               <a:t>}))</a:t>
@@ -10065,17 +11778,62 @@
                 </a:solidFill>
                 <a:latin typeface="Menlo" panose="020B0609030804020204" pitchFamily="49" charset="0"/>
               </a:rPr>
-              <a:t>		.</a:t>
+              <a:t>		</a:t>
+            </a:r>
+            <a:r>
+              <a:rPr lang="de-AT" sz="2600" dirty="0">
+                <a:solidFill>
+                  <a:schemeClr val="tx1">
+                    <a:lumMod val="65000"/>
+                    <a:lumOff val="35000"/>
+                  </a:schemeClr>
+                </a:solidFill>
+                <a:latin typeface="Menlo" panose="020B0609030804020204" pitchFamily="49" charset="0"/>
+              </a:rPr>
+              <a:t>.</a:t>
+            </a:r>
+            <a:r>
+              <a:rPr lang="de-AT" sz="2600" dirty="0">
+                <a:solidFill>
+                  <a:srgbClr val="CE9178"/>
+                </a:solidFill>
+                <a:latin typeface="Menlo" panose="020B0609030804020204" pitchFamily="49" charset="0"/>
+              </a:rPr>
+              <a:t>route</a:t>
+            </a:r>
+            <a:r>
+              <a:rPr lang="de-AT" sz="2600" dirty="0">
+                <a:solidFill>
+                  <a:schemeClr val="tx1">
+                    <a:lumMod val="65000"/>
+                    <a:lumOff val="35000"/>
+                  </a:schemeClr>
+                </a:solidFill>
+                <a:latin typeface="Menlo" panose="020B0609030804020204" pitchFamily="49" charset="0"/>
+              </a:rPr>
+              <a:t>(</a:t>
             </a:r>
             <a:r>
               <a:rPr lang="de-AT" sz="2600" b="0" dirty="0">
                 <a:solidFill>
-                  <a:srgbClr val="DCDCAA"/>
-                </a:solidFill>
-                <a:effectLst/>
-                <a:latin typeface="Menlo" panose="020B0609030804020204" pitchFamily="49" charset="0"/>
-              </a:rPr>
-              <a:t>route</a:t>
+                  <a:srgbClr val="CE9178"/>
+                </a:solidFill>
+                <a:effectLst/>
+                <a:latin typeface="Menlo" panose="020B0609030804020204" pitchFamily="49" charset="0"/>
+              </a:rPr>
+              <a:t>"/sub2"</a:t>
+            </a:r>
+            <a:r>
+              <a:rPr lang="de-AT" sz="2600" dirty="0">
+                <a:solidFill>
+                  <a:schemeClr val="tx1">
+                    <a:lumMod val="65000"/>
+                    <a:lumOff val="35000"/>
+                  </a:schemeClr>
+                </a:solidFill>
+                <a:latin typeface="Menlo" panose="020B0609030804020204" pitchFamily="49" charset="0"/>
+              </a:rPr>
+              <a:t>,</a:t>
             </a:r>
             <a:r>
               <a:rPr lang="de-AT" sz="2600" b="0" dirty="0">
@@ -10085,17 +11843,50 @@
                 <a:effectLst/>
                 <a:latin typeface="Menlo" panose="020B0609030804020204" pitchFamily="49" charset="0"/>
               </a:rPr>
-              <a:t>(</a:t>
+              <a:t> </a:t>
             </a:r>
             <a:r>
               <a:rPr lang="de-AT" sz="2600" b="0" dirty="0">
                 <a:solidFill>
+                  <a:srgbClr val="4EC9B0"/>
+                </a:solidFill>
+                <a:effectLst/>
+                <a:latin typeface="Menlo" panose="020B0609030804020204" pitchFamily="49" charset="0"/>
+              </a:rPr>
+              <a:t>web</a:t>
+            </a:r>
+            <a:r>
+              <a:rPr lang="de-AT" sz="2600" dirty="0">
+                <a:solidFill>
+                  <a:schemeClr val="tx1">
+                    <a:lumMod val="65000"/>
+                    <a:lumOff val="35000"/>
+                  </a:schemeClr>
+                </a:solidFill>
+                <a:latin typeface="Menlo" panose="020B0609030804020204" pitchFamily="49" charset="0"/>
+              </a:rPr>
+              <a:t>::</a:t>
+            </a:r>
+            <a:r>
+              <a:rPr lang="de-AT" sz="2600" dirty="0" err="1">
+                <a:solidFill>
                   <a:srgbClr val="CE9178"/>
                 </a:solidFill>
-                <a:effectLst/>
-                <a:latin typeface="Menlo" panose="020B0609030804020204" pitchFamily="49" charset="0"/>
-              </a:rPr>
-              <a:t>"/sub2"</a:t>
+                <a:latin typeface="Menlo" panose="020B0609030804020204" pitchFamily="49" charset="0"/>
+              </a:rPr>
+              <a:t>to</a:t>
+            </a:r>
+            <a:r>
+              <a:rPr lang="de-AT" sz="2600" dirty="0">
+                <a:solidFill>
+                  <a:schemeClr val="tx1">
+                    <a:lumMod val="65000"/>
+                    <a:lumOff val="35000"/>
+                  </a:schemeClr>
+                </a:solidFill>
+                <a:latin typeface="Menlo" panose="020B0609030804020204" pitchFamily="49" charset="0"/>
+              </a:rPr>
+              <a:t>(||</a:t>
             </a:r>
             <a:r>
               <a:rPr lang="de-AT" sz="2600" b="0" dirty="0">
@@ -10105,91 +11896,43 @@
                 <a:effectLst/>
                 <a:latin typeface="Menlo" panose="020B0609030804020204" pitchFamily="49" charset="0"/>
               </a:rPr>
-              <a:t>, </a:t>
+              <a:t> </a:t>
+            </a:r>
+            <a:r>
+              <a:rPr lang="de-AT" sz="2600" b="0" dirty="0" err="1">
+                <a:solidFill>
+                  <a:srgbClr val="569CD6"/>
+                </a:solidFill>
+                <a:effectLst/>
+                <a:latin typeface="Menlo" panose="020B0609030804020204" pitchFamily="49" charset="0"/>
+              </a:rPr>
+              <a:t>async</a:t>
             </a:r>
             <a:r>
               <a:rPr lang="de-AT" sz="2600" b="0" dirty="0">
                 <a:solidFill>
-                  <a:srgbClr val="4EC9B0"/>
-                </a:solidFill>
-                <a:effectLst/>
-                <a:latin typeface="Menlo" panose="020B0609030804020204" pitchFamily="49" charset="0"/>
-              </a:rPr>
-              <a:t>web</a:t>
+                  <a:srgbClr val="CCCCCC"/>
+                </a:solidFill>
+                <a:effectLst/>
+                <a:latin typeface="Menlo" panose="020B0609030804020204" pitchFamily="49" charset="0"/>
+              </a:rPr>
+              <a:t> </a:t>
+            </a:r>
+            <a:r>
+              <a:rPr lang="de-AT" sz="2600" dirty="0">
+                <a:solidFill>
+                  <a:schemeClr val="tx1">
+                    <a:lumMod val="65000"/>
+                    <a:lumOff val="35000"/>
+                  </a:schemeClr>
+                </a:solidFill>
+                <a:latin typeface="Menlo" panose="020B0609030804020204" pitchFamily="49" charset="0"/>
+              </a:rPr>
+              <a:t>{</a:t>
             </a:r>
             <a:r>
               <a:rPr lang="de-AT" sz="2600" b="0" dirty="0">
                 <a:solidFill>
-                  <a:srgbClr val="D4D4D4"/>
-                </a:solidFill>
-                <a:effectLst/>
-                <a:latin typeface="Menlo" panose="020B0609030804020204" pitchFamily="49" charset="0"/>
-              </a:rPr>
-              <a:t>::</a:t>
-            </a:r>
-            <a:r>
-              <a:rPr lang="de-AT" sz="2600" b="0" dirty="0" err="1">
-                <a:solidFill>
-                  <a:srgbClr val="DCDCAA"/>
-                </a:solidFill>
-                <a:effectLst/>
-                <a:latin typeface="Menlo" panose="020B0609030804020204" pitchFamily="49" charset="0"/>
-              </a:rPr>
-              <a:t>to</a:t>
-            </a:r>
-            <a:r>
-              <a:rPr lang="de-AT" sz="2600" b="0" dirty="0">
-                <a:solidFill>
-                  <a:srgbClr val="CCCCCC"/>
-                </a:solidFill>
-                <a:effectLst/>
-                <a:latin typeface="Menlo" panose="020B0609030804020204" pitchFamily="49" charset="0"/>
-              </a:rPr>
-              <a:t>(</a:t>
-            </a:r>
-            <a:r>
-              <a:rPr lang="de-AT" sz="2600" b="0" dirty="0">
-                <a:solidFill>
-                  <a:srgbClr val="D4D4D4"/>
-                </a:solidFill>
-                <a:effectLst/>
-                <a:latin typeface="Menlo" panose="020B0609030804020204" pitchFamily="49" charset="0"/>
-              </a:rPr>
-              <a:t>||</a:t>
-            </a:r>
-            <a:r>
-              <a:rPr lang="de-AT" sz="2600" b="0" dirty="0">
-                <a:solidFill>
-                  <a:srgbClr val="CCCCCC"/>
-                </a:solidFill>
-                <a:effectLst/>
-                <a:latin typeface="Menlo" panose="020B0609030804020204" pitchFamily="49" charset="0"/>
-              </a:rPr>
-              <a:t> </a:t>
-            </a:r>
-            <a:r>
-              <a:rPr lang="de-AT" sz="2600" b="0" dirty="0" err="1">
-                <a:solidFill>
-                  <a:srgbClr val="569CD6"/>
-                </a:solidFill>
-                <a:effectLst/>
-                <a:latin typeface="Menlo" panose="020B0609030804020204" pitchFamily="49" charset="0"/>
-              </a:rPr>
-              <a:t>async</a:t>
-            </a:r>
-            <a:r>
-              <a:rPr lang="de-AT" sz="2600" b="0" dirty="0">
-                <a:solidFill>
-                  <a:srgbClr val="CCCCCC"/>
-                </a:solidFill>
-                <a:effectLst/>
-                <a:latin typeface="Menlo" panose="020B0609030804020204" pitchFamily="49" charset="0"/>
-              </a:rPr>
-              <a:t> {</a:t>
-            </a:r>
-            <a:r>
-              <a:rPr lang="de-AT" sz="2600" b="0" dirty="0">
-                <a:solidFill>
                   <a:srgbClr val="CE9178"/>
                 </a:solidFill>
                 <a:effectLst/>
@@ -10198,11 +11941,13 @@
               <a:t>"sub2"</a:t>
             </a:r>
             <a:r>
-              <a:rPr lang="de-AT" sz="2600" b="0" dirty="0">
-                <a:solidFill>
-                  <a:srgbClr val="CCCCCC"/>
-                </a:solidFill>
-                <a:effectLst/>
+              <a:rPr lang="de-AT" sz="2600" dirty="0">
+                <a:solidFill>
+                  <a:schemeClr val="tx1">
+                    <a:lumMod val="65000"/>
+                    <a:lumOff val="35000"/>
+                  </a:schemeClr>
+                </a:solidFill>
                 <a:latin typeface="Menlo" panose="020B0609030804020204" pitchFamily="49" charset="0"/>
               </a:rPr>
               <a:t>}))</a:t>
@@ -10213,11 +11958,13 @@
               <a:buNone/>
             </a:pPr>
             <a:r>
-              <a:rPr lang="de-AT" sz="2600" b="0" dirty="0">
-                <a:solidFill>
-                  <a:srgbClr val="CCCCCC"/>
-                </a:solidFill>
-                <a:effectLst/>
+              <a:rPr lang="de-AT" sz="2600" dirty="0">
+                <a:solidFill>
+                  <a:schemeClr val="tx1">
+                    <a:lumMod val="65000"/>
+                    <a:lumOff val="35000"/>
+                  </a:schemeClr>
+                </a:solidFill>
                 <a:latin typeface="Menlo" panose="020B0609030804020204" pitchFamily="49" charset="0"/>
               </a:rPr>
               <a:t>)</a:t>
@@ -10241,6 +11988,271 @@
   <p:clrMapOvr>
     <a:masterClrMapping/>
   </p:clrMapOvr>
+  <p:timing>
+    <p:tnLst>
+      <p:par>
+        <p:cTn id="1" dur="indefinite" restart="never" nodeType="tmRoot">
+          <p:childTnLst>
+            <p:seq concurrent="1" nextAc="seek">
+              <p:cTn id="2" dur="indefinite" nodeType="mainSeq">
+                <p:childTnLst>
+                  <p:par>
+                    <p:cTn id="3" fill="hold">
+                      <p:stCondLst>
+                        <p:cond delay="indefinite"/>
+                      </p:stCondLst>
+                      <p:childTnLst>
+                        <p:par>
+                          <p:cTn id="4" fill="hold">
+                            <p:stCondLst>
+                              <p:cond delay="0"/>
+                            </p:stCondLst>
+                            <p:childTnLst>
+                              <p:par>
+                                <p:cTn id="5" presetID="1" presetClass="entr" presetSubtype="0" fill="hold" nodeType="clickEffect">
+                                  <p:stCondLst>
+                                    <p:cond delay="0"/>
+                                  </p:stCondLst>
+                                  <p:childTnLst>
+                                    <p:set>
+                                      <p:cBhvr>
+                                        <p:cTn id="6" dur="1" fill="hold">
+                                          <p:stCondLst>
+                                            <p:cond delay="0"/>
+                                          </p:stCondLst>
+                                        </p:cTn>
+                                        <p:tgtEl>
+                                          <p:spTgt spid="3">
+                                            <p:txEl>
+                                              <p:pRg st="0" end="0"/>
+                                            </p:txEl>
+                                          </p:spTgt>
+                                        </p:tgtEl>
+                                        <p:attrNameLst>
+                                          <p:attrName>style.visibility</p:attrName>
+                                        </p:attrNameLst>
+                                      </p:cBhvr>
+                                      <p:to>
+                                        <p:strVal val="visible"/>
+                                      </p:to>
+                                    </p:set>
+                                  </p:childTnLst>
+                                </p:cTn>
+                              </p:par>
+                              <p:par>
+                                <p:cTn id="7" presetID="1" presetClass="entr" presetSubtype="0" fill="hold" nodeType="withEffect">
+                                  <p:stCondLst>
+                                    <p:cond delay="0"/>
+                                  </p:stCondLst>
+                                  <p:childTnLst>
+                                    <p:set>
+                                      <p:cBhvr>
+                                        <p:cTn id="8" dur="1" fill="hold">
+                                          <p:stCondLst>
+                                            <p:cond delay="0"/>
+                                          </p:stCondLst>
+                                        </p:cTn>
+                                        <p:tgtEl>
+                                          <p:spTgt spid="3">
+                                            <p:txEl>
+                                              <p:pRg st="2" end="2"/>
+                                            </p:txEl>
+                                          </p:spTgt>
+                                        </p:tgtEl>
+                                        <p:attrNameLst>
+                                          <p:attrName>style.visibility</p:attrName>
+                                        </p:attrNameLst>
+                                      </p:cBhvr>
+                                      <p:to>
+                                        <p:strVal val="visible"/>
+                                      </p:to>
+                                    </p:set>
+                                  </p:childTnLst>
+                                </p:cTn>
+                              </p:par>
+                              <p:par>
+                                <p:cTn id="9" presetID="1" presetClass="entr" presetSubtype="0" fill="hold" nodeType="withEffect">
+                                  <p:stCondLst>
+                                    <p:cond delay="0"/>
+                                  </p:stCondLst>
+                                  <p:childTnLst>
+                                    <p:set>
+                                      <p:cBhvr>
+                                        <p:cTn id="10" dur="1" fill="hold">
+                                          <p:stCondLst>
+                                            <p:cond delay="0"/>
+                                          </p:stCondLst>
+                                        </p:cTn>
+                                        <p:tgtEl>
+                                          <p:spTgt spid="3">
+                                            <p:txEl>
+                                              <p:pRg st="4" end="4"/>
+                                            </p:txEl>
+                                          </p:spTgt>
+                                        </p:tgtEl>
+                                        <p:attrNameLst>
+                                          <p:attrName>style.visibility</p:attrName>
+                                        </p:attrNameLst>
+                                      </p:cBhvr>
+                                      <p:to>
+                                        <p:strVal val="visible"/>
+                                      </p:to>
+                                    </p:set>
+                                  </p:childTnLst>
+                                </p:cTn>
+                              </p:par>
+                              <p:par>
+                                <p:cTn id="11" presetID="1" presetClass="entr" presetSubtype="0" fill="hold" nodeType="withEffect">
+                                  <p:stCondLst>
+                                    <p:cond delay="0"/>
+                                  </p:stCondLst>
+                                  <p:childTnLst>
+                                    <p:set>
+                                      <p:cBhvr>
+                                        <p:cTn id="12" dur="1" fill="hold">
+                                          <p:stCondLst>
+                                            <p:cond delay="0"/>
+                                          </p:stCondLst>
+                                        </p:cTn>
+                                        <p:tgtEl>
+                                          <p:spTgt spid="3">
+                                            <p:txEl>
+                                              <p:pRg st="5" end="5"/>
+                                            </p:txEl>
+                                          </p:spTgt>
+                                        </p:tgtEl>
+                                        <p:attrNameLst>
+                                          <p:attrName>style.visibility</p:attrName>
+                                        </p:attrNameLst>
+                                      </p:cBhvr>
+                                      <p:to>
+                                        <p:strVal val="visible"/>
+                                      </p:to>
+                                    </p:set>
+                                  </p:childTnLst>
+                                </p:cTn>
+                              </p:par>
+                              <p:par>
+                                <p:cTn id="13" presetID="1" presetClass="entr" presetSubtype="0" fill="hold" nodeType="withEffect">
+                                  <p:stCondLst>
+                                    <p:cond delay="0"/>
+                                  </p:stCondLst>
+                                  <p:childTnLst>
+                                    <p:set>
+                                      <p:cBhvr>
+                                        <p:cTn id="14" dur="1" fill="hold">
+                                          <p:stCondLst>
+                                            <p:cond delay="0"/>
+                                          </p:stCondLst>
+                                        </p:cTn>
+                                        <p:tgtEl>
+                                          <p:spTgt spid="3">
+                                            <p:txEl>
+                                              <p:pRg st="6" end="6"/>
+                                            </p:txEl>
+                                          </p:spTgt>
+                                        </p:tgtEl>
+                                        <p:attrNameLst>
+                                          <p:attrName>style.visibility</p:attrName>
+                                        </p:attrNameLst>
+                                      </p:cBhvr>
+                                      <p:to>
+                                        <p:strVal val="visible"/>
+                                      </p:to>
+                                    </p:set>
+                                  </p:childTnLst>
+                                </p:cTn>
+                              </p:par>
+                              <p:par>
+                                <p:cTn id="15" presetID="1" presetClass="entr" presetSubtype="0" fill="hold" nodeType="withEffect">
+                                  <p:stCondLst>
+                                    <p:cond delay="0"/>
+                                  </p:stCondLst>
+                                  <p:childTnLst>
+                                    <p:set>
+                                      <p:cBhvr>
+                                        <p:cTn id="16" dur="1" fill="hold">
+                                          <p:stCondLst>
+                                            <p:cond delay="0"/>
+                                          </p:stCondLst>
+                                        </p:cTn>
+                                        <p:tgtEl>
+                                          <p:spTgt spid="3">
+                                            <p:txEl>
+                                              <p:pRg st="7" end="7"/>
+                                            </p:txEl>
+                                          </p:spTgt>
+                                        </p:tgtEl>
+                                        <p:attrNameLst>
+                                          <p:attrName>style.visibility</p:attrName>
+                                        </p:attrNameLst>
+                                      </p:cBhvr>
+                                      <p:to>
+                                        <p:strVal val="visible"/>
+                                      </p:to>
+                                    </p:set>
+                                  </p:childTnLst>
+                                </p:cTn>
+                              </p:par>
+                              <p:par>
+                                <p:cTn id="17" presetID="1" presetClass="entr" presetSubtype="0" fill="hold" nodeType="withEffect">
+                                  <p:stCondLst>
+                                    <p:cond delay="0"/>
+                                  </p:stCondLst>
+                                  <p:childTnLst>
+                                    <p:set>
+                                      <p:cBhvr>
+                                        <p:cTn id="18" dur="1" fill="hold">
+                                          <p:stCondLst>
+                                            <p:cond delay="0"/>
+                                          </p:stCondLst>
+                                        </p:cTn>
+                                        <p:tgtEl>
+                                          <p:spTgt spid="3">
+                                            <p:txEl>
+                                              <p:pRg st="8" end="8"/>
+                                            </p:txEl>
+                                          </p:spTgt>
+                                        </p:tgtEl>
+                                        <p:attrNameLst>
+                                          <p:attrName>style.visibility</p:attrName>
+                                        </p:attrNameLst>
+                                      </p:cBhvr>
+                                      <p:to>
+                                        <p:strVal val="visible"/>
+                                      </p:to>
+                                    </p:set>
+                                  </p:childTnLst>
+                                </p:cTn>
+                              </p:par>
+                            </p:childTnLst>
+                          </p:cTn>
+                        </p:par>
+                      </p:childTnLst>
+                    </p:cTn>
+                  </p:par>
+                </p:childTnLst>
+              </p:cTn>
+              <p:prevCondLst>
+                <p:cond evt="onPrev" delay="0">
+                  <p:tgtEl>
+                    <p:sldTgt/>
+                  </p:tgtEl>
+                </p:cond>
+              </p:prevCondLst>
+              <p:nextCondLst>
+                <p:cond evt="onNext" delay="0">
+                  <p:tgtEl>
+                    <p:sldTgt/>
+                  </p:tgtEl>
+                </p:cond>
+              </p:nextCondLst>
+            </p:seq>
+          </p:childTnLst>
+        </p:cTn>
+      </p:par>
+    </p:tnLst>
+  </p:timing>
 </p:sld>
 </file>
 
@@ -10407,7 +12419,10 @@
             <a:r>
               <a:rPr lang="de-AT" sz="1900" b="0" dirty="0">
                 <a:solidFill>
-                  <a:srgbClr val="CCCCCC"/>
+                  <a:schemeClr val="tx1">
+                    <a:lumMod val="65000"/>
+                    <a:lumOff val="35000"/>
+                  </a:schemeClr>
                 </a:solidFill>
                 <a:effectLst/>
                 <a:latin typeface="Menlo" panose="020B0609030804020204" pitchFamily="49" charset="0"/>
@@ -10415,24 +12430,65 @@
               <a:t>#[</a:t>
             </a:r>
             <a:r>
+              <a:rPr lang="de-AT" sz="1900" dirty="0" err="1">
+                <a:solidFill>
+                  <a:srgbClr val="CE9178"/>
+                </a:solidFill>
+                <a:latin typeface="Menlo" panose="020B0609030804020204" pitchFamily="49" charset="0"/>
+              </a:rPr>
+              <a:t>get</a:t>
+            </a:r>
+            <a:r>
+              <a:rPr lang="de-AT" sz="1900" dirty="0">
+                <a:solidFill>
+                  <a:schemeClr val="tx1">
+                    <a:lumMod val="65000"/>
+                    <a:lumOff val="35000"/>
+                  </a:schemeClr>
+                </a:solidFill>
+                <a:latin typeface="Menlo" panose="020B0609030804020204" pitchFamily="49" charset="0"/>
+              </a:rPr>
+              <a:t>(</a:t>
+            </a:r>
+            <a:r>
+              <a:rPr lang="de-AT" sz="1900" b="0" dirty="0">
+                <a:solidFill>
+                  <a:srgbClr val="CE9178"/>
+                </a:solidFill>
+                <a:effectLst/>
+                <a:latin typeface="Menlo" panose="020B0609030804020204" pitchFamily="49" charset="0"/>
+              </a:rPr>
+              <a:t>"/{</a:t>
+            </a:r>
+            <a:r>
               <a:rPr lang="de-AT" sz="1900" b="0" dirty="0" err="1">
                 <a:solidFill>
-                  <a:srgbClr val="DCDCAA"/>
-                </a:solidFill>
-                <a:effectLst/>
-                <a:latin typeface="Menlo" panose="020B0609030804020204" pitchFamily="49" charset="0"/>
-              </a:rPr>
-              <a:t>get</a:t>
+                  <a:srgbClr val="CE9178"/>
+                </a:solidFill>
+                <a:effectLst/>
+                <a:latin typeface="Menlo" panose="020B0609030804020204" pitchFamily="49" charset="0"/>
+              </a:rPr>
+              <a:t>name</a:t>
             </a:r>
             <a:r>
               <a:rPr lang="de-AT" sz="1900" b="0" dirty="0">
                 <a:solidFill>
-                  <a:srgbClr val="CCCCCC"/>
-                </a:solidFill>
-                <a:effectLst/>
-                <a:latin typeface="Menlo" panose="020B0609030804020204" pitchFamily="49" charset="0"/>
-              </a:rPr>
-              <a:t>(</a:t>
+                  <a:srgbClr val="CE9178"/>
+                </a:solidFill>
+                <a:effectLst/>
+                <a:latin typeface="Menlo" panose="020B0609030804020204" pitchFamily="49" charset="0"/>
+              </a:rPr>
+              <a:t>}/{</a:t>
+            </a:r>
+            <a:r>
+              <a:rPr lang="de-AT" sz="1900" b="0" dirty="0" err="1">
+                <a:solidFill>
+                  <a:srgbClr val="CE9178"/>
+                </a:solidFill>
+                <a:effectLst/>
+                <a:latin typeface="Menlo" panose="020B0609030804020204" pitchFamily="49" charset="0"/>
+              </a:rPr>
+              <a:t>message</a:t>
             </a:r>
             <a:r>
               <a:rPr lang="de-AT" sz="1900" b="0" dirty="0">
@@ -10442,7 +12498,7 @@
                 <a:effectLst/>
                 <a:latin typeface="Menlo" panose="020B0609030804020204" pitchFamily="49" charset="0"/>
               </a:rPr>
-              <a:t>"/{</a:t>
+              <a:t>}/{</a:t>
             </a:r>
             <a:r>
               <a:rPr lang="de-AT" sz="1900" b="0" dirty="0" err="1">
@@ -10452,7 +12508,7 @@
                 <a:effectLst/>
                 <a:latin typeface="Menlo" panose="020B0609030804020204" pitchFamily="49" charset="0"/>
               </a:rPr>
-              <a:t>name</a:t>
+              <a:t>id</a:t>
             </a:r>
             <a:r>
               <a:rPr lang="de-AT" sz="1900" b="0" dirty="0">
@@ -10462,58 +12518,30 @@
                 <a:effectLst/>
                 <a:latin typeface="Menlo" panose="020B0609030804020204" pitchFamily="49" charset="0"/>
               </a:rPr>
-              <a:t>}/{</a:t>
-            </a:r>
-            <a:r>
-              <a:rPr lang="de-AT" sz="1900" b="0" dirty="0" err="1">
-                <a:solidFill>
-                  <a:srgbClr val="CE9178"/>
-                </a:solidFill>
-                <a:effectLst/>
-                <a:latin typeface="Menlo" panose="020B0609030804020204" pitchFamily="49" charset="0"/>
-              </a:rPr>
-              <a:t>message</a:t>
+              <a:t>}"</a:t>
             </a:r>
             <a:r>
               <a:rPr lang="de-AT" sz="1900" b="0" dirty="0">
                 <a:solidFill>
-                  <a:srgbClr val="CE9178"/>
-                </a:solidFill>
-                <a:effectLst/>
-                <a:latin typeface="Menlo" panose="020B0609030804020204" pitchFamily="49" charset="0"/>
-              </a:rPr>
-              <a:t>}/{</a:t>
-            </a:r>
-            <a:r>
-              <a:rPr lang="de-AT" sz="1900" b="0" dirty="0" err="1">
-                <a:solidFill>
-                  <a:srgbClr val="CE9178"/>
-                </a:solidFill>
-                <a:effectLst/>
-                <a:latin typeface="Menlo" panose="020B0609030804020204" pitchFamily="49" charset="0"/>
-              </a:rPr>
-              <a:t>id</a:t>
-            </a:r>
-            <a:r>
-              <a:rPr lang="de-AT" sz="1900" b="0" dirty="0">
-                <a:solidFill>
-                  <a:srgbClr val="CE9178"/>
-                </a:solidFill>
-                <a:effectLst/>
-                <a:latin typeface="Menlo" panose="020B0609030804020204" pitchFamily="49" charset="0"/>
-              </a:rPr>
-              <a:t>}"</a:t>
-            </a:r>
-            <a:r>
-              <a:rPr lang="de-AT" sz="1900" b="0" dirty="0">
-                <a:solidFill>
-                  <a:srgbClr val="CCCCCC"/>
+                  <a:schemeClr val="tx1">
+                    <a:lumMod val="65000"/>
+                    <a:lumOff val="35000"/>
+                  </a:schemeClr>
                 </a:solidFill>
                 <a:effectLst/>
                 <a:latin typeface="Menlo" panose="020B0609030804020204" pitchFamily="49" charset="0"/>
               </a:rPr>
               <a:t>)]</a:t>
             </a:r>
+            <a:endParaRPr lang="de-AT" sz="1900" dirty="0">
+              <a:solidFill>
+                <a:schemeClr val="tx1">
+                  <a:lumMod val="65000"/>
+                  <a:lumOff val="35000"/>
+                </a:schemeClr>
+              </a:solidFill>
+              <a:latin typeface="Menlo" panose="020B0609030804020204" pitchFamily="49" charset="0"/>
+            </a:endParaRPr>
           </a:p>
           <a:p>
             <a:pPr marL="0" indent="0">
@@ -10580,14 +12608,78 @@
               <a:t> </a:t>
             </a:r>
             <a:r>
+              <a:rPr lang="de-AT" sz="1900" dirty="0" err="1">
+                <a:solidFill>
+                  <a:srgbClr val="CE9178"/>
+                </a:solidFill>
+                <a:latin typeface="Menlo" panose="020B0609030804020204" pitchFamily="49" charset="0"/>
+              </a:rPr>
+              <a:t>extract_name_id</a:t>
+            </a:r>
+            <a:r>
+              <a:rPr lang="de-AT" sz="1900" dirty="0">
+                <a:solidFill>
+                  <a:schemeClr val="tx1">
+                    <a:lumMod val="65000"/>
+                    <a:lumOff val="35000"/>
+                  </a:schemeClr>
+                </a:solidFill>
+                <a:latin typeface="Menlo" panose="020B0609030804020204" pitchFamily="49" charset="0"/>
+              </a:rPr>
+              <a:t>(</a:t>
+            </a:r>
+            <a:r>
+              <a:rPr lang="de-AT" sz="1800" dirty="0" err="1">
+                <a:solidFill>
+                  <a:srgbClr val="C00000"/>
+                </a:solidFill>
+                <a:latin typeface="Menlo" panose="020B0609030804020204" pitchFamily="49" charset="0"/>
+              </a:rPr>
+              <a:t>req</a:t>
+            </a:r>
+            <a:r>
+              <a:rPr lang="de-AT" sz="1900" dirty="0">
+                <a:solidFill>
+                  <a:schemeClr val="tx1">
+                    <a:lumMod val="65000"/>
+                    <a:lumOff val="35000"/>
+                  </a:schemeClr>
+                </a:solidFill>
+                <a:latin typeface="Menlo" panose="020B0609030804020204" pitchFamily="49" charset="0"/>
+              </a:rPr>
+              <a:t>:</a:t>
+            </a:r>
+            <a:r>
+              <a:rPr lang="de-AT" sz="1800" b="0" dirty="0">
+                <a:solidFill>
+                  <a:srgbClr val="CCCCCC"/>
+                </a:solidFill>
+                <a:effectLst/>
+                <a:latin typeface="Menlo" panose="020B0609030804020204" pitchFamily="49" charset="0"/>
+              </a:rPr>
+              <a:t> </a:t>
+            </a:r>
+            <a:r>
               <a:rPr lang="de-AT" sz="1800" b="0" dirty="0" err="1">
                 <a:solidFill>
-                  <a:srgbClr val="DCDCAA"/>
-                </a:solidFill>
-                <a:effectLst/>
-                <a:latin typeface="Menlo" panose="020B0609030804020204" pitchFamily="49" charset="0"/>
-              </a:rPr>
-              <a:t>extract_name_id</a:t>
+                  <a:srgbClr val="4EC9B0"/>
+                </a:solidFill>
+                <a:effectLst/>
+                <a:latin typeface="Menlo" panose="020B0609030804020204" pitchFamily="49" charset="0"/>
+              </a:rPr>
+              <a:t>HttpRequest</a:t>
+            </a:r>
+            <a:r>
+              <a:rPr lang="de-AT" sz="1900" dirty="0">
+                <a:solidFill>
+                  <a:schemeClr val="tx1">
+                    <a:lumMod val="65000"/>
+                    <a:lumOff val="35000"/>
+                  </a:schemeClr>
+                </a:solidFill>
+                <a:latin typeface="Menlo" panose="020B0609030804020204" pitchFamily="49" charset="0"/>
+              </a:rPr>
+              <a:t>) -&gt;</a:t>
             </a:r>
             <a:r>
               <a:rPr lang="de-AT" sz="1800" b="0" dirty="0">
@@ -10597,31 +12689,41 @@
                 <a:effectLst/>
                 <a:latin typeface="Menlo" panose="020B0609030804020204" pitchFamily="49" charset="0"/>
               </a:rPr>
-              <a:t>(</a:t>
+              <a:t> </a:t>
             </a:r>
             <a:r>
               <a:rPr lang="de-AT" sz="1800" b="0" dirty="0" err="1">
                 <a:solidFill>
-                  <a:srgbClr val="9CDCFE"/>
-                </a:solidFill>
-                <a:effectLst/>
-                <a:latin typeface="Menlo" panose="020B0609030804020204" pitchFamily="49" charset="0"/>
-              </a:rPr>
-              <a:t>req</a:t>
+                  <a:srgbClr val="569CD6"/>
+                </a:solidFill>
+                <a:effectLst/>
+                <a:latin typeface="Menlo" panose="020B0609030804020204" pitchFamily="49" charset="0"/>
+              </a:rPr>
+              <a:t>impl</a:t>
             </a:r>
             <a:r>
               <a:rPr lang="de-AT" sz="1800" b="0" dirty="0">
                 <a:solidFill>
-                  <a:srgbClr val="D4D4D4"/>
-                </a:solidFill>
-                <a:effectLst/>
-                <a:latin typeface="Menlo" panose="020B0609030804020204" pitchFamily="49" charset="0"/>
-              </a:rPr>
-              <a:t>:</a:t>
+                  <a:srgbClr val="CCCCCC"/>
+                </a:solidFill>
+                <a:effectLst/>
+                <a:latin typeface="Menlo" panose="020B0609030804020204" pitchFamily="49" charset="0"/>
+              </a:rPr>
+              <a:t> </a:t>
             </a:r>
             <a:r>
               <a:rPr lang="de-AT" sz="1800" b="0" dirty="0">
                 <a:solidFill>
+                  <a:srgbClr val="4EC9B0"/>
+                </a:solidFill>
+                <a:effectLst/>
+                <a:latin typeface="Menlo" panose="020B0609030804020204" pitchFamily="49" charset="0"/>
+              </a:rPr>
+              <a:t>Responder</a:t>
+            </a:r>
+            <a:r>
+              <a:rPr lang="de-AT" sz="1800" b="0" dirty="0">
+                <a:solidFill>
                   <a:srgbClr val="CCCCCC"/>
                 </a:solidFill>
                 <a:effectLst/>
@@ -10630,84 +12732,16 @@
               <a:t> </a:t>
             </a:r>
             <a:r>
-              <a:rPr lang="de-AT" sz="1800" b="0" dirty="0" err="1">
-                <a:solidFill>
-                  <a:srgbClr val="4EC9B0"/>
-                </a:solidFill>
-                <a:effectLst/>
-                <a:latin typeface="Menlo" panose="020B0609030804020204" pitchFamily="49" charset="0"/>
-              </a:rPr>
-              <a:t>HttpRequest</a:t>
-            </a:r>
-            <a:r>
-              <a:rPr lang="de-AT" sz="1800" b="0" dirty="0">
-                <a:solidFill>
-                  <a:srgbClr val="CCCCCC"/>
-                </a:solidFill>
-                <a:effectLst/>
-                <a:latin typeface="Menlo" panose="020B0609030804020204" pitchFamily="49" charset="0"/>
-              </a:rPr>
-              <a:t>) </a:t>
-            </a:r>
-            <a:r>
-              <a:rPr lang="de-AT" sz="1800" b="0" dirty="0">
-                <a:solidFill>
-                  <a:srgbClr val="D4D4D4"/>
-                </a:solidFill>
-                <a:effectLst/>
-                <a:latin typeface="Menlo" panose="020B0609030804020204" pitchFamily="49" charset="0"/>
-              </a:rPr>
-              <a:t>-&gt;</a:t>
-            </a:r>
-            <a:r>
-              <a:rPr lang="de-AT" sz="1800" b="0" dirty="0">
-                <a:solidFill>
-                  <a:srgbClr val="CCCCCC"/>
-                </a:solidFill>
-                <a:effectLst/>
-                <a:latin typeface="Menlo" panose="020B0609030804020204" pitchFamily="49" charset="0"/>
-              </a:rPr>
-              <a:t> </a:t>
-            </a:r>
-            <a:r>
-              <a:rPr lang="de-AT" sz="1800" b="0" dirty="0" err="1">
-                <a:solidFill>
-                  <a:srgbClr val="569CD6"/>
-                </a:solidFill>
-                <a:effectLst/>
-                <a:latin typeface="Menlo" panose="020B0609030804020204" pitchFamily="49" charset="0"/>
-              </a:rPr>
-              <a:t>impl</a:t>
-            </a:r>
-            <a:r>
-              <a:rPr lang="de-AT" sz="1800" b="0" dirty="0">
-                <a:solidFill>
-                  <a:srgbClr val="CCCCCC"/>
-                </a:solidFill>
-                <a:effectLst/>
-                <a:latin typeface="Menlo" panose="020B0609030804020204" pitchFamily="49" charset="0"/>
-              </a:rPr>
-              <a:t> </a:t>
-            </a:r>
-            <a:r>
-              <a:rPr lang="de-AT" sz="1800" b="0" dirty="0">
-                <a:solidFill>
-                  <a:srgbClr val="4EC9B0"/>
-                </a:solidFill>
-                <a:effectLst/>
-                <a:latin typeface="Menlo" panose="020B0609030804020204" pitchFamily="49" charset="0"/>
-              </a:rPr>
-              <a:t>Responder</a:t>
-            </a:r>
-            <a:r>
-              <a:rPr lang="de-AT" sz="1800" b="0" dirty="0">
-                <a:solidFill>
-                  <a:srgbClr val="CCCCCC"/>
-                </a:solidFill>
-                <a:effectLst/>
-                <a:latin typeface="Menlo" panose="020B0609030804020204" pitchFamily="49" charset="0"/>
-              </a:rPr>
-              <a:t> {</a:t>
+              <a:rPr lang="de-AT" sz="1900" dirty="0">
+                <a:solidFill>
+                  <a:schemeClr val="tx1">
+                    <a:lumMod val="65000"/>
+                    <a:lumOff val="35000"/>
+                  </a:schemeClr>
+                </a:solidFill>
+                <a:latin typeface="Menlo" panose="020B0609030804020204" pitchFamily="49" charset="0"/>
+              </a:rPr>
+              <a:t>{</a:t>
             </a:r>
           </a:p>
           <a:p>
@@ -10745,9 +12779,111 @@
               <a:t> </a:t>
             </a:r>
             <a:r>
+              <a:rPr lang="de-AT" sz="1800" dirty="0" err="1">
+                <a:solidFill>
+                  <a:srgbClr val="C00000"/>
+                </a:solidFill>
+                <a:latin typeface="Menlo" panose="020B0609030804020204" pitchFamily="49" charset="0"/>
+              </a:rPr>
+              <a:t>name</a:t>
+            </a:r>
+            <a:r>
+              <a:rPr lang="de-AT" sz="1800" b="0" dirty="0">
+                <a:solidFill>
+                  <a:srgbClr val="CCCCCC"/>
+                </a:solidFill>
+                <a:effectLst/>
+                <a:latin typeface="Menlo" panose="020B0609030804020204" pitchFamily="49" charset="0"/>
+              </a:rPr>
+              <a:t> </a:t>
+            </a:r>
+            <a:r>
+              <a:rPr lang="de-AT" sz="1900" dirty="0">
+                <a:solidFill>
+                  <a:schemeClr val="tx1">
+                    <a:lumMod val="65000"/>
+                    <a:lumOff val="35000"/>
+                  </a:schemeClr>
+                </a:solidFill>
+                <a:latin typeface="Menlo" panose="020B0609030804020204" pitchFamily="49" charset="0"/>
+              </a:rPr>
+              <a:t>=</a:t>
+            </a:r>
+            <a:r>
+              <a:rPr lang="de-AT" sz="1800" b="0" dirty="0">
+                <a:solidFill>
+                  <a:srgbClr val="CCCCCC"/>
+                </a:solidFill>
+                <a:effectLst/>
+                <a:latin typeface="Menlo" panose="020B0609030804020204" pitchFamily="49" charset="0"/>
+              </a:rPr>
+              <a:t> </a:t>
+            </a:r>
+            <a:r>
+              <a:rPr lang="de-AT" sz="1800" dirty="0" err="1">
+                <a:solidFill>
+                  <a:srgbClr val="C00000"/>
+                </a:solidFill>
+                <a:latin typeface="Menlo" panose="020B0609030804020204" pitchFamily="49" charset="0"/>
+              </a:rPr>
+              <a:t>req</a:t>
+            </a:r>
+            <a:r>
+              <a:rPr lang="de-AT" sz="1900" dirty="0" err="1">
+                <a:solidFill>
+                  <a:srgbClr val="CE9178"/>
+                </a:solidFill>
+                <a:latin typeface="Menlo" panose="020B0609030804020204" pitchFamily="49" charset="0"/>
+              </a:rPr>
+              <a:t>.match_info</a:t>
+            </a:r>
+            <a:r>
+              <a:rPr lang="de-AT" sz="1800" dirty="0">
+                <a:solidFill>
+                  <a:schemeClr val="tx1">
+                    <a:lumMod val="65000"/>
+                    <a:lumOff val="35000"/>
+                  </a:schemeClr>
+                </a:solidFill>
+                <a:latin typeface="Menlo" panose="020B0609030804020204" pitchFamily="49" charset="0"/>
+              </a:rPr>
+              <a:t>().</a:t>
+            </a:r>
+            <a:r>
+              <a:rPr lang="de-AT" sz="1900" dirty="0" err="1">
+                <a:solidFill>
+                  <a:srgbClr val="CE9178"/>
+                </a:solidFill>
+                <a:latin typeface="Menlo" panose="020B0609030804020204" pitchFamily="49" charset="0"/>
+              </a:rPr>
+              <a:t>query</a:t>
+            </a:r>
+            <a:r>
+              <a:rPr lang="de-AT" sz="1800" dirty="0">
+                <a:solidFill>
+                  <a:schemeClr val="tx1">
+                    <a:lumMod val="65000"/>
+                    <a:lumOff val="35000"/>
+                  </a:schemeClr>
+                </a:solidFill>
+                <a:latin typeface="Menlo" panose="020B0609030804020204" pitchFamily="49" charset="0"/>
+              </a:rPr>
+              <a:t>(</a:t>
+            </a:r>
+            <a:r>
+              <a:rPr lang="de-AT" sz="1800" b="0" dirty="0">
+                <a:solidFill>
+                  <a:srgbClr val="CE9178"/>
+                </a:solidFill>
+                <a:effectLst/>
+                <a:latin typeface="Menlo" panose="020B0609030804020204" pitchFamily="49" charset="0"/>
+              </a:rPr>
+              <a:t>"</a:t>
+            </a:r>
+            <a:r>
               <a:rPr lang="de-AT" sz="1800" b="0" dirty="0" err="1">
                 <a:solidFill>
-                  <a:srgbClr val="9CDCFE"/>
+                  <a:srgbClr val="CE9178"/>
                 </a:solidFill>
                 <a:effectLst/>
                 <a:latin typeface="Menlo" panose="020B0609030804020204" pitchFamily="49" charset="0"/>
@@ -10757,137 +12893,20 @@
             <a:r>
               <a:rPr lang="de-AT" sz="1800" b="0" dirty="0">
                 <a:solidFill>
-                  <a:srgbClr val="CCCCCC"/>
-                </a:solidFill>
-                <a:effectLst/>
-                <a:latin typeface="Menlo" panose="020B0609030804020204" pitchFamily="49" charset="0"/>
-              </a:rPr>
-              <a:t> </a:t>
+                  <a:srgbClr val="CE9178"/>
+                </a:solidFill>
+                <a:effectLst/>
+                <a:latin typeface="Menlo" panose="020B0609030804020204" pitchFamily="49" charset="0"/>
+              </a:rPr>
+              <a:t>"</a:t>
             </a:r>
             <a:r>
               <a:rPr lang="de-AT" sz="1800" b="0" dirty="0">
                 <a:solidFill>
-                  <a:srgbClr val="D4D4D4"/>
-                </a:solidFill>
-                <a:effectLst/>
-                <a:latin typeface="Menlo" panose="020B0609030804020204" pitchFamily="49" charset="0"/>
-              </a:rPr>
-              <a:t>=</a:t>
-            </a:r>
-            <a:r>
-              <a:rPr lang="de-AT" sz="1800" b="0" dirty="0">
-                <a:solidFill>
-                  <a:srgbClr val="CCCCCC"/>
-                </a:solidFill>
-                <a:effectLst/>
-                <a:latin typeface="Menlo" panose="020B0609030804020204" pitchFamily="49" charset="0"/>
-              </a:rPr>
-              <a:t> </a:t>
-            </a:r>
-            <a:r>
-              <a:rPr lang="de-AT" sz="1800" b="0" dirty="0" err="1">
-                <a:solidFill>
-                  <a:srgbClr val="9CDCFE"/>
-                </a:solidFill>
-                <a:effectLst/>
-                <a:latin typeface="Menlo" panose="020B0609030804020204" pitchFamily="49" charset="0"/>
-              </a:rPr>
-              <a:t>req</a:t>
-            </a:r>
-            <a:r>
-              <a:rPr lang="de-AT" sz="1800" b="0" dirty="0" err="1">
-                <a:solidFill>
-                  <a:srgbClr val="D4D4D4"/>
-                </a:solidFill>
-                <a:effectLst/>
-                <a:latin typeface="Menlo" panose="020B0609030804020204" pitchFamily="49" charset="0"/>
-              </a:rPr>
-              <a:t>.</a:t>
-            </a:r>
-            <a:r>
-              <a:rPr lang="de-AT" sz="1800" b="0" dirty="0" err="1">
-                <a:solidFill>
-                  <a:srgbClr val="DCDCAA"/>
-                </a:solidFill>
-                <a:effectLst/>
-                <a:latin typeface="Menlo" panose="020B0609030804020204" pitchFamily="49" charset="0"/>
-              </a:rPr>
-              <a:t>match_info</a:t>
-            </a:r>
-            <a:r>
-              <a:rPr lang="de-AT" sz="1800" b="0" dirty="0">
-                <a:solidFill>
-                  <a:srgbClr val="CCCCCC"/>
-                </a:solidFill>
-                <a:effectLst/>
-                <a:latin typeface="Menlo" panose="020B0609030804020204" pitchFamily="49" charset="0"/>
-              </a:rPr>
-              <a:t>()</a:t>
-            </a:r>
-            <a:r>
-              <a:rPr lang="de-AT" sz="1800" b="0" dirty="0">
-                <a:solidFill>
-                  <a:srgbClr val="D4D4D4"/>
-                </a:solidFill>
-                <a:effectLst/>
-                <a:latin typeface="Menlo" panose="020B0609030804020204" pitchFamily="49" charset="0"/>
-              </a:rPr>
-              <a:t>.</a:t>
-            </a:r>
-            <a:r>
-              <a:rPr lang="de-AT" sz="1800" b="0" dirty="0" err="1">
-                <a:solidFill>
-                  <a:srgbClr val="DCDCAA"/>
-                </a:solidFill>
-                <a:effectLst/>
-                <a:latin typeface="Menlo" panose="020B0609030804020204" pitchFamily="49" charset="0"/>
-              </a:rPr>
-              <a:t>query</a:t>
-            </a:r>
-            <a:r>
-              <a:rPr lang="de-AT" sz="1800" b="0" dirty="0">
-                <a:solidFill>
-                  <a:srgbClr val="CCCCCC"/>
-                </a:solidFill>
-                <a:effectLst/>
-                <a:latin typeface="Menlo" panose="020B0609030804020204" pitchFamily="49" charset="0"/>
-              </a:rPr>
-              <a:t>(</a:t>
-            </a:r>
-            <a:r>
-              <a:rPr lang="de-AT" sz="1800" b="0" dirty="0">
-                <a:solidFill>
-                  <a:srgbClr val="CE9178"/>
-                </a:solidFill>
-                <a:effectLst/>
-                <a:latin typeface="Menlo" panose="020B0609030804020204" pitchFamily="49" charset="0"/>
-              </a:rPr>
-              <a:t>"</a:t>
-            </a:r>
-            <a:r>
-              <a:rPr lang="de-AT" sz="1800" b="0" dirty="0" err="1">
-                <a:solidFill>
-                  <a:srgbClr val="CE9178"/>
-                </a:solidFill>
-                <a:effectLst/>
-                <a:latin typeface="Menlo" panose="020B0609030804020204" pitchFamily="49" charset="0"/>
-              </a:rPr>
-              <a:t>name</a:t>
-            </a:r>
-            <a:r>
-              <a:rPr lang="de-AT" sz="1800" b="0" dirty="0">
-                <a:solidFill>
-                  <a:srgbClr val="CE9178"/>
-                </a:solidFill>
-                <a:effectLst/>
-                <a:latin typeface="Menlo" panose="020B0609030804020204" pitchFamily="49" charset="0"/>
-              </a:rPr>
-              <a:t>"</a:t>
-            </a:r>
-            <a:r>
-              <a:rPr lang="de-AT" sz="1800" b="0" dirty="0">
-                <a:solidFill>
-                  <a:srgbClr val="CCCCCC"/>
+                  <a:schemeClr val="tx1">
+                    <a:lumMod val="65000"/>
+                    <a:lumOff val="35000"/>
+                  </a:schemeClr>
                 </a:solidFill>
                 <a:effectLst/>
                 <a:latin typeface="Menlo" panose="020B0609030804020204" pitchFamily="49" charset="0"/>
@@ -10930,9 +12949,124 @@
               <a:t> </a:t>
             </a:r>
             <a:r>
+              <a:rPr lang="de-AT" sz="1800" dirty="0" err="1">
+                <a:solidFill>
+                  <a:srgbClr val="C00000"/>
+                </a:solidFill>
+                <a:latin typeface="Menlo" panose="020B0609030804020204" pitchFamily="49" charset="0"/>
+              </a:rPr>
+              <a:t>message</a:t>
+            </a:r>
+            <a:r>
+              <a:rPr lang="de-AT" sz="1800" b="0" dirty="0">
+                <a:solidFill>
+                  <a:srgbClr val="CCCCCC"/>
+                </a:solidFill>
+                <a:effectLst/>
+                <a:latin typeface="Menlo" panose="020B0609030804020204" pitchFamily="49" charset="0"/>
+              </a:rPr>
+              <a:t> </a:t>
+            </a:r>
+            <a:r>
+              <a:rPr lang="de-AT" sz="1800" dirty="0">
+                <a:solidFill>
+                  <a:schemeClr val="tx1">
+                    <a:lumMod val="65000"/>
+                    <a:lumOff val="35000"/>
+                  </a:schemeClr>
+                </a:solidFill>
+                <a:latin typeface="Menlo" panose="020B0609030804020204" pitchFamily="49" charset="0"/>
+              </a:rPr>
+              <a:t>=</a:t>
+            </a:r>
+            <a:r>
+              <a:rPr lang="de-AT" sz="1800" b="0" dirty="0">
+                <a:solidFill>
+                  <a:srgbClr val="CCCCCC"/>
+                </a:solidFill>
+                <a:effectLst/>
+                <a:latin typeface="Menlo" panose="020B0609030804020204" pitchFamily="49" charset="0"/>
+              </a:rPr>
+              <a:t> </a:t>
+            </a:r>
+            <a:r>
+              <a:rPr lang="de-AT" sz="1800" dirty="0" err="1">
+                <a:solidFill>
+                  <a:srgbClr val="C00000"/>
+                </a:solidFill>
+                <a:latin typeface="Menlo" panose="020B0609030804020204" pitchFamily="49" charset="0"/>
+              </a:rPr>
+              <a:t>req</a:t>
+            </a:r>
+            <a:r>
               <a:rPr lang="de-AT" sz="1800" b="0" dirty="0" err="1">
                 <a:solidFill>
-                  <a:srgbClr val="9CDCFE"/>
+                  <a:schemeClr val="tx1">
+                    <a:lumMod val="65000"/>
+                    <a:lumOff val="35000"/>
+                  </a:schemeClr>
+                </a:solidFill>
+                <a:effectLst/>
+                <a:latin typeface="Menlo" panose="020B0609030804020204" pitchFamily="49" charset="0"/>
+              </a:rPr>
+              <a:t>.</a:t>
+            </a:r>
+            <a:r>
+              <a:rPr lang="de-AT" sz="1900" dirty="0" err="1">
+                <a:solidFill>
+                  <a:srgbClr val="CE9178"/>
+                </a:solidFill>
+                <a:latin typeface="Menlo" panose="020B0609030804020204" pitchFamily="49" charset="0"/>
+              </a:rPr>
+              <a:t>match_info</a:t>
+            </a:r>
+            <a:r>
+              <a:rPr lang="de-AT" sz="1800" dirty="0">
+                <a:solidFill>
+                  <a:schemeClr val="tx1">
+                    <a:lumMod val="65000"/>
+                    <a:lumOff val="35000"/>
+                  </a:schemeClr>
+                </a:solidFill>
+                <a:latin typeface="Menlo" panose="020B0609030804020204" pitchFamily="49" charset="0"/>
+              </a:rPr>
+              <a:t>().</a:t>
+            </a:r>
+            <a:r>
+              <a:rPr lang="de-AT" sz="1900" dirty="0" err="1">
+                <a:solidFill>
+                  <a:srgbClr val="CE9178"/>
+                </a:solidFill>
+                <a:latin typeface="Menlo" panose="020B0609030804020204" pitchFamily="49" charset="0"/>
+              </a:rPr>
+              <a:t>query</a:t>
+            </a:r>
+            <a:r>
+              <a:rPr lang="de-AT" sz="1800" dirty="0">
+                <a:solidFill>
+                  <a:schemeClr val="tx1">
+                    <a:lumMod val="65000"/>
+                    <a:lumOff val="35000"/>
+                  </a:schemeClr>
+                </a:solidFill>
+                <a:latin typeface="Menlo" panose="020B0609030804020204" pitchFamily="49" charset="0"/>
+              </a:rPr>
+              <a:t>(</a:t>
+            </a:r>
+            <a:r>
+              <a:rPr lang="de-AT" sz="1800" b="0" dirty="0">
+                <a:solidFill>
+                  <a:srgbClr val="CE9178"/>
+                </a:solidFill>
+                <a:effectLst/>
+                <a:latin typeface="Menlo" panose="020B0609030804020204" pitchFamily="49" charset="0"/>
+              </a:rPr>
+              <a:t>"</a:t>
+            </a:r>
+            <a:r>
+              <a:rPr lang="de-AT" sz="1800" b="0" dirty="0" err="1">
+                <a:solidFill>
+                  <a:srgbClr val="CE9178"/>
                 </a:solidFill>
                 <a:effectLst/>
                 <a:latin typeface="Menlo" panose="020B0609030804020204" pitchFamily="49" charset="0"/>
@@ -10942,142 +13076,37 @@
             <a:r>
               <a:rPr lang="de-AT" sz="1800" b="0" dirty="0">
                 <a:solidFill>
-                  <a:srgbClr val="CCCCCC"/>
-                </a:solidFill>
-                <a:effectLst/>
-                <a:latin typeface="Menlo" panose="020B0609030804020204" pitchFamily="49" charset="0"/>
-              </a:rPr>
-              <a:t> </a:t>
+                  <a:srgbClr val="CE9178"/>
+                </a:solidFill>
+                <a:effectLst/>
+                <a:latin typeface="Menlo" panose="020B0609030804020204" pitchFamily="49" charset="0"/>
+              </a:rPr>
+              <a:t>"</a:t>
             </a:r>
             <a:r>
               <a:rPr lang="de-AT" sz="1800" b="0" dirty="0">
                 <a:solidFill>
-                  <a:srgbClr val="D4D4D4"/>
-                </a:solidFill>
-                <a:effectLst/>
-                <a:latin typeface="Menlo" panose="020B0609030804020204" pitchFamily="49" charset="0"/>
-              </a:rPr>
-              <a:t>=</a:t>
-            </a:r>
-            <a:r>
-              <a:rPr lang="de-AT" sz="1800" b="0" dirty="0">
-                <a:solidFill>
-                  <a:srgbClr val="CCCCCC"/>
-                </a:solidFill>
-                <a:effectLst/>
-                <a:latin typeface="Menlo" panose="020B0609030804020204" pitchFamily="49" charset="0"/>
-              </a:rPr>
-              <a:t> </a:t>
-            </a:r>
-            <a:r>
-              <a:rPr lang="de-AT" sz="1800" b="0" dirty="0" err="1">
-                <a:solidFill>
-                  <a:srgbClr val="9CDCFE"/>
-                </a:solidFill>
-                <a:effectLst/>
-                <a:latin typeface="Menlo" panose="020B0609030804020204" pitchFamily="49" charset="0"/>
-              </a:rPr>
-              <a:t>req</a:t>
-            </a:r>
-            <a:r>
-              <a:rPr lang="de-AT" sz="1800" b="0" dirty="0" err="1">
-                <a:solidFill>
-                  <a:srgbClr val="D4D4D4"/>
-                </a:solidFill>
-                <a:effectLst/>
-                <a:latin typeface="Menlo" panose="020B0609030804020204" pitchFamily="49" charset="0"/>
-              </a:rPr>
-              <a:t>.</a:t>
-            </a:r>
-            <a:r>
-              <a:rPr lang="de-AT" sz="1800" b="0" dirty="0" err="1">
-                <a:solidFill>
-                  <a:srgbClr val="DCDCAA"/>
-                </a:solidFill>
-                <a:effectLst/>
-                <a:latin typeface="Menlo" panose="020B0609030804020204" pitchFamily="49" charset="0"/>
-              </a:rPr>
-              <a:t>match_info</a:t>
-            </a:r>
-            <a:r>
-              <a:rPr lang="de-AT" sz="1800" b="0" dirty="0">
-                <a:solidFill>
-                  <a:srgbClr val="CCCCCC"/>
-                </a:solidFill>
-                <a:effectLst/>
-                <a:latin typeface="Menlo" panose="020B0609030804020204" pitchFamily="49" charset="0"/>
-              </a:rPr>
-              <a:t>()</a:t>
-            </a:r>
-            <a:r>
-              <a:rPr lang="de-AT" sz="1800" b="0" dirty="0">
-                <a:solidFill>
-                  <a:srgbClr val="D4D4D4"/>
-                </a:solidFill>
-                <a:effectLst/>
-                <a:latin typeface="Menlo" panose="020B0609030804020204" pitchFamily="49" charset="0"/>
-              </a:rPr>
-              <a:t>.</a:t>
-            </a:r>
-            <a:r>
-              <a:rPr lang="de-AT" sz="1800" b="0" dirty="0" err="1">
-                <a:solidFill>
-                  <a:srgbClr val="DCDCAA"/>
-                </a:solidFill>
-                <a:effectLst/>
-                <a:latin typeface="Menlo" panose="020B0609030804020204" pitchFamily="49" charset="0"/>
-              </a:rPr>
-              <a:t>query</a:t>
-            </a:r>
-            <a:r>
-              <a:rPr lang="de-AT" sz="1800" b="0" dirty="0">
-                <a:solidFill>
-                  <a:srgbClr val="CCCCCC"/>
-                </a:solidFill>
-                <a:effectLst/>
-                <a:latin typeface="Menlo" panose="020B0609030804020204" pitchFamily="49" charset="0"/>
-              </a:rPr>
-              <a:t>(</a:t>
-            </a:r>
-            <a:r>
-              <a:rPr lang="de-AT" sz="1800" b="0" dirty="0">
-                <a:solidFill>
-                  <a:srgbClr val="CE9178"/>
-                </a:solidFill>
-                <a:effectLst/>
-                <a:latin typeface="Menlo" panose="020B0609030804020204" pitchFamily="49" charset="0"/>
-              </a:rPr>
-              <a:t>"</a:t>
-            </a:r>
-            <a:r>
-              <a:rPr lang="de-AT" sz="1800" b="0" dirty="0" err="1">
-                <a:solidFill>
-                  <a:srgbClr val="CE9178"/>
-                </a:solidFill>
-                <a:effectLst/>
-                <a:latin typeface="Menlo" panose="020B0609030804020204" pitchFamily="49" charset="0"/>
-              </a:rPr>
-              <a:t>message</a:t>
-            </a:r>
-            <a:r>
-              <a:rPr lang="de-AT" sz="1800" b="0" dirty="0">
-                <a:solidFill>
-                  <a:srgbClr val="CE9178"/>
-                </a:solidFill>
-                <a:effectLst/>
-                <a:latin typeface="Menlo" panose="020B0609030804020204" pitchFamily="49" charset="0"/>
-              </a:rPr>
-              <a:t>"</a:t>
-            </a:r>
-            <a:r>
-              <a:rPr lang="de-AT" sz="1800" b="0" dirty="0">
-                <a:solidFill>
-                  <a:srgbClr val="CCCCCC"/>
-                </a:solidFill>
-                <a:effectLst/>
-                <a:latin typeface="Menlo" panose="020B0609030804020204" pitchFamily="49" charset="0"/>
-              </a:rPr>
-              <a:t>);</a:t>
+                  <a:schemeClr val="tx1">
+                    <a:lumMod val="65000"/>
+                    <a:lumOff val="35000"/>
+                  </a:schemeClr>
+                </a:solidFill>
+                <a:effectLst/>
+                <a:latin typeface="Menlo" panose="020B0609030804020204" pitchFamily="49" charset="0"/>
+              </a:rPr>
+              <a:t>)</a:t>
+            </a:r>
+            <a:r>
+              <a:rPr lang="de-AT" sz="1800" dirty="0">
+                <a:solidFill>
+                  <a:schemeClr val="tx1">
+                    <a:lumMod val="65000"/>
+                    <a:lumOff val="35000"/>
+                  </a:schemeClr>
+                </a:solidFill>
+                <a:latin typeface="Menlo" panose="020B0609030804020204" pitchFamily="49" charset="0"/>
+              </a:rPr>
+              <a:t>;</a:t>
             </a:r>
           </a:p>
           <a:p>
@@ -11115,9 +13144,132 @@
               <a:t> </a:t>
             </a:r>
             <a:r>
+              <a:rPr lang="de-AT" sz="1800" dirty="0" err="1">
+                <a:solidFill>
+                  <a:srgbClr val="C00000"/>
+                </a:solidFill>
+                <a:latin typeface="Menlo" panose="020B0609030804020204" pitchFamily="49" charset="0"/>
+              </a:rPr>
+              <a:t>id</a:t>
+            </a:r>
+            <a:r>
+              <a:rPr lang="de-AT" sz="1800" b="0" dirty="0">
+                <a:solidFill>
+                  <a:srgbClr val="CCCCCC"/>
+                </a:solidFill>
+                <a:effectLst/>
+                <a:latin typeface="Menlo" panose="020B0609030804020204" pitchFamily="49" charset="0"/>
+              </a:rPr>
+              <a:t> </a:t>
+            </a:r>
+            <a:r>
+              <a:rPr lang="de-AT" sz="1800" dirty="0">
+                <a:solidFill>
+                  <a:schemeClr val="tx1">
+                    <a:lumMod val="65000"/>
+                    <a:lumOff val="35000"/>
+                  </a:schemeClr>
+                </a:solidFill>
+                <a:latin typeface="Menlo" panose="020B0609030804020204" pitchFamily="49" charset="0"/>
+              </a:rPr>
+              <a:t>=</a:t>
+            </a:r>
+            <a:r>
+              <a:rPr lang="de-AT" sz="1800" b="0" dirty="0">
+                <a:solidFill>
+                  <a:srgbClr val="CCCCCC"/>
+                </a:solidFill>
+                <a:effectLst/>
+                <a:latin typeface="Menlo" panose="020B0609030804020204" pitchFamily="49" charset="0"/>
+              </a:rPr>
+              <a:t> </a:t>
+            </a:r>
+            <a:r>
+              <a:rPr lang="de-AT" sz="1800" dirty="0" err="1">
+                <a:solidFill>
+                  <a:srgbClr val="C00000"/>
+                </a:solidFill>
+                <a:latin typeface="Menlo" panose="020B0609030804020204" pitchFamily="49" charset="0"/>
+              </a:rPr>
+              <a:t>req</a:t>
+            </a:r>
+            <a:r>
+              <a:rPr lang="de-AT" sz="1800" dirty="0" err="1">
+                <a:solidFill>
+                  <a:schemeClr val="tx1">
+                    <a:lumMod val="65000"/>
+                    <a:lumOff val="35000"/>
+                  </a:schemeClr>
+                </a:solidFill>
+                <a:latin typeface="Menlo" panose="020B0609030804020204" pitchFamily="49" charset="0"/>
+              </a:rPr>
+              <a:t>.</a:t>
+            </a:r>
+            <a:r>
+              <a:rPr lang="de-AT" sz="1900" dirty="0" err="1">
+                <a:solidFill>
+                  <a:srgbClr val="CE9178"/>
+                </a:solidFill>
+                <a:latin typeface="Menlo" panose="020B0609030804020204" pitchFamily="49" charset="0"/>
+              </a:rPr>
+              <a:t>match_info</a:t>
+            </a:r>
+            <a:r>
+              <a:rPr lang="de-AT" sz="1800" dirty="0">
+                <a:solidFill>
+                  <a:schemeClr val="tx1">
+                    <a:lumMod val="65000"/>
+                    <a:lumOff val="35000"/>
+                  </a:schemeClr>
+                </a:solidFill>
+                <a:latin typeface="Menlo" panose="020B0609030804020204" pitchFamily="49" charset="0"/>
+              </a:rPr>
+              <a:t>()</a:t>
+            </a:r>
+            <a:r>
+              <a:rPr lang="de-AT" sz="1900" dirty="0">
+                <a:solidFill>
+                  <a:srgbClr val="CE9178"/>
+                </a:solidFill>
+                <a:latin typeface="Menlo" panose="020B0609030804020204" pitchFamily="49" charset="0"/>
+              </a:rPr>
+              <a:t>.</a:t>
+            </a:r>
+            <a:r>
+              <a:rPr lang="de-AT" sz="1900" dirty="0" err="1">
+                <a:solidFill>
+                  <a:srgbClr val="CE9178"/>
+                </a:solidFill>
+                <a:latin typeface="Menlo" panose="020B0609030804020204" pitchFamily="49" charset="0"/>
+              </a:rPr>
+              <a:t>query</a:t>
+            </a:r>
+            <a:r>
+              <a:rPr lang="de-AT" sz="1800" dirty="0">
+                <a:solidFill>
+                  <a:schemeClr val="tx1">
+                    <a:lumMod val="65000"/>
+                    <a:lumOff val="35000"/>
+                  </a:schemeClr>
+                </a:solidFill>
+                <a:latin typeface="Menlo" panose="020B0609030804020204" pitchFamily="49" charset="0"/>
+              </a:rPr>
+              <a:t>(</a:t>
+            </a:r>
+            <a:r>
+              <a:rPr lang="de-AT" sz="1800" b="0" dirty="0">
+                <a:solidFill>
+                  <a:srgbClr val="CE9178"/>
+                </a:solidFill>
+                <a:effectLst/>
+                <a:latin typeface="Menlo" panose="020B0609030804020204" pitchFamily="49" charset="0"/>
+              </a:rPr>
+              <a:t>"</a:t>
+            </a:r>
+            <a:r>
               <a:rPr lang="de-AT" sz="1800" b="0" dirty="0" err="1">
                 <a:solidFill>
-                  <a:srgbClr val="9CDCFE"/>
+                  <a:srgbClr val="CE9178"/>
                 </a:solidFill>
                 <a:effectLst/>
                 <a:latin typeface="Menlo" panose="020B0609030804020204" pitchFamily="49" charset="0"/>
@@ -11127,142 +13279,37 @@
             <a:r>
               <a:rPr lang="de-AT" sz="1800" b="0" dirty="0">
                 <a:solidFill>
-                  <a:srgbClr val="CCCCCC"/>
-                </a:solidFill>
-                <a:effectLst/>
-                <a:latin typeface="Menlo" panose="020B0609030804020204" pitchFamily="49" charset="0"/>
-              </a:rPr>
-              <a:t> </a:t>
+                  <a:srgbClr val="CE9178"/>
+                </a:solidFill>
+                <a:effectLst/>
+                <a:latin typeface="Menlo" panose="020B0609030804020204" pitchFamily="49" charset="0"/>
+              </a:rPr>
+              <a:t>"</a:t>
             </a:r>
             <a:r>
               <a:rPr lang="de-AT" sz="1800" b="0" dirty="0">
                 <a:solidFill>
-                  <a:srgbClr val="D4D4D4"/>
-                </a:solidFill>
-                <a:effectLst/>
-                <a:latin typeface="Menlo" panose="020B0609030804020204" pitchFamily="49" charset="0"/>
-              </a:rPr>
-              <a:t>=</a:t>
-            </a:r>
-            <a:r>
-              <a:rPr lang="de-AT" sz="1800" b="0" dirty="0">
-                <a:solidFill>
-                  <a:srgbClr val="CCCCCC"/>
-                </a:solidFill>
-                <a:effectLst/>
-                <a:latin typeface="Menlo" panose="020B0609030804020204" pitchFamily="49" charset="0"/>
-              </a:rPr>
-              <a:t> </a:t>
-            </a:r>
-            <a:r>
-              <a:rPr lang="de-AT" sz="1800" b="0" dirty="0" err="1">
-                <a:solidFill>
-                  <a:srgbClr val="9CDCFE"/>
-                </a:solidFill>
-                <a:effectLst/>
-                <a:latin typeface="Menlo" panose="020B0609030804020204" pitchFamily="49" charset="0"/>
-              </a:rPr>
-              <a:t>req</a:t>
-            </a:r>
-            <a:r>
-              <a:rPr lang="de-AT" sz="1800" b="0" dirty="0" err="1">
-                <a:solidFill>
-                  <a:srgbClr val="D4D4D4"/>
-                </a:solidFill>
-                <a:effectLst/>
-                <a:latin typeface="Menlo" panose="020B0609030804020204" pitchFamily="49" charset="0"/>
-              </a:rPr>
-              <a:t>.</a:t>
-            </a:r>
-            <a:r>
-              <a:rPr lang="de-AT" sz="1800" b="0" dirty="0" err="1">
-                <a:solidFill>
-                  <a:srgbClr val="DCDCAA"/>
-                </a:solidFill>
-                <a:effectLst/>
-                <a:latin typeface="Menlo" panose="020B0609030804020204" pitchFamily="49" charset="0"/>
-              </a:rPr>
-              <a:t>match_info</a:t>
-            </a:r>
-            <a:r>
-              <a:rPr lang="de-AT" sz="1800" b="0" dirty="0">
-                <a:solidFill>
-                  <a:srgbClr val="CCCCCC"/>
-                </a:solidFill>
-                <a:effectLst/>
-                <a:latin typeface="Menlo" panose="020B0609030804020204" pitchFamily="49" charset="0"/>
-              </a:rPr>
-              <a:t>()</a:t>
-            </a:r>
-            <a:r>
-              <a:rPr lang="de-AT" sz="1800" b="0" dirty="0">
-                <a:solidFill>
-                  <a:srgbClr val="D4D4D4"/>
-                </a:solidFill>
-                <a:effectLst/>
-                <a:latin typeface="Menlo" panose="020B0609030804020204" pitchFamily="49" charset="0"/>
-              </a:rPr>
-              <a:t>.</a:t>
-            </a:r>
-            <a:r>
-              <a:rPr lang="de-AT" sz="1800" b="0" dirty="0" err="1">
-                <a:solidFill>
-                  <a:srgbClr val="DCDCAA"/>
-                </a:solidFill>
-                <a:effectLst/>
-                <a:latin typeface="Menlo" panose="020B0609030804020204" pitchFamily="49" charset="0"/>
-              </a:rPr>
-              <a:t>query</a:t>
-            </a:r>
-            <a:r>
-              <a:rPr lang="de-AT" sz="1800" b="0" dirty="0">
-                <a:solidFill>
-                  <a:srgbClr val="CCCCCC"/>
-                </a:solidFill>
-                <a:effectLst/>
-                <a:latin typeface="Menlo" panose="020B0609030804020204" pitchFamily="49" charset="0"/>
-              </a:rPr>
-              <a:t>(</a:t>
-            </a:r>
-            <a:r>
-              <a:rPr lang="de-AT" sz="1800" b="0" dirty="0">
-                <a:solidFill>
-                  <a:srgbClr val="CE9178"/>
-                </a:solidFill>
-                <a:effectLst/>
-                <a:latin typeface="Menlo" panose="020B0609030804020204" pitchFamily="49" charset="0"/>
-              </a:rPr>
-              <a:t>"</a:t>
-            </a:r>
-            <a:r>
-              <a:rPr lang="de-AT" sz="1800" b="0" dirty="0" err="1">
-                <a:solidFill>
-                  <a:srgbClr val="CE9178"/>
-                </a:solidFill>
-                <a:effectLst/>
-                <a:latin typeface="Menlo" panose="020B0609030804020204" pitchFamily="49" charset="0"/>
-              </a:rPr>
-              <a:t>id</a:t>
-            </a:r>
-            <a:r>
-              <a:rPr lang="de-AT" sz="1800" b="0" dirty="0">
-                <a:solidFill>
-                  <a:srgbClr val="CE9178"/>
-                </a:solidFill>
-                <a:effectLst/>
-                <a:latin typeface="Menlo" panose="020B0609030804020204" pitchFamily="49" charset="0"/>
-              </a:rPr>
-              <a:t>"</a:t>
-            </a:r>
-            <a:r>
-              <a:rPr lang="de-AT" sz="1800" b="0" dirty="0">
-                <a:solidFill>
-                  <a:srgbClr val="CCCCCC"/>
-                </a:solidFill>
-                <a:effectLst/>
-                <a:latin typeface="Menlo" panose="020B0609030804020204" pitchFamily="49" charset="0"/>
-              </a:rPr>
-              <a:t>);</a:t>
+                  <a:schemeClr val="tx1">
+                    <a:lumMod val="65000"/>
+                    <a:lumOff val="35000"/>
+                  </a:schemeClr>
+                </a:solidFill>
+                <a:effectLst/>
+                <a:latin typeface="Menlo" panose="020B0609030804020204" pitchFamily="49" charset="0"/>
+              </a:rPr>
+              <a:t>)</a:t>
+            </a:r>
+            <a:r>
+              <a:rPr lang="de-AT" sz="1800" dirty="0">
+                <a:solidFill>
+                  <a:schemeClr val="tx1">
+                    <a:lumMod val="65000"/>
+                    <a:lumOff val="35000"/>
+                  </a:schemeClr>
+                </a:solidFill>
+                <a:latin typeface="Menlo" panose="020B0609030804020204" pitchFamily="49" charset="0"/>
+              </a:rPr>
+              <a:t>;</a:t>
             </a:r>
           </a:p>
           <a:p>
@@ -11300,231 +13347,242 @@
               <a:t>!</a:t>
             </a:r>
             <a:r>
+              <a:rPr lang="de-AT" sz="1800" dirty="0">
+                <a:solidFill>
+                  <a:schemeClr val="tx1">
+                    <a:lumMod val="65000"/>
+                    <a:lumOff val="35000"/>
+                  </a:schemeClr>
+                </a:solidFill>
+                <a:latin typeface="Menlo" panose="020B0609030804020204" pitchFamily="49" charset="0"/>
+              </a:rPr>
+              <a:t>(</a:t>
+            </a:r>
+            <a:r>
               <a:rPr lang="de-AT" sz="1800" b="0" dirty="0">
                 <a:solidFill>
+                  <a:srgbClr val="CE9178"/>
+                </a:solidFill>
+                <a:effectLst/>
+                <a:latin typeface="Menlo" panose="020B0609030804020204" pitchFamily="49" charset="0"/>
+              </a:rPr>
+              <a:t>"The </a:t>
+            </a:r>
+            <a:r>
+              <a:rPr lang="de-AT" sz="1800" b="0" dirty="0" err="1">
+                <a:solidFill>
+                  <a:srgbClr val="CE9178"/>
+                </a:solidFill>
+                <a:effectLst/>
+                <a:latin typeface="Menlo" panose="020B0609030804020204" pitchFamily="49" charset="0"/>
+              </a:rPr>
+              <a:t>name</a:t>
+            </a:r>
+            <a:r>
+              <a:rPr lang="de-AT" sz="1800" b="0" dirty="0">
+                <a:solidFill>
+                  <a:srgbClr val="CE9178"/>
+                </a:solidFill>
+                <a:effectLst/>
+                <a:latin typeface="Menlo" panose="020B0609030804020204" pitchFamily="49" charset="0"/>
+              </a:rPr>
+              <a:t> </a:t>
+            </a:r>
+            <a:r>
+              <a:rPr lang="de-AT" sz="1800" b="0" dirty="0" err="1">
+                <a:solidFill>
+                  <a:srgbClr val="CE9178"/>
+                </a:solidFill>
+                <a:effectLst/>
+                <a:latin typeface="Menlo" panose="020B0609030804020204" pitchFamily="49" charset="0"/>
+              </a:rPr>
+              <a:t>is</a:t>
+            </a:r>
+            <a:r>
+              <a:rPr lang="de-AT" sz="1800" b="0" dirty="0">
+                <a:solidFill>
+                  <a:srgbClr val="CE9178"/>
+                </a:solidFill>
+                <a:effectLst/>
+                <a:latin typeface="Menlo" panose="020B0609030804020204" pitchFamily="49" charset="0"/>
+              </a:rPr>
+              <a:t>: </a:t>
+            </a:r>
+            <a:r>
+              <a:rPr lang="de-AT" sz="1800" b="0" dirty="0">
+                <a:solidFill>
+                  <a:srgbClr val="569CD6"/>
+                </a:solidFill>
+                <a:effectLst/>
+                <a:latin typeface="Menlo" panose="020B0609030804020204" pitchFamily="49" charset="0"/>
+              </a:rPr>
+              <a:t>{}</a:t>
+            </a:r>
+            <a:r>
+              <a:rPr lang="de-AT" sz="1800" b="0" dirty="0">
+                <a:solidFill>
+                  <a:srgbClr val="CE9178"/>
+                </a:solidFill>
+                <a:effectLst/>
+                <a:latin typeface="Menlo" panose="020B0609030804020204" pitchFamily="49" charset="0"/>
+              </a:rPr>
+              <a:t>, </a:t>
+            </a:r>
+            <a:r>
+              <a:rPr lang="de-AT" sz="1800" b="0" dirty="0" err="1">
+                <a:solidFill>
+                  <a:srgbClr val="CE9178"/>
+                </a:solidFill>
+                <a:effectLst/>
+                <a:latin typeface="Menlo" panose="020B0609030804020204" pitchFamily="49" charset="0"/>
+              </a:rPr>
+              <a:t>message</a:t>
+            </a:r>
+            <a:r>
+              <a:rPr lang="de-AT" sz="1800" b="0" dirty="0">
+                <a:solidFill>
+                  <a:srgbClr val="CE9178"/>
+                </a:solidFill>
+                <a:effectLst/>
+                <a:latin typeface="Menlo" panose="020B0609030804020204" pitchFamily="49" charset="0"/>
+              </a:rPr>
+              <a:t>: </a:t>
+            </a:r>
+            <a:r>
+              <a:rPr lang="de-AT" sz="1800" b="0" dirty="0">
+                <a:solidFill>
+                  <a:srgbClr val="569CD6"/>
+                </a:solidFill>
+                <a:effectLst/>
+                <a:latin typeface="Menlo" panose="020B0609030804020204" pitchFamily="49" charset="0"/>
+              </a:rPr>
+              <a:t>{}</a:t>
+            </a:r>
+            <a:r>
+              <a:rPr lang="de-AT" sz="1800" b="0" dirty="0">
+                <a:solidFill>
+                  <a:srgbClr val="CE9178"/>
+                </a:solidFill>
+                <a:effectLst/>
+                <a:latin typeface="Menlo" panose="020B0609030804020204" pitchFamily="49" charset="0"/>
+              </a:rPr>
+              <a:t>, </a:t>
+            </a:r>
+            <a:r>
+              <a:rPr lang="de-AT" sz="1800" b="0" dirty="0" err="1">
+                <a:solidFill>
+                  <a:srgbClr val="CE9178"/>
+                </a:solidFill>
+                <a:effectLst/>
+                <a:latin typeface="Menlo" panose="020B0609030804020204" pitchFamily="49" charset="0"/>
+              </a:rPr>
+              <a:t>id</a:t>
+            </a:r>
+            <a:r>
+              <a:rPr lang="de-AT" sz="1800" b="0" dirty="0">
+                <a:solidFill>
+                  <a:srgbClr val="CE9178"/>
+                </a:solidFill>
+                <a:effectLst/>
+                <a:latin typeface="Menlo" panose="020B0609030804020204" pitchFamily="49" charset="0"/>
+              </a:rPr>
+              <a:t>: </a:t>
+            </a:r>
+            <a:r>
+              <a:rPr lang="de-AT" sz="1800" b="0" dirty="0">
+                <a:solidFill>
+                  <a:srgbClr val="569CD6"/>
+                </a:solidFill>
+                <a:effectLst/>
+                <a:latin typeface="Menlo" panose="020B0609030804020204" pitchFamily="49" charset="0"/>
+              </a:rPr>
+              <a:t>{}</a:t>
+            </a:r>
+            <a:r>
+              <a:rPr lang="de-AT" sz="1800" b="0" dirty="0">
+                <a:solidFill>
+                  <a:srgbClr val="CE9178"/>
+                </a:solidFill>
+                <a:effectLst/>
+                <a:latin typeface="Menlo" panose="020B0609030804020204" pitchFamily="49" charset="0"/>
+              </a:rPr>
+              <a:t>"</a:t>
+            </a:r>
+            <a:r>
+              <a:rPr lang="de-AT" sz="1800" dirty="0">
+                <a:solidFill>
+                  <a:schemeClr val="tx1">
+                    <a:lumMod val="65000"/>
+                    <a:lumOff val="35000"/>
+                  </a:schemeClr>
+                </a:solidFill>
+                <a:latin typeface="Menlo" panose="020B0609030804020204" pitchFamily="49" charset="0"/>
+              </a:rPr>
+              <a:t>,</a:t>
+            </a:r>
+            <a:r>
+              <a:rPr lang="de-AT" sz="1800" b="0" dirty="0">
+                <a:solidFill>
                   <a:srgbClr val="CCCCCC"/>
                 </a:solidFill>
                 <a:effectLst/>
                 <a:latin typeface="Menlo" panose="020B0609030804020204" pitchFamily="49" charset="0"/>
               </a:rPr>
-              <a:t>(</a:t>
-            </a:r>
-            <a:r>
-              <a:rPr lang="de-AT" sz="1800" b="0" dirty="0">
-                <a:solidFill>
-                  <a:srgbClr val="CE9178"/>
-                </a:solidFill>
-                <a:effectLst/>
-                <a:latin typeface="Menlo" panose="020B0609030804020204" pitchFamily="49" charset="0"/>
-              </a:rPr>
-              <a:t>"The </a:t>
-            </a:r>
-            <a:r>
-              <a:rPr lang="de-AT" sz="1800" b="0" dirty="0" err="1">
-                <a:solidFill>
-                  <a:srgbClr val="CE9178"/>
-                </a:solidFill>
-                <a:effectLst/>
+              <a:t> </a:t>
+            </a:r>
+            <a:r>
+              <a:rPr lang="de-AT" sz="1800" dirty="0" err="1">
+                <a:solidFill>
+                  <a:srgbClr val="C00000"/>
+                </a:solidFill>
                 <a:latin typeface="Menlo" panose="020B0609030804020204" pitchFamily="49" charset="0"/>
               </a:rPr>
               <a:t>name</a:t>
             </a:r>
             <a:r>
-              <a:rPr lang="de-AT" sz="1800" b="0" dirty="0">
-                <a:solidFill>
-                  <a:srgbClr val="CE9178"/>
-                </a:solidFill>
-                <a:effectLst/>
-                <a:latin typeface="Menlo" panose="020B0609030804020204" pitchFamily="49" charset="0"/>
-              </a:rPr>
-              <a:t> </a:t>
-            </a:r>
-            <a:r>
-              <a:rPr lang="de-AT" sz="1800" b="0" dirty="0" err="1">
-                <a:solidFill>
-                  <a:srgbClr val="CE9178"/>
-                </a:solidFill>
-                <a:effectLst/>
-                <a:latin typeface="Menlo" panose="020B0609030804020204" pitchFamily="49" charset="0"/>
-              </a:rPr>
-              <a:t>is</a:t>
-            </a:r>
-            <a:r>
-              <a:rPr lang="de-AT" sz="1800" b="0" dirty="0">
-                <a:solidFill>
-                  <a:srgbClr val="CE9178"/>
-                </a:solidFill>
-                <a:effectLst/>
-                <a:latin typeface="Menlo" panose="020B0609030804020204" pitchFamily="49" charset="0"/>
-              </a:rPr>
-              <a:t>: </a:t>
-            </a:r>
-            <a:r>
-              <a:rPr lang="de-AT" sz="1800" b="0" dirty="0">
-                <a:solidFill>
-                  <a:srgbClr val="569CD6"/>
-                </a:solidFill>
-                <a:effectLst/>
-                <a:latin typeface="Menlo" panose="020B0609030804020204" pitchFamily="49" charset="0"/>
-              </a:rPr>
-              <a:t>{}</a:t>
-            </a:r>
-            <a:r>
-              <a:rPr lang="de-AT" sz="1800" b="0" dirty="0">
-                <a:solidFill>
-                  <a:srgbClr val="CE9178"/>
-                </a:solidFill>
-                <a:effectLst/>
+              <a:rPr lang="de-AT" sz="1800" dirty="0">
+                <a:solidFill>
+                  <a:srgbClr val="C00000"/>
+                </a:solidFill>
                 <a:latin typeface="Menlo" panose="020B0609030804020204" pitchFamily="49" charset="0"/>
               </a:rPr>
               <a:t>, </a:t>
             </a:r>
             <a:r>
-              <a:rPr lang="de-AT" sz="1800" b="0" dirty="0" err="1">
-                <a:solidFill>
-                  <a:srgbClr val="CE9178"/>
-                </a:solidFill>
-                <a:effectLst/>
+              <a:rPr lang="de-AT" sz="1800" dirty="0" err="1">
+                <a:solidFill>
+                  <a:srgbClr val="C00000"/>
+                </a:solidFill>
                 <a:latin typeface="Menlo" panose="020B0609030804020204" pitchFamily="49" charset="0"/>
               </a:rPr>
               <a:t>message</a:t>
             </a:r>
             <a:r>
-              <a:rPr lang="de-AT" sz="1800" b="0" dirty="0">
-                <a:solidFill>
-                  <a:srgbClr val="CE9178"/>
-                </a:solidFill>
-                <a:effectLst/>
-                <a:latin typeface="Menlo" panose="020B0609030804020204" pitchFamily="49" charset="0"/>
-              </a:rPr>
-              <a:t>: </a:t>
-            </a:r>
-            <a:r>
-              <a:rPr lang="de-AT" sz="1800" b="0" dirty="0">
-                <a:solidFill>
-                  <a:srgbClr val="569CD6"/>
-                </a:solidFill>
-                <a:effectLst/>
-                <a:latin typeface="Menlo" panose="020B0609030804020204" pitchFamily="49" charset="0"/>
-              </a:rPr>
-              <a:t>{}</a:t>
-            </a:r>
-            <a:r>
-              <a:rPr lang="de-AT" sz="1800" b="0" dirty="0">
-                <a:solidFill>
-                  <a:srgbClr val="CE9178"/>
-                </a:solidFill>
-                <a:effectLst/>
+              <a:rPr lang="de-AT" sz="1800" dirty="0">
+                <a:solidFill>
+                  <a:srgbClr val="C00000"/>
+                </a:solidFill>
                 <a:latin typeface="Menlo" panose="020B0609030804020204" pitchFamily="49" charset="0"/>
               </a:rPr>
               <a:t>, </a:t>
             </a:r>
             <a:r>
-              <a:rPr lang="de-AT" sz="1800" b="0" dirty="0" err="1">
-                <a:solidFill>
-                  <a:srgbClr val="CE9178"/>
-                </a:solidFill>
-                <a:effectLst/>
+              <a:rPr lang="de-AT" sz="1800" dirty="0" err="1">
+                <a:solidFill>
+                  <a:srgbClr val="C00000"/>
+                </a:solidFill>
                 <a:latin typeface="Menlo" panose="020B0609030804020204" pitchFamily="49" charset="0"/>
               </a:rPr>
               <a:t>id</a:t>
             </a:r>
             <a:r>
-              <a:rPr lang="de-AT" sz="1800" b="0" dirty="0">
-                <a:solidFill>
-                  <a:srgbClr val="CE9178"/>
-                </a:solidFill>
-                <a:effectLst/>
-                <a:latin typeface="Menlo" panose="020B0609030804020204" pitchFamily="49" charset="0"/>
-              </a:rPr>
-              <a:t>: </a:t>
-            </a:r>
-            <a:r>
-              <a:rPr lang="de-AT" sz="1800" b="0" dirty="0">
-                <a:solidFill>
-                  <a:srgbClr val="569CD6"/>
-                </a:solidFill>
-                <a:effectLst/>
-                <a:latin typeface="Menlo" panose="020B0609030804020204" pitchFamily="49" charset="0"/>
-              </a:rPr>
-              <a:t>{}</a:t>
-            </a:r>
-            <a:r>
-              <a:rPr lang="de-AT" sz="1800" b="0" dirty="0">
-                <a:solidFill>
-                  <a:srgbClr val="CE9178"/>
-                </a:solidFill>
-                <a:effectLst/>
-                <a:latin typeface="Menlo" panose="020B0609030804020204" pitchFamily="49" charset="0"/>
-              </a:rPr>
-              <a:t>"</a:t>
-            </a:r>
-            <a:r>
-              <a:rPr lang="de-AT" sz="1800" b="0" dirty="0">
-                <a:solidFill>
-                  <a:srgbClr val="CCCCCC"/>
-                </a:solidFill>
-                <a:effectLst/>
-                <a:latin typeface="Menlo" panose="020B0609030804020204" pitchFamily="49" charset="0"/>
-              </a:rPr>
-              <a:t>, </a:t>
-            </a:r>
-            <a:r>
-              <a:rPr lang="de-AT" sz="1800" b="0" dirty="0" err="1">
-                <a:solidFill>
-                  <a:srgbClr val="9CDCFE"/>
-                </a:solidFill>
-                <a:effectLst/>
-                <a:latin typeface="Menlo" panose="020B0609030804020204" pitchFamily="49" charset="0"/>
-              </a:rPr>
-              <a:t>name</a:t>
-            </a:r>
-            <a:r>
-              <a:rPr lang="de-AT" sz="1800" b="0" dirty="0">
-                <a:solidFill>
-                  <a:srgbClr val="CCCCCC"/>
-                </a:solidFill>
-                <a:effectLst/>
-                <a:latin typeface="Menlo" panose="020B0609030804020204" pitchFamily="49" charset="0"/>
-              </a:rPr>
-              <a:t>, </a:t>
-            </a:r>
-            <a:r>
-              <a:rPr lang="de-AT" sz="1800" b="0" dirty="0" err="1">
-                <a:solidFill>
-                  <a:srgbClr val="9CDCFE"/>
-                </a:solidFill>
-                <a:effectLst/>
-                <a:latin typeface="Menlo" panose="020B0609030804020204" pitchFamily="49" charset="0"/>
-              </a:rPr>
-              <a:t>message</a:t>
-            </a:r>
-            <a:r>
-              <a:rPr lang="de-AT" sz="1800" b="0" dirty="0">
-                <a:solidFill>
-                  <a:srgbClr val="CCCCCC"/>
-                </a:solidFill>
-                <a:effectLst/>
-                <a:latin typeface="Menlo" panose="020B0609030804020204" pitchFamily="49" charset="0"/>
-              </a:rPr>
-              <a:t>, </a:t>
-            </a:r>
-            <a:r>
-              <a:rPr lang="de-AT" sz="1800" b="0" dirty="0" err="1">
-                <a:solidFill>
-                  <a:srgbClr val="9CDCFE"/>
-                </a:solidFill>
-                <a:effectLst/>
-                <a:latin typeface="Menlo" panose="020B0609030804020204" pitchFamily="49" charset="0"/>
-              </a:rPr>
-              <a:t>id</a:t>
-            </a:r>
-            <a:r>
-              <a:rPr lang="de-AT" sz="1800" b="0" dirty="0">
-                <a:solidFill>
-                  <a:srgbClr val="CCCCCC"/>
-                </a:solidFill>
-                <a:effectLst/>
+              <a:rPr lang="de-AT" sz="1800" dirty="0">
+                <a:solidFill>
+                  <a:schemeClr val="tx1">
+                    <a:lumMod val="65000"/>
+                    <a:lumOff val="35000"/>
+                  </a:schemeClr>
+                </a:solidFill>
                 <a:latin typeface="Menlo" panose="020B0609030804020204" pitchFamily="49" charset="0"/>
               </a:rPr>
               <a:t>)</a:t>
@@ -11535,11 +13593,13 @@
               <a:buNone/>
             </a:pPr>
             <a:r>
-              <a:rPr lang="de-AT" sz="1800" b="0" dirty="0">
-                <a:solidFill>
-                  <a:srgbClr val="CCCCCC"/>
-                </a:solidFill>
-                <a:effectLst/>
+              <a:rPr lang="de-AT" sz="1800" dirty="0">
+                <a:solidFill>
+                  <a:schemeClr val="tx1">
+                    <a:lumMod val="65000"/>
+                    <a:lumOff val="35000"/>
+                  </a:schemeClr>
+                </a:solidFill>
                 <a:latin typeface="Menlo" panose="020B0609030804020204" pitchFamily="49" charset="0"/>
               </a:rPr>
               <a:t>}</a:t>
@@ -11563,6 +13623,302 @@
   <p:clrMapOvr>
     <a:masterClrMapping/>
   </p:clrMapOvr>
+  <p:timing>
+    <p:tnLst>
+      <p:par>
+        <p:cTn id="1" dur="indefinite" restart="never" nodeType="tmRoot">
+          <p:childTnLst>
+            <p:seq concurrent="1" nextAc="seek">
+              <p:cTn id="2" dur="indefinite" nodeType="mainSeq">
+                <p:childTnLst>
+                  <p:par>
+                    <p:cTn id="3" fill="hold">
+                      <p:stCondLst>
+                        <p:cond delay="indefinite"/>
+                      </p:stCondLst>
+                      <p:childTnLst>
+                        <p:par>
+                          <p:cTn id="4" fill="hold">
+                            <p:stCondLst>
+                              <p:cond delay="0"/>
+                            </p:stCondLst>
+                            <p:childTnLst>
+                              <p:par>
+                                <p:cTn id="5" presetID="1" presetClass="entr" presetSubtype="0" fill="hold" nodeType="clickEffect">
+                                  <p:stCondLst>
+                                    <p:cond delay="0"/>
+                                  </p:stCondLst>
+                                  <p:childTnLst>
+                                    <p:set>
+                                      <p:cBhvr>
+                                        <p:cTn id="6" dur="1" fill="hold">
+                                          <p:stCondLst>
+                                            <p:cond delay="0"/>
+                                          </p:stCondLst>
+                                        </p:cTn>
+                                        <p:tgtEl>
+                                          <p:spTgt spid="3">
+                                            <p:txEl>
+                                              <p:pRg st="0" end="0"/>
+                                            </p:txEl>
+                                          </p:spTgt>
+                                        </p:tgtEl>
+                                        <p:attrNameLst>
+                                          <p:attrName>style.visibility</p:attrName>
+                                        </p:attrNameLst>
+                                      </p:cBhvr>
+                                      <p:to>
+                                        <p:strVal val="visible"/>
+                                      </p:to>
+                                    </p:set>
+                                  </p:childTnLst>
+                                </p:cTn>
+                              </p:par>
+                              <p:par>
+                                <p:cTn id="7" presetID="1" presetClass="entr" presetSubtype="0" fill="hold" nodeType="withEffect">
+                                  <p:stCondLst>
+                                    <p:cond delay="0"/>
+                                  </p:stCondLst>
+                                  <p:childTnLst>
+                                    <p:set>
+                                      <p:cBhvr>
+                                        <p:cTn id="8" dur="1" fill="hold">
+                                          <p:stCondLst>
+                                            <p:cond delay="0"/>
+                                          </p:stCondLst>
+                                        </p:cTn>
+                                        <p:tgtEl>
+                                          <p:spTgt spid="3">
+                                            <p:txEl>
+                                              <p:pRg st="2" end="2"/>
+                                            </p:txEl>
+                                          </p:spTgt>
+                                        </p:tgtEl>
+                                        <p:attrNameLst>
+                                          <p:attrName>style.visibility</p:attrName>
+                                        </p:attrNameLst>
+                                      </p:cBhvr>
+                                      <p:to>
+                                        <p:strVal val="visible"/>
+                                      </p:to>
+                                    </p:set>
+                                  </p:childTnLst>
+                                </p:cTn>
+                              </p:par>
+                              <p:par>
+                                <p:cTn id="9" presetID="1" presetClass="entr" presetSubtype="0" fill="hold" nodeType="withEffect">
+                                  <p:stCondLst>
+                                    <p:cond delay="0"/>
+                                  </p:stCondLst>
+                                  <p:childTnLst>
+                                    <p:set>
+                                      <p:cBhvr>
+                                        <p:cTn id="10" dur="1" fill="hold">
+                                          <p:stCondLst>
+                                            <p:cond delay="0"/>
+                                          </p:stCondLst>
+                                        </p:cTn>
+                                        <p:tgtEl>
+                                          <p:spTgt spid="3">
+                                            <p:txEl>
+                                              <p:pRg st="3" end="3"/>
+                                            </p:txEl>
+                                          </p:spTgt>
+                                        </p:tgtEl>
+                                        <p:attrNameLst>
+                                          <p:attrName>style.visibility</p:attrName>
+                                        </p:attrNameLst>
+                                      </p:cBhvr>
+                                      <p:to>
+                                        <p:strVal val="visible"/>
+                                      </p:to>
+                                    </p:set>
+                                  </p:childTnLst>
+                                </p:cTn>
+                              </p:par>
+                              <p:par>
+                                <p:cTn id="11" presetID="1" presetClass="entr" presetSubtype="0" fill="hold" nodeType="withEffect">
+                                  <p:stCondLst>
+                                    <p:cond delay="0"/>
+                                  </p:stCondLst>
+                                  <p:childTnLst>
+                                    <p:set>
+                                      <p:cBhvr>
+                                        <p:cTn id="12" dur="1" fill="hold">
+                                          <p:stCondLst>
+                                            <p:cond delay="0"/>
+                                          </p:stCondLst>
+                                        </p:cTn>
+                                        <p:tgtEl>
+                                          <p:spTgt spid="3">
+                                            <p:txEl>
+                                              <p:pRg st="4" end="4"/>
+                                            </p:txEl>
+                                          </p:spTgt>
+                                        </p:tgtEl>
+                                        <p:attrNameLst>
+                                          <p:attrName>style.visibility</p:attrName>
+                                        </p:attrNameLst>
+                                      </p:cBhvr>
+                                      <p:to>
+                                        <p:strVal val="visible"/>
+                                      </p:to>
+                                    </p:set>
+                                  </p:childTnLst>
+                                </p:cTn>
+                              </p:par>
+                              <p:par>
+                                <p:cTn id="13" presetID="1" presetClass="entr" presetSubtype="0" fill="hold" nodeType="withEffect">
+                                  <p:stCondLst>
+                                    <p:cond delay="0"/>
+                                  </p:stCondLst>
+                                  <p:childTnLst>
+                                    <p:set>
+                                      <p:cBhvr>
+                                        <p:cTn id="14" dur="1" fill="hold">
+                                          <p:stCondLst>
+                                            <p:cond delay="0"/>
+                                          </p:stCondLst>
+                                        </p:cTn>
+                                        <p:tgtEl>
+                                          <p:spTgt spid="3">
+                                            <p:txEl>
+                                              <p:pRg st="5" end="5"/>
+                                            </p:txEl>
+                                          </p:spTgt>
+                                        </p:tgtEl>
+                                        <p:attrNameLst>
+                                          <p:attrName>style.visibility</p:attrName>
+                                        </p:attrNameLst>
+                                      </p:cBhvr>
+                                      <p:to>
+                                        <p:strVal val="visible"/>
+                                      </p:to>
+                                    </p:set>
+                                  </p:childTnLst>
+                                </p:cTn>
+                              </p:par>
+                              <p:par>
+                                <p:cTn id="15" presetID="1" presetClass="entr" presetSubtype="0" fill="hold" nodeType="withEffect">
+                                  <p:stCondLst>
+                                    <p:cond delay="0"/>
+                                  </p:stCondLst>
+                                  <p:childTnLst>
+                                    <p:set>
+                                      <p:cBhvr>
+                                        <p:cTn id="16" dur="1" fill="hold">
+                                          <p:stCondLst>
+                                            <p:cond delay="0"/>
+                                          </p:stCondLst>
+                                        </p:cTn>
+                                        <p:tgtEl>
+                                          <p:spTgt spid="3">
+                                            <p:txEl>
+                                              <p:pRg st="6" end="6"/>
+                                            </p:txEl>
+                                          </p:spTgt>
+                                        </p:tgtEl>
+                                        <p:attrNameLst>
+                                          <p:attrName>style.visibility</p:attrName>
+                                        </p:attrNameLst>
+                                      </p:cBhvr>
+                                      <p:to>
+                                        <p:strVal val="visible"/>
+                                      </p:to>
+                                    </p:set>
+                                  </p:childTnLst>
+                                </p:cTn>
+                              </p:par>
+                              <p:par>
+                                <p:cTn id="17" presetID="1" presetClass="entr" presetSubtype="0" fill="hold" nodeType="withEffect">
+                                  <p:stCondLst>
+                                    <p:cond delay="0"/>
+                                  </p:stCondLst>
+                                  <p:childTnLst>
+                                    <p:set>
+                                      <p:cBhvr>
+                                        <p:cTn id="18" dur="1" fill="hold">
+                                          <p:stCondLst>
+                                            <p:cond delay="0"/>
+                                          </p:stCondLst>
+                                        </p:cTn>
+                                        <p:tgtEl>
+                                          <p:spTgt spid="3">
+                                            <p:txEl>
+                                              <p:pRg st="7" end="7"/>
+                                            </p:txEl>
+                                          </p:spTgt>
+                                        </p:tgtEl>
+                                        <p:attrNameLst>
+                                          <p:attrName>style.visibility</p:attrName>
+                                        </p:attrNameLst>
+                                      </p:cBhvr>
+                                      <p:to>
+                                        <p:strVal val="visible"/>
+                                      </p:to>
+                                    </p:set>
+                                  </p:childTnLst>
+                                </p:cTn>
+                              </p:par>
+                              <p:par>
+                                <p:cTn id="19" presetID="1" presetClass="entr" presetSubtype="0" fill="hold" nodeType="withEffect">
+                                  <p:stCondLst>
+                                    <p:cond delay="0"/>
+                                  </p:stCondLst>
+                                  <p:childTnLst>
+                                    <p:set>
+                                      <p:cBhvr>
+                                        <p:cTn id="20" dur="1" fill="hold">
+                                          <p:stCondLst>
+                                            <p:cond delay="0"/>
+                                          </p:stCondLst>
+                                        </p:cTn>
+                                        <p:tgtEl>
+                                          <p:spTgt spid="3">
+                                            <p:txEl>
+                                              <p:pRg st="8" end="8"/>
+                                            </p:txEl>
+                                          </p:spTgt>
+                                        </p:tgtEl>
+                                        <p:attrNameLst>
+                                          <p:attrName>style.visibility</p:attrName>
+                                        </p:attrNameLst>
+                                      </p:cBhvr>
+                                      <p:to>
+                                        <p:strVal val="visible"/>
+                                      </p:to>
+                                    </p:set>
+                                  </p:childTnLst>
+                                </p:cTn>
+                              </p:par>
+                            </p:childTnLst>
+                          </p:cTn>
+                        </p:par>
+                      </p:childTnLst>
+                    </p:cTn>
+                  </p:par>
+                </p:childTnLst>
+              </p:cTn>
+              <p:prevCondLst>
+                <p:cond evt="onPrev" delay="0">
+                  <p:tgtEl>
+                    <p:sldTgt/>
+                  </p:tgtEl>
+                </p:cond>
+              </p:prevCondLst>
+              <p:nextCondLst>
+                <p:cond evt="onNext" delay="0">
+                  <p:tgtEl>
+                    <p:sldTgt/>
+                  </p:tgtEl>
+                </p:cond>
+              </p:nextCondLst>
+            </p:seq>
+          </p:childTnLst>
+        </p:cTn>
+      </p:par>
+    </p:tnLst>
+  </p:timing>
 </p:sld>
 </file>
 
@@ -11646,8 +14002,8 @@
         </p:nvSpPr>
         <p:spPr>
           <a:xfrm>
-            <a:off x="838200" y="1949450"/>
-            <a:ext cx="8456673" cy="4862870"/>
+            <a:off x="838200" y="1995130"/>
+            <a:ext cx="8456673" cy="3077766"/>
           </a:xfrm>
           <a:prstGeom prst="rect">
             <a:avLst/>
@@ -11661,6 +14017,24 @@
           <a:lstStyle/>
           <a:p>
             <a:r>
+              <a:rPr lang="de-DE" sz="2400" dirty="0" err="1"/>
+              <a:t>Deserialize</a:t>
+            </a:r>
+            <a:r>
+              <a:rPr lang="de-DE" sz="2400" dirty="0"/>
+              <a:t> </a:t>
+            </a:r>
+            <a:r>
+              <a:rPr lang="de-DE" sz="2400" dirty="0" err="1"/>
+              <a:t>data</a:t>
+            </a:r>
+            <a:endParaRPr lang="de-DE" sz="2400" dirty="0"/>
+          </a:p>
+          <a:p>
+            <a:endParaRPr lang="de-DE" sz="2000" dirty="0"/>
+          </a:p>
+          <a:p>
+            <a:r>
               <a:rPr lang="de-DE" sz="2000" dirty="0" err="1"/>
               <a:t>Cargo.toml</a:t>
             </a:r>
@@ -11674,114 +14048,103 @@
           </a:p>
           <a:p>
             <a:r>
-              <a:rPr lang="de-DE" sz="2000" dirty="0">
-                <a:solidFill>
-                  <a:schemeClr val="bg2">
-                    <a:lumMod val="75000"/>
-                  </a:schemeClr>
-                </a:solidFill>
+              <a:rPr lang="de-DE" dirty="0">
+                <a:solidFill>
+                  <a:srgbClr val="CE9178"/>
+                </a:solidFill>
+                <a:latin typeface="Menlo" panose="020B0609030804020204" pitchFamily="49" charset="0"/>
               </a:rPr>
               <a:t>[</a:t>
             </a:r>
             <a:r>
-              <a:rPr lang="de-DE" sz="2000" dirty="0" err="1">
-                <a:solidFill>
-                  <a:schemeClr val="bg2">
-                    <a:lumMod val="75000"/>
-                  </a:schemeClr>
-                </a:solidFill>
+              <a:rPr lang="de-DE" dirty="0" err="1">
+                <a:solidFill>
+                  <a:srgbClr val="CE9178"/>
+                </a:solidFill>
+                <a:latin typeface="Menlo" panose="020B0609030804020204" pitchFamily="49" charset="0"/>
               </a:rPr>
               <a:t>dependencies</a:t>
             </a:r>
             <a:r>
-              <a:rPr lang="de-DE" sz="2000" dirty="0">
-                <a:solidFill>
-                  <a:schemeClr val="bg2">
-                    <a:lumMod val="75000"/>
-                  </a:schemeClr>
-                </a:solidFill>
+              <a:rPr lang="de-DE" dirty="0">
+                <a:solidFill>
+                  <a:srgbClr val="CE9178"/>
+                </a:solidFill>
+                <a:latin typeface="Menlo" panose="020B0609030804020204" pitchFamily="49" charset="0"/>
               </a:rPr>
               <a:t>]</a:t>
             </a:r>
           </a:p>
           <a:p>
             <a:r>
-              <a:rPr lang="de-DE" sz="2000" dirty="0" err="1">
-                <a:solidFill>
-                  <a:schemeClr val="bg2">
-                    <a:lumMod val="75000"/>
-                  </a:schemeClr>
-                </a:solidFill>
+              <a:rPr lang="de-DE" dirty="0" err="1">
+                <a:solidFill>
+                  <a:srgbClr val="CE9178"/>
+                </a:solidFill>
+                <a:latin typeface="Menlo" panose="020B0609030804020204" pitchFamily="49" charset="0"/>
               </a:rPr>
               <a:t>serde</a:t>
             </a:r>
             <a:r>
-              <a:rPr lang="de-DE" sz="2000" dirty="0">
-                <a:solidFill>
-                  <a:schemeClr val="bg2">
-                    <a:lumMod val="75000"/>
-                  </a:schemeClr>
-                </a:solidFill>
+              <a:rPr lang="de-DE" dirty="0">
+                <a:solidFill>
+                  <a:srgbClr val="CE9178"/>
+                </a:solidFill>
+                <a:latin typeface="Menlo" panose="020B0609030804020204" pitchFamily="49" charset="0"/>
               </a:rPr>
               <a:t> = {</a:t>
             </a:r>
             <a:r>
-              <a:rPr lang="de-DE" sz="2000" dirty="0" err="1">
-                <a:solidFill>
-                  <a:schemeClr val="bg2">
-                    <a:lumMod val="75000"/>
-                  </a:schemeClr>
-                </a:solidFill>
+              <a:rPr lang="de-DE" dirty="0" err="1">
+                <a:solidFill>
+                  <a:srgbClr val="CE9178"/>
+                </a:solidFill>
+                <a:latin typeface="Menlo" panose="020B0609030804020204" pitchFamily="49" charset="0"/>
               </a:rPr>
               <a:t>version</a:t>
             </a:r>
             <a:r>
-              <a:rPr lang="de-DE" sz="2000" dirty="0">
-                <a:solidFill>
-                  <a:schemeClr val="bg2">
-                    <a:lumMod val="75000"/>
-                  </a:schemeClr>
-                </a:solidFill>
+              <a:rPr lang="de-DE" dirty="0">
+                <a:solidFill>
+                  <a:srgbClr val="CE9178"/>
+                </a:solidFill>
+                <a:latin typeface="Menlo" panose="020B0609030804020204" pitchFamily="49" charset="0"/>
               </a:rPr>
               <a:t> = "1.0.193", </a:t>
             </a:r>
             <a:r>
-              <a:rPr lang="de-DE" sz="2000" dirty="0" err="1">
-                <a:solidFill>
-                  <a:schemeClr val="bg2">
-                    <a:lumMod val="75000"/>
-                  </a:schemeClr>
-                </a:solidFill>
+              <a:rPr lang="de-DE" dirty="0" err="1">
+                <a:solidFill>
+                  <a:srgbClr val="CE9178"/>
+                </a:solidFill>
+                <a:latin typeface="Menlo" panose="020B0609030804020204" pitchFamily="49" charset="0"/>
               </a:rPr>
               <a:t>features</a:t>
             </a:r>
             <a:r>
-              <a:rPr lang="de-DE" sz="2000" dirty="0">
-                <a:solidFill>
-                  <a:schemeClr val="bg2">
-                    <a:lumMod val="75000"/>
-                  </a:schemeClr>
-                </a:solidFill>
+              <a:rPr lang="de-DE" dirty="0">
+                <a:solidFill>
+                  <a:srgbClr val="CE9178"/>
+                </a:solidFill>
+                <a:latin typeface="Menlo" panose="020B0609030804020204" pitchFamily="49" charset="0"/>
               </a:rPr>
               <a:t> = ["</a:t>
             </a:r>
             <a:r>
-              <a:rPr lang="de-DE" sz="2000" dirty="0" err="1">
-                <a:solidFill>
-                  <a:schemeClr val="bg2">
-                    <a:lumMod val="75000"/>
-                  </a:schemeClr>
-                </a:solidFill>
+              <a:rPr lang="de-DE" dirty="0" err="1">
+                <a:solidFill>
+                  <a:srgbClr val="CE9178"/>
+                </a:solidFill>
+                <a:latin typeface="Menlo" panose="020B0609030804020204" pitchFamily="49" charset="0"/>
               </a:rPr>
               <a:t>derive</a:t>
             </a:r>
             <a:r>
-              <a:rPr lang="de-DE" sz="2000" dirty="0">
-                <a:solidFill>
-                  <a:schemeClr val="bg2">
-                    <a:lumMod val="75000"/>
-                  </a:schemeClr>
-                </a:solidFill>
+              <a:rPr lang="de-DE" dirty="0">
+                <a:solidFill>
+                  <a:srgbClr val="CE9178"/>
+                </a:solidFill>
+                <a:latin typeface="Menlo" panose="020B0609030804020204" pitchFamily="49" charset="0"/>
               </a:rPr>
               <a:t>"]}</a:t>
             </a:r>
@@ -11790,468 +14153,7 @@
             <a:endParaRPr lang="de-DE" sz="2000" dirty="0"/>
           </a:p>
           <a:p>
-            <a:r>
-              <a:rPr lang="de-DE" sz="2000" dirty="0"/>
-              <a:t>Extract </a:t>
-            </a:r>
-            <a:r>
-              <a:rPr lang="de-DE" sz="2000" dirty="0" err="1"/>
-              <a:t>data</a:t>
-            </a:r>
-            <a:r>
-              <a:rPr lang="de-DE" sz="2000" dirty="0"/>
-              <a:t> </a:t>
-            </a:r>
-            <a:r>
-              <a:rPr lang="de-DE" sz="2000" dirty="0" err="1"/>
-              <a:t>from</a:t>
-            </a:r>
-            <a:r>
-              <a:rPr lang="de-DE" sz="2000" dirty="0"/>
-              <a:t> </a:t>
-            </a:r>
-            <a:r>
-              <a:rPr lang="de-DE" sz="2000" dirty="0" err="1"/>
-              <a:t>the</a:t>
-            </a:r>
-            <a:r>
-              <a:rPr lang="de-DE" sz="2000" dirty="0"/>
-              <a:t> </a:t>
-            </a:r>
-            <a:r>
-              <a:rPr lang="de-DE" sz="2000" dirty="0" err="1"/>
-              <a:t>client‘s</a:t>
-            </a:r>
-            <a:r>
-              <a:rPr lang="de-DE" sz="2000" dirty="0"/>
-              <a:t> </a:t>
-            </a:r>
-            <a:r>
-              <a:rPr lang="de-DE" sz="2000" dirty="0" err="1"/>
-              <a:t>HttpRequest</a:t>
-            </a:r>
-            <a:r>
-              <a:rPr lang="de-DE" sz="2000" dirty="0"/>
-              <a:t> </a:t>
-            </a:r>
-            <a:r>
-              <a:rPr lang="de-DE" sz="2000" dirty="0" err="1"/>
-              <a:t>by</a:t>
-            </a:r>
-            <a:r>
-              <a:rPr lang="de-DE" sz="2000" dirty="0"/>
-              <a:t> </a:t>
-            </a:r>
-            <a:r>
-              <a:rPr lang="de-DE" sz="2000" dirty="0" err="1"/>
-              <a:t>using</a:t>
-            </a:r>
-            <a:r>
-              <a:rPr lang="de-DE" sz="2000" dirty="0"/>
-              <a:t> </a:t>
-            </a:r>
-            <a:r>
-              <a:rPr lang="de-DE" sz="2000" dirty="0" err="1"/>
-              <a:t>structs</a:t>
-            </a:r>
-            <a:r>
-              <a:rPr lang="de-DE" sz="2000" dirty="0"/>
-              <a:t> </a:t>
-            </a:r>
-            <a:r>
-              <a:rPr lang="de-DE" sz="2000" dirty="0" err="1"/>
-              <a:t>provided</a:t>
-            </a:r>
-            <a:r>
-              <a:rPr lang="de-DE" sz="2000" dirty="0"/>
-              <a:t> </a:t>
-            </a:r>
-            <a:r>
-              <a:rPr lang="de-DE" sz="2000" dirty="0" err="1"/>
-              <a:t>by</a:t>
-            </a:r>
-            <a:r>
-              <a:rPr lang="de-DE" sz="2000" dirty="0"/>
-              <a:t> </a:t>
-            </a:r>
-            <a:r>
-              <a:rPr lang="de-DE" sz="2000" dirty="0" err="1"/>
-              <a:t>the</a:t>
-            </a:r>
-            <a:r>
-              <a:rPr lang="de-DE" sz="2000" dirty="0"/>
-              <a:t> web </a:t>
-            </a:r>
-            <a:r>
-              <a:rPr lang="de-DE" sz="2000" dirty="0" err="1"/>
-              <a:t>module</a:t>
-            </a:r>
             <a:endParaRPr lang="de-DE" sz="2000" dirty="0"/>
-          </a:p>
-          <a:p>
-            <a:endParaRPr lang="de-DE" sz="2000" dirty="0"/>
-          </a:p>
-          <a:p>
-            <a:r>
-              <a:rPr lang="de-DE" sz="2000" dirty="0" err="1"/>
-              <a:t>Example</a:t>
-            </a:r>
-            <a:r>
-              <a:rPr lang="de-DE" sz="2000" dirty="0"/>
-              <a:t>:</a:t>
-            </a:r>
-          </a:p>
-          <a:p>
-            <a:r>
-              <a:rPr lang="de-AT" b="0" dirty="0" err="1">
-                <a:solidFill>
-                  <a:srgbClr val="569CD6"/>
-                </a:solidFill>
-                <a:effectLst/>
-                <a:latin typeface="Menlo" panose="020B0609030804020204" pitchFamily="49" charset="0"/>
-              </a:rPr>
-              <a:t>fn</a:t>
-            </a:r>
-            <a:r>
-              <a:rPr lang="de-AT" b="0" dirty="0">
-                <a:solidFill>
-                  <a:srgbClr val="CCCCCC"/>
-                </a:solidFill>
-                <a:effectLst/>
-                <a:latin typeface="Menlo" panose="020B0609030804020204" pitchFamily="49" charset="0"/>
-              </a:rPr>
-              <a:t> </a:t>
-            </a:r>
-            <a:r>
-              <a:rPr lang="de-AT" b="0" dirty="0" err="1">
-                <a:solidFill>
-                  <a:srgbClr val="DCDCAA"/>
-                </a:solidFill>
-                <a:effectLst/>
-                <a:latin typeface="Menlo" panose="020B0609030804020204" pitchFamily="49" charset="0"/>
-              </a:rPr>
-              <a:t>get_params</a:t>
-            </a:r>
-            <a:r>
-              <a:rPr lang="de-AT" b="0" dirty="0">
-                <a:solidFill>
-                  <a:srgbClr val="CCCCCC"/>
-                </a:solidFill>
-                <a:effectLst/>
-                <a:latin typeface="Menlo" panose="020B0609030804020204" pitchFamily="49" charset="0"/>
-              </a:rPr>
-              <a:t>(</a:t>
-            </a:r>
-            <a:r>
-              <a:rPr lang="de-AT" b="0" dirty="0" err="1">
-                <a:solidFill>
-                  <a:srgbClr val="9CDCFE"/>
-                </a:solidFill>
-                <a:effectLst/>
-                <a:latin typeface="Menlo" panose="020B0609030804020204" pitchFamily="49" charset="0"/>
-              </a:rPr>
-              <a:t>info</a:t>
-            </a:r>
-            <a:r>
-              <a:rPr lang="de-AT" b="0" dirty="0">
-                <a:solidFill>
-                  <a:srgbClr val="D4D4D4"/>
-                </a:solidFill>
-                <a:effectLst/>
-                <a:latin typeface="Menlo" panose="020B0609030804020204" pitchFamily="49" charset="0"/>
-              </a:rPr>
-              <a:t>:</a:t>
-            </a:r>
-            <a:r>
-              <a:rPr lang="de-AT" b="0" dirty="0">
-                <a:solidFill>
-                  <a:srgbClr val="CCCCCC"/>
-                </a:solidFill>
-                <a:effectLst/>
-                <a:latin typeface="Menlo" panose="020B0609030804020204" pitchFamily="49" charset="0"/>
-              </a:rPr>
-              <a:t> </a:t>
-            </a:r>
-            <a:r>
-              <a:rPr lang="de-AT" b="0" dirty="0">
-                <a:solidFill>
-                  <a:srgbClr val="4EC9B0"/>
-                </a:solidFill>
-                <a:effectLst/>
-                <a:latin typeface="Menlo" panose="020B0609030804020204" pitchFamily="49" charset="0"/>
-              </a:rPr>
-              <a:t>web</a:t>
-            </a:r>
-            <a:r>
-              <a:rPr lang="de-AT" b="0" dirty="0">
-                <a:solidFill>
-                  <a:srgbClr val="D4D4D4"/>
-                </a:solidFill>
-                <a:effectLst/>
-                <a:latin typeface="Menlo" panose="020B0609030804020204" pitchFamily="49" charset="0"/>
-              </a:rPr>
-              <a:t>::</a:t>
-            </a:r>
-            <a:r>
-              <a:rPr lang="de-AT" b="0" dirty="0">
-                <a:solidFill>
-                  <a:srgbClr val="4EC9B0"/>
-                </a:solidFill>
-                <a:effectLst/>
-                <a:latin typeface="Menlo" panose="020B0609030804020204" pitchFamily="49" charset="0"/>
-              </a:rPr>
-              <a:t>Query</a:t>
-            </a:r>
-            <a:r>
-              <a:rPr lang="de-AT" b="0" dirty="0">
-                <a:solidFill>
-                  <a:srgbClr val="CCCCCC"/>
-                </a:solidFill>
-                <a:effectLst/>
-                <a:latin typeface="Menlo" panose="020B0609030804020204" pitchFamily="49" charset="0"/>
-              </a:rPr>
-              <a:t>&lt;</a:t>
-            </a:r>
-            <a:r>
-              <a:rPr lang="de-AT" b="0" dirty="0">
-                <a:solidFill>
-                  <a:srgbClr val="4EC9B0"/>
-                </a:solidFill>
-                <a:effectLst/>
-                <a:latin typeface="Menlo" panose="020B0609030804020204" pitchFamily="49" charset="0"/>
-              </a:rPr>
-              <a:t>Info</a:t>
-            </a:r>
-            <a:r>
-              <a:rPr lang="de-AT" b="0" dirty="0">
-                <a:solidFill>
-                  <a:srgbClr val="CCCCCC"/>
-                </a:solidFill>
-                <a:effectLst/>
-                <a:latin typeface="Menlo" panose="020B0609030804020204" pitchFamily="49" charset="0"/>
-              </a:rPr>
-              <a:t>&gt;) </a:t>
-            </a:r>
-            <a:r>
-              <a:rPr lang="de-AT" b="0" dirty="0">
-                <a:solidFill>
-                  <a:srgbClr val="D4D4D4"/>
-                </a:solidFill>
-                <a:effectLst/>
-                <a:latin typeface="Menlo" panose="020B0609030804020204" pitchFamily="49" charset="0"/>
-              </a:rPr>
-              <a:t>-&gt;</a:t>
-            </a:r>
-            <a:r>
-              <a:rPr lang="de-AT" b="0" dirty="0">
-                <a:solidFill>
-                  <a:srgbClr val="CCCCCC"/>
-                </a:solidFill>
-                <a:effectLst/>
-                <a:latin typeface="Menlo" panose="020B0609030804020204" pitchFamily="49" charset="0"/>
-              </a:rPr>
-              <a:t> </a:t>
-            </a:r>
-            <a:r>
-              <a:rPr lang="de-AT" b="0" dirty="0" err="1">
-                <a:solidFill>
-                  <a:srgbClr val="569CD6"/>
-                </a:solidFill>
-                <a:effectLst/>
-                <a:latin typeface="Menlo" panose="020B0609030804020204" pitchFamily="49" charset="0"/>
-              </a:rPr>
-              <a:t>impl</a:t>
-            </a:r>
-            <a:r>
-              <a:rPr lang="de-AT" b="0" dirty="0">
-                <a:solidFill>
-                  <a:srgbClr val="CCCCCC"/>
-                </a:solidFill>
-                <a:effectLst/>
-                <a:latin typeface="Menlo" panose="020B0609030804020204" pitchFamily="49" charset="0"/>
-              </a:rPr>
-              <a:t> </a:t>
-            </a:r>
-            <a:r>
-              <a:rPr lang="de-AT" b="0" dirty="0">
-                <a:solidFill>
-                  <a:srgbClr val="4EC9B0"/>
-                </a:solidFill>
-                <a:effectLst/>
-                <a:latin typeface="Menlo" panose="020B0609030804020204" pitchFamily="49" charset="0"/>
-              </a:rPr>
-              <a:t>Responder</a:t>
-            </a:r>
-          </a:p>
-          <a:p>
-            <a:endParaRPr lang="de-AT" sz="2000" dirty="0">
-              <a:solidFill>
-                <a:srgbClr val="4EC9B0"/>
-              </a:solidFill>
-              <a:latin typeface="Menlo" panose="020B0609030804020204" pitchFamily="49" charset="0"/>
-            </a:endParaRPr>
-          </a:p>
-          <a:p>
-            <a:endParaRPr lang="de-AT" sz="2000" b="0" dirty="0">
-              <a:solidFill>
-                <a:srgbClr val="4EC9B0"/>
-              </a:solidFill>
-              <a:effectLst/>
-              <a:latin typeface="Menlo" panose="020B0609030804020204" pitchFamily="49" charset="0"/>
-            </a:endParaRPr>
-          </a:p>
-          <a:p>
-            <a:r>
-              <a:rPr lang="de-AT" sz="2000" dirty="0"/>
-              <a:t>More possible </a:t>
-            </a:r>
-            <a:r>
-              <a:rPr lang="de-AT" sz="2000" dirty="0" err="1"/>
-              <a:t>extractors</a:t>
-            </a:r>
-            <a:r>
-              <a:rPr lang="de-AT" sz="2000" dirty="0"/>
-              <a:t>:</a:t>
-            </a:r>
-          </a:p>
-          <a:p>
-            <a:r>
-              <a:rPr lang="de-AT" b="0" dirty="0">
-                <a:solidFill>
-                  <a:srgbClr val="4EC9B0"/>
-                </a:solidFill>
-                <a:effectLst/>
-                <a:latin typeface="Menlo" panose="020B0609030804020204" pitchFamily="49" charset="0"/>
-              </a:rPr>
-              <a:t>Header</a:t>
-            </a:r>
-            <a:r>
-              <a:rPr lang="de-AT" b="0" dirty="0">
-                <a:solidFill>
-                  <a:srgbClr val="CCCCCC"/>
-                </a:solidFill>
-                <a:effectLst/>
-                <a:latin typeface="Menlo" panose="020B0609030804020204" pitchFamily="49" charset="0"/>
-              </a:rPr>
-              <a:t>, </a:t>
-            </a:r>
-            <a:r>
-              <a:rPr lang="de-AT" b="0" dirty="0">
-                <a:solidFill>
-                  <a:srgbClr val="4EC9B0"/>
-                </a:solidFill>
-                <a:effectLst/>
-                <a:latin typeface="Menlo" panose="020B0609030804020204" pitchFamily="49" charset="0"/>
-              </a:rPr>
-              <a:t>Path</a:t>
-            </a:r>
-            <a:r>
-              <a:rPr lang="de-AT" b="0" dirty="0">
-                <a:solidFill>
-                  <a:srgbClr val="CCCCCC"/>
-                </a:solidFill>
-                <a:effectLst/>
-                <a:latin typeface="Menlo" panose="020B0609030804020204" pitchFamily="49" charset="0"/>
-              </a:rPr>
-              <a:t>, </a:t>
-            </a:r>
-            <a:r>
-              <a:rPr lang="de-AT" b="0" dirty="0" err="1">
-                <a:solidFill>
-                  <a:srgbClr val="4EC9B0"/>
-                </a:solidFill>
-                <a:effectLst/>
-                <a:latin typeface="Menlo" panose="020B0609030804020204" pitchFamily="49" charset="0"/>
-              </a:rPr>
-              <a:t>Json</a:t>
-            </a:r>
-            <a:r>
-              <a:rPr lang="de-AT" b="0" dirty="0">
-                <a:solidFill>
-                  <a:srgbClr val="CCCCCC"/>
-                </a:solidFill>
-                <a:effectLst/>
-                <a:latin typeface="Menlo" panose="020B0609030804020204" pitchFamily="49" charset="0"/>
-              </a:rPr>
-              <a:t>, </a:t>
-            </a:r>
-            <a:r>
-              <a:rPr lang="de-AT" b="0" dirty="0">
-                <a:solidFill>
-                  <a:srgbClr val="4EC9B0"/>
-                </a:solidFill>
-                <a:effectLst/>
-                <a:latin typeface="Menlo" panose="020B0609030804020204" pitchFamily="49" charset="0"/>
-              </a:rPr>
-              <a:t>Form</a:t>
-            </a:r>
-            <a:r>
-              <a:rPr lang="de-AT" b="0" dirty="0">
-                <a:solidFill>
-                  <a:srgbClr val="CCCCCC"/>
-                </a:solidFill>
-                <a:effectLst/>
-                <a:latin typeface="Menlo" panose="020B0609030804020204" pitchFamily="49" charset="0"/>
-              </a:rPr>
-              <a:t>, </a:t>
-            </a:r>
-            <a:r>
-              <a:rPr lang="de-AT" b="0" dirty="0">
-                <a:solidFill>
-                  <a:srgbClr val="4EC9B0"/>
-                </a:solidFill>
-                <a:effectLst/>
-                <a:latin typeface="Menlo" panose="020B0609030804020204" pitchFamily="49" charset="0"/>
-              </a:rPr>
-              <a:t>Query</a:t>
-            </a:r>
-            <a:r>
-              <a:rPr lang="de-AT" b="0" dirty="0">
-                <a:solidFill>
-                  <a:srgbClr val="CCCCCC"/>
-                </a:solidFill>
-                <a:effectLst/>
-                <a:latin typeface="Menlo" panose="020B0609030804020204" pitchFamily="49" charset="0"/>
-              </a:rPr>
-              <a:t>, </a:t>
-            </a:r>
-            <a:r>
-              <a:rPr lang="de-AT" b="0" dirty="0">
-                <a:solidFill>
-                  <a:srgbClr val="4EC9B0"/>
-                </a:solidFill>
-                <a:effectLst/>
-                <a:latin typeface="Menlo" panose="020B0609030804020204" pitchFamily="49" charset="0"/>
-              </a:rPr>
-              <a:t>Bytes</a:t>
-            </a:r>
-            <a:r>
-              <a:rPr lang="de-AT" b="0" dirty="0">
-                <a:solidFill>
-                  <a:srgbClr val="CCCCCC"/>
-                </a:solidFill>
-                <a:effectLst/>
-                <a:latin typeface="Menlo" panose="020B0609030804020204" pitchFamily="49" charset="0"/>
-              </a:rPr>
-              <a:t>, </a:t>
-            </a:r>
-            <a:r>
-              <a:rPr lang="de-AT" b="0" dirty="0">
-                <a:solidFill>
-                  <a:srgbClr val="4EC9B0"/>
-                </a:solidFill>
-                <a:effectLst/>
-                <a:latin typeface="Menlo" panose="020B0609030804020204" pitchFamily="49" charset="0"/>
-              </a:rPr>
-              <a:t>String</a:t>
-            </a:r>
-            <a:endParaRPr lang="de-AT" b="0" dirty="0">
-              <a:solidFill>
-                <a:srgbClr val="CCCCCC"/>
-              </a:solidFill>
-              <a:effectLst/>
-              <a:latin typeface="Menlo" panose="020B0609030804020204" pitchFamily="49" charset="0"/>
-            </a:endParaRPr>
           </a:p>
           <a:p>
             <a:endParaRPr lang="de-AT" sz="1600" b="0" dirty="0">
@@ -12277,6 +14179,147 @@
   <p:clrMapOvr>
     <a:masterClrMapping/>
   </p:clrMapOvr>
+  <p:timing>
+    <p:tnLst>
+      <p:par>
+        <p:cTn id="1" dur="indefinite" restart="never" nodeType="tmRoot">
+          <p:childTnLst>
+            <p:seq concurrent="1" nextAc="seek">
+              <p:cTn id="2" dur="indefinite" nodeType="mainSeq">
+                <p:childTnLst>
+                  <p:par>
+                    <p:cTn id="3" fill="hold">
+                      <p:stCondLst>
+                        <p:cond delay="indefinite"/>
+                      </p:stCondLst>
+                      <p:childTnLst>
+                        <p:par>
+                          <p:cTn id="4" fill="hold">
+                            <p:stCondLst>
+                              <p:cond delay="0"/>
+                            </p:stCondLst>
+                            <p:childTnLst>
+                              <p:par>
+                                <p:cTn id="5" presetID="1" presetClass="entr" presetSubtype="0" fill="hold" nodeType="clickEffect">
+                                  <p:stCondLst>
+                                    <p:cond delay="0"/>
+                                  </p:stCondLst>
+                                  <p:childTnLst>
+                                    <p:set>
+                                      <p:cBhvr>
+                                        <p:cTn id="6" dur="1" fill="hold">
+                                          <p:stCondLst>
+                                            <p:cond delay="0"/>
+                                          </p:stCondLst>
+                                        </p:cTn>
+                                        <p:tgtEl>
+                                          <p:spTgt spid="7">
+                                            <p:txEl>
+                                              <p:pRg st="2" end="2"/>
+                                            </p:txEl>
+                                          </p:spTgt>
+                                        </p:tgtEl>
+                                        <p:attrNameLst>
+                                          <p:attrName>style.visibility</p:attrName>
+                                        </p:attrNameLst>
+                                      </p:cBhvr>
+                                      <p:to>
+                                        <p:strVal val="visible"/>
+                                      </p:to>
+                                    </p:set>
+                                  </p:childTnLst>
+                                </p:cTn>
+                              </p:par>
+                              <p:par>
+                                <p:cTn id="7" presetID="1" presetClass="entr" presetSubtype="0" fill="hold" nodeType="withEffect">
+                                  <p:stCondLst>
+                                    <p:cond delay="0"/>
+                                  </p:stCondLst>
+                                  <p:childTnLst>
+                                    <p:set>
+                                      <p:cBhvr>
+                                        <p:cTn id="8" dur="1" fill="hold">
+                                          <p:stCondLst>
+                                            <p:cond delay="0"/>
+                                          </p:stCondLst>
+                                        </p:cTn>
+                                        <p:tgtEl>
+                                          <p:spTgt spid="7">
+                                            <p:txEl>
+                                              <p:pRg st="4" end="4"/>
+                                            </p:txEl>
+                                          </p:spTgt>
+                                        </p:tgtEl>
+                                        <p:attrNameLst>
+                                          <p:attrName>style.visibility</p:attrName>
+                                        </p:attrNameLst>
+                                      </p:cBhvr>
+                                      <p:to>
+                                        <p:strVal val="visible"/>
+                                      </p:to>
+                                    </p:set>
+                                  </p:childTnLst>
+                                </p:cTn>
+                              </p:par>
+                              <p:par>
+                                <p:cTn id="9" presetID="1" presetClass="entr" presetSubtype="0" fill="hold" nodeType="withEffect">
+                                  <p:stCondLst>
+                                    <p:cond delay="0"/>
+                                  </p:stCondLst>
+                                  <p:childTnLst>
+                                    <p:set>
+                                      <p:cBhvr>
+                                        <p:cTn id="10" dur="1" fill="hold">
+                                          <p:stCondLst>
+                                            <p:cond delay="0"/>
+                                          </p:stCondLst>
+                                        </p:cTn>
+                                        <p:tgtEl>
+                                          <p:spTgt spid="7">
+                                            <p:txEl>
+                                              <p:pRg st="5" end="5"/>
+                                            </p:txEl>
+                                          </p:spTgt>
+                                        </p:tgtEl>
+                                        <p:attrNameLst>
+                                          <p:attrName>style.visibility</p:attrName>
+                                        </p:attrNameLst>
+                                      </p:cBhvr>
+                                      <p:to>
+                                        <p:strVal val="visible"/>
+                                      </p:to>
+                                    </p:set>
+                                  </p:childTnLst>
+                                </p:cTn>
+                              </p:par>
+                            </p:childTnLst>
+                          </p:cTn>
+                        </p:par>
+                      </p:childTnLst>
+                    </p:cTn>
+                  </p:par>
+                </p:childTnLst>
+              </p:cTn>
+              <p:prevCondLst>
+                <p:cond evt="onPrev" delay="0">
+                  <p:tgtEl>
+                    <p:sldTgt/>
+                  </p:tgtEl>
+                </p:cond>
+              </p:prevCondLst>
+              <p:nextCondLst>
+                <p:cond evt="onNext" delay="0">
+                  <p:tgtEl>
+                    <p:sldTgt/>
+                  </p:tgtEl>
+                </p:cond>
+              </p:nextCondLst>
+            </p:seq>
+          </p:childTnLst>
+        </p:cTn>
+      </p:par>
+    </p:tnLst>
+  </p:timing>
 </p:sld>
 </file>
 
@@ -12573,4 +14616,594 @@
     </a:ext>
   </a:extLst>
 </a:theme>
+</file>
+
+<file path=ppt/theme/theme2.xml><?xml version="1.0" encoding="utf-8"?>
+<a:theme xmlns:a="http://schemas.openxmlformats.org/drawingml/2006/main" name="Office">
+  <a:themeElements>
+    <a:clrScheme name="Office">
+      <a:dk1>
+        <a:sysClr val="windowText" lastClr="000000"/>
+      </a:dk1>
+      <a:lt1>
+        <a:sysClr val="window" lastClr="FFFFFF"/>
+      </a:lt1>
+      <a:dk2>
+        <a:srgbClr val="44546A"/>
+      </a:dk2>
+      <a:lt2>
+        <a:srgbClr val="E7E6E6"/>
+      </a:lt2>
+      <a:accent1>
+        <a:srgbClr val="4472C4"/>
+      </a:accent1>
+      <a:accent2>
+        <a:srgbClr val="ED7D31"/>
+      </a:accent2>
+      <a:accent3>
+        <a:srgbClr val="A5A5A5"/>
+      </a:accent3>
+      <a:accent4>
+        <a:srgbClr val="FFC000"/>
+      </a:accent4>
+      <a:accent5>
+        <a:srgbClr val="5B9BD5"/>
+      </a:accent5>
+      <a:accent6>
+        <a:srgbClr val="70AD47"/>
+      </a:accent6>
+      <a:hlink>
+        <a:srgbClr val="0563C1"/>
+      </a:hlink>
+      <a:folHlink>
+        <a:srgbClr val="954F72"/>
+      </a:folHlink>
+    </a:clrScheme>
+    <a:fontScheme name="Office">
+      <a:majorFont>
+        <a:latin typeface="Calibri Light" panose="020F0302020204030204"/>
+        <a:ea typeface=""/>
+        <a:cs typeface=""/>
+        <a:font script="Jpan" typeface="游ゴシック Light"/>
+        <a:font script="Hang" typeface="맑은 고딕"/>
+        <a:font script="Hans" typeface="等线 Light"/>
+        <a:font script="Hant" typeface="新細明體"/>
+        <a:font script="Arab" typeface="Times New Roman"/>
+        <a:font script="Hebr" typeface="Times New Roman"/>
+        <a:font script="Thai" typeface="Angsana New"/>
+        <a:font script="Ethi" typeface="Nyala"/>
+        <a:font script="Beng" typeface="Vrinda"/>
+        <a:font script="Gujr" typeface="Shruti"/>
+        <a:font script="Khmr" typeface="MoolBoran"/>
+        <a:font script="Knda" typeface="Tunga"/>
+        <a:font script="Guru" typeface="Raavi"/>
+        <a:font script="Cans" typeface="Euphemia"/>
+        <a:font script="Cher" typeface="Plantagenet Cherokee"/>
+        <a:font script="Yiii" typeface="Microsoft Yi Baiti"/>
+        <a:font script="Tibt" typeface="Microsoft Himalaya"/>
+        <a:font script="Thaa" typeface="MV Boli"/>
+        <a:font script="Deva" typeface="Mangal"/>
+        <a:font script="Telu" typeface="Gautami"/>
+        <a:font script="Taml" typeface="Latha"/>
+        <a:font script="Syrc" typeface="Estrangelo Edessa"/>
+        <a:font script="Orya" typeface="Kalinga"/>
+        <a:font script="Mlym" typeface="Kartika"/>
+        <a:font script="Laoo" typeface="DokChampa"/>
+        <a:font script="Sinh" typeface="Iskoola Pota"/>
+        <a:font script="Mong" typeface="Mongolian Baiti"/>
+        <a:font script="Viet" typeface="Times New Roman"/>
+        <a:font script="Uigh" typeface="Microsoft Uighur"/>
+        <a:font script="Geor" typeface="Sylfaen"/>
+        <a:font script="Armn" typeface="Arial"/>
+        <a:font script="Bugi" typeface="Leelawadee UI"/>
+        <a:font script="Bopo" typeface="Microsoft JhengHei"/>
+        <a:font script="Java" typeface="Javanese Text"/>
+        <a:font script="Lisu" typeface="Segoe UI"/>
+        <a:font script="Mymr" typeface="Myanmar Text"/>
+        <a:font script="Nkoo" typeface="Ebrima"/>
+        <a:font script="Olck" typeface="Nirmala UI"/>
+        <a:font script="Osma" typeface="Ebrima"/>
+        <a:font script="Phag" typeface="Phagspa"/>
+        <a:font script="Syrn" typeface="Estrangelo Edessa"/>
+        <a:font script="Syrj" typeface="Estrangelo Edessa"/>
+        <a:font script="Syre" typeface="Estrangelo Edessa"/>
+        <a:font script="Sora" typeface="Nirmala UI"/>
+        <a:font script="Tale" typeface="Microsoft Tai Le"/>
+        <a:font script="Talu" typeface="Microsoft New Tai Lue"/>
+        <a:font script="Tfng" typeface="Ebrima"/>
+      </a:majorFont>
+      <a:minorFont>
+        <a:latin typeface="Calibri" panose="020F0502020204030204"/>
+        <a:ea typeface=""/>
+        <a:cs typeface=""/>
+        <a:font script="Jpan" typeface="游ゴシック"/>
+        <a:font script="Hang" typeface="맑은 고딕"/>
+        <a:font script="Hans" typeface="等线"/>
+        <a:font script="Hant" typeface="新細明體"/>
+        <a:font script="Arab" typeface="Arial"/>
+        <a:font script="Hebr" typeface="Arial"/>
+        <a:font script="Thai" typeface="Cordia New"/>
+        <a:font script="Ethi" typeface="Nyala"/>
+        <a:font script="Beng" typeface="Vrinda"/>
+        <a:font script="Gujr" typeface="Shruti"/>
+        <a:font script="Khmr" typeface="DaunPenh"/>
+        <a:font script="Knda" typeface="Tunga"/>
+        <a:font script="Guru" typeface="Raavi"/>
+        <a:font script="Cans" typeface="Euphemia"/>
+        <a:font script="Cher" typeface="Plantagenet Cherokee"/>
+        <a:font script="Yiii" typeface="Microsoft Yi Baiti"/>
+        <a:font script="Tibt" typeface="Microsoft Himalaya"/>
+        <a:font script="Thaa" typeface="MV Boli"/>
+        <a:font script="Deva" typeface="Mangal"/>
+        <a:font script="Telu" typeface="Gautami"/>
+        <a:font script="Taml" typeface="Latha"/>
+        <a:font script="Syrc" typeface="Estrangelo Edessa"/>
+        <a:font script="Orya" typeface="Kalinga"/>
+        <a:font script="Mlym" typeface="Kartika"/>
+        <a:font script="Laoo" typeface="DokChampa"/>
+        <a:font script="Sinh" typeface="Iskoola Pota"/>
+        <a:font script="Mong" typeface="Mongolian Baiti"/>
+        <a:font script="Viet" typeface="Arial"/>
+        <a:font script="Uigh" typeface="Microsoft Uighur"/>
+        <a:font script="Geor" typeface="Sylfaen"/>
+        <a:font script="Armn" typeface="Arial"/>
+        <a:font script="Bugi" typeface="Leelawadee UI"/>
+        <a:font script="Bopo" typeface="Microsoft JhengHei"/>
+        <a:font script="Java" typeface="Javanese Text"/>
+        <a:font script="Lisu" typeface="Segoe UI"/>
+        <a:font script="Mymr" typeface="Myanmar Text"/>
+        <a:font script="Nkoo" typeface="Ebrima"/>
+        <a:font script="Olck" typeface="Nirmala UI"/>
+        <a:font script="Osma" typeface="Ebrima"/>
+        <a:font script="Phag" typeface="Phagspa"/>
+        <a:font script="Syrn" typeface="Estrangelo Edessa"/>
+        <a:font script="Syrj" typeface="Estrangelo Edessa"/>
+        <a:font script="Syre" typeface="Estrangelo Edessa"/>
+        <a:font script="Sora" typeface="Nirmala UI"/>
+        <a:font script="Tale" typeface="Microsoft Tai Le"/>
+        <a:font script="Talu" typeface="Microsoft New Tai Lue"/>
+        <a:font script="Tfng" typeface="Ebrima"/>
+      </a:minorFont>
+    </a:fontScheme>
+    <a:fmtScheme name="Office">
+      <a:fillStyleLst>
+        <a:solidFill>
+          <a:schemeClr val="phClr"/>
+        </a:solidFill>
+        <a:gradFill rotWithShape="1">
+          <a:gsLst>
+            <a:gs pos="0">
+              <a:schemeClr val="phClr">
+                <a:lumMod val="110000"/>
+                <a:satMod val="105000"/>
+                <a:tint val="67000"/>
+              </a:schemeClr>
+            </a:gs>
+            <a:gs pos="50000">
+              <a:schemeClr val="phClr">
+                <a:lumMod val="105000"/>
+                <a:satMod val="103000"/>
+                <a:tint val="73000"/>
+              </a:schemeClr>
+            </a:gs>
+            <a:gs pos="100000">
+              <a:schemeClr val="phClr">
+                <a:lumMod val="105000"/>
+                <a:satMod val="109000"/>
+                <a:tint val="81000"/>
+              </a:schemeClr>
+            </a:gs>
+          </a:gsLst>
+          <a:lin ang="5400000" scaled="0"/>
+        </a:gradFill>
+        <a:gradFill rotWithShape="1">
+          <a:gsLst>
+            <a:gs pos="0">
+              <a:schemeClr val="phClr">
+                <a:satMod val="103000"/>
+                <a:lumMod val="102000"/>
+                <a:tint val="94000"/>
+              </a:schemeClr>
+            </a:gs>
+            <a:gs pos="50000">
+              <a:schemeClr val="phClr">
+                <a:satMod val="110000"/>
+                <a:lumMod val="100000"/>
+                <a:shade val="100000"/>
+              </a:schemeClr>
+            </a:gs>
+            <a:gs pos="100000">
+              <a:schemeClr val="phClr">
+                <a:lumMod val="99000"/>
+                <a:satMod val="120000"/>
+                <a:shade val="78000"/>
+              </a:schemeClr>
+            </a:gs>
+          </a:gsLst>
+          <a:lin ang="5400000" scaled="0"/>
+        </a:gradFill>
+      </a:fillStyleLst>
+      <a:lnStyleLst>
+        <a:ln w="6350" cap="flat" cmpd="sng" algn="ctr">
+          <a:solidFill>
+            <a:schemeClr val="phClr"/>
+          </a:solidFill>
+          <a:prstDash val="solid"/>
+          <a:miter lim="800000"/>
+        </a:ln>
+        <a:ln w="12700" cap="flat" cmpd="sng" algn="ctr">
+          <a:solidFill>
+            <a:schemeClr val="phClr"/>
+          </a:solidFill>
+          <a:prstDash val="solid"/>
+          <a:miter lim="800000"/>
+        </a:ln>
+        <a:ln w="19050" cap="flat" cmpd="sng" algn="ctr">
+          <a:solidFill>
+            <a:schemeClr val="phClr"/>
+          </a:solidFill>
+          <a:prstDash val="solid"/>
+          <a:miter lim="800000"/>
+        </a:ln>
+      </a:lnStyleLst>
+      <a:effectStyleLst>
+        <a:effectStyle>
+          <a:effectLst/>
+        </a:effectStyle>
+        <a:effectStyle>
+          <a:effectLst/>
+        </a:effectStyle>
+        <a:effectStyle>
+          <a:effectLst>
+            <a:outerShdw blurRad="57150" dist="19050" dir="5400000" algn="ctr" rotWithShape="0">
+              <a:srgbClr val="000000">
+                <a:alpha val="63000"/>
+              </a:srgbClr>
+            </a:outerShdw>
+          </a:effectLst>
+        </a:effectStyle>
+      </a:effectStyleLst>
+      <a:bgFillStyleLst>
+        <a:solidFill>
+          <a:schemeClr val="phClr"/>
+        </a:solidFill>
+        <a:solidFill>
+          <a:schemeClr val="phClr">
+            <a:tint val="95000"/>
+            <a:satMod val="170000"/>
+          </a:schemeClr>
+        </a:solidFill>
+        <a:gradFill rotWithShape="1">
+          <a:gsLst>
+            <a:gs pos="0">
+              <a:schemeClr val="phClr">
+                <a:tint val="93000"/>
+                <a:satMod val="150000"/>
+                <a:shade val="98000"/>
+                <a:lumMod val="102000"/>
+              </a:schemeClr>
+            </a:gs>
+            <a:gs pos="50000">
+              <a:schemeClr val="phClr">
+                <a:tint val="98000"/>
+                <a:satMod val="130000"/>
+                <a:shade val="90000"/>
+                <a:lumMod val="103000"/>
+              </a:schemeClr>
+            </a:gs>
+            <a:gs pos="100000">
+              <a:schemeClr val="phClr">
+                <a:shade val="63000"/>
+                <a:satMod val="120000"/>
+              </a:schemeClr>
+            </a:gs>
+          </a:gsLst>
+          <a:lin ang="5400000" scaled="0"/>
+        </a:gradFill>
+      </a:bgFillStyleLst>
+    </a:fmtScheme>
+  </a:themeElements>
+  <a:objectDefaults/>
+  <a:extraClrSchemeLst/>
+  <a:extLst>
+    <a:ext uri="{05A4C25C-085E-4340-85A3-A5531E510DB2}">
+      <thm15:themeFamily xmlns:thm15="http://schemas.microsoft.com/office/thememl/2012/main" name="Office Theme" id="{62F939B6-93AF-4DB8-9C6B-D6C7DFDC589F}" vid="{4A3C46E8-61CC-4603-A589-7422A47A8E4A}"/>
+    </a:ext>
+  </a:extLst>
+</a:theme>
+</file>
+
+<file path=ppt/theme/theme3.xml><?xml version="1.0" encoding="utf-8"?>
+<a:theme xmlns:a="http://schemas.openxmlformats.org/drawingml/2006/main" name="Office">
+  <a:themeElements>
+    <a:clrScheme name="Office">
+      <a:dk1>
+        <a:sysClr val="windowText" lastClr="000000"/>
+      </a:dk1>
+      <a:lt1>
+        <a:sysClr val="window" lastClr="FFFFFF"/>
+      </a:lt1>
+      <a:dk2>
+        <a:srgbClr val="44546A"/>
+      </a:dk2>
+      <a:lt2>
+        <a:srgbClr val="E7E6E6"/>
+      </a:lt2>
+      <a:accent1>
+        <a:srgbClr val="4472C4"/>
+      </a:accent1>
+      <a:accent2>
+        <a:srgbClr val="ED7D31"/>
+      </a:accent2>
+      <a:accent3>
+        <a:srgbClr val="A5A5A5"/>
+      </a:accent3>
+      <a:accent4>
+        <a:srgbClr val="FFC000"/>
+      </a:accent4>
+      <a:accent5>
+        <a:srgbClr val="5B9BD5"/>
+      </a:accent5>
+      <a:accent6>
+        <a:srgbClr val="70AD47"/>
+      </a:accent6>
+      <a:hlink>
+        <a:srgbClr val="0563C1"/>
+      </a:hlink>
+      <a:folHlink>
+        <a:srgbClr val="954F72"/>
+      </a:folHlink>
+    </a:clrScheme>
+    <a:fontScheme name="Office">
+      <a:majorFont>
+        <a:latin typeface="Calibri Light" panose="020F0302020204030204"/>
+        <a:ea typeface=""/>
+        <a:cs typeface=""/>
+        <a:font script="Jpan" typeface="游ゴシック Light"/>
+        <a:font script="Hang" typeface="맑은 고딕"/>
+        <a:font script="Hans" typeface="等线 Light"/>
+        <a:font script="Hant" typeface="新細明體"/>
+        <a:font script="Arab" typeface="Times New Roman"/>
+        <a:font script="Hebr" typeface="Times New Roman"/>
+        <a:font script="Thai" typeface="Angsana New"/>
+        <a:font script="Ethi" typeface="Nyala"/>
+        <a:font script="Beng" typeface="Vrinda"/>
+        <a:font script="Gujr" typeface="Shruti"/>
+        <a:font script="Khmr" typeface="MoolBoran"/>
+        <a:font script="Knda" typeface="Tunga"/>
+        <a:font script="Guru" typeface="Raavi"/>
+        <a:font script="Cans" typeface="Euphemia"/>
+        <a:font script="Cher" typeface="Plantagenet Cherokee"/>
+        <a:font script="Yiii" typeface="Microsoft Yi Baiti"/>
+        <a:font script="Tibt" typeface="Microsoft Himalaya"/>
+        <a:font script="Thaa" typeface="MV Boli"/>
+        <a:font script="Deva" typeface="Mangal"/>
+        <a:font script="Telu" typeface="Gautami"/>
+        <a:font script="Taml" typeface="Latha"/>
+        <a:font script="Syrc" typeface="Estrangelo Edessa"/>
+        <a:font script="Orya" typeface="Kalinga"/>
+        <a:font script="Mlym" typeface="Kartika"/>
+        <a:font script="Laoo" typeface="DokChampa"/>
+        <a:font script="Sinh" typeface="Iskoola Pota"/>
+        <a:font script="Mong" typeface="Mongolian Baiti"/>
+        <a:font script="Viet" typeface="Times New Roman"/>
+        <a:font script="Uigh" typeface="Microsoft Uighur"/>
+        <a:font script="Geor" typeface="Sylfaen"/>
+        <a:font script="Armn" typeface="Arial"/>
+        <a:font script="Bugi" typeface="Leelawadee UI"/>
+        <a:font script="Bopo" typeface="Microsoft JhengHei"/>
+        <a:font script="Java" typeface="Javanese Text"/>
+        <a:font script="Lisu" typeface="Segoe UI"/>
+        <a:font script="Mymr" typeface="Myanmar Text"/>
+        <a:font script="Nkoo" typeface="Ebrima"/>
+        <a:font script="Olck" typeface="Nirmala UI"/>
+        <a:font script="Osma" typeface="Ebrima"/>
+        <a:font script="Phag" typeface="Phagspa"/>
+        <a:font script="Syrn" typeface="Estrangelo Edessa"/>
+        <a:font script="Syrj" typeface="Estrangelo Edessa"/>
+        <a:font script="Syre" typeface="Estrangelo Edessa"/>
+        <a:font script="Sora" typeface="Nirmala UI"/>
+        <a:font script="Tale" typeface="Microsoft Tai Le"/>
+        <a:font script="Talu" typeface="Microsoft New Tai Lue"/>
+        <a:font script="Tfng" typeface="Ebrima"/>
+      </a:majorFont>
+      <a:minorFont>
+        <a:latin typeface="Calibri" panose="020F0502020204030204"/>
+        <a:ea typeface=""/>
+        <a:cs typeface=""/>
+        <a:font script="Jpan" typeface="游ゴシック"/>
+        <a:font script="Hang" typeface="맑은 고딕"/>
+        <a:font script="Hans" typeface="等线"/>
+        <a:font script="Hant" typeface="新細明體"/>
+        <a:font script="Arab" typeface="Arial"/>
+        <a:font script="Hebr" typeface="Arial"/>
+        <a:font script="Thai" typeface="Cordia New"/>
+        <a:font script="Ethi" typeface="Nyala"/>
+        <a:font script="Beng" typeface="Vrinda"/>
+        <a:font script="Gujr" typeface="Shruti"/>
+        <a:font script="Khmr" typeface="DaunPenh"/>
+        <a:font script="Knda" typeface="Tunga"/>
+        <a:font script="Guru" typeface="Raavi"/>
+        <a:font script="Cans" typeface="Euphemia"/>
+        <a:font script="Cher" typeface="Plantagenet Cherokee"/>
+        <a:font script="Yiii" typeface="Microsoft Yi Baiti"/>
+        <a:font script="Tibt" typeface="Microsoft Himalaya"/>
+        <a:font script="Thaa" typeface="MV Boli"/>
+        <a:font script="Deva" typeface="Mangal"/>
+        <a:font script="Telu" typeface="Gautami"/>
+        <a:font script="Taml" typeface="Latha"/>
+        <a:font script="Syrc" typeface="Estrangelo Edessa"/>
+        <a:font script="Orya" typeface="Kalinga"/>
+        <a:font script="Mlym" typeface="Kartika"/>
+        <a:font script="Laoo" typeface="DokChampa"/>
+        <a:font script="Sinh" typeface="Iskoola Pota"/>
+        <a:font script="Mong" typeface="Mongolian Baiti"/>
+        <a:font script="Viet" typeface="Arial"/>
+        <a:font script="Uigh" typeface="Microsoft Uighur"/>
+        <a:font script="Geor" typeface="Sylfaen"/>
+        <a:font script="Armn" typeface="Arial"/>
+        <a:font script="Bugi" typeface="Leelawadee UI"/>
+        <a:font script="Bopo" typeface="Microsoft JhengHei"/>
+        <a:font script="Java" typeface="Javanese Text"/>
+        <a:font script="Lisu" typeface="Segoe UI"/>
+        <a:font script="Mymr" typeface="Myanmar Text"/>
+        <a:font script="Nkoo" typeface="Ebrima"/>
+        <a:font script="Olck" typeface="Nirmala UI"/>
+        <a:font script="Osma" typeface="Ebrima"/>
+        <a:font script="Phag" typeface="Phagspa"/>
+        <a:font script="Syrn" typeface="Estrangelo Edessa"/>
+        <a:font script="Syrj" typeface="Estrangelo Edessa"/>
+        <a:font script="Syre" typeface="Estrangelo Edessa"/>
+        <a:font script="Sora" typeface="Nirmala UI"/>
+        <a:font script="Tale" typeface="Microsoft Tai Le"/>
+        <a:font script="Talu" typeface="Microsoft New Tai Lue"/>
+        <a:font script="Tfng" typeface="Ebrima"/>
+      </a:minorFont>
+    </a:fontScheme>
+    <a:fmtScheme name="Office">
+      <a:fillStyleLst>
+        <a:solidFill>
+          <a:schemeClr val="phClr"/>
+        </a:solidFill>
+        <a:gradFill rotWithShape="1">
+          <a:gsLst>
+            <a:gs pos="0">
+              <a:schemeClr val="phClr">
+                <a:lumMod val="110000"/>
+                <a:satMod val="105000"/>
+                <a:tint val="67000"/>
+              </a:schemeClr>
+            </a:gs>
+            <a:gs pos="50000">
+              <a:schemeClr val="phClr">
+                <a:lumMod val="105000"/>
+                <a:satMod val="103000"/>
+                <a:tint val="73000"/>
+              </a:schemeClr>
+            </a:gs>
+            <a:gs pos="100000">
+              <a:schemeClr val="phClr">
+                <a:lumMod val="105000"/>
+                <a:satMod val="109000"/>
+                <a:tint val="81000"/>
+              </a:schemeClr>
+            </a:gs>
+          </a:gsLst>
+          <a:lin ang="5400000" scaled="0"/>
+        </a:gradFill>
+        <a:gradFill rotWithShape="1">
+          <a:gsLst>
+            <a:gs pos="0">
+              <a:schemeClr val="phClr">
+                <a:satMod val="103000"/>
+                <a:lumMod val="102000"/>
+                <a:tint val="94000"/>
+              </a:schemeClr>
+            </a:gs>
+            <a:gs pos="50000">
+              <a:schemeClr val="phClr">
+                <a:satMod val="110000"/>
+                <a:lumMod val="100000"/>
+                <a:shade val="100000"/>
+              </a:schemeClr>
+            </a:gs>
+            <a:gs pos="100000">
+              <a:schemeClr val="phClr">
+                <a:lumMod val="99000"/>
+                <a:satMod val="120000"/>
+                <a:shade val="78000"/>
+              </a:schemeClr>
+            </a:gs>
+          </a:gsLst>
+          <a:lin ang="5400000" scaled="0"/>
+        </a:gradFill>
+      </a:fillStyleLst>
+      <a:lnStyleLst>
+        <a:ln w="6350" cap="flat" cmpd="sng" algn="ctr">
+          <a:solidFill>
+            <a:schemeClr val="phClr"/>
+          </a:solidFill>
+          <a:prstDash val="solid"/>
+          <a:miter lim="800000"/>
+        </a:ln>
+        <a:ln w="12700" cap="flat" cmpd="sng" algn="ctr">
+          <a:solidFill>
+            <a:schemeClr val="phClr"/>
+          </a:solidFill>
+          <a:prstDash val="solid"/>
+          <a:miter lim="800000"/>
+        </a:ln>
+        <a:ln w="19050" cap="flat" cmpd="sng" algn="ctr">
+          <a:solidFill>
+            <a:schemeClr val="phClr"/>
+          </a:solidFill>
+          <a:prstDash val="solid"/>
+          <a:miter lim="800000"/>
+        </a:ln>
+      </a:lnStyleLst>
+      <a:effectStyleLst>
+        <a:effectStyle>
+          <a:effectLst/>
+        </a:effectStyle>
+        <a:effectStyle>
+          <a:effectLst/>
+        </a:effectStyle>
+        <a:effectStyle>
+          <a:effectLst>
+            <a:outerShdw blurRad="57150" dist="19050" dir="5400000" algn="ctr" rotWithShape="0">
+              <a:srgbClr val="000000">
+                <a:alpha val="63000"/>
+              </a:srgbClr>
+            </a:outerShdw>
+          </a:effectLst>
+        </a:effectStyle>
+      </a:effectStyleLst>
+      <a:bgFillStyleLst>
+        <a:solidFill>
+          <a:schemeClr val="phClr"/>
+        </a:solidFill>
+        <a:solidFill>
+          <a:schemeClr val="phClr">
+            <a:tint val="95000"/>
+            <a:satMod val="170000"/>
+          </a:schemeClr>
+        </a:solidFill>
+        <a:gradFill rotWithShape="1">
+          <a:gsLst>
+            <a:gs pos="0">
+              <a:schemeClr val="phClr">
+                <a:tint val="93000"/>
+                <a:satMod val="150000"/>
+                <a:shade val="98000"/>
+                <a:lumMod val="102000"/>
+              </a:schemeClr>
+            </a:gs>
+            <a:gs pos="50000">
+              <a:schemeClr val="phClr">
+                <a:tint val="98000"/>
+                <a:satMod val="130000"/>
+                <a:shade val="90000"/>
+                <a:lumMod val="103000"/>
+              </a:schemeClr>
+            </a:gs>
+            <a:gs pos="100000">
+              <a:schemeClr val="phClr">
+                <a:shade val="63000"/>
+                <a:satMod val="120000"/>
+              </a:schemeClr>
+            </a:gs>
+          </a:gsLst>
+          <a:lin ang="5400000" scaled="0"/>
+        </a:gradFill>
+      </a:bgFillStyleLst>
+    </a:fmtScheme>
+  </a:themeElements>
+  <a:objectDefaults/>
+  <a:extraClrSchemeLst/>
+  <a:extLst>
+    <a:ext uri="{05A4C25C-085E-4340-85A3-A5531E510DB2}">
+      <thm15:themeFamily xmlns:thm15="http://schemas.microsoft.com/office/thememl/2012/main" name="Office Theme" id="{62F939B6-93AF-4DB8-9C6B-D6C7DFDC589F}" vid="{4A3C46E8-61CC-4603-A589-7422A47A8E4A}"/>
+    </a:ext>
+  </a:extLst>
+</a:theme>
 </file>